--- a/zx-note/src/test/graph/lucene/lucene-core/codecs/索引文件格式/Lucene索引文件.pptx
+++ b/zx-note/src/test/graph/lucene/lucene-core/codecs/索引文件格式/Lucene索引文件.pptx
@@ -3,16 +3,19 @@
 <p:presentation xmlns:a="http://schemas.openxmlformats.org/drawingml/2006/main" xmlns:r="http://schemas.openxmlformats.org/officeDocument/2006/relationships" xmlns:p="http://schemas.openxmlformats.org/presentationml/2006/main">
   <p:sldMasterIdLst>
     <p:sldMasterId id="2147483648" r:id="rId1"/>
-    <p:sldMasterId id="2147483660" r:id="rId3"/>
+    <p:sldMasterId id="2147483660" r:id="rId2"/>
   </p:sldMasterIdLst>
   <p:sldIdLst>
-    <p:sldId id="259" r:id="rId4"/>
-    <p:sldId id="257" r:id="rId5"/>
+    <p:sldId id="259" r:id="rId3"/>
+    <p:sldId id="257" r:id="rId4"/>
+    <p:sldId id="271" r:id="rId5"/>
     <p:sldId id="264" r:id="rId6"/>
     <p:sldId id="268" r:id="rId7"/>
     <p:sldId id="263" r:id="rId8"/>
     <p:sldId id="256" r:id="rId9"/>
     <p:sldId id="258" r:id="rId10"/>
+    <p:sldId id="269" r:id="rId11"/>
+    <p:sldId id="270" r:id="rId12"/>
   </p:sldIdLst>
   <p:sldSz cx="12192000" cy="6858000"/>
   <p:notesSz cx="6858000" cy="9144000"/>
@@ -111,6 +114,11 @@
       </a:defRPr>
     </a:lvl9pPr>
   </p:defaultTextStyle>
+  <p:extLst>
+    <p:ext uri="{EFAFB233-063F-42B5-8137-9DF3F51BA10A}">
+      <p15:sldGuideLst xmlns:p15="http://schemas.microsoft.com/office/powerpoint/2012/main"/>
+    </p:ext>
+  </p:extLst>
 </p:presentation>
 </file>
 
@@ -165,7 +173,6 @@
               <a:rPr lang="zh-CN" altLang="en-US"/>
               <a:t>单击此处编辑母版标题样式</a:t>
             </a:r>
-            <a:endParaRPr lang="zh-CN" altLang="en-US"/>
           </a:p>
         </p:txBody>
       </p:sp>
@@ -230,7 +237,6 @@
               <a:rPr lang="zh-CN" altLang="en-US"/>
               <a:t>单击此处编辑母版副标题样式</a:t>
             </a:r>
-            <a:endParaRPr lang="zh-CN" altLang="en-US"/>
           </a:p>
         </p:txBody>
       </p:sp>
@@ -251,6 +257,7 @@
           <a:p>
             <a:fld id="{75D18932-EBB2-4301-9A79-EB382E33F227}" type="datetimeFigureOut">
               <a:rPr lang="zh-CN" altLang="en-US" smtClean="0"/>
+              <a:t>2019/8/12</a:t>
             </a:fld>
             <a:endParaRPr lang="zh-CN" altLang="en-US"/>
           </a:p>
@@ -292,6 +299,7 @@
           <a:p>
             <a:fld id="{17CD2A25-3FD3-4A48-893A-4C9E0DF714A6}" type="slidenum">
               <a:rPr lang="zh-CN" altLang="en-US" smtClean="0"/>
+              <a:t>‹#›</a:t>
             </a:fld>
             <a:endParaRPr lang="zh-CN" altLang="en-US"/>
           </a:p>
@@ -341,7 +349,6 @@
               <a:rPr lang="zh-CN" altLang="en-US"/>
               <a:t>单击此处编辑母版标题样式</a:t>
             </a:r>
-            <a:endParaRPr lang="zh-CN" altLang="en-US"/>
           </a:p>
         </p:txBody>
       </p:sp>
@@ -365,7 +372,6 @@
               <a:rPr lang="zh-CN" altLang="en-US"/>
               <a:t>单击此处编辑母版文本样式</a:t>
             </a:r>
-            <a:endParaRPr lang="zh-CN" altLang="en-US"/>
           </a:p>
           <a:p>
             <a:pPr lvl="1"/>
@@ -373,7 +379,6 @@
               <a:rPr lang="zh-CN" altLang="en-US"/>
               <a:t>二级</a:t>
             </a:r>
-            <a:endParaRPr lang="zh-CN" altLang="en-US"/>
           </a:p>
           <a:p>
             <a:pPr lvl="2"/>
@@ -381,7 +386,6 @@
               <a:rPr lang="zh-CN" altLang="en-US"/>
               <a:t>三级</a:t>
             </a:r>
-            <a:endParaRPr lang="zh-CN" altLang="en-US"/>
           </a:p>
           <a:p>
             <a:pPr lvl="3"/>
@@ -389,7 +393,6 @@
               <a:rPr lang="zh-CN" altLang="en-US"/>
               <a:t>四级</a:t>
             </a:r>
-            <a:endParaRPr lang="zh-CN" altLang="en-US"/>
           </a:p>
           <a:p>
             <a:pPr lvl="4"/>
@@ -397,7 +400,6 @@
               <a:rPr lang="zh-CN" altLang="en-US"/>
               <a:t>五级</a:t>
             </a:r>
-            <a:endParaRPr lang="zh-CN" altLang="en-US"/>
           </a:p>
         </p:txBody>
       </p:sp>
@@ -418,6 +420,7 @@
           <a:p>
             <a:fld id="{75D18932-EBB2-4301-9A79-EB382E33F227}" type="datetimeFigureOut">
               <a:rPr lang="zh-CN" altLang="en-US" smtClean="0"/>
+              <a:t>2019/8/12</a:t>
             </a:fld>
             <a:endParaRPr lang="zh-CN" altLang="en-US"/>
           </a:p>
@@ -459,6 +462,7 @@
           <a:p>
             <a:fld id="{17CD2A25-3FD3-4A48-893A-4C9E0DF714A6}" type="slidenum">
               <a:rPr lang="zh-CN" altLang="en-US" smtClean="0"/>
+              <a:t>‹#›</a:t>
             </a:fld>
             <a:endParaRPr lang="zh-CN" altLang="en-US"/>
           </a:p>
@@ -513,7 +517,6 @@
               <a:rPr lang="zh-CN" altLang="en-US"/>
               <a:t>单击此处编辑母版标题样式</a:t>
             </a:r>
-            <a:endParaRPr lang="zh-CN" altLang="en-US"/>
           </a:p>
         </p:txBody>
       </p:sp>
@@ -542,7 +545,6 @@
               <a:rPr lang="zh-CN" altLang="en-US"/>
               <a:t>单击此处编辑母版文本样式</a:t>
             </a:r>
-            <a:endParaRPr lang="zh-CN" altLang="en-US"/>
           </a:p>
           <a:p>
             <a:pPr lvl="1"/>
@@ -550,7 +552,6 @@
               <a:rPr lang="zh-CN" altLang="en-US"/>
               <a:t>二级</a:t>
             </a:r>
-            <a:endParaRPr lang="zh-CN" altLang="en-US"/>
           </a:p>
           <a:p>
             <a:pPr lvl="2"/>
@@ -558,7 +559,6 @@
               <a:rPr lang="zh-CN" altLang="en-US"/>
               <a:t>三级</a:t>
             </a:r>
-            <a:endParaRPr lang="zh-CN" altLang="en-US"/>
           </a:p>
           <a:p>
             <a:pPr lvl="3"/>
@@ -566,7 +566,6 @@
               <a:rPr lang="zh-CN" altLang="en-US"/>
               <a:t>四级</a:t>
             </a:r>
-            <a:endParaRPr lang="zh-CN" altLang="en-US"/>
           </a:p>
           <a:p>
             <a:pPr lvl="4"/>
@@ -574,7 +573,6 @@
               <a:rPr lang="zh-CN" altLang="en-US"/>
               <a:t>五级</a:t>
             </a:r>
-            <a:endParaRPr lang="zh-CN" altLang="en-US"/>
           </a:p>
         </p:txBody>
       </p:sp>
@@ -595,6 +593,7 @@
           <a:p>
             <a:fld id="{75D18932-EBB2-4301-9A79-EB382E33F227}" type="datetimeFigureOut">
               <a:rPr lang="zh-CN" altLang="en-US" smtClean="0"/>
+              <a:t>2019/8/12</a:t>
             </a:fld>
             <a:endParaRPr lang="zh-CN" altLang="en-US"/>
           </a:p>
@@ -636,6 +635,7 @@
           <a:p>
             <a:fld id="{17CD2A25-3FD3-4A48-893A-4C9E0DF714A6}" type="slidenum">
               <a:rPr lang="zh-CN" altLang="en-US" smtClean="0"/>
+              <a:t>‹#›</a:t>
             </a:fld>
             <a:endParaRPr lang="zh-CN" altLang="en-US"/>
           </a:p>
@@ -694,7 +694,6 @@
               <a:rPr lang="zh-CN" altLang="en-US"/>
               <a:t>单击此处编辑母版标题样式</a:t>
             </a:r>
-            <a:endParaRPr lang="zh-CN" altLang="en-US"/>
           </a:p>
         </p:txBody>
       </p:sp>
@@ -759,7 +758,6 @@
               <a:rPr lang="zh-CN" altLang="en-US"/>
               <a:t>单击此处编辑母版副标题样式</a:t>
             </a:r>
-            <a:endParaRPr lang="zh-CN" altLang="en-US"/>
           </a:p>
         </p:txBody>
       </p:sp>
@@ -780,6 +778,7 @@
           <a:p>
             <a:fld id="{75D18932-EBB2-4301-9A79-EB382E33F227}" type="datetimeFigureOut">
               <a:rPr lang="zh-CN" altLang="en-US" smtClean="0"/>
+              <a:t>2019/8/12</a:t>
             </a:fld>
             <a:endParaRPr lang="zh-CN" altLang="en-US"/>
           </a:p>
@@ -821,6 +820,7 @@
           <a:p>
             <a:fld id="{17CD2A25-3FD3-4A48-893A-4C9E0DF714A6}" type="slidenum">
               <a:rPr lang="zh-CN" altLang="en-US" smtClean="0"/>
+              <a:t>‹#›</a:t>
             </a:fld>
             <a:endParaRPr lang="zh-CN" altLang="en-US"/>
           </a:p>
@@ -870,7 +870,6 @@
               <a:rPr lang="zh-CN" altLang="en-US"/>
               <a:t>单击此处编辑母版标题样式</a:t>
             </a:r>
-            <a:endParaRPr lang="zh-CN" altLang="en-US"/>
           </a:p>
         </p:txBody>
       </p:sp>
@@ -894,7 +893,6 @@
               <a:rPr lang="zh-CN" altLang="en-US"/>
               <a:t>单击此处编辑母版文本样式</a:t>
             </a:r>
-            <a:endParaRPr lang="zh-CN" altLang="en-US"/>
           </a:p>
           <a:p>
             <a:pPr lvl="1"/>
@@ -902,7 +900,6 @@
               <a:rPr lang="zh-CN" altLang="en-US"/>
               <a:t>二级</a:t>
             </a:r>
-            <a:endParaRPr lang="zh-CN" altLang="en-US"/>
           </a:p>
           <a:p>
             <a:pPr lvl="2"/>
@@ -910,7 +907,6 @@
               <a:rPr lang="zh-CN" altLang="en-US"/>
               <a:t>三级</a:t>
             </a:r>
-            <a:endParaRPr lang="zh-CN" altLang="en-US"/>
           </a:p>
           <a:p>
             <a:pPr lvl="3"/>
@@ -918,7 +914,6 @@
               <a:rPr lang="zh-CN" altLang="en-US"/>
               <a:t>四级</a:t>
             </a:r>
-            <a:endParaRPr lang="zh-CN" altLang="en-US"/>
           </a:p>
           <a:p>
             <a:pPr lvl="4"/>
@@ -926,7 +921,6 @@
               <a:rPr lang="zh-CN" altLang="en-US"/>
               <a:t>五级</a:t>
             </a:r>
-            <a:endParaRPr lang="zh-CN" altLang="en-US"/>
           </a:p>
         </p:txBody>
       </p:sp>
@@ -947,6 +941,7 @@
           <a:p>
             <a:fld id="{75D18932-EBB2-4301-9A79-EB382E33F227}" type="datetimeFigureOut">
               <a:rPr lang="zh-CN" altLang="en-US" smtClean="0"/>
+              <a:t>2019/8/12</a:t>
             </a:fld>
             <a:endParaRPr lang="zh-CN" altLang="en-US"/>
           </a:p>
@@ -988,6 +983,7 @@
           <a:p>
             <a:fld id="{17CD2A25-3FD3-4A48-893A-4C9E0DF714A6}" type="slidenum">
               <a:rPr lang="zh-CN" altLang="en-US" smtClean="0"/>
+              <a:t>‹#›</a:t>
             </a:fld>
             <a:endParaRPr lang="zh-CN" altLang="en-US"/>
           </a:p>
@@ -1046,7 +1042,6 @@
               <a:rPr lang="zh-CN" altLang="en-US"/>
               <a:t>单击此处编辑母版标题样式</a:t>
             </a:r>
-            <a:endParaRPr lang="zh-CN" altLang="en-US"/>
           </a:p>
         </p:txBody>
       </p:sp>
@@ -1166,7 +1161,6 @@
               <a:rPr lang="zh-CN" altLang="en-US"/>
               <a:t>单击此处编辑母版文本样式</a:t>
             </a:r>
-            <a:endParaRPr lang="zh-CN" altLang="en-US"/>
           </a:p>
         </p:txBody>
       </p:sp>
@@ -1187,6 +1181,7 @@
           <a:p>
             <a:fld id="{75D18932-EBB2-4301-9A79-EB382E33F227}" type="datetimeFigureOut">
               <a:rPr lang="zh-CN" altLang="en-US" smtClean="0"/>
+              <a:t>2019/8/12</a:t>
             </a:fld>
             <a:endParaRPr lang="zh-CN" altLang="en-US"/>
           </a:p>
@@ -1228,6 +1223,7 @@
           <a:p>
             <a:fld id="{17CD2A25-3FD3-4A48-893A-4C9E0DF714A6}" type="slidenum">
               <a:rPr lang="zh-CN" altLang="en-US" smtClean="0"/>
+              <a:t>‹#›</a:t>
             </a:fld>
             <a:endParaRPr lang="zh-CN" altLang="en-US"/>
           </a:p>
@@ -1277,7 +1273,6 @@
               <a:rPr lang="zh-CN" altLang="en-US"/>
               <a:t>单击此处编辑母版标题样式</a:t>
             </a:r>
-            <a:endParaRPr lang="zh-CN" altLang="en-US"/>
           </a:p>
         </p:txBody>
       </p:sp>
@@ -1306,7 +1301,6 @@
               <a:rPr lang="zh-CN" altLang="en-US"/>
               <a:t>单击此处编辑母版文本样式</a:t>
             </a:r>
-            <a:endParaRPr lang="zh-CN" altLang="en-US"/>
           </a:p>
           <a:p>
             <a:pPr lvl="1"/>
@@ -1314,7 +1308,6 @@
               <a:rPr lang="zh-CN" altLang="en-US"/>
               <a:t>二级</a:t>
             </a:r>
-            <a:endParaRPr lang="zh-CN" altLang="en-US"/>
           </a:p>
           <a:p>
             <a:pPr lvl="2"/>
@@ -1322,7 +1315,6 @@
               <a:rPr lang="zh-CN" altLang="en-US"/>
               <a:t>三级</a:t>
             </a:r>
-            <a:endParaRPr lang="zh-CN" altLang="en-US"/>
           </a:p>
           <a:p>
             <a:pPr lvl="3"/>
@@ -1330,7 +1322,6 @@
               <a:rPr lang="zh-CN" altLang="en-US"/>
               <a:t>四级</a:t>
             </a:r>
-            <a:endParaRPr lang="zh-CN" altLang="en-US"/>
           </a:p>
           <a:p>
             <a:pPr lvl="4"/>
@@ -1338,7 +1329,6 @@
               <a:rPr lang="zh-CN" altLang="en-US"/>
               <a:t>五级</a:t>
             </a:r>
-            <a:endParaRPr lang="zh-CN" altLang="en-US"/>
           </a:p>
         </p:txBody>
       </p:sp>
@@ -1367,7 +1357,6 @@
               <a:rPr lang="zh-CN" altLang="en-US"/>
               <a:t>单击此处编辑母版文本样式</a:t>
             </a:r>
-            <a:endParaRPr lang="zh-CN" altLang="en-US"/>
           </a:p>
           <a:p>
             <a:pPr lvl="1"/>
@@ -1375,7 +1364,6 @@
               <a:rPr lang="zh-CN" altLang="en-US"/>
               <a:t>二级</a:t>
             </a:r>
-            <a:endParaRPr lang="zh-CN" altLang="en-US"/>
           </a:p>
           <a:p>
             <a:pPr lvl="2"/>
@@ -1383,7 +1371,6 @@
               <a:rPr lang="zh-CN" altLang="en-US"/>
               <a:t>三级</a:t>
             </a:r>
-            <a:endParaRPr lang="zh-CN" altLang="en-US"/>
           </a:p>
           <a:p>
             <a:pPr lvl="3"/>
@@ -1391,7 +1378,6 @@
               <a:rPr lang="zh-CN" altLang="en-US"/>
               <a:t>四级</a:t>
             </a:r>
-            <a:endParaRPr lang="zh-CN" altLang="en-US"/>
           </a:p>
           <a:p>
             <a:pPr lvl="4"/>
@@ -1399,7 +1385,6 @@
               <a:rPr lang="zh-CN" altLang="en-US"/>
               <a:t>五级</a:t>
             </a:r>
-            <a:endParaRPr lang="zh-CN" altLang="en-US"/>
           </a:p>
         </p:txBody>
       </p:sp>
@@ -1420,6 +1405,7 @@
           <a:p>
             <a:fld id="{75D18932-EBB2-4301-9A79-EB382E33F227}" type="datetimeFigureOut">
               <a:rPr lang="zh-CN" altLang="en-US" smtClean="0"/>
+              <a:t>2019/8/12</a:t>
             </a:fld>
             <a:endParaRPr lang="zh-CN" altLang="en-US"/>
           </a:p>
@@ -1461,6 +1447,7 @@
           <a:p>
             <a:fld id="{17CD2A25-3FD3-4A48-893A-4C9E0DF714A6}" type="slidenum">
               <a:rPr lang="zh-CN" altLang="en-US" smtClean="0"/>
+              <a:t>‹#›</a:t>
             </a:fld>
             <a:endParaRPr lang="zh-CN" altLang="en-US"/>
           </a:p>
@@ -1515,7 +1502,6 @@
               <a:rPr lang="zh-CN" altLang="en-US"/>
               <a:t>单击此处编辑母版标题样式</a:t>
             </a:r>
-            <a:endParaRPr lang="zh-CN" altLang="en-US"/>
           </a:p>
         </p:txBody>
       </p:sp>
@@ -1581,7 +1567,6 @@
               <a:rPr lang="zh-CN" altLang="en-US"/>
               <a:t>单击此处编辑母版文本样式</a:t>
             </a:r>
-            <a:endParaRPr lang="zh-CN" altLang="en-US"/>
           </a:p>
         </p:txBody>
       </p:sp>
@@ -1610,7 +1595,6 @@
               <a:rPr lang="zh-CN" altLang="en-US"/>
               <a:t>单击此处编辑母版文本样式</a:t>
             </a:r>
-            <a:endParaRPr lang="zh-CN" altLang="en-US"/>
           </a:p>
           <a:p>
             <a:pPr lvl="1"/>
@@ -1618,7 +1602,6 @@
               <a:rPr lang="zh-CN" altLang="en-US"/>
               <a:t>二级</a:t>
             </a:r>
-            <a:endParaRPr lang="zh-CN" altLang="en-US"/>
           </a:p>
           <a:p>
             <a:pPr lvl="2"/>
@@ -1626,7 +1609,6 @@
               <a:rPr lang="zh-CN" altLang="en-US"/>
               <a:t>三级</a:t>
             </a:r>
-            <a:endParaRPr lang="zh-CN" altLang="en-US"/>
           </a:p>
           <a:p>
             <a:pPr lvl="3"/>
@@ -1634,7 +1616,6 @@
               <a:rPr lang="zh-CN" altLang="en-US"/>
               <a:t>四级</a:t>
             </a:r>
-            <a:endParaRPr lang="zh-CN" altLang="en-US"/>
           </a:p>
           <a:p>
             <a:pPr lvl="4"/>
@@ -1642,7 +1623,6 @@
               <a:rPr lang="zh-CN" altLang="en-US"/>
               <a:t>五级</a:t>
             </a:r>
-            <a:endParaRPr lang="zh-CN" altLang="en-US"/>
           </a:p>
         </p:txBody>
       </p:sp>
@@ -1708,7 +1688,6 @@
               <a:rPr lang="zh-CN" altLang="en-US"/>
               <a:t>单击此处编辑母版文本样式</a:t>
             </a:r>
-            <a:endParaRPr lang="zh-CN" altLang="en-US"/>
           </a:p>
         </p:txBody>
       </p:sp>
@@ -1737,7 +1716,6 @@
               <a:rPr lang="zh-CN" altLang="en-US"/>
               <a:t>单击此处编辑母版文本样式</a:t>
             </a:r>
-            <a:endParaRPr lang="zh-CN" altLang="en-US"/>
           </a:p>
           <a:p>
             <a:pPr lvl="1"/>
@@ -1745,7 +1723,6 @@
               <a:rPr lang="zh-CN" altLang="en-US"/>
               <a:t>二级</a:t>
             </a:r>
-            <a:endParaRPr lang="zh-CN" altLang="en-US"/>
           </a:p>
           <a:p>
             <a:pPr lvl="2"/>
@@ -1753,7 +1730,6 @@
               <a:rPr lang="zh-CN" altLang="en-US"/>
               <a:t>三级</a:t>
             </a:r>
-            <a:endParaRPr lang="zh-CN" altLang="en-US"/>
           </a:p>
           <a:p>
             <a:pPr lvl="3"/>
@@ -1761,7 +1737,6 @@
               <a:rPr lang="zh-CN" altLang="en-US"/>
               <a:t>四级</a:t>
             </a:r>
-            <a:endParaRPr lang="zh-CN" altLang="en-US"/>
           </a:p>
           <a:p>
             <a:pPr lvl="4"/>
@@ -1769,7 +1744,6 @@
               <a:rPr lang="zh-CN" altLang="en-US"/>
               <a:t>五级</a:t>
             </a:r>
-            <a:endParaRPr lang="zh-CN" altLang="en-US"/>
           </a:p>
         </p:txBody>
       </p:sp>
@@ -1790,6 +1764,7 @@
           <a:p>
             <a:fld id="{75D18932-EBB2-4301-9A79-EB382E33F227}" type="datetimeFigureOut">
               <a:rPr lang="zh-CN" altLang="en-US" smtClean="0"/>
+              <a:t>2019/8/12</a:t>
             </a:fld>
             <a:endParaRPr lang="zh-CN" altLang="en-US"/>
           </a:p>
@@ -1831,6 +1806,7 @@
           <a:p>
             <a:fld id="{17CD2A25-3FD3-4A48-893A-4C9E0DF714A6}" type="slidenum">
               <a:rPr lang="zh-CN" altLang="en-US" smtClean="0"/>
+              <a:t>‹#›</a:t>
             </a:fld>
             <a:endParaRPr lang="zh-CN" altLang="en-US"/>
           </a:p>
@@ -1880,7 +1856,6 @@
               <a:rPr lang="zh-CN" altLang="en-US"/>
               <a:t>单击此处编辑母版标题样式</a:t>
             </a:r>
-            <a:endParaRPr lang="zh-CN" altLang="en-US"/>
           </a:p>
         </p:txBody>
       </p:sp>
@@ -1901,6 +1876,7 @@
           <a:p>
             <a:fld id="{75D18932-EBB2-4301-9A79-EB382E33F227}" type="datetimeFigureOut">
               <a:rPr lang="zh-CN" altLang="en-US" smtClean="0"/>
+              <a:t>2019/8/12</a:t>
             </a:fld>
             <a:endParaRPr lang="zh-CN" altLang="en-US"/>
           </a:p>
@@ -1942,6 +1918,7 @@
           <a:p>
             <a:fld id="{17CD2A25-3FD3-4A48-893A-4C9E0DF714A6}" type="slidenum">
               <a:rPr lang="zh-CN" altLang="en-US" smtClean="0"/>
+              <a:t>‹#›</a:t>
             </a:fld>
             <a:endParaRPr lang="zh-CN" altLang="en-US"/>
           </a:p>
@@ -1989,6 +1966,7 @@
           <a:p>
             <a:fld id="{75D18932-EBB2-4301-9A79-EB382E33F227}" type="datetimeFigureOut">
               <a:rPr lang="zh-CN" altLang="en-US" smtClean="0"/>
+              <a:t>2019/8/12</a:t>
             </a:fld>
             <a:endParaRPr lang="zh-CN" altLang="en-US"/>
           </a:p>
@@ -2030,6 +2008,7 @@
           <a:p>
             <a:fld id="{17CD2A25-3FD3-4A48-893A-4C9E0DF714A6}" type="slidenum">
               <a:rPr lang="zh-CN" altLang="en-US" smtClean="0"/>
+              <a:t>‹#›</a:t>
             </a:fld>
             <a:endParaRPr lang="zh-CN" altLang="en-US"/>
           </a:p>
@@ -2088,7 +2067,6 @@
               <a:rPr lang="zh-CN" altLang="en-US"/>
               <a:t>单击此处编辑母版标题样式</a:t>
             </a:r>
-            <a:endParaRPr lang="zh-CN" altLang="en-US"/>
           </a:p>
         </p:txBody>
       </p:sp>
@@ -2145,7 +2123,6 @@
               <a:rPr lang="zh-CN" altLang="en-US"/>
               <a:t>单击此处编辑母版文本样式</a:t>
             </a:r>
-            <a:endParaRPr lang="zh-CN" altLang="en-US"/>
           </a:p>
           <a:p>
             <a:pPr lvl="1"/>
@@ -2153,7 +2130,6 @@
               <a:rPr lang="zh-CN" altLang="en-US"/>
               <a:t>二级</a:t>
             </a:r>
-            <a:endParaRPr lang="zh-CN" altLang="en-US"/>
           </a:p>
           <a:p>
             <a:pPr lvl="2"/>
@@ -2161,7 +2137,6 @@
               <a:rPr lang="zh-CN" altLang="en-US"/>
               <a:t>三级</a:t>
             </a:r>
-            <a:endParaRPr lang="zh-CN" altLang="en-US"/>
           </a:p>
           <a:p>
             <a:pPr lvl="3"/>
@@ -2169,7 +2144,6 @@
               <a:rPr lang="zh-CN" altLang="en-US"/>
               <a:t>四级</a:t>
             </a:r>
-            <a:endParaRPr lang="zh-CN" altLang="en-US"/>
           </a:p>
           <a:p>
             <a:pPr lvl="4"/>
@@ -2177,7 +2151,6 @@
               <a:rPr lang="zh-CN" altLang="en-US"/>
               <a:t>五级</a:t>
             </a:r>
-            <a:endParaRPr lang="zh-CN" altLang="en-US"/>
           </a:p>
         </p:txBody>
       </p:sp>
@@ -2243,7 +2216,6 @@
               <a:rPr lang="zh-CN" altLang="en-US"/>
               <a:t>单击此处编辑母版文本样式</a:t>
             </a:r>
-            <a:endParaRPr lang="zh-CN" altLang="en-US"/>
           </a:p>
         </p:txBody>
       </p:sp>
@@ -2264,6 +2236,7 @@
           <a:p>
             <a:fld id="{75D18932-EBB2-4301-9A79-EB382E33F227}" type="datetimeFigureOut">
               <a:rPr lang="zh-CN" altLang="en-US" smtClean="0"/>
+              <a:t>2019/8/12</a:t>
             </a:fld>
             <a:endParaRPr lang="zh-CN" altLang="en-US"/>
           </a:p>
@@ -2305,6 +2278,7 @@
           <a:p>
             <a:fld id="{17CD2A25-3FD3-4A48-893A-4C9E0DF714A6}" type="slidenum">
               <a:rPr lang="zh-CN" altLang="en-US" smtClean="0"/>
+              <a:t>‹#›</a:t>
             </a:fld>
             <a:endParaRPr lang="zh-CN" altLang="en-US"/>
           </a:p>
@@ -2354,7 +2328,6 @@
               <a:rPr lang="zh-CN" altLang="en-US"/>
               <a:t>单击此处编辑母版标题样式</a:t>
             </a:r>
-            <a:endParaRPr lang="zh-CN" altLang="en-US"/>
           </a:p>
         </p:txBody>
       </p:sp>
@@ -2378,7 +2351,6 @@
               <a:rPr lang="zh-CN" altLang="en-US"/>
               <a:t>单击此处编辑母版文本样式</a:t>
             </a:r>
-            <a:endParaRPr lang="zh-CN" altLang="en-US"/>
           </a:p>
           <a:p>
             <a:pPr lvl="1"/>
@@ -2386,7 +2358,6 @@
               <a:rPr lang="zh-CN" altLang="en-US"/>
               <a:t>二级</a:t>
             </a:r>
-            <a:endParaRPr lang="zh-CN" altLang="en-US"/>
           </a:p>
           <a:p>
             <a:pPr lvl="2"/>
@@ -2394,7 +2365,6 @@
               <a:rPr lang="zh-CN" altLang="en-US"/>
               <a:t>三级</a:t>
             </a:r>
-            <a:endParaRPr lang="zh-CN" altLang="en-US"/>
           </a:p>
           <a:p>
             <a:pPr lvl="3"/>
@@ -2402,7 +2372,6 @@
               <a:rPr lang="zh-CN" altLang="en-US"/>
               <a:t>四级</a:t>
             </a:r>
-            <a:endParaRPr lang="zh-CN" altLang="en-US"/>
           </a:p>
           <a:p>
             <a:pPr lvl="4"/>
@@ -2410,7 +2379,6 @@
               <a:rPr lang="zh-CN" altLang="en-US"/>
               <a:t>五级</a:t>
             </a:r>
-            <a:endParaRPr lang="zh-CN" altLang="en-US"/>
           </a:p>
         </p:txBody>
       </p:sp>
@@ -2431,6 +2399,7 @@
           <a:p>
             <a:fld id="{75D18932-EBB2-4301-9A79-EB382E33F227}" type="datetimeFigureOut">
               <a:rPr lang="zh-CN" altLang="en-US" smtClean="0"/>
+              <a:t>2019/8/12</a:t>
             </a:fld>
             <a:endParaRPr lang="zh-CN" altLang="en-US"/>
           </a:p>
@@ -2472,6 +2441,7 @@
           <a:p>
             <a:fld id="{17CD2A25-3FD3-4A48-893A-4C9E0DF714A6}" type="slidenum">
               <a:rPr lang="zh-CN" altLang="en-US" smtClean="0"/>
+              <a:t>‹#›</a:t>
             </a:fld>
             <a:endParaRPr lang="zh-CN" altLang="en-US"/>
           </a:p>
@@ -2530,7 +2500,6 @@
               <a:rPr lang="zh-CN" altLang="en-US"/>
               <a:t>单击此处编辑母版标题样式</a:t>
             </a:r>
-            <a:endParaRPr lang="zh-CN" altLang="en-US"/>
           </a:p>
         </p:txBody>
       </p:sp>
@@ -2657,7 +2626,6 @@
               <a:rPr lang="zh-CN" altLang="en-US"/>
               <a:t>单击此处编辑母版文本样式</a:t>
             </a:r>
-            <a:endParaRPr lang="zh-CN" altLang="en-US"/>
           </a:p>
         </p:txBody>
       </p:sp>
@@ -2678,6 +2646,7 @@
           <a:p>
             <a:fld id="{75D18932-EBB2-4301-9A79-EB382E33F227}" type="datetimeFigureOut">
               <a:rPr lang="zh-CN" altLang="en-US" smtClean="0"/>
+              <a:t>2019/8/12</a:t>
             </a:fld>
             <a:endParaRPr lang="zh-CN" altLang="en-US"/>
           </a:p>
@@ -2719,6 +2688,7 @@
           <a:p>
             <a:fld id="{17CD2A25-3FD3-4A48-893A-4C9E0DF714A6}" type="slidenum">
               <a:rPr lang="zh-CN" altLang="en-US" smtClean="0"/>
+              <a:t>‹#›</a:t>
             </a:fld>
             <a:endParaRPr lang="zh-CN" altLang="en-US"/>
           </a:p>
@@ -2768,7 +2738,6 @@
               <a:rPr lang="zh-CN" altLang="en-US"/>
               <a:t>单击此处编辑母版标题样式</a:t>
             </a:r>
-            <a:endParaRPr lang="zh-CN" altLang="en-US"/>
           </a:p>
         </p:txBody>
       </p:sp>
@@ -2792,7 +2761,6 @@
               <a:rPr lang="zh-CN" altLang="en-US"/>
               <a:t>单击此处编辑母版文本样式</a:t>
             </a:r>
-            <a:endParaRPr lang="zh-CN" altLang="en-US"/>
           </a:p>
           <a:p>
             <a:pPr lvl="1"/>
@@ -2800,7 +2768,6 @@
               <a:rPr lang="zh-CN" altLang="en-US"/>
               <a:t>二级</a:t>
             </a:r>
-            <a:endParaRPr lang="zh-CN" altLang="en-US"/>
           </a:p>
           <a:p>
             <a:pPr lvl="2"/>
@@ -2808,7 +2775,6 @@
               <a:rPr lang="zh-CN" altLang="en-US"/>
               <a:t>三级</a:t>
             </a:r>
-            <a:endParaRPr lang="zh-CN" altLang="en-US"/>
           </a:p>
           <a:p>
             <a:pPr lvl="3"/>
@@ -2816,7 +2782,6 @@
               <a:rPr lang="zh-CN" altLang="en-US"/>
               <a:t>四级</a:t>
             </a:r>
-            <a:endParaRPr lang="zh-CN" altLang="en-US"/>
           </a:p>
           <a:p>
             <a:pPr lvl="4"/>
@@ -2824,7 +2789,6 @@
               <a:rPr lang="zh-CN" altLang="en-US"/>
               <a:t>五级</a:t>
             </a:r>
-            <a:endParaRPr lang="zh-CN" altLang="en-US"/>
           </a:p>
         </p:txBody>
       </p:sp>
@@ -2845,6 +2809,7 @@
           <a:p>
             <a:fld id="{75D18932-EBB2-4301-9A79-EB382E33F227}" type="datetimeFigureOut">
               <a:rPr lang="zh-CN" altLang="en-US" smtClean="0"/>
+              <a:t>2019/8/12</a:t>
             </a:fld>
             <a:endParaRPr lang="zh-CN" altLang="en-US"/>
           </a:p>
@@ -2886,6 +2851,7 @@
           <a:p>
             <a:fld id="{17CD2A25-3FD3-4A48-893A-4C9E0DF714A6}" type="slidenum">
               <a:rPr lang="zh-CN" altLang="en-US" smtClean="0"/>
+              <a:t>‹#›</a:t>
             </a:fld>
             <a:endParaRPr lang="zh-CN" altLang="en-US"/>
           </a:p>
@@ -2940,7 +2906,6 @@
               <a:rPr lang="zh-CN" altLang="en-US"/>
               <a:t>单击此处编辑母版标题样式</a:t>
             </a:r>
-            <a:endParaRPr lang="zh-CN" altLang="en-US"/>
           </a:p>
         </p:txBody>
       </p:sp>
@@ -2969,7 +2934,6 @@
               <a:rPr lang="zh-CN" altLang="en-US"/>
               <a:t>单击此处编辑母版文本样式</a:t>
             </a:r>
-            <a:endParaRPr lang="zh-CN" altLang="en-US"/>
           </a:p>
           <a:p>
             <a:pPr lvl="1"/>
@@ -2977,7 +2941,6 @@
               <a:rPr lang="zh-CN" altLang="en-US"/>
               <a:t>二级</a:t>
             </a:r>
-            <a:endParaRPr lang="zh-CN" altLang="en-US"/>
           </a:p>
           <a:p>
             <a:pPr lvl="2"/>
@@ -2985,7 +2948,6 @@
               <a:rPr lang="zh-CN" altLang="en-US"/>
               <a:t>三级</a:t>
             </a:r>
-            <a:endParaRPr lang="zh-CN" altLang="en-US"/>
           </a:p>
           <a:p>
             <a:pPr lvl="3"/>
@@ -2993,7 +2955,6 @@
               <a:rPr lang="zh-CN" altLang="en-US"/>
               <a:t>四级</a:t>
             </a:r>
-            <a:endParaRPr lang="zh-CN" altLang="en-US"/>
           </a:p>
           <a:p>
             <a:pPr lvl="4"/>
@@ -3001,7 +2962,6 @@
               <a:rPr lang="zh-CN" altLang="en-US"/>
               <a:t>五级</a:t>
             </a:r>
-            <a:endParaRPr lang="zh-CN" altLang="en-US"/>
           </a:p>
         </p:txBody>
       </p:sp>
@@ -3022,6 +2982,7 @@
           <a:p>
             <a:fld id="{75D18932-EBB2-4301-9A79-EB382E33F227}" type="datetimeFigureOut">
               <a:rPr lang="zh-CN" altLang="en-US" smtClean="0"/>
+              <a:t>2019/8/12</a:t>
             </a:fld>
             <a:endParaRPr lang="zh-CN" altLang="en-US"/>
           </a:p>
@@ -3063,6 +3024,7 @@
           <a:p>
             <a:fld id="{17CD2A25-3FD3-4A48-893A-4C9E0DF714A6}" type="slidenum">
               <a:rPr lang="zh-CN" altLang="en-US" smtClean="0"/>
+              <a:t>‹#›</a:t>
             </a:fld>
             <a:endParaRPr lang="zh-CN" altLang="en-US"/>
           </a:p>
@@ -3121,7 +3083,6 @@
               <a:rPr lang="zh-CN" altLang="en-US"/>
               <a:t>单击此处编辑母版标题样式</a:t>
             </a:r>
-            <a:endParaRPr lang="zh-CN" altLang="en-US"/>
           </a:p>
         </p:txBody>
       </p:sp>
@@ -3241,7 +3202,6 @@
               <a:rPr lang="zh-CN" altLang="en-US"/>
               <a:t>单击此处编辑母版文本样式</a:t>
             </a:r>
-            <a:endParaRPr lang="zh-CN" altLang="en-US"/>
           </a:p>
         </p:txBody>
       </p:sp>
@@ -3262,6 +3222,7 @@
           <a:p>
             <a:fld id="{75D18932-EBB2-4301-9A79-EB382E33F227}" type="datetimeFigureOut">
               <a:rPr lang="zh-CN" altLang="en-US" smtClean="0"/>
+              <a:t>2019/8/12</a:t>
             </a:fld>
             <a:endParaRPr lang="zh-CN" altLang="en-US"/>
           </a:p>
@@ -3303,6 +3264,7 @@
           <a:p>
             <a:fld id="{17CD2A25-3FD3-4A48-893A-4C9E0DF714A6}" type="slidenum">
               <a:rPr lang="zh-CN" altLang="en-US" smtClean="0"/>
+              <a:t>‹#›</a:t>
             </a:fld>
             <a:endParaRPr lang="zh-CN" altLang="en-US"/>
           </a:p>
@@ -3352,7 +3314,6 @@
               <a:rPr lang="zh-CN" altLang="en-US"/>
               <a:t>单击此处编辑母版标题样式</a:t>
             </a:r>
-            <a:endParaRPr lang="zh-CN" altLang="en-US"/>
           </a:p>
         </p:txBody>
       </p:sp>
@@ -3381,7 +3342,6 @@
               <a:rPr lang="zh-CN" altLang="en-US"/>
               <a:t>单击此处编辑母版文本样式</a:t>
             </a:r>
-            <a:endParaRPr lang="zh-CN" altLang="en-US"/>
           </a:p>
           <a:p>
             <a:pPr lvl="1"/>
@@ -3389,7 +3349,6 @@
               <a:rPr lang="zh-CN" altLang="en-US"/>
               <a:t>二级</a:t>
             </a:r>
-            <a:endParaRPr lang="zh-CN" altLang="en-US"/>
           </a:p>
           <a:p>
             <a:pPr lvl="2"/>
@@ -3397,7 +3356,6 @@
               <a:rPr lang="zh-CN" altLang="en-US"/>
               <a:t>三级</a:t>
             </a:r>
-            <a:endParaRPr lang="zh-CN" altLang="en-US"/>
           </a:p>
           <a:p>
             <a:pPr lvl="3"/>
@@ -3405,7 +3363,6 @@
               <a:rPr lang="zh-CN" altLang="en-US"/>
               <a:t>四级</a:t>
             </a:r>
-            <a:endParaRPr lang="zh-CN" altLang="en-US"/>
           </a:p>
           <a:p>
             <a:pPr lvl="4"/>
@@ -3413,7 +3370,6 @@
               <a:rPr lang="zh-CN" altLang="en-US"/>
               <a:t>五级</a:t>
             </a:r>
-            <a:endParaRPr lang="zh-CN" altLang="en-US"/>
           </a:p>
         </p:txBody>
       </p:sp>
@@ -3442,7 +3398,6 @@
               <a:rPr lang="zh-CN" altLang="en-US"/>
               <a:t>单击此处编辑母版文本样式</a:t>
             </a:r>
-            <a:endParaRPr lang="zh-CN" altLang="en-US"/>
           </a:p>
           <a:p>
             <a:pPr lvl="1"/>
@@ -3450,7 +3405,6 @@
               <a:rPr lang="zh-CN" altLang="en-US"/>
               <a:t>二级</a:t>
             </a:r>
-            <a:endParaRPr lang="zh-CN" altLang="en-US"/>
           </a:p>
           <a:p>
             <a:pPr lvl="2"/>
@@ -3458,7 +3412,6 @@
               <a:rPr lang="zh-CN" altLang="en-US"/>
               <a:t>三级</a:t>
             </a:r>
-            <a:endParaRPr lang="zh-CN" altLang="en-US"/>
           </a:p>
           <a:p>
             <a:pPr lvl="3"/>
@@ -3466,7 +3419,6 @@
               <a:rPr lang="zh-CN" altLang="en-US"/>
               <a:t>四级</a:t>
             </a:r>
-            <a:endParaRPr lang="zh-CN" altLang="en-US"/>
           </a:p>
           <a:p>
             <a:pPr lvl="4"/>
@@ -3474,7 +3426,6 @@
               <a:rPr lang="zh-CN" altLang="en-US"/>
               <a:t>五级</a:t>
             </a:r>
-            <a:endParaRPr lang="zh-CN" altLang="en-US"/>
           </a:p>
         </p:txBody>
       </p:sp>
@@ -3495,6 +3446,7 @@
           <a:p>
             <a:fld id="{75D18932-EBB2-4301-9A79-EB382E33F227}" type="datetimeFigureOut">
               <a:rPr lang="zh-CN" altLang="en-US" smtClean="0"/>
+              <a:t>2019/8/12</a:t>
             </a:fld>
             <a:endParaRPr lang="zh-CN" altLang="en-US"/>
           </a:p>
@@ -3536,6 +3488,7 @@
           <a:p>
             <a:fld id="{17CD2A25-3FD3-4A48-893A-4C9E0DF714A6}" type="slidenum">
               <a:rPr lang="zh-CN" altLang="en-US" smtClean="0"/>
+              <a:t>‹#›</a:t>
             </a:fld>
             <a:endParaRPr lang="zh-CN" altLang="en-US"/>
           </a:p>
@@ -3590,7 +3543,6 @@
               <a:rPr lang="zh-CN" altLang="en-US"/>
               <a:t>单击此处编辑母版标题样式</a:t>
             </a:r>
-            <a:endParaRPr lang="zh-CN" altLang="en-US"/>
           </a:p>
         </p:txBody>
       </p:sp>
@@ -3656,7 +3608,6 @@
               <a:rPr lang="zh-CN" altLang="en-US"/>
               <a:t>单击此处编辑母版文本样式</a:t>
             </a:r>
-            <a:endParaRPr lang="zh-CN" altLang="en-US"/>
           </a:p>
         </p:txBody>
       </p:sp>
@@ -3685,7 +3636,6 @@
               <a:rPr lang="zh-CN" altLang="en-US"/>
               <a:t>单击此处编辑母版文本样式</a:t>
             </a:r>
-            <a:endParaRPr lang="zh-CN" altLang="en-US"/>
           </a:p>
           <a:p>
             <a:pPr lvl="1"/>
@@ -3693,7 +3643,6 @@
               <a:rPr lang="zh-CN" altLang="en-US"/>
               <a:t>二级</a:t>
             </a:r>
-            <a:endParaRPr lang="zh-CN" altLang="en-US"/>
           </a:p>
           <a:p>
             <a:pPr lvl="2"/>
@@ -3701,7 +3650,6 @@
               <a:rPr lang="zh-CN" altLang="en-US"/>
               <a:t>三级</a:t>
             </a:r>
-            <a:endParaRPr lang="zh-CN" altLang="en-US"/>
           </a:p>
           <a:p>
             <a:pPr lvl="3"/>
@@ -3709,7 +3657,6 @@
               <a:rPr lang="zh-CN" altLang="en-US"/>
               <a:t>四级</a:t>
             </a:r>
-            <a:endParaRPr lang="zh-CN" altLang="en-US"/>
           </a:p>
           <a:p>
             <a:pPr lvl="4"/>
@@ -3717,7 +3664,6 @@
               <a:rPr lang="zh-CN" altLang="en-US"/>
               <a:t>五级</a:t>
             </a:r>
-            <a:endParaRPr lang="zh-CN" altLang="en-US"/>
           </a:p>
         </p:txBody>
       </p:sp>
@@ -3783,7 +3729,6 @@
               <a:rPr lang="zh-CN" altLang="en-US"/>
               <a:t>单击此处编辑母版文本样式</a:t>
             </a:r>
-            <a:endParaRPr lang="zh-CN" altLang="en-US"/>
           </a:p>
         </p:txBody>
       </p:sp>
@@ -3812,7 +3757,6 @@
               <a:rPr lang="zh-CN" altLang="en-US"/>
               <a:t>单击此处编辑母版文本样式</a:t>
             </a:r>
-            <a:endParaRPr lang="zh-CN" altLang="en-US"/>
           </a:p>
           <a:p>
             <a:pPr lvl="1"/>
@@ -3820,7 +3764,6 @@
               <a:rPr lang="zh-CN" altLang="en-US"/>
               <a:t>二级</a:t>
             </a:r>
-            <a:endParaRPr lang="zh-CN" altLang="en-US"/>
           </a:p>
           <a:p>
             <a:pPr lvl="2"/>
@@ -3828,7 +3771,6 @@
               <a:rPr lang="zh-CN" altLang="en-US"/>
               <a:t>三级</a:t>
             </a:r>
-            <a:endParaRPr lang="zh-CN" altLang="en-US"/>
           </a:p>
           <a:p>
             <a:pPr lvl="3"/>
@@ -3836,7 +3778,6 @@
               <a:rPr lang="zh-CN" altLang="en-US"/>
               <a:t>四级</a:t>
             </a:r>
-            <a:endParaRPr lang="zh-CN" altLang="en-US"/>
           </a:p>
           <a:p>
             <a:pPr lvl="4"/>
@@ -3844,7 +3785,6 @@
               <a:rPr lang="zh-CN" altLang="en-US"/>
               <a:t>五级</a:t>
             </a:r>
-            <a:endParaRPr lang="zh-CN" altLang="en-US"/>
           </a:p>
         </p:txBody>
       </p:sp>
@@ -3865,6 +3805,7 @@
           <a:p>
             <a:fld id="{75D18932-EBB2-4301-9A79-EB382E33F227}" type="datetimeFigureOut">
               <a:rPr lang="zh-CN" altLang="en-US" smtClean="0"/>
+              <a:t>2019/8/12</a:t>
             </a:fld>
             <a:endParaRPr lang="zh-CN" altLang="en-US"/>
           </a:p>
@@ -3906,6 +3847,7 @@
           <a:p>
             <a:fld id="{17CD2A25-3FD3-4A48-893A-4C9E0DF714A6}" type="slidenum">
               <a:rPr lang="zh-CN" altLang="en-US" smtClean="0"/>
+              <a:t>‹#›</a:t>
             </a:fld>
             <a:endParaRPr lang="zh-CN" altLang="en-US"/>
           </a:p>
@@ -3955,7 +3897,6 @@
               <a:rPr lang="zh-CN" altLang="en-US"/>
               <a:t>单击此处编辑母版标题样式</a:t>
             </a:r>
-            <a:endParaRPr lang="zh-CN" altLang="en-US"/>
           </a:p>
         </p:txBody>
       </p:sp>
@@ -3976,6 +3917,7 @@
           <a:p>
             <a:fld id="{75D18932-EBB2-4301-9A79-EB382E33F227}" type="datetimeFigureOut">
               <a:rPr lang="zh-CN" altLang="en-US" smtClean="0"/>
+              <a:t>2019/8/12</a:t>
             </a:fld>
             <a:endParaRPr lang="zh-CN" altLang="en-US"/>
           </a:p>
@@ -4017,6 +3959,7 @@
           <a:p>
             <a:fld id="{17CD2A25-3FD3-4A48-893A-4C9E0DF714A6}" type="slidenum">
               <a:rPr lang="zh-CN" altLang="en-US" smtClean="0"/>
+              <a:t>‹#›</a:t>
             </a:fld>
             <a:endParaRPr lang="zh-CN" altLang="en-US"/>
           </a:p>
@@ -4064,6 +4007,7 @@
           <a:p>
             <a:fld id="{75D18932-EBB2-4301-9A79-EB382E33F227}" type="datetimeFigureOut">
               <a:rPr lang="zh-CN" altLang="en-US" smtClean="0"/>
+              <a:t>2019/8/12</a:t>
             </a:fld>
             <a:endParaRPr lang="zh-CN" altLang="en-US"/>
           </a:p>
@@ -4105,6 +4049,7 @@
           <a:p>
             <a:fld id="{17CD2A25-3FD3-4A48-893A-4C9E0DF714A6}" type="slidenum">
               <a:rPr lang="zh-CN" altLang="en-US" smtClean="0"/>
+              <a:t>‹#›</a:t>
             </a:fld>
             <a:endParaRPr lang="zh-CN" altLang="en-US"/>
           </a:p>
@@ -4163,7 +4108,6 @@
               <a:rPr lang="zh-CN" altLang="en-US"/>
               <a:t>单击此处编辑母版标题样式</a:t>
             </a:r>
-            <a:endParaRPr lang="zh-CN" altLang="en-US"/>
           </a:p>
         </p:txBody>
       </p:sp>
@@ -4220,7 +4164,6 @@
               <a:rPr lang="zh-CN" altLang="en-US"/>
               <a:t>单击此处编辑母版文本样式</a:t>
             </a:r>
-            <a:endParaRPr lang="zh-CN" altLang="en-US"/>
           </a:p>
           <a:p>
             <a:pPr lvl="1"/>
@@ -4228,7 +4171,6 @@
               <a:rPr lang="zh-CN" altLang="en-US"/>
               <a:t>二级</a:t>
             </a:r>
-            <a:endParaRPr lang="zh-CN" altLang="en-US"/>
           </a:p>
           <a:p>
             <a:pPr lvl="2"/>
@@ -4236,7 +4178,6 @@
               <a:rPr lang="zh-CN" altLang="en-US"/>
               <a:t>三级</a:t>
             </a:r>
-            <a:endParaRPr lang="zh-CN" altLang="en-US"/>
           </a:p>
           <a:p>
             <a:pPr lvl="3"/>
@@ -4244,7 +4185,6 @@
               <a:rPr lang="zh-CN" altLang="en-US"/>
               <a:t>四级</a:t>
             </a:r>
-            <a:endParaRPr lang="zh-CN" altLang="en-US"/>
           </a:p>
           <a:p>
             <a:pPr lvl="4"/>
@@ -4252,7 +4192,6 @@
               <a:rPr lang="zh-CN" altLang="en-US"/>
               <a:t>五级</a:t>
             </a:r>
-            <a:endParaRPr lang="zh-CN" altLang="en-US"/>
           </a:p>
         </p:txBody>
       </p:sp>
@@ -4318,7 +4257,6 @@
               <a:rPr lang="zh-CN" altLang="en-US"/>
               <a:t>单击此处编辑母版文本样式</a:t>
             </a:r>
-            <a:endParaRPr lang="zh-CN" altLang="en-US"/>
           </a:p>
         </p:txBody>
       </p:sp>
@@ -4339,6 +4277,7 @@
           <a:p>
             <a:fld id="{75D18932-EBB2-4301-9A79-EB382E33F227}" type="datetimeFigureOut">
               <a:rPr lang="zh-CN" altLang="en-US" smtClean="0"/>
+              <a:t>2019/8/12</a:t>
             </a:fld>
             <a:endParaRPr lang="zh-CN" altLang="en-US"/>
           </a:p>
@@ -4380,6 +4319,7 @@
           <a:p>
             <a:fld id="{17CD2A25-3FD3-4A48-893A-4C9E0DF714A6}" type="slidenum">
               <a:rPr lang="zh-CN" altLang="en-US" smtClean="0"/>
+              <a:t>‹#›</a:t>
             </a:fld>
             <a:endParaRPr lang="zh-CN" altLang="en-US"/>
           </a:p>
@@ -4438,7 +4378,6 @@
               <a:rPr lang="zh-CN" altLang="en-US"/>
               <a:t>单击此处编辑母版标题样式</a:t>
             </a:r>
-            <a:endParaRPr lang="zh-CN" altLang="en-US"/>
           </a:p>
         </p:txBody>
       </p:sp>
@@ -4565,7 +4504,6 @@
               <a:rPr lang="zh-CN" altLang="en-US"/>
               <a:t>单击此处编辑母版文本样式</a:t>
             </a:r>
-            <a:endParaRPr lang="zh-CN" altLang="en-US"/>
           </a:p>
         </p:txBody>
       </p:sp>
@@ -4586,6 +4524,7 @@
           <a:p>
             <a:fld id="{75D18932-EBB2-4301-9A79-EB382E33F227}" type="datetimeFigureOut">
               <a:rPr lang="zh-CN" altLang="en-US" smtClean="0"/>
+              <a:t>2019/8/12</a:t>
             </a:fld>
             <a:endParaRPr lang="zh-CN" altLang="en-US"/>
           </a:p>
@@ -4627,6 +4566,7 @@
           <a:p>
             <a:fld id="{17CD2A25-3FD3-4A48-893A-4C9E0DF714A6}" type="slidenum">
               <a:rPr lang="zh-CN" altLang="en-US" smtClean="0"/>
+              <a:t>‹#›</a:t>
             </a:fld>
             <a:endParaRPr lang="zh-CN" altLang="en-US"/>
           </a:p>
@@ -4691,7 +4631,6 @@
               <a:rPr lang="zh-CN" altLang="en-US"/>
               <a:t>单击此处编辑母版标题样式</a:t>
             </a:r>
-            <a:endParaRPr lang="zh-CN" altLang="en-US"/>
           </a:p>
         </p:txBody>
       </p:sp>
@@ -4725,7 +4664,6 @@
               <a:rPr lang="zh-CN" altLang="en-US"/>
               <a:t>单击此处编辑母版文本样式</a:t>
             </a:r>
-            <a:endParaRPr lang="zh-CN" altLang="en-US"/>
           </a:p>
           <a:p>
             <a:pPr lvl="1"/>
@@ -4733,7 +4671,6 @@
               <a:rPr lang="zh-CN" altLang="en-US"/>
               <a:t>二级</a:t>
             </a:r>
-            <a:endParaRPr lang="zh-CN" altLang="en-US"/>
           </a:p>
           <a:p>
             <a:pPr lvl="2"/>
@@ -4741,7 +4678,6 @@
               <a:rPr lang="zh-CN" altLang="en-US"/>
               <a:t>三级</a:t>
             </a:r>
-            <a:endParaRPr lang="zh-CN" altLang="en-US"/>
           </a:p>
           <a:p>
             <a:pPr lvl="3"/>
@@ -4749,7 +4685,6 @@
               <a:rPr lang="zh-CN" altLang="en-US"/>
               <a:t>四级</a:t>
             </a:r>
-            <a:endParaRPr lang="zh-CN" altLang="en-US"/>
           </a:p>
           <a:p>
             <a:pPr lvl="4"/>
@@ -4757,7 +4692,6 @@
               <a:rPr lang="zh-CN" altLang="en-US"/>
               <a:t>五级</a:t>
             </a:r>
-            <a:endParaRPr lang="zh-CN" altLang="en-US"/>
           </a:p>
         </p:txBody>
       </p:sp>
@@ -4796,6 +4730,7 @@
           <a:p>
             <a:fld id="{75D18932-EBB2-4301-9A79-EB382E33F227}" type="datetimeFigureOut">
               <a:rPr lang="zh-CN" altLang="en-US" smtClean="0"/>
+              <a:t>2019/8/12</a:t>
             </a:fld>
             <a:endParaRPr lang="zh-CN" altLang="en-US"/>
           </a:p>
@@ -4873,6 +4808,7 @@
           <a:p>
             <a:fld id="{17CD2A25-3FD3-4A48-893A-4C9E0DF714A6}" type="slidenum">
               <a:rPr lang="zh-CN" altLang="en-US" smtClean="0"/>
+              <a:t>‹#›</a:t>
             </a:fld>
             <a:endParaRPr lang="zh-CN" altLang="en-US"/>
           </a:p>
@@ -5228,7 +5164,6 @@
               <a:rPr lang="zh-CN" altLang="en-US"/>
               <a:t>单击此处编辑母版标题样式</a:t>
             </a:r>
-            <a:endParaRPr lang="zh-CN" altLang="en-US"/>
           </a:p>
         </p:txBody>
       </p:sp>
@@ -5262,7 +5197,6 @@
               <a:rPr lang="zh-CN" altLang="en-US"/>
               <a:t>单击此处编辑母版文本样式</a:t>
             </a:r>
-            <a:endParaRPr lang="zh-CN" altLang="en-US"/>
           </a:p>
           <a:p>
             <a:pPr lvl="1"/>
@@ -5270,7 +5204,6 @@
               <a:rPr lang="zh-CN" altLang="en-US"/>
               <a:t>二级</a:t>
             </a:r>
-            <a:endParaRPr lang="zh-CN" altLang="en-US"/>
           </a:p>
           <a:p>
             <a:pPr lvl="2"/>
@@ -5278,7 +5211,6 @@
               <a:rPr lang="zh-CN" altLang="en-US"/>
               <a:t>三级</a:t>
             </a:r>
-            <a:endParaRPr lang="zh-CN" altLang="en-US"/>
           </a:p>
           <a:p>
             <a:pPr lvl="3"/>
@@ -5286,7 +5218,6 @@
               <a:rPr lang="zh-CN" altLang="en-US"/>
               <a:t>四级</a:t>
             </a:r>
-            <a:endParaRPr lang="zh-CN" altLang="en-US"/>
           </a:p>
           <a:p>
             <a:pPr lvl="4"/>
@@ -5294,7 +5225,6 @@
               <a:rPr lang="zh-CN" altLang="en-US"/>
               <a:t>五级</a:t>
             </a:r>
-            <a:endParaRPr lang="zh-CN" altLang="en-US"/>
           </a:p>
         </p:txBody>
       </p:sp>
@@ -5333,6 +5263,7 @@
           <a:p>
             <a:fld id="{75D18932-EBB2-4301-9A79-EB382E33F227}" type="datetimeFigureOut">
               <a:rPr lang="zh-CN" altLang="en-US" smtClean="0"/>
+              <a:t>2019/8/12</a:t>
             </a:fld>
             <a:endParaRPr lang="zh-CN" altLang="en-US"/>
           </a:p>
@@ -5410,6 +5341,7 @@
           <a:p>
             <a:fld id="{17CD2A25-3FD3-4A48-893A-4C9E0DF714A6}" type="slidenum">
               <a:rPr lang="zh-CN" altLang="en-US" smtClean="0"/>
+              <a:t>‹#›</a:t>
             </a:fld>
             <a:endParaRPr lang="zh-CN" altLang="en-US"/>
           </a:p>
@@ -5768,7 +5700,6 @@
               <a:rPr lang="zh-CN" altLang="en-US" dirty="0"/>
               <a:t>简介</a:t>
             </a:r>
-            <a:endParaRPr lang="zh-CN" altLang="en-US" dirty="0"/>
           </a:p>
           <a:p>
             <a:r>
@@ -5799,7 +5730,6 @@
               <a:rPr lang="zh-CN" altLang="en-US" dirty="0"/>
               <a:t>架构图</a:t>
             </a:r>
-            <a:endParaRPr lang="zh-CN" altLang="en-US" dirty="0"/>
           </a:p>
           <a:p>
             <a:r>
@@ -5810,7 +5740,6 @@
               <a:rPr lang="zh-CN" altLang="en-US" dirty="0"/>
               <a:t>分词流程</a:t>
             </a:r>
-            <a:endParaRPr lang="zh-CN" altLang="en-US" dirty="0"/>
           </a:p>
           <a:p>
             <a:r>
@@ -5829,7 +5758,6 @@
               <a:rPr lang="zh-CN" altLang="en-US" dirty="0"/>
               <a:t>标签提取	 特殊字符转换</a:t>
             </a:r>
-            <a:endParaRPr lang="zh-CN" altLang="en-US" dirty="0"/>
           </a:p>
           <a:p>
             <a:r>
@@ -5844,7 +5772,6 @@
               <a:rPr lang="zh-CN" altLang="en-US" dirty="0"/>
               <a:t>空格分词</a:t>
             </a:r>
-            <a:endParaRPr lang="zh-CN" altLang="en-US" dirty="0"/>
           </a:p>
           <a:p>
             <a:r>
@@ -5863,14 +5790,12 @@
               <a:rPr lang="zh-CN" altLang="en-US" dirty="0"/>
               <a:t>转小写  词干提取  同义词变换</a:t>
             </a:r>
-            <a:endParaRPr lang="zh-CN" altLang="en-US" dirty="0"/>
           </a:p>
           <a:p>
             <a:r>
               <a:rPr lang="zh-CN" altLang="en-US" dirty="0"/>
               <a:t>	示例	</a:t>
             </a:r>
-            <a:endParaRPr lang="zh-CN" altLang="en-US" dirty="0"/>
           </a:p>
           <a:p>
             <a:r>
@@ -5881,7 +5806,6 @@
               <a:rPr lang="zh-CN" altLang="en-US" dirty="0"/>
               <a:t>索引文件结构</a:t>
             </a:r>
-            <a:endParaRPr lang="zh-CN" altLang="en-US" dirty="0"/>
           </a:p>
           <a:p>
             <a:r>
@@ -5919,7 +5843,6 @@
               <a:rPr lang="en-US" altLang="zh-CN" dirty="0"/>
               <a:t>	2. doc values </a:t>
             </a:r>
-            <a:endParaRPr lang="en-US" altLang="zh-CN" dirty="0"/>
           </a:p>
           <a:p>
             <a:r>
@@ -5938,21 +5861,18 @@
               <a:rPr lang="zh-CN" altLang="en-US" dirty="0"/>
               <a:t>的比较：</a:t>
             </a:r>
-            <a:endParaRPr lang="zh-CN" altLang="en-US" dirty="0"/>
           </a:p>
           <a:p>
             <a:r>
               <a:rPr lang="zh-CN" altLang="en-US" dirty="0"/>
               <a:t>		行式存储与列式存储结构的比较</a:t>
             </a:r>
-            <a:endParaRPr lang="zh-CN" altLang="en-US" dirty="0"/>
           </a:p>
           <a:p>
             <a:r>
               <a:rPr lang="zh-CN" altLang="en-US" dirty="0"/>
               <a:t>		适用场景的比较</a:t>
             </a:r>
-            <a:endParaRPr lang="zh-CN" altLang="en-US" dirty="0"/>
           </a:p>
           <a:p>
             <a:r>
@@ -5967,7 +5887,6 @@
               <a:rPr lang="zh-CN" altLang="en-US" dirty="0"/>
               <a:t>调用时间的比较	</a:t>
             </a:r>
-            <a:endParaRPr lang="zh-CN" altLang="en-US" dirty="0"/>
           </a:p>
           <a:p>
             <a:r>
@@ -5986,7 +5905,6 @@
               <a:rPr lang="en-US" altLang="zh-CN" dirty="0"/>
               <a:t>FST </a:t>
             </a:r>
-            <a:endParaRPr lang="en-US" altLang="zh-CN" dirty="0"/>
           </a:p>
           <a:p>
             <a:r>
@@ -6001,7 +5919,6 @@
               <a:rPr lang="en-US" altLang="zh-CN" dirty="0"/>
               <a:t> </a:t>
             </a:r>
-            <a:endParaRPr lang="en-US" altLang="zh-CN" dirty="0"/>
           </a:p>
           <a:p>
             <a:r>
@@ -6012,7 +5929,6 @@
               <a:rPr lang="zh-CN" altLang="en-US" dirty="0"/>
               <a:t>示例： </a:t>
             </a:r>
-            <a:endParaRPr lang="zh-CN" altLang="en-US" dirty="0"/>
           </a:p>
           <a:p>
             <a:r>
@@ -6035,14 +5951,12 @@
               <a:rPr lang="zh-CN" altLang="en-US" dirty="0"/>
               <a:t>？倒排表的合并）</a:t>
             </a:r>
-            <a:endParaRPr lang="zh-CN" altLang="en-US" dirty="0"/>
           </a:p>
           <a:p>
             <a:r>
               <a:rPr lang="zh-CN" altLang="en-US" dirty="0"/>
               <a:t>		价格排序，	</a:t>
             </a:r>
-            <a:endParaRPr lang="zh-CN" altLang="en-US" dirty="0"/>
           </a:p>
           <a:p>
             <a:r>
@@ -6073,21 +5987,18 @@
               <a:rPr lang="zh-CN" altLang="en-US" dirty="0"/>
               <a:t>的小根堆，这也是不适合做深分页的原因）</a:t>
             </a:r>
-            <a:endParaRPr lang="zh-CN" altLang="en-US" dirty="0"/>
           </a:p>
           <a:p>
             <a:r>
               <a:rPr lang="zh-CN" altLang="en-US" dirty="0"/>
               <a:t>		获取字段信息，</a:t>
             </a:r>
-            <a:endParaRPr lang="zh-CN" altLang="en-US" dirty="0"/>
           </a:p>
           <a:p>
             <a:r>
               <a:rPr lang="zh-CN" altLang="en-US" dirty="0"/>
               <a:t>		高亮显示</a:t>
             </a:r>
-            <a:endParaRPr lang="zh-CN" altLang="en-US" dirty="0"/>
           </a:p>
           <a:p>
             <a:endParaRPr lang="zh-CN" altLang="en-US" dirty="0"/>
@@ -6101,7 +6012,6 @@
               <a:rPr lang="zh-CN" altLang="en-US" dirty="0"/>
               <a:t>行式存储</a:t>
             </a:r>
-            <a:endParaRPr lang="zh-CN" altLang="en-US" dirty="0"/>
           </a:p>
           <a:p>
             <a:r>
@@ -6116,7 +6026,6 @@
               <a:rPr lang="zh-CN" altLang="en-US" dirty="0"/>
               <a:t>列式存储 </a:t>
             </a:r>
-            <a:endParaRPr lang="zh-CN" altLang="en-US" dirty="0"/>
           </a:p>
           <a:p>
             <a:endParaRPr lang="zh-CN" altLang="en-US" dirty="0"/>
@@ -6146,7 +6055,6 @@
               <a:rPr lang="en-US" altLang="zh-CN" dirty="0"/>
               <a:t>, positions </a:t>
             </a:r>
-            <a:endParaRPr lang="en-US" altLang="zh-CN" dirty="0"/>
           </a:p>
           <a:p>
             <a:r>
@@ -6177,6 +6085,8 @@
               <a:rPr lang="zh-CN" altLang="en-US" dirty="0"/>
               <a:t>高亮  </a:t>
             </a:r>
+          </a:p>
+          <a:p>
             <a:endParaRPr lang="zh-CN" altLang="en-US" dirty="0"/>
           </a:p>
           <a:p>
@@ -6206,12 +6116,65 @@
           <a:p>
             <a:endParaRPr lang="zh-CN" altLang="en-US" dirty="0"/>
           </a:p>
-          <a:p>
+        </p:txBody>
+      </p:sp>
+    </p:spTree>
+  </p:cSld>
+  <p:clrMapOvr>
+    <a:masterClrMapping/>
+  </p:clrMapOvr>
+</p:sld>
+</file>
+
+<file path=ppt/slides/slide10.xml><?xml version="1.0" encoding="utf-8"?>
+<p:sld xmlns:a="http://schemas.openxmlformats.org/drawingml/2006/main" xmlns:r="http://schemas.openxmlformats.org/officeDocument/2006/relationships" xmlns:p="http://schemas.openxmlformats.org/presentationml/2006/main">
+  <p:cSld>
+    <p:spTree>
+      <p:nvGrpSpPr>
+        <p:cNvPr id="1" name=""/>
+        <p:cNvGrpSpPr/>
+        <p:nvPr/>
+      </p:nvGrpSpPr>
+      <p:grpSpPr>
+        <a:xfrm>
+          <a:off x="0" y="0"/>
+          <a:ext cx="0" cy="0"/>
+          <a:chOff x="0" y="0"/>
+          <a:chExt cx="0" cy="0"/>
+        </a:xfrm>
+      </p:grpSpPr>
+      <p:sp>
+        <p:nvSpPr>
+          <p:cNvPr id="3" name="标题 2"/>
+          <p:cNvSpPr>
+            <a:spLocks noGrp="1"/>
+          </p:cNvSpPr>
+          <p:nvPr>
+            <p:ph type="title"/>
+          </p:nvPr>
+        </p:nvSpPr>
+        <p:spPr/>
+        <p:txBody>
+          <a:bodyPr/>
+          <a:lstStyle/>
+          <a:p>
+            <a:r>
+              <a:rPr lang="en-US" altLang="zh-CN" dirty="0"/>
+              <a:t>Term Vector</a:t>
+            </a:r>
+            <a:br>
+              <a:rPr lang="en-US" altLang="zh-CN" dirty="0"/>
+            </a:br>
             <a:endParaRPr lang="zh-CN" altLang="en-US" dirty="0"/>
           </a:p>
         </p:txBody>
       </p:sp>
     </p:spTree>
+    <p:extLst>
+      <p:ext uri="{BB962C8B-B14F-4D97-AF65-F5344CB8AC3E}">
+        <p14:creationId xmlns:p14="http://schemas.microsoft.com/office/powerpoint/2010/main" val="2909769710"/>
+      </p:ext>
+    </p:extLst>
   </p:cSld>
   <p:clrMapOvr>
     <a:masterClrMapping/>
@@ -6253,7 +6216,7 @@
           <a:p>
             <a:r>
               <a:rPr lang="en-US" altLang="zh-CN" dirty="0"/>
-              <a:t>Postings</a:t>
+              <a:t>Dictionary &amp; Postings</a:t>
             </a:r>
             <a:br>
               <a:rPr lang="en-US" altLang="zh-CN" dirty="0"/>
@@ -6279,7 +6242,74 @@
         <p:cNvGrpSpPr/>
         <p:nvPr/>
       </p:nvGrpSpPr>
-      <p:grpSpPr/>
+      <p:grpSpPr>
+        <a:xfrm>
+          <a:off x="0" y="0"/>
+          <a:ext cx="0" cy="0"/>
+          <a:chOff x="0" y="0"/>
+          <a:chExt cx="0" cy="0"/>
+        </a:xfrm>
+      </p:grpSpPr>
+      <p:pic>
+        <p:nvPicPr>
+          <p:cNvPr id="4" name="图片 3">
+            <a:extLst>
+              <a:ext uri="{FF2B5EF4-FFF2-40B4-BE49-F238E27FC236}">
+                <a16:creationId xmlns:a16="http://schemas.microsoft.com/office/drawing/2014/main" id="{A10EF8EA-1E09-4705-8988-526670233590}"/>
+              </a:ext>
+            </a:extLst>
+          </p:cNvPr>
+          <p:cNvPicPr>
+            <a:picLocks noChangeAspect="1"/>
+          </p:cNvPicPr>
+          <p:nvPr/>
+        </p:nvPicPr>
+        <p:blipFill>
+          <a:blip r:embed="rId2"/>
+          <a:stretch>
+            <a:fillRect/>
+          </a:stretch>
+        </p:blipFill>
+        <p:spPr>
+          <a:xfrm>
+            <a:off x="4319587" y="1528762"/>
+            <a:ext cx="3552825" cy="3800475"/>
+          </a:xfrm>
+          <a:prstGeom prst="rect">
+            <a:avLst/>
+          </a:prstGeom>
+        </p:spPr>
+      </p:pic>
+    </p:spTree>
+    <p:extLst>
+      <p:ext uri="{BB962C8B-B14F-4D97-AF65-F5344CB8AC3E}">
+        <p14:creationId xmlns:p14="http://schemas.microsoft.com/office/powerpoint/2010/main" val="1950809756"/>
+      </p:ext>
+    </p:extLst>
+  </p:cSld>
+  <p:clrMapOvr>
+    <a:masterClrMapping/>
+  </p:clrMapOvr>
+</p:sld>
+</file>
+
+<file path=ppt/slides/slide4.xml><?xml version="1.0" encoding="utf-8"?>
+<p:sld xmlns:a="http://schemas.openxmlformats.org/drawingml/2006/main" xmlns:r="http://schemas.openxmlformats.org/officeDocument/2006/relationships" xmlns:p="http://schemas.openxmlformats.org/presentationml/2006/main">
+  <p:cSld>
+    <p:spTree>
+      <p:nvGrpSpPr>
+        <p:cNvPr id="1" name=""/>
+        <p:cNvGrpSpPr/>
+        <p:nvPr/>
+      </p:nvGrpSpPr>
+      <p:grpSpPr>
+        <a:xfrm>
+          <a:off x="0" y="0"/>
+          <a:ext cx="0" cy="0"/>
+          <a:chOff x="0" y="0"/>
+          <a:chExt cx="0" cy="0"/>
+        </a:xfrm>
+      </p:grpSpPr>
       <p:sp>
         <p:nvSpPr>
           <p:cNvPr id="4" name="矩形 3"/>
@@ -6313,13 +6343,13 @@
         </p:style>
         <p:txBody>
           <a:bodyPr rtlCol="0" anchor="ctr"/>
+          <a:lstStyle/>
           <a:p>
             <a:pPr algn="ctr"/>
             <a:r>
               <a:rPr lang="en-US" altLang="zh-CN" dirty="0" err="1"/>
               <a:t>Header</a:t>
             </a:r>
-            <a:endParaRPr lang="en-US" altLang="zh-CN" dirty="0" err="1"/>
           </a:p>
         </p:txBody>
       </p:sp>
@@ -6356,13 +6386,13 @@
         </p:style>
         <p:txBody>
           <a:bodyPr rtlCol="0" anchor="ctr"/>
+          <a:lstStyle/>
           <a:p>
             <a:pPr algn="ctr"/>
             <a:r>
               <a:rPr lang="en-US" altLang="zh-CN" dirty="0"/>
               <a:t>FSTIndex</a:t>
             </a:r>
-            <a:endParaRPr lang="en-US" altLang="zh-CN" dirty="0"/>
           </a:p>
         </p:txBody>
       </p:sp>
@@ -6399,13 +6429,13 @@
         </p:style>
         <p:txBody>
           <a:bodyPr rtlCol="0" anchor="ctr"/>
+          <a:lstStyle/>
           <a:p>
             <a:pPr algn="ctr"/>
             <a:r>
               <a:rPr lang="en-US" altLang="zh-CN" dirty="0"/>
               <a:t>FSTIndex</a:t>
             </a:r>
-            <a:endParaRPr lang="en-US" altLang="zh-CN" dirty="0"/>
           </a:p>
         </p:txBody>
       </p:sp>
@@ -6446,6 +6476,7 @@
         </p:style>
         <p:txBody>
           <a:bodyPr rtlCol="0" anchor="ctr"/>
+          <a:lstStyle/>
           <a:p>
             <a:pPr algn="ctr"/>
             <a:r>
@@ -6456,11 +6487,6 @@
               </a:rPr>
               <a:t>......</a:t>
             </a:r>
-            <a:endParaRPr lang="en-US" altLang="zh-CN" dirty="0">
-              <a:solidFill>
-                <a:schemeClr val="tx1"/>
-              </a:solidFill>
-            </a:endParaRPr>
           </a:p>
         </p:txBody>
       </p:sp>
@@ -6497,13 +6523,13 @@
         </p:style>
         <p:txBody>
           <a:bodyPr rtlCol="0" anchor="ctr"/>
+          <a:lstStyle/>
           <a:p>
             <a:pPr algn="ctr"/>
             <a:r>
               <a:rPr lang="en-US" altLang="zh-CN" dirty="0"/>
               <a:t>FSTIndex</a:t>
             </a:r>
-            <a:endParaRPr lang="en-US" altLang="zh-CN" dirty="0"/>
           </a:p>
         </p:txBody>
       </p:sp>
@@ -6540,13 +6566,13 @@
         </p:style>
         <p:txBody>
           <a:bodyPr rtlCol="0" anchor="ctr"/>
+          <a:lstStyle/>
           <a:p>
             <a:pPr algn="ctr"/>
             <a:r>
               <a:rPr lang="en-US" altLang="zh-CN" dirty="0" err="1"/>
               <a:t>IndexStartFPs</a:t>
             </a:r>
-            <a:endParaRPr lang="en-US" altLang="zh-CN" dirty="0" err="1"/>
           </a:p>
         </p:txBody>
       </p:sp>
@@ -6583,13 +6609,13 @@
         </p:style>
         <p:txBody>
           <a:bodyPr rtlCol="0" anchor="ctr"/>
+          <a:lstStyle/>
           <a:p>
             <a:pPr algn="ctr"/>
             <a:r>
               <a:rPr lang="en-US" altLang="zh-CN" dirty="0" err="1"/>
               <a:t>Footer</a:t>
             </a:r>
-            <a:endParaRPr lang="en-US" altLang="zh-CN" dirty="0" err="1"/>
           </a:p>
         </p:txBody>
       </p:sp>
@@ -6626,13 +6652,13 @@
         </p:style>
         <p:txBody>
           <a:bodyPr rtlCol="0" anchor="ctr"/>
+          <a:lstStyle/>
           <a:p>
             <a:pPr algn="ctr"/>
             <a:r>
               <a:rPr lang="en-US" altLang="zh-CN"/>
               <a:t>a</a:t>
             </a:r>
-            <a:endParaRPr lang="en-US" altLang="zh-CN"/>
           </a:p>
         </p:txBody>
       </p:sp>
@@ -6669,13 +6695,13 @@
         </p:style>
         <p:txBody>
           <a:bodyPr rtlCol="0" anchor="ctr"/>
+          <a:lstStyle/>
           <a:p>
             <a:pPr algn="ctr"/>
             <a:r>
               <a:rPr lang="en-US" altLang="zh-CN"/>
               <a:t>b</a:t>
             </a:r>
-            <a:endParaRPr lang="en-US" altLang="zh-CN"/>
           </a:p>
         </p:txBody>
       </p:sp>
@@ -6712,13 +6738,13 @@
         </p:style>
         <p:txBody>
           <a:bodyPr rtlCol="0" anchor="ctr"/>
+          <a:lstStyle/>
           <a:p>
             <a:pPr algn="ctr"/>
             <a:r>
               <a:rPr lang="en-US" altLang="zh-CN"/>
               <a:t>p</a:t>
             </a:r>
-            <a:endParaRPr lang="en-US" altLang="zh-CN"/>
           </a:p>
         </p:txBody>
       </p:sp>
@@ -6755,13 +6781,13 @@
         </p:style>
         <p:txBody>
           <a:bodyPr rtlCol="0" anchor="ctr"/>
+          <a:lstStyle/>
           <a:p>
             <a:pPr algn="ctr"/>
             <a:r>
               <a:rPr lang="en-US" altLang="zh-CN"/>
               <a:t>a</a:t>
             </a:r>
-            <a:endParaRPr lang="en-US" altLang="zh-CN"/>
           </a:p>
         </p:txBody>
       </p:sp>
@@ -6798,13 +6824,13 @@
         </p:style>
         <p:txBody>
           <a:bodyPr rtlCol="0" anchor="ctr"/>
+          <a:lstStyle/>
           <a:p>
             <a:pPr algn="ctr"/>
             <a:r>
               <a:rPr lang="en-US" altLang="zh-CN"/>
               <a:t>p</a:t>
             </a:r>
-            <a:endParaRPr lang="en-US" altLang="zh-CN"/>
           </a:p>
         </p:txBody>
       </p:sp>
@@ -6993,6 +7019,7 @@
           <a:bodyPr wrap="none" rtlCol="0">
             <a:spAutoFit/>
           </a:bodyPr>
+          <a:lstStyle/>
           <a:p>
             <a:r>
               <a:rPr lang="en-US" altLang="zh-CN" dirty="0"/>
@@ -7009,7 +7036,6 @@
               <a:rPr lang="zh-CN" altLang="en-US" dirty="0"/>
               <a:t>全部加载在内存中</a:t>
             </a:r>
-            <a:endParaRPr lang="zh-CN" altLang="en-US" dirty="0"/>
           </a:p>
         </p:txBody>
       </p:sp>
@@ -7031,6 +7057,7 @@
             <a:solidFill>
               <a:schemeClr val="tx1"/>
             </a:solidFill>
+            <a:prstDash val="dash"/>
           </a:ln>
         </p:spPr>
         <p:style>
@@ -7081,13 +7108,13 @@
         </p:style>
         <p:txBody>
           <a:bodyPr rtlCol="0" anchor="ctr"/>
+          <a:lstStyle/>
           <a:p>
             <a:pPr algn="ctr"/>
             <a:r>
               <a:rPr lang="en-US" altLang="zh-CN" dirty="0" err="1"/>
               <a:t>Header</a:t>
             </a:r>
-            <a:endParaRPr lang="en-US" altLang="zh-CN" dirty="0" err="1"/>
           </a:p>
         </p:txBody>
       </p:sp>
@@ -7124,13 +7151,13 @@
         </p:style>
         <p:txBody>
           <a:bodyPr rtlCol="0" anchor="ctr"/>
+          <a:lstStyle/>
           <a:p>
             <a:pPr algn="ctr"/>
             <a:r>
               <a:rPr lang="en-US" altLang="zh-CN" dirty="0"/>
               <a:t>Block</a:t>
             </a:r>
-            <a:endParaRPr lang="en-US" altLang="zh-CN" dirty="0"/>
           </a:p>
         </p:txBody>
       </p:sp>
@@ -7167,13 +7194,13 @@
         </p:style>
         <p:txBody>
           <a:bodyPr rtlCol="0" anchor="ctr"/>
+          <a:lstStyle/>
           <a:p>
             <a:pPr algn="ctr"/>
             <a:r>
               <a:rPr lang="en-US" altLang="zh-CN" dirty="0"/>
               <a:t>Block</a:t>
             </a:r>
-            <a:endParaRPr lang="en-US" altLang="zh-CN" dirty="0"/>
           </a:p>
         </p:txBody>
       </p:sp>
@@ -7214,6 +7241,7 @@
         </p:style>
         <p:txBody>
           <a:bodyPr rtlCol="0" anchor="ctr"/>
+          <a:lstStyle/>
           <a:p>
             <a:pPr algn="ctr"/>
             <a:r>
@@ -7224,11 +7252,6 @@
               </a:rPr>
               <a:t>......</a:t>
             </a:r>
-            <a:endParaRPr lang="en-US" altLang="zh-CN" dirty="0">
-              <a:solidFill>
-                <a:schemeClr val="tx1"/>
-              </a:solidFill>
-            </a:endParaRPr>
           </a:p>
         </p:txBody>
       </p:sp>
@@ -7265,13 +7288,13 @@
         </p:style>
         <p:txBody>
           <a:bodyPr rtlCol="0" anchor="ctr"/>
+          <a:lstStyle/>
           <a:p>
             <a:pPr algn="ctr"/>
             <a:r>
               <a:rPr lang="en-US" altLang="zh-CN" dirty="0"/>
               <a:t>Block</a:t>
             </a:r>
-            <a:endParaRPr lang="en-US" altLang="zh-CN" dirty="0"/>
           </a:p>
         </p:txBody>
       </p:sp>
@@ -7308,13 +7331,13 @@
         </p:style>
         <p:txBody>
           <a:bodyPr rtlCol="0" anchor="ctr"/>
+          <a:lstStyle/>
           <a:p>
             <a:pPr algn="ctr"/>
             <a:r>
               <a:rPr lang="en-US" altLang="zh-CN" dirty="0" err="1"/>
               <a:t>Footer</a:t>
             </a:r>
-            <a:endParaRPr lang="en-US" altLang="zh-CN" dirty="0" err="1"/>
           </a:p>
         </p:txBody>
       </p:sp>
@@ -7461,6 +7484,7 @@
           <a:bodyPr wrap="none" rtlCol="0">
             <a:spAutoFit/>
           </a:bodyPr>
+          <a:lstStyle/>
           <a:p>
             <a:r>
               <a:rPr lang="en-US" altLang="zh-CN" sz="1200" dirty="0"/>
@@ -7495,7 +7519,6 @@
               <a:rPr lang="zh-CN" altLang="en-US" sz="1200" dirty="0"/>
               <a:t>节省内存，前缀匹配</a:t>
             </a:r>
-            <a:endParaRPr lang="zh-CN" altLang="en-US" sz="1200" dirty="0"/>
           </a:p>
         </p:txBody>
       </p:sp>
@@ -7532,13 +7555,13 @@
         </p:style>
         <p:txBody>
           <a:bodyPr rtlCol="0" anchor="ctr"/>
+          <a:lstStyle/>
           <a:p>
             <a:pPr algn="ctr"/>
             <a:r>
               <a:rPr lang="en-US" altLang="zh-CN" dirty="0"/>
               <a:t>Suffix</a:t>
             </a:r>
-            <a:endParaRPr lang="en-US" altLang="zh-CN" dirty="0"/>
           </a:p>
         </p:txBody>
       </p:sp>
@@ -7575,13 +7598,13 @@
         </p:style>
         <p:txBody>
           <a:bodyPr rtlCol="0" anchor="ctr"/>
+          <a:lstStyle/>
           <a:p>
             <a:pPr algn="ctr"/>
             <a:r>
               <a:rPr lang="en-US" altLang="zh-CN" dirty="0"/>
               <a:t>Suffix</a:t>
             </a:r>
-            <a:endParaRPr lang="en-US" altLang="zh-CN" dirty="0"/>
           </a:p>
         </p:txBody>
       </p:sp>
@@ -7618,13 +7641,13 @@
         </p:style>
         <p:txBody>
           <a:bodyPr rtlCol="0" anchor="ctr"/>
+          <a:lstStyle/>
           <a:p>
             <a:pPr algn="ctr"/>
             <a:r>
               <a:rPr lang="en-US" altLang="zh-CN" dirty="0"/>
               <a:t>Suffix</a:t>
             </a:r>
-            <a:endParaRPr lang="en-US" altLang="zh-CN" dirty="0"/>
           </a:p>
         </p:txBody>
       </p:sp>
@@ -7665,6 +7688,7 @@
         </p:style>
         <p:txBody>
           <a:bodyPr rtlCol="0" anchor="ctr"/>
+          <a:lstStyle/>
           <a:p>
             <a:pPr algn="ctr"/>
             <a:r>
@@ -7675,11 +7699,6 @@
               </a:rPr>
               <a:t>...</a:t>
             </a:r>
-            <a:endParaRPr lang="en-US" altLang="zh-CN" dirty="0">
-              <a:solidFill>
-                <a:schemeClr val="tx1"/>
-              </a:solidFill>
-            </a:endParaRPr>
           </a:p>
         </p:txBody>
       </p:sp>
@@ -7716,13 +7735,13 @@
         </p:style>
         <p:txBody>
           <a:bodyPr rtlCol="0" anchor="ctr"/>
+          <a:lstStyle/>
           <a:p>
             <a:pPr algn="ctr"/>
             <a:r>
               <a:rPr lang="en-US" altLang="zh-CN" dirty="0"/>
               <a:t>Stat</a:t>
             </a:r>
-            <a:endParaRPr lang="en-US" altLang="zh-CN" dirty="0"/>
           </a:p>
         </p:txBody>
       </p:sp>
@@ -7759,13 +7778,13 @@
         </p:style>
         <p:txBody>
           <a:bodyPr rtlCol="0" anchor="ctr"/>
+          <a:lstStyle/>
           <a:p>
             <a:pPr algn="ctr"/>
             <a:r>
               <a:rPr lang="en-US" altLang="zh-CN" dirty="0"/>
               <a:t>Stat</a:t>
             </a:r>
-            <a:endParaRPr lang="en-US" altLang="zh-CN" dirty="0"/>
           </a:p>
         </p:txBody>
       </p:sp>
@@ -7802,13 +7821,13 @@
         </p:style>
         <p:txBody>
           <a:bodyPr rtlCol="0" anchor="ctr"/>
+          <a:lstStyle/>
           <a:p>
             <a:pPr algn="ctr"/>
             <a:r>
               <a:rPr lang="en-US" altLang="zh-CN" dirty="0"/>
               <a:t>Stat</a:t>
             </a:r>
-            <a:endParaRPr lang="en-US" altLang="zh-CN" dirty="0"/>
           </a:p>
         </p:txBody>
       </p:sp>
@@ -7849,6 +7868,7 @@
         </p:style>
         <p:txBody>
           <a:bodyPr rtlCol="0" anchor="ctr"/>
+          <a:lstStyle/>
           <a:p>
             <a:pPr algn="ctr"/>
             <a:r>
@@ -7859,11 +7879,6 @@
               </a:rPr>
               <a:t>...</a:t>
             </a:r>
-            <a:endParaRPr lang="en-US" altLang="zh-CN" dirty="0">
-              <a:solidFill>
-                <a:schemeClr val="tx1"/>
-              </a:solidFill>
-            </a:endParaRPr>
           </a:p>
         </p:txBody>
       </p:sp>
@@ -7900,13 +7915,13 @@
         </p:style>
         <p:txBody>
           <a:bodyPr rtlCol="0" anchor="ctr"/>
+          <a:lstStyle/>
           <a:p>
             <a:pPr algn="ctr"/>
             <a:r>
               <a:rPr lang="en-US" altLang="zh-CN" dirty="0"/>
               <a:t>Meta</a:t>
             </a:r>
-            <a:endParaRPr lang="en-US" altLang="zh-CN" dirty="0"/>
           </a:p>
         </p:txBody>
       </p:sp>
@@ -7943,13 +7958,13 @@
         </p:style>
         <p:txBody>
           <a:bodyPr rtlCol="0" anchor="ctr"/>
+          <a:lstStyle/>
           <a:p>
             <a:pPr algn="ctr"/>
             <a:r>
               <a:rPr lang="en-US" altLang="zh-CN" dirty="0"/>
               <a:t>Meta</a:t>
             </a:r>
-            <a:endParaRPr lang="en-US" altLang="zh-CN" dirty="0"/>
           </a:p>
         </p:txBody>
       </p:sp>
@@ -7986,13 +8001,13 @@
         </p:style>
         <p:txBody>
           <a:bodyPr rtlCol="0" anchor="ctr"/>
+          <a:lstStyle/>
           <a:p>
             <a:pPr algn="ctr"/>
             <a:r>
               <a:rPr lang="en-US" altLang="zh-CN" dirty="0"/>
               <a:t>Meta</a:t>
             </a:r>
-            <a:endParaRPr lang="en-US" altLang="zh-CN" dirty="0"/>
           </a:p>
         </p:txBody>
       </p:sp>
@@ -8066,8 +8081,401 @@
         </p:nvSpPr>
         <p:spPr>
           <a:xfrm>
-            <a:off x="5362575" y="3248025"/>
-            <a:ext cx="1037590" cy="460375"/>
+            <a:off x="617219" y="6158863"/>
+            <a:ext cx="2331086" cy="276999"/>
+          </a:xfrm>
+          <a:prstGeom prst="rect">
+            <a:avLst/>
+          </a:prstGeom>
+          <a:noFill/>
+        </p:spPr>
+        <p:txBody>
+          <a:bodyPr wrap="square" rtlCol="0">
+            <a:spAutoFit/>
+          </a:bodyPr>
+          <a:lstStyle/>
+          <a:p>
+            <a:r>
+              <a:rPr lang="zh-CN" altLang="en-US" sz="1200" dirty="0"/>
+              <a:t>一个</a:t>
+            </a:r>
+            <a:r>
+              <a:rPr lang="en-US" altLang="zh-CN" sz="1200" dirty="0"/>
+              <a:t>block</a:t>
+            </a:r>
+            <a:r>
+              <a:rPr lang="zh-CN" altLang="en-US" sz="1200" dirty="0"/>
+              <a:t>中</a:t>
+            </a:r>
+            <a:r>
+              <a:rPr lang="en-US" altLang="zh-CN" sz="1200" dirty="0"/>
+              <a:t>25-48</a:t>
+            </a:r>
+            <a:r>
+              <a:rPr lang="zh-CN" altLang="en-US" sz="1200" dirty="0"/>
+              <a:t>个</a:t>
+            </a:r>
+            <a:r>
+              <a:rPr lang="en-US" altLang="zh-CN" sz="1200" dirty="0"/>
+              <a:t>term</a:t>
+            </a:r>
+          </a:p>
+        </p:txBody>
+      </p:sp>
+      <p:graphicFrame>
+        <p:nvGraphicFramePr>
+          <p:cNvPr id="3" name="表格 2">
+            <a:extLst>
+              <a:ext uri="{FF2B5EF4-FFF2-40B4-BE49-F238E27FC236}">
+                <a16:creationId xmlns:a16="http://schemas.microsoft.com/office/drawing/2014/main" id="{7AC4EA93-09CC-4076-8E13-F38781B59B89}"/>
+              </a:ext>
+            </a:extLst>
+          </p:cNvPr>
+          <p:cNvGraphicFramePr>
+            <a:graphicFrameLocks noGrp="1"/>
+          </p:cNvGraphicFramePr>
+          <p:nvPr>
+            <p:extLst>
+              <p:ext uri="{D42A27DB-BD31-4B8C-83A1-F6EECF244321}">
+                <p14:modId xmlns:p14="http://schemas.microsoft.com/office/powerpoint/2010/main" val="3619029605"/>
+              </p:ext>
+            </p:extLst>
+          </p:nvPr>
+        </p:nvGraphicFramePr>
+        <p:xfrm>
+          <a:off x="606475" y="4236719"/>
+          <a:ext cx="4454791" cy="1854200"/>
+        </p:xfrm>
+        <a:graphic>
+          <a:graphicData uri="http://schemas.openxmlformats.org/drawingml/2006/table">
+            <a:tbl>
+              <a:tblPr firstRow="1" bandRow="1">
+                <a:tableStyleId>{5C22544A-7EE6-4342-B048-85BDC9FD1C3A}</a:tableStyleId>
+              </a:tblPr>
+              <a:tblGrid>
+                <a:gridCol w="1342134">
+                  <a:extLst>
+                    <a:ext uri="{9D8B030D-6E8A-4147-A177-3AD203B41FA5}">
+                      <a16:colId xmlns:a16="http://schemas.microsoft.com/office/drawing/2014/main" val="2795552367"/>
+                    </a:ext>
+                  </a:extLst>
+                </a:gridCol>
+                <a:gridCol w="1099542">
+                  <a:extLst>
+                    <a:ext uri="{9D8B030D-6E8A-4147-A177-3AD203B41FA5}">
+                      <a16:colId xmlns:a16="http://schemas.microsoft.com/office/drawing/2014/main" val="3276900149"/>
+                    </a:ext>
+                  </a:extLst>
+                </a:gridCol>
+                <a:gridCol w="2013115">
+                  <a:extLst>
+                    <a:ext uri="{9D8B030D-6E8A-4147-A177-3AD203B41FA5}">
+                      <a16:colId xmlns:a16="http://schemas.microsoft.com/office/drawing/2014/main" val="3728430961"/>
+                    </a:ext>
+                  </a:extLst>
+                </a:gridCol>
+              </a:tblGrid>
+              <a:tr h="370840">
+                <a:tc>
+                  <a:txBody>
+                    <a:bodyPr/>
+                    <a:lstStyle/>
+                    <a:p>
+                      <a:r>
+                        <a:rPr lang="en-US" altLang="zh-CN" dirty="0"/>
+                        <a:t>suffix</a:t>
+                      </a:r>
+                      <a:endParaRPr lang="zh-CN" altLang="en-US" dirty="0"/>
+                    </a:p>
+                  </a:txBody>
+                  <a:tcPr/>
+                </a:tc>
+                <a:tc>
+                  <a:txBody>
+                    <a:bodyPr/>
+                    <a:lstStyle/>
+                    <a:p>
+                      <a:r>
+                        <a:rPr lang="en-US" altLang="zh-CN" dirty="0" err="1"/>
+                        <a:t>docFreq</a:t>
+                      </a:r>
+                      <a:endParaRPr lang="zh-CN" altLang="en-US" dirty="0"/>
+                    </a:p>
+                  </a:txBody>
+                  <a:tcPr/>
+                </a:tc>
+                <a:tc>
+                  <a:txBody>
+                    <a:bodyPr/>
+                    <a:lstStyle/>
+                    <a:p>
+                      <a:r>
+                        <a:rPr lang="en-US" altLang="zh-CN" dirty="0" err="1"/>
+                        <a:t>postingsPointer</a:t>
+                      </a:r>
+                      <a:endParaRPr lang="zh-CN" altLang="en-US" dirty="0"/>
+                    </a:p>
+                  </a:txBody>
+                  <a:tcPr/>
+                </a:tc>
+                <a:extLst>
+                  <a:ext uri="{0D108BD9-81ED-4DB2-BD59-A6C34878D82A}">
+                    <a16:rowId xmlns:a16="http://schemas.microsoft.com/office/drawing/2014/main" val="2209012217"/>
+                  </a:ext>
+                </a:extLst>
+              </a:tr>
+              <a:tr h="370840">
+                <a:tc>
+                  <a:txBody>
+                    <a:bodyPr/>
+                    <a:lstStyle/>
+                    <a:p>
+                      <a:r>
+                        <a:rPr lang="en-US" altLang="zh-CN" strike="sngStrike" dirty="0"/>
+                        <a:t>app</a:t>
+                      </a:r>
+                      <a:r>
+                        <a:rPr lang="en-US" altLang="zh-CN" dirty="0">
+                          <a:solidFill>
+                            <a:srgbClr val="FF0000"/>
+                          </a:solidFill>
+                        </a:rPr>
+                        <a:t>end</a:t>
+                      </a:r>
+                      <a:endParaRPr lang="zh-CN" altLang="en-US" dirty="0">
+                        <a:solidFill>
+                          <a:srgbClr val="FF0000"/>
+                        </a:solidFill>
+                      </a:endParaRPr>
+                    </a:p>
+                  </a:txBody>
+                  <a:tcPr/>
+                </a:tc>
+                <a:tc>
+                  <a:txBody>
+                    <a:bodyPr/>
+                    <a:lstStyle/>
+                    <a:p>
+                      <a:r>
+                        <a:rPr lang="en-US" altLang="zh-CN" dirty="0"/>
+                        <a:t>15</a:t>
+                      </a:r>
+                      <a:endParaRPr lang="zh-CN" altLang="en-US" dirty="0"/>
+                    </a:p>
+                  </a:txBody>
+                  <a:tcPr/>
+                </a:tc>
+                <a:tc>
+                  <a:txBody>
+                    <a:bodyPr/>
+                    <a:lstStyle/>
+                    <a:p>
+                      <a:pPr marL="0" marR="0" lvl="0" indent="0" algn="l" defTabSz="914400" rtl="0" eaLnBrk="1" fontAlgn="auto" latinLnBrk="0" hangingPunct="1">
+                        <a:lnSpc>
+                          <a:spcPct val="100000"/>
+                        </a:lnSpc>
+                        <a:spcBef>
+                          <a:spcPts val="0"/>
+                        </a:spcBef>
+                        <a:spcAft>
+                          <a:spcPts val="0"/>
+                        </a:spcAft>
+                        <a:buClrTx/>
+                        <a:buSzTx/>
+                        <a:buFontTx/>
+                        <a:buNone/>
+                        <a:tabLst/>
+                        <a:defRPr/>
+                      </a:pPr>
+                      <a:r>
+                        <a:rPr lang="zh-CN" altLang="en-US" dirty="0"/>
+                        <a:t>指向倒排表的指针</a:t>
+                      </a:r>
+                    </a:p>
+                  </a:txBody>
+                  <a:tcPr/>
+                </a:tc>
+                <a:extLst>
+                  <a:ext uri="{0D108BD9-81ED-4DB2-BD59-A6C34878D82A}">
+                    <a16:rowId xmlns:a16="http://schemas.microsoft.com/office/drawing/2014/main" val="2444453964"/>
+                  </a:ext>
+                </a:extLst>
+              </a:tr>
+              <a:tr h="370840">
+                <a:tc>
+                  <a:txBody>
+                    <a:bodyPr/>
+                    <a:lstStyle/>
+                    <a:p>
+                      <a:r>
+                        <a:rPr lang="en-US" altLang="zh-CN" strike="sngStrike" dirty="0"/>
+                        <a:t>app</a:t>
+                      </a:r>
+                      <a:r>
+                        <a:rPr lang="en-US" altLang="zh-CN" dirty="0">
+                          <a:solidFill>
+                            <a:srgbClr val="FF0000"/>
+                          </a:solidFill>
+                        </a:rPr>
+                        <a:t>le</a:t>
+                      </a:r>
+                      <a:endParaRPr lang="zh-CN" altLang="en-US" dirty="0">
+                        <a:solidFill>
+                          <a:srgbClr val="FF0000"/>
+                        </a:solidFill>
+                      </a:endParaRPr>
+                    </a:p>
+                  </a:txBody>
+                  <a:tcPr/>
+                </a:tc>
+                <a:tc>
+                  <a:txBody>
+                    <a:bodyPr/>
+                    <a:lstStyle/>
+                    <a:p>
+                      <a:r>
+                        <a:rPr lang="en-US" altLang="zh-CN" dirty="0"/>
+                        <a:t>4</a:t>
+                      </a:r>
+                      <a:endParaRPr lang="zh-CN" altLang="en-US" dirty="0"/>
+                    </a:p>
+                  </a:txBody>
+                  <a:tcPr/>
+                </a:tc>
+                <a:tc>
+                  <a:txBody>
+                    <a:bodyPr/>
+                    <a:lstStyle/>
+                    <a:p>
+                      <a:endParaRPr lang="zh-CN" altLang="en-US" dirty="0"/>
+                    </a:p>
+                  </a:txBody>
+                  <a:tcPr/>
+                </a:tc>
+                <a:extLst>
+                  <a:ext uri="{0D108BD9-81ED-4DB2-BD59-A6C34878D82A}">
+                    <a16:rowId xmlns:a16="http://schemas.microsoft.com/office/drawing/2014/main" val="4103011943"/>
+                  </a:ext>
+                </a:extLst>
+              </a:tr>
+              <a:tr h="370840">
+                <a:tc>
+                  <a:txBody>
+                    <a:bodyPr/>
+                    <a:lstStyle/>
+                    <a:p>
+                      <a:r>
+                        <a:rPr lang="en-US" altLang="zh-CN" strike="sngStrike" dirty="0"/>
+                        <a:t>app</a:t>
+                      </a:r>
+                      <a:r>
+                        <a:rPr lang="en-US" altLang="zh-CN" dirty="0">
+                          <a:solidFill>
+                            <a:srgbClr val="FF0000"/>
+                          </a:solidFill>
+                        </a:rPr>
+                        <a:t>lication</a:t>
+                      </a:r>
+                      <a:endParaRPr lang="zh-CN" altLang="en-US" dirty="0">
+                        <a:solidFill>
+                          <a:srgbClr val="FF0000"/>
+                        </a:solidFill>
+                      </a:endParaRPr>
+                    </a:p>
+                  </a:txBody>
+                  <a:tcPr/>
+                </a:tc>
+                <a:tc>
+                  <a:txBody>
+                    <a:bodyPr/>
+                    <a:lstStyle/>
+                    <a:p>
+                      <a:r>
+                        <a:rPr lang="en-US" altLang="zh-CN" dirty="0"/>
+                        <a:t>9</a:t>
+                      </a:r>
+                      <a:endParaRPr lang="zh-CN" altLang="en-US" dirty="0"/>
+                    </a:p>
+                  </a:txBody>
+                  <a:tcPr/>
+                </a:tc>
+                <a:tc>
+                  <a:txBody>
+                    <a:bodyPr/>
+                    <a:lstStyle/>
+                    <a:p>
+                      <a:endParaRPr lang="zh-CN" altLang="en-US"/>
+                    </a:p>
+                  </a:txBody>
+                  <a:tcPr/>
+                </a:tc>
+                <a:extLst>
+                  <a:ext uri="{0D108BD9-81ED-4DB2-BD59-A6C34878D82A}">
+                    <a16:rowId xmlns:a16="http://schemas.microsoft.com/office/drawing/2014/main" val="3293912759"/>
+                  </a:ext>
+                </a:extLst>
+              </a:tr>
+              <a:tr h="370840">
+                <a:tc>
+                  <a:txBody>
+                    <a:bodyPr/>
+                    <a:lstStyle/>
+                    <a:p>
+                      <a:r>
+                        <a:rPr lang="en-US" altLang="zh-CN" dirty="0"/>
+                        <a:t>…</a:t>
+                      </a:r>
+                      <a:endParaRPr lang="zh-CN" altLang="en-US" dirty="0"/>
+                    </a:p>
+                  </a:txBody>
+                  <a:tcPr/>
+                </a:tc>
+                <a:tc>
+                  <a:txBody>
+                    <a:bodyPr/>
+                    <a:lstStyle/>
+                    <a:p>
+                      <a:endParaRPr lang="zh-CN" altLang="en-US"/>
+                    </a:p>
+                  </a:txBody>
+                  <a:tcPr/>
+                </a:tc>
+                <a:tc>
+                  <a:txBody>
+                    <a:bodyPr/>
+                    <a:lstStyle/>
+                    <a:p>
+                      <a:endParaRPr lang="zh-CN" altLang="en-US" dirty="0"/>
+                    </a:p>
+                  </a:txBody>
+                  <a:tcPr/>
+                </a:tc>
+                <a:extLst>
+                  <a:ext uri="{0D108BD9-81ED-4DB2-BD59-A6C34878D82A}">
+                    <a16:rowId xmlns:a16="http://schemas.microsoft.com/office/drawing/2014/main" val="1469707356"/>
+                  </a:ext>
+                </a:extLst>
+              </a:tr>
+            </a:tbl>
+          </a:graphicData>
+        </a:graphic>
+      </p:graphicFrame>
+      <p:sp>
+        <p:nvSpPr>
+          <p:cNvPr id="48" name="文本框 47">
+            <a:extLst>
+              <a:ext uri="{FF2B5EF4-FFF2-40B4-BE49-F238E27FC236}">
+                <a16:creationId xmlns:a16="http://schemas.microsoft.com/office/drawing/2014/main" id="{0E1B16F9-0E41-4632-BBCD-6E7831A0F520}"/>
+              </a:ext>
+            </a:extLst>
+          </p:cNvPr>
+          <p:cNvSpPr txBox="1"/>
+          <p:nvPr/>
+        </p:nvSpPr>
+        <p:spPr>
+          <a:xfrm>
+            <a:off x="165307" y="2706830"/>
+            <a:ext cx="1141659" cy="646331"/>
           </a:xfrm>
           <a:prstGeom prst="rect">
             <a:avLst/>
@@ -8078,290 +8486,569 @@
           <a:bodyPr wrap="none" rtlCol="0">
             <a:spAutoFit/>
           </a:bodyPr>
-          <a:p>
-            <a:r>
-              <a:rPr lang="zh-CN" altLang="en-US" sz="1200"/>
-              <a:t>一个</a:t>
-            </a:r>
-            <a:r>
-              <a:rPr lang="en-US" altLang="zh-CN" sz="1200"/>
-              <a:t>block</a:t>
-            </a:r>
-            <a:r>
-              <a:rPr lang="zh-CN" altLang="en-US" sz="1200"/>
-              <a:t>中</a:t>
-            </a:r>
-            <a:br>
-              <a:rPr lang="zh-CN" altLang="en-US" sz="1200"/>
-            </a:br>
-            <a:r>
-              <a:rPr lang="en-US" altLang="zh-CN" sz="1200"/>
-              <a:t>25-48</a:t>
-            </a:r>
-            <a:r>
-              <a:rPr lang="zh-CN" altLang="en-US" sz="1200"/>
-              <a:t>个</a:t>
-            </a:r>
-            <a:r>
-              <a:rPr lang="en-US" altLang="zh-CN" sz="1200"/>
-              <a:t>term</a:t>
-            </a:r>
-            <a:endParaRPr lang="en-US" altLang="zh-CN" sz="1200"/>
-          </a:p>
-        </p:txBody>
-      </p:sp>
-    </p:spTree>
-  </p:cSld>
-  <p:clrMapOvr>
-    <a:masterClrMapping/>
-  </p:clrMapOvr>
-</p:sld>
-</file>
-
-<file path=ppt/slides/slide4.xml><?xml version="1.0" encoding="utf-8"?>
-<p:sld xmlns:a="http://schemas.openxmlformats.org/drawingml/2006/main" xmlns:r="http://schemas.openxmlformats.org/officeDocument/2006/relationships" xmlns:p="http://schemas.openxmlformats.org/presentationml/2006/main">
-  <p:cSld>
-    <p:spTree>
-      <p:nvGrpSpPr>
-        <p:cNvPr id="1" name=""/>
-        <p:cNvGrpSpPr/>
-        <p:nvPr/>
-      </p:nvGrpSpPr>
-      <p:grpSpPr>
-        <a:xfrm>
-          <a:off x="0" y="0"/>
-          <a:ext cx="0" cy="0"/>
-          <a:chOff x="0" y="0"/>
-          <a:chExt cx="0" cy="0"/>
-        </a:xfrm>
-      </p:grpSpPr>
-      <p:sp>
-        <p:nvSpPr>
-          <p:cNvPr id="2" name="标题 1"/>
-          <p:cNvSpPr>
-            <a:spLocks noGrp="1"/>
-          </p:cNvSpPr>
-          <p:nvPr>
-            <p:ph type="title"/>
-          </p:nvPr>
-        </p:nvSpPr>
-        <p:spPr/>
-        <p:txBody>
-          <a:bodyPr/>
-          <a:lstStyle/>
-          <a:p>
+          <a:lstStyle/>
+          <a:p>
+            <a:r>
+              <a:rPr lang="en-US" altLang="zh-CN" dirty="0"/>
+              <a:t>.</a:t>
+            </a:r>
+            <a:r>
+              <a:rPr lang="en-US" altLang="zh-CN" dirty="0" err="1"/>
+              <a:t>tim</a:t>
+            </a:r>
             <a:r>
               <a:rPr lang="zh-CN" altLang="en-US" dirty="0"/>
-              <a:t>根据</a:t>
-            </a:r>
+              <a:t>文件  </a:t>
+            </a:r>
+            <a:endParaRPr lang="en-US" altLang="zh-CN" dirty="0"/>
+          </a:p>
+          <a:p>
+            <a:r>
+              <a:rPr lang="zh-CN" altLang="en-US" dirty="0"/>
+              <a:t>在磁盘上</a:t>
+            </a:r>
+          </a:p>
+        </p:txBody>
+      </p:sp>
+      <p:sp>
+        <p:nvSpPr>
+          <p:cNvPr id="55" name="文本框 54">
+            <a:extLst>
+              <a:ext uri="{FF2B5EF4-FFF2-40B4-BE49-F238E27FC236}">
+                <a16:creationId xmlns:a16="http://schemas.microsoft.com/office/drawing/2014/main" id="{69C225C5-FCBF-4CC7-995D-E5219F76D945}"/>
+              </a:ext>
+            </a:extLst>
+          </p:cNvPr>
+          <p:cNvSpPr txBox="1"/>
+          <p:nvPr/>
+        </p:nvSpPr>
+        <p:spPr>
+          <a:xfrm>
+            <a:off x="10911948" y="2706830"/>
+            <a:ext cx="1192955" cy="646331"/>
+          </a:xfrm>
+          <a:prstGeom prst="rect">
+            <a:avLst/>
+          </a:prstGeom>
+          <a:noFill/>
+        </p:spPr>
+        <p:txBody>
+          <a:bodyPr wrap="none" rtlCol="0">
+            <a:spAutoFit/>
+          </a:bodyPr>
+          <a:lstStyle/>
+          <a:p>
             <a:r>
               <a:rPr lang="en-US" altLang="zh-CN" dirty="0"/>
-              <a:t>Term</a:t>
+              <a:t>.doc</a:t>
             </a:r>
             <a:r>
               <a:rPr lang="zh-CN" altLang="en-US" dirty="0"/>
-              <a:t>查找所有匹配的文档</a:t>
-            </a:r>
-            <a:r>
-              <a:rPr lang="en-US" altLang="zh-CN" dirty="0"/>
-              <a:t>id</a:t>
-            </a:r>
-            <a:endParaRPr lang="zh-CN" altLang="en-US" dirty="0"/>
-          </a:p>
-        </p:txBody>
-      </p:sp>
-      <p:sp>
-        <p:nvSpPr>
-          <p:cNvPr id="3" name="内容占位符 2"/>
-          <p:cNvSpPr>
-            <a:spLocks noGrp="1"/>
-          </p:cNvSpPr>
-          <p:nvPr>
-            <p:ph idx="1"/>
-          </p:nvPr>
-        </p:nvSpPr>
-        <p:spPr/>
-        <p:txBody>
-          <a:bodyPr/>
-          <a:lstStyle/>
-          <a:p>
-            <a:pPr marL="0" indent="0">
-              <a:buNone/>
-            </a:pPr>
+              <a:t>文件  </a:t>
+            </a:r>
+            <a:endParaRPr lang="en-US" altLang="zh-CN" dirty="0"/>
+          </a:p>
+          <a:p>
             <a:r>
               <a:rPr lang="zh-CN" altLang="en-US" dirty="0"/>
-              <a:t>以</a:t>
-            </a:r>
-            <a:r>
-              <a:rPr lang="en-US" altLang="zh-CN" dirty="0"/>
-              <a:t>Term(goodsTitle, </a:t>
-            </a:r>
+              <a:t>在磁盘上</a:t>
+            </a:r>
+          </a:p>
+        </p:txBody>
+      </p:sp>
+      <p:cxnSp>
+        <p:nvCxnSpPr>
+          <p:cNvPr id="59" name="直接连接符 58">
+            <a:extLst>
+              <a:ext uri="{FF2B5EF4-FFF2-40B4-BE49-F238E27FC236}">
+                <a16:creationId xmlns:a16="http://schemas.microsoft.com/office/drawing/2014/main" id="{5AC21BFC-66E0-400A-A50B-DF9D8591C356}"/>
+              </a:ext>
+            </a:extLst>
+          </p:cNvPr>
+          <p:cNvCxnSpPr>
+            <a:cxnSpLocks/>
+          </p:cNvCxnSpPr>
+          <p:nvPr/>
+        </p:nvCxnSpPr>
+        <p:spPr>
+          <a:xfrm flipV="1">
+            <a:off x="5260022" y="2639060"/>
+            <a:ext cx="3989689" cy="4218940"/>
+          </a:xfrm>
+          <a:prstGeom prst="line">
+            <a:avLst/>
+          </a:prstGeom>
+          <a:ln w="19050">
+            <a:solidFill>
+              <a:schemeClr val="tx1"/>
+            </a:solidFill>
+            <a:prstDash val="dash"/>
+          </a:ln>
+        </p:spPr>
+        <p:style>
+          <a:lnRef idx="1">
+            <a:schemeClr val="accent1"/>
+          </a:lnRef>
+          <a:fillRef idx="0">
+            <a:schemeClr val="accent1"/>
+          </a:fillRef>
+          <a:effectRef idx="0">
+            <a:schemeClr val="accent1"/>
+          </a:effectRef>
+          <a:fontRef idx="minor">
+            <a:schemeClr val="tx1"/>
+          </a:fontRef>
+        </p:style>
+      </p:cxnSp>
+      <p:sp>
+        <p:nvSpPr>
+          <p:cNvPr id="60" name="矩形 59">
+            <a:extLst>
+              <a:ext uri="{FF2B5EF4-FFF2-40B4-BE49-F238E27FC236}">
+                <a16:creationId xmlns:a16="http://schemas.microsoft.com/office/drawing/2014/main" id="{9CDFE345-D0FA-4D8D-A59E-147633D0D40B}"/>
+              </a:ext>
+            </a:extLst>
+          </p:cNvPr>
+          <p:cNvSpPr/>
+          <p:nvPr/>
+        </p:nvSpPr>
+        <p:spPr>
+          <a:xfrm>
+            <a:off x="7939869" y="6435862"/>
+            <a:ext cx="1098749" cy="358140"/>
+          </a:xfrm>
+          <a:prstGeom prst="rect">
+            <a:avLst/>
+          </a:prstGeom>
+        </p:spPr>
+        <p:style>
+          <a:lnRef idx="2">
+            <a:schemeClr val="accent6">
+              <a:shade val="50000"/>
+            </a:schemeClr>
+          </a:lnRef>
+          <a:fillRef idx="1">
+            <a:schemeClr val="accent6"/>
+          </a:fillRef>
+          <a:effectRef idx="0">
+            <a:schemeClr val="accent6"/>
+          </a:effectRef>
+          <a:fontRef idx="minor">
+            <a:schemeClr val="lt1"/>
+          </a:fontRef>
+        </p:style>
+        <p:txBody>
+          <a:bodyPr rtlCol="0" anchor="ctr"/>
+          <a:lstStyle/>
+          <a:p>
+            <a:pPr algn="ctr"/>
+            <a:r>
+              <a:rPr lang="en-US" altLang="zh-CN" dirty="0" err="1"/>
+              <a:t>skipdatas</a:t>
+            </a:r>
+            <a:endParaRPr lang="en-US" altLang="zh-CN" dirty="0"/>
+          </a:p>
+        </p:txBody>
+      </p:sp>
+      <p:sp>
+        <p:nvSpPr>
+          <p:cNvPr id="61" name="矩形 60">
+            <a:extLst>
+              <a:ext uri="{FF2B5EF4-FFF2-40B4-BE49-F238E27FC236}">
+                <a16:creationId xmlns:a16="http://schemas.microsoft.com/office/drawing/2014/main" id="{147912F3-195B-4189-9656-5D398AD2C853}"/>
+              </a:ext>
+            </a:extLst>
+          </p:cNvPr>
+          <p:cNvSpPr/>
+          <p:nvPr/>
+        </p:nvSpPr>
+        <p:spPr>
+          <a:xfrm>
+            <a:off x="7211524" y="6435862"/>
+            <a:ext cx="728345" cy="358140"/>
+          </a:xfrm>
+          <a:prstGeom prst="rect">
+            <a:avLst/>
+          </a:prstGeom>
+        </p:spPr>
+        <p:style>
+          <a:lnRef idx="2">
+            <a:schemeClr val="accent6">
+              <a:shade val="50000"/>
+            </a:schemeClr>
+          </a:lnRef>
+          <a:fillRef idx="1">
+            <a:schemeClr val="accent6"/>
+          </a:fillRef>
+          <a:effectRef idx="0">
+            <a:schemeClr val="accent6"/>
+          </a:effectRef>
+          <a:fontRef idx="minor">
+            <a:schemeClr val="lt1"/>
+          </a:fontRef>
+        </p:style>
+        <p:txBody>
+          <a:bodyPr rtlCol="0" anchor="ctr"/>
+          <a:lstStyle/>
+          <a:p>
+            <a:pPr algn="ctr"/>
+            <a:r>
+              <a:rPr lang="en-US" altLang="zh-CN" dirty="0" err="1"/>
+              <a:t>freqs</a:t>
+            </a:r>
+            <a:endParaRPr lang="en-US" altLang="zh-CN" dirty="0"/>
+          </a:p>
+        </p:txBody>
+      </p:sp>
+      <p:sp>
+        <p:nvSpPr>
+          <p:cNvPr id="62" name="矩形 61">
+            <a:extLst>
+              <a:ext uri="{FF2B5EF4-FFF2-40B4-BE49-F238E27FC236}">
+                <a16:creationId xmlns:a16="http://schemas.microsoft.com/office/drawing/2014/main" id="{0795EF9D-808F-4BFE-B9A5-E8DD0F7DB51E}"/>
+              </a:ext>
+            </a:extLst>
+          </p:cNvPr>
+          <p:cNvSpPr/>
+          <p:nvPr/>
+        </p:nvSpPr>
+        <p:spPr>
+          <a:xfrm>
+            <a:off x="6217751" y="6435862"/>
+            <a:ext cx="995044" cy="358140"/>
+          </a:xfrm>
+          <a:prstGeom prst="rect">
+            <a:avLst/>
+          </a:prstGeom>
+        </p:spPr>
+        <p:style>
+          <a:lnRef idx="2">
+            <a:schemeClr val="accent6">
+              <a:shade val="50000"/>
+            </a:schemeClr>
+          </a:lnRef>
+          <a:fillRef idx="1">
+            <a:schemeClr val="accent6"/>
+          </a:fillRef>
+          <a:effectRef idx="0">
+            <a:schemeClr val="accent6"/>
+          </a:effectRef>
+          <a:fontRef idx="minor">
+            <a:schemeClr val="lt1"/>
+          </a:fontRef>
+        </p:style>
+        <p:txBody>
+          <a:bodyPr rtlCol="0" anchor="ctr"/>
+          <a:lstStyle/>
+          <a:p>
+            <a:pPr algn="ctr"/>
+            <a:r>
+              <a:rPr lang="en-US" altLang="zh-CN" dirty="0" err="1"/>
+              <a:t>docids</a:t>
+            </a:r>
+            <a:endParaRPr lang="en-US" altLang="zh-CN" dirty="0"/>
+          </a:p>
+        </p:txBody>
+      </p:sp>
+      <p:sp>
+        <p:nvSpPr>
+          <p:cNvPr id="63" name="矩形 62">
+            <a:extLst>
+              <a:ext uri="{FF2B5EF4-FFF2-40B4-BE49-F238E27FC236}">
+                <a16:creationId xmlns:a16="http://schemas.microsoft.com/office/drawing/2014/main" id="{D537B6D1-8E7E-4E5E-94F7-3946B7993B3B}"/>
+              </a:ext>
+            </a:extLst>
+          </p:cNvPr>
+          <p:cNvSpPr/>
+          <p:nvPr/>
+        </p:nvSpPr>
+        <p:spPr>
+          <a:xfrm>
+            <a:off x="9038619" y="6435862"/>
+            <a:ext cx="387710" cy="358140"/>
+          </a:xfrm>
+          <a:prstGeom prst="rect">
+            <a:avLst/>
+          </a:prstGeom>
+          <a:noFill/>
+          <a:ln>
+            <a:noFill/>
+          </a:ln>
+        </p:spPr>
+        <p:style>
+          <a:lnRef idx="2">
+            <a:schemeClr val="accent1">
+              <a:shade val="50000"/>
+            </a:schemeClr>
+          </a:lnRef>
+          <a:fillRef idx="1">
+            <a:schemeClr val="accent1"/>
+          </a:fillRef>
+          <a:effectRef idx="0">
+            <a:schemeClr val="accent1"/>
+          </a:effectRef>
+          <a:fontRef idx="minor">
+            <a:schemeClr val="lt1"/>
+          </a:fontRef>
+        </p:style>
+        <p:txBody>
+          <a:bodyPr rtlCol="0" anchor="ctr"/>
+          <a:lstStyle/>
+          <a:p>
+            <a:pPr algn="ctr"/>
             <a:r>
               <a:rPr lang="en-US" altLang="zh-CN" dirty="0">
                 <a:solidFill>
-                  <a:srgbClr val="FF0000"/>
+                  <a:schemeClr val="tx1"/>
                 </a:solidFill>
               </a:rPr>
-              <a:t>app</a:t>
-            </a:r>
-            <a:r>
-              <a:rPr lang="en-US" altLang="zh-CN" dirty="0">
-                <a:solidFill>
-                  <a:schemeClr val="accent6"/>
-                </a:solidFill>
-              </a:rPr>
-              <a:t>le</a:t>
-            </a:r>
-            <a:r>
-              <a:rPr lang="en-US" altLang="zh-CN" dirty="0"/>
-              <a:t>)</a:t>
-            </a:r>
-            <a:r>
-              <a:rPr lang="zh-CN" altLang="en-US" dirty="0"/>
-              <a:t>为例</a:t>
-            </a:r>
-            <a:endParaRPr lang="zh-CN" altLang="en-US" dirty="0"/>
-          </a:p>
-          <a:p>
-            <a:pPr marL="0" indent="0">
-              <a:buNone/>
-            </a:pPr>
-            <a:r>
-              <a:rPr lang="en-US" altLang="zh-CN" dirty="0"/>
-              <a:t>1. </a:t>
-            </a:r>
-            <a:r>
-              <a:rPr lang="zh-CN" altLang="en-US" dirty="0"/>
-              <a:t>找到</a:t>
-            </a:r>
-            <a:r>
-              <a:rPr lang="en-US" altLang="zh-CN" dirty="0"/>
-              <a:t>goodsTitle</a:t>
-            </a:r>
-            <a:r>
-              <a:rPr lang="zh-CN" altLang="en-US" dirty="0"/>
-              <a:t>字段对应的</a:t>
-            </a:r>
-            <a:r>
-              <a:rPr lang="en-US" altLang="zh-CN" dirty="0"/>
-              <a:t>FSTIndex</a:t>
+              <a:t>...</a:t>
+            </a:r>
+          </a:p>
+        </p:txBody>
+      </p:sp>
+      <p:sp>
+        <p:nvSpPr>
+          <p:cNvPr id="67" name="矩形 66">
+            <a:extLst>
+              <a:ext uri="{FF2B5EF4-FFF2-40B4-BE49-F238E27FC236}">
+                <a16:creationId xmlns:a16="http://schemas.microsoft.com/office/drawing/2014/main" id="{2AE2C420-9CB1-4E93-96A5-F54A9A99DABD}"/>
+              </a:ext>
+            </a:extLst>
+          </p:cNvPr>
+          <p:cNvSpPr/>
+          <p:nvPr/>
+        </p:nvSpPr>
+        <p:spPr>
+          <a:xfrm>
+            <a:off x="11092328" y="6435862"/>
+            <a:ext cx="1098749" cy="358140"/>
+          </a:xfrm>
+          <a:prstGeom prst="rect">
+            <a:avLst/>
+          </a:prstGeom>
+        </p:spPr>
+        <p:style>
+          <a:lnRef idx="2">
+            <a:schemeClr val="accent6">
+              <a:shade val="50000"/>
+            </a:schemeClr>
+          </a:lnRef>
+          <a:fillRef idx="1">
+            <a:schemeClr val="accent6"/>
+          </a:fillRef>
+          <a:effectRef idx="0">
+            <a:schemeClr val="accent6"/>
+          </a:effectRef>
+          <a:fontRef idx="minor">
+            <a:schemeClr val="lt1"/>
+          </a:fontRef>
+        </p:style>
+        <p:txBody>
+          <a:bodyPr rtlCol="0" anchor="ctr"/>
+          <a:lstStyle/>
+          <a:p>
+            <a:pPr algn="ctr"/>
+            <a:r>
+              <a:rPr lang="en-US" altLang="zh-CN" dirty="0" err="1"/>
+              <a:t>skipdatas</a:t>
             </a:r>
             <a:endParaRPr lang="en-US" altLang="zh-CN" dirty="0"/>
           </a:p>
-          <a:p>
-            <a:pPr marL="0" indent="0">
-              <a:buNone/>
-            </a:pPr>
-            <a:r>
-              <a:rPr lang="en-US" altLang="zh-CN" dirty="0"/>
-              <a:t>2. </a:t>
-            </a:r>
-            <a:r>
-              <a:rPr lang="zh-CN" altLang="en-US" dirty="0"/>
-              <a:t>在</a:t>
-            </a:r>
-            <a:r>
-              <a:rPr lang="en-US" altLang="zh-CN" dirty="0"/>
-              <a:t>FST</a:t>
-            </a:r>
-            <a:r>
-              <a:rPr lang="zh-CN" altLang="en-US" dirty="0"/>
-              <a:t>中对</a:t>
-            </a:r>
-            <a:r>
-              <a:rPr lang="en-US" altLang="zh-CN" dirty="0"/>
-              <a:t>apple</a:t>
-            </a:r>
-            <a:r>
-              <a:rPr lang="zh-CN" altLang="en-US" dirty="0"/>
-              <a:t>进行前缀匹配，匹配到</a:t>
-            </a:r>
-            <a:r>
-              <a:rPr lang="en-US" altLang="zh-CN" dirty="0"/>
-              <a:t>”</a:t>
-            </a:r>
-            <a:r>
-              <a:rPr lang="en-US" altLang="zh-CN" dirty="0">
-                <a:solidFill>
-                  <a:srgbClr val="FF0000"/>
-                </a:solidFill>
-              </a:rPr>
-              <a:t>app</a:t>
-            </a:r>
-            <a:r>
-              <a:rPr lang="en-US" altLang="zh-CN" dirty="0"/>
-              <a:t>”</a:t>
-            </a:r>
-            <a:r>
-              <a:rPr lang="zh-CN" altLang="en-US" dirty="0"/>
-              <a:t>三个字符</a:t>
-            </a:r>
-            <a:r>
-              <a:rPr lang="en-US" altLang="zh-CN" dirty="0"/>
-              <a:t>,</a:t>
-            </a:r>
-            <a:r>
-              <a:rPr lang="zh-CN" altLang="en-US" dirty="0"/>
-              <a:t>并获取到对应的</a:t>
-            </a:r>
-            <a:r>
-              <a:rPr lang="en-US" altLang="zh-CN" dirty="0"/>
-              <a:t>Block</a:t>
-            </a:r>
-            <a:r>
-              <a:rPr lang="zh-CN" altLang="en-US" dirty="0"/>
-              <a:t>在磁盘上的位置</a:t>
-            </a:r>
-            <a:endParaRPr lang="zh-CN" altLang="en-US" dirty="0"/>
-          </a:p>
-          <a:p>
-            <a:pPr marL="0" indent="0">
-              <a:buNone/>
-            </a:pPr>
-            <a:r>
-              <a:rPr lang="en-US" altLang="zh-CN" dirty="0"/>
-              <a:t>3. </a:t>
-            </a:r>
-            <a:r>
-              <a:rPr lang="zh-CN" altLang="en-US" dirty="0"/>
-              <a:t>从磁盘读取</a:t>
-            </a:r>
-            <a:r>
-              <a:rPr lang="en-US" altLang="zh-CN" dirty="0"/>
-              <a:t>Block</a:t>
-            </a:r>
-            <a:r>
-              <a:rPr lang="zh-CN" altLang="en-US" dirty="0"/>
-              <a:t>信息，对剩余的字符</a:t>
-            </a:r>
-            <a:r>
-              <a:rPr lang="en-US" altLang="zh-CN" dirty="0"/>
-              <a:t>”</a:t>
-            </a:r>
-            <a:r>
-              <a:rPr lang="en-US" altLang="zh-CN" dirty="0">
-                <a:solidFill>
-                  <a:schemeClr val="accent6"/>
-                </a:solidFill>
-              </a:rPr>
-              <a:t>le</a:t>
-            </a:r>
-            <a:r>
-              <a:rPr lang="en-US" altLang="zh-CN" dirty="0"/>
-              <a:t>”</a:t>
-            </a:r>
-            <a:r>
-              <a:rPr lang="zh-CN" altLang="en-US" dirty="0"/>
-              <a:t>进行后缀匹配，匹配完成后获取到</a:t>
-            </a:r>
-            <a:r>
-              <a:rPr lang="zh-CN" altLang="en-US" dirty="0"/>
-              <a:t>倒排表在磁盘的位置信息</a:t>
-            </a:r>
-            <a:endParaRPr lang="zh-CN" altLang="en-US" dirty="0"/>
-          </a:p>
-        </p:txBody>
-      </p:sp>
+        </p:txBody>
+      </p:sp>
+      <p:sp>
+        <p:nvSpPr>
+          <p:cNvPr id="68" name="矩形 67">
+            <a:extLst>
+              <a:ext uri="{FF2B5EF4-FFF2-40B4-BE49-F238E27FC236}">
+                <a16:creationId xmlns:a16="http://schemas.microsoft.com/office/drawing/2014/main" id="{B0918A7A-900C-4549-BD47-2C1902492418}"/>
+              </a:ext>
+            </a:extLst>
+          </p:cNvPr>
+          <p:cNvSpPr/>
+          <p:nvPr/>
+        </p:nvSpPr>
+        <p:spPr>
+          <a:xfrm>
+            <a:off x="10363983" y="6435862"/>
+            <a:ext cx="728345" cy="358140"/>
+          </a:xfrm>
+          <a:prstGeom prst="rect">
+            <a:avLst/>
+          </a:prstGeom>
+        </p:spPr>
+        <p:style>
+          <a:lnRef idx="2">
+            <a:schemeClr val="accent6">
+              <a:shade val="50000"/>
+            </a:schemeClr>
+          </a:lnRef>
+          <a:fillRef idx="1">
+            <a:schemeClr val="accent6"/>
+          </a:fillRef>
+          <a:effectRef idx="0">
+            <a:schemeClr val="accent6"/>
+          </a:effectRef>
+          <a:fontRef idx="minor">
+            <a:schemeClr val="lt1"/>
+          </a:fontRef>
+        </p:style>
+        <p:txBody>
+          <a:bodyPr rtlCol="0" anchor="ctr"/>
+          <a:lstStyle/>
+          <a:p>
+            <a:pPr algn="ctr"/>
+            <a:r>
+              <a:rPr lang="en-US" altLang="zh-CN" dirty="0" err="1"/>
+              <a:t>freqs</a:t>
+            </a:r>
+            <a:endParaRPr lang="en-US" altLang="zh-CN" dirty="0"/>
+          </a:p>
+        </p:txBody>
+      </p:sp>
+      <p:sp>
+        <p:nvSpPr>
+          <p:cNvPr id="69" name="矩形 68">
+            <a:extLst>
+              <a:ext uri="{FF2B5EF4-FFF2-40B4-BE49-F238E27FC236}">
+                <a16:creationId xmlns:a16="http://schemas.microsoft.com/office/drawing/2014/main" id="{AC91986D-510B-48A7-A76D-4B5DE0B6EF6B}"/>
+              </a:ext>
+            </a:extLst>
+          </p:cNvPr>
+          <p:cNvSpPr/>
+          <p:nvPr/>
+        </p:nvSpPr>
+        <p:spPr>
+          <a:xfrm>
+            <a:off x="9370210" y="6435862"/>
+            <a:ext cx="995044" cy="358140"/>
+          </a:xfrm>
+          <a:prstGeom prst="rect">
+            <a:avLst/>
+          </a:prstGeom>
+        </p:spPr>
+        <p:style>
+          <a:lnRef idx="2">
+            <a:schemeClr val="accent6">
+              <a:shade val="50000"/>
+            </a:schemeClr>
+          </a:lnRef>
+          <a:fillRef idx="1">
+            <a:schemeClr val="accent6"/>
+          </a:fillRef>
+          <a:effectRef idx="0">
+            <a:schemeClr val="accent6"/>
+          </a:effectRef>
+          <a:fontRef idx="minor">
+            <a:schemeClr val="lt1"/>
+          </a:fontRef>
+        </p:style>
+        <p:txBody>
+          <a:bodyPr rtlCol="0" anchor="ctr"/>
+          <a:lstStyle/>
+          <a:p>
+            <a:pPr algn="ctr"/>
+            <a:r>
+              <a:rPr lang="en-US" altLang="zh-CN" dirty="0" err="1"/>
+              <a:t>docids</a:t>
+            </a:r>
+            <a:endParaRPr lang="en-US" altLang="zh-CN" dirty="0"/>
+          </a:p>
+        </p:txBody>
+      </p:sp>
+      <p:cxnSp>
+        <p:nvCxnSpPr>
+          <p:cNvPr id="70" name="曲线连接符 34">
+            <a:extLst>
+              <a:ext uri="{FF2B5EF4-FFF2-40B4-BE49-F238E27FC236}">
+                <a16:creationId xmlns:a16="http://schemas.microsoft.com/office/drawing/2014/main" id="{3F27A6F5-143C-4CDC-A0DC-790A89B4376C}"/>
+              </a:ext>
+            </a:extLst>
+          </p:cNvPr>
+          <p:cNvCxnSpPr>
+            <a:cxnSpLocks/>
+          </p:cNvCxnSpPr>
+          <p:nvPr/>
+        </p:nvCxnSpPr>
+        <p:spPr>
+          <a:xfrm rot="16200000" flipH="1">
+            <a:off x="4779702" y="4997814"/>
+            <a:ext cx="1687262" cy="1188834"/>
+          </a:xfrm>
+          <a:prstGeom prst="curvedConnector3">
+            <a:avLst>
+              <a:gd name="adj1" fmla="val 50000"/>
+            </a:avLst>
+          </a:prstGeom>
+          <a:ln w="28575">
+            <a:solidFill>
+              <a:srgbClr val="FF0000"/>
+            </a:solidFill>
+            <a:tailEnd type="arrow"/>
+          </a:ln>
+        </p:spPr>
+        <p:style>
+          <a:lnRef idx="1">
+            <a:schemeClr val="accent1"/>
+          </a:lnRef>
+          <a:fillRef idx="0">
+            <a:schemeClr val="accent1"/>
+          </a:fillRef>
+          <a:effectRef idx="0">
+            <a:schemeClr val="accent1"/>
+          </a:effectRef>
+          <a:fontRef idx="minor">
+            <a:schemeClr val="tx1"/>
+          </a:fontRef>
+        </p:style>
+      </p:cxnSp>
+      <p:cxnSp>
+        <p:nvCxnSpPr>
+          <p:cNvPr id="71" name="曲线连接符 34">
+            <a:extLst>
+              <a:ext uri="{FF2B5EF4-FFF2-40B4-BE49-F238E27FC236}">
+                <a16:creationId xmlns:a16="http://schemas.microsoft.com/office/drawing/2014/main" id="{2F24182D-6449-4133-A639-A83DFEB51E3C}"/>
+              </a:ext>
+            </a:extLst>
+          </p:cNvPr>
+          <p:cNvCxnSpPr>
+            <a:cxnSpLocks/>
+          </p:cNvCxnSpPr>
+          <p:nvPr/>
+        </p:nvCxnSpPr>
+        <p:spPr>
+          <a:xfrm>
+            <a:off x="4689897" y="5190310"/>
+            <a:ext cx="4680313" cy="1217386"/>
+          </a:xfrm>
+          <a:prstGeom prst="curvedConnector3">
+            <a:avLst>
+              <a:gd name="adj1" fmla="val 80816"/>
+            </a:avLst>
+          </a:prstGeom>
+          <a:ln w="28575">
+            <a:solidFill>
+              <a:srgbClr val="FF0000"/>
+            </a:solidFill>
+            <a:tailEnd type="arrow"/>
+          </a:ln>
+        </p:spPr>
+        <p:style>
+          <a:lnRef idx="1">
+            <a:schemeClr val="accent1"/>
+          </a:lnRef>
+          <a:fillRef idx="0">
+            <a:schemeClr val="accent1"/>
+          </a:fillRef>
+          <a:effectRef idx="0">
+            <a:schemeClr val="accent1"/>
+          </a:effectRef>
+          <a:fontRef idx="minor">
+            <a:schemeClr val="tx1"/>
+          </a:fontRef>
+        </p:style>
+      </p:cxnSp>
     </p:spTree>
   </p:cSld>
   <p:clrMapOvr>
@@ -8389,7 +9076,7 @@
       </p:grpSpPr>
       <p:sp>
         <p:nvSpPr>
-          <p:cNvPr id="3" name="标题 2"/>
+          <p:cNvPr id="2" name="标题 1"/>
           <p:cNvSpPr>
             <a:spLocks noGrp="1"/>
           </p:cNvSpPr>
@@ -8403,13 +9090,206 @@
           <a:lstStyle/>
           <a:p>
             <a:r>
+              <a:rPr lang="zh-CN" altLang="en-US" dirty="0"/>
+              <a:t>根据</a:t>
+            </a:r>
+            <a:r>
               <a:rPr lang="en-US" altLang="zh-CN" dirty="0"/>
-              <a:t>Stored Fields</a:t>
-            </a:r>
-            <a:br>
+              <a:t>Term</a:t>
+            </a:r>
+            <a:r>
+              <a:rPr lang="zh-CN" altLang="en-US" dirty="0"/>
+              <a:t>查找所有匹配的文档</a:t>
+            </a:r>
+            <a:r>
               <a:rPr lang="en-US" altLang="zh-CN" dirty="0"/>
-            </a:br>
+              <a:t>id</a:t>
+            </a:r>
             <a:endParaRPr lang="zh-CN" altLang="en-US" dirty="0"/>
+          </a:p>
+        </p:txBody>
+      </p:sp>
+      <p:sp>
+        <p:nvSpPr>
+          <p:cNvPr id="3" name="内容占位符 2"/>
+          <p:cNvSpPr>
+            <a:spLocks noGrp="1"/>
+          </p:cNvSpPr>
+          <p:nvPr>
+            <p:ph idx="1"/>
+          </p:nvPr>
+        </p:nvSpPr>
+        <p:spPr/>
+        <p:txBody>
+          <a:bodyPr/>
+          <a:lstStyle/>
+          <a:p>
+            <a:pPr marL="0" indent="0">
+              <a:buNone/>
+            </a:pPr>
+            <a:r>
+              <a:rPr lang="zh-CN" altLang="en-US" dirty="0"/>
+              <a:t>以</a:t>
+            </a:r>
+            <a:r>
+              <a:rPr lang="en-US" altLang="zh-CN" dirty="0"/>
+              <a:t>Term(goodsTitle, </a:t>
+            </a:r>
+            <a:r>
+              <a:rPr lang="en-US" altLang="zh-CN" dirty="0">
+                <a:solidFill>
+                  <a:srgbClr val="FF0000"/>
+                </a:solidFill>
+              </a:rPr>
+              <a:t>app</a:t>
+            </a:r>
+            <a:r>
+              <a:rPr lang="en-US" altLang="zh-CN" dirty="0">
+                <a:solidFill>
+                  <a:schemeClr val="accent6"/>
+                </a:solidFill>
+              </a:rPr>
+              <a:t>le</a:t>
+            </a:r>
+            <a:r>
+              <a:rPr lang="en-US" altLang="zh-CN" dirty="0"/>
+              <a:t>)</a:t>
+            </a:r>
+            <a:r>
+              <a:rPr lang="zh-CN" altLang="en-US" dirty="0"/>
+              <a:t>为例</a:t>
+            </a:r>
+          </a:p>
+          <a:p>
+            <a:pPr marL="0" indent="0">
+              <a:buNone/>
+            </a:pPr>
+            <a:r>
+              <a:rPr lang="en-US" altLang="zh-CN" dirty="0"/>
+              <a:t>1. </a:t>
+            </a:r>
+            <a:r>
+              <a:rPr lang="zh-CN" altLang="en-US" dirty="0"/>
+              <a:t>找到</a:t>
+            </a:r>
+            <a:r>
+              <a:rPr lang="en-US" altLang="zh-CN" dirty="0"/>
+              <a:t>goodsTitle</a:t>
+            </a:r>
+            <a:r>
+              <a:rPr lang="zh-CN" altLang="en-US" dirty="0"/>
+              <a:t>字段对应的</a:t>
+            </a:r>
+            <a:r>
+              <a:rPr lang="en-US" altLang="zh-CN" dirty="0"/>
+              <a:t>FSTIndex</a:t>
+            </a:r>
+          </a:p>
+          <a:p>
+            <a:pPr marL="0" indent="0">
+              <a:buNone/>
+            </a:pPr>
+            <a:r>
+              <a:rPr lang="en-US" altLang="zh-CN" dirty="0"/>
+              <a:t>2. </a:t>
+            </a:r>
+            <a:r>
+              <a:rPr lang="zh-CN" altLang="en-US" dirty="0"/>
+              <a:t>在</a:t>
+            </a:r>
+            <a:r>
+              <a:rPr lang="en-US" altLang="zh-CN" dirty="0"/>
+              <a:t>FST</a:t>
+            </a:r>
+            <a:r>
+              <a:rPr lang="zh-CN" altLang="en-US" dirty="0"/>
+              <a:t>中对</a:t>
+            </a:r>
+            <a:r>
+              <a:rPr lang="en-US" altLang="zh-CN" dirty="0"/>
+              <a:t>apple</a:t>
+            </a:r>
+            <a:r>
+              <a:rPr lang="zh-CN" altLang="en-US" dirty="0"/>
+              <a:t>进行前缀匹配，匹配到</a:t>
+            </a:r>
+            <a:r>
+              <a:rPr lang="en-US" altLang="zh-CN" dirty="0"/>
+              <a:t>”</a:t>
+            </a:r>
+            <a:r>
+              <a:rPr lang="en-US" altLang="zh-CN" dirty="0">
+                <a:solidFill>
+                  <a:srgbClr val="FF0000"/>
+                </a:solidFill>
+              </a:rPr>
+              <a:t>app</a:t>
+            </a:r>
+            <a:r>
+              <a:rPr lang="en-US" altLang="zh-CN" dirty="0"/>
+              <a:t>”</a:t>
+            </a:r>
+            <a:r>
+              <a:rPr lang="zh-CN" altLang="en-US" dirty="0"/>
+              <a:t>三个字符</a:t>
+            </a:r>
+            <a:r>
+              <a:rPr lang="en-US" altLang="zh-CN" dirty="0"/>
+              <a:t>,</a:t>
+            </a:r>
+            <a:r>
+              <a:rPr lang="zh-CN" altLang="en-US" dirty="0"/>
+              <a:t>并获取到对应的</a:t>
+            </a:r>
+            <a:r>
+              <a:rPr lang="en-US" altLang="zh-CN" dirty="0"/>
+              <a:t>Block</a:t>
+            </a:r>
+            <a:r>
+              <a:rPr lang="zh-CN" altLang="en-US" dirty="0"/>
+              <a:t>在磁盘上的位置</a:t>
+            </a:r>
+          </a:p>
+          <a:p>
+            <a:pPr marL="0" indent="0">
+              <a:buNone/>
+            </a:pPr>
+            <a:r>
+              <a:rPr lang="en-US" altLang="zh-CN" dirty="0"/>
+              <a:t>3. </a:t>
+            </a:r>
+            <a:r>
+              <a:rPr lang="zh-CN" altLang="en-US" dirty="0"/>
+              <a:t>从磁盘读取</a:t>
+            </a:r>
+            <a:r>
+              <a:rPr lang="en-US" altLang="zh-CN" dirty="0"/>
+              <a:t>Block</a:t>
+            </a:r>
+            <a:r>
+              <a:rPr lang="zh-CN" altLang="en-US" dirty="0"/>
+              <a:t>信息，对剩余的字符</a:t>
+            </a:r>
+            <a:r>
+              <a:rPr lang="en-US" altLang="zh-CN" dirty="0"/>
+              <a:t>”</a:t>
+            </a:r>
+            <a:r>
+              <a:rPr lang="en-US" altLang="zh-CN" dirty="0">
+                <a:solidFill>
+                  <a:schemeClr val="accent6"/>
+                </a:solidFill>
+              </a:rPr>
+              <a:t>le</a:t>
+            </a:r>
+            <a:r>
+              <a:rPr lang="en-US" altLang="zh-CN" dirty="0"/>
+              <a:t>”</a:t>
+            </a:r>
+            <a:r>
+              <a:rPr lang="zh-CN" altLang="en-US" dirty="0"/>
+              <a:t>进行后缀匹配，匹配完成后获取到倒排表在磁盘的位置信息</a:t>
+            </a:r>
           </a:p>
         </p:txBody>
       </p:sp>
@@ -8440,2480 +9320,30 @@
       </p:grpSpPr>
       <p:sp>
         <p:nvSpPr>
-          <p:cNvPr id="2" name="矩形 1"/>
-          <p:cNvSpPr/>
-          <p:nvPr/>
-        </p:nvSpPr>
-        <p:spPr>
-          <a:xfrm>
-            <a:off x="1234912" y="254524"/>
-            <a:ext cx="2139886" cy="358217"/>
-          </a:xfrm>
-          <a:prstGeom prst="rect">
-            <a:avLst/>
-          </a:prstGeom>
-        </p:spPr>
-        <p:style>
-          <a:lnRef idx="2">
-            <a:schemeClr val="accent3">
-              <a:shade val="50000"/>
-            </a:schemeClr>
-          </a:lnRef>
-          <a:fillRef idx="1">
-            <a:schemeClr val="accent3"/>
-          </a:fillRef>
-          <a:effectRef idx="0">
-            <a:schemeClr val="accent3"/>
-          </a:effectRef>
-          <a:fontRef idx="minor">
-            <a:schemeClr val="lt1"/>
-          </a:fontRef>
-        </p:style>
-        <p:txBody>
-          <a:bodyPr rtlCol="0" anchor="ctr"/>
-          <a:lstStyle/>
-          <a:p>
-            <a:pPr algn="ctr"/>
-            <a:r>
-              <a:rPr lang="en-US" altLang="zh-CN" dirty="0" err="1"/>
-              <a:t>PackedIntsVersion</a:t>
-            </a:r>
+          <p:cNvPr id="3" name="标题 2"/>
+          <p:cNvSpPr>
+            <a:spLocks noGrp="1"/>
+          </p:cNvSpPr>
+          <p:nvPr>
+            <p:ph type="title"/>
+          </p:nvPr>
+        </p:nvSpPr>
+        <p:spPr/>
+        <p:txBody>
+          <a:bodyPr/>
+          <a:lstStyle/>
+          <a:p>
+            <a:r>
+              <a:rPr lang="en-US" altLang="zh-CN" dirty="0"/>
+              <a:t>Stored Fields</a:t>
+            </a:r>
+            <a:br>
+              <a:rPr lang="en-US" altLang="zh-CN" dirty="0"/>
+            </a:br>
             <a:endParaRPr lang="zh-CN" altLang="en-US" dirty="0"/>
           </a:p>
         </p:txBody>
       </p:sp>
-      <p:sp>
-        <p:nvSpPr>
-          <p:cNvPr id="3" name="矩形 2"/>
-          <p:cNvSpPr/>
-          <p:nvPr/>
-        </p:nvSpPr>
-        <p:spPr>
-          <a:xfrm>
-            <a:off x="3379511" y="254522"/>
-            <a:ext cx="1046375" cy="358219"/>
-          </a:xfrm>
-          <a:prstGeom prst="rect">
-            <a:avLst/>
-          </a:prstGeom>
-        </p:spPr>
-        <p:style>
-          <a:lnRef idx="2">
-            <a:schemeClr val="accent6">
-              <a:shade val="50000"/>
-            </a:schemeClr>
-          </a:lnRef>
-          <a:fillRef idx="1">
-            <a:schemeClr val="accent6"/>
-          </a:fillRef>
-          <a:effectRef idx="0">
-            <a:schemeClr val="accent6"/>
-          </a:effectRef>
-          <a:fontRef idx="minor">
-            <a:schemeClr val="lt1"/>
-          </a:fontRef>
-        </p:style>
-        <p:txBody>
-          <a:bodyPr rtlCol="0" anchor="ctr"/>
-          <a:lstStyle/>
-          <a:p>
-            <a:pPr algn="ctr"/>
-            <a:r>
-              <a:rPr lang="en-US" altLang="zh-CN" dirty="0"/>
-              <a:t>Block</a:t>
-            </a:r>
-            <a:endParaRPr lang="zh-CN" altLang="en-US" dirty="0"/>
-          </a:p>
-        </p:txBody>
-      </p:sp>
-      <p:sp>
-        <p:nvSpPr>
-          <p:cNvPr id="5" name="矩形 4"/>
-          <p:cNvSpPr/>
-          <p:nvPr/>
-        </p:nvSpPr>
-        <p:spPr>
-          <a:xfrm>
-            <a:off x="4374037" y="254522"/>
-            <a:ext cx="1046375" cy="358219"/>
-          </a:xfrm>
-          <a:prstGeom prst="rect">
-            <a:avLst/>
-          </a:prstGeom>
-        </p:spPr>
-        <p:style>
-          <a:lnRef idx="2">
-            <a:schemeClr val="accent6">
-              <a:shade val="50000"/>
-            </a:schemeClr>
-          </a:lnRef>
-          <a:fillRef idx="1">
-            <a:schemeClr val="accent6"/>
-          </a:fillRef>
-          <a:effectRef idx="0">
-            <a:schemeClr val="accent6"/>
-          </a:effectRef>
-          <a:fontRef idx="minor">
-            <a:schemeClr val="lt1"/>
-          </a:fontRef>
-        </p:style>
-        <p:txBody>
-          <a:bodyPr rtlCol="0" anchor="ctr"/>
-          <a:lstStyle/>
-          <a:p>
-            <a:pPr algn="ctr"/>
-            <a:r>
-              <a:rPr lang="en-US" altLang="zh-CN" dirty="0"/>
-              <a:t>Block</a:t>
-            </a:r>
-            <a:endParaRPr lang="zh-CN" altLang="en-US" dirty="0"/>
-          </a:p>
-        </p:txBody>
-      </p:sp>
-      <p:sp>
-        <p:nvSpPr>
-          <p:cNvPr id="7" name="矩形 6"/>
-          <p:cNvSpPr/>
-          <p:nvPr/>
-        </p:nvSpPr>
-        <p:spPr>
-          <a:xfrm>
-            <a:off x="5415699" y="254524"/>
-            <a:ext cx="579750" cy="358219"/>
-          </a:xfrm>
-          <a:prstGeom prst="rect">
-            <a:avLst/>
-          </a:prstGeom>
-          <a:noFill/>
-          <a:ln>
-            <a:noFill/>
-          </a:ln>
-        </p:spPr>
-        <p:style>
-          <a:lnRef idx="2">
-            <a:schemeClr val="accent1">
-              <a:shade val="50000"/>
-            </a:schemeClr>
-          </a:lnRef>
-          <a:fillRef idx="1">
-            <a:schemeClr val="accent1"/>
-          </a:fillRef>
-          <a:effectRef idx="0">
-            <a:schemeClr val="accent1"/>
-          </a:effectRef>
-          <a:fontRef idx="minor">
-            <a:schemeClr val="lt1"/>
-          </a:fontRef>
-        </p:style>
-        <p:txBody>
-          <a:bodyPr rtlCol="0" anchor="ctr"/>
-          <a:lstStyle/>
-          <a:p>
-            <a:pPr algn="ctr"/>
-            <a:r>
-              <a:rPr lang="en-US" altLang="zh-CN" dirty="0">
-                <a:solidFill>
-                  <a:schemeClr val="tx1"/>
-                </a:solidFill>
-              </a:rPr>
-              <a:t>......</a:t>
-            </a:r>
-            <a:endParaRPr lang="en-US" altLang="zh-CN" dirty="0">
-              <a:solidFill>
-                <a:schemeClr val="tx1"/>
-              </a:solidFill>
-            </a:endParaRPr>
-          </a:p>
-        </p:txBody>
-      </p:sp>
-      <p:sp>
-        <p:nvSpPr>
-          <p:cNvPr id="8" name="矩形 7"/>
-          <p:cNvSpPr/>
-          <p:nvPr/>
-        </p:nvSpPr>
-        <p:spPr>
-          <a:xfrm>
-            <a:off x="5995449" y="254523"/>
-            <a:ext cx="1046375" cy="358219"/>
-          </a:xfrm>
-          <a:prstGeom prst="rect">
-            <a:avLst/>
-          </a:prstGeom>
-        </p:spPr>
-        <p:style>
-          <a:lnRef idx="2">
-            <a:schemeClr val="accent6">
-              <a:shade val="50000"/>
-            </a:schemeClr>
-          </a:lnRef>
-          <a:fillRef idx="1">
-            <a:schemeClr val="accent6"/>
-          </a:fillRef>
-          <a:effectRef idx="0">
-            <a:schemeClr val="accent6"/>
-          </a:effectRef>
-          <a:fontRef idx="minor">
-            <a:schemeClr val="lt1"/>
-          </a:fontRef>
-        </p:style>
-        <p:txBody>
-          <a:bodyPr rtlCol="0" anchor="ctr"/>
-          <a:lstStyle/>
-          <a:p>
-            <a:pPr algn="ctr"/>
-            <a:r>
-              <a:rPr lang="en-US" altLang="zh-CN" dirty="0"/>
-              <a:t>Block</a:t>
-            </a:r>
-            <a:endParaRPr lang="zh-CN" altLang="en-US" dirty="0"/>
-          </a:p>
-        </p:txBody>
-      </p:sp>
-      <p:sp>
-        <p:nvSpPr>
-          <p:cNvPr id="9" name="矩形 8"/>
-          <p:cNvSpPr/>
-          <p:nvPr/>
-        </p:nvSpPr>
-        <p:spPr>
-          <a:xfrm>
-            <a:off x="7041824" y="254522"/>
-            <a:ext cx="1046375" cy="358219"/>
-          </a:xfrm>
-          <a:prstGeom prst="rect">
-            <a:avLst/>
-          </a:prstGeom>
-        </p:spPr>
-        <p:style>
-          <a:lnRef idx="2">
-            <a:schemeClr val="accent6">
-              <a:shade val="50000"/>
-            </a:schemeClr>
-          </a:lnRef>
-          <a:fillRef idx="1">
-            <a:schemeClr val="accent6"/>
-          </a:fillRef>
-          <a:effectRef idx="0">
-            <a:schemeClr val="accent6"/>
-          </a:effectRef>
-          <a:fontRef idx="minor">
-            <a:schemeClr val="lt1"/>
-          </a:fontRef>
-        </p:style>
-        <p:txBody>
-          <a:bodyPr rtlCol="0" anchor="ctr"/>
-          <a:lstStyle/>
-          <a:p>
-            <a:pPr algn="ctr"/>
-            <a:r>
-              <a:rPr lang="en-US" altLang="zh-CN" dirty="0"/>
-              <a:t>Block</a:t>
-            </a:r>
-            <a:endParaRPr lang="zh-CN" altLang="en-US" dirty="0"/>
-          </a:p>
-        </p:txBody>
-      </p:sp>
-      <p:sp>
-        <p:nvSpPr>
-          <p:cNvPr id="10" name="矩形 9"/>
-          <p:cNvSpPr/>
-          <p:nvPr/>
-        </p:nvSpPr>
-        <p:spPr>
-          <a:xfrm>
-            <a:off x="8088199" y="254522"/>
-            <a:ext cx="2412426" cy="358219"/>
-          </a:xfrm>
-          <a:prstGeom prst="rect">
-            <a:avLst/>
-          </a:prstGeom>
-        </p:spPr>
-        <p:style>
-          <a:lnRef idx="2">
-            <a:schemeClr val="accent3">
-              <a:shade val="50000"/>
-            </a:schemeClr>
-          </a:lnRef>
-          <a:fillRef idx="1">
-            <a:schemeClr val="accent3"/>
-          </a:fillRef>
-          <a:effectRef idx="0">
-            <a:schemeClr val="accent3"/>
-          </a:effectRef>
-          <a:fontRef idx="minor">
-            <a:schemeClr val="lt1"/>
-          </a:fontRef>
-        </p:style>
-        <p:txBody>
-          <a:bodyPr rtlCol="0" anchor="ctr"/>
-          <a:lstStyle/>
-          <a:p>
-            <a:pPr algn="ctr"/>
-            <a:r>
-              <a:rPr lang="en-US" altLang="zh-CN" dirty="0" err="1"/>
-              <a:t>BlocksEndMarker</a:t>
-            </a:r>
-            <a:endParaRPr lang="zh-CN" altLang="en-US" dirty="0"/>
-          </a:p>
-        </p:txBody>
-      </p:sp>
-      <p:sp>
-        <p:nvSpPr>
-          <p:cNvPr id="12" name="矩形 11"/>
-          <p:cNvSpPr/>
-          <p:nvPr/>
-        </p:nvSpPr>
-        <p:spPr>
-          <a:xfrm>
-            <a:off x="3846136" y="1621409"/>
-            <a:ext cx="1046375" cy="358219"/>
-          </a:xfrm>
-          <a:prstGeom prst="rect">
-            <a:avLst/>
-          </a:prstGeom>
-        </p:spPr>
-        <p:style>
-          <a:lnRef idx="3">
-            <a:schemeClr val="lt1"/>
-          </a:lnRef>
-          <a:fillRef idx="1">
-            <a:schemeClr val="accent5"/>
-          </a:fillRef>
-          <a:effectRef idx="1">
-            <a:schemeClr val="accent5"/>
-          </a:effectRef>
-          <a:fontRef idx="minor">
-            <a:schemeClr val="lt1"/>
-          </a:fontRef>
-        </p:style>
-        <p:txBody>
-          <a:bodyPr rtlCol="0" anchor="ctr"/>
-          <a:lstStyle/>
-          <a:p>
-            <a:pPr algn="ctr"/>
-            <a:endParaRPr lang="zh-CN" altLang="en-US" dirty="0"/>
-          </a:p>
-        </p:txBody>
-      </p:sp>
-      <p:sp>
-        <p:nvSpPr>
-          <p:cNvPr id="13" name="矩形 12"/>
-          <p:cNvSpPr/>
-          <p:nvPr/>
-        </p:nvSpPr>
-        <p:spPr>
-          <a:xfrm>
-            <a:off x="4892511" y="1621408"/>
-            <a:ext cx="1046375" cy="358219"/>
-          </a:xfrm>
-          <a:prstGeom prst="rect">
-            <a:avLst/>
-          </a:prstGeom>
-        </p:spPr>
-        <p:style>
-          <a:lnRef idx="3">
-            <a:schemeClr val="lt1"/>
-          </a:lnRef>
-          <a:fillRef idx="1">
-            <a:schemeClr val="accent5"/>
-          </a:fillRef>
-          <a:effectRef idx="1">
-            <a:schemeClr val="accent5"/>
-          </a:effectRef>
-          <a:fontRef idx="minor">
-            <a:schemeClr val="lt1"/>
-          </a:fontRef>
-        </p:style>
-        <p:txBody>
-          <a:bodyPr rtlCol="0" anchor="ctr"/>
-          <a:lstStyle/>
-          <a:p>
-            <a:pPr algn="ctr"/>
-            <a:endParaRPr lang="zh-CN" altLang="en-US"/>
-          </a:p>
-        </p:txBody>
-      </p:sp>
-      <p:sp>
-        <p:nvSpPr>
-          <p:cNvPr id="14" name="矩形 13"/>
-          <p:cNvSpPr/>
-          <p:nvPr/>
-        </p:nvSpPr>
-        <p:spPr>
-          <a:xfrm>
-            <a:off x="5938886" y="1621408"/>
-            <a:ext cx="1046375" cy="358219"/>
-          </a:xfrm>
-          <a:prstGeom prst="rect">
-            <a:avLst/>
-          </a:prstGeom>
-        </p:spPr>
-        <p:style>
-          <a:lnRef idx="3">
-            <a:schemeClr val="lt1"/>
-          </a:lnRef>
-          <a:fillRef idx="1">
-            <a:schemeClr val="accent5"/>
-          </a:fillRef>
-          <a:effectRef idx="1">
-            <a:schemeClr val="accent5"/>
-          </a:effectRef>
-          <a:fontRef idx="minor">
-            <a:schemeClr val="lt1"/>
-          </a:fontRef>
-        </p:style>
-        <p:txBody>
-          <a:bodyPr rtlCol="0" anchor="ctr"/>
-          <a:lstStyle/>
-          <a:p>
-            <a:pPr algn="ctr"/>
-            <a:r>
-              <a:rPr lang="en-US" altLang="zh-CN" dirty="0"/>
-              <a:t>…</a:t>
-            </a:r>
-            <a:endParaRPr lang="zh-CN" altLang="en-US" dirty="0"/>
-          </a:p>
-        </p:txBody>
-      </p:sp>
-      <p:cxnSp>
-        <p:nvCxnSpPr>
-          <p:cNvPr id="16" name="直接连接符 15"/>
-          <p:cNvCxnSpPr/>
-          <p:nvPr/>
-        </p:nvCxnSpPr>
-        <p:spPr>
-          <a:xfrm flipH="1">
-            <a:off x="2201578" y="612741"/>
-            <a:ext cx="1173220" cy="1008664"/>
-          </a:xfrm>
-          <a:prstGeom prst="line">
-            <a:avLst/>
-          </a:prstGeom>
-          <a:ln w="19050"/>
-        </p:spPr>
-        <p:style>
-          <a:lnRef idx="1">
-            <a:schemeClr val="accent1"/>
-          </a:lnRef>
-          <a:fillRef idx="0">
-            <a:schemeClr val="accent1"/>
-          </a:fillRef>
-          <a:effectRef idx="0">
-            <a:schemeClr val="accent1"/>
-          </a:effectRef>
-          <a:fontRef idx="minor">
-            <a:schemeClr val="tx1"/>
-          </a:fontRef>
-        </p:style>
-      </p:cxnSp>
-      <p:cxnSp>
-        <p:nvCxnSpPr>
-          <p:cNvPr id="20" name="直接连接符 19"/>
-          <p:cNvCxnSpPr/>
-          <p:nvPr/>
-        </p:nvCxnSpPr>
-        <p:spPr>
-          <a:xfrm>
-            <a:off x="4369323" y="612741"/>
-            <a:ext cx="3657600" cy="1008664"/>
-          </a:xfrm>
-          <a:prstGeom prst="line">
-            <a:avLst/>
-          </a:prstGeom>
-          <a:ln w="19050"/>
-        </p:spPr>
-        <p:style>
-          <a:lnRef idx="1">
-            <a:schemeClr val="accent1"/>
-          </a:lnRef>
-          <a:fillRef idx="0">
-            <a:schemeClr val="accent1"/>
-          </a:fillRef>
-          <a:effectRef idx="0">
-            <a:schemeClr val="accent1"/>
-          </a:effectRef>
-          <a:fontRef idx="minor">
-            <a:schemeClr val="tx1"/>
-          </a:fontRef>
-        </p:style>
-      </p:cxnSp>
-      <p:sp>
-        <p:nvSpPr>
-          <p:cNvPr id="22" name="矩形 21"/>
-          <p:cNvSpPr/>
-          <p:nvPr/>
-        </p:nvSpPr>
-        <p:spPr>
-          <a:xfrm>
-            <a:off x="2201578" y="1621406"/>
-            <a:ext cx="1637640" cy="358219"/>
-          </a:xfrm>
-          <a:prstGeom prst="rect">
-            <a:avLst/>
-          </a:prstGeom>
-        </p:spPr>
-        <p:style>
-          <a:lnRef idx="3">
-            <a:schemeClr val="lt1"/>
-          </a:lnRef>
-          <a:fillRef idx="1">
-            <a:schemeClr val="accent5"/>
-          </a:fillRef>
-          <a:effectRef idx="1">
-            <a:schemeClr val="accent5"/>
-          </a:effectRef>
-          <a:fontRef idx="minor">
-            <a:schemeClr val="lt1"/>
-          </a:fontRef>
-        </p:style>
-        <p:txBody>
-          <a:bodyPr rtlCol="0" anchor="ctr"/>
-          <a:lstStyle/>
-          <a:p>
-            <a:pPr algn="ctr"/>
-            <a:r>
-              <a:rPr lang="en-US" altLang="zh-CN" dirty="0" err="1"/>
-              <a:t>DocBases</a:t>
-            </a:r>
-            <a:endParaRPr lang="zh-CN" altLang="en-US" dirty="0"/>
-          </a:p>
-        </p:txBody>
-      </p:sp>
-      <p:sp>
-        <p:nvSpPr>
-          <p:cNvPr id="23" name="矩形 22"/>
-          <p:cNvSpPr/>
-          <p:nvPr/>
-        </p:nvSpPr>
-        <p:spPr>
-          <a:xfrm>
-            <a:off x="3846136" y="1979625"/>
-            <a:ext cx="1046375" cy="358219"/>
-          </a:xfrm>
-          <a:prstGeom prst="rect">
-            <a:avLst/>
-          </a:prstGeom>
-        </p:spPr>
-        <p:style>
-          <a:lnRef idx="3">
-            <a:schemeClr val="lt1"/>
-          </a:lnRef>
-          <a:fillRef idx="1">
-            <a:schemeClr val="accent2"/>
-          </a:fillRef>
-          <a:effectRef idx="1">
-            <a:schemeClr val="accent2"/>
-          </a:effectRef>
-          <a:fontRef idx="minor">
-            <a:schemeClr val="lt1"/>
-          </a:fontRef>
-        </p:style>
-        <p:txBody>
-          <a:bodyPr rtlCol="0" anchor="ctr"/>
-          <a:lstStyle/>
-          <a:p>
-            <a:pPr algn="ctr"/>
-            <a:endParaRPr lang="zh-CN" altLang="en-US" dirty="0"/>
-          </a:p>
-        </p:txBody>
-      </p:sp>
-      <p:sp>
-        <p:nvSpPr>
-          <p:cNvPr id="24" name="矩形 23"/>
-          <p:cNvSpPr/>
-          <p:nvPr/>
-        </p:nvSpPr>
-        <p:spPr>
-          <a:xfrm>
-            <a:off x="4892511" y="1979624"/>
-            <a:ext cx="1046375" cy="358219"/>
-          </a:xfrm>
-          <a:prstGeom prst="rect">
-            <a:avLst/>
-          </a:prstGeom>
-        </p:spPr>
-        <p:style>
-          <a:lnRef idx="3">
-            <a:schemeClr val="lt1"/>
-          </a:lnRef>
-          <a:fillRef idx="1">
-            <a:schemeClr val="accent2"/>
-          </a:fillRef>
-          <a:effectRef idx="1">
-            <a:schemeClr val="accent2"/>
-          </a:effectRef>
-          <a:fontRef idx="minor">
-            <a:schemeClr val="lt1"/>
-          </a:fontRef>
-        </p:style>
-        <p:txBody>
-          <a:bodyPr rtlCol="0" anchor="ctr"/>
-          <a:lstStyle/>
-          <a:p>
-            <a:pPr algn="ctr"/>
-            <a:endParaRPr lang="zh-CN" altLang="en-US"/>
-          </a:p>
-        </p:txBody>
-      </p:sp>
-      <p:sp>
-        <p:nvSpPr>
-          <p:cNvPr id="25" name="矩形 24"/>
-          <p:cNvSpPr/>
-          <p:nvPr/>
-        </p:nvSpPr>
-        <p:spPr>
-          <a:xfrm>
-            <a:off x="5938886" y="1979624"/>
-            <a:ext cx="1046375" cy="358219"/>
-          </a:xfrm>
-          <a:prstGeom prst="rect">
-            <a:avLst/>
-          </a:prstGeom>
-        </p:spPr>
-        <p:style>
-          <a:lnRef idx="3">
-            <a:schemeClr val="lt1"/>
-          </a:lnRef>
-          <a:fillRef idx="1">
-            <a:schemeClr val="accent2"/>
-          </a:fillRef>
-          <a:effectRef idx="1">
-            <a:schemeClr val="accent2"/>
-          </a:effectRef>
-          <a:fontRef idx="minor">
-            <a:schemeClr val="lt1"/>
-          </a:fontRef>
-        </p:style>
-        <p:txBody>
-          <a:bodyPr rtlCol="0" anchor="ctr"/>
-          <a:lstStyle/>
-          <a:p>
-            <a:pPr algn="ctr"/>
-            <a:r>
-              <a:rPr lang="en-US" altLang="zh-CN" dirty="0"/>
-              <a:t>…</a:t>
-            </a:r>
-            <a:endParaRPr lang="zh-CN" altLang="en-US" dirty="0"/>
-          </a:p>
-        </p:txBody>
-      </p:sp>
-      <p:sp>
-        <p:nvSpPr>
-          <p:cNvPr id="26" name="矩形 25"/>
-          <p:cNvSpPr/>
-          <p:nvPr/>
-        </p:nvSpPr>
-        <p:spPr>
-          <a:xfrm>
-            <a:off x="2201578" y="1979622"/>
-            <a:ext cx="1637640" cy="358219"/>
-          </a:xfrm>
-          <a:prstGeom prst="rect">
-            <a:avLst/>
-          </a:prstGeom>
-        </p:spPr>
-        <p:style>
-          <a:lnRef idx="3">
-            <a:schemeClr val="lt1"/>
-          </a:lnRef>
-          <a:fillRef idx="1">
-            <a:schemeClr val="accent2"/>
-          </a:fillRef>
-          <a:effectRef idx="1">
-            <a:schemeClr val="accent2"/>
-          </a:effectRef>
-          <a:fontRef idx="minor">
-            <a:schemeClr val="lt1"/>
-          </a:fontRef>
-        </p:style>
-        <p:txBody>
-          <a:bodyPr rtlCol="0" anchor="ctr"/>
-          <a:lstStyle/>
-          <a:p>
-            <a:pPr algn="ctr"/>
-            <a:r>
-              <a:rPr lang="en-US" altLang="zh-CN" dirty="0" err="1"/>
-              <a:t>StartPointers</a:t>
-            </a:r>
-            <a:endParaRPr lang="zh-CN" altLang="en-US" dirty="0"/>
-          </a:p>
-        </p:txBody>
-      </p:sp>
-      <p:sp>
-        <p:nvSpPr>
-          <p:cNvPr id="27" name="矩形 26"/>
-          <p:cNvSpPr/>
-          <p:nvPr/>
-        </p:nvSpPr>
-        <p:spPr>
-          <a:xfrm>
-            <a:off x="6992180" y="1621406"/>
-            <a:ext cx="1046375" cy="358219"/>
-          </a:xfrm>
-          <a:prstGeom prst="rect">
-            <a:avLst/>
-          </a:prstGeom>
-        </p:spPr>
-        <p:style>
-          <a:lnRef idx="3">
-            <a:schemeClr val="lt1"/>
-          </a:lnRef>
-          <a:fillRef idx="1">
-            <a:schemeClr val="accent5"/>
-          </a:fillRef>
-          <a:effectRef idx="1">
-            <a:schemeClr val="accent5"/>
-          </a:effectRef>
-          <a:fontRef idx="minor">
-            <a:schemeClr val="lt1"/>
-          </a:fontRef>
-        </p:style>
-        <p:txBody>
-          <a:bodyPr rtlCol="0" anchor="ctr"/>
-          <a:lstStyle/>
-          <a:p>
-            <a:pPr algn="ctr"/>
-            <a:endParaRPr lang="zh-CN" altLang="en-US" dirty="0"/>
-          </a:p>
-        </p:txBody>
-      </p:sp>
-      <p:sp>
-        <p:nvSpPr>
-          <p:cNvPr id="28" name="矩形 27"/>
-          <p:cNvSpPr/>
-          <p:nvPr/>
-        </p:nvSpPr>
-        <p:spPr>
-          <a:xfrm>
-            <a:off x="6992180" y="1979622"/>
-            <a:ext cx="1046375" cy="358219"/>
-          </a:xfrm>
-          <a:prstGeom prst="rect">
-            <a:avLst/>
-          </a:prstGeom>
-        </p:spPr>
-        <p:style>
-          <a:lnRef idx="3">
-            <a:schemeClr val="lt1"/>
-          </a:lnRef>
-          <a:fillRef idx="1">
-            <a:schemeClr val="accent2"/>
-          </a:fillRef>
-          <a:effectRef idx="1">
-            <a:schemeClr val="accent2"/>
-          </a:effectRef>
-          <a:fontRef idx="minor">
-            <a:schemeClr val="lt1"/>
-          </a:fontRef>
-        </p:style>
-        <p:txBody>
-          <a:bodyPr rtlCol="0" anchor="ctr"/>
-          <a:lstStyle/>
-          <a:p>
-            <a:pPr algn="ctr"/>
-            <a:endParaRPr lang="zh-CN" altLang="en-US" dirty="0"/>
-          </a:p>
-        </p:txBody>
-      </p:sp>
-      <p:cxnSp>
-        <p:nvCxnSpPr>
-          <p:cNvPr id="32" name="直接连接符 31"/>
-          <p:cNvCxnSpPr/>
-          <p:nvPr/>
-        </p:nvCxnSpPr>
-        <p:spPr>
-          <a:xfrm>
-            <a:off x="113122" y="2714920"/>
-            <a:ext cx="11774078" cy="0"/>
-          </a:xfrm>
-          <a:prstGeom prst="line">
-            <a:avLst/>
-          </a:prstGeom>
-          <a:ln w="19050"/>
-        </p:spPr>
-        <p:style>
-          <a:lnRef idx="1">
-            <a:schemeClr val="dk1"/>
-          </a:lnRef>
-          <a:fillRef idx="0">
-            <a:schemeClr val="dk1"/>
-          </a:fillRef>
-          <a:effectRef idx="0">
-            <a:schemeClr val="dk1"/>
-          </a:effectRef>
-          <a:fontRef idx="minor">
-            <a:schemeClr val="tx1"/>
-          </a:fontRef>
-        </p:style>
-      </p:cxnSp>
-      <p:sp>
-        <p:nvSpPr>
-          <p:cNvPr id="33" name="文本框 32"/>
-          <p:cNvSpPr txBox="1"/>
-          <p:nvPr/>
-        </p:nvSpPr>
-        <p:spPr>
-          <a:xfrm>
-            <a:off x="54776" y="793907"/>
-            <a:ext cx="2073003" cy="646331"/>
-          </a:xfrm>
-          <a:prstGeom prst="rect">
-            <a:avLst/>
-          </a:prstGeom>
-          <a:noFill/>
-        </p:spPr>
-        <p:txBody>
-          <a:bodyPr wrap="none" rtlCol="0">
-            <a:spAutoFit/>
-          </a:bodyPr>
-          <a:lstStyle/>
-          <a:p>
-            <a:r>
-              <a:rPr lang="en-US" altLang="zh-CN" dirty="0"/>
-              <a:t>.</a:t>
-            </a:r>
-            <a:r>
-              <a:rPr lang="en-US" altLang="zh-CN" dirty="0" err="1"/>
-              <a:t>fdx</a:t>
-            </a:r>
-            <a:r>
-              <a:rPr lang="zh-CN" altLang="en-US" dirty="0"/>
-              <a:t>文件  </a:t>
-            </a:r>
-            <a:endParaRPr lang="en-US" altLang="zh-CN" dirty="0"/>
-          </a:p>
-          <a:p>
-            <a:r>
-              <a:rPr lang="zh-CN" altLang="en-US" dirty="0"/>
-              <a:t>全部加载在内存中</a:t>
-            </a:r>
-            <a:endParaRPr lang="zh-CN" altLang="en-US" dirty="0"/>
-          </a:p>
-        </p:txBody>
-      </p:sp>
-      <p:sp>
-        <p:nvSpPr>
-          <p:cNvPr id="34" name="文本框 33"/>
-          <p:cNvSpPr txBox="1"/>
-          <p:nvPr/>
-        </p:nvSpPr>
-        <p:spPr>
-          <a:xfrm>
-            <a:off x="9328036" y="701574"/>
-            <a:ext cx="2809188" cy="738664"/>
-          </a:xfrm>
-          <a:prstGeom prst="rect">
-            <a:avLst/>
-          </a:prstGeom>
-          <a:noFill/>
-        </p:spPr>
-        <p:txBody>
-          <a:bodyPr wrap="square" rtlCol="0">
-            <a:spAutoFit/>
-          </a:bodyPr>
-          <a:lstStyle/>
-          <a:p>
-            <a:r>
-              <a:rPr lang="zh-CN" altLang="en-US" sz="1400" dirty="0"/>
-              <a:t>实际在磁盘上的存储单元是</a:t>
-            </a:r>
-            <a:r>
-              <a:rPr lang="en-US" altLang="zh-CN" sz="1400" dirty="0"/>
-              <a:t>chunk</a:t>
-            </a:r>
-            <a:r>
-              <a:rPr lang="zh-CN" altLang="en-US" sz="1400" dirty="0"/>
-              <a:t>，</a:t>
-            </a:r>
-            <a:endParaRPr lang="en-US" altLang="zh-CN" sz="1400" dirty="0"/>
-          </a:p>
-          <a:p>
-            <a:r>
-              <a:rPr lang="en-US" altLang="zh-CN" sz="1400" dirty="0"/>
-              <a:t>Block</a:t>
-            </a:r>
-            <a:r>
-              <a:rPr lang="zh-CN" altLang="en-US" sz="1400" dirty="0"/>
-              <a:t>是为了将一批</a:t>
-            </a:r>
-            <a:r>
-              <a:rPr lang="en-US" altLang="zh-CN" sz="1400" dirty="0"/>
-              <a:t>chunk</a:t>
-            </a:r>
-            <a:r>
-              <a:rPr lang="zh-CN" altLang="en-US" sz="1400" dirty="0"/>
-              <a:t>的</a:t>
-            </a:r>
-            <a:r>
-              <a:rPr lang="en-US" altLang="zh-CN" sz="1400" dirty="0" err="1"/>
-              <a:t>docID</a:t>
-            </a:r>
-            <a:r>
-              <a:rPr lang="zh-CN" altLang="en-US" sz="1400" dirty="0"/>
-              <a:t>和指针放在一起进行整数压缩</a:t>
-            </a:r>
-            <a:endParaRPr lang="zh-CN" altLang="en-US" sz="1400" dirty="0"/>
-          </a:p>
-        </p:txBody>
-      </p:sp>
-      <p:sp>
-        <p:nvSpPr>
-          <p:cNvPr id="35" name="矩形 34"/>
-          <p:cNvSpPr/>
-          <p:nvPr/>
-        </p:nvSpPr>
-        <p:spPr>
-          <a:xfrm>
-            <a:off x="1885361" y="3271105"/>
-            <a:ext cx="2139886" cy="358217"/>
-          </a:xfrm>
-          <a:prstGeom prst="rect">
-            <a:avLst/>
-          </a:prstGeom>
-        </p:spPr>
-        <p:style>
-          <a:lnRef idx="2">
-            <a:schemeClr val="accent3">
-              <a:shade val="50000"/>
-            </a:schemeClr>
-          </a:lnRef>
-          <a:fillRef idx="1">
-            <a:schemeClr val="accent3"/>
-          </a:fillRef>
-          <a:effectRef idx="0">
-            <a:schemeClr val="accent3"/>
-          </a:effectRef>
-          <a:fontRef idx="minor">
-            <a:schemeClr val="lt1"/>
-          </a:fontRef>
-        </p:style>
-        <p:txBody>
-          <a:bodyPr rtlCol="0" anchor="ctr"/>
-          <a:lstStyle/>
-          <a:p>
-            <a:pPr algn="ctr"/>
-            <a:r>
-              <a:rPr lang="en-US" altLang="zh-CN" dirty="0"/>
-              <a:t>Header</a:t>
-            </a:r>
-            <a:endParaRPr lang="zh-CN" altLang="en-US" dirty="0"/>
-          </a:p>
-        </p:txBody>
-      </p:sp>
-      <p:sp>
-        <p:nvSpPr>
-          <p:cNvPr id="36" name="矩形 35"/>
-          <p:cNvSpPr/>
-          <p:nvPr/>
-        </p:nvSpPr>
-        <p:spPr>
-          <a:xfrm>
-            <a:off x="4029960" y="3271103"/>
-            <a:ext cx="1046375" cy="358219"/>
-          </a:xfrm>
-          <a:prstGeom prst="rect">
-            <a:avLst/>
-          </a:prstGeom>
-        </p:spPr>
-        <p:style>
-          <a:lnRef idx="2">
-            <a:schemeClr val="accent6">
-              <a:shade val="50000"/>
-            </a:schemeClr>
-          </a:lnRef>
-          <a:fillRef idx="1">
-            <a:schemeClr val="accent6"/>
-          </a:fillRef>
-          <a:effectRef idx="0">
-            <a:schemeClr val="accent6"/>
-          </a:effectRef>
-          <a:fontRef idx="minor">
-            <a:schemeClr val="lt1"/>
-          </a:fontRef>
-        </p:style>
-        <p:txBody>
-          <a:bodyPr rtlCol="0" anchor="ctr"/>
-          <a:lstStyle/>
-          <a:p>
-            <a:pPr algn="ctr"/>
-            <a:r>
-              <a:rPr lang="en-US" altLang="zh-CN" dirty="0"/>
-              <a:t>Chunk</a:t>
-            </a:r>
-            <a:endParaRPr lang="zh-CN" altLang="en-US" dirty="0"/>
-          </a:p>
-        </p:txBody>
-      </p:sp>
-      <p:sp>
-        <p:nvSpPr>
-          <p:cNvPr id="37" name="矩形 36"/>
-          <p:cNvSpPr/>
-          <p:nvPr/>
-        </p:nvSpPr>
-        <p:spPr>
-          <a:xfrm>
-            <a:off x="5024486" y="3271103"/>
-            <a:ext cx="1046375" cy="358219"/>
-          </a:xfrm>
-          <a:prstGeom prst="rect">
-            <a:avLst/>
-          </a:prstGeom>
-        </p:spPr>
-        <p:style>
-          <a:lnRef idx="2">
-            <a:schemeClr val="accent6">
-              <a:shade val="50000"/>
-            </a:schemeClr>
-          </a:lnRef>
-          <a:fillRef idx="1">
-            <a:schemeClr val="accent6"/>
-          </a:fillRef>
-          <a:effectRef idx="0">
-            <a:schemeClr val="accent6"/>
-          </a:effectRef>
-          <a:fontRef idx="minor">
-            <a:schemeClr val="lt1"/>
-          </a:fontRef>
-        </p:style>
-        <p:txBody>
-          <a:bodyPr rtlCol="0" anchor="ctr"/>
-          <a:lstStyle/>
-          <a:p>
-            <a:pPr algn="ctr"/>
-            <a:r>
-              <a:rPr lang="en-US" altLang="zh-CN" dirty="0"/>
-              <a:t>Chunk</a:t>
-            </a:r>
-            <a:endParaRPr lang="zh-CN" altLang="en-US" dirty="0"/>
-          </a:p>
-        </p:txBody>
-      </p:sp>
-      <p:sp>
-        <p:nvSpPr>
-          <p:cNvPr id="38" name="矩形 37"/>
-          <p:cNvSpPr/>
-          <p:nvPr/>
-        </p:nvSpPr>
-        <p:spPr>
-          <a:xfrm>
-            <a:off x="6066148" y="3271105"/>
-            <a:ext cx="579750" cy="358219"/>
-          </a:xfrm>
-          <a:prstGeom prst="rect">
-            <a:avLst/>
-          </a:prstGeom>
-          <a:noFill/>
-          <a:ln>
-            <a:noFill/>
-          </a:ln>
-        </p:spPr>
-        <p:style>
-          <a:lnRef idx="2">
-            <a:schemeClr val="accent1">
-              <a:shade val="50000"/>
-            </a:schemeClr>
-          </a:lnRef>
-          <a:fillRef idx="1">
-            <a:schemeClr val="accent1"/>
-          </a:fillRef>
-          <a:effectRef idx="0">
-            <a:schemeClr val="accent1"/>
-          </a:effectRef>
-          <a:fontRef idx="minor">
-            <a:schemeClr val="lt1"/>
-          </a:fontRef>
-        </p:style>
-        <p:txBody>
-          <a:bodyPr rtlCol="0" anchor="ctr"/>
-          <a:lstStyle/>
-          <a:p>
-            <a:pPr algn="ctr"/>
-            <a:r>
-              <a:rPr lang="en-US" altLang="zh-CN" dirty="0">
-                <a:solidFill>
-                  <a:schemeClr val="tx1"/>
-                </a:solidFill>
-              </a:rPr>
-              <a:t>......</a:t>
-            </a:r>
-            <a:endParaRPr lang="en-US" altLang="zh-CN" dirty="0">
-              <a:solidFill>
-                <a:schemeClr val="tx1"/>
-              </a:solidFill>
-            </a:endParaRPr>
-          </a:p>
-        </p:txBody>
-      </p:sp>
-      <p:sp>
-        <p:nvSpPr>
-          <p:cNvPr id="39" name="矩形 38"/>
-          <p:cNvSpPr/>
-          <p:nvPr/>
-        </p:nvSpPr>
-        <p:spPr>
-          <a:xfrm>
-            <a:off x="6645898" y="3271104"/>
-            <a:ext cx="1046375" cy="358219"/>
-          </a:xfrm>
-          <a:prstGeom prst="rect">
-            <a:avLst/>
-          </a:prstGeom>
-        </p:spPr>
-        <p:style>
-          <a:lnRef idx="2">
-            <a:schemeClr val="accent6">
-              <a:shade val="50000"/>
-            </a:schemeClr>
-          </a:lnRef>
-          <a:fillRef idx="1">
-            <a:schemeClr val="accent6"/>
-          </a:fillRef>
-          <a:effectRef idx="0">
-            <a:schemeClr val="accent6"/>
-          </a:effectRef>
-          <a:fontRef idx="minor">
-            <a:schemeClr val="lt1"/>
-          </a:fontRef>
-        </p:style>
-        <p:txBody>
-          <a:bodyPr rtlCol="0" anchor="ctr"/>
-          <a:lstStyle/>
-          <a:p>
-            <a:pPr algn="ctr"/>
-            <a:r>
-              <a:rPr lang="en-US" altLang="zh-CN" dirty="0"/>
-              <a:t>Chunk</a:t>
-            </a:r>
-            <a:endParaRPr lang="zh-CN" altLang="en-US" dirty="0"/>
-          </a:p>
-        </p:txBody>
-      </p:sp>
-      <p:sp>
-        <p:nvSpPr>
-          <p:cNvPr id="41" name="矩形 40"/>
-          <p:cNvSpPr/>
-          <p:nvPr/>
-        </p:nvSpPr>
-        <p:spPr>
-          <a:xfrm>
-            <a:off x="7687560" y="3266686"/>
-            <a:ext cx="2412426" cy="358219"/>
-          </a:xfrm>
-          <a:prstGeom prst="rect">
-            <a:avLst/>
-          </a:prstGeom>
-        </p:spPr>
-        <p:style>
-          <a:lnRef idx="2">
-            <a:schemeClr val="accent3">
-              <a:shade val="50000"/>
-            </a:schemeClr>
-          </a:lnRef>
-          <a:fillRef idx="1">
-            <a:schemeClr val="accent3"/>
-          </a:fillRef>
-          <a:effectRef idx="0">
-            <a:schemeClr val="accent3"/>
-          </a:effectRef>
-          <a:fontRef idx="minor">
-            <a:schemeClr val="lt1"/>
-          </a:fontRef>
-        </p:style>
-        <p:txBody>
-          <a:bodyPr rtlCol="0" anchor="ctr"/>
-          <a:lstStyle/>
-          <a:p>
-            <a:pPr algn="ctr"/>
-            <a:r>
-              <a:rPr lang="en-US" altLang="zh-CN" dirty="0"/>
-              <a:t>Footer</a:t>
-            </a:r>
-            <a:endParaRPr lang="zh-CN" altLang="en-US" dirty="0"/>
-          </a:p>
-        </p:txBody>
-      </p:sp>
-      <p:cxnSp>
-        <p:nvCxnSpPr>
-          <p:cNvPr id="43" name="直接箭头连接符 42"/>
-          <p:cNvCxnSpPr>
-            <a:endCxn id="36" idx="0"/>
-          </p:cNvCxnSpPr>
-          <p:nvPr/>
-        </p:nvCxnSpPr>
-        <p:spPr>
-          <a:xfrm>
-            <a:off x="4147794" y="2337841"/>
-            <a:ext cx="405354" cy="933262"/>
-          </a:xfrm>
-          <a:prstGeom prst="straightConnector1">
-            <a:avLst/>
-          </a:prstGeom>
-          <a:ln w="28575">
-            <a:tailEnd type="triangle"/>
-          </a:ln>
-        </p:spPr>
-        <p:style>
-          <a:lnRef idx="1">
-            <a:schemeClr val="accent2"/>
-          </a:lnRef>
-          <a:fillRef idx="0">
-            <a:schemeClr val="accent2"/>
-          </a:fillRef>
-          <a:effectRef idx="0">
-            <a:schemeClr val="accent2"/>
-          </a:effectRef>
-          <a:fontRef idx="minor">
-            <a:schemeClr val="tx1"/>
-          </a:fontRef>
-        </p:style>
-      </p:cxnSp>
-      <p:cxnSp>
-        <p:nvCxnSpPr>
-          <p:cNvPr id="46" name="直接箭头连接符 45"/>
-          <p:cNvCxnSpPr/>
-          <p:nvPr/>
-        </p:nvCxnSpPr>
-        <p:spPr>
-          <a:xfrm>
-            <a:off x="5213021" y="2337841"/>
-            <a:ext cx="405354" cy="933262"/>
-          </a:xfrm>
-          <a:prstGeom prst="straightConnector1">
-            <a:avLst/>
-          </a:prstGeom>
-          <a:ln w="28575">
-            <a:tailEnd type="triangle"/>
-          </a:ln>
-        </p:spPr>
-        <p:style>
-          <a:lnRef idx="1">
-            <a:schemeClr val="accent2"/>
-          </a:lnRef>
-          <a:fillRef idx="0">
-            <a:schemeClr val="accent2"/>
-          </a:fillRef>
-          <a:effectRef idx="0">
-            <a:schemeClr val="accent2"/>
-          </a:effectRef>
-          <a:fontRef idx="minor">
-            <a:schemeClr val="tx1"/>
-          </a:fontRef>
-        </p:style>
-      </p:cxnSp>
-      <p:cxnSp>
-        <p:nvCxnSpPr>
-          <p:cNvPr id="47" name="直接箭头连接符 46"/>
-          <p:cNvCxnSpPr>
-            <a:stCxn id="28" idx="2"/>
-            <a:endCxn id="39" idx="0"/>
-          </p:cNvCxnSpPr>
-          <p:nvPr/>
-        </p:nvCxnSpPr>
-        <p:spPr>
-          <a:xfrm flipH="1">
-            <a:off x="7169086" y="2337841"/>
-            <a:ext cx="346282" cy="933263"/>
-          </a:xfrm>
-          <a:prstGeom prst="straightConnector1">
-            <a:avLst/>
-          </a:prstGeom>
-          <a:ln w="28575">
-            <a:tailEnd type="triangle"/>
-          </a:ln>
-        </p:spPr>
-        <p:style>
-          <a:lnRef idx="1">
-            <a:schemeClr val="accent2"/>
-          </a:lnRef>
-          <a:fillRef idx="0">
-            <a:schemeClr val="accent2"/>
-          </a:fillRef>
-          <a:effectRef idx="0">
-            <a:schemeClr val="accent2"/>
-          </a:effectRef>
-          <a:fontRef idx="minor">
-            <a:schemeClr val="tx1"/>
-          </a:fontRef>
-        </p:style>
-      </p:cxnSp>
-      <p:sp>
-        <p:nvSpPr>
-          <p:cNvPr id="52" name="文本框 51"/>
-          <p:cNvSpPr txBox="1"/>
-          <p:nvPr/>
-        </p:nvSpPr>
-        <p:spPr>
-          <a:xfrm>
-            <a:off x="8088198" y="1646626"/>
-            <a:ext cx="3497343" cy="307777"/>
-          </a:xfrm>
-          <a:prstGeom prst="rect">
-            <a:avLst/>
-          </a:prstGeom>
-          <a:noFill/>
-        </p:spPr>
-        <p:txBody>
-          <a:bodyPr wrap="square" rtlCol="0">
-            <a:spAutoFit/>
-          </a:bodyPr>
-          <a:lstStyle/>
-          <a:p>
-            <a:r>
-              <a:rPr lang="en-US" altLang="zh-CN" sz="1400" dirty="0"/>
-              <a:t>Chunk</a:t>
-            </a:r>
-            <a:r>
-              <a:rPr lang="zh-CN" altLang="en-US" sz="1400" dirty="0"/>
-              <a:t>中第一个文档的</a:t>
-            </a:r>
-            <a:r>
-              <a:rPr lang="en-US" altLang="zh-CN" sz="1400" dirty="0" err="1"/>
-              <a:t>docID</a:t>
-            </a:r>
-            <a:r>
-              <a:rPr lang="en-US" altLang="zh-CN" sz="1400" dirty="0"/>
-              <a:t>(</a:t>
-            </a:r>
-            <a:r>
-              <a:rPr lang="zh-CN" altLang="en-US" sz="1400" dirty="0"/>
-              <a:t>二分</a:t>
-            </a:r>
-            <a:r>
-              <a:rPr lang="en-US" altLang="zh-CN" sz="1400" dirty="0"/>
-              <a:t>)</a:t>
-            </a:r>
-            <a:endParaRPr lang="zh-CN" altLang="en-US" sz="1400" dirty="0"/>
-          </a:p>
-        </p:txBody>
-      </p:sp>
-      <p:sp>
-        <p:nvSpPr>
-          <p:cNvPr id="53" name="文本框 52"/>
-          <p:cNvSpPr txBox="1"/>
-          <p:nvPr/>
-        </p:nvSpPr>
-        <p:spPr>
-          <a:xfrm>
-            <a:off x="8090097" y="2004842"/>
-            <a:ext cx="2809188" cy="307777"/>
-          </a:xfrm>
-          <a:prstGeom prst="rect">
-            <a:avLst/>
-          </a:prstGeom>
-          <a:noFill/>
-        </p:spPr>
-        <p:txBody>
-          <a:bodyPr wrap="square" rtlCol="0">
-            <a:spAutoFit/>
-          </a:bodyPr>
-          <a:lstStyle/>
-          <a:p>
-            <a:r>
-              <a:rPr lang="en-US" altLang="zh-CN" sz="1400" dirty="0"/>
-              <a:t>Chunk</a:t>
-            </a:r>
-            <a:r>
-              <a:rPr lang="zh-CN" altLang="en-US" sz="1400" dirty="0"/>
-              <a:t>在磁盘上的位置</a:t>
-            </a:r>
-            <a:endParaRPr lang="zh-CN" altLang="en-US" sz="1400" dirty="0"/>
-          </a:p>
-        </p:txBody>
-      </p:sp>
-      <p:sp>
-        <p:nvSpPr>
-          <p:cNvPr id="55" name="矩形 54"/>
-          <p:cNvSpPr/>
-          <p:nvPr/>
-        </p:nvSpPr>
-        <p:spPr>
-          <a:xfrm>
-            <a:off x="2485531" y="4298622"/>
-            <a:ext cx="1366884" cy="358219"/>
-          </a:xfrm>
-          <a:prstGeom prst="rect">
-            <a:avLst/>
-          </a:prstGeom>
-        </p:spPr>
-        <p:style>
-          <a:lnRef idx="3">
-            <a:schemeClr val="lt1"/>
-          </a:lnRef>
-          <a:fillRef idx="1">
-            <a:schemeClr val="accent3"/>
-          </a:fillRef>
-          <a:effectRef idx="1">
-            <a:schemeClr val="accent3"/>
-          </a:effectRef>
-          <a:fontRef idx="minor">
-            <a:schemeClr val="lt1"/>
-          </a:fontRef>
-        </p:style>
-        <p:txBody>
-          <a:bodyPr rtlCol="0" anchor="ctr"/>
-          <a:lstStyle/>
-          <a:p>
-            <a:pPr algn="ctr"/>
-            <a:r>
-              <a:rPr lang="en-US" altLang="zh-CN" dirty="0" err="1"/>
-              <a:t>ChunkDocs</a:t>
-            </a:r>
-            <a:endParaRPr lang="zh-CN" altLang="en-US" dirty="0"/>
-          </a:p>
-        </p:txBody>
-      </p:sp>
-      <p:sp>
-        <p:nvSpPr>
-          <p:cNvPr id="56" name="矩形 55"/>
-          <p:cNvSpPr/>
-          <p:nvPr/>
-        </p:nvSpPr>
-        <p:spPr>
-          <a:xfrm>
-            <a:off x="3859334" y="4298621"/>
-            <a:ext cx="1759041" cy="358219"/>
-          </a:xfrm>
-          <a:prstGeom prst="rect">
-            <a:avLst/>
-          </a:prstGeom>
-        </p:spPr>
-        <p:style>
-          <a:lnRef idx="3">
-            <a:schemeClr val="lt1"/>
-          </a:lnRef>
-          <a:fillRef idx="1">
-            <a:schemeClr val="accent2"/>
-          </a:fillRef>
-          <a:effectRef idx="1">
-            <a:schemeClr val="accent2"/>
-          </a:effectRef>
-          <a:fontRef idx="minor">
-            <a:schemeClr val="lt1"/>
-          </a:fontRef>
-        </p:style>
-        <p:txBody>
-          <a:bodyPr rtlCol="0" anchor="ctr"/>
-          <a:lstStyle/>
-          <a:p>
-            <a:pPr algn="ctr"/>
-            <a:r>
-              <a:rPr lang="en-US" altLang="zh-CN" dirty="0" err="1"/>
-              <a:t>DocFieldCounts</a:t>
-            </a:r>
-            <a:endParaRPr lang="zh-CN" altLang="en-US" dirty="0"/>
-          </a:p>
-        </p:txBody>
-      </p:sp>
-      <p:sp>
-        <p:nvSpPr>
-          <p:cNvPr id="57" name="矩形 56"/>
-          <p:cNvSpPr/>
-          <p:nvPr/>
-        </p:nvSpPr>
-        <p:spPr>
-          <a:xfrm>
-            <a:off x="5631574" y="4298619"/>
-            <a:ext cx="1367523" cy="358219"/>
-          </a:xfrm>
-          <a:prstGeom prst="rect">
-            <a:avLst/>
-          </a:prstGeom>
-        </p:spPr>
-        <p:style>
-          <a:lnRef idx="3">
-            <a:schemeClr val="lt1"/>
-          </a:lnRef>
-          <a:fillRef idx="1">
-            <a:schemeClr val="accent6"/>
-          </a:fillRef>
-          <a:effectRef idx="1">
-            <a:schemeClr val="accent6"/>
-          </a:effectRef>
-          <a:fontRef idx="minor">
-            <a:schemeClr val="lt1"/>
-          </a:fontRef>
-        </p:style>
-        <p:txBody>
-          <a:bodyPr rtlCol="0" anchor="ctr"/>
-          <a:lstStyle/>
-          <a:p>
-            <a:pPr algn="ctr"/>
-            <a:r>
-              <a:rPr lang="en-US" altLang="zh-CN" dirty="0" err="1"/>
-              <a:t>DocLengths</a:t>
-            </a:r>
-            <a:endParaRPr lang="zh-CN" altLang="en-US" dirty="0"/>
-          </a:p>
-        </p:txBody>
-      </p:sp>
-      <p:sp>
-        <p:nvSpPr>
-          <p:cNvPr id="58" name="矩形 57"/>
-          <p:cNvSpPr/>
-          <p:nvPr/>
-        </p:nvSpPr>
-        <p:spPr>
-          <a:xfrm>
-            <a:off x="1274605" y="4298619"/>
-            <a:ext cx="1204007" cy="358219"/>
-          </a:xfrm>
-          <a:prstGeom prst="rect">
-            <a:avLst/>
-          </a:prstGeom>
-        </p:spPr>
-        <p:style>
-          <a:lnRef idx="3">
-            <a:schemeClr val="lt1"/>
-          </a:lnRef>
-          <a:fillRef idx="1">
-            <a:schemeClr val="accent3"/>
-          </a:fillRef>
-          <a:effectRef idx="1">
-            <a:schemeClr val="accent3"/>
-          </a:effectRef>
-          <a:fontRef idx="minor">
-            <a:schemeClr val="lt1"/>
-          </a:fontRef>
-        </p:style>
-        <p:txBody>
-          <a:bodyPr rtlCol="0" anchor="ctr"/>
-          <a:lstStyle/>
-          <a:p>
-            <a:pPr algn="ctr"/>
-            <a:r>
-              <a:rPr lang="en-US" altLang="zh-CN" dirty="0" err="1"/>
-              <a:t>DocBase</a:t>
-            </a:r>
-            <a:endParaRPr lang="zh-CN" altLang="en-US" dirty="0"/>
-          </a:p>
-        </p:txBody>
-      </p:sp>
-      <p:sp>
-        <p:nvSpPr>
-          <p:cNvPr id="65" name="矩形 64"/>
-          <p:cNvSpPr/>
-          <p:nvPr/>
-        </p:nvSpPr>
-        <p:spPr>
-          <a:xfrm>
-            <a:off x="7012296" y="4298619"/>
-            <a:ext cx="1940022" cy="358219"/>
-          </a:xfrm>
-          <a:prstGeom prst="rect">
-            <a:avLst/>
-          </a:prstGeom>
-        </p:spPr>
-        <p:style>
-          <a:lnRef idx="3">
-            <a:schemeClr val="lt1"/>
-          </a:lnRef>
-          <a:fillRef idx="1">
-            <a:schemeClr val="accent1"/>
-          </a:fillRef>
-          <a:effectRef idx="1">
-            <a:schemeClr val="accent1"/>
-          </a:effectRef>
-          <a:fontRef idx="minor">
-            <a:schemeClr val="lt1"/>
-          </a:fontRef>
-        </p:style>
-        <p:txBody>
-          <a:bodyPr rtlCol="0" anchor="ctr"/>
-          <a:lstStyle/>
-          <a:p>
-            <a:pPr algn="ctr"/>
-            <a:r>
-              <a:rPr lang="en-US" altLang="zh-CN" dirty="0" err="1"/>
-              <a:t>CompressedDocs</a:t>
-            </a:r>
-            <a:endParaRPr lang="zh-CN" altLang="en-US" dirty="0"/>
-          </a:p>
-        </p:txBody>
-      </p:sp>
-      <p:cxnSp>
-        <p:nvCxnSpPr>
-          <p:cNvPr id="66" name="直接连接符 65"/>
-          <p:cNvCxnSpPr/>
-          <p:nvPr/>
-        </p:nvCxnSpPr>
-        <p:spPr>
-          <a:xfrm>
-            <a:off x="7041824" y="4637989"/>
-            <a:ext cx="722922" cy="499622"/>
-          </a:xfrm>
-          <a:prstGeom prst="line">
-            <a:avLst/>
-          </a:prstGeom>
-          <a:ln w="19050"/>
-        </p:spPr>
-        <p:style>
-          <a:lnRef idx="1">
-            <a:schemeClr val="accent1"/>
-          </a:lnRef>
-          <a:fillRef idx="0">
-            <a:schemeClr val="accent1"/>
-          </a:fillRef>
-          <a:effectRef idx="0">
-            <a:schemeClr val="accent1"/>
-          </a:effectRef>
-          <a:fontRef idx="minor">
-            <a:schemeClr val="tx1"/>
-          </a:fontRef>
-        </p:style>
-      </p:cxnSp>
-      <p:cxnSp>
-        <p:nvCxnSpPr>
-          <p:cNvPr id="69" name="直接连接符 68"/>
-          <p:cNvCxnSpPr/>
-          <p:nvPr/>
-        </p:nvCxnSpPr>
-        <p:spPr>
-          <a:xfrm>
-            <a:off x="5024486" y="3648179"/>
-            <a:ext cx="3927832" cy="654857"/>
-          </a:xfrm>
-          <a:prstGeom prst="line">
-            <a:avLst/>
-          </a:prstGeom>
-          <a:ln w="19050"/>
-        </p:spPr>
-        <p:style>
-          <a:lnRef idx="1">
-            <a:schemeClr val="accent1"/>
-          </a:lnRef>
-          <a:fillRef idx="0">
-            <a:schemeClr val="accent1"/>
-          </a:fillRef>
-          <a:effectRef idx="0">
-            <a:schemeClr val="accent1"/>
-          </a:effectRef>
-          <a:fontRef idx="minor">
-            <a:schemeClr val="tx1"/>
-          </a:fontRef>
-        </p:style>
-      </p:cxnSp>
-      <p:sp>
-        <p:nvSpPr>
-          <p:cNvPr id="72" name="矩形 71"/>
-          <p:cNvSpPr/>
-          <p:nvPr/>
-        </p:nvSpPr>
-        <p:spPr>
-          <a:xfrm>
-            <a:off x="7729982" y="5137611"/>
-            <a:ext cx="1046375" cy="358219"/>
-          </a:xfrm>
-          <a:prstGeom prst="rect">
-            <a:avLst/>
-          </a:prstGeom>
-        </p:spPr>
-        <p:style>
-          <a:lnRef idx="2">
-            <a:schemeClr val="accent6">
-              <a:shade val="50000"/>
-            </a:schemeClr>
-          </a:lnRef>
-          <a:fillRef idx="1">
-            <a:schemeClr val="accent6"/>
-          </a:fillRef>
-          <a:effectRef idx="0">
-            <a:schemeClr val="accent6"/>
-          </a:effectRef>
-          <a:fontRef idx="minor">
-            <a:schemeClr val="lt1"/>
-          </a:fontRef>
-        </p:style>
-        <p:txBody>
-          <a:bodyPr rtlCol="0" anchor="ctr"/>
-          <a:lstStyle/>
-          <a:p>
-            <a:pPr algn="ctr"/>
-            <a:r>
-              <a:rPr lang="en-US" altLang="zh-CN" dirty="0"/>
-              <a:t>Doc</a:t>
-            </a:r>
-            <a:endParaRPr lang="zh-CN" altLang="en-US" dirty="0"/>
-          </a:p>
-        </p:txBody>
-      </p:sp>
-      <p:sp>
-        <p:nvSpPr>
-          <p:cNvPr id="73" name="矩形 72"/>
-          <p:cNvSpPr/>
-          <p:nvPr/>
-        </p:nvSpPr>
-        <p:spPr>
-          <a:xfrm>
-            <a:off x="8724508" y="5137611"/>
-            <a:ext cx="1046375" cy="358219"/>
-          </a:xfrm>
-          <a:prstGeom prst="rect">
-            <a:avLst/>
-          </a:prstGeom>
-        </p:spPr>
-        <p:style>
-          <a:lnRef idx="2">
-            <a:schemeClr val="accent6">
-              <a:shade val="50000"/>
-            </a:schemeClr>
-          </a:lnRef>
-          <a:fillRef idx="1">
-            <a:schemeClr val="accent6"/>
-          </a:fillRef>
-          <a:effectRef idx="0">
-            <a:schemeClr val="accent6"/>
-          </a:effectRef>
-          <a:fontRef idx="minor">
-            <a:schemeClr val="lt1"/>
-          </a:fontRef>
-        </p:style>
-        <p:txBody>
-          <a:bodyPr rtlCol="0" anchor="ctr"/>
-          <a:lstStyle/>
-          <a:p>
-            <a:pPr algn="ctr"/>
-            <a:r>
-              <a:rPr lang="en-US" altLang="zh-CN" dirty="0"/>
-              <a:t>Doc</a:t>
-            </a:r>
-            <a:endParaRPr lang="zh-CN" altLang="en-US" dirty="0"/>
-          </a:p>
-        </p:txBody>
-      </p:sp>
-      <p:sp>
-        <p:nvSpPr>
-          <p:cNvPr id="74" name="矩形 73"/>
-          <p:cNvSpPr/>
-          <p:nvPr/>
-        </p:nvSpPr>
-        <p:spPr>
-          <a:xfrm>
-            <a:off x="9766170" y="5137613"/>
-            <a:ext cx="579750" cy="358219"/>
-          </a:xfrm>
-          <a:prstGeom prst="rect">
-            <a:avLst/>
-          </a:prstGeom>
-          <a:noFill/>
-          <a:ln>
-            <a:noFill/>
-          </a:ln>
-        </p:spPr>
-        <p:style>
-          <a:lnRef idx="2">
-            <a:schemeClr val="accent1">
-              <a:shade val="50000"/>
-            </a:schemeClr>
-          </a:lnRef>
-          <a:fillRef idx="1">
-            <a:schemeClr val="accent1"/>
-          </a:fillRef>
-          <a:effectRef idx="0">
-            <a:schemeClr val="accent1"/>
-          </a:effectRef>
-          <a:fontRef idx="minor">
-            <a:schemeClr val="lt1"/>
-          </a:fontRef>
-        </p:style>
-        <p:txBody>
-          <a:bodyPr rtlCol="0" anchor="ctr"/>
-          <a:lstStyle/>
-          <a:p>
-            <a:pPr algn="ctr"/>
-            <a:r>
-              <a:rPr lang="en-US" altLang="zh-CN" dirty="0">
-                <a:solidFill>
-                  <a:schemeClr val="tx1"/>
-                </a:solidFill>
-              </a:rPr>
-              <a:t>......</a:t>
-            </a:r>
-            <a:endParaRPr lang="en-US" altLang="zh-CN" dirty="0">
-              <a:solidFill>
-                <a:schemeClr val="tx1"/>
-              </a:solidFill>
-            </a:endParaRPr>
-          </a:p>
-        </p:txBody>
-      </p:sp>
-      <p:sp>
-        <p:nvSpPr>
-          <p:cNvPr id="75" name="矩形 74"/>
-          <p:cNvSpPr/>
-          <p:nvPr/>
-        </p:nvSpPr>
-        <p:spPr>
-          <a:xfrm>
-            <a:off x="10345920" y="5137612"/>
-            <a:ext cx="1046375" cy="358219"/>
-          </a:xfrm>
-          <a:prstGeom prst="rect">
-            <a:avLst/>
-          </a:prstGeom>
-        </p:spPr>
-        <p:style>
-          <a:lnRef idx="2">
-            <a:schemeClr val="accent6">
-              <a:shade val="50000"/>
-            </a:schemeClr>
-          </a:lnRef>
-          <a:fillRef idx="1">
-            <a:schemeClr val="accent6"/>
-          </a:fillRef>
-          <a:effectRef idx="0">
-            <a:schemeClr val="accent6"/>
-          </a:effectRef>
-          <a:fontRef idx="minor">
-            <a:schemeClr val="lt1"/>
-          </a:fontRef>
-        </p:style>
-        <p:txBody>
-          <a:bodyPr rtlCol="0" anchor="ctr"/>
-          <a:lstStyle/>
-          <a:p>
-            <a:pPr algn="ctr"/>
-            <a:r>
-              <a:rPr lang="en-US" altLang="zh-CN" dirty="0"/>
-              <a:t>Doc</a:t>
-            </a:r>
-            <a:endParaRPr lang="zh-CN" altLang="en-US" dirty="0"/>
-          </a:p>
-        </p:txBody>
-      </p:sp>
-      <p:cxnSp>
-        <p:nvCxnSpPr>
-          <p:cNvPr id="79" name="直接连接符 78"/>
-          <p:cNvCxnSpPr/>
-          <p:nvPr/>
-        </p:nvCxnSpPr>
-        <p:spPr>
-          <a:xfrm>
-            <a:off x="8927540" y="4637989"/>
-            <a:ext cx="2460042" cy="499620"/>
-          </a:xfrm>
-          <a:prstGeom prst="line">
-            <a:avLst/>
-          </a:prstGeom>
-          <a:ln w="19050"/>
-        </p:spPr>
-        <p:style>
-          <a:lnRef idx="1">
-            <a:schemeClr val="accent1"/>
-          </a:lnRef>
-          <a:fillRef idx="0">
-            <a:schemeClr val="accent1"/>
-          </a:fillRef>
-          <a:effectRef idx="0">
-            <a:schemeClr val="accent1"/>
-          </a:effectRef>
-          <a:fontRef idx="minor">
-            <a:schemeClr val="tx1"/>
-          </a:fontRef>
-        </p:style>
-      </p:cxnSp>
-      <p:cxnSp>
-        <p:nvCxnSpPr>
-          <p:cNvPr id="82" name="直接连接符 81"/>
-          <p:cNvCxnSpPr/>
-          <p:nvPr/>
-        </p:nvCxnSpPr>
-        <p:spPr>
-          <a:xfrm flipH="1">
-            <a:off x="1269892" y="3624905"/>
-            <a:ext cx="2755355" cy="678131"/>
-          </a:xfrm>
-          <a:prstGeom prst="line">
-            <a:avLst/>
-          </a:prstGeom>
-          <a:ln w="19050"/>
-        </p:spPr>
-        <p:style>
-          <a:lnRef idx="1">
-            <a:schemeClr val="accent1"/>
-          </a:lnRef>
-          <a:fillRef idx="0">
-            <a:schemeClr val="accent1"/>
-          </a:fillRef>
-          <a:effectRef idx="0">
-            <a:schemeClr val="accent1"/>
-          </a:effectRef>
-          <a:fontRef idx="minor">
-            <a:schemeClr val="tx1"/>
-          </a:fontRef>
-        </p:style>
-      </p:cxnSp>
-      <p:sp>
-        <p:nvSpPr>
-          <p:cNvPr id="95" name="矩形 94"/>
-          <p:cNvSpPr/>
-          <p:nvPr/>
-        </p:nvSpPr>
-        <p:spPr>
-          <a:xfrm>
-            <a:off x="5698070" y="6033755"/>
-            <a:ext cx="1046375" cy="358219"/>
-          </a:xfrm>
-          <a:prstGeom prst="rect">
-            <a:avLst/>
-          </a:prstGeom>
-        </p:spPr>
-        <p:style>
-          <a:lnRef idx="3">
-            <a:schemeClr val="lt1"/>
-          </a:lnRef>
-          <a:fillRef idx="1">
-            <a:schemeClr val="accent5"/>
-          </a:fillRef>
-          <a:effectRef idx="1">
-            <a:schemeClr val="accent5"/>
-          </a:effectRef>
-          <a:fontRef idx="minor">
-            <a:schemeClr val="lt1"/>
-          </a:fontRef>
-        </p:style>
-        <p:txBody>
-          <a:bodyPr rtlCol="0" anchor="ctr"/>
-          <a:lstStyle/>
-          <a:p>
-            <a:pPr algn="ctr"/>
-            <a:r>
-              <a:rPr lang="en-US" altLang="zh-CN" dirty="0"/>
-              <a:t>Value2</a:t>
-            </a:r>
-            <a:endParaRPr lang="zh-CN" altLang="en-US" dirty="0"/>
-          </a:p>
-        </p:txBody>
-      </p:sp>
-      <p:sp>
-        <p:nvSpPr>
-          <p:cNvPr id="98" name="矩形 97"/>
-          <p:cNvSpPr/>
-          <p:nvPr/>
-        </p:nvSpPr>
-        <p:spPr>
-          <a:xfrm>
-            <a:off x="3671310" y="6043179"/>
-            <a:ext cx="2174647" cy="358219"/>
-          </a:xfrm>
-          <a:prstGeom prst="rect">
-            <a:avLst/>
-          </a:prstGeom>
-        </p:spPr>
-        <p:style>
-          <a:lnRef idx="3">
-            <a:schemeClr val="lt1"/>
-          </a:lnRef>
-          <a:fillRef idx="1">
-            <a:schemeClr val="accent5"/>
-          </a:fillRef>
-          <a:effectRef idx="1">
-            <a:schemeClr val="accent5"/>
-          </a:effectRef>
-          <a:fontRef idx="minor">
-            <a:schemeClr val="lt1"/>
-          </a:fontRef>
-        </p:style>
-        <p:txBody>
-          <a:bodyPr rtlCol="0" anchor="ctr"/>
-          <a:lstStyle/>
-          <a:p>
-            <a:pPr algn="ctr"/>
-            <a:r>
-              <a:rPr lang="en-US" altLang="zh-CN" dirty="0"/>
-              <a:t>FieldNumAndType2</a:t>
-            </a:r>
-            <a:endParaRPr lang="zh-CN" altLang="en-US" dirty="0"/>
-          </a:p>
-        </p:txBody>
-      </p:sp>
-      <p:sp>
-        <p:nvSpPr>
-          <p:cNvPr id="99" name="矩形 98"/>
-          <p:cNvSpPr/>
-          <p:nvPr/>
-        </p:nvSpPr>
-        <p:spPr>
-          <a:xfrm>
-            <a:off x="6718371" y="6033754"/>
-            <a:ext cx="796997" cy="358219"/>
-          </a:xfrm>
-          <a:prstGeom prst="rect">
-            <a:avLst/>
-          </a:prstGeom>
-        </p:spPr>
-        <p:style>
-          <a:lnRef idx="3">
-            <a:schemeClr val="lt1"/>
-          </a:lnRef>
-          <a:fillRef idx="1">
-            <a:schemeClr val="accent2"/>
-          </a:fillRef>
-          <a:effectRef idx="1">
-            <a:schemeClr val="accent2"/>
-          </a:effectRef>
-          <a:fontRef idx="minor">
-            <a:schemeClr val="lt1"/>
-          </a:fontRef>
-        </p:style>
-        <p:txBody>
-          <a:bodyPr rtlCol="0" anchor="ctr"/>
-          <a:lstStyle/>
-          <a:p>
-            <a:pPr algn="ctr"/>
-            <a:r>
-              <a:rPr lang="en-US" altLang="zh-CN" dirty="0"/>
-              <a:t>…</a:t>
-            </a:r>
-            <a:endParaRPr lang="zh-CN" altLang="en-US" dirty="0"/>
-          </a:p>
-        </p:txBody>
-      </p:sp>
-      <p:sp>
-        <p:nvSpPr>
-          <p:cNvPr id="100" name="矩形 99"/>
-          <p:cNvSpPr/>
-          <p:nvPr/>
-        </p:nvSpPr>
-        <p:spPr>
-          <a:xfrm>
-            <a:off x="2618017" y="6043182"/>
-            <a:ext cx="1046375" cy="358219"/>
-          </a:xfrm>
-          <a:prstGeom prst="rect">
-            <a:avLst/>
-          </a:prstGeom>
-        </p:spPr>
-        <p:style>
-          <a:lnRef idx="3">
-            <a:schemeClr val="lt1"/>
-          </a:lnRef>
-          <a:fillRef idx="1">
-            <a:schemeClr val="accent2"/>
-          </a:fillRef>
-          <a:effectRef idx="1">
-            <a:schemeClr val="accent2"/>
-          </a:effectRef>
-          <a:fontRef idx="minor">
-            <a:schemeClr val="lt1"/>
-          </a:fontRef>
-        </p:style>
-        <p:txBody>
-          <a:bodyPr rtlCol="0" anchor="ctr"/>
-          <a:lstStyle/>
-          <a:p>
-            <a:pPr algn="ctr"/>
-            <a:r>
-              <a:rPr lang="en-US" altLang="zh-CN" dirty="0"/>
-              <a:t>Value1</a:t>
-            </a:r>
-            <a:endParaRPr lang="zh-CN" altLang="en-US" dirty="0"/>
-          </a:p>
-        </p:txBody>
-      </p:sp>
-      <p:sp>
-        <p:nvSpPr>
-          <p:cNvPr id="101" name="矩形 100"/>
-          <p:cNvSpPr/>
-          <p:nvPr/>
-        </p:nvSpPr>
-        <p:spPr>
-          <a:xfrm>
-            <a:off x="518348" y="6043179"/>
-            <a:ext cx="2174647" cy="358219"/>
-          </a:xfrm>
-          <a:prstGeom prst="rect">
-            <a:avLst/>
-          </a:prstGeom>
-        </p:spPr>
-        <p:style>
-          <a:lnRef idx="3">
-            <a:schemeClr val="lt1"/>
-          </a:lnRef>
-          <a:fillRef idx="1">
-            <a:schemeClr val="accent2"/>
-          </a:fillRef>
-          <a:effectRef idx="1">
-            <a:schemeClr val="accent2"/>
-          </a:effectRef>
-          <a:fontRef idx="minor">
-            <a:schemeClr val="lt1"/>
-          </a:fontRef>
-        </p:style>
-        <p:txBody>
-          <a:bodyPr rtlCol="0" anchor="ctr"/>
-          <a:lstStyle/>
-          <a:p>
-            <a:pPr algn="ctr"/>
-            <a:r>
-              <a:rPr lang="en-US" altLang="zh-CN" dirty="0"/>
-              <a:t>FieldNumAndType1</a:t>
-            </a:r>
-            <a:endParaRPr lang="zh-CN" altLang="en-US" dirty="0"/>
-          </a:p>
-        </p:txBody>
-      </p:sp>
-      <p:sp>
-        <p:nvSpPr>
-          <p:cNvPr id="102" name="矩形 101"/>
-          <p:cNvSpPr/>
-          <p:nvPr/>
-        </p:nvSpPr>
-        <p:spPr>
-          <a:xfrm>
-            <a:off x="7533922" y="6043179"/>
-            <a:ext cx="2415998" cy="358219"/>
-          </a:xfrm>
-          <a:prstGeom prst="rect">
-            <a:avLst/>
-          </a:prstGeom>
-        </p:spPr>
-        <p:style>
-          <a:lnRef idx="3">
-            <a:schemeClr val="lt1"/>
-          </a:lnRef>
-          <a:fillRef idx="1">
-            <a:schemeClr val="accent4"/>
-          </a:fillRef>
-          <a:effectRef idx="1">
-            <a:schemeClr val="accent4"/>
-          </a:effectRef>
-          <a:fontRef idx="minor">
-            <a:schemeClr val="lt1"/>
-          </a:fontRef>
-        </p:style>
-        <p:txBody>
-          <a:bodyPr rtlCol="0" anchor="ctr"/>
-          <a:lstStyle/>
-          <a:p>
-            <a:pPr algn="ctr"/>
-            <a:r>
-              <a:rPr lang="en-US" altLang="zh-CN" dirty="0" err="1"/>
-              <a:t>FieldNumAndTypeN</a:t>
-            </a:r>
-            <a:endParaRPr lang="zh-CN" altLang="en-US" dirty="0"/>
-          </a:p>
-        </p:txBody>
-      </p:sp>
-      <p:sp>
-        <p:nvSpPr>
-          <p:cNvPr id="103" name="矩形 102"/>
-          <p:cNvSpPr/>
-          <p:nvPr/>
-        </p:nvSpPr>
-        <p:spPr>
-          <a:xfrm>
-            <a:off x="9793708" y="6043179"/>
-            <a:ext cx="1046375" cy="358219"/>
-          </a:xfrm>
-          <a:prstGeom prst="rect">
-            <a:avLst/>
-          </a:prstGeom>
-        </p:spPr>
-        <p:style>
-          <a:lnRef idx="3">
-            <a:schemeClr val="lt1"/>
-          </a:lnRef>
-          <a:fillRef idx="1">
-            <a:schemeClr val="accent4"/>
-          </a:fillRef>
-          <a:effectRef idx="1">
-            <a:schemeClr val="accent4"/>
-          </a:effectRef>
-          <a:fontRef idx="minor">
-            <a:schemeClr val="lt1"/>
-          </a:fontRef>
-        </p:style>
-        <p:txBody>
-          <a:bodyPr rtlCol="0" anchor="ctr"/>
-          <a:lstStyle/>
-          <a:p>
-            <a:pPr algn="ctr"/>
-            <a:r>
-              <a:rPr lang="en-US" altLang="zh-CN" dirty="0" err="1"/>
-              <a:t>ValueN</a:t>
-            </a:r>
-            <a:endParaRPr lang="zh-CN" altLang="en-US" dirty="0"/>
-          </a:p>
-        </p:txBody>
-      </p:sp>
-      <p:cxnSp>
-        <p:nvCxnSpPr>
-          <p:cNvPr id="104" name="直接连接符 103"/>
-          <p:cNvCxnSpPr/>
-          <p:nvPr/>
-        </p:nvCxnSpPr>
-        <p:spPr>
-          <a:xfrm flipV="1">
-            <a:off x="518348" y="5472564"/>
-            <a:ext cx="7211634" cy="603002"/>
-          </a:xfrm>
-          <a:prstGeom prst="line">
-            <a:avLst/>
-          </a:prstGeom>
-          <a:ln w="19050"/>
-        </p:spPr>
-        <p:style>
-          <a:lnRef idx="1">
-            <a:schemeClr val="accent1"/>
-          </a:lnRef>
-          <a:fillRef idx="0">
-            <a:schemeClr val="accent1"/>
-          </a:fillRef>
-          <a:effectRef idx="0">
-            <a:schemeClr val="accent1"/>
-          </a:effectRef>
-          <a:fontRef idx="minor">
-            <a:schemeClr val="tx1"/>
-          </a:fontRef>
-        </p:style>
-      </p:cxnSp>
-      <p:cxnSp>
-        <p:nvCxnSpPr>
-          <p:cNvPr id="107" name="直接连接符 106"/>
-          <p:cNvCxnSpPr/>
-          <p:nvPr/>
-        </p:nvCxnSpPr>
-        <p:spPr>
-          <a:xfrm flipH="1" flipV="1">
-            <a:off x="8743061" y="5495831"/>
-            <a:ext cx="2060720" cy="579734"/>
-          </a:xfrm>
-          <a:prstGeom prst="line">
-            <a:avLst/>
-          </a:prstGeom>
-          <a:ln w="19050"/>
-        </p:spPr>
-        <p:style>
-          <a:lnRef idx="1">
-            <a:schemeClr val="accent1"/>
-          </a:lnRef>
-          <a:fillRef idx="0">
-            <a:schemeClr val="accent1"/>
-          </a:fillRef>
-          <a:effectRef idx="0">
-            <a:schemeClr val="accent1"/>
-          </a:effectRef>
-          <a:fontRef idx="minor">
-            <a:schemeClr val="tx1"/>
-          </a:fontRef>
-        </p:style>
-      </p:cxnSp>
-      <p:sp>
-        <p:nvSpPr>
-          <p:cNvPr id="123" name="文本框 122"/>
-          <p:cNvSpPr txBox="1"/>
-          <p:nvPr/>
-        </p:nvSpPr>
-        <p:spPr>
-          <a:xfrm>
-            <a:off x="45223" y="3228674"/>
-            <a:ext cx="1107996" cy="646331"/>
-          </a:xfrm>
-          <a:prstGeom prst="rect">
-            <a:avLst/>
-          </a:prstGeom>
-          <a:noFill/>
-        </p:spPr>
-        <p:txBody>
-          <a:bodyPr wrap="none" rtlCol="0">
-            <a:spAutoFit/>
-          </a:bodyPr>
-          <a:lstStyle/>
-          <a:p>
-            <a:r>
-              <a:rPr lang="en-US" altLang="zh-CN" dirty="0"/>
-              <a:t>.</a:t>
-            </a:r>
-            <a:r>
-              <a:rPr lang="en-US" altLang="zh-CN" dirty="0" err="1"/>
-              <a:t>fdt</a:t>
-            </a:r>
-            <a:r>
-              <a:rPr lang="zh-CN" altLang="en-US" dirty="0"/>
-              <a:t>文件  </a:t>
-            </a:r>
-            <a:endParaRPr lang="en-US" altLang="zh-CN" dirty="0"/>
-          </a:p>
-          <a:p>
-            <a:r>
-              <a:rPr lang="zh-CN" altLang="en-US" dirty="0"/>
-              <a:t>在磁盘上</a:t>
-            </a:r>
-            <a:endParaRPr lang="zh-CN" altLang="en-US" dirty="0"/>
-          </a:p>
-        </p:txBody>
-      </p:sp>
-      <p:sp>
-        <p:nvSpPr>
-          <p:cNvPr id="124" name="左大括号 123"/>
-          <p:cNvSpPr/>
-          <p:nvPr/>
-        </p:nvSpPr>
-        <p:spPr>
-          <a:xfrm>
-            <a:off x="9096866" y="3875005"/>
-            <a:ext cx="231170" cy="654857"/>
-          </a:xfrm>
-          <a:prstGeom prst="leftBrace">
-            <a:avLst/>
-          </a:prstGeom>
-        </p:spPr>
-        <p:style>
-          <a:lnRef idx="1">
-            <a:schemeClr val="accent1"/>
-          </a:lnRef>
-          <a:fillRef idx="0">
-            <a:schemeClr val="accent1"/>
-          </a:fillRef>
-          <a:effectRef idx="0">
-            <a:schemeClr val="accent1"/>
-          </a:effectRef>
-          <a:fontRef idx="minor">
-            <a:schemeClr val="tx1"/>
-          </a:fontRef>
-        </p:style>
-        <p:txBody>
-          <a:bodyPr rtlCol="0" anchor="ctr"/>
-          <a:lstStyle/>
-          <a:p>
-            <a:pPr algn="ctr"/>
-            <a:endParaRPr lang="zh-CN" altLang="en-US"/>
-          </a:p>
-        </p:txBody>
-      </p:sp>
-      <p:sp>
-        <p:nvSpPr>
-          <p:cNvPr id="125" name="文本框 124"/>
-          <p:cNvSpPr txBox="1"/>
-          <p:nvPr/>
-        </p:nvSpPr>
-        <p:spPr>
-          <a:xfrm>
-            <a:off x="9294412" y="3713912"/>
-            <a:ext cx="1990410" cy="369332"/>
-          </a:xfrm>
-          <a:prstGeom prst="rect">
-            <a:avLst/>
-          </a:prstGeom>
-          <a:noFill/>
-        </p:spPr>
-        <p:txBody>
-          <a:bodyPr wrap="square" rtlCol="0">
-            <a:spAutoFit/>
-          </a:bodyPr>
-          <a:lstStyle/>
-          <a:p>
-            <a:r>
-              <a:rPr lang="en-US" altLang="zh-CN" dirty="0"/>
-              <a:t>BEST_SPEED</a:t>
-            </a:r>
-            <a:endParaRPr lang="zh-CN" altLang="en-US" dirty="0"/>
-          </a:p>
-        </p:txBody>
-      </p:sp>
-      <p:sp>
-        <p:nvSpPr>
-          <p:cNvPr id="130" name="文本框 129"/>
-          <p:cNvSpPr txBox="1"/>
-          <p:nvPr/>
-        </p:nvSpPr>
-        <p:spPr>
-          <a:xfrm>
-            <a:off x="9306723" y="4345197"/>
-            <a:ext cx="2382513" cy="369332"/>
-          </a:xfrm>
-          <a:prstGeom prst="rect">
-            <a:avLst/>
-          </a:prstGeom>
-          <a:noFill/>
-        </p:spPr>
-        <p:txBody>
-          <a:bodyPr wrap="square" rtlCol="0">
-            <a:spAutoFit/>
-          </a:bodyPr>
-          <a:lstStyle/>
-          <a:p>
-            <a:r>
-              <a:rPr lang="en-US" altLang="zh-CN" dirty="0"/>
-              <a:t>BEST_COMPRESSION</a:t>
-            </a:r>
-            <a:endParaRPr lang="zh-CN" altLang="en-US" dirty="0"/>
-          </a:p>
-        </p:txBody>
-      </p:sp>
-      <p:sp>
-        <p:nvSpPr>
-          <p:cNvPr id="132" name="文本框 131"/>
-          <p:cNvSpPr txBox="1"/>
-          <p:nvPr/>
-        </p:nvSpPr>
-        <p:spPr>
-          <a:xfrm>
-            <a:off x="3763139" y="5051925"/>
-            <a:ext cx="1709122" cy="369332"/>
-          </a:xfrm>
-          <a:prstGeom prst="rect">
-            <a:avLst/>
-          </a:prstGeom>
-          <a:noFill/>
-        </p:spPr>
-        <p:txBody>
-          <a:bodyPr wrap="none" rtlCol="0">
-            <a:spAutoFit/>
-          </a:bodyPr>
-          <a:lstStyle/>
-          <a:p>
-            <a:r>
-              <a:rPr lang="zh-CN" altLang="en-US" dirty="0"/>
-              <a:t>每个</a:t>
-            </a:r>
-            <a:r>
-              <a:rPr lang="en-US" altLang="zh-CN" dirty="0"/>
-              <a:t>doc</a:t>
-            </a:r>
-            <a:r>
-              <a:rPr lang="zh-CN" altLang="en-US" dirty="0"/>
-              <a:t>的长度</a:t>
-            </a:r>
-            <a:endParaRPr lang="zh-CN" altLang="en-US" dirty="0"/>
-          </a:p>
-        </p:txBody>
-      </p:sp>
-      <p:cxnSp>
-        <p:nvCxnSpPr>
-          <p:cNvPr id="133" name="直接连接符 132"/>
-          <p:cNvCxnSpPr>
-            <a:stCxn id="57" idx="2"/>
-            <a:endCxn id="132" idx="0"/>
-          </p:cNvCxnSpPr>
-          <p:nvPr/>
-        </p:nvCxnSpPr>
-        <p:spPr>
-          <a:xfrm flipH="1">
-            <a:off x="4617700" y="4656838"/>
-            <a:ext cx="1697636" cy="395087"/>
-          </a:xfrm>
-          <a:prstGeom prst="line">
-            <a:avLst/>
-          </a:prstGeom>
-          <a:ln w="19050"/>
-        </p:spPr>
-        <p:style>
-          <a:lnRef idx="1">
-            <a:schemeClr val="accent1"/>
-          </a:lnRef>
-          <a:fillRef idx="0">
-            <a:schemeClr val="accent1"/>
-          </a:fillRef>
-          <a:effectRef idx="0">
-            <a:schemeClr val="accent1"/>
-          </a:effectRef>
-          <a:fontRef idx="minor">
-            <a:schemeClr val="tx1"/>
-          </a:fontRef>
-        </p:style>
-      </p:cxnSp>
     </p:spTree>
   </p:cSld>
   <p:clrMapOvr>
@@ -10941,6 +9371,2487 @@
       </p:grpSpPr>
       <p:sp>
         <p:nvSpPr>
+          <p:cNvPr id="2" name="矩形 1"/>
+          <p:cNvSpPr/>
+          <p:nvPr/>
+        </p:nvSpPr>
+        <p:spPr>
+          <a:xfrm>
+            <a:off x="1234912" y="254524"/>
+            <a:ext cx="2139886" cy="358217"/>
+          </a:xfrm>
+          <a:prstGeom prst="rect">
+            <a:avLst/>
+          </a:prstGeom>
+        </p:spPr>
+        <p:style>
+          <a:lnRef idx="2">
+            <a:schemeClr val="accent3">
+              <a:shade val="50000"/>
+            </a:schemeClr>
+          </a:lnRef>
+          <a:fillRef idx="1">
+            <a:schemeClr val="accent3"/>
+          </a:fillRef>
+          <a:effectRef idx="0">
+            <a:schemeClr val="accent3"/>
+          </a:effectRef>
+          <a:fontRef idx="minor">
+            <a:schemeClr val="lt1"/>
+          </a:fontRef>
+        </p:style>
+        <p:txBody>
+          <a:bodyPr rtlCol="0" anchor="ctr"/>
+          <a:lstStyle/>
+          <a:p>
+            <a:pPr algn="ctr"/>
+            <a:r>
+              <a:rPr lang="en-US" altLang="zh-CN" dirty="0" err="1"/>
+              <a:t>PackedIntsVersion</a:t>
+            </a:r>
+            <a:endParaRPr lang="zh-CN" altLang="en-US" dirty="0"/>
+          </a:p>
+        </p:txBody>
+      </p:sp>
+      <p:sp>
+        <p:nvSpPr>
+          <p:cNvPr id="3" name="矩形 2"/>
+          <p:cNvSpPr/>
+          <p:nvPr/>
+        </p:nvSpPr>
+        <p:spPr>
+          <a:xfrm>
+            <a:off x="3379511" y="254522"/>
+            <a:ext cx="1046375" cy="358219"/>
+          </a:xfrm>
+          <a:prstGeom prst="rect">
+            <a:avLst/>
+          </a:prstGeom>
+        </p:spPr>
+        <p:style>
+          <a:lnRef idx="2">
+            <a:schemeClr val="accent6">
+              <a:shade val="50000"/>
+            </a:schemeClr>
+          </a:lnRef>
+          <a:fillRef idx="1">
+            <a:schemeClr val="accent6"/>
+          </a:fillRef>
+          <a:effectRef idx="0">
+            <a:schemeClr val="accent6"/>
+          </a:effectRef>
+          <a:fontRef idx="minor">
+            <a:schemeClr val="lt1"/>
+          </a:fontRef>
+        </p:style>
+        <p:txBody>
+          <a:bodyPr rtlCol="0" anchor="ctr"/>
+          <a:lstStyle/>
+          <a:p>
+            <a:pPr algn="ctr"/>
+            <a:r>
+              <a:rPr lang="en-US" altLang="zh-CN" dirty="0"/>
+              <a:t>Block</a:t>
+            </a:r>
+            <a:endParaRPr lang="zh-CN" altLang="en-US" dirty="0"/>
+          </a:p>
+        </p:txBody>
+      </p:sp>
+      <p:sp>
+        <p:nvSpPr>
+          <p:cNvPr id="5" name="矩形 4"/>
+          <p:cNvSpPr/>
+          <p:nvPr/>
+        </p:nvSpPr>
+        <p:spPr>
+          <a:xfrm>
+            <a:off x="4374037" y="254522"/>
+            <a:ext cx="1046375" cy="358219"/>
+          </a:xfrm>
+          <a:prstGeom prst="rect">
+            <a:avLst/>
+          </a:prstGeom>
+        </p:spPr>
+        <p:style>
+          <a:lnRef idx="2">
+            <a:schemeClr val="accent6">
+              <a:shade val="50000"/>
+            </a:schemeClr>
+          </a:lnRef>
+          <a:fillRef idx="1">
+            <a:schemeClr val="accent6"/>
+          </a:fillRef>
+          <a:effectRef idx="0">
+            <a:schemeClr val="accent6"/>
+          </a:effectRef>
+          <a:fontRef idx="minor">
+            <a:schemeClr val="lt1"/>
+          </a:fontRef>
+        </p:style>
+        <p:txBody>
+          <a:bodyPr rtlCol="0" anchor="ctr"/>
+          <a:lstStyle/>
+          <a:p>
+            <a:pPr algn="ctr"/>
+            <a:r>
+              <a:rPr lang="en-US" altLang="zh-CN" dirty="0"/>
+              <a:t>Block</a:t>
+            </a:r>
+            <a:endParaRPr lang="zh-CN" altLang="en-US" dirty="0"/>
+          </a:p>
+        </p:txBody>
+      </p:sp>
+      <p:sp>
+        <p:nvSpPr>
+          <p:cNvPr id="7" name="矩形 6"/>
+          <p:cNvSpPr/>
+          <p:nvPr/>
+        </p:nvSpPr>
+        <p:spPr>
+          <a:xfrm>
+            <a:off x="5415699" y="254524"/>
+            <a:ext cx="579750" cy="358219"/>
+          </a:xfrm>
+          <a:prstGeom prst="rect">
+            <a:avLst/>
+          </a:prstGeom>
+          <a:noFill/>
+          <a:ln>
+            <a:noFill/>
+          </a:ln>
+        </p:spPr>
+        <p:style>
+          <a:lnRef idx="2">
+            <a:schemeClr val="accent1">
+              <a:shade val="50000"/>
+            </a:schemeClr>
+          </a:lnRef>
+          <a:fillRef idx="1">
+            <a:schemeClr val="accent1"/>
+          </a:fillRef>
+          <a:effectRef idx="0">
+            <a:schemeClr val="accent1"/>
+          </a:effectRef>
+          <a:fontRef idx="minor">
+            <a:schemeClr val="lt1"/>
+          </a:fontRef>
+        </p:style>
+        <p:txBody>
+          <a:bodyPr rtlCol="0" anchor="ctr"/>
+          <a:lstStyle/>
+          <a:p>
+            <a:pPr algn="ctr"/>
+            <a:r>
+              <a:rPr lang="en-US" altLang="zh-CN" dirty="0">
+                <a:solidFill>
+                  <a:schemeClr val="tx1"/>
+                </a:solidFill>
+              </a:rPr>
+              <a:t>......</a:t>
+            </a:r>
+          </a:p>
+        </p:txBody>
+      </p:sp>
+      <p:sp>
+        <p:nvSpPr>
+          <p:cNvPr id="8" name="矩形 7"/>
+          <p:cNvSpPr/>
+          <p:nvPr/>
+        </p:nvSpPr>
+        <p:spPr>
+          <a:xfrm>
+            <a:off x="5995449" y="254523"/>
+            <a:ext cx="1046375" cy="358219"/>
+          </a:xfrm>
+          <a:prstGeom prst="rect">
+            <a:avLst/>
+          </a:prstGeom>
+        </p:spPr>
+        <p:style>
+          <a:lnRef idx="2">
+            <a:schemeClr val="accent6">
+              <a:shade val="50000"/>
+            </a:schemeClr>
+          </a:lnRef>
+          <a:fillRef idx="1">
+            <a:schemeClr val="accent6"/>
+          </a:fillRef>
+          <a:effectRef idx="0">
+            <a:schemeClr val="accent6"/>
+          </a:effectRef>
+          <a:fontRef idx="minor">
+            <a:schemeClr val="lt1"/>
+          </a:fontRef>
+        </p:style>
+        <p:txBody>
+          <a:bodyPr rtlCol="0" anchor="ctr"/>
+          <a:lstStyle/>
+          <a:p>
+            <a:pPr algn="ctr"/>
+            <a:r>
+              <a:rPr lang="en-US" altLang="zh-CN" dirty="0"/>
+              <a:t>Block</a:t>
+            </a:r>
+            <a:endParaRPr lang="zh-CN" altLang="en-US" dirty="0"/>
+          </a:p>
+        </p:txBody>
+      </p:sp>
+      <p:sp>
+        <p:nvSpPr>
+          <p:cNvPr id="9" name="矩形 8"/>
+          <p:cNvSpPr/>
+          <p:nvPr/>
+        </p:nvSpPr>
+        <p:spPr>
+          <a:xfrm>
+            <a:off x="7041824" y="254522"/>
+            <a:ext cx="1046375" cy="358219"/>
+          </a:xfrm>
+          <a:prstGeom prst="rect">
+            <a:avLst/>
+          </a:prstGeom>
+        </p:spPr>
+        <p:style>
+          <a:lnRef idx="2">
+            <a:schemeClr val="accent6">
+              <a:shade val="50000"/>
+            </a:schemeClr>
+          </a:lnRef>
+          <a:fillRef idx="1">
+            <a:schemeClr val="accent6"/>
+          </a:fillRef>
+          <a:effectRef idx="0">
+            <a:schemeClr val="accent6"/>
+          </a:effectRef>
+          <a:fontRef idx="minor">
+            <a:schemeClr val="lt1"/>
+          </a:fontRef>
+        </p:style>
+        <p:txBody>
+          <a:bodyPr rtlCol="0" anchor="ctr"/>
+          <a:lstStyle/>
+          <a:p>
+            <a:pPr algn="ctr"/>
+            <a:r>
+              <a:rPr lang="en-US" altLang="zh-CN" dirty="0"/>
+              <a:t>Block</a:t>
+            </a:r>
+            <a:endParaRPr lang="zh-CN" altLang="en-US" dirty="0"/>
+          </a:p>
+        </p:txBody>
+      </p:sp>
+      <p:sp>
+        <p:nvSpPr>
+          <p:cNvPr id="10" name="矩形 9"/>
+          <p:cNvSpPr/>
+          <p:nvPr/>
+        </p:nvSpPr>
+        <p:spPr>
+          <a:xfrm>
+            <a:off x="8088199" y="254522"/>
+            <a:ext cx="2412426" cy="358219"/>
+          </a:xfrm>
+          <a:prstGeom prst="rect">
+            <a:avLst/>
+          </a:prstGeom>
+        </p:spPr>
+        <p:style>
+          <a:lnRef idx="2">
+            <a:schemeClr val="accent3">
+              <a:shade val="50000"/>
+            </a:schemeClr>
+          </a:lnRef>
+          <a:fillRef idx="1">
+            <a:schemeClr val="accent3"/>
+          </a:fillRef>
+          <a:effectRef idx="0">
+            <a:schemeClr val="accent3"/>
+          </a:effectRef>
+          <a:fontRef idx="minor">
+            <a:schemeClr val="lt1"/>
+          </a:fontRef>
+        </p:style>
+        <p:txBody>
+          <a:bodyPr rtlCol="0" anchor="ctr"/>
+          <a:lstStyle/>
+          <a:p>
+            <a:pPr algn="ctr"/>
+            <a:r>
+              <a:rPr lang="en-US" altLang="zh-CN" dirty="0" err="1"/>
+              <a:t>BlocksEndMarker</a:t>
+            </a:r>
+            <a:endParaRPr lang="zh-CN" altLang="en-US" dirty="0"/>
+          </a:p>
+        </p:txBody>
+      </p:sp>
+      <p:sp>
+        <p:nvSpPr>
+          <p:cNvPr id="12" name="矩形 11"/>
+          <p:cNvSpPr/>
+          <p:nvPr/>
+        </p:nvSpPr>
+        <p:spPr>
+          <a:xfrm>
+            <a:off x="3846136" y="1621409"/>
+            <a:ext cx="1046375" cy="358219"/>
+          </a:xfrm>
+          <a:prstGeom prst="rect">
+            <a:avLst/>
+          </a:prstGeom>
+        </p:spPr>
+        <p:style>
+          <a:lnRef idx="3">
+            <a:schemeClr val="lt1"/>
+          </a:lnRef>
+          <a:fillRef idx="1">
+            <a:schemeClr val="accent5"/>
+          </a:fillRef>
+          <a:effectRef idx="1">
+            <a:schemeClr val="accent5"/>
+          </a:effectRef>
+          <a:fontRef idx="minor">
+            <a:schemeClr val="lt1"/>
+          </a:fontRef>
+        </p:style>
+        <p:txBody>
+          <a:bodyPr rtlCol="0" anchor="ctr"/>
+          <a:lstStyle/>
+          <a:p>
+            <a:pPr algn="ctr"/>
+            <a:endParaRPr lang="zh-CN" altLang="en-US" dirty="0"/>
+          </a:p>
+        </p:txBody>
+      </p:sp>
+      <p:sp>
+        <p:nvSpPr>
+          <p:cNvPr id="13" name="矩形 12"/>
+          <p:cNvSpPr/>
+          <p:nvPr/>
+        </p:nvSpPr>
+        <p:spPr>
+          <a:xfrm>
+            <a:off x="4892511" y="1621408"/>
+            <a:ext cx="1046375" cy="358219"/>
+          </a:xfrm>
+          <a:prstGeom prst="rect">
+            <a:avLst/>
+          </a:prstGeom>
+        </p:spPr>
+        <p:style>
+          <a:lnRef idx="3">
+            <a:schemeClr val="lt1"/>
+          </a:lnRef>
+          <a:fillRef idx="1">
+            <a:schemeClr val="accent5"/>
+          </a:fillRef>
+          <a:effectRef idx="1">
+            <a:schemeClr val="accent5"/>
+          </a:effectRef>
+          <a:fontRef idx="minor">
+            <a:schemeClr val="lt1"/>
+          </a:fontRef>
+        </p:style>
+        <p:txBody>
+          <a:bodyPr rtlCol="0" anchor="ctr"/>
+          <a:lstStyle/>
+          <a:p>
+            <a:pPr algn="ctr"/>
+            <a:endParaRPr lang="zh-CN" altLang="en-US"/>
+          </a:p>
+        </p:txBody>
+      </p:sp>
+      <p:sp>
+        <p:nvSpPr>
+          <p:cNvPr id="14" name="矩形 13"/>
+          <p:cNvSpPr/>
+          <p:nvPr/>
+        </p:nvSpPr>
+        <p:spPr>
+          <a:xfrm>
+            <a:off x="5938886" y="1621408"/>
+            <a:ext cx="1046375" cy="358219"/>
+          </a:xfrm>
+          <a:prstGeom prst="rect">
+            <a:avLst/>
+          </a:prstGeom>
+        </p:spPr>
+        <p:style>
+          <a:lnRef idx="3">
+            <a:schemeClr val="lt1"/>
+          </a:lnRef>
+          <a:fillRef idx="1">
+            <a:schemeClr val="accent5"/>
+          </a:fillRef>
+          <a:effectRef idx="1">
+            <a:schemeClr val="accent5"/>
+          </a:effectRef>
+          <a:fontRef idx="minor">
+            <a:schemeClr val="lt1"/>
+          </a:fontRef>
+        </p:style>
+        <p:txBody>
+          <a:bodyPr rtlCol="0" anchor="ctr"/>
+          <a:lstStyle/>
+          <a:p>
+            <a:pPr algn="ctr"/>
+            <a:r>
+              <a:rPr lang="en-US" altLang="zh-CN" dirty="0"/>
+              <a:t>…</a:t>
+            </a:r>
+            <a:endParaRPr lang="zh-CN" altLang="en-US" dirty="0"/>
+          </a:p>
+        </p:txBody>
+      </p:sp>
+      <p:cxnSp>
+        <p:nvCxnSpPr>
+          <p:cNvPr id="16" name="直接连接符 15"/>
+          <p:cNvCxnSpPr/>
+          <p:nvPr/>
+        </p:nvCxnSpPr>
+        <p:spPr>
+          <a:xfrm flipH="1">
+            <a:off x="2201578" y="612741"/>
+            <a:ext cx="1173220" cy="1008664"/>
+          </a:xfrm>
+          <a:prstGeom prst="line">
+            <a:avLst/>
+          </a:prstGeom>
+          <a:ln w="19050"/>
+        </p:spPr>
+        <p:style>
+          <a:lnRef idx="1">
+            <a:schemeClr val="accent1"/>
+          </a:lnRef>
+          <a:fillRef idx="0">
+            <a:schemeClr val="accent1"/>
+          </a:fillRef>
+          <a:effectRef idx="0">
+            <a:schemeClr val="accent1"/>
+          </a:effectRef>
+          <a:fontRef idx="minor">
+            <a:schemeClr val="tx1"/>
+          </a:fontRef>
+        </p:style>
+      </p:cxnSp>
+      <p:cxnSp>
+        <p:nvCxnSpPr>
+          <p:cNvPr id="20" name="直接连接符 19"/>
+          <p:cNvCxnSpPr/>
+          <p:nvPr/>
+        </p:nvCxnSpPr>
+        <p:spPr>
+          <a:xfrm>
+            <a:off x="4369323" y="612741"/>
+            <a:ext cx="3657600" cy="1008664"/>
+          </a:xfrm>
+          <a:prstGeom prst="line">
+            <a:avLst/>
+          </a:prstGeom>
+          <a:ln w="19050"/>
+        </p:spPr>
+        <p:style>
+          <a:lnRef idx="1">
+            <a:schemeClr val="accent1"/>
+          </a:lnRef>
+          <a:fillRef idx="0">
+            <a:schemeClr val="accent1"/>
+          </a:fillRef>
+          <a:effectRef idx="0">
+            <a:schemeClr val="accent1"/>
+          </a:effectRef>
+          <a:fontRef idx="minor">
+            <a:schemeClr val="tx1"/>
+          </a:fontRef>
+        </p:style>
+      </p:cxnSp>
+      <p:sp>
+        <p:nvSpPr>
+          <p:cNvPr id="22" name="矩形 21"/>
+          <p:cNvSpPr/>
+          <p:nvPr/>
+        </p:nvSpPr>
+        <p:spPr>
+          <a:xfrm>
+            <a:off x="2201578" y="1621406"/>
+            <a:ext cx="1637640" cy="358219"/>
+          </a:xfrm>
+          <a:prstGeom prst="rect">
+            <a:avLst/>
+          </a:prstGeom>
+        </p:spPr>
+        <p:style>
+          <a:lnRef idx="3">
+            <a:schemeClr val="lt1"/>
+          </a:lnRef>
+          <a:fillRef idx="1">
+            <a:schemeClr val="accent5"/>
+          </a:fillRef>
+          <a:effectRef idx="1">
+            <a:schemeClr val="accent5"/>
+          </a:effectRef>
+          <a:fontRef idx="minor">
+            <a:schemeClr val="lt1"/>
+          </a:fontRef>
+        </p:style>
+        <p:txBody>
+          <a:bodyPr rtlCol="0" anchor="ctr"/>
+          <a:lstStyle/>
+          <a:p>
+            <a:pPr algn="ctr"/>
+            <a:r>
+              <a:rPr lang="en-US" altLang="zh-CN" dirty="0" err="1"/>
+              <a:t>DocBases</a:t>
+            </a:r>
+            <a:endParaRPr lang="zh-CN" altLang="en-US" dirty="0"/>
+          </a:p>
+        </p:txBody>
+      </p:sp>
+      <p:sp>
+        <p:nvSpPr>
+          <p:cNvPr id="23" name="矩形 22"/>
+          <p:cNvSpPr/>
+          <p:nvPr/>
+        </p:nvSpPr>
+        <p:spPr>
+          <a:xfrm>
+            <a:off x="3846136" y="1979625"/>
+            <a:ext cx="1046375" cy="358219"/>
+          </a:xfrm>
+          <a:prstGeom prst="rect">
+            <a:avLst/>
+          </a:prstGeom>
+        </p:spPr>
+        <p:style>
+          <a:lnRef idx="3">
+            <a:schemeClr val="lt1"/>
+          </a:lnRef>
+          <a:fillRef idx="1">
+            <a:schemeClr val="accent2"/>
+          </a:fillRef>
+          <a:effectRef idx="1">
+            <a:schemeClr val="accent2"/>
+          </a:effectRef>
+          <a:fontRef idx="minor">
+            <a:schemeClr val="lt1"/>
+          </a:fontRef>
+        </p:style>
+        <p:txBody>
+          <a:bodyPr rtlCol="0" anchor="ctr"/>
+          <a:lstStyle/>
+          <a:p>
+            <a:pPr algn="ctr"/>
+            <a:endParaRPr lang="zh-CN" altLang="en-US" dirty="0"/>
+          </a:p>
+        </p:txBody>
+      </p:sp>
+      <p:sp>
+        <p:nvSpPr>
+          <p:cNvPr id="24" name="矩形 23"/>
+          <p:cNvSpPr/>
+          <p:nvPr/>
+        </p:nvSpPr>
+        <p:spPr>
+          <a:xfrm>
+            <a:off x="4892511" y="1979624"/>
+            <a:ext cx="1046375" cy="358219"/>
+          </a:xfrm>
+          <a:prstGeom prst="rect">
+            <a:avLst/>
+          </a:prstGeom>
+        </p:spPr>
+        <p:style>
+          <a:lnRef idx="3">
+            <a:schemeClr val="lt1"/>
+          </a:lnRef>
+          <a:fillRef idx="1">
+            <a:schemeClr val="accent2"/>
+          </a:fillRef>
+          <a:effectRef idx="1">
+            <a:schemeClr val="accent2"/>
+          </a:effectRef>
+          <a:fontRef idx="minor">
+            <a:schemeClr val="lt1"/>
+          </a:fontRef>
+        </p:style>
+        <p:txBody>
+          <a:bodyPr rtlCol="0" anchor="ctr"/>
+          <a:lstStyle/>
+          <a:p>
+            <a:pPr algn="ctr"/>
+            <a:endParaRPr lang="zh-CN" altLang="en-US"/>
+          </a:p>
+        </p:txBody>
+      </p:sp>
+      <p:sp>
+        <p:nvSpPr>
+          <p:cNvPr id="25" name="矩形 24"/>
+          <p:cNvSpPr/>
+          <p:nvPr/>
+        </p:nvSpPr>
+        <p:spPr>
+          <a:xfrm>
+            <a:off x="5938886" y="1979624"/>
+            <a:ext cx="1046375" cy="358219"/>
+          </a:xfrm>
+          <a:prstGeom prst="rect">
+            <a:avLst/>
+          </a:prstGeom>
+        </p:spPr>
+        <p:style>
+          <a:lnRef idx="3">
+            <a:schemeClr val="lt1"/>
+          </a:lnRef>
+          <a:fillRef idx="1">
+            <a:schemeClr val="accent2"/>
+          </a:fillRef>
+          <a:effectRef idx="1">
+            <a:schemeClr val="accent2"/>
+          </a:effectRef>
+          <a:fontRef idx="minor">
+            <a:schemeClr val="lt1"/>
+          </a:fontRef>
+        </p:style>
+        <p:txBody>
+          <a:bodyPr rtlCol="0" anchor="ctr"/>
+          <a:lstStyle/>
+          <a:p>
+            <a:pPr algn="ctr"/>
+            <a:r>
+              <a:rPr lang="en-US" altLang="zh-CN" dirty="0"/>
+              <a:t>…</a:t>
+            </a:r>
+            <a:endParaRPr lang="zh-CN" altLang="en-US" dirty="0"/>
+          </a:p>
+        </p:txBody>
+      </p:sp>
+      <p:sp>
+        <p:nvSpPr>
+          <p:cNvPr id="26" name="矩形 25"/>
+          <p:cNvSpPr/>
+          <p:nvPr/>
+        </p:nvSpPr>
+        <p:spPr>
+          <a:xfrm>
+            <a:off x="2201578" y="1979622"/>
+            <a:ext cx="1637640" cy="358219"/>
+          </a:xfrm>
+          <a:prstGeom prst="rect">
+            <a:avLst/>
+          </a:prstGeom>
+        </p:spPr>
+        <p:style>
+          <a:lnRef idx="3">
+            <a:schemeClr val="lt1"/>
+          </a:lnRef>
+          <a:fillRef idx="1">
+            <a:schemeClr val="accent2"/>
+          </a:fillRef>
+          <a:effectRef idx="1">
+            <a:schemeClr val="accent2"/>
+          </a:effectRef>
+          <a:fontRef idx="minor">
+            <a:schemeClr val="lt1"/>
+          </a:fontRef>
+        </p:style>
+        <p:txBody>
+          <a:bodyPr rtlCol="0" anchor="ctr"/>
+          <a:lstStyle/>
+          <a:p>
+            <a:pPr algn="ctr"/>
+            <a:r>
+              <a:rPr lang="en-US" altLang="zh-CN" dirty="0" err="1"/>
+              <a:t>StartPointers</a:t>
+            </a:r>
+            <a:endParaRPr lang="zh-CN" altLang="en-US" dirty="0"/>
+          </a:p>
+        </p:txBody>
+      </p:sp>
+      <p:sp>
+        <p:nvSpPr>
+          <p:cNvPr id="27" name="矩形 26"/>
+          <p:cNvSpPr/>
+          <p:nvPr/>
+        </p:nvSpPr>
+        <p:spPr>
+          <a:xfrm>
+            <a:off x="6992180" y="1621406"/>
+            <a:ext cx="1046375" cy="358219"/>
+          </a:xfrm>
+          <a:prstGeom prst="rect">
+            <a:avLst/>
+          </a:prstGeom>
+        </p:spPr>
+        <p:style>
+          <a:lnRef idx="3">
+            <a:schemeClr val="lt1"/>
+          </a:lnRef>
+          <a:fillRef idx="1">
+            <a:schemeClr val="accent5"/>
+          </a:fillRef>
+          <a:effectRef idx="1">
+            <a:schemeClr val="accent5"/>
+          </a:effectRef>
+          <a:fontRef idx="minor">
+            <a:schemeClr val="lt1"/>
+          </a:fontRef>
+        </p:style>
+        <p:txBody>
+          <a:bodyPr rtlCol="0" anchor="ctr"/>
+          <a:lstStyle/>
+          <a:p>
+            <a:pPr algn="ctr"/>
+            <a:endParaRPr lang="zh-CN" altLang="en-US" dirty="0"/>
+          </a:p>
+        </p:txBody>
+      </p:sp>
+      <p:sp>
+        <p:nvSpPr>
+          <p:cNvPr id="28" name="矩形 27"/>
+          <p:cNvSpPr/>
+          <p:nvPr/>
+        </p:nvSpPr>
+        <p:spPr>
+          <a:xfrm>
+            <a:off x="6992180" y="1979622"/>
+            <a:ext cx="1046375" cy="358219"/>
+          </a:xfrm>
+          <a:prstGeom prst="rect">
+            <a:avLst/>
+          </a:prstGeom>
+        </p:spPr>
+        <p:style>
+          <a:lnRef idx="3">
+            <a:schemeClr val="lt1"/>
+          </a:lnRef>
+          <a:fillRef idx="1">
+            <a:schemeClr val="accent2"/>
+          </a:fillRef>
+          <a:effectRef idx="1">
+            <a:schemeClr val="accent2"/>
+          </a:effectRef>
+          <a:fontRef idx="minor">
+            <a:schemeClr val="lt1"/>
+          </a:fontRef>
+        </p:style>
+        <p:txBody>
+          <a:bodyPr rtlCol="0" anchor="ctr"/>
+          <a:lstStyle/>
+          <a:p>
+            <a:pPr algn="ctr"/>
+            <a:endParaRPr lang="zh-CN" altLang="en-US" dirty="0"/>
+          </a:p>
+        </p:txBody>
+      </p:sp>
+      <p:cxnSp>
+        <p:nvCxnSpPr>
+          <p:cNvPr id="32" name="直接连接符 31"/>
+          <p:cNvCxnSpPr/>
+          <p:nvPr/>
+        </p:nvCxnSpPr>
+        <p:spPr>
+          <a:xfrm>
+            <a:off x="113122" y="2714920"/>
+            <a:ext cx="11774078" cy="0"/>
+          </a:xfrm>
+          <a:prstGeom prst="line">
+            <a:avLst/>
+          </a:prstGeom>
+          <a:ln w="19050"/>
+        </p:spPr>
+        <p:style>
+          <a:lnRef idx="1">
+            <a:schemeClr val="dk1"/>
+          </a:lnRef>
+          <a:fillRef idx="0">
+            <a:schemeClr val="dk1"/>
+          </a:fillRef>
+          <a:effectRef idx="0">
+            <a:schemeClr val="dk1"/>
+          </a:effectRef>
+          <a:fontRef idx="minor">
+            <a:schemeClr val="tx1"/>
+          </a:fontRef>
+        </p:style>
+      </p:cxnSp>
+      <p:sp>
+        <p:nvSpPr>
+          <p:cNvPr id="33" name="文本框 32"/>
+          <p:cNvSpPr txBox="1"/>
+          <p:nvPr/>
+        </p:nvSpPr>
+        <p:spPr>
+          <a:xfrm>
+            <a:off x="54776" y="793907"/>
+            <a:ext cx="2073003" cy="646331"/>
+          </a:xfrm>
+          <a:prstGeom prst="rect">
+            <a:avLst/>
+          </a:prstGeom>
+          <a:noFill/>
+        </p:spPr>
+        <p:txBody>
+          <a:bodyPr wrap="none" rtlCol="0">
+            <a:spAutoFit/>
+          </a:bodyPr>
+          <a:lstStyle/>
+          <a:p>
+            <a:r>
+              <a:rPr lang="en-US" altLang="zh-CN" dirty="0"/>
+              <a:t>.</a:t>
+            </a:r>
+            <a:r>
+              <a:rPr lang="en-US" altLang="zh-CN" dirty="0" err="1"/>
+              <a:t>fdx</a:t>
+            </a:r>
+            <a:r>
+              <a:rPr lang="zh-CN" altLang="en-US" dirty="0"/>
+              <a:t>文件  </a:t>
+            </a:r>
+            <a:endParaRPr lang="en-US" altLang="zh-CN" dirty="0"/>
+          </a:p>
+          <a:p>
+            <a:r>
+              <a:rPr lang="zh-CN" altLang="en-US" dirty="0"/>
+              <a:t>全部加载在内存中</a:t>
+            </a:r>
+          </a:p>
+        </p:txBody>
+      </p:sp>
+      <p:sp>
+        <p:nvSpPr>
+          <p:cNvPr id="34" name="文本框 33"/>
+          <p:cNvSpPr txBox="1"/>
+          <p:nvPr/>
+        </p:nvSpPr>
+        <p:spPr>
+          <a:xfrm>
+            <a:off x="9328036" y="701574"/>
+            <a:ext cx="2809188" cy="738664"/>
+          </a:xfrm>
+          <a:prstGeom prst="rect">
+            <a:avLst/>
+          </a:prstGeom>
+          <a:noFill/>
+        </p:spPr>
+        <p:txBody>
+          <a:bodyPr wrap="square" rtlCol="0">
+            <a:spAutoFit/>
+          </a:bodyPr>
+          <a:lstStyle/>
+          <a:p>
+            <a:r>
+              <a:rPr lang="zh-CN" altLang="en-US" sz="1400" dirty="0"/>
+              <a:t>实际在磁盘上的存储单元是</a:t>
+            </a:r>
+            <a:r>
+              <a:rPr lang="en-US" altLang="zh-CN" sz="1400" dirty="0"/>
+              <a:t>chunk</a:t>
+            </a:r>
+            <a:r>
+              <a:rPr lang="zh-CN" altLang="en-US" sz="1400" dirty="0"/>
+              <a:t>，</a:t>
+            </a:r>
+            <a:endParaRPr lang="en-US" altLang="zh-CN" sz="1400" dirty="0"/>
+          </a:p>
+          <a:p>
+            <a:r>
+              <a:rPr lang="en-US" altLang="zh-CN" sz="1400" dirty="0"/>
+              <a:t>Block</a:t>
+            </a:r>
+            <a:r>
+              <a:rPr lang="zh-CN" altLang="en-US" sz="1400" dirty="0"/>
+              <a:t>是为了将一批</a:t>
+            </a:r>
+            <a:r>
+              <a:rPr lang="en-US" altLang="zh-CN" sz="1400" dirty="0"/>
+              <a:t>chunk</a:t>
+            </a:r>
+            <a:r>
+              <a:rPr lang="zh-CN" altLang="en-US" sz="1400" dirty="0"/>
+              <a:t>的</a:t>
+            </a:r>
+            <a:r>
+              <a:rPr lang="en-US" altLang="zh-CN" sz="1400" dirty="0" err="1"/>
+              <a:t>docID</a:t>
+            </a:r>
+            <a:r>
+              <a:rPr lang="zh-CN" altLang="en-US" sz="1400" dirty="0"/>
+              <a:t>和指针放在一起进行整数压缩</a:t>
+            </a:r>
+          </a:p>
+        </p:txBody>
+      </p:sp>
+      <p:sp>
+        <p:nvSpPr>
+          <p:cNvPr id="35" name="矩形 34"/>
+          <p:cNvSpPr/>
+          <p:nvPr/>
+        </p:nvSpPr>
+        <p:spPr>
+          <a:xfrm>
+            <a:off x="1885361" y="3271105"/>
+            <a:ext cx="2139886" cy="358217"/>
+          </a:xfrm>
+          <a:prstGeom prst="rect">
+            <a:avLst/>
+          </a:prstGeom>
+        </p:spPr>
+        <p:style>
+          <a:lnRef idx="2">
+            <a:schemeClr val="accent3">
+              <a:shade val="50000"/>
+            </a:schemeClr>
+          </a:lnRef>
+          <a:fillRef idx="1">
+            <a:schemeClr val="accent3"/>
+          </a:fillRef>
+          <a:effectRef idx="0">
+            <a:schemeClr val="accent3"/>
+          </a:effectRef>
+          <a:fontRef idx="minor">
+            <a:schemeClr val="lt1"/>
+          </a:fontRef>
+        </p:style>
+        <p:txBody>
+          <a:bodyPr rtlCol="0" anchor="ctr"/>
+          <a:lstStyle/>
+          <a:p>
+            <a:pPr algn="ctr"/>
+            <a:r>
+              <a:rPr lang="en-US" altLang="zh-CN" dirty="0"/>
+              <a:t>Header</a:t>
+            </a:r>
+            <a:endParaRPr lang="zh-CN" altLang="en-US" dirty="0"/>
+          </a:p>
+        </p:txBody>
+      </p:sp>
+      <p:sp>
+        <p:nvSpPr>
+          <p:cNvPr id="36" name="矩形 35"/>
+          <p:cNvSpPr/>
+          <p:nvPr/>
+        </p:nvSpPr>
+        <p:spPr>
+          <a:xfrm>
+            <a:off x="4029960" y="3271103"/>
+            <a:ext cx="1046375" cy="358219"/>
+          </a:xfrm>
+          <a:prstGeom prst="rect">
+            <a:avLst/>
+          </a:prstGeom>
+        </p:spPr>
+        <p:style>
+          <a:lnRef idx="2">
+            <a:schemeClr val="accent6">
+              <a:shade val="50000"/>
+            </a:schemeClr>
+          </a:lnRef>
+          <a:fillRef idx="1">
+            <a:schemeClr val="accent6"/>
+          </a:fillRef>
+          <a:effectRef idx="0">
+            <a:schemeClr val="accent6"/>
+          </a:effectRef>
+          <a:fontRef idx="minor">
+            <a:schemeClr val="lt1"/>
+          </a:fontRef>
+        </p:style>
+        <p:txBody>
+          <a:bodyPr rtlCol="0" anchor="ctr"/>
+          <a:lstStyle/>
+          <a:p>
+            <a:pPr algn="ctr"/>
+            <a:r>
+              <a:rPr lang="en-US" altLang="zh-CN" dirty="0"/>
+              <a:t>Chunk</a:t>
+            </a:r>
+            <a:endParaRPr lang="zh-CN" altLang="en-US" dirty="0"/>
+          </a:p>
+        </p:txBody>
+      </p:sp>
+      <p:sp>
+        <p:nvSpPr>
+          <p:cNvPr id="37" name="矩形 36"/>
+          <p:cNvSpPr/>
+          <p:nvPr/>
+        </p:nvSpPr>
+        <p:spPr>
+          <a:xfrm>
+            <a:off x="5024486" y="3271103"/>
+            <a:ext cx="1046375" cy="358219"/>
+          </a:xfrm>
+          <a:prstGeom prst="rect">
+            <a:avLst/>
+          </a:prstGeom>
+        </p:spPr>
+        <p:style>
+          <a:lnRef idx="2">
+            <a:schemeClr val="accent6">
+              <a:shade val="50000"/>
+            </a:schemeClr>
+          </a:lnRef>
+          <a:fillRef idx="1">
+            <a:schemeClr val="accent6"/>
+          </a:fillRef>
+          <a:effectRef idx="0">
+            <a:schemeClr val="accent6"/>
+          </a:effectRef>
+          <a:fontRef idx="minor">
+            <a:schemeClr val="lt1"/>
+          </a:fontRef>
+        </p:style>
+        <p:txBody>
+          <a:bodyPr rtlCol="0" anchor="ctr"/>
+          <a:lstStyle/>
+          <a:p>
+            <a:pPr algn="ctr"/>
+            <a:r>
+              <a:rPr lang="en-US" altLang="zh-CN" dirty="0"/>
+              <a:t>Chunk</a:t>
+            </a:r>
+            <a:endParaRPr lang="zh-CN" altLang="en-US" dirty="0"/>
+          </a:p>
+        </p:txBody>
+      </p:sp>
+      <p:sp>
+        <p:nvSpPr>
+          <p:cNvPr id="38" name="矩形 37"/>
+          <p:cNvSpPr/>
+          <p:nvPr/>
+        </p:nvSpPr>
+        <p:spPr>
+          <a:xfrm>
+            <a:off x="6066148" y="3271105"/>
+            <a:ext cx="579750" cy="358219"/>
+          </a:xfrm>
+          <a:prstGeom prst="rect">
+            <a:avLst/>
+          </a:prstGeom>
+          <a:noFill/>
+          <a:ln>
+            <a:noFill/>
+          </a:ln>
+        </p:spPr>
+        <p:style>
+          <a:lnRef idx="2">
+            <a:schemeClr val="accent1">
+              <a:shade val="50000"/>
+            </a:schemeClr>
+          </a:lnRef>
+          <a:fillRef idx="1">
+            <a:schemeClr val="accent1"/>
+          </a:fillRef>
+          <a:effectRef idx="0">
+            <a:schemeClr val="accent1"/>
+          </a:effectRef>
+          <a:fontRef idx="minor">
+            <a:schemeClr val="lt1"/>
+          </a:fontRef>
+        </p:style>
+        <p:txBody>
+          <a:bodyPr rtlCol="0" anchor="ctr"/>
+          <a:lstStyle/>
+          <a:p>
+            <a:pPr algn="ctr"/>
+            <a:r>
+              <a:rPr lang="en-US" altLang="zh-CN" dirty="0">
+                <a:solidFill>
+                  <a:schemeClr val="tx1"/>
+                </a:solidFill>
+              </a:rPr>
+              <a:t>......</a:t>
+            </a:r>
+          </a:p>
+        </p:txBody>
+      </p:sp>
+      <p:sp>
+        <p:nvSpPr>
+          <p:cNvPr id="39" name="矩形 38"/>
+          <p:cNvSpPr/>
+          <p:nvPr/>
+        </p:nvSpPr>
+        <p:spPr>
+          <a:xfrm>
+            <a:off x="6645898" y="3271104"/>
+            <a:ext cx="1046375" cy="358219"/>
+          </a:xfrm>
+          <a:prstGeom prst="rect">
+            <a:avLst/>
+          </a:prstGeom>
+        </p:spPr>
+        <p:style>
+          <a:lnRef idx="2">
+            <a:schemeClr val="accent6">
+              <a:shade val="50000"/>
+            </a:schemeClr>
+          </a:lnRef>
+          <a:fillRef idx="1">
+            <a:schemeClr val="accent6"/>
+          </a:fillRef>
+          <a:effectRef idx="0">
+            <a:schemeClr val="accent6"/>
+          </a:effectRef>
+          <a:fontRef idx="minor">
+            <a:schemeClr val="lt1"/>
+          </a:fontRef>
+        </p:style>
+        <p:txBody>
+          <a:bodyPr rtlCol="0" anchor="ctr"/>
+          <a:lstStyle/>
+          <a:p>
+            <a:pPr algn="ctr"/>
+            <a:r>
+              <a:rPr lang="en-US" altLang="zh-CN" dirty="0"/>
+              <a:t>Chunk</a:t>
+            </a:r>
+            <a:endParaRPr lang="zh-CN" altLang="en-US" dirty="0"/>
+          </a:p>
+        </p:txBody>
+      </p:sp>
+      <p:sp>
+        <p:nvSpPr>
+          <p:cNvPr id="41" name="矩形 40"/>
+          <p:cNvSpPr/>
+          <p:nvPr/>
+        </p:nvSpPr>
+        <p:spPr>
+          <a:xfrm>
+            <a:off x="7687560" y="3266686"/>
+            <a:ext cx="2412426" cy="358219"/>
+          </a:xfrm>
+          <a:prstGeom prst="rect">
+            <a:avLst/>
+          </a:prstGeom>
+        </p:spPr>
+        <p:style>
+          <a:lnRef idx="2">
+            <a:schemeClr val="accent3">
+              <a:shade val="50000"/>
+            </a:schemeClr>
+          </a:lnRef>
+          <a:fillRef idx="1">
+            <a:schemeClr val="accent3"/>
+          </a:fillRef>
+          <a:effectRef idx="0">
+            <a:schemeClr val="accent3"/>
+          </a:effectRef>
+          <a:fontRef idx="minor">
+            <a:schemeClr val="lt1"/>
+          </a:fontRef>
+        </p:style>
+        <p:txBody>
+          <a:bodyPr rtlCol="0" anchor="ctr"/>
+          <a:lstStyle/>
+          <a:p>
+            <a:pPr algn="ctr"/>
+            <a:r>
+              <a:rPr lang="en-US" altLang="zh-CN" dirty="0"/>
+              <a:t>Footer</a:t>
+            </a:r>
+            <a:endParaRPr lang="zh-CN" altLang="en-US" dirty="0"/>
+          </a:p>
+        </p:txBody>
+      </p:sp>
+      <p:cxnSp>
+        <p:nvCxnSpPr>
+          <p:cNvPr id="43" name="直接箭头连接符 42"/>
+          <p:cNvCxnSpPr>
+            <a:endCxn id="36" idx="0"/>
+          </p:cNvCxnSpPr>
+          <p:nvPr/>
+        </p:nvCxnSpPr>
+        <p:spPr>
+          <a:xfrm>
+            <a:off x="4147794" y="2337841"/>
+            <a:ext cx="405354" cy="933262"/>
+          </a:xfrm>
+          <a:prstGeom prst="straightConnector1">
+            <a:avLst/>
+          </a:prstGeom>
+          <a:ln w="28575">
+            <a:tailEnd type="triangle"/>
+          </a:ln>
+        </p:spPr>
+        <p:style>
+          <a:lnRef idx="1">
+            <a:schemeClr val="accent2"/>
+          </a:lnRef>
+          <a:fillRef idx="0">
+            <a:schemeClr val="accent2"/>
+          </a:fillRef>
+          <a:effectRef idx="0">
+            <a:schemeClr val="accent2"/>
+          </a:effectRef>
+          <a:fontRef idx="minor">
+            <a:schemeClr val="tx1"/>
+          </a:fontRef>
+        </p:style>
+      </p:cxnSp>
+      <p:cxnSp>
+        <p:nvCxnSpPr>
+          <p:cNvPr id="46" name="直接箭头连接符 45"/>
+          <p:cNvCxnSpPr/>
+          <p:nvPr/>
+        </p:nvCxnSpPr>
+        <p:spPr>
+          <a:xfrm>
+            <a:off x="5213021" y="2337841"/>
+            <a:ext cx="405354" cy="933262"/>
+          </a:xfrm>
+          <a:prstGeom prst="straightConnector1">
+            <a:avLst/>
+          </a:prstGeom>
+          <a:ln w="28575">
+            <a:tailEnd type="triangle"/>
+          </a:ln>
+        </p:spPr>
+        <p:style>
+          <a:lnRef idx="1">
+            <a:schemeClr val="accent2"/>
+          </a:lnRef>
+          <a:fillRef idx="0">
+            <a:schemeClr val="accent2"/>
+          </a:fillRef>
+          <a:effectRef idx="0">
+            <a:schemeClr val="accent2"/>
+          </a:effectRef>
+          <a:fontRef idx="minor">
+            <a:schemeClr val="tx1"/>
+          </a:fontRef>
+        </p:style>
+      </p:cxnSp>
+      <p:cxnSp>
+        <p:nvCxnSpPr>
+          <p:cNvPr id="47" name="直接箭头连接符 46"/>
+          <p:cNvCxnSpPr>
+            <a:stCxn id="28" idx="2"/>
+            <a:endCxn id="39" idx="0"/>
+          </p:cNvCxnSpPr>
+          <p:nvPr/>
+        </p:nvCxnSpPr>
+        <p:spPr>
+          <a:xfrm flipH="1">
+            <a:off x="7169086" y="2337841"/>
+            <a:ext cx="346282" cy="933263"/>
+          </a:xfrm>
+          <a:prstGeom prst="straightConnector1">
+            <a:avLst/>
+          </a:prstGeom>
+          <a:ln w="28575">
+            <a:tailEnd type="triangle"/>
+          </a:ln>
+        </p:spPr>
+        <p:style>
+          <a:lnRef idx="1">
+            <a:schemeClr val="accent2"/>
+          </a:lnRef>
+          <a:fillRef idx="0">
+            <a:schemeClr val="accent2"/>
+          </a:fillRef>
+          <a:effectRef idx="0">
+            <a:schemeClr val="accent2"/>
+          </a:effectRef>
+          <a:fontRef idx="minor">
+            <a:schemeClr val="tx1"/>
+          </a:fontRef>
+        </p:style>
+      </p:cxnSp>
+      <p:sp>
+        <p:nvSpPr>
+          <p:cNvPr id="52" name="文本框 51"/>
+          <p:cNvSpPr txBox="1"/>
+          <p:nvPr/>
+        </p:nvSpPr>
+        <p:spPr>
+          <a:xfrm>
+            <a:off x="8088198" y="1646626"/>
+            <a:ext cx="3497343" cy="307777"/>
+          </a:xfrm>
+          <a:prstGeom prst="rect">
+            <a:avLst/>
+          </a:prstGeom>
+          <a:noFill/>
+        </p:spPr>
+        <p:txBody>
+          <a:bodyPr wrap="square" rtlCol="0">
+            <a:spAutoFit/>
+          </a:bodyPr>
+          <a:lstStyle/>
+          <a:p>
+            <a:r>
+              <a:rPr lang="en-US" altLang="zh-CN" sz="1400" dirty="0"/>
+              <a:t>Chunk</a:t>
+            </a:r>
+            <a:r>
+              <a:rPr lang="zh-CN" altLang="en-US" sz="1400" dirty="0"/>
+              <a:t>中第一个文档的</a:t>
+            </a:r>
+            <a:r>
+              <a:rPr lang="en-US" altLang="zh-CN" sz="1400" dirty="0" err="1"/>
+              <a:t>docID</a:t>
+            </a:r>
+            <a:r>
+              <a:rPr lang="en-US" altLang="zh-CN" sz="1400" dirty="0"/>
+              <a:t>(</a:t>
+            </a:r>
+            <a:r>
+              <a:rPr lang="zh-CN" altLang="en-US" sz="1400" dirty="0"/>
+              <a:t>二分</a:t>
+            </a:r>
+            <a:r>
+              <a:rPr lang="en-US" altLang="zh-CN" sz="1400" dirty="0"/>
+              <a:t>)</a:t>
+            </a:r>
+            <a:endParaRPr lang="zh-CN" altLang="en-US" sz="1400" dirty="0"/>
+          </a:p>
+        </p:txBody>
+      </p:sp>
+      <p:sp>
+        <p:nvSpPr>
+          <p:cNvPr id="53" name="文本框 52"/>
+          <p:cNvSpPr txBox="1"/>
+          <p:nvPr/>
+        </p:nvSpPr>
+        <p:spPr>
+          <a:xfrm>
+            <a:off x="8090097" y="2004842"/>
+            <a:ext cx="2809188" cy="307777"/>
+          </a:xfrm>
+          <a:prstGeom prst="rect">
+            <a:avLst/>
+          </a:prstGeom>
+          <a:noFill/>
+        </p:spPr>
+        <p:txBody>
+          <a:bodyPr wrap="square" rtlCol="0">
+            <a:spAutoFit/>
+          </a:bodyPr>
+          <a:lstStyle/>
+          <a:p>
+            <a:r>
+              <a:rPr lang="en-US" altLang="zh-CN" sz="1400" dirty="0"/>
+              <a:t>Chunk</a:t>
+            </a:r>
+            <a:r>
+              <a:rPr lang="zh-CN" altLang="en-US" sz="1400" dirty="0"/>
+              <a:t>在磁盘上的位置</a:t>
+            </a:r>
+          </a:p>
+        </p:txBody>
+      </p:sp>
+      <p:sp>
+        <p:nvSpPr>
+          <p:cNvPr id="55" name="矩形 54"/>
+          <p:cNvSpPr/>
+          <p:nvPr/>
+        </p:nvSpPr>
+        <p:spPr>
+          <a:xfrm>
+            <a:off x="2485531" y="4298622"/>
+            <a:ext cx="1366884" cy="358219"/>
+          </a:xfrm>
+          <a:prstGeom prst="rect">
+            <a:avLst/>
+          </a:prstGeom>
+        </p:spPr>
+        <p:style>
+          <a:lnRef idx="3">
+            <a:schemeClr val="lt1"/>
+          </a:lnRef>
+          <a:fillRef idx="1">
+            <a:schemeClr val="accent3"/>
+          </a:fillRef>
+          <a:effectRef idx="1">
+            <a:schemeClr val="accent3"/>
+          </a:effectRef>
+          <a:fontRef idx="minor">
+            <a:schemeClr val="lt1"/>
+          </a:fontRef>
+        </p:style>
+        <p:txBody>
+          <a:bodyPr rtlCol="0" anchor="ctr"/>
+          <a:lstStyle/>
+          <a:p>
+            <a:pPr algn="ctr"/>
+            <a:r>
+              <a:rPr lang="en-US" altLang="zh-CN" dirty="0" err="1"/>
+              <a:t>ChunkDocs</a:t>
+            </a:r>
+            <a:endParaRPr lang="zh-CN" altLang="en-US" dirty="0"/>
+          </a:p>
+        </p:txBody>
+      </p:sp>
+      <p:sp>
+        <p:nvSpPr>
+          <p:cNvPr id="56" name="矩形 55"/>
+          <p:cNvSpPr/>
+          <p:nvPr/>
+        </p:nvSpPr>
+        <p:spPr>
+          <a:xfrm>
+            <a:off x="3859334" y="4298621"/>
+            <a:ext cx="1759041" cy="358219"/>
+          </a:xfrm>
+          <a:prstGeom prst="rect">
+            <a:avLst/>
+          </a:prstGeom>
+        </p:spPr>
+        <p:style>
+          <a:lnRef idx="3">
+            <a:schemeClr val="lt1"/>
+          </a:lnRef>
+          <a:fillRef idx="1">
+            <a:schemeClr val="accent2"/>
+          </a:fillRef>
+          <a:effectRef idx="1">
+            <a:schemeClr val="accent2"/>
+          </a:effectRef>
+          <a:fontRef idx="minor">
+            <a:schemeClr val="lt1"/>
+          </a:fontRef>
+        </p:style>
+        <p:txBody>
+          <a:bodyPr rtlCol="0" anchor="ctr"/>
+          <a:lstStyle/>
+          <a:p>
+            <a:pPr algn="ctr"/>
+            <a:r>
+              <a:rPr lang="en-US" altLang="zh-CN" dirty="0" err="1"/>
+              <a:t>DocFieldCounts</a:t>
+            </a:r>
+            <a:endParaRPr lang="zh-CN" altLang="en-US" dirty="0"/>
+          </a:p>
+        </p:txBody>
+      </p:sp>
+      <p:sp>
+        <p:nvSpPr>
+          <p:cNvPr id="57" name="矩形 56"/>
+          <p:cNvSpPr/>
+          <p:nvPr/>
+        </p:nvSpPr>
+        <p:spPr>
+          <a:xfrm>
+            <a:off x="5631574" y="4298619"/>
+            <a:ext cx="1367523" cy="358219"/>
+          </a:xfrm>
+          <a:prstGeom prst="rect">
+            <a:avLst/>
+          </a:prstGeom>
+        </p:spPr>
+        <p:style>
+          <a:lnRef idx="3">
+            <a:schemeClr val="lt1"/>
+          </a:lnRef>
+          <a:fillRef idx="1">
+            <a:schemeClr val="accent6"/>
+          </a:fillRef>
+          <a:effectRef idx="1">
+            <a:schemeClr val="accent6"/>
+          </a:effectRef>
+          <a:fontRef idx="minor">
+            <a:schemeClr val="lt1"/>
+          </a:fontRef>
+        </p:style>
+        <p:txBody>
+          <a:bodyPr rtlCol="0" anchor="ctr"/>
+          <a:lstStyle/>
+          <a:p>
+            <a:pPr algn="ctr"/>
+            <a:r>
+              <a:rPr lang="en-US" altLang="zh-CN" dirty="0" err="1"/>
+              <a:t>DocLengths</a:t>
+            </a:r>
+            <a:endParaRPr lang="zh-CN" altLang="en-US" dirty="0"/>
+          </a:p>
+        </p:txBody>
+      </p:sp>
+      <p:sp>
+        <p:nvSpPr>
+          <p:cNvPr id="58" name="矩形 57"/>
+          <p:cNvSpPr/>
+          <p:nvPr/>
+        </p:nvSpPr>
+        <p:spPr>
+          <a:xfrm>
+            <a:off x="1274605" y="4298619"/>
+            <a:ext cx="1204007" cy="358219"/>
+          </a:xfrm>
+          <a:prstGeom prst="rect">
+            <a:avLst/>
+          </a:prstGeom>
+        </p:spPr>
+        <p:style>
+          <a:lnRef idx="3">
+            <a:schemeClr val="lt1"/>
+          </a:lnRef>
+          <a:fillRef idx="1">
+            <a:schemeClr val="accent3"/>
+          </a:fillRef>
+          <a:effectRef idx="1">
+            <a:schemeClr val="accent3"/>
+          </a:effectRef>
+          <a:fontRef idx="minor">
+            <a:schemeClr val="lt1"/>
+          </a:fontRef>
+        </p:style>
+        <p:txBody>
+          <a:bodyPr rtlCol="0" anchor="ctr"/>
+          <a:lstStyle/>
+          <a:p>
+            <a:pPr algn="ctr"/>
+            <a:r>
+              <a:rPr lang="en-US" altLang="zh-CN" dirty="0" err="1"/>
+              <a:t>DocBase</a:t>
+            </a:r>
+            <a:endParaRPr lang="zh-CN" altLang="en-US" dirty="0"/>
+          </a:p>
+        </p:txBody>
+      </p:sp>
+      <p:sp>
+        <p:nvSpPr>
+          <p:cNvPr id="65" name="矩形 64"/>
+          <p:cNvSpPr/>
+          <p:nvPr/>
+        </p:nvSpPr>
+        <p:spPr>
+          <a:xfrm>
+            <a:off x="7012296" y="4298619"/>
+            <a:ext cx="1940022" cy="358219"/>
+          </a:xfrm>
+          <a:prstGeom prst="rect">
+            <a:avLst/>
+          </a:prstGeom>
+        </p:spPr>
+        <p:style>
+          <a:lnRef idx="3">
+            <a:schemeClr val="lt1"/>
+          </a:lnRef>
+          <a:fillRef idx="1">
+            <a:schemeClr val="accent1"/>
+          </a:fillRef>
+          <a:effectRef idx="1">
+            <a:schemeClr val="accent1"/>
+          </a:effectRef>
+          <a:fontRef idx="minor">
+            <a:schemeClr val="lt1"/>
+          </a:fontRef>
+        </p:style>
+        <p:txBody>
+          <a:bodyPr rtlCol="0" anchor="ctr"/>
+          <a:lstStyle/>
+          <a:p>
+            <a:pPr algn="ctr"/>
+            <a:r>
+              <a:rPr lang="en-US" altLang="zh-CN" dirty="0" err="1"/>
+              <a:t>CompressedDocs</a:t>
+            </a:r>
+            <a:endParaRPr lang="zh-CN" altLang="en-US" dirty="0"/>
+          </a:p>
+        </p:txBody>
+      </p:sp>
+      <p:cxnSp>
+        <p:nvCxnSpPr>
+          <p:cNvPr id="66" name="直接连接符 65"/>
+          <p:cNvCxnSpPr/>
+          <p:nvPr/>
+        </p:nvCxnSpPr>
+        <p:spPr>
+          <a:xfrm>
+            <a:off x="7041824" y="4637989"/>
+            <a:ext cx="722922" cy="499622"/>
+          </a:xfrm>
+          <a:prstGeom prst="line">
+            <a:avLst/>
+          </a:prstGeom>
+          <a:ln w="19050"/>
+        </p:spPr>
+        <p:style>
+          <a:lnRef idx="1">
+            <a:schemeClr val="accent1"/>
+          </a:lnRef>
+          <a:fillRef idx="0">
+            <a:schemeClr val="accent1"/>
+          </a:fillRef>
+          <a:effectRef idx="0">
+            <a:schemeClr val="accent1"/>
+          </a:effectRef>
+          <a:fontRef idx="minor">
+            <a:schemeClr val="tx1"/>
+          </a:fontRef>
+        </p:style>
+      </p:cxnSp>
+      <p:cxnSp>
+        <p:nvCxnSpPr>
+          <p:cNvPr id="69" name="直接连接符 68"/>
+          <p:cNvCxnSpPr/>
+          <p:nvPr/>
+        </p:nvCxnSpPr>
+        <p:spPr>
+          <a:xfrm>
+            <a:off x="5024486" y="3648179"/>
+            <a:ext cx="3927832" cy="654857"/>
+          </a:xfrm>
+          <a:prstGeom prst="line">
+            <a:avLst/>
+          </a:prstGeom>
+          <a:ln w="19050"/>
+        </p:spPr>
+        <p:style>
+          <a:lnRef idx="1">
+            <a:schemeClr val="accent1"/>
+          </a:lnRef>
+          <a:fillRef idx="0">
+            <a:schemeClr val="accent1"/>
+          </a:fillRef>
+          <a:effectRef idx="0">
+            <a:schemeClr val="accent1"/>
+          </a:effectRef>
+          <a:fontRef idx="minor">
+            <a:schemeClr val="tx1"/>
+          </a:fontRef>
+        </p:style>
+      </p:cxnSp>
+      <p:sp>
+        <p:nvSpPr>
+          <p:cNvPr id="72" name="矩形 71"/>
+          <p:cNvSpPr/>
+          <p:nvPr/>
+        </p:nvSpPr>
+        <p:spPr>
+          <a:xfrm>
+            <a:off x="7729982" y="5137611"/>
+            <a:ext cx="1046375" cy="358219"/>
+          </a:xfrm>
+          <a:prstGeom prst="rect">
+            <a:avLst/>
+          </a:prstGeom>
+        </p:spPr>
+        <p:style>
+          <a:lnRef idx="2">
+            <a:schemeClr val="accent6">
+              <a:shade val="50000"/>
+            </a:schemeClr>
+          </a:lnRef>
+          <a:fillRef idx="1">
+            <a:schemeClr val="accent6"/>
+          </a:fillRef>
+          <a:effectRef idx="0">
+            <a:schemeClr val="accent6"/>
+          </a:effectRef>
+          <a:fontRef idx="minor">
+            <a:schemeClr val="lt1"/>
+          </a:fontRef>
+        </p:style>
+        <p:txBody>
+          <a:bodyPr rtlCol="0" anchor="ctr"/>
+          <a:lstStyle/>
+          <a:p>
+            <a:pPr algn="ctr"/>
+            <a:r>
+              <a:rPr lang="en-US" altLang="zh-CN" dirty="0"/>
+              <a:t>Doc</a:t>
+            </a:r>
+            <a:endParaRPr lang="zh-CN" altLang="en-US" dirty="0"/>
+          </a:p>
+        </p:txBody>
+      </p:sp>
+      <p:sp>
+        <p:nvSpPr>
+          <p:cNvPr id="73" name="矩形 72"/>
+          <p:cNvSpPr/>
+          <p:nvPr/>
+        </p:nvSpPr>
+        <p:spPr>
+          <a:xfrm>
+            <a:off x="8724508" y="5137611"/>
+            <a:ext cx="1046375" cy="358219"/>
+          </a:xfrm>
+          <a:prstGeom prst="rect">
+            <a:avLst/>
+          </a:prstGeom>
+        </p:spPr>
+        <p:style>
+          <a:lnRef idx="2">
+            <a:schemeClr val="accent6">
+              <a:shade val="50000"/>
+            </a:schemeClr>
+          </a:lnRef>
+          <a:fillRef idx="1">
+            <a:schemeClr val="accent6"/>
+          </a:fillRef>
+          <a:effectRef idx="0">
+            <a:schemeClr val="accent6"/>
+          </a:effectRef>
+          <a:fontRef idx="minor">
+            <a:schemeClr val="lt1"/>
+          </a:fontRef>
+        </p:style>
+        <p:txBody>
+          <a:bodyPr rtlCol="0" anchor="ctr"/>
+          <a:lstStyle/>
+          <a:p>
+            <a:pPr algn="ctr"/>
+            <a:r>
+              <a:rPr lang="en-US" altLang="zh-CN" dirty="0"/>
+              <a:t>Doc</a:t>
+            </a:r>
+            <a:endParaRPr lang="zh-CN" altLang="en-US" dirty="0"/>
+          </a:p>
+        </p:txBody>
+      </p:sp>
+      <p:sp>
+        <p:nvSpPr>
+          <p:cNvPr id="74" name="矩形 73"/>
+          <p:cNvSpPr/>
+          <p:nvPr/>
+        </p:nvSpPr>
+        <p:spPr>
+          <a:xfrm>
+            <a:off x="9766170" y="5137613"/>
+            <a:ext cx="579750" cy="358219"/>
+          </a:xfrm>
+          <a:prstGeom prst="rect">
+            <a:avLst/>
+          </a:prstGeom>
+          <a:noFill/>
+          <a:ln>
+            <a:noFill/>
+          </a:ln>
+        </p:spPr>
+        <p:style>
+          <a:lnRef idx="2">
+            <a:schemeClr val="accent1">
+              <a:shade val="50000"/>
+            </a:schemeClr>
+          </a:lnRef>
+          <a:fillRef idx="1">
+            <a:schemeClr val="accent1"/>
+          </a:fillRef>
+          <a:effectRef idx="0">
+            <a:schemeClr val="accent1"/>
+          </a:effectRef>
+          <a:fontRef idx="minor">
+            <a:schemeClr val="lt1"/>
+          </a:fontRef>
+        </p:style>
+        <p:txBody>
+          <a:bodyPr rtlCol="0" anchor="ctr"/>
+          <a:lstStyle/>
+          <a:p>
+            <a:pPr algn="ctr"/>
+            <a:r>
+              <a:rPr lang="en-US" altLang="zh-CN" dirty="0">
+                <a:solidFill>
+                  <a:schemeClr val="tx1"/>
+                </a:solidFill>
+              </a:rPr>
+              <a:t>......</a:t>
+            </a:r>
+          </a:p>
+        </p:txBody>
+      </p:sp>
+      <p:sp>
+        <p:nvSpPr>
+          <p:cNvPr id="75" name="矩形 74"/>
+          <p:cNvSpPr/>
+          <p:nvPr/>
+        </p:nvSpPr>
+        <p:spPr>
+          <a:xfrm>
+            <a:off x="10345920" y="5137612"/>
+            <a:ext cx="1046375" cy="358219"/>
+          </a:xfrm>
+          <a:prstGeom prst="rect">
+            <a:avLst/>
+          </a:prstGeom>
+        </p:spPr>
+        <p:style>
+          <a:lnRef idx="2">
+            <a:schemeClr val="accent6">
+              <a:shade val="50000"/>
+            </a:schemeClr>
+          </a:lnRef>
+          <a:fillRef idx="1">
+            <a:schemeClr val="accent6"/>
+          </a:fillRef>
+          <a:effectRef idx="0">
+            <a:schemeClr val="accent6"/>
+          </a:effectRef>
+          <a:fontRef idx="minor">
+            <a:schemeClr val="lt1"/>
+          </a:fontRef>
+        </p:style>
+        <p:txBody>
+          <a:bodyPr rtlCol="0" anchor="ctr"/>
+          <a:lstStyle/>
+          <a:p>
+            <a:pPr algn="ctr"/>
+            <a:r>
+              <a:rPr lang="en-US" altLang="zh-CN" dirty="0"/>
+              <a:t>Doc</a:t>
+            </a:r>
+            <a:endParaRPr lang="zh-CN" altLang="en-US" dirty="0"/>
+          </a:p>
+        </p:txBody>
+      </p:sp>
+      <p:cxnSp>
+        <p:nvCxnSpPr>
+          <p:cNvPr id="79" name="直接连接符 78"/>
+          <p:cNvCxnSpPr/>
+          <p:nvPr/>
+        </p:nvCxnSpPr>
+        <p:spPr>
+          <a:xfrm>
+            <a:off x="8927540" y="4637989"/>
+            <a:ext cx="2460042" cy="499620"/>
+          </a:xfrm>
+          <a:prstGeom prst="line">
+            <a:avLst/>
+          </a:prstGeom>
+          <a:ln w="19050"/>
+        </p:spPr>
+        <p:style>
+          <a:lnRef idx="1">
+            <a:schemeClr val="accent1"/>
+          </a:lnRef>
+          <a:fillRef idx="0">
+            <a:schemeClr val="accent1"/>
+          </a:fillRef>
+          <a:effectRef idx="0">
+            <a:schemeClr val="accent1"/>
+          </a:effectRef>
+          <a:fontRef idx="minor">
+            <a:schemeClr val="tx1"/>
+          </a:fontRef>
+        </p:style>
+      </p:cxnSp>
+      <p:cxnSp>
+        <p:nvCxnSpPr>
+          <p:cNvPr id="82" name="直接连接符 81"/>
+          <p:cNvCxnSpPr/>
+          <p:nvPr/>
+        </p:nvCxnSpPr>
+        <p:spPr>
+          <a:xfrm flipH="1">
+            <a:off x="1269892" y="3624905"/>
+            <a:ext cx="2755355" cy="678131"/>
+          </a:xfrm>
+          <a:prstGeom prst="line">
+            <a:avLst/>
+          </a:prstGeom>
+          <a:ln w="19050"/>
+        </p:spPr>
+        <p:style>
+          <a:lnRef idx="1">
+            <a:schemeClr val="accent1"/>
+          </a:lnRef>
+          <a:fillRef idx="0">
+            <a:schemeClr val="accent1"/>
+          </a:fillRef>
+          <a:effectRef idx="0">
+            <a:schemeClr val="accent1"/>
+          </a:effectRef>
+          <a:fontRef idx="minor">
+            <a:schemeClr val="tx1"/>
+          </a:fontRef>
+        </p:style>
+      </p:cxnSp>
+      <p:sp>
+        <p:nvSpPr>
+          <p:cNvPr id="95" name="矩形 94"/>
+          <p:cNvSpPr/>
+          <p:nvPr/>
+        </p:nvSpPr>
+        <p:spPr>
+          <a:xfrm>
+            <a:off x="5698070" y="6033755"/>
+            <a:ext cx="1046375" cy="358219"/>
+          </a:xfrm>
+          <a:prstGeom prst="rect">
+            <a:avLst/>
+          </a:prstGeom>
+        </p:spPr>
+        <p:style>
+          <a:lnRef idx="3">
+            <a:schemeClr val="lt1"/>
+          </a:lnRef>
+          <a:fillRef idx="1">
+            <a:schemeClr val="accent5"/>
+          </a:fillRef>
+          <a:effectRef idx="1">
+            <a:schemeClr val="accent5"/>
+          </a:effectRef>
+          <a:fontRef idx="minor">
+            <a:schemeClr val="lt1"/>
+          </a:fontRef>
+        </p:style>
+        <p:txBody>
+          <a:bodyPr rtlCol="0" anchor="ctr"/>
+          <a:lstStyle/>
+          <a:p>
+            <a:pPr algn="ctr"/>
+            <a:r>
+              <a:rPr lang="en-US" altLang="zh-CN" dirty="0"/>
+              <a:t>Value2</a:t>
+            </a:r>
+            <a:endParaRPr lang="zh-CN" altLang="en-US" dirty="0"/>
+          </a:p>
+        </p:txBody>
+      </p:sp>
+      <p:sp>
+        <p:nvSpPr>
+          <p:cNvPr id="98" name="矩形 97"/>
+          <p:cNvSpPr/>
+          <p:nvPr/>
+        </p:nvSpPr>
+        <p:spPr>
+          <a:xfrm>
+            <a:off x="3671310" y="6043179"/>
+            <a:ext cx="2174647" cy="358219"/>
+          </a:xfrm>
+          <a:prstGeom prst="rect">
+            <a:avLst/>
+          </a:prstGeom>
+        </p:spPr>
+        <p:style>
+          <a:lnRef idx="3">
+            <a:schemeClr val="lt1"/>
+          </a:lnRef>
+          <a:fillRef idx="1">
+            <a:schemeClr val="accent5"/>
+          </a:fillRef>
+          <a:effectRef idx="1">
+            <a:schemeClr val="accent5"/>
+          </a:effectRef>
+          <a:fontRef idx="minor">
+            <a:schemeClr val="lt1"/>
+          </a:fontRef>
+        </p:style>
+        <p:txBody>
+          <a:bodyPr rtlCol="0" anchor="ctr"/>
+          <a:lstStyle/>
+          <a:p>
+            <a:pPr algn="ctr"/>
+            <a:r>
+              <a:rPr lang="en-US" altLang="zh-CN" dirty="0"/>
+              <a:t>FieldNumAndType2</a:t>
+            </a:r>
+            <a:endParaRPr lang="zh-CN" altLang="en-US" dirty="0"/>
+          </a:p>
+        </p:txBody>
+      </p:sp>
+      <p:sp>
+        <p:nvSpPr>
+          <p:cNvPr id="99" name="矩形 98"/>
+          <p:cNvSpPr/>
+          <p:nvPr/>
+        </p:nvSpPr>
+        <p:spPr>
+          <a:xfrm>
+            <a:off x="6718371" y="6033754"/>
+            <a:ext cx="796997" cy="358219"/>
+          </a:xfrm>
+          <a:prstGeom prst="rect">
+            <a:avLst/>
+          </a:prstGeom>
+        </p:spPr>
+        <p:style>
+          <a:lnRef idx="3">
+            <a:schemeClr val="lt1"/>
+          </a:lnRef>
+          <a:fillRef idx="1">
+            <a:schemeClr val="accent2"/>
+          </a:fillRef>
+          <a:effectRef idx="1">
+            <a:schemeClr val="accent2"/>
+          </a:effectRef>
+          <a:fontRef idx="minor">
+            <a:schemeClr val="lt1"/>
+          </a:fontRef>
+        </p:style>
+        <p:txBody>
+          <a:bodyPr rtlCol="0" anchor="ctr"/>
+          <a:lstStyle/>
+          <a:p>
+            <a:pPr algn="ctr"/>
+            <a:r>
+              <a:rPr lang="en-US" altLang="zh-CN" dirty="0"/>
+              <a:t>…</a:t>
+            </a:r>
+            <a:endParaRPr lang="zh-CN" altLang="en-US" dirty="0"/>
+          </a:p>
+        </p:txBody>
+      </p:sp>
+      <p:sp>
+        <p:nvSpPr>
+          <p:cNvPr id="100" name="矩形 99"/>
+          <p:cNvSpPr/>
+          <p:nvPr/>
+        </p:nvSpPr>
+        <p:spPr>
+          <a:xfrm>
+            <a:off x="2618017" y="6043182"/>
+            <a:ext cx="1046375" cy="358219"/>
+          </a:xfrm>
+          <a:prstGeom prst="rect">
+            <a:avLst/>
+          </a:prstGeom>
+        </p:spPr>
+        <p:style>
+          <a:lnRef idx="3">
+            <a:schemeClr val="lt1"/>
+          </a:lnRef>
+          <a:fillRef idx="1">
+            <a:schemeClr val="accent2"/>
+          </a:fillRef>
+          <a:effectRef idx="1">
+            <a:schemeClr val="accent2"/>
+          </a:effectRef>
+          <a:fontRef idx="minor">
+            <a:schemeClr val="lt1"/>
+          </a:fontRef>
+        </p:style>
+        <p:txBody>
+          <a:bodyPr rtlCol="0" anchor="ctr"/>
+          <a:lstStyle/>
+          <a:p>
+            <a:pPr algn="ctr"/>
+            <a:r>
+              <a:rPr lang="en-US" altLang="zh-CN" dirty="0"/>
+              <a:t>Value1</a:t>
+            </a:r>
+            <a:endParaRPr lang="zh-CN" altLang="en-US" dirty="0"/>
+          </a:p>
+        </p:txBody>
+      </p:sp>
+      <p:sp>
+        <p:nvSpPr>
+          <p:cNvPr id="101" name="矩形 100"/>
+          <p:cNvSpPr/>
+          <p:nvPr/>
+        </p:nvSpPr>
+        <p:spPr>
+          <a:xfrm>
+            <a:off x="518348" y="6043179"/>
+            <a:ext cx="2174647" cy="358219"/>
+          </a:xfrm>
+          <a:prstGeom prst="rect">
+            <a:avLst/>
+          </a:prstGeom>
+        </p:spPr>
+        <p:style>
+          <a:lnRef idx="3">
+            <a:schemeClr val="lt1"/>
+          </a:lnRef>
+          <a:fillRef idx="1">
+            <a:schemeClr val="accent2"/>
+          </a:fillRef>
+          <a:effectRef idx="1">
+            <a:schemeClr val="accent2"/>
+          </a:effectRef>
+          <a:fontRef idx="minor">
+            <a:schemeClr val="lt1"/>
+          </a:fontRef>
+        </p:style>
+        <p:txBody>
+          <a:bodyPr rtlCol="0" anchor="ctr"/>
+          <a:lstStyle/>
+          <a:p>
+            <a:pPr algn="ctr"/>
+            <a:r>
+              <a:rPr lang="en-US" altLang="zh-CN" dirty="0"/>
+              <a:t>FieldNumAndType1</a:t>
+            </a:r>
+            <a:endParaRPr lang="zh-CN" altLang="en-US" dirty="0"/>
+          </a:p>
+        </p:txBody>
+      </p:sp>
+      <p:sp>
+        <p:nvSpPr>
+          <p:cNvPr id="102" name="矩形 101"/>
+          <p:cNvSpPr/>
+          <p:nvPr/>
+        </p:nvSpPr>
+        <p:spPr>
+          <a:xfrm>
+            <a:off x="7533922" y="6043179"/>
+            <a:ext cx="2415998" cy="358219"/>
+          </a:xfrm>
+          <a:prstGeom prst="rect">
+            <a:avLst/>
+          </a:prstGeom>
+        </p:spPr>
+        <p:style>
+          <a:lnRef idx="3">
+            <a:schemeClr val="lt1"/>
+          </a:lnRef>
+          <a:fillRef idx="1">
+            <a:schemeClr val="accent4"/>
+          </a:fillRef>
+          <a:effectRef idx="1">
+            <a:schemeClr val="accent4"/>
+          </a:effectRef>
+          <a:fontRef idx="minor">
+            <a:schemeClr val="lt1"/>
+          </a:fontRef>
+        </p:style>
+        <p:txBody>
+          <a:bodyPr rtlCol="0" anchor="ctr"/>
+          <a:lstStyle/>
+          <a:p>
+            <a:pPr algn="ctr"/>
+            <a:r>
+              <a:rPr lang="en-US" altLang="zh-CN" dirty="0" err="1"/>
+              <a:t>FieldNumAndTypeN</a:t>
+            </a:r>
+            <a:endParaRPr lang="zh-CN" altLang="en-US" dirty="0"/>
+          </a:p>
+        </p:txBody>
+      </p:sp>
+      <p:sp>
+        <p:nvSpPr>
+          <p:cNvPr id="103" name="矩形 102"/>
+          <p:cNvSpPr/>
+          <p:nvPr/>
+        </p:nvSpPr>
+        <p:spPr>
+          <a:xfrm>
+            <a:off x="9793708" y="6043179"/>
+            <a:ext cx="1046375" cy="358219"/>
+          </a:xfrm>
+          <a:prstGeom prst="rect">
+            <a:avLst/>
+          </a:prstGeom>
+        </p:spPr>
+        <p:style>
+          <a:lnRef idx="3">
+            <a:schemeClr val="lt1"/>
+          </a:lnRef>
+          <a:fillRef idx="1">
+            <a:schemeClr val="accent4"/>
+          </a:fillRef>
+          <a:effectRef idx="1">
+            <a:schemeClr val="accent4"/>
+          </a:effectRef>
+          <a:fontRef idx="minor">
+            <a:schemeClr val="lt1"/>
+          </a:fontRef>
+        </p:style>
+        <p:txBody>
+          <a:bodyPr rtlCol="0" anchor="ctr"/>
+          <a:lstStyle/>
+          <a:p>
+            <a:pPr algn="ctr"/>
+            <a:r>
+              <a:rPr lang="en-US" altLang="zh-CN" dirty="0" err="1"/>
+              <a:t>ValueN</a:t>
+            </a:r>
+            <a:endParaRPr lang="zh-CN" altLang="en-US" dirty="0"/>
+          </a:p>
+        </p:txBody>
+      </p:sp>
+      <p:cxnSp>
+        <p:nvCxnSpPr>
+          <p:cNvPr id="104" name="直接连接符 103"/>
+          <p:cNvCxnSpPr/>
+          <p:nvPr/>
+        </p:nvCxnSpPr>
+        <p:spPr>
+          <a:xfrm flipV="1">
+            <a:off x="518348" y="5472564"/>
+            <a:ext cx="7211634" cy="603002"/>
+          </a:xfrm>
+          <a:prstGeom prst="line">
+            <a:avLst/>
+          </a:prstGeom>
+          <a:ln w="19050"/>
+        </p:spPr>
+        <p:style>
+          <a:lnRef idx="1">
+            <a:schemeClr val="accent1"/>
+          </a:lnRef>
+          <a:fillRef idx="0">
+            <a:schemeClr val="accent1"/>
+          </a:fillRef>
+          <a:effectRef idx="0">
+            <a:schemeClr val="accent1"/>
+          </a:effectRef>
+          <a:fontRef idx="minor">
+            <a:schemeClr val="tx1"/>
+          </a:fontRef>
+        </p:style>
+      </p:cxnSp>
+      <p:cxnSp>
+        <p:nvCxnSpPr>
+          <p:cNvPr id="107" name="直接连接符 106"/>
+          <p:cNvCxnSpPr/>
+          <p:nvPr/>
+        </p:nvCxnSpPr>
+        <p:spPr>
+          <a:xfrm flipH="1" flipV="1">
+            <a:off x="8743061" y="5495831"/>
+            <a:ext cx="2060720" cy="579734"/>
+          </a:xfrm>
+          <a:prstGeom prst="line">
+            <a:avLst/>
+          </a:prstGeom>
+          <a:ln w="19050"/>
+        </p:spPr>
+        <p:style>
+          <a:lnRef idx="1">
+            <a:schemeClr val="accent1"/>
+          </a:lnRef>
+          <a:fillRef idx="0">
+            <a:schemeClr val="accent1"/>
+          </a:fillRef>
+          <a:effectRef idx="0">
+            <a:schemeClr val="accent1"/>
+          </a:effectRef>
+          <a:fontRef idx="minor">
+            <a:schemeClr val="tx1"/>
+          </a:fontRef>
+        </p:style>
+      </p:cxnSp>
+      <p:sp>
+        <p:nvSpPr>
+          <p:cNvPr id="123" name="文本框 122"/>
+          <p:cNvSpPr txBox="1"/>
+          <p:nvPr/>
+        </p:nvSpPr>
+        <p:spPr>
+          <a:xfrm>
+            <a:off x="45223" y="3228674"/>
+            <a:ext cx="1107996" cy="646331"/>
+          </a:xfrm>
+          <a:prstGeom prst="rect">
+            <a:avLst/>
+          </a:prstGeom>
+          <a:noFill/>
+        </p:spPr>
+        <p:txBody>
+          <a:bodyPr wrap="none" rtlCol="0">
+            <a:spAutoFit/>
+          </a:bodyPr>
+          <a:lstStyle/>
+          <a:p>
+            <a:r>
+              <a:rPr lang="en-US" altLang="zh-CN" dirty="0"/>
+              <a:t>.</a:t>
+            </a:r>
+            <a:r>
+              <a:rPr lang="en-US" altLang="zh-CN" dirty="0" err="1"/>
+              <a:t>fdt</a:t>
+            </a:r>
+            <a:r>
+              <a:rPr lang="zh-CN" altLang="en-US" dirty="0"/>
+              <a:t>文件  </a:t>
+            </a:r>
+            <a:endParaRPr lang="en-US" altLang="zh-CN" dirty="0"/>
+          </a:p>
+          <a:p>
+            <a:r>
+              <a:rPr lang="zh-CN" altLang="en-US" dirty="0"/>
+              <a:t>在磁盘上</a:t>
+            </a:r>
+          </a:p>
+        </p:txBody>
+      </p:sp>
+      <p:sp>
+        <p:nvSpPr>
+          <p:cNvPr id="124" name="左大括号 123"/>
+          <p:cNvSpPr/>
+          <p:nvPr/>
+        </p:nvSpPr>
+        <p:spPr>
+          <a:xfrm>
+            <a:off x="9096866" y="3875005"/>
+            <a:ext cx="231170" cy="654857"/>
+          </a:xfrm>
+          <a:prstGeom prst="leftBrace">
+            <a:avLst/>
+          </a:prstGeom>
+        </p:spPr>
+        <p:style>
+          <a:lnRef idx="1">
+            <a:schemeClr val="accent1"/>
+          </a:lnRef>
+          <a:fillRef idx="0">
+            <a:schemeClr val="accent1"/>
+          </a:fillRef>
+          <a:effectRef idx="0">
+            <a:schemeClr val="accent1"/>
+          </a:effectRef>
+          <a:fontRef idx="minor">
+            <a:schemeClr val="tx1"/>
+          </a:fontRef>
+        </p:style>
+        <p:txBody>
+          <a:bodyPr rtlCol="0" anchor="ctr"/>
+          <a:lstStyle/>
+          <a:p>
+            <a:pPr algn="ctr"/>
+            <a:endParaRPr lang="zh-CN" altLang="en-US"/>
+          </a:p>
+        </p:txBody>
+      </p:sp>
+      <p:sp>
+        <p:nvSpPr>
+          <p:cNvPr id="125" name="文本框 124"/>
+          <p:cNvSpPr txBox="1"/>
+          <p:nvPr/>
+        </p:nvSpPr>
+        <p:spPr>
+          <a:xfrm>
+            <a:off x="9294412" y="3713912"/>
+            <a:ext cx="1990410" cy="369332"/>
+          </a:xfrm>
+          <a:prstGeom prst="rect">
+            <a:avLst/>
+          </a:prstGeom>
+          <a:noFill/>
+        </p:spPr>
+        <p:txBody>
+          <a:bodyPr wrap="square" rtlCol="0">
+            <a:spAutoFit/>
+          </a:bodyPr>
+          <a:lstStyle/>
+          <a:p>
+            <a:r>
+              <a:rPr lang="en-US" altLang="zh-CN" dirty="0"/>
+              <a:t>BEST_SPEED</a:t>
+            </a:r>
+            <a:endParaRPr lang="zh-CN" altLang="en-US" dirty="0"/>
+          </a:p>
+        </p:txBody>
+      </p:sp>
+      <p:sp>
+        <p:nvSpPr>
+          <p:cNvPr id="130" name="文本框 129"/>
+          <p:cNvSpPr txBox="1"/>
+          <p:nvPr/>
+        </p:nvSpPr>
+        <p:spPr>
+          <a:xfrm>
+            <a:off x="9306723" y="4345197"/>
+            <a:ext cx="2382513" cy="369332"/>
+          </a:xfrm>
+          <a:prstGeom prst="rect">
+            <a:avLst/>
+          </a:prstGeom>
+          <a:noFill/>
+        </p:spPr>
+        <p:txBody>
+          <a:bodyPr wrap="square" rtlCol="0">
+            <a:spAutoFit/>
+          </a:bodyPr>
+          <a:lstStyle/>
+          <a:p>
+            <a:r>
+              <a:rPr lang="en-US" altLang="zh-CN" dirty="0"/>
+              <a:t>BEST_COMPRESSION</a:t>
+            </a:r>
+            <a:endParaRPr lang="zh-CN" altLang="en-US" dirty="0"/>
+          </a:p>
+        </p:txBody>
+      </p:sp>
+      <p:sp>
+        <p:nvSpPr>
+          <p:cNvPr id="132" name="文本框 131"/>
+          <p:cNvSpPr txBox="1"/>
+          <p:nvPr/>
+        </p:nvSpPr>
+        <p:spPr>
+          <a:xfrm>
+            <a:off x="3763139" y="5051925"/>
+            <a:ext cx="1709122" cy="369332"/>
+          </a:xfrm>
+          <a:prstGeom prst="rect">
+            <a:avLst/>
+          </a:prstGeom>
+          <a:noFill/>
+        </p:spPr>
+        <p:txBody>
+          <a:bodyPr wrap="none" rtlCol="0">
+            <a:spAutoFit/>
+          </a:bodyPr>
+          <a:lstStyle/>
+          <a:p>
+            <a:r>
+              <a:rPr lang="zh-CN" altLang="en-US" dirty="0"/>
+              <a:t>每个</a:t>
+            </a:r>
+            <a:r>
+              <a:rPr lang="en-US" altLang="zh-CN" dirty="0"/>
+              <a:t>doc</a:t>
+            </a:r>
+            <a:r>
+              <a:rPr lang="zh-CN" altLang="en-US" dirty="0"/>
+              <a:t>的长度</a:t>
+            </a:r>
+          </a:p>
+        </p:txBody>
+      </p:sp>
+      <p:cxnSp>
+        <p:nvCxnSpPr>
+          <p:cNvPr id="133" name="直接连接符 132"/>
+          <p:cNvCxnSpPr>
+            <a:stCxn id="57" idx="2"/>
+            <a:endCxn id="132" idx="0"/>
+          </p:cNvCxnSpPr>
+          <p:nvPr/>
+        </p:nvCxnSpPr>
+        <p:spPr>
+          <a:xfrm flipH="1">
+            <a:off x="4617700" y="4656838"/>
+            <a:ext cx="1697636" cy="395087"/>
+          </a:xfrm>
+          <a:prstGeom prst="line">
+            <a:avLst/>
+          </a:prstGeom>
+          <a:ln w="19050"/>
+        </p:spPr>
+        <p:style>
+          <a:lnRef idx="1">
+            <a:schemeClr val="accent1"/>
+          </a:lnRef>
+          <a:fillRef idx="0">
+            <a:schemeClr val="accent1"/>
+          </a:fillRef>
+          <a:effectRef idx="0">
+            <a:schemeClr val="accent1"/>
+          </a:effectRef>
+          <a:fontRef idx="minor">
+            <a:schemeClr val="tx1"/>
+          </a:fontRef>
+        </p:style>
+      </p:cxnSp>
+    </p:spTree>
+  </p:cSld>
+  <p:clrMapOvr>
+    <a:masterClrMapping/>
+  </p:clrMapOvr>
+</p:sld>
+</file>
+
+<file path=ppt/slides/slide8.xml><?xml version="1.0" encoding="utf-8"?>
+<p:sld xmlns:a="http://schemas.openxmlformats.org/drawingml/2006/main" xmlns:r="http://schemas.openxmlformats.org/officeDocument/2006/relationships" xmlns:p="http://schemas.openxmlformats.org/presentationml/2006/main">
+  <p:cSld>
+    <p:spTree>
+      <p:nvGrpSpPr>
+        <p:cNvPr id="1" name=""/>
+        <p:cNvGrpSpPr/>
+        <p:nvPr/>
+      </p:nvGrpSpPr>
+      <p:grpSpPr>
+        <a:xfrm>
+          <a:off x="0" y="0"/>
+          <a:ext cx="0" cy="0"/>
+          <a:chOff x="0" y="0"/>
+          <a:chExt cx="0" cy="0"/>
+        </a:xfrm>
+      </p:grpSpPr>
+      <p:sp>
+        <p:nvSpPr>
           <p:cNvPr id="2" name="标题 1"/>
           <p:cNvSpPr>
             <a:spLocks noGrp="1"/>
@@ -10966,7 +11877,6 @@
               <a:rPr lang="zh-CN" altLang="en-US" dirty="0"/>
               <a:t>，获取文档所有的字段信息</a:t>
             </a:r>
-            <a:endParaRPr lang="zh-CN" altLang="en-US" dirty="0"/>
           </a:p>
         </p:txBody>
       </p:sp>
@@ -11056,7 +11966,6 @@
               <a:rPr lang="en-US" altLang="zh-CN" dirty="0"/>
               <a:t>]</a:t>
             </a:r>
-            <a:endParaRPr lang="en-US" altLang="zh-CN" dirty="0"/>
           </a:p>
           <a:p>
             <a:r>
@@ -11114,7 +12023,6 @@
               <a:rPr lang="en-US" altLang="zh-CN" dirty="0"/>
               <a:t>length </a:t>
             </a:r>
-            <a:endParaRPr lang="en-US" altLang="zh-CN" dirty="0"/>
           </a:p>
           <a:p>
             <a:r>
@@ -11152,11 +12060,66 @@
               <a:rPr lang="zh-CN" altLang="en-US" dirty="0"/>
               <a:t>提取所需要的字段信息</a:t>
             </a:r>
+          </a:p>
+        </p:txBody>
+      </p:sp>
+    </p:spTree>
+  </p:cSld>
+  <p:clrMapOvr>
+    <a:masterClrMapping/>
+  </p:clrMapOvr>
+</p:sld>
+</file>
+
+<file path=ppt/slides/slide9.xml><?xml version="1.0" encoding="utf-8"?>
+<p:sld xmlns:a="http://schemas.openxmlformats.org/drawingml/2006/main" xmlns:r="http://schemas.openxmlformats.org/officeDocument/2006/relationships" xmlns:p="http://schemas.openxmlformats.org/presentationml/2006/main">
+  <p:cSld>
+    <p:spTree>
+      <p:nvGrpSpPr>
+        <p:cNvPr id="1" name=""/>
+        <p:cNvGrpSpPr/>
+        <p:nvPr/>
+      </p:nvGrpSpPr>
+      <p:grpSpPr>
+        <a:xfrm>
+          <a:off x="0" y="0"/>
+          <a:ext cx="0" cy="0"/>
+          <a:chOff x="0" y="0"/>
+          <a:chExt cx="0" cy="0"/>
+        </a:xfrm>
+      </p:grpSpPr>
+      <p:sp>
+        <p:nvSpPr>
+          <p:cNvPr id="3" name="标题 2"/>
+          <p:cNvSpPr>
+            <a:spLocks noGrp="1"/>
+          </p:cNvSpPr>
+          <p:nvPr>
+            <p:ph type="title"/>
+          </p:nvPr>
+        </p:nvSpPr>
+        <p:spPr/>
+        <p:txBody>
+          <a:bodyPr/>
+          <a:lstStyle/>
+          <a:p>
+            <a:r>
+              <a:rPr lang="en-US" altLang="zh-CN" dirty="0"/>
+              <a:t>Doc Values</a:t>
+            </a:r>
+            <a:br>
+              <a:rPr lang="en-US" altLang="zh-CN" dirty="0"/>
+            </a:br>
             <a:endParaRPr lang="zh-CN" altLang="en-US" dirty="0"/>
           </a:p>
         </p:txBody>
       </p:sp>
     </p:spTree>
+    <p:extLst>
+      <p:ext uri="{BB962C8B-B14F-4D97-AF65-F5344CB8AC3E}">
+        <p14:creationId xmlns:p14="http://schemas.microsoft.com/office/powerpoint/2010/main" val="2699897884"/>
+      </p:ext>
+    </p:extLst>
   </p:cSld>
   <p:clrMapOvr>
     <a:masterClrMapping/>
@@ -11415,6 +12378,8 @@
       </a:bgFillStyleLst>
     </a:fmtScheme>
   </a:themeElements>
+  <a:objectDefaults/>
+  <a:extraClrSchemeLst/>
   <a:extLst>
     <a:ext uri="{05A4C25C-085E-4340-85A3-A5531E510DB2}">
       <thm15:themeFamily xmlns:thm15="http://schemas.microsoft.com/office/thememl/2012/main" name="Office Theme" id="{62F939B6-93AF-4DB8-9C6B-D6C7DFDC589F}" vid="{4A3C46E8-61CC-4603-A589-7422A47A8E4A}"/>
@@ -11674,6 +12639,8 @@
       </a:bgFillStyleLst>
     </a:fmtScheme>
   </a:themeElements>
+  <a:objectDefaults/>
+  <a:extraClrSchemeLst/>
   <a:extLst>
     <a:ext uri="{05A4C25C-085E-4340-85A3-A5531E510DB2}">
       <thm15:themeFamily xmlns:thm15="http://schemas.microsoft.com/office/thememl/2012/main" name="Office Theme" id="{62F939B6-93AF-4DB8-9C6B-D6C7DFDC589F}" vid="{4A3C46E8-61CC-4603-A589-7422A47A8E4A}"/>

--- a/zx-note/src/test/graph/lucene/lucene-core/codecs/索引文件格式/Lucene索引文件.pptx
+++ b/zx-note/src/test/graph/lucene/lucene-core/codecs/索引文件格式/Lucene索引文件.pptx
@@ -3,19 +3,23 @@
 <p:presentation xmlns:a="http://schemas.openxmlformats.org/drawingml/2006/main" xmlns:r="http://schemas.openxmlformats.org/officeDocument/2006/relationships" xmlns:p="http://schemas.openxmlformats.org/presentationml/2006/main">
   <p:sldMasterIdLst>
     <p:sldMasterId id="2147483648" r:id="rId1"/>
-    <p:sldMasterId id="2147483660" r:id="rId2"/>
+    <p:sldMasterId id="2147483660" r:id="rId3"/>
   </p:sldMasterIdLst>
   <p:sldIdLst>
-    <p:sldId id="259" r:id="rId3"/>
-    <p:sldId id="257" r:id="rId4"/>
-    <p:sldId id="271" r:id="rId5"/>
-    <p:sldId id="264" r:id="rId6"/>
-    <p:sldId id="268" r:id="rId7"/>
-    <p:sldId id="263" r:id="rId8"/>
-    <p:sldId id="256" r:id="rId9"/>
-    <p:sldId id="258" r:id="rId10"/>
-    <p:sldId id="269" r:id="rId11"/>
-    <p:sldId id="270" r:id="rId12"/>
+    <p:sldId id="259" r:id="rId4"/>
+    <p:sldId id="257" r:id="rId5"/>
+    <p:sldId id="271" r:id="rId6"/>
+    <p:sldId id="264" r:id="rId7"/>
+    <p:sldId id="268" r:id="rId8"/>
+    <p:sldId id="279" r:id="rId9"/>
+    <p:sldId id="269" r:id="rId10"/>
+    <p:sldId id="280" r:id="rId11"/>
+    <p:sldId id="263" r:id="rId12"/>
+    <p:sldId id="256" r:id="rId13"/>
+    <p:sldId id="258" r:id="rId14"/>
+    <p:sldId id="270" r:id="rId15"/>
+    <p:sldId id="281" r:id="rId16"/>
+    <p:sldId id="288" r:id="rId17"/>
   </p:sldIdLst>
   <p:sldSz cx="12192000" cy="6858000"/>
   <p:notesSz cx="6858000" cy="9144000"/>
@@ -114,11 +118,6 @@
       </a:defRPr>
     </a:lvl9pPr>
   </p:defaultTextStyle>
-  <p:extLst>
-    <p:ext uri="{EFAFB233-063F-42B5-8137-9DF3F51BA10A}">
-      <p15:sldGuideLst xmlns:p15="http://schemas.microsoft.com/office/powerpoint/2012/main"/>
-    </p:ext>
-  </p:extLst>
 </p:presentation>
 </file>
 
@@ -173,6 +172,7 @@
               <a:rPr lang="zh-CN" altLang="en-US"/>
               <a:t>单击此处编辑母版标题样式</a:t>
             </a:r>
+            <a:endParaRPr lang="zh-CN" altLang="en-US"/>
           </a:p>
         </p:txBody>
       </p:sp>
@@ -237,6 +237,7 @@
               <a:rPr lang="zh-CN" altLang="en-US"/>
               <a:t>单击此处编辑母版副标题样式</a:t>
             </a:r>
+            <a:endParaRPr lang="zh-CN" altLang="en-US"/>
           </a:p>
         </p:txBody>
       </p:sp>
@@ -257,7 +258,6 @@
           <a:p>
             <a:fld id="{75D18932-EBB2-4301-9A79-EB382E33F227}" type="datetimeFigureOut">
               <a:rPr lang="zh-CN" altLang="en-US" smtClean="0"/>
-              <a:t>2019/8/12</a:t>
             </a:fld>
             <a:endParaRPr lang="zh-CN" altLang="en-US"/>
           </a:p>
@@ -299,7 +299,6 @@
           <a:p>
             <a:fld id="{17CD2A25-3FD3-4A48-893A-4C9E0DF714A6}" type="slidenum">
               <a:rPr lang="zh-CN" altLang="en-US" smtClean="0"/>
-              <a:t>‹#›</a:t>
             </a:fld>
             <a:endParaRPr lang="zh-CN" altLang="en-US"/>
           </a:p>
@@ -349,6 +348,7 @@
               <a:rPr lang="zh-CN" altLang="en-US"/>
               <a:t>单击此处编辑母版标题样式</a:t>
             </a:r>
+            <a:endParaRPr lang="zh-CN" altLang="en-US"/>
           </a:p>
         </p:txBody>
       </p:sp>
@@ -372,6 +372,7 @@
               <a:rPr lang="zh-CN" altLang="en-US"/>
               <a:t>单击此处编辑母版文本样式</a:t>
             </a:r>
+            <a:endParaRPr lang="zh-CN" altLang="en-US"/>
           </a:p>
           <a:p>
             <a:pPr lvl="1"/>
@@ -379,6 +380,7 @@
               <a:rPr lang="zh-CN" altLang="en-US"/>
               <a:t>二级</a:t>
             </a:r>
+            <a:endParaRPr lang="zh-CN" altLang="en-US"/>
           </a:p>
           <a:p>
             <a:pPr lvl="2"/>
@@ -386,6 +388,7 @@
               <a:rPr lang="zh-CN" altLang="en-US"/>
               <a:t>三级</a:t>
             </a:r>
+            <a:endParaRPr lang="zh-CN" altLang="en-US"/>
           </a:p>
           <a:p>
             <a:pPr lvl="3"/>
@@ -393,6 +396,7 @@
               <a:rPr lang="zh-CN" altLang="en-US"/>
               <a:t>四级</a:t>
             </a:r>
+            <a:endParaRPr lang="zh-CN" altLang="en-US"/>
           </a:p>
           <a:p>
             <a:pPr lvl="4"/>
@@ -400,6 +404,7 @@
               <a:rPr lang="zh-CN" altLang="en-US"/>
               <a:t>五级</a:t>
             </a:r>
+            <a:endParaRPr lang="zh-CN" altLang="en-US"/>
           </a:p>
         </p:txBody>
       </p:sp>
@@ -420,7 +425,6 @@
           <a:p>
             <a:fld id="{75D18932-EBB2-4301-9A79-EB382E33F227}" type="datetimeFigureOut">
               <a:rPr lang="zh-CN" altLang="en-US" smtClean="0"/>
-              <a:t>2019/8/12</a:t>
             </a:fld>
             <a:endParaRPr lang="zh-CN" altLang="en-US"/>
           </a:p>
@@ -462,7 +466,6 @@
           <a:p>
             <a:fld id="{17CD2A25-3FD3-4A48-893A-4C9E0DF714A6}" type="slidenum">
               <a:rPr lang="zh-CN" altLang="en-US" smtClean="0"/>
-              <a:t>‹#›</a:t>
             </a:fld>
             <a:endParaRPr lang="zh-CN" altLang="en-US"/>
           </a:p>
@@ -517,6 +520,7 @@
               <a:rPr lang="zh-CN" altLang="en-US"/>
               <a:t>单击此处编辑母版标题样式</a:t>
             </a:r>
+            <a:endParaRPr lang="zh-CN" altLang="en-US"/>
           </a:p>
         </p:txBody>
       </p:sp>
@@ -545,6 +549,7 @@
               <a:rPr lang="zh-CN" altLang="en-US"/>
               <a:t>单击此处编辑母版文本样式</a:t>
             </a:r>
+            <a:endParaRPr lang="zh-CN" altLang="en-US"/>
           </a:p>
           <a:p>
             <a:pPr lvl="1"/>
@@ -552,6 +557,7 @@
               <a:rPr lang="zh-CN" altLang="en-US"/>
               <a:t>二级</a:t>
             </a:r>
+            <a:endParaRPr lang="zh-CN" altLang="en-US"/>
           </a:p>
           <a:p>
             <a:pPr lvl="2"/>
@@ -559,6 +565,7 @@
               <a:rPr lang="zh-CN" altLang="en-US"/>
               <a:t>三级</a:t>
             </a:r>
+            <a:endParaRPr lang="zh-CN" altLang="en-US"/>
           </a:p>
           <a:p>
             <a:pPr lvl="3"/>
@@ -566,6 +573,7 @@
               <a:rPr lang="zh-CN" altLang="en-US"/>
               <a:t>四级</a:t>
             </a:r>
+            <a:endParaRPr lang="zh-CN" altLang="en-US"/>
           </a:p>
           <a:p>
             <a:pPr lvl="4"/>
@@ -573,6 +581,7 @@
               <a:rPr lang="zh-CN" altLang="en-US"/>
               <a:t>五级</a:t>
             </a:r>
+            <a:endParaRPr lang="zh-CN" altLang="en-US"/>
           </a:p>
         </p:txBody>
       </p:sp>
@@ -593,7 +602,6 @@
           <a:p>
             <a:fld id="{75D18932-EBB2-4301-9A79-EB382E33F227}" type="datetimeFigureOut">
               <a:rPr lang="zh-CN" altLang="en-US" smtClean="0"/>
-              <a:t>2019/8/12</a:t>
             </a:fld>
             <a:endParaRPr lang="zh-CN" altLang="en-US"/>
           </a:p>
@@ -635,7 +643,6 @@
           <a:p>
             <a:fld id="{17CD2A25-3FD3-4A48-893A-4C9E0DF714A6}" type="slidenum">
               <a:rPr lang="zh-CN" altLang="en-US" smtClean="0"/>
-              <a:t>‹#›</a:t>
             </a:fld>
             <a:endParaRPr lang="zh-CN" altLang="en-US"/>
           </a:p>
@@ -694,6 +701,7 @@
               <a:rPr lang="zh-CN" altLang="en-US"/>
               <a:t>单击此处编辑母版标题样式</a:t>
             </a:r>
+            <a:endParaRPr lang="zh-CN" altLang="en-US"/>
           </a:p>
         </p:txBody>
       </p:sp>
@@ -758,6 +766,7 @@
               <a:rPr lang="zh-CN" altLang="en-US"/>
               <a:t>单击此处编辑母版副标题样式</a:t>
             </a:r>
+            <a:endParaRPr lang="zh-CN" altLang="en-US"/>
           </a:p>
         </p:txBody>
       </p:sp>
@@ -778,7 +787,6 @@
           <a:p>
             <a:fld id="{75D18932-EBB2-4301-9A79-EB382E33F227}" type="datetimeFigureOut">
               <a:rPr lang="zh-CN" altLang="en-US" smtClean="0"/>
-              <a:t>2019/8/12</a:t>
             </a:fld>
             <a:endParaRPr lang="zh-CN" altLang="en-US"/>
           </a:p>
@@ -820,7 +828,6 @@
           <a:p>
             <a:fld id="{17CD2A25-3FD3-4A48-893A-4C9E0DF714A6}" type="slidenum">
               <a:rPr lang="zh-CN" altLang="en-US" smtClean="0"/>
-              <a:t>‹#›</a:t>
             </a:fld>
             <a:endParaRPr lang="zh-CN" altLang="en-US"/>
           </a:p>
@@ -870,6 +877,7 @@
               <a:rPr lang="zh-CN" altLang="en-US"/>
               <a:t>单击此处编辑母版标题样式</a:t>
             </a:r>
+            <a:endParaRPr lang="zh-CN" altLang="en-US"/>
           </a:p>
         </p:txBody>
       </p:sp>
@@ -893,6 +901,7 @@
               <a:rPr lang="zh-CN" altLang="en-US"/>
               <a:t>单击此处编辑母版文本样式</a:t>
             </a:r>
+            <a:endParaRPr lang="zh-CN" altLang="en-US"/>
           </a:p>
           <a:p>
             <a:pPr lvl="1"/>
@@ -900,6 +909,7 @@
               <a:rPr lang="zh-CN" altLang="en-US"/>
               <a:t>二级</a:t>
             </a:r>
+            <a:endParaRPr lang="zh-CN" altLang="en-US"/>
           </a:p>
           <a:p>
             <a:pPr lvl="2"/>
@@ -907,6 +917,7 @@
               <a:rPr lang="zh-CN" altLang="en-US"/>
               <a:t>三级</a:t>
             </a:r>
+            <a:endParaRPr lang="zh-CN" altLang="en-US"/>
           </a:p>
           <a:p>
             <a:pPr lvl="3"/>
@@ -914,6 +925,7 @@
               <a:rPr lang="zh-CN" altLang="en-US"/>
               <a:t>四级</a:t>
             </a:r>
+            <a:endParaRPr lang="zh-CN" altLang="en-US"/>
           </a:p>
           <a:p>
             <a:pPr lvl="4"/>
@@ -921,6 +933,7 @@
               <a:rPr lang="zh-CN" altLang="en-US"/>
               <a:t>五级</a:t>
             </a:r>
+            <a:endParaRPr lang="zh-CN" altLang="en-US"/>
           </a:p>
         </p:txBody>
       </p:sp>
@@ -941,7 +954,6 @@
           <a:p>
             <a:fld id="{75D18932-EBB2-4301-9A79-EB382E33F227}" type="datetimeFigureOut">
               <a:rPr lang="zh-CN" altLang="en-US" smtClean="0"/>
-              <a:t>2019/8/12</a:t>
             </a:fld>
             <a:endParaRPr lang="zh-CN" altLang="en-US"/>
           </a:p>
@@ -983,7 +995,6 @@
           <a:p>
             <a:fld id="{17CD2A25-3FD3-4A48-893A-4C9E0DF714A6}" type="slidenum">
               <a:rPr lang="zh-CN" altLang="en-US" smtClean="0"/>
-              <a:t>‹#›</a:t>
             </a:fld>
             <a:endParaRPr lang="zh-CN" altLang="en-US"/>
           </a:p>
@@ -1042,6 +1053,7 @@
               <a:rPr lang="zh-CN" altLang="en-US"/>
               <a:t>单击此处编辑母版标题样式</a:t>
             </a:r>
+            <a:endParaRPr lang="zh-CN" altLang="en-US"/>
           </a:p>
         </p:txBody>
       </p:sp>
@@ -1161,6 +1173,7 @@
               <a:rPr lang="zh-CN" altLang="en-US"/>
               <a:t>单击此处编辑母版文本样式</a:t>
             </a:r>
+            <a:endParaRPr lang="zh-CN" altLang="en-US"/>
           </a:p>
         </p:txBody>
       </p:sp>
@@ -1181,7 +1194,6 @@
           <a:p>
             <a:fld id="{75D18932-EBB2-4301-9A79-EB382E33F227}" type="datetimeFigureOut">
               <a:rPr lang="zh-CN" altLang="en-US" smtClean="0"/>
-              <a:t>2019/8/12</a:t>
             </a:fld>
             <a:endParaRPr lang="zh-CN" altLang="en-US"/>
           </a:p>
@@ -1223,7 +1235,6 @@
           <a:p>
             <a:fld id="{17CD2A25-3FD3-4A48-893A-4C9E0DF714A6}" type="slidenum">
               <a:rPr lang="zh-CN" altLang="en-US" smtClean="0"/>
-              <a:t>‹#›</a:t>
             </a:fld>
             <a:endParaRPr lang="zh-CN" altLang="en-US"/>
           </a:p>
@@ -1273,6 +1284,7 @@
               <a:rPr lang="zh-CN" altLang="en-US"/>
               <a:t>单击此处编辑母版标题样式</a:t>
             </a:r>
+            <a:endParaRPr lang="zh-CN" altLang="en-US"/>
           </a:p>
         </p:txBody>
       </p:sp>
@@ -1301,6 +1313,7 @@
               <a:rPr lang="zh-CN" altLang="en-US"/>
               <a:t>单击此处编辑母版文本样式</a:t>
             </a:r>
+            <a:endParaRPr lang="zh-CN" altLang="en-US"/>
           </a:p>
           <a:p>
             <a:pPr lvl="1"/>
@@ -1308,6 +1321,7 @@
               <a:rPr lang="zh-CN" altLang="en-US"/>
               <a:t>二级</a:t>
             </a:r>
+            <a:endParaRPr lang="zh-CN" altLang="en-US"/>
           </a:p>
           <a:p>
             <a:pPr lvl="2"/>
@@ -1315,6 +1329,7 @@
               <a:rPr lang="zh-CN" altLang="en-US"/>
               <a:t>三级</a:t>
             </a:r>
+            <a:endParaRPr lang="zh-CN" altLang="en-US"/>
           </a:p>
           <a:p>
             <a:pPr lvl="3"/>
@@ -1322,6 +1337,7 @@
               <a:rPr lang="zh-CN" altLang="en-US"/>
               <a:t>四级</a:t>
             </a:r>
+            <a:endParaRPr lang="zh-CN" altLang="en-US"/>
           </a:p>
           <a:p>
             <a:pPr lvl="4"/>
@@ -1329,6 +1345,7 @@
               <a:rPr lang="zh-CN" altLang="en-US"/>
               <a:t>五级</a:t>
             </a:r>
+            <a:endParaRPr lang="zh-CN" altLang="en-US"/>
           </a:p>
         </p:txBody>
       </p:sp>
@@ -1357,6 +1374,7 @@
               <a:rPr lang="zh-CN" altLang="en-US"/>
               <a:t>单击此处编辑母版文本样式</a:t>
             </a:r>
+            <a:endParaRPr lang="zh-CN" altLang="en-US"/>
           </a:p>
           <a:p>
             <a:pPr lvl="1"/>
@@ -1364,6 +1382,7 @@
               <a:rPr lang="zh-CN" altLang="en-US"/>
               <a:t>二级</a:t>
             </a:r>
+            <a:endParaRPr lang="zh-CN" altLang="en-US"/>
           </a:p>
           <a:p>
             <a:pPr lvl="2"/>
@@ -1371,6 +1390,7 @@
               <a:rPr lang="zh-CN" altLang="en-US"/>
               <a:t>三级</a:t>
             </a:r>
+            <a:endParaRPr lang="zh-CN" altLang="en-US"/>
           </a:p>
           <a:p>
             <a:pPr lvl="3"/>
@@ -1378,6 +1398,7 @@
               <a:rPr lang="zh-CN" altLang="en-US"/>
               <a:t>四级</a:t>
             </a:r>
+            <a:endParaRPr lang="zh-CN" altLang="en-US"/>
           </a:p>
           <a:p>
             <a:pPr lvl="4"/>
@@ -1385,6 +1406,7 @@
               <a:rPr lang="zh-CN" altLang="en-US"/>
               <a:t>五级</a:t>
             </a:r>
+            <a:endParaRPr lang="zh-CN" altLang="en-US"/>
           </a:p>
         </p:txBody>
       </p:sp>
@@ -1405,7 +1427,6 @@
           <a:p>
             <a:fld id="{75D18932-EBB2-4301-9A79-EB382E33F227}" type="datetimeFigureOut">
               <a:rPr lang="zh-CN" altLang="en-US" smtClean="0"/>
-              <a:t>2019/8/12</a:t>
             </a:fld>
             <a:endParaRPr lang="zh-CN" altLang="en-US"/>
           </a:p>
@@ -1447,7 +1468,6 @@
           <a:p>
             <a:fld id="{17CD2A25-3FD3-4A48-893A-4C9E0DF714A6}" type="slidenum">
               <a:rPr lang="zh-CN" altLang="en-US" smtClean="0"/>
-              <a:t>‹#›</a:t>
             </a:fld>
             <a:endParaRPr lang="zh-CN" altLang="en-US"/>
           </a:p>
@@ -1502,6 +1522,7 @@
               <a:rPr lang="zh-CN" altLang="en-US"/>
               <a:t>单击此处编辑母版标题样式</a:t>
             </a:r>
+            <a:endParaRPr lang="zh-CN" altLang="en-US"/>
           </a:p>
         </p:txBody>
       </p:sp>
@@ -1567,6 +1588,7 @@
               <a:rPr lang="zh-CN" altLang="en-US"/>
               <a:t>单击此处编辑母版文本样式</a:t>
             </a:r>
+            <a:endParaRPr lang="zh-CN" altLang="en-US"/>
           </a:p>
         </p:txBody>
       </p:sp>
@@ -1595,6 +1617,7 @@
               <a:rPr lang="zh-CN" altLang="en-US"/>
               <a:t>单击此处编辑母版文本样式</a:t>
             </a:r>
+            <a:endParaRPr lang="zh-CN" altLang="en-US"/>
           </a:p>
           <a:p>
             <a:pPr lvl="1"/>
@@ -1602,6 +1625,7 @@
               <a:rPr lang="zh-CN" altLang="en-US"/>
               <a:t>二级</a:t>
             </a:r>
+            <a:endParaRPr lang="zh-CN" altLang="en-US"/>
           </a:p>
           <a:p>
             <a:pPr lvl="2"/>
@@ -1609,6 +1633,7 @@
               <a:rPr lang="zh-CN" altLang="en-US"/>
               <a:t>三级</a:t>
             </a:r>
+            <a:endParaRPr lang="zh-CN" altLang="en-US"/>
           </a:p>
           <a:p>
             <a:pPr lvl="3"/>
@@ -1616,6 +1641,7 @@
               <a:rPr lang="zh-CN" altLang="en-US"/>
               <a:t>四级</a:t>
             </a:r>
+            <a:endParaRPr lang="zh-CN" altLang="en-US"/>
           </a:p>
           <a:p>
             <a:pPr lvl="4"/>
@@ -1623,6 +1649,7 @@
               <a:rPr lang="zh-CN" altLang="en-US"/>
               <a:t>五级</a:t>
             </a:r>
+            <a:endParaRPr lang="zh-CN" altLang="en-US"/>
           </a:p>
         </p:txBody>
       </p:sp>
@@ -1688,6 +1715,7 @@
               <a:rPr lang="zh-CN" altLang="en-US"/>
               <a:t>单击此处编辑母版文本样式</a:t>
             </a:r>
+            <a:endParaRPr lang="zh-CN" altLang="en-US"/>
           </a:p>
         </p:txBody>
       </p:sp>
@@ -1716,6 +1744,7 @@
               <a:rPr lang="zh-CN" altLang="en-US"/>
               <a:t>单击此处编辑母版文本样式</a:t>
             </a:r>
+            <a:endParaRPr lang="zh-CN" altLang="en-US"/>
           </a:p>
           <a:p>
             <a:pPr lvl="1"/>
@@ -1723,6 +1752,7 @@
               <a:rPr lang="zh-CN" altLang="en-US"/>
               <a:t>二级</a:t>
             </a:r>
+            <a:endParaRPr lang="zh-CN" altLang="en-US"/>
           </a:p>
           <a:p>
             <a:pPr lvl="2"/>
@@ -1730,6 +1760,7 @@
               <a:rPr lang="zh-CN" altLang="en-US"/>
               <a:t>三级</a:t>
             </a:r>
+            <a:endParaRPr lang="zh-CN" altLang="en-US"/>
           </a:p>
           <a:p>
             <a:pPr lvl="3"/>
@@ -1737,6 +1768,7 @@
               <a:rPr lang="zh-CN" altLang="en-US"/>
               <a:t>四级</a:t>
             </a:r>
+            <a:endParaRPr lang="zh-CN" altLang="en-US"/>
           </a:p>
           <a:p>
             <a:pPr lvl="4"/>
@@ -1744,6 +1776,7 @@
               <a:rPr lang="zh-CN" altLang="en-US"/>
               <a:t>五级</a:t>
             </a:r>
+            <a:endParaRPr lang="zh-CN" altLang="en-US"/>
           </a:p>
         </p:txBody>
       </p:sp>
@@ -1764,7 +1797,6 @@
           <a:p>
             <a:fld id="{75D18932-EBB2-4301-9A79-EB382E33F227}" type="datetimeFigureOut">
               <a:rPr lang="zh-CN" altLang="en-US" smtClean="0"/>
-              <a:t>2019/8/12</a:t>
             </a:fld>
             <a:endParaRPr lang="zh-CN" altLang="en-US"/>
           </a:p>
@@ -1806,7 +1838,6 @@
           <a:p>
             <a:fld id="{17CD2A25-3FD3-4A48-893A-4C9E0DF714A6}" type="slidenum">
               <a:rPr lang="zh-CN" altLang="en-US" smtClean="0"/>
-              <a:t>‹#›</a:t>
             </a:fld>
             <a:endParaRPr lang="zh-CN" altLang="en-US"/>
           </a:p>
@@ -1856,6 +1887,7 @@
               <a:rPr lang="zh-CN" altLang="en-US"/>
               <a:t>单击此处编辑母版标题样式</a:t>
             </a:r>
+            <a:endParaRPr lang="zh-CN" altLang="en-US"/>
           </a:p>
         </p:txBody>
       </p:sp>
@@ -1876,7 +1908,6 @@
           <a:p>
             <a:fld id="{75D18932-EBB2-4301-9A79-EB382E33F227}" type="datetimeFigureOut">
               <a:rPr lang="zh-CN" altLang="en-US" smtClean="0"/>
-              <a:t>2019/8/12</a:t>
             </a:fld>
             <a:endParaRPr lang="zh-CN" altLang="en-US"/>
           </a:p>
@@ -1918,7 +1949,6 @@
           <a:p>
             <a:fld id="{17CD2A25-3FD3-4A48-893A-4C9E0DF714A6}" type="slidenum">
               <a:rPr lang="zh-CN" altLang="en-US" smtClean="0"/>
-              <a:t>‹#›</a:t>
             </a:fld>
             <a:endParaRPr lang="zh-CN" altLang="en-US"/>
           </a:p>
@@ -1966,7 +1996,6 @@
           <a:p>
             <a:fld id="{75D18932-EBB2-4301-9A79-EB382E33F227}" type="datetimeFigureOut">
               <a:rPr lang="zh-CN" altLang="en-US" smtClean="0"/>
-              <a:t>2019/8/12</a:t>
             </a:fld>
             <a:endParaRPr lang="zh-CN" altLang="en-US"/>
           </a:p>
@@ -2008,7 +2037,6 @@
           <a:p>
             <a:fld id="{17CD2A25-3FD3-4A48-893A-4C9E0DF714A6}" type="slidenum">
               <a:rPr lang="zh-CN" altLang="en-US" smtClean="0"/>
-              <a:t>‹#›</a:t>
             </a:fld>
             <a:endParaRPr lang="zh-CN" altLang="en-US"/>
           </a:p>
@@ -2067,6 +2095,7 @@
               <a:rPr lang="zh-CN" altLang="en-US"/>
               <a:t>单击此处编辑母版标题样式</a:t>
             </a:r>
+            <a:endParaRPr lang="zh-CN" altLang="en-US"/>
           </a:p>
         </p:txBody>
       </p:sp>
@@ -2123,6 +2152,7 @@
               <a:rPr lang="zh-CN" altLang="en-US"/>
               <a:t>单击此处编辑母版文本样式</a:t>
             </a:r>
+            <a:endParaRPr lang="zh-CN" altLang="en-US"/>
           </a:p>
           <a:p>
             <a:pPr lvl="1"/>
@@ -2130,6 +2160,7 @@
               <a:rPr lang="zh-CN" altLang="en-US"/>
               <a:t>二级</a:t>
             </a:r>
+            <a:endParaRPr lang="zh-CN" altLang="en-US"/>
           </a:p>
           <a:p>
             <a:pPr lvl="2"/>
@@ -2137,6 +2168,7 @@
               <a:rPr lang="zh-CN" altLang="en-US"/>
               <a:t>三级</a:t>
             </a:r>
+            <a:endParaRPr lang="zh-CN" altLang="en-US"/>
           </a:p>
           <a:p>
             <a:pPr lvl="3"/>
@@ -2144,6 +2176,7 @@
               <a:rPr lang="zh-CN" altLang="en-US"/>
               <a:t>四级</a:t>
             </a:r>
+            <a:endParaRPr lang="zh-CN" altLang="en-US"/>
           </a:p>
           <a:p>
             <a:pPr lvl="4"/>
@@ -2151,6 +2184,7 @@
               <a:rPr lang="zh-CN" altLang="en-US"/>
               <a:t>五级</a:t>
             </a:r>
+            <a:endParaRPr lang="zh-CN" altLang="en-US"/>
           </a:p>
         </p:txBody>
       </p:sp>
@@ -2216,6 +2250,7 @@
               <a:rPr lang="zh-CN" altLang="en-US"/>
               <a:t>单击此处编辑母版文本样式</a:t>
             </a:r>
+            <a:endParaRPr lang="zh-CN" altLang="en-US"/>
           </a:p>
         </p:txBody>
       </p:sp>
@@ -2236,7 +2271,6 @@
           <a:p>
             <a:fld id="{75D18932-EBB2-4301-9A79-EB382E33F227}" type="datetimeFigureOut">
               <a:rPr lang="zh-CN" altLang="en-US" smtClean="0"/>
-              <a:t>2019/8/12</a:t>
             </a:fld>
             <a:endParaRPr lang="zh-CN" altLang="en-US"/>
           </a:p>
@@ -2278,7 +2312,6 @@
           <a:p>
             <a:fld id="{17CD2A25-3FD3-4A48-893A-4C9E0DF714A6}" type="slidenum">
               <a:rPr lang="zh-CN" altLang="en-US" smtClean="0"/>
-              <a:t>‹#›</a:t>
             </a:fld>
             <a:endParaRPr lang="zh-CN" altLang="en-US"/>
           </a:p>
@@ -2328,6 +2361,7 @@
               <a:rPr lang="zh-CN" altLang="en-US"/>
               <a:t>单击此处编辑母版标题样式</a:t>
             </a:r>
+            <a:endParaRPr lang="zh-CN" altLang="en-US"/>
           </a:p>
         </p:txBody>
       </p:sp>
@@ -2351,6 +2385,7 @@
               <a:rPr lang="zh-CN" altLang="en-US"/>
               <a:t>单击此处编辑母版文本样式</a:t>
             </a:r>
+            <a:endParaRPr lang="zh-CN" altLang="en-US"/>
           </a:p>
           <a:p>
             <a:pPr lvl="1"/>
@@ -2358,6 +2393,7 @@
               <a:rPr lang="zh-CN" altLang="en-US"/>
               <a:t>二级</a:t>
             </a:r>
+            <a:endParaRPr lang="zh-CN" altLang="en-US"/>
           </a:p>
           <a:p>
             <a:pPr lvl="2"/>
@@ -2365,6 +2401,7 @@
               <a:rPr lang="zh-CN" altLang="en-US"/>
               <a:t>三级</a:t>
             </a:r>
+            <a:endParaRPr lang="zh-CN" altLang="en-US"/>
           </a:p>
           <a:p>
             <a:pPr lvl="3"/>
@@ -2372,6 +2409,7 @@
               <a:rPr lang="zh-CN" altLang="en-US"/>
               <a:t>四级</a:t>
             </a:r>
+            <a:endParaRPr lang="zh-CN" altLang="en-US"/>
           </a:p>
           <a:p>
             <a:pPr lvl="4"/>
@@ -2379,6 +2417,7 @@
               <a:rPr lang="zh-CN" altLang="en-US"/>
               <a:t>五级</a:t>
             </a:r>
+            <a:endParaRPr lang="zh-CN" altLang="en-US"/>
           </a:p>
         </p:txBody>
       </p:sp>
@@ -2399,7 +2438,6 @@
           <a:p>
             <a:fld id="{75D18932-EBB2-4301-9A79-EB382E33F227}" type="datetimeFigureOut">
               <a:rPr lang="zh-CN" altLang="en-US" smtClean="0"/>
-              <a:t>2019/8/12</a:t>
             </a:fld>
             <a:endParaRPr lang="zh-CN" altLang="en-US"/>
           </a:p>
@@ -2441,7 +2479,6 @@
           <a:p>
             <a:fld id="{17CD2A25-3FD3-4A48-893A-4C9E0DF714A6}" type="slidenum">
               <a:rPr lang="zh-CN" altLang="en-US" smtClean="0"/>
-              <a:t>‹#›</a:t>
             </a:fld>
             <a:endParaRPr lang="zh-CN" altLang="en-US"/>
           </a:p>
@@ -2500,6 +2537,7 @@
               <a:rPr lang="zh-CN" altLang="en-US"/>
               <a:t>单击此处编辑母版标题样式</a:t>
             </a:r>
+            <a:endParaRPr lang="zh-CN" altLang="en-US"/>
           </a:p>
         </p:txBody>
       </p:sp>
@@ -2626,6 +2664,7 @@
               <a:rPr lang="zh-CN" altLang="en-US"/>
               <a:t>单击此处编辑母版文本样式</a:t>
             </a:r>
+            <a:endParaRPr lang="zh-CN" altLang="en-US"/>
           </a:p>
         </p:txBody>
       </p:sp>
@@ -2646,7 +2685,6 @@
           <a:p>
             <a:fld id="{75D18932-EBB2-4301-9A79-EB382E33F227}" type="datetimeFigureOut">
               <a:rPr lang="zh-CN" altLang="en-US" smtClean="0"/>
-              <a:t>2019/8/12</a:t>
             </a:fld>
             <a:endParaRPr lang="zh-CN" altLang="en-US"/>
           </a:p>
@@ -2688,7 +2726,6 @@
           <a:p>
             <a:fld id="{17CD2A25-3FD3-4A48-893A-4C9E0DF714A6}" type="slidenum">
               <a:rPr lang="zh-CN" altLang="en-US" smtClean="0"/>
-              <a:t>‹#›</a:t>
             </a:fld>
             <a:endParaRPr lang="zh-CN" altLang="en-US"/>
           </a:p>
@@ -2738,6 +2775,7 @@
               <a:rPr lang="zh-CN" altLang="en-US"/>
               <a:t>单击此处编辑母版标题样式</a:t>
             </a:r>
+            <a:endParaRPr lang="zh-CN" altLang="en-US"/>
           </a:p>
         </p:txBody>
       </p:sp>
@@ -2761,6 +2799,7 @@
               <a:rPr lang="zh-CN" altLang="en-US"/>
               <a:t>单击此处编辑母版文本样式</a:t>
             </a:r>
+            <a:endParaRPr lang="zh-CN" altLang="en-US"/>
           </a:p>
           <a:p>
             <a:pPr lvl="1"/>
@@ -2768,6 +2807,7 @@
               <a:rPr lang="zh-CN" altLang="en-US"/>
               <a:t>二级</a:t>
             </a:r>
+            <a:endParaRPr lang="zh-CN" altLang="en-US"/>
           </a:p>
           <a:p>
             <a:pPr lvl="2"/>
@@ -2775,6 +2815,7 @@
               <a:rPr lang="zh-CN" altLang="en-US"/>
               <a:t>三级</a:t>
             </a:r>
+            <a:endParaRPr lang="zh-CN" altLang="en-US"/>
           </a:p>
           <a:p>
             <a:pPr lvl="3"/>
@@ -2782,6 +2823,7 @@
               <a:rPr lang="zh-CN" altLang="en-US"/>
               <a:t>四级</a:t>
             </a:r>
+            <a:endParaRPr lang="zh-CN" altLang="en-US"/>
           </a:p>
           <a:p>
             <a:pPr lvl="4"/>
@@ -2789,6 +2831,7 @@
               <a:rPr lang="zh-CN" altLang="en-US"/>
               <a:t>五级</a:t>
             </a:r>
+            <a:endParaRPr lang="zh-CN" altLang="en-US"/>
           </a:p>
         </p:txBody>
       </p:sp>
@@ -2809,7 +2852,6 @@
           <a:p>
             <a:fld id="{75D18932-EBB2-4301-9A79-EB382E33F227}" type="datetimeFigureOut">
               <a:rPr lang="zh-CN" altLang="en-US" smtClean="0"/>
-              <a:t>2019/8/12</a:t>
             </a:fld>
             <a:endParaRPr lang="zh-CN" altLang="en-US"/>
           </a:p>
@@ -2851,7 +2893,6 @@
           <a:p>
             <a:fld id="{17CD2A25-3FD3-4A48-893A-4C9E0DF714A6}" type="slidenum">
               <a:rPr lang="zh-CN" altLang="en-US" smtClean="0"/>
-              <a:t>‹#›</a:t>
             </a:fld>
             <a:endParaRPr lang="zh-CN" altLang="en-US"/>
           </a:p>
@@ -2906,6 +2947,7 @@
               <a:rPr lang="zh-CN" altLang="en-US"/>
               <a:t>单击此处编辑母版标题样式</a:t>
             </a:r>
+            <a:endParaRPr lang="zh-CN" altLang="en-US"/>
           </a:p>
         </p:txBody>
       </p:sp>
@@ -2934,6 +2976,7 @@
               <a:rPr lang="zh-CN" altLang="en-US"/>
               <a:t>单击此处编辑母版文本样式</a:t>
             </a:r>
+            <a:endParaRPr lang="zh-CN" altLang="en-US"/>
           </a:p>
           <a:p>
             <a:pPr lvl="1"/>
@@ -2941,6 +2984,7 @@
               <a:rPr lang="zh-CN" altLang="en-US"/>
               <a:t>二级</a:t>
             </a:r>
+            <a:endParaRPr lang="zh-CN" altLang="en-US"/>
           </a:p>
           <a:p>
             <a:pPr lvl="2"/>
@@ -2948,6 +2992,7 @@
               <a:rPr lang="zh-CN" altLang="en-US"/>
               <a:t>三级</a:t>
             </a:r>
+            <a:endParaRPr lang="zh-CN" altLang="en-US"/>
           </a:p>
           <a:p>
             <a:pPr lvl="3"/>
@@ -2955,6 +3000,7 @@
               <a:rPr lang="zh-CN" altLang="en-US"/>
               <a:t>四级</a:t>
             </a:r>
+            <a:endParaRPr lang="zh-CN" altLang="en-US"/>
           </a:p>
           <a:p>
             <a:pPr lvl="4"/>
@@ -2962,6 +3008,7 @@
               <a:rPr lang="zh-CN" altLang="en-US"/>
               <a:t>五级</a:t>
             </a:r>
+            <a:endParaRPr lang="zh-CN" altLang="en-US"/>
           </a:p>
         </p:txBody>
       </p:sp>
@@ -2982,7 +3029,6 @@
           <a:p>
             <a:fld id="{75D18932-EBB2-4301-9A79-EB382E33F227}" type="datetimeFigureOut">
               <a:rPr lang="zh-CN" altLang="en-US" smtClean="0"/>
-              <a:t>2019/8/12</a:t>
             </a:fld>
             <a:endParaRPr lang="zh-CN" altLang="en-US"/>
           </a:p>
@@ -3024,7 +3070,6 @@
           <a:p>
             <a:fld id="{17CD2A25-3FD3-4A48-893A-4C9E0DF714A6}" type="slidenum">
               <a:rPr lang="zh-CN" altLang="en-US" smtClean="0"/>
-              <a:t>‹#›</a:t>
             </a:fld>
             <a:endParaRPr lang="zh-CN" altLang="en-US"/>
           </a:p>
@@ -3083,6 +3128,7 @@
               <a:rPr lang="zh-CN" altLang="en-US"/>
               <a:t>单击此处编辑母版标题样式</a:t>
             </a:r>
+            <a:endParaRPr lang="zh-CN" altLang="en-US"/>
           </a:p>
         </p:txBody>
       </p:sp>
@@ -3202,6 +3248,7 @@
               <a:rPr lang="zh-CN" altLang="en-US"/>
               <a:t>单击此处编辑母版文本样式</a:t>
             </a:r>
+            <a:endParaRPr lang="zh-CN" altLang="en-US"/>
           </a:p>
         </p:txBody>
       </p:sp>
@@ -3222,7 +3269,6 @@
           <a:p>
             <a:fld id="{75D18932-EBB2-4301-9A79-EB382E33F227}" type="datetimeFigureOut">
               <a:rPr lang="zh-CN" altLang="en-US" smtClean="0"/>
-              <a:t>2019/8/12</a:t>
             </a:fld>
             <a:endParaRPr lang="zh-CN" altLang="en-US"/>
           </a:p>
@@ -3264,7 +3310,6 @@
           <a:p>
             <a:fld id="{17CD2A25-3FD3-4A48-893A-4C9E0DF714A6}" type="slidenum">
               <a:rPr lang="zh-CN" altLang="en-US" smtClean="0"/>
-              <a:t>‹#›</a:t>
             </a:fld>
             <a:endParaRPr lang="zh-CN" altLang="en-US"/>
           </a:p>
@@ -3314,6 +3359,7 @@
               <a:rPr lang="zh-CN" altLang="en-US"/>
               <a:t>单击此处编辑母版标题样式</a:t>
             </a:r>
+            <a:endParaRPr lang="zh-CN" altLang="en-US"/>
           </a:p>
         </p:txBody>
       </p:sp>
@@ -3342,6 +3388,7 @@
               <a:rPr lang="zh-CN" altLang="en-US"/>
               <a:t>单击此处编辑母版文本样式</a:t>
             </a:r>
+            <a:endParaRPr lang="zh-CN" altLang="en-US"/>
           </a:p>
           <a:p>
             <a:pPr lvl="1"/>
@@ -3349,6 +3396,7 @@
               <a:rPr lang="zh-CN" altLang="en-US"/>
               <a:t>二级</a:t>
             </a:r>
+            <a:endParaRPr lang="zh-CN" altLang="en-US"/>
           </a:p>
           <a:p>
             <a:pPr lvl="2"/>
@@ -3356,6 +3404,7 @@
               <a:rPr lang="zh-CN" altLang="en-US"/>
               <a:t>三级</a:t>
             </a:r>
+            <a:endParaRPr lang="zh-CN" altLang="en-US"/>
           </a:p>
           <a:p>
             <a:pPr lvl="3"/>
@@ -3363,6 +3412,7 @@
               <a:rPr lang="zh-CN" altLang="en-US"/>
               <a:t>四级</a:t>
             </a:r>
+            <a:endParaRPr lang="zh-CN" altLang="en-US"/>
           </a:p>
           <a:p>
             <a:pPr lvl="4"/>
@@ -3370,6 +3420,7 @@
               <a:rPr lang="zh-CN" altLang="en-US"/>
               <a:t>五级</a:t>
             </a:r>
+            <a:endParaRPr lang="zh-CN" altLang="en-US"/>
           </a:p>
         </p:txBody>
       </p:sp>
@@ -3398,6 +3449,7 @@
               <a:rPr lang="zh-CN" altLang="en-US"/>
               <a:t>单击此处编辑母版文本样式</a:t>
             </a:r>
+            <a:endParaRPr lang="zh-CN" altLang="en-US"/>
           </a:p>
           <a:p>
             <a:pPr lvl="1"/>
@@ -3405,6 +3457,7 @@
               <a:rPr lang="zh-CN" altLang="en-US"/>
               <a:t>二级</a:t>
             </a:r>
+            <a:endParaRPr lang="zh-CN" altLang="en-US"/>
           </a:p>
           <a:p>
             <a:pPr lvl="2"/>
@@ -3412,6 +3465,7 @@
               <a:rPr lang="zh-CN" altLang="en-US"/>
               <a:t>三级</a:t>
             </a:r>
+            <a:endParaRPr lang="zh-CN" altLang="en-US"/>
           </a:p>
           <a:p>
             <a:pPr lvl="3"/>
@@ -3419,6 +3473,7 @@
               <a:rPr lang="zh-CN" altLang="en-US"/>
               <a:t>四级</a:t>
             </a:r>
+            <a:endParaRPr lang="zh-CN" altLang="en-US"/>
           </a:p>
           <a:p>
             <a:pPr lvl="4"/>
@@ -3426,6 +3481,7 @@
               <a:rPr lang="zh-CN" altLang="en-US"/>
               <a:t>五级</a:t>
             </a:r>
+            <a:endParaRPr lang="zh-CN" altLang="en-US"/>
           </a:p>
         </p:txBody>
       </p:sp>
@@ -3446,7 +3502,6 @@
           <a:p>
             <a:fld id="{75D18932-EBB2-4301-9A79-EB382E33F227}" type="datetimeFigureOut">
               <a:rPr lang="zh-CN" altLang="en-US" smtClean="0"/>
-              <a:t>2019/8/12</a:t>
             </a:fld>
             <a:endParaRPr lang="zh-CN" altLang="en-US"/>
           </a:p>
@@ -3488,7 +3543,6 @@
           <a:p>
             <a:fld id="{17CD2A25-3FD3-4A48-893A-4C9E0DF714A6}" type="slidenum">
               <a:rPr lang="zh-CN" altLang="en-US" smtClean="0"/>
-              <a:t>‹#›</a:t>
             </a:fld>
             <a:endParaRPr lang="zh-CN" altLang="en-US"/>
           </a:p>
@@ -3543,6 +3597,7 @@
               <a:rPr lang="zh-CN" altLang="en-US"/>
               <a:t>单击此处编辑母版标题样式</a:t>
             </a:r>
+            <a:endParaRPr lang="zh-CN" altLang="en-US"/>
           </a:p>
         </p:txBody>
       </p:sp>
@@ -3608,6 +3663,7 @@
               <a:rPr lang="zh-CN" altLang="en-US"/>
               <a:t>单击此处编辑母版文本样式</a:t>
             </a:r>
+            <a:endParaRPr lang="zh-CN" altLang="en-US"/>
           </a:p>
         </p:txBody>
       </p:sp>
@@ -3636,6 +3692,7 @@
               <a:rPr lang="zh-CN" altLang="en-US"/>
               <a:t>单击此处编辑母版文本样式</a:t>
             </a:r>
+            <a:endParaRPr lang="zh-CN" altLang="en-US"/>
           </a:p>
           <a:p>
             <a:pPr lvl="1"/>
@@ -3643,6 +3700,7 @@
               <a:rPr lang="zh-CN" altLang="en-US"/>
               <a:t>二级</a:t>
             </a:r>
+            <a:endParaRPr lang="zh-CN" altLang="en-US"/>
           </a:p>
           <a:p>
             <a:pPr lvl="2"/>
@@ -3650,6 +3708,7 @@
               <a:rPr lang="zh-CN" altLang="en-US"/>
               <a:t>三级</a:t>
             </a:r>
+            <a:endParaRPr lang="zh-CN" altLang="en-US"/>
           </a:p>
           <a:p>
             <a:pPr lvl="3"/>
@@ -3657,6 +3716,7 @@
               <a:rPr lang="zh-CN" altLang="en-US"/>
               <a:t>四级</a:t>
             </a:r>
+            <a:endParaRPr lang="zh-CN" altLang="en-US"/>
           </a:p>
           <a:p>
             <a:pPr lvl="4"/>
@@ -3664,6 +3724,7 @@
               <a:rPr lang="zh-CN" altLang="en-US"/>
               <a:t>五级</a:t>
             </a:r>
+            <a:endParaRPr lang="zh-CN" altLang="en-US"/>
           </a:p>
         </p:txBody>
       </p:sp>
@@ -3729,6 +3790,7 @@
               <a:rPr lang="zh-CN" altLang="en-US"/>
               <a:t>单击此处编辑母版文本样式</a:t>
             </a:r>
+            <a:endParaRPr lang="zh-CN" altLang="en-US"/>
           </a:p>
         </p:txBody>
       </p:sp>
@@ -3757,6 +3819,7 @@
               <a:rPr lang="zh-CN" altLang="en-US"/>
               <a:t>单击此处编辑母版文本样式</a:t>
             </a:r>
+            <a:endParaRPr lang="zh-CN" altLang="en-US"/>
           </a:p>
           <a:p>
             <a:pPr lvl="1"/>
@@ -3764,6 +3827,7 @@
               <a:rPr lang="zh-CN" altLang="en-US"/>
               <a:t>二级</a:t>
             </a:r>
+            <a:endParaRPr lang="zh-CN" altLang="en-US"/>
           </a:p>
           <a:p>
             <a:pPr lvl="2"/>
@@ -3771,6 +3835,7 @@
               <a:rPr lang="zh-CN" altLang="en-US"/>
               <a:t>三级</a:t>
             </a:r>
+            <a:endParaRPr lang="zh-CN" altLang="en-US"/>
           </a:p>
           <a:p>
             <a:pPr lvl="3"/>
@@ -3778,6 +3843,7 @@
               <a:rPr lang="zh-CN" altLang="en-US"/>
               <a:t>四级</a:t>
             </a:r>
+            <a:endParaRPr lang="zh-CN" altLang="en-US"/>
           </a:p>
           <a:p>
             <a:pPr lvl="4"/>
@@ -3785,6 +3851,7 @@
               <a:rPr lang="zh-CN" altLang="en-US"/>
               <a:t>五级</a:t>
             </a:r>
+            <a:endParaRPr lang="zh-CN" altLang="en-US"/>
           </a:p>
         </p:txBody>
       </p:sp>
@@ -3805,7 +3872,6 @@
           <a:p>
             <a:fld id="{75D18932-EBB2-4301-9A79-EB382E33F227}" type="datetimeFigureOut">
               <a:rPr lang="zh-CN" altLang="en-US" smtClean="0"/>
-              <a:t>2019/8/12</a:t>
             </a:fld>
             <a:endParaRPr lang="zh-CN" altLang="en-US"/>
           </a:p>
@@ -3847,7 +3913,6 @@
           <a:p>
             <a:fld id="{17CD2A25-3FD3-4A48-893A-4C9E0DF714A6}" type="slidenum">
               <a:rPr lang="zh-CN" altLang="en-US" smtClean="0"/>
-              <a:t>‹#›</a:t>
             </a:fld>
             <a:endParaRPr lang="zh-CN" altLang="en-US"/>
           </a:p>
@@ -3897,6 +3962,7 @@
               <a:rPr lang="zh-CN" altLang="en-US"/>
               <a:t>单击此处编辑母版标题样式</a:t>
             </a:r>
+            <a:endParaRPr lang="zh-CN" altLang="en-US"/>
           </a:p>
         </p:txBody>
       </p:sp>
@@ -3917,7 +3983,6 @@
           <a:p>
             <a:fld id="{75D18932-EBB2-4301-9A79-EB382E33F227}" type="datetimeFigureOut">
               <a:rPr lang="zh-CN" altLang="en-US" smtClean="0"/>
-              <a:t>2019/8/12</a:t>
             </a:fld>
             <a:endParaRPr lang="zh-CN" altLang="en-US"/>
           </a:p>
@@ -3959,7 +4024,6 @@
           <a:p>
             <a:fld id="{17CD2A25-3FD3-4A48-893A-4C9E0DF714A6}" type="slidenum">
               <a:rPr lang="zh-CN" altLang="en-US" smtClean="0"/>
-              <a:t>‹#›</a:t>
             </a:fld>
             <a:endParaRPr lang="zh-CN" altLang="en-US"/>
           </a:p>
@@ -4007,7 +4071,6 @@
           <a:p>
             <a:fld id="{75D18932-EBB2-4301-9A79-EB382E33F227}" type="datetimeFigureOut">
               <a:rPr lang="zh-CN" altLang="en-US" smtClean="0"/>
-              <a:t>2019/8/12</a:t>
             </a:fld>
             <a:endParaRPr lang="zh-CN" altLang="en-US"/>
           </a:p>
@@ -4049,7 +4112,6 @@
           <a:p>
             <a:fld id="{17CD2A25-3FD3-4A48-893A-4C9E0DF714A6}" type="slidenum">
               <a:rPr lang="zh-CN" altLang="en-US" smtClean="0"/>
-              <a:t>‹#›</a:t>
             </a:fld>
             <a:endParaRPr lang="zh-CN" altLang="en-US"/>
           </a:p>
@@ -4108,6 +4170,7 @@
               <a:rPr lang="zh-CN" altLang="en-US"/>
               <a:t>单击此处编辑母版标题样式</a:t>
             </a:r>
+            <a:endParaRPr lang="zh-CN" altLang="en-US"/>
           </a:p>
         </p:txBody>
       </p:sp>
@@ -4164,6 +4227,7 @@
               <a:rPr lang="zh-CN" altLang="en-US"/>
               <a:t>单击此处编辑母版文本样式</a:t>
             </a:r>
+            <a:endParaRPr lang="zh-CN" altLang="en-US"/>
           </a:p>
           <a:p>
             <a:pPr lvl="1"/>
@@ -4171,6 +4235,7 @@
               <a:rPr lang="zh-CN" altLang="en-US"/>
               <a:t>二级</a:t>
             </a:r>
+            <a:endParaRPr lang="zh-CN" altLang="en-US"/>
           </a:p>
           <a:p>
             <a:pPr lvl="2"/>
@@ -4178,6 +4243,7 @@
               <a:rPr lang="zh-CN" altLang="en-US"/>
               <a:t>三级</a:t>
             </a:r>
+            <a:endParaRPr lang="zh-CN" altLang="en-US"/>
           </a:p>
           <a:p>
             <a:pPr lvl="3"/>
@@ -4185,6 +4251,7 @@
               <a:rPr lang="zh-CN" altLang="en-US"/>
               <a:t>四级</a:t>
             </a:r>
+            <a:endParaRPr lang="zh-CN" altLang="en-US"/>
           </a:p>
           <a:p>
             <a:pPr lvl="4"/>
@@ -4192,6 +4259,7 @@
               <a:rPr lang="zh-CN" altLang="en-US"/>
               <a:t>五级</a:t>
             </a:r>
+            <a:endParaRPr lang="zh-CN" altLang="en-US"/>
           </a:p>
         </p:txBody>
       </p:sp>
@@ -4257,6 +4325,7 @@
               <a:rPr lang="zh-CN" altLang="en-US"/>
               <a:t>单击此处编辑母版文本样式</a:t>
             </a:r>
+            <a:endParaRPr lang="zh-CN" altLang="en-US"/>
           </a:p>
         </p:txBody>
       </p:sp>
@@ -4277,7 +4346,6 @@
           <a:p>
             <a:fld id="{75D18932-EBB2-4301-9A79-EB382E33F227}" type="datetimeFigureOut">
               <a:rPr lang="zh-CN" altLang="en-US" smtClean="0"/>
-              <a:t>2019/8/12</a:t>
             </a:fld>
             <a:endParaRPr lang="zh-CN" altLang="en-US"/>
           </a:p>
@@ -4319,7 +4387,6 @@
           <a:p>
             <a:fld id="{17CD2A25-3FD3-4A48-893A-4C9E0DF714A6}" type="slidenum">
               <a:rPr lang="zh-CN" altLang="en-US" smtClean="0"/>
-              <a:t>‹#›</a:t>
             </a:fld>
             <a:endParaRPr lang="zh-CN" altLang="en-US"/>
           </a:p>
@@ -4378,6 +4445,7 @@
               <a:rPr lang="zh-CN" altLang="en-US"/>
               <a:t>单击此处编辑母版标题样式</a:t>
             </a:r>
+            <a:endParaRPr lang="zh-CN" altLang="en-US"/>
           </a:p>
         </p:txBody>
       </p:sp>
@@ -4504,6 +4572,7 @@
               <a:rPr lang="zh-CN" altLang="en-US"/>
               <a:t>单击此处编辑母版文本样式</a:t>
             </a:r>
+            <a:endParaRPr lang="zh-CN" altLang="en-US"/>
           </a:p>
         </p:txBody>
       </p:sp>
@@ -4524,7 +4593,6 @@
           <a:p>
             <a:fld id="{75D18932-EBB2-4301-9A79-EB382E33F227}" type="datetimeFigureOut">
               <a:rPr lang="zh-CN" altLang="en-US" smtClean="0"/>
-              <a:t>2019/8/12</a:t>
             </a:fld>
             <a:endParaRPr lang="zh-CN" altLang="en-US"/>
           </a:p>
@@ -4566,7 +4634,6 @@
           <a:p>
             <a:fld id="{17CD2A25-3FD3-4A48-893A-4C9E0DF714A6}" type="slidenum">
               <a:rPr lang="zh-CN" altLang="en-US" smtClean="0"/>
-              <a:t>‹#›</a:t>
             </a:fld>
             <a:endParaRPr lang="zh-CN" altLang="en-US"/>
           </a:p>
@@ -4631,6 +4698,7 @@
               <a:rPr lang="zh-CN" altLang="en-US"/>
               <a:t>单击此处编辑母版标题样式</a:t>
             </a:r>
+            <a:endParaRPr lang="zh-CN" altLang="en-US"/>
           </a:p>
         </p:txBody>
       </p:sp>
@@ -4664,6 +4732,7 @@
               <a:rPr lang="zh-CN" altLang="en-US"/>
               <a:t>单击此处编辑母版文本样式</a:t>
             </a:r>
+            <a:endParaRPr lang="zh-CN" altLang="en-US"/>
           </a:p>
           <a:p>
             <a:pPr lvl="1"/>
@@ -4671,6 +4740,7 @@
               <a:rPr lang="zh-CN" altLang="en-US"/>
               <a:t>二级</a:t>
             </a:r>
+            <a:endParaRPr lang="zh-CN" altLang="en-US"/>
           </a:p>
           <a:p>
             <a:pPr lvl="2"/>
@@ -4678,6 +4748,7 @@
               <a:rPr lang="zh-CN" altLang="en-US"/>
               <a:t>三级</a:t>
             </a:r>
+            <a:endParaRPr lang="zh-CN" altLang="en-US"/>
           </a:p>
           <a:p>
             <a:pPr lvl="3"/>
@@ -4685,6 +4756,7 @@
               <a:rPr lang="zh-CN" altLang="en-US"/>
               <a:t>四级</a:t>
             </a:r>
+            <a:endParaRPr lang="zh-CN" altLang="en-US"/>
           </a:p>
           <a:p>
             <a:pPr lvl="4"/>
@@ -4692,6 +4764,7 @@
               <a:rPr lang="zh-CN" altLang="en-US"/>
               <a:t>五级</a:t>
             </a:r>
+            <a:endParaRPr lang="zh-CN" altLang="en-US"/>
           </a:p>
         </p:txBody>
       </p:sp>
@@ -4730,7 +4803,6 @@
           <a:p>
             <a:fld id="{75D18932-EBB2-4301-9A79-EB382E33F227}" type="datetimeFigureOut">
               <a:rPr lang="zh-CN" altLang="en-US" smtClean="0"/>
-              <a:t>2019/8/12</a:t>
             </a:fld>
             <a:endParaRPr lang="zh-CN" altLang="en-US"/>
           </a:p>
@@ -4808,7 +4880,6 @@
           <a:p>
             <a:fld id="{17CD2A25-3FD3-4A48-893A-4C9E0DF714A6}" type="slidenum">
               <a:rPr lang="zh-CN" altLang="en-US" smtClean="0"/>
-              <a:t>‹#›</a:t>
             </a:fld>
             <a:endParaRPr lang="zh-CN" altLang="en-US"/>
           </a:p>
@@ -5164,6 +5235,7 @@
               <a:rPr lang="zh-CN" altLang="en-US"/>
               <a:t>单击此处编辑母版标题样式</a:t>
             </a:r>
+            <a:endParaRPr lang="zh-CN" altLang="en-US"/>
           </a:p>
         </p:txBody>
       </p:sp>
@@ -5197,6 +5269,7 @@
               <a:rPr lang="zh-CN" altLang="en-US"/>
               <a:t>单击此处编辑母版文本样式</a:t>
             </a:r>
+            <a:endParaRPr lang="zh-CN" altLang="en-US"/>
           </a:p>
           <a:p>
             <a:pPr lvl="1"/>
@@ -5204,6 +5277,7 @@
               <a:rPr lang="zh-CN" altLang="en-US"/>
               <a:t>二级</a:t>
             </a:r>
+            <a:endParaRPr lang="zh-CN" altLang="en-US"/>
           </a:p>
           <a:p>
             <a:pPr lvl="2"/>
@@ -5211,6 +5285,7 @@
               <a:rPr lang="zh-CN" altLang="en-US"/>
               <a:t>三级</a:t>
             </a:r>
+            <a:endParaRPr lang="zh-CN" altLang="en-US"/>
           </a:p>
           <a:p>
             <a:pPr lvl="3"/>
@@ -5218,6 +5293,7 @@
               <a:rPr lang="zh-CN" altLang="en-US"/>
               <a:t>四级</a:t>
             </a:r>
+            <a:endParaRPr lang="zh-CN" altLang="en-US"/>
           </a:p>
           <a:p>
             <a:pPr lvl="4"/>
@@ -5225,6 +5301,7 @@
               <a:rPr lang="zh-CN" altLang="en-US"/>
               <a:t>五级</a:t>
             </a:r>
+            <a:endParaRPr lang="zh-CN" altLang="en-US"/>
           </a:p>
         </p:txBody>
       </p:sp>
@@ -5263,7 +5340,6 @@
           <a:p>
             <a:fld id="{75D18932-EBB2-4301-9A79-EB382E33F227}" type="datetimeFigureOut">
               <a:rPr lang="zh-CN" altLang="en-US" smtClean="0"/>
-              <a:t>2019/8/12</a:t>
             </a:fld>
             <a:endParaRPr lang="zh-CN" altLang="en-US"/>
           </a:p>
@@ -5341,7 +5417,6 @@
           <a:p>
             <a:fld id="{17CD2A25-3FD3-4A48-893A-4C9E0DF714A6}" type="slidenum">
               <a:rPr lang="zh-CN" altLang="en-US" smtClean="0"/>
-              <a:t>‹#›</a:t>
             </a:fld>
             <a:endParaRPr lang="zh-CN" altLang="en-US"/>
           </a:p>
@@ -5700,6 +5775,7 @@
               <a:rPr lang="zh-CN" altLang="en-US" dirty="0"/>
               <a:t>简介</a:t>
             </a:r>
+            <a:endParaRPr lang="zh-CN" altLang="en-US" dirty="0"/>
           </a:p>
           <a:p>
             <a:r>
@@ -5730,6 +5806,7 @@
               <a:rPr lang="zh-CN" altLang="en-US" dirty="0"/>
               <a:t>架构图</a:t>
             </a:r>
+            <a:endParaRPr lang="zh-CN" altLang="en-US" dirty="0"/>
           </a:p>
           <a:p>
             <a:r>
@@ -5740,6 +5817,7 @@
               <a:rPr lang="zh-CN" altLang="en-US" dirty="0"/>
               <a:t>分词流程</a:t>
             </a:r>
+            <a:endParaRPr lang="zh-CN" altLang="en-US" dirty="0"/>
           </a:p>
           <a:p>
             <a:r>
@@ -5758,6 +5836,7 @@
               <a:rPr lang="zh-CN" altLang="en-US" dirty="0"/>
               <a:t>标签提取	 特殊字符转换</a:t>
             </a:r>
+            <a:endParaRPr lang="zh-CN" altLang="en-US" dirty="0"/>
           </a:p>
           <a:p>
             <a:r>
@@ -5772,6 +5851,7 @@
               <a:rPr lang="zh-CN" altLang="en-US" dirty="0"/>
               <a:t>空格分词</a:t>
             </a:r>
+            <a:endParaRPr lang="zh-CN" altLang="en-US" dirty="0"/>
           </a:p>
           <a:p>
             <a:r>
@@ -5790,12 +5870,14 @@
               <a:rPr lang="zh-CN" altLang="en-US" dirty="0"/>
               <a:t>转小写  词干提取  同义词变换</a:t>
             </a:r>
+            <a:endParaRPr lang="zh-CN" altLang="en-US" dirty="0"/>
           </a:p>
           <a:p>
             <a:r>
               <a:rPr lang="zh-CN" altLang="en-US" dirty="0"/>
               <a:t>	示例	</a:t>
             </a:r>
+            <a:endParaRPr lang="zh-CN" altLang="en-US" dirty="0"/>
           </a:p>
           <a:p>
             <a:r>
@@ -5806,6 +5888,7 @@
               <a:rPr lang="zh-CN" altLang="en-US" dirty="0"/>
               <a:t>索引文件结构</a:t>
             </a:r>
+            <a:endParaRPr lang="zh-CN" altLang="en-US" dirty="0"/>
           </a:p>
           <a:p>
             <a:r>
@@ -5843,6 +5926,7 @@
               <a:rPr lang="en-US" altLang="zh-CN" dirty="0"/>
               <a:t>	2. doc values </a:t>
             </a:r>
+            <a:endParaRPr lang="en-US" altLang="zh-CN" dirty="0"/>
           </a:p>
           <a:p>
             <a:r>
@@ -5861,18 +5945,21 @@
               <a:rPr lang="zh-CN" altLang="en-US" dirty="0"/>
               <a:t>的比较：</a:t>
             </a:r>
+            <a:endParaRPr lang="zh-CN" altLang="en-US" dirty="0"/>
           </a:p>
           <a:p>
             <a:r>
               <a:rPr lang="zh-CN" altLang="en-US" dirty="0"/>
               <a:t>		行式存储与列式存储结构的比较</a:t>
             </a:r>
+            <a:endParaRPr lang="zh-CN" altLang="en-US" dirty="0"/>
           </a:p>
           <a:p>
             <a:r>
               <a:rPr lang="zh-CN" altLang="en-US" dirty="0"/>
               <a:t>		适用场景的比较</a:t>
             </a:r>
+            <a:endParaRPr lang="zh-CN" altLang="en-US" dirty="0"/>
           </a:p>
           <a:p>
             <a:r>
@@ -5887,6 +5974,7 @@
               <a:rPr lang="zh-CN" altLang="en-US" dirty="0"/>
               <a:t>调用时间的比较	</a:t>
             </a:r>
+            <a:endParaRPr lang="zh-CN" altLang="en-US" dirty="0"/>
           </a:p>
           <a:p>
             <a:r>
@@ -5905,6 +5993,7 @@
               <a:rPr lang="en-US" altLang="zh-CN" dirty="0"/>
               <a:t>FST </a:t>
             </a:r>
+            <a:endParaRPr lang="en-US" altLang="zh-CN" dirty="0"/>
           </a:p>
           <a:p>
             <a:r>
@@ -5919,6 +6008,7 @@
               <a:rPr lang="en-US" altLang="zh-CN" dirty="0"/>
               <a:t> </a:t>
             </a:r>
+            <a:endParaRPr lang="en-US" altLang="zh-CN" dirty="0"/>
           </a:p>
           <a:p>
             <a:r>
@@ -5929,6 +6019,7 @@
               <a:rPr lang="zh-CN" altLang="en-US" dirty="0"/>
               <a:t>示例： </a:t>
             </a:r>
+            <a:endParaRPr lang="zh-CN" altLang="en-US" dirty="0"/>
           </a:p>
           <a:p>
             <a:r>
@@ -5951,12 +6042,14 @@
               <a:rPr lang="zh-CN" altLang="en-US" dirty="0"/>
               <a:t>？倒排表的合并）</a:t>
             </a:r>
+            <a:endParaRPr lang="zh-CN" altLang="en-US" dirty="0"/>
           </a:p>
           <a:p>
             <a:r>
               <a:rPr lang="zh-CN" altLang="en-US" dirty="0"/>
               <a:t>		价格排序，	</a:t>
             </a:r>
+            <a:endParaRPr lang="zh-CN" altLang="en-US" dirty="0"/>
           </a:p>
           <a:p>
             <a:r>
@@ -5987,18 +6080,21 @@
               <a:rPr lang="zh-CN" altLang="en-US" dirty="0"/>
               <a:t>的小根堆，这也是不适合做深分页的原因）</a:t>
             </a:r>
+            <a:endParaRPr lang="zh-CN" altLang="en-US" dirty="0"/>
           </a:p>
           <a:p>
             <a:r>
               <a:rPr lang="zh-CN" altLang="en-US" dirty="0"/>
               <a:t>		获取字段信息，</a:t>
             </a:r>
+            <a:endParaRPr lang="zh-CN" altLang="en-US" dirty="0"/>
           </a:p>
           <a:p>
             <a:r>
               <a:rPr lang="zh-CN" altLang="en-US" dirty="0"/>
               <a:t>		高亮显示</a:t>
             </a:r>
+            <a:endParaRPr lang="zh-CN" altLang="en-US" dirty="0"/>
           </a:p>
           <a:p>
             <a:endParaRPr lang="zh-CN" altLang="en-US" dirty="0"/>
@@ -6012,6 +6108,7 @@
               <a:rPr lang="zh-CN" altLang="en-US" dirty="0"/>
               <a:t>行式存储</a:t>
             </a:r>
+            <a:endParaRPr lang="zh-CN" altLang="en-US" dirty="0"/>
           </a:p>
           <a:p>
             <a:r>
@@ -6026,6 +6123,7 @@
               <a:rPr lang="zh-CN" altLang="en-US" dirty="0"/>
               <a:t>列式存储 </a:t>
             </a:r>
+            <a:endParaRPr lang="zh-CN" altLang="en-US" dirty="0"/>
           </a:p>
           <a:p>
             <a:endParaRPr lang="zh-CN" altLang="en-US" dirty="0"/>
@@ -6055,6 +6153,7 @@
               <a:rPr lang="en-US" altLang="zh-CN" dirty="0"/>
               <a:t>, positions </a:t>
             </a:r>
+            <a:endParaRPr lang="en-US" altLang="zh-CN" dirty="0"/>
           </a:p>
           <a:p>
             <a:r>
@@ -6085,6 +6184,7 @@
               <a:rPr lang="zh-CN" altLang="en-US" dirty="0"/>
               <a:t>高亮  </a:t>
             </a:r>
+            <a:endParaRPr lang="zh-CN" altLang="en-US" dirty="0"/>
           </a:p>
           <a:p>
             <a:endParaRPr lang="zh-CN" altLang="en-US" dirty="0"/>
@@ -6145,6 +6245,2749 @@
       </p:grpSpPr>
       <p:sp>
         <p:nvSpPr>
+          <p:cNvPr id="2" name="矩形 1"/>
+          <p:cNvSpPr/>
+          <p:nvPr/>
+        </p:nvSpPr>
+        <p:spPr>
+          <a:xfrm>
+            <a:off x="1234912" y="254524"/>
+            <a:ext cx="2139886" cy="358217"/>
+          </a:xfrm>
+          <a:prstGeom prst="rect">
+            <a:avLst/>
+          </a:prstGeom>
+        </p:spPr>
+        <p:style>
+          <a:lnRef idx="2">
+            <a:schemeClr val="accent3">
+              <a:shade val="50000"/>
+            </a:schemeClr>
+          </a:lnRef>
+          <a:fillRef idx="1">
+            <a:schemeClr val="accent3"/>
+          </a:fillRef>
+          <a:effectRef idx="0">
+            <a:schemeClr val="accent3"/>
+          </a:effectRef>
+          <a:fontRef idx="minor">
+            <a:schemeClr val="lt1"/>
+          </a:fontRef>
+        </p:style>
+        <p:txBody>
+          <a:bodyPr rtlCol="0" anchor="ctr"/>
+          <a:lstStyle/>
+          <a:p>
+            <a:pPr algn="ctr"/>
+            <a:r>
+              <a:rPr lang="en-US" altLang="zh-CN" dirty="0" err="1"/>
+              <a:t>PackedIntsVersion</a:t>
+            </a:r>
+            <a:endParaRPr lang="zh-CN" altLang="en-US" dirty="0"/>
+          </a:p>
+        </p:txBody>
+      </p:sp>
+      <p:sp>
+        <p:nvSpPr>
+          <p:cNvPr id="3" name="矩形 2"/>
+          <p:cNvSpPr/>
+          <p:nvPr/>
+        </p:nvSpPr>
+        <p:spPr>
+          <a:xfrm>
+            <a:off x="3379511" y="254522"/>
+            <a:ext cx="1046375" cy="358219"/>
+          </a:xfrm>
+          <a:prstGeom prst="rect">
+            <a:avLst/>
+          </a:prstGeom>
+        </p:spPr>
+        <p:style>
+          <a:lnRef idx="2">
+            <a:schemeClr val="accent6">
+              <a:shade val="50000"/>
+            </a:schemeClr>
+          </a:lnRef>
+          <a:fillRef idx="1">
+            <a:schemeClr val="accent6"/>
+          </a:fillRef>
+          <a:effectRef idx="0">
+            <a:schemeClr val="accent6"/>
+          </a:effectRef>
+          <a:fontRef idx="minor">
+            <a:schemeClr val="lt1"/>
+          </a:fontRef>
+        </p:style>
+        <p:txBody>
+          <a:bodyPr rtlCol="0" anchor="ctr"/>
+          <a:lstStyle/>
+          <a:p>
+            <a:pPr algn="ctr"/>
+            <a:r>
+              <a:rPr lang="en-US" altLang="zh-CN" dirty="0"/>
+              <a:t>Block</a:t>
+            </a:r>
+            <a:endParaRPr lang="zh-CN" altLang="en-US" dirty="0"/>
+          </a:p>
+        </p:txBody>
+      </p:sp>
+      <p:sp>
+        <p:nvSpPr>
+          <p:cNvPr id="5" name="矩形 4"/>
+          <p:cNvSpPr/>
+          <p:nvPr/>
+        </p:nvSpPr>
+        <p:spPr>
+          <a:xfrm>
+            <a:off x="4374037" y="254522"/>
+            <a:ext cx="1046375" cy="358219"/>
+          </a:xfrm>
+          <a:prstGeom prst="rect">
+            <a:avLst/>
+          </a:prstGeom>
+        </p:spPr>
+        <p:style>
+          <a:lnRef idx="2">
+            <a:schemeClr val="accent6">
+              <a:shade val="50000"/>
+            </a:schemeClr>
+          </a:lnRef>
+          <a:fillRef idx="1">
+            <a:schemeClr val="accent6"/>
+          </a:fillRef>
+          <a:effectRef idx="0">
+            <a:schemeClr val="accent6"/>
+          </a:effectRef>
+          <a:fontRef idx="minor">
+            <a:schemeClr val="lt1"/>
+          </a:fontRef>
+        </p:style>
+        <p:txBody>
+          <a:bodyPr rtlCol="0" anchor="ctr"/>
+          <a:lstStyle/>
+          <a:p>
+            <a:pPr algn="ctr"/>
+            <a:r>
+              <a:rPr lang="en-US" altLang="zh-CN" dirty="0"/>
+              <a:t>Block</a:t>
+            </a:r>
+            <a:endParaRPr lang="zh-CN" altLang="en-US" dirty="0"/>
+          </a:p>
+        </p:txBody>
+      </p:sp>
+      <p:sp>
+        <p:nvSpPr>
+          <p:cNvPr id="7" name="矩形 6"/>
+          <p:cNvSpPr/>
+          <p:nvPr/>
+        </p:nvSpPr>
+        <p:spPr>
+          <a:xfrm>
+            <a:off x="5415699" y="254524"/>
+            <a:ext cx="579750" cy="358219"/>
+          </a:xfrm>
+          <a:prstGeom prst="rect">
+            <a:avLst/>
+          </a:prstGeom>
+          <a:noFill/>
+          <a:ln>
+            <a:noFill/>
+          </a:ln>
+        </p:spPr>
+        <p:style>
+          <a:lnRef idx="2">
+            <a:schemeClr val="accent1">
+              <a:shade val="50000"/>
+            </a:schemeClr>
+          </a:lnRef>
+          <a:fillRef idx="1">
+            <a:schemeClr val="accent1"/>
+          </a:fillRef>
+          <a:effectRef idx="0">
+            <a:schemeClr val="accent1"/>
+          </a:effectRef>
+          <a:fontRef idx="minor">
+            <a:schemeClr val="lt1"/>
+          </a:fontRef>
+        </p:style>
+        <p:txBody>
+          <a:bodyPr rtlCol="0" anchor="ctr"/>
+          <a:lstStyle/>
+          <a:p>
+            <a:pPr algn="ctr"/>
+            <a:r>
+              <a:rPr lang="en-US" altLang="zh-CN" dirty="0">
+                <a:solidFill>
+                  <a:schemeClr val="tx1"/>
+                </a:solidFill>
+              </a:rPr>
+              <a:t>......</a:t>
+            </a:r>
+            <a:endParaRPr lang="en-US" altLang="zh-CN" dirty="0">
+              <a:solidFill>
+                <a:schemeClr val="tx1"/>
+              </a:solidFill>
+            </a:endParaRPr>
+          </a:p>
+        </p:txBody>
+      </p:sp>
+      <p:sp>
+        <p:nvSpPr>
+          <p:cNvPr id="8" name="矩形 7"/>
+          <p:cNvSpPr/>
+          <p:nvPr/>
+        </p:nvSpPr>
+        <p:spPr>
+          <a:xfrm>
+            <a:off x="5995449" y="254523"/>
+            <a:ext cx="1046375" cy="358219"/>
+          </a:xfrm>
+          <a:prstGeom prst="rect">
+            <a:avLst/>
+          </a:prstGeom>
+        </p:spPr>
+        <p:style>
+          <a:lnRef idx="2">
+            <a:schemeClr val="accent6">
+              <a:shade val="50000"/>
+            </a:schemeClr>
+          </a:lnRef>
+          <a:fillRef idx="1">
+            <a:schemeClr val="accent6"/>
+          </a:fillRef>
+          <a:effectRef idx="0">
+            <a:schemeClr val="accent6"/>
+          </a:effectRef>
+          <a:fontRef idx="minor">
+            <a:schemeClr val="lt1"/>
+          </a:fontRef>
+        </p:style>
+        <p:txBody>
+          <a:bodyPr rtlCol="0" anchor="ctr"/>
+          <a:lstStyle/>
+          <a:p>
+            <a:pPr algn="ctr"/>
+            <a:r>
+              <a:rPr lang="en-US" altLang="zh-CN" dirty="0"/>
+              <a:t>Block</a:t>
+            </a:r>
+            <a:endParaRPr lang="zh-CN" altLang="en-US" dirty="0"/>
+          </a:p>
+        </p:txBody>
+      </p:sp>
+      <p:sp>
+        <p:nvSpPr>
+          <p:cNvPr id="9" name="矩形 8"/>
+          <p:cNvSpPr/>
+          <p:nvPr/>
+        </p:nvSpPr>
+        <p:spPr>
+          <a:xfrm>
+            <a:off x="7041824" y="254522"/>
+            <a:ext cx="1046375" cy="358219"/>
+          </a:xfrm>
+          <a:prstGeom prst="rect">
+            <a:avLst/>
+          </a:prstGeom>
+        </p:spPr>
+        <p:style>
+          <a:lnRef idx="2">
+            <a:schemeClr val="accent6">
+              <a:shade val="50000"/>
+            </a:schemeClr>
+          </a:lnRef>
+          <a:fillRef idx="1">
+            <a:schemeClr val="accent6"/>
+          </a:fillRef>
+          <a:effectRef idx="0">
+            <a:schemeClr val="accent6"/>
+          </a:effectRef>
+          <a:fontRef idx="minor">
+            <a:schemeClr val="lt1"/>
+          </a:fontRef>
+        </p:style>
+        <p:txBody>
+          <a:bodyPr rtlCol="0" anchor="ctr"/>
+          <a:lstStyle/>
+          <a:p>
+            <a:pPr algn="ctr"/>
+            <a:r>
+              <a:rPr lang="en-US" altLang="zh-CN" dirty="0"/>
+              <a:t>Block</a:t>
+            </a:r>
+            <a:endParaRPr lang="zh-CN" altLang="en-US" dirty="0"/>
+          </a:p>
+        </p:txBody>
+      </p:sp>
+      <p:sp>
+        <p:nvSpPr>
+          <p:cNvPr id="10" name="矩形 9"/>
+          <p:cNvSpPr/>
+          <p:nvPr/>
+        </p:nvSpPr>
+        <p:spPr>
+          <a:xfrm>
+            <a:off x="8088199" y="254522"/>
+            <a:ext cx="2412426" cy="358219"/>
+          </a:xfrm>
+          <a:prstGeom prst="rect">
+            <a:avLst/>
+          </a:prstGeom>
+        </p:spPr>
+        <p:style>
+          <a:lnRef idx="2">
+            <a:schemeClr val="accent3">
+              <a:shade val="50000"/>
+            </a:schemeClr>
+          </a:lnRef>
+          <a:fillRef idx="1">
+            <a:schemeClr val="accent3"/>
+          </a:fillRef>
+          <a:effectRef idx="0">
+            <a:schemeClr val="accent3"/>
+          </a:effectRef>
+          <a:fontRef idx="minor">
+            <a:schemeClr val="lt1"/>
+          </a:fontRef>
+        </p:style>
+        <p:txBody>
+          <a:bodyPr rtlCol="0" anchor="ctr"/>
+          <a:lstStyle/>
+          <a:p>
+            <a:pPr algn="ctr"/>
+            <a:r>
+              <a:rPr lang="en-US" altLang="zh-CN" dirty="0" err="1"/>
+              <a:t>BlocksEndMarker</a:t>
+            </a:r>
+            <a:endParaRPr lang="zh-CN" altLang="en-US" dirty="0"/>
+          </a:p>
+        </p:txBody>
+      </p:sp>
+      <p:sp>
+        <p:nvSpPr>
+          <p:cNvPr id="12" name="矩形 11"/>
+          <p:cNvSpPr/>
+          <p:nvPr/>
+        </p:nvSpPr>
+        <p:spPr>
+          <a:xfrm>
+            <a:off x="3846136" y="1621409"/>
+            <a:ext cx="1046375" cy="358219"/>
+          </a:xfrm>
+          <a:prstGeom prst="rect">
+            <a:avLst/>
+          </a:prstGeom>
+        </p:spPr>
+        <p:style>
+          <a:lnRef idx="3">
+            <a:schemeClr val="lt1"/>
+          </a:lnRef>
+          <a:fillRef idx="1">
+            <a:schemeClr val="accent5"/>
+          </a:fillRef>
+          <a:effectRef idx="1">
+            <a:schemeClr val="accent5"/>
+          </a:effectRef>
+          <a:fontRef idx="minor">
+            <a:schemeClr val="lt1"/>
+          </a:fontRef>
+        </p:style>
+        <p:txBody>
+          <a:bodyPr rtlCol="0" anchor="ctr"/>
+          <a:lstStyle/>
+          <a:p>
+            <a:pPr algn="ctr"/>
+            <a:endParaRPr lang="zh-CN" altLang="en-US" dirty="0"/>
+          </a:p>
+        </p:txBody>
+      </p:sp>
+      <p:sp>
+        <p:nvSpPr>
+          <p:cNvPr id="13" name="矩形 12"/>
+          <p:cNvSpPr/>
+          <p:nvPr/>
+        </p:nvSpPr>
+        <p:spPr>
+          <a:xfrm>
+            <a:off x="4892511" y="1621408"/>
+            <a:ext cx="1046375" cy="358219"/>
+          </a:xfrm>
+          <a:prstGeom prst="rect">
+            <a:avLst/>
+          </a:prstGeom>
+        </p:spPr>
+        <p:style>
+          <a:lnRef idx="3">
+            <a:schemeClr val="lt1"/>
+          </a:lnRef>
+          <a:fillRef idx="1">
+            <a:schemeClr val="accent5"/>
+          </a:fillRef>
+          <a:effectRef idx="1">
+            <a:schemeClr val="accent5"/>
+          </a:effectRef>
+          <a:fontRef idx="minor">
+            <a:schemeClr val="lt1"/>
+          </a:fontRef>
+        </p:style>
+        <p:txBody>
+          <a:bodyPr rtlCol="0" anchor="ctr"/>
+          <a:lstStyle/>
+          <a:p>
+            <a:pPr algn="ctr"/>
+            <a:endParaRPr lang="zh-CN" altLang="en-US"/>
+          </a:p>
+        </p:txBody>
+      </p:sp>
+      <p:sp>
+        <p:nvSpPr>
+          <p:cNvPr id="14" name="矩形 13"/>
+          <p:cNvSpPr/>
+          <p:nvPr/>
+        </p:nvSpPr>
+        <p:spPr>
+          <a:xfrm>
+            <a:off x="5938886" y="1621408"/>
+            <a:ext cx="1046375" cy="358219"/>
+          </a:xfrm>
+          <a:prstGeom prst="rect">
+            <a:avLst/>
+          </a:prstGeom>
+        </p:spPr>
+        <p:style>
+          <a:lnRef idx="3">
+            <a:schemeClr val="lt1"/>
+          </a:lnRef>
+          <a:fillRef idx="1">
+            <a:schemeClr val="accent5"/>
+          </a:fillRef>
+          <a:effectRef idx="1">
+            <a:schemeClr val="accent5"/>
+          </a:effectRef>
+          <a:fontRef idx="minor">
+            <a:schemeClr val="lt1"/>
+          </a:fontRef>
+        </p:style>
+        <p:txBody>
+          <a:bodyPr rtlCol="0" anchor="ctr"/>
+          <a:lstStyle/>
+          <a:p>
+            <a:pPr algn="ctr"/>
+            <a:r>
+              <a:rPr lang="en-US" altLang="zh-CN" dirty="0"/>
+              <a:t>…</a:t>
+            </a:r>
+            <a:endParaRPr lang="zh-CN" altLang="en-US" dirty="0"/>
+          </a:p>
+        </p:txBody>
+      </p:sp>
+      <p:cxnSp>
+        <p:nvCxnSpPr>
+          <p:cNvPr id="16" name="直接连接符 15"/>
+          <p:cNvCxnSpPr/>
+          <p:nvPr/>
+        </p:nvCxnSpPr>
+        <p:spPr>
+          <a:xfrm flipH="1">
+            <a:off x="2201578" y="612741"/>
+            <a:ext cx="1173220" cy="1008664"/>
+          </a:xfrm>
+          <a:prstGeom prst="line">
+            <a:avLst/>
+          </a:prstGeom>
+          <a:ln w="19050"/>
+        </p:spPr>
+        <p:style>
+          <a:lnRef idx="1">
+            <a:schemeClr val="accent1"/>
+          </a:lnRef>
+          <a:fillRef idx="0">
+            <a:schemeClr val="accent1"/>
+          </a:fillRef>
+          <a:effectRef idx="0">
+            <a:schemeClr val="accent1"/>
+          </a:effectRef>
+          <a:fontRef idx="minor">
+            <a:schemeClr val="tx1"/>
+          </a:fontRef>
+        </p:style>
+      </p:cxnSp>
+      <p:cxnSp>
+        <p:nvCxnSpPr>
+          <p:cNvPr id="20" name="直接连接符 19"/>
+          <p:cNvCxnSpPr/>
+          <p:nvPr/>
+        </p:nvCxnSpPr>
+        <p:spPr>
+          <a:xfrm>
+            <a:off x="4369323" y="612741"/>
+            <a:ext cx="3657600" cy="1008664"/>
+          </a:xfrm>
+          <a:prstGeom prst="line">
+            <a:avLst/>
+          </a:prstGeom>
+          <a:ln w="19050"/>
+        </p:spPr>
+        <p:style>
+          <a:lnRef idx="1">
+            <a:schemeClr val="accent1"/>
+          </a:lnRef>
+          <a:fillRef idx="0">
+            <a:schemeClr val="accent1"/>
+          </a:fillRef>
+          <a:effectRef idx="0">
+            <a:schemeClr val="accent1"/>
+          </a:effectRef>
+          <a:fontRef idx="minor">
+            <a:schemeClr val="tx1"/>
+          </a:fontRef>
+        </p:style>
+      </p:cxnSp>
+      <p:sp>
+        <p:nvSpPr>
+          <p:cNvPr id="22" name="矩形 21"/>
+          <p:cNvSpPr/>
+          <p:nvPr/>
+        </p:nvSpPr>
+        <p:spPr>
+          <a:xfrm>
+            <a:off x="2201578" y="1621406"/>
+            <a:ext cx="1637640" cy="358219"/>
+          </a:xfrm>
+          <a:prstGeom prst="rect">
+            <a:avLst/>
+          </a:prstGeom>
+        </p:spPr>
+        <p:style>
+          <a:lnRef idx="3">
+            <a:schemeClr val="lt1"/>
+          </a:lnRef>
+          <a:fillRef idx="1">
+            <a:schemeClr val="accent5"/>
+          </a:fillRef>
+          <a:effectRef idx="1">
+            <a:schemeClr val="accent5"/>
+          </a:effectRef>
+          <a:fontRef idx="minor">
+            <a:schemeClr val="lt1"/>
+          </a:fontRef>
+        </p:style>
+        <p:txBody>
+          <a:bodyPr rtlCol="0" anchor="ctr"/>
+          <a:lstStyle/>
+          <a:p>
+            <a:pPr algn="ctr"/>
+            <a:r>
+              <a:rPr lang="en-US" altLang="zh-CN" dirty="0" err="1"/>
+              <a:t>DocBases</a:t>
+            </a:r>
+            <a:endParaRPr lang="zh-CN" altLang="en-US" dirty="0"/>
+          </a:p>
+        </p:txBody>
+      </p:sp>
+      <p:sp>
+        <p:nvSpPr>
+          <p:cNvPr id="23" name="矩形 22"/>
+          <p:cNvSpPr/>
+          <p:nvPr/>
+        </p:nvSpPr>
+        <p:spPr>
+          <a:xfrm>
+            <a:off x="3846136" y="1979625"/>
+            <a:ext cx="1046375" cy="358219"/>
+          </a:xfrm>
+          <a:prstGeom prst="rect">
+            <a:avLst/>
+          </a:prstGeom>
+        </p:spPr>
+        <p:style>
+          <a:lnRef idx="3">
+            <a:schemeClr val="lt1"/>
+          </a:lnRef>
+          <a:fillRef idx="1">
+            <a:schemeClr val="accent2"/>
+          </a:fillRef>
+          <a:effectRef idx="1">
+            <a:schemeClr val="accent2"/>
+          </a:effectRef>
+          <a:fontRef idx="minor">
+            <a:schemeClr val="lt1"/>
+          </a:fontRef>
+        </p:style>
+        <p:txBody>
+          <a:bodyPr rtlCol="0" anchor="ctr"/>
+          <a:lstStyle/>
+          <a:p>
+            <a:pPr algn="ctr"/>
+            <a:endParaRPr lang="zh-CN" altLang="en-US" dirty="0"/>
+          </a:p>
+        </p:txBody>
+      </p:sp>
+      <p:sp>
+        <p:nvSpPr>
+          <p:cNvPr id="24" name="矩形 23"/>
+          <p:cNvSpPr/>
+          <p:nvPr/>
+        </p:nvSpPr>
+        <p:spPr>
+          <a:xfrm>
+            <a:off x="4892511" y="1979624"/>
+            <a:ext cx="1046375" cy="358219"/>
+          </a:xfrm>
+          <a:prstGeom prst="rect">
+            <a:avLst/>
+          </a:prstGeom>
+        </p:spPr>
+        <p:style>
+          <a:lnRef idx="3">
+            <a:schemeClr val="lt1"/>
+          </a:lnRef>
+          <a:fillRef idx="1">
+            <a:schemeClr val="accent2"/>
+          </a:fillRef>
+          <a:effectRef idx="1">
+            <a:schemeClr val="accent2"/>
+          </a:effectRef>
+          <a:fontRef idx="minor">
+            <a:schemeClr val="lt1"/>
+          </a:fontRef>
+        </p:style>
+        <p:txBody>
+          <a:bodyPr rtlCol="0" anchor="ctr"/>
+          <a:lstStyle/>
+          <a:p>
+            <a:pPr algn="ctr"/>
+            <a:endParaRPr lang="zh-CN" altLang="en-US"/>
+          </a:p>
+        </p:txBody>
+      </p:sp>
+      <p:sp>
+        <p:nvSpPr>
+          <p:cNvPr id="25" name="矩形 24"/>
+          <p:cNvSpPr/>
+          <p:nvPr/>
+        </p:nvSpPr>
+        <p:spPr>
+          <a:xfrm>
+            <a:off x="5938886" y="1979624"/>
+            <a:ext cx="1046375" cy="358219"/>
+          </a:xfrm>
+          <a:prstGeom prst="rect">
+            <a:avLst/>
+          </a:prstGeom>
+        </p:spPr>
+        <p:style>
+          <a:lnRef idx="3">
+            <a:schemeClr val="lt1"/>
+          </a:lnRef>
+          <a:fillRef idx="1">
+            <a:schemeClr val="accent2"/>
+          </a:fillRef>
+          <a:effectRef idx="1">
+            <a:schemeClr val="accent2"/>
+          </a:effectRef>
+          <a:fontRef idx="minor">
+            <a:schemeClr val="lt1"/>
+          </a:fontRef>
+        </p:style>
+        <p:txBody>
+          <a:bodyPr rtlCol="0" anchor="ctr"/>
+          <a:lstStyle/>
+          <a:p>
+            <a:pPr algn="ctr"/>
+            <a:r>
+              <a:rPr lang="en-US" altLang="zh-CN" dirty="0"/>
+              <a:t>…</a:t>
+            </a:r>
+            <a:endParaRPr lang="zh-CN" altLang="en-US" dirty="0"/>
+          </a:p>
+        </p:txBody>
+      </p:sp>
+      <p:sp>
+        <p:nvSpPr>
+          <p:cNvPr id="26" name="矩形 25"/>
+          <p:cNvSpPr/>
+          <p:nvPr/>
+        </p:nvSpPr>
+        <p:spPr>
+          <a:xfrm>
+            <a:off x="2201578" y="1979622"/>
+            <a:ext cx="1637640" cy="358219"/>
+          </a:xfrm>
+          <a:prstGeom prst="rect">
+            <a:avLst/>
+          </a:prstGeom>
+        </p:spPr>
+        <p:style>
+          <a:lnRef idx="3">
+            <a:schemeClr val="lt1"/>
+          </a:lnRef>
+          <a:fillRef idx="1">
+            <a:schemeClr val="accent2"/>
+          </a:fillRef>
+          <a:effectRef idx="1">
+            <a:schemeClr val="accent2"/>
+          </a:effectRef>
+          <a:fontRef idx="minor">
+            <a:schemeClr val="lt1"/>
+          </a:fontRef>
+        </p:style>
+        <p:txBody>
+          <a:bodyPr rtlCol="0" anchor="ctr"/>
+          <a:lstStyle/>
+          <a:p>
+            <a:pPr algn="ctr"/>
+            <a:r>
+              <a:rPr lang="en-US" altLang="zh-CN" dirty="0" err="1"/>
+              <a:t>StartPointers</a:t>
+            </a:r>
+            <a:endParaRPr lang="zh-CN" altLang="en-US" dirty="0"/>
+          </a:p>
+        </p:txBody>
+      </p:sp>
+      <p:sp>
+        <p:nvSpPr>
+          <p:cNvPr id="27" name="矩形 26"/>
+          <p:cNvSpPr/>
+          <p:nvPr/>
+        </p:nvSpPr>
+        <p:spPr>
+          <a:xfrm>
+            <a:off x="6992180" y="1621406"/>
+            <a:ext cx="1046375" cy="358219"/>
+          </a:xfrm>
+          <a:prstGeom prst="rect">
+            <a:avLst/>
+          </a:prstGeom>
+        </p:spPr>
+        <p:style>
+          <a:lnRef idx="3">
+            <a:schemeClr val="lt1"/>
+          </a:lnRef>
+          <a:fillRef idx="1">
+            <a:schemeClr val="accent5"/>
+          </a:fillRef>
+          <a:effectRef idx="1">
+            <a:schemeClr val="accent5"/>
+          </a:effectRef>
+          <a:fontRef idx="minor">
+            <a:schemeClr val="lt1"/>
+          </a:fontRef>
+        </p:style>
+        <p:txBody>
+          <a:bodyPr rtlCol="0" anchor="ctr"/>
+          <a:lstStyle/>
+          <a:p>
+            <a:pPr algn="ctr"/>
+            <a:endParaRPr lang="zh-CN" altLang="en-US" dirty="0"/>
+          </a:p>
+        </p:txBody>
+      </p:sp>
+      <p:sp>
+        <p:nvSpPr>
+          <p:cNvPr id="28" name="矩形 27"/>
+          <p:cNvSpPr/>
+          <p:nvPr/>
+        </p:nvSpPr>
+        <p:spPr>
+          <a:xfrm>
+            <a:off x="6992180" y="1979622"/>
+            <a:ext cx="1046375" cy="358219"/>
+          </a:xfrm>
+          <a:prstGeom prst="rect">
+            <a:avLst/>
+          </a:prstGeom>
+        </p:spPr>
+        <p:style>
+          <a:lnRef idx="3">
+            <a:schemeClr val="lt1"/>
+          </a:lnRef>
+          <a:fillRef idx="1">
+            <a:schemeClr val="accent2"/>
+          </a:fillRef>
+          <a:effectRef idx="1">
+            <a:schemeClr val="accent2"/>
+          </a:effectRef>
+          <a:fontRef idx="minor">
+            <a:schemeClr val="lt1"/>
+          </a:fontRef>
+        </p:style>
+        <p:txBody>
+          <a:bodyPr rtlCol="0" anchor="ctr"/>
+          <a:lstStyle/>
+          <a:p>
+            <a:pPr algn="ctr"/>
+            <a:endParaRPr lang="zh-CN" altLang="en-US" dirty="0"/>
+          </a:p>
+        </p:txBody>
+      </p:sp>
+      <p:cxnSp>
+        <p:nvCxnSpPr>
+          <p:cNvPr id="32" name="直接连接符 31"/>
+          <p:cNvCxnSpPr/>
+          <p:nvPr/>
+        </p:nvCxnSpPr>
+        <p:spPr>
+          <a:xfrm>
+            <a:off x="113122" y="2714920"/>
+            <a:ext cx="11774078" cy="0"/>
+          </a:xfrm>
+          <a:prstGeom prst="line">
+            <a:avLst/>
+          </a:prstGeom>
+          <a:ln w="19050"/>
+        </p:spPr>
+        <p:style>
+          <a:lnRef idx="1">
+            <a:schemeClr val="dk1"/>
+          </a:lnRef>
+          <a:fillRef idx="0">
+            <a:schemeClr val="dk1"/>
+          </a:fillRef>
+          <a:effectRef idx="0">
+            <a:schemeClr val="dk1"/>
+          </a:effectRef>
+          <a:fontRef idx="minor">
+            <a:schemeClr val="tx1"/>
+          </a:fontRef>
+        </p:style>
+      </p:cxnSp>
+      <p:sp>
+        <p:nvSpPr>
+          <p:cNvPr id="33" name="文本框 32"/>
+          <p:cNvSpPr txBox="1"/>
+          <p:nvPr/>
+        </p:nvSpPr>
+        <p:spPr>
+          <a:xfrm>
+            <a:off x="54776" y="793907"/>
+            <a:ext cx="2073003" cy="646331"/>
+          </a:xfrm>
+          <a:prstGeom prst="rect">
+            <a:avLst/>
+          </a:prstGeom>
+          <a:noFill/>
+        </p:spPr>
+        <p:txBody>
+          <a:bodyPr wrap="none" rtlCol="0">
+            <a:spAutoFit/>
+          </a:bodyPr>
+          <a:lstStyle/>
+          <a:p>
+            <a:r>
+              <a:rPr lang="en-US" altLang="zh-CN" dirty="0"/>
+              <a:t>.</a:t>
+            </a:r>
+            <a:r>
+              <a:rPr lang="en-US" altLang="zh-CN" dirty="0" err="1"/>
+              <a:t>fdx</a:t>
+            </a:r>
+            <a:r>
+              <a:rPr lang="zh-CN" altLang="en-US" dirty="0"/>
+              <a:t>文件  </a:t>
+            </a:r>
+            <a:endParaRPr lang="en-US" altLang="zh-CN" dirty="0"/>
+          </a:p>
+          <a:p>
+            <a:r>
+              <a:rPr lang="zh-CN" altLang="en-US" dirty="0"/>
+              <a:t>全部加载在内存中</a:t>
+            </a:r>
+            <a:endParaRPr lang="zh-CN" altLang="en-US" dirty="0"/>
+          </a:p>
+        </p:txBody>
+      </p:sp>
+      <p:sp>
+        <p:nvSpPr>
+          <p:cNvPr id="34" name="文本框 33"/>
+          <p:cNvSpPr txBox="1"/>
+          <p:nvPr/>
+        </p:nvSpPr>
+        <p:spPr>
+          <a:xfrm>
+            <a:off x="9328036" y="701574"/>
+            <a:ext cx="2809188" cy="738664"/>
+          </a:xfrm>
+          <a:prstGeom prst="rect">
+            <a:avLst/>
+          </a:prstGeom>
+          <a:noFill/>
+        </p:spPr>
+        <p:txBody>
+          <a:bodyPr wrap="square" rtlCol="0">
+            <a:spAutoFit/>
+          </a:bodyPr>
+          <a:lstStyle/>
+          <a:p>
+            <a:r>
+              <a:rPr lang="zh-CN" altLang="en-US" sz="1400" dirty="0"/>
+              <a:t>实际在磁盘上的存储单元是</a:t>
+            </a:r>
+            <a:r>
+              <a:rPr lang="en-US" altLang="zh-CN" sz="1400" dirty="0"/>
+              <a:t>chunk</a:t>
+            </a:r>
+            <a:r>
+              <a:rPr lang="zh-CN" altLang="en-US" sz="1400" dirty="0"/>
+              <a:t>，</a:t>
+            </a:r>
+            <a:endParaRPr lang="en-US" altLang="zh-CN" sz="1400" dirty="0"/>
+          </a:p>
+          <a:p>
+            <a:r>
+              <a:rPr lang="en-US" altLang="zh-CN" sz="1400" dirty="0"/>
+              <a:t>Block</a:t>
+            </a:r>
+            <a:r>
+              <a:rPr lang="zh-CN" altLang="en-US" sz="1400" dirty="0"/>
+              <a:t>是为了将一批</a:t>
+            </a:r>
+            <a:r>
+              <a:rPr lang="en-US" altLang="zh-CN" sz="1400" dirty="0"/>
+              <a:t>chunk</a:t>
+            </a:r>
+            <a:r>
+              <a:rPr lang="zh-CN" altLang="en-US" sz="1400" dirty="0"/>
+              <a:t>的</a:t>
+            </a:r>
+            <a:r>
+              <a:rPr lang="en-US" altLang="zh-CN" sz="1400" dirty="0" err="1"/>
+              <a:t>docID</a:t>
+            </a:r>
+            <a:r>
+              <a:rPr lang="zh-CN" altLang="en-US" sz="1400" dirty="0"/>
+              <a:t>和指针放在一起进行整数压缩</a:t>
+            </a:r>
+            <a:endParaRPr lang="zh-CN" altLang="en-US" sz="1400" dirty="0"/>
+          </a:p>
+        </p:txBody>
+      </p:sp>
+      <p:sp>
+        <p:nvSpPr>
+          <p:cNvPr id="35" name="矩形 34"/>
+          <p:cNvSpPr/>
+          <p:nvPr/>
+        </p:nvSpPr>
+        <p:spPr>
+          <a:xfrm>
+            <a:off x="1885361" y="3271105"/>
+            <a:ext cx="2139886" cy="358217"/>
+          </a:xfrm>
+          <a:prstGeom prst="rect">
+            <a:avLst/>
+          </a:prstGeom>
+        </p:spPr>
+        <p:style>
+          <a:lnRef idx="2">
+            <a:schemeClr val="accent3">
+              <a:shade val="50000"/>
+            </a:schemeClr>
+          </a:lnRef>
+          <a:fillRef idx="1">
+            <a:schemeClr val="accent3"/>
+          </a:fillRef>
+          <a:effectRef idx="0">
+            <a:schemeClr val="accent3"/>
+          </a:effectRef>
+          <a:fontRef idx="minor">
+            <a:schemeClr val="lt1"/>
+          </a:fontRef>
+        </p:style>
+        <p:txBody>
+          <a:bodyPr rtlCol="0" anchor="ctr"/>
+          <a:lstStyle/>
+          <a:p>
+            <a:pPr algn="ctr"/>
+            <a:r>
+              <a:rPr lang="en-US" altLang="zh-CN" dirty="0"/>
+              <a:t>Header</a:t>
+            </a:r>
+            <a:endParaRPr lang="zh-CN" altLang="en-US" dirty="0"/>
+          </a:p>
+        </p:txBody>
+      </p:sp>
+      <p:sp>
+        <p:nvSpPr>
+          <p:cNvPr id="36" name="矩形 35"/>
+          <p:cNvSpPr/>
+          <p:nvPr/>
+        </p:nvSpPr>
+        <p:spPr>
+          <a:xfrm>
+            <a:off x="4029960" y="3271103"/>
+            <a:ext cx="1046375" cy="358219"/>
+          </a:xfrm>
+          <a:prstGeom prst="rect">
+            <a:avLst/>
+          </a:prstGeom>
+        </p:spPr>
+        <p:style>
+          <a:lnRef idx="2">
+            <a:schemeClr val="accent6">
+              <a:shade val="50000"/>
+            </a:schemeClr>
+          </a:lnRef>
+          <a:fillRef idx="1">
+            <a:schemeClr val="accent6"/>
+          </a:fillRef>
+          <a:effectRef idx="0">
+            <a:schemeClr val="accent6"/>
+          </a:effectRef>
+          <a:fontRef idx="minor">
+            <a:schemeClr val="lt1"/>
+          </a:fontRef>
+        </p:style>
+        <p:txBody>
+          <a:bodyPr rtlCol="0" anchor="ctr"/>
+          <a:lstStyle/>
+          <a:p>
+            <a:pPr algn="ctr"/>
+            <a:r>
+              <a:rPr lang="en-US" altLang="zh-CN" dirty="0"/>
+              <a:t>Chunk</a:t>
+            </a:r>
+            <a:endParaRPr lang="zh-CN" altLang="en-US" dirty="0"/>
+          </a:p>
+        </p:txBody>
+      </p:sp>
+      <p:sp>
+        <p:nvSpPr>
+          <p:cNvPr id="37" name="矩形 36"/>
+          <p:cNvSpPr/>
+          <p:nvPr/>
+        </p:nvSpPr>
+        <p:spPr>
+          <a:xfrm>
+            <a:off x="5024486" y="3271103"/>
+            <a:ext cx="1046375" cy="358219"/>
+          </a:xfrm>
+          <a:prstGeom prst="rect">
+            <a:avLst/>
+          </a:prstGeom>
+        </p:spPr>
+        <p:style>
+          <a:lnRef idx="2">
+            <a:schemeClr val="accent6">
+              <a:shade val="50000"/>
+            </a:schemeClr>
+          </a:lnRef>
+          <a:fillRef idx="1">
+            <a:schemeClr val="accent6"/>
+          </a:fillRef>
+          <a:effectRef idx="0">
+            <a:schemeClr val="accent6"/>
+          </a:effectRef>
+          <a:fontRef idx="minor">
+            <a:schemeClr val="lt1"/>
+          </a:fontRef>
+        </p:style>
+        <p:txBody>
+          <a:bodyPr rtlCol="0" anchor="ctr"/>
+          <a:lstStyle/>
+          <a:p>
+            <a:pPr algn="ctr"/>
+            <a:r>
+              <a:rPr lang="en-US" altLang="zh-CN" dirty="0"/>
+              <a:t>Chunk</a:t>
+            </a:r>
+            <a:endParaRPr lang="zh-CN" altLang="en-US" dirty="0"/>
+          </a:p>
+        </p:txBody>
+      </p:sp>
+      <p:sp>
+        <p:nvSpPr>
+          <p:cNvPr id="38" name="矩形 37"/>
+          <p:cNvSpPr/>
+          <p:nvPr/>
+        </p:nvSpPr>
+        <p:spPr>
+          <a:xfrm>
+            <a:off x="6066148" y="3271105"/>
+            <a:ext cx="579750" cy="358219"/>
+          </a:xfrm>
+          <a:prstGeom prst="rect">
+            <a:avLst/>
+          </a:prstGeom>
+          <a:noFill/>
+          <a:ln>
+            <a:noFill/>
+          </a:ln>
+        </p:spPr>
+        <p:style>
+          <a:lnRef idx="2">
+            <a:schemeClr val="accent1">
+              <a:shade val="50000"/>
+            </a:schemeClr>
+          </a:lnRef>
+          <a:fillRef idx="1">
+            <a:schemeClr val="accent1"/>
+          </a:fillRef>
+          <a:effectRef idx="0">
+            <a:schemeClr val="accent1"/>
+          </a:effectRef>
+          <a:fontRef idx="minor">
+            <a:schemeClr val="lt1"/>
+          </a:fontRef>
+        </p:style>
+        <p:txBody>
+          <a:bodyPr rtlCol="0" anchor="ctr"/>
+          <a:lstStyle/>
+          <a:p>
+            <a:pPr algn="ctr"/>
+            <a:r>
+              <a:rPr lang="en-US" altLang="zh-CN" dirty="0">
+                <a:solidFill>
+                  <a:schemeClr val="tx1"/>
+                </a:solidFill>
+              </a:rPr>
+              <a:t>......</a:t>
+            </a:r>
+            <a:endParaRPr lang="en-US" altLang="zh-CN" dirty="0">
+              <a:solidFill>
+                <a:schemeClr val="tx1"/>
+              </a:solidFill>
+            </a:endParaRPr>
+          </a:p>
+        </p:txBody>
+      </p:sp>
+      <p:sp>
+        <p:nvSpPr>
+          <p:cNvPr id="39" name="矩形 38"/>
+          <p:cNvSpPr/>
+          <p:nvPr/>
+        </p:nvSpPr>
+        <p:spPr>
+          <a:xfrm>
+            <a:off x="6645898" y="3271104"/>
+            <a:ext cx="1046375" cy="358219"/>
+          </a:xfrm>
+          <a:prstGeom prst="rect">
+            <a:avLst/>
+          </a:prstGeom>
+        </p:spPr>
+        <p:style>
+          <a:lnRef idx="2">
+            <a:schemeClr val="accent6">
+              <a:shade val="50000"/>
+            </a:schemeClr>
+          </a:lnRef>
+          <a:fillRef idx="1">
+            <a:schemeClr val="accent6"/>
+          </a:fillRef>
+          <a:effectRef idx="0">
+            <a:schemeClr val="accent6"/>
+          </a:effectRef>
+          <a:fontRef idx="minor">
+            <a:schemeClr val="lt1"/>
+          </a:fontRef>
+        </p:style>
+        <p:txBody>
+          <a:bodyPr rtlCol="0" anchor="ctr"/>
+          <a:lstStyle/>
+          <a:p>
+            <a:pPr algn="ctr"/>
+            <a:r>
+              <a:rPr lang="en-US" altLang="zh-CN" dirty="0"/>
+              <a:t>Chunk</a:t>
+            </a:r>
+            <a:endParaRPr lang="zh-CN" altLang="en-US" dirty="0"/>
+          </a:p>
+        </p:txBody>
+      </p:sp>
+      <p:sp>
+        <p:nvSpPr>
+          <p:cNvPr id="41" name="矩形 40"/>
+          <p:cNvSpPr/>
+          <p:nvPr/>
+        </p:nvSpPr>
+        <p:spPr>
+          <a:xfrm>
+            <a:off x="7687560" y="3266686"/>
+            <a:ext cx="2412426" cy="358219"/>
+          </a:xfrm>
+          <a:prstGeom prst="rect">
+            <a:avLst/>
+          </a:prstGeom>
+        </p:spPr>
+        <p:style>
+          <a:lnRef idx="2">
+            <a:schemeClr val="accent3">
+              <a:shade val="50000"/>
+            </a:schemeClr>
+          </a:lnRef>
+          <a:fillRef idx="1">
+            <a:schemeClr val="accent3"/>
+          </a:fillRef>
+          <a:effectRef idx="0">
+            <a:schemeClr val="accent3"/>
+          </a:effectRef>
+          <a:fontRef idx="minor">
+            <a:schemeClr val="lt1"/>
+          </a:fontRef>
+        </p:style>
+        <p:txBody>
+          <a:bodyPr rtlCol="0" anchor="ctr"/>
+          <a:lstStyle/>
+          <a:p>
+            <a:pPr algn="ctr"/>
+            <a:r>
+              <a:rPr lang="en-US" altLang="zh-CN" dirty="0"/>
+              <a:t>Footer</a:t>
+            </a:r>
+            <a:endParaRPr lang="zh-CN" altLang="en-US" dirty="0"/>
+          </a:p>
+        </p:txBody>
+      </p:sp>
+      <p:cxnSp>
+        <p:nvCxnSpPr>
+          <p:cNvPr id="43" name="直接箭头连接符 42"/>
+          <p:cNvCxnSpPr>
+            <a:endCxn id="36" idx="0"/>
+          </p:cNvCxnSpPr>
+          <p:nvPr/>
+        </p:nvCxnSpPr>
+        <p:spPr>
+          <a:xfrm>
+            <a:off x="4147794" y="2337841"/>
+            <a:ext cx="405354" cy="933262"/>
+          </a:xfrm>
+          <a:prstGeom prst="straightConnector1">
+            <a:avLst/>
+          </a:prstGeom>
+          <a:ln w="28575">
+            <a:tailEnd type="triangle"/>
+          </a:ln>
+        </p:spPr>
+        <p:style>
+          <a:lnRef idx="1">
+            <a:schemeClr val="accent2"/>
+          </a:lnRef>
+          <a:fillRef idx="0">
+            <a:schemeClr val="accent2"/>
+          </a:fillRef>
+          <a:effectRef idx="0">
+            <a:schemeClr val="accent2"/>
+          </a:effectRef>
+          <a:fontRef idx="minor">
+            <a:schemeClr val="tx1"/>
+          </a:fontRef>
+        </p:style>
+      </p:cxnSp>
+      <p:cxnSp>
+        <p:nvCxnSpPr>
+          <p:cNvPr id="46" name="直接箭头连接符 45"/>
+          <p:cNvCxnSpPr/>
+          <p:nvPr/>
+        </p:nvCxnSpPr>
+        <p:spPr>
+          <a:xfrm>
+            <a:off x="5213021" y="2337841"/>
+            <a:ext cx="405354" cy="933262"/>
+          </a:xfrm>
+          <a:prstGeom prst="straightConnector1">
+            <a:avLst/>
+          </a:prstGeom>
+          <a:ln w="28575">
+            <a:tailEnd type="triangle"/>
+          </a:ln>
+        </p:spPr>
+        <p:style>
+          <a:lnRef idx="1">
+            <a:schemeClr val="accent2"/>
+          </a:lnRef>
+          <a:fillRef idx="0">
+            <a:schemeClr val="accent2"/>
+          </a:fillRef>
+          <a:effectRef idx="0">
+            <a:schemeClr val="accent2"/>
+          </a:effectRef>
+          <a:fontRef idx="minor">
+            <a:schemeClr val="tx1"/>
+          </a:fontRef>
+        </p:style>
+      </p:cxnSp>
+      <p:cxnSp>
+        <p:nvCxnSpPr>
+          <p:cNvPr id="47" name="直接箭头连接符 46"/>
+          <p:cNvCxnSpPr>
+            <a:stCxn id="28" idx="2"/>
+            <a:endCxn id="39" idx="0"/>
+          </p:cNvCxnSpPr>
+          <p:nvPr/>
+        </p:nvCxnSpPr>
+        <p:spPr>
+          <a:xfrm flipH="1">
+            <a:off x="7169086" y="2337841"/>
+            <a:ext cx="346282" cy="933263"/>
+          </a:xfrm>
+          <a:prstGeom prst="straightConnector1">
+            <a:avLst/>
+          </a:prstGeom>
+          <a:ln w="28575">
+            <a:tailEnd type="triangle"/>
+          </a:ln>
+        </p:spPr>
+        <p:style>
+          <a:lnRef idx="1">
+            <a:schemeClr val="accent2"/>
+          </a:lnRef>
+          <a:fillRef idx="0">
+            <a:schemeClr val="accent2"/>
+          </a:fillRef>
+          <a:effectRef idx="0">
+            <a:schemeClr val="accent2"/>
+          </a:effectRef>
+          <a:fontRef idx="minor">
+            <a:schemeClr val="tx1"/>
+          </a:fontRef>
+        </p:style>
+      </p:cxnSp>
+      <p:sp>
+        <p:nvSpPr>
+          <p:cNvPr id="52" name="文本框 51"/>
+          <p:cNvSpPr txBox="1"/>
+          <p:nvPr/>
+        </p:nvSpPr>
+        <p:spPr>
+          <a:xfrm>
+            <a:off x="8088198" y="1646626"/>
+            <a:ext cx="3497343" cy="307777"/>
+          </a:xfrm>
+          <a:prstGeom prst="rect">
+            <a:avLst/>
+          </a:prstGeom>
+          <a:noFill/>
+        </p:spPr>
+        <p:txBody>
+          <a:bodyPr wrap="square" rtlCol="0">
+            <a:spAutoFit/>
+          </a:bodyPr>
+          <a:lstStyle/>
+          <a:p>
+            <a:r>
+              <a:rPr lang="en-US" altLang="zh-CN" sz="1400" dirty="0"/>
+              <a:t>Chunk</a:t>
+            </a:r>
+            <a:r>
+              <a:rPr lang="zh-CN" altLang="en-US" sz="1400" dirty="0"/>
+              <a:t>中第一个文档的</a:t>
+            </a:r>
+            <a:r>
+              <a:rPr lang="en-US" altLang="zh-CN" sz="1400" dirty="0" err="1"/>
+              <a:t>docID</a:t>
+            </a:r>
+            <a:r>
+              <a:rPr lang="en-US" altLang="zh-CN" sz="1400" dirty="0"/>
+              <a:t>(</a:t>
+            </a:r>
+            <a:r>
+              <a:rPr lang="zh-CN" altLang="en-US" sz="1400" dirty="0"/>
+              <a:t>二分</a:t>
+            </a:r>
+            <a:r>
+              <a:rPr lang="en-US" altLang="zh-CN" sz="1400" dirty="0"/>
+              <a:t>)</a:t>
+            </a:r>
+            <a:endParaRPr lang="zh-CN" altLang="en-US" sz="1400" dirty="0"/>
+          </a:p>
+        </p:txBody>
+      </p:sp>
+      <p:sp>
+        <p:nvSpPr>
+          <p:cNvPr id="53" name="文本框 52"/>
+          <p:cNvSpPr txBox="1"/>
+          <p:nvPr/>
+        </p:nvSpPr>
+        <p:spPr>
+          <a:xfrm>
+            <a:off x="8090097" y="2004842"/>
+            <a:ext cx="2809188" cy="307777"/>
+          </a:xfrm>
+          <a:prstGeom prst="rect">
+            <a:avLst/>
+          </a:prstGeom>
+          <a:noFill/>
+        </p:spPr>
+        <p:txBody>
+          <a:bodyPr wrap="square" rtlCol="0">
+            <a:spAutoFit/>
+          </a:bodyPr>
+          <a:lstStyle/>
+          <a:p>
+            <a:r>
+              <a:rPr lang="en-US" altLang="zh-CN" sz="1400" dirty="0"/>
+              <a:t>Chunk</a:t>
+            </a:r>
+            <a:r>
+              <a:rPr lang="zh-CN" altLang="en-US" sz="1400" dirty="0"/>
+              <a:t>在磁盘上的位置</a:t>
+            </a:r>
+            <a:endParaRPr lang="zh-CN" altLang="en-US" sz="1400" dirty="0"/>
+          </a:p>
+        </p:txBody>
+      </p:sp>
+      <p:sp>
+        <p:nvSpPr>
+          <p:cNvPr id="55" name="矩形 54"/>
+          <p:cNvSpPr/>
+          <p:nvPr/>
+        </p:nvSpPr>
+        <p:spPr>
+          <a:xfrm>
+            <a:off x="2485531" y="4298622"/>
+            <a:ext cx="1366884" cy="358219"/>
+          </a:xfrm>
+          <a:prstGeom prst="rect">
+            <a:avLst/>
+          </a:prstGeom>
+        </p:spPr>
+        <p:style>
+          <a:lnRef idx="3">
+            <a:schemeClr val="lt1"/>
+          </a:lnRef>
+          <a:fillRef idx="1">
+            <a:schemeClr val="accent3"/>
+          </a:fillRef>
+          <a:effectRef idx="1">
+            <a:schemeClr val="accent3"/>
+          </a:effectRef>
+          <a:fontRef idx="minor">
+            <a:schemeClr val="lt1"/>
+          </a:fontRef>
+        </p:style>
+        <p:txBody>
+          <a:bodyPr rtlCol="0" anchor="ctr"/>
+          <a:lstStyle/>
+          <a:p>
+            <a:pPr algn="ctr"/>
+            <a:r>
+              <a:rPr lang="en-US" altLang="zh-CN" dirty="0" err="1"/>
+              <a:t>ChunkDocs</a:t>
+            </a:r>
+            <a:endParaRPr lang="zh-CN" altLang="en-US" dirty="0"/>
+          </a:p>
+        </p:txBody>
+      </p:sp>
+      <p:sp>
+        <p:nvSpPr>
+          <p:cNvPr id="56" name="矩形 55"/>
+          <p:cNvSpPr/>
+          <p:nvPr/>
+        </p:nvSpPr>
+        <p:spPr>
+          <a:xfrm>
+            <a:off x="3859334" y="4298621"/>
+            <a:ext cx="1759041" cy="358219"/>
+          </a:xfrm>
+          <a:prstGeom prst="rect">
+            <a:avLst/>
+          </a:prstGeom>
+        </p:spPr>
+        <p:style>
+          <a:lnRef idx="3">
+            <a:schemeClr val="lt1"/>
+          </a:lnRef>
+          <a:fillRef idx="1">
+            <a:schemeClr val="accent2"/>
+          </a:fillRef>
+          <a:effectRef idx="1">
+            <a:schemeClr val="accent2"/>
+          </a:effectRef>
+          <a:fontRef idx="minor">
+            <a:schemeClr val="lt1"/>
+          </a:fontRef>
+        </p:style>
+        <p:txBody>
+          <a:bodyPr rtlCol="0" anchor="ctr"/>
+          <a:lstStyle/>
+          <a:p>
+            <a:pPr algn="ctr"/>
+            <a:r>
+              <a:rPr lang="en-US" altLang="zh-CN" dirty="0" err="1"/>
+              <a:t>DocFieldCounts</a:t>
+            </a:r>
+            <a:endParaRPr lang="zh-CN" altLang="en-US" dirty="0"/>
+          </a:p>
+        </p:txBody>
+      </p:sp>
+      <p:sp>
+        <p:nvSpPr>
+          <p:cNvPr id="57" name="矩形 56"/>
+          <p:cNvSpPr/>
+          <p:nvPr/>
+        </p:nvSpPr>
+        <p:spPr>
+          <a:xfrm>
+            <a:off x="5631574" y="4298619"/>
+            <a:ext cx="1367523" cy="358219"/>
+          </a:xfrm>
+          <a:prstGeom prst="rect">
+            <a:avLst/>
+          </a:prstGeom>
+        </p:spPr>
+        <p:style>
+          <a:lnRef idx="3">
+            <a:schemeClr val="lt1"/>
+          </a:lnRef>
+          <a:fillRef idx="1">
+            <a:schemeClr val="accent6"/>
+          </a:fillRef>
+          <a:effectRef idx="1">
+            <a:schemeClr val="accent6"/>
+          </a:effectRef>
+          <a:fontRef idx="minor">
+            <a:schemeClr val="lt1"/>
+          </a:fontRef>
+        </p:style>
+        <p:txBody>
+          <a:bodyPr rtlCol="0" anchor="ctr"/>
+          <a:lstStyle/>
+          <a:p>
+            <a:pPr algn="ctr"/>
+            <a:r>
+              <a:rPr lang="en-US" altLang="zh-CN" dirty="0" err="1"/>
+              <a:t>DocLengths</a:t>
+            </a:r>
+            <a:endParaRPr lang="zh-CN" altLang="en-US" dirty="0"/>
+          </a:p>
+        </p:txBody>
+      </p:sp>
+      <p:sp>
+        <p:nvSpPr>
+          <p:cNvPr id="58" name="矩形 57"/>
+          <p:cNvSpPr/>
+          <p:nvPr/>
+        </p:nvSpPr>
+        <p:spPr>
+          <a:xfrm>
+            <a:off x="1274605" y="4298619"/>
+            <a:ext cx="1204007" cy="358219"/>
+          </a:xfrm>
+          <a:prstGeom prst="rect">
+            <a:avLst/>
+          </a:prstGeom>
+        </p:spPr>
+        <p:style>
+          <a:lnRef idx="3">
+            <a:schemeClr val="lt1"/>
+          </a:lnRef>
+          <a:fillRef idx="1">
+            <a:schemeClr val="accent3"/>
+          </a:fillRef>
+          <a:effectRef idx="1">
+            <a:schemeClr val="accent3"/>
+          </a:effectRef>
+          <a:fontRef idx="minor">
+            <a:schemeClr val="lt1"/>
+          </a:fontRef>
+        </p:style>
+        <p:txBody>
+          <a:bodyPr rtlCol="0" anchor="ctr"/>
+          <a:lstStyle/>
+          <a:p>
+            <a:pPr algn="ctr"/>
+            <a:r>
+              <a:rPr lang="en-US" altLang="zh-CN" dirty="0" err="1"/>
+              <a:t>DocBase</a:t>
+            </a:r>
+            <a:endParaRPr lang="zh-CN" altLang="en-US" dirty="0"/>
+          </a:p>
+        </p:txBody>
+      </p:sp>
+      <p:sp>
+        <p:nvSpPr>
+          <p:cNvPr id="65" name="矩形 64"/>
+          <p:cNvSpPr/>
+          <p:nvPr/>
+        </p:nvSpPr>
+        <p:spPr>
+          <a:xfrm>
+            <a:off x="7012296" y="4298619"/>
+            <a:ext cx="1940022" cy="358219"/>
+          </a:xfrm>
+          <a:prstGeom prst="rect">
+            <a:avLst/>
+          </a:prstGeom>
+        </p:spPr>
+        <p:style>
+          <a:lnRef idx="3">
+            <a:schemeClr val="lt1"/>
+          </a:lnRef>
+          <a:fillRef idx="1">
+            <a:schemeClr val="accent1"/>
+          </a:fillRef>
+          <a:effectRef idx="1">
+            <a:schemeClr val="accent1"/>
+          </a:effectRef>
+          <a:fontRef idx="minor">
+            <a:schemeClr val="lt1"/>
+          </a:fontRef>
+        </p:style>
+        <p:txBody>
+          <a:bodyPr rtlCol="0" anchor="ctr"/>
+          <a:lstStyle/>
+          <a:p>
+            <a:pPr algn="ctr"/>
+            <a:r>
+              <a:rPr lang="en-US" altLang="zh-CN" dirty="0" err="1"/>
+              <a:t>CompressedDocs</a:t>
+            </a:r>
+            <a:endParaRPr lang="zh-CN" altLang="en-US" dirty="0"/>
+          </a:p>
+        </p:txBody>
+      </p:sp>
+      <p:cxnSp>
+        <p:nvCxnSpPr>
+          <p:cNvPr id="66" name="直接连接符 65"/>
+          <p:cNvCxnSpPr/>
+          <p:nvPr/>
+        </p:nvCxnSpPr>
+        <p:spPr>
+          <a:xfrm>
+            <a:off x="7041824" y="4637989"/>
+            <a:ext cx="722922" cy="499622"/>
+          </a:xfrm>
+          <a:prstGeom prst="line">
+            <a:avLst/>
+          </a:prstGeom>
+          <a:ln w="19050"/>
+        </p:spPr>
+        <p:style>
+          <a:lnRef idx="1">
+            <a:schemeClr val="accent1"/>
+          </a:lnRef>
+          <a:fillRef idx="0">
+            <a:schemeClr val="accent1"/>
+          </a:fillRef>
+          <a:effectRef idx="0">
+            <a:schemeClr val="accent1"/>
+          </a:effectRef>
+          <a:fontRef idx="minor">
+            <a:schemeClr val="tx1"/>
+          </a:fontRef>
+        </p:style>
+      </p:cxnSp>
+      <p:cxnSp>
+        <p:nvCxnSpPr>
+          <p:cNvPr id="69" name="直接连接符 68"/>
+          <p:cNvCxnSpPr/>
+          <p:nvPr/>
+        </p:nvCxnSpPr>
+        <p:spPr>
+          <a:xfrm>
+            <a:off x="5024486" y="3648179"/>
+            <a:ext cx="3927832" cy="654857"/>
+          </a:xfrm>
+          <a:prstGeom prst="line">
+            <a:avLst/>
+          </a:prstGeom>
+          <a:ln w="19050"/>
+        </p:spPr>
+        <p:style>
+          <a:lnRef idx="1">
+            <a:schemeClr val="accent1"/>
+          </a:lnRef>
+          <a:fillRef idx="0">
+            <a:schemeClr val="accent1"/>
+          </a:fillRef>
+          <a:effectRef idx="0">
+            <a:schemeClr val="accent1"/>
+          </a:effectRef>
+          <a:fontRef idx="minor">
+            <a:schemeClr val="tx1"/>
+          </a:fontRef>
+        </p:style>
+      </p:cxnSp>
+      <p:sp>
+        <p:nvSpPr>
+          <p:cNvPr id="72" name="矩形 71"/>
+          <p:cNvSpPr/>
+          <p:nvPr/>
+        </p:nvSpPr>
+        <p:spPr>
+          <a:xfrm>
+            <a:off x="7729982" y="5137611"/>
+            <a:ext cx="1046375" cy="358219"/>
+          </a:xfrm>
+          <a:prstGeom prst="rect">
+            <a:avLst/>
+          </a:prstGeom>
+        </p:spPr>
+        <p:style>
+          <a:lnRef idx="2">
+            <a:schemeClr val="accent6">
+              <a:shade val="50000"/>
+            </a:schemeClr>
+          </a:lnRef>
+          <a:fillRef idx="1">
+            <a:schemeClr val="accent6"/>
+          </a:fillRef>
+          <a:effectRef idx="0">
+            <a:schemeClr val="accent6"/>
+          </a:effectRef>
+          <a:fontRef idx="minor">
+            <a:schemeClr val="lt1"/>
+          </a:fontRef>
+        </p:style>
+        <p:txBody>
+          <a:bodyPr rtlCol="0" anchor="ctr"/>
+          <a:lstStyle/>
+          <a:p>
+            <a:pPr algn="ctr"/>
+            <a:r>
+              <a:rPr lang="en-US" altLang="zh-CN" dirty="0"/>
+              <a:t>Doc</a:t>
+            </a:r>
+            <a:endParaRPr lang="zh-CN" altLang="en-US" dirty="0"/>
+          </a:p>
+        </p:txBody>
+      </p:sp>
+      <p:sp>
+        <p:nvSpPr>
+          <p:cNvPr id="73" name="矩形 72"/>
+          <p:cNvSpPr/>
+          <p:nvPr/>
+        </p:nvSpPr>
+        <p:spPr>
+          <a:xfrm>
+            <a:off x="8724508" y="5137611"/>
+            <a:ext cx="1046375" cy="358219"/>
+          </a:xfrm>
+          <a:prstGeom prst="rect">
+            <a:avLst/>
+          </a:prstGeom>
+        </p:spPr>
+        <p:style>
+          <a:lnRef idx="2">
+            <a:schemeClr val="accent6">
+              <a:shade val="50000"/>
+            </a:schemeClr>
+          </a:lnRef>
+          <a:fillRef idx="1">
+            <a:schemeClr val="accent6"/>
+          </a:fillRef>
+          <a:effectRef idx="0">
+            <a:schemeClr val="accent6"/>
+          </a:effectRef>
+          <a:fontRef idx="minor">
+            <a:schemeClr val="lt1"/>
+          </a:fontRef>
+        </p:style>
+        <p:txBody>
+          <a:bodyPr rtlCol="0" anchor="ctr"/>
+          <a:lstStyle/>
+          <a:p>
+            <a:pPr algn="ctr"/>
+            <a:r>
+              <a:rPr lang="en-US" altLang="zh-CN" dirty="0"/>
+              <a:t>Doc</a:t>
+            </a:r>
+            <a:endParaRPr lang="zh-CN" altLang="en-US" dirty="0"/>
+          </a:p>
+        </p:txBody>
+      </p:sp>
+      <p:sp>
+        <p:nvSpPr>
+          <p:cNvPr id="74" name="矩形 73"/>
+          <p:cNvSpPr/>
+          <p:nvPr/>
+        </p:nvSpPr>
+        <p:spPr>
+          <a:xfrm>
+            <a:off x="9766170" y="5137613"/>
+            <a:ext cx="579750" cy="358219"/>
+          </a:xfrm>
+          <a:prstGeom prst="rect">
+            <a:avLst/>
+          </a:prstGeom>
+          <a:noFill/>
+          <a:ln>
+            <a:noFill/>
+          </a:ln>
+        </p:spPr>
+        <p:style>
+          <a:lnRef idx="2">
+            <a:schemeClr val="accent1">
+              <a:shade val="50000"/>
+            </a:schemeClr>
+          </a:lnRef>
+          <a:fillRef idx="1">
+            <a:schemeClr val="accent1"/>
+          </a:fillRef>
+          <a:effectRef idx="0">
+            <a:schemeClr val="accent1"/>
+          </a:effectRef>
+          <a:fontRef idx="minor">
+            <a:schemeClr val="lt1"/>
+          </a:fontRef>
+        </p:style>
+        <p:txBody>
+          <a:bodyPr rtlCol="0" anchor="ctr"/>
+          <a:lstStyle/>
+          <a:p>
+            <a:pPr algn="ctr"/>
+            <a:r>
+              <a:rPr lang="en-US" altLang="zh-CN" dirty="0">
+                <a:solidFill>
+                  <a:schemeClr val="tx1"/>
+                </a:solidFill>
+              </a:rPr>
+              <a:t>......</a:t>
+            </a:r>
+            <a:endParaRPr lang="en-US" altLang="zh-CN" dirty="0">
+              <a:solidFill>
+                <a:schemeClr val="tx1"/>
+              </a:solidFill>
+            </a:endParaRPr>
+          </a:p>
+        </p:txBody>
+      </p:sp>
+      <p:sp>
+        <p:nvSpPr>
+          <p:cNvPr id="75" name="矩形 74"/>
+          <p:cNvSpPr/>
+          <p:nvPr/>
+        </p:nvSpPr>
+        <p:spPr>
+          <a:xfrm>
+            <a:off x="10345920" y="5137612"/>
+            <a:ext cx="1046375" cy="358219"/>
+          </a:xfrm>
+          <a:prstGeom prst="rect">
+            <a:avLst/>
+          </a:prstGeom>
+        </p:spPr>
+        <p:style>
+          <a:lnRef idx="2">
+            <a:schemeClr val="accent6">
+              <a:shade val="50000"/>
+            </a:schemeClr>
+          </a:lnRef>
+          <a:fillRef idx="1">
+            <a:schemeClr val="accent6"/>
+          </a:fillRef>
+          <a:effectRef idx="0">
+            <a:schemeClr val="accent6"/>
+          </a:effectRef>
+          <a:fontRef idx="minor">
+            <a:schemeClr val="lt1"/>
+          </a:fontRef>
+        </p:style>
+        <p:txBody>
+          <a:bodyPr rtlCol="0" anchor="ctr"/>
+          <a:lstStyle/>
+          <a:p>
+            <a:pPr algn="ctr"/>
+            <a:r>
+              <a:rPr lang="en-US" altLang="zh-CN" dirty="0"/>
+              <a:t>Doc</a:t>
+            </a:r>
+            <a:endParaRPr lang="zh-CN" altLang="en-US" dirty="0"/>
+          </a:p>
+        </p:txBody>
+      </p:sp>
+      <p:cxnSp>
+        <p:nvCxnSpPr>
+          <p:cNvPr id="79" name="直接连接符 78"/>
+          <p:cNvCxnSpPr/>
+          <p:nvPr/>
+        </p:nvCxnSpPr>
+        <p:spPr>
+          <a:xfrm>
+            <a:off x="8927540" y="4637989"/>
+            <a:ext cx="2460042" cy="499620"/>
+          </a:xfrm>
+          <a:prstGeom prst="line">
+            <a:avLst/>
+          </a:prstGeom>
+          <a:ln w="19050"/>
+        </p:spPr>
+        <p:style>
+          <a:lnRef idx="1">
+            <a:schemeClr val="accent1"/>
+          </a:lnRef>
+          <a:fillRef idx="0">
+            <a:schemeClr val="accent1"/>
+          </a:fillRef>
+          <a:effectRef idx="0">
+            <a:schemeClr val="accent1"/>
+          </a:effectRef>
+          <a:fontRef idx="minor">
+            <a:schemeClr val="tx1"/>
+          </a:fontRef>
+        </p:style>
+      </p:cxnSp>
+      <p:cxnSp>
+        <p:nvCxnSpPr>
+          <p:cNvPr id="82" name="直接连接符 81"/>
+          <p:cNvCxnSpPr/>
+          <p:nvPr/>
+        </p:nvCxnSpPr>
+        <p:spPr>
+          <a:xfrm flipH="1">
+            <a:off x="1269892" y="3624905"/>
+            <a:ext cx="2755355" cy="678131"/>
+          </a:xfrm>
+          <a:prstGeom prst="line">
+            <a:avLst/>
+          </a:prstGeom>
+          <a:ln w="19050"/>
+        </p:spPr>
+        <p:style>
+          <a:lnRef idx="1">
+            <a:schemeClr val="accent1"/>
+          </a:lnRef>
+          <a:fillRef idx="0">
+            <a:schemeClr val="accent1"/>
+          </a:fillRef>
+          <a:effectRef idx="0">
+            <a:schemeClr val="accent1"/>
+          </a:effectRef>
+          <a:fontRef idx="minor">
+            <a:schemeClr val="tx1"/>
+          </a:fontRef>
+        </p:style>
+      </p:cxnSp>
+      <p:sp>
+        <p:nvSpPr>
+          <p:cNvPr id="95" name="矩形 94"/>
+          <p:cNvSpPr/>
+          <p:nvPr/>
+        </p:nvSpPr>
+        <p:spPr>
+          <a:xfrm>
+            <a:off x="5698070" y="6033755"/>
+            <a:ext cx="1046375" cy="358219"/>
+          </a:xfrm>
+          <a:prstGeom prst="rect">
+            <a:avLst/>
+          </a:prstGeom>
+        </p:spPr>
+        <p:style>
+          <a:lnRef idx="3">
+            <a:schemeClr val="lt1"/>
+          </a:lnRef>
+          <a:fillRef idx="1">
+            <a:schemeClr val="accent5"/>
+          </a:fillRef>
+          <a:effectRef idx="1">
+            <a:schemeClr val="accent5"/>
+          </a:effectRef>
+          <a:fontRef idx="minor">
+            <a:schemeClr val="lt1"/>
+          </a:fontRef>
+        </p:style>
+        <p:txBody>
+          <a:bodyPr rtlCol="0" anchor="ctr"/>
+          <a:lstStyle/>
+          <a:p>
+            <a:pPr algn="ctr"/>
+            <a:r>
+              <a:rPr lang="en-US" altLang="zh-CN" dirty="0"/>
+              <a:t>Value2</a:t>
+            </a:r>
+            <a:endParaRPr lang="zh-CN" altLang="en-US" dirty="0"/>
+          </a:p>
+        </p:txBody>
+      </p:sp>
+      <p:sp>
+        <p:nvSpPr>
+          <p:cNvPr id="98" name="矩形 97"/>
+          <p:cNvSpPr/>
+          <p:nvPr/>
+        </p:nvSpPr>
+        <p:spPr>
+          <a:xfrm>
+            <a:off x="3671310" y="6043179"/>
+            <a:ext cx="2174647" cy="358219"/>
+          </a:xfrm>
+          <a:prstGeom prst="rect">
+            <a:avLst/>
+          </a:prstGeom>
+        </p:spPr>
+        <p:style>
+          <a:lnRef idx="3">
+            <a:schemeClr val="lt1"/>
+          </a:lnRef>
+          <a:fillRef idx="1">
+            <a:schemeClr val="accent5"/>
+          </a:fillRef>
+          <a:effectRef idx="1">
+            <a:schemeClr val="accent5"/>
+          </a:effectRef>
+          <a:fontRef idx="minor">
+            <a:schemeClr val="lt1"/>
+          </a:fontRef>
+        </p:style>
+        <p:txBody>
+          <a:bodyPr rtlCol="0" anchor="ctr"/>
+          <a:lstStyle/>
+          <a:p>
+            <a:pPr algn="ctr"/>
+            <a:r>
+              <a:rPr lang="en-US" altLang="zh-CN" dirty="0"/>
+              <a:t>FieldNumAndType2</a:t>
+            </a:r>
+            <a:endParaRPr lang="zh-CN" altLang="en-US" dirty="0"/>
+          </a:p>
+        </p:txBody>
+      </p:sp>
+      <p:sp>
+        <p:nvSpPr>
+          <p:cNvPr id="99" name="矩形 98"/>
+          <p:cNvSpPr/>
+          <p:nvPr/>
+        </p:nvSpPr>
+        <p:spPr>
+          <a:xfrm>
+            <a:off x="6718371" y="6033754"/>
+            <a:ext cx="796997" cy="358219"/>
+          </a:xfrm>
+          <a:prstGeom prst="rect">
+            <a:avLst/>
+          </a:prstGeom>
+        </p:spPr>
+        <p:style>
+          <a:lnRef idx="3">
+            <a:schemeClr val="lt1"/>
+          </a:lnRef>
+          <a:fillRef idx="1">
+            <a:schemeClr val="accent2"/>
+          </a:fillRef>
+          <a:effectRef idx="1">
+            <a:schemeClr val="accent2"/>
+          </a:effectRef>
+          <a:fontRef idx="minor">
+            <a:schemeClr val="lt1"/>
+          </a:fontRef>
+        </p:style>
+        <p:txBody>
+          <a:bodyPr rtlCol="0" anchor="ctr"/>
+          <a:lstStyle/>
+          <a:p>
+            <a:pPr algn="ctr"/>
+            <a:r>
+              <a:rPr lang="en-US" altLang="zh-CN" dirty="0"/>
+              <a:t>…</a:t>
+            </a:r>
+            <a:endParaRPr lang="zh-CN" altLang="en-US" dirty="0"/>
+          </a:p>
+        </p:txBody>
+      </p:sp>
+      <p:sp>
+        <p:nvSpPr>
+          <p:cNvPr id="100" name="矩形 99"/>
+          <p:cNvSpPr/>
+          <p:nvPr/>
+        </p:nvSpPr>
+        <p:spPr>
+          <a:xfrm>
+            <a:off x="2618017" y="6043182"/>
+            <a:ext cx="1046375" cy="358219"/>
+          </a:xfrm>
+          <a:prstGeom prst="rect">
+            <a:avLst/>
+          </a:prstGeom>
+        </p:spPr>
+        <p:style>
+          <a:lnRef idx="3">
+            <a:schemeClr val="lt1"/>
+          </a:lnRef>
+          <a:fillRef idx="1">
+            <a:schemeClr val="accent2"/>
+          </a:fillRef>
+          <a:effectRef idx="1">
+            <a:schemeClr val="accent2"/>
+          </a:effectRef>
+          <a:fontRef idx="minor">
+            <a:schemeClr val="lt1"/>
+          </a:fontRef>
+        </p:style>
+        <p:txBody>
+          <a:bodyPr rtlCol="0" anchor="ctr"/>
+          <a:lstStyle/>
+          <a:p>
+            <a:pPr algn="ctr"/>
+            <a:r>
+              <a:rPr lang="en-US" altLang="zh-CN" dirty="0"/>
+              <a:t>Value1</a:t>
+            </a:r>
+            <a:endParaRPr lang="zh-CN" altLang="en-US" dirty="0"/>
+          </a:p>
+        </p:txBody>
+      </p:sp>
+      <p:sp>
+        <p:nvSpPr>
+          <p:cNvPr id="101" name="矩形 100"/>
+          <p:cNvSpPr/>
+          <p:nvPr/>
+        </p:nvSpPr>
+        <p:spPr>
+          <a:xfrm>
+            <a:off x="518348" y="6043179"/>
+            <a:ext cx="2174647" cy="358219"/>
+          </a:xfrm>
+          <a:prstGeom prst="rect">
+            <a:avLst/>
+          </a:prstGeom>
+        </p:spPr>
+        <p:style>
+          <a:lnRef idx="3">
+            <a:schemeClr val="lt1"/>
+          </a:lnRef>
+          <a:fillRef idx="1">
+            <a:schemeClr val="accent2"/>
+          </a:fillRef>
+          <a:effectRef idx="1">
+            <a:schemeClr val="accent2"/>
+          </a:effectRef>
+          <a:fontRef idx="minor">
+            <a:schemeClr val="lt1"/>
+          </a:fontRef>
+        </p:style>
+        <p:txBody>
+          <a:bodyPr rtlCol="0" anchor="ctr"/>
+          <a:lstStyle/>
+          <a:p>
+            <a:pPr algn="ctr"/>
+            <a:r>
+              <a:rPr lang="en-US" altLang="zh-CN" dirty="0"/>
+              <a:t>FieldNumAndType1</a:t>
+            </a:r>
+            <a:endParaRPr lang="zh-CN" altLang="en-US" dirty="0"/>
+          </a:p>
+        </p:txBody>
+      </p:sp>
+      <p:sp>
+        <p:nvSpPr>
+          <p:cNvPr id="102" name="矩形 101"/>
+          <p:cNvSpPr/>
+          <p:nvPr/>
+        </p:nvSpPr>
+        <p:spPr>
+          <a:xfrm>
+            <a:off x="7533922" y="6043179"/>
+            <a:ext cx="2415998" cy="358219"/>
+          </a:xfrm>
+          <a:prstGeom prst="rect">
+            <a:avLst/>
+          </a:prstGeom>
+        </p:spPr>
+        <p:style>
+          <a:lnRef idx="3">
+            <a:schemeClr val="lt1"/>
+          </a:lnRef>
+          <a:fillRef idx="1">
+            <a:schemeClr val="accent4"/>
+          </a:fillRef>
+          <a:effectRef idx="1">
+            <a:schemeClr val="accent4"/>
+          </a:effectRef>
+          <a:fontRef idx="minor">
+            <a:schemeClr val="lt1"/>
+          </a:fontRef>
+        </p:style>
+        <p:txBody>
+          <a:bodyPr rtlCol="0" anchor="ctr"/>
+          <a:lstStyle/>
+          <a:p>
+            <a:pPr algn="ctr"/>
+            <a:r>
+              <a:rPr lang="en-US" altLang="zh-CN" dirty="0" err="1"/>
+              <a:t>FieldNumAndTypeN</a:t>
+            </a:r>
+            <a:endParaRPr lang="zh-CN" altLang="en-US" dirty="0"/>
+          </a:p>
+        </p:txBody>
+      </p:sp>
+      <p:sp>
+        <p:nvSpPr>
+          <p:cNvPr id="103" name="矩形 102"/>
+          <p:cNvSpPr/>
+          <p:nvPr/>
+        </p:nvSpPr>
+        <p:spPr>
+          <a:xfrm>
+            <a:off x="9793708" y="6043179"/>
+            <a:ext cx="1046375" cy="358219"/>
+          </a:xfrm>
+          <a:prstGeom prst="rect">
+            <a:avLst/>
+          </a:prstGeom>
+        </p:spPr>
+        <p:style>
+          <a:lnRef idx="3">
+            <a:schemeClr val="lt1"/>
+          </a:lnRef>
+          <a:fillRef idx="1">
+            <a:schemeClr val="accent4"/>
+          </a:fillRef>
+          <a:effectRef idx="1">
+            <a:schemeClr val="accent4"/>
+          </a:effectRef>
+          <a:fontRef idx="minor">
+            <a:schemeClr val="lt1"/>
+          </a:fontRef>
+        </p:style>
+        <p:txBody>
+          <a:bodyPr rtlCol="0" anchor="ctr"/>
+          <a:lstStyle/>
+          <a:p>
+            <a:pPr algn="ctr"/>
+            <a:r>
+              <a:rPr lang="en-US" altLang="zh-CN" dirty="0" err="1"/>
+              <a:t>ValueN</a:t>
+            </a:r>
+            <a:endParaRPr lang="zh-CN" altLang="en-US" dirty="0"/>
+          </a:p>
+        </p:txBody>
+      </p:sp>
+      <p:cxnSp>
+        <p:nvCxnSpPr>
+          <p:cNvPr id="104" name="直接连接符 103"/>
+          <p:cNvCxnSpPr/>
+          <p:nvPr/>
+        </p:nvCxnSpPr>
+        <p:spPr>
+          <a:xfrm flipV="1">
+            <a:off x="518348" y="5472564"/>
+            <a:ext cx="7211634" cy="603002"/>
+          </a:xfrm>
+          <a:prstGeom prst="line">
+            <a:avLst/>
+          </a:prstGeom>
+          <a:ln w="19050"/>
+        </p:spPr>
+        <p:style>
+          <a:lnRef idx="1">
+            <a:schemeClr val="accent1"/>
+          </a:lnRef>
+          <a:fillRef idx="0">
+            <a:schemeClr val="accent1"/>
+          </a:fillRef>
+          <a:effectRef idx="0">
+            <a:schemeClr val="accent1"/>
+          </a:effectRef>
+          <a:fontRef idx="minor">
+            <a:schemeClr val="tx1"/>
+          </a:fontRef>
+        </p:style>
+      </p:cxnSp>
+      <p:cxnSp>
+        <p:nvCxnSpPr>
+          <p:cNvPr id="107" name="直接连接符 106"/>
+          <p:cNvCxnSpPr/>
+          <p:nvPr/>
+        </p:nvCxnSpPr>
+        <p:spPr>
+          <a:xfrm flipH="1" flipV="1">
+            <a:off x="8743061" y="5495831"/>
+            <a:ext cx="2060720" cy="579734"/>
+          </a:xfrm>
+          <a:prstGeom prst="line">
+            <a:avLst/>
+          </a:prstGeom>
+          <a:ln w="19050"/>
+        </p:spPr>
+        <p:style>
+          <a:lnRef idx="1">
+            <a:schemeClr val="accent1"/>
+          </a:lnRef>
+          <a:fillRef idx="0">
+            <a:schemeClr val="accent1"/>
+          </a:fillRef>
+          <a:effectRef idx="0">
+            <a:schemeClr val="accent1"/>
+          </a:effectRef>
+          <a:fontRef idx="minor">
+            <a:schemeClr val="tx1"/>
+          </a:fontRef>
+        </p:style>
+      </p:cxnSp>
+      <p:sp>
+        <p:nvSpPr>
+          <p:cNvPr id="123" name="文本框 122"/>
+          <p:cNvSpPr txBox="1"/>
+          <p:nvPr/>
+        </p:nvSpPr>
+        <p:spPr>
+          <a:xfrm>
+            <a:off x="45223" y="3228674"/>
+            <a:ext cx="1107996" cy="646331"/>
+          </a:xfrm>
+          <a:prstGeom prst="rect">
+            <a:avLst/>
+          </a:prstGeom>
+          <a:noFill/>
+        </p:spPr>
+        <p:txBody>
+          <a:bodyPr wrap="none" rtlCol="0">
+            <a:spAutoFit/>
+          </a:bodyPr>
+          <a:lstStyle/>
+          <a:p>
+            <a:r>
+              <a:rPr lang="en-US" altLang="zh-CN" dirty="0"/>
+              <a:t>.</a:t>
+            </a:r>
+            <a:r>
+              <a:rPr lang="en-US" altLang="zh-CN" dirty="0" err="1"/>
+              <a:t>fdt</a:t>
+            </a:r>
+            <a:r>
+              <a:rPr lang="zh-CN" altLang="en-US" dirty="0"/>
+              <a:t>文件  </a:t>
+            </a:r>
+            <a:endParaRPr lang="en-US" altLang="zh-CN" dirty="0"/>
+          </a:p>
+          <a:p>
+            <a:r>
+              <a:rPr lang="zh-CN" altLang="en-US" dirty="0"/>
+              <a:t>在磁盘上</a:t>
+            </a:r>
+            <a:endParaRPr lang="zh-CN" altLang="en-US" dirty="0"/>
+          </a:p>
+        </p:txBody>
+      </p:sp>
+      <p:sp>
+        <p:nvSpPr>
+          <p:cNvPr id="124" name="左大括号 123"/>
+          <p:cNvSpPr/>
+          <p:nvPr/>
+        </p:nvSpPr>
+        <p:spPr>
+          <a:xfrm>
+            <a:off x="9096866" y="3875005"/>
+            <a:ext cx="231170" cy="654857"/>
+          </a:xfrm>
+          <a:prstGeom prst="leftBrace">
+            <a:avLst/>
+          </a:prstGeom>
+        </p:spPr>
+        <p:style>
+          <a:lnRef idx="1">
+            <a:schemeClr val="accent1"/>
+          </a:lnRef>
+          <a:fillRef idx="0">
+            <a:schemeClr val="accent1"/>
+          </a:fillRef>
+          <a:effectRef idx="0">
+            <a:schemeClr val="accent1"/>
+          </a:effectRef>
+          <a:fontRef idx="minor">
+            <a:schemeClr val="tx1"/>
+          </a:fontRef>
+        </p:style>
+        <p:txBody>
+          <a:bodyPr rtlCol="0" anchor="ctr"/>
+          <a:lstStyle/>
+          <a:p>
+            <a:pPr algn="ctr"/>
+            <a:endParaRPr lang="zh-CN" altLang="en-US"/>
+          </a:p>
+        </p:txBody>
+      </p:sp>
+      <p:sp>
+        <p:nvSpPr>
+          <p:cNvPr id="125" name="文本框 124"/>
+          <p:cNvSpPr txBox="1"/>
+          <p:nvPr/>
+        </p:nvSpPr>
+        <p:spPr>
+          <a:xfrm>
+            <a:off x="9294412" y="3713912"/>
+            <a:ext cx="1990410" cy="369332"/>
+          </a:xfrm>
+          <a:prstGeom prst="rect">
+            <a:avLst/>
+          </a:prstGeom>
+          <a:noFill/>
+        </p:spPr>
+        <p:txBody>
+          <a:bodyPr wrap="square" rtlCol="0">
+            <a:spAutoFit/>
+          </a:bodyPr>
+          <a:lstStyle/>
+          <a:p>
+            <a:r>
+              <a:rPr lang="en-US" altLang="zh-CN" dirty="0"/>
+              <a:t>BEST_SPEED</a:t>
+            </a:r>
+            <a:endParaRPr lang="zh-CN" altLang="en-US" dirty="0"/>
+          </a:p>
+        </p:txBody>
+      </p:sp>
+      <p:sp>
+        <p:nvSpPr>
+          <p:cNvPr id="130" name="文本框 129"/>
+          <p:cNvSpPr txBox="1"/>
+          <p:nvPr/>
+        </p:nvSpPr>
+        <p:spPr>
+          <a:xfrm>
+            <a:off x="9306723" y="4345197"/>
+            <a:ext cx="2382513" cy="369332"/>
+          </a:xfrm>
+          <a:prstGeom prst="rect">
+            <a:avLst/>
+          </a:prstGeom>
+          <a:noFill/>
+        </p:spPr>
+        <p:txBody>
+          <a:bodyPr wrap="square" rtlCol="0">
+            <a:spAutoFit/>
+          </a:bodyPr>
+          <a:lstStyle/>
+          <a:p>
+            <a:r>
+              <a:rPr lang="en-US" altLang="zh-CN" dirty="0"/>
+              <a:t>BEST_COMPRESSION</a:t>
+            </a:r>
+            <a:endParaRPr lang="zh-CN" altLang="en-US" dirty="0"/>
+          </a:p>
+        </p:txBody>
+      </p:sp>
+      <p:sp>
+        <p:nvSpPr>
+          <p:cNvPr id="132" name="文本框 131"/>
+          <p:cNvSpPr txBox="1"/>
+          <p:nvPr/>
+        </p:nvSpPr>
+        <p:spPr>
+          <a:xfrm>
+            <a:off x="3763139" y="5051925"/>
+            <a:ext cx="1709122" cy="369332"/>
+          </a:xfrm>
+          <a:prstGeom prst="rect">
+            <a:avLst/>
+          </a:prstGeom>
+          <a:noFill/>
+        </p:spPr>
+        <p:txBody>
+          <a:bodyPr wrap="none" rtlCol="0">
+            <a:spAutoFit/>
+          </a:bodyPr>
+          <a:lstStyle/>
+          <a:p>
+            <a:r>
+              <a:rPr lang="zh-CN" altLang="en-US" dirty="0"/>
+              <a:t>每个</a:t>
+            </a:r>
+            <a:r>
+              <a:rPr lang="en-US" altLang="zh-CN" dirty="0"/>
+              <a:t>doc</a:t>
+            </a:r>
+            <a:r>
+              <a:rPr lang="zh-CN" altLang="en-US" dirty="0"/>
+              <a:t>的长度</a:t>
+            </a:r>
+            <a:endParaRPr lang="zh-CN" altLang="en-US" dirty="0"/>
+          </a:p>
+        </p:txBody>
+      </p:sp>
+      <p:cxnSp>
+        <p:nvCxnSpPr>
+          <p:cNvPr id="133" name="直接连接符 132"/>
+          <p:cNvCxnSpPr>
+            <a:stCxn id="57" idx="2"/>
+            <a:endCxn id="132" idx="0"/>
+          </p:cNvCxnSpPr>
+          <p:nvPr/>
+        </p:nvCxnSpPr>
+        <p:spPr>
+          <a:xfrm flipH="1">
+            <a:off x="4617700" y="4656838"/>
+            <a:ext cx="1697636" cy="395087"/>
+          </a:xfrm>
+          <a:prstGeom prst="line">
+            <a:avLst/>
+          </a:prstGeom>
+          <a:ln w="19050"/>
+        </p:spPr>
+        <p:style>
+          <a:lnRef idx="1">
+            <a:schemeClr val="accent1"/>
+          </a:lnRef>
+          <a:fillRef idx="0">
+            <a:schemeClr val="accent1"/>
+          </a:fillRef>
+          <a:effectRef idx="0">
+            <a:schemeClr val="accent1"/>
+          </a:effectRef>
+          <a:fontRef idx="minor">
+            <a:schemeClr val="tx1"/>
+          </a:fontRef>
+        </p:style>
+      </p:cxnSp>
+    </p:spTree>
+  </p:cSld>
+  <p:clrMapOvr>
+    <a:masterClrMapping/>
+  </p:clrMapOvr>
+</p:sld>
+</file>
+
+<file path=ppt/slides/slide11.xml><?xml version="1.0" encoding="utf-8"?>
+<p:sld xmlns:a="http://schemas.openxmlformats.org/drawingml/2006/main" xmlns:r="http://schemas.openxmlformats.org/officeDocument/2006/relationships" xmlns:p="http://schemas.openxmlformats.org/presentationml/2006/main">
+  <p:cSld>
+    <p:spTree>
+      <p:nvGrpSpPr>
+        <p:cNvPr id="1" name=""/>
+        <p:cNvGrpSpPr/>
+        <p:nvPr/>
+      </p:nvGrpSpPr>
+      <p:grpSpPr>
+        <a:xfrm>
+          <a:off x="0" y="0"/>
+          <a:ext cx="0" cy="0"/>
+          <a:chOff x="0" y="0"/>
+          <a:chExt cx="0" cy="0"/>
+        </a:xfrm>
+      </p:grpSpPr>
+      <p:sp>
+        <p:nvSpPr>
+          <p:cNvPr id="2" name="标题 1"/>
+          <p:cNvSpPr>
+            <a:spLocks noGrp="1"/>
+          </p:cNvSpPr>
+          <p:nvPr>
+            <p:ph type="title"/>
+          </p:nvPr>
+        </p:nvSpPr>
+        <p:spPr/>
+        <p:txBody>
+          <a:bodyPr/>
+          <a:lstStyle/>
+          <a:p>
+            <a:r>
+              <a:rPr lang="zh-CN" altLang="en-US" dirty="0"/>
+              <a:t>根据文档</a:t>
+            </a:r>
+            <a:r>
+              <a:rPr lang="en-US" altLang="zh-CN" dirty="0"/>
+              <a:t>id</a:t>
+            </a:r>
+            <a:r>
+              <a:rPr lang="zh-CN" altLang="en-US" dirty="0"/>
+              <a:t>，获取文档所有的字段信息</a:t>
+            </a:r>
+            <a:endParaRPr lang="zh-CN" altLang="en-US" dirty="0"/>
+          </a:p>
+        </p:txBody>
+      </p:sp>
+      <p:sp>
+        <p:nvSpPr>
+          <p:cNvPr id="3" name="内容占位符 2"/>
+          <p:cNvSpPr>
+            <a:spLocks noGrp="1"/>
+          </p:cNvSpPr>
+          <p:nvPr>
+            <p:ph idx="1"/>
+          </p:nvPr>
+        </p:nvSpPr>
+        <p:spPr/>
+        <p:txBody>
+          <a:bodyPr/>
+          <a:lstStyle/>
+          <a:p>
+            <a:r>
+              <a:rPr lang="en-US" altLang="zh-CN" dirty="0"/>
+              <a:t>1. </a:t>
+            </a:r>
+            <a:r>
+              <a:rPr lang="zh-CN" altLang="en-US" dirty="0"/>
+              <a:t>根据文档</a:t>
+            </a:r>
+            <a:r>
+              <a:rPr lang="en-US" altLang="zh-CN" dirty="0"/>
+              <a:t>id</a:t>
+            </a:r>
+            <a:r>
+              <a:rPr lang="zh-CN" altLang="en-US" dirty="0"/>
+              <a:t>在</a:t>
+            </a:r>
+            <a:r>
+              <a:rPr lang="en-US" altLang="zh-CN" dirty="0" err="1"/>
+              <a:t>DocBases</a:t>
+            </a:r>
+            <a:r>
+              <a:rPr lang="zh-CN" altLang="en-US" dirty="0"/>
+              <a:t>数组中进行二分查找，确定</a:t>
+            </a:r>
+            <a:r>
+              <a:rPr lang="en-US" altLang="zh-CN" dirty="0"/>
+              <a:t>chunk</a:t>
+            </a:r>
+            <a:r>
+              <a:rPr lang="zh-CN" altLang="en-US" dirty="0"/>
+              <a:t>下标：</a:t>
+            </a:r>
+            <a:r>
+              <a:rPr lang="en-US" altLang="zh-CN" dirty="0" err="1"/>
+              <a:t>chunkIndex</a:t>
+            </a:r>
+            <a:endParaRPr lang="en-US" altLang="zh-CN" dirty="0"/>
+          </a:p>
+          <a:p>
+            <a:r>
+              <a:rPr lang="en-US" altLang="zh-CN" dirty="0"/>
+              <a:t>2. </a:t>
+            </a:r>
+            <a:r>
+              <a:rPr lang="zh-CN" altLang="en-US" dirty="0"/>
+              <a:t>获取</a:t>
+            </a:r>
+            <a:r>
+              <a:rPr lang="en-US" altLang="zh-CN" dirty="0"/>
+              <a:t>chunk</a:t>
+            </a:r>
+            <a:r>
+              <a:rPr lang="zh-CN" altLang="en-US" dirty="0"/>
+              <a:t>在磁盘上的位置</a:t>
+            </a:r>
+            <a:r>
+              <a:rPr lang="en-US" altLang="zh-CN" dirty="0" err="1"/>
+              <a:t>StartPointers</a:t>
+            </a:r>
+            <a:r>
+              <a:rPr lang="en-US" altLang="zh-CN" dirty="0"/>
+              <a:t>[</a:t>
+            </a:r>
+            <a:r>
+              <a:rPr lang="en-US" altLang="zh-CN" dirty="0" err="1"/>
+              <a:t>chunkIndex</a:t>
+            </a:r>
+            <a:r>
+              <a:rPr lang="en-US" altLang="zh-CN" dirty="0"/>
+              <a:t>]</a:t>
+            </a:r>
+            <a:endParaRPr lang="en-US" altLang="zh-CN" dirty="0"/>
+          </a:p>
+          <a:p>
+            <a:r>
+              <a:rPr lang="en-US" altLang="zh-CN" dirty="0"/>
+              <a:t>3. </a:t>
+            </a:r>
+            <a:r>
+              <a:rPr lang="zh-CN" altLang="en-US" dirty="0"/>
+              <a:t>从磁盘读取</a:t>
+            </a:r>
+            <a:r>
+              <a:rPr lang="en-US" altLang="zh-CN" dirty="0"/>
+              <a:t>chunk</a:t>
+            </a:r>
+            <a:r>
+              <a:rPr lang="zh-CN" altLang="en-US" dirty="0"/>
+              <a:t>头部信息</a:t>
+            </a:r>
+            <a:endParaRPr lang="en-US" altLang="zh-CN" dirty="0"/>
+          </a:p>
+          <a:p>
+            <a:r>
+              <a:rPr lang="en-US" altLang="zh-CN" dirty="0"/>
+              <a:t>4. </a:t>
+            </a:r>
+            <a:r>
+              <a:rPr lang="zh-CN" altLang="en-US" dirty="0"/>
+              <a:t>根据</a:t>
+            </a:r>
+            <a:r>
+              <a:rPr lang="en-US" altLang="zh-CN" dirty="0" err="1"/>
+              <a:t>DocLengths</a:t>
+            </a:r>
+            <a:r>
+              <a:rPr lang="zh-CN" altLang="en-US" dirty="0"/>
+              <a:t>数组确定要读取的</a:t>
+            </a:r>
+            <a:r>
+              <a:rPr lang="en-US" altLang="zh-CN" dirty="0"/>
+              <a:t>doc</a:t>
+            </a:r>
+            <a:r>
+              <a:rPr lang="zh-CN" altLang="en-US" dirty="0"/>
+              <a:t>的偏移量</a:t>
+            </a:r>
+            <a:r>
+              <a:rPr lang="en-US" altLang="zh-CN" dirty="0"/>
+              <a:t>offset</a:t>
+            </a:r>
+            <a:r>
+              <a:rPr lang="zh-CN" altLang="en-US" dirty="0"/>
+              <a:t>和长度</a:t>
+            </a:r>
+            <a:r>
+              <a:rPr lang="en-US" altLang="zh-CN" dirty="0"/>
+              <a:t>length </a:t>
+            </a:r>
+            <a:endParaRPr lang="en-US" altLang="zh-CN" dirty="0"/>
+          </a:p>
+          <a:p>
+            <a:r>
+              <a:rPr lang="en-US" altLang="zh-CN" dirty="0"/>
+              <a:t>5. </a:t>
+            </a:r>
+            <a:r>
+              <a:rPr lang="zh-CN" altLang="en-US" dirty="0"/>
+              <a:t>解压</a:t>
+            </a:r>
+            <a:r>
+              <a:rPr lang="en-US" altLang="zh-CN" dirty="0"/>
+              <a:t>(offset, </a:t>
+            </a:r>
+            <a:r>
+              <a:rPr lang="en-US" altLang="zh-CN" dirty="0" err="1"/>
+              <a:t>offset+length</a:t>
+            </a:r>
+            <a:r>
+              <a:rPr lang="en-US" altLang="zh-CN" dirty="0"/>
+              <a:t>)</a:t>
+            </a:r>
+            <a:r>
+              <a:rPr lang="zh-CN" altLang="en-US" dirty="0"/>
+              <a:t>区域的数据</a:t>
+            </a:r>
+            <a:endParaRPr lang="en-US" altLang="zh-CN" dirty="0"/>
+          </a:p>
+          <a:p>
+            <a:r>
+              <a:rPr lang="en-US" altLang="zh-CN" dirty="0"/>
+              <a:t>6. </a:t>
+            </a:r>
+            <a:r>
+              <a:rPr lang="zh-CN" altLang="en-US" dirty="0"/>
+              <a:t>提取所需要的字段信息</a:t>
+            </a:r>
+            <a:endParaRPr lang="zh-CN" altLang="en-US" dirty="0"/>
+          </a:p>
+        </p:txBody>
+      </p:sp>
+    </p:spTree>
+  </p:cSld>
+  <p:clrMapOvr>
+    <a:masterClrMapping/>
+  </p:clrMapOvr>
+</p:sld>
+</file>
+
+<file path=ppt/slides/slide12.xml><?xml version="1.0" encoding="utf-8"?>
+<p:sld xmlns:a="http://schemas.openxmlformats.org/drawingml/2006/main" xmlns:r="http://schemas.openxmlformats.org/officeDocument/2006/relationships" xmlns:p="http://schemas.openxmlformats.org/presentationml/2006/main">
+  <p:cSld>
+    <p:spTree>
+      <p:nvGrpSpPr>
+        <p:cNvPr id="1" name=""/>
+        <p:cNvGrpSpPr/>
+        <p:nvPr/>
+      </p:nvGrpSpPr>
+      <p:grpSpPr>
+        <a:xfrm>
+          <a:off x="0" y="0"/>
+          <a:ext cx="0" cy="0"/>
+          <a:chOff x="0" y="0"/>
+          <a:chExt cx="0" cy="0"/>
+        </a:xfrm>
+      </p:grpSpPr>
+      <p:sp>
+        <p:nvSpPr>
           <p:cNvPr id="3" name="标题 2"/>
           <p:cNvSpPr>
             <a:spLocks noGrp="1"/>
@@ -6170,11 +9013,1359 @@
         </p:txBody>
       </p:sp>
     </p:spTree>
-    <p:extLst>
-      <p:ext uri="{BB962C8B-B14F-4D97-AF65-F5344CB8AC3E}">
-        <p14:creationId xmlns:p14="http://schemas.microsoft.com/office/powerpoint/2010/main" val="2909769710"/>
-      </p:ext>
-    </p:extLst>
+  </p:cSld>
+  <p:clrMapOvr>
+    <a:masterClrMapping/>
+  </p:clrMapOvr>
+</p:sld>
+</file>
+
+<file path=ppt/slides/slide13.xml><?xml version="1.0" encoding="utf-8"?>
+<p:sld xmlns:a="http://schemas.openxmlformats.org/drawingml/2006/main" xmlns:r="http://schemas.openxmlformats.org/officeDocument/2006/relationships" xmlns:p="http://schemas.openxmlformats.org/presentationml/2006/main">
+  <p:cSld>
+    <p:spTree>
+      <p:nvGrpSpPr>
+        <p:cNvPr id="1" name=""/>
+        <p:cNvGrpSpPr/>
+        <p:nvPr/>
+      </p:nvGrpSpPr>
+      <p:grpSpPr/>
+      <p:cxnSp>
+        <p:nvCxnSpPr>
+          <p:cNvPr id="32" name="直接连接符 31"/>
+          <p:cNvCxnSpPr/>
+          <p:nvPr/>
+        </p:nvCxnSpPr>
+        <p:spPr>
+          <a:xfrm>
+            <a:off x="209007" y="378120"/>
+            <a:ext cx="11774078" cy="0"/>
+          </a:xfrm>
+          <a:prstGeom prst="line">
+            <a:avLst/>
+          </a:prstGeom>
+          <a:ln w="19050"/>
+        </p:spPr>
+        <p:style>
+          <a:lnRef idx="1">
+            <a:schemeClr val="dk1"/>
+          </a:lnRef>
+          <a:fillRef idx="0">
+            <a:schemeClr val="dk1"/>
+          </a:fillRef>
+          <a:effectRef idx="0">
+            <a:schemeClr val="dk1"/>
+          </a:effectRef>
+          <a:fontRef idx="minor">
+            <a:schemeClr val="tx1"/>
+          </a:fontRef>
+        </p:style>
+      </p:cxnSp>
+      <p:sp>
+        <p:nvSpPr>
+          <p:cNvPr id="35" name="矩形 34"/>
+          <p:cNvSpPr/>
+          <p:nvPr/>
+        </p:nvSpPr>
+        <p:spPr>
+          <a:xfrm>
+            <a:off x="1894886" y="602226"/>
+            <a:ext cx="2139886" cy="358217"/>
+          </a:xfrm>
+          <a:prstGeom prst="rect">
+            <a:avLst/>
+          </a:prstGeom>
+        </p:spPr>
+        <p:style>
+          <a:lnRef idx="2">
+            <a:schemeClr val="accent3">
+              <a:shade val="50000"/>
+            </a:schemeClr>
+          </a:lnRef>
+          <a:fillRef idx="1">
+            <a:schemeClr val="accent3"/>
+          </a:fillRef>
+          <a:effectRef idx="0">
+            <a:schemeClr val="accent3"/>
+          </a:effectRef>
+          <a:fontRef idx="minor">
+            <a:schemeClr val="lt1"/>
+          </a:fontRef>
+        </p:style>
+        <p:txBody>
+          <a:bodyPr rtlCol="0" anchor="ctr"/>
+          <a:p>
+            <a:pPr algn="ctr"/>
+            <a:r>
+              <a:rPr lang="en-US" altLang="zh-CN" dirty="0"/>
+              <a:t>Header</a:t>
+            </a:r>
+            <a:endParaRPr lang="zh-CN" altLang="en-US" dirty="0"/>
+          </a:p>
+        </p:txBody>
+      </p:sp>
+      <p:sp>
+        <p:nvSpPr>
+          <p:cNvPr id="36" name="矩形 35"/>
+          <p:cNvSpPr/>
+          <p:nvPr/>
+        </p:nvSpPr>
+        <p:spPr>
+          <a:xfrm>
+            <a:off x="4039485" y="602226"/>
+            <a:ext cx="1046375" cy="358219"/>
+          </a:xfrm>
+          <a:prstGeom prst="rect">
+            <a:avLst/>
+          </a:prstGeom>
+        </p:spPr>
+        <p:style>
+          <a:lnRef idx="2">
+            <a:schemeClr val="accent6">
+              <a:shade val="50000"/>
+            </a:schemeClr>
+          </a:lnRef>
+          <a:fillRef idx="1">
+            <a:schemeClr val="accent6"/>
+          </a:fillRef>
+          <a:effectRef idx="0">
+            <a:schemeClr val="accent6"/>
+          </a:effectRef>
+          <a:fontRef idx="minor">
+            <a:schemeClr val="lt1"/>
+          </a:fontRef>
+        </p:style>
+        <p:txBody>
+          <a:bodyPr rtlCol="0" anchor="ctr"/>
+          <a:p>
+            <a:pPr algn="ctr"/>
+            <a:r>
+              <a:rPr lang="en-US" altLang="zh-CN" dirty="0"/>
+              <a:t>Chunk</a:t>
+            </a:r>
+            <a:endParaRPr lang="zh-CN" altLang="en-US" dirty="0"/>
+          </a:p>
+        </p:txBody>
+      </p:sp>
+      <p:sp>
+        <p:nvSpPr>
+          <p:cNvPr id="37" name="矩形 36"/>
+          <p:cNvSpPr/>
+          <p:nvPr/>
+        </p:nvSpPr>
+        <p:spPr>
+          <a:xfrm>
+            <a:off x="5034011" y="602226"/>
+            <a:ext cx="1046375" cy="358219"/>
+          </a:xfrm>
+          <a:prstGeom prst="rect">
+            <a:avLst/>
+          </a:prstGeom>
+        </p:spPr>
+        <p:style>
+          <a:lnRef idx="2">
+            <a:schemeClr val="accent6">
+              <a:shade val="50000"/>
+            </a:schemeClr>
+          </a:lnRef>
+          <a:fillRef idx="1">
+            <a:schemeClr val="accent6"/>
+          </a:fillRef>
+          <a:effectRef idx="0">
+            <a:schemeClr val="accent6"/>
+          </a:effectRef>
+          <a:fontRef idx="minor">
+            <a:schemeClr val="lt1"/>
+          </a:fontRef>
+        </p:style>
+        <p:txBody>
+          <a:bodyPr rtlCol="0" anchor="ctr"/>
+          <a:p>
+            <a:pPr algn="ctr"/>
+            <a:r>
+              <a:rPr lang="en-US" altLang="zh-CN" dirty="0"/>
+              <a:t>Chunk</a:t>
+            </a:r>
+            <a:endParaRPr lang="zh-CN" altLang="en-US" dirty="0"/>
+          </a:p>
+        </p:txBody>
+      </p:sp>
+      <p:sp>
+        <p:nvSpPr>
+          <p:cNvPr id="38" name="矩形 37"/>
+          <p:cNvSpPr/>
+          <p:nvPr/>
+        </p:nvSpPr>
+        <p:spPr>
+          <a:xfrm>
+            <a:off x="6075673" y="602226"/>
+            <a:ext cx="579750" cy="358219"/>
+          </a:xfrm>
+          <a:prstGeom prst="rect">
+            <a:avLst/>
+          </a:prstGeom>
+          <a:noFill/>
+          <a:ln>
+            <a:noFill/>
+          </a:ln>
+        </p:spPr>
+        <p:style>
+          <a:lnRef idx="2">
+            <a:schemeClr val="accent1">
+              <a:shade val="50000"/>
+            </a:schemeClr>
+          </a:lnRef>
+          <a:fillRef idx="1">
+            <a:schemeClr val="accent1"/>
+          </a:fillRef>
+          <a:effectRef idx="0">
+            <a:schemeClr val="accent1"/>
+          </a:effectRef>
+          <a:fontRef idx="minor">
+            <a:schemeClr val="lt1"/>
+          </a:fontRef>
+        </p:style>
+        <p:txBody>
+          <a:bodyPr rtlCol="0" anchor="ctr"/>
+          <a:p>
+            <a:pPr algn="ctr"/>
+            <a:r>
+              <a:rPr lang="en-US" altLang="zh-CN" dirty="0">
+                <a:solidFill>
+                  <a:schemeClr val="tx1"/>
+                </a:solidFill>
+              </a:rPr>
+              <a:t>......</a:t>
+            </a:r>
+            <a:endParaRPr lang="en-US" altLang="zh-CN" dirty="0">
+              <a:solidFill>
+                <a:schemeClr val="tx1"/>
+              </a:solidFill>
+            </a:endParaRPr>
+          </a:p>
+        </p:txBody>
+      </p:sp>
+      <p:sp>
+        <p:nvSpPr>
+          <p:cNvPr id="39" name="矩形 38"/>
+          <p:cNvSpPr/>
+          <p:nvPr/>
+        </p:nvSpPr>
+        <p:spPr>
+          <a:xfrm>
+            <a:off x="6655423" y="602226"/>
+            <a:ext cx="1046375" cy="358219"/>
+          </a:xfrm>
+          <a:prstGeom prst="rect">
+            <a:avLst/>
+          </a:prstGeom>
+        </p:spPr>
+        <p:style>
+          <a:lnRef idx="2">
+            <a:schemeClr val="accent6">
+              <a:shade val="50000"/>
+            </a:schemeClr>
+          </a:lnRef>
+          <a:fillRef idx="1">
+            <a:schemeClr val="accent6"/>
+          </a:fillRef>
+          <a:effectRef idx="0">
+            <a:schemeClr val="accent6"/>
+          </a:effectRef>
+          <a:fontRef idx="minor">
+            <a:schemeClr val="lt1"/>
+          </a:fontRef>
+        </p:style>
+        <p:txBody>
+          <a:bodyPr rtlCol="0" anchor="ctr"/>
+          <a:p>
+            <a:pPr algn="ctr"/>
+            <a:r>
+              <a:rPr lang="en-US" altLang="zh-CN" dirty="0"/>
+              <a:t>Chunk</a:t>
+            </a:r>
+            <a:endParaRPr lang="zh-CN" altLang="en-US" dirty="0"/>
+          </a:p>
+        </p:txBody>
+      </p:sp>
+      <p:sp>
+        <p:nvSpPr>
+          <p:cNvPr id="41" name="矩形 40"/>
+          <p:cNvSpPr/>
+          <p:nvPr/>
+        </p:nvSpPr>
+        <p:spPr>
+          <a:xfrm>
+            <a:off x="7697085" y="602226"/>
+            <a:ext cx="2412426" cy="358219"/>
+          </a:xfrm>
+          <a:prstGeom prst="rect">
+            <a:avLst/>
+          </a:prstGeom>
+        </p:spPr>
+        <p:style>
+          <a:lnRef idx="2">
+            <a:schemeClr val="accent3">
+              <a:shade val="50000"/>
+            </a:schemeClr>
+          </a:lnRef>
+          <a:fillRef idx="1">
+            <a:schemeClr val="accent3"/>
+          </a:fillRef>
+          <a:effectRef idx="0">
+            <a:schemeClr val="accent3"/>
+          </a:effectRef>
+          <a:fontRef idx="minor">
+            <a:schemeClr val="lt1"/>
+          </a:fontRef>
+        </p:style>
+        <p:txBody>
+          <a:bodyPr rtlCol="0" anchor="ctr"/>
+          <a:p>
+            <a:pPr algn="ctr"/>
+            <a:r>
+              <a:rPr lang="en-US" altLang="zh-CN" dirty="0"/>
+              <a:t>Footer</a:t>
+            </a:r>
+            <a:endParaRPr lang="zh-CN" altLang="en-US" dirty="0"/>
+          </a:p>
+        </p:txBody>
+      </p:sp>
+      <p:sp>
+        <p:nvSpPr>
+          <p:cNvPr id="3" name="矩形 2"/>
+          <p:cNvSpPr/>
+          <p:nvPr/>
+        </p:nvSpPr>
+        <p:spPr>
+          <a:xfrm>
+            <a:off x="332990" y="1413121"/>
+            <a:ext cx="1046375" cy="358219"/>
+          </a:xfrm>
+          <a:prstGeom prst="rect">
+            <a:avLst/>
+          </a:prstGeom>
+        </p:spPr>
+        <p:style>
+          <a:lnRef idx="2">
+            <a:schemeClr val="accent6">
+              <a:shade val="50000"/>
+            </a:schemeClr>
+          </a:lnRef>
+          <a:fillRef idx="1">
+            <a:schemeClr val="accent6"/>
+          </a:fillRef>
+          <a:effectRef idx="0">
+            <a:schemeClr val="accent6"/>
+          </a:effectRef>
+          <a:fontRef idx="minor">
+            <a:schemeClr val="lt1"/>
+          </a:fontRef>
+        </p:style>
+        <p:txBody>
+          <a:bodyPr rtlCol="0" anchor="ctr"/>
+          <a:p>
+            <a:pPr algn="ctr"/>
+            <a:r>
+              <a:rPr lang="en-US" altLang="zh-CN" dirty="0"/>
+              <a:t>DocBase</a:t>
+            </a:r>
+            <a:endParaRPr lang="en-US" altLang="zh-CN" dirty="0"/>
+          </a:p>
+        </p:txBody>
+      </p:sp>
+      <p:sp>
+        <p:nvSpPr>
+          <p:cNvPr id="4" name="矩形 3"/>
+          <p:cNvSpPr/>
+          <p:nvPr/>
+        </p:nvSpPr>
+        <p:spPr>
+          <a:xfrm>
+            <a:off x="1327785" y="1412875"/>
+            <a:ext cx="1363980" cy="358140"/>
+          </a:xfrm>
+          <a:prstGeom prst="rect">
+            <a:avLst/>
+          </a:prstGeom>
+        </p:spPr>
+        <p:style>
+          <a:lnRef idx="2">
+            <a:schemeClr val="accent6">
+              <a:shade val="50000"/>
+            </a:schemeClr>
+          </a:lnRef>
+          <a:fillRef idx="1">
+            <a:schemeClr val="accent6"/>
+          </a:fillRef>
+          <a:effectRef idx="0">
+            <a:schemeClr val="accent6"/>
+          </a:effectRef>
+          <a:fontRef idx="minor">
+            <a:schemeClr val="lt1"/>
+          </a:fontRef>
+        </p:style>
+        <p:txBody>
+          <a:bodyPr rtlCol="0" anchor="ctr"/>
+          <a:p>
+            <a:pPr algn="ctr"/>
+            <a:r>
+              <a:rPr lang="en-US" altLang="zh-CN" dirty="0"/>
+              <a:t>ChunkDocs</a:t>
+            </a:r>
+            <a:endParaRPr lang="en-US" altLang="zh-CN" dirty="0"/>
+          </a:p>
+        </p:txBody>
+      </p:sp>
+      <p:sp>
+        <p:nvSpPr>
+          <p:cNvPr id="6" name="矩形 5"/>
+          <p:cNvSpPr/>
+          <p:nvPr/>
+        </p:nvSpPr>
+        <p:spPr>
+          <a:xfrm>
+            <a:off x="2691765" y="1412875"/>
+            <a:ext cx="1343660" cy="358140"/>
+          </a:xfrm>
+          <a:prstGeom prst="rect">
+            <a:avLst/>
+          </a:prstGeom>
+        </p:spPr>
+        <p:style>
+          <a:lnRef idx="2">
+            <a:schemeClr val="accent6">
+              <a:shade val="50000"/>
+            </a:schemeClr>
+          </a:lnRef>
+          <a:fillRef idx="1">
+            <a:schemeClr val="accent6"/>
+          </a:fillRef>
+          <a:effectRef idx="0">
+            <a:schemeClr val="accent6"/>
+          </a:effectRef>
+          <a:fontRef idx="minor">
+            <a:schemeClr val="lt1"/>
+          </a:fontRef>
+        </p:style>
+        <p:txBody>
+          <a:bodyPr rtlCol="0" anchor="ctr"/>
+          <a:p>
+            <a:pPr algn="ctr"/>
+            <a:r>
+              <a:rPr lang="en-US" altLang="zh-CN" dirty="0"/>
+              <a:t>NumFields </a:t>
+            </a:r>
+            <a:endParaRPr lang="en-US" altLang="zh-CN" dirty="0"/>
+          </a:p>
+        </p:txBody>
+      </p:sp>
+      <p:sp>
+        <p:nvSpPr>
+          <p:cNvPr id="8" name="矩形 7"/>
+          <p:cNvSpPr/>
+          <p:nvPr/>
+        </p:nvSpPr>
+        <p:spPr>
+          <a:xfrm>
+            <a:off x="4034790" y="1412875"/>
+            <a:ext cx="1343660" cy="358140"/>
+          </a:xfrm>
+          <a:prstGeom prst="rect">
+            <a:avLst/>
+          </a:prstGeom>
+        </p:spPr>
+        <p:style>
+          <a:lnRef idx="2">
+            <a:schemeClr val="accent6">
+              <a:shade val="50000"/>
+            </a:schemeClr>
+          </a:lnRef>
+          <a:fillRef idx="1">
+            <a:schemeClr val="accent6"/>
+          </a:fillRef>
+          <a:effectRef idx="0">
+            <a:schemeClr val="accent6"/>
+          </a:effectRef>
+          <a:fontRef idx="minor">
+            <a:schemeClr val="lt1"/>
+          </a:fontRef>
+        </p:style>
+        <p:txBody>
+          <a:bodyPr rtlCol="0" anchor="ctr"/>
+          <a:p>
+            <a:pPr algn="ctr"/>
+            <a:r>
+              <a:rPr lang="en-US" altLang="zh-CN" dirty="0"/>
+              <a:t>FieldNums </a:t>
+            </a:r>
+            <a:endParaRPr lang="en-US" altLang="zh-CN" dirty="0"/>
+          </a:p>
+        </p:txBody>
+      </p:sp>
+      <p:sp>
+        <p:nvSpPr>
+          <p:cNvPr id="9" name="矩形 8"/>
+          <p:cNvSpPr/>
+          <p:nvPr/>
+        </p:nvSpPr>
+        <p:spPr>
+          <a:xfrm>
+            <a:off x="5311775" y="1412875"/>
+            <a:ext cx="1544955" cy="358140"/>
+          </a:xfrm>
+          <a:prstGeom prst="rect">
+            <a:avLst/>
+          </a:prstGeom>
+        </p:spPr>
+        <p:style>
+          <a:lnRef idx="2">
+            <a:schemeClr val="accent6">
+              <a:shade val="50000"/>
+            </a:schemeClr>
+          </a:lnRef>
+          <a:fillRef idx="1">
+            <a:schemeClr val="accent6"/>
+          </a:fillRef>
+          <a:effectRef idx="0">
+            <a:schemeClr val="accent6"/>
+          </a:effectRef>
+          <a:fontRef idx="minor">
+            <a:schemeClr val="lt1"/>
+          </a:fontRef>
+        </p:style>
+        <p:txBody>
+          <a:bodyPr rtlCol="0" anchor="ctr"/>
+          <a:p>
+            <a:pPr algn="ctr"/>
+            <a:r>
+              <a:rPr lang="en-US" altLang="zh-CN" dirty="0"/>
+              <a:t>FieldNumOffs </a:t>
+            </a:r>
+            <a:endParaRPr lang="en-US" altLang="zh-CN" dirty="0"/>
+          </a:p>
+        </p:txBody>
+      </p:sp>
+      <p:sp>
+        <p:nvSpPr>
+          <p:cNvPr id="10" name="矩形 9"/>
+          <p:cNvSpPr/>
+          <p:nvPr/>
+        </p:nvSpPr>
+        <p:spPr>
+          <a:xfrm>
+            <a:off x="6856730" y="1412875"/>
+            <a:ext cx="845185" cy="358140"/>
+          </a:xfrm>
+          <a:prstGeom prst="rect">
+            <a:avLst/>
+          </a:prstGeom>
+        </p:spPr>
+        <p:style>
+          <a:lnRef idx="2">
+            <a:schemeClr val="accent6">
+              <a:shade val="50000"/>
+            </a:schemeClr>
+          </a:lnRef>
+          <a:fillRef idx="1">
+            <a:schemeClr val="accent6"/>
+          </a:fillRef>
+          <a:effectRef idx="0">
+            <a:schemeClr val="accent6"/>
+          </a:effectRef>
+          <a:fontRef idx="minor">
+            <a:schemeClr val="lt1"/>
+          </a:fontRef>
+        </p:style>
+        <p:txBody>
+          <a:bodyPr rtlCol="0" anchor="ctr"/>
+          <a:p>
+            <a:pPr algn="ctr"/>
+            <a:r>
+              <a:rPr lang="en-US" altLang="zh-CN" dirty="0"/>
+              <a:t>Flags </a:t>
+            </a:r>
+            <a:endParaRPr lang="en-US" altLang="zh-CN" dirty="0"/>
+          </a:p>
+        </p:txBody>
+      </p:sp>
+      <p:sp>
+        <p:nvSpPr>
+          <p:cNvPr id="12" name="矩形 11"/>
+          <p:cNvSpPr/>
+          <p:nvPr/>
+        </p:nvSpPr>
+        <p:spPr>
+          <a:xfrm>
+            <a:off x="3730625" y="2551430"/>
+            <a:ext cx="1307465" cy="358140"/>
+          </a:xfrm>
+          <a:prstGeom prst="rect">
+            <a:avLst/>
+          </a:prstGeom>
+        </p:spPr>
+        <p:style>
+          <a:lnRef idx="3">
+            <a:schemeClr val="lt1"/>
+          </a:lnRef>
+          <a:fillRef idx="1">
+            <a:schemeClr val="accent1"/>
+          </a:fillRef>
+          <a:effectRef idx="1">
+            <a:schemeClr val="accent1"/>
+          </a:effectRef>
+          <a:fontRef idx="minor">
+            <a:schemeClr val="lt1"/>
+          </a:fontRef>
+        </p:style>
+        <p:txBody>
+          <a:bodyPr rtlCol="0" anchor="ctr"/>
+          <a:p>
+            <a:pPr algn="ctr"/>
+            <a:r>
+              <a:rPr lang="en-US" altLang="zh-CN" dirty="0"/>
+              <a:t>NumTerms </a:t>
+            </a:r>
+            <a:endParaRPr lang="en-US" altLang="zh-CN" dirty="0"/>
+          </a:p>
+        </p:txBody>
+      </p:sp>
+      <p:sp>
+        <p:nvSpPr>
+          <p:cNvPr id="13" name="矩形 12"/>
+          <p:cNvSpPr/>
+          <p:nvPr/>
+        </p:nvSpPr>
+        <p:spPr>
+          <a:xfrm>
+            <a:off x="5038090" y="2551430"/>
+            <a:ext cx="1497965" cy="358140"/>
+          </a:xfrm>
+          <a:prstGeom prst="rect">
+            <a:avLst/>
+          </a:prstGeom>
+        </p:spPr>
+        <p:style>
+          <a:lnRef idx="3">
+            <a:schemeClr val="lt1"/>
+          </a:lnRef>
+          <a:fillRef idx="1">
+            <a:schemeClr val="accent1"/>
+          </a:fillRef>
+          <a:effectRef idx="1">
+            <a:schemeClr val="accent1"/>
+          </a:effectRef>
+          <a:fontRef idx="minor">
+            <a:schemeClr val="lt1"/>
+          </a:fontRef>
+        </p:style>
+        <p:txBody>
+          <a:bodyPr rtlCol="0" anchor="ctr"/>
+          <a:p>
+            <a:pPr algn="ctr"/>
+            <a:r>
+              <a:rPr lang="en-US" altLang="zh-CN" dirty="0"/>
+              <a:t>TermLengths </a:t>
+            </a:r>
+            <a:endParaRPr lang="en-US" altLang="zh-CN" dirty="0"/>
+          </a:p>
+        </p:txBody>
+      </p:sp>
+      <p:sp>
+        <p:nvSpPr>
+          <p:cNvPr id="14" name="矩形 13"/>
+          <p:cNvSpPr/>
+          <p:nvPr/>
+        </p:nvSpPr>
+        <p:spPr>
+          <a:xfrm>
+            <a:off x="6536055" y="2551430"/>
+            <a:ext cx="1284605" cy="358140"/>
+          </a:xfrm>
+          <a:prstGeom prst="rect">
+            <a:avLst/>
+          </a:prstGeom>
+        </p:spPr>
+        <p:style>
+          <a:lnRef idx="3">
+            <a:schemeClr val="lt1"/>
+          </a:lnRef>
+          <a:fillRef idx="1">
+            <a:schemeClr val="accent1"/>
+          </a:fillRef>
+          <a:effectRef idx="1">
+            <a:schemeClr val="accent1"/>
+          </a:effectRef>
+          <a:fontRef idx="minor">
+            <a:schemeClr val="lt1"/>
+          </a:fontRef>
+        </p:style>
+        <p:txBody>
+          <a:bodyPr rtlCol="0" anchor="ctr"/>
+          <a:p>
+            <a:pPr algn="ctr"/>
+            <a:r>
+              <a:rPr lang="en-US" altLang="zh-CN" dirty="0"/>
+              <a:t>TermFreqs </a:t>
+            </a:r>
+            <a:endParaRPr lang="en-US" altLang="zh-CN" dirty="0"/>
+          </a:p>
+        </p:txBody>
+      </p:sp>
+      <p:sp>
+        <p:nvSpPr>
+          <p:cNvPr id="15" name="矩形 14"/>
+          <p:cNvSpPr/>
+          <p:nvPr/>
+        </p:nvSpPr>
+        <p:spPr>
+          <a:xfrm>
+            <a:off x="7820660" y="2551430"/>
+            <a:ext cx="1104900" cy="358140"/>
+          </a:xfrm>
+          <a:prstGeom prst="rect">
+            <a:avLst/>
+          </a:prstGeom>
+        </p:spPr>
+        <p:style>
+          <a:lnRef idx="3">
+            <a:schemeClr val="lt1"/>
+          </a:lnRef>
+          <a:fillRef idx="1">
+            <a:schemeClr val="accent1"/>
+          </a:fillRef>
+          <a:effectRef idx="1">
+            <a:schemeClr val="accent1"/>
+          </a:effectRef>
+          <a:fontRef idx="minor">
+            <a:schemeClr val="lt1"/>
+          </a:fontRef>
+        </p:style>
+        <p:txBody>
+          <a:bodyPr rtlCol="0" anchor="ctr"/>
+          <a:p>
+            <a:pPr algn="ctr"/>
+            <a:r>
+              <a:rPr lang="en-US" altLang="zh-CN" dirty="0"/>
+              <a:t>Positions </a:t>
+            </a:r>
+            <a:endParaRPr lang="en-US" altLang="zh-CN" dirty="0"/>
+          </a:p>
+        </p:txBody>
+      </p:sp>
+      <p:sp>
+        <p:nvSpPr>
+          <p:cNvPr id="16" name="矩形 15"/>
+          <p:cNvSpPr/>
+          <p:nvPr/>
+        </p:nvSpPr>
+        <p:spPr>
+          <a:xfrm>
+            <a:off x="8925560" y="2551430"/>
+            <a:ext cx="1343025" cy="358140"/>
+          </a:xfrm>
+          <a:prstGeom prst="rect">
+            <a:avLst/>
+          </a:prstGeom>
+        </p:spPr>
+        <p:style>
+          <a:lnRef idx="3">
+            <a:schemeClr val="lt1"/>
+          </a:lnRef>
+          <a:fillRef idx="1">
+            <a:schemeClr val="accent1"/>
+          </a:fillRef>
+          <a:effectRef idx="1">
+            <a:schemeClr val="accent1"/>
+          </a:effectRef>
+          <a:fontRef idx="minor">
+            <a:schemeClr val="lt1"/>
+          </a:fontRef>
+        </p:style>
+        <p:txBody>
+          <a:bodyPr rtlCol="0" anchor="ctr"/>
+          <a:p>
+            <a:pPr algn="ctr"/>
+            <a:r>
+              <a:rPr lang="en-US" altLang="zh-CN" dirty="0"/>
+              <a:t>StartOffsets </a:t>
+            </a:r>
+            <a:endParaRPr lang="en-US" altLang="zh-CN" dirty="0"/>
+          </a:p>
+        </p:txBody>
+      </p:sp>
+      <p:sp>
+        <p:nvSpPr>
+          <p:cNvPr id="17" name="矩形 16"/>
+          <p:cNvSpPr/>
+          <p:nvPr/>
+        </p:nvSpPr>
+        <p:spPr>
+          <a:xfrm>
+            <a:off x="10268585" y="2551430"/>
+            <a:ext cx="1017905" cy="358140"/>
+          </a:xfrm>
+          <a:prstGeom prst="rect">
+            <a:avLst/>
+          </a:prstGeom>
+        </p:spPr>
+        <p:style>
+          <a:lnRef idx="3">
+            <a:schemeClr val="lt1"/>
+          </a:lnRef>
+          <a:fillRef idx="1">
+            <a:schemeClr val="accent1"/>
+          </a:fillRef>
+          <a:effectRef idx="1">
+            <a:schemeClr val="accent1"/>
+          </a:effectRef>
+          <a:fontRef idx="minor">
+            <a:schemeClr val="lt1"/>
+          </a:fontRef>
+        </p:style>
+        <p:txBody>
+          <a:bodyPr rtlCol="0" anchor="ctr"/>
+          <a:p>
+            <a:pPr algn="ctr"/>
+            <a:r>
+              <a:rPr lang="en-US" altLang="zh-CN" dirty="0"/>
+              <a:t>Lengths </a:t>
+            </a:r>
+            <a:endParaRPr lang="en-US" altLang="zh-CN" dirty="0"/>
+          </a:p>
+        </p:txBody>
+      </p:sp>
+      <p:sp>
+        <p:nvSpPr>
+          <p:cNvPr id="18" name="矩形 17"/>
+          <p:cNvSpPr/>
+          <p:nvPr/>
+        </p:nvSpPr>
+        <p:spPr>
+          <a:xfrm>
+            <a:off x="11286490" y="2551430"/>
+            <a:ext cx="845185" cy="358140"/>
+          </a:xfrm>
+          <a:prstGeom prst="rect">
+            <a:avLst/>
+          </a:prstGeom>
+        </p:spPr>
+        <p:style>
+          <a:lnRef idx="3">
+            <a:schemeClr val="lt1"/>
+          </a:lnRef>
+          <a:fillRef idx="1">
+            <a:schemeClr val="accent1"/>
+          </a:fillRef>
+          <a:effectRef idx="1">
+            <a:schemeClr val="accent1"/>
+          </a:effectRef>
+          <a:fontRef idx="minor">
+            <a:schemeClr val="lt1"/>
+          </a:fontRef>
+        </p:style>
+        <p:txBody>
+          <a:bodyPr rtlCol="0" anchor="ctr"/>
+          <a:p>
+            <a:pPr algn="ctr"/>
+            <a:r>
+              <a:rPr lang="en-US" altLang="zh-CN" dirty="0"/>
+              <a:t>......</a:t>
+            </a:r>
+            <a:endParaRPr lang="en-US" altLang="zh-CN" dirty="0"/>
+          </a:p>
+        </p:txBody>
+      </p:sp>
+      <p:cxnSp>
+        <p:nvCxnSpPr>
+          <p:cNvPr id="19" name="直接连接符 18"/>
+          <p:cNvCxnSpPr/>
+          <p:nvPr/>
+        </p:nvCxnSpPr>
+        <p:spPr>
+          <a:xfrm flipH="1">
+            <a:off x="307975" y="966470"/>
+            <a:ext cx="3726180" cy="434975"/>
+          </a:xfrm>
+          <a:prstGeom prst="line">
+            <a:avLst/>
+          </a:prstGeom>
+          <a:ln w="28575"/>
+        </p:spPr>
+        <p:style>
+          <a:lnRef idx="1">
+            <a:schemeClr val="accent1"/>
+          </a:lnRef>
+          <a:fillRef idx="0">
+            <a:schemeClr val="accent1"/>
+          </a:fillRef>
+          <a:effectRef idx="0">
+            <a:schemeClr val="accent1"/>
+          </a:effectRef>
+          <a:fontRef idx="minor">
+            <a:schemeClr val="tx1"/>
+          </a:fontRef>
+        </p:style>
+      </p:cxnSp>
+      <p:cxnSp>
+        <p:nvCxnSpPr>
+          <p:cNvPr id="20" name="直接连接符 19"/>
+          <p:cNvCxnSpPr/>
+          <p:nvPr/>
+        </p:nvCxnSpPr>
+        <p:spPr>
+          <a:xfrm>
+            <a:off x="5009515" y="947420"/>
+            <a:ext cx="2702560" cy="454025"/>
+          </a:xfrm>
+          <a:prstGeom prst="line">
+            <a:avLst/>
+          </a:prstGeom>
+          <a:ln w="28575"/>
+        </p:spPr>
+        <p:style>
+          <a:lnRef idx="1">
+            <a:schemeClr val="accent1"/>
+          </a:lnRef>
+          <a:fillRef idx="0">
+            <a:schemeClr val="accent1"/>
+          </a:fillRef>
+          <a:effectRef idx="0">
+            <a:schemeClr val="accent1"/>
+          </a:effectRef>
+          <a:fontRef idx="minor">
+            <a:schemeClr val="tx1"/>
+          </a:fontRef>
+        </p:style>
+      </p:cxnSp>
+      <p:cxnSp>
+        <p:nvCxnSpPr>
+          <p:cNvPr id="21" name="曲线连接符 20"/>
+          <p:cNvCxnSpPr>
+            <a:stCxn id="10" idx="3"/>
+            <a:endCxn id="12" idx="1"/>
+          </p:cNvCxnSpPr>
+          <p:nvPr/>
+        </p:nvCxnSpPr>
+        <p:spPr>
+          <a:xfrm flipH="1">
+            <a:off x="3730625" y="1591945"/>
+            <a:ext cx="3971290" cy="1138555"/>
+          </a:xfrm>
+          <a:prstGeom prst="curvedConnector5">
+            <a:avLst>
+              <a:gd name="adj1" fmla="val -5996"/>
+              <a:gd name="adj2" fmla="val 50028"/>
+              <a:gd name="adj3" fmla="val 105996"/>
+            </a:avLst>
+          </a:prstGeom>
+          <a:ln w="28575">
+            <a:solidFill>
+              <a:schemeClr val="tx1"/>
+            </a:solidFill>
+            <a:prstDash val="dash"/>
+          </a:ln>
+        </p:spPr>
+        <p:style>
+          <a:lnRef idx="1">
+            <a:schemeClr val="accent1"/>
+          </a:lnRef>
+          <a:fillRef idx="0">
+            <a:schemeClr val="accent1"/>
+          </a:fillRef>
+          <a:effectRef idx="0">
+            <a:schemeClr val="accent1"/>
+          </a:effectRef>
+          <a:fontRef idx="minor">
+            <a:schemeClr val="tx1"/>
+          </a:fontRef>
+        </p:style>
+      </p:cxnSp>
+      <p:sp>
+        <p:nvSpPr>
+          <p:cNvPr id="22" name="文本框 21"/>
+          <p:cNvSpPr txBox="1"/>
+          <p:nvPr/>
+        </p:nvSpPr>
+        <p:spPr>
+          <a:xfrm>
+            <a:off x="868045" y="4441825"/>
+            <a:ext cx="7828915" cy="368300"/>
+          </a:xfrm>
+          <a:prstGeom prst="rect">
+            <a:avLst/>
+          </a:prstGeom>
+          <a:noFill/>
+        </p:spPr>
+        <p:txBody>
+          <a:bodyPr wrap="square" rtlCol="0">
+            <a:spAutoFit/>
+          </a:bodyPr>
+          <a:p>
+            <a:r>
+              <a:rPr lang="en-US" altLang="zh-CN"/>
+              <a:t>docID --&gt; Map&lt;fieldName, Map&lt;Term, &gt;&gt;</a:t>
+            </a:r>
+            <a:endParaRPr lang="en-US" altLang="zh-CN"/>
+          </a:p>
+        </p:txBody>
+      </p:sp>
+    </p:spTree>
+  </p:cSld>
+  <p:clrMapOvr>
+    <a:masterClrMapping/>
+  </p:clrMapOvr>
+</p:sld>
+</file>
+
+<file path=ppt/slides/slide14.xml><?xml version="1.0" encoding="utf-8"?>
+<p:sld xmlns:a="http://schemas.openxmlformats.org/drawingml/2006/main" xmlns:r="http://schemas.openxmlformats.org/officeDocument/2006/relationships" xmlns:p="http://schemas.openxmlformats.org/presentationml/2006/main">
+  <p:cSld>
+    <p:spTree>
+      <p:nvGrpSpPr>
+        <p:cNvPr id="1" name=""/>
+        <p:cNvGrpSpPr/>
+        <p:nvPr/>
+      </p:nvGrpSpPr>
+      <p:grpSpPr/>
+      <p:sp>
+        <p:nvSpPr>
+          <p:cNvPr id="3" name="文本占位符 2"/>
+          <p:cNvSpPr>
+            <a:spLocks noGrp="1"/>
+          </p:cNvSpPr>
+          <p:nvPr>
+            <p:ph type="body" idx="1"/>
+          </p:nvPr>
+        </p:nvSpPr>
+        <p:spPr>
+          <a:xfrm>
+            <a:off x="838200" y="187960"/>
+            <a:ext cx="10515600" cy="5901690"/>
+          </a:xfrm>
+        </p:spPr>
+        <p:txBody>
+          <a:bodyPr/>
+          <a:p>
+            <a:r>
+              <a:rPr lang="en-US" altLang="zh-CN" sz="2000" dirty="0">
+                <a:sym typeface="+mn-ea"/>
+              </a:rPr>
+              <a:t>DocBase : chunk</a:t>
+            </a:r>
+            <a:r>
+              <a:rPr lang="zh-CN" altLang="en-US" sz="2000" dirty="0">
+                <a:sym typeface="+mn-ea"/>
+              </a:rPr>
+              <a:t>中第一个文档的</a:t>
+            </a:r>
+            <a:r>
+              <a:rPr lang="en-US" altLang="zh-CN" sz="2000" dirty="0">
+                <a:sym typeface="+mn-ea"/>
+              </a:rPr>
+              <a:t>ID</a:t>
+            </a:r>
+            <a:endParaRPr lang="en-US" altLang="zh-CN" sz="2000" dirty="0">
+              <a:sym typeface="+mn-ea"/>
+            </a:endParaRPr>
+          </a:p>
+          <a:p>
+            <a:r>
+              <a:rPr lang="en-US" altLang="zh-CN" sz="2000" dirty="0">
+                <a:sym typeface="+mn-ea"/>
+              </a:rPr>
+              <a:t>ChunkDocs : chunk</a:t>
+            </a:r>
+            <a:r>
+              <a:rPr lang="zh-CN" altLang="en-US" sz="2000" dirty="0">
+                <a:sym typeface="+mn-ea"/>
+              </a:rPr>
+              <a:t>中的文档总数</a:t>
+            </a:r>
+            <a:endParaRPr lang="zh-CN" altLang="en-US" sz="2000" dirty="0">
+              <a:sym typeface="+mn-ea"/>
+            </a:endParaRPr>
+          </a:p>
+          <a:p>
+            <a:r>
+              <a:rPr lang="zh-CN" altLang="en-US" sz="2000" dirty="0">
+                <a:sym typeface="+mn-ea"/>
+              </a:rPr>
+              <a:t>NumFields </a:t>
+            </a:r>
+            <a:r>
+              <a:rPr lang="en-US" altLang="zh-CN" sz="2000" dirty="0">
+                <a:sym typeface="+mn-ea"/>
+              </a:rPr>
+              <a:t>: </a:t>
+            </a:r>
+            <a:r>
+              <a:rPr lang="zh-CN" altLang="en-US" sz="2000" dirty="0">
+                <a:sym typeface="+mn-ea"/>
+              </a:rPr>
+              <a:t>每个文档的字段数</a:t>
+            </a:r>
+            <a:endParaRPr lang="zh-CN" altLang="en-US" sz="2000" dirty="0">
+              <a:sym typeface="+mn-ea"/>
+            </a:endParaRPr>
+          </a:p>
+          <a:p>
+            <a:r>
+              <a:rPr lang="zh-CN" altLang="en-US" sz="2000" dirty="0">
+                <a:sym typeface="+mn-ea"/>
+              </a:rPr>
+              <a:t>FieldNums </a:t>
+            </a:r>
+            <a:r>
+              <a:rPr lang="en-US" altLang="zh-CN" sz="2000" dirty="0">
+                <a:sym typeface="+mn-ea"/>
+              </a:rPr>
+              <a:t>:  </a:t>
+            </a:r>
+            <a:r>
+              <a:rPr lang="zh-CN" altLang="en-US" sz="2000" dirty="0">
+                <a:sym typeface="+mn-ea"/>
+              </a:rPr>
+              <a:t>每个文档的字段编号</a:t>
+            </a:r>
+            <a:endParaRPr lang="zh-CN" altLang="en-US" sz="2000" dirty="0">
+              <a:sym typeface="+mn-ea"/>
+            </a:endParaRPr>
+          </a:p>
+          <a:p>
+            <a:r>
+              <a:rPr lang="en-US" altLang="zh-CN" sz="2000" dirty="0">
+                <a:sym typeface="+mn-ea"/>
+              </a:rPr>
+              <a:t>FieldNumOffs : </a:t>
+            </a:r>
+            <a:r>
+              <a:rPr lang="zh-CN" altLang="en-US" sz="2000" dirty="0">
+                <a:sym typeface="+mn-ea"/>
+              </a:rPr>
+              <a:t>每个字段的偏移位置</a:t>
+            </a:r>
+            <a:endParaRPr lang="zh-CN" altLang="en-US" sz="2000" dirty="0">
+              <a:sym typeface="+mn-ea"/>
+            </a:endParaRPr>
+          </a:p>
+          <a:p>
+            <a:r>
+              <a:rPr lang="en-US" altLang="zh-CN" sz="2000" dirty="0">
+                <a:sym typeface="+mn-ea"/>
+              </a:rPr>
+              <a:t>Flags : </a:t>
+            </a:r>
+            <a:r>
+              <a:rPr lang="zh-CN" altLang="en-US" sz="2000" dirty="0">
+                <a:sym typeface="+mn-ea"/>
+              </a:rPr>
+              <a:t>标识位。是否存储</a:t>
+            </a:r>
+            <a:r>
+              <a:rPr lang="en-US" altLang="zh-CN" sz="2000" dirty="0">
+                <a:sym typeface="+mn-ea"/>
+              </a:rPr>
+              <a:t>positions, offsets </a:t>
+            </a:r>
+            <a:r>
+              <a:rPr lang="zh-CN" altLang="en-US" sz="2000" dirty="0">
+                <a:sym typeface="+mn-ea"/>
+              </a:rPr>
+              <a:t>和 </a:t>
+            </a:r>
+            <a:r>
+              <a:rPr lang="en-US" altLang="zh-CN" sz="2000" dirty="0">
+                <a:sym typeface="+mn-ea"/>
+              </a:rPr>
+              <a:t>paloads</a:t>
+            </a:r>
+            <a:endParaRPr lang="en-US" altLang="zh-CN" sz="2000" dirty="0">
+              <a:sym typeface="+mn-ea"/>
+            </a:endParaRPr>
+          </a:p>
+          <a:p>
+            <a:endParaRPr lang="en-US" altLang="zh-CN" sz="2000" dirty="0">
+              <a:sym typeface="+mn-ea"/>
+            </a:endParaRPr>
+          </a:p>
+          <a:p>
+            <a:r>
+              <a:rPr lang="en-US" altLang="zh-CN" sz="2000" dirty="0">
+                <a:sym typeface="+mn-ea"/>
+              </a:rPr>
+              <a:t>NumTerms : </a:t>
+            </a:r>
+            <a:r>
+              <a:rPr lang="zh-CN" altLang="en-US" sz="2000" dirty="0">
+                <a:sym typeface="+mn-ea"/>
+              </a:rPr>
+              <a:t>每一个文档每一个字段的</a:t>
+            </a:r>
+            <a:r>
+              <a:rPr lang="en-US" altLang="zh-CN" sz="2000" dirty="0">
+                <a:sym typeface="+mn-ea"/>
+              </a:rPr>
+              <a:t>Term</a:t>
+            </a:r>
+            <a:r>
+              <a:rPr lang="zh-CN" altLang="en-US" sz="2000" dirty="0">
+                <a:sym typeface="+mn-ea"/>
+              </a:rPr>
+              <a:t>数目</a:t>
+            </a:r>
+            <a:endParaRPr lang="zh-CN" altLang="en-US" sz="2000" dirty="0">
+              <a:sym typeface="+mn-ea"/>
+            </a:endParaRPr>
+          </a:p>
+          <a:p>
+            <a:r>
+              <a:rPr lang="en-US" altLang="zh-CN" sz="2000" dirty="0">
+                <a:sym typeface="+mn-ea"/>
+              </a:rPr>
+              <a:t>TermLengths : </a:t>
+            </a:r>
+            <a:r>
+              <a:rPr lang="zh-CN" altLang="en-US" sz="2000" dirty="0">
+                <a:sym typeface="+mn-ea"/>
+              </a:rPr>
+              <a:t>每个</a:t>
+            </a:r>
+            <a:r>
+              <a:rPr lang="en-US" altLang="zh-CN" sz="2000" dirty="0">
+                <a:sym typeface="+mn-ea"/>
+              </a:rPr>
+              <a:t>Term</a:t>
+            </a:r>
+            <a:r>
+              <a:rPr lang="zh-CN" altLang="en-US" sz="2000" dirty="0">
+                <a:sym typeface="+mn-ea"/>
+              </a:rPr>
+              <a:t>的长度</a:t>
+            </a:r>
+            <a:endParaRPr lang="zh-CN" altLang="en-US" sz="2000" dirty="0">
+              <a:sym typeface="+mn-ea"/>
+            </a:endParaRPr>
+          </a:p>
+          <a:p>
+            <a:r>
+              <a:rPr lang="en-US" altLang="zh-CN" sz="2000" dirty="0">
+                <a:sym typeface="+mn-ea"/>
+              </a:rPr>
+              <a:t>TermFreqs : </a:t>
+            </a:r>
+            <a:r>
+              <a:rPr lang="zh-CN" altLang="en-US" sz="2000" dirty="0">
+                <a:sym typeface="+mn-ea"/>
+              </a:rPr>
+              <a:t>每个</a:t>
+            </a:r>
+            <a:r>
+              <a:rPr lang="en-US" altLang="zh-CN" sz="2000" dirty="0">
+                <a:sym typeface="+mn-ea"/>
+              </a:rPr>
+              <a:t>Term</a:t>
+            </a:r>
+            <a:r>
+              <a:rPr lang="zh-CN" altLang="en-US" sz="2000" dirty="0">
+                <a:sym typeface="+mn-ea"/>
+              </a:rPr>
+              <a:t>的词频</a:t>
+            </a:r>
+            <a:endParaRPr lang="en-US" altLang="zh-CN" sz="2000" dirty="0">
+              <a:sym typeface="+mn-ea"/>
+            </a:endParaRPr>
+          </a:p>
+          <a:p>
+            <a:r>
+              <a:rPr lang="en-US" altLang="zh-CN" sz="2000" dirty="0">
+                <a:sym typeface="+mn-ea"/>
+              </a:rPr>
+              <a:t>Positions : </a:t>
+            </a:r>
+            <a:r>
+              <a:rPr lang="zh-CN" altLang="en-US" sz="2000" dirty="0">
+                <a:sym typeface="+mn-ea"/>
+              </a:rPr>
+              <a:t>每个</a:t>
+            </a:r>
+            <a:r>
+              <a:rPr lang="en-US" altLang="zh-CN" sz="2000" dirty="0">
+                <a:sym typeface="+mn-ea"/>
+              </a:rPr>
+              <a:t>Term</a:t>
+            </a:r>
+            <a:r>
+              <a:rPr lang="zh-CN" altLang="en-US" sz="2000" dirty="0">
+                <a:sym typeface="+mn-ea"/>
+              </a:rPr>
+              <a:t>的位置信息</a:t>
+            </a:r>
+            <a:endParaRPr lang="zh-CN" altLang="en-US" sz="2000" dirty="0">
+              <a:sym typeface="+mn-ea"/>
+            </a:endParaRPr>
+          </a:p>
+          <a:p>
+            <a:r>
+              <a:rPr lang="en-US" altLang="zh-CN" sz="2000" dirty="0">
+                <a:sym typeface="+mn-ea"/>
+              </a:rPr>
+              <a:t>StartOffsets :  </a:t>
+            </a:r>
+            <a:r>
+              <a:rPr lang="zh-CN" altLang="en-US" sz="2000" dirty="0">
+                <a:sym typeface="+mn-ea"/>
+              </a:rPr>
+              <a:t>每个</a:t>
+            </a:r>
+            <a:r>
+              <a:rPr lang="en-US" altLang="zh-CN" sz="2000" dirty="0">
+                <a:sym typeface="+mn-ea"/>
+              </a:rPr>
+              <a:t>Term</a:t>
+            </a:r>
+            <a:r>
+              <a:rPr lang="zh-CN" altLang="en-US" sz="2000" dirty="0">
+                <a:sym typeface="+mn-ea"/>
+              </a:rPr>
+              <a:t>的起始偏移量</a:t>
+            </a:r>
+            <a:endParaRPr lang="zh-CN" altLang="en-US" sz="2000" dirty="0">
+              <a:sym typeface="+mn-ea"/>
+            </a:endParaRPr>
+          </a:p>
+          <a:p>
+            <a:r>
+              <a:rPr lang="en-US" altLang="zh-CN" sz="2000" dirty="0">
+                <a:sym typeface="+mn-ea"/>
+              </a:rPr>
+              <a:t>Lengths : </a:t>
+            </a:r>
+            <a:r>
+              <a:rPr lang="zh-CN" altLang="en-US" sz="2000" dirty="0">
+                <a:sym typeface="+mn-ea"/>
+              </a:rPr>
+              <a:t>每个</a:t>
+            </a:r>
+            <a:r>
+              <a:rPr lang="en-US" altLang="zh-CN" sz="2000" dirty="0">
+                <a:sym typeface="+mn-ea"/>
+              </a:rPr>
+              <a:t>Term</a:t>
+            </a:r>
+            <a:r>
+              <a:rPr lang="zh-CN" altLang="en-US" sz="2000" dirty="0">
+                <a:sym typeface="+mn-ea"/>
+              </a:rPr>
+              <a:t>的偏移长度 </a:t>
+            </a:r>
+            <a:endParaRPr lang="zh-CN" altLang="en-US" sz="2000" dirty="0">
+              <a:sym typeface="+mn-ea"/>
+            </a:endParaRPr>
+          </a:p>
+        </p:txBody>
+      </p:sp>
+    </p:spTree>
   </p:cSld>
   <p:clrMapOvr>
     <a:masterClrMapping/>
@@ -6252,20 +10443,14 @@
       </p:grpSpPr>
       <p:pic>
         <p:nvPicPr>
-          <p:cNvPr id="4" name="图片 3">
-            <a:extLst>
-              <a:ext uri="{FF2B5EF4-FFF2-40B4-BE49-F238E27FC236}">
-                <a16:creationId xmlns:a16="http://schemas.microsoft.com/office/drawing/2014/main" id="{A10EF8EA-1E09-4705-8988-526670233590}"/>
-              </a:ext>
-            </a:extLst>
-          </p:cNvPr>
+          <p:cNvPr id="4" name="图片 3"/>
           <p:cNvPicPr>
             <a:picLocks noChangeAspect="1"/>
           </p:cNvPicPr>
           <p:nvPr/>
         </p:nvPicPr>
         <p:blipFill>
-          <a:blip r:embed="rId2"/>
+          <a:blip r:embed="rId1"/>
           <a:stretch>
             <a:fillRect/>
           </a:stretch>
@@ -6281,11 +10466,6 @@
         </p:spPr>
       </p:pic>
     </p:spTree>
-    <p:extLst>
-      <p:ext uri="{BB962C8B-B14F-4D97-AF65-F5344CB8AC3E}">
-        <p14:creationId xmlns:p14="http://schemas.microsoft.com/office/powerpoint/2010/main" val="1950809756"/>
-      </p:ext>
-    </p:extLst>
   </p:cSld>
   <p:clrMapOvr>
     <a:masterClrMapping/>
@@ -6350,6 +10530,7 @@
               <a:rPr lang="en-US" altLang="zh-CN" dirty="0" err="1"/>
               <a:t>Header</a:t>
             </a:r>
+            <a:endParaRPr lang="en-US" altLang="zh-CN" dirty="0" err="1"/>
           </a:p>
         </p:txBody>
       </p:sp>
@@ -6393,6 +10574,7 @@
               <a:rPr lang="en-US" altLang="zh-CN" dirty="0"/>
               <a:t>FSTIndex</a:t>
             </a:r>
+            <a:endParaRPr lang="en-US" altLang="zh-CN" dirty="0"/>
           </a:p>
         </p:txBody>
       </p:sp>
@@ -6436,6 +10618,7 @@
               <a:rPr lang="en-US" altLang="zh-CN" dirty="0"/>
               <a:t>FSTIndex</a:t>
             </a:r>
+            <a:endParaRPr lang="en-US" altLang="zh-CN" dirty="0"/>
           </a:p>
         </p:txBody>
       </p:sp>
@@ -6487,6 +10670,11 @@
               </a:rPr>
               <a:t>......</a:t>
             </a:r>
+            <a:endParaRPr lang="en-US" altLang="zh-CN" dirty="0">
+              <a:solidFill>
+                <a:schemeClr val="tx1"/>
+              </a:solidFill>
+            </a:endParaRPr>
           </a:p>
         </p:txBody>
       </p:sp>
@@ -6530,6 +10718,7 @@
               <a:rPr lang="en-US" altLang="zh-CN" dirty="0"/>
               <a:t>FSTIndex</a:t>
             </a:r>
+            <a:endParaRPr lang="en-US" altLang="zh-CN" dirty="0"/>
           </a:p>
         </p:txBody>
       </p:sp>
@@ -6573,6 +10762,7 @@
               <a:rPr lang="en-US" altLang="zh-CN" dirty="0" err="1"/>
               <a:t>IndexStartFPs</a:t>
             </a:r>
+            <a:endParaRPr lang="en-US" altLang="zh-CN" dirty="0" err="1"/>
           </a:p>
         </p:txBody>
       </p:sp>
@@ -6616,6 +10806,7 @@
               <a:rPr lang="en-US" altLang="zh-CN" dirty="0" err="1"/>
               <a:t>Footer</a:t>
             </a:r>
+            <a:endParaRPr lang="en-US" altLang="zh-CN" dirty="0" err="1"/>
           </a:p>
         </p:txBody>
       </p:sp>
@@ -6659,6 +10850,7 @@
               <a:rPr lang="en-US" altLang="zh-CN"/>
               <a:t>a</a:t>
             </a:r>
+            <a:endParaRPr lang="en-US" altLang="zh-CN"/>
           </a:p>
         </p:txBody>
       </p:sp>
@@ -6702,6 +10894,7 @@
               <a:rPr lang="en-US" altLang="zh-CN"/>
               <a:t>b</a:t>
             </a:r>
+            <a:endParaRPr lang="en-US" altLang="zh-CN"/>
           </a:p>
         </p:txBody>
       </p:sp>
@@ -6745,6 +10938,7 @@
               <a:rPr lang="en-US" altLang="zh-CN"/>
               <a:t>p</a:t>
             </a:r>
+            <a:endParaRPr lang="en-US" altLang="zh-CN"/>
           </a:p>
         </p:txBody>
       </p:sp>
@@ -6788,6 +10982,7 @@
               <a:rPr lang="en-US" altLang="zh-CN"/>
               <a:t>a</a:t>
             </a:r>
+            <a:endParaRPr lang="en-US" altLang="zh-CN"/>
           </a:p>
         </p:txBody>
       </p:sp>
@@ -6831,6 +11026,7 @@
               <a:rPr lang="en-US" altLang="zh-CN"/>
               <a:t>p</a:t>
             </a:r>
+            <a:endParaRPr lang="en-US" altLang="zh-CN"/>
           </a:p>
         </p:txBody>
       </p:sp>
@@ -7036,6 +11232,7 @@
               <a:rPr lang="zh-CN" altLang="en-US" dirty="0"/>
               <a:t>全部加载在内存中</a:t>
             </a:r>
+            <a:endParaRPr lang="zh-CN" altLang="en-US" dirty="0"/>
           </a:p>
         </p:txBody>
       </p:sp>
@@ -7115,6 +11312,7 @@
               <a:rPr lang="en-US" altLang="zh-CN" dirty="0" err="1"/>
               <a:t>Header</a:t>
             </a:r>
+            <a:endParaRPr lang="en-US" altLang="zh-CN" dirty="0" err="1"/>
           </a:p>
         </p:txBody>
       </p:sp>
@@ -7158,6 +11356,7 @@
               <a:rPr lang="en-US" altLang="zh-CN" dirty="0"/>
               <a:t>Block</a:t>
             </a:r>
+            <a:endParaRPr lang="en-US" altLang="zh-CN" dirty="0"/>
           </a:p>
         </p:txBody>
       </p:sp>
@@ -7201,6 +11400,7 @@
               <a:rPr lang="en-US" altLang="zh-CN" dirty="0"/>
               <a:t>Block</a:t>
             </a:r>
+            <a:endParaRPr lang="en-US" altLang="zh-CN" dirty="0"/>
           </a:p>
         </p:txBody>
       </p:sp>
@@ -7252,6 +11452,11 @@
               </a:rPr>
               <a:t>......</a:t>
             </a:r>
+            <a:endParaRPr lang="en-US" altLang="zh-CN" dirty="0">
+              <a:solidFill>
+                <a:schemeClr val="tx1"/>
+              </a:solidFill>
+            </a:endParaRPr>
           </a:p>
         </p:txBody>
       </p:sp>
@@ -7295,6 +11500,7 @@
               <a:rPr lang="en-US" altLang="zh-CN" dirty="0"/>
               <a:t>Block</a:t>
             </a:r>
+            <a:endParaRPr lang="en-US" altLang="zh-CN" dirty="0"/>
           </a:p>
         </p:txBody>
       </p:sp>
@@ -7338,6 +11544,7 @@
               <a:rPr lang="en-US" altLang="zh-CN" dirty="0" err="1"/>
               <a:t>Footer</a:t>
             </a:r>
+            <a:endParaRPr lang="en-US" altLang="zh-CN" dirty="0" err="1"/>
           </a:p>
         </p:txBody>
       </p:sp>
@@ -7519,6 +11726,7 @@
               <a:rPr lang="zh-CN" altLang="en-US" sz="1200" dirty="0"/>
               <a:t>节省内存，前缀匹配</a:t>
             </a:r>
+            <a:endParaRPr lang="zh-CN" altLang="en-US" sz="1200" dirty="0"/>
           </a:p>
         </p:txBody>
       </p:sp>
@@ -7562,6 +11770,7 @@
               <a:rPr lang="en-US" altLang="zh-CN" dirty="0"/>
               <a:t>Suffix</a:t>
             </a:r>
+            <a:endParaRPr lang="en-US" altLang="zh-CN" dirty="0"/>
           </a:p>
         </p:txBody>
       </p:sp>
@@ -7605,6 +11814,7 @@
               <a:rPr lang="en-US" altLang="zh-CN" dirty="0"/>
               <a:t>Suffix</a:t>
             </a:r>
+            <a:endParaRPr lang="en-US" altLang="zh-CN" dirty="0"/>
           </a:p>
         </p:txBody>
       </p:sp>
@@ -7648,6 +11858,7 @@
               <a:rPr lang="en-US" altLang="zh-CN" dirty="0"/>
               <a:t>Suffix</a:t>
             </a:r>
+            <a:endParaRPr lang="en-US" altLang="zh-CN" dirty="0"/>
           </a:p>
         </p:txBody>
       </p:sp>
@@ -7699,6 +11910,11 @@
               </a:rPr>
               <a:t>...</a:t>
             </a:r>
+            <a:endParaRPr lang="en-US" altLang="zh-CN" dirty="0">
+              <a:solidFill>
+                <a:schemeClr val="tx1"/>
+              </a:solidFill>
+            </a:endParaRPr>
           </a:p>
         </p:txBody>
       </p:sp>
@@ -7742,6 +11958,7 @@
               <a:rPr lang="en-US" altLang="zh-CN" dirty="0"/>
               <a:t>Stat</a:t>
             </a:r>
+            <a:endParaRPr lang="en-US" altLang="zh-CN" dirty="0"/>
           </a:p>
         </p:txBody>
       </p:sp>
@@ -7785,6 +12002,7 @@
               <a:rPr lang="en-US" altLang="zh-CN" dirty="0"/>
               <a:t>Stat</a:t>
             </a:r>
+            <a:endParaRPr lang="en-US" altLang="zh-CN" dirty="0"/>
           </a:p>
         </p:txBody>
       </p:sp>
@@ -7828,6 +12046,7 @@
               <a:rPr lang="en-US" altLang="zh-CN" dirty="0"/>
               <a:t>Stat</a:t>
             </a:r>
+            <a:endParaRPr lang="en-US" altLang="zh-CN" dirty="0"/>
           </a:p>
         </p:txBody>
       </p:sp>
@@ -7879,6 +12098,11 @@
               </a:rPr>
               <a:t>...</a:t>
             </a:r>
+            <a:endParaRPr lang="en-US" altLang="zh-CN" dirty="0">
+              <a:solidFill>
+                <a:schemeClr val="tx1"/>
+              </a:solidFill>
+            </a:endParaRPr>
           </a:p>
         </p:txBody>
       </p:sp>
@@ -7922,6 +12146,7 @@
               <a:rPr lang="en-US" altLang="zh-CN" dirty="0"/>
               <a:t>Meta</a:t>
             </a:r>
+            <a:endParaRPr lang="en-US" altLang="zh-CN" dirty="0"/>
           </a:p>
         </p:txBody>
       </p:sp>
@@ -7965,6 +12190,7 @@
               <a:rPr lang="en-US" altLang="zh-CN" dirty="0"/>
               <a:t>Meta</a:t>
             </a:r>
+            <a:endParaRPr lang="en-US" altLang="zh-CN" dirty="0"/>
           </a:p>
         </p:txBody>
       </p:sp>
@@ -8008,6 +12234,7 @@
               <a:rPr lang="en-US" altLang="zh-CN" dirty="0"/>
               <a:t>Meta</a:t>
             </a:r>
+            <a:endParaRPr lang="en-US" altLang="zh-CN" dirty="0"/>
           </a:p>
         </p:txBody>
       </p:sp>
@@ -8119,28 +12346,17 @@
               <a:rPr lang="en-US" altLang="zh-CN" sz="1200" dirty="0"/>
               <a:t>term</a:t>
             </a:r>
+            <a:endParaRPr lang="en-US" altLang="zh-CN" sz="1200" dirty="0"/>
           </a:p>
         </p:txBody>
       </p:sp>
       <p:graphicFrame>
         <p:nvGraphicFramePr>
-          <p:cNvPr id="3" name="表格 2">
-            <a:extLst>
-              <a:ext uri="{FF2B5EF4-FFF2-40B4-BE49-F238E27FC236}">
-                <a16:creationId xmlns:a16="http://schemas.microsoft.com/office/drawing/2014/main" id="{7AC4EA93-09CC-4076-8E13-F38781B59B89}"/>
-              </a:ext>
-            </a:extLst>
-          </p:cNvPr>
+          <p:cNvPr id="3" name="表格 2"/>
           <p:cNvGraphicFramePr>
             <a:graphicFrameLocks noGrp="1"/>
           </p:cNvGraphicFramePr>
-          <p:nvPr>
-            <p:extLst>
-              <p:ext uri="{D42A27DB-BD31-4B8C-83A1-F6EECF244321}">
-                <p14:modId xmlns:p14="http://schemas.microsoft.com/office/powerpoint/2010/main" val="3619029605"/>
-              </p:ext>
-            </p:extLst>
-          </p:nvPr>
+          <p:nvPr/>
         </p:nvGraphicFramePr>
         <p:xfrm>
           <a:off x="606475" y="4236719"/>
@@ -8153,27 +12369,9 @@
                 <a:tableStyleId>{5C22544A-7EE6-4342-B048-85BDC9FD1C3A}</a:tableStyleId>
               </a:tblPr>
               <a:tblGrid>
-                <a:gridCol w="1342134">
-                  <a:extLst>
-                    <a:ext uri="{9D8B030D-6E8A-4147-A177-3AD203B41FA5}">
-                      <a16:colId xmlns:a16="http://schemas.microsoft.com/office/drawing/2014/main" val="2795552367"/>
-                    </a:ext>
-                  </a:extLst>
-                </a:gridCol>
-                <a:gridCol w="1099542">
-                  <a:extLst>
-                    <a:ext uri="{9D8B030D-6E8A-4147-A177-3AD203B41FA5}">
-                      <a16:colId xmlns:a16="http://schemas.microsoft.com/office/drawing/2014/main" val="3276900149"/>
-                    </a:ext>
-                  </a:extLst>
-                </a:gridCol>
-                <a:gridCol w="2013115">
-                  <a:extLst>
-                    <a:ext uri="{9D8B030D-6E8A-4147-A177-3AD203B41FA5}">
-                      <a16:colId xmlns:a16="http://schemas.microsoft.com/office/drawing/2014/main" val="3728430961"/>
-                    </a:ext>
-                  </a:extLst>
-                </a:gridCol>
+                <a:gridCol w="1342134"/>
+                <a:gridCol w="1099542"/>
+                <a:gridCol w="2013115"/>
               </a:tblGrid>
               <a:tr h="370840">
                 <a:tc>
@@ -8218,11 +12416,6 @@
                   </a:txBody>
                   <a:tcPr/>
                 </a:tc>
-                <a:extLst>
-                  <a:ext uri="{0D108BD9-81ED-4DB2-BD59-A6C34878D82A}">
-                    <a16:rowId xmlns:a16="http://schemas.microsoft.com/office/drawing/2014/main" val="2209012217"/>
-                  </a:ext>
-                </a:extLst>
               </a:tr>
               <a:tr h="370840">
                 <a:tc>
@@ -8284,22 +12477,17 @@
                         <a:buSzTx/>
                         <a:buFontTx/>
                         <a:buNone/>
-                        <a:tabLst/>
                         <a:defRPr/>
                       </a:pPr>
                       <a:r>
                         <a:rPr lang="zh-CN" altLang="en-US" dirty="0"/>
                         <a:t>指向倒排表的指针</a:t>
                       </a:r>
+                      <a:endParaRPr lang="zh-CN" altLang="en-US" dirty="0"/>
                     </a:p>
                   </a:txBody>
                   <a:tcPr/>
                 </a:tc>
-                <a:extLst>
-                  <a:ext uri="{0D108BD9-81ED-4DB2-BD59-A6C34878D82A}">
-                    <a16:rowId xmlns:a16="http://schemas.microsoft.com/office/drawing/2014/main" val="2444453964"/>
-                  </a:ext>
-                </a:extLst>
               </a:tr>
               <a:tr h="370840">
                 <a:tc>
@@ -8352,11 +12540,6 @@
                   </a:txBody>
                   <a:tcPr/>
                 </a:tc>
-                <a:extLst>
-                  <a:ext uri="{0D108BD9-81ED-4DB2-BD59-A6C34878D82A}">
-                    <a16:rowId xmlns:a16="http://schemas.microsoft.com/office/drawing/2014/main" val="4103011943"/>
-                  </a:ext>
-                </a:extLst>
               </a:tr>
               <a:tr h="370840">
                 <a:tc>
@@ -8409,11 +12592,6 @@
                   </a:txBody>
                   <a:tcPr/>
                 </a:tc>
-                <a:extLst>
-                  <a:ext uri="{0D108BD9-81ED-4DB2-BD59-A6C34878D82A}">
-                    <a16:rowId xmlns:a16="http://schemas.microsoft.com/office/drawing/2014/main" val="3293912759"/>
-                  </a:ext>
-                </a:extLst>
               </a:tr>
               <a:tr h="370840">
                 <a:tc>
@@ -8450,11 +12628,6 @@
                   </a:txBody>
                   <a:tcPr/>
                 </a:tc>
-                <a:extLst>
-                  <a:ext uri="{0D108BD9-81ED-4DB2-BD59-A6C34878D82A}">
-                    <a16:rowId xmlns:a16="http://schemas.microsoft.com/office/drawing/2014/main" val="1469707356"/>
-                  </a:ext>
-                </a:extLst>
               </a:tr>
             </a:tbl>
           </a:graphicData>
@@ -8462,13 +12635,7 @@
       </p:graphicFrame>
       <p:sp>
         <p:nvSpPr>
-          <p:cNvPr id="48" name="文本框 47">
-            <a:extLst>
-              <a:ext uri="{FF2B5EF4-FFF2-40B4-BE49-F238E27FC236}">
-                <a16:creationId xmlns:a16="http://schemas.microsoft.com/office/drawing/2014/main" id="{0E1B16F9-0E41-4632-BBCD-6E7831A0F520}"/>
-              </a:ext>
-            </a:extLst>
-          </p:cNvPr>
+          <p:cNvPr id="48" name="文本框 47"/>
           <p:cNvSpPr txBox="1"/>
           <p:nvPr/>
         </p:nvSpPr>
@@ -8507,18 +12674,13 @@
               <a:rPr lang="zh-CN" altLang="en-US" dirty="0"/>
               <a:t>在磁盘上</a:t>
             </a:r>
-          </a:p>
-        </p:txBody>
-      </p:sp>
-      <p:sp>
-        <p:nvSpPr>
-          <p:cNvPr id="55" name="文本框 54">
-            <a:extLst>
-              <a:ext uri="{FF2B5EF4-FFF2-40B4-BE49-F238E27FC236}">
-                <a16:creationId xmlns:a16="http://schemas.microsoft.com/office/drawing/2014/main" id="{69C225C5-FCBF-4CC7-995D-E5219F76D945}"/>
-              </a:ext>
-            </a:extLst>
-          </p:cNvPr>
+            <a:endParaRPr lang="zh-CN" altLang="en-US" dirty="0"/>
+          </a:p>
+        </p:txBody>
+      </p:sp>
+      <p:sp>
+        <p:nvSpPr>
+          <p:cNvPr id="55" name="文本框 54"/>
           <p:cNvSpPr txBox="1"/>
           <p:nvPr/>
         </p:nvSpPr>
@@ -8553,21 +12715,14 @@
               <a:rPr lang="zh-CN" altLang="en-US" dirty="0"/>
               <a:t>在磁盘上</a:t>
             </a:r>
+            <a:endParaRPr lang="zh-CN" altLang="en-US" dirty="0"/>
           </a:p>
         </p:txBody>
       </p:sp>
       <p:cxnSp>
         <p:nvCxnSpPr>
-          <p:cNvPr id="59" name="直接连接符 58">
-            <a:extLst>
-              <a:ext uri="{FF2B5EF4-FFF2-40B4-BE49-F238E27FC236}">
-                <a16:creationId xmlns:a16="http://schemas.microsoft.com/office/drawing/2014/main" id="{5AC21BFC-66E0-400A-A50B-DF9D8591C356}"/>
-              </a:ext>
-            </a:extLst>
-          </p:cNvPr>
-          <p:cNvCxnSpPr>
-            <a:cxnSpLocks/>
-          </p:cNvCxnSpPr>
+          <p:cNvPr id="59" name="直接连接符 58"/>
+          <p:cNvCxnSpPr/>
           <p:nvPr/>
         </p:nvCxnSpPr>
         <p:spPr>
@@ -8602,13 +12757,7 @@
       </p:cxnSp>
       <p:sp>
         <p:nvSpPr>
-          <p:cNvPr id="60" name="矩形 59">
-            <a:extLst>
-              <a:ext uri="{FF2B5EF4-FFF2-40B4-BE49-F238E27FC236}">
-                <a16:creationId xmlns:a16="http://schemas.microsoft.com/office/drawing/2014/main" id="{9CDFE345-D0FA-4D8D-A59E-147633D0D40B}"/>
-              </a:ext>
-            </a:extLst>
-          </p:cNvPr>
+          <p:cNvPr id="60" name="矩形 59"/>
           <p:cNvSpPr/>
           <p:nvPr/>
         </p:nvSpPr>
@@ -8652,13 +12801,7 @@
       </p:sp>
       <p:sp>
         <p:nvSpPr>
-          <p:cNvPr id="61" name="矩形 60">
-            <a:extLst>
-              <a:ext uri="{FF2B5EF4-FFF2-40B4-BE49-F238E27FC236}">
-                <a16:creationId xmlns:a16="http://schemas.microsoft.com/office/drawing/2014/main" id="{147912F3-195B-4189-9656-5D398AD2C853}"/>
-              </a:ext>
-            </a:extLst>
-          </p:cNvPr>
+          <p:cNvPr id="61" name="矩形 60"/>
           <p:cNvSpPr/>
           <p:nvPr/>
         </p:nvSpPr>
@@ -8702,13 +12845,7 @@
       </p:sp>
       <p:sp>
         <p:nvSpPr>
-          <p:cNvPr id="62" name="矩形 61">
-            <a:extLst>
-              <a:ext uri="{FF2B5EF4-FFF2-40B4-BE49-F238E27FC236}">
-                <a16:creationId xmlns:a16="http://schemas.microsoft.com/office/drawing/2014/main" id="{0795EF9D-808F-4BFE-B9A5-E8DD0F7DB51E}"/>
-              </a:ext>
-            </a:extLst>
-          </p:cNvPr>
+          <p:cNvPr id="62" name="矩形 61"/>
           <p:cNvSpPr/>
           <p:nvPr/>
         </p:nvSpPr>
@@ -8752,13 +12889,7 @@
       </p:sp>
       <p:sp>
         <p:nvSpPr>
-          <p:cNvPr id="63" name="矩形 62">
-            <a:extLst>
-              <a:ext uri="{FF2B5EF4-FFF2-40B4-BE49-F238E27FC236}">
-                <a16:creationId xmlns:a16="http://schemas.microsoft.com/office/drawing/2014/main" id="{D537B6D1-8E7E-4E5E-94F7-3946B7993B3B}"/>
-              </a:ext>
-            </a:extLst>
-          </p:cNvPr>
+          <p:cNvPr id="63" name="矩形 62"/>
           <p:cNvSpPr/>
           <p:nvPr/>
         </p:nvSpPr>
@@ -8804,18 +12935,17 @@
               </a:rPr>
               <a:t>...</a:t>
             </a:r>
-          </a:p>
-        </p:txBody>
-      </p:sp>
-      <p:sp>
-        <p:nvSpPr>
-          <p:cNvPr id="67" name="矩形 66">
-            <a:extLst>
-              <a:ext uri="{FF2B5EF4-FFF2-40B4-BE49-F238E27FC236}">
-                <a16:creationId xmlns:a16="http://schemas.microsoft.com/office/drawing/2014/main" id="{2AE2C420-9CB1-4E93-96A5-F54A9A99DABD}"/>
-              </a:ext>
-            </a:extLst>
-          </p:cNvPr>
+            <a:endParaRPr lang="en-US" altLang="zh-CN" dirty="0">
+              <a:solidFill>
+                <a:schemeClr val="tx1"/>
+              </a:solidFill>
+            </a:endParaRPr>
+          </a:p>
+        </p:txBody>
+      </p:sp>
+      <p:sp>
+        <p:nvSpPr>
+          <p:cNvPr id="67" name="矩形 66"/>
           <p:cNvSpPr/>
           <p:nvPr/>
         </p:nvSpPr>
@@ -8859,13 +12989,7 @@
       </p:sp>
       <p:sp>
         <p:nvSpPr>
-          <p:cNvPr id="68" name="矩形 67">
-            <a:extLst>
-              <a:ext uri="{FF2B5EF4-FFF2-40B4-BE49-F238E27FC236}">
-                <a16:creationId xmlns:a16="http://schemas.microsoft.com/office/drawing/2014/main" id="{B0918A7A-900C-4549-BD47-2C1902492418}"/>
-              </a:ext>
-            </a:extLst>
-          </p:cNvPr>
+          <p:cNvPr id="68" name="矩形 67"/>
           <p:cNvSpPr/>
           <p:nvPr/>
         </p:nvSpPr>
@@ -8909,13 +13033,7 @@
       </p:sp>
       <p:sp>
         <p:nvSpPr>
-          <p:cNvPr id="69" name="矩形 68">
-            <a:extLst>
-              <a:ext uri="{FF2B5EF4-FFF2-40B4-BE49-F238E27FC236}">
-                <a16:creationId xmlns:a16="http://schemas.microsoft.com/office/drawing/2014/main" id="{AC91986D-510B-48A7-A76D-4B5DE0B6EF6B}"/>
-              </a:ext>
-            </a:extLst>
-          </p:cNvPr>
+          <p:cNvPr id="69" name="矩形 68"/>
           <p:cNvSpPr/>
           <p:nvPr/>
         </p:nvSpPr>
@@ -8959,16 +13077,8 @@
       </p:sp>
       <p:cxnSp>
         <p:nvCxnSpPr>
-          <p:cNvPr id="70" name="曲线连接符 34">
-            <a:extLst>
-              <a:ext uri="{FF2B5EF4-FFF2-40B4-BE49-F238E27FC236}">
-                <a16:creationId xmlns:a16="http://schemas.microsoft.com/office/drawing/2014/main" id="{3F27A6F5-143C-4CDC-A0DC-790A89B4376C}"/>
-              </a:ext>
-            </a:extLst>
-          </p:cNvPr>
-          <p:cNvCxnSpPr>
-            <a:cxnSpLocks/>
-          </p:cNvCxnSpPr>
+          <p:cNvPr id="70" name="曲线连接符 34"/>
+          <p:cNvCxnSpPr/>
           <p:nvPr/>
         </p:nvCxnSpPr>
         <p:spPr>
@@ -9005,16 +13115,8 @@
       </p:cxnSp>
       <p:cxnSp>
         <p:nvCxnSpPr>
-          <p:cNvPr id="71" name="曲线连接符 34">
-            <a:extLst>
-              <a:ext uri="{FF2B5EF4-FFF2-40B4-BE49-F238E27FC236}">
-                <a16:creationId xmlns:a16="http://schemas.microsoft.com/office/drawing/2014/main" id="{2F24182D-6449-4133-A639-A83DFEB51E3C}"/>
-              </a:ext>
-            </a:extLst>
-          </p:cNvPr>
-          <p:cNvCxnSpPr>
-            <a:cxnSpLocks/>
-          </p:cNvCxnSpPr>
+          <p:cNvPr id="71" name="曲线连接符 34"/>
+          <p:cNvCxnSpPr/>
           <p:nvPr/>
         </p:nvCxnSpPr>
         <p:spPr>
@@ -9159,6 +13261,7 @@
               <a:rPr lang="zh-CN" altLang="en-US" dirty="0"/>
               <a:t>为例</a:t>
             </a:r>
+            <a:endParaRPr lang="zh-CN" altLang="en-US" dirty="0"/>
           </a:p>
           <a:p>
             <a:pPr marL="0" indent="0">
@@ -9184,6 +13287,7 @@
               <a:rPr lang="en-US" altLang="zh-CN" dirty="0"/>
               <a:t>FSTIndex</a:t>
             </a:r>
+            <a:endParaRPr lang="en-US" altLang="zh-CN" dirty="0"/>
           </a:p>
           <a:p>
             <a:pPr marL="0" indent="0">
@@ -9249,6 +13353,7 @@
               <a:rPr lang="zh-CN" altLang="en-US" dirty="0"/>
               <a:t>在磁盘上的位置</a:t>
             </a:r>
+            <a:endParaRPr lang="zh-CN" altLang="en-US" dirty="0"/>
           </a:p>
           <a:p>
             <a:pPr marL="0" indent="0">
@@ -9290,6 +13395,7 @@
               <a:rPr lang="zh-CN" altLang="en-US" dirty="0"/>
               <a:t>进行后缀匹配，匹配完成后获取到倒排表在磁盘的位置信息</a:t>
             </a:r>
+            <a:endParaRPr lang="zh-CN" altLang="en-US" dirty="0"/>
           </a:p>
         </p:txBody>
       </p:sp>
@@ -9310,17 +13416,10 @@
         <p:cNvGrpSpPr/>
         <p:nvPr/>
       </p:nvGrpSpPr>
-      <p:grpSpPr>
-        <a:xfrm>
-          <a:off x="0" y="0"/>
-          <a:ext cx="0" cy="0"/>
-          <a:chOff x="0" y="0"/>
-          <a:chExt cx="0" cy="0"/>
-        </a:xfrm>
-      </p:grpSpPr>
-      <p:sp>
-        <p:nvSpPr>
-          <p:cNvPr id="3" name="标题 2"/>
+      <p:grpSpPr/>
+      <p:sp>
+        <p:nvSpPr>
+          <p:cNvPr id="2" name="标题 1"/>
           <p:cNvSpPr>
             <a:spLocks noGrp="1"/>
           </p:cNvSpPr>
@@ -9331,16 +13430,34 @@
         <p:spPr/>
         <p:txBody>
           <a:bodyPr/>
-          <a:lstStyle/>
-          <a:p>
-            <a:r>
-              <a:rPr lang="en-US" altLang="zh-CN" dirty="0"/>
-              <a:t>Stored Fields</a:t>
-            </a:r>
-            <a:br>
-              <a:rPr lang="en-US" altLang="zh-CN" dirty="0"/>
-            </a:br>
-            <a:endParaRPr lang="zh-CN" altLang="en-US" dirty="0"/>
+          <a:p>
+            <a:r>
+              <a:rPr lang="en-US" altLang="zh-CN"/>
+              <a:t>TODO: </a:t>
+            </a:r>
+            <a:r>
+              <a:rPr lang="zh-CN" altLang="en-US"/>
+              <a:t>倒排表结构</a:t>
+            </a:r>
+            <a:endParaRPr lang="zh-CN" altLang="en-US"/>
+          </a:p>
+        </p:txBody>
+      </p:sp>
+      <p:sp>
+        <p:nvSpPr>
+          <p:cNvPr id="3" name="文本占位符 2"/>
+          <p:cNvSpPr>
+            <a:spLocks noGrp="1"/>
+          </p:cNvSpPr>
+          <p:nvPr>
+            <p:ph type="body" idx="1"/>
+          </p:nvPr>
+        </p:nvSpPr>
+        <p:spPr/>
+        <p:txBody>
+          <a:bodyPr/>
+          <a:p>
+            <a:endParaRPr lang="zh-CN" altLang="en-US"/>
           </a:p>
         </p:txBody>
       </p:sp>
@@ -9371,2460 +13488,30 @@
       </p:grpSpPr>
       <p:sp>
         <p:nvSpPr>
-          <p:cNvPr id="2" name="矩形 1"/>
-          <p:cNvSpPr/>
-          <p:nvPr/>
-        </p:nvSpPr>
-        <p:spPr>
-          <a:xfrm>
-            <a:off x="1234912" y="254524"/>
-            <a:ext cx="2139886" cy="358217"/>
-          </a:xfrm>
-          <a:prstGeom prst="rect">
-            <a:avLst/>
-          </a:prstGeom>
-        </p:spPr>
-        <p:style>
-          <a:lnRef idx="2">
-            <a:schemeClr val="accent3">
-              <a:shade val="50000"/>
-            </a:schemeClr>
-          </a:lnRef>
-          <a:fillRef idx="1">
-            <a:schemeClr val="accent3"/>
-          </a:fillRef>
-          <a:effectRef idx="0">
-            <a:schemeClr val="accent3"/>
-          </a:effectRef>
-          <a:fontRef idx="minor">
-            <a:schemeClr val="lt1"/>
-          </a:fontRef>
-        </p:style>
-        <p:txBody>
-          <a:bodyPr rtlCol="0" anchor="ctr"/>
-          <a:lstStyle/>
-          <a:p>
-            <a:pPr algn="ctr"/>
-            <a:r>
-              <a:rPr lang="en-US" altLang="zh-CN" dirty="0" err="1"/>
-              <a:t>PackedIntsVersion</a:t>
-            </a:r>
+          <p:cNvPr id="3" name="标题 2"/>
+          <p:cNvSpPr>
+            <a:spLocks noGrp="1"/>
+          </p:cNvSpPr>
+          <p:nvPr>
+            <p:ph type="title"/>
+          </p:nvPr>
+        </p:nvSpPr>
+        <p:spPr/>
+        <p:txBody>
+          <a:bodyPr/>
+          <a:lstStyle/>
+          <a:p>
+            <a:r>
+              <a:rPr lang="en-US" altLang="zh-CN" dirty="0"/>
+              <a:t>Doc Values</a:t>
+            </a:r>
+            <a:br>
+              <a:rPr lang="en-US" altLang="zh-CN" dirty="0"/>
+            </a:br>
             <a:endParaRPr lang="zh-CN" altLang="en-US" dirty="0"/>
           </a:p>
         </p:txBody>
       </p:sp>
-      <p:sp>
-        <p:nvSpPr>
-          <p:cNvPr id="3" name="矩形 2"/>
-          <p:cNvSpPr/>
-          <p:nvPr/>
-        </p:nvSpPr>
-        <p:spPr>
-          <a:xfrm>
-            <a:off x="3379511" y="254522"/>
-            <a:ext cx="1046375" cy="358219"/>
-          </a:xfrm>
-          <a:prstGeom prst="rect">
-            <a:avLst/>
-          </a:prstGeom>
-        </p:spPr>
-        <p:style>
-          <a:lnRef idx="2">
-            <a:schemeClr val="accent6">
-              <a:shade val="50000"/>
-            </a:schemeClr>
-          </a:lnRef>
-          <a:fillRef idx="1">
-            <a:schemeClr val="accent6"/>
-          </a:fillRef>
-          <a:effectRef idx="0">
-            <a:schemeClr val="accent6"/>
-          </a:effectRef>
-          <a:fontRef idx="minor">
-            <a:schemeClr val="lt1"/>
-          </a:fontRef>
-        </p:style>
-        <p:txBody>
-          <a:bodyPr rtlCol="0" anchor="ctr"/>
-          <a:lstStyle/>
-          <a:p>
-            <a:pPr algn="ctr"/>
-            <a:r>
-              <a:rPr lang="en-US" altLang="zh-CN" dirty="0"/>
-              <a:t>Block</a:t>
-            </a:r>
-            <a:endParaRPr lang="zh-CN" altLang="en-US" dirty="0"/>
-          </a:p>
-        </p:txBody>
-      </p:sp>
-      <p:sp>
-        <p:nvSpPr>
-          <p:cNvPr id="5" name="矩形 4"/>
-          <p:cNvSpPr/>
-          <p:nvPr/>
-        </p:nvSpPr>
-        <p:spPr>
-          <a:xfrm>
-            <a:off x="4374037" y="254522"/>
-            <a:ext cx="1046375" cy="358219"/>
-          </a:xfrm>
-          <a:prstGeom prst="rect">
-            <a:avLst/>
-          </a:prstGeom>
-        </p:spPr>
-        <p:style>
-          <a:lnRef idx="2">
-            <a:schemeClr val="accent6">
-              <a:shade val="50000"/>
-            </a:schemeClr>
-          </a:lnRef>
-          <a:fillRef idx="1">
-            <a:schemeClr val="accent6"/>
-          </a:fillRef>
-          <a:effectRef idx="0">
-            <a:schemeClr val="accent6"/>
-          </a:effectRef>
-          <a:fontRef idx="minor">
-            <a:schemeClr val="lt1"/>
-          </a:fontRef>
-        </p:style>
-        <p:txBody>
-          <a:bodyPr rtlCol="0" anchor="ctr"/>
-          <a:lstStyle/>
-          <a:p>
-            <a:pPr algn="ctr"/>
-            <a:r>
-              <a:rPr lang="en-US" altLang="zh-CN" dirty="0"/>
-              <a:t>Block</a:t>
-            </a:r>
-            <a:endParaRPr lang="zh-CN" altLang="en-US" dirty="0"/>
-          </a:p>
-        </p:txBody>
-      </p:sp>
-      <p:sp>
-        <p:nvSpPr>
-          <p:cNvPr id="7" name="矩形 6"/>
-          <p:cNvSpPr/>
-          <p:nvPr/>
-        </p:nvSpPr>
-        <p:spPr>
-          <a:xfrm>
-            <a:off x="5415699" y="254524"/>
-            <a:ext cx="579750" cy="358219"/>
-          </a:xfrm>
-          <a:prstGeom prst="rect">
-            <a:avLst/>
-          </a:prstGeom>
-          <a:noFill/>
-          <a:ln>
-            <a:noFill/>
-          </a:ln>
-        </p:spPr>
-        <p:style>
-          <a:lnRef idx="2">
-            <a:schemeClr val="accent1">
-              <a:shade val="50000"/>
-            </a:schemeClr>
-          </a:lnRef>
-          <a:fillRef idx="1">
-            <a:schemeClr val="accent1"/>
-          </a:fillRef>
-          <a:effectRef idx="0">
-            <a:schemeClr val="accent1"/>
-          </a:effectRef>
-          <a:fontRef idx="minor">
-            <a:schemeClr val="lt1"/>
-          </a:fontRef>
-        </p:style>
-        <p:txBody>
-          <a:bodyPr rtlCol="0" anchor="ctr"/>
-          <a:lstStyle/>
-          <a:p>
-            <a:pPr algn="ctr"/>
-            <a:r>
-              <a:rPr lang="en-US" altLang="zh-CN" dirty="0">
-                <a:solidFill>
-                  <a:schemeClr val="tx1"/>
-                </a:solidFill>
-              </a:rPr>
-              <a:t>......</a:t>
-            </a:r>
-          </a:p>
-        </p:txBody>
-      </p:sp>
-      <p:sp>
-        <p:nvSpPr>
-          <p:cNvPr id="8" name="矩形 7"/>
-          <p:cNvSpPr/>
-          <p:nvPr/>
-        </p:nvSpPr>
-        <p:spPr>
-          <a:xfrm>
-            <a:off x="5995449" y="254523"/>
-            <a:ext cx="1046375" cy="358219"/>
-          </a:xfrm>
-          <a:prstGeom prst="rect">
-            <a:avLst/>
-          </a:prstGeom>
-        </p:spPr>
-        <p:style>
-          <a:lnRef idx="2">
-            <a:schemeClr val="accent6">
-              <a:shade val="50000"/>
-            </a:schemeClr>
-          </a:lnRef>
-          <a:fillRef idx="1">
-            <a:schemeClr val="accent6"/>
-          </a:fillRef>
-          <a:effectRef idx="0">
-            <a:schemeClr val="accent6"/>
-          </a:effectRef>
-          <a:fontRef idx="minor">
-            <a:schemeClr val="lt1"/>
-          </a:fontRef>
-        </p:style>
-        <p:txBody>
-          <a:bodyPr rtlCol="0" anchor="ctr"/>
-          <a:lstStyle/>
-          <a:p>
-            <a:pPr algn="ctr"/>
-            <a:r>
-              <a:rPr lang="en-US" altLang="zh-CN" dirty="0"/>
-              <a:t>Block</a:t>
-            </a:r>
-            <a:endParaRPr lang="zh-CN" altLang="en-US" dirty="0"/>
-          </a:p>
-        </p:txBody>
-      </p:sp>
-      <p:sp>
-        <p:nvSpPr>
-          <p:cNvPr id="9" name="矩形 8"/>
-          <p:cNvSpPr/>
-          <p:nvPr/>
-        </p:nvSpPr>
-        <p:spPr>
-          <a:xfrm>
-            <a:off x="7041824" y="254522"/>
-            <a:ext cx="1046375" cy="358219"/>
-          </a:xfrm>
-          <a:prstGeom prst="rect">
-            <a:avLst/>
-          </a:prstGeom>
-        </p:spPr>
-        <p:style>
-          <a:lnRef idx="2">
-            <a:schemeClr val="accent6">
-              <a:shade val="50000"/>
-            </a:schemeClr>
-          </a:lnRef>
-          <a:fillRef idx="1">
-            <a:schemeClr val="accent6"/>
-          </a:fillRef>
-          <a:effectRef idx="0">
-            <a:schemeClr val="accent6"/>
-          </a:effectRef>
-          <a:fontRef idx="minor">
-            <a:schemeClr val="lt1"/>
-          </a:fontRef>
-        </p:style>
-        <p:txBody>
-          <a:bodyPr rtlCol="0" anchor="ctr"/>
-          <a:lstStyle/>
-          <a:p>
-            <a:pPr algn="ctr"/>
-            <a:r>
-              <a:rPr lang="en-US" altLang="zh-CN" dirty="0"/>
-              <a:t>Block</a:t>
-            </a:r>
-            <a:endParaRPr lang="zh-CN" altLang="en-US" dirty="0"/>
-          </a:p>
-        </p:txBody>
-      </p:sp>
-      <p:sp>
-        <p:nvSpPr>
-          <p:cNvPr id="10" name="矩形 9"/>
-          <p:cNvSpPr/>
-          <p:nvPr/>
-        </p:nvSpPr>
-        <p:spPr>
-          <a:xfrm>
-            <a:off x="8088199" y="254522"/>
-            <a:ext cx="2412426" cy="358219"/>
-          </a:xfrm>
-          <a:prstGeom prst="rect">
-            <a:avLst/>
-          </a:prstGeom>
-        </p:spPr>
-        <p:style>
-          <a:lnRef idx="2">
-            <a:schemeClr val="accent3">
-              <a:shade val="50000"/>
-            </a:schemeClr>
-          </a:lnRef>
-          <a:fillRef idx="1">
-            <a:schemeClr val="accent3"/>
-          </a:fillRef>
-          <a:effectRef idx="0">
-            <a:schemeClr val="accent3"/>
-          </a:effectRef>
-          <a:fontRef idx="minor">
-            <a:schemeClr val="lt1"/>
-          </a:fontRef>
-        </p:style>
-        <p:txBody>
-          <a:bodyPr rtlCol="0" anchor="ctr"/>
-          <a:lstStyle/>
-          <a:p>
-            <a:pPr algn="ctr"/>
-            <a:r>
-              <a:rPr lang="en-US" altLang="zh-CN" dirty="0" err="1"/>
-              <a:t>BlocksEndMarker</a:t>
-            </a:r>
-            <a:endParaRPr lang="zh-CN" altLang="en-US" dirty="0"/>
-          </a:p>
-        </p:txBody>
-      </p:sp>
-      <p:sp>
-        <p:nvSpPr>
-          <p:cNvPr id="12" name="矩形 11"/>
-          <p:cNvSpPr/>
-          <p:nvPr/>
-        </p:nvSpPr>
-        <p:spPr>
-          <a:xfrm>
-            <a:off x="3846136" y="1621409"/>
-            <a:ext cx="1046375" cy="358219"/>
-          </a:xfrm>
-          <a:prstGeom prst="rect">
-            <a:avLst/>
-          </a:prstGeom>
-        </p:spPr>
-        <p:style>
-          <a:lnRef idx="3">
-            <a:schemeClr val="lt1"/>
-          </a:lnRef>
-          <a:fillRef idx="1">
-            <a:schemeClr val="accent5"/>
-          </a:fillRef>
-          <a:effectRef idx="1">
-            <a:schemeClr val="accent5"/>
-          </a:effectRef>
-          <a:fontRef idx="minor">
-            <a:schemeClr val="lt1"/>
-          </a:fontRef>
-        </p:style>
-        <p:txBody>
-          <a:bodyPr rtlCol="0" anchor="ctr"/>
-          <a:lstStyle/>
-          <a:p>
-            <a:pPr algn="ctr"/>
-            <a:endParaRPr lang="zh-CN" altLang="en-US" dirty="0"/>
-          </a:p>
-        </p:txBody>
-      </p:sp>
-      <p:sp>
-        <p:nvSpPr>
-          <p:cNvPr id="13" name="矩形 12"/>
-          <p:cNvSpPr/>
-          <p:nvPr/>
-        </p:nvSpPr>
-        <p:spPr>
-          <a:xfrm>
-            <a:off x="4892511" y="1621408"/>
-            <a:ext cx="1046375" cy="358219"/>
-          </a:xfrm>
-          <a:prstGeom prst="rect">
-            <a:avLst/>
-          </a:prstGeom>
-        </p:spPr>
-        <p:style>
-          <a:lnRef idx="3">
-            <a:schemeClr val="lt1"/>
-          </a:lnRef>
-          <a:fillRef idx="1">
-            <a:schemeClr val="accent5"/>
-          </a:fillRef>
-          <a:effectRef idx="1">
-            <a:schemeClr val="accent5"/>
-          </a:effectRef>
-          <a:fontRef idx="minor">
-            <a:schemeClr val="lt1"/>
-          </a:fontRef>
-        </p:style>
-        <p:txBody>
-          <a:bodyPr rtlCol="0" anchor="ctr"/>
-          <a:lstStyle/>
-          <a:p>
-            <a:pPr algn="ctr"/>
-            <a:endParaRPr lang="zh-CN" altLang="en-US"/>
-          </a:p>
-        </p:txBody>
-      </p:sp>
-      <p:sp>
-        <p:nvSpPr>
-          <p:cNvPr id="14" name="矩形 13"/>
-          <p:cNvSpPr/>
-          <p:nvPr/>
-        </p:nvSpPr>
-        <p:spPr>
-          <a:xfrm>
-            <a:off x="5938886" y="1621408"/>
-            <a:ext cx="1046375" cy="358219"/>
-          </a:xfrm>
-          <a:prstGeom prst="rect">
-            <a:avLst/>
-          </a:prstGeom>
-        </p:spPr>
-        <p:style>
-          <a:lnRef idx="3">
-            <a:schemeClr val="lt1"/>
-          </a:lnRef>
-          <a:fillRef idx="1">
-            <a:schemeClr val="accent5"/>
-          </a:fillRef>
-          <a:effectRef idx="1">
-            <a:schemeClr val="accent5"/>
-          </a:effectRef>
-          <a:fontRef idx="minor">
-            <a:schemeClr val="lt1"/>
-          </a:fontRef>
-        </p:style>
-        <p:txBody>
-          <a:bodyPr rtlCol="0" anchor="ctr"/>
-          <a:lstStyle/>
-          <a:p>
-            <a:pPr algn="ctr"/>
-            <a:r>
-              <a:rPr lang="en-US" altLang="zh-CN" dirty="0"/>
-              <a:t>…</a:t>
-            </a:r>
-            <a:endParaRPr lang="zh-CN" altLang="en-US" dirty="0"/>
-          </a:p>
-        </p:txBody>
-      </p:sp>
-      <p:cxnSp>
-        <p:nvCxnSpPr>
-          <p:cNvPr id="16" name="直接连接符 15"/>
-          <p:cNvCxnSpPr/>
-          <p:nvPr/>
-        </p:nvCxnSpPr>
-        <p:spPr>
-          <a:xfrm flipH="1">
-            <a:off x="2201578" y="612741"/>
-            <a:ext cx="1173220" cy="1008664"/>
-          </a:xfrm>
-          <a:prstGeom prst="line">
-            <a:avLst/>
-          </a:prstGeom>
-          <a:ln w="19050"/>
-        </p:spPr>
-        <p:style>
-          <a:lnRef idx="1">
-            <a:schemeClr val="accent1"/>
-          </a:lnRef>
-          <a:fillRef idx="0">
-            <a:schemeClr val="accent1"/>
-          </a:fillRef>
-          <a:effectRef idx="0">
-            <a:schemeClr val="accent1"/>
-          </a:effectRef>
-          <a:fontRef idx="minor">
-            <a:schemeClr val="tx1"/>
-          </a:fontRef>
-        </p:style>
-      </p:cxnSp>
-      <p:cxnSp>
-        <p:nvCxnSpPr>
-          <p:cNvPr id="20" name="直接连接符 19"/>
-          <p:cNvCxnSpPr/>
-          <p:nvPr/>
-        </p:nvCxnSpPr>
-        <p:spPr>
-          <a:xfrm>
-            <a:off x="4369323" y="612741"/>
-            <a:ext cx="3657600" cy="1008664"/>
-          </a:xfrm>
-          <a:prstGeom prst="line">
-            <a:avLst/>
-          </a:prstGeom>
-          <a:ln w="19050"/>
-        </p:spPr>
-        <p:style>
-          <a:lnRef idx="1">
-            <a:schemeClr val="accent1"/>
-          </a:lnRef>
-          <a:fillRef idx="0">
-            <a:schemeClr val="accent1"/>
-          </a:fillRef>
-          <a:effectRef idx="0">
-            <a:schemeClr val="accent1"/>
-          </a:effectRef>
-          <a:fontRef idx="minor">
-            <a:schemeClr val="tx1"/>
-          </a:fontRef>
-        </p:style>
-      </p:cxnSp>
-      <p:sp>
-        <p:nvSpPr>
-          <p:cNvPr id="22" name="矩形 21"/>
-          <p:cNvSpPr/>
-          <p:nvPr/>
-        </p:nvSpPr>
-        <p:spPr>
-          <a:xfrm>
-            <a:off x="2201578" y="1621406"/>
-            <a:ext cx="1637640" cy="358219"/>
-          </a:xfrm>
-          <a:prstGeom prst="rect">
-            <a:avLst/>
-          </a:prstGeom>
-        </p:spPr>
-        <p:style>
-          <a:lnRef idx="3">
-            <a:schemeClr val="lt1"/>
-          </a:lnRef>
-          <a:fillRef idx="1">
-            <a:schemeClr val="accent5"/>
-          </a:fillRef>
-          <a:effectRef idx="1">
-            <a:schemeClr val="accent5"/>
-          </a:effectRef>
-          <a:fontRef idx="minor">
-            <a:schemeClr val="lt1"/>
-          </a:fontRef>
-        </p:style>
-        <p:txBody>
-          <a:bodyPr rtlCol="0" anchor="ctr"/>
-          <a:lstStyle/>
-          <a:p>
-            <a:pPr algn="ctr"/>
-            <a:r>
-              <a:rPr lang="en-US" altLang="zh-CN" dirty="0" err="1"/>
-              <a:t>DocBases</a:t>
-            </a:r>
-            <a:endParaRPr lang="zh-CN" altLang="en-US" dirty="0"/>
-          </a:p>
-        </p:txBody>
-      </p:sp>
-      <p:sp>
-        <p:nvSpPr>
-          <p:cNvPr id="23" name="矩形 22"/>
-          <p:cNvSpPr/>
-          <p:nvPr/>
-        </p:nvSpPr>
-        <p:spPr>
-          <a:xfrm>
-            <a:off x="3846136" y="1979625"/>
-            <a:ext cx="1046375" cy="358219"/>
-          </a:xfrm>
-          <a:prstGeom prst="rect">
-            <a:avLst/>
-          </a:prstGeom>
-        </p:spPr>
-        <p:style>
-          <a:lnRef idx="3">
-            <a:schemeClr val="lt1"/>
-          </a:lnRef>
-          <a:fillRef idx="1">
-            <a:schemeClr val="accent2"/>
-          </a:fillRef>
-          <a:effectRef idx="1">
-            <a:schemeClr val="accent2"/>
-          </a:effectRef>
-          <a:fontRef idx="minor">
-            <a:schemeClr val="lt1"/>
-          </a:fontRef>
-        </p:style>
-        <p:txBody>
-          <a:bodyPr rtlCol="0" anchor="ctr"/>
-          <a:lstStyle/>
-          <a:p>
-            <a:pPr algn="ctr"/>
-            <a:endParaRPr lang="zh-CN" altLang="en-US" dirty="0"/>
-          </a:p>
-        </p:txBody>
-      </p:sp>
-      <p:sp>
-        <p:nvSpPr>
-          <p:cNvPr id="24" name="矩形 23"/>
-          <p:cNvSpPr/>
-          <p:nvPr/>
-        </p:nvSpPr>
-        <p:spPr>
-          <a:xfrm>
-            <a:off x="4892511" y="1979624"/>
-            <a:ext cx="1046375" cy="358219"/>
-          </a:xfrm>
-          <a:prstGeom prst="rect">
-            <a:avLst/>
-          </a:prstGeom>
-        </p:spPr>
-        <p:style>
-          <a:lnRef idx="3">
-            <a:schemeClr val="lt1"/>
-          </a:lnRef>
-          <a:fillRef idx="1">
-            <a:schemeClr val="accent2"/>
-          </a:fillRef>
-          <a:effectRef idx="1">
-            <a:schemeClr val="accent2"/>
-          </a:effectRef>
-          <a:fontRef idx="minor">
-            <a:schemeClr val="lt1"/>
-          </a:fontRef>
-        </p:style>
-        <p:txBody>
-          <a:bodyPr rtlCol="0" anchor="ctr"/>
-          <a:lstStyle/>
-          <a:p>
-            <a:pPr algn="ctr"/>
-            <a:endParaRPr lang="zh-CN" altLang="en-US"/>
-          </a:p>
-        </p:txBody>
-      </p:sp>
-      <p:sp>
-        <p:nvSpPr>
-          <p:cNvPr id="25" name="矩形 24"/>
-          <p:cNvSpPr/>
-          <p:nvPr/>
-        </p:nvSpPr>
-        <p:spPr>
-          <a:xfrm>
-            <a:off x="5938886" y="1979624"/>
-            <a:ext cx="1046375" cy="358219"/>
-          </a:xfrm>
-          <a:prstGeom prst="rect">
-            <a:avLst/>
-          </a:prstGeom>
-        </p:spPr>
-        <p:style>
-          <a:lnRef idx="3">
-            <a:schemeClr val="lt1"/>
-          </a:lnRef>
-          <a:fillRef idx="1">
-            <a:schemeClr val="accent2"/>
-          </a:fillRef>
-          <a:effectRef idx="1">
-            <a:schemeClr val="accent2"/>
-          </a:effectRef>
-          <a:fontRef idx="minor">
-            <a:schemeClr val="lt1"/>
-          </a:fontRef>
-        </p:style>
-        <p:txBody>
-          <a:bodyPr rtlCol="0" anchor="ctr"/>
-          <a:lstStyle/>
-          <a:p>
-            <a:pPr algn="ctr"/>
-            <a:r>
-              <a:rPr lang="en-US" altLang="zh-CN" dirty="0"/>
-              <a:t>…</a:t>
-            </a:r>
-            <a:endParaRPr lang="zh-CN" altLang="en-US" dirty="0"/>
-          </a:p>
-        </p:txBody>
-      </p:sp>
-      <p:sp>
-        <p:nvSpPr>
-          <p:cNvPr id="26" name="矩形 25"/>
-          <p:cNvSpPr/>
-          <p:nvPr/>
-        </p:nvSpPr>
-        <p:spPr>
-          <a:xfrm>
-            <a:off x="2201578" y="1979622"/>
-            <a:ext cx="1637640" cy="358219"/>
-          </a:xfrm>
-          <a:prstGeom prst="rect">
-            <a:avLst/>
-          </a:prstGeom>
-        </p:spPr>
-        <p:style>
-          <a:lnRef idx="3">
-            <a:schemeClr val="lt1"/>
-          </a:lnRef>
-          <a:fillRef idx="1">
-            <a:schemeClr val="accent2"/>
-          </a:fillRef>
-          <a:effectRef idx="1">
-            <a:schemeClr val="accent2"/>
-          </a:effectRef>
-          <a:fontRef idx="minor">
-            <a:schemeClr val="lt1"/>
-          </a:fontRef>
-        </p:style>
-        <p:txBody>
-          <a:bodyPr rtlCol="0" anchor="ctr"/>
-          <a:lstStyle/>
-          <a:p>
-            <a:pPr algn="ctr"/>
-            <a:r>
-              <a:rPr lang="en-US" altLang="zh-CN" dirty="0" err="1"/>
-              <a:t>StartPointers</a:t>
-            </a:r>
-            <a:endParaRPr lang="zh-CN" altLang="en-US" dirty="0"/>
-          </a:p>
-        </p:txBody>
-      </p:sp>
-      <p:sp>
-        <p:nvSpPr>
-          <p:cNvPr id="27" name="矩形 26"/>
-          <p:cNvSpPr/>
-          <p:nvPr/>
-        </p:nvSpPr>
-        <p:spPr>
-          <a:xfrm>
-            <a:off x="6992180" y="1621406"/>
-            <a:ext cx="1046375" cy="358219"/>
-          </a:xfrm>
-          <a:prstGeom prst="rect">
-            <a:avLst/>
-          </a:prstGeom>
-        </p:spPr>
-        <p:style>
-          <a:lnRef idx="3">
-            <a:schemeClr val="lt1"/>
-          </a:lnRef>
-          <a:fillRef idx="1">
-            <a:schemeClr val="accent5"/>
-          </a:fillRef>
-          <a:effectRef idx="1">
-            <a:schemeClr val="accent5"/>
-          </a:effectRef>
-          <a:fontRef idx="minor">
-            <a:schemeClr val="lt1"/>
-          </a:fontRef>
-        </p:style>
-        <p:txBody>
-          <a:bodyPr rtlCol="0" anchor="ctr"/>
-          <a:lstStyle/>
-          <a:p>
-            <a:pPr algn="ctr"/>
-            <a:endParaRPr lang="zh-CN" altLang="en-US" dirty="0"/>
-          </a:p>
-        </p:txBody>
-      </p:sp>
-      <p:sp>
-        <p:nvSpPr>
-          <p:cNvPr id="28" name="矩形 27"/>
-          <p:cNvSpPr/>
-          <p:nvPr/>
-        </p:nvSpPr>
-        <p:spPr>
-          <a:xfrm>
-            <a:off x="6992180" y="1979622"/>
-            <a:ext cx="1046375" cy="358219"/>
-          </a:xfrm>
-          <a:prstGeom prst="rect">
-            <a:avLst/>
-          </a:prstGeom>
-        </p:spPr>
-        <p:style>
-          <a:lnRef idx="3">
-            <a:schemeClr val="lt1"/>
-          </a:lnRef>
-          <a:fillRef idx="1">
-            <a:schemeClr val="accent2"/>
-          </a:fillRef>
-          <a:effectRef idx="1">
-            <a:schemeClr val="accent2"/>
-          </a:effectRef>
-          <a:fontRef idx="minor">
-            <a:schemeClr val="lt1"/>
-          </a:fontRef>
-        </p:style>
-        <p:txBody>
-          <a:bodyPr rtlCol="0" anchor="ctr"/>
-          <a:lstStyle/>
-          <a:p>
-            <a:pPr algn="ctr"/>
-            <a:endParaRPr lang="zh-CN" altLang="en-US" dirty="0"/>
-          </a:p>
-        </p:txBody>
-      </p:sp>
-      <p:cxnSp>
-        <p:nvCxnSpPr>
-          <p:cNvPr id="32" name="直接连接符 31"/>
-          <p:cNvCxnSpPr/>
-          <p:nvPr/>
-        </p:nvCxnSpPr>
-        <p:spPr>
-          <a:xfrm>
-            <a:off x="113122" y="2714920"/>
-            <a:ext cx="11774078" cy="0"/>
-          </a:xfrm>
-          <a:prstGeom prst="line">
-            <a:avLst/>
-          </a:prstGeom>
-          <a:ln w="19050"/>
-        </p:spPr>
-        <p:style>
-          <a:lnRef idx="1">
-            <a:schemeClr val="dk1"/>
-          </a:lnRef>
-          <a:fillRef idx="0">
-            <a:schemeClr val="dk1"/>
-          </a:fillRef>
-          <a:effectRef idx="0">
-            <a:schemeClr val="dk1"/>
-          </a:effectRef>
-          <a:fontRef idx="minor">
-            <a:schemeClr val="tx1"/>
-          </a:fontRef>
-        </p:style>
-      </p:cxnSp>
-      <p:sp>
-        <p:nvSpPr>
-          <p:cNvPr id="33" name="文本框 32"/>
-          <p:cNvSpPr txBox="1"/>
-          <p:nvPr/>
-        </p:nvSpPr>
-        <p:spPr>
-          <a:xfrm>
-            <a:off x="54776" y="793907"/>
-            <a:ext cx="2073003" cy="646331"/>
-          </a:xfrm>
-          <a:prstGeom prst="rect">
-            <a:avLst/>
-          </a:prstGeom>
-          <a:noFill/>
-        </p:spPr>
-        <p:txBody>
-          <a:bodyPr wrap="none" rtlCol="0">
-            <a:spAutoFit/>
-          </a:bodyPr>
-          <a:lstStyle/>
-          <a:p>
-            <a:r>
-              <a:rPr lang="en-US" altLang="zh-CN" dirty="0"/>
-              <a:t>.</a:t>
-            </a:r>
-            <a:r>
-              <a:rPr lang="en-US" altLang="zh-CN" dirty="0" err="1"/>
-              <a:t>fdx</a:t>
-            </a:r>
-            <a:r>
-              <a:rPr lang="zh-CN" altLang="en-US" dirty="0"/>
-              <a:t>文件  </a:t>
-            </a:r>
-            <a:endParaRPr lang="en-US" altLang="zh-CN" dirty="0"/>
-          </a:p>
-          <a:p>
-            <a:r>
-              <a:rPr lang="zh-CN" altLang="en-US" dirty="0"/>
-              <a:t>全部加载在内存中</a:t>
-            </a:r>
-          </a:p>
-        </p:txBody>
-      </p:sp>
-      <p:sp>
-        <p:nvSpPr>
-          <p:cNvPr id="34" name="文本框 33"/>
-          <p:cNvSpPr txBox="1"/>
-          <p:nvPr/>
-        </p:nvSpPr>
-        <p:spPr>
-          <a:xfrm>
-            <a:off x="9328036" y="701574"/>
-            <a:ext cx="2809188" cy="738664"/>
-          </a:xfrm>
-          <a:prstGeom prst="rect">
-            <a:avLst/>
-          </a:prstGeom>
-          <a:noFill/>
-        </p:spPr>
-        <p:txBody>
-          <a:bodyPr wrap="square" rtlCol="0">
-            <a:spAutoFit/>
-          </a:bodyPr>
-          <a:lstStyle/>
-          <a:p>
-            <a:r>
-              <a:rPr lang="zh-CN" altLang="en-US" sz="1400" dirty="0"/>
-              <a:t>实际在磁盘上的存储单元是</a:t>
-            </a:r>
-            <a:r>
-              <a:rPr lang="en-US" altLang="zh-CN" sz="1400" dirty="0"/>
-              <a:t>chunk</a:t>
-            </a:r>
-            <a:r>
-              <a:rPr lang="zh-CN" altLang="en-US" sz="1400" dirty="0"/>
-              <a:t>，</a:t>
-            </a:r>
-            <a:endParaRPr lang="en-US" altLang="zh-CN" sz="1400" dirty="0"/>
-          </a:p>
-          <a:p>
-            <a:r>
-              <a:rPr lang="en-US" altLang="zh-CN" sz="1400" dirty="0"/>
-              <a:t>Block</a:t>
-            </a:r>
-            <a:r>
-              <a:rPr lang="zh-CN" altLang="en-US" sz="1400" dirty="0"/>
-              <a:t>是为了将一批</a:t>
-            </a:r>
-            <a:r>
-              <a:rPr lang="en-US" altLang="zh-CN" sz="1400" dirty="0"/>
-              <a:t>chunk</a:t>
-            </a:r>
-            <a:r>
-              <a:rPr lang="zh-CN" altLang="en-US" sz="1400" dirty="0"/>
-              <a:t>的</a:t>
-            </a:r>
-            <a:r>
-              <a:rPr lang="en-US" altLang="zh-CN" sz="1400" dirty="0" err="1"/>
-              <a:t>docID</a:t>
-            </a:r>
-            <a:r>
-              <a:rPr lang="zh-CN" altLang="en-US" sz="1400" dirty="0"/>
-              <a:t>和指针放在一起进行整数压缩</a:t>
-            </a:r>
-          </a:p>
-        </p:txBody>
-      </p:sp>
-      <p:sp>
-        <p:nvSpPr>
-          <p:cNvPr id="35" name="矩形 34"/>
-          <p:cNvSpPr/>
-          <p:nvPr/>
-        </p:nvSpPr>
-        <p:spPr>
-          <a:xfrm>
-            <a:off x="1885361" y="3271105"/>
-            <a:ext cx="2139886" cy="358217"/>
-          </a:xfrm>
-          <a:prstGeom prst="rect">
-            <a:avLst/>
-          </a:prstGeom>
-        </p:spPr>
-        <p:style>
-          <a:lnRef idx="2">
-            <a:schemeClr val="accent3">
-              <a:shade val="50000"/>
-            </a:schemeClr>
-          </a:lnRef>
-          <a:fillRef idx="1">
-            <a:schemeClr val="accent3"/>
-          </a:fillRef>
-          <a:effectRef idx="0">
-            <a:schemeClr val="accent3"/>
-          </a:effectRef>
-          <a:fontRef idx="minor">
-            <a:schemeClr val="lt1"/>
-          </a:fontRef>
-        </p:style>
-        <p:txBody>
-          <a:bodyPr rtlCol="0" anchor="ctr"/>
-          <a:lstStyle/>
-          <a:p>
-            <a:pPr algn="ctr"/>
-            <a:r>
-              <a:rPr lang="en-US" altLang="zh-CN" dirty="0"/>
-              <a:t>Header</a:t>
-            </a:r>
-            <a:endParaRPr lang="zh-CN" altLang="en-US" dirty="0"/>
-          </a:p>
-        </p:txBody>
-      </p:sp>
-      <p:sp>
-        <p:nvSpPr>
-          <p:cNvPr id="36" name="矩形 35"/>
-          <p:cNvSpPr/>
-          <p:nvPr/>
-        </p:nvSpPr>
-        <p:spPr>
-          <a:xfrm>
-            <a:off x="4029960" y="3271103"/>
-            <a:ext cx="1046375" cy="358219"/>
-          </a:xfrm>
-          <a:prstGeom prst="rect">
-            <a:avLst/>
-          </a:prstGeom>
-        </p:spPr>
-        <p:style>
-          <a:lnRef idx="2">
-            <a:schemeClr val="accent6">
-              <a:shade val="50000"/>
-            </a:schemeClr>
-          </a:lnRef>
-          <a:fillRef idx="1">
-            <a:schemeClr val="accent6"/>
-          </a:fillRef>
-          <a:effectRef idx="0">
-            <a:schemeClr val="accent6"/>
-          </a:effectRef>
-          <a:fontRef idx="minor">
-            <a:schemeClr val="lt1"/>
-          </a:fontRef>
-        </p:style>
-        <p:txBody>
-          <a:bodyPr rtlCol="0" anchor="ctr"/>
-          <a:lstStyle/>
-          <a:p>
-            <a:pPr algn="ctr"/>
-            <a:r>
-              <a:rPr lang="en-US" altLang="zh-CN" dirty="0"/>
-              <a:t>Chunk</a:t>
-            </a:r>
-            <a:endParaRPr lang="zh-CN" altLang="en-US" dirty="0"/>
-          </a:p>
-        </p:txBody>
-      </p:sp>
-      <p:sp>
-        <p:nvSpPr>
-          <p:cNvPr id="37" name="矩形 36"/>
-          <p:cNvSpPr/>
-          <p:nvPr/>
-        </p:nvSpPr>
-        <p:spPr>
-          <a:xfrm>
-            <a:off x="5024486" y="3271103"/>
-            <a:ext cx="1046375" cy="358219"/>
-          </a:xfrm>
-          <a:prstGeom prst="rect">
-            <a:avLst/>
-          </a:prstGeom>
-        </p:spPr>
-        <p:style>
-          <a:lnRef idx="2">
-            <a:schemeClr val="accent6">
-              <a:shade val="50000"/>
-            </a:schemeClr>
-          </a:lnRef>
-          <a:fillRef idx="1">
-            <a:schemeClr val="accent6"/>
-          </a:fillRef>
-          <a:effectRef idx="0">
-            <a:schemeClr val="accent6"/>
-          </a:effectRef>
-          <a:fontRef idx="minor">
-            <a:schemeClr val="lt1"/>
-          </a:fontRef>
-        </p:style>
-        <p:txBody>
-          <a:bodyPr rtlCol="0" anchor="ctr"/>
-          <a:lstStyle/>
-          <a:p>
-            <a:pPr algn="ctr"/>
-            <a:r>
-              <a:rPr lang="en-US" altLang="zh-CN" dirty="0"/>
-              <a:t>Chunk</a:t>
-            </a:r>
-            <a:endParaRPr lang="zh-CN" altLang="en-US" dirty="0"/>
-          </a:p>
-        </p:txBody>
-      </p:sp>
-      <p:sp>
-        <p:nvSpPr>
-          <p:cNvPr id="38" name="矩形 37"/>
-          <p:cNvSpPr/>
-          <p:nvPr/>
-        </p:nvSpPr>
-        <p:spPr>
-          <a:xfrm>
-            <a:off x="6066148" y="3271105"/>
-            <a:ext cx="579750" cy="358219"/>
-          </a:xfrm>
-          <a:prstGeom prst="rect">
-            <a:avLst/>
-          </a:prstGeom>
-          <a:noFill/>
-          <a:ln>
-            <a:noFill/>
-          </a:ln>
-        </p:spPr>
-        <p:style>
-          <a:lnRef idx="2">
-            <a:schemeClr val="accent1">
-              <a:shade val="50000"/>
-            </a:schemeClr>
-          </a:lnRef>
-          <a:fillRef idx="1">
-            <a:schemeClr val="accent1"/>
-          </a:fillRef>
-          <a:effectRef idx="0">
-            <a:schemeClr val="accent1"/>
-          </a:effectRef>
-          <a:fontRef idx="minor">
-            <a:schemeClr val="lt1"/>
-          </a:fontRef>
-        </p:style>
-        <p:txBody>
-          <a:bodyPr rtlCol="0" anchor="ctr"/>
-          <a:lstStyle/>
-          <a:p>
-            <a:pPr algn="ctr"/>
-            <a:r>
-              <a:rPr lang="en-US" altLang="zh-CN" dirty="0">
-                <a:solidFill>
-                  <a:schemeClr val="tx1"/>
-                </a:solidFill>
-              </a:rPr>
-              <a:t>......</a:t>
-            </a:r>
-          </a:p>
-        </p:txBody>
-      </p:sp>
-      <p:sp>
-        <p:nvSpPr>
-          <p:cNvPr id="39" name="矩形 38"/>
-          <p:cNvSpPr/>
-          <p:nvPr/>
-        </p:nvSpPr>
-        <p:spPr>
-          <a:xfrm>
-            <a:off x="6645898" y="3271104"/>
-            <a:ext cx="1046375" cy="358219"/>
-          </a:xfrm>
-          <a:prstGeom prst="rect">
-            <a:avLst/>
-          </a:prstGeom>
-        </p:spPr>
-        <p:style>
-          <a:lnRef idx="2">
-            <a:schemeClr val="accent6">
-              <a:shade val="50000"/>
-            </a:schemeClr>
-          </a:lnRef>
-          <a:fillRef idx="1">
-            <a:schemeClr val="accent6"/>
-          </a:fillRef>
-          <a:effectRef idx="0">
-            <a:schemeClr val="accent6"/>
-          </a:effectRef>
-          <a:fontRef idx="minor">
-            <a:schemeClr val="lt1"/>
-          </a:fontRef>
-        </p:style>
-        <p:txBody>
-          <a:bodyPr rtlCol="0" anchor="ctr"/>
-          <a:lstStyle/>
-          <a:p>
-            <a:pPr algn="ctr"/>
-            <a:r>
-              <a:rPr lang="en-US" altLang="zh-CN" dirty="0"/>
-              <a:t>Chunk</a:t>
-            </a:r>
-            <a:endParaRPr lang="zh-CN" altLang="en-US" dirty="0"/>
-          </a:p>
-        </p:txBody>
-      </p:sp>
-      <p:sp>
-        <p:nvSpPr>
-          <p:cNvPr id="41" name="矩形 40"/>
-          <p:cNvSpPr/>
-          <p:nvPr/>
-        </p:nvSpPr>
-        <p:spPr>
-          <a:xfrm>
-            <a:off x="7687560" y="3266686"/>
-            <a:ext cx="2412426" cy="358219"/>
-          </a:xfrm>
-          <a:prstGeom prst="rect">
-            <a:avLst/>
-          </a:prstGeom>
-        </p:spPr>
-        <p:style>
-          <a:lnRef idx="2">
-            <a:schemeClr val="accent3">
-              <a:shade val="50000"/>
-            </a:schemeClr>
-          </a:lnRef>
-          <a:fillRef idx="1">
-            <a:schemeClr val="accent3"/>
-          </a:fillRef>
-          <a:effectRef idx="0">
-            <a:schemeClr val="accent3"/>
-          </a:effectRef>
-          <a:fontRef idx="minor">
-            <a:schemeClr val="lt1"/>
-          </a:fontRef>
-        </p:style>
-        <p:txBody>
-          <a:bodyPr rtlCol="0" anchor="ctr"/>
-          <a:lstStyle/>
-          <a:p>
-            <a:pPr algn="ctr"/>
-            <a:r>
-              <a:rPr lang="en-US" altLang="zh-CN" dirty="0"/>
-              <a:t>Footer</a:t>
-            </a:r>
-            <a:endParaRPr lang="zh-CN" altLang="en-US" dirty="0"/>
-          </a:p>
-        </p:txBody>
-      </p:sp>
-      <p:cxnSp>
-        <p:nvCxnSpPr>
-          <p:cNvPr id="43" name="直接箭头连接符 42"/>
-          <p:cNvCxnSpPr>
-            <a:endCxn id="36" idx="0"/>
-          </p:cNvCxnSpPr>
-          <p:nvPr/>
-        </p:nvCxnSpPr>
-        <p:spPr>
-          <a:xfrm>
-            <a:off x="4147794" y="2337841"/>
-            <a:ext cx="405354" cy="933262"/>
-          </a:xfrm>
-          <a:prstGeom prst="straightConnector1">
-            <a:avLst/>
-          </a:prstGeom>
-          <a:ln w="28575">
-            <a:tailEnd type="triangle"/>
-          </a:ln>
-        </p:spPr>
-        <p:style>
-          <a:lnRef idx="1">
-            <a:schemeClr val="accent2"/>
-          </a:lnRef>
-          <a:fillRef idx="0">
-            <a:schemeClr val="accent2"/>
-          </a:fillRef>
-          <a:effectRef idx="0">
-            <a:schemeClr val="accent2"/>
-          </a:effectRef>
-          <a:fontRef idx="minor">
-            <a:schemeClr val="tx1"/>
-          </a:fontRef>
-        </p:style>
-      </p:cxnSp>
-      <p:cxnSp>
-        <p:nvCxnSpPr>
-          <p:cNvPr id="46" name="直接箭头连接符 45"/>
-          <p:cNvCxnSpPr/>
-          <p:nvPr/>
-        </p:nvCxnSpPr>
-        <p:spPr>
-          <a:xfrm>
-            <a:off x="5213021" y="2337841"/>
-            <a:ext cx="405354" cy="933262"/>
-          </a:xfrm>
-          <a:prstGeom prst="straightConnector1">
-            <a:avLst/>
-          </a:prstGeom>
-          <a:ln w="28575">
-            <a:tailEnd type="triangle"/>
-          </a:ln>
-        </p:spPr>
-        <p:style>
-          <a:lnRef idx="1">
-            <a:schemeClr val="accent2"/>
-          </a:lnRef>
-          <a:fillRef idx="0">
-            <a:schemeClr val="accent2"/>
-          </a:fillRef>
-          <a:effectRef idx="0">
-            <a:schemeClr val="accent2"/>
-          </a:effectRef>
-          <a:fontRef idx="minor">
-            <a:schemeClr val="tx1"/>
-          </a:fontRef>
-        </p:style>
-      </p:cxnSp>
-      <p:cxnSp>
-        <p:nvCxnSpPr>
-          <p:cNvPr id="47" name="直接箭头连接符 46"/>
-          <p:cNvCxnSpPr>
-            <a:stCxn id="28" idx="2"/>
-            <a:endCxn id="39" idx="0"/>
-          </p:cNvCxnSpPr>
-          <p:nvPr/>
-        </p:nvCxnSpPr>
-        <p:spPr>
-          <a:xfrm flipH="1">
-            <a:off x="7169086" y="2337841"/>
-            <a:ext cx="346282" cy="933263"/>
-          </a:xfrm>
-          <a:prstGeom prst="straightConnector1">
-            <a:avLst/>
-          </a:prstGeom>
-          <a:ln w="28575">
-            <a:tailEnd type="triangle"/>
-          </a:ln>
-        </p:spPr>
-        <p:style>
-          <a:lnRef idx="1">
-            <a:schemeClr val="accent2"/>
-          </a:lnRef>
-          <a:fillRef idx="0">
-            <a:schemeClr val="accent2"/>
-          </a:fillRef>
-          <a:effectRef idx="0">
-            <a:schemeClr val="accent2"/>
-          </a:effectRef>
-          <a:fontRef idx="minor">
-            <a:schemeClr val="tx1"/>
-          </a:fontRef>
-        </p:style>
-      </p:cxnSp>
-      <p:sp>
-        <p:nvSpPr>
-          <p:cNvPr id="52" name="文本框 51"/>
-          <p:cNvSpPr txBox="1"/>
-          <p:nvPr/>
-        </p:nvSpPr>
-        <p:spPr>
-          <a:xfrm>
-            <a:off x="8088198" y="1646626"/>
-            <a:ext cx="3497343" cy="307777"/>
-          </a:xfrm>
-          <a:prstGeom prst="rect">
-            <a:avLst/>
-          </a:prstGeom>
-          <a:noFill/>
-        </p:spPr>
-        <p:txBody>
-          <a:bodyPr wrap="square" rtlCol="0">
-            <a:spAutoFit/>
-          </a:bodyPr>
-          <a:lstStyle/>
-          <a:p>
-            <a:r>
-              <a:rPr lang="en-US" altLang="zh-CN" sz="1400" dirty="0"/>
-              <a:t>Chunk</a:t>
-            </a:r>
-            <a:r>
-              <a:rPr lang="zh-CN" altLang="en-US" sz="1400" dirty="0"/>
-              <a:t>中第一个文档的</a:t>
-            </a:r>
-            <a:r>
-              <a:rPr lang="en-US" altLang="zh-CN" sz="1400" dirty="0" err="1"/>
-              <a:t>docID</a:t>
-            </a:r>
-            <a:r>
-              <a:rPr lang="en-US" altLang="zh-CN" sz="1400" dirty="0"/>
-              <a:t>(</a:t>
-            </a:r>
-            <a:r>
-              <a:rPr lang="zh-CN" altLang="en-US" sz="1400" dirty="0"/>
-              <a:t>二分</a:t>
-            </a:r>
-            <a:r>
-              <a:rPr lang="en-US" altLang="zh-CN" sz="1400" dirty="0"/>
-              <a:t>)</a:t>
-            </a:r>
-            <a:endParaRPr lang="zh-CN" altLang="en-US" sz="1400" dirty="0"/>
-          </a:p>
-        </p:txBody>
-      </p:sp>
-      <p:sp>
-        <p:nvSpPr>
-          <p:cNvPr id="53" name="文本框 52"/>
-          <p:cNvSpPr txBox="1"/>
-          <p:nvPr/>
-        </p:nvSpPr>
-        <p:spPr>
-          <a:xfrm>
-            <a:off x="8090097" y="2004842"/>
-            <a:ext cx="2809188" cy="307777"/>
-          </a:xfrm>
-          <a:prstGeom prst="rect">
-            <a:avLst/>
-          </a:prstGeom>
-          <a:noFill/>
-        </p:spPr>
-        <p:txBody>
-          <a:bodyPr wrap="square" rtlCol="0">
-            <a:spAutoFit/>
-          </a:bodyPr>
-          <a:lstStyle/>
-          <a:p>
-            <a:r>
-              <a:rPr lang="en-US" altLang="zh-CN" sz="1400" dirty="0"/>
-              <a:t>Chunk</a:t>
-            </a:r>
-            <a:r>
-              <a:rPr lang="zh-CN" altLang="en-US" sz="1400" dirty="0"/>
-              <a:t>在磁盘上的位置</a:t>
-            </a:r>
-          </a:p>
-        </p:txBody>
-      </p:sp>
-      <p:sp>
-        <p:nvSpPr>
-          <p:cNvPr id="55" name="矩形 54"/>
-          <p:cNvSpPr/>
-          <p:nvPr/>
-        </p:nvSpPr>
-        <p:spPr>
-          <a:xfrm>
-            <a:off x="2485531" y="4298622"/>
-            <a:ext cx="1366884" cy="358219"/>
-          </a:xfrm>
-          <a:prstGeom prst="rect">
-            <a:avLst/>
-          </a:prstGeom>
-        </p:spPr>
-        <p:style>
-          <a:lnRef idx="3">
-            <a:schemeClr val="lt1"/>
-          </a:lnRef>
-          <a:fillRef idx="1">
-            <a:schemeClr val="accent3"/>
-          </a:fillRef>
-          <a:effectRef idx="1">
-            <a:schemeClr val="accent3"/>
-          </a:effectRef>
-          <a:fontRef idx="minor">
-            <a:schemeClr val="lt1"/>
-          </a:fontRef>
-        </p:style>
-        <p:txBody>
-          <a:bodyPr rtlCol="0" anchor="ctr"/>
-          <a:lstStyle/>
-          <a:p>
-            <a:pPr algn="ctr"/>
-            <a:r>
-              <a:rPr lang="en-US" altLang="zh-CN" dirty="0" err="1"/>
-              <a:t>ChunkDocs</a:t>
-            </a:r>
-            <a:endParaRPr lang="zh-CN" altLang="en-US" dirty="0"/>
-          </a:p>
-        </p:txBody>
-      </p:sp>
-      <p:sp>
-        <p:nvSpPr>
-          <p:cNvPr id="56" name="矩形 55"/>
-          <p:cNvSpPr/>
-          <p:nvPr/>
-        </p:nvSpPr>
-        <p:spPr>
-          <a:xfrm>
-            <a:off x="3859334" y="4298621"/>
-            <a:ext cx="1759041" cy="358219"/>
-          </a:xfrm>
-          <a:prstGeom prst="rect">
-            <a:avLst/>
-          </a:prstGeom>
-        </p:spPr>
-        <p:style>
-          <a:lnRef idx="3">
-            <a:schemeClr val="lt1"/>
-          </a:lnRef>
-          <a:fillRef idx="1">
-            <a:schemeClr val="accent2"/>
-          </a:fillRef>
-          <a:effectRef idx="1">
-            <a:schemeClr val="accent2"/>
-          </a:effectRef>
-          <a:fontRef idx="minor">
-            <a:schemeClr val="lt1"/>
-          </a:fontRef>
-        </p:style>
-        <p:txBody>
-          <a:bodyPr rtlCol="0" anchor="ctr"/>
-          <a:lstStyle/>
-          <a:p>
-            <a:pPr algn="ctr"/>
-            <a:r>
-              <a:rPr lang="en-US" altLang="zh-CN" dirty="0" err="1"/>
-              <a:t>DocFieldCounts</a:t>
-            </a:r>
-            <a:endParaRPr lang="zh-CN" altLang="en-US" dirty="0"/>
-          </a:p>
-        </p:txBody>
-      </p:sp>
-      <p:sp>
-        <p:nvSpPr>
-          <p:cNvPr id="57" name="矩形 56"/>
-          <p:cNvSpPr/>
-          <p:nvPr/>
-        </p:nvSpPr>
-        <p:spPr>
-          <a:xfrm>
-            <a:off x="5631574" y="4298619"/>
-            <a:ext cx="1367523" cy="358219"/>
-          </a:xfrm>
-          <a:prstGeom prst="rect">
-            <a:avLst/>
-          </a:prstGeom>
-        </p:spPr>
-        <p:style>
-          <a:lnRef idx="3">
-            <a:schemeClr val="lt1"/>
-          </a:lnRef>
-          <a:fillRef idx="1">
-            <a:schemeClr val="accent6"/>
-          </a:fillRef>
-          <a:effectRef idx="1">
-            <a:schemeClr val="accent6"/>
-          </a:effectRef>
-          <a:fontRef idx="minor">
-            <a:schemeClr val="lt1"/>
-          </a:fontRef>
-        </p:style>
-        <p:txBody>
-          <a:bodyPr rtlCol="0" anchor="ctr"/>
-          <a:lstStyle/>
-          <a:p>
-            <a:pPr algn="ctr"/>
-            <a:r>
-              <a:rPr lang="en-US" altLang="zh-CN" dirty="0" err="1"/>
-              <a:t>DocLengths</a:t>
-            </a:r>
-            <a:endParaRPr lang="zh-CN" altLang="en-US" dirty="0"/>
-          </a:p>
-        </p:txBody>
-      </p:sp>
-      <p:sp>
-        <p:nvSpPr>
-          <p:cNvPr id="58" name="矩形 57"/>
-          <p:cNvSpPr/>
-          <p:nvPr/>
-        </p:nvSpPr>
-        <p:spPr>
-          <a:xfrm>
-            <a:off x="1274605" y="4298619"/>
-            <a:ext cx="1204007" cy="358219"/>
-          </a:xfrm>
-          <a:prstGeom prst="rect">
-            <a:avLst/>
-          </a:prstGeom>
-        </p:spPr>
-        <p:style>
-          <a:lnRef idx="3">
-            <a:schemeClr val="lt1"/>
-          </a:lnRef>
-          <a:fillRef idx="1">
-            <a:schemeClr val="accent3"/>
-          </a:fillRef>
-          <a:effectRef idx="1">
-            <a:schemeClr val="accent3"/>
-          </a:effectRef>
-          <a:fontRef idx="minor">
-            <a:schemeClr val="lt1"/>
-          </a:fontRef>
-        </p:style>
-        <p:txBody>
-          <a:bodyPr rtlCol="0" anchor="ctr"/>
-          <a:lstStyle/>
-          <a:p>
-            <a:pPr algn="ctr"/>
-            <a:r>
-              <a:rPr lang="en-US" altLang="zh-CN" dirty="0" err="1"/>
-              <a:t>DocBase</a:t>
-            </a:r>
-            <a:endParaRPr lang="zh-CN" altLang="en-US" dirty="0"/>
-          </a:p>
-        </p:txBody>
-      </p:sp>
-      <p:sp>
-        <p:nvSpPr>
-          <p:cNvPr id="65" name="矩形 64"/>
-          <p:cNvSpPr/>
-          <p:nvPr/>
-        </p:nvSpPr>
-        <p:spPr>
-          <a:xfrm>
-            <a:off x="7012296" y="4298619"/>
-            <a:ext cx="1940022" cy="358219"/>
-          </a:xfrm>
-          <a:prstGeom prst="rect">
-            <a:avLst/>
-          </a:prstGeom>
-        </p:spPr>
-        <p:style>
-          <a:lnRef idx="3">
-            <a:schemeClr val="lt1"/>
-          </a:lnRef>
-          <a:fillRef idx="1">
-            <a:schemeClr val="accent1"/>
-          </a:fillRef>
-          <a:effectRef idx="1">
-            <a:schemeClr val="accent1"/>
-          </a:effectRef>
-          <a:fontRef idx="minor">
-            <a:schemeClr val="lt1"/>
-          </a:fontRef>
-        </p:style>
-        <p:txBody>
-          <a:bodyPr rtlCol="0" anchor="ctr"/>
-          <a:lstStyle/>
-          <a:p>
-            <a:pPr algn="ctr"/>
-            <a:r>
-              <a:rPr lang="en-US" altLang="zh-CN" dirty="0" err="1"/>
-              <a:t>CompressedDocs</a:t>
-            </a:r>
-            <a:endParaRPr lang="zh-CN" altLang="en-US" dirty="0"/>
-          </a:p>
-        </p:txBody>
-      </p:sp>
-      <p:cxnSp>
-        <p:nvCxnSpPr>
-          <p:cNvPr id="66" name="直接连接符 65"/>
-          <p:cNvCxnSpPr/>
-          <p:nvPr/>
-        </p:nvCxnSpPr>
-        <p:spPr>
-          <a:xfrm>
-            <a:off x="7041824" y="4637989"/>
-            <a:ext cx="722922" cy="499622"/>
-          </a:xfrm>
-          <a:prstGeom prst="line">
-            <a:avLst/>
-          </a:prstGeom>
-          <a:ln w="19050"/>
-        </p:spPr>
-        <p:style>
-          <a:lnRef idx="1">
-            <a:schemeClr val="accent1"/>
-          </a:lnRef>
-          <a:fillRef idx="0">
-            <a:schemeClr val="accent1"/>
-          </a:fillRef>
-          <a:effectRef idx="0">
-            <a:schemeClr val="accent1"/>
-          </a:effectRef>
-          <a:fontRef idx="minor">
-            <a:schemeClr val="tx1"/>
-          </a:fontRef>
-        </p:style>
-      </p:cxnSp>
-      <p:cxnSp>
-        <p:nvCxnSpPr>
-          <p:cNvPr id="69" name="直接连接符 68"/>
-          <p:cNvCxnSpPr/>
-          <p:nvPr/>
-        </p:nvCxnSpPr>
-        <p:spPr>
-          <a:xfrm>
-            <a:off x="5024486" y="3648179"/>
-            <a:ext cx="3927832" cy="654857"/>
-          </a:xfrm>
-          <a:prstGeom prst="line">
-            <a:avLst/>
-          </a:prstGeom>
-          <a:ln w="19050"/>
-        </p:spPr>
-        <p:style>
-          <a:lnRef idx="1">
-            <a:schemeClr val="accent1"/>
-          </a:lnRef>
-          <a:fillRef idx="0">
-            <a:schemeClr val="accent1"/>
-          </a:fillRef>
-          <a:effectRef idx="0">
-            <a:schemeClr val="accent1"/>
-          </a:effectRef>
-          <a:fontRef idx="minor">
-            <a:schemeClr val="tx1"/>
-          </a:fontRef>
-        </p:style>
-      </p:cxnSp>
-      <p:sp>
-        <p:nvSpPr>
-          <p:cNvPr id="72" name="矩形 71"/>
-          <p:cNvSpPr/>
-          <p:nvPr/>
-        </p:nvSpPr>
-        <p:spPr>
-          <a:xfrm>
-            <a:off x="7729982" y="5137611"/>
-            <a:ext cx="1046375" cy="358219"/>
-          </a:xfrm>
-          <a:prstGeom prst="rect">
-            <a:avLst/>
-          </a:prstGeom>
-        </p:spPr>
-        <p:style>
-          <a:lnRef idx="2">
-            <a:schemeClr val="accent6">
-              <a:shade val="50000"/>
-            </a:schemeClr>
-          </a:lnRef>
-          <a:fillRef idx="1">
-            <a:schemeClr val="accent6"/>
-          </a:fillRef>
-          <a:effectRef idx="0">
-            <a:schemeClr val="accent6"/>
-          </a:effectRef>
-          <a:fontRef idx="minor">
-            <a:schemeClr val="lt1"/>
-          </a:fontRef>
-        </p:style>
-        <p:txBody>
-          <a:bodyPr rtlCol="0" anchor="ctr"/>
-          <a:lstStyle/>
-          <a:p>
-            <a:pPr algn="ctr"/>
-            <a:r>
-              <a:rPr lang="en-US" altLang="zh-CN" dirty="0"/>
-              <a:t>Doc</a:t>
-            </a:r>
-            <a:endParaRPr lang="zh-CN" altLang="en-US" dirty="0"/>
-          </a:p>
-        </p:txBody>
-      </p:sp>
-      <p:sp>
-        <p:nvSpPr>
-          <p:cNvPr id="73" name="矩形 72"/>
-          <p:cNvSpPr/>
-          <p:nvPr/>
-        </p:nvSpPr>
-        <p:spPr>
-          <a:xfrm>
-            <a:off x="8724508" y="5137611"/>
-            <a:ext cx="1046375" cy="358219"/>
-          </a:xfrm>
-          <a:prstGeom prst="rect">
-            <a:avLst/>
-          </a:prstGeom>
-        </p:spPr>
-        <p:style>
-          <a:lnRef idx="2">
-            <a:schemeClr val="accent6">
-              <a:shade val="50000"/>
-            </a:schemeClr>
-          </a:lnRef>
-          <a:fillRef idx="1">
-            <a:schemeClr val="accent6"/>
-          </a:fillRef>
-          <a:effectRef idx="0">
-            <a:schemeClr val="accent6"/>
-          </a:effectRef>
-          <a:fontRef idx="minor">
-            <a:schemeClr val="lt1"/>
-          </a:fontRef>
-        </p:style>
-        <p:txBody>
-          <a:bodyPr rtlCol="0" anchor="ctr"/>
-          <a:lstStyle/>
-          <a:p>
-            <a:pPr algn="ctr"/>
-            <a:r>
-              <a:rPr lang="en-US" altLang="zh-CN" dirty="0"/>
-              <a:t>Doc</a:t>
-            </a:r>
-            <a:endParaRPr lang="zh-CN" altLang="en-US" dirty="0"/>
-          </a:p>
-        </p:txBody>
-      </p:sp>
-      <p:sp>
-        <p:nvSpPr>
-          <p:cNvPr id="74" name="矩形 73"/>
-          <p:cNvSpPr/>
-          <p:nvPr/>
-        </p:nvSpPr>
-        <p:spPr>
-          <a:xfrm>
-            <a:off x="9766170" y="5137613"/>
-            <a:ext cx="579750" cy="358219"/>
-          </a:xfrm>
-          <a:prstGeom prst="rect">
-            <a:avLst/>
-          </a:prstGeom>
-          <a:noFill/>
-          <a:ln>
-            <a:noFill/>
-          </a:ln>
-        </p:spPr>
-        <p:style>
-          <a:lnRef idx="2">
-            <a:schemeClr val="accent1">
-              <a:shade val="50000"/>
-            </a:schemeClr>
-          </a:lnRef>
-          <a:fillRef idx="1">
-            <a:schemeClr val="accent1"/>
-          </a:fillRef>
-          <a:effectRef idx="0">
-            <a:schemeClr val="accent1"/>
-          </a:effectRef>
-          <a:fontRef idx="minor">
-            <a:schemeClr val="lt1"/>
-          </a:fontRef>
-        </p:style>
-        <p:txBody>
-          <a:bodyPr rtlCol="0" anchor="ctr"/>
-          <a:lstStyle/>
-          <a:p>
-            <a:pPr algn="ctr"/>
-            <a:r>
-              <a:rPr lang="en-US" altLang="zh-CN" dirty="0">
-                <a:solidFill>
-                  <a:schemeClr val="tx1"/>
-                </a:solidFill>
-              </a:rPr>
-              <a:t>......</a:t>
-            </a:r>
-          </a:p>
-        </p:txBody>
-      </p:sp>
-      <p:sp>
-        <p:nvSpPr>
-          <p:cNvPr id="75" name="矩形 74"/>
-          <p:cNvSpPr/>
-          <p:nvPr/>
-        </p:nvSpPr>
-        <p:spPr>
-          <a:xfrm>
-            <a:off x="10345920" y="5137612"/>
-            <a:ext cx="1046375" cy="358219"/>
-          </a:xfrm>
-          <a:prstGeom prst="rect">
-            <a:avLst/>
-          </a:prstGeom>
-        </p:spPr>
-        <p:style>
-          <a:lnRef idx="2">
-            <a:schemeClr val="accent6">
-              <a:shade val="50000"/>
-            </a:schemeClr>
-          </a:lnRef>
-          <a:fillRef idx="1">
-            <a:schemeClr val="accent6"/>
-          </a:fillRef>
-          <a:effectRef idx="0">
-            <a:schemeClr val="accent6"/>
-          </a:effectRef>
-          <a:fontRef idx="minor">
-            <a:schemeClr val="lt1"/>
-          </a:fontRef>
-        </p:style>
-        <p:txBody>
-          <a:bodyPr rtlCol="0" anchor="ctr"/>
-          <a:lstStyle/>
-          <a:p>
-            <a:pPr algn="ctr"/>
-            <a:r>
-              <a:rPr lang="en-US" altLang="zh-CN" dirty="0"/>
-              <a:t>Doc</a:t>
-            </a:r>
-            <a:endParaRPr lang="zh-CN" altLang="en-US" dirty="0"/>
-          </a:p>
-        </p:txBody>
-      </p:sp>
-      <p:cxnSp>
-        <p:nvCxnSpPr>
-          <p:cNvPr id="79" name="直接连接符 78"/>
-          <p:cNvCxnSpPr/>
-          <p:nvPr/>
-        </p:nvCxnSpPr>
-        <p:spPr>
-          <a:xfrm>
-            <a:off x="8927540" y="4637989"/>
-            <a:ext cx="2460042" cy="499620"/>
-          </a:xfrm>
-          <a:prstGeom prst="line">
-            <a:avLst/>
-          </a:prstGeom>
-          <a:ln w="19050"/>
-        </p:spPr>
-        <p:style>
-          <a:lnRef idx="1">
-            <a:schemeClr val="accent1"/>
-          </a:lnRef>
-          <a:fillRef idx="0">
-            <a:schemeClr val="accent1"/>
-          </a:fillRef>
-          <a:effectRef idx="0">
-            <a:schemeClr val="accent1"/>
-          </a:effectRef>
-          <a:fontRef idx="minor">
-            <a:schemeClr val="tx1"/>
-          </a:fontRef>
-        </p:style>
-      </p:cxnSp>
-      <p:cxnSp>
-        <p:nvCxnSpPr>
-          <p:cNvPr id="82" name="直接连接符 81"/>
-          <p:cNvCxnSpPr/>
-          <p:nvPr/>
-        </p:nvCxnSpPr>
-        <p:spPr>
-          <a:xfrm flipH="1">
-            <a:off x="1269892" y="3624905"/>
-            <a:ext cx="2755355" cy="678131"/>
-          </a:xfrm>
-          <a:prstGeom prst="line">
-            <a:avLst/>
-          </a:prstGeom>
-          <a:ln w="19050"/>
-        </p:spPr>
-        <p:style>
-          <a:lnRef idx="1">
-            <a:schemeClr val="accent1"/>
-          </a:lnRef>
-          <a:fillRef idx="0">
-            <a:schemeClr val="accent1"/>
-          </a:fillRef>
-          <a:effectRef idx="0">
-            <a:schemeClr val="accent1"/>
-          </a:effectRef>
-          <a:fontRef idx="minor">
-            <a:schemeClr val="tx1"/>
-          </a:fontRef>
-        </p:style>
-      </p:cxnSp>
-      <p:sp>
-        <p:nvSpPr>
-          <p:cNvPr id="95" name="矩形 94"/>
-          <p:cNvSpPr/>
-          <p:nvPr/>
-        </p:nvSpPr>
-        <p:spPr>
-          <a:xfrm>
-            <a:off x="5698070" y="6033755"/>
-            <a:ext cx="1046375" cy="358219"/>
-          </a:xfrm>
-          <a:prstGeom prst="rect">
-            <a:avLst/>
-          </a:prstGeom>
-        </p:spPr>
-        <p:style>
-          <a:lnRef idx="3">
-            <a:schemeClr val="lt1"/>
-          </a:lnRef>
-          <a:fillRef idx="1">
-            <a:schemeClr val="accent5"/>
-          </a:fillRef>
-          <a:effectRef idx="1">
-            <a:schemeClr val="accent5"/>
-          </a:effectRef>
-          <a:fontRef idx="minor">
-            <a:schemeClr val="lt1"/>
-          </a:fontRef>
-        </p:style>
-        <p:txBody>
-          <a:bodyPr rtlCol="0" anchor="ctr"/>
-          <a:lstStyle/>
-          <a:p>
-            <a:pPr algn="ctr"/>
-            <a:r>
-              <a:rPr lang="en-US" altLang="zh-CN" dirty="0"/>
-              <a:t>Value2</a:t>
-            </a:r>
-            <a:endParaRPr lang="zh-CN" altLang="en-US" dirty="0"/>
-          </a:p>
-        </p:txBody>
-      </p:sp>
-      <p:sp>
-        <p:nvSpPr>
-          <p:cNvPr id="98" name="矩形 97"/>
-          <p:cNvSpPr/>
-          <p:nvPr/>
-        </p:nvSpPr>
-        <p:spPr>
-          <a:xfrm>
-            <a:off x="3671310" y="6043179"/>
-            <a:ext cx="2174647" cy="358219"/>
-          </a:xfrm>
-          <a:prstGeom prst="rect">
-            <a:avLst/>
-          </a:prstGeom>
-        </p:spPr>
-        <p:style>
-          <a:lnRef idx="3">
-            <a:schemeClr val="lt1"/>
-          </a:lnRef>
-          <a:fillRef idx="1">
-            <a:schemeClr val="accent5"/>
-          </a:fillRef>
-          <a:effectRef idx="1">
-            <a:schemeClr val="accent5"/>
-          </a:effectRef>
-          <a:fontRef idx="minor">
-            <a:schemeClr val="lt1"/>
-          </a:fontRef>
-        </p:style>
-        <p:txBody>
-          <a:bodyPr rtlCol="0" anchor="ctr"/>
-          <a:lstStyle/>
-          <a:p>
-            <a:pPr algn="ctr"/>
-            <a:r>
-              <a:rPr lang="en-US" altLang="zh-CN" dirty="0"/>
-              <a:t>FieldNumAndType2</a:t>
-            </a:r>
-            <a:endParaRPr lang="zh-CN" altLang="en-US" dirty="0"/>
-          </a:p>
-        </p:txBody>
-      </p:sp>
-      <p:sp>
-        <p:nvSpPr>
-          <p:cNvPr id="99" name="矩形 98"/>
-          <p:cNvSpPr/>
-          <p:nvPr/>
-        </p:nvSpPr>
-        <p:spPr>
-          <a:xfrm>
-            <a:off x="6718371" y="6033754"/>
-            <a:ext cx="796997" cy="358219"/>
-          </a:xfrm>
-          <a:prstGeom prst="rect">
-            <a:avLst/>
-          </a:prstGeom>
-        </p:spPr>
-        <p:style>
-          <a:lnRef idx="3">
-            <a:schemeClr val="lt1"/>
-          </a:lnRef>
-          <a:fillRef idx="1">
-            <a:schemeClr val="accent2"/>
-          </a:fillRef>
-          <a:effectRef idx="1">
-            <a:schemeClr val="accent2"/>
-          </a:effectRef>
-          <a:fontRef idx="minor">
-            <a:schemeClr val="lt1"/>
-          </a:fontRef>
-        </p:style>
-        <p:txBody>
-          <a:bodyPr rtlCol="0" anchor="ctr"/>
-          <a:lstStyle/>
-          <a:p>
-            <a:pPr algn="ctr"/>
-            <a:r>
-              <a:rPr lang="en-US" altLang="zh-CN" dirty="0"/>
-              <a:t>…</a:t>
-            </a:r>
-            <a:endParaRPr lang="zh-CN" altLang="en-US" dirty="0"/>
-          </a:p>
-        </p:txBody>
-      </p:sp>
-      <p:sp>
-        <p:nvSpPr>
-          <p:cNvPr id="100" name="矩形 99"/>
-          <p:cNvSpPr/>
-          <p:nvPr/>
-        </p:nvSpPr>
-        <p:spPr>
-          <a:xfrm>
-            <a:off x="2618017" y="6043182"/>
-            <a:ext cx="1046375" cy="358219"/>
-          </a:xfrm>
-          <a:prstGeom prst="rect">
-            <a:avLst/>
-          </a:prstGeom>
-        </p:spPr>
-        <p:style>
-          <a:lnRef idx="3">
-            <a:schemeClr val="lt1"/>
-          </a:lnRef>
-          <a:fillRef idx="1">
-            <a:schemeClr val="accent2"/>
-          </a:fillRef>
-          <a:effectRef idx="1">
-            <a:schemeClr val="accent2"/>
-          </a:effectRef>
-          <a:fontRef idx="minor">
-            <a:schemeClr val="lt1"/>
-          </a:fontRef>
-        </p:style>
-        <p:txBody>
-          <a:bodyPr rtlCol="0" anchor="ctr"/>
-          <a:lstStyle/>
-          <a:p>
-            <a:pPr algn="ctr"/>
-            <a:r>
-              <a:rPr lang="en-US" altLang="zh-CN" dirty="0"/>
-              <a:t>Value1</a:t>
-            </a:r>
-            <a:endParaRPr lang="zh-CN" altLang="en-US" dirty="0"/>
-          </a:p>
-        </p:txBody>
-      </p:sp>
-      <p:sp>
-        <p:nvSpPr>
-          <p:cNvPr id="101" name="矩形 100"/>
-          <p:cNvSpPr/>
-          <p:nvPr/>
-        </p:nvSpPr>
-        <p:spPr>
-          <a:xfrm>
-            <a:off x="518348" y="6043179"/>
-            <a:ext cx="2174647" cy="358219"/>
-          </a:xfrm>
-          <a:prstGeom prst="rect">
-            <a:avLst/>
-          </a:prstGeom>
-        </p:spPr>
-        <p:style>
-          <a:lnRef idx="3">
-            <a:schemeClr val="lt1"/>
-          </a:lnRef>
-          <a:fillRef idx="1">
-            <a:schemeClr val="accent2"/>
-          </a:fillRef>
-          <a:effectRef idx="1">
-            <a:schemeClr val="accent2"/>
-          </a:effectRef>
-          <a:fontRef idx="minor">
-            <a:schemeClr val="lt1"/>
-          </a:fontRef>
-        </p:style>
-        <p:txBody>
-          <a:bodyPr rtlCol="0" anchor="ctr"/>
-          <a:lstStyle/>
-          <a:p>
-            <a:pPr algn="ctr"/>
-            <a:r>
-              <a:rPr lang="en-US" altLang="zh-CN" dirty="0"/>
-              <a:t>FieldNumAndType1</a:t>
-            </a:r>
-            <a:endParaRPr lang="zh-CN" altLang="en-US" dirty="0"/>
-          </a:p>
-        </p:txBody>
-      </p:sp>
-      <p:sp>
-        <p:nvSpPr>
-          <p:cNvPr id="102" name="矩形 101"/>
-          <p:cNvSpPr/>
-          <p:nvPr/>
-        </p:nvSpPr>
-        <p:spPr>
-          <a:xfrm>
-            <a:off x="7533922" y="6043179"/>
-            <a:ext cx="2415998" cy="358219"/>
-          </a:xfrm>
-          <a:prstGeom prst="rect">
-            <a:avLst/>
-          </a:prstGeom>
-        </p:spPr>
-        <p:style>
-          <a:lnRef idx="3">
-            <a:schemeClr val="lt1"/>
-          </a:lnRef>
-          <a:fillRef idx="1">
-            <a:schemeClr val="accent4"/>
-          </a:fillRef>
-          <a:effectRef idx="1">
-            <a:schemeClr val="accent4"/>
-          </a:effectRef>
-          <a:fontRef idx="minor">
-            <a:schemeClr val="lt1"/>
-          </a:fontRef>
-        </p:style>
-        <p:txBody>
-          <a:bodyPr rtlCol="0" anchor="ctr"/>
-          <a:lstStyle/>
-          <a:p>
-            <a:pPr algn="ctr"/>
-            <a:r>
-              <a:rPr lang="en-US" altLang="zh-CN" dirty="0" err="1"/>
-              <a:t>FieldNumAndTypeN</a:t>
-            </a:r>
-            <a:endParaRPr lang="zh-CN" altLang="en-US" dirty="0"/>
-          </a:p>
-        </p:txBody>
-      </p:sp>
-      <p:sp>
-        <p:nvSpPr>
-          <p:cNvPr id="103" name="矩形 102"/>
-          <p:cNvSpPr/>
-          <p:nvPr/>
-        </p:nvSpPr>
-        <p:spPr>
-          <a:xfrm>
-            <a:off x="9793708" y="6043179"/>
-            <a:ext cx="1046375" cy="358219"/>
-          </a:xfrm>
-          <a:prstGeom prst="rect">
-            <a:avLst/>
-          </a:prstGeom>
-        </p:spPr>
-        <p:style>
-          <a:lnRef idx="3">
-            <a:schemeClr val="lt1"/>
-          </a:lnRef>
-          <a:fillRef idx="1">
-            <a:schemeClr val="accent4"/>
-          </a:fillRef>
-          <a:effectRef idx="1">
-            <a:schemeClr val="accent4"/>
-          </a:effectRef>
-          <a:fontRef idx="minor">
-            <a:schemeClr val="lt1"/>
-          </a:fontRef>
-        </p:style>
-        <p:txBody>
-          <a:bodyPr rtlCol="0" anchor="ctr"/>
-          <a:lstStyle/>
-          <a:p>
-            <a:pPr algn="ctr"/>
-            <a:r>
-              <a:rPr lang="en-US" altLang="zh-CN" dirty="0" err="1"/>
-              <a:t>ValueN</a:t>
-            </a:r>
-            <a:endParaRPr lang="zh-CN" altLang="en-US" dirty="0"/>
-          </a:p>
-        </p:txBody>
-      </p:sp>
-      <p:cxnSp>
-        <p:nvCxnSpPr>
-          <p:cNvPr id="104" name="直接连接符 103"/>
-          <p:cNvCxnSpPr/>
-          <p:nvPr/>
-        </p:nvCxnSpPr>
-        <p:spPr>
-          <a:xfrm flipV="1">
-            <a:off x="518348" y="5472564"/>
-            <a:ext cx="7211634" cy="603002"/>
-          </a:xfrm>
-          <a:prstGeom prst="line">
-            <a:avLst/>
-          </a:prstGeom>
-          <a:ln w="19050"/>
-        </p:spPr>
-        <p:style>
-          <a:lnRef idx="1">
-            <a:schemeClr val="accent1"/>
-          </a:lnRef>
-          <a:fillRef idx="0">
-            <a:schemeClr val="accent1"/>
-          </a:fillRef>
-          <a:effectRef idx="0">
-            <a:schemeClr val="accent1"/>
-          </a:effectRef>
-          <a:fontRef idx="minor">
-            <a:schemeClr val="tx1"/>
-          </a:fontRef>
-        </p:style>
-      </p:cxnSp>
-      <p:cxnSp>
-        <p:nvCxnSpPr>
-          <p:cNvPr id="107" name="直接连接符 106"/>
-          <p:cNvCxnSpPr/>
-          <p:nvPr/>
-        </p:nvCxnSpPr>
-        <p:spPr>
-          <a:xfrm flipH="1" flipV="1">
-            <a:off x="8743061" y="5495831"/>
-            <a:ext cx="2060720" cy="579734"/>
-          </a:xfrm>
-          <a:prstGeom prst="line">
-            <a:avLst/>
-          </a:prstGeom>
-          <a:ln w="19050"/>
-        </p:spPr>
-        <p:style>
-          <a:lnRef idx="1">
-            <a:schemeClr val="accent1"/>
-          </a:lnRef>
-          <a:fillRef idx="0">
-            <a:schemeClr val="accent1"/>
-          </a:fillRef>
-          <a:effectRef idx="0">
-            <a:schemeClr val="accent1"/>
-          </a:effectRef>
-          <a:fontRef idx="minor">
-            <a:schemeClr val="tx1"/>
-          </a:fontRef>
-        </p:style>
-      </p:cxnSp>
-      <p:sp>
-        <p:nvSpPr>
-          <p:cNvPr id="123" name="文本框 122"/>
-          <p:cNvSpPr txBox="1"/>
-          <p:nvPr/>
-        </p:nvSpPr>
-        <p:spPr>
-          <a:xfrm>
-            <a:off x="45223" y="3228674"/>
-            <a:ext cx="1107996" cy="646331"/>
-          </a:xfrm>
-          <a:prstGeom prst="rect">
-            <a:avLst/>
-          </a:prstGeom>
-          <a:noFill/>
-        </p:spPr>
-        <p:txBody>
-          <a:bodyPr wrap="none" rtlCol="0">
-            <a:spAutoFit/>
-          </a:bodyPr>
-          <a:lstStyle/>
-          <a:p>
-            <a:r>
-              <a:rPr lang="en-US" altLang="zh-CN" dirty="0"/>
-              <a:t>.</a:t>
-            </a:r>
-            <a:r>
-              <a:rPr lang="en-US" altLang="zh-CN" dirty="0" err="1"/>
-              <a:t>fdt</a:t>
-            </a:r>
-            <a:r>
-              <a:rPr lang="zh-CN" altLang="en-US" dirty="0"/>
-              <a:t>文件  </a:t>
-            </a:r>
-            <a:endParaRPr lang="en-US" altLang="zh-CN" dirty="0"/>
-          </a:p>
-          <a:p>
-            <a:r>
-              <a:rPr lang="zh-CN" altLang="en-US" dirty="0"/>
-              <a:t>在磁盘上</a:t>
-            </a:r>
-          </a:p>
-        </p:txBody>
-      </p:sp>
-      <p:sp>
-        <p:nvSpPr>
-          <p:cNvPr id="124" name="左大括号 123"/>
-          <p:cNvSpPr/>
-          <p:nvPr/>
-        </p:nvSpPr>
-        <p:spPr>
-          <a:xfrm>
-            <a:off x="9096866" y="3875005"/>
-            <a:ext cx="231170" cy="654857"/>
-          </a:xfrm>
-          <a:prstGeom prst="leftBrace">
-            <a:avLst/>
-          </a:prstGeom>
-        </p:spPr>
-        <p:style>
-          <a:lnRef idx="1">
-            <a:schemeClr val="accent1"/>
-          </a:lnRef>
-          <a:fillRef idx="0">
-            <a:schemeClr val="accent1"/>
-          </a:fillRef>
-          <a:effectRef idx="0">
-            <a:schemeClr val="accent1"/>
-          </a:effectRef>
-          <a:fontRef idx="minor">
-            <a:schemeClr val="tx1"/>
-          </a:fontRef>
-        </p:style>
-        <p:txBody>
-          <a:bodyPr rtlCol="0" anchor="ctr"/>
-          <a:lstStyle/>
-          <a:p>
-            <a:pPr algn="ctr"/>
-            <a:endParaRPr lang="zh-CN" altLang="en-US"/>
-          </a:p>
-        </p:txBody>
-      </p:sp>
-      <p:sp>
-        <p:nvSpPr>
-          <p:cNvPr id="125" name="文本框 124"/>
-          <p:cNvSpPr txBox="1"/>
-          <p:nvPr/>
-        </p:nvSpPr>
-        <p:spPr>
-          <a:xfrm>
-            <a:off x="9294412" y="3713912"/>
-            <a:ext cx="1990410" cy="369332"/>
-          </a:xfrm>
-          <a:prstGeom prst="rect">
-            <a:avLst/>
-          </a:prstGeom>
-          <a:noFill/>
-        </p:spPr>
-        <p:txBody>
-          <a:bodyPr wrap="square" rtlCol="0">
-            <a:spAutoFit/>
-          </a:bodyPr>
-          <a:lstStyle/>
-          <a:p>
-            <a:r>
-              <a:rPr lang="en-US" altLang="zh-CN" dirty="0"/>
-              <a:t>BEST_SPEED</a:t>
-            </a:r>
-            <a:endParaRPr lang="zh-CN" altLang="en-US" dirty="0"/>
-          </a:p>
-        </p:txBody>
-      </p:sp>
-      <p:sp>
-        <p:nvSpPr>
-          <p:cNvPr id="130" name="文本框 129"/>
-          <p:cNvSpPr txBox="1"/>
-          <p:nvPr/>
-        </p:nvSpPr>
-        <p:spPr>
-          <a:xfrm>
-            <a:off x="9306723" y="4345197"/>
-            <a:ext cx="2382513" cy="369332"/>
-          </a:xfrm>
-          <a:prstGeom prst="rect">
-            <a:avLst/>
-          </a:prstGeom>
-          <a:noFill/>
-        </p:spPr>
-        <p:txBody>
-          <a:bodyPr wrap="square" rtlCol="0">
-            <a:spAutoFit/>
-          </a:bodyPr>
-          <a:lstStyle/>
-          <a:p>
-            <a:r>
-              <a:rPr lang="en-US" altLang="zh-CN" dirty="0"/>
-              <a:t>BEST_COMPRESSION</a:t>
-            </a:r>
-            <a:endParaRPr lang="zh-CN" altLang="en-US" dirty="0"/>
-          </a:p>
-        </p:txBody>
-      </p:sp>
-      <p:sp>
-        <p:nvSpPr>
-          <p:cNvPr id="132" name="文本框 131"/>
-          <p:cNvSpPr txBox="1"/>
-          <p:nvPr/>
-        </p:nvSpPr>
-        <p:spPr>
-          <a:xfrm>
-            <a:off x="3763139" y="5051925"/>
-            <a:ext cx="1709122" cy="369332"/>
-          </a:xfrm>
-          <a:prstGeom prst="rect">
-            <a:avLst/>
-          </a:prstGeom>
-          <a:noFill/>
-        </p:spPr>
-        <p:txBody>
-          <a:bodyPr wrap="none" rtlCol="0">
-            <a:spAutoFit/>
-          </a:bodyPr>
-          <a:lstStyle/>
-          <a:p>
-            <a:r>
-              <a:rPr lang="zh-CN" altLang="en-US" dirty="0"/>
-              <a:t>每个</a:t>
-            </a:r>
-            <a:r>
-              <a:rPr lang="en-US" altLang="zh-CN" dirty="0"/>
-              <a:t>doc</a:t>
-            </a:r>
-            <a:r>
-              <a:rPr lang="zh-CN" altLang="en-US" dirty="0"/>
-              <a:t>的长度</a:t>
-            </a:r>
-          </a:p>
-        </p:txBody>
-      </p:sp>
-      <p:cxnSp>
-        <p:nvCxnSpPr>
-          <p:cNvPr id="133" name="直接连接符 132"/>
-          <p:cNvCxnSpPr>
-            <a:stCxn id="57" idx="2"/>
-            <a:endCxn id="132" idx="0"/>
-          </p:cNvCxnSpPr>
-          <p:nvPr/>
-        </p:nvCxnSpPr>
-        <p:spPr>
-          <a:xfrm flipH="1">
-            <a:off x="4617700" y="4656838"/>
-            <a:ext cx="1697636" cy="395087"/>
-          </a:xfrm>
-          <a:prstGeom prst="line">
-            <a:avLst/>
-          </a:prstGeom>
-          <a:ln w="19050"/>
-        </p:spPr>
-        <p:style>
-          <a:lnRef idx="1">
-            <a:schemeClr val="accent1"/>
-          </a:lnRef>
-          <a:fillRef idx="0">
-            <a:schemeClr val="accent1"/>
-          </a:fillRef>
-          <a:effectRef idx="0">
-            <a:schemeClr val="accent1"/>
-          </a:effectRef>
-          <a:fontRef idx="minor">
-            <a:schemeClr val="tx1"/>
-          </a:fontRef>
-        </p:style>
-      </p:cxnSp>
     </p:spTree>
   </p:cSld>
   <p:clrMapOvr>
@@ -11842,14 +13529,7 @@
         <p:cNvGrpSpPr/>
         <p:nvPr/>
       </p:nvGrpSpPr>
-      <p:grpSpPr>
-        <a:xfrm>
-          <a:off x="0" y="0"/>
-          <a:ext cx="0" cy="0"/>
-          <a:chOff x="0" y="0"/>
-          <a:chExt cx="0" cy="0"/>
-        </a:xfrm>
-      </p:grpSpPr>
+      <p:grpSpPr/>
       <p:sp>
         <p:nvSpPr>
           <p:cNvPr id="2" name="标题 1"/>
@@ -11863,203 +13543,26 @@
         <p:spPr/>
         <p:txBody>
           <a:bodyPr/>
-          <a:lstStyle/>
-          <a:p>
-            <a:r>
-              <a:rPr lang="zh-CN" altLang="en-US" dirty="0"/>
-              <a:t>根据文档</a:t>
-            </a:r>
-            <a:r>
-              <a:rPr lang="en-US" altLang="zh-CN" dirty="0"/>
-              <a:t>id</a:t>
-            </a:r>
-            <a:r>
-              <a:rPr lang="zh-CN" altLang="en-US" dirty="0"/>
-              <a:t>，获取文档所有的字段信息</a:t>
-            </a:r>
-          </a:p>
-        </p:txBody>
-      </p:sp>
-      <p:sp>
-        <p:nvSpPr>
-          <p:cNvPr id="3" name="内容占位符 2"/>
+          <a:p>
+            <a:endParaRPr lang="zh-CN" altLang="en-US"/>
+          </a:p>
+        </p:txBody>
+      </p:sp>
+      <p:sp>
+        <p:nvSpPr>
+          <p:cNvPr id="3" name="文本占位符 2"/>
           <p:cNvSpPr>
             <a:spLocks noGrp="1"/>
           </p:cNvSpPr>
           <p:nvPr>
-            <p:ph idx="1"/>
+            <p:ph type="body" idx="1"/>
           </p:nvPr>
         </p:nvSpPr>
         <p:spPr/>
         <p:txBody>
           <a:bodyPr/>
-          <a:lstStyle/>
-          <a:p>
-            <a:r>
-              <a:rPr lang="en-US" altLang="zh-CN" dirty="0"/>
-              <a:t>1. </a:t>
-            </a:r>
-            <a:r>
-              <a:rPr lang="zh-CN" altLang="en-US" dirty="0"/>
-              <a:t>根据文档</a:t>
-            </a:r>
-            <a:r>
-              <a:rPr lang="en-US" altLang="zh-CN" dirty="0"/>
-              <a:t>id</a:t>
-            </a:r>
-            <a:r>
-              <a:rPr lang="zh-CN" altLang="en-US" dirty="0"/>
-              <a:t>在</a:t>
-            </a:r>
-            <a:r>
-              <a:rPr lang="en-US" altLang="zh-CN" dirty="0" err="1"/>
-              <a:t>DocBases</a:t>
-            </a:r>
-            <a:r>
-              <a:rPr lang="zh-CN" altLang="en-US" dirty="0"/>
-              <a:t>数组中进行二分查找，确定</a:t>
-            </a:r>
-            <a:r>
-              <a:rPr lang="en-US" altLang="zh-CN" dirty="0"/>
-              <a:t>chunk</a:t>
-            </a:r>
-            <a:r>
-              <a:rPr lang="zh-CN" altLang="en-US" dirty="0"/>
-              <a:t>下标：</a:t>
-            </a:r>
-            <a:r>
-              <a:rPr lang="en-US" altLang="zh-CN" dirty="0" err="1"/>
-              <a:t>chunkIndex</a:t>
-            </a:r>
-            <a:endParaRPr lang="en-US" altLang="zh-CN" dirty="0"/>
-          </a:p>
-          <a:p>
-            <a:r>
-              <a:rPr lang="en-US" altLang="zh-CN" dirty="0"/>
-              <a:t>2. </a:t>
-            </a:r>
-            <a:r>
-              <a:rPr lang="zh-CN" altLang="en-US" dirty="0"/>
-              <a:t>获取</a:t>
-            </a:r>
-            <a:r>
-              <a:rPr lang="en-US" altLang="zh-CN" dirty="0"/>
-              <a:t>chunk</a:t>
-            </a:r>
-            <a:r>
-              <a:rPr lang="zh-CN" altLang="en-US" dirty="0"/>
-              <a:t>在磁盘上的位置</a:t>
-            </a:r>
-            <a:r>
-              <a:rPr lang="en-US" altLang="zh-CN" dirty="0" err="1"/>
-              <a:t>StartPointers</a:t>
-            </a:r>
-            <a:r>
-              <a:rPr lang="en-US" altLang="zh-CN" dirty="0"/>
-              <a:t>[</a:t>
-            </a:r>
-            <a:r>
-              <a:rPr lang="en-US" altLang="zh-CN" dirty="0" err="1"/>
-              <a:t>chunkIndex</a:t>
-            </a:r>
-            <a:r>
-              <a:rPr lang="en-US" altLang="zh-CN" dirty="0"/>
-              <a:t>]</a:t>
-            </a:r>
-          </a:p>
-          <a:p>
-            <a:r>
-              <a:rPr lang="en-US" altLang="zh-CN" dirty="0"/>
-              <a:t>3. </a:t>
-            </a:r>
-            <a:r>
-              <a:rPr lang="zh-CN" altLang="en-US" dirty="0"/>
-              <a:t>从磁盘读取</a:t>
-            </a:r>
-            <a:r>
-              <a:rPr lang="en-US" altLang="zh-CN" dirty="0"/>
-              <a:t>chunk</a:t>
-            </a:r>
-            <a:r>
-              <a:rPr lang="zh-CN" altLang="en-US" dirty="0"/>
-              <a:t>头部信息</a:t>
-            </a:r>
-            <a:endParaRPr lang="en-US" altLang="zh-CN" dirty="0"/>
-          </a:p>
-          <a:p>
-            <a:r>
-              <a:rPr lang="en-US" altLang="zh-CN" dirty="0"/>
-              <a:t>4. </a:t>
-            </a:r>
-            <a:r>
-              <a:rPr lang="zh-CN" altLang="en-US" dirty="0"/>
-              <a:t>根据</a:t>
-            </a:r>
-            <a:r>
-              <a:rPr lang="en-US" altLang="zh-CN" dirty="0" err="1"/>
-              <a:t>DocLengths</a:t>
-            </a:r>
-            <a:r>
-              <a:rPr lang="zh-CN" altLang="en-US" dirty="0"/>
-              <a:t>数组确定要读取的</a:t>
-            </a:r>
-            <a:r>
-              <a:rPr lang="en-US" altLang="zh-CN" dirty="0"/>
-              <a:t>doc</a:t>
-            </a:r>
-            <a:r>
-              <a:rPr lang="zh-CN" altLang="en-US" dirty="0"/>
-              <a:t>的偏移量</a:t>
-            </a:r>
-            <a:r>
-              <a:rPr lang="en-US" altLang="zh-CN" dirty="0"/>
-              <a:t>offset</a:t>
-            </a:r>
-            <a:r>
-              <a:rPr lang="zh-CN" altLang="en-US" dirty="0"/>
-              <a:t>和长度</a:t>
-            </a:r>
-            <a:r>
-              <a:rPr lang="en-US" altLang="zh-CN" dirty="0"/>
-              <a:t>length </a:t>
-            </a:r>
-          </a:p>
-          <a:p>
-            <a:r>
-              <a:rPr lang="en-US" altLang="zh-CN" dirty="0"/>
-              <a:t>5. </a:t>
-            </a:r>
-            <a:r>
-              <a:rPr lang="zh-CN" altLang="en-US" dirty="0"/>
-              <a:t>解压</a:t>
-            </a:r>
-            <a:r>
-              <a:rPr lang="en-US" altLang="zh-CN" dirty="0"/>
-              <a:t>(offset, </a:t>
-            </a:r>
-            <a:r>
-              <a:rPr lang="en-US" altLang="zh-CN" dirty="0" err="1"/>
-              <a:t>offset+length</a:t>
-            </a:r>
-            <a:r>
-              <a:rPr lang="en-US" altLang="zh-CN" dirty="0"/>
-              <a:t>)</a:t>
-            </a:r>
-            <a:r>
-              <a:rPr lang="zh-CN" altLang="en-US" dirty="0"/>
-              <a:t>区域的数据</a:t>
-            </a:r>
-            <a:endParaRPr lang="en-US" altLang="zh-CN" dirty="0"/>
-          </a:p>
-          <a:p>
-            <a:r>
-              <a:rPr lang="en-US" altLang="zh-CN" dirty="0"/>
-              <a:t>6. </a:t>
-            </a:r>
-            <a:r>
-              <a:rPr lang="zh-CN" altLang="en-US" dirty="0"/>
-              <a:t>提取所需要的字段信息</a:t>
-            </a:r>
+          <a:p>
+            <a:endParaRPr lang="zh-CN" altLang="en-US"/>
           </a:p>
         </p:txBody>
       </p:sp>
@@ -12105,7 +13608,7 @@
           <a:p>
             <a:r>
               <a:rPr lang="en-US" altLang="zh-CN" dirty="0"/>
-              <a:t>Doc Values</a:t>
+              <a:t>Stored Fields</a:t>
             </a:r>
             <a:br>
               <a:rPr lang="en-US" altLang="zh-CN" dirty="0"/>
@@ -12115,11 +13618,6 @@
         </p:txBody>
       </p:sp>
     </p:spTree>
-    <p:extLst>
-      <p:ext uri="{BB962C8B-B14F-4D97-AF65-F5344CB8AC3E}">
-        <p14:creationId xmlns:p14="http://schemas.microsoft.com/office/powerpoint/2010/main" val="2699897884"/>
-      </p:ext>
-    </p:extLst>
   </p:cSld>
   <p:clrMapOvr>
     <a:masterClrMapping/>
@@ -12378,8 +13876,6 @@
       </a:bgFillStyleLst>
     </a:fmtScheme>
   </a:themeElements>
-  <a:objectDefaults/>
-  <a:extraClrSchemeLst/>
   <a:extLst>
     <a:ext uri="{05A4C25C-085E-4340-85A3-A5531E510DB2}">
       <thm15:themeFamily xmlns:thm15="http://schemas.microsoft.com/office/thememl/2012/main" name="Office Theme" id="{62F939B6-93AF-4DB8-9C6B-D6C7DFDC589F}" vid="{4A3C46E8-61CC-4603-A589-7422A47A8E4A}"/>
@@ -12639,8 +14135,6 @@
       </a:bgFillStyleLst>
     </a:fmtScheme>
   </a:themeElements>
-  <a:objectDefaults/>
-  <a:extraClrSchemeLst/>
   <a:extLst>
     <a:ext uri="{05A4C25C-085E-4340-85A3-A5531E510DB2}">
       <thm15:themeFamily xmlns:thm15="http://schemas.microsoft.com/office/thememl/2012/main" name="Office Theme" id="{62F939B6-93AF-4DB8-9C6B-D6C7DFDC589F}" vid="{4A3C46E8-61CC-4603-A589-7422A47A8E4A}"/>

--- a/zx-note/src/test/graph/lucene/lucene-core/codecs/索引文件格式/Lucene索引文件.pptx
+++ b/zx-note/src/test/graph/lucene/lucene-core/codecs/索引文件格式/Lucene索引文件.pptx
@@ -5747,7 +5747,7 @@
         <p:spPr>
           <a:xfrm>
             <a:off x="386499" y="197963"/>
-            <a:ext cx="11472421" cy="11172289"/>
+            <a:ext cx="11472421" cy="7293610"/>
           </a:xfrm>
           <a:prstGeom prst="rect">
             <a:avLst/>
@@ -5892,46 +5892,208 @@
           </a:p>
           <a:p>
             <a:r>
+              <a:rPr lang="en-US" altLang="zh-CN" dirty="0"/>
+              <a:t>	1. </a:t>
+            </a:r>
+            <a:r>
+              <a:rPr lang="zh-CN" altLang="en-US" dirty="0"/>
+              <a:t>倒排索引 </a:t>
+            </a:r>
+            <a:r>
+              <a:rPr lang="en-US" altLang="zh-CN" dirty="0"/>
+              <a:t>(</a:t>
+            </a:r>
+            <a:r>
+              <a:rPr lang="zh-CN" altLang="en-US" dirty="0"/>
+              <a:t>词典、倒排表、</a:t>
+            </a:r>
+            <a:r>
+              <a:rPr lang="en-US" altLang="zh-CN" dirty="0"/>
+              <a:t>FST</a:t>
+            </a:r>
+            <a:r>
+              <a:rPr lang="zh-CN" altLang="en-US" dirty="0"/>
+              <a:t>、跳跃表</a:t>
+            </a:r>
+            <a:r>
+              <a:rPr lang="en-US" altLang="zh-CN" dirty="0"/>
+              <a:t>)</a:t>
+            </a:r>
+            <a:endParaRPr lang="en-US" altLang="zh-CN" dirty="0"/>
+          </a:p>
+          <a:p>
+            <a:r>
+              <a:rPr lang="en-US" altLang="zh-CN" dirty="0"/>
+              <a:t>	2. doc values</a:t>
+            </a:r>
+            <a:endParaRPr lang="en-US" altLang="zh-CN" dirty="0"/>
+          </a:p>
+          <a:p>
+            <a:r>
               <a:rPr lang="zh-CN" altLang="en-US" dirty="0"/>
               <a:t>	</a:t>
             </a:r>
             <a:r>
               <a:rPr lang="en-US" altLang="zh-CN" dirty="0"/>
-              <a:t>1. stored fields     </a:t>
+              <a:t>3. stored fields     	4. </a:t>
+            </a:r>
+            <a:r>
+              <a:rPr lang="en-US" altLang="zh-CN" dirty="0" err="1"/>
+              <a:t>termVector(</a:t>
+            </a:r>
+            <a:r>
+              <a:rPr lang="zh-CN" altLang="en-US" dirty="0" err="1"/>
+              <a:t>高亮、两个文档相似度比较</a:t>
+            </a:r>
+            <a:r>
+              <a:rPr lang="en-US" altLang="zh-CN" dirty="0" err="1"/>
+              <a:t>)</a:t>
+            </a:r>
+            <a:endParaRPr lang="en-US" altLang="zh-CN" dirty="0" err="1"/>
+          </a:p>
+          <a:p>
+            <a:r>
+              <a:rPr lang="en-US" altLang="zh-CN" dirty="0"/>
+              <a:t>	</a:t>
+            </a:r>
+            <a:r>
+              <a:rPr lang="zh-CN" altLang="en-US" dirty="0"/>
+              <a:t>示例： </a:t>
+            </a:r>
+            <a:endParaRPr lang="zh-CN" altLang="en-US" dirty="0"/>
+          </a:p>
+          <a:p>
+            <a:r>
+              <a:rPr lang="zh-CN" altLang="en-US" dirty="0"/>
+              <a:t>	  单</a:t>
+            </a:r>
+            <a:r>
+              <a:rPr lang="en-US" altLang="zh-CN" dirty="0"/>
+              <a:t>Term</a:t>
+            </a:r>
+            <a:r>
+              <a:rPr lang="zh-CN" altLang="en-US" dirty="0"/>
+              <a:t>查询 </a:t>
+            </a:r>
+            <a:r>
+              <a:rPr lang="en-US" altLang="zh-CN" dirty="0"/>
+              <a:t>--&gt;</a:t>
+            </a:r>
+            <a:r>
+              <a:rPr lang="zh-CN" altLang="en-US" dirty="0"/>
+              <a:t>价格排序</a:t>
+            </a:r>
+            <a:r>
+              <a:rPr lang="en-US" altLang="zh-CN" dirty="0"/>
+              <a:t>(from+size</a:t>
+            </a:r>
+            <a:r>
+              <a:rPr lang="zh-CN" altLang="en-US" dirty="0"/>
+              <a:t>小根堆，深分页</a:t>
+            </a:r>
+            <a:r>
+              <a:rPr lang="en-US" altLang="zh-CN" dirty="0"/>
+              <a:t>)</a:t>
+            </a:r>
+            <a:r>
+              <a:rPr lang="zh-CN" altLang="en-US" dirty="0"/>
+              <a:t> </a:t>
+            </a:r>
+            <a:r>
+              <a:rPr lang="en-US" altLang="zh-CN" dirty="0"/>
+              <a:t>--&gt;  </a:t>
+            </a:r>
+            <a:r>
+              <a:rPr lang="zh-CN" altLang="en-US" dirty="0"/>
+              <a:t>召回</a:t>
+            </a:r>
+            <a:r>
+              <a:rPr lang="en-US" altLang="zh-CN" dirty="0"/>
+              <a:t>top10--&gt;</a:t>
+            </a:r>
+            <a:r>
+              <a:rPr lang="zh-CN" altLang="en-US" dirty="0">
+                <a:sym typeface="+mn-ea"/>
+              </a:rPr>
+              <a:t>获取字段信息</a:t>
+            </a:r>
+            <a:r>
+              <a:rPr lang="en-US" altLang="zh-CN" dirty="0">
+                <a:sym typeface="+mn-ea"/>
+              </a:rPr>
+              <a:t>--&gt;</a:t>
+            </a:r>
+            <a:r>
+              <a:rPr lang="zh-CN" altLang="en-US" dirty="0">
+                <a:sym typeface="+mn-ea"/>
+              </a:rPr>
+              <a:t>高亮显示</a:t>
+            </a:r>
+            <a:endParaRPr lang="zh-CN" altLang="en-US" dirty="0"/>
+          </a:p>
+          <a:p>
+            <a:r>
+              <a:rPr lang="en-US" altLang="zh-CN" dirty="0"/>
+              <a:t>4. </a:t>
+            </a:r>
+            <a:r>
+              <a:rPr lang="zh-CN" altLang="en-US" dirty="0"/>
+              <a:t>优化方法</a:t>
+            </a:r>
+            <a:endParaRPr lang="zh-CN" altLang="en-US" dirty="0"/>
+          </a:p>
+          <a:p>
+            <a:r>
+              <a:rPr lang="en-US" altLang="zh-CN" dirty="0"/>
+              <a:t>	(1) </a:t>
+            </a:r>
+            <a:r>
+              <a:rPr lang="zh-CN" altLang="en-US" dirty="0"/>
+              <a:t>不同的索引结构实现不同的功能：过滤、排序、返回，禁用某些字段不需要的索引结构</a:t>
+            </a:r>
+            <a:endParaRPr lang="zh-CN" altLang="en-US" dirty="0"/>
+          </a:p>
+          <a:p>
+            <a:r>
+              <a:rPr lang="en-US" altLang="zh-CN" dirty="0"/>
+              <a:t>	(2) stored fields</a:t>
             </a:r>
             <a:r>
               <a:rPr lang="zh-CN" altLang="en-US" dirty="0"/>
               <a:t>压缩方式： </a:t>
             </a:r>
             <a:r>
+              <a:rPr lang="zh-CN" altLang="en-US" dirty="0">
+                <a:sym typeface="+mn-ea"/>
+              </a:rPr>
+              <a:t>速度优先  </a:t>
+            </a:r>
+            <a:r>
+              <a:rPr lang="en-US" altLang="zh-CN" dirty="0">
+                <a:sym typeface="+mn-ea"/>
+              </a:rPr>
+              <a:t>/ </a:t>
+            </a:r>
+            <a:r>
+              <a:rPr lang="zh-CN" altLang="en-US" dirty="0">
+                <a:sym typeface="+mn-ea"/>
+              </a:rPr>
+              <a:t>压缩率优先</a:t>
+            </a:r>
+            <a:endParaRPr lang="zh-CN" altLang="en-US" dirty="0"/>
+          </a:p>
+          <a:p>
+            <a:r>
               <a:rPr lang="en-US" altLang="zh-CN" dirty="0"/>
-              <a:t>1. </a:t>
+              <a:t>	(3)</a:t>
             </a:r>
             <a:r>
               <a:rPr lang="zh-CN" altLang="en-US" dirty="0"/>
-              <a:t>速度优先  </a:t>
+              <a:t> </a:t>
             </a:r>
             <a:r>
               <a:rPr lang="en-US" altLang="zh-CN" dirty="0"/>
-              <a:t>2. </a:t>
-            </a:r>
-            <a:r>
-              <a:rPr lang="zh-CN" altLang="en-US" dirty="0"/>
-              <a:t>压缩率优先</a:t>
-            </a:r>
-            <a:endParaRPr lang="en-US" altLang="zh-CN" dirty="0"/>
-          </a:p>
-          <a:p>
-            <a:r>
-              <a:rPr lang="en-US" altLang="zh-CN" dirty="0"/>
-              <a:t>	2. doc values </a:t>
-            </a:r>
-            <a:endParaRPr lang="en-US" altLang="zh-CN" dirty="0"/>
-          </a:p>
-          <a:p>
-            <a:r>
-              <a:rPr lang="en-US" altLang="zh-CN" dirty="0"/>
-              <a:t>	stored fields</a:t>
+              <a:t>stored fields </a:t>
             </a:r>
             <a:r>
               <a:rPr lang="zh-CN" altLang="en-US" dirty="0"/>
@@ -5939,264 +6101,65 @@
             </a:r>
             <a:r>
               <a:rPr lang="en-US" altLang="zh-CN" dirty="0"/>
-              <a:t>doc values</a:t>
+              <a:t>docvalues</a:t>
             </a:r>
             <a:r>
               <a:rPr lang="zh-CN" altLang="en-US" dirty="0"/>
-              <a:t>的比较：</a:t>
+              <a:t>比较</a:t>
             </a:r>
             <a:endParaRPr lang="zh-CN" altLang="en-US" dirty="0"/>
           </a:p>
           <a:p>
             <a:r>
-              <a:rPr lang="zh-CN" altLang="en-US" dirty="0"/>
-              <a:t>		行式存储与列式存储结构的比较</a:t>
-            </a:r>
-            <a:endParaRPr lang="zh-CN" altLang="en-US" dirty="0"/>
-          </a:p>
-          <a:p>
-            <a:r>
-              <a:rPr lang="zh-CN" altLang="en-US" dirty="0"/>
-              <a:t>		适用场景的比较</a:t>
-            </a:r>
-            <a:endParaRPr lang="zh-CN" altLang="en-US" dirty="0"/>
-          </a:p>
-          <a:p>
-            <a:r>
-              <a:rPr lang="zh-CN" altLang="en-US" dirty="0"/>
-              <a:t>		</a:t>
-            </a:r>
-            <a:r>
-              <a:rPr lang="en-US" altLang="zh-CN" dirty="0"/>
-              <a:t>ES</a:t>
-            </a:r>
-            <a:r>
-              <a:rPr lang="zh-CN" altLang="en-US" dirty="0"/>
+              <a:rPr lang="zh-CN" altLang="en-US" dirty="0">
+                <a:sym typeface="+mn-ea"/>
+              </a:rPr>
+              <a:t>		行式存储与列式存储结构的比较 </a:t>
+            </a:r>
+            <a:r>
+              <a:rPr lang="en-US" altLang="zh-CN" dirty="0">
+                <a:sym typeface="+mn-ea"/>
+              </a:rPr>
+              <a:t>/ </a:t>
+            </a:r>
+            <a:r>
+              <a:rPr lang="zh-CN" altLang="en-US" dirty="0">
+                <a:sym typeface="+mn-ea"/>
+              </a:rPr>
+              <a:t>适用场景的比较 </a:t>
+            </a:r>
+            <a:r>
+              <a:rPr lang="en-US" altLang="zh-CN" dirty="0">
+                <a:sym typeface="+mn-ea"/>
+              </a:rPr>
+              <a:t>/ ES</a:t>
+            </a:r>
+            <a:r>
+              <a:rPr lang="zh-CN" altLang="en-US" dirty="0">
+                <a:sym typeface="+mn-ea"/>
+              </a:rPr>
               <a:t>调用时间的比较	</a:t>
             </a:r>
-            <a:endParaRPr lang="zh-CN" altLang="en-US" dirty="0"/>
-          </a:p>
-          <a:p>
-            <a:r>
-              <a:rPr lang="zh-CN" altLang="en-US" dirty="0"/>
-              <a:t>	</a:t>
-            </a:r>
-            <a:r>
-              <a:rPr lang="en-US" altLang="zh-CN" dirty="0"/>
-              <a:t>3. </a:t>
-            </a:r>
-            <a:r>
-              <a:rPr lang="zh-CN" altLang="en-US" dirty="0"/>
-              <a:t>倒排索引  </a:t>
-            </a:r>
-            <a:r>
-              <a:rPr lang="en-US" altLang="zh-CN" dirty="0"/>
-              <a:t>FST </a:t>
-            </a:r>
-            <a:endParaRPr lang="en-US" altLang="zh-CN" dirty="0"/>
-          </a:p>
-          <a:p>
-            <a:r>
-              <a:rPr lang="en-US" altLang="zh-CN" dirty="0"/>
-              <a:t>	4. </a:t>
-            </a:r>
-            <a:r>
-              <a:rPr lang="en-US" altLang="zh-CN" dirty="0" err="1"/>
-              <a:t>termVector</a:t>
-            </a:r>
-            <a:r>
-              <a:rPr lang="en-US" altLang="zh-CN" dirty="0"/>
-              <a:t> </a:t>
-            </a:r>
-            <a:endParaRPr lang="en-US" altLang="zh-CN" dirty="0"/>
-          </a:p>
-          <a:p>
-            <a:r>
-              <a:rPr lang="en-US" altLang="zh-CN" dirty="0"/>
-              <a:t>	</a:t>
-            </a:r>
-            <a:r>
-              <a:rPr lang="zh-CN" altLang="en-US" dirty="0"/>
-              <a:t>示例： </a:t>
-            </a:r>
-            <a:endParaRPr lang="zh-CN" altLang="en-US" dirty="0"/>
-          </a:p>
-          <a:p>
-            <a:r>
-              <a:rPr lang="zh-CN" altLang="en-US" dirty="0"/>
-              <a:t>		单</a:t>
-            </a:r>
-            <a:r>
-              <a:rPr lang="en-US" altLang="zh-CN" dirty="0"/>
-              <a:t>Term</a:t>
-            </a:r>
-            <a:r>
-              <a:rPr lang="zh-CN" altLang="en-US" dirty="0"/>
-              <a:t>查询， （多</a:t>
-            </a:r>
-            <a:r>
-              <a:rPr lang="en-US" altLang="zh-CN" dirty="0"/>
-              <a:t>Term</a:t>
-            </a:r>
-            <a:r>
-              <a:rPr lang="zh-CN" altLang="en-US" dirty="0"/>
-              <a:t>？倒排表的合并）</a:t>
-            </a:r>
-            <a:endParaRPr lang="zh-CN" altLang="en-US" dirty="0"/>
-          </a:p>
-          <a:p>
-            <a:r>
-              <a:rPr lang="zh-CN" altLang="en-US" dirty="0"/>
-              <a:t>		价格排序，	</a:t>
-            </a:r>
-            <a:endParaRPr lang="zh-CN" altLang="en-US" dirty="0"/>
-          </a:p>
-          <a:p>
-            <a:r>
-              <a:rPr lang="zh-CN" altLang="en-US" dirty="0"/>
-              <a:t>		召回</a:t>
-            </a:r>
-            <a:r>
-              <a:rPr lang="en-US" altLang="zh-CN" dirty="0"/>
-              <a:t>top10</a:t>
-            </a:r>
-            <a:r>
-              <a:rPr lang="zh-CN" altLang="en-US" dirty="0"/>
-              <a:t>，	（维护一个大小为</a:t>
-            </a:r>
-            <a:r>
-              <a:rPr lang="en-US" altLang="zh-CN" dirty="0"/>
-              <a:t>(</a:t>
-            </a:r>
-            <a:r>
-              <a:rPr lang="en-US" altLang="zh-CN" dirty="0" err="1"/>
-              <a:t>from+size</a:t>
-            </a:r>
-            <a:r>
-              <a:rPr lang="en-US" altLang="zh-CN" dirty="0"/>
-              <a:t>)</a:t>
-            </a:r>
-            <a:r>
-              <a:rPr lang="zh-CN" altLang="en-US" dirty="0"/>
-              <a:t>的小根堆，这也是不适合做深分页的原因）</a:t>
-            </a:r>
-            <a:endParaRPr lang="zh-CN" altLang="en-US" dirty="0"/>
-          </a:p>
-          <a:p>
-            <a:r>
-              <a:rPr lang="zh-CN" altLang="en-US" dirty="0"/>
-              <a:t>		获取字段信息，</a:t>
-            </a:r>
-            <a:endParaRPr lang="zh-CN" altLang="en-US" dirty="0"/>
-          </a:p>
-          <a:p>
-            <a:r>
-              <a:rPr lang="zh-CN" altLang="en-US" dirty="0"/>
-              <a:t>		高亮显示</a:t>
-            </a:r>
-            <a:endParaRPr lang="zh-CN" altLang="en-US" dirty="0"/>
-          </a:p>
-          <a:p>
-            <a:endParaRPr lang="zh-CN" altLang="en-US" dirty="0"/>
-          </a:p>
-          <a:p>
-            <a:r>
-              <a:rPr lang="en-US" altLang="zh-CN" dirty="0"/>
-              <a:t>stored fields : </a:t>
-            </a:r>
-            <a:r>
-              <a:rPr lang="zh-CN" altLang="en-US" dirty="0"/>
-              <a:t>行式存储</a:t>
-            </a:r>
-            <a:endParaRPr lang="zh-CN" altLang="en-US" dirty="0"/>
-          </a:p>
-          <a:p>
-            <a:r>
-              <a:rPr lang="en-US" altLang="zh-CN" dirty="0" err="1"/>
-              <a:t>docvalues</a:t>
-            </a:r>
-            <a:r>
-              <a:rPr lang="en-US" altLang="zh-CN" dirty="0"/>
-              <a:t> : </a:t>
-            </a:r>
-            <a:r>
-              <a:rPr lang="zh-CN" altLang="en-US" dirty="0"/>
-              <a:t>列式存储 </a:t>
-            </a:r>
-            <a:endParaRPr lang="zh-CN" altLang="en-US" dirty="0"/>
-          </a:p>
-          <a:p>
-            <a:endParaRPr lang="zh-CN" altLang="en-US" dirty="0"/>
-          </a:p>
-          <a:p>
-            <a:r>
-              <a:rPr lang="zh-CN" altLang="en-US" dirty="0"/>
-              <a:t>倒排索引</a:t>
-            </a:r>
-            <a:r>
-              <a:rPr lang="en-US" altLang="zh-CN" dirty="0"/>
-              <a:t>: Term --&gt; </a:t>
-            </a:r>
-            <a:r>
-              <a:rPr lang="en-US" altLang="zh-CN" dirty="0" err="1"/>
-              <a:t>docIDs</a:t>
-            </a:r>
-            <a:r>
-              <a:rPr lang="en-US" altLang="zh-CN" dirty="0"/>
-              <a:t>, </a:t>
-            </a:r>
-            <a:r>
-              <a:rPr lang="en-US" altLang="zh-CN" dirty="0" err="1"/>
-              <a:t>freqs</a:t>
-            </a:r>
-            <a:r>
-              <a:rPr lang="en-US" altLang="zh-CN" dirty="0"/>
-              <a:t>, positions </a:t>
-            </a:r>
-            <a:endParaRPr lang="en-US" altLang="zh-CN" dirty="0"/>
-          </a:p>
-          <a:p>
-            <a:r>
-              <a:rPr lang="en-US" altLang="zh-CN" dirty="0" err="1"/>
-              <a:t>termVector</a:t>
-            </a:r>
-            <a:r>
-              <a:rPr lang="en-US" altLang="zh-CN" dirty="0"/>
-              <a:t> : </a:t>
-            </a:r>
-            <a:r>
-              <a:rPr lang="en-US" altLang="zh-CN" dirty="0" err="1"/>
-              <a:t>docIDs</a:t>
-            </a:r>
-            <a:r>
-              <a:rPr lang="en-US" altLang="zh-CN" dirty="0"/>
-              <a:t> --&gt; term, </a:t>
-            </a:r>
-            <a:r>
-              <a:rPr lang="en-US" altLang="zh-CN" dirty="0" err="1"/>
-              <a:t>freq</a:t>
-            </a:r>
-            <a:r>
-              <a:rPr lang="en-US" altLang="zh-CN" dirty="0"/>
-              <a:t>, position   </a:t>
-            </a:r>
-            <a:r>
-              <a:rPr lang="zh-CN" altLang="en-US" dirty="0"/>
-              <a:t>高亮  </a:t>
-            </a:r>
-            <a:endParaRPr lang="zh-CN" altLang="en-US" dirty="0"/>
-          </a:p>
-          <a:p>
-            <a:endParaRPr lang="zh-CN" altLang="en-US" dirty="0"/>
-          </a:p>
-          <a:p>
-            <a:endParaRPr lang="zh-CN" altLang="en-US" dirty="0"/>
-          </a:p>
-          <a:p>
-            <a:endParaRPr lang="zh-CN" altLang="en-US" dirty="0"/>
-          </a:p>
-          <a:p>
-            <a:endParaRPr lang="zh-CN" altLang="en-US" dirty="0"/>
+            <a:endParaRPr lang="zh-CN" altLang="en-US" dirty="0">
+              <a:sym typeface="+mn-ea"/>
+            </a:endParaRPr>
+          </a:p>
+          <a:p>
+            <a:r>
+              <a:rPr lang="en-US" altLang="zh-CN" dirty="0">
+                <a:sym typeface="+mn-ea"/>
+              </a:rPr>
+              <a:t>	(3) </a:t>
+            </a:r>
+            <a:r>
+              <a:rPr lang="zh-CN" altLang="en-US" dirty="0">
+                <a:sym typeface="+mn-ea"/>
+              </a:rPr>
+              <a:t>不适合做深分页</a:t>
+            </a:r>
+            <a:endParaRPr lang="en-US" altLang="zh-CN" dirty="0">
+              <a:sym typeface="+mn-ea"/>
+            </a:endParaRPr>
           </a:p>
           <a:p>
             <a:endParaRPr lang="zh-CN" altLang="en-US" dirty="0"/>
@@ -9989,8 +9952,8 @@
         </p:nvSpPr>
         <p:spPr>
           <a:xfrm>
-            <a:off x="868045" y="4441825"/>
-            <a:ext cx="7828915" cy="368300"/>
+            <a:off x="792480" y="3565525"/>
+            <a:ext cx="7828915" cy="922020"/>
           </a:xfrm>
           <a:prstGeom prst="rect">
             <a:avLst/>
@@ -10004,8 +9967,38 @@
           <a:p>
             <a:r>
               <a:rPr lang="en-US" altLang="zh-CN"/>
-              <a:t>docID --&gt; Map&lt;fieldName, Map&lt;Term, &gt;&gt;</a:t>
-            </a:r>
+              <a:t>&lt;</a:t>
+            </a:r>
+            <a:r>
+              <a:rPr lang="zh-CN" altLang="en-US"/>
+              <a:t>文档</a:t>
+            </a:r>
+            <a:r>
+              <a:rPr lang="en-US" altLang="zh-CN"/>
+              <a:t>ID, </a:t>
+            </a:r>
+            <a:r>
+              <a:rPr lang="zh-CN" altLang="en-US"/>
+              <a:t>字段名</a:t>
+            </a:r>
+            <a:r>
+              <a:rPr lang="en-US" altLang="zh-CN"/>
+              <a:t>&gt;  --&gt; Map&lt;Term, (</a:t>
+            </a:r>
+            <a:r>
+              <a:rPr lang="zh-CN" altLang="en-US"/>
+              <a:t>词频、位置、偏移量</a:t>
+            </a:r>
+            <a:r>
+              <a:rPr lang="en-US" altLang="zh-CN"/>
+              <a:t>..)&gt;</a:t>
+            </a:r>
+            <a:endParaRPr lang="en-US" altLang="zh-CN"/>
+          </a:p>
+          <a:p>
+            <a:endParaRPr lang="en-US" altLang="zh-CN"/>
+          </a:p>
+          <a:p>
             <a:endParaRPr lang="en-US" altLang="zh-CN"/>
           </a:p>
         </p:txBody>
@@ -10406,7 +10399,16 @@
           <a:lstStyle/>
           <a:p>
             <a:r>
-              <a:rPr lang="en-US" altLang="zh-CN" dirty="0"/>
+              <a:rPr lang="zh-CN" altLang="en-US" dirty="0"/>
+              <a:t>倒排索引： </a:t>
+            </a:r>
+            <a:br>
+              <a:rPr lang="zh-CN" altLang="en-US" dirty="0"/>
+            </a:br>
+            <a:r>
+              <a:rPr lang="en-US" altLang="zh-CN" dirty="0">
+                <a:sym typeface="+mn-ea"/>
+              </a:rPr>
               <a:t>Dictionary &amp; Postings</a:t>
             </a:r>
             <a:br>
@@ -13151,6 +13153,35 @@
           </a:fontRef>
         </p:style>
       </p:cxnSp>
+      <p:sp>
+        <p:nvSpPr>
+          <p:cNvPr id="8" name="文本框 7"/>
+          <p:cNvSpPr txBox="1"/>
+          <p:nvPr/>
+        </p:nvSpPr>
+        <p:spPr>
+          <a:xfrm>
+            <a:off x="11236325" y="4917440"/>
+            <a:ext cx="868680" cy="368300"/>
+          </a:xfrm>
+          <a:prstGeom prst="rect">
+            <a:avLst/>
+          </a:prstGeom>
+          <a:noFill/>
+        </p:spPr>
+        <p:txBody>
+          <a:bodyPr wrap="none" rtlCol="0">
+            <a:spAutoFit/>
+          </a:bodyPr>
+          <a:p>
+            <a:r>
+              <a:rPr lang="zh-CN" altLang="en-US"/>
+              <a:t>倒排表</a:t>
+            </a:r>
+            <a:endParaRPr lang="zh-CN" altLang="en-US"/>
+          </a:p>
+        </p:txBody>
+      </p:sp>
     </p:spTree>
   </p:cSld>
   <p:clrMapOvr>
@@ -13532,37 +13563,271 @@
       <p:grpSpPr/>
       <p:sp>
         <p:nvSpPr>
-          <p:cNvPr id="2" name="标题 1"/>
-          <p:cNvSpPr>
-            <a:spLocks noGrp="1"/>
-          </p:cNvSpPr>
-          <p:nvPr>
-            <p:ph type="title"/>
-          </p:nvPr>
-        </p:nvSpPr>
-        <p:spPr/>
-        <p:txBody>
-          <a:bodyPr/>
-          <a:p>
-            <a:endParaRPr lang="zh-CN" altLang="en-US"/>
-          </a:p>
-        </p:txBody>
-      </p:sp>
-      <p:sp>
-        <p:nvSpPr>
-          <p:cNvPr id="3" name="文本占位符 2"/>
-          <p:cNvSpPr>
-            <a:spLocks noGrp="1"/>
-          </p:cNvSpPr>
-          <p:nvPr>
-            <p:ph type="body" idx="1"/>
-          </p:nvPr>
-        </p:nvSpPr>
-        <p:spPr/>
-        <p:txBody>
-          <a:bodyPr/>
-          <a:p>
-            <a:endParaRPr lang="zh-CN" altLang="en-US"/>
+          <p:cNvPr id="4" name="矩形 3"/>
+          <p:cNvSpPr/>
+          <p:nvPr/>
+        </p:nvSpPr>
+        <p:spPr>
+          <a:xfrm>
+            <a:off x="2310130" y="166370"/>
+            <a:ext cx="1000125" cy="358140"/>
+          </a:xfrm>
+          <a:prstGeom prst="rect">
+            <a:avLst/>
+          </a:prstGeom>
+        </p:spPr>
+        <p:style>
+          <a:lnRef idx="2">
+            <a:schemeClr val="accent3">
+              <a:shade val="50000"/>
+            </a:schemeClr>
+          </a:lnRef>
+          <a:fillRef idx="1">
+            <a:schemeClr val="accent3"/>
+          </a:fillRef>
+          <a:effectRef idx="0">
+            <a:schemeClr val="accent3"/>
+          </a:effectRef>
+          <a:fontRef idx="minor">
+            <a:schemeClr val="lt1"/>
+          </a:fontRef>
+        </p:style>
+        <p:txBody>
+          <a:bodyPr rtlCol="0" anchor="ctr"/>
+          <a:p>
+            <a:pPr algn="ctr"/>
+            <a:r>
+              <a:rPr lang="en-US" altLang="zh-CN" dirty="0" err="1"/>
+              <a:t>Header</a:t>
+            </a:r>
+            <a:endParaRPr lang="en-US" altLang="zh-CN" dirty="0" err="1"/>
+          </a:p>
+        </p:txBody>
+      </p:sp>
+      <p:sp>
+        <p:nvSpPr>
+          <p:cNvPr id="5" name="矩形 4"/>
+          <p:cNvSpPr/>
+          <p:nvPr/>
+        </p:nvSpPr>
+        <p:spPr>
+          <a:xfrm>
+            <a:off x="3314700" y="166370"/>
+            <a:ext cx="1218565" cy="358140"/>
+          </a:xfrm>
+          <a:prstGeom prst="rect">
+            <a:avLst/>
+          </a:prstGeom>
+        </p:spPr>
+        <p:style>
+          <a:lnRef idx="2">
+            <a:schemeClr val="accent6">
+              <a:shade val="50000"/>
+            </a:schemeClr>
+          </a:lnRef>
+          <a:fillRef idx="1">
+            <a:schemeClr val="accent6"/>
+          </a:fillRef>
+          <a:effectRef idx="0">
+            <a:schemeClr val="accent6"/>
+          </a:effectRef>
+          <a:fontRef idx="minor">
+            <a:schemeClr val="lt1"/>
+          </a:fontRef>
+        </p:style>
+        <p:txBody>
+          <a:bodyPr rtlCol="0" anchor="ctr"/>
+          <a:p>
+            <a:pPr algn="ctr"/>
+            <a:r>
+              <a:rPr lang="en-US" altLang="zh-CN" dirty="0"/>
+              <a:t>DocValues</a:t>
+            </a:r>
+            <a:endParaRPr lang="en-US" altLang="zh-CN" dirty="0"/>
+          </a:p>
+        </p:txBody>
+      </p:sp>
+      <p:sp>
+        <p:nvSpPr>
+          <p:cNvPr id="6" name="矩形 5"/>
+          <p:cNvSpPr/>
+          <p:nvPr/>
+        </p:nvSpPr>
+        <p:spPr>
+          <a:xfrm>
+            <a:off x="4533265" y="166370"/>
+            <a:ext cx="1258570" cy="358140"/>
+          </a:xfrm>
+          <a:prstGeom prst="rect">
+            <a:avLst/>
+          </a:prstGeom>
+        </p:spPr>
+        <p:style>
+          <a:lnRef idx="2">
+            <a:schemeClr val="accent6">
+              <a:shade val="50000"/>
+            </a:schemeClr>
+          </a:lnRef>
+          <a:fillRef idx="1">
+            <a:schemeClr val="accent6"/>
+          </a:fillRef>
+          <a:effectRef idx="0">
+            <a:schemeClr val="accent6"/>
+          </a:effectRef>
+          <a:fontRef idx="minor">
+            <a:schemeClr val="lt1"/>
+          </a:fontRef>
+        </p:style>
+        <p:txBody>
+          <a:bodyPr rtlCol="0" anchor="ctr"/>
+          <a:p>
+            <a:pPr algn="ctr"/>
+            <a:r>
+              <a:rPr lang="en-US" altLang="zh-CN" dirty="0"/>
+              <a:t>DocValues</a:t>
+            </a:r>
+            <a:endParaRPr lang="en-US" altLang="zh-CN" dirty="0"/>
+          </a:p>
+        </p:txBody>
+      </p:sp>
+      <p:sp>
+        <p:nvSpPr>
+          <p:cNvPr id="7" name="矩形 6"/>
+          <p:cNvSpPr/>
+          <p:nvPr/>
+        </p:nvSpPr>
+        <p:spPr>
+          <a:xfrm>
+            <a:off x="5791835" y="166370"/>
+            <a:ext cx="399415" cy="358140"/>
+          </a:xfrm>
+          <a:prstGeom prst="rect">
+            <a:avLst/>
+          </a:prstGeom>
+          <a:noFill/>
+          <a:ln>
+            <a:noFill/>
+          </a:ln>
+        </p:spPr>
+        <p:style>
+          <a:lnRef idx="2">
+            <a:schemeClr val="accent1">
+              <a:shade val="50000"/>
+            </a:schemeClr>
+          </a:lnRef>
+          <a:fillRef idx="1">
+            <a:schemeClr val="accent1"/>
+          </a:fillRef>
+          <a:effectRef idx="0">
+            <a:schemeClr val="accent1"/>
+          </a:effectRef>
+          <a:fontRef idx="minor">
+            <a:schemeClr val="lt1"/>
+          </a:fontRef>
+        </p:style>
+        <p:txBody>
+          <a:bodyPr rtlCol="0" anchor="ctr"/>
+          <a:p>
+            <a:pPr algn="ctr"/>
+            <a:r>
+              <a:rPr lang="en-US" altLang="zh-CN" dirty="0">
+                <a:solidFill>
+                  <a:schemeClr val="tx1"/>
+                </a:solidFill>
+              </a:rPr>
+              <a:t>...</a:t>
+            </a:r>
+            <a:endParaRPr lang="en-US" altLang="zh-CN" dirty="0">
+              <a:solidFill>
+                <a:schemeClr val="tx1"/>
+              </a:solidFill>
+            </a:endParaRPr>
+          </a:p>
+        </p:txBody>
+      </p:sp>
+      <p:sp>
+        <p:nvSpPr>
+          <p:cNvPr id="9" name="矩形 8"/>
+          <p:cNvSpPr/>
+          <p:nvPr/>
+        </p:nvSpPr>
+        <p:spPr>
+          <a:xfrm>
+            <a:off x="6191885" y="166370"/>
+            <a:ext cx="1390650" cy="358140"/>
+          </a:xfrm>
+          <a:prstGeom prst="rect">
+            <a:avLst/>
+          </a:prstGeom>
+        </p:spPr>
+        <p:style>
+          <a:lnRef idx="2">
+            <a:schemeClr val="accent6">
+              <a:shade val="50000"/>
+            </a:schemeClr>
+          </a:lnRef>
+          <a:fillRef idx="1">
+            <a:schemeClr val="accent6"/>
+          </a:fillRef>
+          <a:effectRef idx="0">
+            <a:schemeClr val="accent6"/>
+          </a:effectRef>
+          <a:fontRef idx="minor">
+            <a:schemeClr val="lt1"/>
+          </a:fontRef>
+        </p:style>
+        <p:txBody>
+          <a:bodyPr rtlCol="0" anchor="ctr"/>
+          <a:p>
+            <a:pPr algn="ctr"/>
+            <a:r>
+              <a:rPr lang="en-US" altLang="zh-CN" dirty="0"/>
+              <a:t>DocValues</a:t>
+            </a:r>
+            <a:endParaRPr lang="en-US" altLang="zh-CN" dirty="0"/>
+          </a:p>
+        </p:txBody>
+      </p:sp>
+      <p:sp>
+        <p:nvSpPr>
+          <p:cNvPr id="11" name="矩形 10"/>
+          <p:cNvSpPr/>
+          <p:nvPr/>
+        </p:nvSpPr>
+        <p:spPr>
+          <a:xfrm>
+            <a:off x="7582535" y="166370"/>
+            <a:ext cx="1000125" cy="358140"/>
+          </a:xfrm>
+          <a:prstGeom prst="rect">
+            <a:avLst/>
+          </a:prstGeom>
+        </p:spPr>
+        <p:style>
+          <a:lnRef idx="2">
+            <a:schemeClr val="accent3">
+              <a:shade val="50000"/>
+            </a:schemeClr>
+          </a:lnRef>
+          <a:fillRef idx="1">
+            <a:schemeClr val="accent3"/>
+          </a:fillRef>
+          <a:effectRef idx="0">
+            <a:schemeClr val="accent3"/>
+          </a:effectRef>
+          <a:fontRef idx="minor">
+            <a:schemeClr val="lt1"/>
+          </a:fontRef>
+        </p:style>
+        <p:txBody>
+          <a:bodyPr rtlCol="0" anchor="ctr"/>
+          <a:p>
+            <a:pPr algn="ctr"/>
+            <a:r>
+              <a:rPr lang="en-US" altLang="zh-CN" dirty="0" err="1"/>
+              <a:t>Footer</a:t>
+            </a:r>
+            <a:endParaRPr lang="en-US" altLang="zh-CN" dirty="0" err="1"/>
           </a:p>
         </p:txBody>
       </p:sp>

--- a/zx-note/src/test/graph/lucene/lucene-core/codecs/索引文件格式/Lucene索引文件.pptx
+++ b/zx-note/src/test/graph/lucene/lucene-core/codecs/索引文件格式/Lucene索引文件.pptx
@@ -10,8 +10,8 @@
     <p:sldId id="257" r:id="rId5"/>
     <p:sldId id="271" r:id="rId6"/>
     <p:sldId id="264" r:id="rId7"/>
-    <p:sldId id="268" r:id="rId8"/>
-    <p:sldId id="279" r:id="rId9"/>
+    <p:sldId id="289" r:id="rId8"/>
+    <p:sldId id="268" r:id="rId9"/>
     <p:sldId id="269" r:id="rId10"/>
     <p:sldId id="280" r:id="rId11"/>
     <p:sldId id="263" r:id="rId12"/>
@@ -13199,237 +13199,2952 @@
         <p:cNvGrpSpPr/>
         <p:nvPr/>
       </p:nvGrpSpPr>
-      <p:grpSpPr>
-        <a:xfrm>
-          <a:off x="0" y="0"/>
-          <a:ext cx="0" cy="0"/>
-          <a:chOff x="0" y="0"/>
-          <a:chExt cx="0" cy="0"/>
-        </a:xfrm>
-      </p:grpSpPr>
-      <p:sp>
-        <p:nvSpPr>
-          <p:cNvPr id="2" name="标题 1"/>
-          <p:cNvSpPr>
-            <a:spLocks noGrp="1"/>
-          </p:cNvSpPr>
-          <p:nvPr>
-            <p:ph type="title"/>
-          </p:nvPr>
-        </p:nvSpPr>
-        <p:spPr/>
-        <p:txBody>
-          <a:bodyPr/>
-          <a:lstStyle/>
-          <a:p>
-            <a:r>
-              <a:rPr lang="zh-CN" altLang="en-US" dirty="0"/>
-              <a:t>根据</a:t>
-            </a:r>
-            <a:r>
-              <a:rPr lang="en-US" altLang="zh-CN" dirty="0"/>
-              <a:t>Term</a:t>
-            </a:r>
-            <a:r>
-              <a:rPr lang="zh-CN" altLang="en-US" dirty="0"/>
-              <a:t>查找所有匹配的文档</a:t>
-            </a:r>
-            <a:r>
-              <a:rPr lang="en-US" altLang="zh-CN" dirty="0"/>
-              <a:t>id</a:t>
-            </a:r>
-            <a:endParaRPr lang="zh-CN" altLang="en-US" dirty="0"/>
-          </a:p>
-        </p:txBody>
-      </p:sp>
-      <p:sp>
-        <p:nvSpPr>
-          <p:cNvPr id="3" name="内容占位符 2"/>
-          <p:cNvSpPr>
-            <a:spLocks noGrp="1"/>
-          </p:cNvSpPr>
-          <p:nvPr>
-            <p:ph idx="1"/>
-          </p:nvPr>
-        </p:nvSpPr>
-        <p:spPr/>
-        <p:txBody>
-          <a:bodyPr/>
-          <a:lstStyle/>
-          <a:p>
-            <a:pPr marL="0" indent="0">
-              <a:buNone/>
-            </a:pPr>
-            <a:r>
-              <a:rPr lang="zh-CN" altLang="en-US" dirty="0"/>
-              <a:t>以</a:t>
-            </a:r>
-            <a:r>
-              <a:rPr lang="en-US" altLang="zh-CN" dirty="0"/>
-              <a:t>Term(goodsTitle, </a:t>
-            </a:r>
-            <a:r>
-              <a:rPr lang="en-US" altLang="zh-CN" dirty="0">
-                <a:solidFill>
-                  <a:srgbClr val="FF0000"/>
-                </a:solidFill>
-              </a:rPr>
-              <a:t>app</a:t>
-            </a:r>
-            <a:r>
-              <a:rPr lang="en-US" altLang="zh-CN" dirty="0">
-                <a:solidFill>
-                  <a:schemeClr val="accent6"/>
-                </a:solidFill>
-              </a:rPr>
-              <a:t>le</a:t>
-            </a:r>
-            <a:r>
-              <a:rPr lang="en-US" altLang="zh-CN" dirty="0"/>
-              <a:t>)</a:t>
-            </a:r>
-            <a:r>
-              <a:rPr lang="zh-CN" altLang="en-US" dirty="0"/>
-              <a:t>为例</a:t>
-            </a:r>
-            <a:endParaRPr lang="zh-CN" altLang="en-US" dirty="0"/>
-          </a:p>
-          <a:p>
-            <a:pPr marL="0" indent="0">
-              <a:buNone/>
-            </a:pPr>
-            <a:r>
-              <a:rPr lang="en-US" altLang="zh-CN" dirty="0"/>
-              <a:t>1. </a:t>
-            </a:r>
-            <a:r>
-              <a:rPr lang="zh-CN" altLang="en-US" dirty="0"/>
-              <a:t>找到</a:t>
-            </a:r>
-            <a:r>
-              <a:rPr lang="en-US" altLang="zh-CN" dirty="0"/>
-              <a:t>goodsTitle</a:t>
-            </a:r>
-            <a:r>
-              <a:rPr lang="zh-CN" altLang="en-US" dirty="0"/>
-              <a:t>字段对应的</a:t>
-            </a:r>
-            <a:r>
-              <a:rPr lang="en-US" altLang="zh-CN" dirty="0"/>
-              <a:t>FSTIndex</a:t>
-            </a:r>
-            <a:endParaRPr lang="en-US" altLang="zh-CN" dirty="0"/>
-          </a:p>
-          <a:p>
-            <a:pPr marL="0" indent="0">
-              <a:buNone/>
-            </a:pPr>
-            <a:r>
-              <a:rPr lang="en-US" altLang="zh-CN" dirty="0"/>
-              <a:t>2. </a:t>
-            </a:r>
-            <a:r>
-              <a:rPr lang="zh-CN" altLang="en-US" dirty="0"/>
-              <a:t>在</a:t>
-            </a:r>
-            <a:r>
-              <a:rPr lang="en-US" altLang="zh-CN" dirty="0"/>
-              <a:t>FST</a:t>
-            </a:r>
-            <a:r>
-              <a:rPr lang="zh-CN" altLang="en-US" dirty="0"/>
-              <a:t>中对</a:t>
-            </a:r>
-            <a:r>
-              <a:rPr lang="en-US" altLang="zh-CN" dirty="0"/>
-              <a:t>apple</a:t>
-            </a:r>
-            <a:r>
-              <a:rPr lang="zh-CN" altLang="en-US" dirty="0"/>
-              <a:t>进行前缀匹配，匹配到</a:t>
-            </a:r>
-            <a:r>
-              <a:rPr lang="en-US" altLang="zh-CN" dirty="0"/>
-              <a:t>”</a:t>
-            </a:r>
-            <a:r>
-              <a:rPr lang="en-US" altLang="zh-CN" dirty="0">
-                <a:solidFill>
-                  <a:srgbClr val="FF0000"/>
-                </a:solidFill>
-              </a:rPr>
-              <a:t>app</a:t>
-            </a:r>
-            <a:r>
-              <a:rPr lang="en-US" altLang="zh-CN" dirty="0"/>
-              <a:t>”</a:t>
-            </a:r>
-            <a:r>
-              <a:rPr lang="zh-CN" altLang="en-US" dirty="0"/>
-              <a:t>三个字符</a:t>
-            </a:r>
-            <a:r>
-              <a:rPr lang="en-US" altLang="zh-CN" dirty="0"/>
-              <a:t>,</a:t>
-            </a:r>
-            <a:r>
-              <a:rPr lang="zh-CN" altLang="en-US" dirty="0"/>
-              <a:t>并获取到对应的</a:t>
-            </a:r>
-            <a:r>
-              <a:rPr lang="en-US" altLang="zh-CN" dirty="0"/>
-              <a:t>Block</a:t>
-            </a:r>
-            <a:r>
-              <a:rPr lang="zh-CN" altLang="en-US" dirty="0"/>
-              <a:t>在磁盘上的位置</a:t>
-            </a:r>
-            <a:endParaRPr lang="zh-CN" altLang="en-US" dirty="0"/>
-          </a:p>
-          <a:p>
-            <a:pPr marL="0" indent="0">
-              <a:buNone/>
-            </a:pPr>
-            <a:r>
-              <a:rPr lang="en-US" altLang="zh-CN" dirty="0"/>
-              <a:t>3. </a:t>
-            </a:r>
-            <a:r>
-              <a:rPr lang="zh-CN" altLang="en-US" dirty="0"/>
-              <a:t>从磁盘读取</a:t>
-            </a:r>
-            <a:r>
-              <a:rPr lang="en-US" altLang="zh-CN" dirty="0"/>
-              <a:t>Block</a:t>
-            </a:r>
-            <a:r>
-              <a:rPr lang="zh-CN" altLang="en-US" dirty="0"/>
-              <a:t>信息，对剩余的字符</a:t>
-            </a:r>
-            <a:r>
-              <a:rPr lang="en-US" altLang="zh-CN" dirty="0"/>
-              <a:t>”</a:t>
-            </a:r>
-            <a:r>
-              <a:rPr lang="en-US" altLang="zh-CN" dirty="0">
-                <a:solidFill>
-                  <a:schemeClr val="accent6"/>
-                </a:solidFill>
-              </a:rPr>
-              <a:t>le</a:t>
-            </a:r>
-            <a:r>
-              <a:rPr lang="en-US" altLang="zh-CN" dirty="0"/>
-              <a:t>”</a:t>
-            </a:r>
-            <a:r>
-              <a:rPr lang="zh-CN" altLang="en-US" dirty="0"/>
-              <a:t>进行后缀匹配，匹配完成后获取到倒排表在磁盘的位置信息</a:t>
-            </a:r>
-            <a:endParaRPr lang="zh-CN" altLang="en-US" dirty="0"/>
-          </a:p>
-        </p:txBody>
-      </p:sp>
+      <p:grpSpPr/>
+      <p:sp>
+        <p:nvSpPr>
+          <p:cNvPr id="5" name="矩形 4"/>
+          <p:cNvSpPr/>
+          <p:nvPr/>
+        </p:nvSpPr>
+        <p:spPr>
+          <a:xfrm>
+            <a:off x="1429385" y="4436745"/>
+            <a:ext cx="485775" cy="477520"/>
+          </a:xfrm>
+          <a:prstGeom prst="rect">
+            <a:avLst/>
+          </a:prstGeom>
+        </p:spPr>
+        <p:style>
+          <a:lnRef idx="2">
+            <a:schemeClr val="accent1">
+              <a:shade val="50000"/>
+            </a:schemeClr>
+          </a:lnRef>
+          <a:fillRef idx="1">
+            <a:schemeClr val="accent1"/>
+          </a:fillRef>
+          <a:effectRef idx="0">
+            <a:schemeClr val="accent1"/>
+          </a:effectRef>
+          <a:fontRef idx="minor">
+            <a:schemeClr val="lt1"/>
+          </a:fontRef>
+        </p:style>
+        <p:txBody>
+          <a:bodyPr rtlCol="0" anchor="ctr"/>
+          <a:p>
+            <a:pPr algn="ctr"/>
+            <a:r>
+              <a:rPr lang="en-US" altLang="zh-CN"/>
+              <a:t>1</a:t>
+            </a:r>
+            <a:endParaRPr lang="en-US" altLang="zh-CN"/>
+          </a:p>
+        </p:txBody>
+      </p:sp>
+      <p:sp>
+        <p:nvSpPr>
+          <p:cNvPr id="6" name="矩形 5"/>
+          <p:cNvSpPr/>
+          <p:nvPr/>
+        </p:nvSpPr>
+        <p:spPr>
+          <a:xfrm>
+            <a:off x="1920875" y="4436745"/>
+            <a:ext cx="485775" cy="477520"/>
+          </a:xfrm>
+          <a:prstGeom prst="rect">
+            <a:avLst/>
+          </a:prstGeom>
+        </p:spPr>
+        <p:style>
+          <a:lnRef idx="2">
+            <a:schemeClr val="accent1">
+              <a:shade val="50000"/>
+            </a:schemeClr>
+          </a:lnRef>
+          <a:fillRef idx="1">
+            <a:schemeClr val="accent1"/>
+          </a:fillRef>
+          <a:effectRef idx="0">
+            <a:schemeClr val="accent1"/>
+          </a:effectRef>
+          <a:fontRef idx="minor">
+            <a:schemeClr val="lt1"/>
+          </a:fontRef>
+        </p:style>
+        <p:txBody>
+          <a:bodyPr rtlCol="0" anchor="ctr"/>
+          <a:p>
+            <a:pPr algn="ctr"/>
+            <a:r>
+              <a:rPr lang="en-US" altLang="zh-CN"/>
+              <a:t>4</a:t>
+            </a:r>
+            <a:endParaRPr lang="en-US" altLang="zh-CN"/>
+          </a:p>
+        </p:txBody>
+      </p:sp>
+      <p:sp>
+        <p:nvSpPr>
+          <p:cNvPr id="9" name="矩形 8"/>
+          <p:cNvSpPr/>
+          <p:nvPr/>
+        </p:nvSpPr>
+        <p:spPr>
+          <a:xfrm>
+            <a:off x="2412365" y="4436745"/>
+            <a:ext cx="485775" cy="477520"/>
+          </a:xfrm>
+          <a:prstGeom prst="rect">
+            <a:avLst/>
+          </a:prstGeom>
+        </p:spPr>
+        <p:style>
+          <a:lnRef idx="2">
+            <a:schemeClr val="accent1">
+              <a:shade val="50000"/>
+            </a:schemeClr>
+          </a:lnRef>
+          <a:fillRef idx="1">
+            <a:schemeClr val="accent1"/>
+          </a:fillRef>
+          <a:effectRef idx="0">
+            <a:schemeClr val="accent1"/>
+          </a:effectRef>
+          <a:fontRef idx="minor">
+            <a:schemeClr val="lt1"/>
+          </a:fontRef>
+        </p:style>
+        <p:txBody>
+          <a:bodyPr rtlCol="0" anchor="ctr"/>
+          <a:p>
+            <a:pPr algn="ctr"/>
+            <a:r>
+              <a:rPr lang="en-US" altLang="zh-CN"/>
+              <a:t>9</a:t>
+            </a:r>
+            <a:endParaRPr lang="en-US" altLang="zh-CN"/>
+          </a:p>
+        </p:txBody>
+      </p:sp>
+      <p:sp>
+        <p:nvSpPr>
+          <p:cNvPr id="10" name="矩形 9"/>
+          <p:cNvSpPr/>
+          <p:nvPr/>
+        </p:nvSpPr>
+        <p:spPr>
+          <a:xfrm>
+            <a:off x="2903855" y="4436745"/>
+            <a:ext cx="485775" cy="477520"/>
+          </a:xfrm>
+          <a:prstGeom prst="rect">
+            <a:avLst/>
+          </a:prstGeom>
+        </p:spPr>
+        <p:style>
+          <a:lnRef idx="2">
+            <a:schemeClr val="accent1">
+              <a:shade val="50000"/>
+            </a:schemeClr>
+          </a:lnRef>
+          <a:fillRef idx="1">
+            <a:schemeClr val="accent1"/>
+          </a:fillRef>
+          <a:effectRef idx="0">
+            <a:schemeClr val="accent1"/>
+          </a:effectRef>
+          <a:fontRef idx="minor">
+            <a:schemeClr val="lt1"/>
+          </a:fontRef>
+        </p:style>
+        <p:txBody>
+          <a:bodyPr rtlCol="0" anchor="ctr"/>
+          <a:p>
+            <a:pPr algn="ctr"/>
+            <a:r>
+              <a:rPr lang="en-US" altLang="zh-CN"/>
+              <a:t>15</a:t>
+            </a:r>
+            <a:endParaRPr lang="en-US" altLang="zh-CN"/>
+          </a:p>
+        </p:txBody>
+      </p:sp>
+      <p:sp>
+        <p:nvSpPr>
+          <p:cNvPr id="12" name="矩形 11"/>
+          <p:cNvSpPr/>
+          <p:nvPr/>
+        </p:nvSpPr>
+        <p:spPr>
+          <a:xfrm>
+            <a:off x="3395345" y="4436745"/>
+            <a:ext cx="485775" cy="477520"/>
+          </a:xfrm>
+          <a:prstGeom prst="rect">
+            <a:avLst/>
+          </a:prstGeom>
+        </p:spPr>
+        <p:style>
+          <a:lnRef idx="2">
+            <a:schemeClr val="accent1">
+              <a:shade val="50000"/>
+            </a:schemeClr>
+          </a:lnRef>
+          <a:fillRef idx="1">
+            <a:schemeClr val="accent1"/>
+          </a:fillRef>
+          <a:effectRef idx="0">
+            <a:schemeClr val="accent1"/>
+          </a:effectRef>
+          <a:fontRef idx="minor">
+            <a:schemeClr val="lt1"/>
+          </a:fontRef>
+        </p:style>
+        <p:txBody>
+          <a:bodyPr rtlCol="0" anchor="ctr"/>
+          <a:p>
+            <a:pPr algn="ctr"/>
+            <a:r>
+              <a:rPr lang="en-US" altLang="zh-CN"/>
+              <a:t>21</a:t>
+            </a:r>
+            <a:endParaRPr lang="en-US" altLang="zh-CN"/>
+          </a:p>
+        </p:txBody>
+      </p:sp>
+      <p:sp>
+        <p:nvSpPr>
+          <p:cNvPr id="13" name="矩形 12"/>
+          <p:cNvSpPr/>
+          <p:nvPr/>
+        </p:nvSpPr>
+        <p:spPr>
+          <a:xfrm>
+            <a:off x="3886835" y="4436745"/>
+            <a:ext cx="485775" cy="477520"/>
+          </a:xfrm>
+          <a:prstGeom prst="rect">
+            <a:avLst/>
+          </a:prstGeom>
+        </p:spPr>
+        <p:style>
+          <a:lnRef idx="2">
+            <a:schemeClr val="accent1">
+              <a:shade val="50000"/>
+            </a:schemeClr>
+          </a:lnRef>
+          <a:fillRef idx="1">
+            <a:schemeClr val="accent1"/>
+          </a:fillRef>
+          <a:effectRef idx="0">
+            <a:schemeClr val="accent1"/>
+          </a:effectRef>
+          <a:fontRef idx="minor">
+            <a:schemeClr val="lt1"/>
+          </a:fontRef>
+        </p:style>
+        <p:txBody>
+          <a:bodyPr rtlCol="0" anchor="ctr"/>
+          <a:p>
+            <a:pPr algn="ctr"/>
+            <a:r>
+              <a:rPr lang="en-US" altLang="zh-CN"/>
+              <a:t>35</a:t>
+            </a:r>
+            <a:endParaRPr lang="en-US" altLang="zh-CN"/>
+          </a:p>
+        </p:txBody>
+      </p:sp>
+      <p:sp>
+        <p:nvSpPr>
+          <p:cNvPr id="14" name="矩形 13"/>
+          <p:cNvSpPr/>
+          <p:nvPr/>
+        </p:nvSpPr>
+        <p:spPr>
+          <a:xfrm>
+            <a:off x="4378325" y="4436745"/>
+            <a:ext cx="485775" cy="477520"/>
+          </a:xfrm>
+          <a:prstGeom prst="rect">
+            <a:avLst/>
+          </a:prstGeom>
+        </p:spPr>
+        <p:style>
+          <a:lnRef idx="2">
+            <a:schemeClr val="accent1">
+              <a:shade val="50000"/>
+            </a:schemeClr>
+          </a:lnRef>
+          <a:fillRef idx="1">
+            <a:schemeClr val="accent1"/>
+          </a:fillRef>
+          <a:effectRef idx="0">
+            <a:schemeClr val="accent1"/>
+          </a:effectRef>
+          <a:fontRef idx="minor">
+            <a:schemeClr val="lt1"/>
+          </a:fontRef>
+        </p:style>
+        <p:txBody>
+          <a:bodyPr rtlCol="0" anchor="ctr"/>
+          <a:p>
+            <a:pPr algn="ctr"/>
+            <a:r>
+              <a:rPr lang="en-US" altLang="zh-CN"/>
+              <a:t>47</a:t>
+            </a:r>
+            <a:endParaRPr lang="en-US" altLang="zh-CN"/>
+          </a:p>
+        </p:txBody>
+      </p:sp>
+      <p:sp>
+        <p:nvSpPr>
+          <p:cNvPr id="15" name="矩形 14"/>
+          <p:cNvSpPr/>
+          <p:nvPr/>
+        </p:nvSpPr>
+        <p:spPr>
+          <a:xfrm>
+            <a:off x="4869815" y="4436745"/>
+            <a:ext cx="485775" cy="477520"/>
+          </a:xfrm>
+          <a:prstGeom prst="rect">
+            <a:avLst/>
+          </a:prstGeom>
+        </p:spPr>
+        <p:style>
+          <a:lnRef idx="2">
+            <a:schemeClr val="accent1">
+              <a:shade val="50000"/>
+            </a:schemeClr>
+          </a:lnRef>
+          <a:fillRef idx="1">
+            <a:schemeClr val="accent1"/>
+          </a:fillRef>
+          <a:effectRef idx="0">
+            <a:schemeClr val="accent1"/>
+          </a:effectRef>
+          <a:fontRef idx="minor">
+            <a:schemeClr val="lt1"/>
+          </a:fontRef>
+        </p:style>
+        <p:txBody>
+          <a:bodyPr rtlCol="0" anchor="ctr"/>
+          <a:p>
+            <a:pPr algn="ctr"/>
+            <a:r>
+              <a:rPr lang="en-US" altLang="zh-CN"/>
+              <a:t>48</a:t>
+            </a:r>
+            <a:endParaRPr lang="en-US" altLang="zh-CN"/>
+          </a:p>
+        </p:txBody>
+      </p:sp>
+      <p:sp>
+        <p:nvSpPr>
+          <p:cNvPr id="16" name="矩形 15"/>
+          <p:cNvSpPr/>
+          <p:nvPr/>
+        </p:nvSpPr>
+        <p:spPr>
+          <a:xfrm>
+            <a:off x="5361305" y="4436745"/>
+            <a:ext cx="485775" cy="477520"/>
+          </a:xfrm>
+          <a:prstGeom prst="rect">
+            <a:avLst/>
+          </a:prstGeom>
+        </p:spPr>
+        <p:style>
+          <a:lnRef idx="2">
+            <a:schemeClr val="accent1">
+              <a:shade val="50000"/>
+            </a:schemeClr>
+          </a:lnRef>
+          <a:fillRef idx="1">
+            <a:schemeClr val="accent1"/>
+          </a:fillRef>
+          <a:effectRef idx="0">
+            <a:schemeClr val="accent1"/>
+          </a:effectRef>
+          <a:fontRef idx="minor">
+            <a:schemeClr val="lt1"/>
+          </a:fontRef>
+        </p:style>
+        <p:txBody>
+          <a:bodyPr rtlCol="0" anchor="ctr"/>
+          <a:p>
+            <a:pPr algn="ctr"/>
+            <a:r>
+              <a:rPr lang="en-US" altLang="zh-CN"/>
+              <a:t>49</a:t>
+            </a:r>
+            <a:endParaRPr lang="en-US" altLang="zh-CN"/>
+          </a:p>
+        </p:txBody>
+      </p:sp>
+      <p:sp>
+        <p:nvSpPr>
+          <p:cNvPr id="17" name="矩形 16"/>
+          <p:cNvSpPr/>
+          <p:nvPr/>
+        </p:nvSpPr>
+        <p:spPr>
+          <a:xfrm>
+            <a:off x="5852795" y="4436745"/>
+            <a:ext cx="485775" cy="477520"/>
+          </a:xfrm>
+          <a:prstGeom prst="rect">
+            <a:avLst/>
+          </a:prstGeom>
+        </p:spPr>
+        <p:style>
+          <a:lnRef idx="2">
+            <a:schemeClr val="accent1">
+              <a:shade val="50000"/>
+            </a:schemeClr>
+          </a:lnRef>
+          <a:fillRef idx="1">
+            <a:schemeClr val="accent1"/>
+          </a:fillRef>
+          <a:effectRef idx="0">
+            <a:schemeClr val="accent1"/>
+          </a:effectRef>
+          <a:fontRef idx="minor">
+            <a:schemeClr val="lt1"/>
+          </a:fontRef>
+        </p:style>
+        <p:txBody>
+          <a:bodyPr rtlCol="0" anchor="ctr"/>
+          <a:p>
+            <a:pPr algn="ctr"/>
+            <a:r>
+              <a:rPr lang="en-US" altLang="zh-CN"/>
+              <a:t>55</a:t>
+            </a:r>
+            <a:endParaRPr lang="en-US" altLang="zh-CN"/>
+          </a:p>
+        </p:txBody>
+      </p:sp>
+      <p:sp>
+        <p:nvSpPr>
+          <p:cNvPr id="18" name="矩形 17"/>
+          <p:cNvSpPr/>
+          <p:nvPr/>
+        </p:nvSpPr>
+        <p:spPr>
+          <a:xfrm>
+            <a:off x="6344285" y="4436745"/>
+            <a:ext cx="485775" cy="477520"/>
+          </a:xfrm>
+          <a:prstGeom prst="rect">
+            <a:avLst/>
+          </a:prstGeom>
+        </p:spPr>
+        <p:style>
+          <a:lnRef idx="2">
+            <a:schemeClr val="accent1">
+              <a:shade val="50000"/>
+            </a:schemeClr>
+          </a:lnRef>
+          <a:fillRef idx="1">
+            <a:schemeClr val="accent1"/>
+          </a:fillRef>
+          <a:effectRef idx="0">
+            <a:schemeClr val="accent1"/>
+          </a:effectRef>
+          <a:fontRef idx="minor">
+            <a:schemeClr val="lt1"/>
+          </a:fontRef>
+        </p:style>
+        <p:txBody>
+          <a:bodyPr rtlCol="0" anchor="ctr"/>
+          <a:p>
+            <a:pPr algn="ctr"/>
+            <a:r>
+              <a:rPr lang="en-US" altLang="zh-CN"/>
+              <a:t>78</a:t>
+            </a:r>
+            <a:endParaRPr lang="en-US" altLang="zh-CN"/>
+          </a:p>
+        </p:txBody>
+      </p:sp>
+      <p:sp>
+        <p:nvSpPr>
+          <p:cNvPr id="19" name="矩形 18"/>
+          <p:cNvSpPr/>
+          <p:nvPr/>
+        </p:nvSpPr>
+        <p:spPr>
+          <a:xfrm>
+            <a:off x="6835775" y="4436745"/>
+            <a:ext cx="485775" cy="477520"/>
+          </a:xfrm>
+          <a:prstGeom prst="rect">
+            <a:avLst/>
+          </a:prstGeom>
+        </p:spPr>
+        <p:style>
+          <a:lnRef idx="2">
+            <a:schemeClr val="accent1">
+              <a:shade val="50000"/>
+            </a:schemeClr>
+          </a:lnRef>
+          <a:fillRef idx="1">
+            <a:schemeClr val="accent1"/>
+          </a:fillRef>
+          <a:effectRef idx="0">
+            <a:schemeClr val="accent1"/>
+          </a:effectRef>
+          <a:fontRef idx="minor">
+            <a:schemeClr val="lt1"/>
+          </a:fontRef>
+        </p:style>
+        <p:txBody>
+          <a:bodyPr rtlCol="0" anchor="ctr"/>
+          <a:p>
+            <a:pPr algn="ctr"/>
+            <a:r>
+              <a:rPr lang="en-US" altLang="zh-CN"/>
+              <a:t>82</a:t>
+            </a:r>
+            <a:endParaRPr lang="en-US" altLang="zh-CN"/>
+          </a:p>
+        </p:txBody>
+      </p:sp>
+      <p:sp>
+        <p:nvSpPr>
+          <p:cNvPr id="20" name="矩形 19"/>
+          <p:cNvSpPr/>
+          <p:nvPr/>
+        </p:nvSpPr>
+        <p:spPr>
+          <a:xfrm>
+            <a:off x="7327265" y="4436745"/>
+            <a:ext cx="485775" cy="477520"/>
+          </a:xfrm>
+          <a:prstGeom prst="rect">
+            <a:avLst/>
+          </a:prstGeom>
+        </p:spPr>
+        <p:style>
+          <a:lnRef idx="2">
+            <a:schemeClr val="accent1">
+              <a:shade val="50000"/>
+            </a:schemeClr>
+          </a:lnRef>
+          <a:fillRef idx="1">
+            <a:schemeClr val="accent1"/>
+          </a:fillRef>
+          <a:effectRef idx="0">
+            <a:schemeClr val="accent1"/>
+          </a:effectRef>
+          <a:fontRef idx="minor">
+            <a:schemeClr val="lt1"/>
+          </a:fontRef>
+        </p:style>
+        <p:txBody>
+          <a:bodyPr rtlCol="0" anchor="ctr"/>
+          <a:p>
+            <a:pPr algn="ctr"/>
+            <a:r>
+              <a:rPr lang="en-US" altLang="zh-CN"/>
+              <a:t>85</a:t>
+            </a:r>
+            <a:endParaRPr lang="en-US" altLang="zh-CN"/>
+          </a:p>
+        </p:txBody>
+      </p:sp>
+      <p:sp>
+        <p:nvSpPr>
+          <p:cNvPr id="21" name="矩形 20"/>
+          <p:cNvSpPr/>
+          <p:nvPr/>
+        </p:nvSpPr>
+        <p:spPr>
+          <a:xfrm>
+            <a:off x="7818755" y="4436745"/>
+            <a:ext cx="485775" cy="477520"/>
+          </a:xfrm>
+          <a:prstGeom prst="rect">
+            <a:avLst/>
+          </a:prstGeom>
+        </p:spPr>
+        <p:style>
+          <a:lnRef idx="2">
+            <a:schemeClr val="accent1">
+              <a:shade val="50000"/>
+            </a:schemeClr>
+          </a:lnRef>
+          <a:fillRef idx="1">
+            <a:schemeClr val="accent1"/>
+          </a:fillRef>
+          <a:effectRef idx="0">
+            <a:schemeClr val="accent1"/>
+          </a:effectRef>
+          <a:fontRef idx="minor">
+            <a:schemeClr val="lt1"/>
+          </a:fontRef>
+        </p:style>
+        <p:txBody>
+          <a:bodyPr rtlCol="0" anchor="ctr"/>
+          <a:p>
+            <a:pPr algn="ctr"/>
+            <a:r>
+              <a:rPr lang="en-US" altLang="zh-CN"/>
+              <a:t>89</a:t>
+            </a:r>
+            <a:endParaRPr lang="en-US" altLang="zh-CN"/>
+          </a:p>
+        </p:txBody>
+      </p:sp>
+      <p:sp>
+        <p:nvSpPr>
+          <p:cNvPr id="22" name="矩形 21"/>
+          <p:cNvSpPr/>
+          <p:nvPr/>
+        </p:nvSpPr>
+        <p:spPr>
+          <a:xfrm>
+            <a:off x="8310245" y="4436745"/>
+            <a:ext cx="485775" cy="477520"/>
+          </a:xfrm>
+          <a:prstGeom prst="rect">
+            <a:avLst/>
+          </a:prstGeom>
+        </p:spPr>
+        <p:style>
+          <a:lnRef idx="2">
+            <a:schemeClr val="accent1">
+              <a:shade val="50000"/>
+            </a:schemeClr>
+          </a:lnRef>
+          <a:fillRef idx="1">
+            <a:schemeClr val="accent1"/>
+          </a:fillRef>
+          <a:effectRef idx="0">
+            <a:schemeClr val="accent1"/>
+          </a:effectRef>
+          <a:fontRef idx="minor">
+            <a:schemeClr val="lt1"/>
+          </a:fontRef>
+        </p:style>
+        <p:txBody>
+          <a:bodyPr rtlCol="0" anchor="ctr"/>
+          <a:p>
+            <a:pPr algn="ctr"/>
+            <a:r>
+              <a:rPr lang="en-US" altLang="zh-CN"/>
+              <a:t>98</a:t>
+            </a:r>
+            <a:endParaRPr lang="en-US" altLang="zh-CN"/>
+          </a:p>
+        </p:txBody>
+      </p:sp>
+      <p:sp>
+        <p:nvSpPr>
+          <p:cNvPr id="23" name="矩形 22"/>
+          <p:cNvSpPr/>
+          <p:nvPr/>
+        </p:nvSpPr>
+        <p:spPr>
+          <a:xfrm>
+            <a:off x="8801735" y="4436745"/>
+            <a:ext cx="485775" cy="477520"/>
+          </a:xfrm>
+          <a:prstGeom prst="rect">
+            <a:avLst/>
+          </a:prstGeom>
+        </p:spPr>
+        <p:style>
+          <a:lnRef idx="2">
+            <a:schemeClr val="accent1">
+              <a:shade val="50000"/>
+            </a:schemeClr>
+          </a:lnRef>
+          <a:fillRef idx="1">
+            <a:schemeClr val="accent1"/>
+          </a:fillRef>
+          <a:effectRef idx="0">
+            <a:schemeClr val="accent1"/>
+          </a:effectRef>
+          <a:fontRef idx="minor">
+            <a:schemeClr val="lt1"/>
+          </a:fontRef>
+        </p:style>
+        <p:txBody>
+          <a:bodyPr rtlCol="0" anchor="ctr"/>
+          <a:p>
+            <a:pPr algn="ctr"/>
+            <a:r>
+              <a:rPr lang="en-US" altLang="zh-CN"/>
+              <a:t>99</a:t>
+            </a:r>
+            <a:endParaRPr lang="en-US" altLang="zh-CN"/>
+          </a:p>
+        </p:txBody>
+      </p:sp>
+      <p:sp>
+        <p:nvSpPr>
+          <p:cNvPr id="25" name="矩形 24"/>
+          <p:cNvSpPr/>
+          <p:nvPr/>
+        </p:nvSpPr>
+        <p:spPr>
+          <a:xfrm>
+            <a:off x="1913255" y="3128010"/>
+            <a:ext cx="485775" cy="477520"/>
+          </a:xfrm>
+          <a:prstGeom prst="rect">
+            <a:avLst/>
+          </a:prstGeom>
+        </p:spPr>
+        <p:style>
+          <a:lnRef idx="2">
+            <a:schemeClr val="accent1">
+              <a:shade val="50000"/>
+            </a:schemeClr>
+          </a:lnRef>
+          <a:fillRef idx="1">
+            <a:schemeClr val="accent1"/>
+          </a:fillRef>
+          <a:effectRef idx="0">
+            <a:schemeClr val="accent1"/>
+          </a:effectRef>
+          <a:fontRef idx="minor">
+            <a:schemeClr val="lt1"/>
+          </a:fontRef>
+        </p:style>
+        <p:txBody>
+          <a:bodyPr rtlCol="0" anchor="ctr"/>
+          <a:p>
+            <a:pPr algn="ctr"/>
+            <a:endParaRPr lang="zh-CN" altLang="en-US"/>
+          </a:p>
+        </p:txBody>
+      </p:sp>
+      <p:sp>
+        <p:nvSpPr>
+          <p:cNvPr id="27" name="矩形 26"/>
+          <p:cNvSpPr/>
+          <p:nvPr/>
+        </p:nvSpPr>
+        <p:spPr>
+          <a:xfrm>
+            <a:off x="2896235" y="3128010"/>
+            <a:ext cx="485775" cy="477520"/>
+          </a:xfrm>
+          <a:prstGeom prst="rect">
+            <a:avLst/>
+          </a:prstGeom>
+        </p:spPr>
+        <p:style>
+          <a:lnRef idx="2">
+            <a:schemeClr val="accent1">
+              <a:shade val="50000"/>
+            </a:schemeClr>
+          </a:lnRef>
+          <a:fillRef idx="1">
+            <a:schemeClr val="accent1"/>
+          </a:fillRef>
+          <a:effectRef idx="0">
+            <a:schemeClr val="accent1"/>
+          </a:effectRef>
+          <a:fontRef idx="minor">
+            <a:schemeClr val="lt1"/>
+          </a:fontRef>
+        </p:style>
+        <p:txBody>
+          <a:bodyPr rtlCol="0" anchor="ctr"/>
+          <a:p>
+            <a:pPr algn="ctr"/>
+            <a:endParaRPr lang="zh-CN" altLang="en-US"/>
+          </a:p>
+        </p:txBody>
+      </p:sp>
+      <p:sp>
+        <p:nvSpPr>
+          <p:cNvPr id="29" name="矩形 28"/>
+          <p:cNvSpPr/>
+          <p:nvPr/>
+        </p:nvSpPr>
+        <p:spPr>
+          <a:xfrm>
+            <a:off x="3879215" y="3128010"/>
+            <a:ext cx="485775" cy="477520"/>
+          </a:xfrm>
+          <a:prstGeom prst="rect">
+            <a:avLst/>
+          </a:prstGeom>
+        </p:spPr>
+        <p:style>
+          <a:lnRef idx="2">
+            <a:schemeClr val="accent1">
+              <a:shade val="50000"/>
+            </a:schemeClr>
+          </a:lnRef>
+          <a:fillRef idx="1">
+            <a:schemeClr val="accent1"/>
+          </a:fillRef>
+          <a:effectRef idx="0">
+            <a:schemeClr val="accent1"/>
+          </a:effectRef>
+          <a:fontRef idx="minor">
+            <a:schemeClr val="lt1"/>
+          </a:fontRef>
+        </p:style>
+        <p:txBody>
+          <a:bodyPr rtlCol="0" anchor="ctr"/>
+          <a:p>
+            <a:pPr algn="ctr"/>
+            <a:endParaRPr lang="zh-CN" altLang="en-US"/>
+          </a:p>
+        </p:txBody>
+      </p:sp>
+      <p:sp>
+        <p:nvSpPr>
+          <p:cNvPr id="31" name="矩形 30"/>
+          <p:cNvSpPr/>
+          <p:nvPr/>
+        </p:nvSpPr>
+        <p:spPr>
+          <a:xfrm>
+            <a:off x="4862195" y="3128010"/>
+            <a:ext cx="485775" cy="477520"/>
+          </a:xfrm>
+          <a:prstGeom prst="rect">
+            <a:avLst/>
+          </a:prstGeom>
+        </p:spPr>
+        <p:style>
+          <a:lnRef idx="2">
+            <a:schemeClr val="accent1">
+              <a:shade val="50000"/>
+            </a:schemeClr>
+          </a:lnRef>
+          <a:fillRef idx="1">
+            <a:schemeClr val="accent1"/>
+          </a:fillRef>
+          <a:effectRef idx="0">
+            <a:schemeClr val="accent1"/>
+          </a:effectRef>
+          <a:fontRef idx="minor">
+            <a:schemeClr val="lt1"/>
+          </a:fontRef>
+        </p:style>
+        <p:txBody>
+          <a:bodyPr rtlCol="0" anchor="ctr"/>
+          <a:p>
+            <a:pPr algn="ctr"/>
+            <a:endParaRPr lang="zh-CN" altLang="en-US"/>
+          </a:p>
+        </p:txBody>
+      </p:sp>
+      <p:sp>
+        <p:nvSpPr>
+          <p:cNvPr id="33" name="矩形 32"/>
+          <p:cNvSpPr/>
+          <p:nvPr/>
+        </p:nvSpPr>
+        <p:spPr>
+          <a:xfrm>
+            <a:off x="5845175" y="3128010"/>
+            <a:ext cx="485775" cy="477520"/>
+          </a:xfrm>
+          <a:prstGeom prst="rect">
+            <a:avLst/>
+          </a:prstGeom>
+        </p:spPr>
+        <p:style>
+          <a:lnRef idx="2">
+            <a:schemeClr val="accent1">
+              <a:shade val="50000"/>
+            </a:schemeClr>
+          </a:lnRef>
+          <a:fillRef idx="1">
+            <a:schemeClr val="accent1"/>
+          </a:fillRef>
+          <a:effectRef idx="0">
+            <a:schemeClr val="accent1"/>
+          </a:effectRef>
+          <a:fontRef idx="minor">
+            <a:schemeClr val="lt1"/>
+          </a:fontRef>
+        </p:style>
+        <p:txBody>
+          <a:bodyPr rtlCol="0" anchor="ctr"/>
+          <a:p>
+            <a:pPr algn="ctr"/>
+            <a:endParaRPr lang="zh-CN" altLang="en-US"/>
+          </a:p>
+        </p:txBody>
+      </p:sp>
+      <p:sp>
+        <p:nvSpPr>
+          <p:cNvPr id="35" name="矩形 34"/>
+          <p:cNvSpPr/>
+          <p:nvPr/>
+        </p:nvSpPr>
+        <p:spPr>
+          <a:xfrm>
+            <a:off x="6828155" y="3128010"/>
+            <a:ext cx="485775" cy="477520"/>
+          </a:xfrm>
+          <a:prstGeom prst="rect">
+            <a:avLst/>
+          </a:prstGeom>
+        </p:spPr>
+        <p:style>
+          <a:lnRef idx="2">
+            <a:schemeClr val="accent1">
+              <a:shade val="50000"/>
+            </a:schemeClr>
+          </a:lnRef>
+          <a:fillRef idx="1">
+            <a:schemeClr val="accent1"/>
+          </a:fillRef>
+          <a:effectRef idx="0">
+            <a:schemeClr val="accent1"/>
+          </a:effectRef>
+          <a:fontRef idx="minor">
+            <a:schemeClr val="lt1"/>
+          </a:fontRef>
+        </p:style>
+        <p:txBody>
+          <a:bodyPr rtlCol="0" anchor="ctr"/>
+          <a:p>
+            <a:pPr algn="ctr"/>
+            <a:endParaRPr lang="zh-CN" altLang="en-US"/>
+          </a:p>
+        </p:txBody>
+      </p:sp>
+      <p:sp>
+        <p:nvSpPr>
+          <p:cNvPr id="37" name="矩形 36"/>
+          <p:cNvSpPr/>
+          <p:nvPr/>
+        </p:nvSpPr>
+        <p:spPr>
+          <a:xfrm>
+            <a:off x="7811135" y="3128010"/>
+            <a:ext cx="485775" cy="477520"/>
+          </a:xfrm>
+          <a:prstGeom prst="rect">
+            <a:avLst/>
+          </a:prstGeom>
+        </p:spPr>
+        <p:style>
+          <a:lnRef idx="2">
+            <a:schemeClr val="accent1">
+              <a:shade val="50000"/>
+            </a:schemeClr>
+          </a:lnRef>
+          <a:fillRef idx="1">
+            <a:schemeClr val="accent1"/>
+          </a:fillRef>
+          <a:effectRef idx="0">
+            <a:schemeClr val="accent1"/>
+          </a:effectRef>
+          <a:fontRef idx="minor">
+            <a:schemeClr val="lt1"/>
+          </a:fontRef>
+        </p:style>
+        <p:txBody>
+          <a:bodyPr rtlCol="0" anchor="ctr"/>
+          <a:p>
+            <a:pPr algn="ctr"/>
+            <a:endParaRPr lang="zh-CN" altLang="en-US"/>
+          </a:p>
+        </p:txBody>
+      </p:sp>
+      <p:sp>
+        <p:nvSpPr>
+          <p:cNvPr id="39" name="矩形 38"/>
+          <p:cNvSpPr/>
+          <p:nvPr/>
+        </p:nvSpPr>
+        <p:spPr>
+          <a:xfrm>
+            <a:off x="8794115" y="3128010"/>
+            <a:ext cx="485775" cy="477520"/>
+          </a:xfrm>
+          <a:prstGeom prst="rect">
+            <a:avLst/>
+          </a:prstGeom>
+        </p:spPr>
+        <p:style>
+          <a:lnRef idx="2">
+            <a:schemeClr val="accent1">
+              <a:shade val="50000"/>
+            </a:schemeClr>
+          </a:lnRef>
+          <a:fillRef idx="1">
+            <a:schemeClr val="accent1"/>
+          </a:fillRef>
+          <a:effectRef idx="0">
+            <a:schemeClr val="accent1"/>
+          </a:effectRef>
+          <a:fontRef idx="minor">
+            <a:schemeClr val="lt1"/>
+          </a:fontRef>
+        </p:style>
+        <p:txBody>
+          <a:bodyPr rtlCol="0" anchor="ctr"/>
+          <a:p>
+            <a:pPr algn="ctr"/>
+            <a:endParaRPr lang="zh-CN" altLang="en-US"/>
+          </a:p>
+        </p:txBody>
+      </p:sp>
+      <p:sp>
+        <p:nvSpPr>
+          <p:cNvPr id="43" name="矩形 42"/>
+          <p:cNvSpPr/>
+          <p:nvPr/>
+        </p:nvSpPr>
+        <p:spPr>
+          <a:xfrm>
+            <a:off x="2898140" y="1826895"/>
+            <a:ext cx="485775" cy="477520"/>
+          </a:xfrm>
+          <a:prstGeom prst="rect">
+            <a:avLst/>
+          </a:prstGeom>
+        </p:spPr>
+        <p:style>
+          <a:lnRef idx="2">
+            <a:schemeClr val="accent1">
+              <a:shade val="50000"/>
+            </a:schemeClr>
+          </a:lnRef>
+          <a:fillRef idx="1">
+            <a:schemeClr val="accent1"/>
+          </a:fillRef>
+          <a:effectRef idx="0">
+            <a:schemeClr val="accent1"/>
+          </a:effectRef>
+          <a:fontRef idx="minor">
+            <a:schemeClr val="lt1"/>
+          </a:fontRef>
+        </p:style>
+        <p:txBody>
+          <a:bodyPr rtlCol="0" anchor="ctr"/>
+          <a:p>
+            <a:pPr algn="ctr"/>
+            <a:endParaRPr lang="zh-CN" altLang="en-US"/>
+          </a:p>
+        </p:txBody>
+      </p:sp>
+      <p:sp>
+        <p:nvSpPr>
+          <p:cNvPr id="47" name="矩形 46"/>
+          <p:cNvSpPr/>
+          <p:nvPr/>
+        </p:nvSpPr>
+        <p:spPr>
+          <a:xfrm>
+            <a:off x="4864100" y="1826895"/>
+            <a:ext cx="485775" cy="477520"/>
+          </a:xfrm>
+          <a:prstGeom prst="rect">
+            <a:avLst/>
+          </a:prstGeom>
+        </p:spPr>
+        <p:style>
+          <a:lnRef idx="2">
+            <a:schemeClr val="accent1">
+              <a:shade val="50000"/>
+            </a:schemeClr>
+          </a:lnRef>
+          <a:fillRef idx="1">
+            <a:schemeClr val="accent1"/>
+          </a:fillRef>
+          <a:effectRef idx="0">
+            <a:schemeClr val="accent1"/>
+          </a:effectRef>
+          <a:fontRef idx="minor">
+            <a:schemeClr val="lt1"/>
+          </a:fontRef>
+        </p:style>
+        <p:txBody>
+          <a:bodyPr rtlCol="0" anchor="ctr"/>
+          <a:p>
+            <a:pPr algn="ctr"/>
+            <a:endParaRPr lang="zh-CN" altLang="en-US"/>
+          </a:p>
+        </p:txBody>
+      </p:sp>
+      <p:sp>
+        <p:nvSpPr>
+          <p:cNvPr id="51" name="矩形 50"/>
+          <p:cNvSpPr/>
+          <p:nvPr/>
+        </p:nvSpPr>
+        <p:spPr>
+          <a:xfrm>
+            <a:off x="6830060" y="1826895"/>
+            <a:ext cx="485775" cy="477520"/>
+          </a:xfrm>
+          <a:prstGeom prst="rect">
+            <a:avLst/>
+          </a:prstGeom>
+        </p:spPr>
+        <p:style>
+          <a:lnRef idx="2">
+            <a:schemeClr val="accent1">
+              <a:shade val="50000"/>
+            </a:schemeClr>
+          </a:lnRef>
+          <a:fillRef idx="1">
+            <a:schemeClr val="accent1"/>
+          </a:fillRef>
+          <a:effectRef idx="0">
+            <a:schemeClr val="accent1"/>
+          </a:effectRef>
+          <a:fontRef idx="minor">
+            <a:schemeClr val="lt1"/>
+          </a:fontRef>
+        </p:style>
+        <p:txBody>
+          <a:bodyPr rtlCol="0" anchor="ctr"/>
+          <a:p>
+            <a:pPr algn="ctr"/>
+            <a:endParaRPr lang="zh-CN" altLang="en-US"/>
+          </a:p>
+        </p:txBody>
+      </p:sp>
+      <p:sp>
+        <p:nvSpPr>
+          <p:cNvPr id="55" name="矩形 54"/>
+          <p:cNvSpPr/>
+          <p:nvPr/>
+        </p:nvSpPr>
+        <p:spPr>
+          <a:xfrm>
+            <a:off x="8796020" y="1826895"/>
+            <a:ext cx="485775" cy="477520"/>
+          </a:xfrm>
+          <a:prstGeom prst="rect">
+            <a:avLst/>
+          </a:prstGeom>
+        </p:spPr>
+        <p:style>
+          <a:lnRef idx="2">
+            <a:schemeClr val="accent1">
+              <a:shade val="50000"/>
+            </a:schemeClr>
+          </a:lnRef>
+          <a:fillRef idx="1">
+            <a:schemeClr val="accent1"/>
+          </a:fillRef>
+          <a:effectRef idx="0">
+            <a:schemeClr val="accent1"/>
+          </a:effectRef>
+          <a:fontRef idx="minor">
+            <a:schemeClr val="lt1"/>
+          </a:fontRef>
+        </p:style>
+        <p:txBody>
+          <a:bodyPr rtlCol="0" anchor="ctr"/>
+          <a:p>
+            <a:pPr algn="ctr"/>
+            <a:endParaRPr lang="zh-CN" altLang="en-US"/>
+          </a:p>
+        </p:txBody>
+      </p:sp>
+      <p:sp>
+        <p:nvSpPr>
+          <p:cNvPr id="63" name="矩形 62"/>
+          <p:cNvSpPr/>
+          <p:nvPr/>
+        </p:nvSpPr>
+        <p:spPr>
+          <a:xfrm>
+            <a:off x="4875530" y="608330"/>
+            <a:ext cx="485775" cy="477520"/>
+          </a:xfrm>
+          <a:prstGeom prst="rect">
+            <a:avLst/>
+          </a:prstGeom>
+        </p:spPr>
+        <p:style>
+          <a:lnRef idx="2">
+            <a:schemeClr val="accent1">
+              <a:shade val="50000"/>
+            </a:schemeClr>
+          </a:lnRef>
+          <a:fillRef idx="1">
+            <a:schemeClr val="accent1"/>
+          </a:fillRef>
+          <a:effectRef idx="0">
+            <a:schemeClr val="accent1"/>
+          </a:effectRef>
+          <a:fontRef idx="minor">
+            <a:schemeClr val="lt1"/>
+          </a:fontRef>
+        </p:style>
+        <p:txBody>
+          <a:bodyPr rtlCol="0" anchor="ctr"/>
+          <a:p>
+            <a:pPr algn="ctr"/>
+            <a:endParaRPr lang="zh-CN" altLang="en-US"/>
+          </a:p>
+        </p:txBody>
+      </p:sp>
+      <p:sp>
+        <p:nvSpPr>
+          <p:cNvPr id="71" name="矩形 70"/>
+          <p:cNvSpPr/>
+          <p:nvPr/>
+        </p:nvSpPr>
+        <p:spPr>
+          <a:xfrm>
+            <a:off x="8807450" y="608330"/>
+            <a:ext cx="485775" cy="477520"/>
+          </a:xfrm>
+          <a:prstGeom prst="rect">
+            <a:avLst/>
+          </a:prstGeom>
+        </p:spPr>
+        <p:style>
+          <a:lnRef idx="2">
+            <a:schemeClr val="accent1">
+              <a:shade val="50000"/>
+            </a:schemeClr>
+          </a:lnRef>
+          <a:fillRef idx="1">
+            <a:schemeClr val="accent1"/>
+          </a:fillRef>
+          <a:effectRef idx="0">
+            <a:schemeClr val="accent1"/>
+          </a:effectRef>
+          <a:fontRef idx="minor">
+            <a:schemeClr val="lt1"/>
+          </a:fontRef>
+        </p:style>
+        <p:txBody>
+          <a:bodyPr rtlCol="0" anchor="ctr"/>
+          <a:p>
+            <a:pPr algn="ctr"/>
+            <a:endParaRPr lang="zh-CN" altLang="en-US"/>
+          </a:p>
+        </p:txBody>
+      </p:sp>
+      <p:sp>
+        <p:nvSpPr>
+          <p:cNvPr id="89" name="矩形 88"/>
+          <p:cNvSpPr/>
+          <p:nvPr/>
+        </p:nvSpPr>
+        <p:spPr>
+          <a:xfrm>
+            <a:off x="1421765" y="5499100"/>
+            <a:ext cx="485775" cy="477520"/>
+          </a:xfrm>
+          <a:prstGeom prst="rect">
+            <a:avLst/>
+          </a:prstGeom>
+        </p:spPr>
+        <p:style>
+          <a:lnRef idx="2">
+            <a:schemeClr val="accent6">
+              <a:shade val="50000"/>
+            </a:schemeClr>
+          </a:lnRef>
+          <a:fillRef idx="1">
+            <a:schemeClr val="accent6"/>
+          </a:fillRef>
+          <a:effectRef idx="0">
+            <a:schemeClr val="accent6"/>
+          </a:effectRef>
+          <a:fontRef idx="minor">
+            <a:schemeClr val="lt1"/>
+          </a:fontRef>
+        </p:style>
+        <p:txBody>
+          <a:bodyPr rtlCol="0" anchor="ctr"/>
+          <a:p>
+            <a:pPr algn="ctr"/>
+            <a:r>
+              <a:rPr lang="en-US" altLang="zh-CN"/>
+              <a:t>...</a:t>
+            </a:r>
+            <a:endParaRPr lang="en-US" altLang="zh-CN"/>
+          </a:p>
+        </p:txBody>
+      </p:sp>
+      <p:sp>
+        <p:nvSpPr>
+          <p:cNvPr id="90" name="矩形 89"/>
+          <p:cNvSpPr/>
+          <p:nvPr/>
+        </p:nvSpPr>
+        <p:spPr>
+          <a:xfrm>
+            <a:off x="1913255" y="5499100"/>
+            <a:ext cx="485775" cy="477520"/>
+          </a:xfrm>
+          <a:prstGeom prst="rect">
+            <a:avLst/>
+          </a:prstGeom>
+        </p:spPr>
+        <p:style>
+          <a:lnRef idx="2">
+            <a:schemeClr val="accent6">
+              <a:shade val="50000"/>
+            </a:schemeClr>
+          </a:lnRef>
+          <a:fillRef idx="1">
+            <a:schemeClr val="accent6"/>
+          </a:fillRef>
+          <a:effectRef idx="0">
+            <a:schemeClr val="accent6"/>
+          </a:effectRef>
+          <a:fontRef idx="minor">
+            <a:schemeClr val="lt1"/>
+          </a:fontRef>
+        </p:style>
+        <p:txBody>
+          <a:bodyPr rtlCol="0" anchor="ctr"/>
+          <a:p>
+            <a:pPr algn="ctr"/>
+            <a:endParaRPr lang="zh-CN" altLang="en-US"/>
+          </a:p>
+        </p:txBody>
+      </p:sp>
+      <p:sp>
+        <p:nvSpPr>
+          <p:cNvPr id="91" name="矩形 90"/>
+          <p:cNvSpPr/>
+          <p:nvPr/>
+        </p:nvSpPr>
+        <p:spPr>
+          <a:xfrm>
+            <a:off x="2404745" y="5499100"/>
+            <a:ext cx="485775" cy="477520"/>
+          </a:xfrm>
+          <a:prstGeom prst="rect">
+            <a:avLst/>
+          </a:prstGeom>
+        </p:spPr>
+        <p:style>
+          <a:lnRef idx="2">
+            <a:schemeClr val="accent6">
+              <a:shade val="50000"/>
+            </a:schemeClr>
+          </a:lnRef>
+          <a:fillRef idx="1">
+            <a:schemeClr val="accent6"/>
+          </a:fillRef>
+          <a:effectRef idx="0">
+            <a:schemeClr val="accent6"/>
+          </a:effectRef>
+          <a:fontRef idx="minor">
+            <a:schemeClr val="lt1"/>
+          </a:fontRef>
+        </p:style>
+        <p:txBody>
+          <a:bodyPr rtlCol="0" anchor="ctr"/>
+          <a:p>
+            <a:pPr algn="ctr"/>
+            <a:endParaRPr lang="zh-CN" altLang="en-US"/>
+          </a:p>
+        </p:txBody>
+      </p:sp>
+      <p:sp>
+        <p:nvSpPr>
+          <p:cNvPr id="92" name="矩形 91"/>
+          <p:cNvSpPr/>
+          <p:nvPr/>
+        </p:nvSpPr>
+        <p:spPr>
+          <a:xfrm>
+            <a:off x="2896235" y="5499100"/>
+            <a:ext cx="485775" cy="477520"/>
+          </a:xfrm>
+          <a:prstGeom prst="rect">
+            <a:avLst/>
+          </a:prstGeom>
+        </p:spPr>
+        <p:style>
+          <a:lnRef idx="2">
+            <a:schemeClr val="accent6">
+              <a:shade val="50000"/>
+            </a:schemeClr>
+          </a:lnRef>
+          <a:fillRef idx="1">
+            <a:schemeClr val="accent6"/>
+          </a:fillRef>
+          <a:effectRef idx="0">
+            <a:schemeClr val="accent6"/>
+          </a:effectRef>
+          <a:fontRef idx="minor">
+            <a:schemeClr val="lt1"/>
+          </a:fontRef>
+        </p:style>
+        <p:txBody>
+          <a:bodyPr rtlCol="0" anchor="ctr"/>
+          <a:p>
+            <a:pPr algn="ctr"/>
+            <a:endParaRPr lang="zh-CN" altLang="en-US"/>
+          </a:p>
+        </p:txBody>
+      </p:sp>
+      <p:sp>
+        <p:nvSpPr>
+          <p:cNvPr id="93" name="矩形 92"/>
+          <p:cNvSpPr/>
+          <p:nvPr/>
+        </p:nvSpPr>
+        <p:spPr>
+          <a:xfrm>
+            <a:off x="3387725" y="5499100"/>
+            <a:ext cx="485775" cy="477520"/>
+          </a:xfrm>
+          <a:prstGeom prst="rect">
+            <a:avLst/>
+          </a:prstGeom>
+        </p:spPr>
+        <p:style>
+          <a:lnRef idx="2">
+            <a:schemeClr val="accent6">
+              <a:shade val="50000"/>
+            </a:schemeClr>
+          </a:lnRef>
+          <a:fillRef idx="1">
+            <a:schemeClr val="accent6"/>
+          </a:fillRef>
+          <a:effectRef idx="0">
+            <a:schemeClr val="accent6"/>
+          </a:effectRef>
+          <a:fontRef idx="minor">
+            <a:schemeClr val="lt1"/>
+          </a:fontRef>
+        </p:style>
+        <p:txBody>
+          <a:bodyPr rtlCol="0" anchor="ctr"/>
+          <a:p>
+            <a:pPr algn="ctr"/>
+            <a:endParaRPr lang="zh-CN" altLang="en-US"/>
+          </a:p>
+        </p:txBody>
+      </p:sp>
+      <p:sp>
+        <p:nvSpPr>
+          <p:cNvPr id="94" name="矩形 93"/>
+          <p:cNvSpPr/>
+          <p:nvPr/>
+        </p:nvSpPr>
+        <p:spPr>
+          <a:xfrm>
+            <a:off x="3879215" y="5499100"/>
+            <a:ext cx="485775" cy="477520"/>
+          </a:xfrm>
+          <a:prstGeom prst="rect">
+            <a:avLst/>
+          </a:prstGeom>
+        </p:spPr>
+        <p:style>
+          <a:lnRef idx="2">
+            <a:schemeClr val="accent6">
+              <a:shade val="50000"/>
+            </a:schemeClr>
+          </a:lnRef>
+          <a:fillRef idx="1">
+            <a:schemeClr val="accent6"/>
+          </a:fillRef>
+          <a:effectRef idx="0">
+            <a:schemeClr val="accent6"/>
+          </a:effectRef>
+          <a:fontRef idx="minor">
+            <a:schemeClr val="lt1"/>
+          </a:fontRef>
+        </p:style>
+        <p:txBody>
+          <a:bodyPr rtlCol="0" anchor="ctr"/>
+          <a:p>
+            <a:pPr algn="ctr"/>
+            <a:endParaRPr lang="zh-CN" altLang="en-US"/>
+          </a:p>
+        </p:txBody>
+      </p:sp>
+      <p:sp>
+        <p:nvSpPr>
+          <p:cNvPr id="95" name="矩形 94"/>
+          <p:cNvSpPr/>
+          <p:nvPr/>
+        </p:nvSpPr>
+        <p:spPr>
+          <a:xfrm>
+            <a:off x="4370705" y="5499100"/>
+            <a:ext cx="485775" cy="477520"/>
+          </a:xfrm>
+          <a:prstGeom prst="rect">
+            <a:avLst/>
+          </a:prstGeom>
+        </p:spPr>
+        <p:style>
+          <a:lnRef idx="2">
+            <a:schemeClr val="accent6">
+              <a:shade val="50000"/>
+            </a:schemeClr>
+          </a:lnRef>
+          <a:fillRef idx="1">
+            <a:schemeClr val="accent6"/>
+          </a:fillRef>
+          <a:effectRef idx="0">
+            <a:schemeClr val="accent6"/>
+          </a:effectRef>
+          <a:fontRef idx="minor">
+            <a:schemeClr val="lt1"/>
+          </a:fontRef>
+        </p:style>
+        <p:txBody>
+          <a:bodyPr rtlCol="0" anchor="ctr"/>
+          <a:p>
+            <a:pPr algn="ctr"/>
+            <a:r>
+              <a:rPr lang="en-US" altLang="zh-CN"/>
+              <a:t>...</a:t>
+            </a:r>
+            <a:endParaRPr lang="en-US" altLang="zh-CN"/>
+          </a:p>
+        </p:txBody>
+      </p:sp>
+      <p:sp>
+        <p:nvSpPr>
+          <p:cNvPr id="96" name="矩形 95"/>
+          <p:cNvSpPr/>
+          <p:nvPr/>
+        </p:nvSpPr>
+        <p:spPr>
+          <a:xfrm>
+            <a:off x="4862195" y="5499100"/>
+            <a:ext cx="485775" cy="477520"/>
+          </a:xfrm>
+          <a:prstGeom prst="rect">
+            <a:avLst/>
+          </a:prstGeom>
+        </p:spPr>
+        <p:style>
+          <a:lnRef idx="2">
+            <a:schemeClr val="accent6">
+              <a:shade val="50000"/>
+            </a:schemeClr>
+          </a:lnRef>
+          <a:fillRef idx="1">
+            <a:schemeClr val="accent6"/>
+          </a:fillRef>
+          <a:effectRef idx="0">
+            <a:schemeClr val="accent6"/>
+          </a:effectRef>
+          <a:fontRef idx="minor">
+            <a:schemeClr val="lt1"/>
+          </a:fontRef>
+        </p:style>
+        <p:txBody>
+          <a:bodyPr rtlCol="0" anchor="ctr"/>
+          <a:p>
+            <a:pPr algn="ctr"/>
+            <a:endParaRPr lang="zh-CN" altLang="en-US"/>
+          </a:p>
+        </p:txBody>
+      </p:sp>
+      <p:sp>
+        <p:nvSpPr>
+          <p:cNvPr id="97" name="矩形 96"/>
+          <p:cNvSpPr/>
+          <p:nvPr/>
+        </p:nvSpPr>
+        <p:spPr>
+          <a:xfrm>
+            <a:off x="5353685" y="5499100"/>
+            <a:ext cx="485775" cy="477520"/>
+          </a:xfrm>
+          <a:prstGeom prst="rect">
+            <a:avLst/>
+          </a:prstGeom>
+        </p:spPr>
+        <p:style>
+          <a:lnRef idx="2">
+            <a:schemeClr val="accent6">
+              <a:shade val="50000"/>
+            </a:schemeClr>
+          </a:lnRef>
+          <a:fillRef idx="1">
+            <a:schemeClr val="accent6"/>
+          </a:fillRef>
+          <a:effectRef idx="0">
+            <a:schemeClr val="accent6"/>
+          </a:effectRef>
+          <a:fontRef idx="minor">
+            <a:schemeClr val="lt1"/>
+          </a:fontRef>
+        </p:style>
+        <p:txBody>
+          <a:bodyPr rtlCol="0" anchor="ctr"/>
+          <a:p>
+            <a:pPr algn="ctr"/>
+            <a:endParaRPr lang="zh-CN" altLang="en-US"/>
+          </a:p>
+        </p:txBody>
+      </p:sp>
+      <p:sp>
+        <p:nvSpPr>
+          <p:cNvPr id="98" name="矩形 97"/>
+          <p:cNvSpPr/>
+          <p:nvPr/>
+        </p:nvSpPr>
+        <p:spPr>
+          <a:xfrm>
+            <a:off x="5845175" y="5499100"/>
+            <a:ext cx="485775" cy="477520"/>
+          </a:xfrm>
+          <a:prstGeom prst="rect">
+            <a:avLst/>
+          </a:prstGeom>
+        </p:spPr>
+        <p:style>
+          <a:lnRef idx="2">
+            <a:schemeClr val="accent6">
+              <a:shade val="50000"/>
+            </a:schemeClr>
+          </a:lnRef>
+          <a:fillRef idx="1">
+            <a:schemeClr val="accent6"/>
+          </a:fillRef>
+          <a:effectRef idx="0">
+            <a:schemeClr val="accent6"/>
+          </a:effectRef>
+          <a:fontRef idx="minor">
+            <a:schemeClr val="lt1"/>
+          </a:fontRef>
+        </p:style>
+        <p:txBody>
+          <a:bodyPr rtlCol="0" anchor="ctr"/>
+          <a:p>
+            <a:pPr algn="ctr"/>
+            <a:endParaRPr lang="zh-CN" altLang="en-US"/>
+          </a:p>
+        </p:txBody>
+      </p:sp>
+      <p:sp>
+        <p:nvSpPr>
+          <p:cNvPr id="99" name="矩形 98"/>
+          <p:cNvSpPr/>
+          <p:nvPr/>
+        </p:nvSpPr>
+        <p:spPr>
+          <a:xfrm>
+            <a:off x="6336665" y="5499100"/>
+            <a:ext cx="485775" cy="477520"/>
+          </a:xfrm>
+          <a:prstGeom prst="rect">
+            <a:avLst/>
+          </a:prstGeom>
+        </p:spPr>
+        <p:style>
+          <a:lnRef idx="2">
+            <a:schemeClr val="accent6">
+              <a:shade val="50000"/>
+            </a:schemeClr>
+          </a:lnRef>
+          <a:fillRef idx="1">
+            <a:schemeClr val="accent6"/>
+          </a:fillRef>
+          <a:effectRef idx="0">
+            <a:schemeClr val="accent6"/>
+          </a:effectRef>
+          <a:fontRef idx="minor">
+            <a:schemeClr val="lt1"/>
+          </a:fontRef>
+        </p:style>
+        <p:txBody>
+          <a:bodyPr rtlCol="0" anchor="ctr"/>
+          <a:p>
+            <a:pPr algn="ctr"/>
+            <a:endParaRPr lang="zh-CN" altLang="en-US"/>
+          </a:p>
+        </p:txBody>
+      </p:sp>
+      <p:sp>
+        <p:nvSpPr>
+          <p:cNvPr id="100" name="矩形 99"/>
+          <p:cNvSpPr/>
+          <p:nvPr/>
+        </p:nvSpPr>
+        <p:spPr>
+          <a:xfrm>
+            <a:off x="6828155" y="5499100"/>
+            <a:ext cx="485775" cy="477520"/>
+          </a:xfrm>
+          <a:prstGeom prst="rect">
+            <a:avLst/>
+          </a:prstGeom>
+        </p:spPr>
+        <p:style>
+          <a:lnRef idx="2">
+            <a:schemeClr val="accent6">
+              <a:shade val="50000"/>
+            </a:schemeClr>
+          </a:lnRef>
+          <a:fillRef idx="1">
+            <a:schemeClr val="accent6"/>
+          </a:fillRef>
+          <a:effectRef idx="0">
+            <a:schemeClr val="accent6"/>
+          </a:effectRef>
+          <a:fontRef idx="minor">
+            <a:schemeClr val="lt1"/>
+          </a:fontRef>
+        </p:style>
+        <p:txBody>
+          <a:bodyPr rtlCol="0" anchor="ctr"/>
+          <a:p>
+            <a:pPr algn="ctr"/>
+            <a:r>
+              <a:rPr lang="en-US" altLang="zh-CN"/>
+              <a:t>...</a:t>
+            </a:r>
+            <a:endParaRPr lang="en-US" altLang="zh-CN"/>
+          </a:p>
+        </p:txBody>
+      </p:sp>
+      <p:sp>
+        <p:nvSpPr>
+          <p:cNvPr id="101" name="矩形 100"/>
+          <p:cNvSpPr/>
+          <p:nvPr/>
+        </p:nvSpPr>
+        <p:spPr>
+          <a:xfrm>
+            <a:off x="7319645" y="5499100"/>
+            <a:ext cx="485775" cy="477520"/>
+          </a:xfrm>
+          <a:prstGeom prst="rect">
+            <a:avLst/>
+          </a:prstGeom>
+        </p:spPr>
+        <p:style>
+          <a:lnRef idx="2">
+            <a:schemeClr val="accent6">
+              <a:shade val="50000"/>
+            </a:schemeClr>
+          </a:lnRef>
+          <a:fillRef idx="1">
+            <a:schemeClr val="accent6"/>
+          </a:fillRef>
+          <a:effectRef idx="0">
+            <a:schemeClr val="accent6"/>
+          </a:effectRef>
+          <a:fontRef idx="minor">
+            <a:schemeClr val="lt1"/>
+          </a:fontRef>
+        </p:style>
+        <p:txBody>
+          <a:bodyPr rtlCol="0" anchor="ctr"/>
+          <a:p>
+            <a:pPr algn="ctr"/>
+            <a:endParaRPr lang="zh-CN" altLang="en-US"/>
+          </a:p>
+        </p:txBody>
+      </p:sp>
+      <p:sp>
+        <p:nvSpPr>
+          <p:cNvPr id="102" name="矩形 101"/>
+          <p:cNvSpPr/>
+          <p:nvPr/>
+        </p:nvSpPr>
+        <p:spPr>
+          <a:xfrm>
+            <a:off x="7811135" y="5499100"/>
+            <a:ext cx="485775" cy="477520"/>
+          </a:xfrm>
+          <a:prstGeom prst="rect">
+            <a:avLst/>
+          </a:prstGeom>
+        </p:spPr>
+        <p:style>
+          <a:lnRef idx="2">
+            <a:schemeClr val="accent6">
+              <a:shade val="50000"/>
+            </a:schemeClr>
+          </a:lnRef>
+          <a:fillRef idx="1">
+            <a:schemeClr val="accent6"/>
+          </a:fillRef>
+          <a:effectRef idx="0">
+            <a:schemeClr val="accent6"/>
+          </a:effectRef>
+          <a:fontRef idx="minor">
+            <a:schemeClr val="lt1"/>
+          </a:fontRef>
+        </p:style>
+        <p:txBody>
+          <a:bodyPr rtlCol="0" anchor="ctr"/>
+          <a:p>
+            <a:pPr algn="ctr"/>
+            <a:endParaRPr lang="zh-CN" altLang="en-US"/>
+          </a:p>
+        </p:txBody>
+      </p:sp>
+      <p:sp>
+        <p:nvSpPr>
+          <p:cNvPr id="103" name="矩形 102"/>
+          <p:cNvSpPr/>
+          <p:nvPr/>
+        </p:nvSpPr>
+        <p:spPr>
+          <a:xfrm>
+            <a:off x="8302625" y="5499100"/>
+            <a:ext cx="485775" cy="477520"/>
+          </a:xfrm>
+          <a:prstGeom prst="rect">
+            <a:avLst/>
+          </a:prstGeom>
+        </p:spPr>
+        <p:style>
+          <a:lnRef idx="2">
+            <a:schemeClr val="accent6">
+              <a:shade val="50000"/>
+            </a:schemeClr>
+          </a:lnRef>
+          <a:fillRef idx="1">
+            <a:schemeClr val="accent6"/>
+          </a:fillRef>
+          <a:effectRef idx="0">
+            <a:schemeClr val="accent6"/>
+          </a:effectRef>
+          <a:fontRef idx="minor">
+            <a:schemeClr val="lt1"/>
+          </a:fontRef>
+        </p:style>
+        <p:txBody>
+          <a:bodyPr rtlCol="0" anchor="ctr"/>
+          <a:p>
+            <a:pPr algn="ctr"/>
+            <a:endParaRPr lang="zh-CN" altLang="en-US"/>
+          </a:p>
+        </p:txBody>
+      </p:sp>
+      <p:sp>
+        <p:nvSpPr>
+          <p:cNvPr id="104" name="矩形 103"/>
+          <p:cNvSpPr/>
+          <p:nvPr/>
+        </p:nvSpPr>
+        <p:spPr>
+          <a:xfrm>
+            <a:off x="8794115" y="5499100"/>
+            <a:ext cx="485775" cy="477520"/>
+          </a:xfrm>
+          <a:prstGeom prst="rect">
+            <a:avLst/>
+          </a:prstGeom>
+        </p:spPr>
+        <p:style>
+          <a:lnRef idx="2">
+            <a:schemeClr val="accent6">
+              <a:shade val="50000"/>
+            </a:schemeClr>
+          </a:lnRef>
+          <a:fillRef idx="1">
+            <a:schemeClr val="accent6"/>
+          </a:fillRef>
+          <a:effectRef idx="0">
+            <a:schemeClr val="accent6"/>
+          </a:effectRef>
+          <a:fontRef idx="minor">
+            <a:schemeClr val="lt1"/>
+          </a:fontRef>
+        </p:style>
+        <p:txBody>
+          <a:bodyPr rtlCol="0" anchor="ctr"/>
+          <a:p>
+            <a:pPr algn="ctr"/>
+            <a:endParaRPr lang="zh-CN" altLang="en-US"/>
+          </a:p>
+        </p:txBody>
+      </p:sp>
+      <p:cxnSp>
+        <p:nvCxnSpPr>
+          <p:cNvPr id="105" name="直接箭头连接符 104"/>
+          <p:cNvCxnSpPr>
+            <a:stCxn id="25" idx="2"/>
+            <a:endCxn id="6" idx="0"/>
+          </p:cNvCxnSpPr>
+          <p:nvPr/>
+        </p:nvCxnSpPr>
+        <p:spPr>
+          <a:xfrm>
+            <a:off x="2156460" y="3605530"/>
+            <a:ext cx="7620" cy="831215"/>
+          </a:xfrm>
+          <a:prstGeom prst="straightConnector1">
+            <a:avLst/>
+          </a:prstGeom>
+          <a:ln>
+            <a:tailEnd type="arrow"/>
+          </a:ln>
+        </p:spPr>
+        <p:style>
+          <a:lnRef idx="1">
+            <a:schemeClr val="accent1"/>
+          </a:lnRef>
+          <a:fillRef idx="0">
+            <a:schemeClr val="accent1"/>
+          </a:fillRef>
+          <a:effectRef idx="0">
+            <a:schemeClr val="accent1"/>
+          </a:effectRef>
+          <a:fontRef idx="minor">
+            <a:schemeClr val="tx1"/>
+          </a:fontRef>
+        </p:style>
+      </p:cxnSp>
+      <p:cxnSp>
+        <p:nvCxnSpPr>
+          <p:cNvPr id="106" name="直接箭头连接符 105"/>
+          <p:cNvCxnSpPr>
+            <a:stCxn id="27" idx="2"/>
+          </p:cNvCxnSpPr>
+          <p:nvPr/>
+        </p:nvCxnSpPr>
+        <p:spPr>
+          <a:xfrm>
+            <a:off x="3139440" y="3605530"/>
+            <a:ext cx="11430" cy="889000"/>
+          </a:xfrm>
+          <a:prstGeom prst="straightConnector1">
+            <a:avLst/>
+          </a:prstGeom>
+          <a:ln>
+            <a:tailEnd type="arrow"/>
+          </a:ln>
+        </p:spPr>
+        <p:style>
+          <a:lnRef idx="1">
+            <a:schemeClr val="accent1"/>
+          </a:lnRef>
+          <a:fillRef idx="0">
+            <a:schemeClr val="accent1"/>
+          </a:fillRef>
+          <a:effectRef idx="0">
+            <a:schemeClr val="accent1"/>
+          </a:effectRef>
+          <a:fontRef idx="minor">
+            <a:schemeClr val="tx1"/>
+          </a:fontRef>
+        </p:style>
+      </p:cxnSp>
+      <p:cxnSp>
+        <p:nvCxnSpPr>
+          <p:cNvPr id="107" name="直接箭头连接符 106"/>
+          <p:cNvCxnSpPr/>
+          <p:nvPr/>
+        </p:nvCxnSpPr>
+        <p:spPr>
+          <a:xfrm>
+            <a:off x="4126230" y="3605530"/>
+            <a:ext cx="7620" cy="831215"/>
+          </a:xfrm>
+          <a:prstGeom prst="straightConnector1">
+            <a:avLst/>
+          </a:prstGeom>
+          <a:ln>
+            <a:tailEnd type="arrow"/>
+          </a:ln>
+        </p:spPr>
+        <p:style>
+          <a:lnRef idx="1">
+            <a:schemeClr val="accent1"/>
+          </a:lnRef>
+          <a:fillRef idx="0">
+            <a:schemeClr val="accent1"/>
+          </a:fillRef>
+          <a:effectRef idx="0">
+            <a:schemeClr val="accent1"/>
+          </a:effectRef>
+          <a:fontRef idx="minor">
+            <a:schemeClr val="tx1"/>
+          </a:fontRef>
+        </p:style>
+      </p:cxnSp>
+      <p:cxnSp>
+        <p:nvCxnSpPr>
+          <p:cNvPr id="108" name="直接箭头连接符 107"/>
+          <p:cNvCxnSpPr/>
+          <p:nvPr/>
+        </p:nvCxnSpPr>
+        <p:spPr>
+          <a:xfrm>
+            <a:off x="5100955" y="3605530"/>
+            <a:ext cx="7620" cy="831215"/>
+          </a:xfrm>
+          <a:prstGeom prst="straightConnector1">
+            <a:avLst/>
+          </a:prstGeom>
+          <a:ln>
+            <a:tailEnd type="arrow"/>
+          </a:ln>
+        </p:spPr>
+        <p:style>
+          <a:lnRef idx="1">
+            <a:schemeClr val="accent1"/>
+          </a:lnRef>
+          <a:fillRef idx="0">
+            <a:schemeClr val="accent1"/>
+          </a:fillRef>
+          <a:effectRef idx="0">
+            <a:schemeClr val="accent1"/>
+          </a:effectRef>
+          <a:fontRef idx="minor">
+            <a:schemeClr val="tx1"/>
+          </a:fontRef>
+        </p:style>
+      </p:cxnSp>
+      <p:cxnSp>
+        <p:nvCxnSpPr>
+          <p:cNvPr id="109" name="直接箭头连接符 108"/>
+          <p:cNvCxnSpPr/>
+          <p:nvPr/>
+        </p:nvCxnSpPr>
+        <p:spPr>
+          <a:xfrm>
+            <a:off x="6092190" y="3634105"/>
+            <a:ext cx="7620" cy="831215"/>
+          </a:xfrm>
+          <a:prstGeom prst="straightConnector1">
+            <a:avLst/>
+          </a:prstGeom>
+          <a:ln>
+            <a:tailEnd type="arrow"/>
+          </a:ln>
+        </p:spPr>
+        <p:style>
+          <a:lnRef idx="1">
+            <a:schemeClr val="accent1"/>
+          </a:lnRef>
+          <a:fillRef idx="0">
+            <a:schemeClr val="accent1"/>
+          </a:fillRef>
+          <a:effectRef idx="0">
+            <a:schemeClr val="accent1"/>
+          </a:effectRef>
+          <a:fontRef idx="minor">
+            <a:schemeClr val="tx1"/>
+          </a:fontRef>
+        </p:style>
+      </p:cxnSp>
+      <p:cxnSp>
+        <p:nvCxnSpPr>
+          <p:cNvPr id="110" name="直接箭头连接符 109"/>
+          <p:cNvCxnSpPr/>
+          <p:nvPr/>
+        </p:nvCxnSpPr>
+        <p:spPr>
+          <a:xfrm>
+            <a:off x="7066915" y="3605530"/>
+            <a:ext cx="7620" cy="831215"/>
+          </a:xfrm>
+          <a:prstGeom prst="straightConnector1">
+            <a:avLst/>
+          </a:prstGeom>
+          <a:ln>
+            <a:tailEnd type="arrow"/>
+          </a:ln>
+        </p:spPr>
+        <p:style>
+          <a:lnRef idx="1">
+            <a:schemeClr val="accent1"/>
+          </a:lnRef>
+          <a:fillRef idx="0">
+            <a:schemeClr val="accent1"/>
+          </a:fillRef>
+          <a:effectRef idx="0">
+            <a:schemeClr val="accent1"/>
+          </a:effectRef>
+          <a:fontRef idx="minor">
+            <a:schemeClr val="tx1"/>
+          </a:fontRef>
+        </p:style>
+      </p:cxnSp>
+      <p:cxnSp>
+        <p:nvCxnSpPr>
+          <p:cNvPr id="111" name="直接箭头连接符 110"/>
+          <p:cNvCxnSpPr/>
+          <p:nvPr/>
+        </p:nvCxnSpPr>
+        <p:spPr>
+          <a:xfrm>
+            <a:off x="8058150" y="3605530"/>
+            <a:ext cx="7620" cy="831215"/>
+          </a:xfrm>
+          <a:prstGeom prst="straightConnector1">
+            <a:avLst/>
+          </a:prstGeom>
+          <a:ln>
+            <a:tailEnd type="arrow"/>
+          </a:ln>
+        </p:spPr>
+        <p:style>
+          <a:lnRef idx="1">
+            <a:schemeClr val="accent1"/>
+          </a:lnRef>
+          <a:fillRef idx="0">
+            <a:schemeClr val="accent1"/>
+          </a:fillRef>
+          <a:effectRef idx="0">
+            <a:schemeClr val="accent1"/>
+          </a:effectRef>
+          <a:fontRef idx="minor">
+            <a:schemeClr val="tx1"/>
+          </a:fontRef>
+        </p:style>
+      </p:cxnSp>
+      <p:cxnSp>
+        <p:nvCxnSpPr>
+          <p:cNvPr id="112" name="直接箭头连接符 111"/>
+          <p:cNvCxnSpPr/>
+          <p:nvPr/>
+        </p:nvCxnSpPr>
+        <p:spPr>
+          <a:xfrm>
+            <a:off x="9046845" y="3605530"/>
+            <a:ext cx="7620" cy="831215"/>
+          </a:xfrm>
+          <a:prstGeom prst="straightConnector1">
+            <a:avLst/>
+          </a:prstGeom>
+          <a:ln>
+            <a:tailEnd type="arrow"/>
+          </a:ln>
+        </p:spPr>
+        <p:style>
+          <a:lnRef idx="1">
+            <a:schemeClr val="accent1"/>
+          </a:lnRef>
+          <a:fillRef idx="0">
+            <a:schemeClr val="accent1"/>
+          </a:fillRef>
+          <a:effectRef idx="0">
+            <a:schemeClr val="accent1"/>
+          </a:effectRef>
+          <a:fontRef idx="minor">
+            <a:schemeClr val="tx1"/>
+          </a:fontRef>
+        </p:style>
+      </p:cxnSp>
+      <p:cxnSp>
+        <p:nvCxnSpPr>
+          <p:cNvPr id="113" name="直接箭头连接符 112"/>
+          <p:cNvCxnSpPr/>
+          <p:nvPr/>
+        </p:nvCxnSpPr>
+        <p:spPr>
+          <a:xfrm>
+            <a:off x="3141345" y="2239010"/>
+            <a:ext cx="11430" cy="889000"/>
+          </a:xfrm>
+          <a:prstGeom prst="straightConnector1">
+            <a:avLst/>
+          </a:prstGeom>
+          <a:ln>
+            <a:tailEnd type="arrow"/>
+          </a:ln>
+        </p:spPr>
+        <p:style>
+          <a:lnRef idx="1">
+            <a:schemeClr val="accent1"/>
+          </a:lnRef>
+          <a:fillRef idx="0">
+            <a:schemeClr val="accent1"/>
+          </a:fillRef>
+          <a:effectRef idx="0">
+            <a:schemeClr val="accent1"/>
+          </a:effectRef>
+          <a:fontRef idx="minor">
+            <a:schemeClr val="tx1"/>
+          </a:fontRef>
+        </p:style>
+      </p:cxnSp>
+      <p:cxnSp>
+        <p:nvCxnSpPr>
+          <p:cNvPr id="115" name="直接箭头连接符 114"/>
+          <p:cNvCxnSpPr/>
+          <p:nvPr/>
+        </p:nvCxnSpPr>
+        <p:spPr>
+          <a:xfrm>
+            <a:off x="5108575" y="2239010"/>
+            <a:ext cx="11430" cy="889000"/>
+          </a:xfrm>
+          <a:prstGeom prst="straightConnector1">
+            <a:avLst/>
+          </a:prstGeom>
+          <a:ln>
+            <a:tailEnd type="arrow"/>
+          </a:ln>
+        </p:spPr>
+        <p:style>
+          <a:lnRef idx="1">
+            <a:schemeClr val="accent1"/>
+          </a:lnRef>
+          <a:fillRef idx="0">
+            <a:schemeClr val="accent1"/>
+          </a:fillRef>
+          <a:effectRef idx="0">
+            <a:schemeClr val="accent1"/>
+          </a:effectRef>
+          <a:fontRef idx="minor">
+            <a:schemeClr val="tx1"/>
+          </a:fontRef>
+        </p:style>
+      </p:cxnSp>
+      <p:cxnSp>
+        <p:nvCxnSpPr>
+          <p:cNvPr id="116" name="直接箭头连接符 115"/>
+          <p:cNvCxnSpPr/>
+          <p:nvPr/>
+        </p:nvCxnSpPr>
+        <p:spPr>
+          <a:xfrm>
+            <a:off x="7067550" y="2304415"/>
+            <a:ext cx="11430" cy="889000"/>
+          </a:xfrm>
+          <a:prstGeom prst="straightConnector1">
+            <a:avLst/>
+          </a:prstGeom>
+          <a:ln>
+            <a:tailEnd type="arrow"/>
+          </a:ln>
+        </p:spPr>
+        <p:style>
+          <a:lnRef idx="1">
+            <a:schemeClr val="accent1"/>
+          </a:lnRef>
+          <a:fillRef idx="0">
+            <a:schemeClr val="accent1"/>
+          </a:fillRef>
+          <a:effectRef idx="0">
+            <a:schemeClr val="accent1"/>
+          </a:effectRef>
+          <a:fontRef idx="minor">
+            <a:schemeClr val="tx1"/>
+          </a:fontRef>
+        </p:style>
+      </p:cxnSp>
+      <p:cxnSp>
+        <p:nvCxnSpPr>
+          <p:cNvPr id="117" name="直接箭头连接符 116"/>
+          <p:cNvCxnSpPr/>
+          <p:nvPr/>
+        </p:nvCxnSpPr>
+        <p:spPr>
+          <a:xfrm>
+            <a:off x="9030970" y="2304415"/>
+            <a:ext cx="11430" cy="889000"/>
+          </a:xfrm>
+          <a:prstGeom prst="straightConnector1">
+            <a:avLst/>
+          </a:prstGeom>
+          <a:ln>
+            <a:tailEnd type="arrow"/>
+          </a:ln>
+        </p:spPr>
+        <p:style>
+          <a:lnRef idx="1">
+            <a:schemeClr val="accent1"/>
+          </a:lnRef>
+          <a:fillRef idx="0">
+            <a:schemeClr val="accent1"/>
+          </a:fillRef>
+          <a:effectRef idx="0">
+            <a:schemeClr val="accent1"/>
+          </a:effectRef>
+          <a:fontRef idx="minor">
+            <a:schemeClr val="tx1"/>
+          </a:fontRef>
+        </p:style>
+      </p:cxnSp>
+      <p:cxnSp>
+        <p:nvCxnSpPr>
+          <p:cNvPr id="118" name="直接箭头连接符 117"/>
+          <p:cNvCxnSpPr/>
+          <p:nvPr/>
+        </p:nvCxnSpPr>
+        <p:spPr>
+          <a:xfrm>
+            <a:off x="5099050" y="937895"/>
+            <a:ext cx="11430" cy="889000"/>
+          </a:xfrm>
+          <a:prstGeom prst="straightConnector1">
+            <a:avLst/>
+          </a:prstGeom>
+          <a:ln>
+            <a:tailEnd type="arrow"/>
+          </a:ln>
+        </p:spPr>
+        <p:style>
+          <a:lnRef idx="1">
+            <a:schemeClr val="accent1"/>
+          </a:lnRef>
+          <a:fillRef idx="0">
+            <a:schemeClr val="accent1"/>
+          </a:fillRef>
+          <a:effectRef idx="0">
+            <a:schemeClr val="accent1"/>
+          </a:effectRef>
+          <a:fontRef idx="minor">
+            <a:schemeClr val="tx1"/>
+          </a:fontRef>
+        </p:style>
+      </p:cxnSp>
+      <p:cxnSp>
+        <p:nvCxnSpPr>
+          <p:cNvPr id="119" name="直接箭头连接符 118"/>
+          <p:cNvCxnSpPr/>
+          <p:nvPr/>
+        </p:nvCxnSpPr>
+        <p:spPr>
+          <a:xfrm>
+            <a:off x="9030970" y="937895"/>
+            <a:ext cx="11430" cy="889000"/>
+          </a:xfrm>
+          <a:prstGeom prst="straightConnector1">
+            <a:avLst/>
+          </a:prstGeom>
+          <a:ln>
+            <a:tailEnd type="arrow"/>
+          </a:ln>
+        </p:spPr>
+        <p:style>
+          <a:lnRef idx="1">
+            <a:schemeClr val="accent1"/>
+          </a:lnRef>
+          <a:fillRef idx="0">
+            <a:schemeClr val="accent1"/>
+          </a:fillRef>
+          <a:effectRef idx="0">
+            <a:schemeClr val="accent1"/>
+          </a:effectRef>
+          <a:fontRef idx="minor">
+            <a:schemeClr val="tx1"/>
+          </a:fontRef>
+        </p:style>
+      </p:cxnSp>
+      <p:sp>
+        <p:nvSpPr>
+          <p:cNvPr id="120" name="文本框 119"/>
+          <p:cNvSpPr txBox="1"/>
+          <p:nvPr/>
+        </p:nvSpPr>
+        <p:spPr>
+          <a:xfrm>
+            <a:off x="9516745" y="3182620"/>
+            <a:ext cx="1062990" cy="368300"/>
+          </a:xfrm>
+          <a:prstGeom prst="rect">
+            <a:avLst/>
+          </a:prstGeom>
+          <a:noFill/>
+        </p:spPr>
+        <p:txBody>
+          <a:bodyPr wrap="square" rtlCol="0">
+            <a:spAutoFit/>
+          </a:bodyPr>
+          <a:p>
+            <a:r>
+              <a:rPr lang="en-US" altLang="zh-CN"/>
+              <a:t>Level 0</a:t>
+            </a:r>
+            <a:endParaRPr lang="en-US" altLang="zh-CN"/>
+          </a:p>
+        </p:txBody>
+      </p:sp>
+      <p:sp>
+        <p:nvSpPr>
+          <p:cNvPr id="121" name="文本框 120"/>
+          <p:cNvSpPr txBox="1"/>
+          <p:nvPr/>
+        </p:nvSpPr>
+        <p:spPr>
+          <a:xfrm>
+            <a:off x="9497695" y="1936115"/>
+            <a:ext cx="1062990" cy="368300"/>
+          </a:xfrm>
+          <a:prstGeom prst="rect">
+            <a:avLst/>
+          </a:prstGeom>
+          <a:noFill/>
+        </p:spPr>
+        <p:txBody>
+          <a:bodyPr wrap="square" rtlCol="0">
+            <a:spAutoFit/>
+          </a:bodyPr>
+          <a:p>
+            <a:r>
+              <a:rPr lang="en-US" altLang="zh-CN"/>
+              <a:t>Level 1</a:t>
+            </a:r>
+            <a:endParaRPr lang="en-US" altLang="zh-CN"/>
+          </a:p>
+        </p:txBody>
+      </p:sp>
+      <p:sp>
+        <p:nvSpPr>
+          <p:cNvPr id="122" name="文本框 121"/>
+          <p:cNvSpPr txBox="1"/>
+          <p:nvPr/>
+        </p:nvSpPr>
+        <p:spPr>
+          <a:xfrm>
+            <a:off x="9516745" y="717550"/>
+            <a:ext cx="1062990" cy="368300"/>
+          </a:xfrm>
+          <a:prstGeom prst="rect">
+            <a:avLst/>
+          </a:prstGeom>
+          <a:noFill/>
+        </p:spPr>
+        <p:txBody>
+          <a:bodyPr wrap="square" rtlCol="0">
+            <a:spAutoFit/>
+          </a:bodyPr>
+          <a:p>
+            <a:r>
+              <a:rPr lang="en-US" altLang="zh-CN"/>
+              <a:t>Level 2</a:t>
+            </a:r>
+            <a:endParaRPr lang="en-US" altLang="zh-CN"/>
+          </a:p>
+        </p:txBody>
+      </p:sp>
+      <p:sp>
+        <p:nvSpPr>
+          <p:cNvPr id="123" name="文本框 122"/>
+          <p:cNvSpPr txBox="1"/>
+          <p:nvPr/>
+        </p:nvSpPr>
+        <p:spPr>
+          <a:xfrm>
+            <a:off x="133985" y="4436745"/>
+            <a:ext cx="1062990" cy="368300"/>
+          </a:xfrm>
+          <a:prstGeom prst="rect">
+            <a:avLst/>
+          </a:prstGeom>
+          <a:noFill/>
+        </p:spPr>
+        <p:txBody>
+          <a:bodyPr wrap="square" rtlCol="0">
+            <a:spAutoFit/>
+          </a:bodyPr>
+          <a:p>
+            <a:r>
+              <a:rPr lang="en-US" altLang="zh-CN"/>
+              <a:t>doc ids</a:t>
+            </a:r>
+            <a:endParaRPr lang="en-US" altLang="zh-CN"/>
+          </a:p>
+        </p:txBody>
+      </p:sp>
+      <p:sp>
+        <p:nvSpPr>
+          <p:cNvPr id="124" name="文本框 123"/>
+          <p:cNvSpPr txBox="1"/>
+          <p:nvPr/>
+        </p:nvSpPr>
+        <p:spPr>
+          <a:xfrm>
+            <a:off x="153035" y="5499100"/>
+            <a:ext cx="1062990" cy="368300"/>
+          </a:xfrm>
+          <a:prstGeom prst="rect">
+            <a:avLst/>
+          </a:prstGeom>
+          <a:noFill/>
+        </p:spPr>
+        <p:txBody>
+          <a:bodyPr wrap="square" rtlCol="0">
+            <a:spAutoFit/>
+          </a:bodyPr>
+          <a:p>
+            <a:r>
+              <a:rPr lang="en-US" altLang="zh-CN"/>
+              <a:t>freqs</a:t>
+            </a:r>
+            <a:endParaRPr lang="en-US" altLang="zh-CN"/>
+          </a:p>
+        </p:txBody>
+      </p:sp>
+      <p:sp>
+        <p:nvSpPr>
+          <p:cNvPr id="125" name="文本框 124"/>
+          <p:cNvSpPr txBox="1"/>
+          <p:nvPr/>
+        </p:nvSpPr>
+        <p:spPr>
+          <a:xfrm>
+            <a:off x="211455" y="1881505"/>
+            <a:ext cx="1209675" cy="368300"/>
+          </a:xfrm>
+          <a:prstGeom prst="rect">
+            <a:avLst/>
+          </a:prstGeom>
+          <a:noFill/>
+        </p:spPr>
+        <p:txBody>
+          <a:bodyPr wrap="square" rtlCol="0">
+            <a:spAutoFit/>
+          </a:bodyPr>
+          <a:p>
+            <a:r>
+              <a:rPr lang="en-US" altLang="zh-CN"/>
+              <a:t>skipdatas</a:t>
+            </a:r>
+            <a:endParaRPr lang="en-US" altLang="zh-CN"/>
+          </a:p>
+        </p:txBody>
+      </p:sp>
+      <p:sp>
+        <p:nvSpPr>
+          <p:cNvPr id="126" name="文本框 125"/>
+          <p:cNvSpPr txBox="1"/>
+          <p:nvPr/>
+        </p:nvSpPr>
+        <p:spPr>
+          <a:xfrm>
+            <a:off x="568325" y="240030"/>
+            <a:ext cx="2887345" cy="583565"/>
+          </a:xfrm>
+          <a:prstGeom prst="rect">
+            <a:avLst/>
+          </a:prstGeom>
+          <a:noFill/>
+        </p:spPr>
+        <p:txBody>
+          <a:bodyPr wrap="square" rtlCol="0">
+            <a:spAutoFit/>
+          </a:bodyPr>
+          <a:p>
+            <a:r>
+              <a:rPr lang="zh-CN" altLang="en-US" sz="3200"/>
+              <a:t>倒排表结构</a:t>
+            </a:r>
+            <a:endParaRPr lang="zh-CN" altLang="en-US" sz="3200"/>
+          </a:p>
+        </p:txBody>
+      </p:sp>
+      <p:sp>
+        <p:nvSpPr>
+          <p:cNvPr id="127" name="左大括号 126"/>
+          <p:cNvSpPr/>
+          <p:nvPr/>
+        </p:nvSpPr>
+        <p:spPr>
+          <a:xfrm>
+            <a:off x="1274445" y="805815"/>
+            <a:ext cx="318135" cy="2519680"/>
+          </a:xfrm>
+          <a:prstGeom prst="leftBrace">
+            <a:avLst/>
+          </a:prstGeom>
+        </p:spPr>
+        <p:style>
+          <a:lnRef idx="1">
+            <a:schemeClr val="accent1"/>
+          </a:lnRef>
+          <a:fillRef idx="0">
+            <a:schemeClr val="accent1"/>
+          </a:fillRef>
+          <a:effectRef idx="0">
+            <a:schemeClr val="accent1"/>
+          </a:effectRef>
+          <a:fontRef idx="minor">
+            <a:schemeClr val="tx1"/>
+          </a:fontRef>
+        </p:style>
+        <p:txBody>
+          <a:bodyPr rtlCol="0" anchor="ctr"/>
+          <a:p>
+            <a:pPr algn="ctr"/>
+            <a:endParaRPr lang="zh-CN" altLang="en-US"/>
+          </a:p>
+        </p:txBody>
+      </p:sp>
+      <p:cxnSp>
+        <p:nvCxnSpPr>
+          <p:cNvPr id="128" name="直接箭头连接符 127"/>
+          <p:cNvCxnSpPr>
+            <a:stCxn id="25" idx="3"/>
+            <a:endCxn id="27" idx="1"/>
+          </p:cNvCxnSpPr>
+          <p:nvPr/>
+        </p:nvCxnSpPr>
+        <p:spPr>
+          <a:xfrm>
+            <a:off x="2399030" y="3366770"/>
+            <a:ext cx="497205" cy="0"/>
+          </a:xfrm>
+          <a:prstGeom prst="straightConnector1">
+            <a:avLst/>
+          </a:prstGeom>
+          <a:ln>
+            <a:tailEnd type="arrow"/>
+          </a:ln>
+        </p:spPr>
+        <p:style>
+          <a:lnRef idx="1">
+            <a:schemeClr val="accent1"/>
+          </a:lnRef>
+          <a:fillRef idx="0">
+            <a:schemeClr val="accent1"/>
+          </a:fillRef>
+          <a:effectRef idx="0">
+            <a:schemeClr val="accent1"/>
+          </a:effectRef>
+          <a:fontRef idx="minor">
+            <a:schemeClr val="tx1"/>
+          </a:fontRef>
+        </p:style>
+      </p:cxnSp>
+      <p:cxnSp>
+        <p:nvCxnSpPr>
+          <p:cNvPr id="129" name="直接箭头连接符 128"/>
+          <p:cNvCxnSpPr/>
+          <p:nvPr/>
+        </p:nvCxnSpPr>
+        <p:spPr>
+          <a:xfrm>
+            <a:off x="3395345" y="3366770"/>
+            <a:ext cx="497205" cy="0"/>
+          </a:xfrm>
+          <a:prstGeom prst="straightConnector1">
+            <a:avLst/>
+          </a:prstGeom>
+          <a:ln>
+            <a:tailEnd type="arrow"/>
+          </a:ln>
+        </p:spPr>
+        <p:style>
+          <a:lnRef idx="1">
+            <a:schemeClr val="accent1"/>
+          </a:lnRef>
+          <a:fillRef idx="0">
+            <a:schemeClr val="accent1"/>
+          </a:fillRef>
+          <a:effectRef idx="0">
+            <a:schemeClr val="accent1"/>
+          </a:effectRef>
+          <a:fontRef idx="minor">
+            <a:schemeClr val="tx1"/>
+          </a:fontRef>
+        </p:style>
+      </p:cxnSp>
+      <p:cxnSp>
+        <p:nvCxnSpPr>
+          <p:cNvPr id="130" name="直接箭头连接符 129"/>
+          <p:cNvCxnSpPr/>
+          <p:nvPr/>
+        </p:nvCxnSpPr>
+        <p:spPr>
+          <a:xfrm>
+            <a:off x="4389755" y="3366770"/>
+            <a:ext cx="497205" cy="0"/>
+          </a:xfrm>
+          <a:prstGeom prst="straightConnector1">
+            <a:avLst/>
+          </a:prstGeom>
+          <a:ln>
+            <a:tailEnd type="arrow"/>
+          </a:ln>
+        </p:spPr>
+        <p:style>
+          <a:lnRef idx="1">
+            <a:schemeClr val="accent1"/>
+          </a:lnRef>
+          <a:fillRef idx="0">
+            <a:schemeClr val="accent1"/>
+          </a:fillRef>
+          <a:effectRef idx="0">
+            <a:schemeClr val="accent1"/>
+          </a:effectRef>
+          <a:fontRef idx="minor">
+            <a:schemeClr val="tx1"/>
+          </a:fontRef>
+        </p:style>
+      </p:cxnSp>
+      <p:cxnSp>
+        <p:nvCxnSpPr>
+          <p:cNvPr id="131" name="直接箭头连接符 130"/>
+          <p:cNvCxnSpPr/>
+          <p:nvPr/>
+        </p:nvCxnSpPr>
+        <p:spPr>
+          <a:xfrm>
+            <a:off x="5372735" y="3366770"/>
+            <a:ext cx="497205" cy="0"/>
+          </a:xfrm>
+          <a:prstGeom prst="straightConnector1">
+            <a:avLst/>
+          </a:prstGeom>
+          <a:ln>
+            <a:tailEnd type="arrow"/>
+          </a:ln>
+        </p:spPr>
+        <p:style>
+          <a:lnRef idx="1">
+            <a:schemeClr val="accent1"/>
+          </a:lnRef>
+          <a:fillRef idx="0">
+            <a:schemeClr val="accent1"/>
+          </a:fillRef>
+          <a:effectRef idx="0">
+            <a:schemeClr val="accent1"/>
+          </a:effectRef>
+          <a:fontRef idx="minor">
+            <a:schemeClr val="tx1"/>
+          </a:fontRef>
+        </p:style>
+      </p:cxnSp>
+      <p:cxnSp>
+        <p:nvCxnSpPr>
+          <p:cNvPr id="132" name="直接箭头连接符 131"/>
+          <p:cNvCxnSpPr/>
+          <p:nvPr/>
+        </p:nvCxnSpPr>
+        <p:spPr>
+          <a:xfrm>
+            <a:off x="6336665" y="3366770"/>
+            <a:ext cx="497205" cy="0"/>
+          </a:xfrm>
+          <a:prstGeom prst="straightConnector1">
+            <a:avLst/>
+          </a:prstGeom>
+          <a:ln>
+            <a:tailEnd type="arrow"/>
+          </a:ln>
+        </p:spPr>
+        <p:style>
+          <a:lnRef idx="1">
+            <a:schemeClr val="accent1"/>
+          </a:lnRef>
+          <a:fillRef idx="0">
+            <a:schemeClr val="accent1"/>
+          </a:fillRef>
+          <a:effectRef idx="0">
+            <a:schemeClr val="accent1"/>
+          </a:effectRef>
+          <a:fontRef idx="minor">
+            <a:schemeClr val="tx1"/>
+          </a:fontRef>
+        </p:style>
+      </p:cxnSp>
+      <p:cxnSp>
+        <p:nvCxnSpPr>
+          <p:cNvPr id="134" name="直接箭头连接符 133"/>
+          <p:cNvCxnSpPr/>
+          <p:nvPr/>
+        </p:nvCxnSpPr>
+        <p:spPr>
+          <a:xfrm>
+            <a:off x="7338695" y="3366770"/>
+            <a:ext cx="497205" cy="0"/>
+          </a:xfrm>
+          <a:prstGeom prst="straightConnector1">
+            <a:avLst/>
+          </a:prstGeom>
+          <a:ln>
+            <a:tailEnd type="arrow"/>
+          </a:ln>
+        </p:spPr>
+        <p:style>
+          <a:lnRef idx="1">
+            <a:schemeClr val="accent1"/>
+          </a:lnRef>
+          <a:fillRef idx="0">
+            <a:schemeClr val="accent1"/>
+          </a:fillRef>
+          <a:effectRef idx="0">
+            <a:schemeClr val="accent1"/>
+          </a:effectRef>
+          <a:fontRef idx="minor">
+            <a:schemeClr val="tx1"/>
+          </a:fontRef>
+        </p:style>
+      </p:cxnSp>
+      <p:cxnSp>
+        <p:nvCxnSpPr>
+          <p:cNvPr id="135" name="直接箭头连接符 134"/>
+          <p:cNvCxnSpPr/>
+          <p:nvPr/>
+        </p:nvCxnSpPr>
+        <p:spPr>
+          <a:xfrm>
+            <a:off x="8302625" y="3408045"/>
+            <a:ext cx="497205" cy="0"/>
+          </a:xfrm>
+          <a:prstGeom prst="straightConnector1">
+            <a:avLst/>
+          </a:prstGeom>
+          <a:ln>
+            <a:tailEnd type="arrow"/>
+          </a:ln>
+        </p:spPr>
+        <p:style>
+          <a:lnRef idx="1">
+            <a:schemeClr val="accent1"/>
+          </a:lnRef>
+          <a:fillRef idx="0">
+            <a:schemeClr val="accent1"/>
+          </a:fillRef>
+          <a:effectRef idx="0">
+            <a:schemeClr val="accent1"/>
+          </a:effectRef>
+          <a:fontRef idx="minor">
+            <a:schemeClr val="tx1"/>
+          </a:fontRef>
+        </p:style>
+      </p:cxnSp>
+      <p:cxnSp>
+        <p:nvCxnSpPr>
+          <p:cNvPr id="138" name="直接箭头连接符 137"/>
+          <p:cNvCxnSpPr/>
+          <p:nvPr/>
+        </p:nvCxnSpPr>
+        <p:spPr>
+          <a:xfrm>
+            <a:off x="2399030" y="2065655"/>
+            <a:ext cx="497205" cy="0"/>
+          </a:xfrm>
+          <a:prstGeom prst="straightConnector1">
+            <a:avLst/>
+          </a:prstGeom>
+          <a:ln>
+            <a:tailEnd type="arrow"/>
+          </a:ln>
+        </p:spPr>
+        <p:style>
+          <a:lnRef idx="1">
+            <a:schemeClr val="accent1"/>
+          </a:lnRef>
+          <a:fillRef idx="0">
+            <a:schemeClr val="accent1"/>
+          </a:fillRef>
+          <a:effectRef idx="0">
+            <a:schemeClr val="accent1"/>
+          </a:effectRef>
+          <a:fontRef idx="minor">
+            <a:schemeClr val="tx1"/>
+          </a:fontRef>
+        </p:style>
+      </p:cxnSp>
+      <p:cxnSp>
+        <p:nvCxnSpPr>
+          <p:cNvPr id="139" name="直接箭头连接符 138"/>
+          <p:cNvCxnSpPr>
+            <a:stCxn id="43" idx="3"/>
+          </p:cNvCxnSpPr>
+          <p:nvPr/>
+        </p:nvCxnSpPr>
+        <p:spPr>
+          <a:xfrm>
+            <a:off x="3383915" y="2065655"/>
+            <a:ext cx="1472565" cy="0"/>
+          </a:xfrm>
+          <a:prstGeom prst="straightConnector1">
+            <a:avLst/>
+          </a:prstGeom>
+          <a:ln>
+            <a:tailEnd type="arrow"/>
+          </a:ln>
+        </p:spPr>
+        <p:style>
+          <a:lnRef idx="1">
+            <a:schemeClr val="accent1"/>
+          </a:lnRef>
+          <a:fillRef idx="0">
+            <a:schemeClr val="accent1"/>
+          </a:fillRef>
+          <a:effectRef idx="0">
+            <a:schemeClr val="accent1"/>
+          </a:effectRef>
+          <a:fontRef idx="minor">
+            <a:schemeClr val="tx1"/>
+          </a:fontRef>
+        </p:style>
+      </p:cxnSp>
+      <p:cxnSp>
+        <p:nvCxnSpPr>
+          <p:cNvPr id="140" name="直接箭头连接符 139"/>
+          <p:cNvCxnSpPr/>
+          <p:nvPr/>
+        </p:nvCxnSpPr>
+        <p:spPr>
+          <a:xfrm>
+            <a:off x="5347970" y="2065655"/>
+            <a:ext cx="1472565" cy="0"/>
+          </a:xfrm>
+          <a:prstGeom prst="straightConnector1">
+            <a:avLst/>
+          </a:prstGeom>
+          <a:ln>
+            <a:tailEnd type="arrow"/>
+          </a:ln>
+        </p:spPr>
+        <p:style>
+          <a:lnRef idx="1">
+            <a:schemeClr val="accent1"/>
+          </a:lnRef>
+          <a:fillRef idx="0">
+            <a:schemeClr val="accent1"/>
+          </a:fillRef>
+          <a:effectRef idx="0">
+            <a:schemeClr val="accent1"/>
+          </a:effectRef>
+          <a:fontRef idx="minor">
+            <a:schemeClr val="tx1"/>
+          </a:fontRef>
+        </p:style>
+      </p:cxnSp>
+      <p:cxnSp>
+        <p:nvCxnSpPr>
+          <p:cNvPr id="141" name="直接箭头连接符 140"/>
+          <p:cNvCxnSpPr/>
+          <p:nvPr/>
+        </p:nvCxnSpPr>
+        <p:spPr>
+          <a:xfrm>
+            <a:off x="7313930" y="2065655"/>
+            <a:ext cx="1472565" cy="0"/>
+          </a:xfrm>
+          <a:prstGeom prst="straightConnector1">
+            <a:avLst/>
+          </a:prstGeom>
+          <a:ln>
+            <a:tailEnd type="arrow"/>
+          </a:ln>
+        </p:spPr>
+        <p:style>
+          <a:lnRef idx="1">
+            <a:schemeClr val="accent1"/>
+          </a:lnRef>
+          <a:fillRef idx="0">
+            <a:schemeClr val="accent1"/>
+          </a:fillRef>
+          <a:effectRef idx="0">
+            <a:schemeClr val="accent1"/>
+          </a:effectRef>
+          <a:fontRef idx="minor">
+            <a:schemeClr val="tx1"/>
+          </a:fontRef>
+        </p:style>
+      </p:cxnSp>
     </p:spTree>
   </p:cSld>
   <p:clrMapOvr>
@@ -13447,7 +16162,14 @@
         <p:cNvGrpSpPr/>
         <p:nvPr/>
       </p:nvGrpSpPr>
-      <p:grpSpPr/>
+      <p:grpSpPr>
+        <a:xfrm>
+          <a:off x="0" y="0"/>
+          <a:ext cx="0" cy="0"/>
+          <a:chOff x="0" y="0"/>
+          <a:chExt cx="0" cy="0"/>
+        </a:xfrm>
+      </p:grpSpPr>
       <p:sp>
         <p:nvSpPr>
           <p:cNvPr id="2" name="标题 1"/>
@@ -13461,34 +16183,213 @@
         <p:spPr/>
         <p:txBody>
           <a:bodyPr/>
-          <a:p>
-            <a:r>
-              <a:rPr lang="en-US" altLang="zh-CN"/>
-              <a:t>TODO: </a:t>
-            </a:r>
-            <a:r>
-              <a:rPr lang="zh-CN" altLang="en-US"/>
-              <a:t>倒排表结构</a:t>
-            </a:r>
-            <a:endParaRPr lang="zh-CN" altLang="en-US"/>
-          </a:p>
-        </p:txBody>
-      </p:sp>
-      <p:sp>
-        <p:nvSpPr>
-          <p:cNvPr id="3" name="文本占位符 2"/>
+          <a:lstStyle/>
+          <a:p>
+            <a:r>
+              <a:rPr lang="zh-CN" altLang="en-US" dirty="0"/>
+              <a:t>根据</a:t>
+            </a:r>
+            <a:r>
+              <a:rPr lang="en-US" altLang="zh-CN" dirty="0"/>
+              <a:t>Term</a:t>
+            </a:r>
+            <a:r>
+              <a:rPr lang="zh-CN" altLang="en-US" dirty="0"/>
+              <a:t>查找所有匹配的文档</a:t>
+            </a:r>
+            <a:r>
+              <a:rPr lang="en-US" altLang="zh-CN" dirty="0"/>
+              <a:t>id</a:t>
+            </a:r>
+            <a:endParaRPr lang="zh-CN" altLang="en-US" dirty="0"/>
+          </a:p>
+        </p:txBody>
+      </p:sp>
+      <p:sp>
+        <p:nvSpPr>
+          <p:cNvPr id="3" name="内容占位符 2"/>
           <p:cNvSpPr>
             <a:spLocks noGrp="1"/>
           </p:cNvSpPr>
           <p:nvPr>
-            <p:ph type="body" idx="1"/>
+            <p:ph idx="1"/>
           </p:nvPr>
         </p:nvSpPr>
         <p:spPr/>
         <p:txBody>
           <a:bodyPr/>
-          <a:p>
-            <a:endParaRPr lang="zh-CN" altLang="en-US"/>
+          <a:lstStyle/>
+          <a:p>
+            <a:pPr marL="0" indent="0">
+              <a:buNone/>
+            </a:pPr>
+            <a:r>
+              <a:rPr lang="zh-CN" altLang="en-US" dirty="0"/>
+              <a:t>以</a:t>
+            </a:r>
+            <a:r>
+              <a:rPr lang="en-US" altLang="zh-CN" dirty="0"/>
+              <a:t>Term(goodsTitle, </a:t>
+            </a:r>
+            <a:r>
+              <a:rPr lang="en-US" altLang="zh-CN" dirty="0">
+                <a:solidFill>
+                  <a:srgbClr val="FF0000"/>
+                </a:solidFill>
+              </a:rPr>
+              <a:t>app</a:t>
+            </a:r>
+            <a:r>
+              <a:rPr lang="en-US" altLang="zh-CN" dirty="0">
+                <a:solidFill>
+                  <a:schemeClr val="accent6"/>
+                </a:solidFill>
+              </a:rPr>
+              <a:t>le</a:t>
+            </a:r>
+            <a:r>
+              <a:rPr lang="en-US" altLang="zh-CN" dirty="0"/>
+              <a:t>)</a:t>
+            </a:r>
+            <a:r>
+              <a:rPr lang="zh-CN" altLang="en-US" dirty="0"/>
+              <a:t>为例</a:t>
+            </a:r>
+            <a:endParaRPr lang="zh-CN" altLang="en-US" dirty="0"/>
+          </a:p>
+          <a:p>
+            <a:pPr marL="0" indent="0">
+              <a:buNone/>
+            </a:pPr>
+            <a:r>
+              <a:rPr lang="en-US" altLang="zh-CN" dirty="0"/>
+              <a:t>1. </a:t>
+            </a:r>
+            <a:r>
+              <a:rPr lang="zh-CN" altLang="en-US" dirty="0"/>
+              <a:t>找到</a:t>
+            </a:r>
+            <a:r>
+              <a:rPr lang="en-US" altLang="zh-CN" dirty="0"/>
+              <a:t>goodsTitle</a:t>
+            </a:r>
+            <a:r>
+              <a:rPr lang="zh-CN" altLang="en-US" dirty="0"/>
+              <a:t>字段对应的</a:t>
+            </a:r>
+            <a:r>
+              <a:rPr lang="en-US" altLang="zh-CN" dirty="0"/>
+              <a:t>FSTIndex</a:t>
+            </a:r>
+            <a:endParaRPr lang="en-US" altLang="zh-CN" dirty="0"/>
+          </a:p>
+          <a:p>
+            <a:pPr marL="0" indent="0">
+              <a:buNone/>
+            </a:pPr>
+            <a:r>
+              <a:rPr lang="en-US" altLang="zh-CN" dirty="0"/>
+              <a:t>2. </a:t>
+            </a:r>
+            <a:r>
+              <a:rPr lang="zh-CN" altLang="en-US" dirty="0"/>
+              <a:t>在</a:t>
+            </a:r>
+            <a:r>
+              <a:rPr lang="en-US" altLang="zh-CN" dirty="0"/>
+              <a:t>FST</a:t>
+            </a:r>
+            <a:r>
+              <a:rPr lang="zh-CN" altLang="en-US" dirty="0"/>
+              <a:t>中对</a:t>
+            </a:r>
+            <a:r>
+              <a:rPr lang="en-US" altLang="zh-CN" dirty="0"/>
+              <a:t>apple</a:t>
+            </a:r>
+            <a:r>
+              <a:rPr lang="zh-CN" altLang="en-US" dirty="0"/>
+              <a:t>进行前缀匹配，匹配到</a:t>
+            </a:r>
+            <a:r>
+              <a:rPr lang="en-US" altLang="zh-CN" dirty="0"/>
+              <a:t>”</a:t>
+            </a:r>
+            <a:r>
+              <a:rPr lang="en-US" altLang="zh-CN" dirty="0">
+                <a:solidFill>
+                  <a:srgbClr val="FF0000"/>
+                </a:solidFill>
+              </a:rPr>
+              <a:t>app</a:t>
+            </a:r>
+            <a:r>
+              <a:rPr lang="en-US" altLang="zh-CN" dirty="0"/>
+              <a:t>”</a:t>
+            </a:r>
+            <a:r>
+              <a:rPr lang="zh-CN" altLang="en-US" dirty="0"/>
+              <a:t>三个字符</a:t>
+            </a:r>
+            <a:r>
+              <a:rPr lang="en-US" altLang="zh-CN" dirty="0"/>
+              <a:t>,</a:t>
+            </a:r>
+            <a:r>
+              <a:rPr lang="zh-CN" altLang="en-US" dirty="0"/>
+              <a:t>并获取到对应的</a:t>
+            </a:r>
+            <a:r>
+              <a:rPr lang="en-US" altLang="zh-CN" dirty="0"/>
+              <a:t>Block</a:t>
+            </a:r>
+            <a:r>
+              <a:rPr lang="zh-CN" altLang="en-US" dirty="0"/>
+              <a:t>在磁盘上的位置</a:t>
+            </a:r>
+            <a:endParaRPr lang="zh-CN" altLang="en-US" dirty="0"/>
+          </a:p>
+          <a:p>
+            <a:pPr marL="0" indent="0">
+              <a:buNone/>
+            </a:pPr>
+            <a:r>
+              <a:rPr lang="en-US" altLang="zh-CN" dirty="0"/>
+              <a:t>3. </a:t>
+            </a:r>
+            <a:r>
+              <a:rPr lang="zh-CN" altLang="en-US" dirty="0"/>
+              <a:t>从磁盘读取</a:t>
+            </a:r>
+            <a:r>
+              <a:rPr lang="en-US" altLang="zh-CN" dirty="0"/>
+              <a:t>Block</a:t>
+            </a:r>
+            <a:r>
+              <a:rPr lang="zh-CN" altLang="en-US" dirty="0"/>
+              <a:t>信息，对剩余的字符</a:t>
+            </a:r>
+            <a:r>
+              <a:rPr lang="en-US" altLang="zh-CN" dirty="0"/>
+              <a:t>”</a:t>
+            </a:r>
+            <a:r>
+              <a:rPr lang="en-US" altLang="zh-CN" dirty="0">
+                <a:solidFill>
+                  <a:schemeClr val="accent6"/>
+                </a:solidFill>
+              </a:rPr>
+              <a:t>le</a:t>
+            </a:r>
+            <a:r>
+              <a:rPr lang="en-US" altLang="zh-CN" dirty="0"/>
+              <a:t>”</a:t>
+            </a:r>
+            <a:r>
+              <a:rPr lang="zh-CN" altLang="en-US" dirty="0"/>
+              <a:t>进行后缀匹配，匹配完成后获取到倒排表在磁盘的位置信息</a:t>
+            </a:r>
+            <a:endParaRPr lang="zh-CN" altLang="en-US" dirty="0"/>
           </a:p>
         </p:txBody>
       </p:sp>

--- a/zx-note/src/test/graph/lucene/lucene-core/codecs/索引文件格式/Lucene索引文件.pptx
+++ b/zx-note/src/test/graph/lucene/lucene-core/codecs/索引文件格式/Lucene索引文件.pptx
@@ -14,13 +14,17 @@
     <p:sldId id="289" r:id="rId8"/>
     <p:sldId id="268" r:id="rId9"/>
     <p:sldId id="269" r:id="rId10"/>
-    <p:sldId id="280" r:id="rId11"/>
-    <p:sldId id="263" r:id="rId12"/>
-    <p:sldId id="256" r:id="rId13"/>
-    <p:sldId id="258" r:id="rId14"/>
-    <p:sldId id="270" r:id="rId15"/>
-    <p:sldId id="281" r:id="rId16"/>
-    <p:sldId id="288" r:id="rId17"/>
+    <p:sldId id="291" r:id="rId11"/>
+    <p:sldId id="292" r:id="rId12"/>
+    <p:sldId id="280" r:id="rId13"/>
+    <p:sldId id="293" r:id="rId14"/>
+    <p:sldId id="294" r:id="rId15"/>
+    <p:sldId id="263" r:id="rId16"/>
+    <p:sldId id="256" r:id="rId17"/>
+    <p:sldId id="258" r:id="rId18"/>
+    <p:sldId id="270" r:id="rId19"/>
+    <p:sldId id="281" r:id="rId20"/>
+    <p:sldId id="288" r:id="rId21"/>
   </p:sldIdLst>
   <p:sldSz cx="12192000" cy="6858000"/>
   <p:notesSz cx="6858000" cy="9144000"/>
@@ -6120,31 +6124,390 @@
       </p:grpSpPr>
       <p:sp>
         <p:nvSpPr>
-          <p:cNvPr id="3" name="标题 2"/>
-          <p:cNvSpPr>
-            <a:spLocks noGrp="1"/>
-          </p:cNvSpPr>
-          <p:nvPr>
-            <p:ph type="title"/>
-          </p:nvPr>
-        </p:nvSpPr>
-        <p:spPr/>
-        <p:txBody>
-          <a:bodyPr/>
-          <a:lstStyle/>
-          <a:p>
-            <a:r>
-              <a:rPr lang="en-US" altLang="zh-CN" dirty="0"/>
-              <a:t>Stored Fields</a:t>
-            </a:r>
-            <a:br>
-              <a:rPr lang="en-US" altLang="zh-CN" dirty="0"/>
-            </a:br>
+          <p:cNvPr id="4" name="文本框 3">
+            <a:extLst>
+              <a:ext uri="{FF2B5EF4-FFF2-40B4-BE49-F238E27FC236}">
+                <a16:creationId xmlns:a16="http://schemas.microsoft.com/office/drawing/2014/main" id="{4B05E237-268A-4143-9A19-98E64B1521A7}"/>
+              </a:ext>
+            </a:extLst>
+          </p:cNvPr>
+          <p:cNvSpPr txBox="1"/>
+          <p:nvPr/>
+        </p:nvSpPr>
+        <p:spPr>
+          <a:xfrm>
+            <a:off x="424206" y="320511"/>
+            <a:ext cx="7675499" cy="369332"/>
+          </a:xfrm>
+          <a:prstGeom prst="rect">
+            <a:avLst/>
+          </a:prstGeom>
+          <a:noFill/>
+        </p:spPr>
+        <p:txBody>
+          <a:bodyPr wrap="none" rtlCol="0">
+            <a:spAutoFit/>
+          </a:bodyPr>
+          <a:lstStyle/>
+          <a:p>
+            <a:r>
+              <a:rPr lang="en-US" altLang="zh-CN" dirty="0"/>
+              <a:t>1. CONST_COMPRESSED  </a:t>
+            </a:r>
+            <a:r>
+              <a:rPr lang="zh-CN" altLang="en-US" dirty="0"/>
+              <a:t>常量压缩 </a:t>
+            </a:r>
+            <a:r>
+              <a:rPr lang="en-US" altLang="zh-CN" dirty="0"/>
+              <a:t>(</a:t>
+            </a:r>
+            <a:r>
+              <a:rPr lang="zh-CN" altLang="en-US" dirty="0"/>
+              <a:t>所有文档的值都是常数</a:t>
+            </a:r>
+            <a:r>
+              <a:rPr lang="en-US" altLang="zh-CN" dirty="0"/>
+              <a:t>C</a:t>
+            </a:r>
+            <a:r>
+              <a:rPr lang="zh-CN" altLang="en-US" dirty="0"/>
+              <a:t>，或者无值</a:t>
+            </a:r>
+            <a:r>
+              <a:rPr lang="en-US" altLang="zh-CN" dirty="0"/>
+              <a:t>) </a:t>
+            </a:r>
             <a:endParaRPr lang="zh-CN" altLang="en-US" dirty="0"/>
           </a:p>
         </p:txBody>
       </p:sp>
+      <p:sp>
+        <p:nvSpPr>
+          <p:cNvPr id="5" name="矩形 4">
+            <a:extLst>
+              <a:ext uri="{FF2B5EF4-FFF2-40B4-BE49-F238E27FC236}">
+                <a16:creationId xmlns:a16="http://schemas.microsoft.com/office/drawing/2014/main" id="{D320E84B-5FC4-49DE-B8AA-AF7B9EE05611}"/>
+              </a:ext>
+            </a:extLst>
+          </p:cNvPr>
+          <p:cNvSpPr/>
+          <p:nvPr/>
+        </p:nvSpPr>
+        <p:spPr>
+          <a:xfrm>
+            <a:off x="3574534" y="1338286"/>
+            <a:ext cx="2245593" cy="358140"/>
+          </a:xfrm>
+          <a:prstGeom prst="rect">
+            <a:avLst/>
+          </a:prstGeom>
+        </p:spPr>
+        <p:style>
+          <a:lnRef idx="2">
+            <a:schemeClr val="accent6">
+              <a:shade val="50000"/>
+            </a:schemeClr>
+          </a:lnRef>
+          <a:fillRef idx="1">
+            <a:schemeClr val="accent6"/>
+          </a:fillRef>
+          <a:effectRef idx="0">
+            <a:schemeClr val="accent6"/>
+          </a:effectRef>
+          <a:fontRef idx="minor">
+            <a:schemeClr val="lt1"/>
+          </a:fontRef>
+        </p:style>
+        <p:txBody>
+          <a:bodyPr rtlCol="0" anchor="ctr"/>
+          <a:lstStyle/>
+          <a:p>
+            <a:pPr algn="ctr"/>
+            <a:r>
+              <a:rPr lang="en-US" altLang="zh-CN" dirty="0" err="1"/>
+              <a:t>missingBitSet</a:t>
+            </a:r>
+            <a:endParaRPr lang="en-US" altLang="zh-CN" dirty="0"/>
+          </a:p>
+        </p:txBody>
+      </p:sp>
+      <p:sp>
+        <p:nvSpPr>
+          <p:cNvPr id="6" name="矩形 5">
+            <a:extLst>
+              <a:ext uri="{FF2B5EF4-FFF2-40B4-BE49-F238E27FC236}">
+                <a16:creationId xmlns:a16="http://schemas.microsoft.com/office/drawing/2014/main" id="{6799A233-A7DA-4FD2-9715-548C7179AC91}"/>
+              </a:ext>
+            </a:extLst>
+          </p:cNvPr>
+          <p:cNvSpPr/>
+          <p:nvPr/>
+        </p:nvSpPr>
+        <p:spPr>
+          <a:xfrm>
+            <a:off x="5820127" y="1338286"/>
+            <a:ext cx="1258571" cy="358140"/>
+          </a:xfrm>
+          <a:prstGeom prst="rect">
+            <a:avLst/>
+          </a:prstGeom>
+        </p:spPr>
+        <p:style>
+          <a:lnRef idx="2">
+            <a:schemeClr val="accent6">
+              <a:shade val="50000"/>
+            </a:schemeClr>
+          </a:lnRef>
+          <a:fillRef idx="1">
+            <a:schemeClr val="accent6"/>
+          </a:fillRef>
+          <a:effectRef idx="0">
+            <a:schemeClr val="accent6"/>
+          </a:effectRef>
+          <a:fontRef idx="minor">
+            <a:schemeClr val="lt1"/>
+          </a:fontRef>
+        </p:style>
+        <p:txBody>
+          <a:bodyPr rtlCol="0" anchor="ctr"/>
+          <a:lstStyle/>
+          <a:p>
+            <a:pPr algn="ctr"/>
+            <a:r>
+              <a:rPr lang="en-US" altLang="zh-CN" dirty="0"/>
+              <a:t>count</a:t>
+            </a:r>
+          </a:p>
+        </p:txBody>
+      </p:sp>
+      <p:sp>
+        <p:nvSpPr>
+          <p:cNvPr id="7" name="矩形 6">
+            <a:extLst>
+              <a:ext uri="{FF2B5EF4-FFF2-40B4-BE49-F238E27FC236}">
+                <a16:creationId xmlns:a16="http://schemas.microsoft.com/office/drawing/2014/main" id="{614F63F3-DFB4-41B3-8B8F-1EE55009AA12}"/>
+              </a:ext>
+            </a:extLst>
+          </p:cNvPr>
+          <p:cNvSpPr/>
+          <p:nvPr/>
+        </p:nvSpPr>
+        <p:spPr>
+          <a:xfrm>
+            <a:off x="7078698" y="1338286"/>
+            <a:ext cx="1258571" cy="358140"/>
+          </a:xfrm>
+          <a:prstGeom prst="rect">
+            <a:avLst/>
+          </a:prstGeom>
+        </p:spPr>
+        <p:style>
+          <a:lnRef idx="2">
+            <a:schemeClr val="accent6">
+              <a:shade val="50000"/>
+            </a:schemeClr>
+          </a:lnRef>
+          <a:fillRef idx="1">
+            <a:schemeClr val="accent6"/>
+          </a:fillRef>
+          <a:effectRef idx="0">
+            <a:schemeClr val="accent6"/>
+          </a:effectRef>
+          <a:fontRef idx="minor">
+            <a:schemeClr val="lt1"/>
+          </a:fontRef>
+        </p:style>
+        <p:txBody>
+          <a:bodyPr rtlCol="0" anchor="ctr"/>
+          <a:lstStyle/>
+          <a:p>
+            <a:pPr algn="ctr"/>
+            <a:r>
+              <a:rPr lang="zh-CN" altLang="en-US" dirty="0"/>
+              <a:t>常数</a:t>
+            </a:r>
+            <a:r>
+              <a:rPr lang="en-US" altLang="zh-CN" dirty="0"/>
+              <a:t>C</a:t>
+            </a:r>
+          </a:p>
+        </p:txBody>
+      </p:sp>
+      <p:sp>
+        <p:nvSpPr>
+          <p:cNvPr id="8" name="文本框 7">
+            <a:extLst>
+              <a:ext uri="{FF2B5EF4-FFF2-40B4-BE49-F238E27FC236}">
+                <a16:creationId xmlns:a16="http://schemas.microsoft.com/office/drawing/2014/main" id="{D1DD1782-E955-43C2-8D2C-4EFB805B8C5B}"/>
+              </a:ext>
+            </a:extLst>
+          </p:cNvPr>
+          <p:cNvSpPr txBox="1"/>
+          <p:nvPr/>
+        </p:nvSpPr>
+        <p:spPr>
+          <a:xfrm>
+            <a:off x="1247187" y="1327094"/>
+            <a:ext cx="1132041" cy="369332"/>
+          </a:xfrm>
+          <a:prstGeom prst="rect">
+            <a:avLst/>
+          </a:prstGeom>
+          <a:noFill/>
+        </p:spPr>
+        <p:txBody>
+          <a:bodyPr wrap="none" rtlCol="0">
+            <a:spAutoFit/>
+          </a:bodyPr>
+          <a:lstStyle/>
+          <a:p>
+            <a:r>
+              <a:rPr lang="en-US" altLang="zh-CN" dirty="0"/>
+              <a:t>.</a:t>
+            </a:r>
+            <a:r>
+              <a:rPr lang="en-US" altLang="zh-CN" dirty="0" err="1"/>
+              <a:t>dvm</a:t>
+            </a:r>
+            <a:r>
+              <a:rPr lang="zh-CN" altLang="en-US" dirty="0"/>
+              <a:t>文件</a:t>
+            </a:r>
+          </a:p>
+        </p:txBody>
+      </p:sp>
+      <p:sp>
+        <p:nvSpPr>
+          <p:cNvPr id="9" name="文本框 8">
+            <a:extLst>
+              <a:ext uri="{FF2B5EF4-FFF2-40B4-BE49-F238E27FC236}">
+                <a16:creationId xmlns:a16="http://schemas.microsoft.com/office/drawing/2014/main" id="{8E248A36-D299-401E-B8AE-26E4FAD1820E}"/>
+              </a:ext>
+            </a:extLst>
+          </p:cNvPr>
+          <p:cNvSpPr txBox="1"/>
+          <p:nvPr/>
+        </p:nvSpPr>
+        <p:spPr>
+          <a:xfrm>
+            <a:off x="3574534" y="2545237"/>
+            <a:ext cx="3978974" cy="369332"/>
+          </a:xfrm>
+          <a:prstGeom prst="rect">
+            <a:avLst/>
+          </a:prstGeom>
+          <a:noFill/>
+        </p:spPr>
+        <p:txBody>
+          <a:bodyPr wrap="none" rtlCol="0">
+            <a:spAutoFit/>
+          </a:bodyPr>
+          <a:lstStyle/>
+          <a:p>
+            <a:r>
+              <a:rPr lang="en-US" altLang="zh-CN" dirty="0" err="1"/>
+              <a:t>missingBitSet</a:t>
+            </a:r>
+            <a:r>
+              <a:rPr lang="en-US" altLang="zh-CN" dirty="0"/>
+              <a:t> : </a:t>
+            </a:r>
+            <a:r>
+              <a:rPr lang="zh-CN" altLang="en-US" dirty="0"/>
+              <a:t>位集表示的无值的文档</a:t>
+            </a:r>
+          </a:p>
+        </p:txBody>
+      </p:sp>
+      <p:sp>
+        <p:nvSpPr>
+          <p:cNvPr id="10" name="文本框 9">
+            <a:extLst>
+              <a:ext uri="{FF2B5EF4-FFF2-40B4-BE49-F238E27FC236}">
+                <a16:creationId xmlns:a16="http://schemas.microsoft.com/office/drawing/2014/main" id="{F0438544-BA8C-42F6-8FC8-A209594961E9}"/>
+              </a:ext>
+            </a:extLst>
+          </p:cNvPr>
+          <p:cNvSpPr txBox="1"/>
+          <p:nvPr/>
+        </p:nvSpPr>
+        <p:spPr>
+          <a:xfrm>
+            <a:off x="1338606" y="4421171"/>
+            <a:ext cx="7731604" cy="646331"/>
+          </a:xfrm>
+          <a:prstGeom prst="rect">
+            <a:avLst/>
+          </a:prstGeom>
+          <a:noFill/>
+        </p:spPr>
+        <p:txBody>
+          <a:bodyPr wrap="none" rtlCol="0">
+            <a:spAutoFit/>
+          </a:bodyPr>
+          <a:lstStyle/>
+          <a:p>
+            <a:r>
+              <a:rPr lang="zh-CN" altLang="en-US" dirty="0"/>
+              <a:t>有些标识字段，只有</a:t>
+            </a:r>
+            <a:r>
+              <a:rPr lang="en-US" altLang="zh-CN" dirty="0"/>
+              <a:t>0</a:t>
+            </a:r>
+            <a:r>
+              <a:rPr lang="zh-CN" altLang="en-US" dirty="0"/>
+              <a:t>和</a:t>
+            </a:r>
+            <a:r>
+              <a:rPr lang="en-US" altLang="zh-CN" dirty="0"/>
+              <a:t>1</a:t>
+            </a:r>
+            <a:r>
+              <a:rPr lang="zh-CN" altLang="en-US" dirty="0"/>
+              <a:t>两种值，但不能使用</a:t>
+            </a:r>
+            <a:r>
+              <a:rPr lang="en-US" altLang="zh-CN" dirty="0"/>
+              <a:t>CONST_COMPRESSED</a:t>
+            </a:r>
+            <a:r>
+              <a:rPr lang="zh-CN" altLang="en-US" dirty="0"/>
+              <a:t>压缩，</a:t>
+            </a:r>
+            <a:endParaRPr lang="en-US" altLang="zh-CN" dirty="0"/>
+          </a:p>
+          <a:p>
+            <a:r>
+              <a:rPr lang="zh-CN" altLang="en-US" dirty="0"/>
+              <a:t>是否应该改成  </a:t>
+            </a:r>
+            <a:r>
+              <a:rPr lang="en-US" altLang="zh-CN" dirty="0"/>
+              <a:t>missing </a:t>
+            </a:r>
+            <a:r>
+              <a:rPr lang="zh-CN" altLang="en-US" dirty="0"/>
+              <a:t>和 </a:t>
+            </a:r>
+            <a:r>
+              <a:rPr lang="en-US" altLang="zh-CN" dirty="0"/>
+              <a:t>1</a:t>
+            </a:r>
+            <a:r>
+              <a:rPr lang="zh-CN" altLang="en-US" dirty="0"/>
+              <a:t>两种？加速排序？  </a:t>
+            </a:r>
+          </a:p>
+        </p:txBody>
+      </p:sp>
     </p:spTree>
+    <p:extLst>
+      <p:ext uri="{BB962C8B-B14F-4D97-AF65-F5344CB8AC3E}">
+        <p14:creationId xmlns:p14="http://schemas.microsoft.com/office/powerpoint/2010/main" val="1332499405"/>
+      </p:ext>
+    </p:extLst>
   </p:cSld>
   <p:clrMapOvr>
     <a:masterClrMapping/>
@@ -6171,58 +6534,80 @@
       </p:grpSpPr>
       <p:sp>
         <p:nvSpPr>
-          <p:cNvPr id="2" name="矩形 1"/>
+          <p:cNvPr id="2" name="文本框 1">
+            <a:extLst>
+              <a:ext uri="{FF2B5EF4-FFF2-40B4-BE49-F238E27FC236}">
+                <a16:creationId xmlns:a16="http://schemas.microsoft.com/office/drawing/2014/main" id="{4EDBB90C-2804-4035-B2A9-BFE21E6D3E1D}"/>
+              </a:ext>
+            </a:extLst>
+          </p:cNvPr>
+          <p:cNvSpPr txBox="1"/>
+          <p:nvPr/>
+        </p:nvSpPr>
+        <p:spPr>
+          <a:xfrm>
+            <a:off x="700666" y="233266"/>
+            <a:ext cx="7877478" cy="369332"/>
+          </a:xfrm>
+          <a:prstGeom prst="rect">
+            <a:avLst/>
+          </a:prstGeom>
+          <a:noFill/>
+        </p:spPr>
+        <p:txBody>
+          <a:bodyPr wrap="none" rtlCol="0">
+            <a:spAutoFit/>
+          </a:bodyPr>
+          <a:lstStyle/>
+          <a:p>
+            <a:r>
+              <a:rPr lang="en-US" altLang="zh-CN" dirty="0"/>
+              <a:t>2. SPARSE_COMPRESSED	</a:t>
+            </a:r>
+            <a:r>
+              <a:rPr lang="zh-CN" altLang="en-US" dirty="0"/>
+              <a:t>稀疏压缩 </a:t>
+            </a:r>
+            <a:r>
+              <a:rPr lang="en-US" altLang="zh-CN" dirty="0"/>
+              <a:t>(</a:t>
+            </a:r>
+            <a:r>
+              <a:rPr lang="zh-CN" altLang="en-US" dirty="0"/>
+              <a:t>有值的文档不超过</a:t>
+            </a:r>
+            <a:r>
+              <a:rPr lang="en-US" altLang="zh-CN" dirty="0"/>
+              <a:t>1%</a:t>
+            </a:r>
+            <a:r>
+              <a:rPr lang="zh-CN" altLang="en-US" dirty="0"/>
+              <a:t>，且总数</a:t>
+            </a:r>
+            <a:r>
+              <a:rPr lang="en-US" altLang="zh-CN" dirty="0"/>
+              <a:t>&gt;=1024)</a:t>
+            </a:r>
+            <a:endParaRPr lang="zh-CN" altLang="en-US" dirty="0"/>
+          </a:p>
+        </p:txBody>
+      </p:sp>
+      <p:sp>
+        <p:nvSpPr>
+          <p:cNvPr id="14" name="矩形 13">
+            <a:extLst>
+              <a:ext uri="{FF2B5EF4-FFF2-40B4-BE49-F238E27FC236}">
+                <a16:creationId xmlns:a16="http://schemas.microsoft.com/office/drawing/2014/main" id="{68E3B2DE-BAA7-4BA8-A268-094CC29989BD}"/>
+              </a:ext>
+            </a:extLst>
+          </p:cNvPr>
           <p:cNvSpPr/>
           <p:nvPr/>
         </p:nvSpPr>
         <p:spPr>
           <a:xfrm>
-            <a:off x="1234912" y="254524"/>
-            <a:ext cx="2139886" cy="358217"/>
-          </a:xfrm>
-          <a:prstGeom prst="rect">
-            <a:avLst/>
-          </a:prstGeom>
-        </p:spPr>
-        <p:style>
-          <a:lnRef idx="2">
-            <a:schemeClr val="accent3">
-              <a:shade val="50000"/>
-            </a:schemeClr>
-          </a:lnRef>
-          <a:fillRef idx="1">
-            <a:schemeClr val="accent3"/>
-          </a:fillRef>
-          <a:effectRef idx="0">
-            <a:schemeClr val="accent3"/>
-          </a:effectRef>
-          <a:fontRef idx="minor">
-            <a:schemeClr val="lt1"/>
-          </a:fontRef>
-        </p:style>
-        <p:txBody>
-          <a:bodyPr rtlCol="0" anchor="ctr"/>
-          <a:lstStyle/>
-          <a:p>
-            <a:pPr algn="ctr"/>
-            <a:r>
-              <a:rPr lang="en-US" altLang="zh-CN" dirty="0" err="1"/>
-              <a:t>PackedIntsVersion</a:t>
-            </a:r>
-            <a:endParaRPr lang="zh-CN" altLang="en-US" dirty="0"/>
-          </a:p>
-        </p:txBody>
-      </p:sp>
-      <p:sp>
-        <p:nvSpPr>
-          <p:cNvPr id="3" name="矩形 2"/>
-          <p:cNvSpPr/>
-          <p:nvPr/>
-        </p:nvSpPr>
-        <p:spPr>
-          <a:xfrm>
-            <a:off x="3379511" y="254522"/>
-            <a:ext cx="1046375" cy="358219"/>
+            <a:off x="1962550" y="1168604"/>
+            <a:ext cx="2245593" cy="358140"/>
           </a:xfrm>
           <a:prstGeom prst="rect">
             <a:avLst/>
@@ -6250,23 +6635,29 @@
           <a:p>
             <a:pPr algn="ctr"/>
             <a:r>
-              <a:rPr lang="en-US" altLang="zh-CN" dirty="0"/>
-              <a:t>Block</a:t>
-            </a:r>
-            <a:endParaRPr lang="zh-CN" altLang="en-US" dirty="0"/>
-          </a:p>
-        </p:txBody>
-      </p:sp>
-      <p:sp>
-        <p:nvSpPr>
-          <p:cNvPr id="5" name="矩形 4"/>
+              <a:rPr lang="en-US" altLang="zh-CN" dirty="0" err="1"/>
+              <a:t>numDocsWithValue</a:t>
+            </a:r>
+            <a:endParaRPr lang="en-US" altLang="zh-CN" dirty="0"/>
+          </a:p>
+        </p:txBody>
+      </p:sp>
+      <p:sp>
+        <p:nvSpPr>
+          <p:cNvPr id="15" name="矩形 14">
+            <a:extLst>
+              <a:ext uri="{FF2B5EF4-FFF2-40B4-BE49-F238E27FC236}">
+                <a16:creationId xmlns:a16="http://schemas.microsoft.com/office/drawing/2014/main" id="{EEEF502E-C51D-4C19-AE86-38AE09EFCFB7}"/>
+              </a:ext>
+            </a:extLst>
+          </p:cNvPr>
           <p:cNvSpPr/>
           <p:nvPr/>
         </p:nvSpPr>
         <p:spPr>
           <a:xfrm>
-            <a:off x="4374037" y="254522"/>
-            <a:ext cx="1046375" cy="358219"/>
+            <a:off x="4208143" y="1168604"/>
+            <a:ext cx="1258571" cy="358140"/>
           </a:xfrm>
           <a:prstGeom prst="rect">
             <a:avLst/>
@@ -6294,43 +6685,45 @@
           <a:p>
             <a:pPr algn="ctr"/>
             <a:r>
-              <a:rPr lang="en-US" altLang="zh-CN" dirty="0"/>
-              <a:t>Block</a:t>
-            </a:r>
-            <a:endParaRPr lang="zh-CN" altLang="en-US" dirty="0"/>
-          </a:p>
-        </p:txBody>
-      </p:sp>
-      <p:sp>
-        <p:nvSpPr>
-          <p:cNvPr id="7" name="矩形 6"/>
+              <a:rPr lang="en-US" altLang="zh-CN" dirty="0" err="1"/>
+              <a:t>blockShift</a:t>
+            </a:r>
+            <a:endParaRPr lang="en-US" altLang="zh-CN" dirty="0"/>
+          </a:p>
+        </p:txBody>
+      </p:sp>
+      <p:sp>
+        <p:nvSpPr>
+          <p:cNvPr id="16" name="矩形 15">
+            <a:extLst>
+              <a:ext uri="{FF2B5EF4-FFF2-40B4-BE49-F238E27FC236}">
+                <a16:creationId xmlns:a16="http://schemas.microsoft.com/office/drawing/2014/main" id="{647BB1CB-72A4-49BA-A74B-8BCCC03E7AAD}"/>
+              </a:ext>
+            </a:extLst>
+          </p:cNvPr>
           <p:cNvSpPr/>
           <p:nvPr/>
         </p:nvSpPr>
         <p:spPr>
           <a:xfrm>
-            <a:off x="5415699" y="254524"/>
-            <a:ext cx="579750" cy="358219"/>
-          </a:xfrm>
-          <a:prstGeom prst="rect">
-            <a:avLst/>
-          </a:prstGeom>
-          <a:noFill/>
-          <a:ln>
-            <a:noFill/>
-          </a:ln>
+            <a:off x="3788472" y="2422307"/>
+            <a:ext cx="639677" cy="358140"/>
+          </a:xfrm>
+          <a:prstGeom prst="rect">
+            <a:avLst/>
+          </a:prstGeom>
         </p:spPr>
         <p:style>
           <a:lnRef idx="2">
-            <a:schemeClr val="accent1">
+            <a:schemeClr val="accent5">
               <a:shade val="50000"/>
             </a:schemeClr>
           </a:lnRef>
           <a:fillRef idx="1">
-            <a:schemeClr val="accent1"/>
-          </a:fillRef>
-          <a:effectRef idx="0">
-            <a:schemeClr val="accent1"/>
+            <a:schemeClr val="accent5"/>
+          </a:fillRef>
+          <a:effectRef idx="0">
+            <a:schemeClr val="accent5"/>
           </a:effectRef>
           <a:fontRef idx="minor">
             <a:schemeClr val="lt1"/>
@@ -6342,26 +6735,127 @@
           <a:p>
             <a:pPr algn="ctr"/>
             <a:r>
-              <a:rPr lang="en-US" altLang="zh-CN" dirty="0">
-                <a:solidFill>
-                  <a:schemeClr val="tx1"/>
-                </a:solidFill>
-              </a:rPr>
-              <a:t>......</a:t>
-            </a:r>
-          </a:p>
-        </p:txBody>
-      </p:sp>
-      <p:sp>
-        <p:nvSpPr>
-          <p:cNvPr id="8" name="矩形 7"/>
+              <a:rPr lang="en-US" altLang="zh-CN" dirty="0"/>
+              <a:t>min</a:t>
+            </a:r>
+          </a:p>
+        </p:txBody>
+      </p:sp>
+      <p:sp>
+        <p:nvSpPr>
+          <p:cNvPr id="17" name="矩形 16">
+            <a:extLst>
+              <a:ext uri="{FF2B5EF4-FFF2-40B4-BE49-F238E27FC236}">
+                <a16:creationId xmlns:a16="http://schemas.microsoft.com/office/drawing/2014/main" id="{D4E7FFDD-BE7F-4021-8371-6C4C67419C29}"/>
+              </a:ext>
+            </a:extLst>
+          </p:cNvPr>
           <p:cNvSpPr/>
           <p:nvPr/>
         </p:nvSpPr>
         <p:spPr>
           <a:xfrm>
-            <a:off x="5995449" y="254523"/>
-            <a:ext cx="1046375" cy="358219"/>
+            <a:off x="4428150" y="2422307"/>
+            <a:ext cx="866571" cy="358140"/>
+          </a:xfrm>
+          <a:prstGeom prst="rect">
+            <a:avLst/>
+          </a:prstGeom>
+        </p:spPr>
+        <p:style>
+          <a:lnRef idx="2">
+            <a:schemeClr val="accent5">
+              <a:shade val="50000"/>
+            </a:schemeClr>
+          </a:lnRef>
+          <a:fillRef idx="1">
+            <a:schemeClr val="accent5"/>
+          </a:fillRef>
+          <a:effectRef idx="0">
+            <a:schemeClr val="accent5"/>
+          </a:effectRef>
+          <a:fontRef idx="minor">
+            <a:schemeClr val="lt1"/>
+          </a:fontRef>
+        </p:style>
+        <p:txBody>
+          <a:bodyPr rtlCol="0" anchor="ctr"/>
+          <a:lstStyle/>
+          <a:p>
+            <a:pPr algn="ctr"/>
+            <a:r>
+              <a:rPr lang="en-US" altLang="zh-CN" dirty="0" err="1"/>
+              <a:t>avgInc</a:t>
+            </a:r>
+            <a:endParaRPr lang="en-US" altLang="zh-CN" dirty="0"/>
+          </a:p>
+        </p:txBody>
+      </p:sp>
+      <p:sp>
+        <p:nvSpPr>
+          <p:cNvPr id="18" name="矩形 17">
+            <a:extLst>
+              <a:ext uri="{FF2B5EF4-FFF2-40B4-BE49-F238E27FC236}">
+                <a16:creationId xmlns:a16="http://schemas.microsoft.com/office/drawing/2014/main" id="{00F4177B-2E60-487B-B660-9204AE221001}"/>
+              </a:ext>
+            </a:extLst>
+          </p:cNvPr>
+          <p:cNvSpPr/>
+          <p:nvPr/>
+        </p:nvSpPr>
+        <p:spPr>
+          <a:xfrm>
+            <a:off x="5294721" y="2422307"/>
+            <a:ext cx="1031677" cy="358140"/>
+          </a:xfrm>
+          <a:prstGeom prst="rect">
+            <a:avLst/>
+          </a:prstGeom>
+        </p:spPr>
+        <p:style>
+          <a:lnRef idx="2">
+            <a:schemeClr val="accent5">
+              <a:shade val="50000"/>
+            </a:schemeClr>
+          </a:lnRef>
+          <a:fillRef idx="1">
+            <a:schemeClr val="accent5"/>
+          </a:fillRef>
+          <a:effectRef idx="0">
+            <a:schemeClr val="accent5"/>
+          </a:effectRef>
+          <a:fontRef idx="minor">
+            <a:schemeClr val="lt1"/>
+          </a:fontRef>
+        </p:style>
+        <p:txBody>
+          <a:bodyPr rtlCol="0" anchor="ctr"/>
+          <a:lstStyle/>
+          <a:p>
+            <a:pPr algn="ctr"/>
+            <a:r>
+              <a:rPr lang="en-US" altLang="zh-CN" dirty="0"/>
+              <a:t>pointer</a:t>
+            </a:r>
+          </a:p>
+        </p:txBody>
+      </p:sp>
+      <p:sp>
+        <p:nvSpPr>
+          <p:cNvPr id="22" name="矩形 21">
+            <a:extLst>
+              <a:ext uri="{FF2B5EF4-FFF2-40B4-BE49-F238E27FC236}">
+                <a16:creationId xmlns:a16="http://schemas.microsoft.com/office/drawing/2014/main" id="{00CB82AF-7BA6-4430-B78B-75135BA608B8}"/>
+              </a:ext>
+            </a:extLst>
+          </p:cNvPr>
+          <p:cNvSpPr/>
+          <p:nvPr/>
+        </p:nvSpPr>
+        <p:spPr>
+          <a:xfrm>
+            <a:off x="5466714" y="1168604"/>
+            <a:ext cx="1258571" cy="358140"/>
           </a:xfrm>
           <a:prstGeom prst="rect">
             <a:avLst/>
@@ -6389,23 +6883,29 @@
           <a:p>
             <a:pPr algn="ctr"/>
             <a:r>
-              <a:rPr lang="en-US" altLang="zh-CN" dirty="0"/>
-              <a:t>Block</a:t>
-            </a:r>
-            <a:endParaRPr lang="zh-CN" altLang="en-US" dirty="0"/>
-          </a:p>
-        </p:txBody>
-      </p:sp>
-      <p:sp>
-        <p:nvSpPr>
-          <p:cNvPr id="9" name="矩形 8"/>
+              <a:rPr lang="en-US" altLang="zh-CN" dirty="0" err="1"/>
+              <a:t>blockMeta</a:t>
+            </a:r>
+            <a:endParaRPr lang="en-US" altLang="zh-CN" dirty="0"/>
+          </a:p>
+        </p:txBody>
+      </p:sp>
+      <p:sp>
+        <p:nvSpPr>
+          <p:cNvPr id="23" name="矩形 22">
+            <a:extLst>
+              <a:ext uri="{FF2B5EF4-FFF2-40B4-BE49-F238E27FC236}">
+                <a16:creationId xmlns:a16="http://schemas.microsoft.com/office/drawing/2014/main" id="{458B3E73-E0B4-4F67-80F8-CC8DEDD20C0A}"/>
+              </a:ext>
+            </a:extLst>
+          </p:cNvPr>
           <p:cNvSpPr/>
           <p:nvPr/>
         </p:nvSpPr>
         <p:spPr>
           <a:xfrm>
-            <a:off x="7041824" y="254522"/>
-            <a:ext cx="1046375" cy="358219"/>
+            <a:off x="6725285" y="1168604"/>
+            <a:ext cx="1258571" cy="358140"/>
           </a:xfrm>
           <a:prstGeom prst="rect">
             <a:avLst/>
@@ -6433,708 +6933,29 @@
           <a:p>
             <a:pPr algn="ctr"/>
             <a:r>
-              <a:rPr lang="en-US" altLang="zh-CN" dirty="0"/>
-              <a:t>Block</a:t>
-            </a:r>
-            <a:endParaRPr lang="zh-CN" altLang="en-US" dirty="0"/>
-          </a:p>
-        </p:txBody>
-      </p:sp>
-      <p:sp>
-        <p:nvSpPr>
-          <p:cNvPr id="10" name="矩形 9"/>
+              <a:rPr lang="en-US" altLang="zh-CN" dirty="0" err="1"/>
+              <a:t>blockMeta</a:t>
+            </a:r>
+            <a:endParaRPr lang="en-US" altLang="zh-CN" dirty="0"/>
+          </a:p>
+        </p:txBody>
+      </p:sp>
+      <p:sp>
+        <p:nvSpPr>
+          <p:cNvPr id="24" name="矩形 23">
+            <a:extLst>
+              <a:ext uri="{FF2B5EF4-FFF2-40B4-BE49-F238E27FC236}">
+                <a16:creationId xmlns:a16="http://schemas.microsoft.com/office/drawing/2014/main" id="{0153453F-66C8-477A-BECE-46BAFE604D53}"/>
+              </a:ext>
+            </a:extLst>
+          </p:cNvPr>
           <p:cNvSpPr/>
           <p:nvPr/>
         </p:nvSpPr>
         <p:spPr>
           <a:xfrm>
-            <a:off x="8088199" y="254522"/>
-            <a:ext cx="2412426" cy="358219"/>
-          </a:xfrm>
-          <a:prstGeom prst="rect">
-            <a:avLst/>
-          </a:prstGeom>
-        </p:spPr>
-        <p:style>
-          <a:lnRef idx="2">
-            <a:schemeClr val="accent3">
-              <a:shade val="50000"/>
-            </a:schemeClr>
-          </a:lnRef>
-          <a:fillRef idx="1">
-            <a:schemeClr val="accent3"/>
-          </a:fillRef>
-          <a:effectRef idx="0">
-            <a:schemeClr val="accent3"/>
-          </a:effectRef>
-          <a:fontRef idx="minor">
-            <a:schemeClr val="lt1"/>
-          </a:fontRef>
-        </p:style>
-        <p:txBody>
-          <a:bodyPr rtlCol="0" anchor="ctr"/>
-          <a:lstStyle/>
-          <a:p>
-            <a:pPr algn="ctr"/>
-            <a:r>
-              <a:rPr lang="en-US" altLang="zh-CN" dirty="0" err="1"/>
-              <a:t>BlocksEndMarker</a:t>
-            </a:r>
-            <a:endParaRPr lang="zh-CN" altLang="en-US" dirty="0"/>
-          </a:p>
-        </p:txBody>
-      </p:sp>
-      <p:sp>
-        <p:nvSpPr>
-          <p:cNvPr id="12" name="矩形 11"/>
-          <p:cNvSpPr/>
-          <p:nvPr/>
-        </p:nvSpPr>
-        <p:spPr>
-          <a:xfrm>
-            <a:off x="3846136" y="1621409"/>
-            <a:ext cx="1046375" cy="358219"/>
-          </a:xfrm>
-          <a:prstGeom prst="rect">
-            <a:avLst/>
-          </a:prstGeom>
-        </p:spPr>
-        <p:style>
-          <a:lnRef idx="3">
-            <a:schemeClr val="lt1"/>
-          </a:lnRef>
-          <a:fillRef idx="1">
-            <a:schemeClr val="accent5"/>
-          </a:fillRef>
-          <a:effectRef idx="1">
-            <a:schemeClr val="accent5"/>
-          </a:effectRef>
-          <a:fontRef idx="minor">
-            <a:schemeClr val="lt1"/>
-          </a:fontRef>
-        </p:style>
-        <p:txBody>
-          <a:bodyPr rtlCol="0" anchor="ctr"/>
-          <a:lstStyle/>
-          <a:p>
-            <a:pPr algn="ctr"/>
-            <a:endParaRPr lang="zh-CN" altLang="en-US" dirty="0"/>
-          </a:p>
-        </p:txBody>
-      </p:sp>
-      <p:sp>
-        <p:nvSpPr>
-          <p:cNvPr id="13" name="矩形 12"/>
-          <p:cNvSpPr/>
-          <p:nvPr/>
-        </p:nvSpPr>
-        <p:spPr>
-          <a:xfrm>
-            <a:off x="4892511" y="1621408"/>
-            <a:ext cx="1046375" cy="358219"/>
-          </a:xfrm>
-          <a:prstGeom prst="rect">
-            <a:avLst/>
-          </a:prstGeom>
-        </p:spPr>
-        <p:style>
-          <a:lnRef idx="3">
-            <a:schemeClr val="lt1"/>
-          </a:lnRef>
-          <a:fillRef idx="1">
-            <a:schemeClr val="accent5"/>
-          </a:fillRef>
-          <a:effectRef idx="1">
-            <a:schemeClr val="accent5"/>
-          </a:effectRef>
-          <a:fontRef idx="minor">
-            <a:schemeClr val="lt1"/>
-          </a:fontRef>
-        </p:style>
-        <p:txBody>
-          <a:bodyPr rtlCol="0" anchor="ctr"/>
-          <a:lstStyle/>
-          <a:p>
-            <a:pPr algn="ctr"/>
-            <a:endParaRPr lang="zh-CN" altLang="en-US"/>
-          </a:p>
-        </p:txBody>
-      </p:sp>
-      <p:sp>
-        <p:nvSpPr>
-          <p:cNvPr id="14" name="矩形 13"/>
-          <p:cNvSpPr/>
-          <p:nvPr/>
-        </p:nvSpPr>
-        <p:spPr>
-          <a:xfrm>
-            <a:off x="5938886" y="1621408"/>
-            <a:ext cx="1046375" cy="358219"/>
-          </a:xfrm>
-          <a:prstGeom prst="rect">
-            <a:avLst/>
-          </a:prstGeom>
-        </p:spPr>
-        <p:style>
-          <a:lnRef idx="3">
-            <a:schemeClr val="lt1"/>
-          </a:lnRef>
-          <a:fillRef idx="1">
-            <a:schemeClr val="accent5"/>
-          </a:fillRef>
-          <a:effectRef idx="1">
-            <a:schemeClr val="accent5"/>
-          </a:effectRef>
-          <a:fontRef idx="minor">
-            <a:schemeClr val="lt1"/>
-          </a:fontRef>
-        </p:style>
-        <p:txBody>
-          <a:bodyPr rtlCol="0" anchor="ctr"/>
-          <a:lstStyle/>
-          <a:p>
-            <a:pPr algn="ctr"/>
-            <a:r>
-              <a:rPr lang="en-US" altLang="zh-CN" dirty="0"/>
-              <a:t>…</a:t>
-            </a:r>
-            <a:endParaRPr lang="zh-CN" altLang="en-US" dirty="0"/>
-          </a:p>
-        </p:txBody>
-      </p:sp>
-      <p:cxnSp>
-        <p:nvCxnSpPr>
-          <p:cNvPr id="16" name="直接连接符 15"/>
-          <p:cNvCxnSpPr/>
-          <p:nvPr/>
-        </p:nvCxnSpPr>
-        <p:spPr>
-          <a:xfrm flipH="1">
-            <a:off x="2201578" y="612741"/>
-            <a:ext cx="1173220" cy="1008664"/>
-          </a:xfrm>
-          <a:prstGeom prst="line">
-            <a:avLst/>
-          </a:prstGeom>
-          <a:ln w="19050"/>
-        </p:spPr>
-        <p:style>
-          <a:lnRef idx="1">
-            <a:schemeClr val="accent1"/>
-          </a:lnRef>
-          <a:fillRef idx="0">
-            <a:schemeClr val="accent1"/>
-          </a:fillRef>
-          <a:effectRef idx="0">
-            <a:schemeClr val="accent1"/>
-          </a:effectRef>
-          <a:fontRef idx="minor">
-            <a:schemeClr val="tx1"/>
-          </a:fontRef>
-        </p:style>
-      </p:cxnSp>
-      <p:cxnSp>
-        <p:nvCxnSpPr>
-          <p:cNvPr id="20" name="直接连接符 19"/>
-          <p:cNvCxnSpPr/>
-          <p:nvPr/>
-        </p:nvCxnSpPr>
-        <p:spPr>
-          <a:xfrm>
-            <a:off x="4369323" y="612741"/>
-            <a:ext cx="3657600" cy="1008664"/>
-          </a:xfrm>
-          <a:prstGeom prst="line">
-            <a:avLst/>
-          </a:prstGeom>
-          <a:ln w="19050"/>
-        </p:spPr>
-        <p:style>
-          <a:lnRef idx="1">
-            <a:schemeClr val="accent1"/>
-          </a:lnRef>
-          <a:fillRef idx="0">
-            <a:schemeClr val="accent1"/>
-          </a:fillRef>
-          <a:effectRef idx="0">
-            <a:schemeClr val="accent1"/>
-          </a:effectRef>
-          <a:fontRef idx="minor">
-            <a:schemeClr val="tx1"/>
-          </a:fontRef>
-        </p:style>
-      </p:cxnSp>
-      <p:sp>
-        <p:nvSpPr>
-          <p:cNvPr id="22" name="矩形 21"/>
-          <p:cNvSpPr/>
-          <p:nvPr/>
-        </p:nvSpPr>
-        <p:spPr>
-          <a:xfrm>
-            <a:off x="2201578" y="1621406"/>
-            <a:ext cx="1637640" cy="358219"/>
-          </a:xfrm>
-          <a:prstGeom prst="rect">
-            <a:avLst/>
-          </a:prstGeom>
-        </p:spPr>
-        <p:style>
-          <a:lnRef idx="3">
-            <a:schemeClr val="lt1"/>
-          </a:lnRef>
-          <a:fillRef idx="1">
-            <a:schemeClr val="accent5"/>
-          </a:fillRef>
-          <a:effectRef idx="1">
-            <a:schemeClr val="accent5"/>
-          </a:effectRef>
-          <a:fontRef idx="minor">
-            <a:schemeClr val="lt1"/>
-          </a:fontRef>
-        </p:style>
-        <p:txBody>
-          <a:bodyPr rtlCol="0" anchor="ctr"/>
-          <a:lstStyle/>
-          <a:p>
-            <a:pPr algn="ctr"/>
-            <a:r>
-              <a:rPr lang="en-US" altLang="zh-CN" dirty="0" err="1"/>
-              <a:t>DocBases</a:t>
-            </a:r>
-            <a:endParaRPr lang="zh-CN" altLang="en-US" dirty="0"/>
-          </a:p>
-        </p:txBody>
-      </p:sp>
-      <p:sp>
-        <p:nvSpPr>
-          <p:cNvPr id="23" name="矩形 22"/>
-          <p:cNvSpPr/>
-          <p:nvPr/>
-        </p:nvSpPr>
-        <p:spPr>
-          <a:xfrm>
-            <a:off x="3846136" y="1979625"/>
-            <a:ext cx="1046375" cy="358219"/>
-          </a:xfrm>
-          <a:prstGeom prst="rect">
-            <a:avLst/>
-          </a:prstGeom>
-        </p:spPr>
-        <p:style>
-          <a:lnRef idx="3">
-            <a:schemeClr val="lt1"/>
-          </a:lnRef>
-          <a:fillRef idx="1">
-            <a:schemeClr val="accent2"/>
-          </a:fillRef>
-          <a:effectRef idx="1">
-            <a:schemeClr val="accent2"/>
-          </a:effectRef>
-          <a:fontRef idx="minor">
-            <a:schemeClr val="lt1"/>
-          </a:fontRef>
-        </p:style>
-        <p:txBody>
-          <a:bodyPr rtlCol="0" anchor="ctr"/>
-          <a:lstStyle/>
-          <a:p>
-            <a:pPr algn="ctr"/>
-            <a:endParaRPr lang="zh-CN" altLang="en-US" dirty="0"/>
-          </a:p>
-        </p:txBody>
-      </p:sp>
-      <p:sp>
-        <p:nvSpPr>
-          <p:cNvPr id="24" name="矩形 23"/>
-          <p:cNvSpPr/>
-          <p:nvPr/>
-        </p:nvSpPr>
-        <p:spPr>
-          <a:xfrm>
-            <a:off x="4892511" y="1979624"/>
-            <a:ext cx="1046375" cy="358219"/>
-          </a:xfrm>
-          <a:prstGeom prst="rect">
-            <a:avLst/>
-          </a:prstGeom>
-        </p:spPr>
-        <p:style>
-          <a:lnRef idx="3">
-            <a:schemeClr val="lt1"/>
-          </a:lnRef>
-          <a:fillRef idx="1">
-            <a:schemeClr val="accent2"/>
-          </a:fillRef>
-          <a:effectRef idx="1">
-            <a:schemeClr val="accent2"/>
-          </a:effectRef>
-          <a:fontRef idx="minor">
-            <a:schemeClr val="lt1"/>
-          </a:fontRef>
-        </p:style>
-        <p:txBody>
-          <a:bodyPr rtlCol="0" anchor="ctr"/>
-          <a:lstStyle/>
-          <a:p>
-            <a:pPr algn="ctr"/>
-            <a:endParaRPr lang="zh-CN" altLang="en-US"/>
-          </a:p>
-        </p:txBody>
-      </p:sp>
-      <p:sp>
-        <p:nvSpPr>
-          <p:cNvPr id="25" name="矩形 24"/>
-          <p:cNvSpPr/>
-          <p:nvPr/>
-        </p:nvSpPr>
-        <p:spPr>
-          <a:xfrm>
-            <a:off x="5938886" y="1979624"/>
-            <a:ext cx="1046375" cy="358219"/>
-          </a:xfrm>
-          <a:prstGeom prst="rect">
-            <a:avLst/>
-          </a:prstGeom>
-        </p:spPr>
-        <p:style>
-          <a:lnRef idx="3">
-            <a:schemeClr val="lt1"/>
-          </a:lnRef>
-          <a:fillRef idx="1">
-            <a:schemeClr val="accent2"/>
-          </a:fillRef>
-          <a:effectRef idx="1">
-            <a:schemeClr val="accent2"/>
-          </a:effectRef>
-          <a:fontRef idx="minor">
-            <a:schemeClr val="lt1"/>
-          </a:fontRef>
-        </p:style>
-        <p:txBody>
-          <a:bodyPr rtlCol="0" anchor="ctr"/>
-          <a:lstStyle/>
-          <a:p>
-            <a:pPr algn="ctr"/>
-            <a:r>
-              <a:rPr lang="en-US" altLang="zh-CN" dirty="0"/>
-              <a:t>…</a:t>
-            </a:r>
-            <a:endParaRPr lang="zh-CN" altLang="en-US" dirty="0"/>
-          </a:p>
-        </p:txBody>
-      </p:sp>
-      <p:sp>
-        <p:nvSpPr>
-          <p:cNvPr id="26" name="矩形 25"/>
-          <p:cNvSpPr/>
-          <p:nvPr/>
-        </p:nvSpPr>
-        <p:spPr>
-          <a:xfrm>
-            <a:off x="2201578" y="1979622"/>
-            <a:ext cx="1637640" cy="358219"/>
-          </a:xfrm>
-          <a:prstGeom prst="rect">
-            <a:avLst/>
-          </a:prstGeom>
-        </p:spPr>
-        <p:style>
-          <a:lnRef idx="3">
-            <a:schemeClr val="lt1"/>
-          </a:lnRef>
-          <a:fillRef idx="1">
-            <a:schemeClr val="accent2"/>
-          </a:fillRef>
-          <a:effectRef idx="1">
-            <a:schemeClr val="accent2"/>
-          </a:effectRef>
-          <a:fontRef idx="minor">
-            <a:schemeClr val="lt1"/>
-          </a:fontRef>
-        </p:style>
-        <p:txBody>
-          <a:bodyPr rtlCol="0" anchor="ctr"/>
-          <a:lstStyle/>
-          <a:p>
-            <a:pPr algn="ctr"/>
-            <a:r>
-              <a:rPr lang="en-US" altLang="zh-CN" dirty="0" err="1"/>
-              <a:t>StartPointers</a:t>
-            </a:r>
-            <a:endParaRPr lang="zh-CN" altLang="en-US" dirty="0"/>
-          </a:p>
-        </p:txBody>
-      </p:sp>
-      <p:sp>
-        <p:nvSpPr>
-          <p:cNvPr id="27" name="矩形 26"/>
-          <p:cNvSpPr/>
-          <p:nvPr/>
-        </p:nvSpPr>
-        <p:spPr>
-          <a:xfrm>
-            <a:off x="6992180" y="1621406"/>
-            <a:ext cx="1046375" cy="358219"/>
-          </a:xfrm>
-          <a:prstGeom prst="rect">
-            <a:avLst/>
-          </a:prstGeom>
-        </p:spPr>
-        <p:style>
-          <a:lnRef idx="3">
-            <a:schemeClr val="lt1"/>
-          </a:lnRef>
-          <a:fillRef idx="1">
-            <a:schemeClr val="accent5"/>
-          </a:fillRef>
-          <a:effectRef idx="1">
-            <a:schemeClr val="accent5"/>
-          </a:effectRef>
-          <a:fontRef idx="minor">
-            <a:schemeClr val="lt1"/>
-          </a:fontRef>
-        </p:style>
-        <p:txBody>
-          <a:bodyPr rtlCol="0" anchor="ctr"/>
-          <a:lstStyle/>
-          <a:p>
-            <a:pPr algn="ctr"/>
-            <a:endParaRPr lang="zh-CN" altLang="en-US" dirty="0"/>
-          </a:p>
-        </p:txBody>
-      </p:sp>
-      <p:sp>
-        <p:nvSpPr>
-          <p:cNvPr id="28" name="矩形 27"/>
-          <p:cNvSpPr/>
-          <p:nvPr/>
-        </p:nvSpPr>
-        <p:spPr>
-          <a:xfrm>
-            <a:off x="6992180" y="1979622"/>
-            <a:ext cx="1046375" cy="358219"/>
-          </a:xfrm>
-          <a:prstGeom prst="rect">
-            <a:avLst/>
-          </a:prstGeom>
-        </p:spPr>
-        <p:style>
-          <a:lnRef idx="3">
-            <a:schemeClr val="lt1"/>
-          </a:lnRef>
-          <a:fillRef idx="1">
-            <a:schemeClr val="accent2"/>
-          </a:fillRef>
-          <a:effectRef idx="1">
-            <a:schemeClr val="accent2"/>
-          </a:effectRef>
-          <a:fontRef idx="minor">
-            <a:schemeClr val="lt1"/>
-          </a:fontRef>
-        </p:style>
-        <p:txBody>
-          <a:bodyPr rtlCol="0" anchor="ctr"/>
-          <a:lstStyle/>
-          <a:p>
-            <a:pPr algn="ctr"/>
-            <a:endParaRPr lang="zh-CN" altLang="en-US" dirty="0"/>
-          </a:p>
-        </p:txBody>
-      </p:sp>
-      <p:cxnSp>
-        <p:nvCxnSpPr>
-          <p:cNvPr id="32" name="直接连接符 31"/>
-          <p:cNvCxnSpPr/>
-          <p:nvPr/>
-        </p:nvCxnSpPr>
-        <p:spPr>
-          <a:xfrm>
-            <a:off x="113122" y="2714920"/>
-            <a:ext cx="11774078" cy="0"/>
-          </a:xfrm>
-          <a:prstGeom prst="line">
-            <a:avLst/>
-          </a:prstGeom>
-          <a:ln w="19050"/>
-        </p:spPr>
-        <p:style>
-          <a:lnRef idx="1">
-            <a:schemeClr val="dk1"/>
-          </a:lnRef>
-          <a:fillRef idx="0">
-            <a:schemeClr val="dk1"/>
-          </a:fillRef>
-          <a:effectRef idx="0">
-            <a:schemeClr val="dk1"/>
-          </a:effectRef>
-          <a:fontRef idx="minor">
-            <a:schemeClr val="tx1"/>
-          </a:fontRef>
-        </p:style>
-      </p:cxnSp>
-      <p:sp>
-        <p:nvSpPr>
-          <p:cNvPr id="33" name="文本框 32"/>
-          <p:cNvSpPr txBox="1"/>
-          <p:nvPr/>
-        </p:nvSpPr>
-        <p:spPr>
-          <a:xfrm>
-            <a:off x="54776" y="793907"/>
-            <a:ext cx="2073003" cy="646331"/>
-          </a:xfrm>
-          <a:prstGeom prst="rect">
-            <a:avLst/>
-          </a:prstGeom>
-          <a:noFill/>
-        </p:spPr>
-        <p:txBody>
-          <a:bodyPr wrap="none" rtlCol="0">
-            <a:spAutoFit/>
-          </a:bodyPr>
-          <a:lstStyle/>
-          <a:p>
-            <a:r>
-              <a:rPr lang="en-US" altLang="zh-CN" dirty="0"/>
-              <a:t>.</a:t>
-            </a:r>
-            <a:r>
-              <a:rPr lang="en-US" altLang="zh-CN" dirty="0" err="1"/>
-              <a:t>fdx</a:t>
-            </a:r>
-            <a:r>
-              <a:rPr lang="zh-CN" altLang="en-US" dirty="0"/>
-              <a:t>文件  </a:t>
-            </a:r>
-            <a:endParaRPr lang="en-US" altLang="zh-CN" dirty="0"/>
-          </a:p>
-          <a:p>
-            <a:r>
-              <a:rPr lang="zh-CN" altLang="en-US" dirty="0"/>
-              <a:t>全部加载在内存中</a:t>
-            </a:r>
-          </a:p>
-        </p:txBody>
-      </p:sp>
-      <p:sp>
-        <p:nvSpPr>
-          <p:cNvPr id="34" name="文本框 33"/>
-          <p:cNvSpPr txBox="1"/>
-          <p:nvPr/>
-        </p:nvSpPr>
-        <p:spPr>
-          <a:xfrm>
-            <a:off x="9328036" y="701574"/>
-            <a:ext cx="2809188" cy="738664"/>
-          </a:xfrm>
-          <a:prstGeom prst="rect">
-            <a:avLst/>
-          </a:prstGeom>
-          <a:noFill/>
-        </p:spPr>
-        <p:txBody>
-          <a:bodyPr wrap="square" rtlCol="0">
-            <a:spAutoFit/>
-          </a:bodyPr>
-          <a:lstStyle/>
-          <a:p>
-            <a:r>
-              <a:rPr lang="zh-CN" altLang="en-US" sz="1400" dirty="0"/>
-              <a:t>实际在磁盘上的存储单元是</a:t>
-            </a:r>
-            <a:r>
-              <a:rPr lang="en-US" altLang="zh-CN" sz="1400" dirty="0"/>
-              <a:t>chunk</a:t>
-            </a:r>
-            <a:r>
-              <a:rPr lang="zh-CN" altLang="en-US" sz="1400" dirty="0"/>
-              <a:t>，</a:t>
-            </a:r>
-            <a:endParaRPr lang="en-US" altLang="zh-CN" sz="1400" dirty="0"/>
-          </a:p>
-          <a:p>
-            <a:r>
-              <a:rPr lang="en-US" altLang="zh-CN" sz="1400" dirty="0"/>
-              <a:t>Block</a:t>
-            </a:r>
-            <a:r>
-              <a:rPr lang="zh-CN" altLang="en-US" sz="1400" dirty="0"/>
-              <a:t>是为了将一批</a:t>
-            </a:r>
-            <a:r>
-              <a:rPr lang="en-US" altLang="zh-CN" sz="1400" dirty="0"/>
-              <a:t>chunk</a:t>
-            </a:r>
-            <a:r>
-              <a:rPr lang="zh-CN" altLang="en-US" sz="1400" dirty="0"/>
-              <a:t>的</a:t>
-            </a:r>
-            <a:r>
-              <a:rPr lang="en-US" altLang="zh-CN" sz="1400" dirty="0" err="1"/>
-              <a:t>docID</a:t>
-            </a:r>
-            <a:r>
-              <a:rPr lang="zh-CN" altLang="en-US" sz="1400" dirty="0"/>
-              <a:t>和指针放在一起进行整数压缩</a:t>
-            </a:r>
-          </a:p>
-        </p:txBody>
-      </p:sp>
-      <p:sp>
-        <p:nvSpPr>
-          <p:cNvPr id="35" name="矩形 34"/>
-          <p:cNvSpPr/>
-          <p:nvPr/>
-        </p:nvSpPr>
-        <p:spPr>
-          <a:xfrm>
-            <a:off x="1885361" y="3271105"/>
-            <a:ext cx="2139886" cy="358217"/>
-          </a:xfrm>
-          <a:prstGeom prst="rect">
-            <a:avLst/>
-          </a:prstGeom>
-        </p:spPr>
-        <p:style>
-          <a:lnRef idx="2">
-            <a:schemeClr val="accent3">
-              <a:shade val="50000"/>
-            </a:schemeClr>
-          </a:lnRef>
-          <a:fillRef idx="1">
-            <a:schemeClr val="accent3"/>
-          </a:fillRef>
-          <a:effectRef idx="0">
-            <a:schemeClr val="accent3"/>
-          </a:effectRef>
-          <a:fontRef idx="minor">
-            <a:schemeClr val="lt1"/>
-          </a:fontRef>
-        </p:style>
-        <p:txBody>
-          <a:bodyPr rtlCol="0" anchor="ctr"/>
-          <a:lstStyle/>
-          <a:p>
-            <a:pPr algn="ctr"/>
-            <a:r>
-              <a:rPr lang="en-US" altLang="zh-CN" dirty="0"/>
-              <a:t>Header</a:t>
-            </a:r>
-            <a:endParaRPr lang="zh-CN" altLang="en-US" dirty="0"/>
-          </a:p>
-        </p:txBody>
-      </p:sp>
-      <p:sp>
-        <p:nvSpPr>
-          <p:cNvPr id="36" name="矩形 35"/>
-          <p:cNvSpPr/>
-          <p:nvPr/>
-        </p:nvSpPr>
-        <p:spPr>
-          <a:xfrm>
-            <a:off x="4029960" y="3271103"/>
-            <a:ext cx="1046375" cy="358219"/>
+            <a:off x="7982273" y="1168206"/>
+            <a:ext cx="1258571" cy="358140"/>
           </a:xfrm>
           <a:prstGeom prst="rect">
             <a:avLst/>
@@ -7162,23 +6983,29 @@
           <a:p>
             <a:pPr algn="ctr"/>
             <a:r>
-              <a:rPr lang="en-US" altLang="zh-CN" dirty="0"/>
-              <a:t>Chunk</a:t>
-            </a:r>
-            <a:endParaRPr lang="zh-CN" altLang="en-US" dirty="0"/>
-          </a:p>
-        </p:txBody>
-      </p:sp>
-      <p:sp>
-        <p:nvSpPr>
-          <p:cNvPr id="37" name="矩形 36"/>
+              <a:rPr lang="en-US" altLang="zh-CN" dirty="0" err="1"/>
+              <a:t>blockMeta</a:t>
+            </a:r>
+            <a:endParaRPr lang="en-US" altLang="zh-CN" dirty="0"/>
+          </a:p>
+        </p:txBody>
+      </p:sp>
+      <p:sp>
+        <p:nvSpPr>
+          <p:cNvPr id="25" name="矩形 24">
+            <a:extLst>
+              <a:ext uri="{FF2B5EF4-FFF2-40B4-BE49-F238E27FC236}">
+                <a16:creationId xmlns:a16="http://schemas.microsoft.com/office/drawing/2014/main" id="{004BCA6D-D3D2-4043-B513-6AB5EA216CCB}"/>
+              </a:ext>
+            </a:extLst>
+          </p:cNvPr>
           <p:cNvSpPr/>
           <p:nvPr/>
         </p:nvSpPr>
         <p:spPr>
           <a:xfrm>
-            <a:off x="5024486" y="3271103"/>
-            <a:ext cx="1046375" cy="358219"/>
+            <a:off x="9240845" y="1167808"/>
+            <a:ext cx="424758" cy="358140"/>
           </a:xfrm>
           <a:prstGeom prst="rect">
             <a:avLst/>
@@ -7207,73 +7034,103 @@
             <a:pPr algn="ctr"/>
             <a:r>
               <a:rPr lang="en-US" altLang="zh-CN" dirty="0"/>
-              <a:t>Chunk</a:t>
-            </a:r>
-            <a:endParaRPr lang="zh-CN" altLang="en-US" dirty="0"/>
-          </a:p>
-        </p:txBody>
-      </p:sp>
-      <p:sp>
-        <p:nvSpPr>
-          <p:cNvPr id="38" name="矩形 37"/>
+              <a:t>…</a:t>
+            </a:r>
+          </a:p>
+        </p:txBody>
+      </p:sp>
+      <p:cxnSp>
+        <p:nvCxnSpPr>
+          <p:cNvPr id="26" name="直接连接符 25">
+            <a:extLst>
+              <a:ext uri="{FF2B5EF4-FFF2-40B4-BE49-F238E27FC236}">
+                <a16:creationId xmlns:a16="http://schemas.microsoft.com/office/drawing/2014/main" id="{3BE575F6-CE25-4FE6-B112-32585FE94CD6}"/>
+              </a:ext>
+            </a:extLst>
+          </p:cNvPr>
+          <p:cNvCxnSpPr>
+            <a:cxnSpLocks/>
+          </p:cNvCxnSpPr>
+          <p:nvPr/>
+        </p:nvCxnSpPr>
+        <p:spPr>
+          <a:xfrm flipH="1">
+            <a:off x="3788473" y="1534954"/>
+            <a:ext cx="1652676" cy="887353"/>
+          </a:xfrm>
+          <a:prstGeom prst="line">
+            <a:avLst/>
+          </a:prstGeom>
+        </p:spPr>
+        <p:style>
+          <a:lnRef idx="1">
+            <a:schemeClr val="accent1"/>
+          </a:lnRef>
+          <a:fillRef idx="0">
+            <a:schemeClr val="accent1"/>
+          </a:fillRef>
+          <a:effectRef idx="0">
+            <a:schemeClr val="accent1"/>
+          </a:effectRef>
+          <a:fontRef idx="minor">
+            <a:schemeClr val="tx1"/>
+          </a:fontRef>
+        </p:style>
+      </p:cxnSp>
+      <p:cxnSp>
+        <p:nvCxnSpPr>
+          <p:cNvPr id="28" name="直接连接符 27">
+            <a:extLst>
+              <a:ext uri="{FF2B5EF4-FFF2-40B4-BE49-F238E27FC236}">
+                <a16:creationId xmlns:a16="http://schemas.microsoft.com/office/drawing/2014/main" id="{08A97338-FA36-42EA-B729-5F036ACE6AA3}"/>
+              </a:ext>
+            </a:extLst>
+          </p:cNvPr>
+          <p:cNvCxnSpPr>
+            <a:cxnSpLocks/>
+          </p:cNvCxnSpPr>
+          <p:nvPr/>
+        </p:nvCxnSpPr>
+        <p:spPr>
+          <a:xfrm flipH="1">
+            <a:off x="6309253" y="1534954"/>
+            <a:ext cx="414449" cy="873088"/>
+          </a:xfrm>
+          <a:prstGeom prst="line">
+            <a:avLst/>
+          </a:prstGeom>
+        </p:spPr>
+        <p:style>
+          <a:lnRef idx="1">
+            <a:schemeClr val="accent1"/>
+          </a:lnRef>
+          <a:fillRef idx="0">
+            <a:schemeClr val="accent1"/>
+          </a:fillRef>
+          <a:effectRef idx="0">
+            <a:schemeClr val="accent1"/>
+          </a:effectRef>
+          <a:fontRef idx="minor">
+            <a:schemeClr val="tx1"/>
+          </a:fontRef>
+        </p:style>
+      </p:cxnSp>
+      <p:sp>
+        <p:nvSpPr>
+          <p:cNvPr id="30" name="矩形 29">
+            <a:extLst>
+              <a:ext uri="{FF2B5EF4-FFF2-40B4-BE49-F238E27FC236}">
+                <a16:creationId xmlns:a16="http://schemas.microsoft.com/office/drawing/2014/main" id="{4EB06378-AB90-4E72-9F38-DB6187897647}"/>
+              </a:ext>
+            </a:extLst>
+          </p:cNvPr>
           <p:cNvSpPr/>
           <p:nvPr/>
         </p:nvSpPr>
         <p:spPr>
           <a:xfrm>
-            <a:off x="6066148" y="3271105"/>
-            <a:ext cx="579750" cy="358219"/>
-          </a:xfrm>
-          <a:prstGeom prst="rect">
-            <a:avLst/>
-          </a:prstGeom>
-          <a:noFill/>
-          <a:ln>
-            <a:noFill/>
-          </a:ln>
-        </p:spPr>
-        <p:style>
-          <a:lnRef idx="2">
-            <a:schemeClr val="accent1">
-              <a:shade val="50000"/>
-            </a:schemeClr>
-          </a:lnRef>
-          <a:fillRef idx="1">
-            <a:schemeClr val="accent1"/>
-          </a:fillRef>
-          <a:effectRef idx="0">
-            <a:schemeClr val="accent1"/>
-          </a:effectRef>
-          <a:fontRef idx="minor">
-            <a:schemeClr val="lt1"/>
-          </a:fontRef>
-        </p:style>
-        <p:txBody>
-          <a:bodyPr rtlCol="0" anchor="ctr"/>
-          <a:lstStyle/>
-          <a:p>
-            <a:pPr algn="ctr"/>
-            <a:r>
-              <a:rPr lang="en-US" altLang="zh-CN" dirty="0">
-                <a:solidFill>
-                  <a:schemeClr val="tx1"/>
-                </a:solidFill>
-              </a:rPr>
-              <a:t>......</a:t>
-            </a:r>
-          </a:p>
-        </p:txBody>
-      </p:sp>
-      <p:sp>
-        <p:nvSpPr>
-          <p:cNvPr id="39" name="矩形 38"/>
-          <p:cNvSpPr/>
-          <p:nvPr/>
-        </p:nvSpPr>
-        <p:spPr>
-          <a:xfrm>
-            <a:off x="6645898" y="3271104"/>
-            <a:ext cx="1046375" cy="358219"/>
+            <a:off x="1967353" y="4420852"/>
+            <a:ext cx="1258571" cy="358140"/>
           </a:xfrm>
           <a:prstGeom prst="rect">
             <a:avLst/>
@@ -7301,526 +7158,29 @@
           <a:p>
             <a:pPr algn="ctr"/>
             <a:r>
-              <a:rPr lang="en-US" altLang="zh-CN" dirty="0"/>
-              <a:t>Chunk</a:t>
-            </a:r>
-            <a:endParaRPr lang="zh-CN" altLang="en-US" dirty="0"/>
-          </a:p>
-        </p:txBody>
-      </p:sp>
-      <p:sp>
-        <p:nvSpPr>
-          <p:cNvPr id="41" name="矩形 40"/>
+              <a:rPr lang="en-US" altLang="zh-CN" dirty="0" err="1"/>
+              <a:t>blockData</a:t>
+            </a:r>
+            <a:endParaRPr lang="en-US" altLang="zh-CN" dirty="0"/>
+          </a:p>
+        </p:txBody>
+      </p:sp>
+      <p:sp>
+        <p:nvSpPr>
+          <p:cNvPr id="31" name="矩形 30">
+            <a:extLst>
+              <a:ext uri="{FF2B5EF4-FFF2-40B4-BE49-F238E27FC236}">
+                <a16:creationId xmlns:a16="http://schemas.microsoft.com/office/drawing/2014/main" id="{A0E1EC08-BFEC-4386-B13F-D1D97AE453FD}"/>
+              </a:ext>
+            </a:extLst>
+          </p:cNvPr>
           <p:cNvSpPr/>
           <p:nvPr/>
         </p:nvSpPr>
         <p:spPr>
           <a:xfrm>
-            <a:off x="7687560" y="3266686"/>
-            <a:ext cx="2412426" cy="358219"/>
-          </a:xfrm>
-          <a:prstGeom prst="rect">
-            <a:avLst/>
-          </a:prstGeom>
-        </p:spPr>
-        <p:style>
-          <a:lnRef idx="2">
-            <a:schemeClr val="accent3">
-              <a:shade val="50000"/>
-            </a:schemeClr>
-          </a:lnRef>
-          <a:fillRef idx="1">
-            <a:schemeClr val="accent3"/>
-          </a:fillRef>
-          <a:effectRef idx="0">
-            <a:schemeClr val="accent3"/>
-          </a:effectRef>
-          <a:fontRef idx="minor">
-            <a:schemeClr val="lt1"/>
-          </a:fontRef>
-        </p:style>
-        <p:txBody>
-          <a:bodyPr rtlCol="0" anchor="ctr"/>
-          <a:lstStyle/>
-          <a:p>
-            <a:pPr algn="ctr"/>
-            <a:r>
-              <a:rPr lang="en-US" altLang="zh-CN" dirty="0"/>
-              <a:t>Footer</a:t>
-            </a:r>
-            <a:endParaRPr lang="zh-CN" altLang="en-US" dirty="0"/>
-          </a:p>
-        </p:txBody>
-      </p:sp>
-      <p:cxnSp>
-        <p:nvCxnSpPr>
-          <p:cNvPr id="43" name="直接箭头连接符 42"/>
-          <p:cNvCxnSpPr>
-            <a:endCxn id="36" idx="0"/>
-          </p:cNvCxnSpPr>
-          <p:nvPr/>
-        </p:nvCxnSpPr>
-        <p:spPr>
-          <a:xfrm>
-            <a:off x="4147794" y="2337841"/>
-            <a:ext cx="405354" cy="933262"/>
-          </a:xfrm>
-          <a:prstGeom prst="straightConnector1">
-            <a:avLst/>
-          </a:prstGeom>
-          <a:ln w="28575">
-            <a:tailEnd type="triangle"/>
-          </a:ln>
-        </p:spPr>
-        <p:style>
-          <a:lnRef idx="1">
-            <a:schemeClr val="accent2"/>
-          </a:lnRef>
-          <a:fillRef idx="0">
-            <a:schemeClr val="accent2"/>
-          </a:fillRef>
-          <a:effectRef idx="0">
-            <a:schemeClr val="accent2"/>
-          </a:effectRef>
-          <a:fontRef idx="minor">
-            <a:schemeClr val="tx1"/>
-          </a:fontRef>
-        </p:style>
-      </p:cxnSp>
-      <p:cxnSp>
-        <p:nvCxnSpPr>
-          <p:cNvPr id="46" name="直接箭头连接符 45"/>
-          <p:cNvCxnSpPr/>
-          <p:nvPr/>
-        </p:nvCxnSpPr>
-        <p:spPr>
-          <a:xfrm>
-            <a:off x="5213021" y="2337841"/>
-            <a:ext cx="405354" cy="933262"/>
-          </a:xfrm>
-          <a:prstGeom prst="straightConnector1">
-            <a:avLst/>
-          </a:prstGeom>
-          <a:ln w="28575">
-            <a:tailEnd type="triangle"/>
-          </a:ln>
-        </p:spPr>
-        <p:style>
-          <a:lnRef idx="1">
-            <a:schemeClr val="accent2"/>
-          </a:lnRef>
-          <a:fillRef idx="0">
-            <a:schemeClr val="accent2"/>
-          </a:fillRef>
-          <a:effectRef idx="0">
-            <a:schemeClr val="accent2"/>
-          </a:effectRef>
-          <a:fontRef idx="minor">
-            <a:schemeClr val="tx1"/>
-          </a:fontRef>
-        </p:style>
-      </p:cxnSp>
-      <p:cxnSp>
-        <p:nvCxnSpPr>
-          <p:cNvPr id="47" name="直接箭头连接符 46"/>
-          <p:cNvCxnSpPr>
-            <a:stCxn id="28" idx="2"/>
-            <a:endCxn id="39" idx="0"/>
-          </p:cNvCxnSpPr>
-          <p:nvPr/>
-        </p:nvCxnSpPr>
-        <p:spPr>
-          <a:xfrm flipH="1">
-            <a:off x="7169086" y="2337841"/>
-            <a:ext cx="346282" cy="933263"/>
-          </a:xfrm>
-          <a:prstGeom prst="straightConnector1">
-            <a:avLst/>
-          </a:prstGeom>
-          <a:ln w="28575">
-            <a:tailEnd type="triangle"/>
-          </a:ln>
-        </p:spPr>
-        <p:style>
-          <a:lnRef idx="1">
-            <a:schemeClr val="accent2"/>
-          </a:lnRef>
-          <a:fillRef idx="0">
-            <a:schemeClr val="accent2"/>
-          </a:fillRef>
-          <a:effectRef idx="0">
-            <a:schemeClr val="accent2"/>
-          </a:effectRef>
-          <a:fontRef idx="minor">
-            <a:schemeClr val="tx1"/>
-          </a:fontRef>
-        </p:style>
-      </p:cxnSp>
-      <p:sp>
-        <p:nvSpPr>
-          <p:cNvPr id="52" name="文本框 51"/>
-          <p:cNvSpPr txBox="1"/>
-          <p:nvPr/>
-        </p:nvSpPr>
-        <p:spPr>
-          <a:xfrm>
-            <a:off x="8088198" y="1646626"/>
-            <a:ext cx="3497343" cy="307777"/>
-          </a:xfrm>
-          <a:prstGeom prst="rect">
-            <a:avLst/>
-          </a:prstGeom>
-          <a:noFill/>
-        </p:spPr>
-        <p:txBody>
-          <a:bodyPr wrap="square" rtlCol="0">
-            <a:spAutoFit/>
-          </a:bodyPr>
-          <a:lstStyle/>
-          <a:p>
-            <a:r>
-              <a:rPr lang="en-US" altLang="zh-CN" sz="1400" dirty="0"/>
-              <a:t>Chunk</a:t>
-            </a:r>
-            <a:r>
-              <a:rPr lang="zh-CN" altLang="en-US" sz="1400" dirty="0"/>
-              <a:t>中第一个文档的</a:t>
-            </a:r>
-            <a:r>
-              <a:rPr lang="en-US" altLang="zh-CN" sz="1400" dirty="0" err="1"/>
-              <a:t>docID</a:t>
-            </a:r>
-            <a:r>
-              <a:rPr lang="en-US" altLang="zh-CN" sz="1400" dirty="0"/>
-              <a:t>(</a:t>
-            </a:r>
-            <a:r>
-              <a:rPr lang="zh-CN" altLang="en-US" sz="1400" dirty="0"/>
-              <a:t>二分</a:t>
-            </a:r>
-            <a:r>
-              <a:rPr lang="en-US" altLang="zh-CN" sz="1400" dirty="0"/>
-              <a:t>)</a:t>
-            </a:r>
-            <a:endParaRPr lang="zh-CN" altLang="en-US" sz="1400" dirty="0"/>
-          </a:p>
-        </p:txBody>
-      </p:sp>
-      <p:sp>
-        <p:nvSpPr>
-          <p:cNvPr id="53" name="文本框 52"/>
-          <p:cNvSpPr txBox="1"/>
-          <p:nvPr/>
-        </p:nvSpPr>
-        <p:spPr>
-          <a:xfrm>
-            <a:off x="8090097" y="2004842"/>
-            <a:ext cx="2809188" cy="307777"/>
-          </a:xfrm>
-          <a:prstGeom prst="rect">
-            <a:avLst/>
-          </a:prstGeom>
-          <a:noFill/>
-        </p:spPr>
-        <p:txBody>
-          <a:bodyPr wrap="square" rtlCol="0">
-            <a:spAutoFit/>
-          </a:bodyPr>
-          <a:lstStyle/>
-          <a:p>
-            <a:r>
-              <a:rPr lang="en-US" altLang="zh-CN" sz="1400" dirty="0"/>
-              <a:t>Chunk</a:t>
-            </a:r>
-            <a:r>
-              <a:rPr lang="zh-CN" altLang="en-US" sz="1400" dirty="0"/>
-              <a:t>在磁盘上的位置</a:t>
-            </a:r>
-          </a:p>
-        </p:txBody>
-      </p:sp>
-      <p:sp>
-        <p:nvSpPr>
-          <p:cNvPr id="55" name="矩形 54"/>
-          <p:cNvSpPr/>
-          <p:nvPr/>
-        </p:nvSpPr>
-        <p:spPr>
-          <a:xfrm>
-            <a:off x="2485531" y="4298622"/>
-            <a:ext cx="1366884" cy="358219"/>
-          </a:xfrm>
-          <a:prstGeom prst="rect">
-            <a:avLst/>
-          </a:prstGeom>
-        </p:spPr>
-        <p:style>
-          <a:lnRef idx="3">
-            <a:schemeClr val="lt1"/>
-          </a:lnRef>
-          <a:fillRef idx="1">
-            <a:schemeClr val="accent3"/>
-          </a:fillRef>
-          <a:effectRef idx="1">
-            <a:schemeClr val="accent3"/>
-          </a:effectRef>
-          <a:fontRef idx="minor">
-            <a:schemeClr val="lt1"/>
-          </a:fontRef>
-        </p:style>
-        <p:txBody>
-          <a:bodyPr rtlCol="0" anchor="ctr"/>
-          <a:lstStyle/>
-          <a:p>
-            <a:pPr algn="ctr"/>
-            <a:r>
-              <a:rPr lang="en-US" altLang="zh-CN" dirty="0" err="1"/>
-              <a:t>ChunkDocs</a:t>
-            </a:r>
-            <a:endParaRPr lang="zh-CN" altLang="en-US" dirty="0"/>
-          </a:p>
-        </p:txBody>
-      </p:sp>
-      <p:sp>
-        <p:nvSpPr>
-          <p:cNvPr id="56" name="矩形 55"/>
-          <p:cNvSpPr/>
-          <p:nvPr/>
-        </p:nvSpPr>
-        <p:spPr>
-          <a:xfrm>
-            <a:off x="3859334" y="4298621"/>
-            <a:ext cx="1759041" cy="358219"/>
-          </a:xfrm>
-          <a:prstGeom prst="rect">
-            <a:avLst/>
-          </a:prstGeom>
-        </p:spPr>
-        <p:style>
-          <a:lnRef idx="3">
-            <a:schemeClr val="lt1"/>
-          </a:lnRef>
-          <a:fillRef idx="1">
-            <a:schemeClr val="accent2"/>
-          </a:fillRef>
-          <a:effectRef idx="1">
-            <a:schemeClr val="accent2"/>
-          </a:effectRef>
-          <a:fontRef idx="minor">
-            <a:schemeClr val="lt1"/>
-          </a:fontRef>
-        </p:style>
-        <p:txBody>
-          <a:bodyPr rtlCol="0" anchor="ctr"/>
-          <a:lstStyle/>
-          <a:p>
-            <a:pPr algn="ctr"/>
-            <a:r>
-              <a:rPr lang="en-US" altLang="zh-CN" dirty="0" err="1"/>
-              <a:t>DocFieldCounts</a:t>
-            </a:r>
-            <a:endParaRPr lang="zh-CN" altLang="en-US" dirty="0"/>
-          </a:p>
-        </p:txBody>
-      </p:sp>
-      <p:sp>
-        <p:nvSpPr>
-          <p:cNvPr id="57" name="矩形 56"/>
-          <p:cNvSpPr/>
-          <p:nvPr/>
-        </p:nvSpPr>
-        <p:spPr>
-          <a:xfrm>
-            <a:off x="5631574" y="4298619"/>
-            <a:ext cx="1367523" cy="358219"/>
-          </a:xfrm>
-          <a:prstGeom prst="rect">
-            <a:avLst/>
-          </a:prstGeom>
-        </p:spPr>
-        <p:style>
-          <a:lnRef idx="3">
-            <a:schemeClr val="lt1"/>
-          </a:lnRef>
-          <a:fillRef idx="1">
-            <a:schemeClr val="accent6"/>
-          </a:fillRef>
-          <a:effectRef idx="1">
-            <a:schemeClr val="accent6"/>
-          </a:effectRef>
-          <a:fontRef idx="minor">
-            <a:schemeClr val="lt1"/>
-          </a:fontRef>
-        </p:style>
-        <p:txBody>
-          <a:bodyPr rtlCol="0" anchor="ctr"/>
-          <a:lstStyle/>
-          <a:p>
-            <a:pPr algn="ctr"/>
-            <a:r>
-              <a:rPr lang="en-US" altLang="zh-CN" dirty="0" err="1"/>
-              <a:t>DocLengths</a:t>
-            </a:r>
-            <a:endParaRPr lang="zh-CN" altLang="en-US" dirty="0"/>
-          </a:p>
-        </p:txBody>
-      </p:sp>
-      <p:sp>
-        <p:nvSpPr>
-          <p:cNvPr id="58" name="矩形 57"/>
-          <p:cNvSpPr/>
-          <p:nvPr/>
-        </p:nvSpPr>
-        <p:spPr>
-          <a:xfrm>
-            <a:off x="1274605" y="4298619"/>
-            <a:ext cx="1204007" cy="358219"/>
-          </a:xfrm>
-          <a:prstGeom prst="rect">
-            <a:avLst/>
-          </a:prstGeom>
-        </p:spPr>
-        <p:style>
-          <a:lnRef idx="3">
-            <a:schemeClr val="lt1"/>
-          </a:lnRef>
-          <a:fillRef idx="1">
-            <a:schemeClr val="accent3"/>
-          </a:fillRef>
-          <a:effectRef idx="1">
-            <a:schemeClr val="accent3"/>
-          </a:effectRef>
-          <a:fontRef idx="minor">
-            <a:schemeClr val="lt1"/>
-          </a:fontRef>
-        </p:style>
-        <p:txBody>
-          <a:bodyPr rtlCol="0" anchor="ctr"/>
-          <a:lstStyle/>
-          <a:p>
-            <a:pPr algn="ctr"/>
-            <a:r>
-              <a:rPr lang="en-US" altLang="zh-CN" dirty="0" err="1"/>
-              <a:t>DocBase</a:t>
-            </a:r>
-            <a:endParaRPr lang="zh-CN" altLang="en-US" dirty="0"/>
-          </a:p>
-        </p:txBody>
-      </p:sp>
-      <p:sp>
-        <p:nvSpPr>
-          <p:cNvPr id="65" name="矩形 64"/>
-          <p:cNvSpPr/>
-          <p:nvPr/>
-        </p:nvSpPr>
-        <p:spPr>
-          <a:xfrm>
-            <a:off x="7012296" y="4298619"/>
-            <a:ext cx="1940022" cy="358219"/>
-          </a:xfrm>
-          <a:prstGeom prst="rect">
-            <a:avLst/>
-          </a:prstGeom>
-        </p:spPr>
-        <p:style>
-          <a:lnRef idx="3">
-            <a:schemeClr val="lt1"/>
-          </a:lnRef>
-          <a:fillRef idx="1">
-            <a:schemeClr val="accent1"/>
-          </a:fillRef>
-          <a:effectRef idx="1">
-            <a:schemeClr val="accent1"/>
-          </a:effectRef>
-          <a:fontRef idx="minor">
-            <a:schemeClr val="lt1"/>
-          </a:fontRef>
-        </p:style>
-        <p:txBody>
-          <a:bodyPr rtlCol="0" anchor="ctr"/>
-          <a:lstStyle/>
-          <a:p>
-            <a:pPr algn="ctr"/>
-            <a:r>
-              <a:rPr lang="en-US" altLang="zh-CN" dirty="0" err="1"/>
-              <a:t>CompressedDocs</a:t>
-            </a:r>
-            <a:endParaRPr lang="zh-CN" altLang="en-US" dirty="0"/>
-          </a:p>
-        </p:txBody>
-      </p:sp>
-      <p:cxnSp>
-        <p:nvCxnSpPr>
-          <p:cNvPr id="66" name="直接连接符 65"/>
-          <p:cNvCxnSpPr/>
-          <p:nvPr/>
-        </p:nvCxnSpPr>
-        <p:spPr>
-          <a:xfrm>
-            <a:off x="7041824" y="4637989"/>
-            <a:ext cx="722922" cy="499622"/>
-          </a:xfrm>
-          <a:prstGeom prst="line">
-            <a:avLst/>
-          </a:prstGeom>
-          <a:ln w="19050"/>
-        </p:spPr>
-        <p:style>
-          <a:lnRef idx="1">
-            <a:schemeClr val="accent1"/>
-          </a:lnRef>
-          <a:fillRef idx="0">
-            <a:schemeClr val="accent1"/>
-          </a:fillRef>
-          <a:effectRef idx="0">
-            <a:schemeClr val="accent1"/>
-          </a:effectRef>
-          <a:fontRef idx="minor">
-            <a:schemeClr val="tx1"/>
-          </a:fontRef>
-        </p:style>
-      </p:cxnSp>
-      <p:cxnSp>
-        <p:nvCxnSpPr>
-          <p:cNvPr id="69" name="直接连接符 68"/>
-          <p:cNvCxnSpPr/>
-          <p:nvPr/>
-        </p:nvCxnSpPr>
-        <p:spPr>
-          <a:xfrm>
-            <a:off x="5024486" y="3648179"/>
-            <a:ext cx="3927832" cy="654857"/>
-          </a:xfrm>
-          <a:prstGeom prst="line">
-            <a:avLst/>
-          </a:prstGeom>
-          <a:ln w="19050"/>
-        </p:spPr>
-        <p:style>
-          <a:lnRef idx="1">
-            <a:schemeClr val="accent1"/>
-          </a:lnRef>
-          <a:fillRef idx="0">
-            <a:schemeClr val="accent1"/>
-          </a:fillRef>
-          <a:effectRef idx="0">
-            <a:schemeClr val="accent1"/>
-          </a:effectRef>
-          <a:fontRef idx="minor">
-            <a:schemeClr val="tx1"/>
-          </a:fontRef>
-        </p:style>
-      </p:cxnSp>
-      <p:sp>
-        <p:nvSpPr>
-          <p:cNvPr id="72" name="矩形 71"/>
-          <p:cNvSpPr/>
-          <p:nvPr/>
-        </p:nvSpPr>
-        <p:spPr>
-          <a:xfrm>
-            <a:off x="7729982" y="5137611"/>
-            <a:ext cx="1046375" cy="358219"/>
+            <a:off x="3225924" y="4420852"/>
+            <a:ext cx="1258571" cy="358140"/>
           </a:xfrm>
           <a:prstGeom prst="rect">
             <a:avLst/>
@@ -7848,23 +7208,29 @@
           <a:p>
             <a:pPr algn="ctr"/>
             <a:r>
-              <a:rPr lang="en-US" altLang="zh-CN" dirty="0"/>
-              <a:t>Doc</a:t>
-            </a:r>
-            <a:endParaRPr lang="zh-CN" altLang="en-US" dirty="0"/>
-          </a:p>
-        </p:txBody>
-      </p:sp>
-      <p:sp>
-        <p:nvSpPr>
-          <p:cNvPr id="73" name="矩形 72"/>
+              <a:rPr lang="en-US" altLang="zh-CN" dirty="0" err="1"/>
+              <a:t>blockData</a:t>
+            </a:r>
+            <a:endParaRPr lang="en-US" altLang="zh-CN" dirty="0"/>
+          </a:p>
+        </p:txBody>
+      </p:sp>
+      <p:sp>
+        <p:nvSpPr>
+          <p:cNvPr id="32" name="矩形 31">
+            <a:extLst>
+              <a:ext uri="{FF2B5EF4-FFF2-40B4-BE49-F238E27FC236}">
+                <a16:creationId xmlns:a16="http://schemas.microsoft.com/office/drawing/2014/main" id="{A5DDEE64-B3CF-4DA1-A963-EBD956369EB2}"/>
+              </a:ext>
+            </a:extLst>
+          </p:cNvPr>
           <p:cNvSpPr/>
           <p:nvPr/>
         </p:nvSpPr>
         <p:spPr>
           <a:xfrm>
-            <a:off x="8724508" y="5137611"/>
-            <a:ext cx="1046375" cy="358219"/>
+            <a:off x="4484495" y="4420852"/>
+            <a:ext cx="1258571" cy="358140"/>
           </a:xfrm>
           <a:prstGeom prst="rect">
             <a:avLst/>
@@ -7892,74 +7258,29 @@
           <a:p>
             <a:pPr algn="ctr"/>
             <a:r>
-              <a:rPr lang="en-US" altLang="zh-CN" dirty="0"/>
-              <a:t>Doc</a:t>
-            </a:r>
-            <a:endParaRPr lang="zh-CN" altLang="en-US" dirty="0"/>
-          </a:p>
-        </p:txBody>
-      </p:sp>
-      <p:sp>
-        <p:nvSpPr>
-          <p:cNvPr id="74" name="矩形 73"/>
+              <a:rPr lang="en-US" altLang="zh-CN" dirty="0" err="1"/>
+              <a:t>blockData</a:t>
+            </a:r>
+            <a:endParaRPr lang="en-US" altLang="zh-CN" dirty="0"/>
+          </a:p>
+        </p:txBody>
+      </p:sp>
+      <p:sp>
+        <p:nvSpPr>
+          <p:cNvPr id="33" name="矩形 32">
+            <a:extLst>
+              <a:ext uri="{FF2B5EF4-FFF2-40B4-BE49-F238E27FC236}">
+                <a16:creationId xmlns:a16="http://schemas.microsoft.com/office/drawing/2014/main" id="{0BC7DEEE-9898-4B63-9A7C-794DB37A3A2F}"/>
+              </a:ext>
+            </a:extLst>
+          </p:cNvPr>
           <p:cNvSpPr/>
           <p:nvPr/>
         </p:nvSpPr>
         <p:spPr>
           <a:xfrm>
-            <a:off x="9766170" y="5137613"/>
-            <a:ext cx="579750" cy="358219"/>
-          </a:xfrm>
-          <a:prstGeom prst="rect">
-            <a:avLst/>
-          </a:prstGeom>
-          <a:noFill/>
-          <a:ln>
-            <a:noFill/>
-          </a:ln>
-        </p:spPr>
-        <p:style>
-          <a:lnRef idx="2">
-            <a:schemeClr val="accent1">
-              <a:shade val="50000"/>
-            </a:schemeClr>
-          </a:lnRef>
-          <a:fillRef idx="1">
-            <a:schemeClr val="accent1"/>
-          </a:fillRef>
-          <a:effectRef idx="0">
-            <a:schemeClr val="accent1"/>
-          </a:effectRef>
-          <a:fontRef idx="minor">
-            <a:schemeClr val="lt1"/>
-          </a:fontRef>
-        </p:style>
-        <p:txBody>
-          <a:bodyPr rtlCol="0" anchor="ctr"/>
-          <a:lstStyle/>
-          <a:p>
-            <a:pPr algn="ctr"/>
-            <a:r>
-              <a:rPr lang="en-US" altLang="zh-CN" dirty="0">
-                <a:solidFill>
-                  <a:schemeClr val="tx1"/>
-                </a:solidFill>
-              </a:rPr>
-              <a:t>......</a:t>
-            </a:r>
-          </a:p>
-        </p:txBody>
-      </p:sp>
-      <p:sp>
-        <p:nvSpPr>
-          <p:cNvPr id="75" name="矩形 74"/>
-          <p:cNvSpPr/>
-          <p:nvPr/>
-        </p:nvSpPr>
-        <p:spPr>
-          <a:xfrm>
-            <a:off x="10345920" y="5137612"/>
-            <a:ext cx="1046375" cy="358219"/>
+            <a:off x="5743066" y="4420852"/>
+            <a:ext cx="1258571" cy="358140"/>
           </a:xfrm>
           <a:prstGeom prst="rect">
             <a:avLst/>
@@ -7987,28 +7308,181 @@
           <a:p>
             <a:pPr algn="ctr"/>
             <a:r>
-              <a:rPr lang="en-US" altLang="zh-CN" dirty="0"/>
-              <a:t>Doc</a:t>
-            </a:r>
-            <a:endParaRPr lang="zh-CN" altLang="en-US" dirty="0"/>
+              <a:rPr lang="en-US" altLang="zh-CN" dirty="0" err="1"/>
+              <a:t>blockData</a:t>
+            </a:r>
+            <a:endParaRPr lang="en-US" altLang="zh-CN" dirty="0"/>
+          </a:p>
+        </p:txBody>
+      </p:sp>
+      <p:sp>
+        <p:nvSpPr>
+          <p:cNvPr id="34" name="矩形 33">
+            <a:extLst>
+              <a:ext uri="{FF2B5EF4-FFF2-40B4-BE49-F238E27FC236}">
+                <a16:creationId xmlns:a16="http://schemas.microsoft.com/office/drawing/2014/main" id="{138A52F2-8A3F-44AC-8F74-24204414D245}"/>
+              </a:ext>
+            </a:extLst>
+          </p:cNvPr>
+          <p:cNvSpPr/>
+          <p:nvPr/>
+        </p:nvSpPr>
+        <p:spPr>
+          <a:xfrm>
+            <a:off x="7591806" y="2431313"/>
+            <a:ext cx="639677" cy="358140"/>
+          </a:xfrm>
+          <a:prstGeom prst="rect">
+            <a:avLst/>
+          </a:prstGeom>
+        </p:spPr>
+        <p:style>
+          <a:lnRef idx="2">
+            <a:schemeClr val="accent5">
+              <a:shade val="50000"/>
+            </a:schemeClr>
+          </a:lnRef>
+          <a:fillRef idx="1">
+            <a:schemeClr val="accent5"/>
+          </a:fillRef>
+          <a:effectRef idx="0">
+            <a:schemeClr val="accent5"/>
+          </a:effectRef>
+          <a:fontRef idx="minor">
+            <a:schemeClr val="lt1"/>
+          </a:fontRef>
+        </p:style>
+        <p:txBody>
+          <a:bodyPr rtlCol="0" anchor="ctr"/>
+          <a:lstStyle/>
+          <a:p>
+            <a:pPr algn="ctr"/>
+            <a:r>
+              <a:rPr lang="en-US" altLang="zh-CN" dirty="0"/>
+              <a:t>min</a:t>
+            </a:r>
+          </a:p>
+        </p:txBody>
+      </p:sp>
+      <p:sp>
+        <p:nvSpPr>
+          <p:cNvPr id="35" name="矩形 34">
+            <a:extLst>
+              <a:ext uri="{FF2B5EF4-FFF2-40B4-BE49-F238E27FC236}">
+                <a16:creationId xmlns:a16="http://schemas.microsoft.com/office/drawing/2014/main" id="{49921E01-2AF6-4516-B612-256DE8031850}"/>
+              </a:ext>
+            </a:extLst>
+          </p:cNvPr>
+          <p:cNvSpPr/>
+          <p:nvPr/>
+        </p:nvSpPr>
+        <p:spPr>
+          <a:xfrm>
+            <a:off x="8231484" y="2431313"/>
+            <a:ext cx="866571" cy="358140"/>
+          </a:xfrm>
+          <a:prstGeom prst="rect">
+            <a:avLst/>
+          </a:prstGeom>
+        </p:spPr>
+        <p:style>
+          <a:lnRef idx="2">
+            <a:schemeClr val="accent5">
+              <a:shade val="50000"/>
+            </a:schemeClr>
+          </a:lnRef>
+          <a:fillRef idx="1">
+            <a:schemeClr val="accent5"/>
+          </a:fillRef>
+          <a:effectRef idx="0">
+            <a:schemeClr val="accent5"/>
+          </a:effectRef>
+          <a:fontRef idx="minor">
+            <a:schemeClr val="lt1"/>
+          </a:fontRef>
+        </p:style>
+        <p:txBody>
+          <a:bodyPr rtlCol="0" anchor="ctr"/>
+          <a:lstStyle/>
+          <a:p>
+            <a:pPr algn="ctr"/>
+            <a:r>
+              <a:rPr lang="en-US" altLang="zh-CN" dirty="0" err="1"/>
+              <a:t>avgInc</a:t>
+            </a:r>
+            <a:endParaRPr lang="en-US" altLang="zh-CN" dirty="0"/>
+          </a:p>
+        </p:txBody>
+      </p:sp>
+      <p:sp>
+        <p:nvSpPr>
+          <p:cNvPr id="36" name="矩形 35">
+            <a:extLst>
+              <a:ext uri="{FF2B5EF4-FFF2-40B4-BE49-F238E27FC236}">
+                <a16:creationId xmlns:a16="http://schemas.microsoft.com/office/drawing/2014/main" id="{8DB3BE49-7B3A-48ED-A0D5-5300AB9A05AB}"/>
+              </a:ext>
+            </a:extLst>
+          </p:cNvPr>
+          <p:cNvSpPr/>
+          <p:nvPr/>
+        </p:nvSpPr>
+        <p:spPr>
+          <a:xfrm>
+            <a:off x="9098055" y="2431313"/>
+            <a:ext cx="1031677" cy="358140"/>
+          </a:xfrm>
+          <a:prstGeom prst="rect">
+            <a:avLst/>
+          </a:prstGeom>
+        </p:spPr>
+        <p:style>
+          <a:lnRef idx="2">
+            <a:schemeClr val="accent5">
+              <a:shade val="50000"/>
+            </a:schemeClr>
+          </a:lnRef>
+          <a:fillRef idx="1">
+            <a:schemeClr val="accent5"/>
+          </a:fillRef>
+          <a:effectRef idx="0">
+            <a:schemeClr val="accent5"/>
+          </a:effectRef>
+          <a:fontRef idx="minor">
+            <a:schemeClr val="lt1"/>
+          </a:fontRef>
+        </p:style>
+        <p:txBody>
+          <a:bodyPr rtlCol="0" anchor="ctr"/>
+          <a:lstStyle/>
+          <a:p>
+            <a:pPr algn="ctr"/>
+            <a:r>
+              <a:rPr lang="en-US" altLang="zh-CN" dirty="0"/>
+              <a:t>pointer</a:t>
+            </a:r>
           </a:p>
         </p:txBody>
       </p:sp>
       <p:cxnSp>
         <p:nvCxnSpPr>
-          <p:cNvPr id="79" name="直接连接符 78"/>
+          <p:cNvPr id="37" name="直接连接符 36">
+            <a:extLst>
+              <a:ext uri="{FF2B5EF4-FFF2-40B4-BE49-F238E27FC236}">
+                <a16:creationId xmlns:a16="http://schemas.microsoft.com/office/drawing/2014/main" id="{98938A22-EAF7-46EB-AF3C-263B531421AC}"/>
+              </a:ext>
+            </a:extLst>
+          </p:cNvPr>
           <p:cNvCxnSpPr/>
           <p:nvPr/>
         </p:nvCxnSpPr>
         <p:spPr>
-          <a:xfrm>
-            <a:off x="8927540" y="4637989"/>
-            <a:ext cx="2460042" cy="499620"/>
+          <a:xfrm flipH="1">
+            <a:off x="7591806" y="1534954"/>
+            <a:ext cx="419671" cy="896359"/>
           </a:xfrm>
           <a:prstGeom prst="line">
             <a:avLst/>
           </a:prstGeom>
-          <a:ln w="19050"/>
         </p:spPr>
         <p:style>
           <a:lnRef idx="1">
@@ -8027,344 +7501,24 @@
       </p:cxnSp>
       <p:cxnSp>
         <p:nvCxnSpPr>
-          <p:cNvPr id="82" name="直接连接符 81"/>
+          <p:cNvPr id="38" name="直接连接符 37">
+            <a:extLst>
+              <a:ext uri="{FF2B5EF4-FFF2-40B4-BE49-F238E27FC236}">
+                <a16:creationId xmlns:a16="http://schemas.microsoft.com/office/drawing/2014/main" id="{97ED7B47-CD7B-4E9C-9DFD-9245677A2690}"/>
+              </a:ext>
+            </a:extLst>
+          </p:cNvPr>
           <p:cNvCxnSpPr/>
           <p:nvPr/>
         </p:nvCxnSpPr>
         <p:spPr>
-          <a:xfrm flipH="1">
-            <a:off x="1269892" y="3624905"/>
-            <a:ext cx="2755355" cy="678131"/>
+          <a:xfrm>
+            <a:off x="9270048" y="1534954"/>
+            <a:ext cx="859684" cy="896359"/>
           </a:xfrm>
           <a:prstGeom prst="line">
             <a:avLst/>
           </a:prstGeom>
-          <a:ln w="19050"/>
-        </p:spPr>
-        <p:style>
-          <a:lnRef idx="1">
-            <a:schemeClr val="accent1"/>
-          </a:lnRef>
-          <a:fillRef idx="0">
-            <a:schemeClr val="accent1"/>
-          </a:fillRef>
-          <a:effectRef idx="0">
-            <a:schemeClr val="accent1"/>
-          </a:effectRef>
-          <a:fontRef idx="minor">
-            <a:schemeClr val="tx1"/>
-          </a:fontRef>
-        </p:style>
-      </p:cxnSp>
-      <p:sp>
-        <p:nvSpPr>
-          <p:cNvPr id="95" name="矩形 94"/>
-          <p:cNvSpPr/>
-          <p:nvPr/>
-        </p:nvSpPr>
-        <p:spPr>
-          <a:xfrm>
-            <a:off x="5698070" y="6033755"/>
-            <a:ext cx="1046375" cy="358219"/>
-          </a:xfrm>
-          <a:prstGeom prst="rect">
-            <a:avLst/>
-          </a:prstGeom>
-        </p:spPr>
-        <p:style>
-          <a:lnRef idx="3">
-            <a:schemeClr val="lt1"/>
-          </a:lnRef>
-          <a:fillRef idx="1">
-            <a:schemeClr val="accent5"/>
-          </a:fillRef>
-          <a:effectRef idx="1">
-            <a:schemeClr val="accent5"/>
-          </a:effectRef>
-          <a:fontRef idx="minor">
-            <a:schemeClr val="lt1"/>
-          </a:fontRef>
-        </p:style>
-        <p:txBody>
-          <a:bodyPr rtlCol="0" anchor="ctr"/>
-          <a:lstStyle/>
-          <a:p>
-            <a:pPr algn="ctr"/>
-            <a:r>
-              <a:rPr lang="en-US" altLang="zh-CN" dirty="0"/>
-              <a:t>Value2</a:t>
-            </a:r>
-            <a:endParaRPr lang="zh-CN" altLang="en-US" dirty="0"/>
-          </a:p>
-        </p:txBody>
-      </p:sp>
-      <p:sp>
-        <p:nvSpPr>
-          <p:cNvPr id="98" name="矩形 97"/>
-          <p:cNvSpPr/>
-          <p:nvPr/>
-        </p:nvSpPr>
-        <p:spPr>
-          <a:xfrm>
-            <a:off x="3671310" y="6043179"/>
-            <a:ext cx="2174647" cy="358219"/>
-          </a:xfrm>
-          <a:prstGeom prst="rect">
-            <a:avLst/>
-          </a:prstGeom>
-        </p:spPr>
-        <p:style>
-          <a:lnRef idx="3">
-            <a:schemeClr val="lt1"/>
-          </a:lnRef>
-          <a:fillRef idx="1">
-            <a:schemeClr val="accent5"/>
-          </a:fillRef>
-          <a:effectRef idx="1">
-            <a:schemeClr val="accent5"/>
-          </a:effectRef>
-          <a:fontRef idx="minor">
-            <a:schemeClr val="lt1"/>
-          </a:fontRef>
-        </p:style>
-        <p:txBody>
-          <a:bodyPr rtlCol="0" anchor="ctr"/>
-          <a:lstStyle/>
-          <a:p>
-            <a:pPr algn="ctr"/>
-            <a:r>
-              <a:rPr lang="en-US" altLang="zh-CN" dirty="0"/>
-              <a:t>FieldNumAndType2</a:t>
-            </a:r>
-            <a:endParaRPr lang="zh-CN" altLang="en-US" dirty="0"/>
-          </a:p>
-        </p:txBody>
-      </p:sp>
-      <p:sp>
-        <p:nvSpPr>
-          <p:cNvPr id="99" name="矩形 98"/>
-          <p:cNvSpPr/>
-          <p:nvPr/>
-        </p:nvSpPr>
-        <p:spPr>
-          <a:xfrm>
-            <a:off x="6718371" y="6033754"/>
-            <a:ext cx="796997" cy="358219"/>
-          </a:xfrm>
-          <a:prstGeom prst="rect">
-            <a:avLst/>
-          </a:prstGeom>
-        </p:spPr>
-        <p:style>
-          <a:lnRef idx="3">
-            <a:schemeClr val="lt1"/>
-          </a:lnRef>
-          <a:fillRef idx="1">
-            <a:schemeClr val="accent2"/>
-          </a:fillRef>
-          <a:effectRef idx="1">
-            <a:schemeClr val="accent2"/>
-          </a:effectRef>
-          <a:fontRef idx="minor">
-            <a:schemeClr val="lt1"/>
-          </a:fontRef>
-        </p:style>
-        <p:txBody>
-          <a:bodyPr rtlCol="0" anchor="ctr"/>
-          <a:lstStyle/>
-          <a:p>
-            <a:pPr algn="ctr"/>
-            <a:r>
-              <a:rPr lang="en-US" altLang="zh-CN" dirty="0"/>
-              <a:t>…</a:t>
-            </a:r>
-            <a:endParaRPr lang="zh-CN" altLang="en-US" dirty="0"/>
-          </a:p>
-        </p:txBody>
-      </p:sp>
-      <p:sp>
-        <p:nvSpPr>
-          <p:cNvPr id="100" name="矩形 99"/>
-          <p:cNvSpPr/>
-          <p:nvPr/>
-        </p:nvSpPr>
-        <p:spPr>
-          <a:xfrm>
-            <a:off x="2618017" y="6043182"/>
-            <a:ext cx="1046375" cy="358219"/>
-          </a:xfrm>
-          <a:prstGeom prst="rect">
-            <a:avLst/>
-          </a:prstGeom>
-        </p:spPr>
-        <p:style>
-          <a:lnRef idx="3">
-            <a:schemeClr val="lt1"/>
-          </a:lnRef>
-          <a:fillRef idx="1">
-            <a:schemeClr val="accent2"/>
-          </a:fillRef>
-          <a:effectRef idx="1">
-            <a:schemeClr val="accent2"/>
-          </a:effectRef>
-          <a:fontRef idx="minor">
-            <a:schemeClr val="lt1"/>
-          </a:fontRef>
-        </p:style>
-        <p:txBody>
-          <a:bodyPr rtlCol="0" anchor="ctr"/>
-          <a:lstStyle/>
-          <a:p>
-            <a:pPr algn="ctr"/>
-            <a:r>
-              <a:rPr lang="en-US" altLang="zh-CN" dirty="0"/>
-              <a:t>Value1</a:t>
-            </a:r>
-            <a:endParaRPr lang="zh-CN" altLang="en-US" dirty="0"/>
-          </a:p>
-        </p:txBody>
-      </p:sp>
-      <p:sp>
-        <p:nvSpPr>
-          <p:cNvPr id="101" name="矩形 100"/>
-          <p:cNvSpPr/>
-          <p:nvPr/>
-        </p:nvSpPr>
-        <p:spPr>
-          <a:xfrm>
-            <a:off x="518348" y="6043179"/>
-            <a:ext cx="2174647" cy="358219"/>
-          </a:xfrm>
-          <a:prstGeom prst="rect">
-            <a:avLst/>
-          </a:prstGeom>
-        </p:spPr>
-        <p:style>
-          <a:lnRef idx="3">
-            <a:schemeClr val="lt1"/>
-          </a:lnRef>
-          <a:fillRef idx="1">
-            <a:schemeClr val="accent2"/>
-          </a:fillRef>
-          <a:effectRef idx="1">
-            <a:schemeClr val="accent2"/>
-          </a:effectRef>
-          <a:fontRef idx="minor">
-            <a:schemeClr val="lt1"/>
-          </a:fontRef>
-        </p:style>
-        <p:txBody>
-          <a:bodyPr rtlCol="0" anchor="ctr"/>
-          <a:lstStyle/>
-          <a:p>
-            <a:pPr algn="ctr"/>
-            <a:r>
-              <a:rPr lang="en-US" altLang="zh-CN" dirty="0"/>
-              <a:t>FieldNumAndType1</a:t>
-            </a:r>
-            <a:endParaRPr lang="zh-CN" altLang="en-US" dirty="0"/>
-          </a:p>
-        </p:txBody>
-      </p:sp>
-      <p:sp>
-        <p:nvSpPr>
-          <p:cNvPr id="102" name="矩形 101"/>
-          <p:cNvSpPr/>
-          <p:nvPr/>
-        </p:nvSpPr>
-        <p:spPr>
-          <a:xfrm>
-            <a:off x="7533922" y="6043179"/>
-            <a:ext cx="2415998" cy="358219"/>
-          </a:xfrm>
-          <a:prstGeom prst="rect">
-            <a:avLst/>
-          </a:prstGeom>
-        </p:spPr>
-        <p:style>
-          <a:lnRef idx="3">
-            <a:schemeClr val="lt1"/>
-          </a:lnRef>
-          <a:fillRef idx="1">
-            <a:schemeClr val="accent4"/>
-          </a:fillRef>
-          <a:effectRef idx="1">
-            <a:schemeClr val="accent4"/>
-          </a:effectRef>
-          <a:fontRef idx="minor">
-            <a:schemeClr val="lt1"/>
-          </a:fontRef>
-        </p:style>
-        <p:txBody>
-          <a:bodyPr rtlCol="0" anchor="ctr"/>
-          <a:lstStyle/>
-          <a:p>
-            <a:pPr algn="ctr"/>
-            <a:r>
-              <a:rPr lang="en-US" altLang="zh-CN" dirty="0" err="1"/>
-              <a:t>FieldNumAndTypeN</a:t>
-            </a:r>
-            <a:endParaRPr lang="zh-CN" altLang="en-US" dirty="0"/>
-          </a:p>
-        </p:txBody>
-      </p:sp>
-      <p:sp>
-        <p:nvSpPr>
-          <p:cNvPr id="103" name="矩形 102"/>
-          <p:cNvSpPr/>
-          <p:nvPr/>
-        </p:nvSpPr>
-        <p:spPr>
-          <a:xfrm>
-            <a:off x="9793708" y="6043179"/>
-            <a:ext cx="1046375" cy="358219"/>
-          </a:xfrm>
-          <a:prstGeom prst="rect">
-            <a:avLst/>
-          </a:prstGeom>
-        </p:spPr>
-        <p:style>
-          <a:lnRef idx="3">
-            <a:schemeClr val="lt1"/>
-          </a:lnRef>
-          <a:fillRef idx="1">
-            <a:schemeClr val="accent4"/>
-          </a:fillRef>
-          <a:effectRef idx="1">
-            <a:schemeClr val="accent4"/>
-          </a:effectRef>
-          <a:fontRef idx="minor">
-            <a:schemeClr val="lt1"/>
-          </a:fontRef>
-        </p:style>
-        <p:txBody>
-          <a:bodyPr rtlCol="0" anchor="ctr"/>
-          <a:lstStyle/>
-          <a:p>
-            <a:pPr algn="ctr"/>
-            <a:r>
-              <a:rPr lang="en-US" altLang="zh-CN" dirty="0" err="1"/>
-              <a:t>ValueN</a:t>
-            </a:r>
-            <a:endParaRPr lang="zh-CN" altLang="en-US" dirty="0"/>
-          </a:p>
-        </p:txBody>
-      </p:sp>
-      <p:cxnSp>
-        <p:nvCxnSpPr>
-          <p:cNvPr id="104" name="直接连接符 103"/>
-          <p:cNvCxnSpPr/>
-          <p:nvPr/>
-        </p:nvCxnSpPr>
-        <p:spPr>
-          <a:xfrm flipV="1">
-            <a:off x="518348" y="5472564"/>
-            <a:ext cx="7211634" cy="603002"/>
-          </a:xfrm>
-          <a:prstGeom prst="line">
-            <a:avLst/>
-          </a:prstGeom>
-          <a:ln w="19050"/>
         </p:spPr>
         <p:style>
           <a:lnRef idx="1">
@@ -8383,19 +7537,30 @@
       </p:cxnSp>
       <p:cxnSp>
         <p:nvCxnSpPr>
-          <p:cNvPr id="107" name="直接连接符 106"/>
-          <p:cNvCxnSpPr/>
+          <p:cNvPr id="40" name="连接符: 曲线 39">
+            <a:extLst>
+              <a:ext uri="{FF2B5EF4-FFF2-40B4-BE49-F238E27FC236}">
+                <a16:creationId xmlns:a16="http://schemas.microsoft.com/office/drawing/2014/main" id="{B21426BD-F826-4F6E-A265-FBD48B1D71B8}"/>
+              </a:ext>
+            </a:extLst>
+          </p:cNvPr>
+          <p:cNvCxnSpPr>
+            <a:stCxn id="18" idx="2"/>
+            <a:endCxn id="30" idx="0"/>
+          </p:cNvCxnSpPr>
           <p:nvPr/>
         </p:nvCxnSpPr>
         <p:spPr>
-          <a:xfrm flipH="1" flipV="1">
-            <a:off x="8743061" y="5495831"/>
-            <a:ext cx="2060720" cy="579734"/>
-          </a:xfrm>
-          <a:prstGeom prst="line">
-            <a:avLst/>
-          </a:prstGeom>
-          <a:ln w="19050"/>
+          <a:xfrm rot="5400000">
+            <a:off x="3383398" y="1993689"/>
+            <a:ext cx="1640405" cy="3213921"/>
+          </a:xfrm>
+          <a:prstGeom prst="curvedConnector3">
+            <a:avLst/>
+          </a:prstGeom>
+          <a:ln>
+            <a:tailEnd type="triangle"/>
+          </a:ln>
         </p:spPr>
         <p:style>
           <a:lnRef idx="1">
@@ -8412,16 +7577,64 @@
           </a:fontRef>
         </p:style>
       </p:cxnSp>
-      <p:sp>
-        <p:nvSpPr>
-          <p:cNvPr id="123" name="文本框 122"/>
+      <p:cxnSp>
+        <p:nvCxnSpPr>
+          <p:cNvPr id="42" name="连接符: 曲线 41">
+            <a:extLst>
+              <a:ext uri="{FF2B5EF4-FFF2-40B4-BE49-F238E27FC236}">
+                <a16:creationId xmlns:a16="http://schemas.microsoft.com/office/drawing/2014/main" id="{B882C3BC-112C-474F-8B14-7503CC0DF720}"/>
+              </a:ext>
+            </a:extLst>
+          </p:cNvPr>
+          <p:cNvCxnSpPr>
+            <a:stCxn id="36" idx="2"/>
+            <a:endCxn id="33" idx="0"/>
+          </p:cNvCxnSpPr>
+          <p:nvPr/>
+        </p:nvCxnSpPr>
+        <p:spPr>
+          <a:xfrm rot="5400000">
+            <a:off x="7177424" y="1984381"/>
+            <a:ext cx="1631399" cy="3241542"/>
+          </a:xfrm>
+          <a:prstGeom prst="curvedConnector3">
+            <a:avLst/>
+          </a:prstGeom>
+          <a:ln>
+            <a:tailEnd type="triangle"/>
+          </a:ln>
+        </p:spPr>
+        <p:style>
+          <a:lnRef idx="1">
+            <a:schemeClr val="accent1"/>
+          </a:lnRef>
+          <a:fillRef idx="0">
+            <a:schemeClr val="accent1"/>
+          </a:fillRef>
+          <a:effectRef idx="0">
+            <a:schemeClr val="accent1"/>
+          </a:effectRef>
+          <a:fontRef idx="minor">
+            <a:schemeClr val="tx1"/>
+          </a:fontRef>
+        </p:style>
+      </p:cxnSp>
+      <p:sp>
+        <p:nvSpPr>
+          <p:cNvPr id="43" name="文本框 42">
+            <a:extLst>
+              <a:ext uri="{FF2B5EF4-FFF2-40B4-BE49-F238E27FC236}">
+                <a16:creationId xmlns:a16="http://schemas.microsoft.com/office/drawing/2014/main" id="{474A09AC-A153-48CE-8D17-4AC45AF719B8}"/>
+              </a:ext>
+            </a:extLst>
+          </p:cNvPr>
           <p:cNvSpPr txBox="1"/>
           <p:nvPr/>
         </p:nvSpPr>
         <p:spPr>
           <a:xfrm>
-            <a:off x="45223" y="3228674"/>
-            <a:ext cx="1107996" cy="646331"/>
+            <a:off x="2121031" y="5344998"/>
+            <a:ext cx="7285969" cy="369332"/>
           </a:xfrm>
           <a:prstGeom prst="rect">
             <a:avLst/>
@@ -8435,135 +7648,52 @@
           <a:lstStyle/>
           <a:p>
             <a:r>
-              <a:rPr lang="en-US" altLang="zh-CN" dirty="0"/>
-              <a:t>.</a:t>
+              <a:rPr lang="zh-CN" altLang="en-US" dirty="0"/>
+              <a:t>每个</a:t>
             </a:r>
             <a:r>
               <a:rPr lang="en-US" altLang="zh-CN" dirty="0" err="1"/>
-              <a:t>fdt</a:t>
+              <a:t>blockData</a:t>
             </a:r>
             <a:r>
               <a:rPr lang="zh-CN" altLang="en-US" dirty="0"/>
-              <a:t>文件  </a:t>
-            </a:r>
-            <a:endParaRPr lang="en-US" altLang="zh-CN" dirty="0"/>
-          </a:p>
-          <a:p>
+              <a:t>存放一批</a:t>
+            </a:r>
+            <a:r>
+              <a:rPr lang="en-US" altLang="zh-CN" dirty="0"/>
+              <a:t>doc id</a:t>
+            </a:r>
             <a:r>
               <a:rPr lang="zh-CN" altLang="en-US" dirty="0"/>
-              <a:t>在磁盘上</a:t>
-            </a:r>
-          </a:p>
-        </p:txBody>
-      </p:sp>
-      <p:sp>
-        <p:nvSpPr>
-          <p:cNvPr id="124" name="左大括号 123"/>
-          <p:cNvSpPr/>
-          <p:nvPr/>
-        </p:nvSpPr>
-        <p:spPr>
-          <a:xfrm>
-            <a:off x="9096866" y="3875005"/>
-            <a:ext cx="231170" cy="654857"/>
-          </a:xfrm>
-          <a:prstGeom prst="leftBrace">
-            <a:avLst/>
-          </a:prstGeom>
-        </p:spPr>
-        <p:style>
-          <a:lnRef idx="1">
-            <a:schemeClr val="accent1"/>
-          </a:lnRef>
-          <a:fillRef idx="0">
-            <a:schemeClr val="accent1"/>
-          </a:fillRef>
-          <a:effectRef idx="0">
-            <a:schemeClr val="accent1"/>
-          </a:effectRef>
-          <a:fontRef idx="minor">
-            <a:schemeClr val="tx1"/>
-          </a:fontRef>
-        </p:style>
-        <p:txBody>
-          <a:bodyPr rtlCol="0" anchor="ctr"/>
-          <a:lstStyle/>
-          <a:p>
-            <a:pPr algn="ctr"/>
-            <a:endParaRPr lang="zh-CN" altLang="en-US"/>
-          </a:p>
-        </p:txBody>
-      </p:sp>
-      <p:sp>
-        <p:nvSpPr>
-          <p:cNvPr id="125" name="文本框 124"/>
+              <a:t>，数量为</a:t>
+            </a:r>
+            <a:r>
+              <a:rPr lang="en-US" altLang="zh-CN" dirty="0"/>
+              <a:t>2^blockShift = 2^16 = 65536</a:t>
+            </a:r>
+            <a:r>
+              <a:rPr lang="zh-CN" altLang="en-US" dirty="0"/>
+              <a:t>个</a:t>
+            </a:r>
+          </a:p>
+        </p:txBody>
+      </p:sp>
+      <p:sp>
+        <p:nvSpPr>
+          <p:cNvPr id="46" name="文本框 45">
+            <a:extLst>
+              <a:ext uri="{FF2B5EF4-FFF2-40B4-BE49-F238E27FC236}">
+                <a16:creationId xmlns:a16="http://schemas.microsoft.com/office/drawing/2014/main" id="{E80EDD8B-3716-42C7-9B97-BFAA6CEAA16C}"/>
+              </a:ext>
+            </a:extLst>
+          </p:cNvPr>
           <p:cNvSpPr txBox="1"/>
           <p:nvPr/>
         </p:nvSpPr>
         <p:spPr>
           <a:xfrm>
-            <a:off x="9294412" y="3713912"/>
-            <a:ext cx="1990410" cy="369332"/>
-          </a:xfrm>
-          <a:prstGeom prst="rect">
-            <a:avLst/>
-          </a:prstGeom>
-          <a:noFill/>
-        </p:spPr>
-        <p:txBody>
-          <a:bodyPr wrap="square" rtlCol="0">
-            <a:spAutoFit/>
-          </a:bodyPr>
-          <a:lstStyle/>
-          <a:p>
-            <a:r>
-              <a:rPr lang="en-US" altLang="zh-CN" dirty="0"/>
-              <a:t>BEST_SPEED</a:t>
-            </a:r>
-            <a:endParaRPr lang="zh-CN" altLang="en-US" dirty="0"/>
-          </a:p>
-        </p:txBody>
-      </p:sp>
-      <p:sp>
-        <p:nvSpPr>
-          <p:cNvPr id="130" name="文本框 129"/>
-          <p:cNvSpPr txBox="1"/>
-          <p:nvPr/>
-        </p:nvSpPr>
-        <p:spPr>
-          <a:xfrm>
-            <a:off x="9306723" y="4345197"/>
-            <a:ext cx="2382513" cy="369332"/>
-          </a:xfrm>
-          <a:prstGeom prst="rect">
-            <a:avLst/>
-          </a:prstGeom>
-          <a:noFill/>
-        </p:spPr>
-        <p:txBody>
-          <a:bodyPr wrap="square" rtlCol="0">
-            <a:spAutoFit/>
-          </a:bodyPr>
-          <a:lstStyle/>
-          <a:p>
-            <a:r>
-              <a:rPr lang="en-US" altLang="zh-CN" dirty="0"/>
-              <a:t>BEST_COMPRESSION</a:t>
-            </a:r>
-            <a:endParaRPr lang="zh-CN" altLang="en-US" dirty="0"/>
-          </a:p>
-        </p:txBody>
-      </p:sp>
-      <p:sp>
-        <p:nvSpPr>
-          <p:cNvPr id="132" name="文本框 131"/>
-          <p:cNvSpPr txBox="1"/>
-          <p:nvPr/>
-        </p:nvSpPr>
-        <p:spPr>
-          <a:xfrm>
-            <a:off x="3763139" y="5051925"/>
-            <a:ext cx="1709122" cy="369332"/>
+            <a:off x="1282045" y="6315959"/>
+            <a:ext cx="9728945" cy="369332"/>
           </a:xfrm>
           <a:prstGeom prst="rect">
             <a:avLst/>
@@ -8578,37 +7708,47 @@
           <a:p>
             <a:r>
               <a:rPr lang="zh-CN" altLang="en-US" dirty="0"/>
-              <a:t>每个</a:t>
-            </a:r>
-            <a:r>
-              <a:rPr lang="en-US" altLang="zh-CN" dirty="0"/>
-              <a:t>doc</a:t>
+              <a:t>此外，还将所有非空值重新写作一个</a:t>
+            </a:r>
+            <a:r>
+              <a:rPr lang="en-US" altLang="zh-CN" dirty="0"/>
+              <a:t>Numeric</a:t>
             </a:r>
             <a:r>
               <a:rPr lang="zh-CN" altLang="en-US" dirty="0"/>
-              <a:t>的长度</a:t>
-            </a:r>
+              <a:t>字段。 </a:t>
+            </a:r>
+            <a:r>
+              <a:rPr lang="en-US" altLang="zh-CN" dirty="0"/>
+              <a:t>Write non-missing values as a numeric field</a:t>
+            </a:r>
+            <a:endParaRPr lang="zh-CN" altLang="en-US" dirty="0"/>
           </a:p>
         </p:txBody>
       </p:sp>
       <p:cxnSp>
         <p:nvCxnSpPr>
-          <p:cNvPr id="133" name="直接连接符 132"/>
-          <p:cNvCxnSpPr>
-            <a:stCxn id="57" idx="2"/>
-            <a:endCxn id="132" idx="0"/>
-          </p:cNvCxnSpPr>
+          <p:cNvPr id="49" name="直接连接符 48">
+            <a:extLst>
+              <a:ext uri="{FF2B5EF4-FFF2-40B4-BE49-F238E27FC236}">
+                <a16:creationId xmlns:a16="http://schemas.microsoft.com/office/drawing/2014/main" id="{D76F87C6-1DD6-4979-A900-F6C5042DB2F1}"/>
+              </a:ext>
+            </a:extLst>
+          </p:cNvPr>
+          <p:cNvCxnSpPr/>
           <p:nvPr/>
         </p:nvCxnSpPr>
         <p:spPr>
-          <a:xfrm flipH="1">
-            <a:off x="4617700" y="4656838"/>
-            <a:ext cx="1697636" cy="395087"/>
+          <a:xfrm>
+            <a:off x="980388" y="3525625"/>
+            <a:ext cx="10463752" cy="0"/>
           </a:xfrm>
           <a:prstGeom prst="line">
             <a:avLst/>
           </a:prstGeom>
-          <a:ln w="19050"/>
+          <a:ln w="28575">
+            <a:prstDash val="lgDash"/>
+          </a:ln>
         </p:spPr>
         <p:style>
           <a:lnRef idx="1">
@@ -8625,6 +7765,92 @@
           </a:fontRef>
         </p:style>
       </p:cxnSp>
+      <p:sp>
+        <p:nvSpPr>
+          <p:cNvPr id="50" name="文本框 49">
+            <a:extLst>
+              <a:ext uri="{FF2B5EF4-FFF2-40B4-BE49-F238E27FC236}">
+                <a16:creationId xmlns:a16="http://schemas.microsoft.com/office/drawing/2014/main" id="{6DE73520-675E-440C-8DA2-3DF0AEE2A4D8}"/>
+              </a:ext>
+            </a:extLst>
+          </p:cNvPr>
+          <p:cNvSpPr txBox="1"/>
+          <p:nvPr/>
+        </p:nvSpPr>
+        <p:spPr>
+          <a:xfrm>
+            <a:off x="857839" y="2431313"/>
+            <a:ext cx="1132041" cy="369332"/>
+          </a:xfrm>
+          <a:prstGeom prst="rect">
+            <a:avLst/>
+          </a:prstGeom>
+          <a:noFill/>
+        </p:spPr>
+        <p:txBody>
+          <a:bodyPr wrap="none" rtlCol="0">
+            <a:spAutoFit/>
+          </a:bodyPr>
+          <a:lstStyle/>
+          <a:p>
+            <a:r>
+              <a:rPr lang="en-US" altLang="zh-CN" dirty="0"/>
+              <a:t>.</a:t>
+            </a:r>
+            <a:r>
+              <a:rPr lang="en-US" altLang="zh-CN" dirty="0" err="1"/>
+              <a:t>dvm</a:t>
+            </a:r>
+            <a:r>
+              <a:rPr lang="zh-CN" altLang="en-US" dirty="0"/>
+              <a:t>文件</a:t>
+            </a:r>
+          </a:p>
+        </p:txBody>
+      </p:sp>
+      <p:sp>
+        <p:nvSpPr>
+          <p:cNvPr id="51" name="文本框 50">
+            <a:extLst>
+              <a:ext uri="{FF2B5EF4-FFF2-40B4-BE49-F238E27FC236}">
+                <a16:creationId xmlns:a16="http://schemas.microsoft.com/office/drawing/2014/main" id="{B6B6D367-F151-40E1-AA6E-E1E660764476}"/>
+              </a:ext>
+            </a:extLst>
+          </p:cNvPr>
+          <p:cNvSpPr txBox="1"/>
+          <p:nvPr/>
+        </p:nvSpPr>
+        <p:spPr>
+          <a:xfrm>
+            <a:off x="414367" y="3901472"/>
+            <a:ext cx="1071127" cy="369332"/>
+          </a:xfrm>
+          <a:prstGeom prst="rect">
+            <a:avLst/>
+          </a:prstGeom>
+          <a:noFill/>
+        </p:spPr>
+        <p:txBody>
+          <a:bodyPr wrap="none" rtlCol="0">
+            <a:spAutoFit/>
+          </a:bodyPr>
+          <a:lstStyle/>
+          <a:p>
+            <a:r>
+              <a:rPr lang="en-US" altLang="zh-CN" dirty="0"/>
+              <a:t>.</a:t>
+            </a:r>
+            <a:r>
+              <a:rPr lang="en-US" altLang="zh-CN" dirty="0" err="1"/>
+              <a:t>dvd</a:t>
+            </a:r>
+            <a:r>
+              <a:rPr lang="zh-CN" altLang="en-US" dirty="0"/>
+              <a:t>文件</a:t>
+            </a:r>
+          </a:p>
+        </p:txBody>
+      </p:sp>
     </p:spTree>
   </p:cSld>
   <p:clrMapOvr>
@@ -8652,218 +7878,548 @@
       </p:grpSpPr>
       <p:sp>
         <p:nvSpPr>
-          <p:cNvPr id="2" name="标题 1"/>
-          <p:cNvSpPr>
-            <a:spLocks noGrp="1"/>
-          </p:cNvSpPr>
-          <p:nvPr>
-            <p:ph type="title"/>
-          </p:nvPr>
-        </p:nvSpPr>
-        <p:spPr/>
-        <p:txBody>
-          <a:bodyPr/>
-          <a:lstStyle/>
-          <a:p>
+          <p:cNvPr id="4" name="文本框 3">
+            <a:extLst>
+              <a:ext uri="{FF2B5EF4-FFF2-40B4-BE49-F238E27FC236}">
+                <a16:creationId xmlns:a16="http://schemas.microsoft.com/office/drawing/2014/main" id="{A39AD1BA-E081-444B-BBA2-DC4AB1787199}"/>
+              </a:ext>
+            </a:extLst>
+          </p:cNvPr>
+          <p:cNvSpPr txBox="1"/>
+          <p:nvPr/>
+        </p:nvSpPr>
+        <p:spPr>
+          <a:xfrm>
+            <a:off x="700666" y="233266"/>
+            <a:ext cx="6136616" cy="369332"/>
+          </a:xfrm>
+          <a:prstGeom prst="rect">
+            <a:avLst/>
+          </a:prstGeom>
+          <a:noFill/>
+        </p:spPr>
+        <p:txBody>
+          <a:bodyPr wrap="none" rtlCol="0">
+            <a:spAutoFit/>
+          </a:bodyPr>
+          <a:lstStyle/>
+          <a:p>
+            <a:r>
+              <a:rPr lang="en-US" altLang="zh-CN" dirty="0"/>
+              <a:t>3. TABLE_COMPRESSED   </a:t>
+            </a:r>
             <a:r>
               <a:rPr lang="zh-CN" altLang="en-US" dirty="0"/>
-              <a:t>根据文档</a:t>
-            </a:r>
-            <a:r>
-              <a:rPr lang="en-US" altLang="zh-CN" dirty="0"/>
-              <a:t>id</a:t>
+              <a:t>表格压缩 </a:t>
+            </a:r>
+            <a:r>
+              <a:rPr lang="en-US" altLang="zh-CN" dirty="0"/>
+              <a:t>(</a:t>
             </a:r>
             <a:r>
               <a:rPr lang="zh-CN" altLang="en-US" dirty="0"/>
-              <a:t>，获取文档所有的字段信息</a:t>
-            </a:r>
-          </a:p>
-        </p:txBody>
-      </p:sp>
-      <p:sp>
-        <p:nvSpPr>
-          <p:cNvPr id="3" name="内容占位符 2"/>
-          <p:cNvSpPr>
-            <a:spLocks noGrp="1"/>
-          </p:cNvSpPr>
-          <p:nvPr>
-            <p:ph idx="1"/>
-          </p:nvPr>
-        </p:nvSpPr>
-        <p:spPr/>
-        <p:txBody>
-          <a:bodyPr/>
-          <a:lstStyle/>
-          <a:p>
-            <a:r>
-              <a:rPr lang="en-US" altLang="zh-CN" dirty="0"/>
-              <a:t>1. </a:t>
+              <a:t>去重之后的值</a:t>
+            </a:r>
+            <a:r>
+              <a:rPr lang="en-US" altLang="zh-CN" dirty="0"/>
+              <a:t>&lt;=256</a:t>
             </a:r>
             <a:r>
               <a:rPr lang="zh-CN" altLang="en-US" dirty="0"/>
-              <a:t>根据文档</a:t>
-            </a:r>
-            <a:r>
-              <a:rPr lang="en-US" altLang="zh-CN" dirty="0"/>
-              <a:t>id</a:t>
+              <a:t>种</a:t>
+            </a:r>
+            <a:r>
+              <a:rPr lang="en-US" altLang="zh-CN" dirty="0"/>
+              <a:t>)</a:t>
+            </a:r>
+            <a:endParaRPr lang="zh-CN" altLang="en-US" dirty="0"/>
+          </a:p>
+        </p:txBody>
+      </p:sp>
+      <p:sp>
+        <p:nvSpPr>
+          <p:cNvPr id="5" name="矩形 4">
+            <a:extLst>
+              <a:ext uri="{FF2B5EF4-FFF2-40B4-BE49-F238E27FC236}">
+                <a16:creationId xmlns:a16="http://schemas.microsoft.com/office/drawing/2014/main" id="{D525B67A-9335-4B7E-888F-3AA658D930E0}"/>
+              </a:ext>
+            </a:extLst>
+          </p:cNvPr>
+          <p:cNvSpPr/>
+          <p:nvPr/>
+        </p:nvSpPr>
+        <p:spPr>
+          <a:xfrm>
+            <a:off x="2241372" y="932972"/>
+            <a:ext cx="1755593" cy="358140"/>
+          </a:xfrm>
+          <a:prstGeom prst="rect">
+            <a:avLst/>
+          </a:prstGeom>
+        </p:spPr>
+        <p:style>
+          <a:lnRef idx="2">
+            <a:schemeClr val="accent6">
+              <a:shade val="50000"/>
+            </a:schemeClr>
+          </a:lnRef>
+          <a:fillRef idx="1">
+            <a:schemeClr val="accent6"/>
+          </a:fillRef>
+          <a:effectRef idx="0">
+            <a:schemeClr val="accent6"/>
+          </a:effectRef>
+          <a:fontRef idx="minor">
+            <a:schemeClr val="lt1"/>
+          </a:fontRef>
+        </p:style>
+        <p:txBody>
+          <a:bodyPr rtlCol="0" anchor="ctr"/>
+          <a:lstStyle/>
+          <a:p>
+            <a:pPr algn="ctr"/>
+            <a:r>
+              <a:rPr lang="en-US" altLang="zh-CN" dirty="0" err="1"/>
+              <a:t>missingBitSet</a:t>
+            </a:r>
+            <a:endParaRPr lang="en-US" altLang="zh-CN" dirty="0"/>
+          </a:p>
+        </p:txBody>
+      </p:sp>
+      <p:sp>
+        <p:nvSpPr>
+          <p:cNvPr id="6" name="矩形 5">
+            <a:extLst>
+              <a:ext uri="{FF2B5EF4-FFF2-40B4-BE49-F238E27FC236}">
+                <a16:creationId xmlns:a16="http://schemas.microsoft.com/office/drawing/2014/main" id="{0EFA0ED8-E6E6-4E14-8829-C29D39011D61}"/>
+              </a:ext>
+            </a:extLst>
+          </p:cNvPr>
+          <p:cNvSpPr/>
+          <p:nvPr/>
+        </p:nvSpPr>
+        <p:spPr>
+          <a:xfrm>
+            <a:off x="3996965" y="932972"/>
+            <a:ext cx="1112363" cy="358140"/>
+          </a:xfrm>
+          <a:prstGeom prst="rect">
+            <a:avLst/>
+          </a:prstGeom>
+        </p:spPr>
+        <p:style>
+          <a:lnRef idx="2">
+            <a:schemeClr val="accent6">
+              <a:shade val="50000"/>
+            </a:schemeClr>
+          </a:lnRef>
+          <a:fillRef idx="1">
+            <a:schemeClr val="accent6"/>
+          </a:fillRef>
+          <a:effectRef idx="0">
+            <a:schemeClr val="accent6"/>
+          </a:effectRef>
+          <a:fontRef idx="minor">
+            <a:schemeClr val="lt1"/>
+          </a:fontRef>
+        </p:style>
+        <p:txBody>
+          <a:bodyPr rtlCol="0" anchor="ctr"/>
+          <a:lstStyle/>
+          <a:p>
+            <a:pPr algn="ctr"/>
+            <a:r>
+              <a:rPr lang="en-US" altLang="zh-CN" dirty="0"/>
+              <a:t>count</a:t>
+            </a:r>
+          </a:p>
+        </p:txBody>
+      </p:sp>
+      <p:sp>
+        <p:nvSpPr>
+          <p:cNvPr id="7" name="矩形 6">
+            <a:extLst>
+              <a:ext uri="{FF2B5EF4-FFF2-40B4-BE49-F238E27FC236}">
+                <a16:creationId xmlns:a16="http://schemas.microsoft.com/office/drawing/2014/main" id="{C5376CF8-CD68-4E09-B9AD-7770F3A05E82}"/>
+              </a:ext>
+            </a:extLst>
+          </p:cNvPr>
+          <p:cNvSpPr/>
+          <p:nvPr/>
+        </p:nvSpPr>
+        <p:spPr>
+          <a:xfrm>
+            <a:off x="5109328" y="932972"/>
+            <a:ext cx="1112363" cy="358140"/>
+          </a:xfrm>
+          <a:prstGeom prst="rect">
+            <a:avLst/>
+          </a:prstGeom>
+        </p:spPr>
+        <p:style>
+          <a:lnRef idx="2">
+            <a:schemeClr val="accent6">
+              <a:shade val="50000"/>
+            </a:schemeClr>
+          </a:lnRef>
+          <a:fillRef idx="1">
+            <a:schemeClr val="accent6"/>
+          </a:fillRef>
+          <a:effectRef idx="0">
+            <a:schemeClr val="accent6"/>
+          </a:effectRef>
+          <a:fontRef idx="minor">
+            <a:schemeClr val="lt1"/>
+          </a:fontRef>
+        </p:style>
+        <p:txBody>
+          <a:bodyPr rtlCol="0" anchor="ctr"/>
+          <a:lstStyle/>
+          <a:p>
+            <a:pPr algn="ctr"/>
+            <a:r>
+              <a:rPr lang="en-US" altLang="zh-CN" dirty="0" err="1"/>
+              <a:t>tableSize</a:t>
+            </a:r>
+            <a:endParaRPr lang="en-US" altLang="zh-CN" dirty="0"/>
+          </a:p>
+        </p:txBody>
+      </p:sp>
+      <p:sp>
+        <p:nvSpPr>
+          <p:cNvPr id="8" name="文本框 7">
+            <a:extLst>
+              <a:ext uri="{FF2B5EF4-FFF2-40B4-BE49-F238E27FC236}">
+                <a16:creationId xmlns:a16="http://schemas.microsoft.com/office/drawing/2014/main" id="{165451BC-3E1F-4116-ADAE-99FC1F126DA7}"/>
+              </a:ext>
+            </a:extLst>
+          </p:cNvPr>
+          <p:cNvSpPr txBox="1"/>
+          <p:nvPr/>
+        </p:nvSpPr>
+        <p:spPr>
+          <a:xfrm>
+            <a:off x="398244" y="932972"/>
+            <a:ext cx="1132041" cy="369332"/>
+          </a:xfrm>
+          <a:prstGeom prst="rect">
+            <a:avLst/>
+          </a:prstGeom>
+          <a:noFill/>
+        </p:spPr>
+        <p:txBody>
+          <a:bodyPr wrap="none" rtlCol="0">
+            <a:spAutoFit/>
+          </a:bodyPr>
+          <a:lstStyle/>
+          <a:p>
+            <a:r>
+              <a:rPr lang="en-US" altLang="zh-CN" dirty="0"/>
+              <a:t>.</a:t>
+            </a:r>
+            <a:r>
+              <a:rPr lang="en-US" altLang="zh-CN" dirty="0" err="1"/>
+              <a:t>dvm</a:t>
             </a:r>
             <a:r>
               <a:rPr lang="zh-CN" altLang="en-US" dirty="0"/>
-              <a:t>在</a:t>
-            </a:r>
+              <a:t>文件</a:t>
+            </a:r>
+          </a:p>
+        </p:txBody>
+      </p:sp>
+      <p:sp>
+        <p:nvSpPr>
+          <p:cNvPr id="9" name="矩形 8">
+            <a:extLst>
+              <a:ext uri="{FF2B5EF4-FFF2-40B4-BE49-F238E27FC236}">
+                <a16:creationId xmlns:a16="http://schemas.microsoft.com/office/drawing/2014/main" id="{D80BE54F-6384-4F43-8E59-B1A77E5E37A2}"/>
+              </a:ext>
+            </a:extLst>
+          </p:cNvPr>
+          <p:cNvSpPr/>
+          <p:nvPr/>
+        </p:nvSpPr>
+        <p:spPr>
+          <a:xfrm>
+            <a:off x="6221691" y="932972"/>
+            <a:ext cx="1480008" cy="358140"/>
+          </a:xfrm>
+          <a:prstGeom prst="rect">
+            <a:avLst/>
+          </a:prstGeom>
+        </p:spPr>
+        <p:style>
+          <a:lnRef idx="2">
+            <a:schemeClr val="accent6">
+              <a:shade val="50000"/>
+            </a:schemeClr>
+          </a:lnRef>
+          <a:fillRef idx="1">
+            <a:schemeClr val="accent6"/>
+          </a:fillRef>
+          <a:effectRef idx="0">
+            <a:schemeClr val="accent6"/>
+          </a:effectRef>
+          <a:fontRef idx="minor">
+            <a:schemeClr val="lt1"/>
+          </a:fontRef>
+        </p:style>
+        <p:txBody>
+          <a:bodyPr rtlCol="0" anchor="ctr"/>
+          <a:lstStyle/>
+          <a:p>
+            <a:pPr algn="ctr"/>
             <a:r>
               <a:rPr lang="en-US" altLang="zh-CN" dirty="0" err="1"/>
-              <a:t>DocBases</a:t>
+              <a:t>tableElement</a:t>
+            </a:r>
+            <a:endParaRPr lang="en-US" altLang="zh-CN" dirty="0"/>
+          </a:p>
+        </p:txBody>
+      </p:sp>
+      <p:sp>
+        <p:nvSpPr>
+          <p:cNvPr id="10" name="矩形 9">
+            <a:extLst>
+              <a:ext uri="{FF2B5EF4-FFF2-40B4-BE49-F238E27FC236}">
+                <a16:creationId xmlns:a16="http://schemas.microsoft.com/office/drawing/2014/main" id="{463E83D2-642D-42E2-90F8-B856C70B8CE7}"/>
+              </a:ext>
+            </a:extLst>
+          </p:cNvPr>
+          <p:cNvSpPr/>
+          <p:nvPr/>
+        </p:nvSpPr>
+        <p:spPr>
+          <a:xfrm>
+            <a:off x="7701699" y="932972"/>
+            <a:ext cx="1480008" cy="358140"/>
+          </a:xfrm>
+          <a:prstGeom prst="rect">
+            <a:avLst/>
+          </a:prstGeom>
+        </p:spPr>
+        <p:style>
+          <a:lnRef idx="2">
+            <a:schemeClr val="accent6">
+              <a:shade val="50000"/>
+            </a:schemeClr>
+          </a:lnRef>
+          <a:fillRef idx="1">
+            <a:schemeClr val="accent6"/>
+          </a:fillRef>
+          <a:effectRef idx="0">
+            <a:schemeClr val="accent6"/>
+          </a:effectRef>
+          <a:fontRef idx="minor">
+            <a:schemeClr val="lt1"/>
+          </a:fontRef>
+        </p:style>
+        <p:txBody>
+          <a:bodyPr rtlCol="0" anchor="ctr"/>
+          <a:lstStyle/>
+          <a:p>
+            <a:pPr algn="ctr"/>
+            <a:r>
+              <a:rPr lang="en-US" altLang="zh-CN" dirty="0" err="1"/>
+              <a:t>tableElement</a:t>
+            </a:r>
+            <a:endParaRPr lang="en-US" altLang="zh-CN" dirty="0"/>
+          </a:p>
+        </p:txBody>
+      </p:sp>
+      <p:sp>
+        <p:nvSpPr>
+          <p:cNvPr id="11" name="矩形 10">
+            <a:extLst>
+              <a:ext uri="{FF2B5EF4-FFF2-40B4-BE49-F238E27FC236}">
+                <a16:creationId xmlns:a16="http://schemas.microsoft.com/office/drawing/2014/main" id="{781A196E-26C9-479B-A51D-A196087D75EB}"/>
+              </a:ext>
+            </a:extLst>
+          </p:cNvPr>
+          <p:cNvSpPr/>
+          <p:nvPr/>
+        </p:nvSpPr>
+        <p:spPr>
+          <a:xfrm>
+            <a:off x="9181707" y="932972"/>
+            <a:ext cx="1480008" cy="358140"/>
+          </a:xfrm>
+          <a:prstGeom prst="rect">
+            <a:avLst/>
+          </a:prstGeom>
+        </p:spPr>
+        <p:style>
+          <a:lnRef idx="2">
+            <a:schemeClr val="accent6">
+              <a:shade val="50000"/>
+            </a:schemeClr>
+          </a:lnRef>
+          <a:fillRef idx="1">
+            <a:schemeClr val="accent6"/>
+          </a:fillRef>
+          <a:effectRef idx="0">
+            <a:schemeClr val="accent6"/>
+          </a:effectRef>
+          <a:fontRef idx="minor">
+            <a:schemeClr val="lt1"/>
+          </a:fontRef>
+        </p:style>
+        <p:txBody>
+          <a:bodyPr rtlCol="0" anchor="ctr"/>
+          <a:lstStyle/>
+          <a:p>
+            <a:pPr algn="ctr"/>
+            <a:r>
+              <a:rPr lang="en-US" altLang="zh-CN" dirty="0" err="1"/>
+              <a:t>tableElement</a:t>
+            </a:r>
+            <a:endParaRPr lang="en-US" altLang="zh-CN" dirty="0"/>
+          </a:p>
+        </p:txBody>
+      </p:sp>
+      <p:sp>
+        <p:nvSpPr>
+          <p:cNvPr id="12" name="矩形 11">
+            <a:extLst>
+              <a:ext uri="{FF2B5EF4-FFF2-40B4-BE49-F238E27FC236}">
+                <a16:creationId xmlns:a16="http://schemas.microsoft.com/office/drawing/2014/main" id="{2A8C4517-FC9F-4EBD-8AC8-907A853181B7}"/>
+              </a:ext>
+            </a:extLst>
+          </p:cNvPr>
+          <p:cNvSpPr/>
+          <p:nvPr/>
+        </p:nvSpPr>
+        <p:spPr>
+          <a:xfrm>
+            <a:off x="10661715" y="932972"/>
+            <a:ext cx="619027" cy="358140"/>
+          </a:xfrm>
+          <a:prstGeom prst="rect">
+            <a:avLst/>
+          </a:prstGeom>
+        </p:spPr>
+        <p:style>
+          <a:lnRef idx="2">
+            <a:schemeClr val="dk1"/>
+          </a:lnRef>
+          <a:fillRef idx="1">
+            <a:schemeClr val="lt1"/>
+          </a:fillRef>
+          <a:effectRef idx="0">
+            <a:schemeClr val="dk1"/>
+          </a:effectRef>
+          <a:fontRef idx="minor">
+            <a:schemeClr val="dk1"/>
+          </a:fontRef>
+        </p:style>
+        <p:txBody>
+          <a:bodyPr rtlCol="0" anchor="ctr"/>
+          <a:lstStyle/>
+          <a:p>
+            <a:pPr algn="ctr"/>
+            <a:r>
+              <a:rPr lang="en-US" altLang="zh-CN" dirty="0"/>
+              <a:t>…</a:t>
+            </a:r>
+          </a:p>
+        </p:txBody>
+      </p:sp>
+      <p:sp>
+        <p:nvSpPr>
+          <p:cNvPr id="13" name="文本框 12">
+            <a:extLst>
+              <a:ext uri="{FF2B5EF4-FFF2-40B4-BE49-F238E27FC236}">
+                <a16:creationId xmlns:a16="http://schemas.microsoft.com/office/drawing/2014/main" id="{6D87C6CA-A4DD-4637-B783-6550572565EC}"/>
+              </a:ext>
+            </a:extLst>
+          </p:cNvPr>
+          <p:cNvSpPr txBox="1"/>
+          <p:nvPr/>
+        </p:nvSpPr>
+        <p:spPr>
+          <a:xfrm>
+            <a:off x="480767" y="4072379"/>
+            <a:ext cx="7013458" cy="923330"/>
+          </a:xfrm>
+          <a:prstGeom prst="rect">
+            <a:avLst/>
+          </a:prstGeom>
+          <a:noFill/>
+        </p:spPr>
+        <p:txBody>
+          <a:bodyPr wrap="none" rtlCol="0">
+            <a:spAutoFit/>
+          </a:bodyPr>
+          <a:lstStyle/>
+          <a:p>
+            <a:r>
+              <a:rPr lang="en-US" altLang="zh-CN" dirty="0"/>
+              <a:t>.</a:t>
+            </a:r>
+            <a:r>
+              <a:rPr lang="en-US" altLang="zh-CN" dirty="0" err="1"/>
+              <a:t>dvd</a:t>
             </a:r>
             <a:r>
               <a:rPr lang="zh-CN" altLang="en-US" dirty="0"/>
-              <a:t>数组中进行二分查找，确定</a:t>
-            </a:r>
-            <a:r>
-              <a:rPr lang="en-US" altLang="zh-CN" dirty="0"/>
-              <a:t>chunk</a:t>
+              <a:t>文件：  </a:t>
+            </a:r>
+            <a:endParaRPr lang="en-US" altLang="zh-CN" dirty="0"/>
+          </a:p>
+          <a:p>
+            <a:r>
+              <a:rPr lang="en-US" altLang="zh-CN" dirty="0"/>
+              <a:t>	</a:t>
             </a:r>
             <a:r>
               <a:rPr lang="zh-CN" altLang="en-US" dirty="0"/>
-              <a:t>下标：</a:t>
-            </a:r>
-            <a:r>
-              <a:rPr lang="en-US" altLang="zh-CN" dirty="0" err="1"/>
-              <a:t>chunkIndex</a:t>
+              <a:t>以</a:t>
+            </a:r>
+            <a:r>
+              <a:rPr lang="en-US" altLang="zh-CN" dirty="0"/>
+              <a:t>packed int</a:t>
+            </a:r>
+            <a:r>
+              <a:rPr lang="zh-CN" altLang="en-US" dirty="0"/>
+              <a:t>的形式存储每一个文档的值在</a:t>
+            </a:r>
+            <a:r>
+              <a:rPr lang="en-US" altLang="zh-CN" dirty="0"/>
+              <a:t>table</a:t>
+            </a:r>
+            <a:r>
+              <a:rPr lang="zh-CN" altLang="en-US" dirty="0"/>
+              <a:t>中的序号，</a:t>
             </a:r>
             <a:endParaRPr lang="en-US" altLang="zh-CN" dirty="0"/>
           </a:p>
           <a:p>
             <a:r>
               <a:rPr lang="en-US" altLang="zh-CN" dirty="0"/>
-              <a:t>2. </a:t>
+              <a:t>	</a:t>
             </a:r>
             <a:r>
               <a:rPr lang="zh-CN" altLang="en-US" dirty="0"/>
-              <a:t>获取</a:t>
-            </a:r>
-            <a:r>
-              <a:rPr lang="en-US" altLang="zh-CN" dirty="0"/>
-              <a:t>chunk</a:t>
+              <a:t>如果没有值，则用</a:t>
+            </a:r>
+            <a:r>
+              <a:rPr lang="en-US" altLang="zh-CN" dirty="0"/>
+              <a:t>0</a:t>
             </a:r>
             <a:r>
               <a:rPr lang="zh-CN" altLang="en-US" dirty="0"/>
-              <a:t>在磁盘上的位置</a:t>
-            </a:r>
-            <a:r>
-              <a:rPr lang="en-US" altLang="zh-CN" dirty="0" err="1"/>
-              <a:t>StartPointers</a:t>
-            </a:r>
-            <a:r>
-              <a:rPr lang="en-US" altLang="zh-CN" dirty="0"/>
-              <a:t>[</a:t>
-            </a:r>
-            <a:r>
-              <a:rPr lang="en-US" altLang="zh-CN" dirty="0" err="1"/>
-              <a:t>chunkIndex</a:t>
-            </a:r>
-            <a:r>
-              <a:rPr lang="en-US" altLang="zh-CN" dirty="0"/>
-              <a:t>]</a:t>
-            </a:r>
-          </a:p>
-          <a:p>
-            <a:r>
-              <a:rPr lang="en-US" altLang="zh-CN" dirty="0"/>
-              <a:t>3. </a:t>
-            </a:r>
-            <a:r>
-              <a:rPr lang="zh-CN" altLang="en-US" dirty="0"/>
-              <a:t>从磁盘读取</a:t>
-            </a:r>
-            <a:r>
-              <a:rPr lang="en-US" altLang="zh-CN" dirty="0"/>
-              <a:t>chunk</a:t>
-            </a:r>
-            <a:r>
-              <a:rPr lang="zh-CN" altLang="en-US" dirty="0"/>
-              <a:t>头部信息</a:t>
-            </a:r>
-            <a:endParaRPr lang="en-US" altLang="zh-CN" dirty="0"/>
-          </a:p>
-          <a:p>
-            <a:r>
-              <a:rPr lang="en-US" altLang="zh-CN" dirty="0"/>
-              <a:t>4. </a:t>
-            </a:r>
-            <a:r>
-              <a:rPr lang="zh-CN" altLang="en-US" dirty="0"/>
-              <a:t>根据</a:t>
-            </a:r>
-            <a:r>
-              <a:rPr lang="en-US" altLang="zh-CN" dirty="0" err="1"/>
-              <a:t>DocLengths</a:t>
-            </a:r>
-            <a:r>
-              <a:rPr lang="zh-CN" altLang="en-US" dirty="0"/>
-              <a:t>数组确定要读取的</a:t>
-            </a:r>
-            <a:r>
-              <a:rPr lang="en-US" altLang="zh-CN" dirty="0"/>
-              <a:t>doc</a:t>
-            </a:r>
-            <a:r>
-              <a:rPr lang="zh-CN" altLang="en-US" dirty="0"/>
-              <a:t>的偏移量</a:t>
-            </a:r>
-            <a:r>
-              <a:rPr lang="en-US" altLang="zh-CN" dirty="0"/>
-              <a:t>offset</a:t>
-            </a:r>
-            <a:r>
-              <a:rPr lang="zh-CN" altLang="en-US" dirty="0"/>
-              <a:t>和长度</a:t>
-            </a:r>
-            <a:r>
-              <a:rPr lang="en-US" altLang="zh-CN" dirty="0"/>
-              <a:t>length </a:t>
-            </a:r>
-          </a:p>
-          <a:p>
-            <a:r>
-              <a:rPr lang="en-US" altLang="zh-CN" dirty="0"/>
-              <a:t>5. </a:t>
-            </a:r>
-            <a:r>
-              <a:rPr lang="zh-CN" altLang="en-US" dirty="0"/>
-              <a:t>解压</a:t>
-            </a:r>
-            <a:r>
-              <a:rPr lang="en-US" altLang="zh-CN" dirty="0"/>
-              <a:t>(offset, </a:t>
-            </a:r>
-            <a:r>
-              <a:rPr lang="en-US" altLang="zh-CN" dirty="0" err="1"/>
-              <a:t>offset+length</a:t>
-            </a:r>
-            <a:r>
-              <a:rPr lang="en-US" altLang="zh-CN" dirty="0"/>
-              <a:t>)</a:t>
-            </a:r>
-            <a:r>
-              <a:rPr lang="zh-CN" altLang="en-US" dirty="0"/>
-              <a:t>区域的数据</a:t>
-            </a:r>
-            <a:endParaRPr lang="en-US" altLang="zh-CN" dirty="0"/>
-          </a:p>
-          <a:p>
-            <a:r>
-              <a:rPr lang="en-US" altLang="zh-CN" dirty="0"/>
-              <a:t>6. </a:t>
-            </a:r>
-            <a:r>
-              <a:rPr lang="zh-CN" altLang="en-US" dirty="0"/>
-              <a:t>提取所需要的字段信息</a:t>
+              <a:t>表示</a:t>
             </a:r>
           </a:p>
         </p:txBody>
       </p:sp>
     </p:spTree>
+    <p:extLst>
+      <p:ext uri="{BB962C8B-B14F-4D97-AF65-F5344CB8AC3E}">
+        <p14:creationId xmlns:p14="http://schemas.microsoft.com/office/powerpoint/2010/main" val="2413770279"/>
+      </p:ext>
+    </p:extLst>
   </p:cSld>
   <p:clrMapOvr>
     <a:masterClrMapping/>
@@ -8890,31 +8446,437 @@
       </p:grpSpPr>
       <p:sp>
         <p:nvSpPr>
-          <p:cNvPr id="3" name="标题 2"/>
-          <p:cNvSpPr>
-            <a:spLocks noGrp="1"/>
-          </p:cNvSpPr>
-          <p:nvPr>
-            <p:ph type="title"/>
-          </p:nvPr>
-        </p:nvSpPr>
-        <p:spPr/>
-        <p:txBody>
-          <a:bodyPr/>
-          <a:lstStyle/>
-          <a:p>
-            <a:r>
-              <a:rPr lang="en-US" altLang="zh-CN" dirty="0"/>
-              <a:t>Term Vector</a:t>
-            </a:r>
-            <a:br>
-              <a:rPr lang="en-US" altLang="zh-CN" dirty="0"/>
-            </a:br>
+          <p:cNvPr id="4" name="文本框 3">
+            <a:extLst>
+              <a:ext uri="{FF2B5EF4-FFF2-40B4-BE49-F238E27FC236}">
+                <a16:creationId xmlns:a16="http://schemas.microsoft.com/office/drawing/2014/main" id="{031D6FAB-F561-494E-B9F7-C67B61017A01}"/>
+              </a:ext>
+            </a:extLst>
+          </p:cNvPr>
+          <p:cNvSpPr txBox="1"/>
+          <p:nvPr/>
+        </p:nvSpPr>
+        <p:spPr>
+          <a:xfrm>
+            <a:off x="329938" y="216816"/>
+            <a:ext cx="6404317" cy="369332"/>
+          </a:xfrm>
+          <a:prstGeom prst="rect">
+            <a:avLst/>
+          </a:prstGeom>
+          <a:noFill/>
+        </p:spPr>
+        <p:txBody>
+          <a:bodyPr wrap="none" rtlCol="0">
+            <a:spAutoFit/>
+          </a:bodyPr>
+          <a:lstStyle/>
+          <a:p>
+            <a:r>
+              <a:rPr lang="en-US" altLang="zh-CN" dirty="0"/>
+              <a:t>4. GCD_COMPRESSED    </a:t>
+            </a:r>
+            <a:r>
+              <a:rPr lang="zh-CN" altLang="en-US" dirty="0"/>
+              <a:t>最大公约数压缩    </a:t>
+            </a:r>
+            <a:r>
+              <a:rPr lang="en-US" altLang="zh-CN" dirty="0"/>
+              <a:t>(value - min) / </a:t>
+            </a:r>
+            <a:r>
+              <a:rPr lang="en-US" altLang="zh-CN" dirty="0" err="1"/>
+              <a:t>gcd</a:t>
+            </a:r>
+            <a:r>
+              <a:rPr lang="en-US" altLang="zh-CN" dirty="0"/>
+              <a:t> </a:t>
+            </a:r>
             <a:endParaRPr lang="zh-CN" altLang="en-US" dirty="0"/>
           </a:p>
         </p:txBody>
       </p:sp>
+      <p:sp>
+        <p:nvSpPr>
+          <p:cNvPr id="5" name="矩形 4">
+            <a:extLst>
+              <a:ext uri="{FF2B5EF4-FFF2-40B4-BE49-F238E27FC236}">
+                <a16:creationId xmlns:a16="http://schemas.microsoft.com/office/drawing/2014/main" id="{53F22CC7-D1D3-4711-8B94-DF9481EB27F5}"/>
+              </a:ext>
+            </a:extLst>
+          </p:cNvPr>
+          <p:cNvSpPr/>
+          <p:nvPr/>
+        </p:nvSpPr>
+        <p:spPr>
+          <a:xfrm>
+            <a:off x="2241372" y="932972"/>
+            <a:ext cx="1755593" cy="358140"/>
+          </a:xfrm>
+          <a:prstGeom prst="rect">
+            <a:avLst/>
+          </a:prstGeom>
+        </p:spPr>
+        <p:style>
+          <a:lnRef idx="2">
+            <a:schemeClr val="accent6">
+              <a:shade val="50000"/>
+            </a:schemeClr>
+          </a:lnRef>
+          <a:fillRef idx="1">
+            <a:schemeClr val="accent6"/>
+          </a:fillRef>
+          <a:effectRef idx="0">
+            <a:schemeClr val="accent6"/>
+          </a:effectRef>
+          <a:fontRef idx="minor">
+            <a:schemeClr val="lt1"/>
+          </a:fontRef>
+        </p:style>
+        <p:txBody>
+          <a:bodyPr rtlCol="0" anchor="ctr"/>
+          <a:lstStyle/>
+          <a:p>
+            <a:pPr algn="ctr"/>
+            <a:r>
+              <a:rPr lang="en-US" altLang="zh-CN" dirty="0" err="1"/>
+              <a:t>missingBitSet</a:t>
+            </a:r>
+            <a:endParaRPr lang="en-US" altLang="zh-CN" dirty="0"/>
+          </a:p>
+        </p:txBody>
+      </p:sp>
+      <p:sp>
+        <p:nvSpPr>
+          <p:cNvPr id="6" name="矩形 5">
+            <a:extLst>
+              <a:ext uri="{FF2B5EF4-FFF2-40B4-BE49-F238E27FC236}">
+                <a16:creationId xmlns:a16="http://schemas.microsoft.com/office/drawing/2014/main" id="{398E2D18-6791-4AC0-AEF2-2054DB93ABE7}"/>
+              </a:ext>
+            </a:extLst>
+          </p:cNvPr>
+          <p:cNvSpPr/>
+          <p:nvPr/>
+        </p:nvSpPr>
+        <p:spPr>
+          <a:xfrm>
+            <a:off x="3996965" y="932972"/>
+            <a:ext cx="1112363" cy="358140"/>
+          </a:xfrm>
+          <a:prstGeom prst="rect">
+            <a:avLst/>
+          </a:prstGeom>
+        </p:spPr>
+        <p:style>
+          <a:lnRef idx="2">
+            <a:schemeClr val="accent6">
+              <a:shade val="50000"/>
+            </a:schemeClr>
+          </a:lnRef>
+          <a:fillRef idx="1">
+            <a:schemeClr val="accent6"/>
+          </a:fillRef>
+          <a:effectRef idx="0">
+            <a:schemeClr val="accent6"/>
+          </a:effectRef>
+          <a:fontRef idx="minor">
+            <a:schemeClr val="lt1"/>
+          </a:fontRef>
+        </p:style>
+        <p:txBody>
+          <a:bodyPr rtlCol="0" anchor="ctr"/>
+          <a:lstStyle/>
+          <a:p>
+            <a:pPr algn="ctr"/>
+            <a:r>
+              <a:rPr lang="en-US" altLang="zh-CN" dirty="0"/>
+              <a:t>count</a:t>
+            </a:r>
+          </a:p>
+        </p:txBody>
+      </p:sp>
+      <p:sp>
+        <p:nvSpPr>
+          <p:cNvPr id="7" name="矩形 6">
+            <a:extLst>
+              <a:ext uri="{FF2B5EF4-FFF2-40B4-BE49-F238E27FC236}">
+                <a16:creationId xmlns:a16="http://schemas.microsoft.com/office/drawing/2014/main" id="{F547BD29-992C-4BF5-B3E4-4C5FAEE4B7BC}"/>
+              </a:ext>
+            </a:extLst>
+          </p:cNvPr>
+          <p:cNvSpPr/>
+          <p:nvPr/>
+        </p:nvSpPr>
+        <p:spPr>
+          <a:xfrm>
+            <a:off x="5109328" y="932972"/>
+            <a:ext cx="1112363" cy="358140"/>
+          </a:xfrm>
+          <a:prstGeom prst="rect">
+            <a:avLst/>
+          </a:prstGeom>
+        </p:spPr>
+        <p:style>
+          <a:lnRef idx="2">
+            <a:schemeClr val="accent6">
+              <a:shade val="50000"/>
+            </a:schemeClr>
+          </a:lnRef>
+          <a:fillRef idx="1">
+            <a:schemeClr val="accent6"/>
+          </a:fillRef>
+          <a:effectRef idx="0">
+            <a:schemeClr val="accent6"/>
+          </a:effectRef>
+          <a:fontRef idx="minor">
+            <a:schemeClr val="lt1"/>
+          </a:fontRef>
+        </p:style>
+        <p:txBody>
+          <a:bodyPr rtlCol="0" anchor="ctr"/>
+          <a:lstStyle/>
+          <a:p>
+            <a:pPr algn="ctr"/>
+            <a:r>
+              <a:rPr lang="en-US" altLang="zh-CN" dirty="0" err="1"/>
+              <a:t>minValue</a:t>
+            </a:r>
+            <a:endParaRPr lang="en-US" altLang="zh-CN" dirty="0"/>
+          </a:p>
+        </p:txBody>
+      </p:sp>
+      <p:sp>
+        <p:nvSpPr>
+          <p:cNvPr id="8" name="文本框 7">
+            <a:extLst>
+              <a:ext uri="{FF2B5EF4-FFF2-40B4-BE49-F238E27FC236}">
+                <a16:creationId xmlns:a16="http://schemas.microsoft.com/office/drawing/2014/main" id="{4EAE031C-78BA-42A0-96E7-164C3A5481F9}"/>
+              </a:ext>
+            </a:extLst>
+          </p:cNvPr>
+          <p:cNvSpPr txBox="1"/>
+          <p:nvPr/>
+        </p:nvSpPr>
+        <p:spPr>
+          <a:xfrm>
+            <a:off x="398244" y="932972"/>
+            <a:ext cx="1132041" cy="369332"/>
+          </a:xfrm>
+          <a:prstGeom prst="rect">
+            <a:avLst/>
+          </a:prstGeom>
+          <a:noFill/>
+        </p:spPr>
+        <p:txBody>
+          <a:bodyPr wrap="none" rtlCol="0">
+            <a:spAutoFit/>
+          </a:bodyPr>
+          <a:lstStyle/>
+          <a:p>
+            <a:r>
+              <a:rPr lang="en-US" altLang="zh-CN" dirty="0"/>
+              <a:t>.</a:t>
+            </a:r>
+            <a:r>
+              <a:rPr lang="en-US" altLang="zh-CN" dirty="0" err="1"/>
+              <a:t>dvm</a:t>
+            </a:r>
+            <a:r>
+              <a:rPr lang="zh-CN" altLang="en-US" dirty="0"/>
+              <a:t>文件</a:t>
+            </a:r>
+          </a:p>
+        </p:txBody>
+      </p:sp>
+      <p:sp>
+        <p:nvSpPr>
+          <p:cNvPr id="9" name="矩形 8">
+            <a:extLst>
+              <a:ext uri="{FF2B5EF4-FFF2-40B4-BE49-F238E27FC236}">
+                <a16:creationId xmlns:a16="http://schemas.microsoft.com/office/drawing/2014/main" id="{7194400A-E623-4948-A673-C71F728A29CD}"/>
+              </a:ext>
+            </a:extLst>
+          </p:cNvPr>
+          <p:cNvSpPr/>
+          <p:nvPr/>
+        </p:nvSpPr>
+        <p:spPr>
+          <a:xfrm>
+            <a:off x="6221691" y="932972"/>
+            <a:ext cx="744717" cy="358140"/>
+          </a:xfrm>
+          <a:prstGeom prst="rect">
+            <a:avLst/>
+          </a:prstGeom>
+        </p:spPr>
+        <p:style>
+          <a:lnRef idx="2">
+            <a:schemeClr val="accent6">
+              <a:shade val="50000"/>
+            </a:schemeClr>
+          </a:lnRef>
+          <a:fillRef idx="1">
+            <a:schemeClr val="accent6"/>
+          </a:fillRef>
+          <a:effectRef idx="0">
+            <a:schemeClr val="accent6"/>
+          </a:effectRef>
+          <a:fontRef idx="minor">
+            <a:schemeClr val="lt1"/>
+          </a:fontRef>
+        </p:style>
+        <p:txBody>
+          <a:bodyPr rtlCol="0" anchor="ctr"/>
+          <a:lstStyle/>
+          <a:p>
+            <a:pPr algn="ctr"/>
+            <a:r>
+              <a:rPr lang="en-US" altLang="zh-CN" dirty="0" err="1"/>
+              <a:t>gcd</a:t>
+            </a:r>
+            <a:endParaRPr lang="en-US" altLang="zh-CN" dirty="0"/>
+          </a:p>
+        </p:txBody>
+      </p:sp>
+      <p:sp>
+        <p:nvSpPr>
+          <p:cNvPr id="10" name="矩形 9">
+            <a:extLst>
+              <a:ext uri="{FF2B5EF4-FFF2-40B4-BE49-F238E27FC236}">
+                <a16:creationId xmlns:a16="http://schemas.microsoft.com/office/drawing/2014/main" id="{139B795B-2B32-45AA-99CF-27C9212AC84A}"/>
+              </a:ext>
+            </a:extLst>
+          </p:cNvPr>
+          <p:cNvSpPr/>
+          <p:nvPr/>
+        </p:nvSpPr>
+        <p:spPr>
+          <a:xfrm>
+            <a:off x="6966408" y="932972"/>
+            <a:ext cx="1480008" cy="358140"/>
+          </a:xfrm>
+          <a:prstGeom prst="rect">
+            <a:avLst/>
+          </a:prstGeom>
+        </p:spPr>
+        <p:style>
+          <a:lnRef idx="2">
+            <a:schemeClr val="accent6">
+              <a:shade val="50000"/>
+            </a:schemeClr>
+          </a:lnRef>
+          <a:fillRef idx="1">
+            <a:schemeClr val="accent6"/>
+          </a:fillRef>
+          <a:effectRef idx="0">
+            <a:schemeClr val="accent6"/>
+          </a:effectRef>
+          <a:fontRef idx="minor">
+            <a:schemeClr val="lt1"/>
+          </a:fontRef>
+        </p:style>
+        <p:txBody>
+          <a:bodyPr rtlCol="0" anchor="ctr"/>
+          <a:lstStyle/>
+          <a:p>
+            <a:pPr algn="ctr"/>
+            <a:r>
+              <a:rPr lang="en-US" altLang="zh-CN" dirty="0" err="1"/>
+              <a:t>bitRequired</a:t>
+            </a:r>
+            <a:endParaRPr lang="en-US" altLang="zh-CN" dirty="0"/>
+          </a:p>
+        </p:txBody>
+      </p:sp>
+      <p:sp>
+        <p:nvSpPr>
+          <p:cNvPr id="13" name="文本框 12">
+            <a:extLst>
+              <a:ext uri="{FF2B5EF4-FFF2-40B4-BE49-F238E27FC236}">
+                <a16:creationId xmlns:a16="http://schemas.microsoft.com/office/drawing/2014/main" id="{4D0CBA21-0171-4DAE-ACC2-B47CB33DB35D}"/>
+              </a:ext>
+            </a:extLst>
+          </p:cNvPr>
+          <p:cNvSpPr txBox="1"/>
+          <p:nvPr/>
+        </p:nvSpPr>
+        <p:spPr>
+          <a:xfrm>
+            <a:off x="480767" y="4072379"/>
+            <a:ext cx="8608447" cy="646331"/>
+          </a:xfrm>
+          <a:prstGeom prst="rect">
+            <a:avLst/>
+          </a:prstGeom>
+          <a:noFill/>
+        </p:spPr>
+        <p:txBody>
+          <a:bodyPr wrap="none" rtlCol="0">
+            <a:spAutoFit/>
+          </a:bodyPr>
+          <a:lstStyle/>
+          <a:p>
+            <a:r>
+              <a:rPr lang="en-US" altLang="zh-CN" dirty="0"/>
+              <a:t>.</a:t>
+            </a:r>
+            <a:r>
+              <a:rPr lang="en-US" altLang="zh-CN" dirty="0" err="1"/>
+              <a:t>dvd</a:t>
+            </a:r>
+            <a:r>
+              <a:rPr lang="zh-CN" altLang="en-US" dirty="0"/>
+              <a:t>文件：  </a:t>
+            </a:r>
+            <a:endParaRPr lang="en-US" altLang="zh-CN" dirty="0"/>
+          </a:p>
+          <a:p>
+            <a:r>
+              <a:rPr lang="en-US" altLang="zh-CN" dirty="0"/>
+              <a:t>	</a:t>
+            </a:r>
+            <a:r>
+              <a:rPr lang="zh-CN" altLang="en-US" dirty="0"/>
+              <a:t>以</a:t>
+            </a:r>
+            <a:r>
+              <a:rPr lang="en-US" altLang="zh-CN" dirty="0"/>
+              <a:t>packed int</a:t>
+            </a:r>
+            <a:r>
+              <a:rPr lang="zh-CN" altLang="en-US" dirty="0"/>
+              <a:t>的形式存储每一个文档的值</a:t>
+            </a:r>
+            <a:r>
+              <a:rPr lang="en-US" altLang="zh-CN" dirty="0"/>
+              <a:t>, </a:t>
+            </a:r>
+            <a:r>
+              <a:rPr lang="zh-CN" altLang="en-US" dirty="0"/>
+              <a:t>实际存储的是 </a:t>
+            </a:r>
+            <a:r>
+              <a:rPr lang="en-US" altLang="zh-CN" dirty="0"/>
+              <a:t>(value – min) / </a:t>
+            </a:r>
+            <a:r>
+              <a:rPr lang="en-US" altLang="zh-CN" dirty="0" err="1"/>
+              <a:t>gcd</a:t>
+            </a:r>
+            <a:r>
+              <a:rPr lang="en-US" altLang="zh-CN" dirty="0"/>
+              <a:t> </a:t>
+            </a:r>
+            <a:endParaRPr lang="zh-CN" altLang="en-US" dirty="0"/>
+          </a:p>
+        </p:txBody>
+      </p:sp>
     </p:spTree>
+    <p:extLst>
+      <p:ext uri="{BB962C8B-B14F-4D97-AF65-F5344CB8AC3E}">
+        <p14:creationId xmlns:p14="http://schemas.microsoft.com/office/powerpoint/2010/main" val="4143715588"/>
+      </p:ext>
+    </p:extLst>
   </p:cSld>
   <p:clrMapOvr>
     <a:masterClrMapping/>
@@ -8939,1014 +8901,29 @@
           <a:chExt cx="0" cy="0"/>
         </a:xfrm>
       </p:grpSpPr>
-      <p:cxnSp>
-        <p:nvCxnSpPr>
-          <p:cNvPr id="32" name="直接连接符 31"/>
-          <p:cNvCxnSpPr/>
-          <p:nvPr/>
-        </p:nvCxnSpPr>
-        <p:spPr>
-          <a:xfrm>
-            <a:off x="209007" y="378120"/>
-            <a:ext cx="11774078" cy="0"/>
-          </a:xfrm>
-          <a:prstGeom prst="line">
-            <a:avLst/>
-          </a:prstGeom>
-          <a:ln w="19050"/>
-        </p:spPr>
-        <p:style>
-          <a:lnRef idx="1">
-            <a:schemeClr val="dk1"/>
-          </a:lnRef>
-          <a:fillRef idx="0">
-            <a:schemeClr val="dk1"/>
-          </a:fillRef>
-          <a:effectRef idx="0">
-            <a:schemeClr val="dk1"/>
-          </a:effectRef>
-          <a:fontRef idx="minor">
-            <a:schemeClr val="tx1"/>
-          </a:fontRef>
-        </p:style>
-      </p:cxnSp>
-      <p:sp>
-        <p:nvSpPr>
-          <p:cNvPr id="35" name="矩形 34"/>
-          <p:cNvSpPr/>
-          <p:nvPr/>
-        </p:nvSpPr>
-        <p:spPr>
-          <a:xfrm>
-            <a:off x="1894886" y="602226"/>
-            <a:ext cx="2139886" cy="358217"/>
-          </a:xfrm>
-          <a:prstGeom prst="rect">
-            <a:avLst/>
-          </a:prstGeom>
-        </p:spPr>
-        <p:style>
-          <a:lnRef idx="2">
-            <a:schemeClr val="accent3">
-              <a:shade val="50000"/>
-            </a:schemeClr>
-          </a:lnRef>
-          <a:fillRef idx="1">
-            <a:schemeClr val="accent3"/>
-          </a:fillRef>
-          <a:effectRef idx="0">
-            <a:schemeClr val="accent3"/>
-          </a:effectRef>
-          <a:fontRef idx="minor">
-            <a:schemeClr val="lt1"/>
-          </a:fontRef>
-        </p:style>
-        <p:txBody>
-          <a:bodyPr rtlCol="0" anchor="ctr"/>
-          <a:lstStyle/>
-          <a:p>
-            <a:pPr algn="ctr"/>
-            <a:r>
-              <a:rPr lang="en-US" altLang="zh-CN" dirty="0"/>
-              <a:t>Header</a:t>
-            </a:r>
+      <p:sp>
+        <p:nvSpPr>
+          <p:cNvPr id="3" name="标题 2"/>
+          <p:cNvSpPr>
+            <a:spLocks noGrp="1"/>
+          </p:cNvSpPr>
+          <p:nvPr>
+            <p:ph type="title"/>
+          </p:nvPr>
+        </p:nvSpPr>
+        <p:spPr/>
+        <p:txBody>
+          <a:bodyPr/>
+          <a:lstStyle/>
+          <a:p>
+            <a:r>
+              <a:rPr lang="en-US" altLang="zh-CN" dirty="0"/>
+              <a:t>Stored Fields</a:t>
+            </a:r>
+            <a:br>
+              <a:rPr lang="en-US" altLang="zh-CN" dirty="0"/>
+            </a:br>
             <a:endParaRPr lang="zh-CN" altLang="en-US" dirty="0"/>
-          </a:p>
-        </p:txBody>
-      </p:sp>
-      <p:sp>
-        <p:nvSpPr>
-          <p:cNvPr id="36" name="矩形 35"/>
-          <p:cNvSpPr/>
-          <p:nvPr/>
-        </p:nvSpPr>
-        <p:spPr>
-          <a:xfrm>
-            <a:off x="4039485" y="602226"/>
-            <a:ext cx="1046375" cy="358219"/>
-          </a:xfrm>
-          <a:prstGeom prst="rect">
-            <a:avLst/>
-          </a:prstGeom>
-        </p:spPr>
-        <p:style>
-          <a:lnRef idx="2">
-            <a:schemeClr val="accent6">
-              <a:shade val="50000"/>
-            </a:schemeClr>
-          </a:lnRef>
-          <a:fillRef idx="1">
-            <a:schemeClr val="accent6"/>
-          </a:fillRef>
-          <a:effectRef idx="0">
-            <a:schemeClr val="accent6"/>
-          </a:effectRef>
-          <a:fontRef idx="minor">
-            <a:schemeClr val="lt1"/>
-          </a:fontRef>
-        </p:style>
-        <p:txBody>
-          <a:bodyPr rtlCol="0" anchor="ctr"/>
-          <a:lstStyle/>
-          <a:p>
-            <a:pPr algn="ctr"/>
-            <a:r>
-              <a:rPr lang="en-US" altLang="zh-CN" dirty="0"/>
-              <a:t>Chunk</a:t>
-            </a:r>
-            <a:endParaRPr lang="zh-CN" altLang="en-US" dirty="0"/>
-          </a:p>
-        </p:txBody>
-      </p:sp>
-      <p:sp>
-        <p:nvSpPr>
-          <p:cNvPr id="37" name="矩形 36"/>
-          <p:cNvSpPr/>
-          <p:nvPr/>
-        </p:nvSpPr>
-        <p:spPr>
-          <a:xfrm>
-            <a:off x="5034011" y="602226"/>
-            <a:ext cx="1046375" cy="358219"/>
-          </a:xfrm>
-          <a:prstGeom prst="rect">
-            <a:avLst/>
-          </a:prstGeom>
-        </p:spPr>
-        <p:style>
-          <a:lnRef idx="2">
-            <a:schemeClr val="accent6">
-              <a:shade val="50000"/>
-            </a:schemeClr>
-          </a:lnRef>
-          <a:fillRef idx="1">
-            <a:schemeClr val="accent6"/>
-          </a:fillRef>
-          <a:effectRef idx="0">
-            <a:schemeClr val="accent6"/>
-          </a:effectRef>
-          <a:fontRef idx="minor">
-            <a:schemeClr val="lt1"/>
-          </a:fontRef>
-        </p:style>
-        <p:txBody>
-          <a:bodyPr rtlCol="0" anchor="ctr"/>
-          <a:lstStyle/>
-          <a:p>
-            <a:pPr algn="ctr"/>
-            <a:r>
-              <a:rPr lang="en-US" altLang="zh-CN" dirty="0"/>
-              <a:t>Chunk</a:t>
-            </a:r>
-            <a:endParaRPr lang="zh-CN" altLang="en-US" dirty="0"/>
-          </a:p>
-        </p:txBody>
-      </p:sp>
-      <p:sp>
-        <p:nvSpPr>
-          <p:cNvPr id="38" name="矩形 37"/>
-          <p:cNvSpPr/>
-          <p:nvPr/>
-        </p:nvSpPr>
-        <p:spPr>
-          <a:xfrm>
-            <a:off x="6075673" y="602226"/>
-            <a:ext cx="579750" cy="358219"/>
-          </a:xfrm>
-          <a:prstGeom prst="rect">
-            <a:avLst/>
-          </a:prstGeom>
-          <a:noFill/>
-          <a:ln>
-            <a:noFill/>
-          </a:ln>
-        </p:spPr>
-        <p:style>
-          <a:lnRef idx="2">
-            <a:schemeClr val="accent1">
-              <a:shade val="50000"/>
-            </a:schemeClr>
-          </a:lnRef>
-          <a:fillRef idx="1">
-            <a:schemeClr val="accent1"/>
-          </a:fillRef>
-          <a:effectRef idx="0">
-            <a:schemeClr val="accent1"/>
-          </a:effectRef>
-          <a:fontRef idx="minor">
-            <a:schemeClr val="lt1"/>
-          </a:fontRef>
-        </p:style>
-        <p:txBody>
-          <a:bodyPr rtlCol="0" anchor="ctr"/>
-          <a:lstStyle/>
-          <a:p>
-            <a:pPr algn="ctr"/>
-            <a:r>
-              <a:rPr lang="en-US" altLang="zh-CN" dirty="0">
-                <a:solidFill>
-                  <a:schemeClr val="tx1"/>
-                </a:solidFill>
-              </a:rPr>
-              <a:t>......</a:t>
-            </a:r>
-          </a:p>
-        </p:txBody>
-      </p:sp>
-      <p:sp>
-        <p:nvSpPr>
-          <p:cNvPr id="39" name="矩形 38"/>
-          <p:cNvSpPr/>
-          <p:nvPr/>
-        </p:nvSpPr>
-        <p:spPr>
-          <a:xfrm>
-            <a:off x="6655423" y="602226"/>
-            <a:ext cx="1046375" cy="358219"/>
-          </a:xfrm>
-          <a:prstGeom prst="rect">
-            <a:avLst/>
-          </a:prstGeom>
-        </p:spPr>
-        <p:style>
-          <a:lnRef idx="2">
-            <a:schemeClr val="accent6">
-              <a:shade val="50000"/>
-            </a:schemeClr>
-          </a:lnRef>
-          <a:fillRef idx="1">
-            <a:schemeClr val="accent6"/>
-          </a:fillRef>
-          <a:effectRef idx="0">
-            <a:schemeClr val="accent6"/>
-          </a:effectRef>
-          <a:fontRef idx="minor">
-            <a:schemeClr val="lt1"/>
-          </a:fontRef>
-        </p:style>
-        <p:txBody>
-          <a:bodyPr rtlCol="0" anchor="ctr"/>
-          <a:lstStyle/>
-          <a:p>
-            <a:pPr algn="ctr"/>
-            <a:r>
-              <a:rPr lang="en-US" altLang="zh-CN" dirty="0"/>
-              <a:t>Chunk</a:t>
-            </a:r>
-            <a:endParaRPr lang="zh-CN" altLang="en-US" dirty="0"/>
-          </a:p>
-        </p:txBody>
-      </p:sp>
-      <p:sp>
-        <p:nvSpPr>
-          <p:cNvPr id="41" name="矩形 40"/>
-          <p:cNvSpPr/>
-          <p:nvPr/>
-        </p:nvSpPr>
-        <p:spPr>
-          <a:xfrm>
-            <a:off x="7697085" y="602226"/>
-            <a:ext cx="2412426" cy="358219"/>
-          </a:xfrm>
-          <a:prstGeom prst="rect">
-            <a:avLst/>
-          </a:prstGeom>
-        </p:spPr>
-        <p:style>
-          <a:lnRef idx="2">
-            <a:schemeClr val="accent3">
-              <a:shade val="50000"/>
-            </a:schemeClr>
-          </a:lnRef>
-          <a:fillRef idx="1">
-            <a:schemeClr val="accent3"/>
-          </a:fillRef>
-          <a:effectRef idx="0">
-            <a:schemeClr val="accent3"/>
-          </a:effectRef>
-          <a:fontRef idx="minor">
-            <a:schemeClr val="lt1"/>
-          </a:fontRef>
-        </p:style>
-        <p:txBody>
-          <a:bodyPr rtlCol="0" anchor="ctr"/>
-          <a:lstStyle/>
-          <a:p>
-            <a:pPr algn="ctr"/>
-            <a:r>
-              <a:rPr lang="en-US" altLang="zh-CN" dirty="0"/>
-              <a:t>Footer</a:t>
-            </a:r>
-            <a:endParaRPr lang="zh-CN" altLang="en-US" dirty="0"/>
-          </a:p>
-        </p:txBody>
-      </p:sp>
-      <p:sp>
-        <p:nvSpPr>
-          <p:cNvPr id="3" name="矩形 2"/>
-          <p:cNvSpPr/>
-          <p:nvPr/>
-        </p:nvSpPr>
-        <p:spPr>
-          <a:xfrm>
-            <a:off x="332990" y="1413121"/>
-            <a:ext cx="1046375" cy="358219"/>
-          </a:xfrm>
-          <a:prstGeom prst="rect">
-            <a:avLst/>
-          </a:prstGeom>
-        </p:spPr>
-        <p:style>
-          <a:lnRef idx="2">
-            <a:schemeClr val="accent6">
-              <a:shade val="50000"/>
-            </a:schemeClr>
-          </a:lnRef>
-          <a:fillRef idx="1">
-            <a:schemeClr val="accent6"/>
-          </a:fillRef>
-          <a:effectRef idx="0">
-            <a:schemeClr val="accent6"/>
-          </a:effectRef>
-          <a:fontRef idx="minor">
-            <a:schemeClr val="lt1"/>
-          </a:fontRef>
-        </p:style>
-        <p:txBody>
-          <a:bodyPr rtlCol="0" anchor="ctr"/>
-          <a:lstStyle/>
-          <a:p>
-            <a:pPr algn="ctr"/>
-            <a:r>
-              <a:rPr lang="en-US" altLang="zh-CN" dirty="0"/>
-              <a:t>DocBase</a:t>
-            </a:r>
-          </a:p>
-        </p:txBody>
-      </p:sp>
-      <p:sp>
-        <p:nvSpPr>
-          <p:cNvPr id="4" name="矩形 3"/>
-          <p:cNvSpPr/>
-          <p:nvPr/>
-        </p:nvSpPr>
-        <p:spPr>
-          <a:xfrm>
-            <a:off x="1327785" y="1412875"/>
-            <a:ext cx="1363980" cy="358140"/>
-          </a:xfrm>
-          <a:prstGeom prst="rect">
-            <a:avLst/>
-          </a:prstGeom>
-        </p:spPr>
-        <p:style>
-          <a:lnRef idx="2">
-            <a:schemeClr val="accent6">
-              <a:shade val="50000"/>
-            </a:schemeClr>
-          </a:lnRef>
-          <a:fillRef idx="1">
-            <a:schemeClr val="accent6"/>
-          </a:fillRef>
-          <a:effectRef idx="0">
-            <a:schemeClr val="accent6"/>
-          </a:effectRef>
-          <a:fontRef idx="minor">
-            <a:schemeClr val="lt1"/>
-          </a:fontRef>
-        </p:style>
-        <p:txBody>
-          <a:bodyPr rtlCol="0" anchor="ctr"/>
-          <a:lstStyle/>
-          <a:p>
-            <a:pPr algn="ctr"/>
-            <a:r>
-              <a:rPr lang="en-US" altLang="zh-CN" dirty="0"/>
-              <a:t>ChunkDocs</a:t>
-            </a:r>
-          </a:p>
-        </p:txBody>
-      </p:sp>
-      <p:sp>
-        <p:nvSpPr>
-          <p:cNvPr id="6" name="矩形 5"/>
-          <p:cNvSpPr/>
-          <p:nvPr/>
-        </p:nvSpPr>
-        <p:spPr>
-          <a:xfrm>
-            <a:off x="2691765" y="1412875"/>
-            <a:ext cx="1343660" cy="358140"/>
-          </a:xfrm>
-          <a:prstGeom prst="rect">
-            <a:avLst/>
-          </a:prstGeom>
-        </p:spPr>
-        <p:style>
-          <a:lnRef idx="2">
-            <a:schemeClr val="accent6">
-              <a:shade val="50000"/>
-            </a:schemeClr>
-          </a:lnRef>
-          <a:fillRef idx="1">
-            <a:schemeClr val="accent6"/>
-          </a:fillRef>
-          <a:effectRef idx="0">
-            <a:schemeClr val="accent6"/>
-          </a:effectRef>
-          <a:fontRef idx="minor">
-            <a:schemeClr val="lt1"/>
-          </a:fontRef>
-        </p:style>
-        <p:txBody>
-          <a:bodyPr rtlCol="0" anchor="ctr"/>
-          <a:lstStyle/>
-          <a:p>
-            <a:pPr algn="ctr"/>
-            <a:r>
-              <a:rPr lang="en-US" altLang="zh-CN" dirty="0"/>
-              <a:t>NumFields </a:t>
-            </a:r>
-          </a:p>
-        </p:txBody>
-      </p:sp>
-      <p:sp>
-        <p:nvSpPr>
-          <p:cNvPr id="8" name="矩形 7"/>
-          <p:cNvSpPr/>
-          <p:nvPr/>
-        </p:nvSpPr>
-        <p:spPr>
-          <a:xfrm>
-            <a:off x="4034790" y="1412875"/>
-            <a:ext cx="1343660" cy="358140"/>
-          </a:xfrm>
-          <a:prstGeom prst="rect">
-            <a:avLst/>
-          </a:prstGeom>
-        </p:spPr>
-        <p:style>
-          <a:lnRef idx="2">
-            <a:schemeClr val="accent6">
-              <a:shade val="50000"/>
-            </a:schemeClr>
-          </a:lnRef>
-          <a:fillRef idx="1">
-            <a:schemeClr val="accent6"/>
-          </a:fillRef>
-          <a:effectRef idx="0">
-            <a:schemeClr val="accent6"/>
-          </a:effectRef>
-          <a:fontRef idx="minor">
-            <a:schemeClr val="lt1"/>
-          </a:fontRef>
-        </p:style>
-        <p:txBody>
-          <a:bodyPr rtlCol="0" anchor="ctr"/>
-          <a:lstStyle/>
-          <a:p>
-            <a:pPr algn="ctr"/>
-            <a:r>
-              <a:rPr lang="en-US" altLang="zh-CN" dirty="0"/>
-              <a:t>FieldNums </a:t>
-            </a:r>
-          </a:p>
-        </p:txBody>
-      </p:sp>
-      <p:sp>
-        <p:nvSpPr>
-          <p:cNvPr id="9" name="矩形 8"/>
-          <p:cNvSpPr/>
-          <p:nvPr/>
-        </p:nvSpPr>
-        <p:spPr>
-          <a:xfrm>
-            <a:off x="5311775" y="1412875"/>
-            <a:ext cx="1544955" cy="358140"/>
-          </a:xfrm>
-          <a:prstGeom prst="rect">
-            <a:avLst/>
-          </a:prstGeom>
-        </p:spPr>
-        <p:style>
-          <a:lnRef idx="2">
-            <a:schemeClr val="accent6">
-              <a:shade val="50000"/>
-            </a:schemeClr>
-          </a:lnRef>
-          <a:fillRef idx="1">
-            <a:schemeClr val="accent6"/>
-          </a:fillRef>
-          <a:effectRef idx="0">
-            <a:schemeClr val="accent6"/>
-          </a:effectRef>
-          <a:fontRef idx="minor">
-            <a:schemeClr val="lt1"/>
-          </a:fontRef>
-        </p:style>
-        <p:txBody>
-          <a:bodyPr rtlCol="0" anchor="ctr"/>
-          <a:lstStyle/>
-          <a:p>
-            <a:pPr algn="ctr"/>
-            <a:r>
-              <a:rPr lang="en-US" altLang="zh-CN" dirty="0"/>
-              <a:t>FieldNumOffs </a:t>
-            </a:r>
-          </a:p>
-        </p:txBody>
-      </p:sp>
-      <p:sp>
-        <p:nvSpPr>
-          <p:cNvPr id="10" name="矩形 9"/>
-          <p:cNvSpPr/>
-          <p:nvPr/>
-        </p:nvSpPr>
-        <p:spPr>
-          <a:xfrm>
-            <a:off x="6856730" y="1412875"/>
-            <a:ext cx="845185" cy="358140"/>
-          </a:xfrm>
-          <a:prstGeom prst="rect">
-            <a:avLst/>
-          </a:prstGeom>
-        </p:spPr>
-        <p:style>
-          <a:lnRef idx="2">
-            <a:schemeClr val="accent6">
-              <a:shade val="50000"/>
-            </a:schemeClr>
-          </a:lnRef>
-          <a:fillRef idx="1">
-            <a:schemeClr val="accent6"/>
-          </a:fillRef>
-          <a:effectRef idx="0">
-            <a:schemeClr val="accent6"/>
-          </a:effectRef>
-          <a:fontRef idx="minor">
-            <a:schemeClr val="lt1"/>
-          </a:fontRef>
-        </p:style>
-        <p:txBody>
-          <a:bodyPr rtlCol="0" anchor="ctr"/>
-          <a:lstStyle/>
-          <a:p>
-            <a:pPr algn="ctr"/>
-            <a:r>
-              <a:rPr lang="en-US" altLang="zh-CN" dirty="0"/>
-              <a:t>Flags </a:t>
-            </a:r>
-          </a:p>
-        </p:txBody>
-      </p:sp>
-      <p:sp>
-        <p:nvSpPr>
-          <p:cNvPr id="12" name="矩形 11"/>
-          <p:cNvSpPr/>
-          <p:nvPr/>
-        </p:nvSpPr>
-        <p:spPr>
-          <a:xfrm>
-            <a:off x="3730625" y="2551430"/>
-            <a:ext cx="1307465" cy="358140"/>
-          </a:xfrm>
-          <a:prstGeom prst="rect">
-            <a:avLst/>
-          </a:prstGeom>
-        </p:spPr>
-        <p:style>
-          <a:lnRef idx="3">
-            <a:schemeClr val="lt1"/>
-          </a:lnRef>
-          <a:fillRef idx="1">
-            <a:schemeClr val="accent1"/>
-          </a:fillRef>
-          <a:effectRef idx="1">
-            <a:schemeClr val="accent1"/>
-          </a:effectRef>
-          <a:fontRef idx="minor">
-            <a:schemeClr val="lt1"/>
-          </a:fontRef>
-        </p:style>
-        <p:txBody>
-          <a:bodyPr rtlCol="0" anchor="ctr"/>
-          <a:lstStyle/>
-          <a:p>
-            <a:pPr algn="ctr"/>
-            <a:r>
-              <a:rPr lang="en-US" altLang="zh-CN" dirty="0"/>
-              <a:t>NumTerms </a:t>
-            </a:r>
-          </a:p>
-        </p:txBody>
-      </p:sp>
-      <p:sp>
-        <p:nvSpPr>
-          <p:cNvPr id="13" name="矩形 12"/>
-          <p:cNvSpPr/>
-          <p:nvPr/>
-        </p:nvSpPr>
-        <p:spPr>
-          <a:xfrm>
-            <a:off x="5038090" y="2551430"/>
-            <a:ext cx="1497965" cy="358140"/>
-          </a:xfrm>
-          <a:prstGeom prst="rect">
-            <a:avLst/>
-          </a:prstGeom>
-        </p:spPr>
-        <p:style>
-          <a:lnRef idx="3">
-            <a:schemeClr val="lt1"/>
-          </a:lnRef>
-          <a:fillRef idx="1">
-            <a:schemeClr val="accent1"/>
-          </a:fillRef>
-          <a:effectRef idx="1">
-            <a:schemeClr val="accent1"/>
-          </a:effectRef>
-          <a:fontRef idx="minor">
-            <a:schemeClr val="lt1"/>
-          </a:fontRef>
-        </p:style>
-        <p:txBody>
-          <a:bodyPr rtlCol="0" anchor="ctr"/>
-          <a:lstStyle/>
-          <a:p>
-            <a:pPr algn="ctr"/>
-            <a:r>
-              <a:rPr lang="en-US" altLang="zh-CN" dirty="0"/>
-              <a:t>TermLengths </a:t>
-            </a:r>
-          </a:p>
-        </p:txBody>
-      </p:sp>
-      <p:sp>
-        <p:nvSpPr>
-          <p:cNvPr id="14" name="矩形 13"/>
-          <p:cNvSpPr/>
-          <p:nvPr/>
-        </p:nvSpPr>
-        <p:spPr>
-          <a:xfrm>
-            <a:off x="6536055" y="2551430"/>
-            <a:ext cx="1284605" cy="358140"/>
-          </a:xfrm>
-          <a:prstGeom prst="rect">
-            <a:avLst/>
-          </a:prstGeom>
-        </p:spPr>
-        <p:style>
-          <a:lnRef idx="3">
-            <a:schemeClr val="lt1"/>
-          </a:lnRef>
-          <a:fillRef idx="1">
-            <a:schemeClr val="accent1"/>
-          </a:fillRef>
-          <a:effectRef idx="1">
-            <a:schemeClr val="accent1"/>
-          </a:effectRef>
-          <a:fontRef idx="minor">
-            <a:schemeClr val="lt1"/>
-          </a:fontRef>
-        </p:style>
-        <p:txBody>
-          <a:bodyPr rtlCol="0" anchor="ctr"/>
-          <a:lstStyle/>
-          <a:p>
-            <a:pPr algn="ctr"/>
-            <a:r>
-              <a:rPr lang="en-US" altLang="zh-CN" dirty="0"/>
-              <a:t>TermFreqs </a:t>
-            </a:r>
-          </a:p>
-        </p:txBody>
-      </p:sp>
-      <p:sp>
-        <p:nvSpPr>
-          <p:cNvPr id="15" name="矩形 14"/>
-          <p:cNvSpPr/>
-          <p:nvPr/>
-        </p:nvSpPr>
-        <p:spPr>
-          <a:xfrm>
-            <a:off x="7820660" y="2551430"/>
-            <a:ext cx="1104900" cy="358140"/>
-          </a:xfrm>
-          <a:prstGeom prst="rect">
-            <a:avLst/>
-          </a:prstGeom>
-        </p:spPr>
-        <p:style>
-          <a:lnRef idx="3">
-            <a:schemeClr val="lt1"/>
-          </a:lnRef>
-          <a:fillRef idx="1">
-            <a:schemeClr val="accent1"/>
-          </a:fillRef>
-          <a:effectRef idx="1">
-            <a:schemeClr val="accent1"/>
-          </a:effectRef>
-          <a:fontRef idx="minor">
-            <a:schemeClr val="lt1"/>
-          </a:fontRef>
-        </p:style>
-        <p:txBody>
-          <a:bodyPr rtlCol="0" anchor="ctr"/>
-          <a:lstStyle/>
-          <a:p>
-            <a:pPr algn="ctr"/>
-            <a:r>
-              <a:rPr lang="en-US" altLang="zh-CN" dirty="0"/>
-              <a:t>Positions </a:t>
-            </a:r>
-          </a:p>
-        </p:txBody>
-      </p:sp>
-      <p:sp>
-        <p:nvSpPr>
-          <p:cNvPr id="16" name="矩形 15"/>
-          <p:cNvSpPr/>
-          <p:nvPr/>
-        </p:nvSpPr>
-        <p:spPr>
-          <a:xfrm>
-            <a:off x="8925560" y="2551430"/>
-            <a:ext cx="1343025" cy="358140"/>
-          </a:xfrm>
-          <a:prstGeom prst="rect">
-            <a:avLst/>
-          </a:prstGeom>
-        </p:spPr>
-        <p:style>
-          <a:lnRef idx="3">
-            <a:schemeClr val="lt1"/>
-          </a:lnRef>
-          <a:fillRef idx="1">
-            <a:schemeClr val="accent1"/>
-          </a:fillRef>
-          <a:effectRef idx="1">
-            <a:schemeClr val="accent1"/>
-          </a:effectRef>
-          <a:fontRef idx="minor">
-            <a:schemeClr val="lt1"/>
-          </a:fontRef>
-        </p:style>
-        <p:txBody>
-          <a:bodyPr rtlCol="0" anchor="ctr"/>
-          <a:lstStyle/>
-          <a:p>
-            <a:pPr algn="ctr"/>
-            <a:r>
-              <a:rPr lang="en-US" altLang="zh-CN" dirty="0"/>
-              <a:t>StartOffsets </a:t>
-            </a:r>
-          </a:p>
-        </p:txBody>
-      </p:sp>
-      <p:sp>
-        <p:nvSpPr>
-          <p:cNvPr id="17" name="矩形 16"/>
-          <p:cNvSpPr/>
-          <p:nvPr/>
-        </p:nvSpPr>
-        <p:spPr>
-          <a:xfrm>
-            <a:off x="10268585" y="2551430"/>
-            <a:ext cx="1017905" cy="358140"/>
-          </a:xfrm>
-          <a:prstGeom prst="rect">
-            <a:avLst/>
-          </a:prstGeom>
-        </p:spPr>
-        <p:style>
-          <a:lnRef idx="3">
-            <a:schemeClr val="lt1"/>
-          </a:lnRef>
-          <a:fillRef idx="1">
-            <a:schemeClr val="accent1"/>
-          </a:fillRef>
-          <a:effectRef idx="1">
-            <a:schemeClr val="accent1"/>
-          </a:effectRef>
-          <a:fontRef idx="minor">
-            <a:schemeClr val="lt1"/>
-          </a:fontRef>
-        </p:style>
-        <p:txBody>
-          <a:bodyPr rtlCol="0" anchor="ctr"/>
-          <a:lstStyle/>
-          <a:p>
-            <a:pPr algn="ctr"/>
-            <a:r>
-              <a:rPr lang="en-US" altLang="zh-CN" dirty="0"/>
-              <a:t>Lengths </a:t>
-            </a:r>
-          </a:p>
-        </p:txBody>
-      </p:sp>
-      <p:sp>
-        <p:nvSpPr>
-          <p:cNvPr id="18" name="矩形 17"/>
-          <p:cNvSpPr/>
-          <p:nvPr/>
-        </p:nvSpPr>
-        <p:spPr>
-          <a:xfrm>
-            <a:off x="11286490" y="2551430"/>
-            <a:ext cx="845185" cy="358140"/>
-          </a:xfrm>
-          <a:prstGeom prst="rect">
-            <a:avLst/>
-          </a:prstGeom>
-        </p:spPr>
-        <p:style>
-          <a:lnRef idx="3">
-            <a:schemeClr val="lt1"/>
-          </a:lnRef>
-          <a:fillRef idx="1">
-            <a:schemeClr val="accent1"/>
-          </a:fillRef>
-          <a:effectRef idx="1">
-            <a:schemeClr val="accent1"/>
-          </a:effectRef>
-          <a:fontRef idx="minor">
-            <a:schemeClr val="lt1"/>
-          </a:fontRef>
-        </p:style>
-        <p:txBody>
-          <a:bodyPr rtlCol="0" anchor="ctr"/>
-          <a:lstStyle/>
-          <a:p>
-            <a:pPr algn="ctr"/>
-            <a:r>
-              <a:rPr lang="en-US" altLang="zh-CN" dirty="0"/>
-              <a:t>......</a:t>
-            </a:r>
-          </a:p>
-        </p:txBody>
-      </p:sp>
-      <p:cxnSp>
-        <p:nvCxnSpPr>
-          <p:cNvPr id="19" name="直接连接符 18"/>
-          <p:cNvCxnSpPr/>
-          <p:nvPr/>
-        </p:nvCxnSpPr>
-        <p:spPr>
-          <a:xfrm flipH="1">
-            <a:off x="307975" y="966470"/>
-            <a:ext cx="3726180" cy="434975"/>
-          </a:xfrm>
-          <a:prstGeom prst="line">
-            <a:avLst/>
-          </a:prstGeom>
-          <a:ln w="28575"/>
-        </p:spPr>
-        <p:style>
-          <a:lnRef idx="1">
-            <a:schemeClr val="accent1"/>
-          </a:lnRef>
-          <a:fillRef idx="0">
-            <a:schemeClr val="accent1"/>
-          </a:fillRef>
-          <a:effectRef idx="0">
-            <a:schemeClr val="accent1"/>
-          </a:effectRef>
-          <a:fontRef idx="minor">
-            <a:schemeClr val="tx1"/>
-          </a:fontRef>
-        </p:style>
-      </p:cxnSp>
-      <p:cxnSp>
-        <p:nvCxnSpPr>
-          <p:cNvPr id="20" name="直接连接符 19"/>
-          <p:cNvCxnSpPr/>
-          <p:nvPr/>
-        </p:nvCxnSpPr>
-        <p:spPr>
-          <a:xfrm>
-            <a:off x="5009515" y="947420"/>
-            <a:ext cx="2702560" cy="454025"/>
-          </a:xfrm>
-          <a:prstGeom prst="line">
-            <a:avLst/>
-          </a:prstGeom>
-          <a:ln w="28575"/>
-        </p:spPr>
-        <p:style>
-          <a:lnRef idx="1">
-            <a:schemeClr val="accent1"/>
-          </a:lnRef>
-          <a:fillRef idx="0">
-            <a:schemeClr val="accent1"/>
-          </a:fillRef>
-          <a:effectRef idx="0">
-            <a:schemeClr val="accent1"/>
-          </a:effectRef>
-          <a:fontRef idx="minor">
-            <a:schemeClr val="tx1"/>
-          </a:fontRef>
-        </p:style>
-      </p:cxnSp>
-      <p:cxnSp>
-        <p:nvCxnSpPr>
-          <p:cNvPr id="21" name="曲线连接符 20"/>
-          <p:cNvCxnSpPr>
-            <a:stCxn id="10" idx="3"/>
-            <a:endCxn id="12" idx="1"/>
-          </p:cNvCxnSpPr>
-          <p:nvPr/>
-        </p:nvCxnSpPr>
-        <p:spPr>
-          <a:xfrm flipH="1">
-            <a:off x="3730625" y="1591945"/>
-            <a:ext cx="3971290" cy="1138555"/>
-          </a:xfrm>
-          <a:prstGeom prst="curvedConnector5">
-            <a:avLst>
-              <a:gd name="adj1" fmla="val -5996"/>
-              <a:gd name="adj2" fmla="val 50028"/>
-              <a:gd name="adj3" fmla="val 105996"/>
-            </a:avLst>
-          </a:prstGeom>
-          <a:ln w="28575">
-            <a:solidFill>
-              <a:schemeClr val="tx1"/>
-            </a:solidFill>
-            <a:prstDash val="dash"/>
-          </a:ln>
-        </p:spPr>
-        <p:style>
-          <a:lnRef idx="1">
-            <a:schemeClr val="accent1"/>
-          </a:lnRef>
-          <a:fillRef idx="0">
-            <a:schemeClr val="accent1"/>
-          </a:fillRef>
-          <a:effectRef idx="0">
-            <a:schemeClr val="accent1"/>
-          </a:effectRef>
-          <a:fontRef idx="minor">
-            <a:schemeClr val="tx1"/>
-          </a:fontRef>
-        </p:style>
-      </p:cxnSp>
-      <p:sp>
-        <p:nvSpPr>
-          <p:cNvPr id="22" name="文本框 21"/>
-          <p:cNvSpPr txBox="1"/>
-          <p:nvPr/>
-        </p:nvSpPr>
-        <p:spPr>
-          <a:xfrm>
-            <a:off x="792480" y="3565525"/>
-            <a:ext cx="7828915" cy="922020"/>
-          </a:xfrm>
-          <a:prstGeom prst="rect">
-            <a:avLst/>
-          </a:prstGeom>
-          <a:noFill/>
-        </p:spPr>
-        <p:txBody>
-          <a:bodyPr wrap="square" rtlCol="0">
-            <a:spAutoFit/>
-          </a:bodyPr>
-          <a:lstStyle/>
-          <a:p>
-            <a:r>
-              <a:rPr lang="en-US" altLang="zh-CN"/>
-              <a:t>&lt;</a:t>
-            </a:r>
-            <a:r>
-              <a:rPr lang="zh-CN" altLang="en-US"/>
-              <a:t>文档</a:t>
-            </a:r>
-            <a:r>
-              <a:rPr lang="en-US" altLang="zh-CN"/>
-              <a:t>ID, </a:t>
-            </a:r>
-            <a:r>
-              <a:rPr lang="zh-CN" altLang="en-US"/>
-              <a:t>字段名</a:t>
-            </a:r>
-            <a:r>
-              <a:rPr lang="en-US" altLang="zh-CN"/>
-              <a:t>&gt;  --&gt; Map&lt;Term, (</a:t>
-            </a:r>
-            <a:r>
-              <a:rPr lang="zh-CN" altLang="en-US"/>
-              <a:t>词频、位置、偏移量</a:t>
-            </a:r>
-            <a:r>
-              <a:rPr lang="en-US" altLang="zh-CN"/>
-              <a:t>..)&gt;</a:t>
-            </a:r>
-          </a:p>
-          <a:p>
-            <a:endParaRPr lang="en-US" altLang="zh-CN"/>
-          </a:p>
-          <a:p>
-            <a:endParaRPr lang="en-US" altLang="zh-CN"/>
           </a:p>
         </p:txBody>
       </p:sp>
@@ -9959,6 +8936,3812 @@
 </file>
 
 <file path=ppt/slides/slide15.xml><?xml version="1.0" encoding="utf-8"?>
+<p:sld xmlns:a="http://schemas.openxmlformats.org/drawingml/2006/main" xmlns:r="http://schemas.openxmlformats.org/officeDocument/2006/relationships" xmlns:p="http://schemas.openxmlformats.org/presentationml/2006/main">
+  <p:cSld>
+    <p:spTree>
+      <p:nvGrpSpPr>
+        <p:cNvPr id="1" name=""/>
+        <p:cNvGrpSpPr/>
+        <p:nvPr/>
+      </p:nvGrpSpPr>
+      <p:grpSpPr>
+        <a:xfrm>
+          <a:off x="0" y="0"/>
+          <a:ext cx="0" cy="0"/>
+          <a:chOff x="0" y="0"/>
+          <a:chExt cx="0" cy="0"/>
+        </a:xfrm>
+      </p:grpSpPr>
+      <p:sp>
+        <p:nvSpPr>
+          <p:cNvPr id="2" name="矩形 1"/>
+          <p:cNvSpPr/>
+          <p:nvPr/>
+        </p:nvSpPr>
+        <p:spPr>
+          <a:xfrm>
+            <a:off x="1234912" y="254524"/>
+            <a:ext cx="2139886" cy="358217"/>
+          </a:xfrm>
+          <a:prstGeom prst="rect">
+            <a:avLst/>
+          </a:prstGeom>
+        </p:spPr>
+        <p:style>
+          <a:lnRef idx="2">
+            <a:schemeClr val="accent3">
+              <a:shade val="50000"/>
+            </a:schemeClr>
+          </a:lnRef>
+          <a:fillRef idx="1">
+            <a:schemeClr val="accent3"/>
+          </a:fillRef>
+          <a:effectRef idx="0">
+            <a:schemeClr val="accent3"/>
+          </a:effectRef>
+          <a:fontRef idx="minor">
+            <a:schemeClr val="lt1"/>
+          </a:fontRef>
+        </p:style>
+        <p:txBody>
+          <a:bodyPr rtlCol="0" anchor="ctr"/>
+          <a:lstStyle/>
+          <a:p>
+            <a:pPr algn="ctr"/>
+            <a:r>
+              <a:rPr lang="en-US" altLang="zh-CN" dirty="0" err="1"/>
+              <a:t>PackedIntsVersion</a:t>
+            </a:r>
+            <a:endParaRPr lang="zh-CN" altLang="en-US" dirty="0"/>
+          </a:p>
+        </p:txBody>
+      </p:sp>
+      <p:sp>
+        <p:nvSpPr>
+          <p:cNvPr id="3" name="矩形 2"/>
+          <p:cNvSpPr/>
+          <p:nvPr/>
+        </p:nvSpPr>
+        <p:spPr>
+          <a:xfrm>
+            <a:off x="3379511" y="254522"/>
+            <a:ext cx="1046375" cy="358219"/>
+          </a:xfrm>
+          <a:prstGeom prst="rect">
+            <a:avLst/>
+          </a:prstGeom>
+        </p:spPr>
+        <p:style>
+          <a:lnRef idx="2">
+            <a:schemeClr val="accent6">
+              <a:shade val="50000"/>
+            </a:schemeClr>
+          </a:lnRef>
+          <a:fillRef idx="1">
+            <a:schemeClr val="accent6"/>
+          </a:fillRef>
+          <a:effectRef idx="0">
+            <a:schemeClr val="accent6"/>
+          </a:effectRef>
+          <a:fontRef idx="minor">
+            <a:schemeClr val="lt1"/>
+          </a:fontRef>
+        </p:style>
+        <p:txBody>
+          <a:bodyPr rtlCol="0" anchor="ctr"/>
+          <a:lstStyle/>
+          <a:p>
+            <a:pPr algn="ctr"/>
+            <a:r>
+              <a:rPr lang="en-US" altLang="zh-CN" dirty="0"/>
+              <a:t>Block</a:t>
+            </a:r>
+            <a:endParaRPr lang="zh-CN" altLang="en-US" dirty="0"/>
+          </a:p>
+        </p:txBody>
+      </p:sp>
+      <p:sp>
+        <p:nvSpPr>
+          <p:cNvPr id="5" name="矩形 4"/>
+          <p:cNvSpPr/>
+          <p:nvPr/>
+        </p:nvSpPr>
+        <p:spPr>
+          <a:xfrm>
+            <a:off x="4374037" y="254522"/>
+            <a:ext cx="1046375" cy="358219"/>
+          </a:xfrm>
+          <a:prstGeom prst="rect">
+            <a:avLst/>
+          </a:prstGeom>
+        </p:spPr>
+        <p:style>
+          <a:lnRef idx="2">
+            <a:schemeClr val="accent6">
+              <a:shade val="50000"/>
+            </a:schemeClr>
+          </a:lnRef>
+          <a:fillRef idx="1">
+            <a:schemeClr val="accent6"/>
+          </a:fillRef>
+          <a:effectRef idx="0">
+            <a:schemeClr val="accent6"/>
+          </a:effectRef>
+          <a:fontRef idx="minor">
+            <a:schemeClr val="lt1"/>
+          </a:fontRef>
+        </p:style>
+        <p:txBody>
+          <a:bodyPr rtlCol="0" anchor="ctr"/>
+          <a:lstStyle/>
+          <a:p>
+            <a:pPr algn="ctr"/>
+            <a:r>
+              <a:rPr lang="en-US" altLang="zh-CN" dirty="0"/>
+              <a:t>Block</a:t>
+            </a:r>
+            <a:endParaRPr lang="zh-CN" altLang="en-US" dirty="0"/>
+          </a:p>
+        </p:txBody>
+      </p:sp>
+      <p:sp>
+        <p:nvSpPr>
+          <p:cNvPr id="7" name="矩形 6"/>
+          <p:cNvSpPr/>
+          <p:nvPr/>
+        </p:nvSpPr>
+        <p:spPr>
+          <a:xfrm>
+            <a:off x="5415699" y="254524"/>
+            <a:ext cx="579750" cy="358219"/>
+          </a:xfrm>
+          <a:prstGeom prst="rect">
+            <a:avLst/>
+          </a:prstGeom>
+          <a:noFill/>
+          <a:ln>
+            <a:noFill/>
+          </a:ln>
+        </p:spPr>
+        <p:style>
+          <a:lnRef idx="2">
+            <a:schemeClr val="accent1">
+              <a:shade val="50000"/>
+            </a:schemeClr>
+          </a:lnRef>
+          <a:fillRef idx="1">
+            <a:schemeClr val="accent1"/>
+          </a:fillRef>
+          <a:effectRef idx="0">
+            <a:schemeClr val="accent1"/>
+          </a:effectRef>
+          <a:fontRef idx="minor">
+            <a:schemeClr val="lt1"/>
+          </a:fontRef>
+        </p:style>
+        <p:txBody>
+          <a:bodyPr rtlCol="0" anchor="ctr"/>
+          <a:lstStyle/>
+          <a:p>
+            <a:pPr algn="ctr"/>
+            <a:r>
+              <a:rPr lang="en-US" altLang="zh-CN" dirty="0">
+                <a:solidFill>
+                  <a:schemeClr val="tx1"/>
+                </a:solidFill>
+              </a:rPr>
+              <a:t>......</a:t>
+            </a:r>
+          </a:p>
+        </p:txBody>
+      </p:sp>
+      <p:sp>
+        <p:nvSpPr>
+          <p:cNvPr id="8" name="矩形 7"/>
+          <p:cNvSpPr/>
+          <p:nvPr/>
+        </p:nvSpPr>
+        <p:spPr>
+          <a:xfrm>
+            <a:off x="5995449" y="254523"/>
+            <a:ext cx="1046375" cy="358219"/>
+          </a:xfrm>
+          <a:prstGeom prst="rect">
+            <a:avLst/>
+          </a:prstGeom>
+        </p:spPr>
+        <p:style>
+          <a:lnRef idx="2">
+            <a:schemeClr val="accent6">
+              <a:shade val="50000"/>
+            </a:schemeClr>
+          </a:lnRef>
+          <a:fillRef idx="1">
+            <a:schemeClr val="accent6"/>
+          </a:fillRef>
+          <a:effectRef idx="0">
+            <a:schemeClr val="accent6"/>
+          </a:effectRef>
+          <a:fontRef idx="minor">
+            <a:schemeClr val="lt1"/>
+          </a:fontRef>
+        </p:style>
+        <p:txBody>
+          <a:bodyPr rtlCol="0" anchor="ctr"/>
+          <a:lstStyle/>
+          <a:p>
+            <a:pPr algn="ctr"/>
+            <a:r>
+              <a:rPr lang="en-US" altLang="zh-CN" dirty="0"/>
+              <a:t>Block</a:t>
+            </a:r>
+            <a:endParaRPr lang="zh-CN" altLang="en-US" dirty="0"/>
+          </a:p>
+        </p:txBody>
+      </p:sp>
+      <p:sp>
+        <p:nvSpPr>
+          <p:cNvPr id="9" name="矩形 8"/>
+          <p:cNvSpPr/>
+          <p:nvPr/>
+        </p:nvSpPr>
+        <p:spPr>
+          <a:xfrm>
+            <a:off x="7041824" y="254522"/>
+            <a:ext cx="1046375" cy="358219"/>
+          </a:xfrm>
+          <a:prstGeom prst="rect">
+            <a:avLst/>
+          </a:prstGeom>
+        </p:spPr>
+        <p:style>
+          <a:lnRef idx="2">
+            <a:schemeClr val="accent6">
+              <a:shade val="50000"/>
+            </a:schemeClr>
+          </a:lnRef>
+          <a:fillRef idx="1">
+            <a:schemeClr val="accent6"/>
+          </a:fillRef>
+          <a:effectRef idx="0">
+            <a:schemeClr val="accent6"/>
+          </a:effectRef>
+          <a:fontRef idx="minor">
+            <a:schemeClr val="lt1"/>
+          </a:fontRef>
+        </p:style>
+        <p:txBody>
+          <a:bodyPr rtlCol="0" anchor="ctr"/>
+          <a:lstStyle/>
+          <a:p>
+            <a:pPr algn="ctr"/>
+            <a:r>
+              <a:rPr lang="en-US" altLang="zh-CN" dirty="0"/>
+              <a:t>Block</a:t>
+            </a:r>
+            <a:endParaRPr lang="zh-CN" altLang="en-US" dirty="0"/>
+          </a:p>
+        </p:txBody>
+      </p:sp>
+      <p:sp>
+        <p:nvSpPr>
+          <p:cNvPr id="10" name="矩形 9"/>
+          <p:cNvSpPr/>
+          <p:nvPr/>
+        </p:nvSpPr>
+        <p:spPr>
+          <a:xfrm>
+            <a:off x="8088199" y="254522"/>
+            <a:ext cx="2412426" cy="358219"/>
+          </a:xfrm>
+          <a:prstGeom prst="rect">
+            <a:avLst/>
+          </a:prstGeom>
+        </p:spPr>
+        <p:style>
+          <a:lnRef idx="2">
+            <a:schemeClr val="accent3">
+              <a:shade val="50000"/>
+            </a:schemeClr>
+          </a:lnRef>
+          <a:fillRef idx="1">
+            <a:schemeClr val="accent3"/>
+          </a:fillRef>
+          <a:effectRef idx="0">
+            <a:schemeClr val="accent3"/>
+          </a:effectRef>
+          <a:fontRef idx="minor">
+            <a:schemeClr val="lt1"/>
+          </a:fontRef>
+        </p:style>
+        <p:txBody>
+          <a:bodyPr rtlCol="0" anchor="ctr"/>
+          <a:lstStyle/>
+          <a:p>
+            <a:pPr algn="ctr"/>
+            <a:r>
+              <a:rPr lang="en-US" altLang="zh-CN" dirty="0" err="1"/>
+              <a:t>BlocksEndMarker</a:t>
+            </a:r>
+            <a:endParaRPr lang="zh-CN" altLang="en-US" dirty="0"/>
+          </a:p>
+        </p:txBody>
+      </p:sp>
+      <p:sp>
+        <p:nvSpPr>
+          <p:cNvPr id="12" name="矩形 11"/>
+          <p:cNvSpPr/>
+          <p:nvPr/>
+        </p:nvSpPr>
+        <p:spPr>
+          <a:xfrm>
+            <a:off x="3846136" y="1621409"/>
+            <a:ext cx="1046375" cy="358219"/>
+          </a:xfrm>
+          <a:prstGeom prst="rect">
+            <a:avLst/>
+          </a:prstGeom>
+        </p:spPr>
+        <p:style>
+          <a:lnRef idx="3">
+            <a:schemeClr val="lt1"/>
+          </a:lnRef>
+          <a:fillRef idx="1">
+            <a:schemeClr val="accent5"/>
+          </a:fillRef>
+          <a:effectRef idx="1">
+            <a:schemeClr val="accent5"/>
+          </a:effectRef>
+          <a:fontRef idx="minor">
+            <a:schemeClr val="lt1"/>
+          </a:fontRef>
+        </p:style>
+        <p:txBody>
+          <a:bodyPr rtlCol="0" anchor="ctr"/>
+          <a:lstStyle/>
+          <a:p>
+            <a:pPr algn="ctr"/>
+            <a:endParaRPr lang="zh-CN" altLang="en-US" dirty="0"/>
+          </a:p>
+        </p:txBody>
+      </p:sp>
+      <p:sp>
+        <p:nvSpPr>
+          <p:cNvPr id="13" name="矩形 12"/>
+          <p:cNvSpPr/>
+          <p:nvPr/>
+        </p:nvSpPr>
+        <p:spPr>
+          <a:xfrm>
+            <a:off x="4892511" y="1621408"/>
+            <a:ext cx="1046375" cy="358219"/>
+          </a:xfrm>
+          <a:prstGeom prst="rect">
+            <a:avLst/>
+          </a:prstGeom>
+        </p:spPr>
+        <p:style>
+          <a:lnRef idx="3">
+            <a:schemeClr val="lt1"/>
+          </a:lnRef>
+          <a:fillRef idx="1">
+            <a:schemeClr val="accent5"/>
+          </a:fillRef>
+          <a:effectRef idx="1">
+            <a:schemeClr val="accent5"/>
+          </a:effectRef>
+          <a:fontRef idx="minor">
+            <a:schemeClr val="lt1"/>
+          </a:fontRef>
+        </p:style>
+        <p:txBody>
+          <a:bodyPr rtlCol="0" anchor="ctr"/>
+          <a:lstStyle/>
+          <a:p>
+            <a:pPr algn="ctr"/>
+            <a:endParaRPr lang="zh-CN" altLang="en-US"/>
+          </a:p>
+        </p:txBody>
+      </p:sp>
+      <p:sp>
+        <p:nvSpPr>
+          <p:cNvPr id="14" name="矩形 13"/>
+          <p:cNvSpPr/>
+          <p:nvPr/>
+        </p:nvSpPr>
+        <p:spPr>
+          <a:xfrm>
+            <a:off x="5938886" y="1621408"/>
+            <a:ext cx="1046375" cy="358219"/>
+          </a:xfrm>
+          <a:prstGeom prst="rect">
+            <a:avLst/>
+          </a:prstGeom>
+        </p:spPr>
+        <p:style>
+          <a:lnRef idx="3">
+            <a:schemeClr val="lt1"/>
+          </a:lnRef>
+          <a:fillRef idx="1">
+            <a:schemeClr val="accent5"/>
+          </a:fillRef>
+          <a:effectRef idx="1">
+            <a:schemeClr val="accent5"/>
+          </a:effectRef>
+          <a:fontRef idx="minor">
+            <a:schemeClr val="lt1"/>
+          </a:fontRef>
+        </p:style>
+        <p:txBody>
+          <a:bodyPr rtlCol="0" anchor="ctr"/>
+          <a:lstStyle/>
+          <a:p>
+            <a:pPr algn="ctr"/>
+            <a:r>
+              <a:rPr lang="en-US" altLang="zh-CN" dirty="0"/>
+              <a:t>…</a:t>
+            </a:r>
+            <a:endParaRPr lang="zh-CN" altLang="en-US" dirty="0"/>
+          </a:p>
+        </p:txBody>
+      </p:sp>
+      <p:cxnSp>
+        <p:nvCxnSpPr>
+          <p:cNvPr id="16" name="直接连接符 15"/>
+          <p:cNvCxnSpPr/>
+          <p:nvPr/>
+        </p:nvCxnSpPr>
+        <p:spPr>
+          <a:xfrm flipH="1">
+            <a:off x="2201578" y="612741"/>
+            <a:ext cx="1173220" cy="1008664"/>
+          </a:xfrm>
+          <a:prstGeom prst="line">
+            <a:avLst/>
+          </a:prstGeom>
+          <a:ln w="19050"/>
+        </p:spPr>
+        <p:style>
+          <a:lnRef idx="1">
+            <a:schemeClr val="accent1"/>
+          </a:lnRef>
+          <a:fillRef idx="0">
+            <a:schemeClr val="accent1"/>
+          </a:fillRef>
+          <a:effectRef idx="0">
+            <a:schemeClr val="accent1"/>
+          </a:effectRef>
+          <a:fontRef idx="minor">
+            <a:schemeClr val="tx1"/>
+          </a:fontRef>
+        </p:style>
+      </p:cxnSp>
+      <p:cxnSp>
+        <p:nvCxnSpPr>
+          <p:cNvPr id="20" name="直接连接符 19"/>
+          <p:cNvCxnSpPr/>
+          <p:nvPr/>
+        </p:nvCxnSpPr>
+        <p:spPr>
+          <a:xfrm>
+            <a:off x="4369323" y="612741"/>
+            <a:ext cx="3657600" cy="1008664"/>
+          </a:xfrm>
+          <a:prstGeom prst="line">
+            <a:avLst/>
+          </a:prstGeom>
+          <a:ln w="19050"/>
+        </p:spPr>
+        <p:style>
+          <a:lnRef idx="1">
+            <a:schemeClr val="accent1"/>
+          </a:lnRef>
+          <a:fillRef idx="0">
+            <a:schemeClr val="accent1"/>
+          </a:fillRef>
+          <a:effectRef idx="0">
+            <a:schemeClr val="accent1"/>
+          </a:effectRef>
+          <a:fontRef idx="minor">
+            <a:schemeClr val="tx1"/>
+          </a:fontRef>
+        </p:style>
+      </p:cxnSp>
+      <p:sp>
+        <p:nvSpPr>
+          <p:cNvPr id="22" name="矩形 21"/>
+          <p:cNvSpPr/>
+          <p:nvPr/>
+        </p:nvSpPr>
+        <p:spPr>
+          <a:xfrm>
+            <a:off x="2201578" y="1621406"/>
+            <a:ext cx="1637640" cy="358219"/>
+          </a:xfrm>
+          <a:prstGeom prst="rect">
+            <a:avLst/>
+          </a:prstGeom>
+        </p:spPr>
+        <p:style>
+          <a:lnRef idx="3">
+            <a:schemeClr val="lt1"/>
+          </a:lnRef>
+          <a:fillRef idx="1">
+            <a:schemeClr val="accent5"/>
+          </a:fillRef>
+          <a:effectRef idx="1">
+            <a:schemeClr val="accent5"/>
+          </a:effectRef>
+          <a:fontRef idx="minor">
+            <a:schemeClr val="lt1"/>
+          </a:fontRef>
+        </p:style>
+        <p:txBody>
+          <a:bodyPr rtlCol="0" anchor="ctr"/>
+          <a:lstStyle/>
+          <a:p>
+            <a:pPr algn="ctr"/>
+            <a:r>
+              <a:rPr lang="en-US" altLang="zh-CN" dirty="0" err="1"/>
+              <a:t>DocBases</a:t>
+            </a:r>
+            <a:endParaRPr lang="zh-CN" altLang="en-US" dirty="0"/>
+          </a:p>
+        </p:txBody>
+      </p:sp>
+      <p:sp>
+        <p:nvSpPr>
+          <p:cNvPr id="23" name="矩形 22"/>
+          <p:cNvSpPr/>
+          <p:nvPr/>
+        </p:nvSpPr>
+        <p:spPr>
+          <a:xfrm>
+            <a:off x="3846136" y="1979625"/>
+            <a:ext cx="1046375" cy="358219"/>
+          </a:xfrm>
+          <a:prstGeom prst="rect">
+            <a:avLst/>
+          </a:prstGeom>
+        </p:spPr>
+        <p:style>
+          <a:lnRef idx="3">
+            <a:schemeClr val="lt1"/>
+          </a:lnRef>
+          <a:fillRef idx="1">
+            <a:schemeClr val="accent2"/>
+          </a:fillRef>
+          <a:effectRef idx="1">
+            <a:schemeClr val="accent2"/>
+          </a:effectRef>
+          <a:fontRef idx="minor">
+            <a:schemeClr val="lt1"/>
+          </a:fontRef>
+        </p:style>
+        <p:txBody>
+          <a:bodyPr rtlCol="0" anchor="ctr"/>
+          <a:lstStyle/>
+          <a:p>
+            <a:pPr algn="ctr"/>
+            <a:endParaRPr lang="zh-CN" altLang="en-US" dirty="0"/>
+          </a:p>
+        </p:txBody>
+      </p:sp>
+      <p:sp>
+        <p:nvSpPr>
+          <p:cNvPr id="24" name="矩形 23"/>
+          <p:cNvSpPr/>
+          <p:nvPr/>
+        </p:nvSpPr>
+        <p:spPr>
+          <a:xfrm>
+            <a:off x="4892511" y="1979624"/>
+            <a:ext cx="1046375" cy="358219"/>
+          </a:xfrm>
+          <a:prstGeom prst="rect">
+            <a:avLst/>
+          </a:prstGeom>
+        </p:spPr>
+        <p:style>
+          <a:lnRef idx="3">
+            <a:schemeClr val="lt1"/>
+          </a:lnRef>
+          <a:fillRef idx="1">
+            <a:schemeClr val="accent2"/>
+          </a:fillRef>
+          <a:effectRef idx="1">
+            <a:schemeClr val="accent2"/>
+          </a:effectRef>
+          <a:fontRef idx="minor">
+            <a:schemeClr val="lt1"/>
+          </a:fontRef>
+        </p:style>
+        <p:txBody>
+          <a:bodyPr rtlCol="0" anchor="ctr"/>
+          <a:lstStyle/>
+          <a:p>
+            <a:pPr algn="ctr"/>
+            <a:endParaRPr lang="zh-CN" altLang="en-US"/>
+          </a:p>
+        </p:txBody>
+      </p:sp>
+      <p:sp>
+        <p:nvSpPr>
+          <p:cNvPr id="25" name="矩形 24"/>
+          <p:cNvSpPr/>
+          <p:nvPr/>
+        </p:nvSpPr>
+        <p:spPr>
+          <a:xfrm>
+            <a:off x="5938886" y="1979624"/>
+            <a:ext cx="1046375" cy="358219"/>
+          </a:xfrm>
+          <a:prstGeom prst="rect">
+            <a:avLst/>
+          </a:prstGeom>
+        </p:spPr>
+        <p:style>
+          <a:lnRef idx="3">
+            <a:schemeClr val="lt1"/>
+          </a:lnRef>
+          <a:fillRef idx="1">
+            <a:schemeClr val="accent2"/>
+          </a:fillRef>
+          <a:effectRef idx="1">
+            <a:schemeClr val="accent2"/>
+          </a:effectRef>
+          <a:fontRef idx="minor">
+            <a:schemeClr val="lt1"/>
+          </a:fontRef>
+        </p:style>
+        <p:txBody>
+          <a:bodyPr rtlCol="0" anchor="ctr"/>
+          <a:lstStyle/>
+          <a:p>
+            <a:pPr algn="ctr"/>
+            <a:r>
+              <a:rPr lang="en-US" altLang="zh-CN" dirty="0"/>
+              <a:t>…</a:t>
+            </a:r>
+            <a:endParaRPr lang="zh-CN" altLang="en-US" dirty="0"/>
+          </a:p>
+        </p:txBody>
+      </p:sp>
+      <p:sp>
+        <p:nvSpPr>
+          <p:cNvPr id="26" name="矩形 25"/>
+          <p:cNvSpPr/>
+          <p:nvPr/>
+        </p:nvSpPr>
+        <p:spPr>
+          <a:xfrm>
+            <a:off x="2201578" y="1979622"/>
+            <a:ext cx="1637640" cy="358219"/>
+          </a:xfrm>
+          <a:prstGeom prst="rect">
+            <a:avLst/>
+          </a:prstGeom>
+        </p:spPr>
+        <p:style>
+          <a:lnRef idx="3">
+            <a:schemeClr val="lt1"/>
+          </a:lnRef>
+          <a:fillRef idx="1">
+            <a:schemeClr val="accent2"/>
+          </a:fillRef>
+          <a:effectRef idx="1">
+            <a:schemeClr val="accent2"/>
+          </a:effectRef>
+          <a:fontRef idx="minor">
+            <a:schemeClr val="lt1"/>
+          </a:fontRef>
+        </p:style>
+        <p:txBody>
+          <a:bodyPr rtlCol="0" anchor="ctr"/>
+          <a:lstStyle/>
+          <a:p>
+            <a:pPr algn="ctr"/>
+            <a:r>
+              <a:rPr lang="en-US" altLang="zh-CN" dirty="0" err="1"/>
+              <a:t>StartPointers</a:t>
+            </a:r>
+            <a:endParaRPr lang="zh-CN" altLang="en-US" dirty="0"/>
+          </a:p>
+        </p:txBody>
+      </p:sp>
+      <p:sp>
+        <p:nvSpPr>
+          <p:cNvPr id="27" name="矩形 26"/>
+          <p:cNvSpPr/>
+          <p:nvPr/>
+        </p:nvSpPr>
+        <p:spPr>
+          <a:xfrm>
+            <a:off x="6992180" y="1621406"/>
+            <a:ext cx="1046375" cy="358219"/>
+          </a:xfrm>
+          <a:prstGeom prst="rect">
+            <a:avLst/>
+          </a:prstGeom>
+        </p:spPr>
+        <p:style>
+          <a:lnRef idx="3">
+            <a:schemeClr val="lt1"/>
+          </a:lnRef>
+          <a:fillRef idx="1">
+            <a:schemeClr val="accent5"/>
+          </a:fillRef>
+          <a:effectRef idx="1">
+            <a:schemeClr val="accent5"/>
+          </a:effectRef>
+          <a:fontRef idx="minor">
+            <a:schemeClr val="lt1"/>
+          </a:fontRef>
+        </p:style>
+        <p:txBody>
+          <a:bodyPr rtlCol="0" anchor="ctr"/>
+          <a:lstStyle/>
+          <a:p>
+            <a:pPr algn="ctr"/>
+            <a:endParaRPr lang="zh-CN" altLang="en-US" dirty="0"/>
+          </a:p>
+        </p:txBody>
+      </p:sp>
+      <p:sp>
+        <p:nvSpPr>
+          <p:cNvPr id="28" name="矩形 27"/>
+          <p:cNvSpPr/>
+          <p:nvPr/>
+        </p:nvSpPr>
+        <p:spPr>
+          <a:xfrm>
+            <a:off x="6992180" y="1979622"/>
+            <a:ext cx="1046375" cy="358219"/>
+          </a:xfrm>
+          <a:prstGeom prst="rect">
+            <a:avLst/>
+          </a:prstGeom>
+        </p:spPr>
+        <p:style>
+          <a:lnRef idx="3">
+            <a:schemeClr val="lt1"/>
+          </a:lnRef>
+          <a:fillRef idx="1">
+            <a:schemeClr val="accent2"/>
+          </a:fillRef>
+          <a:effectRef idx="1">
+            <a:schemeClr val="accent2"/>
+          </a:effectRef>
+          <a:fontRef idx="minor">
+            <a:schemeClr val="lt1"/>
+          </a:fontRef>
+        </p:style>
+        <p:txBody>
+          <a:bodyPr rtlCol="0" anchor="ctr"/>
+          <a:lstStyle/>
+          <a:p>
+            <a:pPr algn="ctr"/>
+            <a:endParaRPr lang="zh-CN" altLang="en-US" dirty="0"/>
+          </a:p>
+        </p:txBody>
+      </p:sp>
+      <p:cxnSp>
+        <p:nvCxnSpPr>
+          <p:cNvPr id="32" name="直接连接符 31"/>
+          <p:cNvCxnSpPr/>
+          <p:nvPr/>
+        </p:nvCxnSpPr>
+        <p:spPr>
+          <a:xfrm>
+            <a:off x="113122" y="2714920"/>
+            <a:ext cx="11774078" cy="0"/>
+          </a:xfrm>
+          <a:prstGeom prst="line">
+            <a:avLst/>
+          </a:prstGeom>
+          <a:ln w="19050"/>
+        </p:spPr>
+        <p:style>
+          <a:lnRef idx="1">
+            <a:schemeClr val="dk1"/>
+          </a:lnRef>
+          <a:fillRef idx="0">
+            <a:schemeClr val="dk1"/>
+          </a:fillRef>
+          <a:effectRef idx="0">
+            <a:schemeClr val="dk1"/>
+          </a:effectRef>
+          <a:fontRef idx="minor">
+            <a:schemeClr val="tx1"/>
+          </a:fontRef>
+        </p:style>
+      </p:cxnSp>
+      <p:sp>
+        <p:nvSpPr>
+          <p:cNvPr id="33" name="文本框 32"/>
+          <p:cNvSpPr txBox="1"/>
+          <p:nvPr/>
+        </p:nvSpPr>
+        <p:spPr>
+          <a:xfrm>
+            <a:off x="54776" y="793907"/>
+            <a:ext cx="2073003" cy="646331"/>
+          </a:xfrm>
+          <a:prstGeom prst="rect">
+            <a:avLst/>
+          </a:prstGeom>
+          <a:noFill/>
+        </p:spPr>
+        <p:txBody>
+          <a:bodyPr wrap="none" rtlCol="0">
+            <a:spAutoFit/>
+          </a:bodyPr>
+          <a:lstStyle/>
+          <a:p>
+            <a:r>
+              <a:rPr lang="en-US" altLang="zh-CN" dirty="0"/>
+              <a:t>.</a:t>
+            </a:r>
+            <a:r>
+              <a:rPr lang="en-US" altLang="zh-CN" dirty="0" err="1"/>
+              <a:t>fdx</a:t>
+            </a:r>
+            <a:r>
+              <a:rPr lang="zh-CN" altLang="en-US" dirty="0"/>
+              <a:t>文件  </a:t>
+            </a:r>
+            <a:endParaRPr lang="en-US" altLang="zh-CN" dirty="0"/>
+          </a:p>
+          <a:p>
+            <a:r>
+              <a:rPr lang="zh-CN" altLang="en-US" dirty="0"/>
+              <a:t>全部加载在内存中</a:t>
+            </a:r>
+          </a:p>
+        </p:txBody>
+      </p:sp>
+      <p:sp>
+        <p:nvSpPr>
+          <p:cNvPr id="34" name="文本框 33"/>
+          <p:cNvSpPr txBox="1"/>
+          <p:nvPr/>
+        </p:nvSpPr>
+        <p:spPr>
+          <a:xfrm>
+            <a:off x="9328036" y="701574"/>
+            <a:ext cx="2809188" cy="738664"/>
+          </a:xfrm>
+          <a:prstGeom prst="rect">
+            <a:avLst/>
+          </a:prstGeom>
+          <a:noFill/>
+        </p:spPr>
+        <p:txBody>
+          <a:bodyPr wrap="square" rtlCol="0">
+            <a:spAutoFit/>
+          </a:bodyPr>
+          <a:lstStyle/>
+          <a:p>
+            <a:r>
+              <a:rPr lang="zh-CN" altLang="en-US" sz="1400" dirty="0"/>
+              <a:t>实际在磁盘上的存储单元是</a:t>
+            </a:r>
+            <a:r>
+              <a:rPr lang="en-US" altLang="zh-CN" sz="1400" dirty="0"/>
+              <a:t>chunk</a:t>
+            </a:r>
+            <a:r>
+              <a:rPr lang="zh-CN" altLang="en-US" sz="1400" dirty="0"/>
+              <a:t>，</a:t>
+            </a:r>
+            <a:endParaRPr lang="en-US" altLang="zh-CN" sz="1400" dirty="0"/>
+          </a:p>
+          <a:p>
+            <a:r>
+              <a:rPr lang="en-US" altLang="zh-CN" sz="1400" dirty="0"/>
+              <a:t>Block</a:t>
+            </a:r>
+            <a:r>
+              <a:rPr lang="zh-CN" altLang="en-US" sz="1400" dirty="0"/>
+              <a:t>是为了将一批</a:t>
+            </a:r>
+            <a:r>
+              <a:rPr lang="en-US" altLang="zh-CN" sz="1400" dirty="0"/>
+              <a:t>chunk</a:t>
+            </a:r>
+            <a:r>
+              <a:rPr lang="zh-CN" altLang="en-US" sz="1400" dirty="0"/>
+              <a:t>的</a:t>
+            </a:r>
+            <a:r>
+              <a:rPr lang="en-US" altLang="zh-CN" sz="1400" dirty="0" err="1"/>
+              <a:t>docID</a:t>
+            </a:r>
+            <a:r>
+              <a:rPr lang="zh-CN" altLang="en-US" sz="1400" dirty="0"/>
+              <a:t>和指针放在一起进行整数压缩</a:t>
+            </a:r>
+          </a:p>
+        </p:txBody>
+      </p:sp>
+      <p:sp>
+        <p:nvSpPr>
+          <p:cNvPr id="35" name="矩形 34"/>
+          <p:cNvSpPr/>
+          <p:nvPr/>
+        </p:nvSpPr>
+        <p:spPr>
+          <a:xfrm>
+            <a:off x="1885361" y="3271105"/>
+            <a:ext cx="2139886" cy="358217"/>
+          </a:xfrm>
+          <a:prstGeom prst="rect">
+            <a:avLst/>
+          </a:prstGeom>
+        </p:spPr>
+        <p:style>
+          <a:lnRef idx="2">
+            <a:schemeClr val="accent3">
+              <a:shade val="50000"/>
+            </a:schemeClr>
+          </a:lnRef>
+          <a:fillRef idx="1">
+            <a:schemeClr val="accent3"/>
+          </a:fillRef>
+          <a:effectRef idx="0">
+            <a:schemeClr val="accent3"/>
+          </a:effectRef>
+          <a:fontRef idx="minor">
+            <a:schemeClr val="lt1"/>
+          </a:fontRef>
+        </p:style>
+        <p:txBody>
+          <a:bodyPr rtlCol="0" anchor="ctr"/>
+          <a:lstStyle/>
+          <a:p>
+            <a:pPr algn="ctr"/>
+            <a:r>
+              <a:rPr lang="en-US" altLang="zh-CN" dirty="0"/>
+              <a:t>Header</a:t>
+            </a:r>
+            <a:endParaRPr lang="zh-CN" altLang="en-US" dirty="0"/>
+          </a:p>
+        </p:txBody>
+      </p:sp>
+      <p:sp>
+        <p:nvSpPr>
+          <p:cNvPr id="36" name="矩形 35"/>
+          <p:cNvSpPr/>
+          <p:nvPr/>
+        </p:nvSpPr>
+        <p:spPr>
+          <a:xfrm>
+            <a:off x="4029960" y="3271103"/>
+            <a:ext cx="1046375" cy="358219"/>
+          </a:xfrm>
+          <a:prstGeom prst="rect">
+            <a:avLst/>
+          </a:prstGeom>
+        </p:spPr>
+        <p:style>
+          <a:lnRef idx="2">
+            <a:schemeClr val="accent6">
+              <a:shade val="50000"/>
+            </a:schemeClr>
+          </a:lnRef>
+          <a:fillRef idx="1">
+            <a:schemeClr val="accent6"/>
+          </a:fillRef>
+          <a:effectRef idx="0">
+            <a:schemeClr val="accent6"/>
+          </a:effectRef>
+          <a:fontRef idx="minor">
+            <a:schemeClr val="lt1"/>
+          </a:fontRef>
+        </p:style>
+        <p:txBody>
+          <a:bodyPr rtlCol="0" anchor="ctr"/>
+          <a:lstStyle/>
+          <a:p>
+            <a:pPr algn="ctr"/>
+            <a:r>
+              <a:rPr lang="en-US" altLang="zh-CN" dirty="0"/>
+              <a:t>Chunk</a:t>
+            </a:r>
+            <a:endParaRPr lang="zh-CN" altLang="en-US" dirty="0"/>
+          </a:p>
+        </p:txBody>
+      </p:sp>
+      <p:sp>
+        <p:nvSpPr>
+          <p:cNvPr id="37" name="矩形 36"/>
+          <p:cNvSpPr/>
+          <p:nvPr/>
+        </p:nvSpPr>
+        <p:spPr>
+          <a:xfrm>
+            <a:off x="5024486" y="3271103"/>
+            <a:ext cx="1046375" cy="358219"/>
+          </a:xfrm>
+          <a:prstGeom prst="rect">
+            <a:avLst/>
+          </a:prstGeom>
+        </p:spPr>
+        <p:style>
+          <a:lnRef idx="2">
+            <a:schemeClr val="accent6">
+              <a:shade val="50000"/>
+            </a:schemeClr>
+          </a:lnRef>
+          <a:fillRef idx="1">
+            <a:schemeClr val="accent6"/>
+          </a:fillRef>
+          <a:effectRef idx="0">
+            <a:schemeClr val="accent6"/>
+          </a:effectRef>
+          <a:fontRef idx="minor">
+            <a:schemeClr val="lt1"/>
+          </a:fontRef>
+        </p:style>
+        <p:txBody>
+          <a:bodyPr rtlCol="0" anchor="ctr"/>
+          <a:lstStyle/>
+          <a:p>
+            <a:pPr algn="ctr"/>
+            <a:r>
+              <a:rPr lang="en-US" altLang="zh-CN" dirty="0"/>
+              <a:t>Chunk</a:t>
+            </a:r>
+            <a:endParaRPr lang="zh-CN" altLang="en-US" dirty="0"/>
+          </a:p>
+        </p:txBody>
+      </p:sp>
+      <p:sp>
+        <p:nvSpPr>
+          <p:cNvPr id="38" name="矩形 37"/>
+          <p:cNvSpPr/>
+          <p:nvPr/>
+        </p:nvSpPr>
+        <p:spPr>
+          <a:xfrm>
+            <a:off x="6066148" y="3271105"/>
+            <a:ext cx="579750" cy="358219"/>
+          </a:xfrm>
+          <a:prstGeom prst="rect">
+            <a:avLst/>
+          </a:prstGeom>
+          <a:noFill/>
+          <a:ln>
+            <a:noFill/>
+          </a:ln>
+        </p:spPr>
+        <p:style>
+          <a:lnRef idx="2">
+            <a:schemeClr val="accent1">
+              <a:shade val="50000"/>
+            </a:schemeClr>
+          </a:lnRef>
+          <a:fillRef idx="1">
+            <a:schemeClr val="accent1"/>
+          </a:fillRef>
+          <a:effectRef idx="0">
+            <a:schemeClr val="accent1"/>
+          </a:effectRef>
+          <a:fontRef idx="minor">
+            <a:schemeClr val="lt1"/>
+          </a:fontRef>
+        </p:style>
+        <p:txBody>
+          <a:bodyPr rtlCol="0" anchor="ctr"/>
+          <a:lstStyle/>
+          <a:p>
+            <a:pPr algn="ctr"/>
+            <a:r>
+              <a:rPr lang="en-US" altLang="zh-CN" dirty="0">
+                <a:solidFill>
+                  <a:schemeClr val="tx1"/>
+                </a:solidFill>
+              </a:rPr>
+              <a:t>......</a:t>
+            </a:r>
+          </a:p>
+        </p:txBody>
+      </p:sp>
+      <p:sp>
+        <p:nvSpPr>
+          <p:cNvPr id="39" name="矩形 38"/>
+          <p:cNvSpPr/>
+          <p:nvPr/>
+        </p:nvSpPr>
+        <p:spPr>
+          <a:xfrm>
+            <a:off x="6645898" y="3271104"/>
+            <a:ext cx="1046375" cy="358219"/>
+          </a:xfrm>
+          <a:prstGeom prst="rect">
+            <a:avLst/>
+          </a:prstGeom>
+        </p:spPr>
+        <p:style>
+          <a:lnRef idx="2">
+            <a:schemeClr val="accent6">
+              <a:shade val="50000"/>
+            </a:schemeClr>
+          </a:lnRef>
+          <a:fillRef idx="1">
+            <a:schemeClr val="accent6"/>
+          </a:fillRef>
+          <a:effectRef idx="0">
+            <a:schemeClr val="accent6"/>
+          </a:effectRef>
+          <a:fontRef idx="minor">
+            <a:schemeClr val="lt1"/>
+          </a:fontRef>
+        </p:style>
+        <p:txBody>
+          <a:bodyPr rtlCol="0" anchor="ctr"/>
+          <a:lstStyle/>
+          <a:p>
+            <a:pPr algn="ctr"/>
+            <a:r>
+              <a:rPr lang="en-US" altLang="zh-CN" dirty="0"/>
+              <a:t>Chunk</a:t>
+            </a:r>
+            <a:endParaRPr lang="zh-CN" altLang="en-US" dirty="0"/>
+          </a:p>
+        </p:txBody>
+      </p:sp>
+      <p:sp>
+        <p:nvSpPr>
+          <p:cNvPr id="41" name="矩形 40"/>
+          <p:cNvSpPr/>
+          <p:nvPr/>
+        </p:nvSpPr>
+        <p:spPr>
+          <a:xfrm>
+            <a:off x="7687560" y="3266686"/>
+            <a:ext cx="2412426" cy="358219"/>
+          </a:xfrm>
+          <a:prstGeom prst="rect">
+            <a:avLst/>
+          </a:prstGeom>
+        </p:spPr>
+        <p:style>
+          <a:lnRef idx="2">
+            <a:schemeClr val="accent3">
+              <a:shade val="50000"/>
+            </a:schemeClr>
+          </a:lnRef>
+          <a:fillRef idx="1">
+            <a:schemeClr val="accent3"/>
+          </a:fillRef>
+          <a:effectRef idx="0">
+            <a:schemeClr val="accent3"/>
+          </a:effectRef>
+          <a:fontRef idx="minor">
+            <a:schemeClr val="lt1"/>
+          </a:fontRef>
+        </p:style>
+        <p:txBody>
+          <a:bodyPr rtlCol="0" anchor="ctr"/>
+          <a:lstStyle/>
+          <a:p>
+            <a:pPr algn="ctr"/>
+            <a:r>
+              <a:rPr lang="en-US" altLang="zh-CN" dirty="0"/>
+              <a:t>Footer</a:t>
+            </a:r>
+            <a:endParaRPr lang="zh-CN" altLang="en-US" dirty="0"/>
+          </a:p>
+        </p:txBody>
+      </p:sp>
+      <p:cxnSp>
+        <p:nvCxnSpPr>
+          <p:cNvPr id="43" name="直接箭头连接符 42"/>
+          <p:cNvCxnSpPr>
+            <a:endCxn id="36" idx="0"/>
+          </p:cNvCxnSpPr>
+          <p:nvPr/>
+        </p:nvCxnSpPr>
+        <p:spPr>
+          <a:xfrm>
+            <a:off x="4147794" y="2337841"/>
+            <a:ext cx="405354" cy="933262"/>
+          </a:xfrm>
+          <a:prstGeom prst="straightConnector1">
+            <a:avLst/>
+          </a:prstGeom>
+          <a:ln w="28575">
+            <a:tailEnd type="triangle"/>
+          </a:ln>
+        </p:spPr>
+        <p:style>
+          <a:lnRef idx="1">
+            <a:schemeClr val="accent2"/>
+          </a:lnRef>
+          <a:fillRef idx="0">
+            <a:schemeClr val="accent2"/>
+          </a:fillRef>
+          <a:effectRef idx="0">
+            <a:schemeClr val="accent2"/>
+          </a:effectRef>
+          <a:fontRef idx="minor">
+            <a:schemeClr val="tx1"/>
+          </a:fontRef>
+        </p:style>
+      </p:cxnSp>
+      <p:cxnSp>
+        <p:nvCxnSpPr>
+          <p:cNvPr id="46" name="直接箭头连接符 45"/>
+          <p:cNvCxnSpPr/>
+          <p:nvPr/>
+        </p:nvCxnSpPr>
+        <p:spPr>
+          <a:xfrm>
+            <a:off x="5213021" y="2337841"/>
+            <a:ext cx="405354" cy="933262"/>
+          </a:xfrm>
+          <a:prstGeom prst="straightConnector1">
+            <a:avLst/>
+          </a:prstGeom>
+          <a:ln w="28575">
+            <a:tailEnd type="triangle"/>
+          </a:ln>
+        </p:spPr>
+        <p:style>
+          <a:lnRef idx="1">
+            <a:schemeClr val="accent2"/>
+          </a:lnRef>
+          <a:fillRef idx="0">
+            <a:schemeClr val="accent2"/>
+          </a:fillRef>
+          <a:effectRef idx="0">
+            <a:schemeClr val="accent2"/>
+          </a:effectRef>
+          <a:fontRef idx="minor">
+            <a:schemeClr val="tx1"/>
+          </a:fontRef>
+        </p:style>
+      </p:cxnSp>
+      <p:cxnSp>
+        <p:nvCxnSpPr>
+          <p:cNvPr id="47" name="直接箭头连接符 46"/>
+          <p:cNvCxnSpPr>
+            <a:stCxn id="28" idx="2"/>
+            <a:endCxn id="39" idx="0"/>
+          </p:cNvCxnSpPr>
+          <p:nvPr/>
+        </p:nvCxnSpPr>
+        <p:spPr>
+          <a:xfrm flipH="1">
+            <a:off x="7169086" y="2337841"/>
+            <a:ext cx="346282" cy="933263"/>
+          </a:xfrm>
+          <a:prstGeom prst="straightConnector1">
+            <a:avLst/>
+          </a:prstGeom>
+          <a:ln w="28575">
+            <a:tailEnd type="triangle"/>
+          </a:ln>
+        </p:spPr>
+        <p:style>
+          <a:lnRef idx="1">
+            <a:schemeClr val="accent2"/>
+          </a:lnRef>
+          <a:fillRef idx="0">
+            <a:schemeClr val="accent2"/>
+          </a:fillRef>
+          <a:effectRef idx="0">
+            <a:schemeClr val="accent2"/>
+          </a:effectRef>
+          <a:fontRef idx="minor">
+            <a:schemeClr val="tx1"/>
+          </a:fontRef>
+        </p:style>
+      </p:cxnSp>
+      <p:sp>
+        <p:nvSpPr>
+          <p:cNvPr id="52" name="文本框 51"/>
+          <p:cNvSpPr txBox="1"/>
+          <p:nvPr/>
+        </p:nvSpPr>
+        <p:spPr>
+          <a:xfrm>
+            <a:off x="8088198" y="1646626"/>
+            <a:ext cx="3497343" cy="307777"/>
+          </a:xfrm>
+          <a:prstGeom prst="rect">
+            <a:avLst/>
+          </a:prstGeom>
+          <a:noFill/>
+        </p:spPr>
+        <p:txBody>
+          <a:bodyPr wrap="square" rtlCol="0">
+            <a:spAutoFit/>
+          </a:bodyPr>
+          <a:lstStyle/>
+          <a:p>
+            <a:r>
+              <a:rPr lang="en-US" altLang="zh-CN" sz="1400" dirty="0"/>
+              <a:t>Chunk</a:t>
+            </a:r>
+            <a:r>
+              <a:rPr lang="zh-CN" altLang="en-US" sz="1400" dirty="0"/>
+              <a:t>中第一个文档的</a:t>
+            </a:r>
+            <a:r>
+              <a:rPr lang="en-US" altLang="zh-CN" sz="1400" dirty="0" err="1"/>
+              <a:t>docID</a:t>
+            </a:r>
+            <a:r>
+              <a:rPr lang="en-US" altLang="zh-CN" sz="1400" dirty="0"/>
+              <a:t>(</a:t>
+            </a:r>
+            <a:r>
+              <a:rPr lang="zh-CN" altLang="en-US" sz="1400" dirty="0"/>
+              <a:t>二分</a:t>
+            </a:r>
+            <a:r>
+              <a:rPr lang="en-US" altLang="zh-CN" sz="1400" dirty="0"/>
+              <a:t>)</a:t>
+            </a:r>
+            <a:endParaRPr lang="zh-CN" altLang="en-US" sz="1400" dirty="0"/>
+          </a:p>
+        </p:txBody>
+      </p:sp>
+      <p:sp>
+        <p:nvSpPr>
+          <p:cNvPr id="53" name="文本框 52"/>
+          <p:cNvSpPr txBox="1"/>
+          <p:nvPr/>
+        </p:nvSpPr>
+        <p:spPr>
+          <a:xfrm>
+            <a:off x="8090097" y="2004842"/>
+            <a:ext cx="2809188" cy="307777"/>
+          </a:xfrm>
+          <a:prstGeom prst="rect">
+            <a:avLst/>
+          </a:prstGeom>
+          <a:noFill/>
+        </p:spPr>
+        <p:txBody>
+          <a:bodyPr wrap="square" rtlCol="0">
+            <a:spAutoFit/>
+          </a:bodyPr>
+          <a:lstStyle/>
+          <a:p>
+            <a:r>
+              <a:rPr lang="en-US" altLang="zh-CN" sz="1400" dirty="0"/>
+              <a:t>Chunk</a:t>
+            </a:r>
+            <a:r>
+              <a:rPr lang="zh-CN" altLang="en-US" sz="1400" dirty="0"/>
+              <a:t>在磁盘上的位置</a:t>
+            </a:r>
+          </a:p>
+        </p:txBody>
+      </p:sp>
+      <p:sp>
+        <p:nvSpPr>
+          <p:cNvPr id="55" name="矩形 54"/>
+          <p:cNvSpPr/>
+          <p:nvPr/>
+        </p:nvSpPr>
+        <p:spPr>
+          <a:xfrm>
+            <a:off x="2485531" y="4298622"/>
+            <a:ext cx="1366884" cy="358219"/>
+          </a:xfrm>
+          <a:prstGeom prst="rect">
+            <a:avLst/>
+          </a:prstGeom>
+        </p:spPr>
+        <p:style>
+          <a:lnRef idx="3">
+            <a:schemeClr val="lt1"/>
+          </a:lnRef>
+          <a:fillRef idx="1">
+            <a:schemeClr val="accent3"/>
+          </a:fillRef>
+          <a:effectRef idx="1">
+            <a:schemeClr val="accent3"/>
+          </a:effectRef>
+          <a:fontRef idx="minor">
+            <a:schemeClr val="lt1"/>
+          </a:fontRef>
+        </p:style>
+        <p:txBody>
+          <a:bodyPr rtlCol="0" anchor="ctr"/>
+          <a:lstStyle/>
+          <a:p>
+            <a:pPr algn="ctr"/>
+            <a:r>
+              <a:rPr lang="en-US" altLang="zh-CN" dirty="0" err="1"/>
+              <a:t>ChunkDocs</a:t>
+            </a:r>
+            <a:endParaRPr lang="zh-CN" altLang="en-US" dirty="0"/>
+          </a:p>
+        </p:txBody>
+      </p:sp>
+      <p:sp>
+        <p:nvSpPr>
+          <p:cNvPr id="56" name="矩形 55"/>
+          <p:cNvSpPr/>
+          <p:nvPr/>
+        </p:nvSpPr>
+        <p:spPr>
+          <a:xfrm>
+            <a:off x="3859334" y="4298621"/>
+            <a:ext cx="1759041" cy="358219"/>
+          </a:xfrm>
+          <a:prstGeom prst="rect">
+            <a:avLst/>
+          </a:prstGeom>
+        </p:spPr>
+        <p:style>
+          <a:lnRef idx="3">
+            <a:schemeClr val="lt1"/>
+          </a:lnRef>
+          <a:fillRef idx="1">
+            <a:schemeClr val="accent2"/>
+          </a:fillRef>
+          <a:effectRef idx="1">
+            <a:schemeClr val="accent2"/>
+          </a:effectRef>
+          <a:fontRef idx="minor">
+            <a:schemeClr val="lt1"/>
+          </a:fontRef>
+        </p:style>
+        <p:txBody>
+          <a:bodyPr rtlCol="0" anchor="ctr"/>
+          <a:lstStyle/>
+          <a:p>
+            <a:pPr algn="ctr"/>
+            <a:r>
+              <a:rPr lang="en-US" altLang="zh-CN" dirty="0" err="1"/>
+              <a:t>DocFieldCounts</a:t>
+            </a:r>
+            <a:endParaRPr lang="zh-CN" altLang="en-US" dirty="0"/>
+          </a:p>
+        </p:txBody>
+      </p:sp>
+      <p:sp>
+        <p:nvSpPr>
+          <p:cNvPr id="57" name="矩形 56"/>
+          <p:cNvSpPr/>
+          <p:nvPr/>
+        </p:nvSpPr>
+        <p:spPr>
+          <a:xfrm>
+            <a:off x="5631574" y="4298619"/>
+            <a:ext cx="1367523" cy="358219"/>
+          </a:xfrm>
+          <a:prstGeom prst="rect">
+            <a:avLst/>
+          </a:prstGeom>
+        </p:spPr>
+        <p:style>
+          <a:lnRef idx="3">
+            <a:schemeClr val="lt1"/>
+          </a:lnRef>
+          <a:fillRef idx="1">
+            <a:schemeClr val="accent6"/>
+          </a:fillRef>
+          <a:effectRef idx="1">
+            <a:schemeClr val="accent6"/>
+          </a:effectRef>
+          <a:fontRef idx="minor">
+            <a:schemeClr val="lt1"/>
+          </a:fontRef>
+        </p:style>
+        <p:txBody>
+          <a:bodyPr rtlCol="0" anchor="ctr"/>
+          <a:lstStyle/>
+          <a:p>
+            <a:pPr algn="ctr"/>
+            <a:r>
+              <a:rPr lang="en-US" altLang="zh-CN" dirty="0" err="1"/>
+              <a:t>DocLengths</a:t>
+            </a:r>
+            <a:endParaRPr lang="zh-CN" altLang="en-US" dirty="0"/>
+          </a:p>
+        </p:txBody>
+      </p:sp>
+      <p:sp>
+        <p:nvSpPr>
+          <p:cNvPr id="58" name="矩形 57"/>
+          <p:cNvSpPr/>
+          <p:nvPr/>
+        </p:nvSpPr>
+        <p:spPr>
+          <a:xfrm>
+            <a:off x="1274605" y="4298619"/>
+            <a:ext cx="1204007" cy="358219"/>
+          </a:xfrm>
+          <a:prstGeom prst="rect">
+            <a:avLst/>
+          </a:prstGeom>
+        </p:spPr>
+        <p:style>
+          <a:lnRef idx="3">
+            <a:schemeClr val="lt1"/>
+          </a:lnRef>
+          <a:fillRef idx="1">
+            <a:schemeClr val="accent3"/>
+          </a:fillRef>
+          <a:effectRef idx="1">
+            <a:schemeClr val="accent3"/>
+          </a:effectRef>
+          <a:fontRef idx="minor">
+            <a:schemeClr val="lt1"/>
+          </a:fontRef>
+        </p:style>
+        <p:txBody>
+          <a:bodyPr rtlCol="0" anchor="ctr"/>
+          <a:lstStyle/>
+          <a:p>
+            <a:pPr algn="ctr"/>
+            <a:r>
+              <a:rPr lang="en-US" altLang="zh-CN" dirty="0" err="1"/>
+              <a:t>DocBase</a:t>
+            </a:r>
+            <a:endParaRPr lang="zh-CN" altLang="en-US" dirty="0"/>
+          </a:p>
+        </p:txBody>
+      </p:sp>
+      <p:sp>
+        <p:nvSpPr>
+          <p:cNvPr id="65" name="矩形 64"/>
+          <p:cNvSpPr/>
+          <p:nvPr/>
+        </p:nvSpPr>
+        <p:spPr>
+          <a:xfrm>
+            <a:off x="7012296" y="4298619"/>
+            <a:ext cx="1940022" cy="358219"/>
+          </a:xfrm>
+          <a:prstGeom prst="rect">
+            <a:avLst/>
+          </a:prstGeom>
+        </p:spPr>
+        <p:style>
+          <a:lnRef idx="3">
+            <a:schemeClr val="lt1"/>
+          </a:lnRef>
+          <a:fillRef idx="1">
+            <a:schemeClr val="accent1"/>
+          </a:fillRef>
+          <a:effectRef idx="1">
+            <a:schemeClr val="accent1"/>
+          </a:effectRef>
+          <a:fontRef idx="minor">
+            <a:schemeClr val="lt1"/>
+          </a:fontRef>
+        </p:style>
+        <p:txBody>
+          <a:bodyPr rtlCol="0" anchor="ctr"/>
+          <a:lstStyle/>
+          <a:p>
+            <a:pPr algn="ctr"/>
+            <a:r>
+              <a:rPr lang="en-US" altLang="zh-CN" dirty="0" err="1"/>
+              <a:t>CompressedDocs</a:t>
+            </a:r>
+            <a:endParaRPr lang="zh-CN" altLang="en-US" dirty="0"/>
+          </a:p>
+        </p:txBody>
+      </p:sp>
+      <p:cxnSp>
+        <p:nvCxnSpPr>
+          <p:cNvPr id="66" name="直接连接符 65"/>
+          <p:cNvCxnSpPr/>
+          <p:nvPr/>
+        </p:nvCxnSpPr>
+        <p:spPr>
+          <a:xfrm>
+            <a:off x="7041824" y="4637989"/>
+            <a:ext cx="722922" cy="499622"/>
+          </a:xfrm>
+          <a:prstGeom prst="line">
+            <a:avLst/>
+          </a:prstGeom>
+          <a:ln w="19050"/>
+        </p:spPr>
+        <p:style>
+          <a:lnRef idx="1">
+            <a:schemeClr val="accent1"/>
+          </a:lnRef>
+          <a:fillRef idx="0">
+            <a:schemeClr val="accent1"/>
+          </a:fillRef>
+          <a:effectRef idx="0">
+            <a:schemeClr val="accent1"/>
+          </a:effectRef>
+          <a:fontRef idx="minor">
+            <a:schemeClr val="tx1"/>
+          </a:fontRef>
+        </p:style>
+      </p:cxnSp>
+      <p:cxnSp>
+        <p:nvCxnSpPr>
+          <p:cNvPr id="69" name="直接连接符 68"/>
+          <p:cNvCxnSpPr/>
+          <p:nvPr/>
+        </p:nvCxnSpPr>
+        <p:spPr>
+          <a:xfrm>
+            <a:off x="5024486" y="3648179"/>
+            <a:ext cx="3927832" cy="654857"/>
+          </a:xfrm>
+          <a:prstGeom prst="line">
+            <a:avLst/>
+          </a:prstGeom>
+          <a:ln w="19050"/>
+        </p:spPr>
+        <p:style>
+          <a:lnRef idx="1">
+            <a:schemeClr val="accent1"/>
+          </a:lnRef>
+          <a:fillRef idx="0">
+            <a:schemeClr val="accent1"/>
+          </a:fillRef>
+          <a:effectRef idx="0">
+            <a:schemeClr val="accent1"/>
+          </a:effectRef>
+          <a:fontRef idx="minor">
+            <a:schemeClr val="tx1"/>
+          </a:fontRef>
+        </p:style>
+      </p:cxnSp>
+      <p:sp>
+        <p:nvSpPr>
+          <p:cNvPr id="72" name="矩形 71"/>
+          <p:cNvSpPr/>
+          <p:nvPr/>
+        </p:nvSpPr>
+        <p:spPr>
+          <a:xfrm>
+            <a:off x="7729982" y="5137611"/>
+            <a:ext cx="1046375" cy="358219"/>
+          </a:xfrm>
+          <a:prstGeom prst="rect">
+            <a:avLst/>
+          </a:prstGeom>
+        </p:spPr>
+        <p:style>
+          <a:lnRef idx="2">
+            <a:schemeClr val="accent6">
+              <a:shade val="50000"/>
+            </a:schemeClr>
+          </a:lnRef>
+          <a:fillRef idx="1">
+            <a:schemeClr val="accent6"/>
+          </a:fillRef>
+          <a:effectRef idx="0">
+            <a:schemeClr val="accent6"/>
+          </a:effectRef>
+          <a:fontRef idx="minor">
+            <a:schemeClr val="lt1"/>
+          </a:fontRef>
+        </p:style>
+        <p:txBody>
+          <a:bodyPr rtlCol="0" anchor="ctr"/>
+          <a:lstStyle/>
+          <a:p>
+            <a:pPr algn="ctr"/>
+            <a:r>
+              <a:rPr lang="en-US" altLang="zh-CN" dirty="0"/>
+              <a:t>Doc</a:t>
+            </a:r>
+            <a:endParaRPr lang="zh-CN" altLang="en-US" dirty="0"/>
+          </a:p>
+        </p:txBody>
+      </p:sp>
+      <p:sp>
+        <p:nvSpPr>
+          <p:cNvPr id="73" name="矩形 72"/>
+          <p:cNvSpPr/>
+          <p:nvPr/>
+        </p:nvSpPr>
+        <p:spPr>
+          <a:xfrm>
+            <a:off x="8724508" y="5137611"/>
+            <a:ext cx="1046375" cy="358219"/>
+          </a:xfrm>
+          <a:prstGeom prst="rect">
+            <a:avLst/>
+          </a:prstGeom>
+        </p:spPr>
+        <p:style>
+          <a:lnRef idx="2">
+            <a:schemeClr val="accent6">
+              <a:shade val="50000"/>
+            </a:schemeClr>
+          </a:lnRef>
+          <a:fillRef idx="1">
+            <a:schemeClr val="accent6"/>
+          </a:fillRef>
+          <a:effectRef idx="0">
+            <a:schemeClr val="accent6"/>
+          </a:effectRef>
+          <a:fontRef idx="minor">
+            <a:schemeClr val="lt1"/>
+          </a:fontRef>
+        </p:style>
+        <p:txBody>
+          <a:bodyPr rtlCol="0" anchor="ctr"/>
+          <a:lstStyle/>
+          <a:p>
+            <a:pPr algn="ctr"/>
+            <a:r>
+              <a:rPr lang="en-US" altLang="zh-CN" dirty="0"/>
+              <a:t>Doc</a:t>
+            </a:r>
+            <a:endParaRPr lang="zh-CN" altLang="en-US" dirty="0"/>
+          </a:p>
+        </p:txBody>
+      </p:sp>
+      <p:sp>
+        <p:nvSpPr>
+          <p:cNvPr id="74" name="矩形 73"/>
+          <p:cNvSpPr/>
+          <p:nvPr/>
+        </p:nvSpPr>
+        <p:spPr>
+          <a:xfrm>
+            <a:off x="9766170" y="5137613"/>
+            <a:ext cx="579750" cy="358219"/>
+          </a:xfrm>
+          <a:prstGeom prst="rect">
+            <a:avLst/>
+          </a:prstGeom>
+          <a:noFill/>
+          <a:ln>
+            <a:noFill/>
+          </a:ln>
+        </p:spPr>
+        <p:style>
+          <a:lnRef idx="2">
+            <a:schemeClr val="accent1">
+              <a:shade val="50000"/>
+            </a:schemeClr>
+          </a:lnRef>
+          <a:fillRef idx="1">
+            <a:schemeClr val="accent1"/>
+          </a:fillRef>
+          <a:effectRef idx="0">
+            <a:schemeClr val="accent1"/>
+          </a:effectRef>
+          <a:fontRef idx="minor">
+            <a:schemeClr val="lt1"/>
+          </a:fontRef>
+        </p:style>
+        <p:txBody>
+          <a:bodyPr rtlCol="0" anchor="ctr"/>
+          <a:lstStyle/>
+          <a:p>
+            <a:pPr algn="ctr"/>
+            <a:r>
+              <a:rPr lang="en-US" altLang="zh-CN" dirty="0">
+                <a:solidFill>
+                  <a:schemeClr val="tx1"/>
+                </a:solidFill>
+              </a:rPr>
+              <a:t>......</a:t>
+            </a:r>
+          </a:p>
+        </p:txBody>
+      </p:sp>
+      <p:sp>
+        <p:nvSpPr>
+          <p:cNvPr id="75" name="矩形 74"/>
+          <p:cNvSpPr/>
+          <p:nvPr/>
+        </p:nvSpPr>
+        <p:spPr>
+          <a:xfrm>
+            <a:off x="10345920" y="5137612"/>
+            <a:ext cx="1046375" cy="358219"/>
+          </a:xfrm>
+          <a:prstGeom prst="rect">
+            <a:avLst/>
+          </a:prstGeom>
+        </p:spPr>
+        <p:style>
+          <a:lnRef idx="2">
+            <a:schemeClr val="accent6">
+              <a:shade val="50000"/>
+            </a:schemeClr>
+          </a:lnRef>
+          <a:fillRef idx="1">
+            <a:schemeClr val="accent6"/>
+          </a:fillRef>
+          <a:effectRef idx="0">
+            <a:schemeClr val="accent6"/>
+          </a:effectRef>
+          <a:fontRef idx="minor">
+            <a:schemeClr val="lt1"/>
+          </a:fontRef>
+        </p:style>
+        <p:txBody>
+          <a:bodyPr rtlCol="0" anchor="ctr"/>
+          <a:lstStyle/>
+          <a:p>
+            <a:pPr algn="ctr"/>
+            <a:r>
+              <a:rPr lang="en-US" altLang="zh-CN" dirty="0"/>
+              <a:t>Doc</a:t>
+            </a:r>
+            <a:endParaRPr lang="zh-CN" altLang="en-US" dirty="0"/>
+          </a:p>
+        </p:txBody>
+      </p:sp>
+      <p:cxnSp>
+        <p:nvCxnSpPr>
+          <p:cNvPr id="79" name="直接连接符 78"/>
+          <p:cNvCxnSpPr/>
+          <p:nvPr/>
+        </p:nvCxnSpPr>
+        <p:spPr>
+          <a:xfrm>
+            <a:off x="8927540" y="4637989"/>
+            <a:ext cx="2460042" cy="499620"/>
+          </a:xfrm>
+          <a:prstGeom prst="line">
+            <a:avLst/>
+          </a:prstGeom>
+          <a:ln w="19050"/>
+        </p:spPr>
+        <p:style>
+          <a:lnRef idx="1">
+            <a:schemeClr val="accent1"/>
+          </a:lnRef>
+          <a:fillRef idx="0">
+            <a:schemeClr val="accent1"/>
+          </a:fillRef>
+          <a:effectRef idx="0">
+            <a:schemeClr val="accent1"/>
+          </a:effectRef>
+          <a:fontRef idx="minor">
+            <a:schemeClr val="tx1"/>
+          </a:fontRef>
+        </p:style>
+      </p:cxnSp>
+      <p:cxnSp>
+        <p:nvCxnSpPr>
+          <p:cNvPr id="82" name="直接连接符 81"/>
+          <p:cNvCxnSpPr/>
+          <p:nvPr/>
+        </p:nvCxnSpPr>
+        <p:spPr>
+          <a:xfrm flipH="1">
+            <a:off x="1269892" y="3624905"/>
+            <a:ext cx="2755355" cy="678131"/>
+          </a:xfrm>
+          <a:prstGeom prst="line">
+            <a:avLst/>
+          </a:prstGeom>
+          <a:ln w="19050"/>
+        </p:spPr>
+        <p:style>
+          <a:lnRef idx="1">
+            <a:schemeClr val="accent1"/>
+          </a:lnRef>
+          <a:fillRef idx="0">
+            <a:schemeClr val="accent1"/>
+          </a:fillRef>
+          <a:effectRef idx="0">
+            <a:schemeClr val="accent1"/>
+          </a:effectRef>
+          <a:fontRef idx="minor">
+            <a:schemeClr val="tx1"/>
+          </a:fontRef>
+        </p:style>
+      </p:cxnSp>
+      <p:sp>
+        <p:nvSpPr>
+          <p:cNvPr id="95" name="矩形 94"/>
+          <p:cNvSpPr/>
+          <p:nvPr/>
+        </p:nvSpPr>
+        <p:spPr>
+          <a:xfrm>
+            <a:off x="5698070" y="6033755"/>
+            <a:ext cx="1046375" cy="358219"/>
+          </a:xfrm>
+          <a:prstGeom prst="rect">
+            <a:avLst/>
+          </a:prstGeom>
+        </p:spPr>
+        <p:style>
+          <a:lnRef idx="3">
+            <a:schemeClr val="lt1"/>
+          </a:lnRef>
+          <a:fillRef idx="1">
+            <a:schemeClr val="accent5"/>
+          </a:fillRef>
+          <a:effectRef idx="1">
+            <a:schemeClr val="accent5"/>
+          </a:effectRef>
+          <a:fontRef idx="minor">
+            <a:schemeClr val="lt1"/>
+          </a:fontRef>
+        </p:style>
+        <p:txBody>
+          <a:bodyPr rtlCol="0" anchor="ctr"/>
+          <a:lstStyle/>
+          <a:p>
+            <a:pPr algn="ctr"/>
+            <a:r>
+              <a:rPr lang="en-US" altLang="zh-CN" dirty="0"/>
+              <a:t>Value2</a:t>
+            </a:r>
+            <a:endParaRPr lang="zh-CN" altLang="en-US" dirty="0"/>
+          </a:p>
+        </p:txBody>
+      </p:sp>
+      <p:sp>
+        <p:nvSpPr>
+          <p:cNvPr id="98" name="矩形 97"/>
+          <p:cNvSpPr/>
+          <p:nvPr/>
+        </p:nvSpPr>
+        <p:spPr>
+          <a:xfrm>
+            <a:off x="3671310" y="6043179"/>
+            <a:ext cx="2174647" cy="358219"/>
+          </a:xfrm>
+          <a:prstGeom prst="rect">
+            <a:avLst/>
+          </a:prstGeom>
+        </p:spPr>
+        <p:style>
+          <a:lnRef idx="3">
+            <a:schemeClr val="lt1"/>
+          </a:lnRef>
+          <a:fillRef idx="1">
+            <a:schemeClr val="accent5"/>
+          </a:fillRef>
+          <a:effectRef idx="1">
+            <a:schemeClr val="accent5"/>
+          </a:effectRef>
+          <a:fontRef idx="minor">
+            <a:schemeClr val="lt1"/>
+          </a:fontRef>
+        </p:style>
+        <p:txBody>
+          <a:bodyPr rtlCol="0" anchor="ctr"/>
+          <a:lstStyle/>
+          <a:p>
+            <a:pPr algn="ctr"/>
+            <a:r>
+              <a:rPr lang="en-US" altLang="zh-CN" dirty="0"/>
+              <a:t>FieldNumAndType2</a:t>
+            </a:r>
+            <a:endParaRPr lang="zh-CN" altLang="en-US" dirty="0"/>
+          </a:p>
+        </p:txBody>
+      </p:sp>
+      <p:sp>
+        <p:nvSpPr>
+          <p:cNvPr id="99" name="矩形 98"/>
+          <p:cNvSpPr/>
+          <p:nvPr/>
+        </p:nvSpPr>
+        <p:spPr>
+          <a:xfrm>
+            <a:off x="6718371" y="6033754"/>
+            <a:ext cx="796997" cy="358219"/>
+          </a:xfrm>
+          <a:prstGeom prst="rect">
+            <a:avLst/>
+          </a:prstGeom>
+        </p:spPr>
+        <p:style>
+          <a:lnRef idx="3">
+            <a:schemeClr val="lt1"/>
+          </a:lnRef>
+          <a:fillRef idx="1">
+            <a:schemeClr val="accent2"/>
+          </a:fillRef>
+          <a:effectRef idx="1">
+            <a:schemeClr val="accent2"/>
+          </a:effectRef>
+          <a:fontRef idx="minor">
+            <a:schemeClr val="lt1"/>
+          </a:fontRef>
+        </p:style>
+        <p:txBody>
+          <a:bodyPr rtlCol="0" anchor="ctr"/>
+          <a:lstStyle/>
+          <a:p>
+            <a:pPr algn="ctr"/>
+            <a:r>
+              <a:rPr lang="en-US" altLang="zh-CN" dirty="0"/>
+              <a:t>…</a:t>
+            </a:r>
+            <a:endParaRPr lang="zh-CN" altLang="en-US" dirty="0"/>
+          </a:p>
+        </p:txBody>
+      </p:sp>
+      <p:sp>
+        <p:nvSpPr>
+          <p:cNvPr id="100" name="矩形 99"/>
+          <p:cNvSpPr/>
+          <p:nvPr/>
+        </p:nvSpPr>
+        <p:spPr>
+          <a:xfrm>
+            <a:off x="2618017" y="6043182"/>
+            <a:ext cx="1046375" cy="358219"/>
+          </a:xfrm>
+          <a:prstGeom prst="rect">
+            <a:avLst/>
+          </a:prstGeom>
+        </p:spPr>
+        <p:style>
+          <a:lnRef idx="3">
+            <a:schemeClr val="lt1"/>
+          </a:lnRef>
+          <a:fillRef idx="1">
+            <a:schemeClr val="accent2"/>
+          </a:fillRef>
+          <a:effectRef idx="1">
+            <a:schemeClr val="accent2"/>
+          </a:effectRef>
+          <a:fontRef idx="minor">
+            <a:schemeClr val="lt1"/>
+          </a:fontRef>
+        </p:style>
+        <p:txBody>
+          <a:bodyPr rtlCol="0" anchor="ctr"/>
+          <a:lstStyle/>
+          <a:p>
+            <a:pPr algn="ctr"/>
+            <a:r>
+              <a:rPr lang="en-US" altLang="zh-CN" dirty="0"/>
+              <a:t>Value1</a:t>
+            </a:r>
+            <a:endParaRPr lang="zh-CN" altLang="en-US" dirty="0"/>
+          </a:p>
+        </p:txBody>
+      </p:sp>
+      <p:sp>
+        <p:nvSpPr>
+          <p:cNvPr id="101" name="矩形 100"/>
+          <p:cNvSpPr/>
+          <p:nvPr/>
+        </p:nvSpPr>
+        <p:spPr>
+          <a:xfrm>
+            <a:off x="518348" y="6043179"/>
+            <a:ext cx="2174647" cy="358219"/>
+          </a:xfrm>
+          <a:prstGeom prst="rect">
+            <a:avLst/>
+          </a:prstGeom>
+        </p:spPr>
+        <p:style>
+          <a:lnRef idx="3">
+            <a:schemeClr val="lt1"/>
+          </a:lnRef>
+          <a:fillRef idx="1">
+            <a:schemeClr val="accent2"/>
+          </a:fillRef>
+          <a:effectRef idx="1">
+            <a:schemeClr val="accent2"/>
+          </a:effectRef>
+          <a:fontRef idx="minor">
+            <a:schemeClr val="lt1"/>
+          </a:fontRef>
+        </p:style>
+        <p:txBody>
+          <a:bodyPr rtlCol="0" anchor="ctr"/>
+          <a:lstStyle/>
+          <a:p>
+            <a:pPr algn="ctr"/>
+            <a:r>
+              <a:rPr lang="en-US" altLang="zh-CN" dirty="0"/>
+              <a:t>FieldNumAndType1</a:t>
+            </a:r>
+            <a:endParaRPr lang="zh-CN" altLang="en-US" dirty="0"/>
+          </a:p>
+        </p:txBody>
+      </p:sp>
+      <p:sp>
+        <p:nvSpPr>
+          <p:cNvPr id="102" name="矩形 101"/>
+          <p:cNvSpPr/>
+          <p:nvPr/>
+        </p:nvSpPr>
+        <p:spPr>
+          <a:xfrm>
+            <a:off x="7533922" y="6043179"/>
+            <a:ext cx="2415998" cy="358219"/>
+          </a:xfrm>
+          <a:prstGeom prst="rect">
+            <a:avLst/>
+          </a:prstGeom>
+        </p:spPr>
+        <p:style>
+          <a:lnRef idx="3">
+            <a:schemeClr val="lt1"/>
+          </a:lnRef>
+          <a:fillRef idx="1">
+            <a:schemeClr val="accent4"/>
+          </a:fillRef>
+          <a:effectRef idx="1">
+            <a:schemeClr val="accent4"/>
+          </a:effectRef>
+          <a:fontRef idx="minor">
+            <a:schemeClr val="lt1"/>
+          </a:fontRef>
+        </p:style>
+        <p:txBody>
+          <a:bodyPr rtlCol="0" anchor="ctr"/>
+          <a:lstStyle/>
+          <a:p>
+            <a:pPr algn="ctr"/>
+            <a:r>
+              <a:rPr lang="en-US" altLang="zh-CN" dirty="0" err="1"/>
+              <a:t>FieldNumAndTypeN</a:t>
+            </a:r>
+            <a:endParaRPr lang="zh-CN" altLang="en-US" dirty="0"/>
+          </a:p>
+        </p:txBody>
+      </p:sp>
+      <p:sp>
+        <p:nvSpPr>
+          <p:cNvPr id="103" name="矩形 102"/>
+          <p:cNvSpPr/>
+          <p:nvPr/>
+        </p:nvSpPr>
+        <p:spPr>
+          <a:xfrm>
+            <a:off x="9793708" y="6043179"/>
+            <a:ext cx="1046375" cy="358219"/>
+          </a:xfrm>
+          <a:prstGeom prst="rect">
+            <a:avLst/>
+          </a:prstGeom>
+        </p:spPr>
+        <p:style>
+          <a:lnRef idx="3">
+            <a:schemeClr val="lt1"/>
+          </a:lnRef>
+          <a:fillRef idx="1">
+            <a:schemeClr val="accent4"/>
+          </a:fillRef>
+          <a:effectRef idx="1">
+            <a:schemeClr val="accent4"/>
+          </a:effectRef>
+          <a:fontRef idx="minor">
+            <a:schemeClr val="lt1"/>
+          </a:fontRef>
+        </p:style>
+        <p:txBody>
+          <a:bodyPr rtlCol="0" anchor="ctr"/>
+          <a:lstStyle/>
+          <a:p>
+            <a:pPr algn="ctr"/>
+            <a:r>
+              <a:rPr lang="en-US" altLang="zh-CN" dirty="0" err="1"/>
+              <a:t>ValueN</a:t>
+            </a:r>
+            <a:endParaRPr lang="zh-CN" altLang="en-US" dirty="0"/>
+          </a:p>
+        </p:txBody>
+      </p:sp>
+      <p:cxnSp>
+        <p:nvCxnSpPr>
+          <p:cNvPr id="104" name="直接连接符 103"/>
+          <p:cNvCxnSpPr/>
+          <p:nvPr/>
+        </p:nvCxnSpPr>
+        <p:spPr>
+          <a:xfrm flipV="1">
+            <a:off x="518348" y="5472564"/>
+            <a:ext cx="7211634" cy="603002"/>
+          </a:xfrm>
+          <a:prstGeom prst="line">
+            <a:avLst/>
+          </a:prstGeom>
+          <a:ln w="19050"/>
+        </p:spPr>
+        <p:style>
+          <a:lnRef idx="1">
+            <a:schemeClr val="accent1"/>
+          </a:lnRef>
+          <a:fillRef idx="0">
+            <a:schemeClr val="accent1"/>
+          </a:fillRef>
+          <a:effectRef idx="0">
+            <a:schemeClr val="accent1"/>
+          </a:effectRef>
+          <a:fontRef idx="minor">
+            <a:schemeClr val="tx1"/>
+          </a:fontRef>
+        </p:style>
+      </p:cxnSp>
+      <p:cxnSp>
+        <p:nvCxnSpPr>
+          <p:cNvPr id="107" name="直接连接符 106"/>
+          <p:cNvCxnSpPr/>
+          <p:nvPr/>
+        </p:nvCxnSpPr>
+        <p:spPr>
+          <a:xfrm flipH="1" flipV="1">
+            <a:off x="8743061" y="5495831"/>
+            <a:ext cx="2060720" cy="579734"/>
+          </a:xfrm>
+          <a:prstGeom prst="line">
+            <a:avLst/>
+          </a:prstGeom>
+          <a:ln w="19050"/>
+        </p:spPr>
+        <p:style>
+          <a:lnRef idx="1">
+            <a:schemeClr val="accent1"/>
+          </a:lnRef>
+          <a:fillRef idx="0">
+            <a:schemeClr val="accent1"/>
+          </a:fillRef>
+          <a:effectRef idx="0">
+            <a:schemeClr val="accent1"/>
+          </a:effectRef>
+          <a:fontRef idx="minor">
+            <a:schemeClr val="tx1"/>
+          </a:fontRef>
+        </p:style>
+      </p:cxnSp>
+      <p:sp>
+        <p:nvSpPr>
+          <p:cNvPr id="123" name="文本框 122"/>
+          <p:cNvSpPr txBox="1"/>
+          <p:nvPr/>
+        </p:nvSpPr>
+        <p:spPr>
+          <a:xfrm>
+            <a:off x="45223" y="3228674"/>
+            <a:ext cx="1107996" cy="646331"/>
+          </a:xfrm>
+          <a:prstGeom prst="rect">
+            <a:avLst/>
+          </a:prstGeom>
+          <a:noFill/>
+        </p:spPr>
+        <p:txBody>
+          <a:bodyPr wrap="none" rtlCol="0">
+            <a:spAutoFit/>
+          </a:bodyPr>
+          <a:lstStyle/>
+          <a:p>
+            <a:r>
+              <a:rPr lang="en-US" altLang="zh-CN" dirty="0"/>
+              <a:t>.</a:t>
+            </a:r>
+            <a:r>
+              <a:rPr lang="en-US" altLang="zh-CN" dirty="0" err="1"/>
+              <a:t>fdt</a:t>
+            </a:r>
+            <a:r>
+              <a:rPr lang="zh-CN" altLang="en-US" dirty="0"/>
+              <a:t>文件  </a:t>
+            </a:r>
+            <a:endParaRPr lang="en-US" altLang="zh-CN" dirty="0"/>
+          </a:p>
+          <a:p>
+            <a:r>
+              <a:rPr lang="zh-CN" altLang="en-US" dirty="0"/>
+              <a:t>在磁盘上</a:t>
+            </a:r>
+          </a:p>
+        </p:txBody>
+      </p:sp>
+      <p:sp>
+        <p:nvSpPr>
+          <p:cNvPr id="124" name="左大括号 123"/>
+          <p:cNvSpPr/>
+          <p:nvPr/>
+        </p:nvSpPr>
+        <p:spPr>
+          <a:xfrm>
+            <a:off x="9096866" y="3875005"/>
+            <a:ext cx="231170" cy="654857"/>
+          </a:xfrm>
+          <a:prstGeom prst="leftBrace">
+            <a:avLst/>
+          </a:prstGeom>
+        </p:spPr>
+        <p:style>
+          <a:lnRef idx="1">
+            <a:schemeClr val="accent1"/>
+          </a:lnRef>
+          <a:fillRef idx="0">
+            <a:schemeClr val="accent1"/>
+          </a:fillRef>
+          <a:effectRef idx="0">
+            <a:schemeClr val="accent1"/>
+          </a:effectRef>
+          <a:fontRef idx="minor">
+            <a:schemeClr val="tx1"/>
+          </a:fontRef>
+        </p:style>
+        <p:txBody>
+          <a:bodyPr rtlCol="0" anchor="ctr"/>
+          <a:lstStyle/>
+          <a:p>
+            <a:pPr algn="ctr"/>
+            <a:endParaRPr lang="zh-CN" altLang="en-US"/>
+          </a:p>
+        </p:txBody>
+      </p:sp>
+      <p:sp>
+        <p:nvSpPr>
+          <p:cNvPr id="125" name="文本框 124"/>
+          <p:cNvSpPr txBox="1"/>
+          <p:nvPr/>
+        </p:nvSpPr>
+        <p:spPr>
+          <a:xfrm>
+            <a:off x="9294412" y="3713912"/>
+            <a:ext cx="1990410" cy="369332"/>
+          </a:xfrm>
+          <a:prstGeom prst="rect">
+            <a:avLst/>
+          </a:prstGeom>
+          <a:noFill/>
+        </p:spPr>
+        <p:txBody>
+          <a:bodyPr wrap="square" rtlCol="0">
+            <a:spAutoFit/>
+          </a:bodyPr>
+          <a:lstStyle/>
+          <a:p>
+            <a:r>
+              <a:rPr lang="en-US" altLang="zh-CN" dirty="0"/>
+              <a:t>BEST_SPEED</a:t>
+            </a:r>
+            <a:endParaRPr lang="zh-CN" altLang="en-US" dirty="0"/>
+          </a:p>
+        </p:txBody>
+      </p:sp>
+      <p:sp>
+        <p:nvSpPr>
+          <p:cNvPr id="130" name="文本框 129"/>
+          <p:cNvSpPr txBox="1"/>
+          <p:nvPr/>
+        </p:nvSpPr>
+        <p:spPr>
+          <a:xfrm>
+            <a:off x="9306723" y="4345197"/>
+            <a:ext cx="2382513" cy="369332"/>
+          </a:xfrm>
+          <a:prstGeom prst="rect">
+            <a:avLst/>
+          </a:prstGeom>
+          <a:noFill/>
+        </p:spPr>
+        <p:txBody>
+          <a:bodyPr wrap="square" rtlCol="0">
+            <a:spAutoFit/>
+          </a:bodyPr>
+          <a:lstStyle/>
+          <a:p>
+            <a:r>
+              <a:rPr lang="en-US" altLang="zh-CN" dirty="0"/>
+              <a:t>BEST_COMPRESSION</a:t>
+            </a:r>
+            <a:endParaRPr lang="zh-CN" altLang="en-US" dirty="0"/>
+          </a:p>
+        </p:txBody>
+      </p:sp>
+      <p:sp>
+        <p:nvSpPr>
+          <p:cNvPr id="132" name="文本框 131"/>
+          <p:cNvSpPr txBox="1"/>
+          <p:nvPr/>
+        </p:nvSpPr>
+        <p:spPr>
+          <a:xfrm>
+            <a:off x="3763139" y="5051925"/>
+            <a:ext cx="1709122" cy="369332"/>
+          </a:xfrm>
+          <a:prstGeom prst="rect">
+            <a:avLst/>
+          </a:prstGeom>
+          <a:noFill/>
+        </p:spPr>
+        <p:txBody>
+          <a:bodyPr wrap="none" rtlCol="0">
+            <a:spAutoFit/>
+          </a:bodyPr>
+          <a:lstStyle/>
+          <a:p>
+            <a:r>
+              <a:rPr lang="zh-CN" altLang="en-US" dirty="0"/>
+              <a:t>每个</a:t>
+            </a:r>
+            <a:r>
+              <a:rPr lang="en-US" altLang="zh-CN" dirty="0"/>
+              <a:t>doc</a:t>
+            </a:r>
+            <a:r>
+              <a:rPr lang="zh-CN" altLang="en-US" dirty="0"/>
+              <a:t>的长度</a:t>
+            </a:r>
+          </a:p>
+        </p:txBody>
+      </p:sp>
+      <p:cxnSp>
+        <p:nvCxnSpPr>
+          <p:cNvPr id="133" name="直接连接符 132"/>
+          <p:cNvCxnSpPr>
+            <a:stCxn id="57" idx="2"/>
+            <a:endCxn id="132" idx="0"/>
+          </p:cNvCxnSpPr>
+          <p:nvPr/>
+        </p:nvCxnSpPr>
+        <p:spPr>
+          <a:xfrm flipH="1">
+            <a:off x="4617700" y="4656838"/>
+            <a:ext cx="1697636" cy="395087"/>
+          </a:xfrm>
+          <a:prstGeom prst="line">
+            <a:avLst/>
+          </a:prstGeom>
+          <a:ln w="19050"/>
+        </p:spPr>
+        <p:style>
+          <a:lnRef idx="1">
+            <a:schemeClr val="accent1"/>
+          </a:lnRef>
+          <a:fillRef idx="0">
+            <a:schemeClr val="accent1"/>
+          </a:fillRef>
+          <a:effectRef idx="0">
+            <a:schemeClr val="accent1"/>
+          </a:effectRef>
+          <a:fontRef idx="minor">
+            <a:schemeClr val="tx1"/>
+          </a:fontRef>
+        </p:style>
+      </p:cxnSp>
+    </p:spTree>
+  </p:cSld>
+  <p:clrMapOvr>
+    <a:masterClrMapping/>
+  </p:clrMapOvr>
+</p:sld>
+</file>
+
+<file path=ppt/slides/slide16.xml><?xml version="1.0" encoding="utf-8"?>
+<p:sld xmlns:a="http://schemas.openxmlformats.org/drawingml/2006/main" xmlns:r="http://schemas.openxmlformats.org/officeDocument/2006/relationships" xmlns:p="http://schemas.openxmlformats.org/presentationml/2006/main">
+  <p:cSld>
+    <p:spTree>
+      <p:nvGrpSpPr>
+        <p:cNvPr id="1" name=""/>
+        <p:cNvGrpSpPr/>
+        <p:nvPr/>
+      </p:nvGrpSpPr>
+      <p:grpSpPr>
+        <a:xfrm>
+          <a:off x="0" y="0"/>
+          <a:ext cx="0" cy="0"/>
+          <a:chOff x="0" y="0"/>
+          <a:chExt cx="0" cy="0"/>
+        </a:xfrm>
+      </p:grpSpPr>
+      <p:sp>
+        <p:nvSpPr>
+          <p:cNvPr id="2" name="标题 1"/>
+          <p:cNvSpPr>
+            <a:spLocks noGrp="1"/>
+          </p:cNvSpPr>
+          <p:nvPr>
+            <p:ph type="title"/>
+          </p:nvPr>
+        </p:nvSpPr>
+        <p:spPr/>
+        <p:txBody>
+          <a:bodyPr/>
+          <a:lstStyle/>
+          <a:p>
+            <a:r>
+              <a:rPr lang="zh-CN" altLang="en-US" dirty="0"/>
+              <a:t>根据文档</a:t>
+            </a:r>
+            <a:r>
+              <a:rPr lang="en-US" altLang="zh-CN" dirty="0"/>
+              <a:t>id</a:t>
+            </a:r>
+            <a:r>
+              <a:rPr lang="zh-CN" altLang="en-US" dirty="0"/>
+              <a:t>，获取文档所有的字段信息</a:t>
+            </a:r>
+          </a:p>
+        </p:txBody>
+      </p:sp>
+      <p:sp>
+        <p:nvSpPr>
+          <p:cNvPr id="3" name="内容占位符 2"/>
+          <p:cNvSpPr>
+            <a:spLocks noGrp="1"/>
+          </p:cNvSpPr>
+          <p:nvPr>
+            <p:ph idx="1"/>
+          </p:nvPr>
+        </p:nvSpPr>
+        <p:spPr/>
+        <p:txBody>
+          <a:bodyPr/>
+          <a:lstStyle/>
+          <a:p>
+            <a:r>
+              <a:rPr lang="en-US" altLang="zh-CN" dirty="0"/>
+              <a:t>1. </a:t>
+            </a:r>
+            <a:r>
+              <a:rPr lang="zh-CN" altLang="en-US" dirty="0"/>
+              <a:t>根据文档</a:t>
+            </a:r>
+            <a:r>
+              <a:rPr lang="en-US" altLang="zh-CN" dirty="0"/>
+              <a:t>id</a:t>
+            </a:r>
+            <a:r>
+              <a:rPr lang="zh-CN" altLang="en-US" dirty="0"/>
+              <a:t>在</a:t>
+            </a:r>
+            <a:r>
+              <a:rPr lang="en-US" altLang="zh-CN" dirty="0" err="1"/>
+              <a:t>DocBases</a:t>
+            </a:r>
+            <a:r>
+              <a:rPr lang="zh-CN" altLang="en-US" dirty="0"/>
+              <a:t>数组中进行二分查找，确定</a:t>
+            </a:r>
+            <a:r>
+              <a:rPr lang="en-US" altLang="zh-CN" dirty="0"/>
+              <a:t>chunk</a:t>
+            </a:r>
+            <a:r>
+              <a:rPr lang="zh-CN" altLang="en-US" dirty="0"/>
+              <a:t>下标：</a:t>
+            </a:r>
+            <a:r>
+              <a:rPr lang="en-US" altLang="zh-CN" dirty="0" err="1"/>
+              <a:t>chunkIndex</a:t>
+            </a:r>
+            <a:endParaRPr lang="en-US" altLang="zh-CN" dirty="0"/>
+          </a:p>
+          <a:p>
+            <a:r>
+              <a:rPr lang="en-US" altLang="zh-CN" dirty="0"/>
+              <a:t>2. </a:t>
+            </a:r>
+            <a:r>
+              <a:rPr lang="zh-CN" altLang="en-US" dirty="0"/>
+              <a:t>获取</a:t>
+            </a:r>
+            <a:r>
+              <a:rPr lang="en-US" altLang="zh-CN" dirty="0"/>
+              <a:t>chunk</a:t>
+            </a:r>
+            <a:r>
+              <a:rPr lang="zh-CN" altLang="en-US" dirty="0"/>
+              <a:t>在磁盘上的位置</a:t>
+            </a:r>
+            <a:r>
+              <a:rPr lang="en-US" altLang="zh-CN" dirty="0" err="1"/>
+              <a:t>StartPointers</a:t>
+            </a:r>
+            <a:r>
+              <a:rPr lang="en-US" altLang="zh-CN" dirty="0"/>
+              <a:t>[</a:t>
+            </a:r>
+            <a:r>
+              <a:rPr lang="en-US" altLang="zh-CN" dirty="0" err="1"/>
+              <a:t>chunkIndex</a:t>
+            </a:r>
+            <a:r>
+              <a:rPr lang="en-US" altLang="zh-CN" dirty="0"/>
+              <a:t>]</a:t>
+            </a:r>
+          </a:p>
+          <a:p>
+            <a:r>
+              <a:rPr lang="en-US" altLang="zh-CN" dirty="0"/>
+              <a:t>3. </a:t>
+            </a:r>
+            <a:r>
+              <a:rPr lang="zh-CN" altLang="en-US" dirty="0"/>
+              <a:t>从磁盘读取</a:t>
+            </a:r>
+            <a:r>
+              <a:rPr lang="en-US" altLang="zh-CN" dirty="0"/>
+              <a:t>chunk</a:t>
+            </a:r>
+            <a:r>
+              <a:rPr lang="zh-CN" altLang="en-US" dirty="0"/>
+              <a:t>头部信息</a:t>
+            </a:r>
+            <a:endParaRPr lang="en-US" altLang="zh-CN" dirty="0"/>
+          </a:p>
+          <a:p>
+            <a:r>
+              <a:rPr lang="en-US" altLang="zh-CN" dirty="0"/>
+              <a:t>4. </a:t>
+            </a:r>
+            <a:r>
+              <a:rPr lang="zh-CN" altLang="en-US" dirty="0"/>
+              <a:t>根据</a:t>
+            </a:r>
+            <a:r>
+              <a:rPr lang="en-US" altLang="zh-CN" dirty="0" err="1"/>
+              <a:t>DocLengths</a:t>
+            </a:r>
+            <a:r>
+              <a:rPr lang="zh-CN" altLang="en-US" dirty="0"/>
+              <a:t>数组确定要读取的</a:t>
+            </a:r>
+            <a:r>
+              <a:rPr lang="en-US" altLang="zh-CN" dirty="0"/>
+              <a:t>doc</a:t>
+            </a:r>
+            <a:r>
+              <a:rPr lang="zh-CN" altLang="en-US" dirty="0"/>
+              <a:t>的偏移量</a:t>
+            </a:r>
+            <a:r>
+              <a:rPr lang="en-US" altLang="zh-CN" dirty="0"/>
+              <a:t>offset</a:t>
+            </a:r>
+            <a:r>
+              <a:rPr lang="zh-CN" altLang="en-US" dirty="0"/>
+              <a:t>和长度</a:t>
+            </a:r>
+            <a:r>
+              <a:rPr lang="en-US" altLang="zh-CN" dirty="0"/>
+              <a:t>length </a:t>
+            </a:r>
+          </a:p>
+          <a:p>
+            <a:r>
+              <a:rPr lang="en-US" altLang="zh-CN" dirty="0"/>
+              <a:t>5. </a:t>
+            </a:r>
+            <a:r>
+              <a:rPr lang="zh-CN" altLang="en-US" dirty="0"/>
+              <a:t>解压</a:t>
+            </a:r>
+            <a:r>
+              <a:rPr lang="en-US" altLang="zh-CN" dirty="0"/>
+              <a:t>(offset, </a:t>
+            </a:r>
+            <a:r>
+              <a:rPr lang="en-US" altLang="zh-CN" dirty="0" err="1"/>
+              <a:t>offset+length</a:t>
+            </a:r>
+            <a:r>
+              <a:rPr lang="en-US" altLang="zh-CN" dirty="0"/>
+              <a:t>)</a:t>
+            </a:r>
+            <a:r>
+              <a:rPr lang="zh-CN" altLang="en-US" dirty="0"/>
+              <a:t>区域的数据</a:t>
+            </a:r>
+            <a:endParaRPr lang="en-US" altLang="zh-CN" dirty="0"/>
+          </a:p>
+          <a:p>
+            <a:r>
+              <a:rPr lang="en-US" altLang="zh-CN" dirty="0"/>
+              <a:t>6. </a:t>
+            </a:r>
+            <a:r>
+              <a:rPr lang="zh-CN" altLang="en-US" dirty="0"/>
+              <a:t>提取所需要的字段信息</a:t>
+            </a:r>
+          </a:p>
+        </p:txBody>
+      </p:sp>
+    </p:spTree>
+  </p:cSld>
+  <p:clrMapOvr>
+    <a:masterClrMapping/>
+  </p:clrMapOvr>
+</p:sld>
+</file>
+
+<file path=ppt/slides/slide17.xml><?xml version="1.0" encoding="utf-8"?>
+<p:sld xmlns:a="http://schemas.openxmlformats.org/drawingml/2006/main" xmlns:r="http://schemas.openxmlformats.org/officeDocument/2006/relationships" xmlns:p="http://schemas.openxmlformats.org/presentationml/2006/main">
+  <p:cSld>
+    <p:spTree>
+      <p:nvGrpSpPr>
+        <p:cNvPr id="1" name=""/>
+        <p:cNvGrpSpPr/>
+        <p:nvPr/>
+      </p:nvGrpSpPr>
+      <p:grpSpPr>
+        <a:xfrm>
+          <a:off x="0" y="0"/>
+          <a:ext cx="0" cy="0"/>
+          <a:chOff x="0" y="0"/>
+          <a:chExt cx="0" cy="0"/>
+        </a:xfrm>
+      </p:grpSpPr>
+      <p:sp>
+        <p:nvSpPr>
+          <p:cNvPr id="3" name="标题 2"/>
+          <p:cNvSpPr>
+            <a:spLocks noGrp="1"/>
+          </p:cNvSpPr>
+          <p:nvPr>
+            <p:ph type="title"/>
+          </p:nvPr>
+        </p:nvSpPr>
+        <p:spPr/>
+        <p:txBody>
+          <a:bodyPr/>
+          <a:lstStyle/>
+          <a:p>
+            <a:r>
+              <a:rPr lang="en-US" altLang="zh-CN" dirty="0"/>
+              <a:t>Term Vector</a:t>
+            </a:r>
+            <a:br>
+              <a:rPr lang="en-US" altLang="zh-CN" dirty="0"/>
+            </a:br>
+            <a:endParaRPr lang="zh-CN" altLang="en-US" dirty="0"/>
+          </a:p>
+        </p:txBody>
+      </p:sp>
+    </p:spTree>
+  </p:cSld>
+  <p:clrMapOvr>
+    <a:masterClrMapping/>
+  </p:clrMapOvr>
+</p:sld>
+</file>
+
+<file path=ppt/slides/slide18.xml><?xml version="1.0" encoding="utf-8"?>
+<p:sld xmlns:a="http://schemas.openxmlformats.org/drawingml/2006/main" xmlns:r="http://schemas.openxmlformats.org/officeDocument/2006/relationships" xmlns:p="http://schemas.openxmlformats.org/presentationml/2006/main">
+  <p:cSld>
+    <p:spTree>
+      <p:nvGrpSpPr>
+        <p:cNvPr id="1" name=""/>
+        <p:cNvGrpSpPr/>
+        <p:nvPr/>
+      </p:nvGrpSpPr>
+      <p:grpSpPr>
+        <a:xfrm>
+          <a:off x="0" y="0"/>
+          <a:ext cx="0" cy="0"/>
+          <a:chOff x="0" y="0"/>
+          <a:chExt cx="0" cy="0"/>
+        </a:xfrm>
+      </p:grpSpPr>
+      <p:cxnSp>
+        <p:nvCxnSpPr>
+          <p:cNvPr id="32" name="直接连接符 31"/>
+          <p:cNvCxnSpPr/>
+          <p:nvPr/>
+        </p:nvCxnSpPr>
+        <p:spPr>
+          <a:xfrm>
+            <a:off x="209007" y="378120"/>
+            <a:ext cx="11774078" cy="0"/>
+          </a:xfrm>
+          <a:prstGeom prst="line">
+            <a:avLst/>
+          </a:prstGeom>
+          <a:ln w="19050"/>
+        </p:spPr>
+        <p:style>
+          <a:lnRef idx="1">
+            <a:schemeClr val="dk1"/>
+          </a:lnRef>
+          <a:fillRef idx="0">
+            <a:schemeClr val="dk1"/>
+          </a:fillRef>
+          <a:effectRef idx="0">
+            <a:schemeClr val="dk1"/>
+          </a:effectRef>
+          <a:fontRef idx="minor">
+            <a:schemeClr val="tx1"/>
+          </a:fontRef>
+        </p:style>
+      </p:cxnSp>
+      <p:sp>
+        <p:nvSpPr>
+          <p:cNvPr id="35" name="矩形 34"/>
+          <p:cNvSpPr/>
+          <p:nvPr/>
+        </p:nvSpPr>
+        <p:spPr>
+          <a:xfrm>
+            <a:off x="1894886" y="602226"/>
+            <a:ext cx="2139886" cy="358217"/>
+          </a:xfrm>
+          <a:prstGeom prst="rect">
+            <a:avLst/>
+          </a:prstGeom>
+        </p:spPr>
+        <p:style>
+          <a:lnRef idx="2">
+            <a:schemeClr val="accent3">
+              <a:shade val="50000"/>
+            </a:schemeClr>
+          </a:lnRef>
+          <a:fillRef idx="1">
+            <a:schemeClr val="accent3"/>
+          </a:fillRef>
+          <a:effectRef idx="0">
+            <a:schemeClr val="accent3"/>
+          </a:effectRef>
+          <a:fontRef idx="minor">
+            <a:schemeClr val="lt1"/>
+          </a:fontRef>
+        </p:style>
+        <p:txBody>
+          <a:bodyPr rtlCol="0" anchor="ctr"/>
+          <a:lstStyle/>
+          <a:p>
+            <a:pPr algn="ctr"/>
+            <a:r>
+              <a:rPr lang="en-US" altLang="zh-CN" dirty="0"/>
+              <a:t>Header</a:t>
+            </a:r>
+            <a:endParaRPr lang="zh-CN" altLang="en-US" dirty="0"/>
+          </a:p>
+        </p:txBody>
+      </p:sp>
+      <p:sp>
+        <p:nvSpPr>
+          <p:cNvPr id="36" name="矩形 35"/>
+          <p:cNvSpPr/>
+          <p:nvPr/>
+        </p:nvSpPr>
+        <p:spPr>
+          <a:xfrm>
+            <a:off x="4039485" y="602226"/>
+            <a:ext cx="1046375" cy="358219"/>
+          </a:xfrm>
+          <a:prstGeom prst="rect">
+            <a:avLst/>
+          </a:prstGeom>
+        </p:spPr>
+        <p:style>
+          <a:lnRef idx="2">
+            <a:schemeClr val="accent6">
+              <a:shade val="50000"/>
+            </a:schemeClr>
+          </a:lnRef>
+          <a:fillRef idx="1">
+            <a:schemeClr val="accent6"/>
+          </a:fillRef>
+          <a:effectRef idx="0">
+            <a:schemeClr val="accent6"/>
+          </a:effectRef>
+          <a:fontRef idx="minor">
+            <a:schemeClr val="lt1"/>
+          </a:fontRef>
+        </p:style>
+        <p:txBody>
+          <a:bodyPr rtlCol="0" anchor="ctr"/>
+          <a:lstStyle/>
+          <a:p>
+            <a:pPr algn="ctr"/>
+            <a:r>
+              <a:rPr lang="en-US" altLang="zh-CN" dirty="0"/>
+              <a:t>Chunk</a:t>
+            </a:r>
+            <a:endParaRPr lang="zh-CN" altLang="en-US" dirty="0"/>
+          </a:p>
+        </p:txBody>
+      </p:sp>
+      <p:sp>
+        <p:nvSpPr>
+          <p:cNvPr id="37" name="矩形 36"/>
+          <p:cNvSpPr/>
+          <p:nvPr/>
+        </p:nvSpPr>
+        <p:spPr>
+          <a:xfrm>
+            <a:off x="5034011" y="602226"/>
+            <a:ext cx="1046375" cy="358219"/>
+          </a:xfrm>
+          <a:prstGeom prst="rect">
+            <a:avLst/>
+          </a:prstGeom>
+        </p:spPr>
+        <p:style>
+          <a:lnRef idx="2">
+            <a:schemeClr val="accent6">
+              <a:shade val="50000"/>
+            </a:schemeClr>
+          </a:lnRef>
+          <a:fillRef idx="1">
+            <a:schemeClr val="accent6"/>
+          </a:fillRef>
+          <a:effectRef idx="0">
+            <a:schemeClr val="accent6"/>
+          </a:effectRef>
+          <a:fontRef idx="minor">
+            <a:schemeClr val="lt1"/>
+          </a:fontRef>
+        </p:style>
+        <p:txBody>
+          <a:bodyPr rtlCol="0" anchor="ctr"/>
+          <a:lstStyle/>
+          <a:p>
+            <a:pPr algn="ctr"/>
+            <a:r>
+              <a:rPr lang="en-US" altLang="zh-CN" dirty="0"/>
+              <a:t>Chunk</a:t>
+            </a:r>
+            <a:endParaRPr lang="zh-CN" altLang="en-US" dirty="0"/>
+          </a:p>
+        </p:txBody>
+      </p:sp>
+      <p:sp>
+        <p:nvSpPr>
+          <p:cNvPr id="38" name="矩形 37"/>
+          <p:cNvSpPr/>
+          <p:nvPr/>
+        </p:nvSpPr>
+        <p:spPr>
+          <a:xfrm>
+            <a:off x="6075673" y="602226"/>
+            <a:ext cx="579750" cy="358219"/>
+          </a:xfrm>
+          <a:prstGeom prst="rect">
+            <a:avLst/>
+          </a:prstGeom>
+          <a:noFill/>
+          <a:ln>
+            <a:noFill/>
+          </a:ln>
+        </p:spPr>
+        <p:style>
+          <a:lnRef idx="2">
+            <a:schemeClr val="accent1">
+              <a:shade val="50000"/>
+            </a:schemeClr>
+          </a:lnRef>
+          <a:fillRef idx="1">
+            <a:schemeClr val="accent1"/>
+          </a:fillRef>
+          <a:effectRef idx="0">
+            <a:schemeClr val="accent1"/>
+          </a:effectRef>
+          <a:fontRef idx="minor">
+            <a:schemeClr val="lt1"/>
+          </a:fontRef>
+        </p:style>
+        <p:txBody>
+          <a:bodyPr rtlCol="0" anchor="ctr"/>
+          <a:lstStyle/>
+          <a:p>
+            <a:pPr algn="ctr"/>
+            <a:r>
+              <a:rPr lang="en-US" altLang="zh-CN" dirty="0">
+                <a:solidFill>
+                  <a:schemeClr val="tx1"/>
+                </a:solidFill>
+              </a:rPr>
+              <a:t>......</a:t>
+            </a:r>
+          </a:p>
+        </p:txBody>
+      </p:sp>
+      <p:sp>
+        <p:nvSpPr>
+          <p:cNvPr id="39" name="矩形 38"/>
+          <p:cNvSpPr/>
+          <p:nvPr/>
+        </p:nvSpPr>
+        <p:spPr>
+          <a:xfrm>
+            <a:off x="6655423" y="602226"/>
+            <a:ext cx="1046375" cy="358219"/>
+          </a:xfrm>
+          <a:prstGeom prst="rect">
+            <a:avLst/>
+          </a:prstGeom>
+        </p:spPr>
+        <p:style>
+          <a:lnRef idx="2">
+            <a:schemeClr val="accent6">
+              <a:shade val="50000"/>
+            </a:schemeClr>
+          </a:lnRef>
+          <a:fillRef idx="1">
+            <a:schemeClr val="accent6"/>
+          </a:fillRef>
+          <a:effectRef idx="0">
+            <a:schemeClr val="accent6"/>
+          </a:effectRef>
+          <a:fontRef idx="minor">
+            <a:schemeClr val="lt1"/>
+          </a:fontRef>
+        </p:style>
+        <p:txBody>
+          <a:bodyPr rtlCol="0" anchor="ctr"/>
+          <a:lstStyle/>
+          <a:p>
+            <a:pPr algn="ctr"/>
+            <a:r>
+              <a:rPr lang="en-US" altLang="zh-CN" dirty="0"/>
+              <a:t>Chunk</a:t>
+            </a:r>
+            <a:endParaRPr lang="zh-CN" altLang="en-US" dirty="0"/>
+          </a:p>
+        </p:txBody>
+      </p:sp>
+      <p:sp>
+        <p:nvSpPr>
+          <p:cNvPr id="41" name="矩形 40"/>
+          <p:cNvSpPr/>
+          <p:nvPr/>
+        </p:nvSpPr>
+        <p:spPr>
+          <a:xfrm>
+            <a:off x="7697085" y="602226"/>
+            <a:ext cx="2412426" cy="358219"/>
+          </a:xfrm>
+          <a:prstGeom prst="rect">
+            <a:avLst/>
+          </a:prstGeom>
+        </p:spPr>
+        <p:style>
+          <a:lnRef idx="2">
+            <a:schemeClr val="accent3">
+              <a:shade val="50000"/>
+            </a:schemeClr>
+          </a:lnRef>
+          <a:fillRef idx="1">
+            <a:schemeClr val="accent3"/>
+          </a:fillRef>
+          <a:effectRef idx="0">
+            <a:schemeClr val="accent3"/>
+          </a:effectRef>
+          <a:fontRef idx="minor">
+            <a:schemeClr val="lt1"/>
+          </a:fontRef>
+        </p:style>
+        <p:txBody>
+          <a:bodyPr rtlCol="0" anchor="ctr"/>
+          <a:lstStyle/>
+          <a:p>
+            <a:pPr algn="ctr"/>
+            <a:r>
+              <a:rPr lang="en-US" altLang="zh-CN" dirty="0"/>
+              <a:t>Footer</a:t>
+            </a:r>
+            <a:endParaRPr lang="zh-CN" altLang="en-US" dirty="0"/>
+          </a:p>
+        </p:txBody>
+      </p:sp>
+      <p:sp>
+        <p:nvSpPr>
+          <p:cNvPr id="3" name="矩形 2"/>
+          <p:cNvSpPr/>
+          <p:nvPr/>
+        </p:nvSpPr>
+        <p:spPr>
+          <a:xfrm>
+            <a:off x="332990" y="1413121"/>
+            <a:ext cx="1046375" cy="358219"/>
+          </a:xfrm>
+          <a:prstGeom prst="rect">
+            <a:avLst/>
+          </a:prstGeom>
+        </p:spPr>
+        <p:style>
+          <a:lnRef idx="2">
+            <a:schemeClr val="accent6">
+              <a:shade val="50000"/>
+            </a:schemeClr>
+          </a:lnRef>
+          <a:fillRef idx="1">
+            <a:schemeClr val="accent6"/>
+          </a:fillRef>
+          <a:effectRef idx="0">
+            <a:schemeClr val="accent6"/>
+          </a:effectRef>
+          <a:fontRef idx="minor">
+            <a:schemeClr val="lt1"/>
+          </a:fontRef>
+        </p:style>
+        <p:txBody>
+          <a:bodyPr rtlCol="0" anchor="ctr"/>
+          <a:lstStyle/>
+          <a:p>
+            <a:pPr algn="ctr"/>
+            <a:r>
+              <a:rPr lang="en-US" altLang="zh-CN" dirty="0"/>
+              <a:t>DocBase</a:t>
+            </a:r>
+          </a:p>
+        </p:txBody>
+      </p:sp>
+      <p:sp>
+        <p:nvSpPr>
+          <p:cNvPr id="4" name="矩形 3"/>
+          <p:cNvSpPr/>
+          <p:nvPr/>
+        </p:nvSpPr>
+        <p:spPr>
+          <a:xfrm>
+            <a:off x="1327785" y="1412875"/>
+            <a:ext cx="1363980" cy="358140"/>
+          </a:xfrm>
+          <a:prstGeom prst="rect">
+            <a:avLst/>
+          </a:prstGeom>
+        </p:spPr>
+        <p:style>
+          <a:lnRef idx="2">
+            <a:schemeClr val="accent6">
+              <a:shade val="50000"/>
+            </a:schemeClr>
+          </a:lnRef>
+          <a:fillRef idx="1">
+            <a:schemeClr val="accent6"/>
+          </a:fillRef>
+          <a:effectRef idx="0">
+            <a:schemeClr val="accent6"/>
+          </a:effectRef>
+          <a:fontRef idx="minor">
+            <a:schemeClr val="lt1"/>
+          </a:fontRef>
+        </p:style>
+        <p:txBody>
+          <a:bodyPr rtlCol="0" anchor="ctr"/>
+          <a:lstStyle/>
+          <a:p>
+            <a:pPr algn="ctr"/>
+            <a:r>
+              <a:rPr lang="en-US" altLang="zh-CN" dirty="0"/>
+              <a:t>ChunkDocs</a:t>
+            </a:r>
+          </a:p>
+        </p:txBody>
+      </p:sp>
+      <p:sp>
+        <p:nvSpPr>
+          <p:cNvPr id="6" name="矩形 5"/>
+          <p:cNvSpPr/>
+          <p:nvPr/>
+        </p:nvSpPr>
+        <p:spPr>
+          <a:xfrm>
+            <a:off x="2691765" y="1412875"/>
+            <a:ext cx="1343660" cy="358140"/>
+          </a:xfrm>
+          <a:prstGeom prst="rect">
+            <a:avLst/>
+          </a:prstGeom>
+        </p:spPr>
+        <p:style>
+          <a:lnRef idx="2">
+            <a:schemeClr val="accent6">
+              <a:shade val="50000"/>
+            </a:schemeClr>
+          </a:lnRef>
+          <a:fillRef idx="1">
+            <a:schemeClr val="accent6"/>
+          </a:fillRef>
+          <a:effectRef idx="0">
+            <a:schemeClr val="accent6"/>
+          </a:effectRef>
+          <a:fontRef idx="minor">
+            <a:schemeClr val="lt1"/>
+          </a:fontRef>
+        </p:style>
+        <p:txBody>
+          <a:bodyPr rtlCol="0" anchor="ctr"/>
+          <a:lstStyle/>
+          <a:p>
+            <a:pPr algn="ctr"/>
+            <a:r>
+              <a:rPr lang="en-US" altLang="zh-CN" dirty="0"/>
+              <a:t>NumFields </a:t>
+            </a:r>
+          </a:p>
+        </p:txBody>
+      </p:sp>
+      <p:sp>
+        <p:nvSpPr>
+          <p:cNvPr id="8" name="矩形 7"/>
+          <p:cNvSpPr/>
+          <p:nvPr/>
+        </p:nvSpPr>
+        <p:spPr>
+          <a:xfrm>
+            <a:off x="4034790" y="1412875"/>
+            <a:ext cx="1343660" cy="358140"/>
+          </a:xfrm>
+          <a:prstGeom prst="rect">
+            <a:avLst/>
+          </a:prstGeom>
+        </p:spPr>
+        <p:style>
+          <a:lnRef idx="2">
+            <a:schemeClr val="accent6">
+              <a:shade val="50000"/>
+            </a:schemeClr>
+          </a:lnRef>
+          <a:fillRef idx="1">
+            <a:schemeClr val="accent6"/>
+          </a:fillRef>
+          <a:effectRef idx="0">
+            <a:schemeClr val="accent6"/>
+          </a:effectRef>
+          <a:fontRef idx="minor">
+            <a:schemeClr val="lt1"/>
+          </a:fontRef>
+        </p:style>
+        <p:txBody>
+          <a:bodyPr rtlCol="0" anchor="ctr"/>
+          <a:lstStyle/>
+          <a:p>
+            <a:pPr algn="ctr"/>
+            <a:r>
+              <a:rPr lang="en-US" altLang="zh-CN" dirty="0"/>
+              <a:t>FieldNums </a:t>
+            </a:r>
+          </a:p>
+        </p:txBody>
+      </p:sp>
+      <p:sp>
+        <p:nvSpPr>
+          <p:cNvPr id="9" name="矩形 8"/>
+          <p:cNvSpPr/>
+          <p:nvPr/>
+        </p:nvSpPr>
+        <p:spPr>
+          <a:xfrm>
+            <a:off x="5311775" y="1412875"/>
+            <a:ext cx="1544955" cy="358140"/>
+          </a:xfrm>
+          <a:prstGeom prst="rect">
+            <a:avLst/>
+          </a:prstGeom>
+        </p:spPr>
+        <p:style>
+          <a:lnRef idx="2">
+            <a:schemeClr val="accent6">
+              <a:shade val="50000"/>
+            </a:schemeClr>
+          </a:lnRef>
+          <a:fillRef idx="1">
+            <a:schemeClr val="accent6"/>
+          </a:fillRef>
+          <a:effectRef idx="0">
+            <a:schemeClr val="accent6"/>
+          </a:effectRef>
+          <a:fontRef idx="minor">
+            <a:schemeClr val="lt1"/>
+          </a:fontRef>
+        </p:style>
+        <p:txBody>
+          <a:bodyPr rtlCol="0" anchor="ctr"/>
+          <a:lstStyle/>
+          <a:p>
+            <a:pPr algn="ctr"/>
+            <a:r>
+              <a:rPr lang="en-US" altLang="zh-CN" dirty="0"/>
+              <a:t>FieldNumOffs </a:t>
+            </a:r>
+          </a:p>
+        </p:txBody>
+      </p:sp>
+      <p:sp>
+        <p:nvSpPr>
+          <p:cNvPr id="10" name="矩形 9"/>
+          <p:cNvSpPr/>
+          <p:nvPr/>
+        </p:nvSpPr>
+        <p:spPr>
+          <a:xfrm>
+            <a:off x="6856730" y="1412875"/>
+            <a:ext cx="845185" cy="358140"/>
+          </a:xfrm>
+          <a:prstGeom prst="rect">
+            <a:avLst/>
+          </a:prstGeom>
+        </p:spPr>
+        <p:style>
+          <a:lnRef idx="2">
+            <a:schemeClr val="accent6">
+              <a:shade val="50000"/>
+            </a:schemeClr>
+          </a:lnRef>
+          <a:fillRef idx="1">
+            <a:schemeClr val="accent6"/>
+          </a:fillRef>
+          <a:effectRef idx="0">
+            <a:schemeClr val="accent6"/>
+          </a:effectRef>
+          <a:fontRef idx="minor">
+            <a:schemeClr val="lt1"/>
+          </a:fontRef>
+        </p:style>
+        <p:txBody>
+          <a:bodyPr rtlCol="0" anchor="ctr"/>
+          <a:lstStyle/>
+          <a:p>
+            <a:pPr algn="ctr"/>
+            <a:r>
+              <a:rPr lang="en-US" altLang="zh-CN" dirty="0"/>
+              <a:t>Flags </a:t>
+            </a:r>
+          </a:p>
+        </p:txBody>
+      </p:sp>
+      <p:sp>
+        <p:nvSpPr>
+          <p:cNvPr id="12" name="矩形 11"/>
+          <p:cNvSpPr/>
+          <p:nvPr/>
+        </p:nvSpPr>
+        <p:spPr>
+          <a:xfrm>
+            <a:off x="3730625" y="2551430"/>
+            <a:ext cx="1307465" cy="358140"/>
+          </a:xfrm>
+          <a:prstGeom prst="rect">
+            <a:avLst/>
+          </a:prstGeom>
+        </p:spPr>
+        <p:style>
+          <a:lnRef idx="3">
+            <a:schemeClr val="lt1"/>
+          </a:lnRef>
+          <a:fillRef idx="1">
+            <a:schemeClr val="accent1"/>
+          </a:fillRef>
+          <a:effectRef idx="1">
+            <a:schemeClr val="accent1"/>
+          </a:effectRef>
+          <a:fontRef idx="minor">
+            <a:schemeClr val="lt1"/>
+          </a:fontRef>
+        </p:style>
+        <p:txBody>
+          <a:bodyPr rtlCol="0" anchor="ctr"/>
+          <a:lstStyle/>
+          <a:p>
+            <a:pPr algn="ctr"/>
+            <a:r>
+              <a:rPr lang="en-US" altLang="zh-CN" dirty="0"/>
+              <a:t>NumTerms </a:t>
+            </a:r>
+          </a:p>
+        </p:txBody>
+      </p:sp>
+      <p:sp>
+        <p:nvSpPr>
+          <p:cNvPr id="13" name="矩形 12"/>
+          <p:cNvSpPr/>
+          <p:nvPr/>
+        </p:nvSpPr>
+        <p:spPr>
+          <a:xfrm>
+            <a:off x="5038090" y="2551430"/>
+            <a:ext cx="1497965" cy="358140"/>
+          </a:xfrm>
+          <a:prstGeom prst="rect">
+            <a:avLst/>
+          </a:prstGeom>
+        </p:spPr>
+        <p:style>
+          <a:lnRef idx="3">
+            <a:schemeClr val="lt1"/>
+          </a:lnRef>
+          <a:fillRef idx="1">
+            <a:schemeClr val="accent1"/>
+          </a:fillRef>
+          <a:effectRef idx="1">
+            <a:schemeClr val="accent1"/>
+          </a:effectRef>
+          <a:fontRef idx="minor">
+            <a:schemeClr val="lt1"/>
+          </a:fontRef>
+        </p:style>
+        <p:txBody>
+          <a:bodyPr rtlCol="0" anchor="ctr"/>
+          <a:lstStyle/>
+          <a:p>
+            <a:pPr algn="ctr"/>
+            <a:r>
+              <a:rPr lang="en-US" altLang="zh-CN" dirty="0"/>
+              <a:t>TermLengths </a:t>
+            </a:r>
+          </a:p>
+        </p:txBody>
+      </p:sp>
+      <p:sp>
+        <p:nvSpPr>
+          <p:cNvPr id="14" name="矩形 13"/>
+          <p:cNvSpPr/>
+          <p:nvPr/>
+        </p:nvSpPr>
+        <p:spPr>
+          <a:xfrm>
+            <a:off x="6536055" y="2551430"/>
+            <a:ext cx="1284605" cy="358140"/>
+          </a:xfrm>
+          <a:prstGeom prst="rect">
+            <a:avLst/>
+          </a:prstGeom>
+        </p:spPr>
+        <p:style>
+          <a:lnRef idx="3">
+            <a:schemeClr val="lt1"/>
+          </a:lnRef>
+          <a:fillRef idx="1">
+            <a:schemeClr val="accent1"/>
+          </a:fillRef>
+          <a:effectRef idx="1">
+            <a:schemeClr val="accent1"/>
+          </a:effectRef>
+          <a:fontRef idx="minor">
+            <a:schemeClr val="lt1"/>
+          </a:fontRef>
+        </p:style>
+        <p:txBody>
+          <a:bodyPr rtlCol="0" anchor="ctr"/>
+          <a:lstStyle/>
+          <a:p>
+            <a:pPr algn="ctr"/>
+            <a:r>
+              <a:rPr lang="en-US" altLang="zh-CN" dirty="0"/>
+              <a:t>TermFreqs </a:t>
+            </a:r>
+          </a:p>
+        </p:txBody>
+      </p:sp>
+      <p:sp>
+        <p:nvSpPr>
+          <p:cNvPr id="15" name="矩形 14"/>
+          <p:cNvSpPr/>
+          <p:nvPr/>
+        </p:nvSpPr>
+        <p:spPr>
+          <a:xfrm>
+            <a:off x="7820660" y="2551430"/>
+            <a:ext cx="1104900" cy="358140"/>
+          </a:xfrm>
+          <a:prstGeom prst="rect">
+            <a:avLst/>
+          </a:prstGeom>
+        </p:spPr>
+        <p:style>
+          <a:lnRef idx="3">
+            <a:schemeClr val="lt1"/>
+          </a:lnRef>
+          <a:fillRef idx="1">
+            <a:schemeClr val="accent1"/>
+          </a:fillRef>
+          <a:effectRef idx="1">
+            <a:schemeClr val="accent1"/>
+          </a:effectRef>
+          <a:fontRef idx="minor">
+            <a:schemeClr val="lt1"/>
+          </a:fontRef>
+        </p:style>
+        <p:txBody>
+          <a:bodyPr rtlCol="0" anchor="ctr"/>
+          <a:lstStyle/>
+          <a:p>
+            <a:pPr algn="ctr"/>
+            <a:r>
+              <a:rPr lang="en-US" altLang="zh-CN" dirty="0"/>
+              <a:t>Positions </a:t>
+            </a:r>
+          </a:p>
+        </p:txBody>
+      </p:sp>
+      <p:sp>
+        <p:nvSpPr>
+          <p:cNvPr id="16" name="矩形 15"/>
+          <p:cNvSpPr/>
+          <p:nvPr/>
+        </p:nvSpPr>
+        <p:spPr>
+          <a:xfrm>
+            <a:off x="8925560" y="2551430"/>
+            <a:ext cx="1343025" cy="358140"/>
+          </a:xfrm>
+          <a:prstGeom prst="rect">
+            <a:avLst/>
+          </a:prstGeom>
+        </p:spPr>
+        <p:style>
+          <a:lnRef idx="3">
+            <a:schemeClr val="lt1"/>
+          </a:lnRef>
+          <a:fillRef idx="1">
+            <a:schemeClr val="accent1"/>
+          </a:fillRef>
+          <a:effectRef idx="1">
+            <a:schemeClr val="accent1"/>
+          </a:effectRef>
+          <a:fontRef idx="minor">
+            <a:schemeClr val="lt1"/>
+          </a:fontRef>
+        </p:style>
+        <p:txBody>
+          <a:bodyPr rtlCol="0" anchor="ctr"/>
+          <a:lstStyle/>
+          <a:p>
+            <a:pPr algn="ctr"/>
+            <a:r>
+              <a:rPr lang="en-US" altLang="zh-CN" dirty="0"/>
+              <a:t>StartOffsets </a:t>
+            </a:r>
+          </a:p>
+        </p:txBody>
+      </p:sp>
+      <p:sp>
+        <p:nvSpPr>
+          <p:cNvPr id="17" name="矩形 16"/>
+          <p:cNvSpPr/>
+          <p:nvPr/>
+        </p:nvSpPr>
+        <p:spPr>
+          <a:xfrm>
+            <a:off x="10268585" y="2551430"/>
+            <a:ext cx="1017905" cy="358140"/>
+          </a:xfrm>
+          <a:prstGeom prst="rect">
+            <a:avLst/>
+          </a:prstGeom>
+        </p:spPr>
+        <p:style>
+          <a:lnRef idx="3">
+            <a:schemeClr val="lt1"/>
+          </a:lnRef>
+          <a:fillRef idx="1">
+            <a:schemeClr val="accent1"/>
+          </a:fillRef>
+          <a:effectRef idx="1">
+            <a:schemeClr val="accent1"/>
+          </a:effectRef>
+          <a:fontRef idx="minor">
+            <a:schemeClr val="lt1"/>
+          </a:fontRef>
+        </p:style>
+        <p:txBody>
+          <a:bodyPr rtlCol="0" anchor="ctr"/>
+          <a:lstStyle/>
+          <a:p>
+            <a:pPr algn="ctr"/>
+            <a:r>
+              <a:rPr lang="en-US" altLang="zh-CN" dirty="0"/>
+              <a:t>Lengths </a:t>
+            </a:r>
+          </a:p>
+        </p:txBody>
+      </p:sp>
+      <p:sp>
+        <p:nvSpPr>
+          <p:cNvPr id="18" name="矩形 17"/>
+          <p:cNvSpPr/>
+          <p:nvPr/>
+        </p:nvSpPr>
+        <p:spPr>
+          <a:xfrm>
+            <a:off x="11286490" y="2551430"/>
+            <a:ext cx="845185" cy="358140"/>
+          </a:xfrm>
+          <a:prstGeom prst="rect">
+            <a:avLst/>
+          </a:prstGeom>
+        </p:spPr>
+        <p:style>
+          <a:lnRef idx="3">
+            <a:schemeClr val="lt1"/>
+          </a:lnRef>
+          <a:fillRef idx="1">
+            <a:schemeClr val="accent1"/>
+          </a:fillRef>
+          <a:effectRef idx="1">
+            <a:schemeClr val="accent1"/>
+          </a:effectRef>
+          <a:fontRef idx="minor">
+            <a:schemeClr val="lt1"/>
+          </a:fontRef>
+        </p:style>
+        <p:txBody>
+          <a:bodyPr rtlCol="0" anchor="ctr"/>
+          <a:lstStyle/>
+          <a:p>
+            <a:pPr algn="ctr"/>
+            <a:r>
+              <a:rPr lang="en-US" altLang="zh-CN" dirty="0"/>
+              <a:t>......</a:t>
+            </a:r>
+          </a:p>
+        </p:txBody>
+      </p:sp>
+      <p:cxnSp>
+        <p:nvCxnSpPr>
+          <p:cNvPr id="19" name="直接连接符 18"/>
+          <p:cNvCxnSpPr/>
+          <p:nvPr/>
+        </p:nvCxnSpPr>
+        <p:spPr>
+          <a:xfrm flipH="1">
+            <a:off x="307975" y="966470"/>
+            <a:ext cx="3726180" cy="434975"/>
+          </a:xfrm>
+          <a:prstGeom prst="line">
+            <a:avLst/>
+          </a:prstGeom>
+          <a:ln w="28575"/>
+        </p:spPr>
+        <p:style>
+          <a:lnRef idx="1">
+            <a:schemeClr val="accent1"/>
+          </a:lnRef>
+          <a:fillRef idx="0">
+            <a:schemeClr val="accent1"/>
+          </a:fillRef>
+          <a:effectRef idx="0">
+            <a:schemeClr val="accent1"/>
+          </a:effectRef>
+          <a:fontRef idx="minor">
+            <a:schemeClr val="tx1"/>
+          </a:fontRef>
+        </p:style>
+      </p:cxnSp>
+      <p:cxnSp>
+        <p:nvCxnSpPr>
+          <p:cNvPr id="20" name="直接连接符 19"/>
+          <p:cNvCxnSpPr/>
+          <p:nvPr/>
+        </p:nvCxnSpPr>
+        <p:spPr>
+          <a:xfrm>
+            <a:off x="5009515" y="947420"/>
+            <a:ext cx="2702560" cy="454025"/>
+          </a:xfrm>
+          <a:prstGeom prst="line">
+            <a:avLst/>
+          </a:prstGeom>
+          <a:ln w="28575"/>
+        </p:spPr>
+        <p:style>
+          <a:lnRef idx="1">
+            <a:schemeClr val="accent1"/>
+          </a:lnRef>
+          <a:fillRef idx="0">
+            <a:schemeClr val="accent1"/>
+          </a:fillRef>
+          <a:effectRef idx="0">
+            <a:schemeClr val="accent1"/>
+          </a:effectRef>
+          <a:fontRef idx="minor">
+            <a:schemeClr val="tx1"/>
+          </a:fontRef>
+        </p:style>
+      </p:cxnSp>
+      <p:cxnSp>
+        <p:nvCxnSpPr>
+          <p:cNvPr id="21" name="曲线连接符 20"/>
+          <p:cNvCxnSpPr>
+            <a:stCxn id="10" idx="3"/>
+            <a:endCxn id="12" idx="1"/>
+          </p:cNvCxnSpPr>
+          <p:nvPr/>
+        </p:nvCxnSpPr>
+        <p:spPr>
+          <a:xfrm flipH="1">
+            <a:off x="3730625" y="1591945"/>
+            <a:ext cx="3971290" cy="1138555"/>
+          </a:xfrm>
+          <a:prstGeom prst="curvedConnector5">
+            <a:avLst>
+              <a:gd name="adj1" fmla="val -5996"/>
+              <a:gd name="adj2" fmla="val 50028"/>
+              <a:gd name="adj3" fmla="val 105996"/>
+            </a:avLst>
+          </a:prstGeom>
+          <a:ln w="28575">
+            <a:solidFill>
+              <a:schemeClr val="tx1"/>
+            </a:solidFill>
+            <a:prstDash val="dash"/>
+          </a:ln>
+        </p:spPr>
+        <p:style>
+          <a:lnRef idx="1">
+            <a:schemeClr val="accent1"/>
+          </a:lnRef>
+          <a:fillRef idx="0">
+            <a:schemeClr val="accent1"/>
+          </a:fillRef>
+          <a:effectRef idx="0">
+            <a:schemeClr val="accent1"/>
+          </a:effectRef>
+          <a:fontRef idx="minor">
+            <a:schemeClr val="tx1"/>
+          </a:fontRef>
+        </p:style>
+      </p:cxnSp>
+      <p:sp>
+        <p:nvSpPr>
+          <p:cNvPr id="22" name="文本框 21"/>
+          <p:cNvSpPr txBox="1"/>
+          <p:nvPr/>
+        </p:nvSpPr>
+        <p:spPr>
+          <a:xfrm>
+            <a:off x="792480" y="3565525"/>
+            <a:ext cx="7828915" cy="922020"/>
+          </a:xfrm>
+          <a:prstGeom prst="rect">
+            <a:avLst/>
+          </a:prstGeom>
+          <a:noFill/>
+        </p:spPr>
+        <p:txBody>
+          <a:bodyPr wrap="square" rtlCol="0">
+            <a:spAutoFit/>
+          </a:bodyPr>
+          <a:lstStyle/>
+          <a:p>
+            <a:r>
+              <a:rPr lang="en-US" altLang="zh-CN"/>
+              <a:t>&lt;</a:t>
+            </a:r>
+            <a:r>
+              <a:rPr lang="zh-CN" altLang="en-US"/>
+              <a:t>文档</a:t>
+            </a:r>
+            <a:r>
+              <a:rPr lang="en-US" altLang="zh-CN"/>
+              <a:t>ID, </a:t>
+            </a:r>
+            <a:r>
+              <a:rPr lang="zh-CN" altLang="en-US"/>
+              <a:t>字段名</a:t>
+            </a:r>
+            <a:r>
+              <a:rPr lang="en-US" altLang="zh-CN"/>
+              <a:t>&gt;  --&gt; Map&lt;Term, (</a:t>
+            </a:r>
+            <a:r>
+              <a:rPr lang="zh-CN" altLang="en-US"/>
+              <a:t>词频、位置、偏移量</a:t>
+            </a:r>
+            <a:r>
+              <a:rPr lang="en-US" altLang="zh-CN"/>
+              <a:t>..)&gt;</a:t>
+            </a:r>
+          </a:p>
+          <a:p>
+            <a:endParaRPr lang="en-US" altLang="zh-CN"/>
+          </a:p>
+          <a:p>
+            <a:endParaRPr lang="en-US" altLang="zh-CN"/>
+          </a:p>
+        </p:txBody>
+      </p:sp>
+    </p:spTree>
+  </p:cSld>
+  <p:clrMapOvr>
+    <a:masterClrMapping/>
+  </p:clrMapOvr>
+</p:sld>
+</file>
+
+<file path=ppt/slides/slide19.xml><?xml version="1.0" encoding="utf-8"?>
 <p:sld xmlns:a="http://schemas.openxmlformats.org/drawingml/2006/main" xmlns:r="http://schemas.openxmlformats.org/officeDocument/2006/relationships" xmlns:p="http://schemas.openxmlformats.org/presentationml/2006/main">
   <p:cSld>
     <p:spTree>
@@ -17755,271 +20538,39 @@
       </p:grpSpPr>
       <p:sp>
         <p:nvSpPr>
-          <p:cNvPr id="4" name="矩形 3"/>
-          <p:cNvSpPr/>
-          <p:nvPr/>
-        </p:nvSpPr>
-        <p:spPr>
-          <a:xfrm>
-            <a:off x="2310130" y="166370"/>
-            <a:ext cx="1000125" cy="358140"/>
-          </a:xfrm>
-          <a:prstGeom prst="rect">
-            <a:avLst/>
-          </a:prstGeom>
-        </p:spPr>
-        <p:style>
-          <a:lnRef idx="2">
-            <a:schemeClr val="accent3">
-              <a:shade val="50000"/>
-            </a:schemeClr>
-          </a:lnRef>
-          <a:fillRef idx="1">
-            <a:schemeClr val="accent3"/>
-          </a:fillRef>
-          <a:effectRef idx="0">
-            <a:schemeClr val="accent3"/>
-          </a:effectRef>
-          <a:fontRef idx="minor">
-            <a:schemeClr val="lt1"/>
-          </a:fontRef>
-        </p:style>
-        <p:txBody>
-          <a:bodyPr rtlCol="0" anchor="ctr"/>
-          <a:lstStyle/>
-          <a:p>
-            <a:pPr algn="ctr"/>
-            <a:r>
-              <a:rPr lang="en-US" altLang="zh-CN" dirty="0" err="1"/>
-              <a:t>Header</a:t>
-            </a:r>
-          </a:p>
-        </p:txBody>
-      </p:sp>
-      <p:sp>
-        <p:nvSpPr>
-          <p:cNvPr id="5" name="矩形 4"/>
-          <p:cNvSpPr/>
-          <p:nvPr/>
-        </p:nvSpPr>
-        <p:spPr>
-          <a:xfrm>
-            <a:off x="3314700" y="166370"/>
-            <a:ext cx="1218565" cy="358140"/>
-          </a:xfrm>
-          <a:prstGeom prst="rect">
-            <a:avLst/>
-          </a:prstGeom>
-        </p:spPr>
-        <p:style>
-          <a:lnRef idx="2">
-            <a:schemeClr val="accent6">
-              <a:shade val="50000"/>
-            </a:schemeClr>
-          </a:lnRef>
-          <a:fillRef idx="1">
-            <a:schemeClr val="accent6"/>
-          </a:fillRef>
-          <a:effectRef idx="0">
-            <a:schemeClr val="accent6"/>
-          </a:effectRef>
-          <a:fontRef idx="minor">
-            <a:schemeClr val="lt1"/>
-          </a:fontRef>
-        </p:style>
-        <p:txBody>
-          <a:bodyPr rtlCol="0" anchor="ctr"/>
-          <a:lstStyle/>
-          <a:p>
-            <a:pPr algn="ctr"/>
-            <a:r>
-              <a:rPr lang="en-US" altLang="zh-CN" dirty="0"/>
-              <a:t>DocValues</a:t>
-            </a:r>
-          </a:p>
-        </p:txBody>
-      </p:sp>
-      <p:sp>
-        <p:nvSpPr>
-          <p:cNvPr id="6" name="矩形 5"/>
-          <p:cNvSpPr/>
-          <p:nvPr/>
-        </p:nvSpPr>
-        <p:spPr>
-          <a:xfrm>
-            <a:off x="4533265" y="166370"/>
-            <a:ext cx="1258570" cy="358140"/>
-          </a:xfrm>
-          <a:prstGeom prst="rect">
-            <a:avLst/>
-          </a:prstGeom>
-        </p:spPr>
-        <p:style>
-          <a:lnRef idx="2">
-            <a:schemeClr val="accent6">
-              <a:shade val="50000"/>
-            </a:schemeClr>
-          </a:lnRef>
-          <a:fillRef idx="1">
-            <a:schemeClr val="accent6"/>
-          </a:fillRef>
-          <a:effectRef idx="0">
-            <a:schemeClr val="accent6"/>
-          </a:effectRef>
-          <a:fontRef idx="minor">
-            <a:schemeClr val="lt1"/>
-          </a:fontRef>
-        </p:style>
-        <p:txBody>
-          <a:bodyPr rtlCol="0" anchor="ctr"/>
-          <a:lstStyle/>
-          <a:p>
-            <a:pPr algn="ctr"/>
-            <a:r>
-              <a:rPr lang="en-US" altLang="zh-CN" dirty="0"/>
-              <a:t>DocValues</a:t>
-            </a:r>
-          </a:p>
-        </p:txBody>
-      </p:sp>
-      <p:sp>
-        <p:nvSpPr>
-          <p:cNvPr id="7" name="矩形 6"/>
-          <p:cNvSpPr/>
-          <p:nvPr/>
-        </p:nvSpPr>
-        <p:spPr>
-          <a:xfrm>
-            <a:off x="5791835" y="166370"/>
-            <a:ext cx="399415" cy="358140"/>
-          </a:xfrm>
-          <a:prstGeom prst="rect">
-            <a:avLst/>
-          </a:prstGeom>
-          <a:noFill/>
-          <a:ln>
-            <a:noFill/>
-          </a:ln>
-        </p:spPr>
-        <p:style>
-          <a:lnRef idx="2">
-            <a:schemeClr val="accent1">
-              <a:shade val="50000"/>
-            </a:schemeClr>
-          </a:lnRef>
-          <a:fillRef idx="1">
-            <a:schemeClr val="accent1"/>
-          </a:fillRef>
-          <a:effectRef idx="0">
-            <a:schemeClr val="accent1"/>
-          </a:effectRef>
-          <a:fontRef idx="minor">
-            <a:schemeClr val="lt1"/>
-          </a:fontRef>
-        </p:style>
-        <p:txBody>
-          <a:bodyPr rtlCol="0" anchor="ctr"/>
-          <a:lstStyle/>
-          <a:p>
-            <a:pPr algn="ctr"/>
-            <a:r>
-              <a:rPr lang="en-US" altLang="zh-CN" dirty="0">
-                <a:solidFill>
-                  <a:schemeClr val="tx1"/>
-                </a:solidFill>
-              </a:rPr>
-              <a:t>...</a:t>
-            </a:r>
-          </a:p>
-        </p:txBody>
-      </p:sp>
-      <p:sp>
-        <p:nvSpPr>
-          <p:cNvPr id="9" name="矩形 8"/>
-          <p:cNvSpPr/>
-          <p:nvPr/>
-        </p:nvSpPr>
-        <p:spPr>
-          <a:xfrm>
-            <a:off x="6191885" y="166370"/>
-            <a:ext cx="1390650" cy="358140"/>
-          </a:xfrm>
-          <a:prstGeom prst="rect">
-            <a:avLst/>
-          </a:prstGeom>
-        </p:spPr>
-        <p:style>
-          <a:lnRef idx="2">
-            <a:schemeClr val="accent6">
-              <a:shade val="50000"/>
-            </a:schemeClr>
-          </a:lnRef>
-          <a:fillRef idx="1">
-            <a:schemeClr val="accent6"/>
-          </a:fillRef>
-          <a:effectRef idx="0">
-            <a:schemeClr val="accent6"/>
-          </a:effectRef>
-          <a:fontRef idx="minor">
-            <a:schemeClr val="lt1"/>
-          </a:fontRef>
-        </p:style>
-        <p:txBody>
-          <a:bodyPr rtlCol="0" anchor="ctr"/>
-          <a:lstStyle/>
-          <a:p>
-            <a:pPr algn="ctr"/>
-            <a:r>
-              <a:rPr lang="en-US" altLang="zh-CN" dirty="0"/>
-              <a:t>DocValues</a:t>
-            </a:r>
-          </a:p>
-        </p:txBody>
-      </p:sp>
-      <p:sp>
-        <p:nvSpPr>
-          <p:cNvPr id="11" name="矩形 10"/>
-          <p:cNvSpPr/>
-          <p:nvPr/>
-        </p:nvSpPr>
-        <p:spPr>
-          <a:xfrm>
-            <a:off x="7582535" y="166370"/>
-            <a:ext cx="1000125" cy="358140"/>
-          </a:xfrm>
-          <a:prstGeom prst="rect">
-            <a:avLst/>
-          </a:prstGeom>
-        </p:spPr>
-        <p:style>
-          <a:lnRef idx="2">
-            <a:schemeClr val="accent3">
-              <a:shade val="50000"/>
-            </a:schemeClr>
-          </a:lnRef>
-          <a:fillRef idx="1">
-            <a:schemeClr val="accent3"/>
-          </a:fillRef>
-          <a:effectRef idx="0">
-            <a:schemeClr val="accent3"/>
-          </a:effectRef>
-          <a:fontRef idx="minor">
-            <a:schemeClr val="lt1"/>
-          </a:fontRef>
-        </p:style>
-        <p:txBody>
-          <a:bodyPr rtlCol="0" anchor="ctr"/>
-          <a:lstStyle/>
-          <a:p>
-            <a:pPr algn="ctr"/>
-            <a:r>
-              <a:rPr lang="en-US" altLang="zh-CN" dirty="0" err="1"/>
-              <a:t>Footer</a:t>
-            </a:r>
+          <p:cNvPr id="2" name="标题 1">
+            <a:extLst>
+              <a:ext uri="{FF2B5EF4-FFF2-40B4-BE49-F238E27FC236}">
+                <a16:creationId xmlns:a16="http://schemas.microsoft.com/office/drawing/2014/main" id="{ED71BFC3-2649-41E1-83CE-67EBE801AB16}"/>
+              </a:ext>
+            </a:extLst>
+          </p:cNvPr>
+          <p:cNvSpPr>
+            <a:spLocks noGrp="1"/>
+          </p:cNvSpPr>
+          <p:nvPr>
+            <p:ph type="title"/>
+          </p:nvPr>
+        </p:nvSpPr>
+        <p:spPr/>
+        <p:txBody>
+          <a:bodyPr/>
+          <a:lstStyle/>
+          <a:p>
+            <a:r>
+              <a:rPr lang="en-US" altLang="zh-CN" dirty="0"/>
+              <a:t>Numeric Doc Values</a:t>
+            </a:r>
+            <a:endParaRPr lang="zh-CN" altLang="en-US" dirty="0"/>
           </a:p>
         </p:txBody>
       </p:sp>
     </p:spTree>
+    <p:extLst>
+      <p:ext uri="{BB962C8B-B14F-4D97-AF65-F5344CB8AC3E}">
+        <p14:creationId xmlns:p14="http://schemas.microsoft.com/office/powerpoint/2010/main" val="518219776"/>
+      </p:ext>
+    </p:extLst>
   </p:cSld>
   <p:clrMapOvr>
     <a:masterClrMapping/>

--- a/zx-note/src/test/graph/lucene/lucene-core/codecs/索引文件格式/Lucene索引文件.pptx
+++ b/zx-note/src/test/graph/lucene/lucene-core/codecs/索引文件格式/Lucene索引文件.pptx
@@ -266,7 +266,7 @@
           <a:p>
             <a:fld id="{75D18932-EBB2-4301-9A79-EB382E33F227}" type="datetimeFigureOut">
               <a:rPr lang="zh-CN" altLang="en-US" smtClean="0"/>
-              <a:t>2019/8/17</a:t>
+              <a:t>2019/8/18</a:t>
             </a:fld>
             <a:endParaRPr lang="zh-CN" altLang="en-US"/>
           </a:p>
@@ -429,7 +429,7 @@
           <a:p>
             <a:fld id="{75D18932-EBB2-4301-9A79-EB382E33F227}" type="datetimeFigureOut">
               <a:rPr lang="zh-CN" altLang="en-US" smtClean="0"/>
-              <a:t>2019/8/17</a:t>
+              <a:t>2019/8/18</a:t>
             </a:fld>
             <a:endParaRPr lang="zh-CN" altLang="en-US"/>
           </a:p>
@@ -602,7 +602,7 @@
           <a:p>
             <a:fld id="{75D18932-EBB2-4301-9A79-EB382E33F227}" type="datetimeFigureOut">
               <a:rPr lang="zh-CN" altLang="en-US" smtClean="0"/>
-              <a:t>2019/8/17</a:t>
+              <a:t>2019/8/18</a:t>
             </a:fld>
             <a:endParaRPr lang="zh-CN" altLang="en-US"/>
           </a:p>
@@ -787,7 +787,7 @@
           <a:p>
             <a:fld id="{75D18932-EBB2-4301-9A79-EB382E33F227}" type="datetimeFigureOut">
               <a:rPr lang="zh-CN" altLang="en-US" smtClean="0"/>
-              <a:t>2019/8/17</a:t>
+              <a:t>2019/8/18</a:t>
             </a:fld>
             <a:endParaRPr lang="zh-CN" altLang="en-US"/>
           </a:p>
@@ -950,7 +950,7 @@
           <a:p>
             <a:fld id="{75D18932-EBB2-4301-9A79-EB382E33F227}" type="datetimeFigureOut">
               <a:rPr lang="zh-CN" altLang="en-US" smtClean="0"/>
-              <a:t>2019/8/17</a:t>
+              <a:t>2019/8/18</a:t>
             </a:fld>
             <a:endParaRPr lang="zh-CN" altLang="en-US"/>
           </a:p>
@@ -1190,7 +1190,7 @@
           <a:p>
             <a:fld id="{75D18932-EBB2-4301-9A79-EB382E33F227}" type="datetimeFigureOut">
               <a:rPr lang="zh-CN" altLang="en-US" smtClean="0"/>
-              <a:t>2019/8/17</a:t>
+              <a:t>2019/8/18</a:t>
             </a:fld>
             <a:endParaRPr lang="zh-CN" altLang="en-US"/>
           </a:p>
@@ -1414,7 +1414,7 @@
           <a:p>
             <a:fld id="{75D18932-EBB2-4301-9A79-EB382E33F227}" type="datetimeFigureOut">
               <a:rPr lang="zh-CN" altLang="en-US" smtClean="0"/>
-              <a:t>2019/8/17</a:t>
+              <a:t>2019/8/18</a:t>
             </a:fld>
             <a:endParaRPr lang="zh-CN" altLang="en-US"/>
           </a:p>
@@ -1773,7 +1773,7 @@
           <a:p>
             <a:fld id="{75D18932-EBB2-4301-9A79-EB382E33F227}" type="datetimeFigureOut">
               <a:rPr lang="zh-CN" altLang="en-US" smtClean="0"/>
-              <a:t>2019/8/17</a:t>
+              <a:t>2019/8/18</a:t>
             </a:fld>
             <a:endParaRPr lang="zh-CN" altLang="en-US"/>
           </a:p>
@@ -1885,7 +1885,7 @@
           <a:p>
             <a:fld id="{75D18932-EBB2-4301-9A79-EB382E33F227}" type="datetimeFigureOut">
               <a:rPr lang="zh-CN" altLang="en-US" smtClean="0"/>
-              <a:t>2019/8/17</a:t>
+              <a:t>2019/8/18</a:t>
             </a:fld>
             <a:endParaRPr lang="zh-CN" altLang="en-US"/>
           </a:p>
@@ -1975,7 +1975,7 @@
           <a:p>
             <a:fld id="{75D18932-EBB2-4301-9A79-EB382E33F227}" type="datetimeFigureOut">
               <a:rPr lang="zh-CN" altLang="en-US" smtClean="0"/>
-              <a:t>2019/8/17</a:t>
+              <a:t>2019/8/18</a:t>
             </a:fld>
             <a:endParaRPr lang="zh-CN" altLang="en-US"/>
           </a:p>
@@ -2245,7 +2245,7 @@
           <a:p>
             <a:fld id="{75D18932-EBB2-4301-9A79-EB382E33F227}" type="datetimeFigureOut">
               <a:rPr lang="zh-CN" altLang="en-US" smtClean="0"/>
-              <a:t>2019/8/17</a:t>
+              <a:t>2019/8/18</a:t>
             </a:fld>
             <a:endParaRPr lang="zh-CN" altLang="en-US"/>
           </a:p>
@@ -2408,7 +2408,7 @@
           <a:p>
             <a:fld id="{75D18932-EBB2-4301-9A79-EB382E33F227}" type="datetimeFigureOut">
               <a:rPr lang="zh-CN" altLang="en-US" smtClean="0"/>
-              <a:t>2019/8/17</a:t>
+              <a:t>2019/8/18</a:t>
             </a:fld>
             <a:endParaRPr lang="zh-CN" altLang="en-US"/>
           </a:p>
@@ -2655,7 +2655,7 @@
           <a:p>
             <a:fld id="{75D18932-EBB2-4301-9A79-EB382E33F227}" type="datetimeFigureOut">
               <a:rPr lang="zh-CN" altLang="en-US" smtClean="0"/>
-              <a:t>2019/8/17</a:t>
+              <a:t>2019/8/18</a:t>
             </a:fld>
             <a:endParaRPr lang="zh-CN" altLang="en-US"/>
           </a:p>
@@ -2818,7 +2818,7 @@
           <a:p>
             <a:fld id="{75D18932-EBB2-4301-9A79-EB382E33F227}" type="datetimeFigureOut">
               <a:rPr lang="zh-CN" altLang="en-US" smtClean="0"/>
-              <a:t>2019/8/17</a:t>
+              <a:t>2019/8/18</a:t>
             </a:fld>
             <a:endParaRPr lang="zh-CN" altLang="en-US"/>
           </a:p>
@@ -2991,7 +2991,7 @@
           <a:p>
             <a:fld id="{75D18932-EBB2-4301-9A79-EB382E33F227}" type="datetimeFigureOut">
               <a:rPr lang="zh-CN" altLang="en-US" smtClean="0"/>
-              <a:t>2019/8/17</a:t>
+              <a:t>2019/8/18</a:t>
             </a:fld>
             <a:endParaRPr lang="zh-CN" altLang="en-US"/>
           </a:p>
@@ -3231,7 +3231,7 @@
           <a:p>
             <a:fld id="{75D18932-EBB2-4301-9A79-EB382E33F227}" type="datetimeFigureOut">
               <a:rPr lang="zh-CN" altLang="en-US" smtClean="0"/>
-              <a:t>2019/8/17</a:t>
+              <a:t>2019/8/18</a:t>
             </a:fld>
             <a:endParaRPr lang="zh-CN" altLang="en-US"/>
           </a:p>
@@ -3455,7 +3455,7 @@
           <a:p>
             <a:fld id="{75D18932-EBB2-4301-9A79-EB382E33F227}" type="datetimeFigureOut">
               <a:rPr lang="zh-CN" altLang="en-US" smtClean="0"/>
-              <a:t>2019/8/17</a:t>
+              <a:t>2019/8/18</a:t>
             </a:fld>
             <a:endParaRPr lang="zh-CN" altLang="en-US"/>
           </a:p>
@@ -3814,7 +3814,7 @@
           <a:p>
             <a:fld id="{75D18932-EBB2-4301-9A79-EB382E33F227}" type="datetimeFigureOut">
               <a:rPr lang="zh-CN" altLang="en-US" smtClean="0"/>
-              <a:t>2019/8/17</a:t>
+              <a:t>2019/8/18</a:t>
             </a:fld>
             <a:endParaRPr lang="zh-CN" altLang="en-US"/>
           </a:p>
@@ -3926,7 +3926,7 @@
           <a:p>
             <a:fld id="{75D18932-EBB2-4301-9A79-EB382E33F227}" type="datetimeFigureOut">
               <a:rPr lang="zh-CN" altLang="en-US" smtClean="0"/>
-              <a:t>2019/8/17</a:t>
+              <a:t>2019/8/18</a:t>
             </a:fld>
             <a:endParaRPr lang="zh-CN" altLang="en-US"/>
           </a:p>
@@ -4016,7 +4016,7 @@
           <a:p>
             <a:fld id="{75D18932-EBB2-4301-9A79-EB382E33F227}" type="datetimeFigureOut">
               <a:rPr lang="zh-CN" altLang="en-US" smtClean="0"/>
-              <a:t>2019/8/17</a:t>
+              <a:t>2019/8/18</a:t>
             </a:fld>
             <a:endParaRPr lang="zh-CN" altLang="en-US"/>
           </a:p>
@@ -4286,7 +4286,7 @@
           <a:p>
             <a:fld id="{75D18932-EBB2-4301-9A79-EB382E33F227}" type="datetimeFigureOut">
               <a:rPr lang="zh-CN" altLang="en-US" smtClean="0"/>
-              <a:t>2019/8/17</a:t>
+              <a:t>2019/8/18</a:t>
             </a:fld>
             <a:endParaRPr lang="zh-CN" altLang="en-US"/>
           </a:p>
@@ -4533,7 +4533,7 @@
           <a:p>
             <a:fld id="{75D18932-EBB2-4301-9A79-EB382E33F227}" type="datetimeFigureOut">
               <a:rPr lang="zh-CN" altLang="en-US" smtClean="0"/>
-              <a:t>2019/8/17</a:t>
+              <a:t>2019/8/18</a:t>
             </a:fld>
             <a:endParaRPr lang="zh-CN" altLang="en-US"/>
           </a:p>
@@ -4739,7 +4739,7 @@
           <a:p>
             <a:fld id="{75D18932-EBB2-4301-9A79-EB382E33F227}" type="datetimeFigureOut">
               <a:rPr lang="zh-CN" altLang="en-US" smtClean="0"/>
-              <a:t>2019/8/17</a:t>
+              <a:t>2019/8/18</a:t>
             </a:fld>
             <a:endParaRPr lang="zh-CN" altLang="en-US"/>
           </a:p>
@@ -5272,7 +5272,7 @@
           <a:p>
             <a:fld id="{75D18932-EBB2-4301-9A79-EB382E33F227}" type="datetimeFigureOut">
               <a:rPr lang="zh-CN" altLang="en-US" smtClean="0"/>
-              <a:t>2019/8/17</a:t>
+              <a:t>2019/8/18</a:t>
             </a:fld>
             <a:endParaRPr lang="zh-CN" altLang="en-US"/>
           </a:p>
@@ -6196,7 +6196,7 @@
         </p:nvSpPr>
         <p:spPr>
           <a:xfrm>
-            <a:off x="3574534" y="1338286"/>
+            <a:off x="3348291" y="2337727"/>
             <a:ext cx="2245593" cy="358140"/>
           </a:xfrm>
           <a:prstGeom prst="rect">
@@ -6246,7 +6246,7 @@
         </p:nvSpPr>
         <p:spPr>
           <a:xfrm>
-            <a:off x="5820127" y="1338286"/>
+            <a:off x="3348291" y="1373425"/>
             <a:ext cx="1258571" cy="358140"/>
           </a:xfrm>
           <a:prstGeom prst="rect">
@@ -6295,7 +6295,7 @@
         </p:nvSpPr>
         <p:spPr>
           <a:xfrm>
-            <a:off x="7078698" y="1338286"/>
+            <a:off x="4606862" y="1373425"/>
             <a:ext cx="1258571" cy="358140"/>
           </a:xfrm>
           <a:prstGeom prst="rect">
@@ -6391,7 +6391,7 @@
         </p:nvSpPr>
         <p:spPr>
           <a:xfrm>
-            <a:off x="3574534" y="2545237"/>
+            <a:off x="3830640" y="3695307"/>
             <a:ext cx="3978974" cy="369332"/>
           </a:xfrm>
           <a:prstGeom prst="rect">
@@ -6498,6 +6498,49 @@
             <a:r>
               <a:rPr lang="zh-CN" altLang="en-US" dirty="0"/>
               <a:t>两种？加速排序？  </a:t>
+            </a:r>
+          </a:p>
+        </p:txBody>
+      </p:sp>
+      <p:sp>
+        <p:nvSpPr>
+          <p:cNvPr id="11" name="文本框 10">
+            <a:extLst>
+              <a:ext uri="{FF2B5EF4-FFF2-40B4-BE49-F238E27FC236}">
+                <a16:creationId xmlns:a16="http://schemas.microsoft.com/office/drawing/2014/main" id="{4A3AD411-C52B-4E28-99D9-7A3203716A46}"/>
+              </a:ext>
+            </a:extLst>
+          </p:cNvPr>
+          <p:cNvSpPr txBox="1"/>
+          <p:nvPr/>
+        </p:nvSpPr>
+        <p:spPr>
+          <a:xfrm>
+            <a:off x="1338606" y="2326535"/>
+            <a:ext cx="1071127" cy="369332"/>
+          </a:xfrm>
+          <a:prstGeom prst="rect">
+            <a:avLst/>
+          </a:prstGeom>
+          <a:noFill/>
+        </p:spPr>
+        <p:txBody>
+          <a:bodyPr wrap="none" rtlCol="0">
+            <a:spAutoFit/>
+          </a:bodyPr>
+          <a:lstStyle/>
+          <a:p>
+            <a:r>
+              <a:rPr lang="en-US" altLang="zh-CN" dirty="0"/>
+              <a:t>.</a:t>
+            </a:r>
+            <a:r>
+              <a:rPr lang="en-US" altLang="zh-CN" dirty="0" err="1"/>
+              <a:t>dvd</a:t>
+            </a:r>
+            <a:r>
+              <a:rPr lang="zh-CN" altLang="en-US" dirty="0"/>
+              <a:t>文件</a:t>
             </a:r>
           </a:p>
         </p:txBody>
@@ -7950,7 +7993,7 @@
         </p:nvSpPr>
         <p:spPr>
           <a:xfrm>
-            <a:off x="2241372" y="932972"/>
+            <a:off x="2231903" y="2341436"/>
             <a:ext cx="1755593" cy="358140"/>
           </a:xfrm>
           <a:prstGeom prst="rect">
@@ -8000,7 +8043,7 @@
         </p:nvSpPr>
         <p:spPr>
           <a:xfrm>
-            <a:off x="3996965" y="932972"/>
+            <a:off x="2231903" y="991016"/>
             <a:ext cx="1112363" cy="358140"/>
           </a:xfrm>
           <a:prstGeom prst="rect">
@@ -8049,7 +8092,7 @@
         </p:nvSpPr>
         <p:spPr>
           <a:xfrm>
-            <a:off x="5109328" y="932972"/>
+            <a:off x="3344266" y="991016"/>
             <a:ext cx="1112363" cy="358140"/>
           </a:xfrm>
           <a:prstGeom prst="rect">
@@ -8142,7 +8185,7 @@
         </p:nvSpPr>
         <p:spPr>
           <a:xfrm>
-            <a:off x="6221691" y="932972"/>
+            <a:off x="4456629" y="991016"/>
             <a:ext cx="1480008" cy="358140"/>
           </a:xfrm>
           <a:prstGeom prst="rect">
@@ -8192,7 +8235,7 @@
         </p:nvSpPr>
         <p:spPr>
           <a:xfrm>
-            <a:off x="7701699" y="932972"/>
+            <a:off x="5936637" y="991016"/>
             <a:ext cx="1480008" cy="358140"/>
           </a:xfrm>
           <a:prstGeom prst="rect">
@@ -8242,7 +8285,7 @@
         </p:nvSpPr>
         <p:spPr>
           <a:xfrm>
-            <a:off x="9181707" y="932972"/>
+            <a:off x="7416645" y="991016"/>
             <a:ext cx="1480008" cy="358140"/>
           </a:xfrm>
           <a:prstGeom prst="rect">
@@ -8292,7 +8335,7 @@
         </p:nvSpPr>
         <p:spPr>
           <a:xfrm>
-            <a:off x="10661715" y="932972"/>
+            <a:off x="8896653" y="991016"/>
             <a:ext cx="619027" cy="358140"/>
           </a:xfrm>
           <a:prstGeom prst="rect">
@@ -8327,10 +8370,10 @@
       </p:sp>
       <p:sp>
         <p:nvSpPr>
-          <p:cNvPr id="13" name="文本框 12">
+          <p:cNvPr id="14" name="文本框 13">
             <a:extLst>
               <a:ext uri="{FF2B5EF4-FFF2-40B4-BE49-F238E27FC236}">
-                <a16:creationId xmlns:a16="http://schemas.microsoft.com/office/drawing/2014/main" id="{6D87C6CA-A4DD-4637-B783-6550572565EC}"/>
+                <a16:creationId xmlns:a16="http://schemas.microsoft.com/office/drawing/2014/main" id="{C6D3824C-00D8-41A4-B614-3ADE95A03C48}"/>
               </a:ext>
             </a:extLst>
           </p:cNvPr>
@@ -8339,8 +8382,8 @@
         </p:nvSpPr>
         <p:spPr>
           <a:xfrm>
-            <a:off x="480767" y="4072379"/>
-            <a:ext cx="7013458" cy="923330"/>
+            <a:off x="469091" y="2341436"/>
+            <a:ext cx="1071127" cy="369332"/>
           </a:xfrm>
           <a:prstGeom prst="rect">
             <a:avLst/>
@@ -8363,14 +8406,106 @@
             </a:r>
             <a:r>
               <a:rPr lang="zh-CN" altLang="en-US" dirty="0"/>
-              <a:t>文件：  </a:t>
+              <a:t>文件</a:t>
+            </a:r>
+          </a:p>
+        </p:txBody>
+      </p:sp>
+      <p:sp>
+        <p:nvSpPr>
+          <p:cNvPr id="15" name="矩形 14">
+            <a:extLst>
+              <a:ext uri="{FF2B5EF4-FFF2-40B4-BE49-F238E27FC236}">
+                <a16:creationId xmlns:a16="http://schemas.microsoft.com/office/drawing/2014/main" id="{A63C8FAE-893E-40B1-AFA7-A15DB868DC19}"/>
+              </a:ext>
+            </a:extLst>
+          </p:cNvPr>
+          <p:cNvSpPr/>
+          <p:nvPr/>
+        </p:nvSpPr>
+        <p:spPr>
+          <a:xfrm>
+            <a:off x="3975819" y="2341436"/>
+            <a:ext cx="1755593" cy="358140"/>
+          </a:xfrm>
+          <a:prstGeom prst="rect">
+            <a:avLst/>
+          </a:prstGeom>
+        </p:spPr>
+        <p:style>
+          <a:lnRef idx="2">
+            <a:schemeClr val="accent6">
+              <a:shade val="50000"/>
+            </a:schemeClr>
+          </a:lnRef>
+          <a:fillRef idx="1">
+            <a:schemeClr val="accent6"/>
+          </a:fillRef>
+          <a:effectRef idx="0">
+            <a:schemeClr val="accent6"/>
+          </a:effectRef>
+          <a:fontRef idx="minor">
+            <a:schemeClr val="lt1"/>
+          </a:fontRef>
+        </p:style>
+        <p:txBody>
+          <a:bodyPr rtlCol="0" anchor="ctr"/>
+          <a:lstStyle/>
+          <a:p>
+            <a:pPr algn="ctr"/>
+            <a:r>
+              <a:rPr lang="en-US" altLang="zh-CN" dirty="0"/>
+              <a:t>Ordinals…</a:t>
+            </a:r>
+          </a:p>
+        </p:txBody>
+      </p:sp>
+      <p:sp>
+        <p:nvSpPr>
+          <p:cNvPr id="16" name="文本框 15">
+            <a:extLst>
+              <a:ext uri="{FF2B5EF4-FFF2-40B4-BE49-F238E27FC236}">
+                <a16:creationId xmlns:a16="http://schemas.microsoft.com/office/drawing/2014/main" id="{80F16BD3-0C12-4635-90FC-7DCE9B1DA601}"/>
+              </a:ext>
+            </a:extLst>
+          </p:cNvPr>
+          <p:cNvSpPr txBox="1"/>
+          <p:nvPr/>
+        </p:nvSpPr>
+        <p:spPr>
+          <a:xfrm>
+            <a:off x="2231903" y="3141155"/>
+            <a:ext cx="6991016" cy="646331"/>
+          </a:xfrm>
+          <a:prstGeom prst="rect">
+            <a:avLst/>
+          </a:prstGeom>
+          <a:noFill/>
+        </p:spPr>
+        <p:txBody>
+          <a:bodyPr wrap="none" rtlCol="0">
+            <a:spAutoFit/>
+          </a:bodyPr>
+          <a:lstStyle/>
+          <a:p>
+            <a:r>
+              <a:rPr lang="en-US" altLang="zh-CN" dirty="0" err="1"/>
+              <a:t>missingBitSet</a:t>
+            </a:r>
+            <a:r>
+              <a:rPr lang="en-US" altLang="zh-CN" dirty="0"/>
+              <a:t> : </a:t>
+            </a:r>
+            <a:r>
+              <a:rPr lang="zh-CN" altLang="en-US" dirty="0"/>
+              <a:t>位集表示的无值的文档</a:t>
             </a:r>
             <a:endParaRPr lang="en-US" altLang="zh-CN" dirty="0"/>
           </a:p>
           <a:p>
             <a:r>
               <a:rPr lang="en-US" altLang="zh-CN" dirty="0"/>
-              <a:t>	</a:t>
+              <a:t>Ordinals: </a:t>
             </a:r>
             <a:r>
               <a:rPr lang="zh-CN" altLang="en-US" dirty="0"/>
@@ -8390,26 +8525,7 @@
             </a:r>
             <a:r>
               <a:rPr lang="zh-CN" altLang="en-US" dirty="0"/>
-              <a:t>中的序号，</a:t>
-            </a:r>
-            <a:endParaRPr lang="en-US" altLang="zh-CN" dirty="0"/>
-          </a:p>
-          <a:p>
-            <a:r>
-              <a:rPr lang="en-US" altLang="zh-CN" dirty="0"/>
-              <a:t>	</a:t>
-            </a:r>
-            <a:r>
-              <a:rPr lang="zh-CN" altLang="en-US" dirty="0"/>
-              <a:t>如果没有值，则用</a:t>
-            </a:r>
-            <a:r>
-              <a:rPr lang="en-US" altLang="zh-CN" dirty="0"/>
-              <a:t>0</a:t>
-            </a:r>
-            <a:r>
-              <a:rPr lang="zh-CN" altLang="en-US" dirty="0"/>
-              <a:t>表示</a:t>
+              <a:t>中的序号</a:t>
             </a:r>
           </a:p>
         </p:txBody>

--- a/zx-note/src/test/graph/lucene/lucene-core/codecs/索引文件格式/Lucene索引文件.pptx
+++ b/zx-note/src/test/graph/lucene/lucene-core/codecs/索引文件格式/Lucene索引文件.pptx
@@ -19,12 +19,13 @@
     <p:sldId id="280" r:id="rId13"/>
     <p:sldId id="293" r:id="rId14"/>
     <p:sldId id="294" r:id="rId15"/>
-    <p:sldId id="263" r:id="rId16"/>
-    <p:sldId id="256" r:id="rId17"/>
-    <p:sldId id="258" r:id="rId18"/>
-    <p:sldId id="270" r:id="rId19"/>
-    <p:sldId id="281" r:id="rId20"/>
-    <p:sldId id="288" r:id="rId21"/>
+    <p:sldId id="295" r:id="rId16"/>
+    <p:sldId id="263" r:id="rId17"/>
+    <p:sldId id="256" r:id="rId18"/>
+    <p:sldId id="258" r:id="rId19"/>
+    <p:sldId id="270" r:id="rId20"/>
+    <p:sldId id="281" r:id="rId21"/>
+    <p:sldId id="288" r:id="rId22"/>
   </p:sldIdLst>
   <p:sldSz cx="12192000" cy="6858000"/>
   <p:notesSz cx="6858000" cy="9144000"/>
@@ -5681,7 +5682,7 @@
         <p:spPr>
           <a:xfrm>
             <a:off x="386499" y="197963"/>
-            <a:ext cx="11472421" cy="7293610"/>
+            <a:ext cx="11472421" cy="6186309"/>
           </a:xfrm>
           <a:prstGeom prst="rect">
             <a:avLst/>
@@ -5859,7 +5860,13 @@
             </a:r>
             <a:r>
               <a:rPr lang="en-US" altLang="zh-CN" dirty="0"/>
-              <a:t>3. stored fields     	4. </a:t>
+              <a:t>3. stored fields     	</a:t>
+            </a:r>
+          </a:p>
+          <a:p>
+            <a:r>
+              <a:rPr lang="en-US" altLang="zh-CN" dirty="0"/>
+              <a:t>	4. </a:t>
             </a:r>
             <a:r>
               <a:rPr lang="en-US" altLang="zh-CN" dirty="0" err="1"/>
@@ -6076,21 +6083,6 @@
             <a:endParaRPr lang="en-US" altLang="zh-CN" dirty="0">
               <a:sym typeface="+mn-ea"/>
             </a:endParaRPr>
-          </a:p>
-          <a:p>
-            <a:endParaRPr lang="zh-CN" altLang="en-US" dirty="0"/>
-          </a:p>
-          <a:p>
-            <a:endParaRPr lang="zh-CN" altLang="en-US" dirty="0"/>
-          </a:p>
-          <a:p>
-            <a:endParaRPr lang="zh-CN" altLang="en-US" dirty="0"/>
-          </a:p>
-          <a:p>
-            <a:endParaRPr lang="zh-CN" altLang="en-US" dirty="0"/>
-          </a:p>
-          <a:p>
-            <a:endParaRPr lang="zh-CN" altLang="en-US" dirty="0"/>
           </a:p>
           <a:p>
             <a:endParaRPr lang="zh-CN" altLang="en-US" dirty="0"/>
@@ -8454,8 +8446,12 @@
           <a:p>
             <a:pPr algn="ctr"/>
             <a:r>
-              <a:rPr lang="en-US" altLang="zh-CN" dirty="0"/>
-              <a:t>Ordinals…</a:t>
+              <a:rPr lang="en-US" altLang="zh-CN" dirty="0" err="1"/>
+              <a:t>OrdinalValues</a:t>
+            </a:r>
+            <a:r>
+              <a:rPr lang="en-US" altLang="zh-CN" dirty="0"/>
+              <a:t>…</a:t>
             </a:r>
           </a:p>
         </p:txBody>
@@ -8475,7 +8471,7 @@
         <p:spPr>
           <a:xfrm>
             <a:off x="2231903" y="3141155"/>
-            <a:ext cx="6991016" cy="646331"/>
+            <a:ext cx="7414209" cy="646331"/>
           </a:xfrm>
           <a:prstGeom prst="rect">
             <a:avLst/>
@@ -8504,8 +8500,12 @@
           </a:p>
           <a:p>
             <a:r>
-              <a:rPr lang="en-US" altLang="zh-CN" dirty="0"/>
-              <a:t>Ordinals: </a:t>
+              <a:rPr lang="en-US" altLang="zh-CN" dirty="0" err="1"/>
+              <a:t>OrdinalValues</a:t>
+            </a:r>
+            <a:r>
+              <a:rPr lang="en-US" altLang="zh-CN" dirty="0"/>
+              <a:t> : </a:t>
             </a:r>
             <a:r>
               <a:rPr lang="zh-CN" altLang="en-US" dirty="0"/>
@@ -8614,56 +8614,6 @@
       </p:sp>
       <p:sp>
         <p:nvSpPr>
-          <p:cNvPr id="5" name="矩形 4">
-            <a:extLst>
-              <a:ext uri="{FF2B5EF4-FFF2-40B4-BE49-F238E27FC236}">
-                <a16:creationId xmlns:a16="http://schemas.microsoft.com/office/drawing/2014/main" id="{53F22CC7-D1D3-4711-8B94-DF9481EB27F5}"/>
-              </a:ext>
-            </a:extLst>
-          </p:cNvPr>
-          <p:cNvSpPr/>
-          <p:nvPr/>
-        </p:nvSpPr>
-        <p:spPr>
-          <a:xfrm>
-            <a:off x="2241372" y="932972"/>
-            <a:ext cx="1755593" cy="358140"/>
-          </a:xfrm>
-          <a:prstGeom prst="rect">
-            <a:avLst/>
-          </a:prstGeom>
-        </p:spPr>
-        <p:style>
-          <a:lnRef idx="2">
-            <a:schemeClr val="accent6">
-              <a:shade val="50000"/>
-            </a:schemeClr>
-          </a:lnRef>
-          <a:fillRef idx="1">
-            <a:schemeClr val="accent6"/>
-          </a:fillRef>
-          <a:effectRef idx="0">
-            <a:schemeClr val="accent6"/>
-          </a:effectRef>
-          <a:fontRef idx="minor">
-            <a:schemeClr val="lt1"/>
-          </a:fontRef>
-        </p:style>
-        <p:txBody>
-          <a:bodyPr rtlCol="0" anchor="ctr"/>
-          <a:lstStyle/>
-          <a:p>
-            <a:pPr algn="ctr"/>
-            <a:r>
-              <a:rPr lang="en-US" altLang="zh-CN" dirty="0" err="1"/>
-              <a:t>missingBitSet</a:t>
-            </a:r>
-            <a:endParaRPr lang="en-US" altLang="zh-CN" dirty="0"/>
-          </a:p>
-        </p:txBody>
-      </p:sp>
-      <p:sp>
-        <p:nvSpPr>
           <p:cNvPr id="6" name="矩形 5">
             <a:extLst>
               <a:ext uri="{FF2B5EF4-FFF2-40B4-BE49-F238E27FC236}">
@@ -8676,7 +8626,7 @@
         </p:nvSpPr>
         <p:spPr>
           <a:xfrm>
-            <a:off x="3996965" y="932972"/>
+            <a:off x="2241372" y="944164"/>
             <a:ext cx="1112363" cy="358140"/>
           </a:xfrm>
           <a:prstGeom prst="rect">
@@ -8725,7 +8675,7 @@
         </p:nvSpPr>
         <p:spPr>
           <a:xfrm>
-            <a:off x="5109328" y="932972"/>
+            <a:off x="3353735" y="944164"/>
             <a:ext cx="1112363" cy="358140"/>
           </a:xfrm>
           <a:prstGeom prst="rect">
@@ -8818,7 +8768,7 @@
         </p:nvSpPr>
         <p:spPr>
           <a:xfrm>
-            <a:off x="6221691" y="932972"/>
+            <a:off x="4466098" y="944164"/>
             <a:ext cx="744717" cy="358140"/>
           </a:xfrm>
           <a:prstGeom prst="rect">
@@ -8868,7 +8818,7 @@
         </p:nvSpPr>
         <p:spPr>
           <a:xfrm>
-            <a:off x="6966408" y="932972"/>
+            <a:off x="5210815" y="944164"/>
             <a:ext cx="1480008" cy="358140"/>
           </a:xfrm>
           <a:prstGeom prst="rect">
@@ -8906,10 +8856,60 @@
       </p:sp>
       <p:sp>
         <p:nvSpPr>
-          <p:cNvPr id="13" name="文本框 12">
+          <p:cNvPr id="11" name="矩形 10">
             <a:extLst>
               <a:ext uri="{FF2B5EF4-FFF2-40B4-BE49-F238E27FC236}">
-                <a16:creationId xmlns:a16="http://schemas.microsoft.com/office/drawing/2014/main" id="{4D0CBA21-0171-4DAE-ACC2-B47CB33DB35D}"/>
+                <a16:creationId xmlns:a16="http://schemas.microsoft.com/office/drawing/2014/main" id="{47DC026F-E7B3-4894-88EA-38975AEDF047}"/>
+              </a:ext>
+            </a:extLst>
+          </p:cNvPr>
+          <p:cNvSpPr/>
+          <p:nvPr/>
+        </p:nvSpPr>
+        <p:spPr>
+          <a:xfrm>
+            <a:off x="2241372" y="2294302"/>
+            <a:ext cx="1755593" cy="358140"/>
+          </a:xfrm>
+          <a:prstGeom prst="rect">
+            <a:avLst/>
+          </a:prstGeom>
+        </p:spPr>
+        <p:style>
+          <a:lnRef idx="2">
+            <a:schemeClr val="accent6">
+              <a:shade val="50000"/>
+            </a:schemeClr>
+          </a:lnRef>
+          <a:fillRef idx="1">
+            <a:schemeClr val="accent6"/>
+          </a:fillRef>
+          <a:effectRef idx="0">
+            <a:schemeClr val="accent6"/>
+          </a:effectRef>
+          <a:fontRef idx="minor">
+            <a:schemeClr val="lt1"/>
+          </a:fontRef>
+        </p:style>
+        <p:txBody>
+          <a:bodyPr rtlCol="0" anchor="ctr"/>
+          <a:lstStyle/>
+          <a:p>
+            <a:pPr algn="ctr"/>
+            <a:r>
+              <a:rPr lang="en-US" altLang="zh-CN" dirty="0" err="1"/>
+              <a:t>missingBitSet</a:t>
+            </a:r>
+            <a:endParaRPr lang="en-US" altLang="zh-CN" dirty="0"/>
+          </a:p>
+        </p:txBody>
+      </p:sp>
+      <p:sp>
+        <p:nvSpPr>
+          <p:cNvPr id="12" name="文本框 11">
+            <a:extLst>
+              <a:ext uri="{FF2B5EF4-FFF2-40B4-BE49-F238E27FC236}">
+                <a16:creationId xmlns:a16="http://schemas.microsoft.com/office/drawing/2014/main" id="{50EB6DCF-B380-4969-A524-DA0B8C61B3F5}"/>
               </a:ext>
             </a:extLst>
           </p:cNvPr>
@@ -8918,8 +8918,8 @@
         </p:nvSpPr>
         <p:spPr>
           <a:xfrm>
-            <a:off x="480767" y="4072379"/>
-            <a:ext cx="8608447" cy="646331"/>
+            <a:off x="478560" y="2294302"/>
+            <a:ext cx="1071127" cy="369332"/>
           </a:xfrm>
           <a:prstGeom prst="rect">
             <a:avLst/>
@@ -8942,14 +8942,106 @@
             </a:r>
             <a:r>
               <a:rPr lang="zh-CN" altLang="en-US" dirty="0"/>
-              <a:t>文件：  </a:t>
+              <a:t>文件</a:t>
+            </a:r>
+          </a:p>
+        </p:txBody>
+      </p:sp>
+      <p:sp>
+        <p:nvSpPr>
+          <p:cNvPr id="14" name="矩形 13">
+            <a:extLst>
+              <a:ext uri="{FF2B5EF4-FFF2-40B4-BE49-F238E27FC236}">
+                <a16:creationId xmlns:a16="http://schemas.microsoft.com/office/drawing/2014/main" id="{E0E1CE46-F1E1-4744-A57B-1A1C6E7414A6}"/>
+              </a:ext>
+            </a:extLst>
+          </p:cNvPr>
+          <p:cNvSpPr/>
+          <p:nvPr/>
+        </p:nvSpPr>
+        <p:spPr>
+          <a:xfrm>
+            <a:off x="3985288" y="2294302"/>
+            <a:ext cx="1755593" cy="358140"/>
+          </a:xfrm>
+          <a:prstGeom prst="rect">
+            <a:avLst/>
+          </a:prstGeom>
+        </p:spPr>
+        <p:style>
+          <a:lnRef idx="2">
+            <a:schemeClr val="accent6">
+              <a:shade val="50000"/>
+            </a:schemeClr>
+          </a:lnRef>
+          <a:fillRef idx="1">
+            <a:schemeClr val="accent6"/>
+          </a:fillRef>
+          <a:effectRef idx="0">
+            <a:schemeClr val="accent6"/>
+          </a:effectRef>
+          <a:fontRef idx="minor">
+            <a:schemeClr val="lt1"/>
+          </a:fontRef>
+        </p:style>
+        <p:txBody>
+          <a:bodyPr rtlCol="0" anchor="ctr"/>
+          <a:lstStyle/>
+          <a:p>
+            <a:pPr algn="ctr"/>
+            <a:r>
+              <a:rPr lang="en-US" altLang="zh-CN" dirty="0"/>
+              <a:t>Values</a:t>
+            </a:r>
+          </a:p>
+        </p:txBody>
+      </p:sp>
+      <p:sp>
+        <p:nvSpPr>
+          <p:cNvPr id="15" name="文本框 14">
+            <a:extLst>
+              <a:ext uri="{FF2B5EF4-FFF2-40B4-BE49-F238E27FC236}">
+                <a16:creationId xmlns:a16="http://schemas.microsoft.com/office/drawing/2014/main" id="{8C936470-B6BF-45EB-B855-A7E161E0D6D4}"/>
+              </a:ext>
+            </a:extLst>
+          </p:cNvPr>
+          <p:cNvSpPr txBox="1"/>
+          <p:nvPr/>
+        </p:nvSpPr>
+        <p:spPr>
+          <a:xfrm>
+            <a:off x="2241372" y="3094021"/>
+            <a:ext cx="5025735" cy="923330"/>
+          </a:xfrm>
+          <a:prstGeom prst="rect">
+            <a:avLst/>
+          </a:prstGeom>
+          <a:noFill/>
+        </p:spPr>
+        <p:txBody>
+          <a:bodyPr wrap="none" rtlCol="0">
+            <a:spAutoFit/>
+          </a:bodyPr>
+          <a:lstStyle/>
+          <a:p>
+            <a:r>
+              <a:rPr lang="en-US" altLang="zh-CN" dirty="0" err="1"/>
+              <a:t>missingBitSet</a:t>
+            </a:r>
+            <a:r>
+              <a:rPr lang="en-US" altLang="zh-CN" dirty="0"/>
+              <a:t> : </a:t>
+            </a:r>
+            <a:r>
+              <a:rPr lang="zh-CN" altLang="en-US" dirty="0"/>
+              <a:t>位集表示的无值的文档</a:t>
             </a:r>
             <a:endParaRPr lang="en-US" altLang="zh-CN" dirty="0"/>
           </a:p>
           <a:p>
             <a:r>
               <a:rPr lang="en-US" altLang="zh-CN" dirty="0"/>
-              <a:t>	</a:t>
+              <a:t>Values: </a:t>
             </a:r>
             <a:r>
               <a:rPr lang="zh-CN" altLang="en-US" dirty="0"/>
@@ -8965,23 +9057,25 @@
             </a:r>
             <a:r>
               <a:rPr lang="en-US" altLang="zh-CN" dirty="0"/>
-              <a:t>, </a:t>
+              <a:t>,</a:t>
+            </a:r>
+          </a:p>
+          <a:p>
+            <a:r>
+              <a:rPr lang="en-US" altLang="zh-CN" dirty="0"/>
+              <a:t>	</a:t>
             </a:r>
             <a:r>
               <a:rPr lang="zh-CN" altLang="en-US" dirty="0"/>
-              <a:t>实际存储的是 </a:t>
-            </a:r>
-            <a:r>
-              <a:rPr lang="en-US" altLang="zh-CN" dirty="0"/>
-              <a:t>(value – min) / </a:t>
+              <a:t>实际存储的是</a:t>
+            </a:r>
+            <a:r>
+              <a:rPr lang="en-US" altLang="zh-CN" dirty="0"/>
+              <a:t>(value-min)/</a:t>
             </a:r>
             <a:r>
               <a:rPr lang="en-US" altLang="zh-CN" dirty="0" err="1"/>
               <a:t>gcd</a:t>
-            </a:r>
-            <a:r>
-              <a:rPr lang="en-US" altLang="zh-CN" dirty="0"/>
-              <a:t> </a:t>
             </a:r>
             <a:endParaRPr lang="zh-CN" altLang="en-US" dirty="0"/>
           </a:p>
@@ -9019,31 +9113,433 @@
       </p:grpSpPr>
       <p:sp>
         <p:nvSpPr>
-          <p:cNvPr id="3" name="标题 2"/>
-          <p:cNvSpPr>
-            <a:spLocks noGrp="1"/>
-          </p:cNvSpPr>
-          <p:nvPr>
-            <p:ph type="title"/>
-          </p:nvPr>
-        </p:nvSpPr>
-        <p:spPr/>
-        <p:txBody>
-          <a:bodyPr/>
-          <a:lstStyle/>
-          <a:p>
-            <a:r>
-              <a:rPr lang="en-US" altLang="zh-CN" dirty="0"/>
-              <a:t>Stored Fields</a:t>
-            </a:r>
-            <a:br>
-              <a:rPr lang="en-US" altLang="zh-CN" dirty="0"/>
-            </a:br>
+          <p:cNvPr id="4" name="文本框 3">
+            <a:extLst>
+              <a:ext uri="{FF2B5EF4-FFF2-40B4-BE49-F238E27FC236}">
+                <a16:creationId xmlns:a16="http://schemas.microsoft.com/office/drawing/2014/main" id="{C65396B7-8C8E-4318-9ECB-A123131CDCAD}"/>
+              </a:ext>
+            </a:extLst>
+          </p:cNvPr>
+          <p:cNvSpPr txBox="1"/>
+          <p:nvPr/>
+        </p:nvSpPr>
+        <p:spPr>
+          <a:xfrm>
+            <a:off x="329938" y="311085"/>
+            <a:ext cx="3348994" cy="584775"/>
+          </a:xfrm>
+          <a:prstGeom prst="rect">
+            <a:avLst/>
+          </a:prstGeom>
+          <a:noFill/>
+        </p:spPr>
+        <p:txBody>
+          <a:bodyPr wrap="none" rtlCol="0">
+            <a:spAutoFit/>
+          </a:bodyPr>
+          <a:lstStyle/>
+          <a:p>
+            <a:r>
+              <a:rPr lang="en-US" altLang="zh-CN" sz="3200" dirty="0"/>
+              <a:t>Binary Doc Values</a:t>
+            </a:r>
+          </a:p>
+        </p:txBody>
+      </p:sp>
+      <p:sp>
+        <p:nvSpPr>
+          <p:cNvPr id="7" name="文本框 6">
+            <a:extLst>
+              <a:ext uri="{FF2B5EF4-FFF2-40B4-BE49-F238E27FC236}">
+                <a16:creationId xmlns:a16="http://schemas.microsoft.com/office/drawing/2014/main" id="{E595CEF3-7D3E-46A9-AB7C-F31D2AA04834}"/>
+              </a:ext>
+            </a:extLst>
+          </p:cNvPr>
+          <p:cNvSpPr txBox="1"/>
+          <p:nvPr/>
+        </p:nvSpPr>
+        <p:spPr>
+          <a:xfrm>
+            <a:off x="448102" y="1394510"/>
+            <a:ext cx="1132041" cy="369332"/>
+          </a:xfrm>
+          <a:prstGeom prst="rect">
+            <a:avLst/>
+          </a:prstGeom>
+          <a:noFill/>
+        </p:spPr>
+        <p:txBody>
+          <a:bodyPr wrap="none" rtlCol="0">
+            <a:spAutoFit/>
+          </a:bodyPr>
+          <a:lstStyle/>
+          <a:p>
+            <a:r>
+              <a:rPr lang="en-US" altLang="zh-CN" dirty="0"/>
+              <a:t>.</a:t>
+            </a:r>
+            <a:r>
+              <a:rPr lang="en-US" altLang="zh-CN" dirty="0" err="1"/>
+              <a:t>dvm</a:t>
+            </a:r>
+            <a:r>
+              <a:rPr lang="zh-CN" altLang="en-US" dirty="0"/>
+              <a:t>文件</a:t>
+            </a:r>
+          </a:p>
+        </p:txBody>
+      </p:sp>
+      <p:sp>
+        <p:nvSpPr>
+          <p:cNvPr id="10" name="矩形 9">
+            <a:extLst>
+              <a:ext uri="{FF2B5EF4-FFF2-40B4-BE49-F238E27FC236}">
+                <a16:creationId xmlns:a16="http://schemas.microsoft.com/office/drawing/2014/main" id="{F1487619-D950-46B1-9962-842733A96493}"/>
+              </a:ext>
+            </a:extLst>
+          </p:cNvPr>
+          <p:cNvSpPr/>
+          <p:nvPr/>
+        </p:nvSpPr>
+        <p:spPr>
+          <a:xfrm>
+            <a:off x="2241372" y="2294302"/>
+            <a:ext cx="1755593" cy="358140"/>
+          </a:xfrm>
+          <a:prstGeom prst="rect">
+            <a:avLst/>
+          </a:prstGeom>
+        </p:spPr>
+        <p:style>
+          <a:lnRef idx="2">
+            <a:schemeClr val="accent6">
+              <a:shade val="50000"/>
+            </a:schemeClr>
+          </a:lnRef>
+          <a:fillRef idx="1">
+            <a:schemeClr val="accent6"/>
+          </a:fillRef>
+          <a:effectRef idx="0">
+            <a:schemeClr val="accent6"/>
+          </a:effectRef>
+          <a:fontRef idx="minor">
+            <a:schemeClr val="lt1"/>
+          </a:fontRef>
+        </p:style>
+        <p:txBody>
+          <a:bodyPr rtlCol="0" anchor="ctr"/>
+          <a:lstStyle/>
+          <a:p>
+            <a:pPr algn="ctr"/>
+            <a:r>
+              <a:rPr lang="en-US" altLang="zh-CN" dirty="0" err="1"/>
+              <a:t>BinaryValues</a:t>
+            </a:r>
+            <a:endParaRPr lang="en-US" altLang="zh-CN" dirty="0"/>
+          </a:p>
+        </p:txBody>
+      </p:sp>
+      <p:sp>
+        <p:nvSpPr>
+          <p:cNvPr id="11" name="文本框 10">
+            <a:extLst>
+              <a:ext uri="{FF2B5EF4-FFF2-40B4-BE49-F238E27FC236}">
+                <a16:creationId xmlns:a16="http://schemas.microsoft.com/office/drawing/2014/main" id="{81A3BE49-E5C7-4CFF-91C9-0D496A45C4F4}"/>
+              </a:ext>
+            </a:extLst>
+          </p:cNvPr>
+          <p:cNvSpPr txBox="1"/>
+          <p:nvPr/>
+        </p:nvSpPr>
+        <p:spPr>
+          <a:xfrm>
+            <a:off x="478560" y="2294302"/>
+            <a:ext cx="1071127" cy="369332"/>
+          </a:xfrm>
+          <a:prstGeom prst="rect">
+            <a:avLst/>
+          </a:prstGeom>
+          <a:noFill/>
+        </p:spPr>
+        <p:txBody>
+          <a:bodyPr wrap="none" rtlCol="0">
+            <a:spAutoFit/>
+          </a:bodyPr>
+          <a:lstStyle/>
+          <a:p>
+            <a:r>
+              <a:rPr lang="en-US" altLang="zh-CN" dirty="0"/>
+              <a:t>.</a:t>
+            </a:r>
+            <a:r>
+              <a:rPr lang="en-US" altLang="zh-CN" dirty="0" err="1"/>
+              <a:t>dvd</a:t>
+            </a:r>
+            <a:r>
+              <a:rPr lang="zh-CN" altLang="en-US" dirty="0"/>
+              <a:t>文件</a:t>
+            </a:r>
+          </a:p>
+        </p:txBody>
+      </p:sp>
+      <p:sp>
+        <p:nvSpPr>
+          <p:cNvPr id="12" name="矩形 11">
+            <a:extLst>
+              <a:ext uri="{FF2B5EF4-FFF2-40B4-BE49-F238E27FC236}">
+                <a16:creationId xmlns:a16="http://schemas.microsoft.com/office/drawing/2014/main" id="{EF662D40-E28C-42FC-94A9-97752FD757AF}"/>
+              </a:ext>
+            </a:extLst>
+          </p:cNvPr>
+          <p:cNvSpPr/>
+          <p:nvPr/>
+        </p:nvSpPr>
+        <p:spPr>
+          <a:xfrm>
+            <a:off x="3985288" y="2294302"/>
+            <a:ext cx="1755593" cy="358140"/>
+          </a:xfrm>
+          <a:prstGeom prst="rect">
+            <a:avLst/>
+          </a:prstGeom>
+        </p:spPr>
+        <p:style>
+          <a:lnRef idx="2">
+            <a:schemeClr val="accent6">
+              <a:shade val="50000"/>
+            </a:schemeClr>
+          </a:lnRef>
+          <a:fillRef idx="1">
+            <a:schemeClr val="accent6"/>
+          </a:fillRef>
+          <a:effectRef idx="0">
+            <a:schemeClr val="accent6"/>
+          </a:effectRef>
+          <a:fontRef idx="minor">
+            <a:schemeClr val="lt1"/>
+          </a:fontRef>
+        </p:style>
+        <p:txBody>
+          <a:bodyPr rtlCol="0" anchor="ctr"/>
+          <a:lstStyle/>
+          <a:p>
+            <a:pPr algn="ctr"/>
+            <a:r>
+              <a:rPr lang="en-US" altLang="zh-CN" dirty="0" err="1"/>
+              <a:t>missingBitSet</a:t>
+            </a:r>
+            <a:endParaRPr lang="en-US" altLang="zh-CN" dirty="0"/>
+          </a:p>
+        </p:txBody>
+      </p:sp>
+      <p:sp>
+        <p:nvSpPr>
+          <p:cNvPr id="13" name="矩形 12">
+            <a:extLst>
+              <a:ext uri="{FF2B5EF4-FFF2-40B4-BE49-F238E27FC236}">
+                <a16:creationId xmlns:a16="http://schemas.microsoft.com/office/drawing/2014/main" id="{1C503CB3-DDFC-4922-9A0D-A4EC9613AB04}"/>
+              </a:ext>
+            </a:extLst>
+          </p:cNvPr>
+          <p:cNvSpPr/>
+          <p:nvPr/>
+        </p:nvSpPr>
+        <p:spPr>
+          <a:xfrm>
+            <a:off x="5729204" y="2294302"/>
+            <a:ext cx="1755593" cy="358140"/>
+          </a:xfrm>
+          <a:prstGeom prst="rect">
+            <a:avLst/>
+          </a:prstGeom>
+        </p:spPr>
+        <p:style>
+          <a:lnRef idx="2">
+            <a:schemeClr val="accent6">
+              <a:shade val="50000"/>
+            </a:schemeClr>
+          </a:lnRef>
+          <a:fillRef idx="1">
+            <a:schemeClr val="accent6"/>
+          </a:fillRef>
+          <a:effectRef idx="0">
+            <a:schemeClr val="accent6"/>
+          </a:effectRef>
+          <a:fontRef idx="minor">
+            <a:schemeClr val="lt1"/>
+          </a:fontRef>
+        </p:style>
+        <p:txBody>
+          <a:bodyPr rtlCol="0" anchor="ctr"/>
+          <a:lstStyle/>
+          <a:p>
+            <a:pPr algn="ctr"/>
+            <a:r>
+              <a:rPr lang="en-US" altLang="zh-CN" dirty="0" err="1"/>
+              <a:t>BinaryIndex</a:t>
+            </a:r>
+            <a:endParaRPr lang="en-US" altLang="zh-CN" dirty="0"/>
+          </a:p>
+        </p:txBody>
+      </p:sp>
+      <p:sp>
+        <p:nvSpPr>
+          <p:cNvPr id="14" name="文本框 13">
+            <a:extLst>
+              <a:ext uri="{FF2B5EF4-FFF2-40B4-BE49-F238E27FC236}">
+                <a16:creationId xmlns:a16="http://schemas.microsoft.com/office/drawing/2014/main" id="{6E70386C-31BF-4C25-90E3-B514DCEA8448}"/>
+              </a:ext>
+            </a:extLst>
+          </p:cNvPr>
+          <p:cNvSpPr txBox="1"/>
+          <p:nvPr/>
+        </p:nvSpPr>
+        <p:spPr>
+          <a:xfrm>
+            <a:off x="829559" y="3337089"/>
+            <a:ext cx="8816837" cy="2308324"/>
+          </a:xfrm>
+          <a:prstGeom prst="rect">
+            <a:avLst/>
+          </a:prstGeom>
+          <a:noFill/>
+        </p:spPr>
+        <p:txBody>
+          <a:bodyPr wrap="none" rtlCol="0">
+            <a:spAutoFit/>
+          </a:bodyPr>
+          <a:lstStyle/>
+          <a:p>
+            <a:r>
+              <a:rPr lang="en-US" altLang="zh-CN" dirty="0" err="1"/>
+              <a:t>BinaryValues</a:t>
+            </a:r>
+            <a:r>
+              <a:rPr lang="en-US" altLang="zh-CN" dirty="0"/>
+              <a:t> : </a:t>
+            </a:r>
+            <a:r>
+              <a:rPr lang="zh-CN" altLang="en-US" dirty="0"/>
+              <a:t>顺序写入所有文档的值</a:t>
+            </a:r>
+            <a:endParaRPr lang="en-US" altLang="zh-CN" dirty="0"/>
+          </a:p>
+          <a:p>
+            <a:r>
+              <a:rPr lang="en-US" altLang="zh-CN" dirty="0" err="1"/>
+              <a:t>missingBitSet</a:t>
+            </a:r>
+            <a:r>
+              <a:rPr lang="en-US" altLang="zh-CN" dirty="0"/>
+              <a:t> : </a:t>
+            </a:r>
+            <a:r>
+              <a:rPr lang="zh-CN" altLang="en-US" dirty="0"/>
+              <a:t>位集表示的无值文档</a:t>
+            </a:r>
+            <a:endParaRPr lang="en-US" altLang="zh-CN" dirty="0"/>
+          </a:p>
+          <a:p>
+            <a:r>
+              <a:rPr lang="en-US" altLang="zh-CN" dirty="0" err="1"/>
+              <a:t>BinaryIndex</a:t>
+            </a:r>
+            <a:r>
+              <a:rPr lang="en-US" altLang="zh-CN" dirty="0"/>
+              <a:t> : </a:t>
+            </a:r>
+          </a:p>
+          <a:p>
+            <a:r>
+              <a:rPr lang="en-US" altLang="zh-CN" dirty="0"/>
+              <a:t>    1. </a:t>
+            </a:r>
+            <a:r>
+              <a:rPr lang="zh-CN" altLang="en-US" dirty="0"/>
+              <a:t>定长： 所有的值的长度都相同</a:t>
+            </a:r>
+            <a:endParaRPr lang="en-US" altLang="zh-CN" dirty="0"/>
+          </a:p>
+          <a:p>
+            <a:r>
+              <a:rPr lang="en-US" altLang="zh-CN" dirty="0"/>
+              <a:t>	</a:t>
+            </a:r>
+            <a:r>
+              <a:rPr lang="zh-CN" altLang="en-US" dirty="0"/>
+              <a:t>不需要存储</a:t>
+            </a:r>
+            <a:r>
+              <a:rPr lang="en-US" altLang="zh-CN" dirty="0" err="1"/>
+              <a:t>BinaryIndex</a:t>
+            </a:r>
+            <a:r>
+              <a:rPr lang="zh-CN" altLang="en-US" dirty="0"/>
+              <a:t>，直接根据</a:t>
+            </a:r>
+            <a:r>
+              <a:rPr lang="en-US" altLang="zh-CN" dirty="0"/>
+              <a:t>length*index</a:t>
+            </a:r>
+            <a:r>
+              <a:rPr lang="zh-CN" altLang="en-US" dirty="0"/>
+              <a:t>来计算每个文档的值的偏移量</a:t>
+            </a:r>
+            <a:endParaRPr lang="en-US" altLang="zh-CN" dirty="0"/>
+          </a:p>
+          <a:p>
+            <a:r>
+              <a:rPr lang="en-US" altLang="zh-CN" dirty="0"/>
+              <a:t>    2. </a:t>
+            </a:r>
+            <a:r>
+              <a:rPr lang="zh-CN" altLang="en-US" dirty="0"/>
+              <a:t>变长： 不是所有的值都是相同的长度</a:t>
+            </a:r>
+            <a:endParaRPr lang="en-US" altLang="zh-CN" dirty="0"/>
+          </a:p>
+          <a:p>
+            <a:r>
+              <a:rPr lang="en-US" altLang="zh-CN" dirty="0"/>
+              <a:t>	</a:t>
+            </a:r>
+            <a:r>
+              <a:rPr lang="zh-CN" altLang="en-US" dirty="0"/>
+              <a:t>则</a:t>
+            </a:r>
+            <a:r>
+              <a:rPr lang="en-US" altLang="zh-CN" dirty="0" err="1"/>
+              <a:t>BinaryIndex</a:t>
+            </a:r>
+            <a:r>
+              <a:rPr lang="zh-CN" altLang="en-US" dirty="0"/>
+              <a:t>存储的是每个文档的值在</a:t>
+            </a:r>
+            <a:r>
+              <a:rPr lang="en-US" altLang="zh-CN" dirty="0" err="1"/>
+              <a:t>BinaryValues</a:t>
+            </a:r>
+            <a:r>
+              <a:rPr lang="zh-CN" altLang="en-US" dirty="0"/>
+              <a:t>中的结束位置</a:t>
+            </a:r>
+            <a:endParaRPr lang="en-US" altLang="zh-CN" dirty="0"/>
+          </a:p>
+          <a:p>
+            <a:r>
+              <a:rPr lang="en-US" altLang="zh-CN" dirty="0"/>
+              <a:t>    </a:t>
+            </a:r>
             <a:endParaRPr lang="zh-CN" altLang="en-US" dirty="0"/>
           </a:p>
         </p:txBody>
       </p:sp>
     </p:spTree>
+    <p:extLst>
+      <p:ext uri="{BB962C8B-B14F-4D97-AF65-F5344CB8AC3E}">
+        <p14:creationId xmlns:p14="http://schemas.microsoft.com/office/powerpoint/2010/main" val="3946077689"/>
+      </p:ext>
+    </p:extLst>
   </p:cSld>
   <p:clrMapOvr>
     <a:masterClrMapping/>
@@ -9070,2460 +9566,30 @@
       </p:grpSpPr>
       <p:sp>
         <p:nvSpPr>
-          <p:cNvPr id="2" name="矩形 1"/>
-          <p:cNvSpPr/>
-          <p:nvPr/>
-        </p:nvSpPr>
-        <p:spPr>
-          <a:xfrm>
-            <a:off x="1234912" y="254524"/>
-            <a:ext cx="2139886" cy="358217"/>
-          </a:xfrm>
-          <a:prstGeom prst="rect">
-            <a:avLst/>
-          </a:prstGeom>
-        </p:spPr>
-        <p:style>
-          <a:lnRef idx="2">
-            <a:schemeClr val="accent3">
-              <a:shade val="50000"/>
-            </a:schemeClr>
-          </a:lnRef>
-          <a:fillRef idx="1">
-            <a:schemeClr val="accent3"/>
-          </a:fillRef>
-          <a:effectRef idx="0">
-            <a:schemeClr val="accent3"/>
-          </a:effectRef>
-          <a:fontRef idx="minor">
-            <a:schemeClr val="lt1"/>
-          </a:fontRef>
-        </p:style>
-        <p:txBody>
-          <a:bodyPr rtlCol="0" anchor="ctr"/>
-          <a:lstStyle/>
-          <a:p>
-            <a:pPr algn="ctr"/>
-            <a:r>
-              <a:rPr lang="en-US" altLang="zh-CN" dirty="0" err="1"/>
-              <a:t>PackedIntsVersion</a:t>
-            </a:r>
+          <p:cNvPr id="3" name="标题 2"/>
+          <p:cNvSpPr>
+            <a:spLocks noGrp="1"/>
+          </p:cNvSpPr>
+          <p:nvPr>
+            <p:ph type="title"/>
+          </p:nvPr>
+        </p:nvSpPr>
+        <p:spPr/>
+        <p:txBody>
+          <a:bodyPr/>
+          <a:lstStyle/>
+          <a:p>
+            <a:r>
+              <a:rPr lang="en-US" altLang="zh-CN" dirty="0"/>
+              <a:t>Stored Fields</a:t>
+            </a:r>
+            <a:br>
+              <a:rPr lang="en-US" altLang="zh-CN" dirty="0"/>
+            </a:br>
             <a:endParaRPr lang="zh-CN" altLang="en-US" dirty="0"/>
           </a:p>
         </p:txBody>
       </p:sp>
-      <p:sp>
-        <p:nvSpPr>
-          <p:cNvPr id="3" name="矩形 2"/>
-          <p:cNvSpPr/>
-          <p:nvPr/>
-        </p:nvSpPr>
-        <p:spPr>
-          <a:xfrm>
-            <a:off x="3379511" y="254522"/>
-            <a:ext cx="1046375" cy="358219"/>
-          </a:xfrm>
-          <a:prstGeom prst="rect">
-            <a:avLst/>
-          </a:prstGeom>
-        </p:spPr>
-        <p:style>
-          <a:lnRef idx="2">
-            <a:schemeClr val="accent6">
-              <a:shade val="50000"/>
-            </a:schemeClr>
-          </a:lnRef>
-          <a:fillRef idx="1">
-            <a:schemeClr val="accent6"/>
-          </a:fillRef>
-          <a:effectRef idx="0">
-            <a:schemeClr val="accent6"/>
-          </a:effectRef>
-          <a:fontRef idx="minor">
-            <a:schemeClr val="lt1"/>
-          </a:fontRef>
-        </p:style>
-        <p:txBody>
-          <a:bodyPr rtlCol="0" anchor="ctr"/>
-          <a:lstStyle/>
-          <a:p>
-            <a:pPr algn="ctr"/>
-            <a:r>
-              <a:rPr lang="en-US" altLang="zh-CN" dirty="0"/>
-              <a:t>Block</a:t>
-            </a:r>
-            <a:endParaRPr lang="zh-CN" altLang="en-US" dirty="0"/>
-          </a:p>
-        </p:txBody>
-      </p:sp>
-      <p:sp>
-        <p:nvSpPr>
-          <p:cNvPr id="5" name="矩形 4"/>
-          <p:cNvSpPr/>
-          <p:nvPr/>
-        </p:nvSpPr>
-        <p:spPr>
-          <a:xfrm>
-            <a:off x="4374037" y="254522"/>
-            <a:ext cx="1046375" cy="358219"/>
-          </a:xfrm>
-          <a:prstGeom prst="rect">
-            <a:avLst/>
-          </a:prstGeom>
-        </p:spPr>
-        <p:style>
-          <a:lnRef idx="2">
-            <a:schemeClr val="accent6">
-              <a:shade val="50000"/>
-            </a:schemeClr>
-          </a:lnRef>
-          <a:fillRef idx="1">
-            <a:schemeClr val="accent6"/>
-          </a:fillRef>
-          <a:effectRef idx="0">
-            <a:schemeClr val="accent6"/>
-          </a:effectRef>
-          <a:fontRef idx="minor">
-            <a:schemeClr val="lt1"/>
-          </a:fontRef>
-        </p:style>
-        <p:txBody>
-          <a:bodyPr rtlCol="0" anchor="ctr"/>
-          <a:lstStyle/>
-          <a:p>
-            <a:pPr algn="ctr"/>
-            <a:r>
-              <a:rPr lang="en-US" altLang="zh-CN" dirty="0"/>
-              <a:t>Block</a:t>
-            </a:r>
-            <a:endParaRPr lang="zh-CN" altLang="en-US" dirty="0"/>
-          </a:p>
-        </p:txBody>
-      </p:sp>
-      <p:sp>
-        <p:nvSpPr>
-          <p:cNvPr id="7" name="矩形 6"/>
-          <p:cNvSpPr/>
-          <p:nvPr/>
-        </p:nvSpPr>
-        <p:spPr>
-          <a:xfrm>
-            <a:off x="5415699" y="254524"/>
-            <a:ext cx="579750" cy="358219"/>
-          </a:xfrm>
-          <a:prstGeom prst="rect">
-            <a:avLst/>
-          </a:prstGeom>
-          <a:noFill/>
-          <a:ln>
-            <a:noFill/>
-          </a:ln>
-        </p:spPr>
-        <p:style>
-          <a:lnRef idx="2">
-            <a:schemeClr val="accent1">
-              <a:shade val="50000"/>
-            </a:schemeClr>
-          </a:lnRef>
-          <a:fillRef idx="1">
-            <a:schemeClr val="accent1"/>
-          </a:fillRef>
-          <a:effectRef idx="0">
-            <a:schemeClr val="accent1"/>
-          </a:effectRef>
-          <a:fontRef idx="minor">
-            <a:schemeClr val="lt1"/>
-          </a:fontRef>
-        </p:style>
-        <p:txBody>
-          <a:bodyPr rtlCol="0" anchor="ctr"/>
-          <a:lstStyle/>
-          <a:p>
-            <a:pPr algn="ctr"/>
-            <a:r>
-              <a:rPr lang="en-US" altLang="zh-CN" dirty="0">
-                <a:solidFill>
-                  <a:schemeClr val="tx1"/>
-                </a:solidFill>
-              </a:rPr>
-              <a:t>......</a:t>
-            </a:r>
-          </a:p>
-        </p:txBody>
-      </p:sp>
-      <p:sp>
-        <p:nvSpPr>
-          <p:cNvPr id="8" name="矩形 7"/>
-          <p:cNvSpPr/>
-          <p:nvPr/>
-        </p:nvSpPr>
-        <p:spPr>
-          <a:xfrm>
-            <a:off x="5995449" y="254523"/>
-            <a:ext cx="1046375" cy="358219"/>
-          </a:xfrm>
-          <a:prstGeom prst="rect">
-            <a:avLst/>
-          </a:prstGeom>
-        </p:spPr>
-        <p:style>
-          <a:lnRef idx="2">
-            <a:schemeClr val="accent6">
-              <a:shade val="50000"/>
-            </a:schemeClr>
-          </a:lnRef>
-          <a:fillRef idx="1">
-            <a:schemeClr val="accent6"/>
-          </a:fillRef>
-          <a:effectRef idx="0">
-            <a:schemeClr val="accent6"/>
-          </a:effectRef>
-          <a:fontRef idx="minor">
-            <a:schemeClr val="lt1"/>
-          </a:fontRef>
-        </p:style>
-        <p:txBody>
-          <a:bodyPr rtlCol="0" anchor="ctr"/>
-          <a:lstStyle/>
-          <a:p>
-            <a:pPr algn="ctr"/>
-            <a:r>
-              <a:rPr lang="en-US" altLang="zh-CN" dirty="0"/>
-              <a:t>Block</a:t>
-            </a:r>
-            <a:endParaRPr lang="zh-CN" altLang="en-US" dirty="0"/>
-          </a:p>
-        </p:txBody>
-      </p:sp>
-      <p:sp>
-        <p:nvSpPr>
-          <p:cNvPr id="9" name="矩形 8"/>
-          <p:cNvSpPr/>
-          <p:nvPr/>
-        </p:nvSpPr>
-        <p:spPr>
-          <a:xfrm>
-            <a:off x="7041824" y="254522"/>
-            <a:ext cx="1046375" cy="358219"/>
-          </a:xfrm>
-          <a:prstGeom prst="rect">
-            <a:avLst/>
-          </a:prstGeom>
-        </p:spPr>
-        <p:style>
-          <a:lnRef idx="2">
-            <a:schemeClr val="accent6">
-              <a:shade val="50000"/>
-            </a:schemeClr>
-          </a:lnRef>
-          <a:fillRef idx="1">
-            <a:schemeClr val="accent6"/>
-          </a:fillRef>
-          <a:effectRef idx="0">
-            <a:schemeClr val="accent6"/>
-          </a:effectRef>
-          <a:fontRef idx="minor">
-            <a:schemeClr val="lt1"/>
-          </a:fontRef>
-        </p:style>
-        <p:txBody>
-          <a:bodyPr rtlCol="0" anchor="ctr"/>
-          <a:lstStyle/>
-          <a:p>
-            <a:pPr algn="ctr"/>
-            <a:r>
-              <a:rPr lang="en-US" altLang="zh-CN" dirty="0"/>
-              <a:t>Block</a:t>
-            </a:r>
-            <a:endParaRPr lang="zh-CN" altLang="en-US" dirty="0"/>
-          </a:p>
-        </p:txBody>
-      </p:sp>
-      <p:sp>
-        <p:nvSpPr>
-          <p:cNvPr id="10" name="矩形 9"/>
-          <p:cNvSpPr/>
-          <p:nvPr/>
-        </p:nvSpPr>
-        <p:spPr>
-          <a:xfrm>
-            <a:off x="8088199" y="254522"/>
-            <a:ext cx="2412426" cy="358219"/>
-          </a:xfrm>
-          <a:prstGeom prst="rect">
-            <a:avLst/>
-          </a:prstGeom>
-        </p:spPr>
-        <p:style>
-          <a:lnRef idx="2">
-            <a:schemeClr val="accent3">
-              <a:shade val="50000"/>
-            </a:schemeClr>
-          </a:lnRef>
-          <a:fillRef idx="1">
-            <a:schemeClr val="accent3"/>
-          </a:fillRef>
-          <a:effectRef idx="0">
-            <a:schemeClr val="accent3"/>
-          </a:effectRef>
-          <a:fontRef idx="minor">
-            <a:schemeClr val="lt1"/>
-          </a:fontRef>
-        </p:style>
-        <p:txBody>
-          <a:bodyPr rtlCol="0" anchor="ctr"/>
-          <a:lstStyle/>
-          <a:p>
-            <a:pPr algn="ctr"/>
-            <a:r>
-              <a:rPr lang="en-US" altLang="zh-CN" dirty="0" err="1"/>
-              <a:t>BlocksEndMarker</a:t>
-            </a:r>
-            <a:endParaRPr lang="zh-CN" altLang="en-US" dirty="0"/>
-          </a:p>
-        </p:txBody>
-      </p:sp>
-      <p:sp>
-        <p:nvSpPr>
-          <p:cNvPr id="12" name="矩形 11"/>
-          <p:cNvSpPr/>
-          <p:nvPr/>
-        </p:nvSpPr>
-        <p:spPr>
-          <a:xfrm>
-            <a:off x="3846136" y="1621409"/>
-            <a:ext cx="1046375" cy="358219"/>
-          </a:xfrm>
-          <a:prstGeom prst="rect">
-            <a:avLst/>
-          </a:prstGeom>
-        </p:spPr>
-        <p:style>
-          <a:lnRef idx="3">
-            <a:schemeClr val="lt1"/>
-          </a:lnRef>
-          <a:fillRef idx="1">
-            <a:schemeClr val="accent5"/>
-          </a:fillRef>
-          <a:effectRef idx="1">
-            <a:schemeClr val="accent5"/>
-          </a:effectRef>
-          <a:fontRef idx="minor">
-            <a:schemeClr val="lt1"/>
-          </a:fontRef>
-        </p:style>
-        <p:txBody>
-          <a:bodyPr rtlCol="0" anchor="ctr"/>
-          <a:lstStyle/>
-          <a:p>
-            <a:pPr algn="ctr"/>
-            <a:endParaRPr lang="zh-CN" altLang="en-US" dirty="0"/>
-          </a:p>
-        </p:txBody>
-      </p:sp>
-      <p:sp>
-        <p:nvSpPr>
-          <p:cNvPr id="13" name="矩形 12"/>
-          <p:cNvSpPr/>
-          <p:nvPr/>
-        </p:nvSpPr>
-        <p:spPr>
-          <a:xfrm>
-            <a:off x="4892511" y="1621408"/>
-            <a:ext cx="1046375" cy="358219"/>
-          </a:xfrm>
-          <a:prstGeom prst="rect">
-            <a:avLst/>
-          </a:prstGeom>
-        </p:spPr>
-        <p:style>
-          <a:lnRef idx="3">
-            <a:schemeClr val="lt1"/>
-          </a:lnRef>
-          <a:fillRef idx="1">
-            <a:schemeClr val="accent5"/>
-          </a:fillRef>
-          <a:effectRef idx="1">
-            <a:schemeClr val="accent5"/>
-          </a:effectRef>
-          <a:fontRef idx="minor">
-            <a:schemeClr val="lt1"/>
-          </a:fontRef>
-        </p:style>
-        <p:txBody>
-          <a:bodyPr rtlCol="0" anchor="ctr"/>
-          <a:lstStyle/>
-          <a:p>
-            <a:pPr algn="ctr"/>
-            <a:endParaRPr lang="zh-CN" altLang="en-US"/>
-          </a:p>
-        </p:txBody>
-      </p:sp>
-      <p:sp>
-        <p:nvSpPr>
-          <p:cNvPr id="14" name="矩形 13"/>
-          <p:cNvSpPr/>
-          <p:nvPr/>
-        </p:nvSpPr>
-        <p:spPr>
-          <a:xfrm>
-            <a:off x="5938886" y="1621408"/>
-            <a:ext cx="1046375" cy="358219"/>
-          </a:xfrm>
-          <a:prstGeom prst="rect">
-            <a:avLst/>
-          </a:prstGeom>
-        </p:spPr>
-        <p:style>
-          <a:lnRef idx="3">
-            <a:schemeClr val="lt1"/>
-          </a:lnRef>
-          <a:fillRef idx="1">
-            <a:schemeClr val="accent5"/>
-          </a:fillRef>
-          <a:effectRef idx="1">
-            <a:schemeClr val="accent5"/>
-          </a:effectRef>
-          <a:fontRef idx="minor">
-            <a:schemeClr val="lt1"/>
-          </a:fontRef>
-        </p:style>
-        <p:txBody>
-          <a:bodyPr rtlCol="0" anchor="ctr"/>
-          <a:lstStyle/>
-          <a:p>
-            <a:pPr algn="ctr"/>
-            <a:r>
-              <a:rPr lang="en-US" altLang="zh-CN" dirty="0"/>
-              <a:t>…</a:t>
-            </a:r>
-            <a:endParaRPr lang="zh-CN" altLang="en-US" dirty="0"/>
-          </a:p>
-        </p:txBody>
-      </p:sp>
-      <p:cxnSp>
-        <p:nvCxnSpPr>
-          <p:cNvPr id="16" name="直接连接符 15"/>
-          <p:cNvCxnSpPr/>
-          <p:nvPr/>
-        </p:nvCxnSpPr>
-        <p:spPr>
-          <a:xfrm flipH="1">
-            <a:off x="2201578" y="612741"/>
-            <a:ext cx="1173220" cy="1008664"/>
-          </a:xfrm>
-          <a:prstGeom prst="line">
-            <a:avLst/>
-          </a:prstGeom>
-          <a:ln w="19050"/>
-        </p:spPr>
-        <p:style>
-          <a:lnRef idx="1">
-            <a:schemeClr val="accent1"/>
-          </a:lnRef>
-          <a:fillRef idx="0">
-            <a:schemeClr val="accent1"/>
-          </a:fillRef>
-          <a:effectRef idx="0">
-            <a:schemeClr val="accent1"/>
-          </a:effectRef>
-          <a:fontRef idx="minor">
-            <a:schemeClr val="tx1"/>
-          </a:fontRef>
-        </p:style>
-      </p:cxnSp>
-      <p:cxnSp>
-        <p:nvCxnSpPr>
-          <p:cNvPr id="20" name="直接连接符 19"/>
-          <p:cNvCxnSpPr/>
-          <p:nvPr/>
-        </p:nvCxnSpPr>
-        <p:spPr>
-          <a:xfrm>
-            <a:off x="4369323" y="612741"/>
-            <a:ext cx="3657600" cy="1008664"/>
-          </a:xfrm>
-          <a:prstGeom prst="line">
-            <a:avLst/>
-          </a:prstGeom>
-          <a:ln w="19050"/>
-        </p:spPr>
-        <p:style>
-          <a:lnRef idx="1">
-            <a:schemeClr val="accent1"/>
-          </a:lnRef>
-          <a:fillRef idx="0">
-            <a:schemeClr val="accent1"/>
-          </a:fillRef>
-          <a:effectRef idx="0">
-            <a:schemeClr val="accent1"/>
-          </a:effectRef>
-          <a:fontRef idx="minor">
-            <a:schemeClr val="tx1"/>
-          </a:fontRef>
-        </p:style>
-      </p:cxnSp>
-      <p:sp>
-        <p:nvSpPr>
-          <p:cNvPr id="22" name="矩形 21"/>
-          <p:cNvSpPr/>
-          <p:nvPr/>
-        </p:nvSpPr>
-        <p:spPr>
-          <a:xfrm>
-            <a:off x="2201578" y="1621406"/>
-            <a:ext cx="1637640" cy="358219"/>
-          </a:xfrm>
-          <a:prstGeom prst="rect">
-            <a:avLst/>
-          </a:prstGeom>
-        </p:spPr>
-        <p:style>
-          <a:lnRef idx="3">
-            <a:schemeClr val="lt1"/>
-          </a:lnRef>
-          <a:fillRef idx="1">
-            <a:schemeClr val="accent5"/>
-          </a:fillRef>
-          <a:effectRef idx="1">
-            <a:schemeClr val="accent5"/>
-          </a:effectRef>
-          <a:fontRef idx="minor">
-            <a:schemeClr val="lt1"/>
-          </a:fontRef>
-        </p:style>
-        <p:txBody>
-          <a:bodyPr rtlCol="0" anchor="ctr"/>
-          <a:lstStyle/>
-          <a:p>
-            <a:pPr algn="ctr"/>
-            <a:r>
-              <a:rPr lang="en-US" altLang="zh-CN" dirty="0" err="1"/>
-              <a:t>DocBases</a:t>
-            </a:r>
-            <a:endParaRPr lang="zh-CN" altLang="en-US" dirty="0"/>
-          </a:p>
-        </p:txBody>
-      </p:sp>
-      <p:sp>
-        <p:nvSpPr>
-          <p:cNvPr id="23" name="矩形 22"/>
-          <p:cNvSpPr/>
-          <p:nvPr/>
-        </p:nvSpPr>
-        <p:spPr>
-          <a:xfrm>
-            <a:off x="3846136" y="1979625"/>
-            <a:ext cx="1046375" cy="358219"/>
-          </a:xfrm>
-          <a:prstGeom prst="rect">
-            <a:avLst/>
-          </a:prstGeom>
-        </p:spPr>
-        <p:style>
-          <a:lnRef idx="3">
-            <a:schemeClr val="lt1"/>
-          </a:lnRef>
-          <a:fillRef idx="1">
-            <a:schemeClr val="accent2"/>
-          </a:fillRef>
-          <a:effectRef idx="1">
-            <a:schemeClr val="accent2"/>
-          </a:effectRef>
-          <a:fontRef idx="minor">
-            <a:schemeClr val="lt1"/>
-          </a:fontRef>
-        </p:style>
-        <p:txBody>
-          <a:bodyPr rtlCol="0" anchor="ctr"/>
-          <a:lstStyle/>
-          <a:p>
-            <a:pPr algn="ctr"/>
-            <a:endParaRPr lang="zh-CN" altLang="en-US" dirty="0"/>
-          </a:p>
-        </p:txBody>
-      </p:sp>
-      <p:sp>
-        <p:nvSpPr>
-          <p:cNvPr id="24" name="矩形 23"/>
-          <p:cNvSpPr/>
-          <p:nvPr/>
-        </p:nvSpPr>
-        <p:spPr>
-          <a:xfrm>
-            <a:off x="4892511" y="1979624"/>
-            <a:ext cx="1046375" cy="358219"/>
-          </a:xfrm>
-          <a:prstGeom prst="rect">
-            <a:avLst/>
-          </a:prstGeom>
-        </p:spPr>
-        <p:style>
-          <a:lnRef idx="3">
-            <a:schemeClr val="lt1"/>
-          </a:lnRef>
-          <a:fillRef idx="1">
-            <a:schemeClr val="accent2"/>
-          </a:fillRef>
-          <a:effectRef idx="1">
-            <a:schemeClr val="accent2"/>
-          </a:effectRef>
-          <a:fontRef idx="minor">
-            <a:schemeClr val="lt1"/>
-          </a:fontRef>
-        </p:style>
-        <p:txBody>
-          <a:bodyPr rtlCol="0" anchor="ctr"/>
-          <a:lstStyle/>
-          <a:p>
-            <a:pPr algn="ctr"/>
-            <a:endParaRPr lang="zh-CN" altLang="en-US"/>
-          </a:p>
-        </p:txBody>
-      </p:sp>
-      <p:sp>
-        <p:nvSpPr>
-          <p:cNvPr id="25" name="矩形 24"/>
-          <p:cNvSpPr/>
-          <p:nvPr/>
-        </p:nvSpPr>
-        <p:spPr>
-          <a:xfrm>
-            <a:off x="5938886" y="1979624"/>
-            <a:ext cx="1046375" cy="358219"/>
-          </a:xfrm>
-          <a:prstGeom prst="rect">
-            <a:avLst/>
-          </a:prstGeom>
-        </p:spPr>
-        <p:style>
-          <a:lnRef idx="3">
-            <a:schemeClr val="lt1"/>
-          </a:lnRef>
-          <a:fillRef idx="1">
-            <a:schemeClr val="accent2"/>
-          </a:fillRef>
-          <a:effectRef idx="1">
-            <a:schemeClr val="accent2"/>
-          </a:effectRef>
-          <a:fontRef idx="minor">
-            <a:schemeClr val="lt1"/>
-          </a:fontRef>
-        </p:style>
-        <p:txBody>
-          <a:bodyPr rtlCol="0" anchor="ctr"/>
-          <a:lstStyle/>
-          <a:p>
-            <a:pPr algn="ctr"/>
-            <a:r>
-              <a:rPr lang="en-US" altLang="zh-CN" dirty="0"/>
-              <a:t>…</a:t>
-            </a:r>
-            <a:endParaRPr lang="zh-CN" altLang="en-US" dirty="0"/>
-          </a:p>
-        </p:txBody>
-      </p:sp>
-      <p:sp>
-        <p:nvSpPr>
-          <p:cNvPr id="26" name="矩形 25"/>
-          <p:cNvSpPr/>
-          <p:nvPr/>
-        </p:nvSpPr>
-        <p:spPr>
-          <a:xfrm>
-            <a:off x="2201578" y="1979622"/>
-            <a:ext cx="1637640" cy="358219"/>
-          </a:xfrm>
-          <a:prstGeom prst="rect">
-            <a:avLst/>
-          </a:prstGeom>
-        </p:spPr>
-        <p:style>
-          <a:lnRef idx="3">
-            <a:schemeClr val="lt1"/>
-          </a:lnRef>
-          <a:fillRef idx="1">
-            <a:schemeClr val="accent2"/>
-          </a:fillRef>
-          <a:effectRef idx="1">
-            <a:schemeClr val="accent2"/>
-          </a:effectRef>
-          <a:fontRef idx="minor">
-            <a:schemeClr val="lt1"/>
-          </a:fontRef>
-        </p:style>
-        <p:txBody>
-          <a:bodyPr rtlCol="0" anchor="ctr"/>
-          <a:lstStyle/>
-          <a:p>
-            <a:pPr algn="ctr"/>
-            <a:r>
-              <a:rPr lang="en-US" altLang="zh-CN" dirty="0" err="1"/>
-              <a:t>StartPointers</a:t>
-            </a:r>
-            <a:endParaRPr lang="zh-CN" altLang="en-US" dirty="0"/>
-          </a:p>
-        </p:txBody>
-      </p:sp>
-      <p:sp>
-        <p:nvSpPr>
-          <p:cNvPr id="27" name="矩形 26"/>
-          <p:cNvSpPr/>
-          <p:nvPr/>
-        </p:nvSpPr>
-        <p:spPr>
-          <a:xfrm>
-            <a:off x="6992180" y="1621406"/>
-            <a:ext cx="1046375" cy="358219"/>
-          </a:xfrm>
-          <a:prstGeom prst="rect">
-            <a:avLst/>
-          </a:prstGeom>
-        </p:spPr>
-        <p:style>
-          <a:lnRef idx="3">
-            <a:schemeClr val="lt1"/>
-          </a:lnRef>
-          <a:fillRef idx="1">
-            <a:schemeClr val="accent5"/>
-          </a:fillRef>
-          <a:effectRef idx="1">
-            <a:schemeClr val="accent5"/>
-          </a:effectRef>
-          <a:fontRef idx="minor">
-            <a:schemeClr val="lt1"/>
-          </a:fontRef>
-        </p:style>
-        <p:txBody>
-          <a:bodyPr rtlCol="0" anchor="ctr"/>
-          <a:lstStyle/>
-          <a:p>
-            <a:pPr algn="ctr"/>
-            <a:endParaRPr lang="zh-CN" altLang="en-US" dirty="0"/>
-          </a:p>
-        </p:txBody>
-      </p:sp>
-      <p:sp>
-        <p:nvSpPr>
-          <p:cNvPr id="28" name="矩形 27"/>
-          <p:cNvSpPr/>
-          <p:nvPr/>
-        </p:nvSpPr>
-        <p:spPr>
-          <a:xfrm>
-            <a:off x="6992180" y="1979622"/>
-            <a:ext cx="1046375" cy="358219"/>
-          </a:xfrm>
-          <a:prstGeom prst="rect">
-            <a:avLst/>
-          </a:prstGeom>
-        </p:spPr>
-        <p:style>
-          <a:lnRef idx="3">
-            <a:schemeClr val="lt1"/>
-          </a:lnRef>
-          <a:fillRef idx="1">
-            <a:schemeClr val="accent2"/>
-          </a:fillRef>
-          <a:effectRef idx="1">
-            <a:schemeClr val="accent2"/>
-          </a:effectRef>
-          <a:fontRef idx="minor">
-            <a:schemeClr val="lt1"/>
-          </a:fontRef>
-        </p:style>
-        <p:txBody>
-          <a:bodyPr rtlCol="0" anchor="ctr"/>
-          <a:lstStyle/>
-          <a:p>
-            <a:pPr algn="ctr"/>
-            <a:endParaRPr lang="zh-CN" altLang="en-US" dirty="0"/>
-          </a:p>
-        </p:txBody>
-      </p:sp>
-      <p:cxnSp>
-        <p:nvCxnSpPr>
-          <p:cNvPr id="32" name="直接连接符 31"/>
-          <p:cNvCxnSpPr/>
-          <p:nvPr/>
-        </p:nvCxnSpPr>
-        <p:spPr>
-          <a:xfrm>
-            <a:off x="113122" y="2714920"/>
-            <a:ext cx="11774078" cy="0"/>
-          </a:xfrm>
-          <a:prstGeom prst="line">
-            <a:avLst/>
-          </a:prstGeom>
-          <a:ln w="19050"/>
-        </p:spPr>
-        <p:style>
-          <a:lnRef idx="1">
-            <a:schemeClr val="dk1"/>
-          </a:lnRef>
-          <a:fillRef idx="0">
-            <a:schemeClr val="dk1"/>
-          </a:fillRef>
-          <a:effectRef idx="0">
-            <a:schemeClr val="dk1"/>
-          </a:effectRef>
-          <a:fontRef idx="minor">
-            <a:schemeClr val="tx1"/>
-          </a:fontRef>
-        </p:style>
-      </p:cxnSp>
-      <p:sp>
-        <p:nvSpPr>
-          <p:cNvPr id="33" name="文本框 32"/>
-          <p:cNvSpPr txBox="1"/>
-          <p:nvPr/>
-        </p:nvSpPr>
-        <p:spPr>
-          <a:xfrm>
-            <a:off x="54776" y="793907"/>
-            <a:ext cx="2073003" cy="646331"/>
-          </a:xfrm>
-          <a:prstGeom prst="rect">
-            <a:avLst/>
-          </a:prstGeom>
-          <a:noFill/>
-        </p:spPr>
-        <p:txBody>
-          <a:bodyPr wrap="none" rtlCol="0">
-            <a:spAutoFit/>
-          </a:bodyPr>
-          <a:lstStyle/>
-          <a:p>
-            <a:r>
-              <a:rPr lang="en-US" altLang="zh-CN" dirty="0"/>
-              <a:t>.</a:t>
-            </a:r>
-            <a:r>
-              <a:rPr lang="en-US" altLang="zh-CN" dirty="0" err="1"/>
-              <a:t>fdx</a:t>
-            </a:r>
-            <a:r>
-              <a:rPr lang="zh-CN" altLang="en-US" dirty="0"/>
-              <a:t>文件  </a:t>
-            </a:r>
-            <a:endParaRPr lang="en-US" altLang="zh-CN" dirty="0"/>
-          </a:p>
-          <a:p>
-            <a:r>
-              <a:rPr lang="zh-CN" altLang="en-US" dirty="0"/>
-              <a:t>全部加载在内存中</a:t>
-            </a:r>
-          </a:p>
-        </p:txBody>
-      </p:sp>
-      <p:sp>
-        <p:nvSpPr>
-          <p:cNvPr id="34" name="文本框 33"/>
-          <p:cNvSpPr txBox="1"/>
-          <p:nvPr/>
-        </p:nvSpPr>
-        <p:spPr>
-          <a:xfrm>
-            <a:off x="9328036" y="701574"/>
-            <a:ext cx="2809188" cy="738664"/>
-          </a:xfrm>
-          <a:prstGeom prst="rect">
-            <a:avLst/>
-          </a:prstGeom>
-          <a:noFill/>
-        </p:spPr>
-        <p:txBody>
-          <a:bodyPr wrap="square" rtlCol="0">
-            <a:spAutoFit/>
-          </a:bodyPr>
-          <a:lstStyle/>
-          <a:p>
-            <a:r>
-              <a:rPr lang="zh-CN" altLang="en-US" sz="1400" dirty="0"/>
-              <a:t>实际在磁盘上的存储单元是</a:t>
-            </a:r>
-            <a:r>
-              <a:rPr lang="en-US" altLang="zh-CN" sz="1400" dirty="0"/>
-              <a:t>chunk</a:t>
-            </a:r>
-            <a:r>
-              <a:rPr lang="zh-CN" altLang="en-US" sz="1400" dirty="0"/>
-              <a:t>，</a:t>
-            </a:r>
-            <a:endParaRPr lang="en-US" altLang="zh-CN" sz="1400" dirty="0"/>
-          </a:p>
-          <a:p>
-            <a:r>
-              <a:rPr lang="en-US" altLang="zh-CN" sz="1400" dirty="0"/>
-              <a:t>Block</a:t>
-            </a:r>
-            <a:r>
-              <a:rPr lang="zh-CN" altLang="en-US" sz="1400" dirty="0"/>
-              <a:t>是为了将一批</a:t>
-            </a:r>
-            <a:r>
-              <a:rPr lang="en-US" altLang="zh-CN" sz="1400" dirty="0"/>
-              <a:t>chunk</a:t>
-            </a:r>
-            <a:r>
-              <a:rPr lang="zh-CN" altLang="en-US" sz="1400" dirty="0"/>
-              <a:t>的</a:t>
-            </a:r>
-            <a:r>
-              <a:rPr lang="en-US" altLang="zh-CN" sz="1400" dirty="0" err="1"/>
-              <a:t>docID</a:t>
-            </a:r>
-            <a:r>
-              <a:rPr lang="zh-CN" altLang="en-US" sz="1400" dirty="0"/>
-              <a:t>和指针放在一起进行整数压缩</a:t>
-            </a:r>
-          </a:p>
-        </p:txBody>
-      </p:sp>
-      <p:sp>
-        <p:nvSpPr>
-          <p:cNvPr id="35" name="矩形 34"/>
-          <p:cNvSpPr/>
-          <p:nvPr/>
-        </p:nvSpPr>
-        <p:spPr>
-          <a:xfrm>
-            <a:off x="1885361" y="3271105"/>
-            <a:ext cx="2139886" cy="358217"/>
-          </a:xfrm>
-          <a:prstGeom prst="rect">
-            <a:avLst/>
-          </a:prstGeom>
-        </p:spPr>
-        <p:style>
-          <a:lnRef idx="2">
-            <a:schemeClr val="accent3">
-              <a:shade val="50000"/>
-            </a:schemeClr>
-          </a:lnRef>
-          <a:fillRef idx="1">
-            <a:schemeClr val="accent3"/>
-          </a:fillRef>
-          <a:effectRef idx="0">
-            <a:schemeClr val="accent3"/>
-          </a:effectRef>
-          <a:fontRef idx="minor">
-            <a:schemeClr val="lt1"/>
-          </a:fontRef>
-        </p:style>
-        <p:txBody>
-          <a:bodyPr rtlCol="0" anchor="ctr"/>
-          <a:lstStyle/>
-          <a:p>
-            <a:pPr algn="ctr"/>
-            <a:r>
-              <a:rPr lang="en-US" altLang="zh-CN" dirty="0"/>
-              <a:t>Header</a:t>
-            </a:r>
-            <a:endParaRPr lang="zh-CN" altLang="en-US" dirty="0"/>
-          </a:p>
-        </p:txBody>
-      </p:sp>
-      <p:sp>
-        <p:nvSpPr>
-          <p:cNvPr id="36" name="矩形 35"/>
-          <p:cNvSpPr/>
-          <p:nvPr/>
-        </p:nvSpPr>
-        <p:spPr>
-          <a:xfrm>
-            <a:off x="4029960" y="3271103"/>
-            <a:ext cx="1046375" cy="358219"/>
-          </a:xfrm>
-          <a:prstGeom prst="rect">
-            <a:avLst/>
-          </a:prstGeom>
-        </p:spPr>
-        <p:style>
-          <a:lnRef idx="2">
-            <a:schemeClr val="accent6">
-              <a:shade val="50000"/>
-            </a:schemeClr>
-          </a:lnRef>
-          <a:fillRef idx="1">
-            <a:schemeClr val="accent6"/>
-          </a:fillRef>
-          <a:effectRef idx="0">
-            <a:schemeClr val="accent6"/>
-          </a:effectRef>
-          <a:fontRef idx="minor">
-            <a:schemeClr val="lt1"/>
-          </a:fontRef>
-        </p:style>
-        <p:txBody>
-          <a:bodyPr rtlCol="0" anchor="ctr"/>
-          <a:lstStyle/>
-          <a:p>
-            <a:pPr algn="ctr"/>
-            <a:r>
-              <a:rPr lang="en-US" altLang="zh-CN" dirty="0"/>
-              <a:t>Chunk</a:t>
-            </a:r>
-            <a:endParaRPr lang="zh-CN" altLang="en-US" dirty="0"/>
-          </a:p>
-        </p:txBody>
-      </p:sp>
-      <p:sp>
-        <p:nvSpPr>
-          <p:cNvPr id="37" name="矩形 36"/>
-          <p:cNvSpPr/>
-          <p:nvPr/>
-        </p:nvSpPr>
-        <p:spPr>
-          <a:xfrm>
-            <a:off x="5024486" y="3271103"/>
-            <a:ext cx="1046375" cy="358219"/>
-          </a:xfrm>
-          <a:prstGeom prst="rect">
-            <a:avLst/>
-          </a:prstGeom>
-        </p:spPr>
-        <p:style>
-          <a:lnRef idx="2">
-            <a:schemeClr val="accent6">
-              <a:shade val="50000"/>
-            </a:schemeClr>
-          </a:lnRef>
-          <a:fillRef idx="1">
-            <a:schemeClr val="accent6"/>
-          </a:fillRef>
-          <a:effectRef idx="0">
-            <a:schemeClr val="accent6"/>
-          </a:effectRef>
-          <a:fontRef idx="minor">
-            <a:schemeClr val="lt1"/>
-          </a:fontRef>
-        </p:style>
-        <p:txBody>
-          <a:bodyPr rtlCol="0" anchor="ctr"/>
-          <a:lstStyle/>
-          <a:p>
-            <a:pPr algn="ctr"/>
-            <a:r>
-              <a:rPr lang="en-US" altLang="zh-CN" dirty="0"/>
-              <a:t>Chunk</a:t>
-            </a:r>
-            <a:endParaRPr lang="zh-CN" altLang="en-US" dirty="0"/>
-          </a:p>
-        </p:txBody>
-      </p:sp>
-      <p:sp>
-        <p:nvSpPr>
-          <p:cNvPr id="38" name="矩形 37"/>
-          <p:cNvSpPr/>
-          <p:nvPr/>
-        </p:nvSpPr>
-        <p:spPr>
-          <a:xfrm>
-            <a:off x="6066148" y="3271105"/>
-            <a:ext cx="579750" cy="358219"/>
-          </a:xfrm>
-          <a:prstGeom prst="rect">
-            <a:avLst/>
-          </a:prstGeom>
-          <a:noFill/>
-          <a:ln>
-            <a:noFill/>
-          </a:ln>
-        </p:spPr>
-        <p:style>
-          <a:lnRef idx="2">
-            <a:schemeClr val="accent1">
-              <a:shade val="50000"/>
-            </a:schemeClr>
-          </a:lnRef>
-          <a:fillRef idx="1">
-            <a:schemeClr val="accent1"/>
-          </a:fillRef>
-          <a:effectRef idx="0">
-            <a:schemeClr val="accent1"/>
-          </a:effectRef>
-          <a:fontRef idx="minor">
-            <a:schemeClr val="lt1"/>
-          </a:fontRef>
-        </p:style>
-        <p:txBody>
-          <a:bodyPr rtlCol="0" anchor="ctr"/>
-          <a:lstStyle/>
-          <a:p>
-            <a:pPr algn="ctr"/>
-            <a:r>
-              <a:rPr lang="en-US" altLang="zh-CN" dirty="0">
-                <a:solidFill>
-                  <a:schemeClr val="tx1"/>
-                </a:solidFill>
-              </a:rPr>
-              <a:t>......</a:t>
-            </a:r>
-          </a:p>
-        </p:txBody>
-      </p:sp>
-      <p:sp>
-        <p:nvSpPr>
-          <p:cNvPr id="39" name="矩形 38"/>
-          <p:cNvSpPr/>
-          <p:nvPr/>
-        </p:nvSpPr>
-        <p:spPr>
-          <a:xfrm>
-            <a:off x="6645898" y="3271104"/>
-            <a:ext cx="1046375" cy="358219"/>
-          </a:xfrm>
-          <a:prstGeom prst="rect">
-            <a:avLst/>
-          </a:prstGeom>
-        </p:spPr>
-        <p:style>
-          <a:lnRef idx="2">
-            <a:schemeClr val="accent6">
-              <a:shade val="50000"/>
-            </a:schemeClr>
-          </a:lnRef>
-          <a:fillRef idx="1">
-            <a:schemeClr val="accent6"/>
-          </a:fillRef>
-          <a:effectRef idx="0">
-            <a:schemeClr val="accent6"/>
-          </a:effectRef>
-          <a:fontRef idx="minor">
-            <a:schemeClr val="lt1"/>
-          </a:fontRef>
-        </p:style>
-        <p:txBody>
-          <a:bodyPr rtlCol="0" anchor="ctr"/>
-          <a:lstStyle/>
-          <a:p>
-            <a:pPr algn="ctr"/>
-            <a:r>
-              <a:rPr lang="en-US" altLang="zh-CN" dirty="0"/>
-              <a:t>Chunk</a:t>
-            </a:r>
-            <a:endParaRPr lang="zh-CN" altLang="en-US" dirty="0"/>
-          </a:p>
-        </p:txBody>
-      </p:sp>
-      <p:sp>
-        <p:nvSpPr>
-          <p:cNvPr id="41" name="矩形 40"/>
-          <p:cNvSpPr/>
-          <p:nvPr/>
-        </p:nvSpPr>
-        <p:spPr>
-          <a:xfrm>
-            <a:off x="7687560" y="3266686"/>
-            <a:ext cx="2412426" cy="358219"/>
-          </a:xfrm>
-          <a:prstGeom prst="rect">
-            <a:avLst/>
-          </a:prstGeom>
-        </p:spPr>
-        <p:style>
-          <a:lnRef idx="2">
-            <a:schemeClr val="accent3">
-              <a:shade val="50000"/>
-            </a:schemeClr>
-          </a:lnRef>
-          <a:fillRef idx="1">
-            <a:schemeClr val="accent3"/>
-          </a:fillRef>
-          <a:effectRef idx="0">
-            <a:schemeClr val="accent3"/>
-          </a:effectRef>
-          <a:fontRef idx="minor">
-            <a:schemeClr val="lt1"/>
-          </a:fontRef>
-        </p:style>
-        <p:txBody>
-          <a:bodyPr rtlCol="0" anchor="ctr"/>
-          <a:lstStyle/>
-          <a:p>
-            <a:pPr algn="ctr"/>
-            <a:r>
-              <a:rPr lang="en-US" altLang="zh-CN" dirty="0"/>
-              <a:t>Footer</a:t>
-            </a:r>
-            <a:endParaRPr lang="zh-CN" altLang="en-US" dirty="0"/>
-          </a:p>
-        </p:txBody>
-      </p:sp>
-      <p:cxnSp>
-        <p:nvCxnSpPr>
-          <p:cNvPr id="43" name="直接箭头连接符 42"/>
-          <p:cNvCxnSpPr>
-            <a:endCxn id="36" idx="0"/>
-          </p:cNvCxnSpPr>
-          <p:nvPr/>
-        </p:nvCxnSpPr>
-        <p:spPr>
-          <a:xfrm>
-            <a:off x="4147794" y="2337841"/>
-            <a:ext cx="405354" cy="933262"/>
-          </a:xfrm>
-          <a:prstGeom prst="straightConnector1">
-            <a:avLst/>
-          </a:prstGeom>
-          <a:ln w="28575">
-            <a:tailEnd type="triangle"/>
-          </a:ln>
-        </p:spPr>
-        <p:style>
-          <a:lnRef idx="1">
-            <a:schemeClr val="accent2"/>
-          </a:lnRef>
-          <a:fillRef idx="0">
-            <a:schemeClr val="accent2"/>
-          </a:fillRef>
-          <a:effectRef idx="0">
-            <a:schemeClr val="accent2"/>
-          </a:effectRef>
-          <a:fontRef idx="minor">
-            <a:schemeClr val="tx1"/>
-          </a:fontRef>
-        </p:style>
-      </p:cxnSp>
-      <p:cxnSp>
-        <p:nvCxnSpPr>
-          <p:cNvPr id="46" name="直接箭头连接符 45"/>
-          <p:cNvCxnSpPr/>
-          <p:nvPr/>
-        </p:nvCxnSpPr>
-        <p:spPr>
-          <a:xfrm>
-            <a:off x="5213021" y="2337841"/>
-            <a:ext cx="405354" cy="933262"/>
-          </a:xfrm>
-          <a:prstGeom prst="straightConnector1">
-            <a:avLst/>
-          </a:prstGeom>
-          <a:ln w="28575">
-            <a:tailEnd type="triangle"/>
-          </a:ln>
-        </p:spPr>
-        <p:style>
-          <a:lnRef idx="1">
-            <a:schemeClr val="accent2"/>
-          </a:lnRef>
-          <a:fillRef idx="0">
-            <a:schemeClr val="accent2"/>
-          </a:fillRef>
-          <a:effectRef idx="0">
-            <a:schemeClr val="accent2"/>
-          </a:effectRef>
-          <a:fontRef idx="minor">
-            <a:schemeClr val="tx1"/>
-          </a:fontRef>
-        </p:style>
-      </p:cxnSp>
-      <p:cxnSp>
-        <p:nvCxnSpPr>
-          <p:cNvPr id="47" name="直接箭头连接符 46"/>
-          <p:cNvCxnSpPr>
-            <a:stCxn id="28" idx="2"/>
-            <a:endCxn id="39" idx="0"/>
-          </p:cNvCxnSpPr>
-          <p:nvPr/>
-        </p:nvCxnSpPr>
-        <p:spPr>
-          <a:xfrm flipH="1">
-            <a:off x="7169086" y="2337841"/>
-            <a:ext cx="346282" cy="933263"/>
-          </a:xfrm>
-          <a:prstGeom prst="straightConnector1">
-            <a:avLst/>
-          </a:prstGeom>
-          <a:ln w="28575">
-            <a:tailEnd type="triangle"/>
-          </a:ln>
-        </p:spPr>
-        <p:style>
-          <a:lnRef idx="1">
-            <a:schemeClr val="accent2"/>
-          </a:lnRef>
-          <a:fillRef idx="0">
-            <a:schemeClr val="accent2"/>
-          </a:fillRef>
-          <a:effectRef idx="0">
-            <a:schemeClr val="accent2"/>
-          </a:effectRef>
-          <a:fontRef idx="minor">
-            <a:schemeClr val="tx1"/>
-          </a:fontRef>
-        </p:style>
-      </p:cxnSp>
-      <p:sp>
-        <p:nvSpPr>
-          <p:cNvPr id="52" name="文本框 51"/>
-          <p:cNvSpPr txBox="1"/>
-          <p:nvPr/>
-        </p:nvSpPr>
-        <p:spPr>
-          <a:xfrm>
-            <a:off x="8088198" y="1646626"/>
-            <a:ext cx="3497343" cy="307777"/>
-          </a:xfrm>
-          <a:prstGeom prst="rect">
-            <a:avLst/>
-          </a:prstGeom>
-          <a:noFill/>
-        </p:spPr>
-        <p:txBody>
-          <a:bodyPr wrap="square" rtlCol="0">
-            <a:spAutoFit/>
-          </a:bodyPr>
-          <a:lstStyle/>
-          <a:p>
-            <a:r>
-              <a:rPr lang="en-US" altLang="zh-CN" sz="1400" dirty="0"/>
-              <a:t>Chunk</a:t>
-            </a:r>
-            <a:r>
-              <a:rPr lang="zh-CN" altLang="en-US" sz="1400" dirty="0"/>
-              <a:t>中第一个文档的</a:t>
-            </a:r>
-            <a:r>
-              <a:rPr lang="en-US" altLang="zh-CN" sz="1400" dirty="0" err="1"/>
-              <a:t>docID</a:t>
-            </a:r>
-            <a:r>
-              <a:rPr lang="en-US" altLang="zh-CN" sz="1400" dirty="0"/>
-              <a:t>(</a:t>
-            </a:r>
-            <a:r>
-              <a:rPr lang="zh-CN" altLang="en-US" sz="1400" dirty="0"/>
-              <a:t>二分</a:t>
-            </a:r>
-            <a:r>
-              <a:rPr lang="en-US" altLang="zh-CN" sz="1400" dirty="0"/>
-              <a:t>)</a:t>
-            </a:r>
-            <a:endParaRPr lang="zh-CN" altLang="en-US" sz="1400" dirty="0"/>
-          </a:p>
-        </p:txBody>
-      </p:sp>
-      <p:sp>
-        <p:nvSpPr>
-          <p:cNvPr id="53" name="文本框 52"/>
-          <p:cNvSpPr txBox="1"/>
-          <p:nvPr/>
-        </p:nvSpPr>
-        <p:spPr>
-          <a:xfrm>
-            <a:off x="8090097" y="2004842"/>
-            <a:ext cx="2809188" cy="307777"/>
-          </a:xfrm>
-          <a:prstGeom prst="rect">
-            <a:avLst/>
-          </a:prstGeom>
-          <a:noFill/>
-        </p:spPr>
-        <p:txBody>
-          <a:bodyPr wrap="square" rtlCol="0">
-            <a:spAutoFit/>
-          </a:bodyPr>
-          <a:lstStyle/>
-          <a:p>
-            <a:r>
-              <a:rPr lang="en-US" altLang="zh-CN" sz="1400" dirty="0"/>
-              <a:t>Chunk</a:t>
-            </a:r>
-            <a:r>
-              <a:rPr lang="zh-CN" altLang="en-US" sz="1400" dirty="0"/>
-              <a:t>在磁盘上的位置</a:t>
-            </a:r>
-          </a:p>
-        </p:txBody>
-      </p:sp>
-      <p:sp>
-        <p:nvSpPr>
-          <p:cNvPr id="55" name="矩形 54"/>
-          <p:cNvSpPr/>
-          <p:nvPr/>
-        </p:nvSpPr>
-        <p:spPr>
-          <a:xfrm>
-            <a:off x="2485531" y="4298622"/>
-            <a:ext cx="1366884" cy="358219"/>
-          </a:xfrm>
-          <a:prstGeom prst="rect">
-            <a:avLst/>
-          </a:prstGeom>
-        </p:spPr>
-        <p:style>
-          <a:lnRef idx="3">
-            <a:schemeClr val="lt1"/>
-          </a:lnRef>
-          <a:fillRef idx="1">
-            <a:schemeClr val="accent3"/>
-          </a:fillRef>
-          <a:effectRef idx="1">
-            <a:schemeClr val="accent3"/>
-          </a:effectRef>
-          <a:fontRef idx="minor">
-            <a:schemeClr val="lt1"/>
-          </a:fontRef>
-        </p:style>
-        <p:txBody>
-          <a:bodyPr rtlCol="0" anchor="ctr"/>
-          <a:lstStyle/>
-          <a:p>
-            <a:pPr algn="ctr"/>
-            <a:r>
-              <a:rPr lang="en-US" altLang="zh-CN" dirty="0" err="1"/>
-              <a:t>ChunkDocs</a:t>
-            </a:r>
-            <a:endParaRPr lang="zh-CN" altLang="en-US" dirty="0"/>
-          </a:p>
-        </p:txBody>
-      </p:sp>
-      <p:sp>
-        <p:nvSpPr>
-          <p:cNvPr id="56" name="矩形 55"/>
-          <p:cNvSpPr/>
-          <p:nvPr/>
-        </p:nvSpPr>
-        <p:spPr>
-          <a:xfrm>
-            <a:off x="3859334" y="4298621"/>
-            <a:ext cx="1759041" cy="358219"/>
-          </a:xfrm>
-          <a:prstGeom prst="rect">
-            <a:avLst/>
-          </a:prstGeom>
-        </p:spPr>
-        <p:style>
-          <a:lnRef idx="3">
-            <a:schemeClr val="lt1"/>
-          </a:lnRef>
-          <a:fillRef idx="1">
-            <a:schemeClr val="accent2"/>
-          </a:fillRef>
-          <a:effectRef idx="1">
-            <a:schemeClr val="accent2"/>
-          </a:effectRef>
-          <a:fontRef idx="minor">
-            <a:schemeClr val="lt1"/>
-          </a:fontRef>
-        </p:style>
-        <p:txBody>
-          <a:bodyPr rtlCol="0" anchor="ctr"/>
-          <a:lstStyle/>
-          <a:p>
-            <a:pPr algn="ctr"/>
-            <a:r>
-              <a:rPr lang="en-US" altLang="zh-CN" dirty="0" err="1"/>
-              <a:t>DocFieldCounts</a:t>
-            </a:r>
-            <a:endParaRPr lang="zh-CN" altLang="en-US" dirty="0"/>
-          </a:p>
-        </p:txBody>
-      </p:sp>
-      <p:sp>
-        <p:nvSpPr>
-          <p:cNvPr id="57" name="矩形 56"/>
-          <p:cNvSpPr/>
-          <p:nvPr/>
-        </p:nvSpPr>
-        <p:spPr>
-          <a:xfrm>
-            <a:off x="5631574" y="4298619"/>
-            <a:ext cx="1367523" cy="358219"/>
-          </a:xfrm>
-          <a:prstGeom prst="rect">
-            <a:avLst/>
-          </a:prstGeom>
-        </p:spPr>
-        <p:style>
-          <a:lnRef idx="3">
-            <a:schemeClr val="lt1"/>
-          </a:lnRef>
-          <a:fillRef idx="1">
-            <a:schemeClr val="accent6"/>
-          </a:fillRef>
-          <a:effectRef idx="1">
-            <a:schemeClr val="accent6"/>
-          </a:effectRef>
-          <a:fontRef idx="minor">
-            <a:schemeClr val="lt1"/>
-          </a:fontRef>
-        </p:style>
-        <p:txBody>
-          <a:bodyPr rtlCol="0" anchor="ctr"/>
-          <a:lstStyle/>
-          <a:p>
-            <a:pPr algn="ctr"/>
-            <a:r>
-              <a:rPr lang="en-US" altLang="zh-CN" dirty="0" err="1"/>
-              <a:t>DocLengths</a:t>
-            </a:r>
-            <a:endParaRPr lang="zh-CN" altLang="en-US" dirty="0"/>
-          </a:p>
-        </p:txBody>
-      </p:sp>
-      <p:sp>
-        <p:nvSpPr>
-          <p:cNvPr id="58" name="矩形 57"/>
-          <p:cNvSpPr/>
-          <p:nvPr/>
-        </p:nvSpPr>
-        <p:spPr>
-          <a:xfrm>
-            <a:off x="1274605" y="4298619"/>
-            <a:ext cx="1204007" cy="358219"/>
-          </a:xfrm>
-          <a:prstGeom prst="rect">
-            <a:avLst/>
-          </a:prstGeom>
-        </p:spPr>
-        <p:style>
-          <a:lnRef idx="3">
-            <a:schemeClr val="lt1"/>
-          </a:lnRef>
-          <a:fillRef idx="1">
-            <a:schemeClr val="accent3"/>
-          </a:fillRef>
-          <a:effectRef idx="1">
-            <a:schemeClr val="accent3"/>
-          </a:effectRef>
-          <a:fontRef idx="minor">
-            <a:schemeClr val="lt1"/>
-          </a:fontRef>
-        </p:style>
-        <p:txBody>
-          <a:bodyPr rtlCol="0" anchor="ctr"/>
-          <a:lstStyle/>
-          <a:p>
-            <a:pPr algn="ctr"/>
-            <a:r>
-              <a:rPr lang="en-US" altLang="zh-CN" dirty="0" err="1"/>
-              <a:t>DocBase</a:t>
-            </a:r>
-            <a:endParaRPr lang="zh-CN" altLang="en-US" dirty="0"/>
-          </a:p>
-        </p:txBody>
-      </p:sp>
-      <p:sp>
-        <p:nvSpPr>
-          <p:cNvPr id="65" name="矩形 64"/>
-          <p:cNvSpPr/>
-          <p:nvPr/>
-        </p:nvSpPr>
-        <p:spPr>
-          <a:xfrm>
-            <a:off x="7012296" y="4298619"/>
-            <a:ext cx="1940022" cy="358219"/>
-          </a:xfrm>
-          <a:prstGeom prst="rect">
-            <a:avLst/>
-          </a:prstGeom>
-        </p:spPr>
-        <p:style>
-          <a:lnRef idx="3">
-            <a:schemeClr val="lt1"/>
-          </a:lnRef>
-          <a:fillRef idx="1">
-            <a:schemeClr val="accent1"/>
-          </a:fillRef>
-          <a:effectRef idx="1">
-            <a:schemeClr val="accent1"/>
-          </a:effectRef>
-          <a:fontRef idx="minor">
-            <a:schemeClr val="lt1"/>
-          </a:fontRef>
-        </p:style>
-        <p:txBody>
-          <a:bodyPr rtlCol="0" anchor="ctr"/>
-          <a:lstStyle/>
-          <a:p>
-            <a:pPr algn="ctr"/>
-            <a:r>
-              <a:rPr lang="en-US" altLang="zh-CN" dirty="0" err="1"/>
-              <a:t>CompressedDocs</a:t>
-            </a:r>
-            <a:endParaRPr lang="zh-CN" altLang="en-US" dirty="0"/>
-          </a:p>
-        </p:txBody>
-      </p:sp>
-      <p:cxnSp>
-        <p:nvCxnSpPr>
-          <p:cNvPr id="66" name="直接连接符 65"/>
-          <p:cNvCxnSpPr/>
-          <p:nvPr/>
-        </p:nvCxnSpPr>
-        <p:spPr>
-          <a:xfrm>
-            <a:off x="7041824" y="4637989"/>
-            <a:ext cx="722922" cy="499622"/>
-          </a:xfrm>
-          <a:prstGeom prst="line">
-            <a:avLst/>
-          </a:prstGeom>
-          <a:ln w="19050"/>
-        </p:spPr>
-        <p:style>
-          <a:lnRef idx="1">
-            <a:schemeClr val="accent1"/>
-          </a:lnRef>
-          <a:fillRef idx="0">
-            <a:schemeClr val="accent1"/>
-          </a:fillRef>
-          <a:effectRef idx="0">
-            <a:schemeClr val="accent1"/>
-          </a:effectRef>
-          <a:fontRef idx="minor">
-            <a:schemeClr val="tx1"/>
-          </a:fontRef>
-        </p:style>
-      </p:cxnSp>
-      <p:cxnSp>
-        <p:nvCxnSpPr>
-          <p:cNvPr id="69" name="直接连接符 68"/>
-          <p:cNvCxnSpPr/>
-          <p:nvPr/>
-        </p:nvCxnSpPr>
-        <p:spPr>
-          <a:xfrm>
-            <a:off x="5024486" y="3648179"/>
-            <a:ext cx="3927832" cy="654857"/>
-          </a:xfrm>
-          <a:prstGeom prst="line">
-            <a:avLst/>
-          </a:prstGeom>
-          <a:ln w="19050"/>
-        </p:spPr>
-        <p:style>
-          <a:lnRef idx="1">
-            <a:schemeClr val="accent1"/>
-          </a:lnRef>
-          <a:fillRef idx="0">
-            <a:schemeClr val="accent1"/>
-          </a:fillRef>
-          <a:effectRef idx="0">
-            <a:schemeClr val="accent1"/>
-          </a:effectRef>
-          <a:fontRef idx="minor">
-            <a:schemeClr val="tx1"/>
-          </a:fontRef>
-        </p:style>
-      </p:cxnSp>
-      <p:sp>
-        <p:nvSpPr>
-          <p:cNvPr id="72" name="矩形 71"/>
-          <p:cNvSpPr/>
-          <p:nvPr/>
-        </p:nvSpPr>
-        <p:spPr>
-          <a:xfrm>
-            <a:off x="7729982" y="5137611"/>
-            <a:ext cx="1046375" cy="358219"/>
-          </a:xfrm>
-          <a:prstGeom prst="rect">
-            <a:avLst/>
-          </a:prstGeom>
-        </p:spPr>
-        <p:style>
-          <a:lnRef idx="2">
-            <a:schemeClr val="accent6">
-              <a:shade val="50000"/>
-            </a:schemeClr>
-          </a:lnRef>
-          <a:fillRef idx="1">
-            <a:schemeClr val="accent6"/>
-          </a:fillRef>
-          <a:effectRef idx="0">
-            <a:schemeClr val="accent6"/>
-          </a:effectRef>
-          <a:fontRef idx="minor">
-            <a:schemeClr val="lt1"/>
-          </a:fontRef>
-        </p:style>
-        <p:txBody>
-          <a:bodyPr rtlCol="0" anchor="ctr"/>
-          <a:lstStyle/>
-          <a:p>
-            <a:pPr algn="ctr"/>
-            <a:r>
-              <a:rPr lang="en-US" altLang="zh-CN" dirty="0"/>
-              <a:t>Doc</a:t>
-            </a:r>
-            <a:endParaRPr lang="zh-CN" altLang="en-US" dirty="0"/>
-          </a:p>
-        </p:txBody>
-      </p:sp>
-      <p:sp>
-        <p:nvSpPr>
-          <p:cNvPr id="73" name="矩形 72"/>
-          <p:cNvSpPr/>
-          <p:nvPr/>
-        </p:nvSpPr>
-        <p:spPr>
-          <a:xfrm>
-            <a:off x="8724508" y="5137611"/>
-            <a:ext cx="1046375" cy="358219"/>
-          </a:xfrm>
-          <a:prstGeom prst="rect">
-            <a:avLst/>
-          </a:prstGeom>
-        </p:spPr>
-        <p:style>
-          <a:lnRef idx="2">
-            <a:schemeClr val="accent6">
-              <a:shade val="50000"/>
-            </a:schemeClr>
-          </a:lnRef>
-          <a:fillRef idx="1">
-            <a:schemeClr val="accent6"/>
-          </a:fillRef>
-          <a:effectRef idx="0">
-            <a:schemeClr val="accent6"/>
-          </a:effectRef>
-          <a:fontRef idx="minor">
-            <a:schemeClr val="lt1"/>
-          </a:fontRef>
-        </p:style>
-        <p:txBody>
-          <a:bodyPr rtlCol="0" anchor="ctr"/>
-          <a:lstStyle/>
-          <a:p>
-            <a:pPr algn="ctr"/>
-            <a:r>
-              <a:rPr lang="en-US" altLang="zh-CN" dirty="0"/>
-              <a:t>Doc</a:t>
-            </a:r>
-            <a:endParaRPr lang="zh-CN" altLang="en-US" dirty="0"/>
-          </a:p>
-        </p:txBody>
-      </p:sp>
-      <p:sp>
-        <p:nvSpPr>
-          <p:cNvPr id="74" name="矩形 73"/>
-          <p:cNvSpPr/>
-          <p:nvPr/>
-        </p:nvSpPr>
-        <p:spPr>
-          <a:xfrm>
-            <a:off x="9766170" y="5137613"/>
-            <a:ext cx="579750" cy="358219"/>
-          </a:xfrm>
-          <a:prstGeom prst="rect">
-            <a:avLst/>
-          </a:prstGeom>
-          <a:noFill/>
-          <a:ln>
-            <a:noFill/>
-          </a:ln>
-        </p:spPr>
-        <p:style>
-          <a:lnRef idx="2">
-            <a:schemeClr val="accent1">
-              <a:shade val="50000"/>
-            </a:schemeClr>
-          </a:lnRef>
-          <a:fillRef idx="1">
-            <a:schemeClr val="accent1"/>
-          </a:fillRef>
-          <a:effectRef idx="0">
-            <a:schemeClr val="accent1"/>
-          </a:effectRef>
-          <a:fontRef idx="minor">
-            <a:schemeClr val="lt1"/>
-          </a:fontRef>
-        </p:style>
-        <p:txBody>
-          <a:bodyPr rtlCol="0" anchor="ctr"/>
-          <a:lstStyle/>
-          <a:p>
-            <a:pPr algn="ctr"/>
-            <a:r>
-              <a:rPr lang="en-US" altLang="zh-CN" dirty="0">
-                <a:solidFill>
-                  <a:schemeClr val="tx1"/>
-                </a:solidFill>
-              </a:rPr>
-              <a:t>......</a:t>
-            </a:r>
-          </a:p>
-        </p:txBody>
-      </p:sp>
-      <p:sp>
-        <p:nvSpPr>
-          <p:cNvPr id="75" name="矩形 74"/>
-          <p:cNvSpPr/>
-          <p:nvPr/>
-        </p:nvSpPr>
-        <p:spPr>
-          <a:xfrm>
-            <a:off x="10345920" y="5137612"/>
-            <a:ext cx="1046375" cy="358219"/>
-          </a:xfrm>
-          <a:prstGeom prst="rect">
-            <a:avLst/>
-          </a:prstGeom>
-        </p:spPr>
-        <p:style>
-          <a:lnRef idx="2">
-            <a:schemeClr val="accent6">
-              <a:shade val="50000"/>
-            </a:schemeClr>
-          </a:lnRef>
-          <a:fillRef idx="1">
-            <a:schemeClr val="accent6"/>
-          </a:fillRef>
-          <a:effectRef idx="0">
-            <a:schemeClr val="accent6"/>
-          </a:effectRef>
-          <a:fontRef idx="minor">
-            <a:schemeClr val="lt1"/>
-          </a:fontRef>
-        </p:style>
-        <p:txBody>
-          <a:bodyPr rtlCol="0" anchor="ctr"/>
-          <a:lstStyle/>
-          <a:p>
-            <a:pPr algn="ctr"/>
-            <a:r>
-              <a:rPr lang="en-US" altLang="zh-CN" dirty="0"/>
-              <a:t>Doc</a:t>
-            </a:r>
-            <a:endParaRPr lang="zh-CN" altLang="en-US" dirty="0"/>
-          </a:p>
-        </p:txBody>
-      </p:sp>
-      <p:cxnSp>
-        <p:nvCxnSpPr>
-          <p:cNvPr id="79" name="直接连接符 78"/>
-          <p:cNvCxnSpPr/>
-          <p:nvPr/>
-        </p:nvCxnSpPr>
-        <p:spPr>
-          <a:xfrm>
-            <a:off x="8927540" y="4637989"/>
-            <a:ext cx="2460042" cy="499620"/>
-          </a:xfrm>
-          <a:prstGeom prst="line">
-            <a:avLst/>
-          </a:prstGeom>
-          <a:ln w="19050"/>
-        </p:spPr>
-        <p:style>
-          <a:lnRef idx="1">
-            <a:schemeClr val="accent1"/>
-          </a:lnRef>
-          <a:fillRef idx="0">
-            <a:schemeClr val="accent1"/>
-          </a:fillRef>
-          <a:effectRef idx="0">
-            <a:schemeClr val="accent1"/>
-          </a:effectRef>
-          <a:fontRef idx="minor">
-            <a:schemeClr val="tx1"/>
-          </a:fontRef>
-        </p:style>
-      </p:cxnSp>
-      <p:cxnSp>
-        <p:nvCxnSpPr>
-          <p:cNvPr id="82" name="直接连接符 81"/>
-          <p:cNvCxnSpPr/>
-          <p:nvPr/>
-        </p:nvCxnSpPr>
-        <p:spPr>
-          <a:xfrm flipH="1">
-            <a:off x="1269892" y="3624905"/>
-            <a:ext cx="2755355" cy="678131"/>
-          </a:xfrm>
-          <a:prstGeom prst="line">
-            <a:avLst/>
-          </a:prstGeom>
-          <a:ln w="19050"/>
-        </p:spPr>
-        <p:style>
-          <a:lnRef idx="1">
-            <a:schemeClr val="accent1"/>
-          </a:lnRef>
-          <a:fillRef idx="0">
-            <a:schemeClr val="accent1"/>
-          </a:fillRef>
-          <a:effectRef idx="0">
-            <a:schemeClr val="accent1"/>
-          </a:effectRef>
-          <a:fontRef idx="minor">
-            <a:schemeClr val="tx1"/>
-          </a:fontRef>
-        </p:style>
-      </p:cxnSp>
-      <p:sp>
-        <p:nvSpPr>
-          <p:cNvPr id="95" name="矩形 94"/>
-          <p:cNvSpPr/>
-          <p:nvPr/>
-        </p:nvSpPr>
-        <p:spPr>
-          <a:xfrm>
-            <a:off x="5698070" y="6033755"/>
-            <a:ext cx="1046375" cy="358219"/>
-          </a:xfrm>
-          <a:prstGeom prst="rect">
-            <a:avLst/>
-          </a:prstGeom>
-        </p:spPr>
-        <p:style>
-          <a:lnRef idx="3">
-            <a:schemeClr val="lt1"/>
-          </a:lnRef>
-          <a:fillRef idx="1">
-            <a:schemeClr val="accent5"/>
-          </a:fillRef>
-          <a:effectRef idx="1">
-            <a:schemeClr val="accent5"/>
-          </a:effectRef>
-          <a:fontRef idx="minor">
-            <a:schemeClr val="lt1"/>
-          </a:fontRef>
-        </p:style>
-        <p:txBody>
-          <a:bodyPr rtlCol="0" anchor="ctr"/>
-          <a:lstStyle/>
-          <a:p>
-            <a:pPr algn="ctr"/>
-            <a:r>
-              <a:rPr lang="en-US" altLang="zh-CN" dirty="0"/>
-              <a:t>Value2</a:t>
-            </a:r>
-            <a:endParaRPr lang="zh-CN" altLang="en-US" dirty="0"/>
-          </a:p>
-        </p:txBody>
-      </p:sp>
-      <p:sp>
-        <p:nvSpPr>
-          <p:cNvPr id="98" name="矩形 97"/>
-          <p:cNvSpPr/>
-          <p:nvPr/>
-        </p:nvSpPr>
-        <p:spPr>
-          <a:xfrm>
-            <a:off x="3671310" y="6043179"/>
-            <a:ext cx="2174647" cy="358219"/>
-          </a:xfrm>
-          <a:prstGeom prst="rect">
-            <a:avLst/>
-          </a:prstGeom>
-        </p:spPr>
-        <p:style>
-          <a:lnRef idx="3">
-            <a:schemeClr val="lt1"/>
-          </a:lnRef>
-          <a:fillRef idx="1">
-            <a:schemeClr val="accent5"/>
-          </a:fillRef>
-          <a:effectRef idx="1">
-            <a:schemeClr val="accent5"/>
-          </a:effectRef>
-          <a:fontRef idx="minor">
-            <a:schemeClr val="lt1"/>
-          </a:fontRef>
-        </p:style>
-        <p:txBody>
-          <a:bodyPr rtlCol="0" anchor="ctr"/>
-          <a:lstStyle/>
-          <a:p>
-            <a:pPr algn="ctr"/>
-            <a:r>
-              <a:rPr lang="en-US" altLang="zh-CN" dirty="0"/>
-              <a:t>FieldNumAndType2</a:t>
-            </a:r>
-            <a:endParaRPr lang="zh-CN" altLang="en-US" dirty="0"/>
-          </a:p>
-        </p:txBody>
-      </p:sp>
-      <p:sp>
-        <p:nvSpPr>
-          <p:cNvPr id="99" name="矩形 98"/>
-          <p:cNvSpPr/>
-          <p:nvPr/>
-        </p:nvSpPr>
-        <p:spPr>
-          <a:xfrm>
-            <a:off x="6718371" y="6033754"/>
-            <a:ext cx="796997" cy="358219"/>
-          </a:xfrm>
-          <a:prstGeom prst="rect">
-            <a:avLst/>
-          </a:prstGeom>
-        </p:spPr>
-        <p:style>
-          <a:lnRef idx="3">
-            <a:schemeClr val="lt1"/>
-          </a:lnRef>
-          <a:fillRef idx="1">
-            <a:schemeClr val="accent2"/>
-          </a:fillRef>
-          <a:effectRef idx="1">
-            <a:schemeClr val="accent2"/>
-          </a:effectRef>
-          <a:fontRef idx="minor">
-            <a:schemeClr val="lt1"/>
-          </a:fontRef>
-        </p:style>
-        <p:txBody>
-          <a:bodyPr rtlCol="0" anchor="ctr"/>
-          <a:lstStyle/>
-          <a:p>
-            <a:pPr algn="ctr"/>
-            <a:r>
-              <a:rPr lang="en-US" altLang="zh-CN" dirty="0"/>
-              <a:t>…</a:t>
-            </a:r>
-            <a:endParaRPr lang="zh-CN" altLang="en-US" dirty="0"/>
-          </a:p>
-        </p:txBody>
-      </p:sp>
-      <p:sp>
-        <p:nvSpPr>
-          <p:cNvPr id="100" name="矩形 99"/>
-          <p:cNvSpPr/>
-          <p:nvPr/>
-        </p:nvSpPr>
-        <p:spPr>
-          <a:xfrm>
-            <a:off x="2618017" y="6043182"/>
-            <a:ext cx="1046375" cy="358219"/>
-          </a:xfrm>
-          <a:prstGeom prst="rect">
-            <a:avLst/>
-          </a:prstGeom>
-        </p:spPr>
-        <p:style>
-          <a:lnRef idx="3">
-            <a:schemeClr val="lt1"/>
-          </a:lnRef>
-          <a:fillRef idx="1">
-            <a:schemeClr val="accent2"/>
-          </a:fillRef>
-          <a:effectRef idx="1">
-            <a:schemeClr val="accent2"/>
-          </a:effectRef>
-          <a:fontRef idx="minor">
-            <a:schemeClr val="lt1"/>
-          </a:fontRef>
-        </p:style>
-        <p:txBody>
-          <a:bodyPr rtlCol="0" anchor="ctr"/>
-          <a:lstStyle/>
-          <a:p>
-            <a:pPr algn="ctr"/>
-            <a:r>
-              <a:rPr lang="en-US" altLang="zh-CN" dirty="0"/>
-              <a:t>Value1</a:t>
-            </a:r>
-            <a:endParaRPr lang="zh-CN" altLang="en-US" dirty="0"/>
-          </a:p>
-        </p:txBody>
-      </p:sp>
-      <p:sp>
-        <p:nvSpPr>
-          <p:cNvPr id="101" name="矩形 100"/>
-          <p:cNvSpPr/>
-          <p:nvPr/>
-        </p:nvSpPr>
-        <p:spPr>
-          <a:xfrm>
-            <a:off x="518348" y="6043179"/>
-            <a:ext cx="2174647" cy="358219"/>
-          </a:xfrm>
-          <a:prstGeom prst="rect">
-            <a:avLst/>
-          </a:prstGeom>
-        </p:spPr>
-        <p:style>
-          <a:lnRef idx="3">
-            <a:schemeClr val="lt1"/>
-          </a:lnRef>
-          <a:fillRef idx="1">
-            <a:schemeClr val="accent2"/>
-          </a:fillRef>
-          <a:effectRef idx="1">
-            <a:schemeClr val="accent2"/>
-          </a:effectRef>
-          <a:fontRef idx="minor">
-            <a:schemeClr val="lt1"/>
-          </a:fontRef>
-        </p:style>
-        <p:txBody>
-          <a:bodyPr rtlCol="0" anchor="ctr"/>
-          <a:lstStyle/>
-          <a:p>
-            <a:pPr algn="ctr"/>
-            <a:r>
-              <a:rPr lang="en-US" altLang="zh-CN" dirty="0"/>
-              <a:t>FieldNumAndType1</a:t>
-            </a:r>
-            <a:endParaRPr lang="zh-CN" altLang="en-US" dirty="0"/>
-          </a:p>
-        </p:txBody>
-      </p:sp>
-      <p:sp>
-        <p:nvSpPr>
-          <p:cNvPr id="102" name="矩形 101"/>
-          <p:cNvSpPr/>
-          <p:nvPr/>
-        </p:nvSpPr>
-        <p:spPr>
-          <a:xfrm>
-            <a:off x="7533922" y="6043179"/>
-            <a:ext cx="2415998" cy="358219"/>
-          </a:xfrm>
-          <a:prstGeom prst="rect">
-            <a:avLst/>
-          </a:prstGeom>
-        </p:spPr>
-        <p:style>
-          <a:lnRef idx="3">
-            <a:schemeClr val="lt1"/>
-          </a:lnRef>
-          <a:fillRef idx="1">
-            <a:schemeClr val="accent4"/>
-          </a:fillRef>
-          <a:effectRef idx="1">
-            <a:schemeClr val="accent4"/>
-          </a:effectRef>
-          <a:fontRef idx="minor">
-            <a:schemeClr val="lt1"/>
-          </a:fontRef>
-        </p:style>
-        <p:txBody>
-          <a:bodyPr rtlCol="0" anchor="ctr"/>
-          <a:lstStyle/>
-          <a:p>
-            <a:pPr algn="ctr"/>
-            <a:r>
-              <a:rPr lang="en-US" altLang="zh-CN" dirty="0" err="1"/>
-              <a:t>FieldNumAndTypeN</a:t>
-            </a:r>
-            <a:endParaRPr lang="zh-CN" altLang="en-US" dirty="0"/>
-          </a:p>
-        </p:txBody>
-      </p:sp>
-      <p:sp>
-        <p:nvSpPr>
-          <p:cNvPr id="103" name="矩形 102"/>
-          <p:cNvSpPr/>
-          <p:nvPr/>
-        </p:nvSpPr>
-        <p:spPr>
-          <a:xfrm>
-            <a:off x="9793708" y="6043179"/>
-            <a:ext cx="1046375" cy="358219"/>
-          </a:xfrm>
-          <a:prstGeom prst="rect">
-            <a:avLst/>
-          </a:prstGeom>
-        </p:spPr>
-        <p:style>
-          <a:lnRef idx="3">
-            <a:schemeClr val="lt1"/>
-          </a:lnRef>
-          <a:fillRef idx="1">
-            <a:schemeClr val="accent4"/>
-          </a:fillRef>
-          <a:effectRef idx="1">
-            <a:schemeClr val="accent4"/>
-          </a:effectRef>
-          <a:fontRef idx="minor">
-            <a:schemeClr val="lt1"/>
-          </a:fontRef>
-        </p:style>
-        <p:txBody>
-          <a:bodyPr rtlCol="0" anchor="ctr"/>
-          <a:lstStyle/>
-          <a:p>
-            <a:pPr algn="ctr"/>
-            <a:r>
-              <a:rPr lang="en-US" altLang="zh-CN" dirty="0" err="1"/>
-              <a:t>ValueN</a:t>
-            </a:r>
-            <a:endParaRPr lang="zh-CN" altLang="en-US" dirty="0"/>
-          </a:p>
-        </p:txBody>
-      </p:sp>
-      <p:cxnSp>
-        <p:nvCxnSpPr>
-          <p:cNvPr id="104" name="直接连接符 103"/>
-          <p:cNvCxnSpPr/>
-          <p:nvPr/>
-        </p:nvCxnSpPr>
-        <p:spPr>
-          <a:xfrm flipV="1">
-            <a:off x="518348" y="5472564"/>
-            <a:ext cx="7211634" cy="603002"/>
-          </a:xfrm>
-          <a:prstGeom prst="line">
-            <a:avLst/>
-          </a:prstGeom>
-          <a:ln w="19050"/>
-        </p:spPr>
-        <p:style>
-          <a:lnRef idx="1">
-            <a:schemeClr val="accent1"/>
-          </a:lnRef>
-          <a:fillRef idx="0">
-            <a:schemeClr val="accent1"/>
-          </a:fillRef>
-          <a:effectRef idx="0">
-            <a:schemeClr val="accent1"/>
-          </a:effectRef>
-          <a:fontRef idx="minor">
-            <a:schemeClr val="tx1"/>
-          </a:fontRef>
-        </p:style>
-      </p:cxnSp>
-      <p:cxnSp>
-        <p:nvCxnSpPr>
-          <p:cNvPr id="107" name="直接连接符 106"/>
-          <p:cNvCxnSpPr/>
-          <p:nvPr/>
-        </p:nvCxnSpPr>
-        <p:spPr>
-          <a:xfrm flipH="1" flipV="1">
-            <a:off x="8743061" y="5495831"/>
-            <a:ext cx="2060720" cy="579734"/>
-          </a:xfrm>
-          <a:prstGeom prst="line">
-            <a:avLst/>
-          </a:prstGeom>
-          <a:ln w="19050"/>
-        </p:spPr>
-        <p:style>
-          <a:lnRef idx="1">
-            <a:schemeClr val="accent1"/>
-          </a:lnRef>
-          <a:fillRef idx="0">
-            <a:schemeClr val="accent1"/>
-          </a:fillRef>
-          <a:effectRef idx="0">
-            <a:schemeClr val="accent1"/>
-          </a:effectRef>
-          <a:fontRef idx="minor">
-            <a:schemeClr val="tx1"/>
-          </a:fontRef>
-        </p:style>
-      </p:cxnSp>
-      <p:sp>
-        <p:nvSpPr>
-          <p:cNvPr id="123" name="文本框 122"/>
-          <p:cNvSpPr txBox="1"/>
-          <p:nvPr/>
-        </p:nvSpPr>
-        <p:spPr>
-          <a:xfrm>
-            <a:off x="45223" y="3228674"/>
-            <a:ext cx="1107996" cy="646331"/>
-          </a:xfrm>
-          <a:prstGeom prst="rect">
-            <a:avLst/>
-          </a:prstGeom>
-          <a:noFill/>
-        </p:spPr>
-        <p:txBody>
-          <a:bodyPr wrap="none" rtlCol="0">
-            <a:spAutoFit/>
-          </a:bodyPr>
-          <a:lstStyle/>
-          <a:p>
-            <a:r>
-              <a:rPr lang="en-US" altLang="zh-CN" dirty="0"/>
-              <a:t>.</a:t>
-            </a:r>
-            <a:r>
-              <a:rPr lang="en-US" altLang="zh-CN" dirty="0" err="1"/>
-              <a:t>fdt</a:t>
-            </a:r>
-            <a:r>
-              <a:rPr lang="zh-CN" altLang="en-US" dirty="0"/>
-              <a:t>文件  </a:t>
-            </a:r>
-            <a:endParaRPr lang="en-US" altLang="zh-CN" dirty="0"/>
-          </a:p>
-          <a:p>
-            <a:r>
-              <a:rPr lang="zh-CN" altLang="en-US" dirty="0"/>
-              <a:t>在磁盘上</a:t>
-            </a:r>
-          </a:p>
-        </p:txBody>
-      </p:sp>
-      <p:sp>
-        <p:nvSpPr>
-          <p:cNvPr id="124" name="左大括号 123"/>
-          <p:cNvSpPr/>
-          <p:nvPr/>
-        </p:nvSpPr>
-        <p:spPr>
-          <a:xfrm>
-            <a:off x="9096866" y="3875005"/>
-            <a:ext cx="231170" cy="654857"/>
-          </a:xfrm>
-          <a:prstGeom prst="leftBrace">
-            <a:avLst/>
-          </a:prstGeom>
-        </p:spPr>
-        <p:style>
-          <a:lnRef idx="1">
-            <a:schemeClr val="accent1"/>
-          </a:lnRef>
-          <a:fillRef idx="0">
-            <a:schemeClr val="accent1"/>
-          </a:fillRef>
-          <a:effectRef idx="0">
-            <a:schemeClr val="accent1"/>
-          </a:effectRef>
-          <a:fontRef idx="minor">
-            <a:schemeClr val="tx1"/>
-          </a:fontRef>
-        </p:style>
-        <p:txBody>
-          <a:bodyPr rtlCol="0" anchor="ctr"/>
-          <a:lstStyle/>
-          <a:p>
-            <a:pPr algn="ctr"/>
-            <a:endParaRPr lang="zh-CN" altLang="en-US"/>
-          </a:p>
-        </p:txBody>
-      </p:sp>
-      <p:sp>
-        <p:nvSpPr>
-          <p:cNvPr id="125" name="文本框 124"/>
-          <p:cNvSpPr txBox="1"/>
-          <p:nvPr/>
-        </p:nvSpPr>
-        <p:spPr>
-          <a:xfrm>
-            <a:off x="9294412" y="3713912"/>
-            <a:ext cx="1990410" cy="369332"/>
-          </a:xfrm>
-          <a:prstGeom prst="rect">
-            <a:avLst/>
-          </a:prstGeom>
-          <a:noFill/>
-        </p:spPr>
-        <p:txBody>
-          <a:bodyPr wrap="square" rtlCol="0">
-            <a:spAutoFit/>
-          </a:bodyPr>
-          <a:lstStyle/>
-          <a:p>
-            <a:r>
-              <a:rPr lang="en-US" altLang="zh-CN" dirty="0"/>
-              <a:t>BEST_SPEED</a:t>
-            </a:r>
-            <a:endParaRPr lang="zh-CN" altLang="en-US" dirty="0"/>
-          </a:p>
-        </p:txBody>
-      </p:sp>
-      <p:sp>
-        <p:nvSpPr>
-          <p:cNvPr id="130" name="文本框 129"/>
-          <p:cNvSpPr txBox="1"/>
-          <p:nvPr/>
-        </p:nvSpPr>
-        <p:spPr>
-          <a:xfrm>
-            <a:off x="9306723" y="4345197"/>
-            <a:ext cx="2382513" cy="369332"/>
-          </a:xfrm>
-          <a:prstGeom prst="rect">
-            <a:avLst/>
-          </a:prstGeom>
-          <a:noFill/>
-        </p:spPr>
-        <p:txBody>
-          <a:bodyPr wrap="square" rtlCol="0">
-            <a:spAutoFit/>
-          </a:bodyPr>
-          <a:lstStyle/>
-          <a:p>
-            <a:r>
-              <a:rPr lang="en-US" altLang="zh-CN" dirty="0"/>
-              <a:t>BEST_COMPRESSION</a:t>
-            </a:r>
-            <a:endParaRPr lang="zh-CN" altLang="en-US" dirty="0"/>
-          </a:p>
-        </p:txBody>
-      </p:sp>
-      <p:sp>
-        <p:nvSpPr>
-          <p:cNvPr id="132" name="文本框 131"/>
-          <p:cNvSpPr txBox="1"/>
-          <p:nvPr/>
-        </p:nvSpPr>
-        <p:spPr>
-          <a:xfrm>
-            <a:off x="3763139" y="5051925"/>
-            <a:ext cx="1709122" cy="369332"/>
-          </a:xfrm>
-          <a:prstGeom prst="rect">
-            <a:avLst/>
-          </a:prstGeom>
-          <a:noFill/>
-        </p:spPr>
-        <p:txBody>
-          <a:bodyPr wrap="none" rtlCol="0">
-            <a:spAutoFit/>
-          </a:bodyPr>
-          <a:lstStyle/>
-          <a:p>
-            <a:r>
-              <a:rPr lang="zh-CN" altLang="en-US" dirty="0"/>
-              <a:t>每个</a:t>
-            </a:r>
-            <a:r>
-              <a:rPr lang="en-US" altLang="zh-CN" dirty="0"/>
-              <a:t>doc</a:t>
-            </a:r>
-            <a:r>
-              <a:rPr lang="zh-CN" altLang="en-US" dirty="0"/>
-              <a:t>的长度</a:t>
-            </a:r>
-          </a:p>
-        </p:txBody>
-      </p:sp>
-      <p:cxnSp>
-        <p:nvCxnSpPr>
-          <p:cNvPr id="133" name="直接连接符 132"/>
-          <p:cNvCxnSpPr>
-            <a:stCxn id="57" idx="2"/>
-            <a:endCxn id="132" idx="0"/>
-          </p:cNvCxnSpPr>
-          <p:nvPr/>
-        </p:nvCxnSpPr>
-        <p:spPr>
-          <a:xfrm flipH="1">
-            <a:off x="4617700" y="4656838"/>
-            <a:ext cx="1697636" cy="395087"/>
-          </a:xfrm>
-          <a:prstGeom prst="line">
-            <a:avLst/>
-          </a:prstGeom>
-          <a:ln w="19050"/>
-        </p:spPr>
-        <p:style>
-          <a:lnRef idx="1">
-            <a:schemeClr val="accent1"/>
-          </a:lnRef>
-          <a:fillRef idx="0">
-            <a:schemeClr val="accent1"/>
-          </a:fillRef>
-          <a:effectRef idx="0">
-            <a:schemeClr val="accent1"/>
-          </a:effectRef>
-          <a:fontRef idx="minor">
-            <a:schemeClr val="tx1"/>
-          </a:fontRef>
-        </p:style>
-      </p:cxnSp>
     </p:spTree>
   </p:cSld>
   <p:clrMapOvr>
@@ -11551,156 +9617,2414 @@
       </p:grpSpPr>
       <p:sp>
         <p:nvSpPr>
-          <p:cNvPr id="2" name="标题 1"/>
-          <p:cNvSpPr>
-            <a:spLocks noGrp="1"/>
-          </p:cNvSpPr>
-          <p:nvPr>
-            <p:ph type="title"/>
-          </p:nvPr>
-        </p:nvSpPr>
-        <p:spPr/>
-        <p:txBody>
-          <a:bodyPr/>
-          <a:lstStyle/>
-          <a:p>
-            <a:r>
-              <a:rPr lang="zh-CN" altLang="en-US" dirty="0"/>
-              <a:t>根据文档</a:t>
-            </a:r>
-            <a:r>
-              <a:rPr lang="en-US" altLang="zh-CN" dirty="0"/>
-              <a:t>id</a:t>
-            </a:r>
-            <a:r>
-              <a:rPr lang="zh-CN" altLang="en-US" dirty="0"/>
-              <a:t>，获取文档所有的字段信息</a:t>
-            </a:r>
-          </a:p>
-        </p:txBody>
-      </p:sp>
-      <p:sp>
-        <p:nvSpPr>
-          <p:cNvPr id="3" name="内容占位符 2"/>
-          <p:cNvSpPr>
-            <a:spLocks noGrp="1"/>
-          </p:cNvSpPr>
-          <p:nvPr>
-            <p:ph idx="1"/>
-          </p:nvPr>
-        </p:nvSpPr>
-        <p:spPr/>
-        <p:txBody>
-          <a:bodyPr/>
-          <a:lstStyle/>
-          <a:p>
-            <a:r>
-              <a:rPr lang="en-US" altLang="zh-CN" dirty="0"/>
-              <a:t>1. </a:t>
-            </a:r>
-            <a:r>
-              <a:rPr lang="zh-CN" altLang="en-US" dirty="0"/>
-              <a:t>根据文档</a:t>
-            </a:r>
-            <a:r>
-              <a:rPr lang="en-US" altLang="zh-CN" dirty="0"/>
-              <a:t>id</a:t>
-            </a:r>
-            <a:r>
-              <a:rPr lang="zh-CN" altLang="en-US" dirty="0"/>
-              <a:t>在</a:t>
-            </a:r>
+          <p:cNvPr id="2" name="矩形 1"/>
+          <p:cNvSpPr/>
+          <p:nvPr/>
+        </p:nvSpPr>
+        <p:spPr>
+          <a:xfrm>
+            <a:off x="1234912" y="254524"/>
+            <a:ext cx="2139886" cy="358217"/>
+          </a:xfrm>
+          <a:prstGeom prst="rect">
+            <a:avLst/>
+          </a:prstGeom>
+        </p:spPr>
+        <p:style>
+          <a:lnRef idx="2">
+            <a:schemeClr val="accent3">
+              <a:shade val="50000"/>
+            </a:schemeClr>
+          </a:lnRef>
+          <a:fillRef idx="1">
+            <a:schemeClr val="accent3"/>
+          </a:fillRef>
+          <a:effectRef idx="0">
+            <a:schemeClr val="accent3"/>
+          </a:effectRef>
+          <a:fontRef idx="minor">
+            <a:schemeClr val="lt1"/>
+          </a:fontRef>
+        </p:style>
+        <p:txBody>
+          <a:bodyPr rtlCol="0" anchor="ctr"/>
+          <a:lstStyle/>
+          <a:p>
+            <a:pPr algn="ctr"/>
+            <a:r>
+              <a:rPr lang="en-US" altLang="zh-CN" dirty="0" err="1"/>
+              <a:t>PackedIntsVersion</a:t>
+            </a:r>
+            <a:endParaRPr lang="zh-CN" altLang="en-US" dirty="0"/>
+          </a:p>
+        </p:txBody>
+      </p:sp>
+      <p:sp>
+        <p:nvSpPr>
+          <p:cNvPr id="3" name="矩形 2"/>
+          <p:cNvSpPr/>
+          <p:nvPr/>
+        </p:nvSpPr>
+        <p:spPr>
+          <a:xfrm>
+            <a:off x="3379511" y="254522"/>
+            <a:ext cx="1046375" cy="358219"/>
+          </a:xfrm>
+          <a:prstGeom prst="rect">
+            <a:avLst/>
+          </a:prstGeom>
+        </p:spPr>
+        <p:style>
+          <a:lnRef idx="2">
+            <a:schemeClr val="accent6">
+              <a:shade val="50000"/>
+            </a:schemeClr>
+          </a:lnRef>
+          <a:fillRef idx="1">
+            <a:schemeClr val="accent6"/>
+          </a:fillRef>
+          <a:effectRef idx="0">
+            <a:schemeClr val="accent6"/>
+          </a:effectRef>
+          <a:fontRef idx="minor">
+            <a:schemeClr val="lt1"/>
+          </a:fontRef>
+        </p:style>
+        <p:txBody>
+          <a:bodyPr rtlCol="0" anchor="ctr"/>
+          <a:lstStyle/>
+          <a:p>
+            <a:pPr algn="ctr"/>
+            <a:r>
+              <a:rPr lang="en-US" altLang="zh-CN" dirty="0"/>
+              <a:t>Block</a:t>
+            </a:r>
+            <a:endParaRPr lang="zh-CN" altLang="en-US" dirty="0"/>
+          </a:p>
+        </p:txBody>
+      </p:sp>
+      <p:sp>
+        <p:nvSpPr>
+          <p:cNvPr id="5" name="矩形 4"/>
+          <p:cNvSpPr/>
+          <p:nvPr/>
+        </p:nvSpPr>
+        <p:spPr>
+          <a:xfrm>
+            <a:off x="4374037" y="254522"/>
+            <a:ext cx="1046375" cy="358219"/>
+          </a:xfrm>
+          <a:prstGeom prst="rect">
+            <a:avLst/>
+          </a:prstGeom>
+        </p:spPr>
+        <p:style>
+          <a:lnRef idx="2">
+            <a:schemeClr val="accent6">
+              <a:shade val="50000"/>
+            </a:schemeClr>
+          </a:lnRef>
+          <a:fillRef idx="1">
+            <a:schemeClr val="accent6"/>
+          </a:fillRef>
+          <a:effectRef idx="0">
+            <a:schemeClr val="accent6"/>
+          </a:effectRef>
+          <a:fontRef idx="minor">
+            <a:schemeClr val="lt1"/>
+          </a:fontRef>
+        </p:style>
+        <p:txBody>
+          <a:bodyPr rtlCol="0" anchor="ctr"/>
+          <a:lstStyle/>
+          <a:p>
+            <a:pPr algn="ctr"/>
+            <a:r>
+              <a:rPr lang="en-US" altLang="zh-CN" dirty="0"/>
+              <a:t>Block</a:t>
+            </a:r>
+            <a:endParaRPr lang="zh-CN" altLang="en-US" dirty="0"/>
+          </a:p>
+        </p:txBody>
+      </p:sp>
+      <p:sp>
+        <p:nvSpPr>
+          <p:cNvPr id="7" name="矩形 6"/>
+          <p:cNvSpPr/>
+          <p:nvPr/>
+        </p:nvSpPr>
+        <p:spPr>
+          <a:xfrm>
+            <a:off x="5415699" y="254524"/>
+            <a:ext cx="579750" cy="358219"/>
+          </a:xfrm>
+          <a:prstGeom prst="rect">
+            <a:avLst/>
+          </a:prstGeom>
+          <a:noFill/>
+          <a:ln>
+            <a:noFill/>
+          </a:ln>
+        </p:spPr>
+        <p:style>
+          <a:lnRef idx="2">
+            <a:schemeClr val="accent1">
+              <a:shade val="50000"/>
+            </a:schemeClr>
+          </a:lnRef>
+          <a:fillRef idx="1">
+            <a:schemeClr val="accent1"/>
+          </a:fillRef>
+          <a:effectRef idx="0">
+            <a:schemeClr val="accent1"/>
+          </a:effectRef>
+          <a:fontRef idx="minor">
+            <a:schemeClr val="lt1"/>
+          </a:fontRef>
+        </p:style>
+        <p:txBody>
+          <a:bodyPr rtlCol="0" anchor="ctr"/>
+          <a:lstStyle/>
+          <a:p>
+            <a:pPr algn="ctr"/>
+            <a:r>
+              <a:rPr lang="en-US" altLang="zh-CN" dirty="0">
+                <a:solidFill>
+                  <a:schemeClr val="tx1"/>
+                </a:solidFill>
+              </a:rPr>
+              <a:t>......</a:t>
+            </a:r>
+          </a:p>
+        </p:txBody>
+      </p:sp>
+      <p:sp>
+        <p:nvSpPr>
+          <p:cNvPr id="8" name="矩形 7"/>
+          <p:cNvSpPr/>
+          <p:nvPr/>
+        </p:nvSpPr>
+        <p:spPr>
+          <a:xfrm>
+            <a:off x="5995449" y="254523"/>
+            <a:ext cx="1046375" cy="358219"/>
+          </a:xfrm>
+          <a:prstGeom prst="rect">
+            <a:avLst/>
+          </a:prstGeom>
+        </p:spPr>
+        <p:style>
+          <a:lnRef idx="2">
+            <a:schemeClr val="accent6">
+              <a:shade val="50000"/>
+            </a:schemeClr>
+          </a:lnRef>
+          <a:fillRef idx="1">
+            <a:schemeClr val="accent6"/>
+          </a:fillRef>
+          <a:effectRef idx="0">
+            <a:schemeClr val="accent6"/>
+          </a:effectRef>
+          <a:fontRef idx="minor">
+            <a:schemeClr val="lt1"/>
+          </a:fontRef>
+        </p:style>
+        <p:txBody>
+          <a:bodyPr rtlCol="0" anchor="ctr"/>
+          <a:lstStyle/>
+          <a:p>
+            <a:pPr algn="ctr"/>
+            <a:r>
+              <a:rPr lang="en-US" altLang="zh-CN" dirty="0"/>
+              <a:t>Block</a:t>
+            </a:r>
+            <a:endParaRPr lang="zh-CN" altLang="en-US" dirty="0"/>
+          </a:p>
+        </p:txBody>
+      </p:sp>
+      <p:sp>
+        <p:nvSpPr>
+          <p:cNvPr id="9" name="矩形 8"/>
+          <p:cNvSpPr/>
+          <p:nvPr/>
+        </p:nvSpPr>
+        <p:spPr>
+          <a:xfrm>
+            <a:off x="7041824" y="254522"/>
+            <a:ext cx="1046375" cy="358219"/>
+          </a:xfrm>
+          <a:prstGeom prst="rect">
+            <a:avLst/>
+          </a:prstGeom>
+        </p:spPr>
+        <p:style>
+          <a:lnRef idx="2">
+            <a:schemeClr val="accent6">
+              <a:shade val="50000"/>
+            </a:schemeClr>
+          </a:lnRef>
+          <a:fillRef idx="1">
+            <a:schemeClr val="accent6"/>
+          </a:fillRef>
+          <a:effectRef idx="0">
+            <a:schemeClr val="accent6"/>
+          </a:effectRef>
+          <a:fontRef idx="minor">
+            <a:schemeClr val="lt1"/>
+          </a:fontRef>
+        </p:style>
+        <p:txBody>
+          <a:bodyPr rtlCol="0" anchor="ctr"/>
+          <a:lstStyle/>
+          <a:p>
+            <a:pPr algn="ctr"/>
+            <a:r>
+              <a:rPr lang="en-US" altLang="zh-CN" dirty="0"/>
+              <a:t>Block</a:t>
+            </a:r>
+            <a:endParaRPr lang="zh-CN" altLang="en-US" dirty="0"/>
+          </a:p>
+        </p:txBody>
+      </p:sp>
+      <p:sp>
+        <p:nvSpPr>
+          <p:cNvPr id="10" name="矩形 9"/>
+          <p:cNvSpPr/>
+          <p:nvPr/>
+        </p:nvSpPr>
+        <p:spPr>
+          <a:xfrm>
+            <a:off x="8088199" y="254522"/>
+            <a:ext cx="2412426" cy="358219"/>
+          </a:xfrm>
+          <a:prstGeom prst="rect">
+            <a:avLst/>
+          </a:prstGeom>
+        </p:spPr>
+        <p:style>
+          <a:lnRef idx="2">
+            <a:schemeClr val="accent3">
+              <a:shade val="50000"/>
+            </a:schemeClr>
+          </a:lnRef>
+          <a:fillRef idx="1">
+            <a:schemeClr val="accent3"/>
+          </a:fillRef>
+          <a:effectRef idx="0">
+            <a:schemeClr val="accent3"/>
+          </a:effectRef>
+          <a:fontRef idx="minor">
+            <a:schemeClr val="lt1"/>
+          </a:fontRef>
+        </p:style>
+        <p:txBody>
+          <a:bodyPr rtlCol="0" anchor="ctr"/>
+          <a:lstStyle/>
+          <a:p>
+            <a:pPr algn="ctr"/>
+            <a:r>
+              <a:rPr lang="en-US" altLang="zh-CN" dirty="0" err="1"/>
+              <a:t>BlocksEndMarker</a:t>
+            </a:r>
+            <a:endParaRPr lang="zh-CN" altLang="en-US" dirty="0"/>
+          </a:p>
+        </p:txBody>
+      </p:sp>
+      <p:sp>
+        <p:nvSpPr>
+          <p:cNvPr id="12" name="矩形 11"/>
+          <p:cNvSpPr/>
+          <p:nvPr/>
+        </p:nvSpPr>
+        <p:spPr>
+          <a:xfrm>
+            <a:off x="3846136" y="1621409"/>
+            <a:ext cx="1046375" cy="358219"/>
+          </a:xfrm>
+          <a:prstGeom prst="rect">
+            <a:avLst/>
+          </a:prstGeom>
+        </p:spPr>
+        <p:style>
+          <a:lnRef idx="3">
+            <a:schemeClr val="lt1"/>
+          </a:lnRef>
+          <a:fillRef idx="1">
+            <a:schemeClr val="accent5"/>
+          </a:fillRef>
+          <a:effectRef idx="1">
+            <a:schemeClr val="accent5"/>
+          </a:effectRef>
+          <a:fontRef idx="minor">
+            <a:schemeClr val="lt1"/>
+          </a:fontRef>
+        </p:style>
+        <p:txBody>
+          <a:bodyPr rtlCol="0" anchor="ctr"/>
+          <a:lstStyle/>
+          <a:p>
+            <a:pPr algn="ctr"/>
+            <a:endParaRPr lang="zh-CN" altLang="en-US" dirty="0"/>
+          </a:p>
+        </p:txBody>
+      </p:sp>
+      <p:sp>
+        <p:nvSpPr>
+          <p:cNvPr id="13" name="矩形 12"/>
+          <p:cNvSpPr/>
+          <p:nvPr/>
+        </p:nvSpPr>
+        <p:spPr>
+          <a:xfrm>
+            <a:off x="4892511" y="1621408"/>
+            <a:ext cx="1046375" cy="358219"/>
+          </a:xfrm>
+          <a:prstGeom prst="rect">
+            <a:avLst/>
+          </a:prstGeom>
+        </p:spPr>
+        <p:style>
+          <a:lnRef idx="3">
+            <a:schemeClr val="lt1"/>
+          </a:lnRef>
+          <a:fillRef idx="1">
+            <a:schemeClr val="accent5"/>
+          </a:fillRef>
+          <a:effectRef idx="1">
+            <a:schemeClr val="accent5"/>
+          </a:effectRef>
+          <a:fontRef idx="minor">
+            <a:schemeClr val="lt1"/>
+          </a:fontRef>
+        </p:style>
+        <p:txBody>
+          <a:bodyPr rtlCol="0" anchor="ctr"/>
+          <a:lstStyle/>
+          <a:p>
+            <a:pPr algn="ctr"/>
+            <a:endParaRPr lang="zh-CN" altLang="en-US"/>
+          </a:p>
+        </p:txBody>
+      </p:sp>
+      <p:sp>
+        <p:nvSpPr>
+          <p:cNvPr id="14" name="矩形 13"/>
+          <p:cNvSpPr/>
+          <p:nvPr/>
+        </p:nvSpPr>
+        <p:spPr>
+          <a:xfrm>
+            <a:off x="5938886" y="1621408"/>
+            <a:ext cx="1046375" cy="358219"/>
+          </a:xfrm>
+          <a:prstGeom prst="rect">
+            <a:avLst/>
+          </a:prstGeom>
+        </p:spPr>
+        <p:style>
+          <a:lnRef idx="3">
+            <a:schemeClr val="lt1"/>
+          </a:lnRef>
+          <a:fillRef idx="1">
+            <a:schemeClr val="accent5"/>
+          </a:fillRef>
+          <a:effectRef idx="1">
+            <a:schemeClr val="accent5"/>
+          </a:effectRef>
+          <a:fontRef idx="minor">
+            <a:schemeClr val="lt1"/>
+          </a:fontRef>
+        </p:style>
+        <p:txBody>
+          <a:bodyPr rtlCol="0" anchor="ctr"/>
+          <a:lstStyle/>
+          <a:p>
+            <a:pPr algn="ctr"/>
+            <a:r>
+              <a:rPr lang="en-US" altLang="zh-CN" dirty="0"/>
+              <a:t>…</a:t>
+            </a:r>
+            <a:endParaRPr lang="zh-CN" altLang="en-US" dirty="0"/>
+          </a:p>
+        </p:txBody>
+      </p:sp>
+      <p:cxnSp>
+        <p:nvCxnSpPr>
+          <p:cNvPr id="16" name="直接连接符 15"/>
+          <p:cNvCxnSpPr/>
+          <p:nvPr/>
+        </p:nvCxnSpPr>
+        <p:spPr>
+          <a:xfrm flipH="1">
+            <a:off x="2201578" y="612741"/>
+            <a:ext cx="1173220" cy="1008664"/>
+          </a:xfrm>
+          <a:prstGeom prst="line">
+            <a:avLst/>
+          </a:prstGeom>
+          <a:ln w="19050"/>
+        </p:spPr>
+        <p:style>
+          <a:lnRef idx="1">
+            <a:schemeClr val="accent1"/>
+          </a:lnRef>
+          <a:fillRef idx="0">
+            <a:schemeClr val="accent1"/>
+          </a:fillRef>
+          <a:effectRef idx="0">
+            <a:schemeClr val="accent1"/>
+          </a:effectRef>
+          <a:fontRef idx="minor">
+            <a:schemeClr val="tx1"/>
+          </a:fontRef>
+        </p:style>
+      </p:cxnSp>
+      <p:cxnSp>
+        <p:nvCxnSpPr>
+          <p:cNvPr id="20" name="直接连接符 19"/>
+          <p:cNvCxnSpPr/>
+          <p:nvPr/>
+        </p:nvCxnSpPr>
+        <p:spPr>
+          <a:xfrm>
+            <a:off x="4369323" y="612741"/>
+            <a:ext cx="3657600" cy="1008664"/>
+          </a:xfrm>
+          <a:prstGeom prst="line">
+            <a:avLst/>
+          </a:prstGeom>
+          <a:ln w="19050"/>
+        </p:spPr>
+        <p:style>
+          <a:lnRef idx="1">
+            <a:schemeClr val="accent1"/>
+          </a:lnRef>
+          <a:fillRef idx="0">
+            <a:schemeClr val="accent1"/>
+          </a:fillRef>
+          <a:effectRef idx="0">
+            <a:schemeClr val="accent1"/>
+          </a:effectRef>
+          <a:fontRef idx="minor">
+            <a:schemeClr val="tx1"/>
+          </a:fontRef>
+        </p:style>
+      </p:cxnSp>
+      <p:sp>
+        <p:nvSpPr>
+          <p:cNvPr id="22" name="矩形 21"/>
+          <p:cNvSpPr/>
+          <p:nvPr/>
+        </p:nvSpPr>
+        <p:spPr>
+          <a:xfrm>
+            <a:off x="2201578" y="1621406"/>
+            <a:ext cx="1637640" cy="358219"/>
+          </a:xfrm>
+          <a:prstGeom prst="rect">
+            <a:avLst/>
+          </a:prstGeom>
+        </p:spPr>
+        <p:style>
+          <a:lnRef idx="3">
+            <a:schemeClr val="lt1"/>
+          </a:lnRef>
+          <a:fillRef idx="1">
+            <a:schemeClr val="accent5"/>
+          </a:fillRef>
+          <a:effectRef idx="1">
+            <a:schemeClr val="accent5"/>
+          </a:effectRef>
+          <a:fontRef idx="minor">
+            <a:schemeClr val="lt1"/>
+          </a:fontRef>
+        </p:style>
+        <p:txBody>
+          <a:bodyPr rtlCol="0" anchor="ctr"/>
+          <a:lstStyle/>
+          <a:p>
+            <a:pPr algn="ctr"/>
             <a:r>
               <a:rPr lang="en-US" altLang="zh-CN" dirty="0" err="1"/>
               <a:t>DocBases</a:t>
             </a:r>
-            <a:r>
-              <a:rPr lang="zh-CN" altLang="en-US" dirty="0"/>
-              <a:t>数组中进行二分查找，确定</a:t>
-            </a:r>
-            <a:r>
-              <a:rPr lang="en-US" altLang="zh-CN" dirty="0"/>
-              <a:t>chunk</a:t>
-            </a:r>
-            <a:r>
-              <a:rPr lang="zh-CN" altLang="en-US" dirty="0"/>
-              <a:t>下标：</a:t>
-            </a:r>
-            <a:r>
-              <a:rPr lang="en-US" altLang="zh-CN" dirty="0" err="1"/>
-              <a:t>chunkIndex</a:t>
-            </a:r>
-            <a:endParaRPr lang="en-US" altLang="zh-CN" dirty="0"/>
-          </a:p>
-          <a:p>
-            <a:r>
-              <a:rPr lang="en-US" altLang="zh-CN" dirty="0"/>
-              <a:t>2. </a:t>
-            </a:r>
-            <a:r>
-              <a:rPr lang="zh-CN" altLang="en-US" dirty="0"/>
-              <a:t>获取</a:t>
-            </a:r>
-            <a:r>
-              <a:rPr lang="en-US" altLang="zh-CN" dirty="0"/>
-              <a:t>chunk</a:t>
-            </a:r>
-            <a:r>
-              <a:rPr lang="zh-CN" altLang="en-US" dirty="0"/>
-              <a:t>在磁盘上的位置</a:t>
-            </a:r>
+            <a:endParaRPr lang="zh-CN" altLang="en-US" dirty="0"/>
+          </a:p>
+        </p:txBody>
+      </p:sp>
+      <p:sp>
+        <p:nvSpPr>
+          <p:cNvPr id="23" name="矩形 22"/>
+          <p:cNvSpPr/>
+          <p:nvPr/>
+        </p:nvSpPr>
+        <p:spPr>
+          <a:xfrm>
+            <a:off x="3846136" y="1979625"/>
+            <a:ext cx="1046375" cy="358219"/>
+          </a:xfrm>
+          <a:prstGeom prst="rect">
+            <a:avLst/>
+          </a:prstGeom>
+        </p:spPr>
+        <p:style>
+          <a:lnRef idx="3">
+            <a:schemeClr val="lt1"/>
+          </a:lnRef>
+          <a:fillRef idx="1">
+            <a:schemeClr val="accent2"/>
+          </a:fillRef>
+          <a:effectRef idx="1">
+            <a:schemeClr val="accent2"/>
+          </a:effectRef>
+          <a:fontRef idx="minor">
+            <a:schemeClr val="lt1"/>
+          </a:fontRef>
+        </p:style>
+        <p:txBody>
+          <a:bodyPr rtlCol="0" anchor="ctr"/>
+          <a:lstStyle/>
+          <a:p>
+            <a:pPr algn="ctr"/>
+            <a:endParaRPr lang="zh-CN" altLang="en-US" dirty="0"/>
+          </a:p>
+        </p:txBody>
+      </p:sp>
+      <p:sp>
+        <p:nvSpPr>
+          <p:cNvPr id="24" name="矩形 23"/>
+          <p:cNvSpPr/>
+          <p:nvPr/>
+        </p:nvSpPr>
+        <p:spPr>
+          <a:xfrm>
+            <a:off x="4892511" y="1979624"/>
+            <a:ext cx="1046375" cy="358219"/>
+          </a:xfrm>
+          <a:prstGeom prst="rect">
+            <a:avLst/>
+          </a:prstGeom>
+        </p:spPr>
+        <p:style>
+          <a:lnRef idx="3">
+            <a:schemeClr val="lt1"/>
+          </a:lnRef>
+          <a:fillRef idx="1">
+            <a:schemeClr val="accent2"/>
+          </a:fillRef>
+          <a:effectRef idx="1">
+            <a:schemeClr val="accent2"/>
+          </a:effectRef>
+          <a:fontRef idx="minor">
+            <a:schemeClr val="lt1"/>
+          </a:fontRef>
+        </p:style>
+        <p:txBody>
+          <a:bodyPr rtlCol="0" anchor="ctr"/>
+          <a:lstStyle/>
+          <a:p>
+            <a:pPr algn="ctr"/>
+            <a:endParaRPr lang="zh-CN" altLang="en-US"/>
+          </a:p>
+        </p:txBody>
+      </p:sp>
+      <p:sp>
+        <p:nvSpPr>
+          <p:cNvPr id="25" name="矩形 24"/>
+          <p:cNvSpPr/>
+          <p:nvPr/>
+        </p:nvSpPr>
+        <p:spPr>
+          <a:xfrm>
+            <a:off x="5938886" y="1979624"/>
+            <a:ext cx="1046375" cy="358219"/>
+          </a:xfrm>
+          <a:prstGeom prst="rect">
+            <a:avLst/>
+          </a:prstGeom>
+        </p:spPr>
+        <p:style>
+          <a:lnRef idx="3">
+            <a:schemeClr val="lt1"/>
+          </a:lnRef>
+          <a:fillRef idx="1">
+            <a:schemeClr val="accent2"/>
+          </a:fillRef>
+          <a:effectRef idx="1">
+            <a:schemeClr val="accent2"/>
+          </a:effectRef>
+          <a:fontRef idx="minor">
+            <a:schemeClr val="lt1"/>
+          </a:fontRef>
+        </p:style>
+        <p:txBody>
+          <a:bodyPr rtlCol="0" anchor="ctr"/>
+          <a:lstStyle/>
+          <a:p>
+            <a:pPr algn="ctr"/>
+            <a:r>
+              <a:rPr lang="en-US" altLang="zh-CN" dirty="0"/>
+              <a:t>…</a:t>
+            </a:r>
+            <a:endParaRPr lang="zh-CN" altLang="en-US" dirty="0"/>
+          </a:p>
+        </p:txBody>
+      </p:sp>
+      <p:sp>
+        <p:nvSpPr>
+          <p:cNvPr id="26" name="矩形 25"/>
+          <p:cNvSpPr/>
+          <p:nvPr/>
+        </p:nvSpPr>
+        <p:spPr>
+          <a:xfrm>
+            <a:off x="2201578" y="1979622"/>
+            <a:ext cx="1637640" cy="358219"/>
+          </a:xfrm>
+          <a:prstGeom prst="rect">
+            <a:avLst/>
+          </a:prstGeom>
+        </p:spPr>
+        <p:style>
+          <a:lnRef idx="3">
+            <a:schemeClr val="lt1"/>
+          </a:lnRef>
+          <a:fillRef idx="1">
+            <a:schemeClr val="accent2"/>
+          </a:fillRef>
+          <a:effectRef idx="1">
+            <a:schemeClr val="accent2"/>
+          </a:effectRef>
+          <a:fontRef idx="minor">
+            <a:schemeClr val="lt1"/>
+          </a:fontRef>
+        </p:style>
+        <p:txBody>
+          <a:bodyPr rtlCol="0" anchor="ctr"/>
+          <a:lstStyle/>
+          <a:p>
+            <a:pPr algn="ctr"/>
             <a:r>
               <a:rPr lang="en-US" altLang="zh-CN" dirty="0" err="1"/>
               <a:t>StartPointers</a:t>
             </a:r>
-            <a:r>
-              <a:rPr lang="en-US" altLang="zh-CN" dirty="0"/>
-              <a:t>[</a:t>
+            <a:endParaRPr lang="zh-CN" altLang="en-US" dirty="0"/>
+          </a:p>
+        </p:txBody>
+      </p:sp>
+      <p:sp>
+        <p:nvSpPr>
+          <p:cNvPr id="27" name="矩形 26"/>
+          <p:cNvSpPr/>
+          <p:nvPr/>
+        </p:nvSpPr>
+        <p:spPr>
+          <a:xfrm>
+            <a:off x="6992180" y="1621406"/>
+            <a:ext cx="1046375" cy="358219"/>
+          </a:xfrm>
+          <a:prstGeom prst="rect">
+            <a:avLst/>
+          </a:prstGeom>
+        </p:spPr>
+        <p:style>
+          <a:lnRef idx="3">
+            <a:schemeClr val="lt1"/>
+          </a:lnRef>
+          <a:fillRef idx="1">
+            <a:schemeClr val="accent5"/>
+          </a:fillRef>
+          <a:effectRef idx="1">
+            <a:schemeClr val="accent5"/>
+          </a:effectRef>
+          <a:fontRef idx="minor">
+            <a:schemeClr val="lt1"/>
+          </a:fontRef>
+        </p:style>
+        <p:txBody>
+          <a:bodyPr rtlCol="0" anchor="ctr"/>
+          <a:lstStyle/>
+          <a:p>
+            <a:pPr algn="ctr"/>
+            <a:endParaRPr lang="zh-CN" altLang="en-US" dirty="0"/>
+          </a:p>
+        </p:txBody>
+      </p:sp>
+      <p:sp>
+        <p:nvSpPr>
+          <p:cNvPr id="28" name="矩形 27"/>
+          <p:cNvSpPr/>
+          <p:nvPr/>
+        </p:nvSpPr>
+        <p:spPr>
+          <a:xfrm>
+            <a:off x="6992180" y="1979622"/>
+            <a:ext cx="1046375" cy="358219"/>
+          </a:xfrm>
+          <a:prstGeom prst="rect">
+            <a:avLst/>
+          </a:prstGeom>
+        </p:spPr>
+        <p:style>
+          <a:lnRef idx="3">
+            <a:schemeClr val="lt1"/>
+          </a:lnRef>
+          <a:fillRef idx="1">
+            <a:schemeClr val="accent2"/>
+          </a:fillRef>
+          <a:effectRef idx="1">
+            <a:schemeClr val="accent2"/>
+          </a:effectRef>
+          <a:fontRef idx="minor">
+            <a:schemeClr val="lt1"/>
+          </a:fontRef>
+        </p:style>
+        <p:txBody>
+          <a:bodyPr rtlCol="0" anchor="ctr"/>
+          <a:lstStyle/>
+          <a:p>
+            <a:pPr algn="ctr"/>
+            <a:endParaRPr lang="zh-CN" altLang="en-US" dirty="0"/>
+          </a:p>
+        </p:txBody>
+      </p:sp>
+      <p:cxnSp>
+        <p:nvCxnSpPr>
+          <p:cNvPr id="32" name="直接连接符 31"/>
+          <p:cNvCxnSpPr/>
+          <p:nvPr/>
+        </p:nvCxnSpPr>
+        <p:spPr>
+          <a:xfrm>
+            <a:off x="113122" y="2714920"/>
+            <a:ext cx="11774078" cy="0"/>
+          </a:xfrm>
+          <a:prstGeom prst="line">
+            <a:avLst/>
+          </a:prstGeom>
+          <a:ln w="19050"/>
+        </p:spPr>
+        <p:style>
+          <a:lnRef idx="1">
+            <a:schemeClr val="dk1"/>
+          </a:lnRef>
+          <a:fillRef idx="0">
+            <a:schemeClr val="dk1"/>
+          </a:fillRef>
+          <a:effectRef idx="0">
+            <a:schemeClr val="dk1"/>
+          </a:effectRef>
+          <a:fontRef idx="minor">
+            <a:schemeClr val="tx1"/>
+          </a:fontRef>
+        </p:style>
+      </p:cxnSp>
+      <p:sp>
+        <p:nvSpPr>
+          <p:cNvPr id="33" name="文本框 32"/>
+          <p:cNvSpPr txBox="1"/>
+          <p:nvPr/>
+        </p:nvSpPr>
+        <p:spPr>
+          <a:xfrm>
+            <a:off x="54776" y="793907"/>
+            <a:ext cx="2073003" cy="646331"/>
+          </a:xfrm>
+          <a:prstGeom prst="rect">
+            <a:avLst/>
+          </a:prstGeom>
+          <a:noFill/>
+        </p:spPr>
+        <p:txBody>
+          <a:bodyPr wrap="none" rtlCol="0">
+            <a:spAutoFit/>
+          </a:bodyPr>
+          <a:lstStyle/>
+          <a:p>
+            <a:r>
+              <a:rPr lang="en-US" altLang="zh-CN" dirty="0"/>
+              <a:t>.</a:t>
             </a:r>
             <a:r>
               <a:rPr lang="en-US" altLang="zh-CN" dirty="0" err="1"/>
-              <a:t>chunkIndex</a:t>
-            </a:r>
-            <a:r>
-              <a:rPr lang="en-US" altLang="zh-CN" dirty="0"/>
-              <a:t>]</a:t>
-            </a:r>
-          </a:p>
-          <a:p>
-            <a:r>
-              <a:rPr lang="en-US" altLang="zh-CN" dirty="0"/>
-              <a:t>3. </a:t>
+              <a:t>fdx</a:t>
             </a:r>
             <a:r>
               <a:rPr lang="zh-CN" altLang="en-US" dirty="0"/>
-              <a:t>从磁盘读取</a:t>
-            </a:r>
-            <a:r>
-              <a:rPr lang="en-US" altLang="zh-CN" dirty="0"/>
+              <a:t>文件  </a:t>
+            </a:r>
+            <a:endParaRPr lang="en-US" altLang="zh-CN" dirty="0"/>
+          </a:p>
+          <a:p>
+            <a:r>
+              <a:rPr lang="zh-CN" altLang="en-US" dirty="0"/>
+              <a:t>全部加载在内存中</a:t>
+            </a:r>
+          </a:p>
+        </p:txBody>
+      </p:sp>
+      <p:sp>
+        <p:nvSpPr>
+          <p:cNvPr id="34" name="文本框 33"/>
+          <p:cNvSpPr txBox="1"/>
+          <p:nvPr/>
+        </p:nvSpPr>
+        <p:spPr>
+          <a:xfrm>
+            <a:off x="9328036" y="701574"/>
+            <a:ext cx="2809188" cy="738664"/>
+          </a:xfrm>
+          <a:prstGeom prst="rect">
+            <a:avLst/>
+          </a:prstGeom>
+          <a:noFill/>
+        </p:spPr>
+        <p:txBody>
+          <a:bodyPr wrap="square" rtlCol="0">
+            <a:spAutoFit/>
+          </a:bodyPr>
+          <a:lstStyle/>
+          <a:p>
+            <a:r>
+              <a:rPr lang="zh-CN" altLang="en-US" sz="1400" dirty="0"/>
+              <a:t>实际在磁盘上的存储单元是</a:t>
+            </a:r>
+            <a:r>
+              <a:rPr lang="en-US" altLang="zh-CN" sz="1400" dirty="0"/>
               <a:t>chunk</a:t>
             </a:r>
             <a:r>
-              <a:rPr lang="zh-CN" altLang="en-US" dirty="0"/>
-              <a:t>头部信息</a:t>
-            </a:r>
-            <a:endParaRPr lang="en-US" altLang="zh-CN" dirty="0"/>
-          </a:p>
-          <a:p>
-            <a:r>
-              <a:rPr lang="en-US" altLang="zh-CN" dirty="0"/>
-              <a:t>4. </a:t>
-            </a:r>
-            <a:r>
-              <a:rPr lang="zh-CN" altLang="en-US" dirty="0"/>
-              <a:t>根据</a:t>
-            </a:r>
+              <a:rPr lang="zh-CN" altLang="en-US" sz="1400" dirty="0"/>
+              <a:t>，</a:t>
+            </a:r>
+            <a:endParaRPr lang="en-US" altLang="zh-CN" sz="1400" dirty="0"/>
+          </a:p>
+          <a:p>
+            <a:r>
+              <a:rPr lang="en-US" altLang="zh-CN" sz="1400" dirty="0"/>
+              <a:t>Block</a:t>
+            </a:r>
+            <a:r>
+              <a:rPr lang="zh-CN" altLang="en-US" sz="1400" dirty="0"/>
+              <a:t>是为了将一批</a:t>
+            </a:r>
+            <a:r>
+              <a:rPr lang="en-US" altLang="zh-CN" sz="1400" dirty="0"/>
+              <a:t>chunk</a:t>
+            </a:r>
+            <a:r>
+              <a:rPr lang="zh-CN" altLang="en-US" sz="1400" dirty="0"/>
+              <a:t>的</a:t>
+            </a:r>
+            <a:r>
+              <a:rPr lang="en-US" altLang="zh-CN" sz="1400" dirty="0" err="1"/>
+              <a:t>docID</a:t>
+            </a:r>
+            <a:r>
+              <a:rPr lang="zh-CN" altLang="en-US" sz="1400" dirty="0"/>
+              <a:t>和指针放在一起进行整数压缩</a:t>
+            </a:r>
+          </a:p>
+        </p:txBody>
+      </p:sp>
+      <p:sp>
+        <p:nvSpPr>
+          <p:cNvPr id="35" name="矩形 34"/>
+          <p:cNvSpPr/>
+          <p:nvPr/>
+        </p:nvSpPr>
+        <p:spPr>
+          <a:xfrm>
+            <a:off x="1885361" y="3271105"/>
+            <a:ext cx="2139886" cy="358217"/>
+          </a:xfrm>
+          <a:prstGeom prst="rect">
+            <a:avLst/>
+          </a:prstGeom>
+        </p:spPr>
+        <p:style>
+          <a:lnRef idx="2">
+            <a:schemeClr val="accent3">
+              <a:shade val="50000"/>
+            </a:schemeClr>
+          </a:lnRef>
+          <a:fillRef idx="1">
+            <a:schemeClr val="accent3"/>
+          </a:fillRef>
+          <a:effectRef idx="0">
+            <a:schemeClr val="accent3"/>
+          </a:effectRef>
+          <a:fontRef idx="minor">
+            <a:schemeClr val="lt1"/>
+          </a:fontRef>
+        </p:style>
+        <p:txBody>
+          <a:bodyPr rtlCol="0" anchor="ctr"/>
+          <a:lstStyle/>
+          <a:p>
+            <a:pPr algn="ctr"/>
+            <a:r>
+              <a:rPr lang="en-US" altLang="zh-CN" dirty="0"/>
+              <a:t>Header</a:t>
+            </a:r>
+            <a:endParaRPr lang="zh-CN" altLang="en-US" dirty="0"/>
+          </a:p>
+        </p:txBody>
+      </p:sp>
+      <p:sp>
+        <p:nvSpPr>
+          <p:cNvPr id="36" name="矩形 35"/>
+          <p:cNvSpPr/>
+          <p:nvPr/>
+        </p:nvSpPr>
+        <p:spPr>
+          <a:xfrm>
+            <a:off x="4029960" y="3271103"/>
+            <a:ext cx="1046375" cy="358219"/>
+          </a:xfrm>
+          <a:prstGeom prst="rect">
+            <a:avLst/>
+          </a:prstGeom>
+        </p:spPr>
+        <p:style>
+          <a:lnRef idx="2">
+            <a:schemeClr val="accent6">
+              <a:shade val="50000"/>
+            </a:schemeClr>
+          </a:lnRef>
+          <a:fillRef idx="1">
+            <a:schemeClr val="accent6"/>
+          </a:fillRef>
+          <a:effectRef idx="0">
+            <a:schemeClr val="accent6"/>
+          </a:effectRef>
+          <a:fontRef idx="minor">
+            <a:schemeClr val="lt1"/>
+          </a:fontRef>
+        </p:style>
+        <p:txBody>
+          <a:bodyPr rtlCol="0" anchor="ctr"/>
+          <a:lstStyle/>
+          <a:p>
+            <a:pPr algn="ctr"/>
+            <a:r>
+              <a:rPr lang="en-US" altLang="zh-CN" dirty="0"/>
+              <a:t>Chunk</a:t>
+            </a:r>
+            <a:endParaRPr lang="zh-CN" altLang="en-US" dirty="0"/>
+          </a:p>
+        </p:txBody>
+      </p:sp>
+      <p:sp>
+        <p:nvSpPr>
+          <p:cNvPr id="37" name="矩形 36"/>
+          <p:cNvSpPr/>
+          <p:nvPr/>
+        </p:nvSpPr>
+        <p:spPr>
+          <a:xfrm>
+            <a:off x="5024486" y="3271103"/>
+            <a:ext cx="1046375" cy="358219"/>
+          </a:xfrm>
+          <a:prstGeom prst="rect">
+            <a:avLst/>
+          </a:prstGeom>
+        </p:spPr>
+        <p:style>
+          <a:lnRef idx="2">
+            <a:schemeClr val="accent6">
+              <a:shade val="50000"/>
+            </a:schemeClr>
+          </a:lnRef>
+          <a:fillRef idx="1">
+            <a:schemeClr val="accent6"/>
+          </a:fillRef>
+          <a:effectRef idx="0">
+            <a:schemeClr val="accent6"/>
+          </a:effectRef>
+          <a:fontRef idx="minor">
+            <a:schemeClr val="lt1"/>
+          </a:fontRef>
+        </p:style>
+        <p:txBody>
+          <a:bodyPr rtlCol="0" anchor="ctr"/>
+          <a:lstStyle/>
+          <a:p>
+            <a:pPr algn="ctr"/>
+            <a:r>
+              <a:rPr lang="en-US" altLang="zh-CN" dirty="0"/>
+              <a:t>Chunk</a:t>
+            </a:r>
+            <a:endParaRPr lang="zh-CN" altLang="en-US" dirty="0"/>
+          </a:p>
+        </p:txBody>
+      </p:sp>
+      <p:sp>
+        <p:nvSpPr>
+          <p:cNvPr id="38" name="矩形 37"/>
+          <p:cNvSpPr/>
+          <p:nvPr/>
+        </p:nvSpPr>
+        <p:spPr>
+          <a:xfrm>
+            <a:off x="6066148" y="3271105"/>
+            <a:ext cx="579750" cy="358219"/>
+          </a:xfrm>
+          <a:prstGeom prst="rect">
+            <a:avLst/>
+          </a:prstGeom>
+          <a:noFill/>
+          <a:ln>
+            <a:noFill/>
+          </a:ln>
+        </p:spPr>
+        <p:style>
+          <a:lnRef idx="2">
+            <a:schemeClr val="accent1">
+              <a:shade val="50000"/>
+            </a:schemeClr>
+          </a:lnRef>
+          <a:fillRef idx="1">
+            <a:schemeClr val="accent1"/>
+          </a:fillRef>
+          <a:effectRef idx="0">
+            <a:schemeClr val="accent1"/>
+          </a:effectRef>
+          <a:fontRef idx="minor">
+            <a:schemeClr val="lt1"/>
+          </a:fontRef>
+        </p:style>
+        <p:txBody>
+          <a:bodyPr rtlCol="0" anchor="ctr"/>
+          <a:lstStyle/>
+          <a:p>
+            <a:pPr algn="ctr"/>
+            <a:r>
+              <a:rPr lang="en-US" altLang="zh-CN" dirty="0">
+                <a:solidFill>
+                  <a:schemeClr val="tx1"/>
+                </a:solidFill>
+              </a:rPr>
+              <a:t>......</a:t>
+            </a:r>
+          </a:p>
+        </p:txBody>
+      </p:sp>
+      <p:sp>
+        <p:nvSpPr>
+          <p:cNvPr id="39" name="矩形 38"/>
+          <p:cNvSpPr/>
+          <p:nvPr/>
+        </p:nvSpPr>
+        <p:spPr>
+          <a:xfrm>
+            <a:off x="6645898" y="3271104"/>
+            <a:ext cx="1046375" cy="358219"/>
+          </a:xfrm>
+          <a:prstGeom prst="rect">
+            <a:avLst/>
+          </a:prstGeom>
+        </p:spPr>
+        <p:style>
+          <a:lnRef idx="2">
+            <a:schemeClr val="accent6">
+              <a:shade val="50000"/>
+            </a:schemeClr>
+          </a:lnRef>
+          <a:fillRef idx="1">
+            <a:schemeClr val="accent6"/>
+          </a:fillRef>
+          <a:effectRef idx="0">
+            <a:schemeClr val="accent6"/>
+          </a:effectRef>
+          <a:fontRef idx="minor">
+            <a:schemeClr val="lt1"/>
+          </a:fontRef>
+        </p:style>
+        <p:txBody>
+          <a:bodyPr rtlCol="0" anchor="ctr"/>
+          <a:lstStyle/>
+          <a:p>
+            <a:pPr algn="ctr"/>
+            <a:r>
+              <a:rPr lang="en-US" altLang="zh-CN" dirty="0"/>
+              <a:t>Chunk</a:t>
+            </a:r>
+            <a:endParaRPr lang="zh-CN" altLang="en-US" dirty="0"/>
+          </a:p>
+        </p:txBody>
+      </p:sp>
+      <p:sp>
+        <p:nvSpPr>
+          <p:cNvPr id="41" name="矩形 40"/>
+          <p:cNvSpPr/>
+          <p:nvPr/>
+        </p:nvSpPr>
+        <p:spPr>
+          <a:xfrm>
+            <a:off x="7687560" y="3266686"/>
+            <a:ext cx="2412426" cy="358219"/>
+          </a:xfrm>
+          <a:prstGeom prst="rect">
+            <a:avLst/>
+          </a:prstGeom>
+        </p:spPr>
+        <p:style>
+          <a:lnRef idx="2">
+            <a:schemeClr val="accent3">
+              <a:shade val="50000"/>
+            </a:schemeClr>
+          </a:lnRef>
+          <a:fillRef idx="1">
+            <a:schemeClr val="accent3"/>
+          </a:fillRef>
+          <a:effectRef idx="0">
+            <a:schemeClr val="accent3"/>
+          </a:effectRef>
+          <a:fontRef idx="minor">
+            <a:schemeClr val="lt1"/>
+          </a:fontRef>
+        </p:style>
+        <p:txBody>
+          <a:bodyPr rtlCol="0" anchor="ctr"/>
+          <a:lstStyle/>
+          <a:p>
+            <a:pPr algn="ctr"/>
+            <a:r>
+              <a:rPr lang="en-US" altLang="zh-CN" dirty="0"/>
+              <a:t>Footer</a:t>
+            </a:r>
+            <a:endParaRPr lang="zh-CN" altLang="en-US" dirty="0"/>
+          </a:p>
+        </p:txBody>
+      </p:sp>
+      <p:cxnSp>
+        <p:nvCxnSpPr>
+          <p:cNvPr id="43" name="直接箭头连接符 42"/>
+          <p:cNvCxnSpPr>
+            <a:endCxn id="36" idx="0"/>
+          </p:cNvCxnSpPr>
+          <p:nvPr/>
+        </p:nvCxnSpPr>
+        <p:spPr>
+          <a:xfrm>
+            <a:off x="4147794" y="2337841"/>
+            <a:ext cx="405354" cy="933262"/>
+          </a:xfrm>
+          <a:prstGeom prst="straightConnector1">
+            <a:avLst/>
+          </a:prstGeom>
+          <a:ln w="28575">
+            <a:tailEnd type="triangle"/>
+          </a:ln>
+        </p:spPr>
+        <p:style>
+          <a:lnRef idx="1">
+            <a:schemeClr val="accent2"/>
+          </a:lnRef>
+          <a:fillRef idx="0">
+            <a:schemeClr val="accent2"/>
+          </a:fillRef>
+          <a:effectRef idx="0">
+            <a:schemeClr val="accent2"/>
+          </a:effectRef>
+          <a:fontRef idx="minor">
+            <a:schemeClr val="tx1"/>
+          </a:fontRef>
+        </p:style>
+      </p:cxnSp>
+      <p:cxnSp>
+        <p:nvCxnSpPr>
+          <p:cNvPr id="46" name="直接箭头连接符 45"/>
+          <p:cNvCxnSpPr/>
+          <p:nvPr/>
+        </p:nvCxnSpPr>
+        <p:spPr>
+          <a:xfrm>
+            <a:off x="5213021" y="2337841"/>
+            <a:ext cx="405354" cy="933262"/>
+          </a:xfrm>
+          <a:prstGeom prst="straightConnector1">
+            <a:avLst/>
+          </a:prstGeom>
+          <a:ln w="28575">
+            <a:tailEnd type="triangle"/>
+          </a:ln>
+        </p:spPr>
+        <p:style>
+          <a:lnRef idx="1">
+            <a:schemeClr val="accent2"/>
+          </a:lnRef>
+          <a:fillRef idx="0">
+            <a:schemeClr val="accent2"/>
+          </a:fillRef>
+          <a:effectRef idx="0">
+            <a:schemeClr val="accent2"/>
+          </a:effectRef>
+          <a:fontRef idx="minor">
+            <a:schemeClr val="tx1"/>
+          </a:fontRef>
+        </p:style>
+      </p:cxnSp>
+      <p:cxnSp>
+        <p:nvCxnSpPr>
+          <p:cNvPr id="47" name="直接箭头连接符 46"/>
+          <p:cNvCxnSpPr>
+            <a:stCxn id="28" idx="2"/>
+            <a:endCxn id="39" idx="0"/>
+          </p:cNvCxnSpPr>
+          <p:nvPr/>
+        </p:nvCxnSpPr>
+        <p:spPr>
+          <a:xfrm flipH="1">
+            <a:off x="7169086" y="2337841"/>
+            <a:ext cx="346282" cy="933263"/>
+          </a:xfrm>
+          <a:prstGeom prst="straightConnector1">
+            <a:avLst/>
+          </a:prstGeom>
+          <a:ln w="28575">
+            <a:tailEnd type="triangle"/>
+          </a:ln>
+        </p:spPr>
+        <p:style>
+          <a:lnRef idx="1">
+            <a:schemeClr val="accent2"/>
+          </a:lnRef>
+          <a:fillRef idx="0">
+            <a:schemeClr val="accent2"/>
+          </a:fillRef>
+          <a:effectRef idx="0">
+            <a:schemeClr val="accent2"/>
+          </a:effectRef>
+          <a:fontRef idx="minor">
+            <a:schemeClr val="tx1"/>
+          </a:fontRef>
+        </p:style>
+      </p:cxnSp>
+      <p:sp>
+        <p:nvSpPr>
+          <p:cNvPr id="52" name="文本框 51"/>
+          <p:cNvSpPr txBox="1"/>
+          <p:nvPr/>
+        </p:nvSpPr>
+        <p:spPr>
+          <a:xfrm>
+            <a:off x="8088198" y="1646626"/>
+            <a:ext cx="3497343" cy="307777"/>
+          </a:xfrm>
+          <a:prstGeom prst="rect">
+            <a:avLst/>
+          </a:prstGeom>
+          <a:noFill/>
+        </p:spPr>
+        <p:txBody>
+          <a:bodyPr wrap="square" rtlCol="0">
+            <a:spAutoFit/>
+          </a:bodyPr>
+          <a:lstStyle/>
+          <a:p>
+            <a:r>
+              <a:rPr lang="en-US" altLang="zh-CN" sz="1400" dirty="0"/>
+              <a:t>Chunk</a:t>
+            </a:r>
+            <a:r>
+              <a:rPr lang="zh-CN" altLang="en-US" sz="1400" dirty="0"/>
+              <a:t>中第一个文档的</a:t>
+            </a:r>
+            <a:r>
+              <a:rPr lang="en-US" altLang="zh-CN" sz="1400" dirty="0" err="1"/>
+              <a:t>docID</a:t>
+            </a:r>
+            <a:r>
+              <a:rPr lang="en-US" altLang="zh-CN" sz="1400" dirty="0"/>
+              <a:t>(</a:t>
+            </a:r>
+            <a:r>
+              <a:rPr lang="zh-CN" altLang="en-US" sz="1400" dirty="0"/>
+              <a:t>二分</a:t>
+            </a:r>
+            <a:r>
+              <a:rPr lang="en-US" altLang="zh-CN" sz="1400" dirty="0"/>
+              <a:t>)</a:t>
+            </a:r>
+            <a:endParaRPr lang="zh-CN" altLang="en-US" sz="1400" dirty="0"/>
+          </a:p>
+        </p:txBody>
+      </p:sp>
+      <p:sp>
+        <p:nvSpPr>
+          <p:cNvPr id="53" name="文本框 52"/>
+          <p:cNvSpPr txBox="1"/>
+          <p:nvPr/>
+        </p:nvSpPr>
+        <p:spPr>
+          <a:xfrm>
+            <a:off x="8090097" y="2004842"/>
+            <a:ext cx="2809188" cy="307777"/>
+          </a:xfrm>
+          <a:prstGeom prst="rect">
+            <a:avLst/>
+          </a:prstGeom>
+          <a:noFill/>
+        </p:spPr>
+        <p:txBody>
+          <a:bodyPr wrap="square" rtlCol="0">
+            <a:spAutoFit/>
+          </a:bodyPr>
+          <a:lstStyle/>
+          <a:p>
+            <a:r>
+              <a:rPr lang="en-US" altLang="zh-CN" sz="1400" dirty="0"/>
+              <a:t>Chunk</a:t>
+            </a:r>
+            <a:r>
+              <a:rPr lang="zh-CN" altLang="en-US" sz="1400" dirty="0"/>
+              <a:t>在磁盘上的位置</a:t>
+            </a:r>
+          </a:p>
+        </p:txBody>
+      </p:sp>
+      <p:sp>
+        <p:nvSpPr>
+          <p:cNvPr id="55" name="矩形 54"/>
+          <p:cNvSpPr/>
+          <p:nvPr/>
+        </p:nvSpPr>
+        <p:spPr>
+          <a:xfrm>
+            <a:off x="2485531" y="4298622"/>
+            <a:ext cx="1366884" cy="358219"/>
+          </a:xfrm>
+          <a:prstGeom prst="rect">
+            <a:avLst/>
+          </a:prstGeom>
+        </p:spPr>
+        <p:style>
+          <a:lnRef idx="3">
+            <a:schemeClr val="lt1"/>
+          </a:lnRef>
+          <a:fillRef idx="1">
+            <a:schemeClr val="accent3"/>
+          </a:fillRef>
+          <a:effectRef idx="1">
+            <a:schemeClr val="accent3"/>
+          </a:effectRef>
+          <a:fontRef idx="minor">
+            <a:schemeClr val="lt1"/>
+          </a:fontRef>
+        </p:style>
+        <p:txBody>
+          <a:bodyPr rtlCol="0" anchor="ctr"/>
+          <a:lstStyle/>
+          <a:p>
+            <a:pPr algn="ctr"/>
+            <a:r>
+              <a:rPr lang="en-US" altLang="zh-CN" dirty="0" err="1"/>
+              <a:t>ChunkDocs</a:t>
+            </a:r>
+            <a:endParaRPr lang="zh-CN" altLang="en-US" dirty="0"/>
+          </a:p>
+        </p:txBody>
+      </p:sp>
+      <p:sp>
+        <p:nvSpPr>
+          <p:cNvPr id="56" name="矩形 55"/>
+          <p:cNvSpPr/>
+          <p:nvPr/>
+        </p:nvSpPr>
+        <p:spPr>
+          <a:xfrm>
+            <a:off x="3859334" y="4298621"/>
+            <a:ext cx="1759041" cy="358219"/>
+          </a:xfrm>
+          <a:prstGeom prst="rect">
+            <a:avLst/>
+          </a:prstGeom>
+        </p:spPr>
+        <p:style>
+          <a:lnRef idx="3">
+            <a:schemeClr val="lt1"/>
+          </a:lnRef>
+          <a:fillRef idx="1">
+            <a:schemeClr val="accent2"/>
+          </a:fillRef>
+          <a:effectRef idx="1">
+            <a:schemeClr val="accent2"/>
+          </a:effectRef>
+          <a:fontRef idx="minor">
+            <a:schemeClr val="lt1"/>
+          </a:fontRef>
+        </p:style>
+        <p:txBody>
+          <a:bodyPr rtlCol="0" anchor="ctr"/>
+          <a:lstStyle/>
+          <a:p>
+            <a:pPr algn="ctr"/>
+            <a:r>
+              <a:rPr lang="en-US" altLang="zh-CN" dirty="0" err="1"/>
+              <a:t>DocFieldCounts</a:t>
+            </a:r>
+            <a:endParaRPr lang="zh-CN" altLang="en-US" dirty="0"/>
+          </a:p>
+        </p:txBody>
+      </p:sp>
+      <p:sp>
+        <p:nvSpPr>
+          <p:cNvPr id="57" name="矩形 56"/>
+          <p:cNvSpPr/>
+          <p:nvPr/>
+        </p:nvSpPr>
+        <p:spPr>
+          <a:xfrm>
+            <a:off x="5631574" y="4298619"/>
+            <a:ext cx="1367523" cy="358219"/>
+          </a:xfrm>
+          <a:prstGeom prst="rect">
+            <a:avLst/>
+          </a:prstGeom>
+        </p:spPr>
+        <p:style>
+          <a:lnRef idx="3">
+            <a:schemeClr val="lt1"/>
+          </a:lnRef>
+          <a:fillRef idx="1">
+            <a:schemeClr val="accent6"/>
+          </a:fillRef>
+          <a:effectRef idx="1">
+            <a:schemeClr val="accent6"/>
+          </a:effectRef>
+          <a:fontRef idx="minor">
+            <a:schemeClr val="lt1"/>
+          </a:fontRef>
+        </p:style>
+        <p:txBody>
+          <a:bodyPr rtlCol="0" anchor="ctr"/>
+          <a:lstStyle/>
+          <a:p>
+            <a:pPr algn="ctr"/>
             <a:r>
               <a:rPr lang="en-US" altLang="zh-CN" dirty="0" err="1"/>
               <a:t>DocLengths</a:t>
             </a:r>
+            <a:endParaRPr lang="zh-CN" altLang="en-US" dirty="0"/>
+          </a:p>
+        </p:txBody>
+      </p:sp>
+      <p:sp>
+        <p:nvSpPr>
+          <p:cNvPr id="58" name="矩形 57"/>
+          <p:cNvSpPr/>
+          <p:nvPr/>
+        </p:nvSpPr>
+        <p:spPr>
+          <a:xfrm>
+            <a:off x="1274605" y="4298619"/>
+            <a:ext cx="1204007" cy="358219"/>
+          </a:xfrm>
+          <a:prstGeom prst="rect">
+            <a:avLst/>
+          </a:prstGeom>
+        </p:spPr>
+        <p:style>
+          <a:lnRef idx="3">
+            <a:schemeClr val="lt1"/>
+          </a:lnRef>
+          <a:fillRef idx="1">
+            <a:schemeClr val="accent3"/>
+          </a:fillRef>
+          <a:effectRef idx="1">
+            <a:schemeClr val="accent3"/>
+          </a:effectRef>
+          <a:fontRef idx="minor">
+            <a:schemeClr val="lt1"/>
+          </a:fontRef>
+        </p:style>
+        <p:txBody>
+          <a:bodyPr rtlCol="0" anchor="ctr"/>
+          <a:lstStyle/>
+          <a:p>
+            <a:pPr algn="ctr"/>
+            <a:r>
+              <a:rPr lang="en-US" altLang="zh-CN" dirty="0" err="1"/>
+              <a:t>DocBase</a:t>
+            </a:r>
+            <a:endParaRPr lang="zh-CN" altLang="en-US" dirty="0"/>
+          </a:p>
+        </p:txBody>
+      </p:sp>
+      <p:sp>
+        <p:nvSpPr>
+          <p:cNvPr id="65" name="矩形 64"/>
+          <p:cNvSpPr/>
+          <p:nvPr/>
+        </p:nvSpPr>
+        <p:spPr>
+          <a:xfrm>
+            <a:off x="7012296" y="4298619"/>
+            <a:ext cx="1940022" cy="358219"/>
+          </a:xfrm>
+          <a:prstGeom prst="rect">
+            <a:avLst/>
+          </a:prstGeom>
+        </p:spPr>
+        <p:style>
+          <a:lnRef idx="3">
+            <a:schemeClr val="lt1"/>
+          </a:lnRef>
+          <a:fillRef idx="1">
+            <a:schemeClr val="accent1"/>
+          </a:fillRef>
+          <a:effectRef idx="1">
+            <a:schemeClr val="accent1"/>
+          </a:effectRef>
+          <a:fontRef idx="minor">
+            <a:schemeClr val="lt1"/>
+          </a:fontRef>
+        </p:style>
+        <p:txBody>
+          <a:bodyPr rtlCol="0" anchor="ctr"/>
+          <a:lstStyle/>
+          <a:p>
+            <a:pPr algn="ctr"/>
+            <a:r>
+              <a:rPr lang="en-US" altLang="zh-CN" dirty="0" err="1"/>
+              <a:t>CompressedDocs</a:t>
+            </a:r>
+            <a:endParaRPr lang="zh-CN" altLang="en-US" dirty="0"/>
+          </a:p>
+        </p:txBody>
+      </p:sp>
+      <p:cxnSp>
+        <p:nvCxnSpPr>
+          <p:cNvPr id="66" name="直接连接符 65"/>
+          <p:cNvCxnSpPr/>
+          <p:nvPr/>
+        </p:nvCxnSpPr>
+        <p:spPr>
+          <a:xfrm>
+            <a:off x="7041824" y="4637989"/>
+            <a:ext cx="722922" cy="499622"/>
+          </a:xfrm>
+          <a:prstGeom prst="line">
+            <a:avLst/>
+          </a:prstGeom>
+          <a:ln w="19050"/>
+        </p:spPr>
+        <p:style>
+          <a:lnRef idx="1">
+            <a:schemeClr val="accent1"/>
+          </a:lnRef>
+          <a:fillRef idx="0">
+            <a:schemeClr val="accent1"/>
+          </a:fillRef>
+          <a:effectRef idx="0">
+            <a:schemeClr val="accent1"/>
+          </a:effectRef>
+          <a:fontRef idx="minor">
+            <a:schemeClr val="tx1"/>
+          </a:fontRef>
+        </p:style>
+      </p:cxnSp>
+      <p:cxnSp>
+        <p:nvCxnSpPr>
+          <p:cNvPr id="69" name="直接连接符 68"/>
+          <p:cNvCxnSpPr/>
+          <p:nvPr/>
+        </p:nvCxnSpPr>
+        <p:spPr>
+          <a:xfrm>
+            <a:off x="5024486" y="3648179"/>
+            <a:ext cx="3927832" cy="654857"/>
+          </a:xfrm>
+          <a:prstGeom prst="line">
+            <a:avLst/>
+          </a:prstGeom>
+          <a:ln w="19050"/>
+        </p:spPr>
+        <p:style>
+          <a:lnRef idx="1">
+            <a:schemeClr val="accent1"/>
+          </a:lnRef>
+          <a:fillRef idx="0">
+            <a:schemeClr val="accent1"/>
+          </a:fillRef>
+          <a:effectRef idx="0">
+            <a:schemeClr val="accent1"/>
+          </a:effectRef>
+          <a:fontRef idx="minor">
+            <a:schemeClr val="tx1"/>
+          </a:fontRef>
+        </p:style>
+      </p:cxnSp>
+      <p:sp>
+        <p:nvSpPr>
+          <p:cNvPr id="72" name="矩形 71"/>
+          <p:cNvSpPr/>
+          <p:nvPr/>
+        </p:nvSpPr>
+        <p:spPr>
+          <a:xfrm>
+            <a:off x="7729982" y="5137611"/>
+            <a:ext cx="1046375" cy="358219"/>
+          </a:xfrm>
+          <a:prstGeom prst="rect">
+            <a:avLst/>
+          </a:prstGeom>
+        </p:spPr>
+        <p:style>
+          <a:lnRef idx="2">
+            <a:schemeClr val="accent6">
+              <a:shade val="50000"/>
+            </a:schemeClr>
+          </a:lnRef>
+          <a:fillRef idx="1">
+            <a:schemeClr val="accent6"/>
+          </a:fillRef>
+          <a:effectRef idx="0">
+            <a:schemeClr val="accent6"/>
+          </a:effectRef>
+          <a:fontRef idx="minor">
+            <a:schemeClr val="lt1"/>
+          </a:fontRef>
+        </p:style>
+        <p:txBody>
+          <a:bodyPr rtlCol="0" anchor="ctr"/>
+          <a:lstStyle/>
+          <a:p>
+            <a:pPr algn="ctr"/>
+            <a:r>
+              <a:rPr lang="en-US" altLang="zh-CN" dirty="0"/>
+              <a:t>Doc</a:t>
+            </a:r>
+            <a:endParaRPr lang="zh-CN" altLang="en-US" dirty="0"/>
+          </a:p>
+        </p:txBody>
+      </p:sp>
+      <p:sp>
+        <p:nvSpPr>
+          <p:cNvPr id="73" name="矩形 72"/>
+          <p:cNvSpPr/>
+          <p:nvPr/>
+        </p:nvSpPr>
+        <p:spPr>
+          <a:xfrm>
+            <a:off x="8724508" y="5137611"/>
+            <a:ext cx="1046375" cy="358219"/>
+          </a:xfrm>
+          <a:prstGeom prst="rect">
+            <a:avLst/>
+          </a:prstGeom>
+        </p:spPr>
+        <p:style>
+          <a:lnRef idx="2">
+            <a:schemeClr val="accent6">
+              <a:shade val="50000"/>
+            </a:schemeClr>
+          </a:lnRef>
+          <a:fillRef idx="1">
+            <a:schemeClr val="accent6"/>
+          </a:fillRef>
+          <a:effectRef idx="0">
+            <a:schemeClr val="accent6"/>
+          </a:effectRef>
+          <a:fontRef idx="minor">
+            <a:schemeClr val="lt1"/>
+          </a:fontRef>
+        </p:style>
+        <p:txBody>
+          <a:bodyPr rtlCol="0" anchor="ctr"/>
+          <a:lstStyle/>
+          <a:p>
+            <a:pPr algn="ctr"/>
+            <a:r>
+              <a:rPr lang="en-US" altLang="zh-CN" dirty="0"/>
+              <a:t>Doc</a:t>
+            </a:r>
+            <a:endParaRPr lang="zh-CN" altLang="en-US" dirty="0"/>
+          </a:p>
+        </p:txBody>
+      </p:sp>
+      <p:sp>
+        <p:nvSpPr>
+          <p:cNvPr id="74" name="矩形 73"/>
+          <p:cNvSpPr/>
+          <p:nvPr/>
+        </p:nvSpPr>
+        <p:spPr>
+          <a:xfrm>
+            <a:off x="9766170" y="5137613"/>
+            <a:ext cx="579750" cy="358219"/>
+          </a:xfrm>
+          <a:prstGeom prst="rect">
+            <a:avLst/>
+          </a:prstGeom>
+          <a:noFill/>
+          <a:ln>
+            <a:noFill/>
+          </a:ln>
+        </p:spPr>
+        <p:style>
+          <a:lnRef idx="2">
+            <a:schemeClr val="accent1">
+              <a:shade val="50000"/>
+            </a:schemeClr>
+          </a:lnRef>
+          <a:fillRef idx="1">
+            <a:schemeClr val="accent1"/>
+          </a:fillRef>
+          <a:effectRef idx="0">
+            <a:schemeClr val="accent1"/>
+          </a:effectRef>
+          <a:fontRef idx="minor">
+            <a:schemeClr val="lt1"/>
+          </a:fontRef>
+        </p:style>
+        <p:txBody>
+          <a:bodyPr rtlCol="0" anchor="ctr"/>
+          <a:lstStyle/>
+          <a:p>
+            <a:pPr algn="ctr"/>
+            <a:r>
+              <a:rPr lang="en-US" altLang="zh-CN" dirty="0">
+                <a:solidFill>
+                  <a:schemeClr val="tx1"/>
+                </a:solidFill>
+              </a:rPr>
+              <a:t>......</a:t>
+            </a:r>
+          </a:p>
+        </p:txBody>
+      </p:sp>
+      <p:sp>
+        <p:nvSpPr>
+          <p:cNvPr id="75" name="矩形 74"/>
+          <p:cNvSpPr/>
+          <p:nvPr/>
+        </p:nvSpPr>
+        <p:spPr>
+          <a:xfrm>
+            <a:off x="10345920" y="5137612"/>
+            <a:ext cx="1046375" cy="358219"/>
+          </a:xfrm>
+          <a:prstGeom prst="rect">
+            <a:avLst/>
+          </a:prstGeom>
+        </p:spPr>
+        <p:style>
+          <a:lnRef idx="2">
+            <a:schemeClr val="accent6">
+              <a:shade val="50000"/>
+            </a:schemeClr>
+          </a:lnRef>
+          <a:fillRef idx="1">
+            <a:schemeClr val="accent6"/>
+          </a:fillRef>
+          <a:effectRef idx="0">
+            <a:schemeClr val="accent6"/>
+          </a:effectRef>
+          <a:fontRef idx="minor">
+            <a:schemeClr val="lt1"/>
+          </a:fontRef>
+        </p:style>
+        <p:txBody>
+          <a:bodyPr rtlCol="0" anchor="ctr"/>
+          <a:lstStyle/>
+          <a:p>
+            <a:pPr algn="ctr"/>
+            <a:r>
+              <a:rPr lang="en-US" altLang="zh-CN" dirty="0"/>
+              <a:t>Doc</a:t>
+            </a:r>
+            <a:endParaRPr lang="zh-CN" altLang="en-US" dirty="0"/>
+          </a:p>
+        </p:txBody>
+      </p:sp>
+      <p:cxnSp>
+        <p:nvCxnSpPr>
+          <p:cNvPr id="79" name="直接连接符 78"/>
+          <p:cNvCxnSpPr/>
+          <p:nvPr/>
+        </p:nvCxnSpPr>
+        <p:spPr>
+          <a:xfrm>
+            <a:off x="8927540" y="4637989"/>
+            <a:ext cx="2460042" cy="499620"/>
+          </a:xfrm>
+          <a:prstGeom prst="line">
+            <a:avLst/>
+          </a:prstGeom>
+          <a:ln w="19050"/>
+        </p:spPr>
+        <p:style>
+          <a:lnRef idx="1">
+            <a:schemeClr val="accent1"/>
+          </a:lnRef>
+          <a:fillRef idx="0">
+            <a:schemeClr val="accent1"/>
+          </a:fillRef>
+          <a:effectRef idx="0">
+            <a:schemeClr val="accent1"/>
+          </a:effectRef>
+          <a:fontRef idx="minor">
+            <a:schemeClr val="tx1"/>
+          </a:fontRef>
+        </p:style>
+      </p:cxnSp>
+      <p:cxnSp>
+        <p:nvCxnSpPr>
+          <p:cNvPr id="82" name="直接连接符 81"/>
+          <p:cNvCxnSpPr/>
+          <p:nvPr/>
+        </p:nvCxnSpPr>
+        <p:spPr>
+          <a:xfrm flipH="1">
+            <a:off x="1269892" y="3624905"/>
+            <a:ext cx="2755355" cy="678131"/>
+          </a:xfrm>
+          <a:prstGeom prst="line">
+            <a:avLst/>
+          </a:prstGeom>
+          <a:ln w="19050"/>
+        </p:spPr>
+        <p:style>
+          <a:lnRef idx="1">
+            <a:schemeClr val="accent1"/>
+          </a:lnRef>
+          <a:fillRef idx="0">
+            <a:schemeClr val="accent1"/>
+          </a:fillRef>
+          <a:effectRef idx="0">
+            <a:schemeClr val="accent1"/>
+          </a:effectRef>
+          <a:fontRef idx="minor">
+            <a:schemeClr val="tx1"/>
+          </a:fontRef>
+        </p:style>
+      </p:cxnSp>
+      <p:sp>
+        <p:nvSpPr>
+          <p:cNvPr id="95" name="矩形 94"/>
+          <p:cNvSpPr/>
+          <p:nvPr/>
+        </p:nvSpPr>
+        <p:spPr>
+          <a:xfrm>
+            <a:off x="5698070" y="6033755"/>
+            <a:ext cx="1046375" cy="358219"/>
+          </a:xfrm>
+          <a:prstGeom prst="rect">
+            <a:avLst/>
+          </a:prstGeom>
+        </p:spPr>
+        <p:style>
+          <a:lnRef idx="3">
+            <a:schemeClr val="lt1"/>
+          </a:lnRef>
+          <a:fillRef idx="1">
+            <a:schemeClr val="accent5"/>
+          </a:fillRef>
+          <a:effectRef idx="1">
+            <a:schemeClr val="accent5"/>
+          </a:effectRef>
+          <a:fontRef idx="minor">
+            <a:schemeClr val="lt1"/>
+          </a:fontRef>
+        </p:style>
+        <p:txBody>
+          <a:bodyPr rtlCol="0" anchor="ctr"/>
+          <a:lstStyle/>
+          <a:p>
+            <a:pPr algn="ctr"/>
+            <a:r>
+              <a:rPr lang="en-US" altLang="zh-CN" dirty="0"/>
+              <a:t>Value2</a:t>
+            </a:r>
+            <a:endParaRPr lang="zh-CN" altLang="en-US" dirty="0"/>
+          </a:p>
+        </p:txBody>
+      </p:sp>
+      <p:sp>
+        <p:nvSpPr>
+          <p:cNvPr id="98" name="矩形 97"/>
+          <p:cNvSpPr/>
+          <p:nvPr/>
+        </p:nvSpPr>
+        <p:spPr>
+          <a:xfrm>
+            <a:off x="3671310" y="6043179"/>
+            <a:ext cx="2174647" cy="358219"/>
+          </a:xfrm>
+          <a:prstGeom prst="rect">
+            <a:avLst/>
+          </a:prstGeom>
+        </p:spPr>
+        <p:style>
+          <a:lnRef idx="3">
+            <a:schemeClr val="lt1"/>
+          </a:lnRef>
+          <a:fillRef idx="1">
+            <a:schemeClr val="accent5"/>
+          </a:fillRef>
+          <a:effectRef idx="1">
+            <a:schemeClr val="accent5"/>
+          </a:effectRef>
+          <a:fontRef idx="minor">
+            <a:schemeClr val="lt1"/>
+          </a:fontRef>
+        </p:style>
+        <p:txBody>
+          <a:bodyPr rtlCol="0" anchor="ctr"/>
+          <a:lstStyle/>
+          <a:p>
+            <a:pPr algn="ctr"/>
+            <a:r>
+              <a:rPr lang="en-US" altLang="zh-CN" dirty="0"/>
+              <a:t>FieldNumAndType2</a:t>
+            </a:r>
+            <a:endParaRPr lang="zh-CN" altLang="en-US" dirty="0"/>
+          </a:p>
+        </p:txBody>
+      </p:sp>
+      <p:sp>
+        <p:nvSpPr>
+          <p:cNvPr id="99" name="矩形 98"/>
+          <p:cNvSpPr/>
+          <p:nvPr/>
+        </p:nvSpPr>
+        <p:spPr>
+          <a:xfrm>
+            <a:off x="6718371" y="6033754"/>
+            <a:ext cx="796997" cy="358219"/>
+          </a:xfrm>
+          <a:prstGeom prst="rect">
+            <a:avLst/>
+          </a:prstGeom>
+        </p:spPr>
+        <p:style>
+          <a:lnRef idx="3">
+            <a:schemeClr val="lt1"/>
+          </a:lnRef>
+          <a:fillRef idx="1">
+            <a:schemeClr val="accent2"/>
+          </a:fillRef>
+          <a:effectRef idx="1">
+            <a:schemeClr val="accent2"/>
+          </a:effectRef>
+          <a:fontRef idx="minor">
+            <a:schemeClr val="lt1"/>
+          </a:fontRef>
+        </p:style>
+        <p:txBody>
+          <a:bodyPr rtlCol="0" anchor="ctr"/>
+          <a:lstStyle/>
+          <a:p>
+            <a:pPr algn="ctr"/>
+            <a:r>
+              <a:rPr lang="en-US" altLang="zh-CN" dirty="0"/>
+              <a:t>…</a:t>
+            </a:r>
+            <a:endParaRPr lang="zh-CN" altLang="en-US" dirty="0"/>
+          </a:p>
+        </p:txBody>
+      </p:sp>
+      <p:sp>
+        <p:nvSpPr>
+          <p:cNvPr id="100" name="矩形 99"/>
+          <p:cNvSpPr/>
+          <p:nvPr/>
+        </p:nvSpPr>
+        <p:spPr>
+          <a:xfrm>
+            <a:off x="2618017" y="6043182"/>
+            <a:ext cx="1046375" cy="358219"/>
+          </a:xfrm>
+          <a:prstGeom prst="rect">
+            <a:avLst/>
+          </a:prstGeom>
+        </p:spPr>
+        <p:style>
+          <a:lnRef idx="3">
+            <a:schemeClr val="lt1"/>
+          </a:lnRef>
+          <a:fillRef idx="1">
+            <a:schemeClr val="accent2"/>
+          </a:fillRef>
+          <a:effectRef idx="1">
+            <a:schemeClr val="accent2"/>
+          </a:effectRef>
+          <a:fontRef idx="minor">
+            <a:schemeClr val="lt1"/>
+          </a:fontRef>
+        </p:style>
+        <p:txBody>
+          <a:bodyPr rtlCol="0" anchor="ctr"/>
+          <a:lstStyle/>
+          <a:p>
+            <a:pPr algn="ctr"/>
+            <a:r>
+              <a:rPr lang="en-US" altLang="zh-CN" dirty="0"/>
+              <a:t>Value1</a:t>
+            </a:r>
+            <a:endParaRPr lang="zh-CN" altLang="en-US" dirty="0"/>
+          </a:p>
+        </p:txBody>
+      </p:sp>
+      <p:sp>
+        <p:nvSpPr>
+          <p:cNvPr id="101" name="矩形 100"/>
+          <p:cNvSpPr/>
+          <p:nvPr/>
+        </p:nvSpPr>
+        <p:spPr>
+          <a:xfrm>
+            <a:off x="518348" y="6043179"/>
+            <a:ext cx="2174647" cy="358219"/>
+          </a:xfrm>
+          <a:prstGeom prst="rect">
+            <a:avLst/>
+          </a:prstGeom>
+        </p:spPr>
+        <p:style>
+          <a:lnRef idx="3">
+            <a:schemeClr val="lt1"/>
+          </a:lnRef>
+          <a:fillRef idx="1">
+            <a:schemeClr val="accent2"/>
+          </a:fillRef>
+          <a:effectRef idx="1">
+            <a:schemeClr val="accent2"/>
+          </a:effectRef>
+          <a:fontRef idx="minor">
+            <a:schemeClr val="lt1"/>
+          </a:fontRef>
+        </p:style>
+        <p:txBody>
+          <a:bodyPr rtlCol="0" anchor="ctr"/>
+          <a:lstStyle/>
+          <a:p>
+            <a:pPr algn="ctr"/>
+            <a:r>
+              <a:rPr lang="en-US" altLang="zh-CN" dirty="0"/>
+              <a:t>FieldNumAndType1</a:t>
+            </a:r>
+            <a:endParaRPr lang="zh-CN" altLang="en-US" dirty="0"/>
+          </a:p>
+        </p:txBody>
+      </p:sp>
+      <p:sp>
+        <p:nvSpPr>
+          <p:cNvPr id="102" name="矩形 101"/>
+          <p:cNvSpPr/>
+          <p:nvPr/>
+        </p:nvSpPr>
+        <p:spPr>
+          <a:xfrm>
+            <a:off x="7533922" y="6043179"/>
+            <a:ext cx="2415998" cy="358219"/>
+          </a:xfrm>
+          <a:prstGeom prst="rect">
+            <a:avLst/>
+          </a:prstGeom>
+        </p:spPr>
+        <p:style>
+          <a:lnRef idx="3">
+            <a:schemeClr val="lt1"/>
+          </a:lnRef>
+          <a:fillRef idx="1">
+            <a:schemeClr val="accent4"/>
+          </a:fillRef>
+          <a:effectRef idx="1">
+            <a:schemeClr val="accent4"/>
+          </a:effectRef>
+          <a:fontRef idx="minor">
+            <a:schemeClr val="lt1"/>
+          </a:fontRef>
+        </p:style>
+        <p:txBody>
+          <a:bodyPr rtlCol="0" anchor="ctr"/>
+          <a:lstStyle/>
+          <a:p>
+            <a:pPr algn="ctr"/>
+            <a:r>
+              <a:rPr lang="en-US" altLang="zh-CN" dirty="0" err="1"/>
+              <a:t>FieldNumAndTypeN</a:t>
+            </a:r>
+            <a:endParaRPr lang="zh-CN" altLang="en-US" dirty="0"/>
+          </a:p>
+        </p:txBody>
+      </p:sp>
+      <p:sp>
+        <p:nvSpPr>
+          <p:cNvPr id="103" name="矩形 102"/>
+          <p:cNvSpPr/>
+          <p:nvPr/>
+        </p:nvSpPr>
+        <p:spPr>
+          <a:xfrm>
+            <a:off x="9793708" y="6043179"/>
+            <a:ext cx="1046375" cy="358219"/>
+          </a:xfrm>
+          <a:prstGeom prst="rect">
+            <a:avLst/>
+          </a:prstGeom>
+        </p:spPr>
+        <p:style>
+          <a:lnRef idx="3">
+            <a:schemeClr val="lt1"/>
+          </a:lnRef>
+          <a:fillRef idx="1">
+            <a:schemeClr val="accent4"/>
+          </a:fillRef>
+          <a:effectRef idx="1">
+            <a:schemeClr val="accent4"/>
+          </a:effectRef>
+          <a:fontRef idx="minor">
+            <a:schemeClr val="lt1"/>
+          </a:fontRef>
+        </p:style>
+        <p:txBody>
+          <a:bodyPr rtlCol="0" anchor="ctr"/>
+          <a:lstStyle/>
+          <a:p>
+            <a:pPr algn="ctr"/>
+            <a:r>
+              <a:rPr lang="en-US" altLang="zh-CN" dirty="0" err="1"/>
+              <a:t>ValueN</a:t>
+            </a:r>
+            <a:endParaRPr lang="zh-CN" altLang="en-US" dirty="0"/>
+          </a:p>
+        </p:txBody>
+      </p:sp>
+      <p:cxnSp>
+        <p:nvCxnSpPr>
+          <p:cNvPr id="104" name="直接连接符 103"/>
+          <p:cNvCxnSpPr/>
+          <p:nvPr/>
+        </p:nvCxnSpPr>
+        <p:spPr>
+          <a:xfrm flipV="1">
+            <a:off x="518348" y="5472564"/>
+            <a:ext cx="7211634" cy="603002"/>
+          </a:xfrm>
+          <a:prstGeom prst="line">
+            <a:avLst/>
+          </a:prstGeom>
+          <a:ln w="19050"/>
+        </p:spPr>
+        <p:style>
+          <a:lnRef idx="1">
+            <a:schemeClr val="accent1"/>
+          </a:lnRef>
+          <a:fillRef idx="0">
+            <a:schemeClr val="accent1"/>
+          </a:fillRef>
+          <a:effectRef idx="0">
+            <a:schemeClr val="accent1"/>
+          </a:effectRef>
+          <a:fontRef idx="minor">
+            <a:schemeClr val="tx1"/>
+          </a:fontRef>
+        </p:style>
+      </p:cxnSp>
+      <p:cxnSp>
+        <p:nvCxnSpPr>
+          <p:cNvPr id="107" name="直接连接符 106"/>
+          <p:cNvCxnSpPr/>
+          <p:nvPr/>
+        </p:nvCxnSpPr>
+        <p:spPr>
+          <a:xfrm flipH="1" flipV="1">
+            <a:off x="8743061" y="5495831"/>
+            <a:ext cx="2060720" cy="579734"/>
+          </a:xfrm>
+          <a:prstGeom prst="line">
+            <a:avLst/>
+          </a:prstGeom>
+          <a:ln w="19050"/>
+        </p:spPr>
+        <p:style>
+          <a:lnRef idx="1">
+            <a:schemeClr val="accent1"/>
+          </a:lnRef>
+          <a:fillRef idx="0">
+            <a:schemeClr val="accent1"/>
+          </a:fillRef>
+          <a:effectRef idx="0">
+            <a:schemeClr val="accent1"/>
+          </a:effectRef>
+          <a:fontRef idx="minor">
+            <a:schemeClr val="tx1"/>
+          </a:fontRef>
+        </p:style>
+      </p:cxnSp>
+      <p:sp>
+        <p:nvSpPr>
+          <p:cNvPr id="123" name="文本框 122"/>
+          <p:cNvSpPr txBox="1"/>
+          <p:nvPr/>
+        </p:nvSpPr>
+        <p:spPr>
+          <a:xfrm>
+            <a:off x="45223" y="3228674"/>
+            <a:ext cx="1107996" cy="646331"/>
+          </a:xfrm>
+          <a:prstGeom prst="rect">
+            <a:avLst/>
+          </a:prstGeom>
+          <a:noFill/>
+        </p:spPr>
+        <p:txBody>
+          <a:bodyPr wrap="none" rtlCol="0">
+            <a:spAutoFit/>
+          </a:bodyPr>
+          <a:lstStyle/>
+          <a:p>
+            <a:r>
+              <a:rPr lang="en-US" altLang="zh-CN" dirty="0"/>
+              <a:t>.</a:t>
+            </a:r>
+            <a:r>
+              <a:rPr lang="en-US" altLang="zh-CN" dirty="0" err="1"/>
+              <a:t>fdt</a:t>
+            </a:r>
             <a:r>
               <a:rPr lang="zh-CN" altLang="en-US" dirty="0"/>
-              <a:t>数组确定要读取的</a:t>
+              <a:t>文件  </a:t>
+            </a:r>
+            <a:endParaRPr lang="en-US" altLang="zh-CN" dirty="0"/>
+          </a:p>
+          <a:p>
+            <a:r>
+              <a:rPr lang="zh-CN" altLang="en-US" dirty="0"/>
+              <a:t>在磁盘上</a:t>
+            </a:r>
+          </a:p>
+        </p:txBody>
+      </p:sp>
+      <p:sp>
+        <p:nvSpPr>
+          <p:cNvPr id="124" name="左大括号 123"/>
+          <p:cNvSpPr/>
+          <p:nvPr/>
+        </p:nvSpPr>
+        <p:spPr>
+          <a:xfrm>
+            <a:off x="9096866" y="3875005"/>
+            <a:ext cx="231170" cy="654857"/>
+          </a:xfrm>
+          <a:prstGeom prst="leftBrace">
+            <a:avLst/>
+          </a:prstGeom>
+        </p:spPr>
+        <p:style>
+          <a:lnRef idx="1">
+            <a:schemeClr val="accent1"/>
+          </a:lnRef>
+          <a:fillRef idx="0">
+            <a:schemeClr val="accent1"/>
+          </a:fillRef>
+          <a:effectRef idx="0">
+            <a:schemeClr val="accent1"/>
+          </a:effectRef>
+          <a:fontRef idx="minor">
+            <a:schemeClr val="tx1"/>
+          </a:fontRef>
+        </p:style>
+        <p:txBody>
+          <a:bodyPr rtlCol="0" anchor="ctr"/>
+          <a:lstStyle/>
+          <a:p>
+            <a:pPr algn="ctr"/>
+            <a:endParaRPr lang="zh-CN" altLang="en-US"/>
+          </a:p>
+        </p:txBody>
+      </p:sp>
+      <p:sp>
+        <p:nvSpPr>
+          <p:cNvPr id="125" name="文本框 124"/>
+          <p:cNvSpPr txBox="1"/>
+          <p:nvPr/>
+        </p:nvSpPr>
+        <p:spPr>
+          <a:xfrm>
+            <a:off x="9294412" y="3713912"/>
+            <a:ext cx="1990410" cy="369332"/>
+          </a:xfrm>
+          <a:prstGeom prst="rect">
+            <a:avLst/>
+          </a:prstGeom>
+          <a:noFill/>
+        </p:spPr>
+        <p:txBody>
+          <a:bodyPr wrap="square" rtlCol="0">
+            <a:spAutoFit/>
+          </a:bodyPr>
+          <a:lstStyle/>
+          <a:p>
+            <a:r>
+              <a:rPr lang="en-US" altLang="zh-CN" dirty="0"/>
+              <a:t>BEST_SPEED</a:t>
+            </a:r>
+            <a:endParaRPr lang="zh-CN" altLang="en-US" dirty="0"/>
+          </a:p>
+        </p:txBody>
+      </p:sp>
+      <p:sp>
+        <p:nvSpPr>
+          <p:cNvPr id="130" name="文本框 129"/>
+          <p:cNvSpPr txBox="1"/>
+          <p:nvPr/>
+        </p:nvSpPr>
+        <p:spPr>
+          <a:xfrm>
+            <a:off x="9306723" y="4345197"/>
+            <a:ext cx="2382513" cy="369332"/>
+          </a:xfrm>
+          <a:prstGeom prst="rect">
+            <a:avLst/>
+          </a:prstGeom>
+          <a:noFill/>
+        </p:spPr>
+        <p:txBody>
+          <a:bodyPr wrap="square" rtlCol="0">
+            <a:spAutoFit/>
+          </a:bodyPr>
+          <a:lstStyle/>
+          <a:p>
+            <a:r>
+              <a:rPr lang="en-US" altLang="zh-CN" dirty="0"/>
+              <a:t>BEST_COMPRESSION</a:t>
+            </a:r>
+            <a:endParaRPr lang="zh-CN" altLang="en-US" dirty="0"/>
+          </a:p>
+        </p:txBody>
+      </p:sp>
+      <p:sp>
+        <p:nvSpPr>
+          <p:cNvPr id="132" name="文本框 131"/>
+          <p:cNvSpPr txBox="1"/>
+          <p:nvPr/>
+        </p:nvSpPr>
+        <p:spPr>
+          <a:xfrm>
+            <a:off x="3763139" y="5051925"/>
+            <a:ext cx="1709122" cy="369332"/>
+          </a:xfrm>
+          <a:prstGeom prst="rect">
+            <a:avLst/>
+          </a:prstGeom>
+          <a:noFill/>
+        </p:spPr>
+        <p:txBody>
+          <a:bodyPr wrap="none" rtlCol="0">
+            <a:spAutoFit/>
+          </a:bodyPr>
+          <a:lstStyle/>
+          <a:p>
+            <a:r>
+              <a:rPr lang="zh-CN" altLang="en-US" dirty="0"/>
+              <a:t>每个</a:t>
             </a:r>
             <a:r>
               <a:rPr lang="en-US" altLang="zh-CN" dirty="0"/>
@@ -11708,60 +12032,45 @@
             </a:r>
             <a:r>
               <a:rPr lang="zh-CN" altLang="en-US" dirty="0"/>
-              <a:t>的偏移量</a:t>
-            </a:r>
-            <a:r>
-              <a:rPr lang="en-US" altLang="zh-CN" dirty="0"/>
-              <a:t>offset</a:t>
-            </a:r>
-            <a:r>
-              <a:rPr lang="zh-CN" altLang="en-US" dirty="0"/>
-              <a:t>和长度</a:t>
-            </a:r>
-            <a:r>
-              <a:rPr lang="en-US" altLang="zh-CN" dirty="0"/>
-              <a:t>length </a:t>
-            </a:r>
-          </a:p>
-          <a:p>
-            <a:r>
-              <a:rPr lang="en-US" altLang="zh-CN" dirty="0"/>
-              <a:t>5. </a:t>
-            </a:r>
-            <a:r>
-              <a:rPr lang="zh-CN" altLang="en-US" dirty="0"/>
-              <a:t>解压</a:t>
-            </a:r>
-            <a:r>
-              <a:rPr lang="en-US" altLang="zh-CN" dirty="0"/>
-              <a:t>(offset, </a:t>
-            </a:r>
-            <a:r>
-              <a:rPr lang="en-US" altLang="zh-CN" dirty="0" err="1"/>
-              <a:t>offset+length</a:t>
-            </a:r>
-            <a:r>
-              <a:rPr lang="en-US" altLang="zh-CN" dirty="0"/>
-              <a:t>)</a:t>
-            </a:r>
-            <a:r>
-              <a:rPr lang="zh-CN" altLang="en-US" dirty="0"/>
-              <a:t>区域的数据</a:t>
-            </a:r>
-            <a:endParaRPr lang="en-US" altLang="zh-CN" dirty="0"/>
-          </a:p>
-          <a:p>
-            <a:r>
-              <a:rPr lang="en-US" altLang="zh-CN" dirty="0"/>
-              <a:t>6. </a:t>
-            </a:r>
-            <a:r>
-              <a:rPr lang="zh-CN" altLang="en-US" dirty="0"/>
-              <a:t>提取所需要的字段信息</a:t>
-            </a:r>
-          </a:p>
-        </p:txBody>
-      </p:sp>
+              <a:t>的长度</a:t>
+            </a:r>
+          </a:p>
+        </p:txBody>
+      </p:sp>
+      <p:cxnSp>
+        <p:nvCxnSpPr>
+          <p:cNvPr id="133" name="直接连接符 132"/>
+          <p:cNvCxnSpPr>
+            <a:stCxn id="57" idx="2"/>
+            <a:endCxn id="132" idx="0"/>
+          </p:cNvCxnSpPr>
+          <p:nvPr/>
+        </p:nvCxnSpPr>
+        <p:spPr>
+          <a:xfrm flipH="1">
+            <a:off x="4617700" y="4656838"/>
+            <a:ext cx="1697636" cy="395087"/>
+          </a:xfrm>
+          <a:prstGeom prst="line">
+            <a:avLst/>
+          </a:prstGeom>
+          <a:ln w="19050"/>
+        </p:spPr>
+        <p:style>
+          <a:lnRef idx="1">
+            <a:schemeClr val="accent1"/>
+          </a:lnRef>
+          <a:fillRef idx="0">
+            <a:schemeClr val="accent1"/>
+          </a:fillRef>
+          <a:effectRef idx="0">
+            <a:schemeClr val="accent1"/>
+          </a:effectRef>
+          <a:fontRef idx="minor">
+            <a:schemeClr val="tx1"/>
+          </a:fontRef>
+        </p:style>
+      </p:cxnSp>
     </p:spTree>
   </p:cSld>
   <p:clrMapOvr>
@@ -11789,7 +12098,7 @@
       </p:grpSpPr>
       <p:sp>
         <p:nvSpPr>
-          <p:cNvPr id="3" name="标题 2"/>
+          <p:cNvPr id="2" name="标题 1"/>
           <p:cNvSpPr>
             <a:spLocks noGrp="1"/>
           </p:cNvSpPr>
@@ -11803,13 +12112,200 @@
           <a:lstStyle/>
           <a:p>
             <a:r>
-              <a:rPr lang="en-US" altLang="zh-CN" dirty="0"/>
-              <a:t>Term Vector</a:t>
-            </a:r>
-            <a:br>
-              <a:rPr lang="en-US" altLang="zh-CN" dirty="0"/>
-            </a:br>
-            <a:endParaRPr lang="zh-CN" altLang="en-US" dirty="0"/>
+              <a:rPr lang="zh-CN" altLang="en-US" dirty="0"/>
+              <a:t>根据文档</a:t>
+            </a:r>
+            <a:r>
+              <a:rPr lang="en-US" altLang="zh-CN" dirty="0"/>
+              <a:t>id</a:t>
+            </a:r>
+            <a:r>
+              <a:rPr lang="zh-CN" altLang="en-US" dirty="0"/>
+              <a:t>，获取文档所有的字段信息</a:t>
+            </a:r>
+          </a:p>
+        </p:txBody>
+      </p:sp>
+      <p:sp>
+        <p:nvSpPr>
+          <p:cNvPr id="3" name="内容占位符 2"/>
+          <p:cNvSpPr>
+            <a:spLocks noGrp="1"/>
+          </p:cNvSpPr>
+          <p:nvPr>
+            <p:ph idx="1"/>
+          </p:nvPr>
+        </p:nvSpPr>
+        <p:spPr/>
+        <p:txBody>
+          <a:bodyPr/>
+          <a:lstStyle/>
+          <a:p>
+            <a:r>
+              <a:rPr lang="en-US" altLang="zh-CN" dirty="0"/>
+              <a:t>1. </a:t>
+            </a:r>
+            <a:r>
+              <a:rPr lang="zh-CN" altLang="en-US" dirty="0"/>
+              <a:t>根据文档</a:t>
+            </a:r>
+            <a:r>
+              <a:rPr lang="en-US" altLang="zh-CN" dirty="0"/>
+              <a:t>id</a:t>
+            </a:r>
+            <a:r>
+              <a:rPr lang="zh-CN" altLang="en-US" dirty="0"/>
+              <a:t>在</a:t>
+            </a:r>
+            <a:r>
+              <a:rPr lang="en-US" altLang="zh-CN" dirty="0" err="1"/>
+              <a:t>DocBases</a:t>
+            </a:r>
+            <a:r>
+              <a:rPr lang="zh-CN" altLang="en-US" dirty="0"/>
+              <a:t>数组中进行二分查找，确定</a:t>
+            </a:r>
+            <a:r>
+              <a:rPr lang="en-US" altLang="zh-CN" dirty="0"/>
+              <a:t>chunk</a:t>
+            </a:r>
+            <a:r>
+              <a:rPr lang="zh-CN" altLang="en-US" dirty="0"/>
+              <a:t>下标：</a:t>
+            </a:r>
+            <a:r>
+              <a:rPr lang="en-US" altLang="zh-CN" dirty="0" err="1"/>
+              <a:t>chunkIndex</a:t>
+            </a:r>
+            <a:endParaRPr lang="en-US" altLang="zh-CN" dirty="0"/>
+          </a:p>
+          <a:p>
+            <a:r>
+              <a:rPr lang="en-US" altLang="zh-CN" dirty="0"/>
+              <a:t>2. </a:t>
+            </a:r>
+            <a:r>
+              <a:rPr lang="zh-CN" altLang="en-US" dirty="0"/>
+              <a:t>获取</a:t>
+            </a:r>
+            <a:r>
+              <a:rPr lang="en-US" altLang="zh-CN" dirty="0"/>
+              <a:t>chunk</a:t>
+            </a:r>
+            <a:r>
+              <a:rPr lang="zh-CN" altLang="en-US" dirty="0"/>
+              <a:t>在磁盘上的位置</a:t>
+            </a:r>
+            <a:r>
+              <a:rPr lang="en-US" altLang="zh-CN" dirty="0" err="1"/>
+              <a:t>StartPointers</a:t>
+            </a:r>
+            <a:r>
+              <a:rPr lang="en-US" altLang="zh-CN" dirty="0"/>
+              <a:t>[</a:t>
+            </a:r>
+            <a:r>
+              <a:rPr lang="en-US" altLang="zh-CN" dirty="0" err="1"/>
+              <a:t>chunkIndex</a:t>
+            </a:r>
+            <a:r>
+              <a:rPr lang="en-US" altLang="zh-CN" dirty="0"/>
+              <a:t>]</a:t>
+            </a:r>
+          </a:p>
+          <a:p>
+            <a:r>
+              <a:rPr lang="en-US" altLang="zh-CN" dirty="0"/>
+              <a:t>3. </a:t>
+            </a:r>
+            <a:r>
+              <a:rPr lang="zh-CN" altLang="en-US" dirty="0"/>
+              <a:t>从磁盘读取</a:t>
+            </a:r>
+            <a:r>
+              <a:rPr lang="en-US" altLang="zh-CN" dirty="0"/>
+              <a:t>chunk</a:t>
+            </a:r>
+            <a:r>
+              <a:rPr lang="zh-CN" altLang="en-US" dirty="0"/>
+              <a:t>头部信息</a:t>
+            </a:r>
+            <a:endParaRPr lang="en-US" altLang="zh-CN" dirty="0"/>
+          </a:p>
+          <a:p>
+            <a:r>
+              <a:rPr lang="en-US" altLang="zh-CN" dirty="0"/>
+              <a:t>4. </a:t>
+            </a:r>
+            <a:r>
+              <a:rPr lang="zh-CN" altLang="en-US" dirty="0"/>
+              <a:t>根据</a:t>
+            </a:r>
+            <a:r>
+              <a:rPr lang="en-US" altLang="zh-CN" dirty="0" err="1"/>
+              <a:t>DocLengths</a:t>
+            </a:r>
+            <a:r>
+              <a:rPr lang="zh-CN" altLang="en-US" dirty="0"/>
+              <a:t>数组确定要读取的</a:t>
+            </a:r>
+            <a:r>
+              <a:rPr lang="en-US" altLang="zh-CN" dirty="0"/>
+              <a:t>doc</a:t>
+            </a:r>
+            <a:r>
+              <a:rPr lang="zh-CN" altLang="en-US" dirty="0"/>
+              <a:t>的偏移量</a:t>
+            </a:r>
+            <a:r>
+              <a:rPr lang="en-US" altLang="zh-CN" dirty="0"/>
+              <a:t>offset</a:t>
+            </a:r>
+            <a:r>
+              <a:rPr lang="zh-CN" altLang="en-US" dirty="0"/>
+              <a:t>和长度</a:t>
+            </a:r>
+            <a:r>
+              <a:rPr lang="en-US" altLang="zh-CN" dirty="0"/>
+              <a:t>length </a:t>
+            </a:r>
+          </a:p>
+          <a:p>
+            <a:r>
+              <a:rPr lang="en-US" altLang="zh-CN" dirty="0"/>
+              <a:t>5. </a:t>
+            </a:r>
+            <a:r>
+              <a:rPr lang="zh-CN" altLang="en-US" dirty="0"/>
+              <a:t>解压</a:t>
+            </a:r>
+            <a:r>
+              <a:rPr lang="en-US" altLang="zh-CN" dirty="0"/>
+              <a:t>(offset, </a:t>
+            </a:r>
+            <a:r>
+              <a:rPr lang="en-US" altLang="zh-CN" dirty="0" err="1"/>
+              <a:t>offset+length</a:t>
+            </a:r>
+            <a:r>
+              <a:rPr lang="en-US" altLang="zh-CN" dirty="0"/>
+              <a:t>)</a:t>
+            </a:r>
+            <a:r>
+              <a:rPr lang="zh-CN" altLang="en-US" dirty="0"/>
+              <a:t>区域的数据</a:t>
+            </a:r>
+            <a:endParaRPr lang="en-US" altLang="zh-CN" dirty="0"/>
+          </a:p>
+          <a:p>
+            <a:r>
+              <a:rPr lang="en-US" altLang="zh-CN" dirty="0"/>
+              <a:t>6. </a:t>
+            </a:r>
+            <a:r>
+              <a:rPr lang="zh-CN" altLang="en-US" dirty="0"/>
+              <a:t>提取所需要的字段信息</a:t>
+            </a:r>
           </a:p>
         </p:txBody>
       </p:sp>
@@ -11838,1014 +12334,29 @@
           <a:chExt cx="0" cy="0"/>
         </a:xfrm>
       </p:grpSpPr>
-      <p:cxnSp>
-        <p:nvCxnSpPr>
-          <p:cNvPr id="32" name="直接连接符 31"/>
-          <p:cNvCxnSpPr/>
-          <p:nvPr/>
-        </p:nvCxnSpPr>
-        <p:spPr>
-          <a:xfrm>
-            <a:off x="209007" y="378120"/>
-            <a:ext cx="11774078" cy="0"/>
-          </a:xfrm>
-          <a:prstGeom prst="line">
-            <a:avLst/>
-          </a:prstGeom>
-          <a:ln w="19050"/>
-        </p:spPr>
-        <p:style>
-          <a:lnRef idx="1">
-            <a:schemeClr val="dk1"/>
-          </a:lnRef>
-          <a:fillRef idx="0">
-            <a:schemeClr val="dk1"/>
-          </a:fillRef>
-          <a:effectRef idx="0">
-            <a:schemeClr val="dk1"/>
-          </a:effectRef>
-          <a:fontRef idx="minor">
-            <a:schemeClr val="tx1"/>
-          </a:fontRef>
-        </p:style>
-      </p:cxnSp>
-      <p:sp>
-        <p:nvSpPr>
-          <p:cNvPr id="35" name="矩形 34"/>
-          <p:cNvSpPr/>
-          <p:nvPr/>
-        </p:nvSpPr>
-        <p:spPr>
-          <a:xfrm>
-            <a:off x="1894886" y="602226"/>
-            <a:ext cx="2139886" cy="358217"/>
-          </a:xfrm>
-          <a:prstGeom prst="rect">
-            <a:avLst/>
-          </a:prstGeom>
-        </p:spPr>
-        <p:style>
-          <a:lnRef idx="2">
-            <a:schemeClr val="accent3">
-              <a:shade val="50000"/>
-            </a:schemeClr>
-          </a:lnRef>
-          <a:fillRef idx="1">
-            <a:schemeClr val="accent3"/>
-          </a:fillRef>
-          <a:effectRef idx="0">
-            <a:schemeClr val="accent3"/>
-          </a:effectRef>
-          <a:fontRef idx="minor">
-            <a:schemeClr val="lt1"/>
-          </a:fontRef>
-        </p:style>
-        <p:txBody>
-          <a:bodyPr rtlCol="0" anchor="ctr"/>
-          <a:lstStyle/>
-          <a:p>
-            <a:pPr algn="ctr"/>
-            <a:r>
-              <a:rPr lang="en-US" altLang="zh-CN" dirty="0"/>
-              <a:t>Header</a:t>
-            </a:r>
+      <p:sp>
+        <p:nvSpPr>
+          <p:cNvPr id="3" name="标题 2"/>
+          <p:cNvSpPr>
+            <a:spLocks noGrp="1"/>
+          </p:cNvSpPr>
+          <p:nvPr>
+            <p:ph type="title"/>
+          </p:nvPr>
+        </p:nvSpPr>
+        <p:spPr/>
+        <p:txBody>
+          <a:bodyPr/>
+          <a:lstStyle/>
+          <a:p>
+            <a:r>
+              <a:rPr lang="en-US" altLang="zh-CN" dirty="0"/>
+              <a:t>Term Vector</a:t>
+            </a:r>
+            <a:br>
+              <a:rPr lang="en-US" altLang="zh-CN" dirty="0"/>
+            </a:br>
             <a:endParaRPr lang="zh-CN" altLang="en-US" dirty="0"/>
-          </a:p>
-        </p:txBody>
-      </p:sp>
-      <p:sp>
-        <p:nvSpPr>
-          <p:cNvPr id="36" name="矩形 35"/>
-          <p:cNvSpPr/>
-          <p:nvPr/>
-        </p:nvSpPr>
-        <p:spPr>
-          <a:xfrm>
-            <a:off x="4039485" y="602226"/>
-            <a:ext cx="1046375" cy="358219"/>
-          </a:xfrm>
-          <a:prstGeom prst="rect">
-            <a:avLst/>
-          </a:prstGeom>
-        </p:spPr>
-        <p:style>
-          <a:lnRef idx="2">
-            <a:schemeClr val="accent6">
-              <a:shade val="50000"/>
-            </a:schemeClr>
-          </a:lnRef>
-          <a:fillRef idx="1">
-            <a:schemeClr val="accent6"/>
-          </a:fillRef>
-          <a:effectRef idx="0">
-            <a:schemeClr val="accent6"/>
-          </a:effectRef>
-          <a:fontRef idx="minor">
-            <a:schemeClr val="lt1"/>
-          </a:fontRef>
-        </p:style>
-        <p:txBody>
-          <a:bodyPr rtlCol="0" anchor="ctr"/>
-          <a:lstStyle/>
-          <a:p>
-            <a:pPr algn="ctr"/>
-            <a:r>
-              <a:rPr lang="en-US" altLang="zh-CN" dirty="0"/>
-              <a:t>Chunk</a:t>
-            </a:r>
-            <a:endParaRPr lang="zh-CN" altLang="en-US" dirty="0"/>
-          </a:p>
-        </p:txBody>
-      </p:sp>
-      <p:sp>
-        <p:nvSpPr>
-          <p:cNvPr id="37" name="矩形 36"/>
-          <p:cNvSpPr/>
-          <p:nvPr/>
-        </p:nvSpPr>
-        <p:spPr>
-          <a:xfrm>
-            <a:off x="5034011" y="602226"/>
-            <a:ext cx="1046375" cy="358219"/>
-          </a:xfrm>
-          <a:prstGeom prst="rect">
-            <a:avLst/>
-          </a:prstGeom>
-        </p:spPr>
-        <p:style>
-          <a:lnRef idx="2">
-            <a:schemeClr val="accent6">
-              <a:shade val="50000"/>
-            </a:schemeClr>
-          </a:lnRef>
-          <a:fillRef idx="1">
-            <a:schemeClr val="accent6"/>
-          </a:fillRef>
-          <a:effectRef idx="0">
-            <a:schemeClr val="accent6"/>
-          </a:effectRef>
-          <a:fontRef idx="minor">
-            <a:schemeClr val="lt1"/>
-          </a:fontRef>
-        </p:style>
-        <p:txBody>
-          <a:bodyPr rtlCol="0" anchor="ctr"/>
-          <a:lstStyle/>
-          <a:p>
-            <a:pPr algn="ctr"/>
-            <a:r>
-              <a:rPr lang="en-US" altLang="zh-CN" dirty="0"/>
-              <a:t>Chunk</a:t>
-            </a:r>
-            <a:endParaRPr lang="zh-CN" altLang="en-US" dirty="0"/>
-          </a:p>
-        </p:txBody>
-      </p:sp>
-      <p:sp>
-        <p:nvSpPr>
-          <p:cNvPr id="38" name="矩形 37"/>
-          <p:cNvSpPr/>
-          <p:nvPr/>
-        </p:nvSpPr>
-        <p:spPr>
-          <a:xfrm>
-            <a:off x="6075673" y="602226"/>
-            <a:ext cx="579750" cy="358219"/>
-          </a:xfrm>
-          <a:prstGeom prst="rect">
-            <a:avLst/>
-          </a:prstGeom>
-          <a:noFill/>
-          <a:ln>
-            <a:noFill/>
-          </a:ln>
-        </p:spPr>
-        <p:style>
-          <a:lnRef idx="2">
-            <a:schemeClr val="accent1">
-              <a:shade val="50000"/>
-            </a:schemeClr>
-          </a:lnRef>
-          <a:fillRef idx="1">
-            <a:schemeClr val="accent1"/>
-          </a:fillRef>
-          <a:effectRef idx="0">
-            <a:schemeClr val="accent1"/>
-          </a:effectRef>
-          <a:fontRef idx="minor">
-            <a:schemeClr val="lt1"/>
-          </a:fontRef>
-        </p:style>
-        <p:txBody>
-          <a:bodyPr rtlCol="0" anchor="ctr"/>
-          <a:lstStyle/>
-          <a:p>
-            <a:pPr algn="ctr"/>
-            <a:r>
-              <a:rPr lang="en-US" altLang="zh-CN" dirty="0">
-                <a:solidFill>
-                  <a:schemeClr val="tx1"/>
-                </a:solidFill>
-              </a:rPr>
-              <a:t>......</a:t>
-            </a:r>
-          </a:p>
-        </p:txBody>
-      </p:sp>
-      <p:sp>
-        <p:nvSpPr>
-          <p:cNvPr id="39" name="矩形 38"/>
-          <p:cNvSpPr/>
-          <p:nvPr/>
-        </p:nvSpPr>
-        <p:spPr>
-          <a:xfrm>
-            <a:off x="6655423" y="602226"/>
-            <a:ext cx="1046375" cy="358219"/>
-          </a:xfrm>
-          <a:prstGeom prst="rect">
-            <a:avLst/>
-          </a:prstGeom>
-        </p:spPr>
-        <p:style>
-          <a:lnRef idx="2">
-            <a:schemeClr val="accent6">
-              <a:shade val="50000"/>
-            </a:schemeClr>
-          </a:lnRef>
-          <a:fillRef idx="1">
-            <a:schemeClr val="accent6"/>
-          </a:fillRef>
-          <a:effectRef idx="0">
-            <a:schemeClr val="accent6"/>
-          </a:effectRef>
-          <a:fontRef idx="minor">
-            <a:schemeClr val="lt1"/>
-          </a:fontRef>
-        </p:style>
-        <p:txBody>
-          <a:bodyPr rtlCol="0" anchor="ctr"/>
-          <a:lstStyle/>
-          <a:p>
-            <a:pPr algn="ctr"/>
-            <a:r>
-              <a:rPr lang="en-US" altLang="zh-CN" dirty="0"/>
-              <a:t>Chunk</a:t>
-            </a:r>
-            <a:endParaRPr lang="zh-CN" altLang="en-US" dirty="0"/>
-          </a:p>
-        </p:txBody>
-      </p:sp>
-      <p:sp>
-        <p:nvSpPr>
-          <p:cNvPr id="41" name="矩形 40"/>
-          <p:cNvSpPr/>
-          <p:nvPr/>
-        </p:nvSpPr>
-        <p:spPr>
-          <a:xfrm>
-            <a:off x="7697085" y="602226"/>
-            <a:ext cx="2412426" cy="358219"/>
-          </a:xfrm>
-          <a:prstGeom prst="rect">
-            <a:avLst/>
-          </a:prstGeom>
-        </p:spPr>
-        <p:style>
-          <a:lnRef idx="2">
-            <a:schemeClr val="accent3">
-              <a:shade val="50000"/>
-            </a:schemeClr>
-          </a:lnRef>
-          <a:fillRef idx="1">
-            <a:schemeClr val="accent3"/>
-          </a:fillRef>
-          <a:effectRef idx="0">
-            <a:schemeClr val="accent3"/>
-          </a:effectRef>
-          <a:fontRef idx="minor">
-            <a:schemeClr val="lt1"/>
-          </a:fontRef>
-        </p:style>
-        <p:txBody>
-          <a:bodyPr rtlCol="0" anchor="ctr"/>
-          <a:lstStyle/>
-          <a:p>
-            <a:pPr algn="ctr"/>
-            <a:r>
-              <a:rPr lang="en-US" altLang="zh-CN" dirty="0"/>
-              <a:t>Footer</a:t>
-            </a:r>
-            <a:endParaRPr lang="zh-CN" altLang="en-US" dirty="0"/>
-          </a:p>
-        </p:txBody>
-      </p:sp>
-      <p:sp>
-        <p:nvSpPr>
-          <p:cNvPr id="3" name="矩形 2"/>
-          <p:cNvSpPr/>
-          <p:nvPr/>
-        </p:nvSpPr>
-        <p:spPr>
-          <a:xfrm>
-            <a:off x="332990" y="1413121"/>
-            <a:ext cx="1046375" cy="358219"/>
-          </a:xfrm>
-          <a:prstGeom prst="rect">
-            <a:avLst/>
-          </a:prstGeom>
-        </p:spPr>
-        <p:style>
-          <a:lnRef idx="2">
-            <a:schemeClr val="accent6">
-              <a:shade val="50000"/>
-            </a:schemeClr>
-          </a:lnRef>
-          <a:fillRef idx="1">
-            <a:schemeClr val="accent6"/>
-          </a:fillRef>
-          <a:effectRef idx="0">
-            <a:schemeClr val="accent6"/>
-          </a:effectRef>
-          <a:fontRef idx="minor">
-            <a:schemeClr val="lt1"/>
-          </a:fontRef>
-        </p:style>
-        <p:txBody>
-          <a:bodyPr rtlCol="0" anchor="ctr"/>
-          <a:lstStyle/>
-          <a:p>
-            <a:pPr algn="ctr"/>
-            <a:r>
-              <a:rPr lang="en-US" altLang="zh-CN" dirty="0"/>
-              <a:t>DocBase</a:t>
-            </a:r>
-          </a:p>
-        </p:txBody>
-      </p:sp>
-      <p:sp>
-        <p:nvSpPr>
-          <p:cNvPr id="4" name="矩形 3"/>
-          <p:cNvSpPr/>
-          <p:nvPr/>
-        </p:nvSpPr>
-        <p:spPr>
-          <a:xfrm>
-            <a:off x="1327785" y="1412875"/>
-            <a:ext cx="1363980" cy="358140"/>
-          </a:xfrm>
-          <a:prstGeom prst="rect">
-            <a:avLst/>
-          </a:prstGeom>
-        </p:spPr>
-        <p:style>
-          <a:lnRef idx="2">
-            <a:schemeClr val="accent6">
-              <a:shade val="50000"/>
-            </a:schemeClr>
-          </a:lnRef>
-          <a:fillRef idx="1">
-            <a:schemeClr val="accent6"/>
-          </a:fillRef>
-          <a:effectRef idx="0">
-            <a:schemeClr val="accent6"/>
-          </a:effectRef>
-          <a:fontRef idx="minor">
-            <a:schemeClr val="lt1"/>
-          </a:fontRef>
-        </p:style>
-        <p:txBody>
-          <a:bodyPr rtlCol="0" anchor="ctr"/>
-          <a:lstStyle/>
-          <a:p>
-            <a:pPr algn="ctr"/>
-            <a:r>
-              <a:rPr lang="en-US" altLang="zh-CN" dirty="0"/>
-              <a:t>ChunkDocs</a:t>
-            </a:r>
-          </a:p>
-        </p:txBody>
-      </p:sp>
-      <p:sp>
-        <p:nvSpPr>
-          <p:cNvPr id="6" name="矩形 5"/>
-          <p:cNvSpPr/>
-          <p:nvPr/>
-        </p:nvSpPr>
-        <p:spPr>
-          <a:xfrm>
-            <a:off x="2691765" y="1412875"/>
-            <a:ext cx="1343660" cy="358140"/>
-          </a:xfrm>
-          <a:prstGeom prst="rect">
-            <a:avLst/>
-          </a:prstGeom>
-        </p:spPr>
-        <p:style>
-          <a:lnRef idx="2">
-            <a:schemeClr val="accent6">
-              <a:shade val="50000"/>
-            </a:schemeClr>
-          </a:lnRef>
-          <a:fillRef idx="1">
-            <a:schemeClr val="accent6"/>
-          </a:fillRef>
-          <a:effectRef idx="0">
-            <a:schemeClr val="accent6"/>
-          </a:effectRef>
-          <a:fontRef idx="minor">
-            <a:schemeClr val="lt1"/>
-          </a:fontRef>
-        </p:style>
-        <p:txBody>
-          <a:bodyPr rtlCol="0" anchor="ctr"/>
-          <a:lstStyle/>
-          <a:p>
-            <a:pPr algn="ctr"/>
-            <a:r>
-              <a:rPr lang="en-US" altLang="zh-CN" dirty="0"/>
-              <a:t>NumFields </a:t>
-            </a:r>
-          </a:p>
-        </p:txBody>
-      </p:sp>
-      <p:sp>
-        <p:nvSpPr>
-          <p:cNvPr id="8" name="矩形 7"/>
-          <p:cNvSpPr/>
-          <p:nvPr/>
-        </p:nvSpPr>
-        <p:spPr>
-          <a:xfrm>
-            <a:off x="4034790" y="1412875"/>
-            <a:ext cx="1343660" cy="358140"/>
-          </a:xfrm>
-          <a:prstGeom prst="rect">
-            <a:avLst/>
-          </a:prstGeom>
-        </p:spPr>
-        <p:style>
-          <a:lnRef idx="2">
-            <a:schemeClr val="accent6">
-              <a:shade val="50000"/>
-            </a:schemeClr>
-          </a:lnRef>
-          <a:fillRef idx="1">
-            <a:schemeClr val="accent6"/>
-          </a:fillRef>
-          <a:effectRef idx="0">
-            <a:schemeClr val="accent6"/>
-          </a:effectRef>
-          <a:fontRef idx="minor">
-            <a:schemeClr val="lt1"/>
-          </a:fontRef>
-        </p:style>
-        <p:txBody>
-          <a:bodyPr rtlCol="0" anchor="ctr"/>
-          <a:lstStyle/>
-          <a:p>
-            <a:pPr algn="ctr"/>
-            <a:r>
-              <a:rPr lang="en-US" altLang="zh-CN" dirty="0"/>
-              <a:t>FieldNums </a:t>
-            </a:r>
-          </a:p>
-        </p:txBody>
-      </p:sp>
-      <p:sp>
-        <p:nvSpPr>
-          <p:cNvPr id="9" name="矩形 8"/>
-          <p:cNvSpPr/>
-          <p:nvPr/>
-        </p:nvSpPr>
-        <p:spPr>
-          <a:xfrm>
-            <a:off x="5311775" y="1412875"/>
-            <a:ext cx="1544955" cy="358140"/>
-          </a:xfrm>
-          <a:prstGeom prst="rect">
-            <a:avLst/>
-          </a:prstGeom>
-        </p:spPr>
-        <p:style>
-          <a:lnRef idx="2">
-            <a:schemeClr val="accent6">
-              <a:shade val="50000"/>
-            </a:schemeClr>
-          </a:lnRef>
-          <a:fillRef idx="1">
-            <a:schemeClr val="accent6"/>
-          </a:fillRef>
-          <a:effectRef idx="0">
-            <a:schemeClr val="accent6"/>
-          </a:effectRef>
-          <a:fontRef idx="minor">
-            <a:schemeClr val="lt1"/>
-          </a:fontRef>
-        </p:style>
-        <p:txBody>
-          <a:bodyPr rtlCol="0" anchor="ctr"/>
-          <a:lstStyle/>
-          <a:p>
-            <a:pPr algn="ctr"/>
-            <a:r>
-              <a:rPr lang="en-US" altLang="zh-CN" dirty="0"/>
-              <a:t>FieldNumOffs </a:t>
-            </a:r>
-          </a:p>
-        </p:txBody>
-      </p:sp>
-      <p:sp>
-        <p:nvSpPr>
-          <p:cNvPr id="10" name="矩形 9"/>
-          <p:cNvSpPr/>
-          <p:nvPr/>
-        </p:nvSpPr>
-        <p:spPr>
-          <a:xfrm>
-            <a:off x="6856730" y="1412875"/>
-            <a:ext cx="845185" cy="358140"/>
-          </a:xfrm>
-          <a:prstGeom prst="rect">
-            <a:avLst/>
-          </a:prstGeom>
-        </p:spPr>
-        <p:style>
-          <a:lnRef idx="2">
-            <a:schemeClr val="accent6">
-              <a:shade val="50000"/>
-            </a:schemeClr>
-          </a:lnRef>
-          <a:fillRef idx="1">
-            <a:schemeClr val="accent6"/>
-          </a:fillRef>
-          <a:effectRef idx="0">
-            <a:schemeClr val="accent6"/>
-          </a:effectRef>
-          <a:fontRef idx="minor">
-            <a:schemeClr val="lt1"/>
-          </a:fontRef>
-        </p:style>
-        <p:txBody>
-          <a:bodyPr rtlCol="0" anchor="ctr"/>
-          <a:lstStyle/>
-          <a:p>
-            <a:pPr algn="ctr"/>
-            <a:r>
-              <a:rPr lang="en-US" altLang="zh-CN" dirty="0"/>
-              <a:t>Flags </a:t>
-            </a:r>
-          </a:p>
-        </p:txBody>
-      </p:sp>
-      <p:sp>
-        <p:nvSpPr>
-          <p:cNvPr id="12" name="矩形 11"/>
-          <p:cNvSpPr/>
-          <p:nvPr/>
-        </p:nvSpPr>
-        <p:spPr>
-          <a:xfrm>
-            <a:off x="3730625" y="2551430"/>
-            <a:ext cx="1307465" cy="358140"/>
-          </a:xfrm>
-          <a:prstGeom prst="rect">
-            <a:avLst/>
-          </a:prstGeom>
-        </p:spPr>
-        <p:style>
-          <a:lnRef idx="3">
-            <a:schemeClr val="lt1"/>
-          </a:lnRef>
-          <a:fillRef idx="1">
-            <a:schemeClr val="accent1"/>
-          </a:fillRef>
-          <a:effectRef idx="1">
-            <a:schemeClr val="accent1"/>
-          </a:effectRef>
-          <a:fontRef idx="minor">
-            <a:schemeClr val="lt1"/>
-          </a:fontRef>
-        </p:style>
-        <p:txBody>
-          <a:bodyPr rtlCol="0" anchor="ctr"/>
-          <a:lstStyle/>
-          <a:p>
-            <a:pPr algn="ctr"/>
-            <a:r>
-              <a:rPr lang="en-US" altLang="zh-CN" dirty="0"/>
-              <a:t>NumTerms </a:t>
-            </a:r>
-          </a:p>
-        </p:txBody>
-      </p:sp>
-      <p:sp>
-        <p:nvSpPr>
-          <p:cNvPr id="13" name="矩形 12"/>
-          <p:cNvSpPr/>
-          <p:nvPr/>
-        </p:nvSpPr>
-        <p:spPr>
-          <a:xfrm>
-            <a:off x="5038090" y="2551430"/>
-            <a:ext cx="1497965" cy="358140"/>
-          </a:xfrm>
-          <a:prstGeom prst="rect">
-            <a:avLst/>
-          </a:prstGeom>
-        </p:spPr>
-        <p:style>
-          <a:lnRef idx="3">
-            <a:schemeClr val="lt1"/>
-          </a:lnRef>
-          <a:fillRef idx="1">
-            <a:schemeClr val="accent1"/>
-          </a:fillRef>
-          <a:effectRef idx="1">
-            <a:schemeClr val="accent1"/>
-          </a:effectRef>
-          <a:fontRef idx="minor">
-            <a:schemeClr val="lt1"/>
-          </a:fontRef>
-        </p:style>
-        <p:txBody>
-          <a:bodyPr rtlCol="0" anchor="ctr"/>
-          <a:lstStyle/>
-          <a:p>
-            <a:pPr algn="ctr"/>
-            <a:r>
-              <a:rPr lang="en-US" altLang="zh-CN" dirty="0"/>
-              <a:t>TermLengths </a:t>
-            </a:r>
-          </a:p>
-        </p:txBody>
-      </p:sp>
-      <p:sp>
-        <p:nvSpPr>
-          <p:cNvPr id="14" name="矩形 13"/>
-          <p:cNvSpPr/>
-          <p:nvPr/>
-        </p:nvSpPr>
-        <p:spPr>
-          <a:xfrm>
-            <a:off x="6536055" y="2551430"/>
-            <a:ext cx="1284605" cy="358140"/>
-          </a:xfrm>
-          <a:prstGeom prst="rect">
-            <a:avLst/>
-          </a:prstGeom>
-        </p:spPr>
-        <p:style>
-          <a:lnRef idx="3">
-            <a:schemeClr val="lt1"/>
-          </a:lnRef>
-          <a:fillRef idx="1">
-            <a:schemeClr val="accent1"/>
-          </a:fillRef>
-          <a:effectRef idx="1">
-            <a:schemeClr val="accent1"/>
-          </a:effectRef>
-          <a:fontRef idx="minor">
-            <a:schemeClr val="lt1"/>
-          </a:fontRef>
-        </p:style>
-        <p:txBody>
-          <a:bodyPr rtlCol="0" anchor="ctr"/>
-          <a:lstStyle/>
-          <a:p>
-            <a:pPr algn="ctr"/>
-            <a:r>
-              <a:rPr lang="en-US" altLang="zh-CN" dirty="0"/>
-              <a:t>TermFreqs </a:t>
-            </a:r>
-          </a:p>
-        </p:txBody>
-      </p:sp>
-      <p:sp>
-        <p:nvSpPr>
-          <p:cNvPr id="15" name="矩形 14"/>
-          <p:cNvSpPr/>
-          <p:nvPr/>
-        </p:nvSpPr>
-        <p:spPr>
-          <a:xfrm>
-            <a:off x="7820660" y="2551430"/>
-            <a:ext cx="1104900" cy="358140"/>
-          </a:xfrm>
-          <a:prstGeom prst="rect">
-            <a:avLst/>
-          </a:prstGeom>
-        </p:spPr>
-        <p:style>
-          <a:lnRef idx="3">
-            <a:schemeClr val="lt1"/>
-          </a:lnRef>
-          <a:fillRef idx="1">
-            <a:schemeClr val="accent1"/>
-          </a:fillRef>
-          <a:effectRef idx="1">
-            <a:schemeClr val="accent1"/>
-          </a:effectRef>
-          <a:fontRef idx="minor">
-            <a:schemeClr val="lt1"/>
-          </a:fontRef>
-        </p:style>
-        <p:txBody>
-          <a:bodyPr rtlCol="0" anchor="ctr"/>
-          <a:lstStyle/>
-          <a:p>
-            <a:pPr algn="ctr"/>
-            <a:r>
-              <a:rPr lang="en-US" altLang="zh-CN" dirty="0"/>
-              <a:t>Positions </a:t>
-            </a:r>
-          </a:p>
-        </p:txBody>
-      </p:sp>
-      <p:sp>
-        <p:nvSpPr>
-          <p:cNvPr id="16" name="矩形 15"/>
-          <p:cNvSpPr/>
-          <p:nvPr/>
-        </p:nvSpPr>
-        <p:spPr>
-          <a:xfrm>
-            <a:off x="8925560" y="2551430"/>
-            <a:ext cx="1343025" cy="358140"/>
-          </a:xfrm>
-          <a:prstGeom prst="rect">
-            <a:avLst/>
-          </a:prstGeom>
-        </p:spPr>
-        <p:style>
-          <a:lnRef idx="3">
-            <a:schemeClr val="lt1"/>
-          </a:lnRef>
-          <a:fillRef idx="1">
-            <a:schemeClr val="accent1"/>
-          </a:fillRef>
-          <a:effectRef idx="1">
-            <a:schemeClr val="accent1"/>
-          </a:effectRef>
-          <a:fontRef idx="minor">
-            <a:schemeClr val="lt1"/>
-          </a:fontRef>
-        </p:style>
-        <p:txBody>
-          <a:bodyPr rtlCol="0" anchor="ctr"/>
-          <a:lstStyle/>
-          <a:p>
-            <a:pPr algn="ctr"/>
-            <a:r>
-              <a:rPr lang="en-US" altLang="zh-CN" dirty="0"/>
-              <a:t>StartOffsets </a:t>
-            </a:r>
-          </a:p>
-        </p:txBody>
-      </p:sp>
-      <p:sp>
-        <p:nvSpPr>
-          <p:cNvPr id="17" name="矩形 16"/>
-          <p:cNvSpPr/>
-          <p:nvPr/>
-        </p:nvSpPr>
-        <p:spPr>
-          <a:xfrm>
-            <a:off x="10268585" y="2551430"/>
-            <a:ext cx="1017905" cy="358140"/>
-          </a:xfrm>
-          <a:prstGeom prst="rect">
-            <a:avLst/>
-          </a:prstGeom>
-        </p:spPr>
-        <p:style>
-          <a:lnRef idx="3">
-            <a:schemeClr val="lt1"/>
-          </a:lnRef>
-          <a:fillRef idx="1">
-            <a:schemeClr val="accent1"/>
-          </a:fillRef>
-          <a:effectRef idx="1">
-            <a:schemeClr val="accent1"/>
-          </a:effectRef>
-          <a:fontRef idx="minor">
-            <a:schemeClr val="lt1"/>
-          </a:fontRef>
-        </p:style>
-        <p:txBody>
-          <a:bodyPr rtlCol="0" anchor="ctr"/>
-          <a:lstStyle/>
-          <a:p>
-            <a:pPr algn="ctr"/>
-            <a:r>
-              <a:rPr lang="en-US" altLang="zh-CN" dirty="0"/>
-              <a:t>Lengths </a:t>
-            </a:r>
-          </a:p>
-        </p:txBody>
-      </p:sp>
-      <p:sp>
-        <p:nvSpPr>
-          <p:cNvPr id="18" name="矩形 17"/>
-          <p:cNvSpPr/>
-          <p:nvPr/>
-        </p:nvSpPr>
-        <p:spPr>
-          <a:xfrm>
-            <a:off x="11286490" y="2551430"/>
-            <a:ext cx="845185" cy="358140"/>
-          </a:xfrm>
-          <a:prstGeom prst="rect">
-            <a:avLst/>
-          </a:prstGeom>
-        </p:spPr>
-        <p:style>
-          <a:lnRef idx="3">
-            <a:schemeClr val="lt1"/>
-          </a:lnRef>
-          <a:fillRef idx="1">
-            <a:schemeClr val="accent1"/>
-          </a:fillRef>
-          <a:effectRef idx="1">
-            <a:schemeClr val="accent1"/>
-          </a:effectRef>
-          <a:fontRef idx="minor">
-            <a:schemeClr val="lt1"/>
-          </a:fontRef>
-        </p:style>
-        <p:txBody>
-          <a:bodyPr rtlCol="0" anchor="ctr"/>
-          <a:lstStyle/>
-          <a:p>
-            <a:pPr algn="ctr"/>
-            <a:r>
-              <a:rPr lang="en-US" altLang="zh-CN" dirty="0"/>
-              <a:t>......</a:t>
-            </a:r>
-          </a:p>
-        </p:txBody>
-      </p:sp>
-      <p:cxnSp>
-        <p:nvCxnSpPr>
-          <p:cNvPr id="19" name="直接连接符 18"/>
-          <p:cNvCxnSpPr/>
-          <p:nvPr/>
-        </p:nvCxnSpPr>
-        <p:spPr>
-          <a:xfrm flipH="1">
-            <a:off x="307975" y="966470"/>
-            <a:ext cx="3726180" cy="434975"/>
-          </a:xfrm>
-          <a:prstGeom prst="line">
-            <a:avLst/>
-          </a:prstGeom>
-          <a:ln w="28575"/>
-        </p:spPr>
-        <p:style>
-          <a:lnRef idx="1">
-            <a:schemeClr val="accent1"/>
-          </a:lnRef>
-          <a:fillRef idx="0">
-            <a:schemeClr val="accent1"/>
-          </a:fillRef>
-          <a:effectRef idx="0">
-            <a:schemeClr val="accent1"/>
-          </a:effectRef>
-          <a:fontRef idx="minor">
-            <a:schemeClr val="tx1"/>
-          </a:fontRef>
-        </p:style>
-      </p:cxnSp>
-      <p:cxnSp>
-        <p:nvCxnSpPr>
-          <p:cNvPr id="20" name="直接连接符 19"/>
-          <p:cNvCxnSpPr/>
-          <p:nvPr/>
-        </p:nvCxnSpPr>
-        <p:spPr>
-          <a:xfrm>
-            <a:off x="5009515" y="947420"/>
-            <a:ext cx="2702560" cy="454025"/>
-          </a:xfrm>
-          <a:prstGeom prst="line">
-            <a:avLst/>
-          </a:prstGeom>
-          <a:ln w="28575"/>
-        </p:spPr>
-        <p:style>
-          <a:lnRef idx="1">
-            <a:schemeClr val="accent1"/>
-          </a:lnRef>
-          <a:fillRef idx="0">
-            <a:schemeClr val="accent1"/>
-          </a:fillRef>
-          <a:effectRef idx="0">
-            <a:schemeClr val="accent1"/>
-          </a:effectRef>
-          <a:fontRef idx="minor">
-            <a:schemeClr val="tx1"/>
-          </a:fontRef>
-        </p:style>
-      </p:cxnSp>
-      <p:cxnSp>
-        <p:nvCxnSpPr>
-          <p:cNvPr id="21" name="曲线连接符 20"/>
-          <p:cNvCxnSpPr>
-            <a:stCxn id="10" idx="3"/>
-            <a:endCxn id="12" idx="1"/>
-          </p:cNvCxnSpPr>
-          <p:nvPr/>
-        </p:nvCxnSpPr>
-        <p:spPr>
-          <a:xfrm flipH="1">
-            <a:off x="3730625" y="1591945"/>
-            <a:ext cx="3971290" cy="1138555"/>
-          </a:xfrm>
-          <a:prstGeom prst="curvedConnector5">
-            <a:avLst>
-              <a:gd name="adj1" fmla="val -5996"/>
-              <a:gd name="adj2" fmla="val 50028"/>
-              <a:gd name="adj3" fmla="val 105996"/>
-            </a:avLst>
-          </a:prstGeom>
-          <a:ln w="28575">
-            <a:solidFill>
-              <a:schemeClr val="tx1"/>
-            </a:solidFill>
-            <a:prstDash val="dash"/>
-          </a:ln>
-        </p:spPr>
-        <p:style>
-          <a:lnRef idx="1">
-            <a:schemeClr val="accent1"/>
-          </a:lnRef>
-          <a:fillRef idx="0">
-            <a:schemeClr val="accent1"/>
-          </a:fillRef>
-          <a:effectRef idx="0">
-            <a:schemeClr val="accent1"/>
-          </a:effectRef>
-          <a:fontRef idx="minor">
-            <a:schemeClr val="tx1"/>
-          </a:fontRef>
-        </p:style>
-      </p:cxnSp>
-      <p:sp>
-        <p:nvSpPr>
-          <p:cNvPr id="22" name="文本框 21"/>
-          <p:cNvSpPr txBox="1"/>
-          <p:nvPr/>
-        </p:nvSpPr>
-        <p:spPr>
-          <a:xfrm>
-            <a:off x="792480" y="3565525"/>
-            <a:ext cx="7828915" cy="922020"/>
-          </a:xfrm>
-          <a:prstGeom prst="rect">
-            <a:avLst/>
-          </a:prstGeom>
-          <a:noFill/>
-        </p:spPr>
-        <p:txBody>
-          <a:bodyPr wrap="square" rtlCol="0">
-            <a:spAutoFit/>
-          </a:bodyPr>
-          <a:lstStyle/>
-          <a:p>
-            <a:r>
-              <a:rPr lang="en-US" altLang="zh-CN"/>
-              <a:t>&lt;</a:t>
-            </a:r>
-            <a:r>
-              <a:rPr lang="zh-CN" altLang="en-US"/>
-              <a:t>文档</a:t>
-            </a:r>
-            <a:r>
-              <a:rPr lang="en-US" altLang="zh-CN"/>
-              <a:t>ID, </a:t>
-            </a:r>
-            <a:r>
-              <a:rPr lang="zh-CN" altLang="en-US"/>
-              <a:t>字段名</a:t>
-            </a:r>
-            <a:r>
-              <a:rPr lang="en-US" altLang="zh-CN"/>
-              <a:t>&gt;  --&gt; Map&lt;Term, (</a:t>
-            </a:r>
-            <a:r>
-              <a:rPr lang="zh-CN" altLang="en-US"/>
-              <a:t>词频、位置、偏移量</a:t>
-            </a:r>
-            <a:r>
-              <a:rPr lang="en-US" altLang="zh-CN"/>
-              <a:t>..)&gt;</a:t>
-            </a:r>
-          </a:p>
-          <a:p>
-            <a:endParaRPr lang="en-US" altLang="zh-CN"/>
-          </a:p>
-          <a:p>
-            <a:endParaRPr lang="en-US" altLang="zh-CN"/>
           </a:p>
         </p:txBody>
       </p:sp>
@@ -12874,308 +12385,1014 @@
           <a:chExt cx="0" cy="0"/>
         </a:xfrm>
       </p:grpSpPr>
-      <p:sp>
-        <p:nvSpPr>
-          <p:cNvPr id="3" name="文本占位符 2"/>
-          <p:cNvSpPr>
-            <a:spLocks noGrp="1"/>
-          </p:cNvSpPr>
-          <p:nvPr>
-            <p:ph type="body" idx="1"/>
-          </p:nvPr>
-        </p:nvSpPr>
-        <p:spPr>
-          <a:xfrm>
-            <a:off x="838200" y="187960"/>
-            <a:ext cx="10515600" cy="5901690"/>
-          </a:xfrm>
-        </p:spPr>
-        <p:txBody>
-          <a:bodyPr/>
-          <a:lstStyle/>
-          <a:p>
-            <a:r>
-              <a:rPr lang="en-US" altLang="zh-CN" sz="2000" dirty="0">
-                <a:sym typeface="+mn-ea"/>
+      <p:cxnSp>
+        <p:nvCxnSpPr>
+          <p:cNvPr id="32" name="直接连接符 31"/>
+          <p:cNvCxnSpPr/>
+          <p:nvPr/>
+        </p:nvCxnSpPr>
+        <p:spPr>
+          <a:xfrm>
+            <a:off x="209007" y="378120"/>
+            <a:ext cx="11774078" cy="0"/>
+          </a:xfrm>
+          <a:prstGeom prst="line">
+            <a:avLst/>
+          </a:prstGeom>
+          <a:ln w="19050"/>
+        </p:spPr>
+        <p:style>
+          <a:lnRef idx="1">
+            <a:schemeClr val="dk1"/>
+          </a:lnRef>
+          <a:fillRef idx="0">
+            <a:schemeClr val="dk1"/>
+          </a:fillRef>
+          <a:effectRef idx="0">
+            <a:schemeClr val="dk1"/>
+          </a:effectRef>
+          <a:fontRef idx="minor">
+            <a:schemeClr val="tx1"/>
+          </a:fontRef>
+        </p:style>
+      </p:cxnSp>
+      <p:sp>
+        <p:nvSpPr>
+          <p:cNvPr id="35" name="矩形 34"/>
+          <p:cNvSpPr/>
+          <p:nvPr/>
+        </p:nvSpPr>
+        <p:spPr>
+          <a:xfrm>
+            <a:off x="1894886" y="602226"/>
+            <a:ext cx="2139886" cy="358217"/>
+          </a:xfrm>
+          <a:prstGeom prst="rect">
+            <a:avLst/>
+          </a:prstGeom>
+        </p:spPr>
+        <p:style>
+          <a:lnRef idx="2">
+            <a:schemeClr val="accent3">
+              <a:shade val="50000"/>
+            </a:schemeClr>
+          </a:lnRef>
+          <a:fillRef idx="1">
+            <a:schemeClr val="accent3"/>
+          </a:fillRef>
+          <a:effectRef idx="0">
+            <a:schemeClr val="accent3"/>
+          </a:effectRef>
+          <a:fontRef idx="minor">
+            <a:schemeClr val="lt1"/>
+          </a:fontRef>
+        </p:style>
+        <p:txBody>
+          <a:bodyPr rtlCol="0" anchor="ctr"/>
+          <a:lstStyle/>
+          <a:p>
+            <a:pPr algn="ctr"/>
+            <a:r>
+              <a:rPr lang="en-US" altLang="zh-CN" dirty="0"/>
+              <a:t>Header</a:t>
+            </a:r>
+            <a:endParaRPr lang="zh-CN" altLang="en-US" dirty="0"/>
+          </a:p>
+        </p:txBody>
+      </p:sp>
+      <p:sp>
+        <p:nvSpPr>
+          <p:cNvPr id="36" name="矩形 35"/>
+          <p:cNvSpPr/>
+          <p:nvPr/>
+        </p:nvSpPr>
+        <p:spPr>
+          <a:xfrm>
+            <a:off x="4039485" y="602226"/>
+            <a:ext cx="1046375" cy="358219"/>
+          </a:xfrm>
+          <a:prstGeom prst="rect">
+            <a:avLst/>
+          </a:prstGeom>
+        </p:spPr>
+        <p:style>
+          <a:lnRef idx="2">
+            <a:schemeClr val="accent6">
+              <a:shade val="50000"/>
+            </a:schemeClr>
+          </a:lnRef>
+          <a:fillRef idx="1">
+            <a:schemeClr val="accent6"/>
+          </a:fillRef>
+          <a:effectRef idx="0">
+            <a:schemeClr val="accent6"/>
+          </a:effectRef>
+          <a:fontRef idx="minor">
+            <a:schemeClr val="lt1"/>
+          </a:fontRef>
+        </p:style>
+        <p:txBody>
+          <a:bodyPr rtlCol="0" anchor="ctr"/>
+          <a:lstStyle/>
+          <a:p>
+            <a:pPr algn="ctr"/>
+            <a:r>
+              <a:rPr lang="en-US" altLang="zh-CN" dirty="0"/>
+              <a:t>Chunk</a:t>
+            </a:r>
+            <a:endParaRPr lang="zh-CN" altLang="en-US" dirty="0"/>
+          </a:p>
+        </p:txBody>
+      </p:sp>
+      <p:sp>
+        <p:nvSpPr>
+          <p:cNvPr id="37" name="矩形 36"/>
+          <p:cNvSpPr/>
+          <p:nvPr/>
+        </p:nvSpPr>
+        <p:spPr>
+          <a:xfrm>
+            <a:off x="5034011" y="602226"/>
+            <a:ext cx="1046375" cy="358219"/>
+          </a:xfrm>
+          <a:prstGeom prst="rect">
+            <a:avLst/>
+          </a:prstGeom>
+        </p:spPr>
+        <p:style>
+          <a:lnRef idx="2">
+            <a:schemeClr val="accent6">
+              <a:shade val="50000"/>
+            </a:schemeClr>
+          </a:lnRef>
+          <a:fillRef idx="1">
+            <a:schemeClr val="accent6"/>
+          </a:fillRef>
+          <a:effectRef idx="0">
+            <a:schemeClr val="accent6"/>
+          </a:effectRef>
+          <a:fontRef idx="minor">
+            <a:schemeClr val="lt1"/>
+          </a:fontRef>
+        </p:style>
+        <p:txBody>
+          <a:bodyPr rtlCol="0" anchor="ctr"/>
+          <a:lstStyle/>
+          <a:p>
+            <a:pPr algn="ctr"/>
+            <a:r>
+              <a:rPr lang="en-US" altLang="zh-CN" dirty="0"/>
+              <a:t>Chunk</a:t>
+            </a:r>
+            <a:endParaRPr lang="zh-CN" altLang="en-US" dirty="0"/>
+          </a:p>
+        </p:txBody>
+      </p:sp>
+      <p:sp>
+        <p:nvSpPr>
+          <p:cNvPr id="38" name="矩形 37"/>
+          <p:cNvSpPr/>
+          <p:nvPr/>
+        </p:nvSpPr>
+        <p:spPr>
+          <a:xfrm>
+            <a:off x="6075673" y="602226"/>
+            <a:ext cx="579750" cy="358219"/>
+          </a:xfrm>
+          <a:prstGeom prst="rect">
+            <a:avLst/>
+          </a:prstGeom>
+          <a:noFill/>
+          <a:ln>
+            <a:noFill/>
+          </a:ln>
+        </p:spPr>
+        <p:style>
+          <a:lnRef idx="2">
+            <a:schemeClr val="accent1">
+              <a:shade val="50000"/>
+            </a:schemeClr>
+          </a:lnRef>
+          <a:fillRef idx="1">
+            <a:schemeClr val="accent1"/>
+          </a:fillRef>
+          <a:effectRef idx="0">
+            <a:schemeClr val="accent1"/>
+          </a:effectRef>
+          <a:fontRef idx="minor">
+            <a:schemeClr val="lt1"/>
+          </a:fontRef>
+        </p:style>
+        <p:txBody>
+          <a:bodyPr rtlCol="0" anchor="ctr"/>
+          <a:lstStyle/>
+          <a:p>
+            <a:pPr algn="ctr"/>
+            <a:r>
+              <a:rPr lang="en-US" altLang="zh-CN" dirty="0">
+                <a:solidFill>
+                  <a:schemeClr val="tx1"/>
+                </a:solidFill>
               </a:rPr>
-              <a:t>DocBase : chunk</a:t>
-            </a:r>
-            <a:r>
-              <a:rPr lang="zh-CN" altLang="en-US" sz="2000" dirty="0">
-                <a:sym typeface="+mn-ea"/>
-              </a:rPr>
-              <a:t>中第一个文档的</a:t>
-            </a:r>
-            <a:r>
-              <a:rPr lang="en-US" altLang="zh-CN" sz="2000" dirty="0">
-                <a:sym typeface="+mn-ea"/>
-              </a:rPr>
-              <a:t>ID</a:t>
-            </a:r>
-          </a:p>
-          <a:p>
-            <a:r>
-              <a:rPr lang="en-US" altLang="zh-CN" sz="2000" dirty="0">
-                <a:sym typeface="+mn-ea"/>
-              </a:rPr>
-              <a:t>ChunkDocs : chunk</a:t>
-            </a:r>
-            <a:r>
-              <a:rPr lang="zh-CN" altLang="en-US" sz="2000" dirty="0">
-                <a:sym typeface="+mn-ea"/>
-              </a:rPr>
-              <a:t>中的文档总数</a:t>
-            </a:r>
-          </a:p>
-          <a:p>
-            <a:r>
-              <a:rPr lang="zh-CN" altLang="en-US" sz="2000" dirty="0">
-                <a:sym typeface="+mn-ea"/>
-              </a:rPr>
+              <a:t>......</a:t>
+            </a:r>
+          </a:p>
+        </p:txBody>
+      </p:sp>
+      <p:sp>
+        <p:nvSpPr>
+          <p:cNvPr id="39" name="矩形 38"/>
+          <p:cNvSpPr/>
+          <p:nvPr/>
+        </p:nvSpPr>
+        <p:spPr>
+          <a:xfrm>
+            <a:off x="6655423" y="602226"/>
+            <a:ext cx="1046375" cy="358219"/>
+          </a:xfrm>
+          <a:prstGeom prst="rect">
+            <a:avLst/>
+          </a:prstGeom>
+        </p:spPr>
+        <p:style>
+          <a:lnRef idx="2">
+            <a:schemeClr val="accent6">
+              <a:shade val="50000"/>
+            </a:schemeClr>
+          </a:lnRef>
+          <a:fillRef idx="1">
+            <a:schemeClr val="accent6"/>
+          </a:fillRef>
+          <a:effectRef idx="0">
+            <a:schemeClr val="accent6"/>
+          </a:effectRef>
+          <a:fontRef idx="minor">
+            <a:schemeClr val="lt1"/>
+          </a:fontRef>
+        </p:style>
+        <p:txBody>
+          <a:bodyPr rtlCol="0" anchor="ctr"/>
+          <a:lstStyle/>
+          <a:p>
+            <a:pPr algn="ctr"/>
+            <a:r>
+              <a:rPr lang="en-US" altLang="zh-CN" dirty="0"/>
+              <a:t>Chunk</a:t>
+            </a:r>
+            <a:endParaRPr lang="zh-CN" altLang="en-US" dirty="0"/>
+          </a:p>
+        </p:txBody>
+      </p:sp>
+      <p:sp>
+        <p:nvSpPr>
+          <p:cNvPr id="41" name="矩形 40"/>
+          <p:cNvSpPr/>
+          <p:nvPr/>
+        </p:nvSpPr>
+        <p:spPr>
+          <a:xfrm>
+            <a:off x="7697085" y="602226"/>
+            <a:ext cx="2412426" cy="358219"/>
+          </a:xfrm>
+          <a:prstGeom prst="rect">
+            <a:avLst/>
+          </a:prstGeom>
+        </p:spPr>
+        <p:style>
+          <a:lnRef idx="2">
+            <a:schemeClr val="accent3">
+              <a:shade val="50000"/>
+            </a:schemeClr>
+          </a:lnRef>
+          <a:fillRef idx="1">
+            <a:schemeClr val="accent3"/>
+          </a:fillRef>
+          <a:effectRef idx="0">
+            <a:schemeClr val="accent3"/>
+          </a:effectRef>
+          <a:fontRef idx="minor">
+            <a:schemeClr val="lt1"/>
+          </a:fontRef>
+        </p:style>
+        <p:txBody>
+          <a:bodyPr rtlCol="0" anchor="ctr"/>
+          <a:lstStyle/>
+          <a:p>
+            <a:pPr algn="ctr"/>
+            <a:r>
+              <a:rPr lang="en-US" altLang="zh-CN" dirty="0"/>
+              <a:t>Footer</a:t>
+            </a:r>
+            <a:endParaRPr lang="zh-CN" altLang="en-US" dirty="0"/>
+          </a:p>
+        </p:txBody>
+      </p:sp>
+      <p:sp>
+        <p:nvSpPr>
+          <p:cNvPr id="3" name="矩形 2"/>
+          <p:cNvSpPr/>
+          <p:nvPr/>
+        </p:nvSpPr>
+        <p:spPr>
+          <a:xfrm>
+            <a:off x="332990" y="1413121"/>
+            <a:ext cx="1046375" cy="358219"/>
+          </a:xfrm>
+          <a:prstGeom prst="rect">
+            <a:avLst/>
+          </a:prstGeom>
+        </p:spPr>
+        <p:style>
+          <a:lnRef idx="2">
+            <a:schemeClr val="accent6">
+              <a:shade val="50000"/>
+            </a:schemeClr>
+          </a:lnRef>
+          <a:fillRef idx="1">
+            <a:schemeClr val="accent6"/>
+          </a:fillRef>
+          <a:effectRef idx="0">
+            <a:schemeClr val="accent6"/>
+          </a:effectRef>
+          <a:fontRef idx="minor">
+            <a:schemeClr val="lt1"/>
+          </a:fontRef>
+        </p:style>
+        <p:txBody>
+          <a:bodyPr rtlCol="0" anchor="ctr"/>
+          <a:lstStyle/>
+          <a:p>
+            <a:pPr algn="ctr"/>
+            <a:r>
+              <a:rPr lang="en-US" altLang="zh-CN" dirty="0"/>
+              <a:t>DocBase</a:t>
+            </a:r>
+          </a:p>
+        </p:txBody>
+      </p:sp>
+      <p:sp>
+        <p:nvSpPr>
+          <p:cNvPr id="4" name="矩形 3"/>
+          <p:cNvSpPr/>
+          <p:nvPr/>
+        </p:nvSpPr>
+        <p:spPr>
+          <a:xfrm>
+            <a:off x="1327785" y="1412875"/>
+            <a:ext cx="1363980" cy="358140"/>
+          </a:xfrm>
+          <a:prstGeom prst="rect">
+            <a:avLst/>
+          </a:prstGeom>
+        </p:spPr>
+        <p:style>
+          <a:lnRef idx="2">
+            <a:schemeClr val="accent6">
+              <a:shade val="50000"/>
+            </a:schemeClr>
+          </a:lnRef>
+          <a:fillRef idx="1">
+            <a:schemeClr val="accent6"/>
+          </a:fillRef>
+          <a:effectRef idx="0">
+            <a:schemeClr val="accent6"/>
+          </a:effectRef>
+          <a:fontRef idx="minor">
+            <a:schemeClr val="lt1"/>
+          </a:fontRef>
+        </p:style>
+        <p:txBody>
+          <a:bodyPr rtlCol="0" anchor="ctr"/>
+          <a:lstStyle/>
+          <a:p>
+            <a:pPr algn="ctr"/>
+            <a:r>
+              <a:rPr lang="en-US" altLang="zh-CN" dirty="0"/>
+              <a:t>ChunkDocs</a:t>
+            </a:r>
+          </a:p>
+        </p:txBody>
+      </p:sp>
+      <p:sp>
+        <p:nvSpPr>
+          <p:cNvPr id="6" name="矩形 5"/>
+          <p:cNvSpPr/>
+          <p:nvPr/>
+        </p:nvSpPr>
+        <p:spPr>
+          <a:xfrm>
+            <a:off x="2691765" y="1412875"/>
+            <a:ext cx="1343660" cy="358140"/>
+          </a:xfrm>
+          <a:prstGeom prst="rect">
+            <a:avLst/>
+          </a:prstGeom>
+        </p:spPr>
+        <p:style>
+          <a:lnRef idx="2">
+            <a:schemeClr val="accent6">
+              <a:shade val="50000"/>
+            </a:schemeClr>
+          </a:lnRef>
+          <a:fillRef idx="1">
+            <a:schemeClr val="accent6"/>
+          </a:fillRef>
+          <a:effectRef idx="0">
+            <a:schemeClr val="accent6"/>
+          </a:effectRef>
+          <a:fontRef idx="minor">
+            <a:schemeClr val="lt1"/>
+          </a:fontRef>
+        </p:style>
+        <p:txBody>
+          <a:bodyPr rtlCol="0" anchor="ctr"/>
+          <a:lstStyle/>
+          <a:p>
+            <a:pPr algn="ctr"/>
+            <a:r>
+              <a:rPr lang="en-US" altLang="zh-CN" dirty="0"/>
               <a:t>NumFields </a:t>
             </a:r>
-            <a:r>
-              <a:rPr lang="en-US" altLang="zh-CN" sz="2000" dirty="0">
-                <a:sym typeface="+mn-ea"/>
-              </a:rPr>
-              <a:t>: </a:t>
-            </a:r>
-            <a:r>
-              <a:rPr lang="zh-CN" altLang="en-US" sz="2000" dirty="0">
-                <a:sym typeface="+mn-ea"/>
-              </a:rPr>
-              <a:t>每个文档的字段数</a:t>
-            </a:r>
-          </a:p>
-          <a:p>
-            <a:r>
-              <a:rPr lang="zh-CN" altLang="en-US" sz="2000" dirty="0">
-                <a:sym typeface="+mn-ea"/>
-              </a:rPr>
+          </a:p>
+        </p:txBody>
+      </p:sp>
+      <p:sp>
+        <p:nvSpPr>
+          <p:cNvPr id="8" name="矩形 7"/>
+          <p:cNvSpPr/>
+          <p:nvPr/>
+        </p:nvSpPr>
+        <p:spPr>
+          <a:xfrm>
+            <a:off x="4034790" y="1412875"/>
+            <a:ext cx="1343660" cy="358140"/>
+          </a:xfrm>
+          <a:prstGeom prst="rect">
+            <a:avLst/>
+          </a:prstGeom>
+        </p:spPr>
+        <p:style>
+          <a:lnRef idx="2">
+            <a:schemeClr val="accent6">
+              <a:shade val="50000"/>
+            </a:schemeClr>
+          </a:lnRef>
+          <a:fillRef idx="1">
+            <a:schemeClr val="accent6"/>
+          </a:fillRef>
+          <a:effectRef idx="0">
+            <a:schemeClr val="accent6"/>
+          </a:effectRef>
+          <a:fontRef idx="minor">
+            <a:schemeClr val="lt1"/>
+          </a:fontRef>
+        </p:style>
+        <p:txBody>
+          <a:bodyPr rtlCol="0" anchor="ctr"/>
+          <a:lstStyle/>
+          <a:p>
+            <a:pPr algn="ctr"/>
+            <a:r>
+              <a:rPr lang="en-US" altLang="zh-CN" dirty="0"/>
               <a:t>FieldNums </a:t>
             </a:r>
-            <a:r>
-              <a:rPr lang="en-US" altLang="zh-CN" sz="2000" dirty="0">
-                <a:sym typeface="+mn-ea"/>
-              </a:rPr>
-              <a:t>:  </a:t>
-            </a:r>
-            <a:r>
-              <a:rPr lang="zh-CN" altLang="en-US" sz="2000" dirty="0">
-                <a:sym typeface="+mn-ea"/>
-              </a:rPr>
-              <a:t>每个文档的字段编号</a:t>
-            </a:r>
-          </a:p>
-          <a:p>
-            <a:r>
-              <a:rPr lang="en-US" altLang="zh-CN" sz="2000" dirty="0">
-                <a:sym typeface="+mn-ea"/>
-              </a:rPr>
-              <a:t>FieldNumOffs : </a:t>
-            </a:r>
-            <a:r>
-              <a:rPr lang="zh-CN" altLang="en-US" sz="2000" dirty="0">
-                <a:sym typeface="+mn-ea"/>
-              </a:rPr>
-              <a:t>每个字段的偏移位置</a:t>
-            </a:r>
-          </a:p>
-          <a:p>
-            <a:r>
-              <a:rPr lang="en-US" altLang="zh-CN" sz="2000" dirty="0">
-                <a:sym typeface="+mn-ea"/>
-              </a:rPr>
-              <a:t>Flags : </a:t>
-            </a:r>
-            <a:r>
-              <a:rPr lang="zh-CN" altLang="en-US" sz="2000" dirty="0">
-                <a:sym typeface="+mn-ea"/>
-              </a:rPr>
-              <a:t>标识位。是否存储</a:t>
-            </a:r>
-            <a:r>
-              <a:rPr lang="en-US" altLang="zh-CN" sz="2000" dirty="0">
-                <a:sym typeface="+mn-ea"/>
-              </a:rPr>
-              <a:t>positions, offsets </a:t>
-            </a:r>
-            <a:r>
-              <a:rPr lang="zh-CN" altLang="en-US" sz="2000" dirty="0">
-                <a:sym typeface="+mn-ea"/>
-              </a:rPr>
-              <a:t>和 </a:t>
-            </a:r>
-            <a:r>
-              <a:rPr lang="en-US" altLang="zh-CN" sz="2000" dirty="0">
-                <a:sym typeface="+mn-ea"/>
-              </a:rPr>
-              <a:t>paloads</a:t>
-            </a:r>
-          </a:p>
-          <a:p>
-            <a:endParaRPr lang="en-US" altLang="zh-CN" sz="2000" dirty="0">
-              <a:sym typeface="+mn-ea"/>
-            </a:endParaRPr>
-          </a:p>
-          <a:p>
-            <a:r>
-              <a:rPr lang="en-US" altLang="zh-CN" sz="2000" dirty="0">
-                <a:sym typeface="+mn-ea"/>
-              </a:rPr>
-              <a:t>NumTerms : </a:t>
-            </a:r>
-            <a:r>
-              <a:rPr lang="zh-CN" altLang="en-US" sz="2000" dirty="0">
-                <a:sym typeface="+mn-ea"/>
-              </a:rPr>
-              <a:t>每一个文档每一个字段的</a:t>
-            </a:r>
-            <a:r>
-              <a:rPr lang="en-US" altLang="zh-CN" sz="2000" dirty="0">
-                <a:sym typeface="+mn-ea"/>
-              </a:rPr>
-              <a:t>Term</a:t>
-            </a:r>
-            <a:r>
-              <a:rPr lang="zh-CN" altLang="en-US" sz="2000" dirty="0">
-                <a:sym typeface="+mn-ea"/>
-              </a:rPr>
-              <a:t>数目</a:t>
-            </a:r>
-          </a:p>
-          <a:p>
-            <a:r>
-              <a:rPr lang="en-US" altLang="zh-CN" sz="2000" dirty="0">
-                <a:sym typeface="+mn-ea"/>
-              </a:rPr>
-              <a:t>TermLengths : </a:t>
-            </a:r>
-            <a:r>
-              <a:rPr lang="zh-CN" altLang="en-US" sz="2000" dirty="0">
-                <a:sym typeface="+mn-ea"/>
-              </a:rPr>
-              <a:t>每个</a:t>
-            </a:r>
-            <a:r>
-              <a:rPr lang="en-US" altLang="zh-CN" sz="2000" dirty="0">
-                <a:sym typeface="+mn-ea"/>
-              </a:rPr>
-              <a:t>Term</a:t>
-            </a:r>
-            <a:r>
-              <a:rPr lang="zh-CN" altLang="en-US" sz="2000" dirty="0">
-                <a:sym typeface="+mn-ea"/>
-              </a:rPr>
-              <a:t>的长度</a:t>
-            </a:r>
-          </a:p>
-          <a:p>
-            <a:r>
-              <a:rPr lang="en-US" altLang="zh-CN" sz="2000" dirty="0">
-                <a:sym typeface="+mn-ea"/>
-              </a:rPr>
-              <a:t>TermFreqs : </a:t>
-            </a:r>
-            <a:r>
-              <a:rPr lang="zh-CN" altLang="en-US" sz="2000" dirty="0">
-                <a:sym typeface="+mn-ea"/>
-              </a:rPr>
-              <a:t>每个</a:t>
-            </a:r>
-            <a:r>
-              <a:rPr lang="en-US" altLang="zh-CN" sz="2000" dirty="0">
-                <a:sym typeface="+mn-ea"/>
-              </a:rPr>
-              <a:t>Term</a:t>
-            </a:r>
-            <a:r>
-              <a:rPr lang="zh-CN" altLang="en-US" sz="2000" dirty="0">
-                <a:sym typeface="+mn-ea"/>
-              </a:rPr>
-              <a:t>的词频</a:t>
-            </a:r>
-            <a:endParaRPr lang="en-US" altLang="zh-CN" sz="2000" dirty="0">
-              <a:sym typeface="+mn-ea"/>
-            </a:endParaRPr>
-          </a:p>
-          <a:p>
-            <a:r>
-              <a:rPr lang="en-US" altLang="zh-CN" sz="2000" dirty="0">
-                <a:sym typeface="+mn-ea"/>
-              </a:rPr>
-              <a:t>Positions : </a:t>
-            </a:r>
-            <a:r>
-              <a:rPr lang="zh-CN" altLang="en-US" sz="2000" dirty="0">
-                <a:sym typeface="+mn-ea"/>
-              </a:rPr>
-              <a:t>每个</a:t>
-            </a:r>
-            <a:r>
-              <a:rPr lang="en-US" altLang="zh-CN" sz="2000" dirty="0">
-                <a:sym typeface="+mn-ea"/>
-              </a:rPr>
-              <a:t>Term</a:t>
-            </a:r>
-            <a:r>
-              <a:rPr lang="zh-CN" altLang="en-US" sz="2000" dirty="0">
-                <a:sym typeface="+mn-ea"/>
-              </a:rPr>
-              <a:t>的位置信息</a:t>
-            </a:r>
-          </a:p>
-          <a:p>
-            <a:r>
-              <a:rPr lang="en-US" altLang="zh-CN" sz="2000" dirty="0">
-                <a:sym typeface="+mn-ea"/>
-              </a:rPr>
-              <a:t>StartOffsets :  </a:t>
-            </a:r>
-            <a:r>
-              <a:rPr lang="zh-CN" altLang="en-US" sz="2000" dirty="0">
-                <a:sym typeface="+mn-ea"/>
-              </a:rPr>
-              <a:t>每个</a:t>
-            </a:r>
-            <a:r>
-              <a:rPr lang="en-US" altLang="zh-CN" sz="2000" dirty="0">
-                <a:sym typeface="+mn-ea"/>
-              </a:rPr>
-              <a:t>Term</a:t>
-            </a:r>
-            <a:r>
-              <a:rPr lang="zh-CN" altLang="en-US" sz="2000" dirty="0">
-                <a:sym typeface="+mn-ea"/>
-              </a:rPr>
-              <a:t>的起始偏移量</a:t>
-            </a:r>
-          </a:p>
-          <a:p>
-            <a:r>
-              <a:rPr lang="en-US" altLang="zh-CN" sz="2000" dirty="0">
-                <a:sym typeface="+mn-ea"/>
-              </a:rPr>
-              <a:t>Lengths : </a:t>
-            </a:r>
-            <a:r>
-              <a:rPr lang="zh-CN" altLang="en-US" sz="2000" dirty="0">
-                <a:sym typeface="+mn-ea"/>
-              </a:rPr>
-              <a:t>每个</a:t>
-            </a:r>
-            <a:r>
-              <a:rPr lang="en-US" altLang="zh-CN" sz="2000" dirty="0">
-                <a:sym typeface="+mn-ea"/>
-              </a:rPr>
-              <a:t>Term</a:t>
-            </a:r>
-            <a:r>
-              <a:rPr lang="zh-CN" altLang="en-US" sz="2000" dirty="0">
-                <a:sym typeface="+mn-ea"/>
-              </a:rPr>
-              <a:t>的偏移长度 </a:t>
-            </a:r>
+          </a:p>
+        </p:txBody>
+      </p:sp>
+      <p:sp>
+        <p:nvSpPr>
+          <p:cNvPr id="9" name="矩形 8"/>
+          <p:cNvSpPr/>
+          <p:nvPr/>
+        </p:nvSpPr>
+        <p:spPr>
+          <a:xfrm>
+            <a:off x="5311775" y="1412875"/>
+            <a:ext cx="1544955" cy="358140"/>
+          </a:xfrm>
+          <a:prstGeom prst="rect">
+            <a:avLst/>
+          </a:prstGeom>
+        </p:spPr>
+        <p:style>
+          <a:lnRef idx="2">
+            <a:schemeClr val="accent6">
+              <a:shade val="50000"/>
+            </a:schemeClr>
+          </a:lnRef>
+          <a:fillRef idx="1">
+            <a:schemeClr val="accent6"/>
+          </a:fillRef>
+          <a:effectRef idx="0">
+            <a:schemeClr val="accent6"/>
+          </a:effectRef>
+          <a:fontRef idx="minor">
+            <a:schemeClr val="lt1"/>
+          </a:fontRef>
+        </p:style>
+        <p:txBody>
+          <a:bodyPr rtlCol="0" anchor="ctr"/>
+          <a:lstStyle/>
+          <a:p>
+            <a:pPr algn="ctr"/>
+            <a:r>
+              <a:rPr lang="en-US" altLang="zh-CN" dirty="0"/>
+              <a:t>FieldNumOffs </a:t>
+            </a:r>
+          </a:p>
+        </p:txBody>
+      </p:sp>
+      <p:sp>
+        <p:nvSpPr>
+          <p:cNvPr id="10" name="矩形 9"/>
+          <p:cNvSpPr/>
+          <p:nvPr/>
+        </p:nvSpPr>
+        <p:spPr>
+          <a:xfrm>
+            <a:off x="6856730" y="1412875"/>
+            <a:ext cx="845185" cy="358140"/>
+          </a:xfrm>
+          <a:prstGeom prst="rect">
+            <a:avLst/>
+          </a:prstGeom>
+        </p:spPr>
+        <p:style>
+          <a:lnRef idx="2">
+            <a:schemeClr val="accent6">
+              <a:shade val="50000"/>
+            </a:schemeClr>
+          </a:lnRef>
+          <a:fillRef idx="1">
+            <a:schemeClr val="accent6"/>
+          </a:fillRef>
+          <a:effectRef idx="0">
+            <a:schemeClr val="accent6"/>
+          </a:effectRef>
+          <a:fontRef idx="minor">
+            <a:schemeClr val="lt1"/>
+          </a:fontRef>
+        </p:style>
+        <p:txBody>
+          <a:bodyPr rtlCol="0" anchor="ctr"/>
+          <a:lstStyle/>
+          <a:p>
+            <a:pPr algn="ctr"/>
+            <a:r>
+              <a:rPr lang="en-US" altLang="zh-CN" dirty="0"/>
+              <a:t>Flags </a:t>
+            </a:r>
+          </a:p>
+        </p:txBody>
+      </p:sp>
+      <p:sp>
+        <p:nvSpPr>
+          <p:cNvPr id="12" name="矩形 11"/>
+          <p:cNvSpPr/>
+          <p:nvPr/>
+        </p:nvSpPr>
+        <p:spPr>
+          <a:xfrm>
+            <a:off x="3730625" y="2551430"/>
+            <a:ext cx="1307465" cy="358140"/>
+          </a:xfrm>
+          <a:prstGeom prst="rect">
+            <a:avLst/>
+          </a:prstGeom>
+        </p:spPr>
+        <p:style>
+          <a:lnRef idx="3">
+            <a:schemeClr val="lt1"/>
+          </a:lnRef>
+          <a:fillRef idx="1">
+            <a:schemeClr val="accent1"/>
+          </a:fillRef>
+          <a:effectRef idx="1">
+            <a:schemeClr val="accent1"/>
+          </a:effectRef>
+          <a:fontRef idx="minor">
+            <a:schemeClr val="lt1"/>
+          </a:fontRef>
+        </p:style>
+        <p:txBody>
+          <a:bodyPr rtlCol="0" anchor="ctr"/>
+          <a:lstStyle/>
+          <a:p>
+            <a:pPr algn="ctr"/>
+            <a:r>
+              <a:rPr lang="en-US" altLang="zh-CN" dirty="0"/>
+              <a:t>NumTerms </a:t>
+            </a:r>
+          </a:p>
+        </p:txBody>
+      </p:sp>
+      <p:sp>
+        <p:nvSpPr>
+          <p:cNvPr id="13" name="矩形 12"/>
+          <p:cNvSpPr/>
+          <p:nvPr/>
+        </p:nvSpPr>
+        <p:spPr>
+          <a:xfrm>
+            <a:off x="5038090" y="2551430"/>
+            <a:ext cx="1497965" cy="358140"/>
+          </a:xfrm>
+          <a:prstGeom prst="rect">
+            <a:avLst/>
+          </a:prstGeom>
+        </p:spPr>
+        <p:style>
+          <a:lnRef idx="3">
+            <a:schemeClr val="lt1"/>
+          </a:lnRef>
+          <a:fillRef idx="1">
+            <a:schemeClr val="accent1"/>
+          </a:fillRef>
+          <a:effectRef idx="1">
+            <a:schemeClr val="accent1"/>
+          </a:effectRef>
+          <a:fontRef idx="minor">
+            <a:schemeClr val="lt1"/>
+          </a:fontRef>
+        </p:style>
+        <p:txBody>
+          <a:bodyPr rtlCol="0" anchor="ctr"/>
+          <a:lstStyle/>
+          <a:p>
+            <a:pPr algn="ctr"/>
+            <a:r>
+              <a:rPr lang="en-US" altLang="zh-CN" dirty="0"/>
+              <a:t>TermLengths </a:t>
+            </a:r>
+          </a:p>
+        </p:txBody>
+      </p:sp>
+      <p:sp>
+        <p:nvSpPr>
+          <p:cNvPr id="14" name="矩形 13"/>
+          <p:cNvSpPr/>
+          <p:nvPr/>
+        </p:nvSpPr>
+        <p:spPr>
+          <a:xfrm>
+            <a:off x="6536055" y="2551430"/>
+            <a:ext cx="1284605" cy="358140"/>
+          </a:xfrm>
+          <a:prstGeom prst="rect">
+            <a:avLst/>
+          </a:prstGeom>
+        </p:spPr>
+        <p:style>
+          <a:lnRef idx="3">
+            <a:schemeClr val="lt1"/>
+          </a:lnRef>
+          <a:fillRef idx="1">
+            <a:schemeClr val="accent1"/>
+          </a:fillRef>
+          <a:effectRef idx="1">
+            <a:schemeClr val="accent1"/>
+          </a:effectRef>
+          <a:fontRef idx="minor">
+            <a:schemeClr val="lt1"/>
+          </a:fontRef>
+        </p:style>
+        <p:txBody>
+          <a:bodyPr rtlCol="0" anchor="ctr"/>
+          <a:lstStyle/>
+          <a:p>
+            <a:pPr algn="ctr"/>
+            <a:r>
+              <a:rPr lang="en-US" altLang="zh-CN" dirty="0"/>
+              <a:t>TermFreqs </a:t>
+            </a:r>
+          </a:p>
+        </p:txBody>
+      </p:sp>
+      <p:sp>
+        <p:nvSpPr>
+          <p:cNvPr id="15" name="矩形 14"/>
+          <p:cNvSpPr/>
+          <p:nvPr/>
+        </p:nvSpPr>
+        <p:spPr>
+          <a:xfrm>
+            <a:off x="7820660" y="2551430"/>
+            <a:ext cx="1104900" cy="358140"/>
+          </a:xfrm>
+          <a:prstGeom prst="rect">
+            <a:avLst/>
+          </a:prstGeom>
+        </p:spPr>
+        <p:style>
+          <a:lnRef idx="3">
+            <a:schemeClr val="lt1"/>
+          </a:lnRef>
+          <a:fillRef idx="1">
+            <a:schemeClr val="accent1"/>
+          </a:fillRef>
+          <a:effectRef idx="1">
+            <a:schemeClr val="accent1"/>
+          </a:effectRef>
+          <a:fontRef idx="minor">
+            <a:schemeClr val="lt1"/>
+          </a:fontRef>
+        </p:style>
+        <p:txBody>
+          <a:bodyPr rtlCol="0" anchor="ctr"/>
+          <a:lstStyle/>
+          <a:p>
+            <a:pPr algn="ctr"/>
+            <a:r>
+              <a:rPr lang="en-US" altLang="zh-CN" dirty="0"/>
+              <a:t>Positions </a:t>
+            </a:r>
+          </a:p>
+        </p:txBody>
+      </p:sp>
+      <p:sp>
+        <p:nvSpPr>
+          <p:cNvPr id="16" name="矩形 15"/>
+          <p:cNvSpPr/>
+          <p:nvPr/>
+        </p:nvSpPr>
+        <p:spPr>
+          <a:xfrm>
+            <a:off x="8925560" y="2551430"/>
+            <a:ext cx="1343025" cy="358140"/>
+          </a:xfrm>
+          <a:prstGeom prst="rect">
+            <a:avLst/>
+          </a:prstGeom>
+        </p:spPr>
+        <p:style>
+          <a:lnRef idx="3">
+            <a:schemeClr val="lt1"/>
+          </a:lnRef>
+          <a:fillRef idx="1">
+            <a:schemeClr val="accent1"/>
+          </a:fillRef>
+          <a:effectRef idx="1">
+            <a:schemeClr val="accent1"/>
+          </a:effectRef>
+          <a:fontRef idx="minor">
+            <a:schemeClr val="lt1"/>
+          </a:fontRef>
+        </p:style>
+        <p:txBody>
+          <a:bodyPr rtlCol="0" anchor="ctr"/>
+          <a:lstStyle/>
+          <a:p>
+            <a:pPr algn="ctr"/>
+            <a:r>
+              <a:rPr lang="en-US" altLang="zh-CN" dirty="0"/>
+              <a:t>StartOffsets </a:t>
+            </a:r>
+          </a:p>
+        </p:txBody>
+      </p:sp>
+      <p:sp>
+        <p:nvSpPr>
+          <p:cNvPr id="17" name="矩形 16"/>
+          <p:cNvSpPr/>
+          <p:nvPr/>
+        </p:nvSpPr>
+        <p:spPr>
+          <a:xfrm>
+            <a:off x="10268585" y="2551430"/>
+            <a:ext cx="1017905" cy="358140"/>
+          </a:xfrm>
+          <a:prstGeom prst="rect">
+            <a:avLst/>
+          </a:prstGeom>
+        </p:spPr>
+        <p:style>
+          <a:lnRef idx="3">
+            <a:schemeClr val="lt1"/>
+          </a:lnRef>
+          <a:fillRef idx="1">
+            <a:schemeClr val="accent1"/>
+          </a:fillRef>
+          <a:effectRef idx="1">
+            <a:schemeClr val="accent1"/>
+          </a:effectRef>
+          <a:fontRef idx="minor">
+            <a:schemeClr val="lt1"/>
+          </a:fontRef>
+        </p:style>
+        <p:txBody>
+          <a:bodyPr rtlCol="0" anchor="ctr"/>
+          <a:lstStyle/>
+          <a:p>
+            <a:pPr algn="ctr"/>
+            <a:r>
+              <a:rPr lang="en-US" altLang="zh-CN" dirty="0"/>
+              <a:t>Lengths </a:t>
+            </a:r>
+          </a:p>
+        </p:txBody>
+      </p:sp>
+      <p:sp>
+        <p:nvSpPr>
+          <p:cNvPr id="18" name="矩形 17"/>
+          <p:cNvSpPr/>
+          <p:nvPr/>
+        </p:nvSpPr>
+        <p:spPr>
+          <a:xfrm>
+            <a:off x="11286490" y="2551430"/>
+            <a:ext cx="845185" cy="358140"/>
+          </a:xfrm>
+          <a:prstGeom prst="rect">
+            <a:avLst/>
+          </a:prstGeom>
+        </p:spPr>
+        <p:style>
+          <a:lnRef idx="3">
+            <a:schemeClr val="lt1"/>
+          </a:lnRef>
+          <a:fillRef idx="1">
+            <a:schemeClr val="accent1"/>
+          </a:fillRef>
+          <a:effectRef idx="1">
+            <a:schemeClr val="accent1"/>
+          </a:effectRef>
+          <a:fontRef idx="minor">
+            <a:schemeClr val="lt1"/>
+          </a:fontRef>
+        </p:style>
+        <p:txBody>
+          <a:bodyPr rtlCol="0" anchor="ctr"/>
+          <a:lstStyle/>
+          <a:p>
+            <a:pPr algn="ctr"/>
+            <a:r>
+              <a:rPr lang="en-US" altLang="zh-CN" dirty="0"/>
+              <a:t>......</a:t>
+            </a:r>
+          </a:p>
+        </p:txBody>
+      </p:sp>
+      <p:cxnSp>
+        <p:nvCxnSpPr>
+          <p:cNvPr id="19" name="直接连接符 18"/>
+          <p:cNvCxnSpPr/>
+          <p:nvPr/>
+        </p:nvCxnSpPr>
+        <p:spPr>
+          <a:xfrm flipH="1">
+            <a:off x="307975" y="966470"/>
+            <a:ext cx="3726180" cy="434975"/>
+          </a:xfrm>
+          <a:prstGeom prst="line">
+            <a:avLst/>
+          </a:prstGeom>
+          <a:ln w="28575"/>
+        </p:spPr>
+        <p:style>
+          <a:lnRef idx="1">
+            <a:schemeClr val="accent1"/>
+          </a:lnRef>
+          <a:fillRef idx="0">
+            <a:schemeClr val="accent1"/>
+          </a:fillRef>
+          <a:effectRef idx="0">
+            <a:schemeClr val="accent1"/>
+          </a:effectRef>
+          <a:fontRef idx="minor">
+            <a:schemeClr val="tx1"/>
+          </a:fontRef>
+        </p:style>
+      </p:cxnSp>
+      <p:cxnSp>
+        <p:nvCxnSpPr>
+          <p:cNvPr id="20" name="直接连接符 19"/>
+          <p:cNvCxnSpPr/>
+          <p:nvPr/>
+        </p:nvCxnSpPr>
+        <p:spPr>
+          <a:xfrm>
+            <a:off x="5009515" y="947420"/>
+            <a:ext cx="2702560" cy="454025"/>
+          </a:xfrm>
+          <a:prstGeom prst="line">
+            <a:avLst/>
+          </a:prstGeom>
+          <a:ln w="28575"/>
+        </p:spPr>
+        <p:style>
+          <a:lnRef idx="1">
+            <a:schemeClr val="accent1"/>
+          </a:lnRef>
+          <a:fillRef idx="0">
+            <a:schemeClr val="accent1"/>
+          </a:fillRef>
+          <a:effectRef idx="0">
+            <a:schemeClr val="accent1"/>
+          </a:effectRef>
+          <a:fontRef idx="minor">
+            <a:schemeClr val="tx1"/>
+          </a:fontRef>
+        </p:style>
+      </p:cxnSp>
+      <p:cxnSp>
+        <p:nvCxnSpPr>
+          <p:cNvPr id="21" name="曲线连接符 20"/>
+          <p:cNvCxnSpPr>
+            <a:stCxn id="10" idx="3"/>
+            <a:endCxn id="12" idx="1"/>
+          </p:cNvCxnSpPr>
+          <p:nvPr/>
+        </p:nvCxnSpPr>
+        <p:spPr>
+          <a:xfrm flipH="1">
+            <a:off x="3730625" y="1591945"/>
+            <a:ext cx="3971290" cy="1138555"/>
+          </a:xfrm>
+          <a:prstGeom prst="curvedConnector5">
+            <a:avLst>
+              <a:gd name="adj1" fmla="val -5996"/>
+              <a:gd name="adj2" fmla="val 50028"/>
+              <a:gd name="adj3" fmla="val 105996"/>
+            </a:avLst>
+          </a:prstGeom>
+          <a:ln w="28575">
+            <a:solidFill>
+              <a:schemeClr val="tx1"/>
+            </a:solidFill>
+            <a:prstDash val="dash"/>
+          </a:ln>
+        </p:spPr>
+        <p:style>
+          <a:lnRef idx="1">
+            <a:schemeClr val="accent1"/>
+          </a:lnRef>
+          <a:fillRef idx="0">
+            <a:schemeClr val="accent1"/>
+          </a:fillRef>
+          <a:effectRef idx="0">
+            <a:schemeClr val="accent1"/>
+          </a:effectRef>
+          <a:fontRef idx="minor">
+            <a:schemeClr val="tx1"/>
+          </a:fontRef>
+        </p:style>
+      </p:cxnSp>
+      <p:sp>
+        <p:nvSpPr>
+          <p:cNvPr id="22" name="文本框 21"/>
+          <p:cNvSpPr txBox="1"/>
+          <p:nvPr/>
+        </p:nvSpPr>
+        <p:spPr>
+          <a:xfrm>
+            <a:off x="792480" y="3565525"/>
+            <a:ext cx="7828915" cy="922020"/>
+          </a:xfrm>
+          <a:prstGeom prst="rect">
+            <a:avLst/>
+          </a:prstGeom>
+          <a:noFill/>
+        </p:spPr>
+        <p:txBody>
+          <a:bodyPr wrap="square" rtlCol="0">
+            <a:spAutoFit/>
+          </a:bodyPr>
+          <a:lstStyle/>
+          <a:p>
+            <a:r>
+              <a:rPr lang="en-US" altLang="zh-CN"/>
+              <a:t>&lt;</a:t>
+            </a:r>
+            <a:r>
+              <a:rPr lang="zh-CN" altLang="en-US"/>
+              <a:t>文档</a:t>
+            </a:r>
+            <a:r>
+              <a:rPr lang="en-US" altLang="zh-CN"/>
+              <a:t>ID, </a:t>
+            </a:r>
+            <a:r>
+              <a:rPr lang="zh-CN" altLang="en-US"/>
+              <a:t>字段名</a:t>
+            </a:r>
+            <a:r>
+              <a:rPr lang="en-US" altLang="zh-CN"/>
+              <a:t>&gt;  --&gt; Map&lt;Term, (</a:t>
+            </a:r>
+            <a:r>
+              <a:rPr lang="zh-CN" altLang="en-US"/>
+              <a:t>词频、位置、偏移量</a:t>
+            </a:r>
+            <a:r>
+              <a:rPr lang="en-US" altLang="zh-CN"/>
+              <a:t>..)&gt;</a:t>
+            </a:r>
+          </a:p>
+          <a:p>
+            <a:endParaRPr lang="en-US" altLang="zh-CN"/>
+          </a:p>
+          <a:p>
+            <a:endParaRPr lang="en-US" altLang="zh-CN"/>
           </a:p>
         </p:txBody>
       </p:sp>
@@ -13262,6 +13479,336 @@
               <a:rPr lang="en-US" altLang="zh-CN" dirty="0"/>
             </a:br>
             <a:endParaRPr lang="zh-CN" altLang="en-US" dirty="0"/>
+          </a:p>
+        </p:txBody>
+      </p:sp>
+    </p:spTree>
+  </p:cSld>
+  <p:clrMapOvr>
+    <a:masterClrMapping/>
+  </p:clrMapOvr>
+</p:sld>
+</file>
+
+<file path=ppt/slides/slide20.xml><?xml version="1.0" encoding="utf-8"?>
+<p:sld xmlns:a="http://schemas.openxmlformats.org/drawingml/2006/main" xmlns:r="http://schemas.openxmlformats.org/officeDocument/2006/relationships" xmlns:p="http://schemas.openxmlformats.org/presentationml/2006/main">
+  <p:cSld>
+    <p:spTree>
+      <p:nvGrpSpPr>
+        <p:cNvPr id="1" name=""/>
+        <p:cNvGrpSpPr/>
+        <p:nvPr/>
+      </p:nvGrpSpPr>
+      <p:grpSpPr>
+        <a:xfrm>
+          <a:off x="0" y="0"/>
+          <a:ext cx="0" cy="0"/>
+          <a:chOff x="0" y="0"/>
+          <a:chExt cx="0" cy="0"/>
+        </a:xfrm>
+      </p:grpSpPr>
+      <p:sp>
+        <p:nvSpPr>
+          <p:cNvPr id="3" name="文本占位符 2"/>
+          <p:cNvSpPr>
+            <a:spLocks noGrp="1"/>
+          </p:cNvSpPr>
+          <p:nvPr>
+            <p:ph type="body" idx="1"/>
+          </p:nvPr>
+        </p:nvSpPr>
+        <p:spPr>
+          <a:xfrm>
+            <a:off x="838200" y="187960"/>
+            <a:ext cx="10515600" cy="5901690"/>
+          </a:xfrm>
+        </p:spPr>
+        <p:txBody>
+          <a:bodyPr/>
+          <a:lstStyle/>
+          <a:p>
+            <a:r>
+              <a:rPr lang="en-US" altLang="zh-CN" sz="2000" dirty="0">
+                <a:sym typeface="+mn-ea"/>
+              </a:rPr>
+              <a:t>DocBase : chunk</a:t>
+            </a:r>
+            <a:r>
+              <a:rPr lang="zh-CN" altLang="en-US" sz="2000" dirty="0">
+                <a:sym typeface="+mn-ea"/>
+              </a:rPr>
+              <a:t>中第一个文档的</a:t>
+            </a:r>
+            <a:r>
+              <a:rPr lang="en-US" altLang="zh-CN" sz="2000" dirty="0">
+                <a:sym typeface="+mn-ea"/>
+              </a:rPr>
+              <a:t>ID</a:t>
+            </a:r>
+          </a:p>
+          <a:p>
+            <a:r>
+              <a:rPr lang="en-US" altLang="zh-CN" sz="2000" dirty="0">
+                <a:sym typeface="+mn-ea"/>
+              </a:rPr>
+              <a:t>ChunkDocs : chunk</a:t>
+            </a:r>
+            <a:r>
+              <a:rPr lang="zh-CN" altLang="en-US" sz="2000" dirty="0">
+                <a:sym typeface="+mn-ea"/>
+              </a:rPr>
+              <a:t>中的文档总数</a:t>
+            </a:r>
+          </a:p>
+          <a:p>
+            <a:r>
+              <a:rPr lang="zh-CN" altLang="en-US" sz="2000" dirty="0">
+                <a:sym typeface="+mn-ea"/>
+              </a:rPr>
+              <a:t>NumFields </a:t>
+            </a:r>
+            <a:r>
+              <a:rPr lang="en-US" altLang="zh-CN" sz="2000" dirty="0">
+                <a:sym typeface="+mn-ea"/>
+              </a:rPr>
+              <a:t>: </a:t>
+            </a:r>
+            <a:r>
+              <a:rPr lang="zh-CN" altLang="en-US" sz="2000" dirty="0">
+                <a:sym typeface="+mn-ea"/>
+              </a:rPr>
+              <a:t>每个文档的字段数</a:t>
+            </a:r>
+          </a:p>
+          <a:p>
+            <a:r>
+              <a:rPr lang="zh-CN" altLang="en-US" sz="2000" dirty="0">
+                <a:sym typeface="+mn-ea"/>
+              </a:rPr>
+              <a:t>FieldNums </a:t>
+            </a:r>
+            <a:r>
+              <a:rPr lang="en-US" altLang="zh-CN" sz="2000" dirty="0">
+                <a:sym typeface="+mn-ea"/>
+              </a:rPr>
+              <a:t>:  </a:t>
+            </a:r>
+            <a:r>
+              <a:rPr lang="zh-CN" altLang="en-US" sz="2000" dirty="0">
+                <a:sym typeface="+mn-ea"/>
+              </a:rPr>
+              <a:t>每个文档的字段编号</a:t>
+            </a:r>
+          </a:p>
+          <a:p>
+            <a:r>
+              <a:rPr lang="en-US" altLang="zh-CN" sz="2000" dirty="0">
+                <a:sym typeface="+mn-ea"/>
+              </a:rPr>
+              <a:t>FieldNumOffs : </a:t>
+            </a:r>
+            <a:r>
+              <a:rPr lang="zh-CN" altLang="en-US" sz="2000" dirty="0">
+                <a:sym typeface="+mn-ea"/>
+              </a:rPr>
+              <a:t>每个字段的偏移位置</a:t>
+            </a:r>
+          </a:p>
+          <a:p>
+            <a:r>
+              <a:rPr lang="en-US" altLang="zh-CN" sz="2000" dirty="0">
+                <a:sym typeface="+mn-ea"/>
+              </a:rPr>
+              <a:t>Flags : </a:t>
+            </a:r>
+            <a:r>
+              <a:rPr lang="zh-CN" altLang="en-US" sz="2000" dirty="0">
+                <a:sym typeface="+mn-ea"/>
+              </a:rPr>
+              <a:t>标识位。是否存储</a:t>
+            </a:r>
+            <a:r>
+              <a:rPr lang="en-US" altLang="zh-CN" sz="2000" dirty="0">
+                <a:sym typeface="+mn-ea"/>
+              </a:rPr>
+              <a:t>positions, offsets </a:t>
+            </a:r>
+            <a:r>
+              <a:rPr lang="zh-CN" altLang="en-US" sz="2000" dirty="0">
+                <a:sym typeface="+mn-ea"/>
+              </a:rPr>
+              <a:t>和 </a:t>
+            </a:r>
+            <a:r>
+              <a:rPr lang="en-US" altLang="zh-CN" sz="2000" dirty="0">
+                <a:sym typeface="+mn-ea"/>
+              </a:rPr>
+              <a:t>paloads</a:t>
+            </a:r>
+          </a:p>
+          <a:p>
+            <a:endParaRPr lang="en-US" altLang="zh-CN" sz="2000" dirty="0">
+              <a:sym typeface="+mn-ea"/>
+            </a:endParaRPr>
+          </a:p>
+          <a:p>
+            <a:r>
+              <a:rPr lang="en-US" altLang="zh-CN" sz="2000" dirty="0">
+                <a:sym typeface="+mn-ea"/>
+              </a:rPr>
+              <a:t>NumTerms : </a:t>
+            </a:r>
+            <a:r>
+              <a:rPr lang="zh-CN" altLang="en-US" sz="2000" dirty="0">
+                <a:sym typeface="+mn-ea"/>
+              </a:rPr>
+              <a:t>每一个文档每一个字段的</a:t>
+            </a:r>
+            <a:r>
+              <a:rPr lang="en-US" altLang="zh-CN" sz="2000" dirty="0">
+                <a:sym typeface="+mn-ea"/>
+              </a:rPr>
+              <a:t>Term</a:t>
+            </a:r>
+            <a:r>
+              <a:rPr lang="zh-CN" altLang="en-US" sz="2000" dirty="0">
+                <a:sym typeface="+mn-ea"/>
+              </a:rPr>
+              <a:t>数目</a:t>
+            </a:r>
+          </a:p>
+          <a:p>
+            <a:r>
+              <a:rPr lang="en-US" altLang="zh-CN" sz="2000" dirty="0">
+                <a:sym typeface="+mn-ea"/>
+              </a:rPr>
+              <a:t>TermLengths : </a:t>
+            </a:r>
+            <a:r>
+              <a:rPr lang="zh-CN" altLang="en-US" sz="2000" dirty="0">
+                <a:sym typeface="+mn-ea"/>
+              </a:rPr>
+              <a:t>每个</a:t>
+            </a:r>
+            <a:r>
+              <a:rPr lang="en-US" altLang="zh-CN" sz="2000" dirty="0">
+                <a:sym typeface="+mn-ea"/>
+              </a:rPr>
+              <a:t>Term</a:t>
+            </a:r>
+            <a:r>
+              <a:rPr lang="zh-CN" altLang="en-US" sz="2000" dirty="0">
+                <a:sym typeface="+mn-ea"/>
+              </a:rPr>
+              <a:t>的长度</a:t>
+            </a:r>
+          </a:p>
+          <a:p>
+            <a:r>
+              <a:rPr lang="en-US" altLang="zh-CN" sz="2000" dirty="0">
+                <a:sym typeface="+mn-ea"/>
+              </a:rPr>
+              <a:t>TermFreqs : </a:t>
+            </a:r>
+            <a:r>
+              <a:rPr lang="zh-CN" altLang="en-US" sz="2000" dirty="0">
+                <a:sym typeface="+mn-ea"/>
+              </a:rPr>
+              <a:t>每个</a:t>
+            </a:r>
+            <a:r>
+              <a:rPr lang="en-US" altLang="zh-CN" sz="2000" dirty="0">
+                <a:sym typeface="+mn-ea"/>
+              </a:rPr>
+              <a:t>Term</a:t>
+            </a:r>
+            <a:r>
+              <a:rPr lang="zh-CN" altLang="en-US" sz="2000" dirty="0">
+                <a:sym typeface="+mn-ea"/>
+              </a:rPr>
+              <a:t>的词频</a:t>
+            </a:r>
+            <a:endParaRPr lang="en-US" altLang="zh-CN" sz="2000" dirty="0">
+              <a:sym typeface="+mn-ea"/>
+            </a:endParaRPr>
+          </a:p>
+          <a:p>
+            <a:r>
+              <a:rPr lang="en-US" altLang="zh-CN" sz="2000" dirty="0">
+                <a:sym typeface="+mn-ea"/>
+              </a:rPr>
+              <a:t>Positions : </a:t>
+            </a:r>
+            <a:r>
+              <a:rPr lang="zh-CN" altLang="en-US" sz="2000" dirty="0">
+                <a:sym typeface="+mn-ea"/>
+              </a:rPr>
+              <a:t>每个</a:t>
+            </a:r>
+            <a:r>
+              <a:rPr lang="en-US" altLang="zh-CN" sz="2000" dirty="0">
+                <a:sym typeface="+mn-ea"/>
+              </a:rPr>
+              <a:t>Term</a:t>
+            </a:r>
+            <a:r>
+              <a:rPr lang="zh-CN" altLang="en-US" sz="2000" dirty="0">
+                <a:sym typeface="+mn-ea"/>
+              </a:rPr>
+              <a:t>的位置信息</a:t>
+            </a:r>
+          </a:p>
+          <a:p>
+            <a:r>
+              <a:rPr lang="en-US" altLang="zh-CN" sz="2000" dirty="0">
+                <a:sym typeface="+mn-ea"/>
+              </a:rPr>
+              <a:t>StartOffsets :  </a:t>
+            </a:r>
+            <a:r>
+              <a:rPr lang="zh-CN" altLang="en-US" sz="2000" dirty="0">
+                <a:sym typeface="+mn-ea"/>
+              </a:rPr>
+              <a:t>每个</a:t>
+            </a:r>
+            <a:r>
+              <a:rPr lang="en-US" altLang="zh-CN" sz="2000" dirty="0">
+                <a:sym typeface="+mn-ea"/>
+              </a:rPr>
+              <a:t>Term</a:t>
+            </a:r>
+            <a:r>
+              <a:rPr lang="zh-CN" altLang="en-US" sz="2000" dirty="0">
+                <a:sym typeface="+mn-ea"/>
+              </a:rPr>
+              <a:t>的起始偏移量</a:t>
+            </a:r>
+          </a:p>
+          <a:p>
+            <a:r>
+              <a:rPr lang="en-US" altLang="zh-CN" sz="2000" dirty="0">
+                <a:sym typeface="+mn-ea"/>
+              </a:rPr>
+              <a:t>Lengths : </a:t>
+            </a:r>
+            <a:r>
+              <a:rPr lang="zh-CN" altLang="en-US" sz="2000" dirty="0">
+                <a:sym typeface="+mn-ea"/>
+              </a:rPr>
+              <a:t>每个</a:t>
+            </a:r>
+            <a:r>
+              <a:rPr lang="en-US" altLang="zh-CN" sz="2000" dirty="0">
+                <a:sym typeface="+mn-ea"/>
+              </a:rPr>
+              <a:t>Term</a:t>
+            </a:r>
+            <a:r>
+              <a:rPr lang="zh-CN" altLang="en-US" sz="2000" dirty="0">
+                <a:sym typeface="+mn-ea"/>
+              </a:rPr>
+              <a:t>的偏移长度 </a:t>
+            </a:r>
           </a:p>
         </p:txBody>
       </p:sp>
@@ -20668,7 +21215,12 @@
             <p:ph type="title"/>
           </p:nvPr>
         </p:nvSpPr>
-        <p:spPr/>
+        <p:spPr>
+          <a:xfrm>
+            <a:off x="831850" y="1709738"/>
+            <a:ext cx="10515600" cy="1231425"/>
+          </a:xfrm>
+        </p:spPr>
         <p:txBody>
           <a:bodyPr/>
           <a:lstStyle/>
@@ -20678,6 +21230,77 @@
               <a:t>Numeric Doc Values</a:t>
             </a:r>
             <a:endParaRPr lang="zh-CN" altLang="en-US" dirty="0"/>
+          </a:p>
+        </p:txBody>
+      </p:sp>
+      <p:sp>
+        <p:nvSpPr>
+          <p:cNvPr id="3" name="文本框 2">
+            <a:extLst>
+              <a:ext uri="{FF2B5EF4-FFF2-40B4-BE49-F238E27FC236}">
+                <a16:creationId xmlns:a16="http://schemas.microsoft.com/office/drawing/2014/main" id="{C4DAD131-E6C9-4A53-A0E4-710005620B79}"/>
+              </a:ext>
+            </a:extLst>
+          </p:cNvPr>
+          <p:cNvSpPr txBox="1"/>
+          <p:nvPr/>
+        </p:nvSpPr>
+        <p:spPr>
+          <a:xfrm>
+            <a:off x="1018094" y="4034672"/>
+            <a:ext cx="3171061" cy="1200329"/>
+          </a:xfrm>
+          <a:prstGeom prst="rect">
+            <a:avLst/>
+          </a:prstGeom>
+          <a:noFill/>
+        </p:spPr>
+        <p:txBody>
+          <a:bodyPr wrap="none" rtlCol="0">
+            <a:spAutoFit/>
+          </a:bodyPr>
+          <a:lstStyle/>
+          <a:p>
+            <a:r>
+              <a:rPr lang="zh-CN" altLang="en-US" dirty="0"/>
+              <a:t>从文档</a:t>
+            </a:r>
+            <a:r>
+              <a:rPr lang="en-US" altLang="zh-CN" dirty="0"/>
+              <a:t>ID</a:t>
+            </a:r>
+            <a:r>
+              <a:rPr lang="zh-CN" altLang="en-US" dirty="0"/>
+              <a:t>到字段值的映射关系</a:t>
+            </a:r>
+            <a:endParaRPr lang="en-US" altLang="zh-CN" dirty="0"/>
+          </a:p>
+          <a:p>
+            <a:r>
+              <a:rPr lang="zh-CN" altLang="en-US" dirty="0"/>
+              <a:t>主要两部分数据： </a:t>
+            </a:r>
+            <a:endParaRPr lang="en-US" altLang="zh-CN" dirty="0"/>
+          </a:p>
+          <a:p>
+            <a:r>
+              <a:rPr lang="en-US" altLang="zh-CN" dirty="0"/>
+              <a:t>	1. </a:t>
+            </a:r>
+            <a:r>
+              <a:rPr lang="en-US" altLang="zh-CN" dirty="0" err="1"/>
+              <a:t>DocIdSet</a:t>
+            </a:r>
+            <a:r>
+              <a:rPr lang="en-US" altLang="zh-CN" dirty="0"/>
+              <a:t> </a:t>
+            </a:r>
+          </a:p>
+          <a:p>
+            <a:r>
+              <a:rPr lang="en-US" altLang="zh-CN" dirty="0"/>
+              <a:t>	2. Values</a:t>
+            </a:r>
           </a:p>
         </p:txBody>
       </p:sp>

--- a/zx-note/src/test/graph/lucene/lucene-core/codecs/索引文件格式/Lucene索引文件.pptx
+++ b/zx-note/src/test/graph/lucene/lucene-core/codecs/索引文件格式/Lucene索引文件.pptx
@@ -3,29 +3,29 @@
 <p:presentation xmlns:a="http://schemas.openxmlformats.org/drawingml/2006/main" xmlns:r="http://schemas.openxmlformats.org/officeDocument/2006/relationships" xmlns:p="http://schemas.openxmlformats.org/presentationml/2006/main">
   <p:sldMasterIdLst>
     <p:sldMasterId id="2147483648" r:id="rId1"/>
-    <p:sldMasterId id="2147483660" r:id="rId2"/>
+    <p:sldMasterId id="2147483660" r:id="rId3"/>
   </p:sldMasterIdLst>
   <p:sldIdLst>
-    <p:sldId id="259" r:id="rId3"/>
-    <p:sldId id="257" r:id="rId4"/>
-    <p:sldId id="271" r:id="rId5"/>
-    <p:sldId id="264" r:id="rId6"/>
-    <p:sldId id="290" r:id="rId7"/>
-    <p:sldId id="289" r:id="rId8"/>
-    <p:sldId id="268" r:id="rId9"/>
-    <p:sldId id="269" r:id="rId10"/>
-    <p:sldId id="291" r:id="rId11"/>
-    <p:sldId id="292" r:id="rId12"/>
-    <p:sldId id="280" r:id="rId13"/>
-    <p:sldId id="293" r:id="rId14"/>
-    <p:sldId id="294" r:id="rId15"/>
-    <p:sldId id="295" r:id="rId16"/>
-    <p:sldId id="263" r:id="rId17"/>
-    <p:sldId id="256" r:id="rId18"/>
-    <p:sldId id="258" r:id="rId19"/>
-    <p:sldId id="270" r:id="rId20"/>
-    <p:sldId id="281" r:id="rId21"/>
-    <p:sldId id="288" r:id="rId22"/>
+    <p:sldId id="259" r:id="rId4"/>
+    <p:sldId id="257" r:id="rId5"/>
+    <p:sldId id="271" r:id="rId6"/>
+    <p:sldId id="264" r:id="rId7"/>
+    <p:sldId id="290" r:id="rId8"/>
+    <p:sldId id="289" r:id="rId9"/>
+    <p:sldId id="268" r:id="rId10"/>
+    <p:sldId id="269" r:id="rId11"/>
+    <p:sldId id="291" r:id="rId12"/>
+    <p:sldId id="292" r:id="rId13"/>
+    <p:sldId id="280" r:id="rId14"/>
+    <p:sldId id="293" r:id="rId15"/>
+    <p:sldId id="294" r:id="rId16"/>
+    <p:sldId id="295" r:id="rId17"/>
+    <p:sldId id="263" r:id="rId18"/>
+    <p:sldId id="256" r:id="rId19"/>
+    <p:sldId id="258" r:id="rId20"/>
+    <p:sldId id="270" r:id="rId21"/>
+    <p:sldId id="281" r:id="rId22"/>
+    <p:sldId id="288" r:id="rId23"/>
   </p:sldIdLst>
   <p:sldSz cx="12192000" cy="6858000"/>
   <p:notesSz cx="6858000" cy="9144000"/>
@@ -124,11 +124,6 @@
       </a:defRPr>
     </a:lvl9pPr>
   </p:defaultTextStyle>
-  <p:extLst>
-    <p:ext uri="{EFAFB233-063F-42B5-8137-9DF3F51BA10A}">
-      <p15:sldGuideLst xmlns:p15="http://schemas.microsoft.com/office/powerpoint/2012/main"/>
-    </p:ext>
-  </p:extLst>
 </p:presentation>
 </file>
 
@@ -183,6 +178,7 @@
               <a:rPr lang="zh-CN" altLang="en-US"/>
               <a:t>单击此处编辑母版标题样式</a:t>
             </a:r>
+            <a:endParaRPr lang="zh-CN" altLang="en-US"/>
           </a:p>
         </p:txBody>
       </p:sp>
@@ -247,6 +243,7 @@
               <a:rPr lang="zh-CN" altLang="en-US"/>
               <a:t>单击此处编辑母版副标题样式</a:t>
             </a:r>
+            <a:endParaRPr lang="zh-CN" altLang="en-US"/>
           </a:p>
         </p:txBody>
       </p:sp>
@@ -267,7 +264,6 @@
           <a:p>
             <a:fld id="{75D18932-EBB2-4301-9A79-EB382E33F227}" type="datetimeFigureOut">
               <a:rPr lang="zh-CN" altLang="en-US" smtClean="0"/>
-              <a:t>2019/8/18</a:t>
             </a:fld>
             <a:endParaRPr lang="zh-CN" altLang="en-US"/>
           </a:p>
@@ -309,7 +305,6 @@
           <a:p>
             <a:fld id="{17CD2A25-3FD3-4A48-893A-4C9E0DF714A6}" type="slidenum">
               <a:rPr lang="zh-CN" altLang="en-US" smtClean="0"/>
-              <a:t>‹#›</a:t>
             </a:fld>
             <a:endParaRPr lang="zh-CN" altLang="en-US"/>
           </a:p>
@@ -359,6 +354,7 @@
               <a:rPr lang="zh-CN" altLang="en-US"/>
               <a:t>单击此处编辑母版标题样式</a:t>
             </a:r>
+            <a:endParaRPr lang="zh-CN" altLang="en-US"/>
           </a:p>
         </p:txBody>
       </p:sp>
@@ -382,6 +378,7 @@
               <a:rPr lang="zh-CN" altLang="en-US"/>
               <a:t>单击此处编辑母版文本样式</a:t>
             </a:r>
+            <a:endParaRPr lang="zh-CN" altLang="en-US"/>
           </a:p>
           <a:p>
             <a:pPr lvl="1"/>
@@ -389,6 +386,7 @@
               <a:rPr lang="zh-CN" altLang="en-US"/>
               <a:t>二级</a:t>
             </a:r>
+            <a:endParaRPr lang="zh-CN" altLang="en-US"/>
           </a:p>
           <a:p>
             <a:pPr lvl="2"/>
@@ -396,6 +394,7 @@
               <a:rPr lang="zh-CN" altLang="en-US"/>
               <a:t>三级</a:t>
             </a:r>
+            <a:endParaRPr lang="zh-CN" altLang="en-US"/>
           </a:p>
           <a:p>
             <a:pPr lvl="3"/>
@@ -403,6 +402,7 @@
               <a:rPr lang="zh-CN" altLang="en-US"/>
               <a:t>四级</a:t>
             </a:r>
+            <a:endParaRPr lang="zh-CN" altLang="en-US"/>
           </a:p>
           <a:p>
             <a:pPr lvl="4"/>
@@ -410,6 +410,7 @@
               <a:rPr lang="zh-CN" altLang="en-US"/>
               <a:t>五级</a:t>
             </a:r>
+            <a:endParaRPr lang="zh-CN" altLang="en-US"/>
           </a:p>
         </p:txBody>
       </p:sp>
@@ -430,7 +431,6 @@
           <a:p>
             <a:fld id="{75D18932-EBB2-4301-9A79-EB382E33F227}" type="datetimeFigureOut">
               <a:rPr lang="zh-CN" altLang="en-US" smtClean="0"/>
-              <a:t>2019/8/18</a:t>
             </a:fld>
             <a:endParaRPr lang="zh-CN" altLang="en-US"/>
           </a:p>
@@ -472,7 +472,6 @@
           <a:p>
             <a:fld id="{17CD2A25-3FD3-4A48-893A-4C9E0DF714A6}" type="slidenum">
               <a:rPr lang="zh-CN" altLang="en-US" smtClean="0"/>
-              <a:t>‹#›</a:t>
             </a:fld>
             <a:endParaRPr lang="zh-CN" altLang="en-US"/>
           </a:p>
@@ -527,6 +526,7 @@
               <a:rPr lang="zh-CN" altLang="en-US"/>
               <a:t>单击此处编辑母版标题样式</a:t>
             </a:r>
+            <a:endParaRPr lang="zh-CN" altLang="en-US"/>
           </a:p>
         </p:txBody>
       </p:sp>
@@ -555,6 +555,7 @@
               <a:rPr lang="zh-CN" altLang="en-US"/>
               <a:t>单击此处编辑母版文本样式</a:t>
             </a:r>
+            <a:endParaRPr lang="zh-CN" altLang="en-US"/>
           </a:p>
           <a:p>
             <a:pPr lvl="1"/>
@@ -562,6 +563,7 @@
               <a:rPr lang="zh-CN" altLang="en-US"/>
               <a:t>二级</a:t>
             </a:r>
+            <a:endParaRPr lang="zh-CN" altLang="en-US"/>
           </a:p>
           <a:p>
             <a:pPr lvl="2"/>
@@ -569,6 +571,7 @@
               <a:rPr lang="zh-CN" altLang="en-US"/>
               <a:t>三级</a:t>
             </a:r>
+            <a:endParaRPr lang="zh-CN" altLang="en-US"/>
           </a:p>
           <a:p>
             <a:pPr lvl="3"/>
@@ -576,6 +579,7 @@
               <a:rPr lang="zh-CN" altLang="en-US"/>
               <a:t>四级</a:t>
             </a:r>
+            <a:endParaRPr lang="zh-CN" altLang="en-US"/>
           </a:p>
           <a:p>
             <a:pPr lvl="4"/>
@@ -583,6 +587,7 @@
               <a:rPr lang="zh-CN" altLang="en-US"/>
               <a:t>五级</a:t>
             </a:r>
+            <a:endParaRPr lang="zh-CN" altLang="en-US"/>
           </a:p>
         </p:txBody>
       </p:sp>
@@ -603,7 +608,6 @@
           <a:p>
             <a:fld id="{75D18932-EBB2-4301-9A79-EB382E33F227}" type="datetimeFigureOut">
               <a:rPr lang="zh-CN" altLang="en-US" smtClean="0"/>
-              <a:t>2019/8/18</a:t>
             </a:fld>
             <a:endParaRPr lang="zh-CN" altLang="en-US"/>
           </a:p>
@@ -645,7 +649,6 @@
           <a:p>
             <a:fld id="{17CD2A25-3FD3-4A48-893A-4C9E0DF714A6}" type="slidenum">
               <a:rPr lang="zh-CN" altLang="en-US" smtClean="0"/>
-              <a:t>‹#›</a:t>
             </a:fld>
             <a:endParaRPr lang="zh-CN" altLang="en-US"/>
           </a:p>
@@ -704,6 +707,7 @@
               <a:rPr lang="zh-CN" altLang="en-US"/>
               <a:t>单击此处编辑母版标题样式</a:t>
             </a:r>
+            <a:endParaRPr lang="zh-CN" altLang="en-US"/>
           </a:p>
         </p:txBody>
       </p:sp>
@@ -768,6 +772,7 @@
               <a:rPr lang="zh-CN" altLang="en-US"/>
               <a:t>单击此处编辑母版副标题样式</a:t>
             </a:r>
+            <a:endParaRPr lang="zh-CN" altLang="en-US"/>
           </a:p>
         </p:txBody>
       </p:sp>
@@ -788,7 +793,6 @@
           <a:p>
             <a:fld id="{75D18932-EBB2-4301-9A79-EB382E33F227}" type="datetimeFigureOut">
               <a:rPr lang="zh-CN" altLang="en-US" smtClean="0"/>
-              <a:t>2019/8/18</a:t>
             </a:fld>
             <a:endParaRPr lang="zh-CN" altLang="en-US"/>
           </a:p>
@@ -830,7 +834,6 @@
           <a:p>
             <a:fld id="{17CD2A25-3FD3-4A48-893A-4C9E0DF714A6}" type="slidenum">
               <a:rPr lang="zh-CN" altLang="en-US" smtClean="0"/>
-              <a:t>‹#›</a:t>
             </a:fld>
             <a:endParaRPr lang="zh-CN" altLang="en-US"/>
           </a:p>
@@ -880,6 +883,7 @@
               <a:rPr lang="zh-CN" altLang="en-US"/>
               <a:t>单击此处编辑母版标题样式</a:t>
             </a:r>
+            <a:endParaRPr lang="zh-CN" altLang="en-US"/>
           </a:p>
         </p:txBody>
       </p:sp>
@@ -903,6 +907,7 @@
               <a:rPr lang="zh-CN" altLang="en-US"/>
               <a:t>单击此处编辑母版文本样式</a:t>
             </a:r>
+            <a:endParaRPr lang="zh-CN" altLang="en-US"/>
           </a:p>
           <a:p>
             <a:pPr lvl="1"/>
@@ -910,6 +915,7 @@
               <a:rPr lang="zh-CN" altLang="en-US"/>
               <a:t>二级</a:t>
             </a:r>
+            <a:endParaRPr lang="zh-CN" altLang="en-US"/>
           </a:p>
           <a:p>
             <a:pPr lvl="2"/>
@@ -917,6 +923,7 @@
               <a:rPr lang="zh-CN" altLang="en-US"/>
               <a:t>三级</a:t>
             </a:r>
+            <a:endParaRPr lang="zh-CN" altLang="en-US"/>
           </a:p>
           <a:p>
             <a:pPr lvl="3"/>
@@ -924,6 +931,7 @@
               <a:rPr lang="zh-CN" altLang="en-US"/>
               <a:t>四级</a:t>
             </a:r>
+            <a:endParaRPr lang="zh-CN" altLang="en-US"/>
           </a:p>
           <a:p>
             <a:pPr lvl="4"/>
@@ -931,6 +939,7 @@
               <a:rPr lang="zh-CN" altLang="en-US"/>
               <a:t>五级</a:t>
             </a:r>
+            <a:endParaRPr lang="zh-CN" altLang="en-US"/>
           </a:p>
         </p:txBody>
       </p:sp>
@@ -951,7 +960,6 @@
           <a:p>
             <a:fld id="{75D18932-EBB2-4301-9A79-EB382E33F227}" type="datetimeFigureOut">
               <a:rPr lang="zh-CN" altLang="en-US" smtClean="0"/>
-              <a:t>2019/8/18</a:t>
             </a:fld>
             <a:endParaRPr lang="zh-CN" altLang="en-US"/>
           </a:p>
@@ -993,7 +1001,6 @@
           <a:p>
             <a:fld id="{17CD2A25-3FD3-4A48-893A-4C9E0DF714A6}" type="slidenum">
               <a:rPr lang="zh-CN" altLang="en-US" smtClean="0"/>
-              <a:t>‹#›</a:t>
             </a:fld>
             <a:endParaRPr lang="zh-CN" altLang="en-US"/>
           </a:p>
@@ -1052,6 +1059,7 @@
               <a:rPr lang="zh-CN" altLang="en-US"/>
               <a:t>单击此处编辑母版标题样式</a:t>
             </a:r>
+            <a:endParaRPr lang="zh-CN" altLang="en-US"/>
           </a:p>
         </p:txBody>
       </p:sp>
@@ -1171,6 +1179,7 @@
               <a:rPr lang="zh-CN" altLang="en-US"/>
               <a:t>单击此处编辑母版文本样式</a:t>
             </a:r>
+            <a:endParaRPr lang="zh-CN" altLang="en-US"/>
           </a:p>
         </p:txBody>
       </p:sp>
@@ -1191,7 +1200,6 @@
           <a:p>
             <a:fld id="{75D18932-EBB2-4301-9A79-EB382E33F227}" type="datetimeFigureOut">
               <a:rPr lang="zh-CN" altLang="en-US" smtClean="0"/>
-              <a:t>2019/8/18</a:t>
             </a:fld>
             <a:endParaRPr lang="zh-CN" altLang="en-US"/>
           </a:p>
@@ -1233,7 +1241,6 @@
           <a:p>
             <a:fld id="{17CD2A25-3FD3-4A48-893A-4C9E0DF714A6}" type="slidenum">
               <a:rPr lang="zh-CN" altLang="en-US" smtClean="0"/>
-              <a:t>‹#›</a:t>
             </a:fld>
             <a:endParaRPr lang="zh-CN" altLang="en-US"/>
           </a:p>
@@ -1283,6 +1290,7 @@
               <a:rPr lang="zh-CN" altLang="en-US"/>
               <a:t>单击此处编辑母版标题样式</a:t>
             </a:r>
+            <a:endParaRPr lang="zh-CN" altLang="en-US"/>
           </a:p>
         </p:txBody>
       </p:sp>
@@ -1311,6 +1319,7 @@
               <a:rPr lang="zh-CN" altLang="en-US"/>
               <a:t>单击此处编辑母版文本样式</a:t>
             </a:r>
+            <a:endParaRPr lang="zh-CN" altLang="en-US"/>
           </a:p>
           <a:p>
             <a:pPr lvl="1"/>
@@ -1318,6 +1327,7 @@
               <a:rPr lang="zh-CN" altLang="en-US"/>
               <a:t>二级</a:t>
             </a:r>
+            <a:endParaRPr lang="zh-CN" altLang="en-US"/>
           </a:p>
           <a:p>
             <a:pPr lvl="2"/>
@@ -1325,6 +1335,7 @@
               <a:rPr lang="zh-CN" altLang="en-US"/>
               <a:t>三级</a:t>
             </a:r>
+            <a:endParaRPr lang="zh-CN" altLang="en-US"/>
           </a:p>
           <a:p>
             <a:pPr lvl="3"/>
@@ -1332,6 +1343,7 @@
               <a:rPr lang="zh-CN" altLang="en-US"/>
               <a:t>四级</a:t>
             </a:r>
+            <a:endParaRPr lang="zh-CN" altLang="en-US"/>
           </a:p>
           <a:p>
             <a:pPr lvl="4"/>
@@ -1339,6 +1351,7 @@
               <a:rPr lang="zh-CN" altLang="en-US"/>
               <a:t>五级</a:t>
             </a:r>
+            <a:endParaRPr lang="zh-CN" altLang="en-US"/>
           </a:p>
         </p:txBody>
       </p:sp>
@@ -1367,6 +1380,7 @@
               <a:rPr lang="zh-CN" altLang="en-US"/>
               <a:t>单击此处编辑母版文本样式</a:t>
             </a:r>
+            <a:endParaRPr lang="zh-CN" altLang="en-US"/>
           </a:p>
           <a:p>
             <a:pPr lvl="1"/>
@@ -1374,6 +1388,7 @@
               <a:rPr lang="zh-CN" altLang="en-US"/>
               <a:t>二级</a:t>
             </a:r>
+            <a:endParaRPr lang="zh-CN" altLang="en-US"/>
           </a:p>
           <a:p>
             <a:pPr lvl="2"/>
@@ -1381,6 +1396,7 @@
               <a:rPr lang="zh-CN" altLang="en-US"/>
               <a:t>三级</a:t>
             </a:r>
+            <a:endParaRPr lang="zh-CN" altLang="en-US"/>
           </a:p>
           <a:p>
             <a:pPr lvl="3"/>
@@ -1388,6 +1404,7 @@
               <a:rPr lang="zh-CN" altLang="en-US"/>
               <a:t>四级</a:t>
             </a:r>
+            <a:endParaRPr lang="zh-CN" altLang="en-US"/>
           </a:p>
           <a:p>
             <a:pPr lvl="4"/>
@@ -1395,6 +1412,7 @@
               <a:rPr lang="zh-CN" altLang="en-US"/>
               <a:t>五级</a:t>
             </a:r>
+            <a:endParaRPr lang="zh-CN" altLang="en-US"/>
           </a:p>
         </p:txBody>
       </p:sp>
@@ -1415,7 +1433,6 @@
           <a:p>
             <a:fld id="{75D18932-EBB2-4301-9A79-EB382E33F227}" type="datetimeFigureOut">
               <a:rPr lang="zh-CN" altLang="en-US" smtClean="0"/>
-              <a:t>2019/8/18</a:t>
             </a:fld>
             <a:endParaRPr lang="zh-CN" altLang="en-US"/>
           </a:p>
@@ -1457,7 +1474,6 @@
           <a:p>
             <a:fld id="{17CD2A25-3FD3-4A48-893A-4C9E0DF714A6}" type="slidenum">
               <a:rPr lang="zh-CN" altLang="en-US" smtClean="0"/>
-              <a:t>‹#›</a:t>
             </a:fld>
             <a:endParaRPr lang="zh-CN" altLang="en-US"/>
           </a:p>
@@ -1512,6 +1528,7 @@
               <a:rPr lang="zh-CN" altLang="en-US"/>
               <a:t>单击此处编辑母版标题样式</a:t>
             </a:r>
+            <a:endParaRPr lang="zh-CN" altLang="en-US"/>
           </a:p>
         </p:txBody>
       </p:sp>
@@ -1577,6 +1594,7 @@
               <a:rPr lang="zh-CN" altLang="en-US"/>
               <a:t>单击此处编辑母版文本样式</a:t>
             </a:r>
+            <a:endParaRPr lang="zh-CN" altLang="en-US"/>
           </a:p>
         </p:txBody>
       </p:sp>
@@ -1605,6 +1623,7 @@
               <a:rPr lang="zh-CN" altLang="en-US"/>
               <a:t>单击此处编辑母版文本样式</a:t>
             </a:r>
+            <a:endParaRPr lang="zh-CN" altLang="en-US"/>
           </a:p>
           <a:p>
             <a:pPr lvl="1"/>
@@ -1612,6 +1631,7 @@
               <a:rPr lang="zh-CN" altLang="en-US"/>
               <a:t>二级</a:t>
             </a:r>
+            <a:endParaRPr lang="zh-CN" altLang="en-US"/>
           </a:p>
           <a:p>
             <a:pPr lvl="2"/>
@@ -1619,6 +1639,7 @@
               <a:rPr lang="zh-CN" altLang="en-US"/>
               <a:t>三级</a:t>
             </a:r>
+            <a:endParaRPr lang="zh-CN" altLang="en-US"/>
           </a:p>
           <a:p>
             <a:pPr lvl="3"/>
@@ -1626,6 +1647,7 @@
               <a:rPr lang="zh-CN" altLang="en-US"/>
               <a:t>四级</a:t>
             </a:r>
+            <a:endParaRPr lang="zh-CN" altLang="en-US"/>
           </a:p>
           <a:p>
             <a:pPr lvl="4"/>
@@ -1633,6 +1655,7 @@
               <a:rPr lang="zh-CN" altLang="en-US"/>
               <a:t>五级</a:t>
             </a:r>
+            <a:endParaRPr lang="zh-CN" altLang="en-US"/>
           </a:p>
         </p:txBody>
       </p:sp>
@@ -1698,6 +1721,7 @@
               <a:rPr lang="zh-CN" altLang="en-US"/>
               <a:t>单击此处编辑母版文本样式</a:t>
             </a:r>
+            <a:endParaRPr lang="zh-CN" altLang="en-US"/>
           </a:p>
         </p:txBody>
       </p:sp>
@@ -1726,6 +1750,7 @@
               <a:rPr lang="zh-CN" altLang="en-US"/>
               <a:t>单击此处编辑母版文本样式</a:t>
             </a:r>
+            <a:endParaRPr lang="zh-CN" altLang="en-US"/>
           </a:p>
           <a:p>
             <a:pPr lvl="1"/>
@@ -1733,6 +1758,7 @@
               <a:rPr lang="zh-CN" altLang="en-US"/>
               <a:t>二级</a:t>
             </a:r>
+            <a:endParaRPr lang="zh-CN" altLang="en-US"/>
           </a:p>
           <a:p>
             <a:pPr lvl="2"/>
@@ -1740,6 +1766,7 @@
               <a:rPr lang="zh-CN" altLang="en-US"/>
               <a:t>三级</a:t>
             </a:r>
+            <a:endParaRPr lang="zh-CN" altLang="en-US"/>
           </a:p>
           <a:p>
             <a:pPr lvl="3"/>
@@ -1747,6 +1774,7 @@
               <a:rPr lang="zh-CN" altLang="en-US"/>
               <a:t>四级</a:t>
             </a:r>
+            <a:endParaRPr lang="zh-CN" altLang="en-US"/>
           </a:p>
           <a:p>
             <a:pPr lvl="4"/>
@@ -1754,6 +1782,7 @@
               <a:rPr lang="zh-CN" altLang="en-US"/>
               <a:t>五级</a:t>
             </a:r>
+            <a:endParaRPr lang="zh-CN" altLang="en-US"/>
           </a:p>
         </p:txBody>
       </p:sp>
@@ -1774,7 +1803,6 @@
           <a:p>
             <a:fld id="{75D18932-EBB2-4301-9A79-EB382E33F227}" type="datetimeFigureOut">
               <a:rPr lang="zh-CN" altLang="en-US" smtClean="0"/>
-              <a:t>2019/8/18</a:t>
             </a:fld>
             <a:endParaRPr lang="zh-CN" altLang="en-US"/>
           </a:p>
@@ -1816,7 +1844,6 @@
           <a:p>
             <a:fld id="{17CD2A25-3FD3-4A48-893A-4C9E0DF714A6}" type="slidenum">
               <a:rPr lang="zh-CN" altLang="en-US" smtClean="0"/>
-              <a:t>‹#›</a:t>
             </a:fld>
             <a:endParaRPr lang="zh-CN" altLang="en-US"/>
           </a:p>
@@ -1866,6 +1893,7 @@
               <a:rPr lang="zh-CN" altLang="en-US"/>
               <a:t>单击此处编辑母版标题样式</a:t>
             </a:r>
+            <a:endParaRPr lang="zh-CN" altLang="en-US"/>
           </a:p>
         </p:txBody>
       </p:sp>
@@ -1886,7 +1914,6 @@
           <a:p>
             <a:fld id="{75D18932-EBB2-4301-9A79-EB382E33F227}" type="datetimeFigureOut">
               <a:rPr lang="zh-CN" altLang="en-US" smtClean="0"/>
-              <a:t>2019/8/18</a:t>
             </a:fld>
             <a:endParaRPr lang="zh-CN" altLang="en-US"/>
           </a:p>
@@ -1928,7 +1955,6 @@
           <a:p>
             <a:fld id="{17CD2A25-3FD3-4A48-893A-4C9E0DF714A6}" type="slidenum">
               <a:rPr lang="zh-CN" altLang="en-US" smtClean="0"/>
-              <a:t>‹#›</a:t>
             </a:fld>
             <a:endParaRPr lang="zh-CN" altLang="en-US"/>
           </a:p>
@@ -1976,7 +2002,6 @@
           <a:p>
             <a:fld id="{75D18932-EBB2-4301-9A79-EB382E33F227}" type="datetimeFigureOut">
               <a:rPr lang="zh-CN" altLang="en-US" smtClean="0"/>
-              <a:t>2019/8/18</a:t>
             </a:fld>
             <a:endParaRPr lang="zh-CN" altLang="en-US"/>
           </a:p>
@@ -2018,7 +2043,6 @@
           <a:p>
             <a:fld id="{17CD2A25-3FD3-4A48-893A-4C9E0DF714A6}" type="slidenum">
               <a:rPr lang="zh-CN" altLang="en-US" smtClean="0"/>
-              <a:t>‹#›</a:t>
             </a:fld>
             <a:endParaRPr lang="zh-CN" altLang="en-US"/>
           </a:p>
@@ -2077,6 +2101,7 @@
               <a:rPr lang="zh-CN" altLang="en-US"/>
               <a:t>单击此处编辑母版标题样式</a:t>
             </a:r>
+            <a:endParaRPr lang="zh-CN" altLang="en-US"/>
           </a:p>
         </p:txBody>
       </p:sp>
@@ -2133,6 +2158,7 @@
               <a:rPr lang="zh-CN" altLang="en-US"/>
               <a:t>单击此处编辑母版文本样式</a:t>
             </a:r>
+            <a:endParaRPr lang="zh-CN" altLang="en-US"/>
           </a:p>
           <a:p>
             <a:pPr lvl="1"/>
@@ -2140,6 +2166,7 @@
               <a:rPr lang="zh-CN" altLang="en-US"/>
               <a:t>二级</a:t>
             </a:r>
+            <a:endParaRPr lang="zh-CN" altLang="en-US"/>
           </a:p>
           <a:p>
             <a:pPr lvl="2"/>
@@ -2147,6 +2174,7 @@
               <a:rPr lang="zh-CN" altLang="en-US"/>
               <a:t>三级</a:t>
             </a:r>
+            <a:endParaRPr lang="zh-CN" altLang="en-US"/>
           </a:p>
           <a:p>
             <a:pPr lvl="3"/>
@@ -2154,6 +2182,7 @@
               <a:rPr lang="zh-CN" altLang="en-US"/>
               <a:t>四级</a:t>
             </a:r>
+            <a:endParaRPr lang="zh-CN" altLang="en-US"/>
           </a:p>
           <a:p>
             <a:pPr lvl="4"/>
@@ -2161,6 +2190,7 @@
               <a:rPr lang="zh-CN" altLang="en-US"/>
               <a:t>五级</a:t>
             </a:r>
+            <a:endParaRPr lang="zh-CN" altLang="en-US"/>
           </a:p>
         </p:txBody>
       </p:sp>
@@ -2226,6 +2256,7 @@
               <a:rPr lang="zh-CN" altLang="en-US"/>
               <a:t>单击此处编辑母版文本样式</a:t>
             </a:r>
+            <a:endParaRPr lang="zh-CN" altLang="en-US"/>
           </a:p>
         </p:txBody>
       </p:sp>
@@ -2246,7 +2277,6 @@
           <a:p>
             <a:fld id="{75D18932-EBB2-4301-9A79-EB382E33F227}" type="datetimeFigureOut">
               <a:rPr lang="zh-CN" altLang="en-US" smtClean="0"/>
-              <a:t>2019/8/18</a:t>
             </a:fld>
             <a:endParaRPr lang="zh-CN" altLang="en-US"/>
           </a:p>
@@ -2288,7 +2318,6 @@
           <a:p>
             <a:fld id="{17CD2A25-3FD3-4A48-893A-4C9E0DF714A6}" type="slidenum">
               <a:rPr lang="zh-CN" altLang="en-US" smtClean="0"/>
-              <a:t>‹#›</a:t>
             </a:fld>
             <a:endParaRPr lang="zh-CN" altLang="en-US"/>
           </a:p>
@@ -2338,6 +2367,7 @@
               <a:rPr lang="zh-CN" altLang="en-US"/>
               <a:t>单击此处编辑母版标题样式</a:t>
             </a:r>
+            <a:endParaRPr lang="zh-CN" altLang="en-US"/>
           </a:p>
         </p:txBody>
       </p:sp>
@@ -2361,6 +2391,7 @@
               <a:rPr lang="zh-CN" altLang="en-US"/>
               <a:t>单击此处编辑母版文本样式</a:t>
             </a:r>
+            <a:endParaRPr lang="zh-CN" altLang="en-US"/>
           </a:p>
           <a:p>
             <a:pPr lvl="1"/>
@@ -2368,6 +2399,7 @@
               <a:rPr lang="zh-CN" altLang="en-US"/>
               <a:t>二级</a:t>
             </a:r>
+            <a:endParaRPr lang="zh-CN" altLang="en-US"/>
           </a:p>
           <a:p>
             <a:pPr lvl="2"/>
@@ -2375,6 +2407,7 @@
               <a:rPr lang="zh-CN" altLang="en-US"/>
               <a:t>三级</a:t>
             </a:r>
+            <a:endParaRPr lang="zh-CN" altLang="en-US"/>
           </a:p>
           <a:p>
             <a:pPr lvl="3"/>
@@ -2382,6 +2415,7 @@
               <a:rPr lang="zh-CN" altLang="en-US"/>
               <a:t>四级</a:t>
             </a:r>
+            <a:endParaRPr lang="zh-CN" altLang="en-US"/>
           </a:p>
           <a:p>
             <a:pPr lvl="4"/>
@@ -2389,6 +2423,7 @@
               <a:rPr lang="zh-CN" altLang="en-US"/>
               <a:t>五级</a:t>
             </a:r>
+            <a:endParaRPr lang="zh-CN" altLang="en-US"/>
           </a:p>
         </p:txBody>
       </p:sp>
@@ -2409,7 +2444,6 @@
           <a:p>
             <a:fld id="{75D18932-EBB2-4301-9A79-EB382E33F227}" type="datetimeFigureOut">
               <a:rPr lang="zh-CN" altLang="en-US" smtClean="0"/>
-              <a:t>2019/8/18</a:t>
             </a:fld>
             <a:endParaRPr lang="zh-CN" altLang="en-US"/>
           </a:p>
@@ -2451,7 +2485,6 @@
           <a:p>
             <a:fld id="{17CD2A25-3FD3-4A48-893A-4C9E0DF714A6}" type="slidenum">
               <a:rPr lang="zh-CN" altLang="en-US" smtClean="0"/>
-              <a:t>‹#›</a:t>
             </a:fld>
             <a:endParaRPr lang="zh-CN" altLang="en-US"/>
           </a:p>
@@ -2510,6 +2543,7 @@
               <a:rPr lang="zh-CN" altLang="en-US"/>
               <a:t>单击此处编辑母版标题样式</a:t>
             </a:r>
+            <a:endParaRPr lang="zh-CN" altLang="en-US"/>
           </a:p>
         </p:txBody>
       </p:sp>
@@ -2636,6 +2670,7 @@
               <a:rPr lang="zh-CN" altLang="en-US"/>
               <a:t>单击此处编辑母版文本样式</a:t>
             </a:r>
+            <a:endParaRPr lang="zh-CN" altLang="en-US"/>
           </a:p>
         </p:txBody>
       </p:sp>
@@ -2656,7 +2691,6 @@
           <a:p>
             <a:fld id="{75D18932-EBB2-4301-9A79-EB382E33F227}" type="datetimeFigureOut">
               <a:rPr lang="zh-CN" altLang="en-US" smtClean="0"/>
-              <a:t>2019/8/18</a:t>
             </a:fld>
             <a:endParaRPr lang="zh-CN" altLang="en-US"/>
           </a:p>
@@ -2698,7 +2732,6 @@
           <a:p>
             <a:fld id="{17CD2A25-3FD3-4A48-893A-4C9E0DF714A6}" type="slidenum">
               <a:rPr lang="zh-CN" altLang="en-US" smtClean="0"/>
-              <a:t>‹#›</a:t>
             </a:fld>
             <a:endParaRPr lang="zh-CN" altLang="en-US"/>
           </a:p>
@@ -2748,6 +2781,7 @@
               <a:rPr lang="zh-CN" altLang="en-US"/>
               <a:t>单击此处编辑母版标题样式</a:t>
             </a:r>
+            <a:endParaRPr lang="zh-CN" altLang="en-US"/>
           </a:p>
         </p:txBody>
       </p:sp>
@@ -2771,6 +2805,7 @@
               <a:rPr lang="zh-CN" altLang="en-US"/>
               <a:t>单击此处编辑母版文本样式</a:t>
             </a:r>
+            <a:endParaRPr lang="zh-CN" altLang="en-US"/>
           </a:p>
           <a:p>
             <a:pPr lvl="1"/>
@@ -2778,6 +2813,7 @@
               <a:rPr lang="zh-CN" altLang="en-US"/>
               <a:t>二级</a:t>
             </a:r>
+            <a:endParaRPr lang="zh-CN" altLang="en-US"/>
           </a:p>
           <a:p>
             <a:pPr lvl="2"/>
@@ -2785,6 +2821,7 @@
               <a:rPr lang="zh-CN" altLang="en-US"/>
               <a:t>三级</a:t>
             </a:r>
+            <a:endParaRPr lang="zh-CN" altLang="en-US"/>
           </a:p>
           <a:p>
             <a:pPr lvl="3"/>
@@ -2792,6 +2829,7 @@
               <a:rPr lang="zh-CN" altLang="en-US"/>
               <a:t>四级</a:t>
             </a:r>
+            <a:endParaRPr lang="zh-CN" altLang="en-US"/>
           </a:p>
           <a:p>
             <a:pPr lvl="4"/>
@@ -2799,6 +2837,7 @@
               <a:rPr lang="zh-CN" altLang="en-US"/>
               <a:t>五级</a:t>
             </a:r>
+            <a:endParaRPr lang="zh-CN" altLang="en-US"/>
           </a:p>
         </p:txBody>
       </p:sp>
@@ -2819,7 +2858,6 @@
           <a:p>
             <a:fld id="{75D18932-EBB2-4301-9A79-EB382E33F227}" type="datetimeFigureOut">
               <a:rPr lang="zh-CN" altLang="en-US" smtClean="0"/>
-              <a:t>2019/8/18</a:t>
             </a:fld>
             <a:endParaRPr lang="zh-CN" altLang="en-US"/>
           </a:p>
@@ -2861,7 +2899,6 @@
           <a:p>
             <a:fld id="{17CD2A25-3FD3-4A48-893A-4C9E0DF714A6}" type="slidenum">
               <a:rPr lang="zh-CN" altLang="en-US" smtClean="0"/>
-              <a:t>‹#›</a:t>
             </a:fld>
             <a:endParaRPr lang="zh-CN" altLang="en-US"/>
           </a:p>
@@ -2916,6 +2953,7 @@
               <a:rPr lang="zh-CN" altLang="en-US"/>
               <a:t>单击此处编辑母版标题样式</a:t>
             </a:r>
+            <a:endParaRPr lang="zh-CN" altLang="en-US"/>
           </a:p>
         </p:txBody>
       </p:sp>
@@ -2944,6 +2982,7 @@
               <a:rPr lang="zh-CN" altLang="en-US"/>
               <a:t>单击此处编辑母版文本样式</a:t>
             </a:r>
+            <a:endParaRPr lang="zh-CN" altLang="en-US"/>
           </a:p>
           <a:p>
             <a:pPr lvl="1"/>
@@ -2951,6 +2990,7 @@
               <a:rPr lang="zh-CN" altLang="en-US"/>
               <a:t>二级</a:t>
             </a:r>
+            <a:endParaRPr lang="zh-CN" altLang="en-US"/>
           </a:p>
           <a:p>
             <a:pPr lvl="2"/>
@@ -2958,6 +2998,7 @@
               <a:rPr lang="zh-CN" altLang="en-US"/>
               <a:t>三级</a:t>
             </a:r>
+            <a:endParaRPr lang="zh-CN" altLang="en-US"/>
           </a:p>
           <a:p>
             <a:pPr lvl="3"/>
@@ -2965,6 +3006,7 @@
               <a:rPr lang="zh-CN" altLang="en-US"/>
               <a:t>四级</a:t>
             </a:r>
+            <a:endParaRPr lang="zh-CN" altLang="en-US"/>
           </a:p>
           <a:p>
             <a:pPr lvl="4"/>
@@ -2972,6 +3014,7 @@
               <a:rPr lang="zh-CN" altLang="en-US"/>
               <a:t>五级</a:t>
             </a:r>
+            <a:endParaRPr lang="zh-CN" altLang="en-US"/>
           </a:p>
         </p:txBody>
       </p:sp>
@@ -2992,7 +3035,6 @@
           <a:p>
             <a:fld id="{75D18932-EBB2-4301-9A79-EB382E33F227}" type="datetimeFigureOut">
               <a:rPr lang="zh-CN" altLang="en-US" smtClean="0"/>
-              <a:t>2019/8/18</a:t>
             </a:fld>
             <a:endParaRPr lang="zh-CN" altLang="en-US"/>
           </a:p>
@@ -3034,7 +3076,6 @@
           <a:p>
             <a:fld id="{17CD2A25-3FD3-4A48-893A-4C9E0DF714A6}" type="slidenum">
               <a:rPr lang="zh-CN" altLang="en-US" smtClean="0"/>
-              <a:t>‹#›</a:t>
             </a:fld>
             <a:endParaRPr lang="zh-CN" altLang="en-US"/>
           </a:p>
@@ -3093,6 +3134,7 @@
               <a:rPr lang="zh-CN" altLang="en-US"/>
               <a:t>单击此处编辑母版标题样式</a:t>
             </a:r>
+            <a:endParaRPr lang="zh-CN" altLang="en-US"/>
           </a:p>
         </p:txBody>
       </p:sp>
@@ -3212,6 +3254,7 @@
               <a:rPr lang="zh-CN" altLang="en-US"/>
               <a:t>单击此处编辑母版文本样式</a:t>
             </a:r>
+            <a:endParaRPr lang="zh-CN" altLang="en-US"/>
           </a:p>
         </p:txBody>
       </p:sp>
@@ -3232,7 +3275,6 @@
           <a:p>
             <a:fld id="{75D18932-EBB2-4301-9A79-EB382E33F227}" type="datetimeFigureOut">
               <a:rPr lang="zh-CN" altLang="en-US" smtClean="0"/>
-              <a:t>2019/8/18</a:t>
             </a:fld>
             <a:endParaRPr lang="zh-CN" altLang="en-US"/>
           </a:p>
@@ -3274,7 +3316,6 @@
           <a:p>
             <a:fld id="{17CD2A25-3FD3-4A48-893A-4C9E0DF714A6}" type="slidenum">
               <a:rPr lang="zh-CN" altLang="en-US" smtClean="0"/>
-              <a:t>‹#›</a:t>
             </a:fld>
             <a:endParaRPr lang="zh-CN" altLang="en-US"/>
           </a:p>
@@ -3324,6 +3365,7 @@
               <a:rPr lang="zh-CN" altLang="en-US"/>
               <a:t>单击此处编辑母版标题样式</a:t>
             </a:r>
+            <a:endParaRPr lang="zh-CN" altLang="en-US"/>
           </a:p>
         </p:txBody>
       </p:sp>
@@ -3352,6 +3394,7 @@
               <a:rPr lang="zh-CN" altLang="en-US"/>
               <a:t>单击此处编辑母版文本样式</a:t>
             </a:r>
+            <a:endParaRPr lang="zh-CN" altLang="en-US"/>
           </a:p>
           <a:p>
             <a:pPr lvl="1"/>
@@ -3359,6 +3402,7 @@
               <a:rPr lang="zh-CN" altLang="en-US"/>
               <a:t>二级</a:t>
             </a:r>
+            <a:endParaRPr lang="zh-CN" altLang="en-US"/>
           </a:p>
           <a:p>
             <a:pPr lvl="2"/>
@@ -3366,6 +3410,7 @@
               <a:rPr lang="zh-CN" altLang="en-US"/>
               <a:t>三级</a:t>
             </a:r>
+            <a:endParaRPr lang="zh-CN" altLang="en-US"/>
           </a:p>
           <a:p>
             <a:pPr lvl="3"/>
@@ -3373,6 +3418,7 @@
               <a:rPr lang="zh-CN" altLang="en-US"/>
               <a:t>四级</a:t>
             </a:r>
+            <a:endParaRPr lang="zh-CN" altLang="en-US"/>
           </a:p>
           <a:p>
             <a:pPr lvl="4"/>
@@ -3380,6 +3426,7 @@
               <a:rPr lang="zh-CN" altLang="en-US"/>
               <a:t>五级</a:t>
             </a:r>
+            <a:endParaRPr lang="zh-CN" altLang="en-US"/>
           </a:p>
         </p:txBody>
       </p:sp>
@@ -3408,6 +3455,7 @@
               <a:rPr lang="zh-CN" altLang="en-US"/>
               <a:t>单击此处编辑母版文本样式</a:t>
             </a:r>
+            <a:endParaRPr lang="zh-CN" altLang="en-US"/>
           </a:p>
           <a:p>
             <a:pPr lvl="1"/>
@@ -3415,6 +3463,7 @@
               <a:rPr lang="zh-CN" altLang="en-US"/>
               <a:t>二级</a:t>
             </a:r>
+            <a:endParaRPr lang="zh-CN" altLang="en-US"/>
           </a:p>
           <a:p>
             <a:pPr lvl="2"/>
@@ -3422,6 +3471,7 @@
               <a:rPr lang="zh-CN" altLang="en-US"/>
               <a:t>三级</a:t>
             </a:r>
+            <a:endParaRPr lang="zh-CN" altLang="en-US"/>
           </a:p>
           <a:p>
             <a:pPr lvl="3"/>
@@ -3429,6 +3479,7 @@
               <a:rPr lang="zh-CN" altLang="en-US"/>
               <a:t>四级</a:t>
             </a:r>
+            <a:endParaRPr lang="zh-CN" altLang="en-US"/>
           </a:p>
           <a:p>
             <a:pPr lvl="4"/>
@@ -3436,6 +3487,7 @@
               <a:rPr lang="zh-CN" altLang="en-US"/>
               <a:t>五级</a:t>
             </a:r>
+            <a:endParaRPr lang="zh-CN" altLang="en-US"/>
           </a:p>
         </p:txBody>
       </p:sp>
@@ -3456,7 +3508,6 @@
           <a:p>
             <a:fld id="{75D18932-EBB2-4301-9A79-EB382E33F227}" type="datetimeFigureOut">
               <a:rPr lang="zh-CN" altLang="en-US" smtClean="0"/>
-              <a:t>2019/8/18</a:t>
             </a:fld>
             <a:endParaRPr lang="zh-CN" altLang="en-US"/>
           </a:p>
@@ -3498,7 +3549,6 @@
           <a:p>
             <a:fld id="{17CD2A25-3FD3-4A48-893A-4C9E0DF714A6}" type="slidenum">
               <a:rPr lang="zh-CN" altLang="en-US" smtClean="0"/>
-              <a:t>‹#›</a:t>
             </a:fld>
             <a:endParaRPr lang="zh-CN" altLang="en-US"/>
           </a:p>
@@ -3553,6 +3603,7 @@
               <a:rPr lang="zh-CN" altLang="en-US"/>
               <a:t>单击此处编辑母版标题样式</a:t>
             </a:r>
+            <a:endParaRPr lang="zh-CN" altLang="en-US"/>
           </a:p>
         </p:txBody>
       </p:sp>
@@ -3618,6 +3669,7 @@
               <a:rPr lang="zh-CN" altLang="en-US"/>
               <a:t>单击此处编辑母版文本样式</a:t>
             </a:r>
+            <a:endParaRPr lang="zh-CN" altLang="en-US"/>
           </a:p>
         </p:txBody>
       </p:sp>
@@ -3646,6 +3698,7 @@
               <a:rPr lang="zh-CN" altLang="en-US"/>
               <a:t>单击此处编辑母版文本样式</a:t>
             </a:r>
+            <a:endParaRPr lang="zh-CN" altLang="en-US"/>
           </a:p>
           <a:p>
             <a:pPr lvl="1"/>
@@ -3653,6 +3706,7 @@
               <a:rPr lang="zh-CN" altLang="en-US"/>
               <a:t>二级</a:t>
             </a:r>
+            <a:endParaRPr lang="zh-CN" altLang="en-US"/>
           </a:p>
           <a:p>
             <a:pPr lvl="2"/>
@@ -3660,6 +3714,7 @@
               <a:rPr lang="zh-CN" altLang="en-US"/>
               <a:t>三级</a:t>
             </a:r>
+            <a:endParaRPr lang="zh-CN" altLang="en-US"/>
           </a:p>
           <a:p>
             <a:pPr lvl="3"/>
@@ -3667,6 +3722,7 @@
               <a:rPr lang="zh-CN" altLang="en-US"/>
               <a:t>四级</a:t>
             </a:r>
+            <a:endParaRPr lang="zh-CN" altLang="en-US"/>
           </a:p>
           <a:p>
             <a:pPr lvl="4"/>
@@ -3674,6 +3730,7 @@
               <a:rPr lang="zh-CN" altLang="en-US"/>
               <a:t>五级</a:t>
             </a:r>
+            <a:endParaRPr lang="zh-CN" altLang="en-US"/>
           </a:p>
         </p:txBody>
       </p:sp>
@@ -3739,6 +3796,7 @@
               <a:rPr lang="zh-CN" altLang="en-US"/>
               <a:t>单击此处编辑母版文本样式</a:t>
             </a:r>
+            <a:endParaRPr lang="zh-CN" altLang="en-US"/>
           </a:p>
         </p:txBody>
       </p:sp>
@@ -3767,6 +3825,7 @@
               <a:rPr lang="zh-CN" altLang="en-US"/>
               <a:t>单击此处编辑母版文本样式</a:t>
             </a:r>
+            <a:endParaRPr lang="zh-CN" altLang="en-US"/>
           </a:p>
           <a:p>
             <a:pPr lvl="1"/>
@@ -3774,6 +3833,7 @@
               <a:rPr lang="zh-CN" altLang="en-US"/>
               <a:t>二级</a:t>
             </a:r>
+            <a:endParaRPr lang="zh-CN" altLang="en-US"/>
           </a:p>
           <a:p>
             <a:pPr lvl="2"/>
@@ -3781,6 +3841,7 @@
               <a:rPr lang="zh-CN" altLang="en-US"/>
               <a:t>三级</a:t>
             </a:r>
+            <a:endParaRPr lang="zh-CN" altLang="en-US"/>
           </a:p>
           <a:p>
             <a:pPr lvl="3"/>
@@ -3788,6 +3849,7 @@
               <a:rPr lang="zh-CN" altLang="en-US"/>
               <a:t>四级</a:t>
             </a:r>
+            <a:endParaRPr lang="zh-CN" altLang="en-US"/>
           </a:p>
           <a:p>
             <a:pPr lvl="4"/>
@@ -3795,6 +3857,7 @@
               <a:rPr lang="zh-CN" altLang="en-US"/>
               <a:t>五级</a:t>
             </a:r>
+            <a:endParaRPr lang="zh-CN" altLang="en-US"/>
           </a:p>
         </p:txBody>
       </p:sp>
@@ -3815,7 +3878,6 @@
           <a:p>
             <a:fld id="{75D18932-EBB2-4301-9A79-EB382E33F227}" type="datetimeFigureOut">
               <a:rPr lang="zh-CN" altLang="en-US" smtClean="0"/>
-              <a:t>2019/8/18</a:t>
             </a:fld>
             <a:endParaRPr lang="zh-CN" altLang="en-US"/>
           </a:p>
@@ -3857,7 +3919,6 @@
           <a:p>
             <a:fld id="{17CD2A25-3FD3-4A48-893A-4C9E0DF714A6}" type="slidenum">
               <a:rPr lang="zh-CN" altLang="en-US" smtClean="0"/>
-              <a:t>‹#›</a:t>
             </a:fld>
             <a:endParaRPr lang="zh-CN" altLang="en-US"/>
           </a:p>
@@ -3907,6 +3968,7 @@
               <a:rPr lang="zh-CN" altLang="en-US"/>
               <a:t>单击此处编辑母版标题样式</a:t>
             </a:r>
+            <a:endParaRPr lang="zh-CN" altLang="en-US"/>
           </a:p>
         </p:txBody>
       </p:sp>
@@ -3927,7 +3989,6 @@
           <a:p>
             <a:fld id="{75D18932-EBB2-4301-9A79-EB382E33F227}" type="datetimeFigureOut">
               <a:rPr lang="zh-CN" altLang="en-US" smtClean="0"/>
-              <a:t>2019/8/18</a:t>
             </a:fld>
             <a:endParaRPr lang="zh-CN" altLang="en-US"/>
           </a:p>
@@ -3969,7 +4030,6 @@
           <a:p>
             <a:fld id="{17CD2A25-3FD3-4A48-893A-4C9E0DF714A6}" type="slidenum">
               <a:rPr lang="zh-CN" altLang="en-US" smtClean="0"/>
-              <a:t>‹#›</a:t>
             </a:fld>
             <a:endParaRPr lang="zh-CN" altLang="en-US"/>
           </a:p>
@@ -4017,7 +4077,6 @@
           <a:p>
             <a:fld id="{75D18932-EBB2-4301-9A79-EB382E33F227}" type="datetimeFigureOut">
               <a:rPr lang="zh-CN" altLang="en-US" smtClean="0"/>
-              <a:t>2019/8/18</a:t>
             </a:fld>
             <a:endParaRPr lang="zh-CN" altLang="en-US"/>
           </a:p>
@@ -4059,7 +4118,6 @@
           <a:p>
             <a:fld id="{17CD2A25-3FD3-4A48-893A-4C9E0DF714A6}" type="slidenum">
               <a:rPr lang="zh-CN" altLang="en-US" smtClean="0"/>
-              <a:t>‹#›</a:t>
             </a:fld>
             <a:endParaRPr lang="zh-CN" altLang="en-US"/>
           </a:p>
@@ -4118,6 +4176,7 @@
               <a:rPr lang="zh-CN" altLang="en-US"/>
               <a:t>单击此处编辑母版标题样式</a:t>
             </a:r>
+            <a:endParaRPr lang="zh-CN" altLang="en-US"/>
           </a:p>
         </p:txBody>
       </p:sp>
@@ -4174,6 +4233,7 @@
               <a:rPr lang="zh-CN" altLang="en-US"/>
               <a:t>单击此处编辑母版文本样式</a:t>
             </a:r>
+            <a:endParaRPr lang="zh-CN" altLang="en-US"/>
           </a:p>
           <a:p>
             <a:pPr lvl="1"/>
@@ -4181,6 +4241,7 @@
               <a:rPr lang="zh-CN" altLang="en-US"/>
               <a:t>二级</a:t>
             </a:r>
+            <a:endParaRPr lang="zh-CN" altLang="en-US"/>
           </a:p>
           <a:p>
             <a:pPr lvl="2"/>
@@ -4188,6 +4249,7 @@
               <a:rPr lang="zh-CN" altLang="en-US"/>
               <a:t>三级</a:t>
             </a:r>
+            <a:endParaRPr lang="zh-CN" altLang="en-US"/>
           </a:p>
           <a:p>
             <a:pPr lvl="3"/>
@@ -4195,6 +4257,7 @@
               <a:rPr lang="zh-CN" altLang="en-US"/>
               <a:t>四级</a:t>
             </a:r>
+            <a:endParaRPr lang="zh-CN" altLang="en-US"/>
           </a:p>
           <a:p>
             <a:pPr lvl="4"/>
@@ -4202,6 +4265,7 @@
               <a:rPr lang="zh-CN" altLang="en-US"/>
               <a:t>五级</a:t>
             </a:r>
+            <a:endParaRPr lang="zh-CN" altLang="en-US"/>
           </a:p>
         </p:txBody>
       </p:sp>
@@ -4267,6 +4331,7 @@
               <a:rPr lang="zh-CN" altLang="en-US"/>
               <a:t>单击此处编辑母版文本样式</a:t>
             </a:r>
+            <a:endParaRPr lang="zh-CN" altLang="en-US"/>
           </a:p>
         </p:txBody>
       </p:sp>
@@ -4287,7 +4352,6 @@
           <a:p>
             <a:fld id="{75D18932-EBB2-4301-9A79-EB382E33F227}" type="datetimeFigureOut">
               <a:rPr lang="zh-CN" altLang="en-US" smtClean="0"/>
-              <a:t>2019/8/18</a:t>
             </a:fld>
             <a:endParaRPr lang="zh-CN" altLang="en-US"/>
           </a:p>
@@ -4329,7 +4393,6 @@
           <a:p>
             <a:fld id="{17CD2A25-3FD3-4A48-893A-4C9E0DF714A6}" type="slidenum">
               <a:rPr lang="zh-CN" altLang="en-US" smtClean="0"/>
-              <a:t>‹#›</a:t>
             </a:fld>
             <a:endParaRPr lang="zh-CN" altLang="en-US"/>
           </a:p>
@@ -4388,6 +4451,7 @@
               <a:rPr lang="zh-CN" altLang="en-US"/>
               <a:t>单击此处编辑母版标题样式</a:t>
             </a:r>
+            <a:endParaRPr lang="zh-CN" altLang="en-US"/>
           </a:p>
         </p:txBody>
       </p:sp>
@@ -4514,6 +4578,7 @@
               <a:rPr lang="zh-CN" altLang="en-US"/>
               <a:t>单击此处编辑母版文本样式</a:t>
             </a:r>
+            <a:endParaRPr lang="zh-CN" altLang="en-US"/>
           </a:p>
         </p:txBody>
       </p:sp>
@@ -4534,7 +4599,6 @@
           <a:p>
             <a:fld id="{75D18932-EBB2-4301-9A79-EB382E33F227}" type="datetimeFigureOut">
               <a:rPr lang="zh-CN" altLang="en-US" smtClean="0"/>
-              <a:t>2019/8/18</a:t>
             </a:fld>
             <a:endParaRPr lang="zh-CN" altLang="en-US"/>
           </a:p>
@@ -4576,7 +4640,6 @@
           <a:p>
             <a:fld id="{17CD2A25-3FD3-4A48-893A-4C9E0DF714A6}" type="slidenum">
               <a:rPr lang="zh-CN" altLang="en-US" smtClean="0"/>
-              <a:t>‹#›</a:t>
             </a:fld>
             <a:endParaRPr lang="zh-CN" altLang="en-US"/>
           </a:p>
@@ -4641,6 +4704,7 @@
               <a:rPr lang="zh-CN" altLang="en-US"/>
               <a:t>单击此处编辑母版标题样式</a:t>
             </a:r>
+            <a:endParaRPr lang="zh-CN" altLang="en-US"/>
           </a:p>
         </p:txBody>
       </p:sp>
@@ -4674,6 +4738,7 @@
               <a:rPr lang="zh-CN" altLang="en-US"/>
               <a:t>单击此处编辑母版文本样式</a:t>
             </a:r>
+            <a:endParaRPr lang="zh-CN" altLang="en-US"/>
           </a:p>
           <a:p>
             <a:pPr lvl="1"/>
@@ -4681,6 +4746,7 @@
               <a:rPr lang="zh-CN" altLang="en-US"/>
               <a:t>二级</a:t>
             </a:r>
+            <a:endParaRPr lang="zh-CN" altLang="en-US"/>
           </a:p>
           <a:p>
             <a:pPr lvl="2"/>
@@ -4688,6 +4754,7 @@
               <a:rPr lang="zh-CN" altLang="en-US"/>
               <a:t>三级</a:t>
             </a:r>
+            <a:endParaRPr lang="zh-CN" altLang="en-US"/>
           </a:p>
           <a:p>
             <a:pPr lvl="3"/>
@@ -4695,6 +4762,7 @@
               <a:rPr lang="zh-CN" altLang="en-US"/>
               <a:t>四级</a:t>
             </a:r>
+            <a:endParaRPr lang="zh-CN" altLang="en-US"/>
           </a:p>
           <a:p>
             <a:pPr lvl="4"/>
@@ -4702,6 +4770,7 @@
               <a:rPr lang="zh-CN" altLang="en-US"/>
               <a:t>五级</a:t>
             </a:r>
+            <a:endParaRPr lang="zh-CN" altLang="en-US"/>
           </a:p>
         </p:txBody>
       </p:sp>
@@ -4740,7 +4809,6 @@
           <a:p>
             <a:fld id="{75D18932-EBB2-4301-9A79-EB382E33F227}" type="datetimeFigureOut">
               <a:rPr lang="zh-CN" altLang="en-US" smtClean="0"/>
-              <a:t>2019/8/18</a:t>
             </a:fld>
             <a:endParaRPr lang="zh-CN" altLang="en-US"/>
           </a:p>
@@ -4818,7 +4886,6 @@
           <a:p>
             <a:fld id="{17CD2A25-3FD3-4A48-893A-4C9E0DF714A6}" type="slidenum">
               <a:rPr lang="zh-CN" altLang="en-US" smtClean="0"/>
-              <a:t>‹#›</a:t>
             </a:fld>
             <a:endParaRPr lang="zh-CN" altLang="en-US"/>
           </a:p>
@@ -5174,6 +5241,7 @@
               <a:rPr lang="zh-CN" altLang="en-US"/>
               <a:t>单击此处编辑母版标题样式</a:t>
             </a:r>
+            <a:endParaRPr lang="zh-CN" altLang="en-US"/>
           </a:p>
         </p:txBody>
       </p:sp>
@@ -5207,6 +5275,7 @@
               <a:rPr lang="zh-CN" altLang="en-US"/>
               <a:t>单击此处编辑母版文本样式</a:t>
             </a:r>
+            <a:endParaRPr lang="zh-CN" altLang="en-US"/>
           </a:p>
           <a:p>
             <a:pPr lvl="1"/>
@@ -5214,6 +5283,7 @@
               <a:rPr lang="zh-CN" altLang="en-US"/>
               <a:t>二级</a:t>
             </a:r>
+            <a:endParaRPr lang="zh-CN" altLang="en-US"/>
           </a:p>
           <a:p>
             <a:pPr lvl="2"/>
@@ -5221,6 +5291,7 @@
               <a:rPr lang="zh-CN" altLang="en-US"/>
               <a:t>三级</a:t>
             </a:r>
+            <a:endParaRPr lang="zh-CN" altLang="en-US"/>
           </a:p>
           <a:p>
             <a:pPr lvl="3"/>
@@ -5228,6 +5299,7 @@
               <a:rPr lang="zh-CN" altLang="en-US"/>
               <a:t>四级</a:t>
             </a:r>
+            <a:endParaRPr lang="zh-CN" altLang="en-US"/>
           </a:p>
           <a:p>
             <a:pPr lvl="4"/>
@@ -5235,6 +5307,7 @@
               <a:rPr lang="zh-CN" altLang="en-US"/>
               <a:t>五级</a:t>
             </a:r>
+            <a:endParaRPr lang="zh-CN" altLang="en-US"/>
           </a:p>
         </p:txBody>
       </p:sp>
@@ -5273,7 +5346,6 @@
           <a:p>
             <a:fld id="{75D18932-EBB2-4301-9A79-EB382E33F227}" type="datetimeFigureOut">
               <a:rPr lang="zh-CN" altLang="en-US" smtClean="0"/>
-              <a:t>2019/8/18</a:t>
             </a:fld>
             <a:endParaRPr lang="zh-CN" altLang="en-US"/>
           </a:p>
@@ -5351,7 +5423,6 @@
           <a:p>
             <a:fld id="{17CD2A25-3FD3-4A48-893A-4C9E0DF714A6}" type="slidenum">
               <a:rPr lang="zh-CN" altLang="en-US" smtClean="0"/>
-              <a:t>‹#›</a:t>
             </a:fld>
             <a:endParaRPr lang="zh-CN" altLang="en-US"/>
           </a:p>
@@ -5710,6 +5781,7 @@
               <a:rPr lang="zh-CN" altLang="en-US" dirty="0"/>
               <a:t>简介</a:t>
             </a:r>
+            <a:endParaRPr lang="zh-CN" altLang="en-US" dirty="0"/>
           </a:p>
           <a:p>
             <a:r>
@@ -5740,6 +5812,7 @@
               <a:rPr lang="zh-CN" altLang="en-US" dirty="0"/>
               <a:t>架构图</a:t>
             </a:r>
+            <a:endParaRPr lang="zh-CN" altLang="en-US" dirty="0"/>
           </a:p>
           <a:p>
             <a:r>
@@ -5750,6 +5823,7 @@
               <a:rPr lang="zh-CN" altLang="en-US" dirty="0"/>
               <a:t>分词流程</a:t>
             </a:r>
+            <a:endParaRPr lang="zh-CN" altLang="en-US" dirty="0"/>
           </a:p>
           <a:p>
             <a:r>
@@ -5768,6 +5842,7 @@
               <a:rPr lang="zh-CN" altLang="en-US" dirty="0"/>
               <a:t>标签提取	 特殊字符转换</a:t>
             </a:r>
+            <a:endParaRPr lang="zh-CN" altLang="en-US" dirty="0"/>
           </a:p>
           <a:p>
             <a:r>
@@ -5782,6 +5857,7 @@
               <a:rPr lang="zh-CN" altLang="en-US" dirty="0"/>
               <a:t>空格分词</a:t>
             </a:r>
+            <a:endParaRPr lang="zh-CN" altLang="en-US" dirty="0"/>
           </a:p>
           <a:p>
             <a:r>
@@ -5800,12 +5876,14 @@
               <a:rPr lang="zh-CN" altLang="en-US" dirty="0"/>
               <a:t>转小写  词干提取  同义词变换</a:t>
             </a:r>
+            <a:endParaRPr lang="zh-CN" altLang="en-US" dirty="0"/>
           </a:p>
           <a:p>
             <a:r>
               <a:rPr lang="zh-CN" altLang="en-US" dirty="0"/>
               <a:t>	示例	</a:t>
             </a:r>
+            <a:endParaRPr lang="zh-CN" altLang="en-US" dirty="0"/>
           </a:p>
           <a:p>
             <a:r>
@@ -5816,6 +5894,7 @@
               <a:rPr lang="zh-CN" altLang="en-US" dirty="0"/>
               <a:t>索引文件结构</a:t>
             </a:r>
+            <a:endParaRPr lang="zh-CN" altLang="en-US" dirty="0"/>
           </a:p>
           <a:p>
             <a:r>
@@ -5846,12 +5925,14 @@
               <a:rPr lang="en-US" altLang="zh-CN" dirty="0"/>
               <a:t>)</a:t>
             </a:r>
+            <a:endParaRPr lang="en-US" altLang="zh-CN" dirty="0"/>
           </a:p>
           <a:p>
             <a:r>
               <a:rPr lang="en-US" altLang="zh-CN" dirty="0"/>
               <a:t>	2. doc values</a:t>
             </a:r>
+            <a:endParaRPr lang="en-US" altLang="zh-CN" dirty="0"/>
           </a:p>
           <a:p>
             <a:r>
@@ -5862,6 +5943,7 @@
               <a:rPr lang="en-US" altLang="zh-CN" dirty="0"/>
               <a:t>3. stored fields     	</a:t>
             </a:r>
+            <a:endParaRPr lang="en-US" altLang="zh-CN" dirty="0"/>
           </a:p>
           <a:p>
             <a:r>
@@ -5880,6 +5962,7 @@
               <a:rPr lang="en-US" altLang="zh-CN" dirty="0" err="1"/>
               <a:t>)</a:t>
             </a:r>
+            <a:endParaRPr lang="en-US" altLang="zh-CN" dirty="0" err="1"/>
           </a:p>
           <a:p>
             <a:r>
@@ -5890,6 +5973,7 @@
               <a:rPr lang="zh-CN" altLang="en-US" dirty="0"/>
               <a:t>示例： </a:t>
             </a:r>
+            <a:endParaRPr lang="zh-CN" altLang="en-US" dirty="0"/>
           </a:p>
           <a:p>
             <a:r>
@@ -5969,6 +6053,7 @@
               <a:rPr lang="zh-CN" altLang="en-US" dirty="0"/>
               <a:t>优化方法</a:t>
             </a:r>
+            <a:endParaRPr lang="zh-CN" altLang="en-US" dirty="0"/>
           </a:p>
           <a:p>
             <a:r>
@@ -5979,6 +6064,7 @@
               <a:rPr lang="zh-CN" altLang="en-US" dirty="0"/>
               <a:t>不同的索引结构实现不同的功能：过滤、排序、返回，禁用某些字段不需要的索引结构</a:t>
             </a:r>
+            <a:endParaRPr lang="zh-CN" altLang="en-US" dirty="0"/>
           </a:p>
           <a:p>
             <a:r>
@@ -6034,6 +6120,7 @@
               <a:rPr lang="zh-CN" altLang="en-US" dirty="0"/>
               <a:t>比较</a:t>
             </a:r>
+            <a:endParaRPr lang="zh-CN" altLang="en-US" dirty="0"/>
           </a:p>
           <a:p>
             <a:r>
@@ -6066,6 +6153,9 @@
               </a:rPr>
               <a:t>调用时间的比较	</a:t>
             </a:r>
+            <a:endParaRPr lang="zh-CN" altLang="en-US" dirty="0">
+              <a:sym typeface="+mn-ea"/>
+            </a:endParaRPr>
           </a:p>
           <a:p>
             <a:r>
@@ -6116,13 +6206,7 @@
       </p:grpSpPr>
       <p:sp>
         <p:nvSpPr>
-          <p:cNvPr id="4" name="文本框 3">
-            <a:extLst>
-              <a:ext uri="{FF2B5EF4-FFF2-40B4-BE49-F238E27FC236}">
-                <a16:creationId xmlns:a16="http://schemas.microsoft.com/office/drawing/2014/main" id="{4B05E237-268A-4143-9A19-98E64B1521A7}"/>
-              </a:ext>
-            </a:extLst>
-          </p:cNvPr>
+          <p:cNvPr id="4" name="文本框 3"/>
           <p:cNvSpPr txBox="1"/>
           <p:nvPr/>
         </p:nvSpPr>
@@ -6176,13 +6260,7 @@
       </p:sp>
       <p:sp>
         <p:nvSpPr>
-          <p:cNvPr id="5" name="矩形 4">
-            <a:extLst>
-              <a:ext uri="{FF2B5EF4-FFF2-40B4-BE49-F238E27FC236}">
-                <a16:creationId xmlns:a16="http://schemas.microsoft.com/office/drawing/2014/main" id="{D320E84B-5FC4-49DE-B8AA-AF7B9EE05611}"/>
-              </a:ext>
-            </a:extLst>
-          </p:cNvPr>
+          <p:cNvPr id="5" name="矩形 4"/>
           <p:cNvSpPr/>
           <p:nvPr/>
         </p:nvSpPr>
@@ -6226,13 +6304,7 @@
       </p:sp>
       <p:sp>
         <p:nvSpPr>
-          <p:cNvPr id="6" name="矩形 5">
-            <a:extLst>
-              <a:ext uri="{FF2B5EF4-FFF2-40B4-BE49-F238E27FC236}">
-                <a16:creationId xmlns:a16="http://schemas.microsoft.com/office/drawing/2014/main" id="{6799A233-A7DA-4FD2-9715-548C7179AC91}"/>
-              </a:ext>
-            </a:extLst>
-          </p:cNvPr>
+          <p:cNvPr id="6" name="矩形 5"/>
           <p:cNvSpPr/>
           <p:nvPr/>
         </p:nvSpPr>
@@ -6270,18 +6342,13 @@
               <a:rPr lang="en-US" altLang="zh-CN" dirty="0"/>
               <a:t>count</a:t>
             </a:r>
-          </a:p>
-        </p:txBody>
-      </p:sp>
-      <p:sp>
-        <p:nvSpPr>
-          <p:cNvPr id="7" name="矩形 6">
-            <a:extLst>
-              <a:ext uri="{FF2B5EF4-FFF2-40B4-BE49-F238E27FC236}">
-                <a16:creationId xmlns:a16="http://schemas.microsoft.com/office/drawing/2014/main" id="{614F63F3-DFB4-41B3-8B8F-1EE55009AA12}"/>
-              </a:ext>
-            </a:extLst>
-          </p:cNvPr>
+            <a:endParaRPr lang="en-US" altLang="zh-CN" dirty="0"/>
+          </a:p>
+        </p:txBody>
+      </p:sp>
+      <p:sp>
+        <p:nvSpPr>
+          <p:cNvPr id="7" name="矩形 6"/>
           <p:cNvSpPr/>
           <p:nvPr/>
         </p:nvSpPr>
@@ -6323,18 +6390,13 @@
               <a:rPr lang="en-US" altLang="zh-CN" dirty="0"/>
               <a:t>C</a:t>
             </a:r>
-          </a:p>
-        </p:txBody>
-      </p:sp>
-      <p:sp>
-        <p:nvSpPr>
-          <p:cNvPr id="8" name="文本框 7">
-            <a:extLst>
-              <a:ext uri="{FF2B5EF4-FFF2-40B4-BE49-F238E27FC236}">
-                <a16:creationId xmlns:a16="http://schemas.microsoft.com/office/drawing/2014/main" id="{D1DD1782-E955-43C2-8D2C-4EFB805B8C5B}"/>
-              </a:ext>
-            </a:extLst>
-          </p:cNvPr>
+            <a:endParaRPr lang="en-US" altLang="zh-CN" dirty="0"/>
+          </a:p>
+        </p:txBody>
+      </p:sp>
+      <p:sp>
+        <p:nvSpPr>
+          <p:cNvPr id="8" name="文本框 7"/>
           <p:cNvSpPr txBox="1"/>
           <p:nvPr/>
         </p:nvSpPr>
@@ -6366,18 +6428,13 @@
               <a:rPr lang="zh-CN" altLang="en-US" dirty="0"/>
               <a:t>文件</a:t>
             </a:r>
-          </a:p>
-        </p:txBody>
-      </p:sp>
-      <p:sp>
-        <p:nvSpPr>
-          <p:cNvPr id="9" name="文本框 8">
-            <a:extLst>
-              <a:ext uri="{FF2B5EF4-FFF2-40B4-BE49-F238E27FC236}">
-                <a16:creationId xmlns:a16="http://schemas.microsoft.com/office/drawing/2014/main" id="{8E248A36-D299-401E-B8AE-26E4FAD1820E}"/>
-              </a:ext>
-            </a:extLst>
-          </p:cNvPr>
+            <a:endParaRPr lang="zh-CN" altLang="en-US" dirty="0"/>
+          </a:p>
+        </p:txBody>
+      </p:sp>
+      <p:sp>
+        <p:nvSpPr>
+          <p:cNvPr id="9" name="文本框 8"/>
           <p:cNvSpPr txBox="1"/>
           <p:nvPr/>
         </p:nvSpPr>
@@ -6409,18 +6466,13 @@
               <a:rPr lang="zh-CN" altLang="en-US" dirty="0"/>
               <a:t>位集表示的无值的文档</a:t>
             </a:r>
-          </a:p>
-        </p:txBody>
-      </p:sp>
-      <p:sp>
-        <p:nvSpPr>
-          <p:cNvPr id="10" name="文本框 9">
-            <a:extLst>
-              <a:ext uri="{FF2B5EF4-FFF2-40B4-BE49-F238E27FC236}">
-                <a16:creationId xmlns:a16="http://schemas.microsoft.com/office/drawing/2014/main" id="{F0438544-BA8C-42F6-8FC8-A209594961E9}"/>
-              </a:ext>
-            </a:extLst>
-          </p:cNvPr>
+            <a:endParaRPr lang="zh-CN" altLang="en-US" dirty="0"/>
+          </a:p>
+        </p:txBody>
+      </p:sp>
+      <p:sp>
+        <p:nvSpPr>
+          <p:cNvPr id="10" name="文本框 9"/>
           <p:cNvSpPr txBox="1"/>
           <p:nvPr/>
         </p:nvSpPr>
@@ -6491,18 +6543,13 @@
               <a:rPr lang="zh-CN" altLang="en-US" dirty="0"/>
               <a:t>两种？加速排序？  </a:t>
             </a:r>
-          </a:p>
-        </p:txBody>
-      </p:sp>
-      <p:sp>
-        <p:nvSpPr>
-          <p:cNvPr id="11" name="文本框 10">
-            <a:extLst>
-              <a:ext uri="{FF2B5EF4-FFF2-40B4-BE49-F238E27FC236}">
-                <a16:creationId xmlns:a16="http://schemas.microsoft.com/office/drawing/2014/main" id="{4A3AD411-C52B-4E28-99D9-7A3203716A46}"/>
-              </a:ext>
-            </a:extLst>
-          </p:cNvPr>
+            <a:endParaRPr lang="zh-CN" altLang="en-US" dirty="0"/>
+          </a:p>
+        </p:txBody>
+      </p:sp>
+      <p:sp>
+        <p:nvSpPr>
+          <p:cNvPr id="11" name="文本框 10"/>
           <p:cNvSpPr txBox="1"/>
           <p:nvPr/>
         </p:nvSpPr>
@@ -6534,15 +6581,11 @@
               <a:rPr lang="zh-CN" altLang="en-US" dirty="0"/>
               <a:t>文件</a:t>
             </a:r>
+            <a:endParaRPr lang="zh-CN" altLang="en-US" dirty="0"/>
           </a:p>
         </p:txBody>
       </p:sp>
     </p:spTree>
-    <p:extLst>
-      <p:ext uri="{BB962C8B-B14F-4D97-AF65-F5344CB8AC3E}">
-        <p14:creationId xmlns:p14="http://schemas.microsoft.com/office/powerpoint/2010/main" val="1332499405"/>
-      </p:ext>
-    </p:extLst>
   </p:cSld>
   <p:clrMapOvr>
     <a:masterClrMapping/>
@@ -6569,13 +6612,7 @@
       </p:grpSpPr>
       <p:sp>
         <p:nvSpPr>
-          <p:cNvPr id="2" name="文本框 1">
-            <a:extLst>
-              <a:ext uri="{FF2B5EF4-FFF2-40B4-BE49-F238E27FC236}">
-                <a16:creationId xmlns:a16="http://schemas.microsoft.com/office/drawing/2014/main" id="{4EDBB90C-2804-4035-B2A9-BFE21E6D3E1D}"/>
-              </a:ext>
-            </a:extLst>
-          </p:cNvPr>
+          <p:cNvPr id="2" name="文本框 1"/>
           <p:cNvSpPr txBox="1"/>
           <p:nvPr/>
         </p:nvSpPr>
@@ -6629,13 +6666,7 @@
       </p:sp>
       <p:sp>
         <p:nvSpPr>
-          <p:cNvPr id="14" name="矩形 13">
-            <a:extLst>
-              <a:ext uri="{FF2B5EF4-FFF2-40B4-BE49-F238E27FC236}">
-                <a16:creationId xmlns:a16="http://schemas.microsoft.com/office/drawing/2014/main" id="{68E3B2DE-BAA7-4BA8-A268-094CC29989BD}"/>
-              </a:ext>
-            </a:extLst>
-          </p:cNvPr>
+          <p:cNvPr id="14" name="矩形 13"/>
           <p:cNvSpPr/>
           <p:nvPr/>
         </p:nvSpPr>
@@ -6679,13 +6710,7 @@
       </p:sp>
       <p:sp>
         <p:nvSpPr>
-          <p:cNvPr id="15" name="矩形 14">
-            <a:extLst>
-              <a:ext uri="{FF2B5EF4-FFF2-40B4-BE49-F238E27FC236}">
-                <a16:creationId xmlns:a16="http://schemas.microsoft.com/office/drawing/2014/main" id="{EEEF502E-C51D-4C19-AE86-38AE09EFCFB7}"/>
-              </a:ext>
-            </a:extLst>
-          </p:cNvPr>
+          <p:cNvPr id="15" name="矩形 14"/>
           <p:cNvSpPr/>
           <p:nvPr/>
         </p:nvSpPr>
@@ -6729,13 +6754,7 @@
       </p:sp>
       <p:sp>
         <p:nvSpPr>
-          <p:cNvPr id="16" name="矩形 15">
-            <a:extLst>
-              <a:ext uri="{FF2B5EF4-FFF2-40B4-BE49-F238E27FC236}">
-                <a16:creationId xmlns:a16="http://schemas.microsoft.com/office/drawing/2014/main" id="{647BB1CB-72A4-49BA-A74B-8BCCC03E7AAD}"/>
-              </a:ext>
-            </a:extLst>
-          </p:cNvPr>
+          <p:cNvPr id="16" name="矩形 15"/>
           <p:cNvSpPr/>
           <p:nvPr/>
         </p:nvSpPr>
@@ -6773,18 +6792,13 @@
               <a:rPr lang="en-US" altLang="zh-CN" dirty="0"/>
               <a:t>min</a:t>
             </a:r>
-          </a:p>
-        </p:txBody>
-      </p:sp>
-      <p:sp>
-        <p:nvSpPr>
-          <p:cNvPr id="17" name="矩形 16">
-            <a:extLst>
-              <a:ext uri="{FF2B5EF4-FFF2-40B4-BE49-F238E27FC236}">
-                <a16:creationId xmlns:a16="http://schemas.microsoft.com/office/drawing/2014/main" id="{D4E7FFDD-BE7F-4021-8371-6C4C67419C29}"/>
-              </a:ext>
-            </a:extLst>
-          </p:cNvPr>
+            <a:endParaRPr lang="en-US" altLang="zh-CN" dirty="0"/>
+          </a:p>
+        </p:txBody>
+      </p:sp>
+      <p:sp>
+        <p:nvSpPr>
+          <p:cNvPr id="17" name="矩形 16"/>
           <p:cNvSpPr/>
           <p:nvPr/>
         </p:nvSpPr>
@@ -6828,13 +6842,7 @@
       </p:sp>
       <p:sp>
         <p:nvSpPr>
-          <p:cNvPr id="18" name="矩形 17">
-            <a:extLst>
-              <a:ext uri="{FF2B5EF4-FFF2-40B4-BE49-F238E27FC236}">
-                <a16:creationId xmlns:a16="http://schemas.microsoft.com/office/drawing/2014/main" id="{00F4177B-2E60-487B-B660-9204AE221001}"/>
-              </a:ext>
-            </a:extLst>
-          </p:cNvPr>
+          <p:cNvPr id="18" name="矩形 17"/>
           <p:cNvSpPr/>
           <p:nvPr/>
         </p:nvSpPr>
@@ -6872,18 +6880,13 @@
               <a:rPr lang="en-US" altLang="zh-CN" dirty="0"/>
               <a:t>pointer</a:t>
             </a:r>
-          </a:p>
-        </p:txBody>
-      </p:sp>
-      <p:sp>
-        <p:nvSpPr>
-          <p:cNvPr id="22" name="矩形 21">
-            <a:extLst>
-              <a:ext uri="{FF2B5EF4-FFF2-40B4-BE49-F238E27FC236}">
-                <a16:creationId xmlns:a16="http://schemas.microsoft.com/office/drawing/2014/main" id="{00CB82AF-7BA6-4430-B78B-75135BA608B8}"/>
-              </a:ext>
-            </a:extLst>
-          </p:cNvPr>
+            <a:endParaRPr lang="en-US" altLang="zh-CN" dirty="0"/>
+          </a:p>
+        </p:txBody>
+      </p:sp>
+      <p:sp>
+        <p:nvSpPr>
+          <p:cNvPr id="22" name="矩形 21"/>
           <p:cNvSpPr/>
           <p:nvPr/>
         </p:nvSpPr>
@@ -6927,13 +6930,7 @@
       </p:sp>
       <p:sp>
         <p:nvSpPr>
-          <p:cNvPr id="23" name="矩形 22">
-            <a:extLst>
-              <a:ext uri="{FF2B5EF4-FFF2-40B4-BE49-F238E27FC236}">
-                <a16:creationId xmlns:a16="http://schemas.microsoft.com/office/drawing/2014/main" id="{458B3E73-E0B4-4F67-80F8-CC8DEDD20C0A}"/>
-              </a:ext>
-            </a:extLst>
-          </p:cNvPr>
+          <p:cNvPr id="23" name="矩形 22"/>
           <p:cNvSpPr/>
           <p:nvPr/>
         </p:nvSpPr>
@@ -6977,13 +6974,7 @@
       </p:sp>
       <p:sp>
         <p:nvSpPr>
-          <p:cNvPr id="24" name="矩形 23">
-            <a:extLst>
-              <a:ext uri="{FF2B5EF4-FFF2-40B4-BE49-F238E27FC236}">
-                <a16:creationId xmlns:a16="http://schemas.microsoft.com/office/drawing/2014/main" id="{0153453F-66C8-477A-BECE-46BAFE604D53}"/>
-              </a:ext>
-            </a:extLst>
-          </p:cNvPr>
+          <p:cNvPr id="24" name="矩形 23"/>
           <p:cNvSpPr/>
           <p:nvPr/>
         </p:nvSpPr>
@@ -7027,13 +7018,7 @@
       </p:sp>
       <p:sp>
         <p:nvSpPr>
-          <p:cNvPr id="25" name="矩形 24">
-            <a:extLst>
-              <a:ext uri="{FF2B5EF4-FFF2-40B4-BE49-F238E27FC236}">
-                <a16:creationId xmlns:a16="http://schemas.microsoft.com/office/drawing/2014/main" id="{004BCA6D-D3D2-4043-B513-6AB5EA216CCB}"/>
-              </a:ext>
-            </a:extLst>
-          </p:cNvPr>
+          <p:cNvPr id="25" name="矩形 24"/>
           <p:cNvSpPr/>
           <p:nvPr/>
         </p:nvSpPr>
@@ -7071,21 +7056,14 @@
               <a:rPr lang="en-US" altLang="zh-CN" dirty="0"/>
               <a:t>…</a:t>
             </a:r>
+            <a:endParaRPr lang="en-US" altLang="zh-CN" dirty="0"/>
           </a:p>
         </p:txBody>
       </p:sp>
       <p:cxnSp>
         <p:nvCxnSpPr>
-          <p:cNvPr id="26" name="直接连接符 25">
-            <a:extLst>
-              <a:ext uri="{FF2B5EF4-FFF2-40B4-BE49-F238E27FC236}">
-                <a16:creationId xmlns:a16="http://schemas.microsoft.com/office/drawing/2014/main" id="{3BE575F6-CE25-4FE6-B112-32585FE94CD6}"/>
-              </a:ext>
-            </a:extLst>
-          </p:cNvPr>
-          <p:cNvCxnSpPr>
-            <a:cxnSpLocks/>
-          </p:cNvCxnSpPr>
+          <p:cNvPr id="26" name="直接连接符 25"/>
+          <p:cNvCxnSpPr/>
           <p:nvPr/>
         </p:nvCxnSpPr>
         <p:spPr>
@@ -7114,16 +7092,8 @@
       </p:cxnSp>
       <p:cxnSp>
         <p:nvCxnSpPr>
-          <p:cNvPr id="28" name="直接连接符 27">
-            <a:extLst>
-              <a:ext uri="{FF2B5EF4-FFF2-40B4-BE49-F238E27FC236}">
-                <a16:creationId xmlns:a16="http://schemas.microsoft.com/office/drawing/2014/main" id="{08A97338-FA36-42EA-B729-5F036ACE6AA3}"/>
-              </a:ext>
-            </a:extLst>
-          </p:cNvPr>
-          <p:cNvCxnSpPr>
-            <a:cxnSpLocks/>
-          </p:cNvCxnSpPr>
+          <p:cNvPr id="28" name="直接连接符 27"/>
+          <p:cNvCxnSpPr/>
           <p:nvPr/>
         </p:nvCxnSpPr>
         <p:spPr>
@@ -7152,13 +7122,7 @@
       </p:cxnSp>
       <p:sp>
         <p:nvSpPr>
-          <p:cNvPr id="30" name="矩形 29">
-            <a:extLst>
-              <a:ext uri="{FF2B5EF4-FFF2-40B4-BE49-F238E27FC236}">
-                <a16:creationId xmlns:a16="http://schemas.microsoft.com/office/drawing/2014/main" id="{4EB06378-AB90-4E72-9F38-DB6187897647}"/>
-              </a:ext>
-            </a:extLst>
-          </p:cNvPr>
+          <p:cNvPr id="30" name="矩形 29"/>
           <p:cNvSpPr/>
           <p:nvPr/>
         </p:nvSpPr>
@@ -7202,13 +7166,7 @@
       </p:sp>
       <p:sp>
         <p:nvSpPr>
-          <p:cNvPr id="31" name="矩形 30">
-            <a:extLst>
-              <a:ext uri="{FF2B5EF4-FFF2-40B4-BE49-F238E27FC236}">
-                <a16:creationId xmlns:a16="http://schemas.microsoft.com/office/drawing/2014/main" id="{A0E1EC08-BFEC-4386-B13F-D1D97AE453FD}"/>
-              </a:ext>
-            </a:extLst>
-          </p:cNvPr>
+          <p:cNvPr id="31" name="矩形 30"/>
           <p:cNvSpPr/>
           <p:nvPr/>
         </p:nvSpPr>
@@ -7252,13 +7210,7 @@
       </p:sp>
       <p:sp>
         <p:nvSpPr>
-          <p:cNvPr id="32" name="矩形 31">
-            <a:extLst>
-              <a:ext uri="{FF2B5EF4-FFF2-40B4-BE49-F238E27FC236}">
-                <a16:creationId xmlns:a16="http://schemas.microsoft.com/office/drawing/2014/main" id="{A5DDEE64-B3CF-4DA1-A963-EBD956369EB2}"/>
-              </a:ext>
-            </a:extLst>
-          </p:cNvPr>
+          <p:cNvPr id="32" name="矩形 31"/>
           <p:cNvSpPr/>
           <p:nvPr/>
         </p:nvSpPr>
@@ -7302,13 +7254,7 @@
       </p:sp>
       <p:sp>
         <p:nvSpPr>
-          <p:cNvPr id="33" name="矩形 32">
-            <a:extLst>
-              <a:ext uri="{FF2B5EF4-FFF2-40B4-BE49-F238E27FC236}">
-                <a16:creationId xmlns:a16="http://schemas.microsoft.com/office/drawing/2014/main" id="{0BC7DEEE-9898-4B63-9A7C-794DB37A3A2F}"/>
-              </a:ext>
-            </a:extLst>
-          </p:cNvPr>
+          <p:cNvPr id="33" name="矩形 32"/>
           <p:cNvSpPr/>
           <p:nvPr/>
         </p:nvSpPr>
@@ -7352,13 +7298,7 @@
       </p:sp>
       <p:sp>
         <p:nvSpPr>
-          <p:cNvPr id="34" name="矩形 33">
-            <a:extLst>
-              <a:ext uri="{FF2B5EF4-FFF2-40B4-BE49-F238E27FC236}">
-                <a16:creationId xmlns:a16="http://schemas.microsoft.com/office/drawing/2014/main" id="{138A52F2-8A3F-44AC-8F74-24204414D245}"/>
-              </a:ext>
-            </a:extLst>
-          </p:cNvPr>
+          <p:cNvPr id="34" name="矩形 33"/>
           <p:cNvSpPr/>
           <p:nvPr/>
         </p:nvSpPr>
@@ -7396,18 +7336,13 @@
               <a:rPr lang="en-US" altLang="zh-CN" dirty="0"/>
               <a:t>min</a:t>
             </a:r>
-          </a:p>
-        </p:txBody>
-      </p:sp>
-      <p:sp>
-        <p:nvSpPr>
-          <p:cNvPr id="35" name="矩形 34">
-            <a:extLst>
-              <a:ext uri="{FF2B5EF4-FFF2-40B4-BE49-F238E27FC236}">
-                <a16:creationId xmlns:a16="http://schemas.microsoft.com/office/drawing/2014/main" id="{49921E01-2AF6-4516-B612-256DE8031850}"/>
-              </a:ext>
-            </a:extLst>
-          </p:cNvPr>
+            <a:endParaRPr lang="en-US" altLang="zh-CN" dirty="0"/>
+          </a:p>
+        </p:txBody>
+      </p:sp>
+      <p:sp>
+        <p:nvSpPr>
+          <p:cNvPr id="35" name="矩形 34"/>
           <p:cNvSpPr/>
           <p:nvPr/>
         </p:nvSpPr>
@@ -7451,13 +7386,7 @@
       </p:sp>
       <p:sp>
         <p:nvSpPr>
-          <p:cNvPr id="36" name="矩形 35">
-            <a:extLst>
-              <a:ext uri="{FF2B5EF4-FFF2-40B4-BE49-F238E27FC236}">
-                <a16:creationId xmlns:a16="http://schemas.microsoft.com/office/drawing/2014/main" id="{8DB3BE49-7B3A-48ED-A0D5-5300AB9A05AB}"/>
-              </a:ext>
-            </a:extLst>
-          </p:cNvPr>
+          <p:cNvPr id="36" name="矩形 35"/>
           <p:cNvSpPr/>
           <p:nvPr/>
         </p:nvSpPr>
@@ -7495,18 +7424,13 @@
               <a:rPr lang="en-US" altLang="zh-CN" dirty="0"/>
               <a:t>pointer</a:t>
             </a:r>
+            <a:endParaRPr lang="en-US" altLang="zh-CN" dirty="0"/>
           </a:p>
         </p:txBody>
       </p:sp>
       <p:cxnSp>
         <p:nvCxnSpPr>
-          <p:cNvPr id="37" name="直接连接符 36">
-            <a:extLst>
-              <a:ext uri="{FF2B5EF4-FFF2-40B4-BE49-F238E27FC236}">
-                <a16:creationId xmlns:a16="http://schemas.microsoft.com/office/drawing/2014/main" id="{98938A22-EAF7-46EB-AF3C-263B531421AC}"/>
-              </a:ext>
-            </a:extLst>
-          </p:cNvPr>
+          <p:cNvPr id="37" name="直接连接符 36"/>
           <p:cNvCxnSpPr/>
           <p:nvPr/>
         </p:nvCxnSpPr>
@@ -7536,13 +7460,7 @@
       </p:cxnSp>
       <p:cxnSp>
         <p:nvCxnSpPr>
-          <p:cNvPr id="38" name="直接连接符 37">
-            <a:extLst>
-              <a:ext uri="{FF2B5EF4-FFF2-40B4-BE49-F238E27FC236}">
-                <a16:creationId xmlns:a16="http://schemas.microsoft.com/office/drawing/2014/main" id="{97ED7B47-CD7B-4E9C-9DFD-9245677A2690}"/>
-              </a:ext>
-            </a:extLst>
-          </p:cNvPr>
+          <p:cNvPr id="38" name="直接连接符 37"/>
           <p:cNvCxnSpPr/>
           <p:nvPr/>
         </p:nvCxnSpPr>
@@ -7572,13 +7490,7 @@
       </p:cxnSp>
       <p:cxnSp>
         <p:nvCxnSpPr>
-          <p:cNvPr id="40" name="连接符: 曲线 39">
-            <a:extLst>
-              <a:ext uri="{FF2B5EF4-FFF2-40B4-BE49-F238E27FC236}">
-                <a16:creationId xmlns:a16="http://schemas.microsoft.com/office/drawing/2014/main" id="{B21426BD-F826-4F6E-A265-FBD48B1D71B8}"/>
-              </a:ext>
-            </a:extLst>
-          </p:cNvPr>
+          <p:cNvPr id="40" name="连接符: 曲线 39"/>
           <p:cNvCxnSpPr>
             <a:stCxn id="18" idx="2"/>
             <a:endCxn id="30" idx="0"/>
@@ -7614,13 +7526,7 @@
       </p:cxnSp>
       <p:cxnSp>
         <p:nvCxnSpPr>
-          <p:cNvPr id="42" name="连接符: 曲线 41">
-            <a:extLst>
-              <a:ext uri="{FF2B5EF4-FFF2-40B4-BE49-F238E27FC236}">
-                <a16:creationId xmlns:a16="http://schemas.microsoft.com/office/drawing/2014/main" id="{B882C3BC-112C-474F-8B14-7503CC0DF720}"/>
-              </a:ext>
-            </a:extLst>
-          </p:cNvPr>
+          <p:cNvPr id="42" name="连接符: 曲线 41"/>
           <p:cNvCxnSpPr>
             <a:stCxn id="36" idx="2"/>
             <a:endCxn id="33" idx="0"/>
@@ -7656,13 +7562,7 @@
       </p:cxnSp>
       <p:sp>
         <p:nvSpPr>
-          <p:cNvPr id="43" name="文本框 42">
-            <a:extLst>
-              <a:ext uri="{FF2B5EF4-FFF2-40B4-BE49-F238E27FC236}">
-                <a16:creationId xmlns:a16="http://schemas.microsoft.com/office/drawing/2014/main" id="{474A09AC-A153-48CE-8D17-4AC45AF719B8}"/>
-              </a:ext>
-            </a:extLst>
-          </p:cNvPr>
+          <p:cNvPr id="43" name="文本框 42"/>
           <p:cNvSpPr txBox="1"/>
           <p:nvPr/>
         </p:nvSpPr>
@@ -7710,18 +7610,13 @@
               <a:rPr lang="zh-CN" altLang="en-US" dirty="0"/>
               <a:t>个</a:t>
             </a:r>
-          </a:p>
-        </p:txBody>
-      </p:sp>
-      <p:sp>
-        <p:nvSpPr>
-          <p:cNvPr id="46" name="文本框 45">
-            <a:extLst>
-              <a:ext uri="{FF2B5EF4-FFF2-40B4-BE49-F238E27FC236}">
-                <a16:creationId xmlns:a16="http://schemas.microsoft.com/office/drawing/2014/main" id="{E80EDD8B-3716-42C7-9B97-BFAA6CEAA16C}"/>
-              </a:ext>
-            </a:extLst>
-          </p:cNvPr>
+            <a:endParaRPr lang="zh-CN" altLang="en-US" dirty="0"/>
+          </a:p>
+        </p:txBody>
+      </p:sp>
+      <p:sp>
+        <p:nvSpPr>
+          <p:cNvPr id="46" name="文本框 45"/>
           <p:cNvSpPr txBox="1"/>
           <p:nvPr/>
         </p:nvSpPr>
@@ -7763,13 +7658,7 @@
       </p:sp>
       <p:cxnSp>
         <p:nvCxnSpPr>
-          <p:cNvPr id="49" name="直接连接符 48">
-            <a:extLst>
-              <a:ext uri="{FF2B5EF4-FFF2-40B4-BE49-F238E27FC236}">
-                <a16:creationId xmlns:a16="http://schemas.microsoft.com/office/drawing/2014/main" id="{D76F87C6-1DD6-4979-A900-F6C5042DB2F1}"/>
-              </a:ext>
-            </a:extLst>
-          </p:cNvPr>
+          <p:cNvPr id="49" name="直接连接符 48"/>
           <p:cNvCxnSpPr/>
           <p:nvPr/>
         </p:nvCxnSpPr>
@@ -7802,13 +7691,7 @@
       </p:cxnSp>
       <p:sp>
         <p:nvSpPr>
-          <p:cNvPr id="50" name="文本框 49">
-            <a:extLst>
-              <a:ext uri="{FF2B5EF4-FFF2-40B4-BE49-F238E27FC236}">
-                <a16:creationId xmlns:a16="http://schemas.microsoft.com/office/drawing/2014/main" id="{6DE73520-675E-440C-8DA2-3DF0AEE2A4D8}"/>
-              </a:ext>
-            </a:extLst>
-          </p:cNvPr>
+          <p:cNvPr id="50" name="文本框 49"/>
           <p:cNvSpPr txBox="1"/>
           <p:nvPr/>
         </p:nvSpPr>
@@ -7840,18 +7723,13 @@
               <a:rPr lang="zh-CN" altLang="en-US" dirty="0"/>
               <a:t>文件</a:t>
             </a:r>
-          </a:p>
-        </p:txBody>
-      </p:sp>
-      <p:sp>
-        <p:nvSpPr>
-          <p:cNvPr id="51" name="文本框 50">
-            <a:extLst>
-              <a:ext uri="{FF2B5EF4-FFF2-40B4-BE49-F238E27FC236}">
-                <a16:creationId xmlns:a16="http://schemas.microsoft.com/office/drawing/2014/main" id="{B6B6D367-F151-40E1-AA6E-E1E660764476}"/>
-              </a:ext>
-            </a:extLst>
-          </p:cNvPr>
+            <a:endParaRPr lang="zh-CN" altLang="en-US" dirty="0"/>
+          </a:p>
+        </p:txBody>
+      </p:sp>
+      <p:sp>
+        <p:nvSpPr>
+          <p:cNvPr id="51" name="文本框 50"/>
           <p:cNvSpPr txBox="1"/>
           <p:nvPr/>
         </p:nvSpPr>
@@ -7883,6 +7761,7 @@
               <a:rPr lang="zh-CN" altLang="en-US" dirty="0"/>
               <a:t>文件</a:t>
             </a:r>
+            <a:endParaRPr lang="zh-CN" altLang="en-US" dirty="0"/>
           </a:p>
         </p:txBody>
       </p:sp>
@@ -7913,13 +7792,7 @@
       </p:grpSpPr>
       <p:sp>
         <p:nvSpPr>
-          <p:cNvPr id="4" name="文本框 3">
-            <a:extLst>
-              <a:ext uri="{FF2B5EF4-FFF2-40B4-BE49-F238E27FC236}">
-                <a16:creationId xmlns:a16="http://schemas.microsoft.com/office/drawing/2014/main" id="{A39AD1BA-E081-444B-BBA2-DC4AB1787199}"/>
-              </a:ext>
-            </a:extLst>
-          </p:cNvPr>
+          <p:cNvPr id="4" name="文本框 3"/>
           <p:cNvSpPr txBox="1"/>
           <p:nvPr/>
         </p:nvSpPr>
@@ -7973,13 +7846,7 @@
       </p:sp>
       <p:sp>
         <p:nvSpPr>
-          <p:cNvPr id="5" name="矩形 4">
-            <a:extLst>
-              <a:ext uri="{FF2B5EF4-FFF2-40B4-BE49-F238E27FC236}">
-                <a16:creationId xmlns:a16="http://schemas.microsoft.com/office/drawing/2014/main" id="{D525B67A-9335-4B7E-888F-3AA658D930E0}"/>
-              </a:ext>
-            </a:extLst>
-          </p:cNvPr>
+          <p:cNvPr id="5" name="矩形 4"/>
           <p:cNvSpPr/>
           <p:nvPr/>
         </p:nvSpPr>
@@ -8023,13 +7890,7 @@
       </p:sp>
       <p:sp>
         <p:nvSpPr>
-          <p:cNvPr id="6" name="矩形 5">
-            <a:extLst>
-              <a:ext uri="{FF2B5EF4-FFF2-40B4-BE49-F238E27FC236}">
-                <a16:creationId xmlns:a16="http://schemas.microsoft.com/office/drawing/2014/main" id="{0EFA0ED8-E6E6-4E14-8829-C29D39011D61}"/>
-              </a:ext>
-            </a:extLst>
-          </p:cNvPr>
+          <p:cNvPr id="6" name="矩形 5"/>
           <p:cNvSpPr/>
           <p:nvPr/>
         </p:nvSpPr>
@@ -8067,18 +7928,13 @@
               <a:rPr lang="en-US" altLang="zh-CN" dirty="0"/>
               <a:t>count</a:t>
             </a:r>
-          </a:p>
-        </p:txBody>
-      </p:sp>
-      <p:sp>
-        <p:nvSpPr>
-          <p:cNvPr id="7" name="矩形 6">
-            <a:extLst>
-              <a:ext uri="{FF2B5EF4-FFF2-40B4-BE49-F238E27FC236}">
-                <a16:creationId xmlns:a16="http://schemas.microsoft.com/office/drawing/2014/main" id="{C5376CF8-CD68-4E09-B9AD-7770F3A05E82}"/>
-              </a:ext>
-            </a:extLst>
-          </p:cNvPr>
+            <a:endParaRPr lang="en-US" altLang="zh-CN" dirty="0"/>
+          </a:p>
+        </p:txBody>
+      </p:sp>
+      <p:sp>
+        <p:nvSpPr>
+          <p:cNvPr id="7" name="矩形 6"/>
           <p:cNvSpPr/>
           <p:nvPr/>
         </p:nvSpPr>
@@ -8122,13 +7978,7 @@
       </p:sp>
       <p:sp>
         <p:nvSpPr>
-          <p:cNvPr id="8" name="文本框 7">
-            <a:extLst>
-              <a:ext uri="{FF2B5EF4-FFF2-40B4-BE49-F238E27FC236}">
-                <a16:creationId xmlns:a16="http://schemas.microsoft.com/office/drawing/2014/main" id="{165451BC-3E1F-4116-ADAE-99FC1F126DA7}"/>
-              </a:ext>
-            </a:extLst>
-          </p:cNvPr>
+          <p:cNvPr id="8" name="文本框 7"/>
           <p:cNvSpPr txBox="1"/>
           <p:nvPr/>
         </p:nvSpPr>
@@ -8160,18 +8010,13 @@
               <a:rPr lang="zh-CN" altLang="en-US" dirty="0"/>
               <a:t>文件</a:t>
             </a:r>
-          </a:p>
-        </p:txBody>
-      </p:sp>
-      <p:sp>
-        <p:nvSpPr>
-          <p:cNvPr id="9" name="矩形 8">
-            <a:extLst>
-              <a:ext uri="{FF2B5EF4-FFF2-40B4-BE49-F238E27FC236}">
-                <a16:creationId xmlns:a16="http://schemas.microsoft.com/office/drawing/2014/main" id="{D80BE54F-6384-4F43-8E59-B1A77E5E37A2}"/>
-              </a:ext>
-            </a:extLst>
-          </p:cNvPr>
+            <a:endParaRPr lang="zh-CN" altLang="en-US" dirty="0"/>
+          </a:p>
+        </p:txBody>
+      </p:sp>
+      <p:sp>
+        <p:nvSpPr>
+          <p:cNvPr id="9" name="矩形 8"/>
           <p:cNvSpPr/>
           <p:nvPr/>
         </p:nvSpPr>
@@ -8215,13 +8060,7 @@
       </p:sp>
       <p:sp>
         <p:nvSpPr>
-          <p:cNvPr id="10" name="矩形 9">
-            <a:extLst>
-              <a:ext uri="{FF2B5EF4-FFF2-40B4-BE49-F238E27FC236}">
-                <a16:creationId xmlns:a16="http://schemas.microsoft.com/office/drawing/2014/main" id="{463E83D2-642D-42E2-90F8-B856C70B8CE7}"/>
-              </a:ext>
-            </a:extLst>
-          </p:cNvPr>
+          <p:cNvPr id="10" name="矩形 9"/>
           <p:cNvSpPr/>
           <p:nvPr/>
         </p:nvSpPr>
@@ -8265,13 +8104,7 @@
       </p:sp>
       <p:sp>
         <p:nvSpPr>
-          <p:cNvPr id="11" name="矩形 10">
-            <a:extLst>
-              <a:ext uri="{FF2B5EF4-FFF2-40B4-BE49-F238E27FC236}">
-                <a16:creationId xmlns:a16="http://schemas.microsoft.com/office/drawing/2014/main" id="{781A196E-26C9-479B-A51D-A196087D75EB}"/>
-              </a:ext>
-            </a:extLst>
-          </p:cNvPr>
+          <p:cNvPr id="11" name="矩形 10"/>
           <p:cNvSpPr/>
           <p:nvPr/>
         </p:nvSpPr>
@@ -8315,13 +8148,7 @@
       </p:sp>
       <p:sp>
         <p:nvSpPr>
-          <p:cNvPr id="12" name="矩形 11">
-            <a:extLst>
-              <a:ext uri="{FF2B5EF4-FFF2-40B4-BE49-F238E27FC236}">
-                <a16:creationId xmlns:a16="http://schemas.microsoft.com/office/drawing/2014/main" id="{2A8C4517-FC9F-4EBD-8AC8-907A853181B7}"/>
-              </a:ext>
-            </a:extLst>
-          </p:cNvPr>
+          <p:cNvPr id="12" name="矩形 11"/>
           <p:cNvSpPr/>
           <p:nvPr/>
         </p:nvSpPr>
@@ -8357,18 +8184,13 @@
               <a:rPr lang="en-US" altLang="zh-CN" dirty="0"/>
               <a:t>…</a:t>
             </a:r>
-          </a:p>
-        </p:txBody>
-      </p:sp>
-      <p:sp>
-        <p:nvSpPr>
-          <p:cNvPr id="14" name="文本框 13">
-            <a:extLst>
-              <a:ext uri="{FF2B5EF4-FFF2-40B4-BE49-F238E27FC236}">
-                <a16:creationId xmlns:a16="http://schemas.microsoft.com/office/drawing/2014/main" id="{C6D3824C-00D8-41A4-B614-3ADE95A03C48}"/>
-              </a:ext>
-            </a:extLst>
-          </p:cNvPr>
+            <a:endParaRPr lang="en-US" altLang="zh-CN" dirty="0"/>
+          </a:p>
+        </p:txBody>
+      </p:sp>
+      <p:sp>
+        <p:nvSpPr>
+          <p:cNvPr id="14" name="文本框 13"/>
           <p:cNvSpPr txBox="1"/>
           <p:nvPr/>
         </p:nvSpPr>
@@ -8400,18 +8222,13 @@
               <a:rPr lang="zh-CN" altLang="en-US" dirty="0"/>
               <a:t>文件</a:t>
             </a:r>
-          </a:p>
-        </p:txBody>
-      </p:sp>
-      <p:sp>
-        <p:nvSpPr>
-          <p:cNvPr id="15" name="矩形 14">
-            <a:extLst>
-              <a:ext uri="{FF2B5EF4-FFF2-40B4-BE49-F238E27FC236}">
-                <a16:creationId xmlns:a16="http://schemas.microsoft.com/office/drawing/2014/main" id="{A63C8FAE-893E-40B1-AFA7-A15DB868DC19}"/>
-              </a:ext>
-            </a:extLst>
-          </p:cNvPr>
+            <a:endParaRPr lang="zh-CN" altLang="en-US" dirty="0"/>
+          </a:p>
+        </p:txBody>
+      </p:sp>
+      <p:sp>
+        <p:nvSpPr>
+          <p:cNvPr id="15" name="矩形 14"/>
           <p:cNvSpPr/>
           <p:nvPr/>
         </p:nvSpPr>
@@ -8453,18 +8270,13 @@
               <a:rPr lang="en-US" altLang="zh-CN" dirty="0"/>
               <a:t>…</a:t>
             </a:r>
-          </a:p>
-        </p:txBody>
-      </p:sp>
-      <p:sp>
-        <p:nvSpPr>
-          <p:cNvPr id="16" name="文本框 15">
-            <a:extLst>
-              <a:ext uri="{FF2B5EF4-FFF2-40B4-BE49-F238E27FC236}">
-                <a16:creationId xmlns:a16="http://schemas.microsoft.com/office/drawing/2014/main" id="{80F16BD3-0C12-4635-90FC-7DCE9B1DA601}"/>
-              </a:ext>
-            </a:extLst>
-          </p:cNvPr>
+            <a:endParaRPr lang="en-US" altLang="zh-CN" dirty="0"/>
+          </a:p>
+        </p:txBody>
+      </p:sp>
+      <p:sp>
+        <p:nvSpPr>
+          <p:cNvPr id="16" name="文本框 15"/>
           <p:cNvSpPr txBox="1"/>
           <p:nvPr/>
         </p:nvSpPr>
@@ -8527,15 +8339,11 @@
               <a:rPr lang="zh-CN" altLang="en-US" dirty="0"/>
               <a:t>中的序号</a:t>
             </a:r>
+            <a:endParaRPr lang="zh-CN" altLang="en-US" dirty="0"/>
           </a:p>
         </p:txBody>
       </p:sp>
     </p:spTree>
-    <p:extLst>
-      <p:ext uri="{BB962C8B-B14F-4D97-AF65-F5344CB8AC3E}">
-        <p14:creationId xmlns:p14="http://schemas.microsoft.com/office/powerpoint/2010/main" val="2413770279"/>
-      </p:ext>
-    </p:extLst>
   </p:cSld>
   <p:clrMapOvr>
     <a:masterClrMapping/>
@@ -8562,13 +8370,7 @@
       </p:grpSpPr>
       <p:sp>
         <p:nvSpPr>
-          <p:cNvPr id="4" name="文本框 3">
-            <a:extLst>
-              <a:ext uri="{FF2B5EF4-FFF2-40B4-BE49-F238E27FC236}">
-                <a16:creationId xmlns:a16="http://schemas.microsoft.com/office/drawing/2014/main" id="{031D6FAB-F561-494E-B9F7-C67B61017A01}"/>
-              </a:ext>
-            </a:extLst>
-          </p:cNvPr>
+          <p:cNvPr id="4" name="文本框 3"/>
           <p:cNvSpPr txBox="1"/>
           <p:nvPr/>
         </p:nvSpPr>
@@ -8614,13 +8416,7 @@
       </p:sp>
       <p:sp>
         <p:nvSpPr>
-          <p:cNvPr id="6" name="矩形 5">
-            <a:extLst>
-              <a:ext uri="{FF2B5EF4-FFF2-40B4-BE49-F238E27FC236}">
-                <a16:creationId xmlns:a16="http://schemas.microsoft.com/office/drawing/2014/main" id="{398E2D18-6791-4AC0-AEF2-2054DB93ABE7}"/>
-              </a:ext>
-            </a:extLst>
-          </p:cNvPr>
+          <p:cNvPr id="6" name="矩形 5"/>
           <p:cNvSpPr/>
           <p:nvPr/>
         </p:nvSpPr>
@@ -8658,18 +8454,13 @@
               <a:rPr lang="en-US" altLang="zh-CN" dirty="0"/>
               <a:t>count</a:t>
             </a:r>
-          </a:p>
-        </p:txBody>
-      </p:sp>
-      <p:sp>
-        <p:nvSpPr>
-          <p:cNvPr id="7" name="矩形 6">
-            <a:extLst>
-              <a:ext uri="{FF2B5EF4-FFF2-40B4-BE49-F238E27FC236}">
-                <a16:creationId xmlns:a16="http://schemas.microsoft.com/office/drawing/2014/main" id="{F547BD29-992C-4BF5-B3E4-4C5FAEE4B7BC}"/>
-              </a:ext>
-            </a:extLst>
-          </p:cNvPr>
+            <a:endParaRPr lang="en-US" altLang="zh-CN" dirty="0"/>
+          </a:p>
+        </p:txBody>
+      </p:sp>
+      <p:sp>
+        <p:nvSpPr>
+          <p:cNvPr id="7" name="矩形 6"/>
           <p:cNvSpPr/>
           <p:nvPr/>
         </p:nvSpPr>
@@ -8713,13 +8504,7 @@
       </p:sp>
       <p:sp>
         <p:nvSpPr>
-          <p:cNvPr id="8" name="文本框 7">
-            <a:extLst>
-              <a:ext uri="{FF2B5EF4-FFF2-40B4-BE49-F238E27FC236}">
-                <a16:creationId xmlns:a16="http://schemas.microsoft.com/office/drawing/2014/main" id="{4EAE031C-78BA-42A0-96E7-164C3A5481F9}"/>
-              </a:ext>
-            </a:extLst>
-          </p:cNvPr>
+          <p:cNvPr id="8" name="文本框 7"/>
           <p:cNvSpPr txBox="1"/>
           <p:nvPr/>
         </p:nvSpPr>
@@ -8751,18 +8536,13 @@
               <a:rPr lang="zh-CN" altLang="en-US" dirty="0"/>
               <a:t>文件</a:t>
             </a:r>
-          </a:p>
-        </p:txBody>
-      </p:sp>
-      <p:sp>
-        <p:nvSpPr>
-          <p:cNvPr id="9" name="矩形 8">
-            <a:extLst>
-              <a:ext uri="{FF2B5EF4-FFF2-40B4-BE49-F238E27FC236}">
-                <a16:creationId xmlns:a16="http://schemas.microsoft.com/office/drawing/2014/main" id="{7194400A-E623-4948-A673-C71F728A29CD}"/>
-              </a:ext>
-            </a:extLst>
-          </p:cNvPr>
+            <a:endParaRPr lang="zh-CN" altLang="en-US" dirty="0"/>
+          </a:p>
+        </p:txBody>
+      </p:sp>
+      <p:sp>
+        <p:nvSpPr>
+          <p:cNvPr id="9" name="矩形 8"/>
           <p:cNvSpPr/>
           <p:nvPr/>
         </p:nvSpPr>
@@ -8806,13 +8586,7 @@
       </p:sp>
       <p:sp>
         <p:nvSpPr>
-          <p:cNvPr id="10" name="矩形 9">
-            <a:extLst>
-              <a:ext uri="{FF2B5EF4-FFF2-40B4-BE49-F238E27FC236}">
-                <a16:creationId xmlns:a16="http://schemas.microsoft.com/office/drawing/2014/main" id="{139B795B-2B32-45AA-99CF-27C9212AC84A}"/>
-              </a:ext>
-            </a:extLst>
-          </p:cNvPr>
+          <p:cNvPr id="10" name="矩形 9"/>
           <p:cNvSpPr/>
           <p:nvPr/>
         </p:nvSpPr>
@@ -8856,13 +8630,7 @@
       </p:sp>
       <p:sp>
         <p:nvSpPr>
-          <p:cNvPr id="11" name="矩形 10">
-            <a:extLst>
-              <a:ext uri="{FF2B5EF4-FFF2-40B4-BE49-F238E27FC236}">
-                <a16:creationId xmlns:a16="http://schemas.microsoft.com/office/drawing/2014/main" id="{47DC026F-E7B3-4894-88EA-38975AEDF047}"/>
-              </a:ext>
-            </a:extLst>
-          </p:cNvPr>
+          <p:cNvPr id="11" name="矩形 10"/>
           <p:cNvSpPr/>
           <p:nvPr/>
         </p:nvSpPr>
@@ -8906,13 +8674,7 @@
       </p:sp>
       <p:sp>
         <p:nvSpPr>
-          <p:cNvPr id="12" name="文本框 11">
-            <a:extLst>
-              <a:ext uri="{FF2B5EF4-FFF2-40B4-BE49-F238E27FC236}">
-                <a16:creationId xmlns:a16="http://schemas.microsoft.com/office/drawing/2014/main" id="{50EB6DCF-B380-4969-A524-DA0B8C61B3F5}"/>
-              </a:ext>
-            </a:extLst>
-          </p:cNvPr>
+          <p:cNvPr id="12" name="文本框 11"/>
           <p:cNvSpPr txBox="1"/>
           <p:nvPr/>
         </p:nvSpPr>
@@ -8944,18 +8706,13 @@
               <a:rPr lang="zh-CN" altLang="en-US" dirty="0"/>
               <a:t>文件</a:t>
             </a:r>
-          </a:p>
-        </p:txBody>
-      </p:sp>
-      <p:sp>
-        <p:nvSpPr>
-          <p:cNvPr id="14" name="矩形 13">
-            <a:extLst>
-              <a:ext uri="{FF2B5EF4-FFF2-40B4-BE49-F238E27FC236}">
-                <a16:creationId xmlns:a16="http://schemas.microsoft.com/office/drawing/2014/main" id="{E0E1CE46-F1E1-4744-A57B-1A1C6E7414A6}"/>
-              </a:ext>
-            </a:extLst>
-          </p:cNvPr>
+            <a:endParaRPr lang="zh-CN" altLang="en-US" dirty="0"/>
+          </a:p>
+        </p:txBody>
+      </p:sp>
+      <p:sp>
+        <p:nvSpPr>
+          <p:cNvPr id="14" name="矩形 13"/>
           <p:cNvSpPr/>
           <p:nvPr/>
         </p:nvSpPr>
@@ -8993,18 +8750,13 @@
               <a:rPr lang="en-US" altLang="zh-CN" dirty="0"/>
               <a:t>Values</a:t>
             </a:r>
-          </a:p>
-        </p:txBody>
-      </p:sp>
-      <p:sp>
-        <p:nvSpPr>
-          <p:cNvPr id="15" name="文本框 14">
-            <a:extLst>
-              <a:ext uri="{FF2B5EF4-FFF2-40B4-BE49-F238E27FC236}">
-                <a16:creationId xmlns:a16="http://schemas.microsoft.com/office/drawing/2014/main" id="{8C936470-B6BF-45EB-B855-A7E161E0D6D4}"/>
-              </a:ext>
-            </a:extLst>
-          </p:cNvPr>
+            <a:endParaRPr lang="en-US" altLang="zh-CN" dirty="0"/>
+          </a:p>
+        </p:txBody>
+      </p:sp>
+      <p:sp>
+        <p:nvSpPr>
+          <p:cNvPr id="15" name="文本框 14"/>
           <p:cNvSpPr txBox="1"/>
           <p:nvPr/>
         </p:nvSpPr>
@@ -9059,6 +8811,7 @@
               <a:rPr lang="en-US" altLang="zh-CN" dirty="0"/>
               <a:t>,</a:t>
             </a:r>
+            <a:endParaRPr lang="en-US" altLang="zh-CN" dirty="0"/>
           </a:p>
           <a:p>
             <a:r>
@@ -9082,11 +8835,6 @@
         </p:txBody>
       </p:sp>
     </p:spTree>
-    <p:extLst>
-      <p:ext uri="{BB962C8B-B14F-4D97-AF65-F5344CB8AC3E}">
-        <p14:creationId xmlns:p14="http://schemas.microsoft.com/office/powerpoint/2010/main" val="4143715588"/>
-      </p:ext>
-    </p:extLst>
   </p:cSld>
   <p:clrMapOvr>
     <a:masterClrMapping/>
@@ -9113,13 +8861,7 @@
       </p:grpSpPr>
       <p:sp>
         <p:nvSpPr>
-          <p:cNvPr id="4" name="文本框 3">
-            <a:extLst>
-              <a:ext uri="{FF2B5EF4-FFF2-40B4-BE49-F238E27FC236}">
-                <a16:creationId xmlns:a16="http://schemas.microsoft.com/office/drawing/2014/main" id="{C65396B7-8C8E-4318-9ECB-A123131CDCAD}"/>
-              </a:ext>
-            </a:extLst>
-          </p:cNvPr>
+          <p:cNvPr id="4" name="文本框 3"/>
           <p:cNvSpPr txBox="1"/>
           <p:nvPr/>
         </p:nvSpPr>
@@ -9143,18 +8885,13 @@
               <a:rPr lang="en-US" altLang="zh-CN" sz="3200" dirty="0"/>
               <a:t>Binary Doc Values</a:t>
             </a:r>
-          </a:p>
-        </p:txBody>
-      </p:sp>
-      <p:sp>
-        <p:nvSpPr>
-          <p:cNvPr id="7" name="文本框 6">
-            <a:extLst>
-              <a:ext uri="{FF2B5EF4-FFF2-40B4-BE49-F238E27FC236}">
-                <a16:creationId xmlns:a16="http://schemas.microsoft.com/office/drawing/2014/main" id="{E595CEF3-7D3E-46A9-AB7C-F31D2AA04834}"/>
-              </a:ext>
-            </a:extLst>
-          </p:cNvPr>
+            <a:endParaRPr lang="en-US" altLang="zh-CN" sz="3200" dirty="0"/>
+          </a:p>
+        </p:txBody>
+      </p:sp>
+      <p:sp>
+        <p:nvSpPr>
+          <p:cNvPr id="7" name="文本框 6"/>
           <p:cNvSpPr txBox="1"/>
           <p:nvPr/>
         </p:nvSpPr>
@@ -9186,18 +8923,13 @@
               <a:rPr lang="zh-CN" altLang="en-US" dirty="0"/>
               <a:t>文件</a:t>
             </a:r>
-          </a:p>
-        </p:txBody>
-      </p:sp>
-      <p:sp>
-        <p:nvSpPr>
-          <p:cNvPr id="10" name="矩形 9">
-            <a:extLst>
-              <a:ext uri="{FF2B5EF4-FFF2-40B4-BE49-F238E27FC236}">
-                <a16:creationId xmlns:a16="http://schemas.microsoft.com/office/drawing/2014/main" id="{F1487619-D950-46B1-9962-842733A96493}"/>
-              </a:ext>
-            </a:extLst>
-          </p:cNvPr>
+            <a:endParaRPr lang="zh-CN" altLang="en-US" dirty="0"/>
+          </a:p>
+        </p:txBody>
+      </p:sp>
+      <p:sp>
+        <p:nvSpPr>
+          <p:cNvPr id="10" name="矩形 9"/>
           <p:cNvSpPr/>
           <p:nvPr/>
         </p:nvSpPr>
@@ -9241,13 +8973,7 @@
       </p:sp>
       <p:sp>
         <p:nvSpPr>
-          <p:cNvPr id="11" name="文本框 10">
-            <a:extLst>
-              <a:ext uri="{FF2B5EF4-FFF2-40B4-BE49-F238E27FC236}">
-                <a16:creationId xmlns:a16="http://schemas.microsoft.com/office/drawing/2014/main" id="{81A3BE49-E5C7-4CFF-91C9-0D496A45C4F4}"/>
-              </a:ext>
-            </a:extLst>
-          </p:cNvPr>
+          <p:cNvPr id="11" name="文本框 10"/>
           <p:cNvSpPr txBox="1"/>
           <p:nvPr/>
         </p:nvSpPr>
@@ -9279,18 +9005,13 @@
               <a:rPr lang="zh-CN" altLang="en-US" dirty="0"/>
               <a:t>文件</a:t>
             </a:r>
-          </a:p>
-        </p:txBody>
-      </p:sp>
-      <p:sp>
-        <p:nvSpPr>
-          <p:cNvPr id="12" name="矩形 11">
-            <a:extLst>
-              <a:ext uri="{FF2B5EF4-FFF2-40B4-BE49-F238E27FC236}">
-                <a16:creationId xmlns:a16="http://schemas.microsoft.com/office/drawing/2014/main" id="{EF662D40-E28C-42FC-94A9-97752FD757AF}"/>
-              </a:ext>
-            </a:extLst>
-          </p:cNvPr>
+            <a:endParaRPr lang="zh-CN" altLang="en-US" dirty="0"/>
+          </a:p>
+        </p:txBody>
+      </p:sp>
+      <p:sp>
+        <p:nvSpPr>
+          <p:cNvPr id="12" name="矩形 11"/>
           <p:cNvSpPr/>
           <p:nvPr/>
         </p:nvSpPr>
@@ -9334,13 +9055,7 @@
       </p:sp>
       <p:sp>
         <p:nvSpPr>
-          <p:cNvPr id="13" name="矩形 12">
-            <a:extLst>
-              <a:ext uri="{FF2B5EF4-FFF2-40B4-BE49-F238E27FC236}">
-                <a16:creationId xmlns:a16="http://schemas.microsoft.com/office/drawing/2014/main" id="{1C503CB3-DDFC-4922-9A0D-A4EC9613AB04}"/>
-              </a:ext>
-            </a:extLst>
-          </p:cNvPr>
+          <p:cNvPr id="13" name="矩形 12"/>
           <p:cNvSpPr/>
           <p:nvPr/>
         </p:nvSpPr>
@@ -9384,13 +9099,7 @@
       </p:sp>
       <p:sp>
         <p:nvSpPr>
-          <p:cNvPr id="14" name="文本框 13">
-            <a:extLst>
-              <a:ext uri="{FF2B5EF4-FFF2-40B4-BE49-F238E27FC236}">
-                <a16:creationId xmlns:a16="http://schemas.microsoft.com/office/drawing/2014/main" id="{6E70386C-31BF-4C25-90E3-B514DCEA8448}"/>
-              </a:ext>
-            </a:extLst>
-          </p:cNvPr>
+          <p:cNvPr id="14" name="文本框 13"/>
           <p:cNvSpPr txBox="1"/>
           <p:nvPr/>
         </p:nvSpPr>
@@ -9448,6 +9157,7 @@
               <a:rPr lang="en-US" altLang="zh-CN" dirty="0"/>
               <a:t> : </a:t>
             </a:r>
+            <a:endParaRPr lang="en-US" altLang="zh-CN" dirty="0"/>
           </a:p>
           <a:p>
             <a:r>
@@ -9535,11 +9245,6 @@
         </p:txBody>
       </p:sp>
     </p:spTree>
-    <p:extLst>
-      <p:ext uri="{BB962C8B-B14F-4D97-AF65-F5344CB8AC3E}">
-        <p14:creationId xmlns:p14="http://schemas.microsoft.com/office/powerpoint/2010/main" val="3946077689"/>
-      </p:ext>
-    </p:extLst>
   </p:cSld>
   <p:clrMapOvr>
     <a:masterClrMapping/>
@@ -9795,6 +9500,11 @@
               </a:rPr>
               <a:t>......</a:t>
             </a:r>
+            <a:endParaRPr lang="en-US" altLang="zh-CN" dirty="0">
+              <a:solidFill>
+                <a:schemeClr val="tx1"/>
+              </a:solidFill>
+            </a:endParaRPr>
           </a:p>
         </p:txBody>
       </p:sp>
@@ -10460,6 +10170,7 @@
               <a:rPr lang="zh-CN" altLang="en-US" dirty="0"/>
               <a:t>全部加载在内存中</a:t>
             </a:r>
+            <a:endParaRPr lang="zh-CN" altLang="en-US" dirty="0"/>
           </a:p>
         </p:txBody>
       </p:sp>
@@ -10524,6 +10235,7 @@
               <a:rPr lang="zh-CN" altLang="en-US" sz="1400" dirty="0"/>
               <a:t>和指针放在一起进行整数压缩</a:t>
             </a:r>
+            <a:endParaRPr lang="zh-CN" altLang="en-US" sz="1400" dirty="0"/>
           </a:p>
         </p:txBody>
       </p:sp>
@@ -10707,6 +10419,11 @@
               </a:rPr>
               <a:t>......</a:t>
             </a:r>
+            <a:endParaRPr lang="en-US" altLang="zh-CN" dirty="0">
+              <a:solidFill>
+                <a:schemeClr val="tx1"/>
+              </a:solidFill>
+            </a:endParaRPr>
           </a:p>
         </p:txBody>
       </p:sp>
@@ -10982,6 +10699,7 @@
               <a:rPr lang="zh-CN" altLang="en-US" sz="1400" dirty="0"/>
               <a:t>在磁盘上的位置</a:t>
             </a:r>
+            <a:endParaRPr lang="zh-CN" altLang="en-US" sz="1400" dirty="0"/>
           </a:p>
         </p:txBody>
       </p:sp>
@@ -11393,6 +11111,11 @@
               </a:rPr>
               <a:t>......</a:t>
             </a:r>
+            <a:endParaRPr lang="en-US" altLang="zh-CN" dirty="0">
+              <a:solidFill>
+                <a:schemeClr val="tx1"/>
+              </a:solidFill>
+            </a:endParaRPr>
           </a:p>
         </p:txBody>
       </p:sp>
@@ -11899,6 +11622,7 @@
               <a:rPr lang="zh-CN" altLang="en-US" dirty="0"/>
               <a:t>在磁盘上</a:t>
             </a:r>
+            <a:endParaRPr lang="zh-CN" altLang="en-US" dirty="0"/>
           </a:p>
         </p:txBody>
       </p:sp>
@@ -12034,6 +11758,7 @@
               <a:rPr lang="zh-CN" altLang="en-US" dirty="0"/>
               <a:t>的长度</a:t>
             </a:r>
+            <a:endParaRPr lang="zh-CN" altLang="en-US" dirty="0"/>
           </a:p>
         </p:txBody>
       </p:sp>
@@ -12123,6 +11848,7 @@
               <a:rPr lang="zh-CN" altLang="en-US" dirty="0"/>
               <a:t>，获取文档所有的字段信息</a:t>
             </a:r>
+            <a:endParaRPr lang="zh-CN" altLang="en-US" dirty="0"/>
           </a:p>
         </p:txBody>
       </p:sp>
@@ -12212,6 +11938,7 @@
               <a:rPr lang="en-US" altLang="zh-CN" dirty="0"/>
               <a:t>]</a:t>
             </a:r>
+            <a:endParaRPr lang="en-US" altLang="zh-CN" dirty="0"/>
           </a:p>
           <a:p>
             <a:r>
@@ -12269,6 +11996,7 @@
               <a:rPr lang="en-US" altLang="zh-CN" dirty="0"/>
               <a:t>length </a:t>
             </a:r>
+            <a:endParaRPr lang="en-US" altLang="zh-CN" dirty="0"/>
           </a:p>
           <a:p>
             <a:r>
@@ -12306,6 +12034,7 @@
               <a:rPr lang="zh-CN" altLang="en-US" dirty="0"/>
               <a:t>提取所需要的字段信息</a:t>
             </a:r>
+            <a:endParaRPr lang="zh-CN" altLang="en-US" dirty="0"/>
           </a:p>
         </p:txBody>
       </p:sp>
@@ -12596,6 +12325,11 @@
               </a:rPr>
               <a:t>......</a:t>
             </a:r>
+            <a:endParaRPr lang="en-US" altLang="zh-CN" dirty="0">
+              <a:solidFill>
+                <a:schemeClr val="tx1"/>
+              </a:solidFill>
+            </a:endParaRPr>
           </a:p>
         </p:txBody>
       </p:sp>
@@ -12727,6 +12461,7 @@
               <a:rPr lang="en-US" altLang="zh-CN" dirty="0"/>
               <a:t>DocBase</a:t>
             </a:r>
+            <a:endParaRPr lang="en-US" altLang="zh-CN" dirty="0"/>
           </a:p>
         </p:txBody>
       </p:sp>
@@ -12770,6 +12505,7 @@
               <a:rPr lang="en-US" altLang="zh-CN" dirty="0"/>
               <a:t>ChunkDocs</a:t>
             </a:r>
+            <a:endParaRPr lang="en-US" altLang="zh-CN" dirty="0"/>
           </a:p>
         </p:txBody>
       </p:sp>
@@ -12813,6 +12549,7 @@
               <a:rPr lang="en-US" altLang="zh-CN" dirty="0"/>
               <a:t>NumFields </a:t>
             </a:r>
+            <a:endParaRPr lang="en-US" altLang="zh-CN" dirty="0"/>
           </a:p>
         </p:txBody>
       </p:sp>
@@ -12856,6 +12593,7 @@
               <a:rPr lang="en-US" altLang="zh-CN" dirty="0"/>
               <a:t>FieldNums </a:t>
             </a:r>
+            <a:endParaRPr lang="en-US" altLang="zh-CN" dirty="0"/>
           </a:p>
         </p:txBody>
       </p:sp>
@@ -12899,6 +12637,7 @@
               <a:rPr lang="en-US" altLang="zh-CN" dirty="0"/>
               <a:t>FieldNumOffs </a:t>
             </a:r>
+            <a:endParaRPr lang="en-US" altLang="zh-CN" dirty="0"/>
           </a:p>
         </p:txBody>
       </p:sp>
@@ -12942,6 +12681,7 @@
               <a:rPr lang="en-US" altLang="zh-CN" dirty="0"/>
               <a:t>Flags </a:t>
             </a:r>
+            <a:endParaRPr lang="en-US" altLang="zh-CN" dirty="0"/>
           </a:p>
         </p:txBody>
       </p:sp>
@@ -12983,6 +12723,7 @@
               <a:rPr lang="en-US" altLang="zh-CN" dirty="0"/>
               <a:t>NumTerms </a:t>
             </a:r>
+            <a:endParaRPr lang="en-US" altLang="zh-CN" dirty="0"/>
           </a:p>
         </p:txBody>
       </p:sp>
@@ -13024,6 +12765,7 @@
               <a:rPr lang="en-US" altLang="zh-CN" dirty="0"/>
               <a:t>TermLengths </a:t>
             </a:r>
+            <a:endParaRPr lang="en-US" altLang="zh-CN" dirty="0"/>
           </a:p>
         </p:txBody>
       </p:sp>
@@ -13065,6 +12807,7 @@
               <a:rPr lang="en-US" altLang="zh-CN" dirty="0"/>
               <a:t>TermFreqs </a:t>
             </a:r>
+            <a:endParaRPr lang="en-US" altLang="zh-CN" dirty="0"/>
           </a:p>
         </p:txBody>
       </p:sp>
@@ -13106,6 +12849,7 @@
               <a:rPr lang="en-US" altLang="zh-CN" dirty="0"/>
               <a:t>Positions </a:t>
             </a:r>
+            <a:endParaRPr lang="en-US" altLang="zh-CN" dirty="0"/>
           </a:p>
         </p:txBody>
       </p:sp>
@@ -13147,6 +12891,7 @@
               <a:rPr lang="en-US" altLang="zh-CN" dirty="0"/>
               <a:t>StartOffsets </a:t>
             </a:r>
+            <a:endParaRPr lang="en-US" altLang="zh-CN" dirty="0"/>
           </a:p>
         </p:txBody>
       </p:sp>
@@ -13188,6 +12933,7 @@
               <a:rPr lang="en-US" altLang="zh-CN" dirty="0"/>
               <a:t>Lengths </a:t>
             </a:r>
+            <a:endParaRPr lang="en-US" altLang="zh-CN" dirty="0"/>
           </a:p>
         </p:txBody>
       </p:sp>
@@ -13229,6 +12975,7 @@
               <a:rPr lang="en-US" altLang="zh-CN" dirty="0"/>
               <a:t>......</a:t>
             </a:r>
+            <a:endParaRPr lang="en-US" altLang="zh-CN" dirty="0"/>
           </a:p>
         </p:txBody>
       </p:sp>
@@ -13387,6 +13134,7 @@
               <a:rPr lang="en-US" altLang="zh-CN"/>
               <a:t>..)&gt;</a:t>
             </a:r>
+            <a:endParaRPr lang="en-US" altLang="zh-CN"/>
           </a:p>
           <a:p>
             <a:endParaRPr lang="en-US" altLang="zh-CN"/>
@@ -13545,6 +13293,9 @@
               </a:rPr>
               <a:t>ID</a:t>
             </a:r>
+            <a:endParaRPr lang="en-US" altLang="zh-CN" sz="2000" dirty="0">
+              <a:sym typeface="+mn-ea"/>
+            </a:endParaRPr>
           </a:p>
           <a:p>
             <a:r>
@@ -13559,6 +13310,9 @@
               </a:rPr>
               <a:t>中的文档总数</a:t>
             </a:r>
+            <a:endParaRPr lang="zh-CN" altLang="en-US" sz="2000" dirty="0">
+              <a:sym typeface="+mn-ea"/>
+            </a:endParaRPr>
           </a:p>
           <a:p>
             <a:r>
@@ -13579,6 +13333,9 @@
               </a:rPr>
               <a:t>每个文档的字段数</a:t>
             </a:r>
+            <a:endParaRPr lang="zh-CN" altLang="en-US" sz="2000" dirty="0">
+              <a:sym typeface="+mn-ea"/>
+            </a:endParaRPr>
           </a:p>
           <a:p>
             <a:r>
@@ -13599,6 +13356,9 @@
               </a:rPr>
               <a:t>每个文档的字段编号</a:t>
             </a:r>
+            <a:endParaRPr lang="zh-CN" altLang="en-US" sz="2000" dirty="0">
+              <a:sym typeface="+mn-ea"/>
+            </a:endParaRPr>
           </a:p>
           <a:p>
             <a:r>
@@ -13613,6 +13373,9 @@
               </a:rPr>
               <a:t>每个字段的偏移位置</a:t>
             </a:r>
+            <a:endParaRPr lang="zh-CN" altLang="en-US" sz="2000" dirty="0">
+              <a:sym typeface="+mn-ea"/>
+            </a:endParaRPr>
           </a:p>
           <a:p>
             <a:r>
@@ -13645,6 +13408,9 @@
               </a:rPr>
               <a:t>paloads</a:t>
             </a:r>
+            <a:endParaRPr lang="en-US" altLang="zh-CN" sz="2000" dirty="0">
+              <a:sym typeface="+mn-ea"/>
+            </a:endParaRPr>
           </a:p>
           <a:p>
             <a:endParaRPr lang="en-US" altLang="zh-CN" sz="2000" dirty="0">
@@ -13676,6 +13442,9 @@
               </a:rPr>
               <a:t>数目</a:t>
             </a:r>
+            <a:endParaRPr lang="zh-CN" altLang="en-US" sz="2000" dirty="0">
+              <a:sym typeface="+mn-ea"/>
+            </a:endParaRPr>
           </a:p>
           <a:p>
             <a:r>
@@ -13702,6 +13471,9 @@
               </a:rPr>
               <a:t>的长度</a:t>
             </a:r>
+            <a:endParaRPr lang="zh-CN" altLang="en-US" sz="2000" dirty="0">
+              <a:sym typeface="+mn-ea"/>
+            </a:endParaRPr>
           </a:p>
           <a:p>
             <a:r>
@@ -13757,6 +13529,9 @@
               </a:rPr>
               <a:t>的位置信息</a:t>
             </a:r>
+            <a:endParaRPr lang="zh-CN" altLang="en-US" sz="2000" dirty="0">
+              <a:sym typeface="+mn-ea"/>
+            </a:endParaRPr>
           </a:p>
           <a:p>
             <a:r>
@@ -13783,6 +13558,9 @@
               </a:rPr>
               <a:t>的起始偏移量</a:t>
             </a:r>
+            <a:endParaRPr lang="zh-CN" altLang="en-US" sz="2000" dirty="0">
+              <a:sym typeface="+mn-ea"/>
+            </a:endParaRPr>
           </a:p>
           <a:p>
             <a:r>
@@ -13809,6 +13587,9 @@
               </a:rPr>
               <a:t>的偏移长度 </a:t>
             </a:r>
+            <a:endParaRPr lang="zh-CN" altLang="en-US" sz="2000" dirty="0">
+              <a:sym typeface="+mn-ea"/>
+            </a:endParaRPr>
           </a:p>
         </p:txBody>
       </p:sp>
@@ -13846,7 +13627,7 @@
           <p:nvPr/>
         </p:nvPicPr>
         <p:blipFill>
-          <a:blip r:embed="rId2"/>
+          <a:blip r:embed="rId1"/>
           <a:stretch>
             <a:fillRect/>
           </a:stretch>
@@ -13926,6 +13707,7 @@
               <a:rPr lang="en-US" altLang="zh-CN" dirty="0" err="1"/>
               <a:t>Header</a:t>
             </a:r>
+            <a:endParaRPr lang="en-US" altLang="zh-CN" dirty="0" err="1"/>
           </a:p>
         </p:txBody>
       </p:sp>
@@ -13969,6 +13751,7 @@
               <a:rPr lang="en-US" altLang="zh-CN" dirty="0"/>
               <a:t>FSTIndex</a:t>
             </a:r>
+            <a:endParaRPr lang="en-US" altLang="zh-CN" dirty="0"/>
           </a:p>
         </p:txBody>
       </p:sp>
@@ -14012,6 +13795,7 @@
               <a:rPr lang="en-US" altLang="zh-CN" dirty="0"/>
               <a:t>FSTIndex</a:t>
             </a:r>
+            <a:endParaRPr lang="en-US" altLang="zh-CN" dirty="0"/>
           </a:p>
         </p:txBody>
       </p:sp>
@@ -14063,6 +13847,11 @@
               </a:rPr>
               <a:t>......</a:t>
             </a:r>
+            <a:endParaRPr lang="en-US" altLang="zh-CN" dirty="0">
+              <a:solidFill>
+                <a:schemeClr val="tx1"/>
+              </a:solidFill>
+            </a:endParaRPr>
           </a:p>
         </p:txBody>
       </p:sp>
@@ -14106,6 +13895,7 @@
               <a:rPr lang="en-US" altLang="zh-CN" dirty="0"/>
               <a:t>FSTIndex</a:t>
             </a:r>
+            <a:endParaRPr lang="en-US" altLang="zh-CN" dirty="0"/>
           </a:p>
         </p:txBody>
       </p:sp>
@@ -14149,6 +13939,7 @@
               <a:rPr lang="en-US" altLang="zh-CN" dirty="0" err="1"/>
               <a:t>IndexStartFPs</a:t>
             </a:r>
+            <a:endParaRPr lang="en-US" altLang="zh-CN" dirty="0" err="1"/>
           </a:p>
         </p:txBody>
       </p:sp>
@@ -14192,6 +13983,7 @@
               <a:rPr lang="en-US" altLang="zh-CN" dirty="0" err="1"/>
               <a:t>Footer</a:t>
             </a:r>
+            <a:endParaRPr lang="en-US" altLang="zh-CN" dirty="0" err="1"/>
           </a:p>
         </p:txBody>
       </p:sp>
@@ -14235,6 +14027,7 @@
               <a:rPr lang="en-US" altLang="zh-CN"/>
               <a:t>a</a:t>
             </a:r>
+            <a:endParaRPr lang="en-US" altLang="zh-CN"/>
           </a:p>
         </p:txBody>
       </p:sp>
@@ -14278,6 +14071,7 @@
               <a:rPr lang="en-US" altLang="zh-CN"/>
               <a:t>b</a:t>
             </a:r>
+            <a:endParaRPr lang="en-US" altLang="zh-CN"/>
           </a:p>
         </p:txBody>
       </p:sp>
@@ -14321,6 +14115,7 @@
               <a:rPr lang="en-US" altLang="zh-CN"/>
               <a:t>p</a:t>
             </a:r>
+            <a:endParaRPr lang="en-US" altLang="zh-CN"/>
           </a:p>
         </p:txBody>
       </p:sp>
@@ -14364,6 +14159,7 @@
               <a:rPr lang="en-US" altLang="zh-CN"/>
               <a:t>a</a:t>
             </a:r>
+            <a:endParaRPr lang="en-US" altLang="zh-CN"/>
           </a:p>
         </p:txBody>
       </p:sp>
@@ -14407,6 +14203,7 @@
               <a:rPr lang="en-US" altLang="zh-CN"/>
               <a:t>p</a:t>
             </a:r>
+            <a:endParaRPr lang="en-US" altLang="zh-CN"/>
           </a:p>
         </p:txBody>
       </p:sp>
@@ -14612,6 +14409,7 @@
               <a:rPr lang="zh-CN" altLang="en-US" dirty="0"/>
               <a:t>全部加载在内存中</a:t>
             </a:r>
+            <a:endParaRPr lang="zh-CN" altLang="en-US" dirty="0"/>
           </a:p>
         </p:txBody>
       </p:sp>
@@ -14691,6 +14489,7 @@
               <a:rPr lang="en-US" altLang="zh-CN" dirty="0" err="1"/>
               <a:t>Header</a:t>
             </a:r>
+            <a:endParaRPr lang="en-US" altLang="zh-CN" dirty="0" err="1"/>
           </a:p>
         </p:txBody>
       </p:sp>
@@ -14734,6 +14533,7 @@
               <a:rPr lang="en-US" altLang="zh-CN" dirty="0"/>
               <a:t>Block</a:t>
             </a:r>
+            <a:endParaRPr lang="en-US" altLang="zh-CN" dirty="0"/>
           </a:p>
         </p:txBody>
       </p:sp>
@@ -14777,6 +14577,7 @@
               <a:rPr lang="en-US" altLang="zh-CN" dirty="0"/>
               <a:t>Block</a:t>
             </a:r>
+            <a:endParaRPr lang="en-US" altLang="zh-CN" dirty="0"/>
           </a:p>
         </p:txBody>
       </p:sp>
@@ -14828,6 +14629,11 @@
               </a:rPr>
               <a:t>......</a:t>
             </a:r>
+            <a:endParaRPr lang="en-US" altLang="zh-CN" dirty="0">
+              <a:solidFill>
+                <a:schemeClr val="tx1"/>
+              </a:solidFill>
+            </a:endParaRPr>
           </a:p>
         </p:txBody>
       </p:sp>
@@ -14871,6 +14677,7 @@
               <a:rPr lang="en-US" altLang="zh-CN" dirty="0"/>
               <a:t>Block</a:t>
             </a:r>
+            <a:endParaRPr lang="en-US" altLang="zh-CN" dirty="0"/>
           </a:p>
         </p:txBody>
       </p:sp>
@@ -14914,6 +14721,7 @@
               <a:rPr lang="en-US" altLang="zh-CN" dirty="0" err="1"/>
               <a:t>Footer</a:t>
             </a:r>
+            <a:endParaRPr lang="en-US" altLang="zh-CN" dirty="0" err="1"/>
           </a:p>
         </p:txBody>
       </p:sp>
@@ -15095,6 +14903,7 @@
               <a:rPr lang="zh-CN" altLang="en-US" sz="1200" dirty="0"/>
               <a:t>节省内存，前缀匹配</a:t>
             </a:r>
+            <a:endParaRPr lang="zh-CN" altLang="en-US" sz="1200" dirty="0"/>
           </a:p>
         </p:txBody>
       </p:sp>
@@ -15138,6 +14947,7 @@
               <a:rPr lang="en-US" altLang="zh-CN" dirty="0"/>
               <a:t>Suffix</a:t>
             </a:r>
+            <a:endParaRPr lang="en-US" altLang="zh-CN" dirty="0"/>
           </a:p>
         </p:txBody>
       </p:sp>
@@ -15181,6 +14991,7 @@
               <a:rPr lang="en-US" altLang="zh-CN" dirty="0"/>
               <a:t>Suffix</a:t>
             </a:r>
+            <a:endParaRPr lang="en-US" altLang="zh-CN" dirty="0"/>
           </a:p>
         </p:txBody>
       </p:sp>
@@ -15224,6 +15035,7 @@
               <a:rPr lang="en-US" altLang="zh-CN" dirty="0"/>
               <a:t>Suffix</a:t>
             </a:r>
+            <a:endParaRPr lang="en-US" altLang="zh-CN" dirty="0"/>
           </a:p>
         </p:txBody>
       </p:sp>
@@ -15275,6 +15087,11 @@
               </a:rPr>
               <a:t>...</a:t>
             </a:r>
+            <a:endParaRPr lang="en-US" altLang="zh-CN" dirty="0">
+              <a:solidFill>
+                <a:schemeClr val="tx1"/>
+              </a:solidFill>
+            </a:endParaRPr>
           </a:p>
         </p:txBody>
       </p:sp>
@@ -15318,6 +15135,7 @@
               <a:rPr lang="en-US" altLang="zh-CN" dirty="0"/>
               <a:t>Stat</a:t>
             </a:r>
+            <a:endParaRPr lang="en-US" altLang="zh-CN" dirty="0"/>
           </a:p>
         </p:txBody>
       </p:sp>
@@ -15361,6 +15179,7 @@
               <a:rPr lang="en-US" altLang="zh-CN" dirty="0"/>
               <a:t>Stat</a:t>
             </a:r>
+            <a:endParaRPr lang="en-US" altLang="zh-CN" dirty="0"/>
           </a:p>
         </p:txBody>
       </p:sp>
@@ -15404,6 +15223,7 @@
               <a:rPr lang="en-US" altLang="zh-CN" dirty="0"/>
               <a:t>Stat</a:t>
             </a:r>
+            <a:endParaRPr lang="en-US" altLang="zh-CN" dirty="0"/>
           </a:p>
         </p:txBody>
       </p:sp>
@@ -15455,6 +15275,11 @@
               </a:rPr>
               <a:t>...</a:t>
             </a:r>
+            <a:endParaRPr lang="en-US" altLang="zh-CN" dirty="0">
+              <a:solidFill>
+                <a:schemeClr val="tx1"/>
+              </a:solidFill>
+            </a:endParaRPr>
           </a:p>
         </p:txBody>
       </p:sp>
@@ -15498,6 +15323,7 @@
               <a:rPr lang="en-US" altLang="zh-CN" dirty="0"/>
               <a:t>Meta</a:t>
             </a:r>
+            <a:endParaRPr lang="en-US" altLang="zh-CN" dirty="0"/>
           </a:p>
         </p:txBody>
       </p:sp>
@@ -15541,6 +15367,7 @@
               <a:rPr lang="en-US" altLang="zh-CN" dirty="0"/>
               <a:t>Meta</a:t>
             </a:r>
+            <a:endParaRPr lang="en-US" altLang="zh-CN" dirty="0"/>
           </a:p>
         </p:txBody>
       </p:sp>
@@ -15584,6 +15411,7 @@
               <a:rPr lang="en-US" altLang="zh-CN" dirty="0"/>
               <a:t>Meta</a:t>
             </a:r>
+            <a:endParaRPr lang="en-US" altLang="zh-CN" dirty="0"/>
           </a:p>
         </p:txBody>
       </p:sp>
@@ -15695,6 +15523,7 @@
               <a:rPr lang="en-US" altLang="zh-CN" sz="1200" dirty="0"/>
               <a:t>term</a:t>
             </a:r>
+            <a:endParaRPr lang="en-US" altLang="zh-CN" sz="1200" dirty="0"/>
           </a:p>
         </p:txBody>
       </p:sp>
@@ -15717,27 +15546,9 @@
                 <a:tableStyleId>{5C22544A-7EE6-4342-B048-85BDC9FD1C3A}</a:tableStyleId>
               </a:tblPr>
               <a:tblGrid>
-                <a:gridCol w="1342134">
-                  <a:extLst>
-                    <a:ext uri="{9D8B030D-6E8A-4147-A177-3AD203B41FA5}">
-                      <a16:colId xmlns:a16="http://schemas.microsoft.com/office/drawing/2014/main" val="20000"/>
-                    </a:ext>
-                  </a:extLst>
-                </a:gridCol>
-                <a:gridCol w="1099542">
-                  <a:extLst>
-                    <a:ext uri="{9D8B030D-6E8A-4147-A177-3AD203B41FA5}">
-                      <a16:colId xmlns:a16="http://schemas.microsoft.com/office/drawing/2014/main" val="20001"/>
-                    </a:ext>
-                  </a:extLst>
-                </a:gridCol>
-                <a:gridCol w="2013115">
-                  <a:extLst>
-                    <a:ext uri="{9D8B030D-6E8A-4147-A177-3AD203B41FA5}">
-                      <a16:colId xmlns:a16="http://schemas.microsoft.com/office/drawing/2014/main" val="20002"/>
-                    </a:ext>
-                  </a:extLst>
-                </a:gridCol>
+                <a:gridCol w="1342134"/>
+                <a:gridCol w="1099542"/>
+                <a:gridCol w="2013115"/>
               </a:tblGrid>
               <a:tr h="370840">
                 <a:tc>
@@ -15782,11 +15593,6 @@
                   </a:txBody>
                   <a:tcPr/>
                 </a:tc>
-                <a:extLst>
-                  <a:ext uri="{0D108BD9-81ED-4DB2-BD59-A6C34878D82A}">
-                    <a16:rowId xmlns:a16="http://schemas.microsoft.com/office/drawing/2014/main" val="10000"/>
-                  </a:ext>
-                </a:extLst>
               </a:tr>
               <a:tr h="370840">
                 <a:tc>
@@ -15854,15 +15660,11 @@
                         <a:rPr lang="zh-CN" altLang="en-US" dirty="0"/>
                         <a:t>指向倒排表的指针</a:t>
                       </a:r>
+                      <a:endParaRPr lang="zh-CN" altLang="en-US" dirty="0"/>
                     </a:p>
                   </a:txBody>
                   <a:tcPr/>
                 </a:tc>
-                <a:extLst>
-                  <a:ext uri="{0D108BD9-81ED-4DB2-BD59-A6C34878D82A}">
-                    <a16:rowId xmlns:a16="http://schemas.microsoft.com/office/drawing/2014/main" val="10001"/>
-                  </a:ext>
-                </a:extLst>
               </a:tr>
               <a:tr h="370840">
                 <a:tc>
@@ -15915,11 +15717,6 @@
                   </a:txBody>
                   <a:tcPr/>
                 </a:tc>
-                <a:extLst>
-                  <a:ext uri="{0D108BD9-81ED-4DB2-BD59-A6C34878D82A}">
-                    <a16:rowId xmlns:a16="http://schemas.microsoft.com/office/drawing/2014/main" val="10002"/>
-                  </a:ext>
-                </a:extLst>
               </a:tr>
               <a:tr h="370840">
                 <a:tc>
@@ -15972,11 +15769,6 @@
                   </a:txBody>
                   <a:tcPr/>
                 </a:tc>
-                <a:extLst>
-                  <a:ext uri="{0D108BD9-81ED-4DB2-BD59-A6C34878D82A}">
-                    <a16:rowId xmlns:a16="http://schemas.microsoft.com/office/drawing/2014/main" val="10003"/>
-                  </a:ext>
-                </a:extLst>
               </a:tr>
               <a:tr h="370840">
                 <a:tc>
@@ -16013,11 +15805,6 @@
                   </a:txBody>
                   <a:tcPr/>
                 </a:tc>
-                <a:extLst>
-                  <a:ext uri="{0D108BD9-81ED-4DB2-BD59-A6C34878D82A}">
-                    <a16:rowId xmlns:a16="http://schemas.microsoft.com/office/drawing/2014/main" val="10004"/>
-                  </a:ext>
-                </a:extLst>
               </a:tr>
             </a:tbl>
           </a:graphicData>
@@ -16064,6 +15851,7 @@
               <a:rPr lang="zh-CN" altLang="en-US" dirty="0"/>
               <a:t>在磁盘上</a:t>
             </a:r>
+            <a:endParaRPr lang="zh-CN" altLang="en-US" dirty="0"/>
           </a:p>
         </p:txBody>
       </p:sp>
@@ -16104,6 +15892,7 @@
               <a:rPr lang="zh-CN" altLang="en-US" dirty="0"/>
               <a:t>在磁盘上</a:t>
             </a:r>
+            <a:endParaRPr lang="zh-CN" altLang="en-US" dirty="0"/>
           </a:p>
         </p:txBody>
       </p:sp>
@@ -16323,6 +16112,11 @@
               </a:rPr>
               <a:t>...</a:t>
             </a:r>
+            <a:endParaRPr lang="en-US" altLang="zh-CN" dirty="0">
+              <a:solidFill>
+                <a:schemeClr val="tx1"/>
+              </a:solidFill>
+            </a:endParaRPr>
           </a:p>
         </p:txBody>
       </p:sp>
@@ -16572,18 +16366,17 @@
               </a:rPr>
               <a:t>倒排表</a:t>
             </a:r>
-          </a:p>
-        </p:txBody>
-      </p:sp>
-      <p:sp>
-        <p:nvSpPr>
-          <p:cNvPr id="64" name="文本框 63">
-            <a:extLst>
-              <a:ext uri="{FF2B5EF4-FFF2-40B4-BE49-F238E27FC236}">
-                <a16:creationId xmlns:a16="http://schemas.microsoft.com/office/drawing/2014/main" id="{5F1F1729-A1AC-456B-8BB6-FA0BF1B5F221}"/>
-              </a:ext>
-            </a:extLst>
-          </p:cNvPr>
+            <a:endParaRPr lang="zh-CN" altLang="en-US" dirty="0">
+              <a:solidFill>
+                <a:srgbClr val="FF0000"/>
+              </a:solidFill>
+            </a:endParaRPr>
+          </a:p>
+        </p:txBody>
+      </p:sp>
+      <p:sp>
+        <p:nvSpPr>
+          <p:cNvPr id="64" name="文本框 63"/>
           <p:cNvSpPr txBox="1"/>
           <p:nvPr/>
         </p:nvSpPr>
@@ -16619,18 +16412,17 @@
               </a:rPr>
               <a:t>词典前缀</a:t>
             </a:r>
-          </a:p>
-        </p:txBody>
-      </p:sp>
-      <p:sp>
-        <p:nvSpPr>
-          <p:cNvPr id="65" name="文本框 64">
-            <a:extLst>
-              <a:ext uri="{FF2B5EF4-FFF2-40B4-BE49-F238E27FC236}">
-                <a16:creationId xmlns:a16="http://schemas.microsoft.com/office/drawing/2014/main" id="{1B1500A4-F4A6-4BC3-897B-43D8C268B3E9}"/>
-              </a:ext>
-            </a:extLst>
-          </p:cNvPr>
+            <a:endParaRPr lang="zh-CN" altLang="en-US" dirty="0">
+              <a:solidFill>
+                <a:srgbClr val="FF0000"/>
+              </a:solidFill>
+            </a:endParaRPr>
+          </a:p>
+        </p:txBody>
+      </p:sp>
+      <p:sp>
+        <p:nvSpPr>
+          <p:cNvPr id="65" name="文本框 64"/>
           <p:cNvSpPr txBox="1"/>
           <p:nvPr/>
         </p:nvSpPr>
@@ -16666,6 +16458,11 @@
               </a:rPr>
               <a:t>词典后缀</a:t>
             </a:r>
+            <a:endParaRPr lang="zh-CN" altLang="en-US" dirty="0">
+              <a:solidFill>
+                <a:srgbClr val="FF0000"/>
+              </a:solidFill>
+            </a:endParaRPr>
           </a:p>
         </p:txBody>
       </p:sp>
@@ -16696,13 +16493,7 @@
       </p:grpSpPr>
       <p:sp>
         <p:nvSpPr>
-          <p:cNvPr id="11" name="矩形 10">
-            <a:extLst>
-              <a:ext uri="{FF2B5EF4-FFF2-40B4-BE49-F238E27FC236}">
-                <a16:creationId xmlns:a16="http://schemas.microsoft.com/office/drawing/2014/main" id="{A5831CE0-76F6-4B75-B7E4-B776093C4B11}"/>
-              </a:ext>
-            </a:extLst>
-          </p:cNvPr>
+          <p:cNvPr id="11" name="矩形 10"/>
           <p:cNvSpPr/>
           <p:nvPr/>
         </p:nvSpPr>
@@ -16740,18 +16531,13 @@
               <a:rPr lang="en-US" altLang="zh-CN" dirty="0"/>
               <a:t>block</a:t>
             </a:r>
-          </a:p>
-        </p:txBody>
-      </p:sp>
-      <p:sp>
-        <p:nvSpPr>
-          <p:cNvPr id="12" name="矩形 11">
-            <a:extLst>
-              <a:ext uri="{FF2B5EF4-FFF2-40B4-BE49-F238E27FC236}">
-                <a16:creationId xmlns:a16="http://schemas.microsoft.com/office/drawing/2014/main" id="{1782A415-A69D-4CF1-A1BC-FED954088A84}"/>
-              </a:ext>
-            </a:extLst>
-          </p:cNvPr>
+            <a:endParaRPr lang="en-US" altLang="zh-CN" dirty="0"/>
+          </a:p>
+        </p:txBody>
+      </p:sp>
+      <p:sp>
+        <p:nvSpPr>
+          <p:cNvPr id="12" name="矩形 11"/>
           <p:cNvSpPr/>
           <p:nvPr/>
         </p:nvSpPr>
@@ -16789,18 +16575,13 @@
               <a:rPr lang="en-US" altLang="zh-CN" dirty="0"/>
               <a:t>block</a:t>
             </a:r>
-          </a:p>
-        </p:txBody>
-      </p:sp>
-      <p:sp>
-        <p:nvSpPr>
-          <p:cNvPr id="13" name="矩形 12">
-            <a:extLst>
-              <a:ext uri="{FF2B5EF4-FFF2-40B4-BE49-F238E27FC236}">
-                <a16:creationId xmlns:a16="http://schemas.microsoft.com/office/drawing/2014/main" id="{2CAAB6A7-8F32-432A-8BFD-09786CD328AD}"/>
-              </a:ext>
-            </a:extLst>
-          </p:cNvPr>
+            <a:endParaRPr lang="en-US" altLang="zh-CN" dirty="0"/>
+          </a:p>
+        </p:txBody>
+      </p:sp>
+      <p:sp>
+        <p:nvSpPr>
+          <p:cNvPr id="13" name="矩形 12"/>
           <p:cNvSpPr/>
           <p:nvPr/>
         </p:nvSpPr>
@@ -16838,18 +16619,13 @@
               <a:rPr lang="en-US" altLang="zh-CN" dirty="0"/>
               <a:t>block</a:t>
             </a:r>
-          </a:p>
-        </p:txBody>
-      </p:sp>
-      <p:sp>
-        <p:nvSpPr>
-          <p:cNvPr id="14" name="矩形 13">
-            <a:extLst>
-              <a:ext uri="{FF2B5EF4-FFF2-40B4-BE49-F238E27FC236}">
-                <a16:creationId xmlns:a16="http://schemas.microsoft.com/office/drawing/2014/main" id="{75575386-60B8-4617-B2B9-35F8788C4CB6}"/>
-              </a:ext>
-            </a:extLst>
-          </p:cNvPr>
+            <a:endParaRPr lang="en-US" altLang="zh-CN" dirty="0"/>
+          </a:p>
+        </p:txBody>
+      </p:sp>
+      <p:sp>
+        <p:nvSpPr>
+          <p:cNvPr id="14" name="矩形 13"/>
           <p:cNvSpPr/>
           <p:nvPr/>
         </p:nvSpPr>
@@ -16887,18 +16663,13 @@
               <a:rPr lang="en-US" altLang="zh-CN" dirty="0"/>
               <a:t>block</a:t>
             </a:r>
-          </a:p>
-        </p:txBody>
-      </p:sp>
-      <p:sp>
-        <p:nvSpPr>
-          <p:cNvPr id="15" name="矩形 14">
-            <a:extLst>
-              <a:ext uri="{FF2B5EF4-FFF2-40B4-BE49-F238E27FC236}">
-                <a16:creationId xmlns:a16="http://schemas.microsoft.com/office/drawing/2014/main" id="{B5107868-7E30-4550-ABBE-3AEBAC2ED45E}"/>
-              </a:ext>
-            </a:extLst>
-          </p:cNvPr>
+            <a:endParaRPr lang="en-US" altLang="zh-CN" dirty="0"/>
+          </a:p>
+        </p:txBody>
+      </p:sp>
+      <p:sp>
+        <p:nvSpPr>
+          <p:cNvPr id="15" name="矩形 14"/>
           <p:cNvSpPr/>
           <p:nvPr/>
         </p:nvSpPr>
@@ -16936,18 +16707,13 @@
               <a:rPr lang="en-US" altLang="zh-CN" dirty="0"/>
               <a:t>block</a:t>
             </a:r>
-          </a:p>
-        </p:txBody>
-      </p:sp>
-      <p:sp>
-        <p:nvSpPr>
-          <p:cNvPr id="16" name="矩形 15">
-            <a:extLst>
-              <a:ext uri="{FF2B5EF4-FFF2-40B4-BE49-F238E27FC236}">
-                <a16:creationId xmlns:a16="http://schemas.microsoft.com/office/drawing/2014/main" id="{58747F3D-AED7-436A-89B2-0134676E62A5}"/>
-              </a:ext>
-            </a:extLst>
-          </p:cNvPr>
+            <a:endParaRPr lang="en-US" altLang="zh-CN" dirty="0"/>
+          </a:p>
+        </p:txBody>
+      </p:sp>
+      <p:sp>
+        <p:nvSpPr>
+          <p:cNvPr id="16" name="矩形 15"/>
           <p:cNvSpPr/>
           <p:nvPr/>
         </p:nvSpPr>
@@ -16983,18 +16749,13 @@
               <a:rPr lang="en-US" altLang="zh-CN" dirty="0"/>
               <a:t>…</a:t>
             </a:r>
-          </a:p>
-        </p:txBody>
-      </p:sp>
-      <p:sp>
-        <p:nvSpPr>
-          <p:cNvPr id="17" name="矩形 16">
-            <a:extLst>
-              <a:ext uri="{FF2B5EF4-FFF2-40B4-BE49-F238E27FC236}">
-                <a16:creationId xmlns:a16="http://schemas.microsoft.com/office/drawing/2014/main" id="{9BD7DD68-14BC-474F-AA92-FFA1F9567813}"/>
-              </a:ext>
-            </a:extLst>
-          </p:cNvPr>
+            <a:endParaRPr lang="en-US" altLang="zh-CN" dirty="0"/>
+          </a:p>
+        </p:txBody>
+      </p:sp>
+      <p:sp>
+        <p:nvSpPr>
+          <p:cNvPr id="17" name="矩形 16"/>
           <p:cNvSpPr/>
           <p:nvPr/>
         </p:nvSpPr>
@@ -17038,13 +16799,7 @@
       </p:sp>
       <p:sp>
         <p:nvSpPr>
-          <p:cNvPr id="20" name="矩形 19">
-            <a:extLst>
-              <a:ext uri="{FF2B5EF4-FFF2-40B4-BE49-F238E27FC236}">
-                <a16:creationId xmlns:a16="http://schemas.microsoft.com/office/drawing/2014/main" id="{EF0F80E6-9C19-49F1-ADEC-BF3D7CCE1062}"/>
-              </a:ext>
-            </a:extLst>
-          </p:cNvPr>
+          <p:cNvPr id="20" name="矩形 19"/>
           <p:cNvSpPr/>
           <p:nvPr/>
         </p:nvSpPr>
@@ -17088,13 +16843,7 @@
       </p:sp>
       <p:sp>
         <p:nvSpPr>
-          <p:cNvPr id="21" name="矩形 20">
-            <a:extLst>
-              <a:ext uri="{FF2B5EF4-FFF2-40B4-BE49-F238E27FC236}">
-                <a16:creationId xmlns:a16="http://schemas.microsoft.com/office/drawing/2014/main" id="{7C69381C-25F5-4F84-8D30-3A46327AEB7B}"/>
-              </a:ext>
-            </a:extLst>
-          </p:cNvPr>
+          <p:cNvPr id="21" name="矩形 20"/>
           <p:cNvSpPr/>
           <p:nvPr/>
         </p:nvSpPr>
@@ -17138,13 +16887,7 @@
       </p:sp>
       <p:cxnSp>
         <p:nvCxnSpPr>
-          <p:cNvPr id="23" name="直接连接符 22">
-            <a:extLst>
-              <a:ext uri="{FF2B5EF4-FFF2-40B4-BE49-F238E27FC236}">
-                <a16:creationId xmlns:a16="http://schemas.microsoft.com/office/drawing/2014/main" id="{B846D2A1-58BB-470D-B0A3-07A43B5667FD}"/>
-              </a:ext>
-            </a:extLst>
-          </p:cNvPr>
+          <p:cNvPr id="23" name="直接连接符 22"/>
           <p:cNvCxnSpPr/>
           <p:nvPr/>
         </p:nvCxnSpPr>
@@ -17174,13 +16917,7 @@
       </p:cxnSp>
       <p:cxnSp>
         <p:nvCxnSpPr>
-          <p:cNvPr id="25" name="直接连接符 24">
-            <a:extLst>
-              <a:ext uri="{FF2B5EF4-FFF2-40B4-BE49-F238E27FC236}">
-                <a16:creationId xmlns:a16="http://schemas.microsoft.com/office/drawing/2014/main" id="{3A8DD032-5C40-4A10-8D69-FA4FA45CFD55}"/>
-              </a:ext>
-            </a:extLst>
-          </p:cNvPr>
+          <p:cNvPr id="25" name="直接连接符 24"/>
           <p:cNvCxnSpPr/>
           <p:nvPr/>
         </p:nvCxnSpPr>
@@ -17210,13 +16947,7 @@
       </p:cxnSp>
       <p:sp>
         <p:nvSpPr>
-          <p:cNvPr id="27" name="文本框 26">
-            <a:extLst>
-              <a:ext uri="{FF2B5EF4-FFF2-40B4-BE49-F238E27FC236}">
-                <a16:creationId xmlns:a16="http://schemas.microsoft.com/office/drawing/2014/main" id="{2AD4D269-8E55-4513-9309-6D8BBF53AF2A}"/>
-              </a:ext>
-            </a:extLst>
-          </p:cNvPr>
+          <p:cNvPr id="27" name="文本框 26"/>
           <p:cNvSpPr txBox="1"/>
           <p:nvPr/>
         </p:nvSpPr>
@@ -17299,13 +17030,7 @@
       </p:sp>
       <p:sp>
         <p:nvSpPr>
-          <p:cNvPr id="28" name="文本框 27">
-            <a:extLst>
-              <a:ext uri="{FF2B5EF4-FFF2-40B4-BE49-F238E27FC236}">
-                <a16:creationId xmlns:a16="http://schemas.microsoft.com/office/drawing/2014/main" id="{77004AE9-FAC1-49E7-BBD6-0FB417E141FC}"/>
-              </a:ext>
-            </a:extLst>
-          </p:cNvPr>
+          <p:cNvPr id="28" name="文本框 27"/>
           <p:cNvSpPr txBox="1"/>
           <p:nvPr/>
         </p:nvSpPr>
@@ -17329,18 +17054,13 @@
               <a:rPr lang="zh-CN" altLang="en-US" sz="3200" dirty="0"/>
               <a:t>倒排表物理结构</a:t>
             </a:r>
-          </a:p>
-        </p:txBody>
-      </p:sp>
-      <p:sp>
-        <p:nvSpPr>
-          <p:cNvPr id="29" name="文本框 28">
-            <a:extLst>
-              <a:ext uri="{FF2B5EF4-FFF2-40B4-BE49-F238E27FC236}">
-                <a16:creationId xmlns:a16="http://schemas.microsoft.com/office/drawing/2014/main" id="{C611CD54-8A82-40D5-893D-CBEF899FC2BE}"/>
-              </a:ext>
-            </a:extLst>
-          </p:cNvPr>
+            <a:endParaRPr lang="zh-CN" altLang="en-US" sz="3200" dirty="0"/>
+          </a:p>
+        </p:txBody>
+      </p:sp>
+      <p:sp>
+        <p:nvSpPr>
+          <p:cNvPr id="29" name="文本框 28"/>
           <p:cNvSpPr txBox="1"/>
           <p:nvPr/>
         </p:nvSpPr>
@@ -17372,15 +17092,11 @@
               <a:rPr lang="zh-CN" altLang="en-US" dirty="0"/>
               <a:t>和词频</a:t>
             </a:r>
+            <a:endParaRPr lang="zh-CN" altLang="en-US" dirty="0"/>
           </a:p>
         </p:txBody>
       </p:sp>
     </p:spTree>
-    <p:extLst>
-      <p:ext uri="{BB962C8B-B14F-4D97-AF65-F5344CB8AC3E}">
-        <p14:creationId xmlns:p14="http://schemas.microsoft.com/office/powerpoint/2010/main" val="2152726289"/>
-      </p:ext>
-    </p:extLst>
   </p:cSld>
   <p:clrMapOvr>
     <a:masterClrMapping/>
@@ -17445,6 +17161,7 @@
               <a:rPr lang="en-US" altLang="zh-CN"/>
               <a:t>1</a:t>
             </a:r>
+            <a:endParaRPr lang="en-US" altLang="zh-CN"/>
           </a:p>
         </p:txBody>
       </p:sp>
@@ -17488,6 +17205,7 @@
               <a:rPr lang="en-US" altLang="zh-CN"/>
               <a:t>4</a:t>
             </a:r>
+            <a:endParaRPr lang="en-US" altLang="zh-CN"/>
           </a:p>
         </p:txBody>
       </p:sp>
@@ -17531,6 +17249,7 @@
               <a:rPr lang="en-US" altLang="zh-CN"/>
               <a:t>9</a:t>
             </a:r>
+            <a:endParaRPr lang="en-US" altLang="zh-CN"/>
           </a:p>
         </p:txBody>
       </p:sp>
@@ -17574,6 +17293,7 @@
               <a:rPr lang="en-US" altLang="zh-CN"/>
               <a:t>15</a:t>
             </a:r>
+            <a:endParaRPr lang="en-US" altLang="zh-CN"/>
           </a:p>
         </p:txBody>
       </p:sp>
@@ -17617,6 +17337,7 @@
               <a:rPr lang="en-US" altLang="zh-CN"/>
               <a:t>21</a:t>
             </a:r>
+            <a:endParaRPr lang="en-US" altLang="zh-CN"/>
           </a:p>
         </p:txBody>
       </p:sp>
@@ -17660,6 +17381,7 @@
               <a:rPr lang="en-US" altLang="zh-CN"/>
               <a:t>35</a:t>
             </a:r>
+            <a:endParaRPr lang="en-US" altLang="zh-CN"/>
           </a:p>
         </p:txBody>
       </p:sp>
@@ -17703,6 +17425,7 @@
               <a:rPr lang="en-US" altLang="zh-CN"/>
               <a:t>47</a:t>
             </a:r>
+            <a:endParaRPr lang="en-US" altLang="zh-CN"/>
           </a:p>
         </p:txBody>
       </p:sp>
@@ -17746,6 +17469,7 @@
               <a:rPr lang="en-US" altLang="zh-CN" dirty="0"/>
               <a:t>48</a:t>
             </a:r>
+            <a:endParaRPr lang="en-US" altLang="zh-CN" dirty="0"/>
           </a:p>
         </p:txBody>
       </p:sp>
@@ -17789,6 +17513,7 @@
               <a:rPr lang="en-US" altLang="zh-CN"/>
               <a:t>49</a:t>
             </a:r>
+            <a:endParaRPr lang="en-US" altLang="zh-CN"/>
           </a:p>
         </p:txBody>
       </p:sp>
@@ -17832,6 +17557,7 @@
               <a:rPr lang="en-US" altLang="zh-CN" dirty="0"/>
               <a:t>55</a:t>
             </a:r>
+            <a:endParaRPr lang="en-US" altLang="zh-CN" dirty="0"/>
           </a:p>
         </p:txBody>
       </p:sp>
@@ -17875,6 +17601,7 @@
               <a:rPr lang="en-US" altLang="zh-CN"/>
               <a:t>78</a:t>
             </a:r>
+            <a:endParaRPr lang="en-US" altLang="zh-CN"/>
           </a:p>
         </p:txBody>
       </p:sp>
@@ -17918,6 +17645,7 @@
               <a:rPr lang="en-US" altLang="zh-CN" dirty="0"/>
               <a:t>82</a:t>
             </a:r>
+            <a:endParaRPr lang="en-US" altLang="zh-CN" dirty="0"/>
           </a:p>
         </p:txBody>
       </p:sp>
@@ -17961,6 +17689,7 @@
               <a:rPr lang="en-US" altLang="zh-CN"/>
               <a:t>85</a:t>
             </a:r>
+            <a:endParaRPr lang="en-US" altLang="zh-CN"/>
           </a:p>
         </p:txBody>
       </p:sp>
@@ -18004,6 +17733,7 @@
               <a:rPr lang="en-US" altLang="zh-CN" dirty="0"/>
               <a:t>89</a:t>
             </a:r>
+            <a:endParaRPr lang="en-US" altLang="zh-CN" dirty="0"/>
           </a:p>
         </p:txBody>
       </p:sp>
@@ -18047,6 +17777,7 @@
               <a:rPr lang="en-US" altLang="zh-CN"/>
               <a:t>98</a:t>
             </a:r>
+            <a:endParaRPr lang="en-US" altLang="zh-CN"/>
           </a:p>
         </p:txBody>
       </p:sp>
@@ -18090,6 +17821,7 @@
               <a:rPr lang="en-US" altLang="zh-CN" dirty="0"/>
               <a:t>99</a:t>
             </a:r>
+            <a:endParaRPr lang="en-US" altLang="zh-CN" dirty="0"/>
           </a:p>
         </p:txBody>
       </p:sp>
@@ -19202,6 +18934,7 @@
               <a:rPr lang="en-US" altLang="zh-CN"/>
               <a:t>Level 0</a:t>
             </a:r>
+            <a:endParaRPr lang="en-US" altLang="zh-CN"/>
           </a:p>
         </p:txBody>
       </p:sp>
@@ -19231,6 +18964,7 @@
               <a:rPr lang="en-US" altLang="zh-CN"/>
               <a:t>Level 1</a:t>
             </a:r>
+            <a:endParaRPr lang="en-US" altLang="zh-CN"/>
           </a:p>
         </p:txBody>
       </p:sp>
@@ -19260,6 +18994,7 @@
               <a:rPr lang="en-US" altLang="zh-CN"/>
               <a:t>Level 2</a:t>
             </a:r>
+            <a:endParaRPr lang="en-US" altLang="zh-CN"/>
           </a:p>
         </p:txBody>
       </p:sp>
@@ -19289,6 +19024,7 @@
               <a:rPr lang="en-US" altLang="zh-CN"/>
               <a:t>doc ids</a:t>
             </a:r>
+            <a:endParaRPr lang="en-US" altLang="zh-CN"/>
           </a:p>
         </p:txBody>
       </p:sp>
@@ -19318,6 +19054,7 @@
               <a:rPr lang="en-US" altLang="zh-CN"/>
               <a:t>skipdatas</a:t>
             </a:r>
+            <a:endParaRPr lang="en-US" altLang="zh-CN"/>
           </a:p>
         </p:txBody>
       </p:sp>
@@ -19347,6 +19084,7 @@
               <a:rPr lang="zh-CN" altLang="en-US" sz="3200" dirty="0"/>
               <a:t>倒排表逻辑结构</a:t>
             </a:r>
+            <a:endParaRPr lang="zh-CN" altLang="en-US" sz="3200" dirty="0"/>
           </a:p>
         </p:txBody>
       </p:sp>
@@ -19626,7 +19364,6 @@
         <p:nvCxnSpPr>
           <p:cNvPr id="138" name="直接箭头连接符 137"/>
           <p:cNvCxnSpPr>
-            <a:cxnSpLocks/>
             <a:stCxn id="148" idx="3"/>
           </p:cNvCxnSpPr>
           <p:nvPr/>
@@ -19761,13 +19498,7 @@
       </p:cxnSp>
       <p:sp>
         <p:nvSpPr>
-          <p:cNvPr id="81" name="矩形 80">
-            <a:extLst>
-              <a:ext uri="{FF2B5EF4-FFF2-40B4-BE49-F238E27FC236}">
-                <a16:creationId xmlns:a16="http://schemas.microsoft.com/office/drawing/2014/main" id="{50464BDE-AD5C-4AC8-9123-3E1D95279DE1}"/>
-              </a:ext>
-            </a:extLst>
-          </p:cNvPr>
+          <p:cNvPr id="81" name="矩形 80"/>
           <p:cNvSpPr/>
           <p:nvPr/>
         </p:nvSpPr>
@@ -19805,18 +19536,13 @@
               <a:rPr lang="en-US" altLang="zh-CN"/>
               <a:t>...</a:t>
             </a:r>
-          </a:p>
-        </p:txBody>
-      </p:sp>
-      <p:sp>
-        <p:nvSpPr>
-          <p:cNvPr id="82" name="矩形 81">
-            <a:extLst>
-              <a:ext uri="{FF2B5EF4-FFF2-40B4-BE49-F238E27FC236}">
-                <a16:creationId xmlns:a16="http://schemas.microsoft.com/office/drawing/2014/main" id="{9C2D328F-F7D8-476D-B57A-3C8F23395966}"/>
-              </a:ext>
-            </a:extLst>
-          </p:cNvPr>
+            <a:endParaRPr lang="en-US" altLang="zh-CN"/>
+          </a:p>
+        </p:txBody>
+      </p:sp>
+      <p:sp>
+        <p:nvSpPr>
+          <p:cNvPr id="82" name="矩形 81"/>
           <p:cNvSpPr/>
           <p:nvPr/>
         </p:nvSpPr>
@@ -19856,13 +19582,7 @@
       </p:sp>
       <p:sp>
         <p:nvSpPr>
-          <p:cNvPr id="83" name="矩形 82">
-            <a:extLst>
-              <a:ext uri="{FF2B5EF4-FFF2-40B4-BE49-F238E27FC236}">
-                <a16:creationId xmlns:a16="http://schemas.microsoft.com/office/drawing/2014/main" id="{272A2C4B-19AE-4030-9828-41E1FEEC1CD1}"/>
-              </a:ext>
-            </a:extLst>
-          </p:cNvPr>
+          <p:cNvPr id="83" name="矩形 82"/>
           <p:cNvSpPr/>
           <p:nvPr/>
         </p:nvSpPr>
@@ -19902,13 +19622,7 @@
       </p:sp>
       <p:sp>
         <p:nvSpPr>
-          <p:cNvPr id="84" name="矩形 83">
-            <a:extLst>
-              <a:ext uri="{FF2B5EF4-FFF2-40B4-BE49-F238E27FC236}">
-                <a16:creationId xmlns:a16="http://schemas.microsoft.com/office/drawing/2014/main" id="{0440CBCE-CE11-490A-800B-021284659FC5}"/>
-              </a:ext>
-            </a:extLst>
-          </p:cNvPr>
+          <p:cNvPr id="84" name="矩形 83"/>
           <p:cNvSpPr/>
           <p:nvPr/>
         </p:nvSpPr>
@@ -19948,13 +19662,7 @@
       </p:sp>
       <p:sp>
         <p:nvSpPr>
-          <p:cNvPr id="85" name="矩形 84">
-            <a:extLst>
-              <a:ext uri="{FF2B5EF4-FFF2-40B4-BE49-F238E27FC236}">
-                <a16:creationId xmlns:a16="http://schemas.microsoft.com/office/drawing/2014/main" id="{C9BA1910-30EB-4589-AE96-A296BA035C84}"/>
-              </a:ext>
-            </a:extLst>
-          </p:cNvPr>
+          <p:cNvPr id="85" name="矩形 84"/>
           <p:cNvSpPr/>
           <p:nvPr/>
         </p:nvSpPr>
@@ -19994,13 +19702,7 @@
       </p:sp>
       <p:sp>
         <p:nvSpPr>
-          <p:cNvPr id="86" name="矩形 85">
-            <a:extLst>
-              <a:ext uri="{FF2B5EF4-FFF2-40B4-BE49-F238E27FC236}">
-                <a16:creationId xmlns:a16="http://schemas.microsoft.com/office/drawing/2014/main" id="{F09316CF-80CD-441B-A62C-D61493301056}"/>
-              </a:ext>
-            </a:extLst>
-          </p:cNvPr>
+          <p:cNvPr id="86" name="矩形 85"/>
           <p:cNvSpPr/>
           <p:nvPr/>
         </p:nvSpPr>
@@ -20040,13 +19742,7 @@
       </p:sp>
       <p:sp>
         <p:nvSpPr>
-          <p:cNvPr id="87" name="矩形 86">
-            <a:extLst>
-              <a:ext uri="{FF2B5EF4-FFF2-40B4-BE49-F238E27FC236}">
-                <a16:creationId xmlns:a16="http://schemas.microsoft.com/office/drawing/2014/main" id="{70584B8F-327A-4730-9243-4723652E154A}"/>
-              </a:ext>
-            </a:extLst>
-          </p:cNvPr>
+          <p:cNvPr id="87" name="矩形 86"/>
           <p:cNvSpPr/>
           <p:nvPr/>
         </p:nvSpPr>
@@ -20084,18 +19780,13 @@
               <a:rPr lang="en-US" altLang="zh-CN"/>
               <a:t>...</a:t>
             </a:r>
-          </a:p>
-        </p:txBody>
-      </p:sp>
-      <p:sp>
-        <p:nvSpPr>
-          <p:cNvPr id="88" name="矩形 87">
-            <a:extLst>
-              <a:ext uri="{FF2B5EF4-FFF2-40B4-BE49-F238E27FC236}">
-                <a16:creationId xmlns:a16="http://schemas.microsoft.com/office/drawing/2014/main" id="{54AB2B0E-7FCD-438D-AE9D-2FCAD5CC97E6}"/>
-              </a:ext>
-            </a:extLst>
-          </p:cNvPr>
+            <a:endParaRPr lang="en-US" altLang="zh-CN"/>
+          </a:p>
+        </p:txBody>
+      </p:sp>
+      <p:sp>
+        <p:nvSpPr>
+          <p:cNvPr id="88" name="矩形 87"/>
           <p:cNvSpPr/>
           <p:nvPr/>
         </p:nvSpPr>
@@ -20135,13 +19826,7 @@
       </p:sp>
       <p:sp>
         <p:nvSpPr>
-          <p:cNvPr id="114" name="矩形 113">
-            <a:extLst>
-              <a:ext uri="{FF2B5EF4-FFF2-40B4-BE49-F238E27FC236}">
-                <a16:creationId xmlns:a16="http://schemas.microsoft.com/office/drawing/2014/main" id="{1CB3E58C-6117-40C5-B38C-A8E7458B5D66}"/>
-              </a:ext>
-            </a:extLst>
-          </p:cNvPr>
+          <p:cNvPr id="114" name="矩形 113"/>
           <p:cNvSpPr/>
           <p:nvPr/>
         </p:nvSpPr>
@@ -20181,13 +19866,7 @@
       </p:sp>
       <p:sp>
         <p:nvSpPr>
-          <p:cNvPr id="133" name="矩形 132">
-            <a:extLst>
-              <a:ext uri="{FF2B5EF4-FFF2-40B4-BE49-F238E27FC236}">
-                <a16:creationId xmlns:a16="http://schemas.microsoft.com/office/drawing/2014/main" id="{77F9FB8D-4B98-4690-9B09-8E7D9DBD5256}"/>
-              </a:ext>
-            </a:extLst>
-          </p:cNvPr>
+          <p:cNvPr id="133" name="矩形 132"/>
           <p:cNvSpPr/>
           <p:nvPr/>
         </p:nvSpPr>
@@ -20227,13 +19906,7 @@
       </p:sp>
       <p:sp>
         <p:nvSpPr>
-          <p:cNvPr id="136" name="矩形 135">
-            <a:extLst>
-              <a:ext uri="{FF2B5EF4-FFF2-40B4-BE49-F238E27FC236}">
-                <a16:creationId xmlns:a16="http://schemas.microsoft.com/office/drawing/2014/main" id="{53D488F4-6721-4477-86A2-FA927B84101C}"/>
-              </a:ext>
-            </a:extLst>
-          </p:cNvPr>
+          <p:cNvPr id="136" name="矩形 135"/>
           <p:cNvSpPr/>
           <p:nvPr/>
         </p:nvSpPr>
@@ -20273,13 +19946,7 @@
       </p:sp>
       <p:sp>
         <p:nvSpPr>
-          <p:cNvPr id="137" name="矩形 136">
-            <a:extLst>
-              <a:ext uri="{FF2B5EF4-FFF2-40B4-BE49-F238E27FC236}">
-                <a16:creationId xmlns:a16="http://schemas.microsoft.com/office/drawing/2014/main" id="{3A76EC6A-5111-4CDF-8F65-3FC141FBE96C}"/>
-              </a:ext>
-            </a:extLst>
-          </p:cNvPr>
+          <p:cNvPr id="137" name="矩形 136"/>
           <p:cNvSpPr/>
           <p:nvPr/>
         </p:nvSpPr>
@@ -20317,18 +19984,13 @@
               <a:rPr lang="en-US" altLang="zh-CN"/>
               <a:t>...</a:t>
             </a:r>
-          </a:p>
-        </p:txBody>
-      </p:sp>
-      <p:sp>
-        <p:nvSpPr>
-          <p:cNvPr id="142" name="矩形 141">
-            <a:extLst>
-              <a:ext uri="{FF2B5EF4-FFF2-40B4-BE49-F238E27FC236}">
-                <a16:creationId xmlns:a16="http://schemas.microsoft.com/office/drawing/2014/main" id="{E525DECC-6F46-4081-AC44-5B6EA7E64F1D}"/>
-              </a:ext>
-            </a:extLst>
-          </p:cNvPr>
+            <a:endParaRPr lang="en-US" altLang="zh-CN"/>
+          </a:p>
+        </p:txBody>
+      </p:sp>
+      <p:sp>
+        <p:nvSpPr>
+          <p:cNvPr id="142" name="矩形 141"/>
           <p:cNvSpPr/>
           <p:nvPr/>
         </p:nvSpPr>
@@ -20368,13 +20030,7 @@
       </p:sp>
       <p:sp>
         <p:nvSpPr>
-          <p:cNvPr id="143" name="矩形 142">
-            <a:extLst>
-              <a:ext uri="{FF2B5EF4-FFF2-40B4-BE49-F238E27FC236}">
-                <a16:creationId xmlns:a16="http://schemas.microsoft.com/office/drawing/2014/main" id="{0665C834-F8A0-429E-BC02-A37E39EE4B14}"/>
-              </a:ext>
-            </a:extLst>
-          </p:cNvPr>
+          <p:cNvPr id="143" name="矩形 142"/>
           <p:cNvSpPr/>
           <p:nvPr/>
         </p:nvSpPr>
@@ -20414,13 +20070,7 @@
       </p:sp>
       <p:sp>
         <p:nvSpPr>
-          <p:cNvPr id="144" name="矩形 143">
-            <a:extLst>
-              <a:ext uri="{FF2B5EF4-FFF2-40B4-BE49-F238E27FC236}">
-                <a16:creationId xmlns:a16="http://schemas.microsoft.com/office/drawing/2014/main" id="{107563DB-EEFE-4032-B3DA-22FC16ACAD56}"/>
-              </a:ext>
-            </a:extLst>
-          </p:cNvPr>
+          <p:cNvPr id="144" name="矩形 143"/>
           <p:cNvSpPr/>
           <p:nvPr/>
         </p:nvSpPr>
@@ -20460,13 +20110,7 @@
       </p:sp>
       <p:sp>
         <p:nvSpPr>
-          <p:cNvPr id="145" name="矩形 144">
-            <a:extLst>
-              <a:ext uri="{FF2B5EF4-FFF2-40B4-BE49-F238E27FC236}">
-                <a16:creationId xmlns:a16="http://schemas.microsoft.com/office/drawing/2014/main" id="{675A5136-AC23-43A2-8AAD-B8A86DBF4CD6}"/>
-              </a:ext>
-            </a:extLst>
-          </p:cNvPr>
+          <p:cNvPr id="145" name="矩形 144"/>
           <p:cNvSpPr/>
           <p:nvPr/>
         </p:nvSpPr>
@@ -20506,13 +20150,7 @@
       </p:sp>
       <p:sp>
         <p:nvSpPr>
-          <p:cNvPr id="146" name="文本框 145">
-            <a:extLst>
-              <a:ext uri="{FF2B5EF4-FFF2-40B4-BE49-F238E27FC236}">
-                <a16:creationId xmlns:a16="http://schemas.microsoft.com/office/drawing/2014/main" id="{6DF068DC-21FA-4FD2-8343-7984A87C16BD}"/>
-              </a:ext>
-            </a:extLst>
-          </p:cNvPr>
+          <p:cNvPr id="146" name="文本框 145"/>
           <p:cNvSpPr txBox="1"/>
           <p:nvPr/>
         </p:nvSpPr>
@@ -20536,18 +20174,13 @@
               <a:rPr lang="en-US" altLang="zh-CN"/>
               <a:t>freqs</a:t>
             </a:r>
-          </a:p>
-        </p:txBody>
-      </p:sp>
-      <p:sp>
-        <p:nvSpPr>
-          <p:cNvPr id="147" name="矩形 146">
-            <a:extLst>
-              <a:ext uri="{FF2B5EF4-FFF2-40B4-BE49-F238E27FC236}">
-                <a16:creationId xmlns:a16="http://schemas.microsoft.com/office/drawing/2014/main" id="{9BF8CA9C-8AC9-4600-9813-6370DDADAA53}"/>
-              </a:ext>
-            </a:extLst>
-          </p:cNvPr>
+            <a:endParaRPr lang="en-US" altLang="zh-CN"/>
+          </a:p>
+        </p:txBody>
+      </p:sp>
+      <p:sp>
+        <p:nvSpPr>
+          <p:cNvPr id="147" name="矩形 146"/>
           <p:cNvSpPr/>
           <p:nvPr/>
         </p:nvSpPr>
@@ -20587,13 +20220,7 @@
       </p:sp>
       <p:sp>
         <p:nvSpPr>
-          <p:cNvPr id="148" name="矩形 147">
-            <a:extLst>
-              <a:ext uri="{FF2B5EF4-FFF2-40B4-BE49-F238E27FC236}">
-                <a16:creationId xmlns:a16="http://schemas.microsoft.com/office/drawing/2014/main" id="{D680042B-6259-44CA-8C7F-C35AD09C3FEE}"/>
-              </a:ext>
-            </a:extLst>
-          </p:cNvPr>
+          <p:cNvPr id="148" name="矩形 147"/>
           <p:cNvSpPr/>
           <p:nvPr/>
         </p:nvSpPr>
@@ -20633,13 +20260,7 @@
       </p:sp>
       <p:sp>
         <p:nvSpPr>
-          <p:cNvPr id="149" name="矩形 148">
-            <a:extLst>
-              <a:ext uri="{FF2B5EF4-FFF2-40B4-BE49-F238E27FC236}">
-                <a16:creationId xmlns:a16="http://schemas.microsoft.com/office/drawing/2014/main" id="{0B7A0D0E-BE9B-4D6B-AA20-5E5704500A83}"/>
-              </a:ext>
-            </a:extLst>
-          </p:cNvPr>
+          <p:cNvPr id="149" name="矩形 148"/>
           <p:cNvSpPr/>
           <p:nvPr/>
         </p:nvSpPr>
@@ -20679,13 +20300,7 @@
       </p:sp>
       <p:cxnSp>
         <p:nvCxnSpPr>
-          <p:cNvPr id="150" name="直接箭头连接符 149">
-            <a:extLst>
-              <a:ext uri="{FF2B5EF4-FFF2-40B4-BE49-F238E27FC236}">
-                <a16:creationId xmlns:a16="http://schemas.microsoft.com/office/drawing/2014/main" id="{BB2DFB14-FCAA-4871-BA7B-2AF13B7C8973}"/>
-              </a:ext>
-            </a:extLst>
-          </p:cNvPr>
+          <p:cNvPr id="150" name="直接箭头连接符 149"/>
           <p:cNvCxnSpPr/>
           <p:nvPr/>
         </p:nvCxnSpPr>
@@ -20718,15 +20333,8 @@
       </p:cxnSp>
       <p:cxnSp>
         <p:nvCxnSpPr>
-          <p:cNvPr id="151" name="直接箭头连接符 150">
-            <a:extLst>
-              <a:ext uri="{FF2B5EF4-FFF2-40B4-BE49-F238E27FC236}">
-                <a16:creationId xmlns:a16="http://schemas.microsoft.com/office/drawing/2014/main" id="{0E104351-7974-4A4F-992E-2EB76452493C}"/>
-              </a:ext>
-            </a:extLst>
-          </p:cNvPr>
+          <p:cNvPr id="151" name="直接箭头连接符 150"/>
           <p:cNvCxnSpPr>
-            <a:cxnSpLocks/>
             <a:stCxn id="149" idx="3"/>
             <a:endCxn id="63" idx="1"/>
           </p:cNvCxnSpPr>
@@ -20761,16 +20369,8 @@
       </p:cxnSp>
       <p:cxnSp>
         <p:nvCxnSpPr>
-          <p:cNvPr id="152" name="直接箭头连接符 151">
-            <a:extLst>
-              <a:ext uri="{FF2B5EF4-FFF2-40B4-BE49-F238E27FC236}">
-                <a16:creationId xmlns:a16="http://schemas.microsoft.com/office/drawing/2014/main" id="{96E34704-F80E-4A67-AFEE-0645D1D8AE44}"/>
-              </a:ext>
-            </a:extLst>
-          </p:cNvPr>
-          <p:cNvCxnSpPr>
-            <a:cxnSpLocks/>
-          </p:cNvCxnSpPr>
+          <p:cNvPr id="152" name="直接箭头连接符 151"/>
+          <p:cNvCxnSpPr/>
           <p:nvPr/>
         </p:nvCxnSpPr>
         <p:spPr>
@@ -20802,13 +20402,7 @@
       </p:cxnSp>
       <p:sp>
         <p:nvSpPr>
-          <p:cNvPr id="7" name="文本框 6">
-            <a:extLst>
-              <a:ext uri="{FF2B5EF4-FFF2-40B4-BE49-F238E27FC236}">
-                <a16:creationId xmlns:a16="http://schemas.microsoft.com/office/drawing/2014/main" id="{4EA9AD31-EF71-4B80-8C0E-9FACDB4C8088}"/>
-              </a:ext>
-            </a:extLst>
-          </p:cNvPr>
+          <p:cNvPr id="7" name="文本框 6"/>
           <p:cNvSpPr txBox="1"/>
           <p:nvPr/>
         </p:nvSpPr>
@@ -20989,6 +20583,7 @@
               <a:rPr lang="zh-CN" altLang="en-US" dirty="0"/>
               <a:t>为例</a:t>
             </a:r>
+            <a:endParaRPr lang="zh-CN" altLang="en-US" dirty="0"/>
           </a:p>
           <a:p>
             <a:pPr marL="0" indent="0">
@@ -21014,6 +20609,7 @@
               <a:rPr lang="en-US" altLang="zh-CN" dirty="0"/>
               <a:t>FSTIndex</a:t>
             </a:r>
+            <a:endParaRPr lang="en-US" altLang="zh-CN" dirty="0"/>
           </a:p>
           <a:p>
             <a:pPr marL="0" indent="0">
@@ -21079,6 +20675,7 @@
               <a:rPr lang="zh-CN" altLang="en-US" dirty="0"/>
               <a:t>在磁盘上的位置</a:t>
             </a:r>
+            <a:endParaRPr lang="zh-CN" altLang="en-US" dirty="0"/>
           </a:p>
           <a:p>
             <a:pPr marL="0" indent="0">
@@ -21120,6 +20717,7 @@
               <a:rPr lang="zh-CN" altLang="en-US" dirty="0"/>
               <a:t>进行后缀匹配，匹配完成后获取到倒排表在磁盘的位置信息</a:t>
             </a:r>
+            <a:endParaRPr lang="zh-CN" altLang="en-US" dirty="0"/>
           </a:p>
         </p:txBody>
       </p:sp>
@@ -21201,13 +20799,7 @@
       </p:grpSpPr>
       <p:sp>
         <p:nvSpPr>
-          <p:cNvPr id="2" name="标题 1">
-            <a:extLst>
-              <a:ext uri="{FF2B5EF4-FFF2-40B4-BE49-F238E27FC236}">
-                <a16:creationId xmlns:a16="http://schemas.microsoft.com/office/drawing/2014/main" id="{ED71BFC3-2649-41E1-83CE-67EBE801AB16}"/>
-              </a:ext>
-            </a:extLst>
-          </p:cNvPr>
+          <p:cNvPr id="2" name="标题 1"/>
           <p:cNvSpPr>
             <a:spLocks noGrp="1"/>
           </p:cNvSpPr>
@@ -21235,13 +20827,7 @@
       </p:sp>
       <p:sp>
         <p:nvSpPr>
-          <p:cNvPr id="3" name="文本框 2">
-            <a:extLst>
-              <a:ext uri="{FF2B5EF4-FFF2-40B4-BE49-F238E27FC236}">
-                <a16:creationId xmlns:a16="http://schemas.microsoft.com/office/drawing/2014/main" id="{C4DAD131-E6C9-4A53-A0E4-710005620B79}"/>
-              </a:ext>
-            </a:extLst>
-          </p:cNvPr>
+          <p:cNvPr id="3" name="文本框 2"/>
           <p:cNvSpPr txBox="1"/>
           <p:nvPr/>
         </p:nvSpPr>
@@ -21295,21 +20881,18 @@
               <a:rPr lang="en-US" altLang="zh-CN" dirty="0"/>
               <a:t> </a:t>
             </a:r>
+            <a:endParaRPr lang="en-US" altLang="zh-CN" dirty="0"/>
           </a:p>
           <a:p>
             <a:r>
               <a:rPr lang="en-US" altLang="zh-CN" dirty="0"/>
               <a:t>	2. Values</a:t>
             </a:r>
+            <a:endParaRPr lang="en-US" altLang="zh-CN" dirty="0"/>
           </a:p>
         </p:txBody>
       </p:sp>
     </p:spTree>
-    <p:extLst>
-      <p:ext uri="{BB962C8B-B14F-4D97-AF65-F5344CB8AC3E}">
-        <p14:creationId xmlns:p14="http://schemas.microsoft.com/office/powerpoint/2010/main" val="518219776"/>
-      </p:ext>
-    </p:extLst>
   </p:cSld>
   <p:clrMapOvr>
     <a:masterClrMapping/>
@@ -21568,8 +21151,6 @@
       </a:bgFillStyleLst>
     </a:fmtScheme>
   </a:themeElements>
-  <a:objectDefaults/>
-  <a:extraClrSchemeLst/>
   <a:extLst>
     <a:ext uri="{05A4C25C-085E-4340-85A3-A5531E510DB2}">
       <thm15:themeFamily xmlns:thm15="http://schemas.microsoft.com/office/thememl/2012/main" name="Office Theme" id="{62F939B6-93AF-4DB8-9C6B-D6C7DFDC589F}" vid="{4A3C46E8-61CC-4603-A589-7422A47A8E4A}"/>
@@ -21829,8 +21410,6 @@
       </a:bgFillStyleLst>
     </a:fmtScheme>
   </a:themeElements>
-  <a:objectDefaults/>
-  <a:extraClrSchemeLst/>
   <a:extLst>
     <a:ext uri="{05A4C25C-085E-4340-85A3-A5531E510DB2}">
       <thm15:themeFamily xmlns:thm15="http://schemas.microsoft.com/office/thememl/2012/main" name="Office Theme" id="{62F939B6-93AF-4DB8-9C6B-D6C7DFDC589F}" vid="{4A3C46E8-61CC-4603-A589-7422A47A8E4A}"/>
